--- a/ThatConference2023.pptx
+++ b/ThatConference2023.pptx
@@ -237,7 +237,7 @@
           <a:p>
             <a:fld id="{BA065681-88F1-4872-B208-B53BCC8B42F3}" type="datetimeFigureOut">
               <a:rPr lang="en-US" smtClean="0"/>
-              <a:t>5/23/2023</a:t>
+              <a:t>5/24/2023</a:t>
             </a:fld>
             <a:endParaRPr lang="en-US"/>
           </a:p>
@@ -641,6 +641,90 @@
           <a:bodyPr/>
           <a:lstStyle/>
           <a:p>
+            <a:endParaRPr lang="en-US" dirty="0"/>
+          </a:p>
+        </p:txBody>
+      </p:sp>
+      <p:sp>
+        <p:nvSpPr>
+          <p:cNvPr id="4" name="Slide Number Placeholder 3"/>
+          <p:cNvSpPr>
+            <a:spLocks noGrp="1"/>
+          </p:cNvSpPr>
+          <p:nvPr>
+            <p:ph type="sldNum" sz="quarter" idx="5"/>
+          </p:nvPr>
+        </p:nvSpPr>
+        <p:spPr/>
+        <p:txBody>
+          <a:bodyPr/>
+          <a:lstStyle/>
+          <a:p>
+            <a:fld id="{AAA20043-755E-4D2A-B767-23CBDFF65C2F}" type="slidenum">
+              <a:rPr lang="en-US" smtClean="0"/>
+              <a:t>3</a:t>
+            </a:fld>
+            <a:endParaRPr lang="en-US"/>
+          </a:p>
+        </p:txBody>
+      </p:sp>
+    </p:spTree>
+    <p:extLst>
+      <p:ext uri="{BB962C8B-B14F-4D97-AF65-F5344CB8AC3E}">
+        <p14:creationId xmlns:p14="http://schemas.microsoft.com/office/powerpoint/2010/main" val="670499103"/>
+      </p:ext>
+    </p:extLst>
+  </p:cSld>
+  <p:clrMapOvr>
+    <a:masterClrMapping/>
+  </p:clrMapOvr>
+</p:notes>
+</file>
+
+<file path=ppt/notesSlides/notesSlide3.xml><?xml version="1.0" encoding="utf-8"?>
+<p:notes xmlns:a="http://schemas.openxmlformats.org/drawingml/2006/main" xmlns:r="http://schemas.openxmlformats.org/officeDocument/2006/relationships" xmlns:p="http://schemas.openxmlformats.org/presentationml/2006/main">
+  <p:cSld>
+    <p:spTree>
+      <p:nvGrpSpPr>
+        <p:cNvPr id="1" name=""/>
+        <p:cNvGrpSpPr/>
+        <p:nvPr/>
+      </p:nvGrpSpPr>
+      <p:grpSpPr>
+        <a:xfrm>
+          <a:off x="0" y="0"/>
+          <a:ext cx="0" cy="0"/>
+          <a:chOff x="0" y="0"/>
+          <a:chExt cx="0" cy="0"/>
+        </a:xfrm>
+      </p:grpSpPr>
+      <p:sp>
+        <p:nvSpPr>
+          <p:cNvPr id="2" name="Slide Image Placeholder 1"/>
+          <p:cNvSpPr>
+            <a:spLocks noGrp="1" noRot="1" noChangeAspect="1"/>
+          </p:cNvSpPr>
+          <p:nvPr>
+            <p:ph type="sldImg"/>
+          </p:nvPr>
+        </p:nvSpPr>
+        <p:spPr/>
+      </p:sp>
+      <p:sp>
+        <p:nvSpPr>
+          <p:cNvPr id="3" name="Notes Placeholder 2"/>
+          <p:cNvSpPr>
+            <a:spLocks noGrp="1"/>
+          </p:cNvSpPr>
+          <p:nvPr>
+            <p:ph type="body" idx="1"/>
+          </p:nvPr>
+        </p:nvSpPr>
+        <p:spPr/>
+        <p:txBody>
+          <a:bodyPr/>
+          <a:lstStyle/>
+          <a:p>
             <a:r>
               <a:rPr lang="en-US" dirty="0"/>
               <a:t>END 2:37</a:t>
@@ -815,7 +899,7 @@
           <a:p>
             <a:fld id="{846CE7D5-CF57-46EF-B807-FDD0502418D4}" type="datetimeFigureOut">
               <a:rPr lang="en-US" smtClean="0"/>
-              <a:t>5/23/2023</a:t>
+              <a:t>5/24/2023</a:t>
             </a:fld>
             <a:endParaRPr lang="en-US" dirty="0"/>
           </a:p>
@@ -985,7 +1069,7 @@
           <a:p>
             <a:fld id="{846CE7D5-CF57-46EF-B807-FDD0502418D4}" type="datetimeFigureOut">
               <a:rPr lang="en-US" smtClean="0"/>
-              <a:t>5/23/2023</a:t>
+              <a:t>5/24/2023</a:t>
             </a:fld>
             <a:endParaRPr lang="en-US" dirty="0"/>
           </a:p>
@@ -1165,7 +1249,7 @@
           <a:p>
             <a:fld id="{846CE7D5-CF57-46EF-B807-FDD0502418D4}" type="datetimeFigureOut">
               <a:rPr lang="en-US" smtClean="0"/>
-              <a:t>5/23/2023</a:t>
+              <a:t>5/24/2023</a:t>
             </a:fld>
             <a:endParaRPr lang="en-US" dirty="0"/>
           </a:p>
@@ -1335,7 +1419,7 @@
           <a:p>
             <a:fld id="{846CE7D5-CF57-46EF-B807-FDD0502418D4}" type="datetimeFigureOut">
               <a:rPr lang="en-US" smtClean="0"/>
-              <a:t>5/23/2023</a:t>
+              <a:t>5/24/2023</a:t>
             </a:fld>
             <a:endParaRPr lang="en-US" dirty="0"/>
           </a:p>
@@ -1581,7 +1665,7 @@
           <a:p>
             <a:fld id="{846CE7D5-CF57-46EF-B807-FDD0502418D4}" type="datetimeFigureOut">
               <a:rPr lang="en-US" smtClean="0"/>
-              <a:t>5/23/2023</a:t>
+              <a:t>5/24/2023</a:t>
             </a:fld>
             <a:endParaRPr lang="en-US" dirty="0"/>
           </a:p>
@@ -1813,7 +1897,7 @@
           <a:p>
             <a:fld id="{846CE7D5-CF57-46EF-B807-FDD0502418D4}" type="datetimeFigureOut">
               <a:rPr lang="en-US" smtClean="0"/>
-              <a:t>5/23/2023</a:t>
+              <a:t>5/24/2023</a:t>
             </a:fld>
             <a:endParaRPr lang="en-US" dirty="0"/>
           </a:p>
@@ -2180,7 +2264,7 @@
           <a:p>
             <a:fld id="{846CE7D5-CF57-46EF-B807-FDD0502418D4}" type="datetimeFigureOut">
               <a:rPr lang="en-US" smtClean="0"/>
-              <a:t>5/23/2023</a:t>
+              <a:t>5/24/2023</a:t>
             </a:fld>
             <a:endParaRPr lang="en-US" dirty="0"/>
           </a:p>
@@ -2298,7 +2382,7 @@
           <a:p>
             <a:fld id="{846CE7D5-CF57-46EF-B807-FDD0502418D4}" type="datetimeFigureOut">
               <a:rPr lang="en-US" smtClean="0"/>
-              <a:t>5/23/2023</a:t>
+              <a:t>5/24/2023</a:t>
             </a:fld>
             <a:endParaRPr lang="en-US" dirty="0"/>
           </a:p>
@@ -2393,7 +2477,7 @@
           <a:p>
             <a:fld id="{846CE7D5-CF57-46EF-B807-FDD0502418D4}" type="datetimeFigureOut">
               <a:rPr lang="en-US" smtClean="0"/>
-              <a:t>5/23/2023</a:t>
+              <a:t>5/24/2023</a:t>
             </a:fld>
             <a:endParaRPr lang="en-US" dirty="0"/>
           </a:p>
@@ -2670,7 +2754,7 @@
           <a:p>
             <a:fld id="{846CE7D5-CF57-46EF-B807-FDD0502418D4}" type="datetimeFigureOut">
               <a:rPr lang="en-US" smtClean="0"/>
-              <a:t>5/23/2023</a:t>
+              <a:t>5/24/2023</a:t>
             </a:fld>
             <a:endParaRPr lang="en-US" dirty="0"/>
           </a:p>
@@ -2926,7 +3010,7 @@
           <a:p>
             <a:fld id="{846CE7D5-CF57-46EF-B807-FDD0502418D4}" type="datetimeFigureOut">
               <a:rPr lang="en-US" smtClean="0"/>
-              <a:t>5/23/2023</a:t>
+              <a:t>5/24/2023</a:t>
             </a:fld>
             <a:endParaRPr lang="en-US" dirty="0"/>
           </a:p>
@@ -3139,7 +3223,7 @@
           <a:p>
             <a:fld id="{846CE7D5-CF57-46EF-B807-FDD0502418D4}" type="datetimeFigureOut">
               <a:rPr lang="en-US" smtClean="0"/>
-              <a:t>5/23/2023</a:t>
+              <a:t>5/24/2023</a:t>
             </a:fld>
             <a:endParaRPr lang="en-US" dirty="0"/>
           </a:p>
@@ -4085,7 +4169,7 @@
             </a:extLst>
           </p:cNvPr>
           <p:cNvSpPr>
-            <a:spLocks noGrp="1" noRot="1" noChangeAspect="1" noMove="1" noResize="1" noEditPoints="1" noAdjustHandles="1" noChangeArrowheads="1" noChangeShapeType="1" noTextEdit="1"/>
+            <a:spLocks noChangeAspect="1"/>
           </p:cNvSpPr>
           <p:nvPr>
             <p:extLst>
@@ -4174,24 +4258,42 @@
               </a:path>
             </a:pathLst>
           </a:custGeom>
-          <a:solidFill>
-            <a:schemeClr val="accent2"/>
-          </a:solidFill>
+          <a:gradFill flip="none" rotWithShape="1">
+            <a:gsLst>
+              <a:gs pos="0">
+                <a:schemeClr val="accent2">
+                  <a:lumMod val="67000"/>
+                </a:schemeClr>
+              </a:gs>
+              <a:gs pos="48000">
+                <a:schemeClr val="accent2">
+                  <a:lumMod val="97000"/>
+                  <a:lumOff val="3000"/>
+                </a:schemeClr>
+              </a:gs>
+              <a:gs pos="100000">
+                <a:schemeClr val="accent2">
+                  <a:lumMod val="60000"/>
+                  <a:lumOff val="40000"/>
+                </a:schemeClr>
+              </a:gs>
+            </a:gsLst>
+            <a:lin ang="16200000" scaled="1"/>
+            <a:tileRect/>
+          </a:gradFill>
           <a:ln>
             <a:noFill/>
           </a:ln>
         </p:spPr>
         <p:style>
-          <a:lnRef idx="2">
-            <a:schemeClr val="accent1">
-              <a:shade val="50000"/>
-            </a:schemeClr>
+          <a:lnRef idx="0">
+            <a:scrgbClr r="0" g="0" b="0"/>
           </a:lnRef>
-          <a:fillRef idx="1">
-            <a:schemeClr val="accent1"/>
+          <a:fillRef idx="0">
+            <a:scrgbClr r="0" g="0" b="0"/>
           </a:fillRef>
           <a:effectRef idx="0">
-            <a:schemeClr val="accent1"/>
+            <a:scrgbClr r="0" g="0" b="0"/>
           </a:effectRef>
           <a:fontRef idx="minor">
             <a:schemeClr val="lt1"/>
@@ -4348,6 +4450,130 @@
   <p:clrMapOvr>
     <a:masterClrMapping/>
   </p:clrMapOvr>
+  <p:timing>
+    <p:tnLst>
+      <p:par>
+        <p:cTn id="1" dur="indefinite" restart="never" nodeType="tmRoot">
+          <p:childTnLst>
+            <p:seq concurrent="1" nextAc="seek">
+              <p:cTn id="2" dur="indefinite" nodeType="mainSeq">
+                <p:childTnLst>
+                  <p:par>
+                    <p:cTn id="3" fill="hold">
+                      <p:stCondLst>
+                        <p:cond delay="indefinite"/>
+                      </p:stCondLst>
+                      <p:childTnLst>
+                        <p:par>
+                          <p:cTn id="4" fill="hold">
+                            <p:stCondLst>
+                              <p:cond delay="0"/>
+                            </p:stCondLst>
+                            <p:childTnLst>
+                              <p:par>
+                                <p:cTn id="5" presetID="2" presetClass="entr" presetSubtype="8" fill="hold" grpId="0" nodeType="clickEffect">
+                                  <p:stCondLst>
+                                    <p:cond delay="0"/>
+                                  </p:stCondLst>
+                                  <p:childTnLst>
+                                    <p:set>
+                                      <p:cBhvr>
+                                        <p:cTn id="6" dur="1" fill="hold">
+                                          <p:stCondLst>
+                                            <p:cond delay="0"/>
+                                          </p:stCondLst>
+                                        </p:cTn>
+                                        <p:tgtEl>
+                                          <p:spTgt spid="10"/>
+                                        </p:tgtEl>
+                                        <p:attrNameLst>
+                                          <p:attrName>style.visibility</p:attrName>
+                                        </p:attrNameLst>
+                                      </p:cBhvr>
+                                      <p:to>
+                                        <p:strVal val="visible"/>
+                                      </p:to>
+                                    </p:set>
+                                    <p:anim calcmode="lin" valueType="num">
+                                      <p:cBhvr additive="base">
+                                        <p:cTn id="7" dur="3500" fill="hold"/>
+                                        <p:tgtEl>
+                                          <p:spTgt spid="10"/>
+                                        </p:tgtEl>
+                                        <p:attrNameLst>
+                                          <p:attrName>ppt_x</p:attrName>
+                                        </p:attrNameLst>
+                                      </p:cBhvr>
+                                      <p:tavLst>
+                                        <p:tav tm="0">
+                                          <p:val>
+                                            <p:strVal val="0-#ppt_w/2"/>
+                                          </p:val>
+                                        </p:tav>
+                                        <p:tav tm="100000">
+                                          <p:val>
+                                            <p:strVal val="#ppt_x"/>
+                                          </p:val>
+                                        </p:tav>
+                                      </p:tavLst>
+                                    </p:anim>
+                                    <p:anim calcmode="lin" valueType="num">
+                                      <p:cBhvr additive="base">
+                                        <p:cTn id="8" dur="3500" fill="hold"/>
+                                        <p:tgtEl>
+                                          <p:spTgt spid="10"/>
+                                        </p:tgtEl>
+                                        <p:attrNameLst>
+                                          <p:attrName>ppt_y</p:attrName>
+                                        </p:attrNameLst>
+                                      </p:cBhvr>
+                                      <p:tavLst>
+                                        <p:tav tm="0">
+                                          <p:val>
+                                            <p:strVal val="#ppt_y"/>
+                                          </p:val>
+                                        </p:tav>
+                                        <p:tav tm="100000">
+                                          <p:val>
+                                            <p:strVal val="#ppt_y"/>
+                                          </p:val>
+                                        </p:tav>
+                                      </p:tavLst>
+                                    </p:anim>
+                                  </p:childTnLst>
+                                </p:cTn>
+                              </p:par>
+                            </p:childTnLst>
+                          </p:cTn>
+                        </p:par>
+                      </p:childTnLst>
+                    </p:cTn>
+                  </p:par>
+                </p:childTnLst>
+              </p:cTn>
+              <p:prevCondLst>
+                <p:cond evt="onPrev" delay="0">
+                  <p:tgtEl>
+                    <p:sldTgt/>
+                  </p:tgtEl>
+                </p:cond>
+              </p:prevCondLst>
+              <p:nextCondLst>
+                <p:cond evt="onNext" delay="0">
+                  <p:tgtEl>
+                    <p:sldTgt/>
+                  </p:tgtEl>
+                </p:cond>
+              </p:nextCondLst>
+            </p:seq>
+          </p:childTnLst>
+        </p:cTn>
+      </p:par>
+    </p:tnLst>
+    <p:bldLst>
+      <p:bldP spid="10" grpId="0" animBg="1"/>
+    </p:bldLst>
+  </p:timing>
 </p:sld>
 </file>
 

--- a/ThatConference2023.pptx
+++ b/ThatConference2023.pptx
@@ -5,14 +5,15 @@
     <p:sldMasterId id="2147483660" r:id="rId1"/>
   </p:sldMasterIdLst>
   <p:notesMasterIdLst>
-    <p:notesMasterId r:id="rId7"/>
+    <p:notesMasterId r:id="rId8"/>
   </p:notesMasterIdLst>
   <p:sldIdLst>
     <p:sldId id="256" r:id="rId2"/>
     <p:sldId id="273" r:id="rId3"/>
     <p:sldId id="272" r:id="rId4"/>
-    <p:sldId id="266" r:id="rId5"/>
-    <p:sldId id="290" r:id="rId6"/>
+    <p:sldId id="291" r:id="rId5"/>
+    <p:sldId id="266" r:id="rId6"/>
+    <p:sldId id="290" r:id="rId7"/>
   </p:sldIdLst>
   <p:sldSz cx="12192000" cy="6858000"/>
   <p:notesSz cx="6858000" cy="9144000"/>
@@ -119,6 +120,7 @@
             <p14:sldId id="256"/>
             <p14:sldId id="273"/>
             <p14:sldId id="272"/>
+            <p14:sldId id="291"/>
             <p14:sldId id="266"/>
             <p14:sldId id="290"/>
           </p14:sldIdLst>
@@ -725,10 +727,7 @@
           <a:bodyPr/>
           <a:lstStyle/>
           <a:p>
-            <a:r>
-              <a:rPr lang="en-US" dirty="0"/>
-              <a:t>END 2:37</a:t>
-            </a:r>
+            <a:endParaRPr lang="en-US" dirty="0"/>
           </a:p>
         </p:txBody>
       </p:sp>
@@ -750,6 +749,93 @@
             <a:fld id="{AAA20043-755E-4D2A-B767-23CBDFF65C2F}" type="slidenum">
               <a:rPr lang="en-US" smtClean="0"/>
               <a:t>4</a:t>
+            </a:fld>
+            <a:endParaRPr lang="en-US"/>
+          </a:p>
+        </p:txBody>
+      </p:sp>
+    </p:spTree>
+    <p:extLst>
+      <p:ext uri="{BB962C8B-B14F-4D97-AF65-F5344CB8AC3E}">
+        <p14:creationId xmlns:p14="http://schemas.microsoft.com/office/powerpoint/2010/main" val="1115682604"/>
+      </p:ext>
+    </p:extLst>
+  </p:cSld>
+  <p:clrMapOvr>
+    <a:masterClrMapping/>
+  </p:clrMapOvr>
+</p:notes>
+</file>
+
+<file path=ppt/notesSlides/notesSlide4.xml><?xml version="1.0" encoding="utf-8"?>
+<p:notes xmlns:a="http://schemas.openxmlformats.org/drawingml/2006/main" xmlns:r="http://schemas.openxmlformats.org/officeDocument/2006/relationships" xmlns:p="http://schemas.openxmlformats.org/presentationml/2006/main">
+  <p:cSld>
+    <p:spTree>
+      <p:nvGrpSpPr>
+        <p:cNvPr id="1" name=""/>
+        <p:cNvGrpSpPr/>
+        <p:nvPr/>
+      </p:nvGrpSpPr>
+      <p:grpSpPr>
+        <a:xfrm>
+          <a:off x="0" y="0"/>
+          <a:ext cx="0" cy="0"/>
+          <a:chOff x="0" y="0"/>
+          <a:chExt cx="0" cy="0"/>
+        </a:xfrm>
+      </p:grpSpPr>
+      <p:sp>
+        <p:nvSpPr>
+          <p:cNvPr id="2" name="Slide Image Placeholder 1"/>
+          <p:cNvSpPr>
+            <a:spLocks noGrp="1" noRot="1" noChangeAspect="1"/>
+          </p:cNvSpPr>
+          <p:nvPr>
+            <p:ph type="sldImg"/>
+          </p:nvPr>
+        </p:nvSpPr>
+        <p:spPr/>
+      </p:sp>
+      <p:sp>
+        <p:nvSpPr>
+          <p:cNvPr id="3" name="Notes Placeholder 2"/>
+          <p:cNvSpPr>
+            <a:spLocks noGrp="1"/>
+          </p:cNvSpPr>
+          <p:nvPr>
+            <p:ph type="body" idx="1"/>
+          </p:nvPr>
+        </p:nvSpPr>
+        <p:spPr/>
+        <p:txBody>
+          <a:bodyPr/>
+          <a:lstStyle/>
+          <a:p>
+            <a:r>
+              <a:rPr lang="en-US" dirty="0"/>
+              <a:t>END 2:37</a:t>
+            </a:r>
+          </a:p>
+        </p:txBody>
+      </p:sp>
+      <p:sp>
+        <p:nvSpPr>
+          <p:cNvPr id="4" name="Slide Number Placeholder 3"/>
+          <p:cNvSpPr>
+            <a:spLocks noGrp="1"/>
+          </p:cNvSpPr>
+          <p:nvPr>
+            <p:ph type="sldNum" sz="quarter" idx="5"/>
+          </p:nvPr>
+        </p:nvSpPr>
+        <p:spPr/>
+        <p:txBody>
+          <a:bodyPr/>
+          <a:lstStyle/>
+          <a:p>
+            <a:fld id="{AAA20043-755E-4D2A-B767-23CBDFF65C2F}" type="slidenum">
+              <a:rPr lang="en-US" smtClean="0"/>
+              <a:t>5</a:t>
             </a:fld>
             <a:endParaRPr lang="en-US"/>
           </a:p>
@@ -4607,6 +4693,1205 @@
           <p:cNvPr id="8" name="Rectangle 7">
             <a:extLst>
               <a:ext uri="{FF2B5EF4-FFF2-40B4-BE49-F238E27FC236}">
+                <a16:creationId xmlns:a16="http://schemas.microsoft.com/office/drawing/2014/main" id="{907EF6B7-1338-4443-8C46-6A318D952DFD}"/>
+              </a:ext>
+              <a:ext uri="{C183D7F6-B498-43B3-948B-1728B52AA6E4}">
+                <adec:decorative xmlns:adec="http://schemas.microsoft.com/office/drawing/2017/decorative" val="1"/>
+              </a:ext>
+            </a:extLst>
+          </p:cNvPr>
+          <p:cNvSpPr>
+            <a:spLocks noGrp="1" noRot="1" noChangeAspect="1" noMove="1" noResize="1" noEditPoints="1" noAdjustHandles="1" noChangeArrowheads="1" noChangeShapeType="1" noTextEdit="1"/>
+          </p:cNvSpPr>
+          <p:nvPr>
+            <p:extLst>
+              <p:ext uri="{386F3935-93C4-4BCD-93E2-E3B085C9AB24}">
+                <p16:designElem xmlns:p16="http://schemas.microsoft.com/office/powerpoint/2015/main" val="1"/>
+              </p:ext>
+            </p:extLst>
+          </p:nvPr>
+        </p:nvSpPr>
+        <p:spPr>
+          <a:xfrm>
+            <a:off x="3048" y="0"/>
+            <a:ext cx="12188952" cy="6858000"/>
+          </a:xfrm>
+          <a:prstGeom prst="rect">
+            <a:avLst/>
+          </a:prstGeom>
+          <a:ln>
+            <a:noFill/>
+          </a:ln>
+        </p:spPr>
+        <p:style>
+          <a:lnRef idx="2">
+            <a:schemeClr val="accent1">
+              <a:shade val="50000"/>
+            </a:schemeClr>
+          </a:lnRef>
+          <a:fillRef idx="1">
+            <a:schemeClr val="accent1"/>
+          </a:fillRef>
+          <a:effectRef idx="0">
+            <a:schemeClr val="accent1"/>
+          </a:effectRef>
+          <a:fontRef idx="minor">
+            <a:schemeClr val="lt1"/>
+          </a:fontRef>
+        </p:style>
+        <p:txBody>
+          <a:bodyPr rtlCol="0" anchor="ctr"/>
+          <a:lstStyle/>
+          <a:p>
+            <a:pPr algn="ctr"/>
+            <a:endParaRPr lang="en-US" dirty="0"/>
+          </a:p>
+        </p:txBody>
+      </p:sp>
+      <p:grpSp>
+        <p:nvGrpSpPr>
+          <p:cNvPr id="5" name="Group 4">
+            <a:extLst>
+              <a:ext uri="{FF2B5EF4-FFF2-40B4-BE49-F238E27FC236}">
+                <a16:creationId xmlns:a16="http://schemas.microsoft.com/office/drawing/2014/main" id="{36B1940D-D47A-6A61-EB1E-BDA0B5802076}"/>
+              </a:ext>
+            </a:extLst>
+          </p:cNvPr>
+          <p:cNvGrpSpPr/>
+          <p:nvPr/>
+        </p:nvGrpSpPr>
+        <p:grpSpPr>
+          <a:xfrm>
+            <a:off x="1" y="712"/>
+            <a:ext cx="4167270" cy="6856574"/>
+            <a:chOff x="1" y="712"/>
+            <a:chExt cx="4167270" cy="6856574"/>
+          </a:xfrm>
+        </p:grpSpPr>
+        <p:sp>
+          <p:nvSpPr>
+            <p:cNvPr id="6" name="Freeform: Shape 5">
+              <a:extLst>
+                <a:ext uri="{FF2B5EF4-FFF2-40B4-BE49-F238E27FC236}">
+                  <a16:creationId xmlns:a16="http://schemas.microsoft.com/office/drawing/2014/main" id="{33843118-6950-4CF7-73FD-E0319140E83C}"/>
+                </a:ext>
+              </a:extLst>
+            </p:cNvPr>
+            <p:cNvSpPr/>
+            <p:nvPr/>
+          </p:nvSpPr>
+          <p:spPr>
+            <a:xfrm>
+              <a:off x="1" y="712"/>
+              <a:ext cx="1666908" cy="2461295"/>
+            </a:xfrm>
+            <a:custGeom>
+              <a:avLst/>
+              <a:gdLst>
+                <a:gd name="connsiteX0" fmla="*/ 0 w 2461294"/>
+                <a:gd name="connsiteY0" fmla="*/ 0 h 1666908"/>
+                <a:gd name="connsiteX1" fmla="*/ 1627840 w 2461294"/>
+                <a:gd name="connsiteY1" fmla="*/ 0 h 1666908"/>
+                <a:gd name="connsiteX2" fmla="*/ 2461294 w 2461294"/>
+                <a:gd name="connsiteY2" fmla="*/ 833454 h 1666908"/>
+                <a:gd name="connsiteX3" fmla="*/ 1627840 w 2461294"/>
+                <a:gd name="connsiteY3" fmla="*/ 1666908 h 1666908"/>
+                <a:gd name="connsiteX4" fmla="*/ 0 w 2461294"/>
+                <a:gd name="connsiteY4" fmla="*/ 1666908 h 1666908"/>
+                <a:gd name="connsiteX5" fmla="*/ 833454 w 2461294"/>
+                <a:gd name="connsiteY5" fmla="*/ 833454 h 1666908"/>
+                <a:gd name="connsiteX6" fmla="*/ 0 w 2461294"/>
+                <a:gd name="connsiteY6" fmla="*/ 0 h 1666908"/>
+              </a:gdLst>
+              <a:ahLst/>
+              <a:cxnLst>
+                <a:cxn ang="0">
+                  <a:pos x="connsiteX0" y="connsiteY0"/>
+                </a:cxn>
+                <a:cxn ang="0">
+                  <a:pos x="connsiteX1" y="connsiteY1"/>
+                </a:cxn>
+                <a:cxn ang="0">
+                  <a:pos x="connsiteX2" y="connsiteY2"/>
+                </a:cxn>
+                <a:cxn ang="0">
+                  <a:pos x="connsiteX3" y="connsiteY3"/>
+                </a:cxn>
+                <a:cxn ang="0">
+                  <a:pos x="connsiteX4" y="connsiteY4"/>
+                </a:cxn>
+                <a:cxn ang="0">
+                  <a:pos x="connsiteX5" y="connsiteY5"/>
+                </a:cxn>
+                <a:cxn ang="0">
+                  <a:pos x="connsiteX6" y="connsiteY6"/>
+                </a:cxn>
+              </a:cxnLst>
+              <a:rect l="l" t="t" r="r" b="b"/>
+              <a:pathLst>
+                <a:path w="2461294" h="1666908">
+                  <a:moveTo>
+                    <a:pt x="2461293" y="0"/>
+                  </a:moveTo>
+                  <a:lnTo>
+                    <a:pt x="2461293" y="1102452"/>
+                  </a:lnTo>
+                  <a:lnTo>
+                    <a:pt x="1230647" y="1666908"/>
+                  </a:lnTo>
+                  <a:lnTo>
+                    <a:pt x="1" y="1102452"/>
+                  </a:lnTo>
+                  <a:lnTo>
+                    <a:pt x="1" y="0"/>
+                  </a:lnTo>
+                  <a:lnTo>
+                    <a:pt x="1230647" y="564456"/>
+                  </a:lnTo>
+                  <a:lnTo>
+                    <a:pt x="2461293" y="0"/>
+                  </a:lnTo>
+                  <a:close/>
+                </a:path>
+              </a:pathLst>
+            </a:custGeom>
+            <a:solidFill>
+              <a:schemeClr val="accent2">
+                <a:lumMod val="60000"/>
+                <a:lumOff val="40000"/>
+              </a:schemeClr>
+            </a:solidFill>
+          </p:spPr>
+          <p:style>
+            <a:lnRef idx="2">
+              <a:schemeClr val="accent1">
+                <a:hueOff val="0"/>
+                <a:satOff val="0"/>
+                <a:lumOff val="0"/>
+                <a:alphaOff val="0"/>
+              </a:schemeClr>
+            </a:lnRef>
+            <a:fillRef idx="1">
+              <a:schemeClr val="accent1">
+                <a:hueOff val="0"/>
+                <a:satOff val="0"/>
+                <a:lumOff val="0"/>
+                <a:alphaOff val="0"/>
+              </a:schemeClr>
+            </a:fillRef>
+            <a:effectRef idx="0">
+              <a:schemeClr val="accent1">
+                <a:hueOff val="0"/>
+                <a:satOff val="0"/>
+                <a:lumOff val="0"/>
+                <a:alphaOff val="0"/>
+              </a:schemeClr>
+            </a:effectRef>
+            <a:fontRef idx="minor">
+              <a:schemeClr val="lt1"/>
+            </a:fontRef>
+          </p:style>
+          <p:txBody>
+            <a:bodyPr spcFirstLastPara="0" vert="horz" wrap="square" lIns="24130" tIns="857585" rIns="24130" bIns="857584" numCol="1" spcCol="1270" anchor="ctr" anchorCtr="0">
+              <a:noAutofit/>
+            </a:bodyPr>
+            <a:lstStyle/>
+            <a:p>
+              <a:pPr marL="0" lvl="0" indent="0" algn="ctr" defTabSz="1689100">
+                <a:lnSpc>
+                  <a:spcPct val="90000"/>
+                </a:lnSpc>
+                <a:spcBef>
+                  <a:spcPct val="0"/>
+                </a:spcBef>
+                <a:spcAft>
+                  <a:spcPct val="35000"/>
+                </a:spcAft>
+                <a:buNone/>
+              </a:pPr>
+              <a:r>
+                <a:rPr lang="en-US" sz="3800" kern="1200" dirty="0"/>
+                <a:t>Ready</a:t>
+              </a:r>
+            </a:p>
+          </p:txBody>
+        </p:sp>
+        <p:sp>
+          <p:nvSpPr>
+            <p:cNvPr id="7" name="Freeform: Shape 6">
+              <a:extLst>
+                <a:ext uri="{FF2B5EF4-FFF2-40B4-BE49-F238E27FC236}">
+                  <a16:creationId xmlns:a16="http://schemas.microsoft.com/office/drawing/2014/main" id="{962D4C25-050B-B385-1C8C-7218D85B038E}"/>
+                </a:ext>
+              </a:extLst>
+            </p:cNvPr>
+            <p:cNvSpPr/>
+            <p:nvPr/>
+          </p:nvSpPr>
+          <p:spPr>
+            <a:xfrm>
+              <a:off x="1666909" y="714"/>
+              <a:ext cx="2500362" cy="1627840"/>
+            </a:xfrm>
+            <a:custGeom>
+              <a:avLst/>
+              <a:gdLst>
+                <a:gd name="connsiteX0" fmla="*/ 271312 w 1627840"/>
+                <a:gd name="connsiteY0" fmla="*/ 0 h 2500362"/>
+                <a:gd name="connsiteX1" fmla="*/ 1356528 w 1627840"/>
+                <a:gd name="connsiteY1" fmla="*/ 0 h 2500362"/>
+                <a:gd name="connsiteX2" fmla="*/ 1627840 w 1627840"/>
+                <a:gd name="connsiteY2" fmla="*/ 271312 h 2500362"/>
+                <a:gd name="connsiteX3" fmla="*/ 1627840 w 1627840"/>
+                <a:gd name="connsiteY3" fmla="*/ 2500362 h 2500362"/>
+                <a:gd name="connsiteX4" fmla="*/ 1627840 w 1627840"/>
+                <a:gd name="connsiteY4" fmla="*/ 2500362 h 2500362"/>
+                <a:gd name="connsiteX5" fmla="*/ 0 w 1627840"/>
+                <a:gd name="connsiteY5" fmla="*/ 2500362 h 2500362"/>
+                <a:gd name="connsiteX6" fmla="*/ 0 w 1627840"/>
+                <a:gd name="connsiteY6" fmla="*/ 2500362 h 2500362"/>
+                <a:gd name="connsiteX7" fmla="*/ 0 w 1627840"/>
+                <a:gd name="connsiteY7" fmla="*/ 271312 h 2500362"/>
+                <a:gd name="connsiteX8" fmla="*/ 271312 w 1627840"/>
+                <a:gd name="connsiteY8" fmla="*/ 0 h 2500362"/>
+              </a:gdLst>
+              <a:ahLst/>
+              <a:cxnLst>
+                <a:cxn ang="0">
+                  <a:pos x="connsiteX0" y="connsiteY0"/>
+                </a:cxn>
+                <a:cxn ang="0">
+                  <a:pos x="connsiteX1" y="connsiteY1"/>
+                </a:cxn>
+                <a:cxn ang="0">
+                  <a:pos x="connsiteX2" y="connsiteY2"/>
+                </a:cxn>
+                <a:cxn ang="0">
+                  <a:pos x="connsiteX3" y="connsiteY3"/>
+                </a:cxn>
+                <a:cxn ang="0">
+                  <a:pos x="connsiteX4" y="connsiteY4"/>
+                </a:cxn>
+                <a:cxn ang="0">
+                  <a:pos x="connsiteX5" y="connsiteY5"/>
+                </a:cxn>
+                <a:cxn ang="0">
+                  <a:pos x="connsiteX6" y="connsiteY6"/>
+                </a:cxn>
+                <a:cxn ang="0">
+                  <a:pos x="connsiteX7" y="connsiteY7"/>
+                </a:cxn>
+                <a:cxn ang="0">
+                  <a:pos x="connsiteX8" y="connsiteY8"/>
+                </a:cxn>
+              </a:cxnLst>
+              <a:rect l="l" t="t" r="r" b="b"/>
+              <a:pathLst>
+                <a:path w="1627840" h="2500362">
+                  <a:moveTo>
+                    <a:pt x="1627840" y="416736"/>
+                  </a:moveTo>
+                  <a:lnTo>
+                    <a:pt x="1627840" y="2083626"/>
+                  </a:lnTo>
+                  <a:cubicBezTo>
+                    <a:pt x="1627840" y="2313782"/>
+                    <a:pt x="1548757" y="2500361"/>
+                    <a:pt x="1451205" y="2500361"/>
+                  </a:cubicBezTo>
+                  <a:lnTo>
+                    <a:pt x="0" y="2500361"/>
+                  </a:lnTo>
+                  <a:lnTo>
+                    <a:pt x="0" y="2500361"/>
+                  </a:lnTo>
+                  <a:lnTo>
+                    <a:pt x="0" y="1"/>
+                  </a:lnTo>
+                  <a:lnTo>
+                    <a:pt x="0" y="1"/>
+                  </a:lnTo>
+                  <a:lnTo>
+                    <a:pt x="1451205" y="1"/>
+                  </a:lnTo>
+                  <a:cubicBezTo>
+                    <a:pt x="1548757" y="1"/>
+                    <a:pt x="1627840" y="186580"/>
+                    <a:pt x="1627840" y="416736"/>
+                  </a:cubicBezTo>
+                  <a:close/>
+                </a:path>
+              </a:pathLst>
+            </a:custGeom>
+          </p:spPr>
+          <p:style>
+            <a:lnRef idx="2">
+              <a:schemeClr val="accent1">
+                <a:hueOff val="0"/>
+                <a:satOff val="0"/>
+                <a:lumOff val="0"/>
+                <a:alphaOff val="0"/>
+              </a:schemeClr>
+            </a:lnRef>
+            <a:fillRef idx="1">
+              <a:schemeClr val="lt1">
+                <a:alpha val="90000"/>
+                <a:hueOff val="0"/>
+                <a:satOff val="0"/>
+                <a:lumOff val="0"/>
+                <a:alphaOff val="0"/>
+              </a:schemeClr>
+            </a:fillRef>
+            <a:effectRef idx="0">
+              <a:schemeClr val="lt1">
+                <a:alpha val="90000"/>
+                <a:hueOff val="0"/>
+                <a:satOff val="0"/>
+                <a:lumOff val="0"/>
+                <a:alphaOff val="0"/>
+              </a:schemeClr>
+            </a:effectRef>
+            <a:fontRef idx="minor">
+              <a:schemeClr val="dk1">
+                <a:hueOff val="0"/>
+                <a:satOff val="0"/>
+                <a:lumOff val="0"/>
+                <a:alphaOff val="0"/>
+              </a:schemeClr>
+            </a:fontRef>
+          </p:style>
+          <p:txBody>
+            <a:bodyPr spcFirstLastPara="0" vert="horz" wrap="square" lIns="327153" tIns="108674" rIns="108674" bIns="108676" numCol="1" spcCol="1270" anchor="ctr" anchorCtr="0">
+              <a:noAutofit/>
+            </a:bodyPr>
+            <a:lstStyle/>
+            <a:p>
+              <a:pPr marL="285750" lvl="1" indent="-285750" algn="l" defTabSz="2044700">
+                <a:lnSpc>
+                  <a:spcPct val="90000"/>
+                </a:lnSpc>
+                <a:spcBef>
+                  <a:spcPct val="0"/>
+                </a:spcBef>
+                <a:spcAft>
+                  <a:spcPct val="15000"/>
+                </a:spcAft>
+                <a:buChar char="•"/>
+              </a:pPr>
+              <a:endParaRPr lang="en-US" sz="4600" kern="1200"/>
+            </a:p>
+            <a:p>
+              <a:pPr marL="285750" lvl="1" indent="-285750" algn="l" defTabSz="2044700">
+                <a:lnSpc>
+                  <a:spcPct val="90000"/>
+                </a:lnSpc>
+                <a:spcBef>
+                  <a:spcPct val="0"/>
+                </a:spcBef>
+                <a:spcAft>
+                  <a:spcPct val="15000"/>
+                </a:spcAft>
+                <a:buChar char="•"/>
+              </a:pPr>
+              <a:endParaRPr lang="en-US" sz="4600" kern="1200"/>
+            </a:p>
+          </p:txBody>
+        </p:sp>
+        <p:sp>
+          <p:nvSpPr>
+            <p:cNvPr id="9" name="Freeform: Shape 8">
+              <a:extLst>
+                <a:ext uri="{FF2B5EF4-FFF2-40B4-BE49-F238E27FC236}">
+                  <a16:creationId xmlns:a16="http://schemas.microsoft.com/office/drawing/2014/main" id="{09B4944D-C1E4-056A-687B-213683940B34}"/>
+                </a:ext>
+              </a:extLst>
+            </p:cNvPr>
+            <p:cNvSpPr/>
+            <p:nvPr/>
+          </p:nvSpPr>
+          <p:spPr>
+            <a:xfrm>
+              <a:off x="1" y="2198352"/>
+              <a:ext cx="1666908" cy="2461294"/>
+            </a:xfrm>
+            <a:custGeom>
+              <a:avLst/>
+              <a:gdLst>
+                <a:gd name="connsiteX0" fmla="*/ 0 w 2461294"/>
+                <a:gd name="connsiteY0" fmla="*/ 0 h 1666908"/>
+                <a:gd name="connsiteX1" fmla="*/ 1627840 w 2461294"/>
+                <a:gd name="connsiteY1" fmla="*/ 0 h 1666908"/>
+                <a:gd name="connsiteX2" fmla="*/ 2461294 w 2461294"/>
+                <a:gd name="connsiteY2" fmla="*/ 833454 h 1666908"/>
+                <a:gd name="connsiteX3" fmla="*/ 1627840 w 2461294"/>
+                <a:gd name="connsiteY3" fmla="*/ 1666908 h 1666908"/>
+                <a:gd name="connsiteX4" fmla="*/ 0 w 2461294"/>
+                <a:gd name="connsiteY4" fmla="*/ 1666908 h 1666908"/>
+                <a:gd name="connsiteX5" fmla="*/ 833454 w 2461294"/>
+                <a:gd name="connsiteY5" fmla="*/ 833454 h 1666908"/>
+                <a:gd name="connsiteX6" fmla="*/ 0 w 2461294"/>
+                <a:gd name="connsiteY6" fmla="*/ 0 h 1666908"/>
+              </a:gdLst>
+              <a:ahLst/>
+              <a:cxnLst>
+                <a:cxn ang="0">
+                  <a:pos x="connsiteX0" y="connsiteY0"/>
+                </a:cxn>
+                <a:cxn ang="0">
+                  <a:pos x="connsiteX1" y="connsiteY1"/>
+                </a:cxn>
+                <a:cxn ang="0">
+                  <a:pos x="connsiteX2" y="connsiteY2"/>
+                </a:cxn>
+                <a:cxn ang="0">
+                  <a:pos x="connsiteX3" y="connsiteY3"/>
+                </a:cxn>
+                <a:cxn ang="0">
+                  <a:pos x="connsiteX4" y="connsiteY4"/>
+                </a:cxn>
+                <a:cxn ang="0">
+                  <a:pos x="connsiteX5" y="connsiteY5"/>
+                </a:cxn>
+                <a:cxn ang="0">
+                  <a:pos x="connsiteX6" y="connsiteY6"/>
+                </a:cxn>
+              </a:cxnLst>
+              <a:rect l="l" t="t" r="r" b="b"/>
+              <a:pathLst>
+                <a:path w="2461294" h="1666908">
+                  <a:moveTo>
+                    <a:pt x="2461293" y="0"/>
+                  </a:moveTo>
+                  <a:lnTo>
+                    <a:pt x="2461293" y="1102452"/>
+                  </a:lnTo>
+                  <a:lnTo>
+                    <a:pt x="1230647" y="1666908"/>
+                  </a:lnTo>
+                  <a:lnTo>
+                    <a:pt x="1" y="1102452"/>
+                  </a:lnTo>
+                  <a:lnTo>
+                    <a:pt x="1" y="0"/>
+                  </a:lnTo>
+                  <a:lnTo>
+                    <a:pt x="1230647" y="564456"/>
+                  </a:lnTo>
+                  <a:lnTo>
+                    <a:pt x="2461293" y="0"/>
+                  </a:lnTo>
+                  <a:close/>
+                </a:path>
+              </a:pathLst>
+            </a:custGeom>
+            <a:solidFill>
+              <a:schemeClr val="accent2">
+                <a:lumMod val="75000"/>
+              </a:schemeClr>
+            </a:solidFill>
+          </p:spPr>
+          <p:style>
+            <a:lnRef idx="2">
+              <a:schemeClr val="accent1">
+                <a:hueOff val="0"/>
+                <a:satOff val="0"/>
+                <a:lumOff val="0"/>
+                <a:alphaOff val="0"/>
+              </a:schemeClr>
+            </a:lnRef>
+            <a:fillRef idx="1">
+              <a:schemeClr val="accent1">
+                <a:hueOff val="0"/>
+                <a:satOff val="0"/>
+                <a:lumOff val="0"/>
+                <a:alphaOff val="0"/>
+              </a:schemeClr>
+            </a:fillRef>
+            <a:effectRef idx="0">
+              <a:schemeClr val="accent1">
+                <a:hueOff val="0"/>
+                <a:satOff val="0"/>
+                <a:lumOff val="0"/>
+                <a:alphaOff val="0"/>
+              </a:schemeClr>
+            </a:effectRef>
+            <a:fontRef idx="minor">
+              <a:schemeClr val="lt1"/>
+            </a:fontRef>
+          </p:style>
+          <p:txBody>
+            <a:bodyPr spcFirstLastPara="0" vert="horz" wrap="square" lIns="24130" tIns="857584" rIns="24130" bIns="857584" numCol="1" spcCol="1270" anchor="ctr" anchorCtr="0">
+              <a:noAutofit/>
+            </a:bodyPr>
+            <a:lstStyle/>
+            <a:p>
+              <a:pPr marL="0" lvl="0" indent="0" algn="ctr" defTabSz="1689100">
+                <a:lnSpc>
+                  <a:spcPct val="90000"/>
+                </a:lnSpc>
+                <a:spcBef>
+                  <a:spcPct val="0"/>
+                </a:spcBef>
+                <a:spcAft>
+                  <a:spcPct val="35000"/>
+                </a:spcAft>
+                <a:buNone/>
+              </a:pPr>
+              <a:r>
+                <a:rPr lang="en-US" sz="3800" kern="1200" dirty="0"/>
+                <a:t>Set</a:t>
+              </a:r>
+            </a:p>
+          </p:txBody>
+        </p:sp>
+        <p:sp>
+          <p:nvSpPr>
+            <p:cNvPr id="11" name="Freeform: Shape 10">
+              <a:extLst>
+                <a:ext uri="{FF2B5EF4-FFF2-40B4-BE49-F238E27FC236}">
+                  <a16:creationId xmlns:a16="http://schemas.microsoft.com/office/drawing/2014/main" id="{C3775411-BF63-E410-2740-A965A1EB2D99}"/>
+                </a:ext>
+              </a:extLst>
+            </p:cNvPr>
+            <p:cNvSpPr/>
+            <p:nvPr/>
+          </p:nvSpPr>
+          <p:spPr>
+            <a:xfrm>
+              <a:off x="1666909" y="2198352"/>
+              <a:ext cx="2500362" cy="1627841"/>
+            </a:xfrm>
+            <a:custGeom>
+              <a:avLst/>
+              <a:gdLst>
+                <a:gd name="connsiteX0" fmla="*/ 271312 w 1627840"/>
+                <a:gd name="connsiteY0" fmla="*/ 0 h 2500362"/>
+                <a:gd name="connsiteX1" fmla="*/ 1356528 w 1627840"/>
+                <a:gd name="connsiteY1" fmla="*/ 0 h 2500362"/>
+                <a:gd name="connsiteX2" fmla="*/ 1627840 w 1627840"/>
+                <a:gd name="connsiteY2" fmla="*/ 271312 h 2500362"/>
+                <a:gd name="connsiteX3" fmla="*/ 1627840 w 1627840"/>
+                <a:gd name="connsiteY3" fmla="*/ 2500362 h 2500362"/>
+                <a:gd name="connsiteX4" fmla="*/ 1627840 w 1627840"/>
+                <a:gd name="connsiteY4" fmla="*/ 2500362 h 2500362"/>
+                <a:gd name="connsiteX5" fmla="*/ 0 w 1627840"/>
+                <a:gd name="connsiteY5" fmla="*/ 2500362 h 2500362"/>
+                <a:gd name="connsiteX6" fmla="*/ 0 w 1627840"/>
+                <a:gd name="connsiteY6" fmla="*/ 2500362 h 2500362"/>
+                <a:gd name="connsiteX7" fmla="*/ 0 w 1627840"/>
+                <a:gd name="connsiteY7" fmla="*/ 271312 h 2500362"/>
+                <a:gd name="connsiteX8" fmla="*/ 271312 w 1627840"/>
+                <a:gd name="connsiteY8" fmla="*/ 0 h 2500362"/>
+              </a:gdLst>
+              <a:ahLst/>
+              <a:cxnLst>
+                <a:cxn ang="0">
+                  <a:pos x="connsiteX0" y="connsiteY0"/>
+                </a:cxn>
+                <a:cxn ang="0">
+                  <a:pos x="connsiteX1" y="connsiteY1"/>
+                </a:cxn>
+                <a:cxn ang="0">
+                  <a:pos x="connsiteX2" y="connsiteY2"/>
+                </a:cxn>
+                <a:cxn ang="0">
+                  <a:pos x="connsiteX3" y="connsiteY3"/>
+                </a:cxn>
+                <a:cxn ang="0">
+                  <a:pos x="connsiteX4" y="connsiteY4"/>
+                </a:cxn>
+                <a:cxn ang="0">
+                  <a:pos x="connsiteX5" y="connsiteY5"/>
+                </a:cxn>
+                <a:cxn ang="0">
+                  <a:pos x="connsiteX6" y="connsiteY6"/>
+                </a:cxn>
+                <a:cxn ang="0">
+                  <a:pos x="connsiteX7" y="connsiteY7"/>
+                </a:cxn>
+                <a:cxn ang="0">
+                  <a:pos x="connsiteX8" y="connsiteY8"/>
+                </a:cxn>
+              </a:cxnLst>
+              <a:rect l="l" t="t" r="r" b="b"/>
+              <a:pathLst>
+                <a:path w="1627840" h="2500362">
+                  <a:moveTo>
+                    <a:pt x="1627840" y="416736"/>
+                  </a:moveTo>
+                  <a:lnTo>
+                    <a:pt x="1627840" y="2083626"/>
+                  </a:lnTo>
+                  <a:cubicBezTo>
+                    <a:pt x="1627840" y="2313782"/>
+                    <a:pt x="1548757" y="2500361"/>
+                    <a:pt x="1451205" y="2500361"/>
+                  </a:cubicBezTo>
+                  <a:lnTo>
+                    <a:pt x="0" y="2500361"/>
+                  </a:lnTo>
+                  <a:lnTo>
+                    <a:pt x="0" y="2500361"/>
+                  </a:lnTo>
+                  <a:lnTo>
+                    <a:pt x="0" y="1"/>
+                  </a:lnTo>
+                  <a:lnTo>
+                    <a:pt x="0" y="1"/>
+                  </a:lnTo>
+                  <a:lnTo>
+                    <a:pt x="1451205" y="1"/>
+                  </a:lnTo>
+                  <a:cubicBezTo>
+                    <a:pt x="1548757" y="1"/>
+                    <a:pt x="1627840" y="186580"/>
+                    <a:pt x="1627840" y="416736"/>
+                  </a:cubicBezTo>
+                  <a:close/>
+                </a:path>
+              </a:pathLst>
+            </a:custGeom>
+          </p:spPr>
+          <p:style>
+            <a:lnRef idx="2">
+              <a:schemeClr val="accent1">
+                <a:hueOff val="0"/>
+                <a:satOff val="0"/>
+                <a:lumOff val="0"/>
+                <a:alphaOff val="0"/>
+              </a:schemeClr>
+            </a:lnRef>
+            <a:fillRef idx="1">
+              <a:schemeClr val="lt1">
+                <a:alpha val="90000"/>
+                <a:hueOff val="0"/>
+                <a:satOff val="0"/>
+                <a:lumOff val="0"/>
+                <a:alphaOff val="0"/>
+              </a:schemeClr>
+            </a:fillRef>
+            <a:effectRef idx="0">
+              <a:schemeClr val="lt1">
+                <a:alpha val="90000"/>
+                <a:hueOff val="0"/>
+                <a:satOff val="0"/>
+                <a:lumOff val="0"/>
+                <a:alphaOff val="0"/>
+              </a:schemeClr>
+            </a:effectRef>
+            <a:fontRef idx="minor">
+              <a:schemeClr val="dk1">
+                <a:hueOff val="0"/>
+                <a:satOff val="0"/>
+                <a:lumOff val="0"/>
+                <a:alphaOff val="0"/>
+              </a:schemeClr>
+            </a:fontRef>
+          </p:style>
+          <p:txBody>
+            <a:bodyPr spcFirstLastPara="0" vert="horz" wrap="square" lIns="327153" tIns="108675" rIns="108674" bIns="108676" numCol="1" spcCol="1270" anchor="ctr" anchorCtr="0">
+              <a:noAutofit/>
+            </a:bodyPr>
+            <a:lstStyle/>
+            <a:p>
+              <a:pPr marL="285750" lvl="1" indent="-285750" algn="l" defTabSz="2044700">
+                <a:lnSpc>
+                  <a:spcPct val="90000"/>
+                </a:lnSpc>
+                <a:spcBef>
+                  <a:spcPct val="0"/>
+                </a:spcBef>
+                <a:spcAft>
+                  <a:spcPct val="15000"/>
+                </a:spcAft>
+                <a:buChar char="•"/>
+              </a:pPr>
+              <a:endParaRPr lang="en-US" sz="4600" kern="1200"/>
+            </a:p>
+            <a:p>
+              <a:pPr marL="285750" lvl="1" indent="-285750" algn="l" defTabSz="2044700">
+                <a:lnSpc>
+                  <a:spcPct val="90000"/>
+                </a:lnSpc>
+                <a:spcBef>
+                  <a:spcPct val="0"/>
+                </a:spcBef>
+                <a:spcAft>
+                  <a:spcPct val="15000"/>
+                </a:spcAft>
+                <a:buChar char="•"/>
+              </a:pPr>
+              <a:endParaRPr lang="en-US" sz="4600" kern="1200"/>
+            </a:p>
+          </p:txBody>
+        </p:sp>
+        <p:sp>
+          <p:nvSpPr>
+            <p:cNvPr id="13" name="Freeform: Shape 12">
+              <a:extLst>
+                <a:ext uri="{FF2B5EF4-FFF2-40B4-BE49-F238E27FC236}">
+                  <a16:creationId xmlns:a16="http://schemas.microsoft.com/office/drawing/2014/main" id="{D1826FFC-DA5D-CC42-E7D7-2ABD2D1596E1}"/>
+                </a:ext>
+              </a:extLst>
+            </p:cNvPr>
+            <p:cNvSpPr/>
+            <p:nvPr/>
+          </p:nvSpPr>
+          <p:spPr>
+            <a:xfrm>
+              <a:off x="1" y="4395992"/>
+              <a:ext cx="1666908" cy="2461294"/>
+            </a:xfrm>
+            <a:custGeom>
+              <a:avLst/>
+              <a:gdLst>
+                <a:gd name="connsiteX0" fmla="*/ 0 w 2461294"/>
+                <a:gd name="connsiteY0" fmla="*/ 0 h 1666908"/>
+                <a:gd name="connsiteX1" fmla="*/ 1627840 w 2461294"/>
+                <a:gd name="connsiteY1" fmla="*/ 0 h 1666908"/>
+                <a:gd name="connsiteX2" fmla="*/ 2461294 w 2461294"/>
+                <a:gd name="connsiteY2" fmla="*/ 833454 h 1666908"/>
+                <a:gd name="connsiteX3" fmla="*/ 1627840 w 2461294"/>
+                <a:gd name="connsiteY3" fmla="*/ 1666908 h 1666908"/>
+                <a:gd name="connsiteX4" fmla="*/ 0 w 2461294"/>
+                <a:gd name="connsiteY4" fmla="*/ 1666908 h 1666908"/>
+                <a:gd name="connsiteX5" fmla="*/ 833454 w 2461294"/>
+                <a:gd name="connsiteY5" fmla="*/ 833454 h 1666908"/>
+                <a:gd name="connsiteX6" fmla="*/ 0 w 2461294"/>
+                <a:gd name="connsiteY6" fmla="*/ 0 h 1666908"/>
+              </a:gdLst>
+              <a:ahLst/>
+              <a:cxnLst>
+                <a:cxn ang="0">
+                  <a:pos x="connsiteX0" y="connsiteY0"/>
+                </a:cxn>
+                <a:cxn ang="0">
+                  <a:pos x="connsiteX1" y="connsiteY1"/>
+                </a:cxn>
+                <a:cxn ang="0">
+                  <a:pos x="connsiteX2" y="connsiteY2"/>
+                </a:cxn>
+                <a:cxn ang="0">
+                  <a:pos x="connsiteX3" y="connsiteY3"/>
+                </a:cxn>
+                <a:cxn ang="0">
+                  <a:pos x="connsiteX4" y="connsiteY4"/>
+                </a:cxn>
+                <a:cxn ang="0">
+                  <a:pos x="connsiteX5" y="connsiteY5"/>
+                </a:cxn>
+                <a:cxn ang="0">
+                  <a:pos x="connsiteX6" y="connsiteY6"/>
+                </a:cxn>
+              </a:cxnLst>
+              <a:rect l="l" t="t" r="r" b="b"/>
+              <a:pathLst>
+                <a:path w="2461294" h="1666908">
+                  <a:moveTo>
+                    <a:pt x="2461293" y="0"/>
+                  </a:moveTo>
+                  <a:lnTo>
+                    <a:pt x="2461293" y="1102452"/>
+                  </a:lnTo>
+                  <a:lnTo>
+                    <a:pt x="1230647" y="1666908"/>
+                  </a:lnTo>
+                  <a:lnTo>
+                    <a:pt x="1" y="1102452"/>
+                  </a:lnTo>
+                  <a:lnTo>
+                    <a:pt x="1" y="0"/>
+                  </a:lnTo>
+                  <a:lnTo>
+                    <a:pt x="1230647" y="564456"/>
+                  </a:lnTo>
+                  <a:lnTo>
+                    <a:pt x="2461293" y="0"/>
+                  </a:lnTo>
+                  <a:close/>
+                </a:path>
+              </a:pathLst>
+            </a:custGeom>
+            <a:solidFill>
+              <a:schemeClr val="accent2">
+                <a:lumMod val="50000"/>
+              </a:schemeClr>
+            </a:solidFill>
+          </p:spPr>
+          <p:style>
+            <a:lnRef idx="2">
+              <a:schemeClr val="accent1">
+                <a:hueOff val="0"/>
+                <a:satOff val="0"/>
+                <a:lumOff val="0"/>
+                <a:alphaOff val="0"/>
+              </a:schemeClr>
+            </a:lnRef>
+            <a:fillRef idx="1">
+              <a:schemeClr val="accent1">
+                <a:hueOff val="0"/>
+                <a:satOff val="0"/>
+                <a:lumOff val="0"/>
+                <a:alphaOff val="0"/>
+              </a:schemeClr>
+            </a:fillRef>
+            <a:effectRef idx="0">
+              <a:schemeClr val="accent1">
+                <a:hueOff val="0"/>
+                <a:satOff val="0"/>
+                <a:lumOff val="0"/>
+                <a:alphaOff val="0"/>
+              </a:schemeClr>
+            </a:effectRef>
+            <a:fontRef idx="minor">
+              <a:schemeClr val="lt1"/>
+            </a:fontRef>
+          </p:style>
+          <p:txBody>
+            <a:bodyPr spcFirstLastPara="0" vert="horz" wrap="square" lIns="24130" tIns="857584" rIns="24130" bIns="857584" numCol="1" spcCol="1270" anchor="ctr" anchorCtr="0">
+              <a:noAutofit/>
+            </a:bodyPr>
+            <a:lstStyle/>
+            <a:p>
+              <a:pPr marL="0" lvl="0" indent="0" algn="ctr" defTabSz="1689100">
+                <a:lnSpc>
+                  <a:spcPct val="90000"/>
+                </a:lnSpc>
+                <a:spcBef>
+                  <a:spcPct val="0"/>
+                </a:spcBef>
+                <a:spcAft>
+                  <a:spcPct val="35000"/>
+                </a:spcAft>
+                <a:buNone/>
+              </a:pPr>
+              <a:r>
+                <a:rPr lang="en-US" sz="3800" kern="1200" dirty="0"/>
+                <a:t>Go</a:t>
+              </a:r>
+            </a:p>
+          </p:txBody>
+        </p:sp>
+        <p:sp>
+          <p:nvSpPr>
+            <p:cNvPr id="14" name="Freeform: Shape 13">
+              <a:extLst>
+                <a:ext uri="{FF2B5EF4-FFF2-40B4-BE49-F238E27FC236}">
+                  <a16:creationId xmlns:a16="http://schemas.microsoft.com/office/drawing/2014/main" id="{2C64F812-B9E0-A33B-9DD9-52116B04E114}"/>
+                </a:ext>
+              </a:extLst>
+            </p:cNvPr>
+            <p:cNvSpPr/>
+            <p:nvPr/>
+          </p:nvSpPr>
+          <p:spPr>
+            <a:xfrm>
+              <a:off x="1666909" y="4395992"/>
+              <a:ext cx="2500362" cy="1627840"/>
+            </a:xfrm>
+            <a:custGeom>
+              <a:avLst/>
+              <a:gdLst>
+                <a:gd name="connsiteX0" fmla="*/ 271312 w 1627840"/>
+                <a:gd name="connsiteY0" fmla="*/ 0 h 2500362"/>
+                <a:gd name="connsiteX1" fmla="*/ 1356528 w 1627840"/>
+                <a:gd name="connsiteY1" fmla="*/ 0 h 2500362"/>
+                <a:gd name="connsiteX2" fmla="*/ 1627840 w 1627840"/>
+                <a:gd name="connsiteY2" fmla="*/ 271312 h 2500362"/>
+                <a:gd name="connsiteX3" fmla="*/ 1627840 w 1627840"/>
+                <a:gd name="connsiteY3" fmla="*/ 2500362 h 2500362"/>
+                <a:gd name="connsiteX4" fmla="*/ 1627840 w 1627840"/>
+                <a:gd name="connsiteY4" fmla="*/ 2500362 h 2500362"/>
+                <a:gd name="connsiteX5" fmla="*/ 0 w 1627840"/>
+                <a:gd name="connsiteY5" fmla="*/ 2500362 h 2500362"/>
+                <a:gd name="connsiteX6" fmla="*/ 0 w 1627840"/>
+                <a:gd name="connsiteY6" fmla="*/ 2500362 h 2500362"/>
+                <a:gd name="connsiteX7" fmla="*/ 0 w 1627840"/>
+                <a:gd name="connsiteY7" fmla="*/ 271312 h 2500362"/>
+                <a:gd name="connsiteX8" fmla="*/ 271312 w 1627840"/>
+                <a:gd name="connsiteY8" fmla="*/ 0 h 2500362"/>
+              </a:gdLst>
+              <a:ahLst/>
+              <a:cxnLst>
+                <a:cxn ang="0">
+                  <a:pos x="connsiteX0" y="connsiteY0"/>
+                </a:cxn>
+                <a:cxn ang="0">
+                  <a:pos x="connsiteX1" y="connsiteY1"/>
+                </a:cxn>
+                <a:cxn ang="0">
+                  <a:pos x="connsiteX2" y="connsiteY2"/>
+                </a:cxn>
+                <a:cxn ang="0">
+                  <a:pos x="connsiteX3" y="connsiteY3"/>
+                </a:cxn>
+                <a:cxn ang="0">
+                  <a:pos x="connsiteX4" y="connsiteY4"/>
+                </a:cxn>
+                <a:cxn ang="0">
+                  <a:pos x="connsiteX5" y="connsiteY5"/>
+                </a:cxn>
+                <a:cxn ang="0">
+                  <a:pos x="connsiteX6" y="connsiteY6"/>
+                </a:cxn>
+                <a:cxn ang="0">
+                  <a:pos x="connsiteX7" y="connsiteY7"/>
+                </a:cxn>
+                <a:cxn ang="0">
+                  <a:pos x="connsiteX8" y="connsiteY8"/>
+                </a:cxn>
+              </a:cxnLst>
+              <a:rect l="l" t="t" r="r" b="b"/>
+              <a:pathLst>
+                <a:path w="1627840" h="2500362">
+                  <a:moveTo>
+                    <a:pt x="1627840" y="416736"/>
+                  </a:moveTo>
+                  <a:lnTo>
+                    <a:pt x="1627840" y="2083626"/>
+                  </a:lnTo>
+                  <a:cubicBezTo>
+                    <a:pt x="1627840" y="2313782"/>
+                    <a:pt x="1548757" y="2500361"/>
+                    <a:pt x="1451205" y="2500361"/>
+                  </a:cubicBezTo>
+                  <a:lnTo>
+                    <a:pt x="0" y="2500361"/>
+                  </a:lnTo>
+                  <a:lnTo>
+                    <a:pt x="0" y="2500361"/>
+                  </a:lnTo>
+                  <a:lnTo>
+                    <a:pt x="0" y="1"/>
+                  </a:lnTo>
+                  <a:lnTo>
+                    <a:pt x="0" y="1"/>
+                  </a:lnTo>
+                  <a:lnTo>
+                    <a:pt x="1451205" y="1"/>
+                  </a:lnTo>
+                  <a:cubicBezTo>
+                    <a:pt x="1548757" y="1"/>
+                    <a:pt x="1627840" y="186580"/>
+                    <a:pt x="1627840" y="416736"/>
+                  </a:cubicBezTo>
+                  <a:close/>
+                </a:path>
+              </a:pathLst>
+            </a:custGeom>
+          </p:spPr>
+          <p:style>
+            <a:lnRef idx="2">
+              <a:schemeClr val="accent1">
+                <a:hueOff val="0"/>
+                <a:satOff val="0"/>
+                <a:lumOff val="0"/>
+                <a:alphaOff val="0"/>
+              </a:schemeClr>
+            </a:lnRef>
+            <a:fillRef idx="1">
+              <a:schemeClr val="lt1">
+                <a:alpha val="90000"/>
+                <a:hueOff val="0"/>
+                <a:satOff val="0"/>
+                <a:lumOff val="0"/>
+                <a:alphaOff val="0"/>
+              </a:schemeClr>
+            </a:fillRef>
+            <a:effectRef idx="0">
+              <a:schemeClr val="lt1">
+                <a:alpha val="90000"/>
+                <a:hueOff val="0"/>
+                <a:satOff val="0"/>
+                <a:lumOff val="0"/>
+                <a:alphaOff val="0"/>
+              </a:schemeClr>
+            </a:effectRef>
+            <a:fontRef idx="minor">
+              <a:schemeClr val="dk1">
+                <a:hueOff val="0"/>
+                <a:satOff val="0"/>
+                <a:lumOff val="0"/>
+                <a:alphaOff val="0"/>
+              </a:schemeClr>
+            </a:fontRef>
+          </p:style>
+          <p:txBody>
+            <a:bodyPr spcFirstLastPara="0" vert="horz" wrap="square" lIns="327153" tIns="108675" rIns="108674" bIns="108675" numCol="1" spcCol="1270" anchor="ctr" anchorCtr="0">
+              <a:noAutofit/>
+            </a:bodyPr>
+            <a:lstStyle/>
+            <a:p>
+              <a:pPr marL="285750" lvl="1" indent="-285750" algn="l" defTabSz="2044700">
+                <a:lnSpc>
+                  <a:spcPct val="90000"/>
+                </a:lnSpc>
+                <a:spcBef>
+                  <a:spcPct val="0"/>
+                </a:spcBef>
+                <a:spcAft>
+                  <a:spcPct val="15000"/>
+                </a:spcAft>
+                <a:buChar char="•"/>
+              </a:pPr>
+              <a:endParaRPr lang="en-US" sz="4600" kern="1200"/>
+            </a:p>
+            <a:p>
+              <a:pPr marL="285750" lvl="1" indent="-285750" algn="l" defTabSz="2044700">
+                <a:lnSpc>
+                  <a:spcPct val="90000"/>
+                </a:lnSpc>
+                <a:spcBef>
+                  <a:spcPct val="0"/>
+                </a:spcBef>
+                <a:spcAft>
+                  <a:spcPct val="15000"/>
+                </a:spcAft>
+                <a:buChar char="•"/>
+              </a:pPr>
+              <a:endParaRPr lang="en-US" sz="4600" kern="1200"/>
+            </a:p>
+          </p:txBody>
+        </p:sp>
+      </p:grpSp>
+      <p:sp>
+        <p:nvSpPr>
+          <p:cNvPr id="12" name="Arc 11">
+            <a:extLst>
+              <a:ext uri="{FF2B5EF4-FFF2-40B4-BE49-F238E27FC236}">
+                <a16:creationId xmlns:a16="http://schemas.microsoft.com/office/drawing/2014/main" id="{081E4A58-353D-44AE-B2FC-2A74E2E400F7}"/>
+              </a:ext>
+              <a:ext uri="{C183D7F6-B498-43B3-948B-1728B52AA6E4}">
+                <adec:decorative xmlns:adec="http://schemas.microsoft.com/office/drawing/2017/decorative" val="1"/>
+              </a:ext>
+            </a:extLst>
+          </p:cNvPr>
+          <p:cNvSpPr>
+            <a:spLocks noGrp="1" noRot="1" noChangeAspect="1" noMove="1" noResize="1" noEditPoints="1" noAdjustHandles="1" noChangeArrowheads="1" noChangeShapeType="1" noTextEdit="1"/>
+          </p:cNvSpPr>
+          <p:nvPr>
+            <p:extLst>
+              <p:ext uri="{386F3935-93C4-4BCD-93E2-E3B085C9AB24}">
+                <p16:designElem xmlns:p16="http://schemas.microsoft.com/office/powerpoint/2015/main" val="1"/>
+              </p:ext>
+            </p:extLst>
+          </p:nvPr>
+        </p:nvSpPr>
+        <p:spPr>
+          <a:xfrm flipV="1">
+            <a:off x="7550402" y="2455479"/>
+            <a:ext cx="4083433" cy="4083433"/>
+          </a:xfrm>
+          <a:prstGeom prst="arc">
+            <a:avLst/>
+          </a:prstGeom>
+          <a:ln w="127000" cap="rnd">
+            <a:solidFill>
+              <a:schemeClr val="accent2">
+                <a:lumMod val="50000"/>
+              </a:schemeClr>
+            </a:solidFill>
+            <a:prstDash val="dash"/>
+          </a:ln>
+        </p:spPr>
+        <p:style>
+          <a:lnRef idx="1">
+            <a:schemeClr val="accent1"/>
+          </a:lnRef>
+          <a:fillRef idx="0">
+            <a:schemeClr val="accent1"/>
+          </a:fillRef>
+          <a:effectRef idx="0">
+            <a:schemeClr val="accent1"/>
+          </a:effectRef>
+          <a:fontRef idx="minor">
+            <a:schemeClr val="tx1"/>
+          </a:fontRef>
+        </p:style>
+        <p:txBody>
+          <a:bodyPr rtlCol="0" anchor="ctr"/>
+          <a:lstStyle/>
+          <a:p>
+            <a:pPr algn="ctr"/>
+            <a:endParaRPr lang="en-US" dirty="0"/>
+          </a:p>
+        </p:txBody>
+      </p:sp>
+      <p:sp>
+        <p:nvSpPr>
+          <p:cNvPr id="3" name="Content Placeholder 2">
+            <a:extLst>
+              <a:ext uri="{FF2B5EF4-FFF2-40B4-BE49-F238E27FC236}">
+                <a16:creationId xmlns:a16="http://schemas.microsoft.com/office/drawing/2014/main" id="{506ECF03-3832-CE61-45EB-6C148D597A92}"/>
+              </a:ext>
+            </a:extLst>
+          </p:cNvPr>
+          <p:cNvSpPr>
+            <a:spLocks noGrp="1"/>
+          </p:cNvSpPr>
+          <p:nvPr>
+            <p:ph idx="1"/>
+          </p:nvPr>
+        </p:nvSpPr>
+        <p:spPr>
+          <a:xfrm>
+            <a:off x="4447308" y="787400"/>
+            <a:ext cx="6906491" cy="5389563"/>
+          </a:xfrm>
+        </p:spPr>
+        <p:txBody>
+          <a:bodyPr anchor="ctr">
+            <a:normAutofit/>
+          </a:bodyPr>
+          <a:lstStyle/>
+          <a:p>
+            <a:endParaRPr lang="en-US" dirty="0"/>
+          </a:p>
+        </p:txBody>
+      </p:sp>
+    </p:spTree>
+    <p:extLst>
+      <p:ext uri="{BB962C8B-B14F-4D97-AF65-F5344CB8AC3E}">
+        <p14:creationId xmlns:p14="http://schemas.microsoft.com/office/powerpoint/2010/main" val="3892084729"/>
+      </p:ext>
+    </p:extLst>
+  </p:cSld>
+  <p:clrMapOvr>
+    <a:masterClrMapping/>
+  </p:clrMapOvr>
+</p:sld>
+</file>
+
+<file path=ppt/slides/slide5.xml><?xml version="1.0" encoding="utf-8"?>
+<p:sld xmlns:a="http://schemas.openxmlformats.org/drawingml/2006/main" xmlns:r="http://schemas.openxmlformats.org/officeDocument/2006/relationships" xmlns:p="http://schemas.openxmlformats.org/presentationml/2006/main">
+  <p:cSld>
+    <p:bg>
+      <p:bgPr>
+        <a:solidFill>
+          <a:schemeClr val="bg1"/>
+        </a:solidFill>
+        <a:effectLst/>
+      </p:bgPr>
+    </p:bg>
+    <p:spTree>
+      <p:nvGrpSpPr>
+        <p:cNvPr id="1" name=""/>
+        <p:cNvGrpSpPr/>
+        <p:nvPr/>
+      </p:nvGrpSpPr>
+      <p:grpSpPr>
+        <a:xfrm>
+          <a:off x="0" y="0"/>
+          <a:ext cx="0" cy="0"/>
+          <a:chOff x="0" y="0"/>
+          <a:chExt cx="0" cy="0"/>
+        </a:xfrm>
+      </p:grpSpPr>
+      <p:sp useBgFill="1">
+        <p:nvSpPr>
+          <p:cNvPr id="8" name="Rectangle 7">
+            <a:extLst>
+              <a:ext uri="{FF2B5EF4-FFF2-40B4-BE49-F238E27FC236}">
                 <a16:creationId xmlns:a16="http://schemas.microsoft.com/office/drawing/2014/main" id="{DAF1966E-FD40-4A4A-B61B-C4DF7FA05F06}"/>
               </a:ext>
               <a:ext uri="{C183D7F6-B498-43B3-948B-1728B52AA6E4}">
@@ -5011,10 +6296,81 @@
   <p:clrMapOvr>
     <a:masterClrMapping/>
   </p:clrMapOvr>
+  <p:timing>
+    <p:tnLst>
+      <p:par>
+        <p:cTn id="1" dur="indefinite" restart="never" nodeType="tmRoot">
+          <p:childTnLst>
+            <p:seq concurrent="1" nextAc="seek">
+              <p:cTn id="2" dur="indefinite" nodeType="mainSeq">
+                <p:childTnLst>
+                  <p:par>
+                    <p:cTn id="3" fill="hold">
+                      <p:stCondLst>
+                        <p:cond delay="indefinite"/>
+                      </p:stCondLst>
+                      <p:childTnLst>
+                        <p:par>
+                          <p:cTn id="4" fill="hold">
+                            <p:stCondLst>
+                              <p:cond delay="0"/>
+                            </p:stCondLst>
+                            <p:childTnLst>
+                              <p:par>
+                                <p:cTn id="5" presetID="8" presetClass="emph" presetSubtype="0" fill="hold" grpId="0" nodeType="clickEffect">
+                                  <p:stCondLst>
+                                    <p:cond delay="0"/>
+                                  </p:stCondLst>
+                                  <p:childTnLst>
+                                    <p:animRot by="21600000">
+                                      <p:cBhvr>
+                                        <p:cTn id="6" dur="2000" fill="hold"/>
+                                        <p:tgtEl>
+                                          <p:spTgt spid="14"/>
+                                        </p:tgtEl>
+                                        <p:attrNameLst>
+                                          <p:attrName>r</p:attrName>
+                                        </p:attrNameLst>
+                                      </p:cBhvr>
+                                    </p:animRot>
+                                  </p:childTnLst>
+                                </p:cTn>
+                              </p:par>
+                            </p:childTnLst>
+                          </p:cTn>
+                        </p:par>
+                      </p:childTnLst>
+                    </p:cTn>
+                  </p:par>
+                </p:childTnLst>
+              </p:cTn>
+              <p:prevCondLst>
+                <p:cond evt="onPrev" delay="0">
+                  <p:tgtEl>
+                    <p:sldTgt/>
+                  </p:tgtEl>
+                </p:cond>
+              </p:prevCondLst>
+              <p:nextCondLst>
+                <p:cond evt="onNext" delay="0">
+                  <p:tgtEl>
+                    <p:sldTgt/>
+                  </p:tgtEl>
+                </p:cond>
+              </p:nextCondLst>
+            </p:seq>
+          </p:childTnLst>
+        </p:cTn>
+      </p:par>
+    </p:tnLst>
+    <p:bldLst>
+      <p:bldP spid="14" grpId="0" animBg="1"/>
+    </p:bldLst>
+  </p:timing>
 </p:sld>
 </file>
 
-<file path=ppt/slides/slide5.xml><?xml version="1.0" encoding="utf-8"?>
+<file path=ppt/slides/slide6.xml><?xml version="1.0" encoding="utf-8"?>
 <p:sld xmlns:a="http://schemas.openxmlformats.org/drawingml/2006/main" xmlns:r="http://schemas.openxmlformats.org/officeDocument/2006/relationships" xmlns:p="http://schemas.openxmlformats.org/presentationml/2006/main">
   <p:cSld>
     <p:bg>

--- a/ThatConference2023.pptx
+++ b/ThatConference2023.pptx
@@ -5,15 +5,16 @@
     <p:sldMasterId id="2147483660" r:id="rId1"/>
   </p:sldMasterIdLst>
   <p:notesMasterIdLst>
-    <p:notesMasterId r:id="rId8"/>
+    <p:notesMasterId r:id="rId9"/>
   </p:notesMasterIdLst>
   <p:sldIdLst>
     <p:sldId id="256" r:id="rId2"/>
     <p:sldId id="273" r:id="rId3"/>
     <p:sldId id="272" r:id="rId4"/>
     <p:sldId id="291" r:id="rId5"/>
-    <p:sldId id="266" r:id="rId6"/>
-    <p:sldId id="290" r:id="rId7"/>
+    <p:sldId id="292" r:id="rId6"/>
+    <p:sldId id="266" r:id="rId7"/>
+    <p:sldId id="290" r:id="rId8"/>
   </p:sldIdLst>
   <p:sldSz cx="12192000" cy="6858000"/>
   <p:notesSz cx="6858000" cy="9144000"/>
@@ -121,6 +122,7 @@
             <p14:sldId id="273"/>
             <p14:sldId id="272"/>
             <p14:sldId id="291"/>
+            <p14:sldId id="292"/>
             <p14:sldId id="266"/>
             <p14:sldId id="290"/>
           </p14:sldIdLst>
@@ -239,7 +241,7 @@
           <a:p>
             <a:fld id="{BA065681-88F1-4872-B208-B53BCC8B42F3}" type="datetimeFigureOut">
               <a:rPr lang="en-US" smtClean="0"/>
-              <a:t>5/24/2023</a:t>
+              <a:t>5/30/2023</a:t>
             </a:fld>
             <a:endParaRPr lang="en-US"/>
           </a:p>
@@ -811,6 +813,90 @@
           <a:bodyPr/>
           <a:lstStyle/>
           <a:p>
+            <a:endParaRPr lang="en-US" dirty="0"/>
+          </a:p>
+        </p:txBody>
+      </p:sp>
+      <p:sp>
+        <p:nvSpPr>
+          <p:cNvPr id="4" name="Slide Number Placeholder 3"/>
+          <p:cNvSpPr>
+            <a:spLocks noGrp="1"/>
+          </p:cNvSpPr>
+          <p:nvPr>
+            <p:ph type="sldNum" sz="quarter" idx="5"/>
+          </p:nvPr>
+        </p:nvSpPr>
+        <p:spPr/>
+        <p:txBody>
+          <a:bodyPr/>
+          <a:lstStyle/>
+          <a:p>
+            <a:fld id="{AAA20043-755E-4D2A-B767-23CBDFF65C2F}" type="slidenum">
+              <a:rPr lang="en-US" smtClean="0"/>
+              <a:t>5</a:t>
+            </a:fld>
+            <a:endParaRPr lang="en-US"/>
+          </a:p>
+        </p:txBody>
+      </p:sp>
+    </p:spTree>
+    <p:extLst>
+      <p:ext uri="{BB962C8B-B14F-4D97-AF65-F5344CB8AC3E}">
+        <p14:creationId xmlns:p14="http://schemas.microsoft.com/office/powerpoint/2010/main" val="3653214339"/>
+      </p:ext>
+    </p:extLst>
+  </p:cSld>
+  <p:clrMapOvr>
+    <a:masterClrMapping/>
+  </p:clrMapOvr>
+</p:notes>
+</file>
+
+<file path=ppt/notesSlides/notesSlide5.xml><?xml version="1.0" encoding="utf-8"?>
+<p:notes xmlns:a="http://schemas.openxmlformats.org/drawingml/2006/main" xmlns:r="http://schemas.openxmlformats.org/officeDocument/2006/relationships" xmlns:p="http://schemas.openxmlformats.org/presentationml/2006/main">
+  <p:cSld>
+    <p:spTree>
+      <p:nvGrpSpPr>
+        <p:cNvPr id="1" name=""/>
+        <p:cNvGrpSpPr/>
+        <p:nvPr/>
+      </p:nvGrpSpPr>
+      <p:grpSpPr>
+        <a:xfrm>
+          <a:off x="0" y="0"/>
+          <a:ext cx="0" cy="0"/>
+          <a:chOff x="0" y="0"/>
+          <a:chExt cx="0" cy="0"/>
+        </a:xfrm>
+      </p:grpSpPr>
+      <p:sp>
+        <p:nvSpPr>
+          <p:cNvPr id="2" name="Slide Image Placeholder 1"/>
+          <p:cNvSpPr>
+            <a:spLocks noGrp="1" noRot="1" noChangeAspect="1"/>
+          </p:cNvSpPr>
+          <p:nvPr>
+            <p:ph type="sldImg"/>
+          </p:nvPr>
+        </p:nvSpPr>
+        <p:spPr/>
+      </p:sp>
+      <p:sp>
+        <p:nvSpPr>
+          <p:cNvPr id="3" name="Notes Placeholder 2"/>
+          <p:cNvSpPr>
+            <a:spLocks noGrp="1"/>
+          </p:cNvSpPr>
+          <p:nvPr>
+            <p:ph type="body" idx="1"/>
+          </p:nvPr>
+        </p:nvSpPr>
+        <p:spPr/>
+        <p:txBody>
+          <a:bodyPr/>
+          <a:lstStyle/>
+          <a:p>
             <a:r>
               <a:rPr lang="en-US" dirty="0"/>
               <a:t>END 2:37</a:t>
@@ -835,7 +921,7 @@
           <a:p>
             <a:fld id="{AAA20043-755E-4D2A-B767-23CBDFF65C2F}" type="slidenum">
               <a:rPr lang="en-US" smtClean="0"/>
-              <a:t>5</a:t>
+              <a:t>6</a:t>
             </a:fld>
             <a:endParaRPr lang="en-US"/>
           </a:p>
@@ -985,7 +1071,7 @@
           <a:p>
             <a:fld id="{846CE7D5-CF57-46EF-B807-FDD0502418D4}" type="datetimeFigureOut">
               <a:rPr lang="en-US" smtClean="0"/>
-              <a:t>5/24/2023</a:t>
+              <a:t>5/30/2023</a:t>
             </a:fld>
             <a:endParaRPr lang="en-US" dirty="0"/>
           </a:p>
@@ -1155,7 +1241,7 @@
           <a:p>
             <a:fld id="{846CE7D5-CF57-46EF-B807-FDD0502418D4}" type="datetimeFigureOut">
               <a:rPr lang="en-US" smtClean="0"/>
-              <a:t>5/24/2023</a:t>
+              <a:t>5/30/2023</a:t>
             </a:fld>
             <a:endParaRPr lang="en-US" dirty="0"/>
           </a:p>
@@ -1335,7 +1421,7 @@
           <a:p>
             <a:fld id="{846CE7D5-CF57-46EF-B807-FDD0502418D4}" type="datetimeFigureOut">
               <a:rPr lang="en-US" smtClean="0"/>
-              <a:t>5/24/2023</a:t>
+              <a:t>5/30/2023</a:t>
             </a:fld>
             <a:endParaRPr lang="en-US" dirty="0"/>
           </a:p>
@@ -1505,7 +1591,7 @@
           <a:p>
             <a:fld id="{846CE7D5-CF57-46EF-B807-FDD0502418D4}" type="datetimeFigureOut">
               <a:rPr lang="en-US" smtClean="0"/>
-              <a:t>5/24/2023</a:t>
+              <a:t>5/30/2023</a:t>
             </a:fld>
             <a:endParaRPr lang="en-US" dirty="0"/>
           </a:p>
@@ -1751,7 +1837,7 @@
           <a:p>
             <a:fld id="{846CE7D5-CF57-46EF-B807-FDD0502418D4}" type="datetimeFigureOut">
               <a:rPr lang="en-US" smtClean="0"/>
-              <a:t>5/24/2023</a:t>
+              <a:t>5/30/2023</a:t>
             </a:fld>
             <a:endParaRPr lang="en-US" dirty="0"/>
           </a:p>
@@ -1983,7 +2069,7 @@
           <a:p>
             <a:fld id="{846CE7D5-CF57-46EF-B807-FDD0502418D4}" type="datetimeFigureOut">
               <a:rPr lang="en-US" smtClean="0"/>
-              <a:t>5/24/2023</a:t>
+              <a:t>5/30/2023</a:t>
             </a:fld>
             <a:endParaRPr lang="en-US" dirty="0"/>
           </a:p>
@@ -2350,7 +2436,7 @@
           <a:p>
             <a:fld id="{846CE7D5-CF57-46EF-B807-FDD0502418D4}" type="datetimeFigureOut">
               <a:rPr lang="en-US" smtClean="0"/>
-              <a:t>5/24/2023</a:t>
+              <a:t>5/30/2023</a:t>
             </a:fld>
             <a:endParaRPr lang="en-US" dirty="0"/>
           </a:p>
@@ -2468,7 +2554,7 @@
           <a:p>
             <a:fld id="{846CE7D5-CF57-46EF-B807-FDD0502418D4}" type="datetimeFigureOut">
               <a:rPr lang="en-US" smtClean="0"/>
-              <a:t>5/24/2023</a:t>
+              <a:t>5/30/2023</a:t>
             </a:fld>
             <a:endParaRPr lang="en-US" dirty="0"/>
           </a:p>
@@ -2563,7 +2649,7 @@
           <a:p>
             <a:fld id="{846CE7D5-CF57-46EF-B807-FDD0502418D4}" type="datetimeFigureOut">
               <a:rPr lang="en-US" smtClean="0"/>
-              <a:t>5/24/2023</a:t>
+              <a:t>5/30/2023</a:t>
             </a:fld>
             <a:endParaRPr lang="en-US" dirty="0"/>
           </a:p>
@@ -2840,7 +2926,7 @@
           <a:p>
             <a:fld id="{846CE7D5-CF57-46EF-B807-FDD0502418D4}" type="datetimeFigureOut">
               <a:rPr lang="en-US" smtClean="0"/>
-              <a:t>5/24/2023</a:t>
+              <a:t>5/30/2023</a:t>
             </a:fld>
             <a:endParaRPr lang="en-US" dirty="0"/>
           </a:p>
@@ -3096,7 +3182,7 @@
           <a:p>
             <a:fld id="{846CE7D5-CF57-46EF-B807-FDD0502418D4}" type="datetimeFigureOut">
               <a:rPr lang="en-US" smtClean="0"/>
-              <a:t>5/24/2023</a:t>
+              <a:t>5/30/2023</a:t>
             </a:fld>
             <a:endParaRPr lang="en-US" dirty="0"/>
           </a:p>
@@ -3309,7 +3395,7 @@
           <a:p>
             <a:fld id="{846CE7D5-CF57-46EF-B807-FDD0502418D4}" type="datetimeFigureOut">
               <a:rPr lang="en-US" smtClean="0"/>
-              <a:t>5/24/2023</a:t>
+              <a:t>5/30/2023</a:t>
             </a:fld>
             <a:endParaRPr lang="en-US" dirty="0"/>
           </a:p>
@@ -5892,6 +5978,547 @@
           <p:cNvPr id="8" name="Rectangle 7">
             <a:extLst>
               <a:ext uri="{FF2B5EF4-FFF2-40B4-BE49-F238E27FC236}">
+                <a16:creationId xmlns:a16="http://schemas.microsoft.com/office/drawing/2014/main" id="{907EF6B7-1338-4443-8C46-6A318D952DFD}"/>
+              </a:ext>
+              <a:ext uri="{C183D7F6-B498-43B3-948B-1728B52AA6E4}">
+                <adec:decorative xmlns:adec="http://schemas.microsoft.com/office/drawing/2017/decorative" val="1"/>
+              </a:ext>
+            </a:extLst>
+          </p:cNvPr>
+          <p:cNvSpPr>
+            <a:spLocks noGrp="1" noRot="1" noChangeAspect="1" noMove="1" noResize="1" noEditPoints="1" noAdjustHandles="1" noChangeArrowheads="1" noChangeShapeType="1" noTextEdit="1"/>
+          </p:cNvSpPr>
+          <p:nvPr>
+            <p:extLst>
+              <p:ext uri="{386F3935-93C4-4BCD-93E2-E3B085C9AB24}">
+                <p16:designElem xmlns:p16="http://schemas.microsoft.com/office/powerpoint/2015/main" val="1"/>
+              </p:ext>
+            </p:extLst>
+          </p:nvPr>
+        </p:nvSpPr>
+        <p:spPr>
+          <a:xfrm>
+            <a:off x="3048" y="0"/>
+            <a:ext cx="12188952" cy="6858000"/>
+          </a:xfrm>
+          <a:prstGeom prst="rect">
+            <a:avLst/>
+          </a:prstGeom>
+          <a:ln>
+            <a:noFill/>
+          </a:ln>
+        </p:spPr>
+        <p:style>
+          <a:lnRef idx="2">
+            <a:schemeClr val="accent1">
+              <a:shade val="50000"/>
+            </a:schemeClr>
+          </a:lnRef>
+          <a:fillRef idx="1">
+            <a:schemeClr val="accent1"/>
+          </a:fillRef>
+          <a:effectRef idx="0">
+            <a:schemeClr val="accent1"/>
+          </a:effectRef>
+          <a:fontRef idx="minor">
+            <a:schemeClr val="lt1"/>
+          </a:fontRef>
+        </p:style>
+        <p:txBody>
+          <a:bodyPr rtlCol="0" anchor="ctr"/>
+          <a:lstStyle/>
+          <a:p>
+            <a:pPr algn="ctr"/>
+            <a:endParaRPr lang="en-US" dirty="0"/>
+          </a:p>
+        </p:txBody>
+      </p:sp>
+      <p:sp>
+        <p:nvSpPr>
+          <p:cNvPr id="10" name="Freeform: Shape 9">
+            <a:extLst>
+              <a:ext uri="{FF2B5EF4-FFF2-40B4-BE49-F238E27FC236}">
+                <a16:creationId xmlns:a16="http://schemas.microsoft.com/office/drawing/2014/main" id="{DAAE4CDD-124C-4DCF-9584-B6033B545DD5}"/>
+              </a:ext>
+              <a:ext uri="{C183D7F6-B498-43B3-948B-1728B52AA6E4}">
+                <adec:decorative xmlns:adec="http://schemas.microsoft.com/office/drawing/2017/decorative" val="1"/>
+              </a:ext>
+            </a:extLst>
+          </p:cNvPr>
+          <p:cNvSpPr>
+            <a:spLocks noChangeAspect="1"/>
+          </p:cNvSpPr>
+          <p:nvPr>
+            <p:extLst>
+              <p:ext uri="{386F3935-93C4-4BCD-93E2-E3B085C9AB24}">
+                <p16:designElem xmlns:p16="http://schemas.microsoft.com/office/powerpoint/2015/main" val="1"/>
+              </p:ext>
+            </p:extLst>
+          </p:nvPr>
+        </p:nvSpPr>
+        <p:spPr>
+          <a:xfrm>
+            <a:off x="1" y="0"/>
+            <a:ext cx="4167271" cy="6858000"/>
+          </a:xfrm>
+          <a:custGeom>
+            <a:avLst/>
+            <a:gdLst>
+              <a:gd name="connsiteX0" fmla="*/ 0 w 4167271"/>
+              <a:gd name="connsiteY0" fmla="*/ 0 h 6858000"/>
+              <a:gd name="connsiteX1" fmla="*/ 2259550 w 4167271"/>
+              <a:gd name="connsiteY1" fmla="*/ 0 h 6858000"/>
+              <a:gd name="connsiteX2" fmla="*/ 2387803 w 4167271"/>
+              <a:gd name="connsiteY2" fmla="*/ 82222 h 6858000"/>
+              <a:gd name="connsiteX3" fmla="*/ 4167271 w 4167271"/>
+              <a:gd name="connsiteY3" fmla="*/ 3429000 h 6858000"/>
+              <a:gd name="connsiteX4" fmla="*/ 2387803 w 4167271"/>
+              <a:gd name="connsiteY4" fmla="*/ 6775779 h 6858000"/>
+              <a:gd name="connsiteX5" fmla="*/ 2259550 w 4167271"/>
+              <a:gd name="connsiteY5" fmla="*/ 6858000 h 6858000"/>
+              <a:gd name="connsiteX6" fmla="*/ 0 w 4167271"/>
+              <a:gd name="connsiteY6" fmla="*/ 6858000 h 6858000"/>
+            </a:gdLst>
+            <a:ahLst/>
+            <a:cxnLst>
+              <a:cxn ang="0">
+                <a:pos x="connsiteX0" y="connsiteY0"/>
+              </a:cxn>
+              <a:cxn ang="0">
+                <a:pos x="connsiteX1" y="connsiteY1"/>
+              </a:cxn>
+              <a:cxn ang="0">
+                <a:pos x="connsiteX2" y="connsiteY2"/>
+              </a:cxn>
+              <a:cxn ang="0">
+                <a:pos x="connsiteX3" y="connsiteY3"/>
+              </a:cxn>
+              <a:cxn ang="0">
+                <a:pos x="connsiteX4" y="connsiteY4"/>
+              </a:cxn>
+              <a:cxn ang="0">
+                <a:pos x="connsiteX5" y="connsiteY5"/>
+              </a:cxn>
+              <a:cxn ang="0">
+                <a:pos x="connsiteX6" y="connsiteY6"/>
+              </a:cxn>
+            </a:cxnLst>
+            <a:rect l="l" t="t" r="r" b="b"/>
+            <a:pathLst>
+              <a:path w="4167271" h="6858000">
+                <a:moveTo>
+                  <a:pt x="0" y="0"/>
+                </a:moveTo>
+                <a:lnTo>
+                  <a:pt x="2259550" y="0"/>
+                </a:lnTo>
+                <a:lnTo>
+                  <a:pt x="2387803" y="82222"/>
+                </a:lnTo>
+                <a:cubicBezTo>
+                  <a:pt x="3461407" y="807534"/>
+                  <a:pt x="4167271" y="2035835"/>
+                  <a:pt x="4167271" y="3429000"/>
+                </a:cubicBezTo>
+                <a:cubicBezTo>
+                  <a:pt x="4167271" y="4822165"/>
+                  <a:pt x="3461407" y="6050467"/>
+                  <a:pt x="2387803" y="6775779"/>
+                </a:cubicBezTo>
+                <a:lnTo>
+                  <a:pt x="2259550" y="6858000"/>
+                </a:lnTo>
+                <a:lnTo>
+                  <a:pt x="0" y="6858000"/>
+                </a:lnTo>
+                <a:close/>
+              </a:path>
+            </a:pathLst>
+          </a:custGeom>
+          <a:gradFill flip="none" rotWithShape="1">
+            <a:gsLst>
+              <a:gs pos="0">
+                <a:schemeClr val="accent2">
+                  <a:lumMod val="67000"/>
+                </a:schemeClr>
+              </a:gs>
+              <a:gs pos="48000">
+                <a:schemeClr val="accent2">
+                  <a:lumMod val="97000"/>
+                  <a:lumOff val="3000"/>
+                </a:schemeClr>
+              </a:gs>
+              <a:gs pos="100000">
+                <a:schemeClr val="accent2">
+                  <a:lumMod val="60000"/>
+                  <a:lumOff val="40000"/>
+                </a:schemeClr>
+              </a:gs>
+            </a:gsLst>
+            <a:lin ang="16200000" scaled="1"/>
+            <a:tileRect/>
+          </a:gradFill>
+          <a:ln>
+            <a:noFill/>
+          </a:ln>
+        </p:spPr>
+        <p:style>
+          <a:lnRef idx="0">
+            <a:scrgbClr r="0" g="0" b="0"/>
+          </a:lnRef>
+          <a:fillRef idx="0">
+            <a:scrgbClr r="0" g="0" b="0"/>
+          </a:fillRef>
+          <a:effectRef idx="0">
+            <a:scrgbClr r="0" g="0" b="0"/>
+          </a:effectRef>
+          <a:fontRef idx="minor">
+            <a:schemeClr val="lt1"/>
+          </a:fontRef>
+        </p:style>
+        <p:txBody>
+          <a:bodyPr rtlCol="0" anchor="ctr"/>
+          <a:lstStyle/>
+          <a:p>
+            <a:pPr algn="ctr"/>
+            <a:endParaRPr lang="en-US" dirty="0"/>
+          </a:p>
+        </p:txBody>
+      </p:sp>
+      <p:sp>
+        <p:nvSpPr>
+          <p:cNvPr id="2" name="Title 1">
+            <a:extLst>
+              <a:ext uri="{FF2B5EF4-FFF2-40B4-BE49-F238E27FC236}">
+                <a16:creationId xmlns:a16="http://schemas.microsoft.com/office/drawing/2014/main" id="{604CD088-9924-FDF8-32EA-64AD14C5DE41}"/>
+              </a:ext>
+            </a:extLst>
+          </p:cNvPr>
+          <p:cNvSpPr>
+            <a:spLocks noGrp="1"/>
+          </p:cNvSpPr>
+          <p:nvPr>
+            <p:ph type="title"/>
+          </p:nvPr>
+        </p:nvSpPr>
+        <p:spPr>
+          <a:xfrm>
+            <a:off x="686834" y="1153572"/>
+            <a:ext cx="3200400" cy="4461163"/>
+          </a:xfrm>
+        </p:spPr>
+        <p:txBody>
+          <a:bodyPr>
+            <a:normAutofit/>
+          </a:bodyPr>
+          <a:lstStyle/>
+          <a:p>
+            <a:r>
+              <a:rPr lang="en-US" dirty="0">
+                <a:solidFill>
+                  <a:srgbClr val="FFFFFF"/>
+                </a:solidFill>
+              </a:rPr>
+              <a:t>Sections</a:t>
+            </a:r>
+          </a:p>
+        </p:txBody>
+      </p:sp>
+      <p:sp>
+        <p:nvSpPr>
+          <p:cNvPr id="12" name="Arc 11">
+            <a:extLst>
+              <a:ext uri="{FF2B5EF4-FFF2-40B4-BE49-F238E27FC236}">
+                <a16:creationId xmlns:a16="http://schemas.microsoft.com/office/drawing/2014/main" id="{081E4A58-353D-44AE-B2FC-2A74E2E400F7}"/>
+              </a:ext>
+              <a:ext uri="{C183D7F6-B498-43B3-948B-1728B52AA6E4}">
+                <adec:decorative xmlns:adec="http://schemas.microsoft.com/office/drawing/2017/decorative" val="1"/>
+              </a:ext>
+            </a:extLst>
+          </p:cNvPr>
+          <p:cNvSpPr>
+            <a:spLocks noGrp="1" noRot="1" noChangeAspect="1" noMove="1" noResize="1" noEditPoints="1" noAdjustHandles="1" noChangeArrowheads="1" noChangeShapeType="1" noTextEdit="1"/>
+          </p:cNvSpPr>
+          <p:nvPr>
+            <p:extLst>
+              <p:ext uri="{386F3935-93C4-4BCD-93E2-E3B085C9AB24}">
+                <p16:designElem xmlns:p16="http://schemas.microsoft.com/office/powerpoint/2015/main" val="1"/>
+              </p:ext>
+            </p:extLst>
+          </p:nvPr>
+        </p:nvSpPr>
+        <p:spPr>
+          <a:xfrm flipV="1">
+            <a:off x="7550402" y="2455479"/>
+            <a:ext cx="4083433" cy="4083433"/>
+          </a:xfrm>
+          <a:prstGeom prst="arc">
+            <a:avLst/>
+          </a:prstGeom>
+          <a:ln w="127000" cap="rnd">
+            <a:solidFill>
+              <a:schemeClr val="accent4"/>
+            </a:solidFill>
+            <a:prstDash val="dash"/>
+          </a:ln>
+        </p:spPr>
+        <p:style>
+          <a:lnRef idx="1">
+            <a:schemeClr val="accent1"/>
+          </a:lnRef>
+          <a:fillRef idx="0">
+            <a:schemeClr val="accent1"/>
+          </a:fillRef>
+          <a:effectRef idx="0">
+            <a:schemeClr val="accent1"/>
+          </a:effectRef>
+          <a:fontRef idx="minor">
+            <a:schemeClr val="tx1"/>
+          </a:fontRef>
+        </p:style>
+        <p:txBody>
+          <a:bodyPr rtlCol="0" anchor="ctr"/>
+          <a:lstStyle/>
+          <a:p>
+            <a:pPr algn="ctr"/>
+            <a:endParaRPr lang="en-US" dirty="0"/>
+          </a:p>
+        </p:txBody>
+      </p:sp>
+      <mc:AlternateContent xmlns:mc="http://schemas.openxmlformats.org/markup-compatibility/2006">
+        <mc:Choice xmlns:we="http://schemas.microsoft.com/office/webextensions/webextension/2010/11" xmlns:pca="http://schemas.microsoft.com/office/powerpoint/2013/contentapp" Requires="we pca">
+          <p:graphicFrame>
+            <p:nvGraphicFramePr>
+              <p:cNvPr id="4" name="Content Placeholder 3" title="AhaSlides - Live Polls and Quizzes">
+                <a:extLst>
+                  <a:ext uri="{FF2B5EF4-FFF2-40B4-BE49-F238E27FC236}">
+                    <a16:creationId xmlns:a16="http://schemas.microsoft.com/office/drawing/2014/main" id="{21FD64C3-FF89-4914-90AF-788F2E1CD1E1}"/>
+                  </a:ext>
+                </a:extLst>
+              </p:cNvPr>
+              <p:cNvGraphicFramePr>
+                <a:graphicFrameLocks noGrp="1"/>
+              </p:cNvGraphicFramePr>
+              <p:nvPr>
+                <p:ph idx="1"/>
+                <p:extLst>
+                  <p:ext uri="{D42A27DB-BD31-4B8C-83A1-F6EECF244321}">
+                    <p14:modId xmlns:p14="http://schemas.microsoft.com/office/powerpoint/2010/main" val="1943801319"/>
+                  </p:ext>
+                </p:extLst>
+              </p:nvPr>
+            </p:nvGraphicFramePr>
+            <p:xfrm>
+              <a:off x="1" y="-676275"/>
+              <a:ext cx="12188951" cy="8224557"/>
+            </p:xfrm>
+            <a:graphic>
+              <a:graphicData uri="http://schemas.microsoft.com/office/webextensions/webextension/2010/11">
+                <we:webextensionref xmlns:we="http://schemas.microsoft.com/office/webextensions/webextension/2010/11" xmlns:r="http://schemas.openxmlformats.org/officeDocument/2006/relationships" r:id="rId3"/>
+              </a:graphicData>
+            </a:graphic>
+          </p:graphicFrame>
+        </mc:Choice>
+        <mc:Fallback>
+          <p:pic>
+            <p:nvPicPr>
+              <p:cNvPr id="4" name="Content Placeholder 3" title="AhaSlides - Live Polls and Quizzes">
+                <a:extLst>
+                  <a:ext uri="{FF2B5EF4-FFF2-40B4-BE49-F238E27FC236}">
+                    <a16:creationId xmlns:a16="http://schemas.microsoft.com/office/drawing/2014/main" id="{21FD64C3-FF89-4914-90AF-788F2E1CD1E1}"/>
+                  </a:ext>
+                </a:extLst>
+              </p:cNvPr>
+              <p:cNvPicPr>
+                <a:picLocks noGrp="1" noRot="1" noChangeAspect="1" noMove="1" noResize="1" noEditPoints="1" noAdjustHandles="1" noChangeArrowheads="1" noChangeShapeType="1"/>
+              </p:cNvPicPr>
+              <p:nvPr/>
+            </p:nvPicPr>
+            <p:blipFill>
+              <a:blip r:embed="rId4"/>
+              <a:stretch>
+                <a:fillRect/>
+              </a:stretch>
+            </p:blipFill>
+            <p:spPr>
+              <a:xfrm>
+                <a:off x="1" y="-676275"/>
+                <a:ext cx="12188951" cy="8224557"/>
+              </a:xfrm>
+              <a:prstGeom prst="rect">
+                <a:avLst/>
+              </a:prstGeom>
+            </p:spPr>
+          </p:pic>
+        </mc:Fallback>
+      </mc:AlternateContent>
+    </p:spTree>
+    <p:extLst>
+      <p:ext uri="{BB962C8B-B14F-4D97-AF65-F5344CB8AC3E}">
+        <p14:creationId xmlns:p14="http://schemas.microsoft.com/office/powerpoint/2010/main" val="886969157"/>
+      </p:ext>
+    </p:extLst>
+  </p:cSld>
+  <p:clrMapOvr>
+    <a:masterClrMapping/>
+  </p:clrMapOvr>
+  <p:timing>
+    <p:tnLst>
+      <p:par>
+        <p:cTn id="1" dur="indefinite" restart="never" nodeType="tmRoot">
+          <p:childTnLst>
+            <p:seq concurrent="1" nextAc="seek">
+              <p:cTn id="2" dur="indefinite" nodeType="mainSeq">
+                <p:childTnLst>
+                  <p:par>
+                    <p:cTn id="3" fill="hold">
+                      <p:stCondLst>
+                        <p:cond delay="indefinite"/>
+                      </p:stCondLst>
+                      <p:childTnLst>
+                        <p:par>
+                          <p:cTn id="4" fill="hold">
+                            <p:stCondLst>
+                              <p:cond delay="0"/>
+                            </p:stCondLst>
+                            <p:childTnLst>
+                              <p:par>
+                                <p:cTn id="5" presetID="2" presetClass="entr" presetSubtype="8" fill="hold" grpId="0" nodeType="clickEffect">
+                                  <p:stCondLst>
+                                    <p:cond delay="0"/>
+                                  </p:stCondLst>
+                                  <p:childTnLst>
+                                    <p:set>
+                                      <p:cBhvr>
+                                        <p:cTn id="6" dur="1" fill="hold">
+                                          <p:stCondLst>
+                                            <p:cond delay="0"/>
+                                          </p:stCondLst>
+                                        </p:cTn>
+                                        <p:tgtEl>
+                                          <p:spTgt spid="10"/>
+                                        </p:tgtEl>
+                                        <p:attrNameLst>
+                                          <p:attrName>style.visibility</p:attrName>
+                                        </p:attrNameLst>
+                                      </p:cBhvr>
+                                      <p:to>
+                                        <p:strVal val="visible"/>
+                                      </p:to>
+                                    </p:set>
+                                    <p:anim calcmode="lin" valueType="num">
+                                      <p:cBhvr additive="base">
+                                        <p:cTn id="7" dur="3500" fill="hold"/>
+                                        <p:tgtEl>
+                                          <p:spTgt spid="10"/>
+                                        </p:tgtEl>
+                                        <p:attrNameLst>
+                                          <p:attrName>ppt_x</p:attrName>
+                                        </p:attrNameLst>
+                                      </p:cBhvr>
+                                      <p:tavLst>
+                                        <p:tav tm="0">
+                                          <p:val>
+                                            <p:strVal val="0-#ppt_w/2"/>
+                                          </p:val>
+                                        </p:tav>
+                                        <p:tav tm="100000">
+                                          <p:val>
+                                            <p:strVal val="#ppt_x"/>
+                                          </p:val>
+                                        </p:tav>
+                                      </p:tavLst>
+                                    </p:anim>
+                                    <p:anim calcmode="lin" valueType="num">
+                                      <p:cBhvr additive="base">
+                                        <p:cTn id="8" dur="3500" fill="hold"/>
+                                        <p:tgtEl>
+                                          <p:spTgt spid="10"/>
+                                        </p:tgtEl>
+                                        <p:attrNameLst>
+                                          <p:attrName>ppt_y</p:attrName>
+                                        </p:attrNameLst>
+                                      </p:cBhvr>
+                                      <p:tavLst>
+                                        <p:tav tm="0">
+                                          <p:val>
+                                            <p:strVal val="#ppt_y"/>
+                                          </p:val>
+                                        </p:tav>
+                                        <p:tav tm="100000">
+                                          <p:val>
+                                            <p:strVal val="#ppt_y"/>
+                                          </p:val>
+                                        </p:tav>
+                                      </p:tavLst>
+                                    </p:anim>
+                                  </p:childTnLst>
+                                </p:cTn>
+                              </p:par>
+                            </p:childTnLst>
+                          </p:cTn>
+                        </p:par>
+                      </p:childTnLst>
+                    </p:cTn>
+                  </p:par>
+                </p:childTnLst>
+              </p:cTn>
+              <p:prevCondLst>
+                <p:cond evt="onPrev" delay="0">
+                  <p:tgtEl>
+                    <p:sldTgt/>
+                  </p:tgtEl>
+                </p:cond>
+              </p:prevCondLst>
+              <p:nextCondLst>
+                <p:cond evt="onNext" delay="0">
+                  <p:tgtEl>
+                    <p:sldTgt/>
+                  </p:tgtEl>
+                </p:cond>
+              </p:nextCondLst>
+            </p:seq>
+          </p:childTnLst>
+        </p:cTn>
+      </p:par>
+    </p:tnLst>
+    <p:bldLst>
+      <p:bldP spid="10" grpId="0" animBg="1"/>
+    </p:bldLst>
+  </p:timing>
+</p:sld>
+</file>
+
+<file path=ppt/slides/slide6.xml><?xml version="1.0" encoding="utf-8"?>
+<p:sld xmlns:a="http://schemas.openxmlformats.org/drawingml/2006/main" xmlns:r="http://schemas.openxmlformats.org/officeDocument/2006/relationships" xmlns:p="http://schemas.openxmlformats.org/presentationml/2006/main">
+  <p:cSld>
+    <p:bg>
+      <p:bgPr>
+        <a:solidFill>
+          <a:schemeClr val="bg1"/>
+        </a:solidFill>
+        <a:effectLst/>
+      </p:bgPr>
+    </p:bg>
+    <p:spTree>
+      <p:nvGrpSpPr>
+        <p:cNvPr id="1" name=""/>
+        <p:cNvGrpSpPr/>
+        <p:nvPr/>
+      </p:nvGrpSpPr>
+      <p:grpSpPr>
+        <a:xfrm>
+          <a:off x="0" y="0"/>
+          <a:ext cx="0" cy="0"/>
+          <a:chOff x="0" y="0"/>
+          <a:chExt cx="0" cy="0"/>
+        </a:xfrm>
+      </p:grpSpPr>
+      <p:sp useBgFill="1">
+        <p:nvSpPr>
+          <p:cNvPr id="8" name="Rectangle 7">
+            <a:extLst>
+              <a:ext uri="{FF2B5EF4-FFF2-40B4-BE49-F238E27FC236}">
                 <a16:creationId xmlns:a16="http://schemas.microsoft.com/office/drawing/2014/main" id="{DAF1966E-FD40-4A4A-B61B-C4DF7FA05F06}"/>
               </a:ext>
               <a:ext uri="{C183D7F6-B498-43B3-948B-1728B52AA6E4}">
@@ -6370,7 +6997,7 @@
 </p:sld>
 </file>
 
-<file path=ppt/slides/slide6.xml><?xml version="1.0" encoding="utf-8"?>
+<file path=ppt/slides/slide7.xml><?xml version="1.0" encoding="utf-8"?>
 <p:sld xmlns:a="http://schemas.openxmlformats.org/drawingml/2006/main" xmlns:r="http://schemas.openxmlformats.org/officeDocument/2006/relationships" xmlns:p="http://schemas.openxmlformats.org/presentationml/2006/main">
   <p:cSld>
     <p:bg>
@@ -7367,4 +7994,18 @@
     </a:ext>
   </a:extLst>
 </a:theme>
+</file>
+
+<file path=ppt/webextensions/webextension1.xml><?xml version="1.0" encoding="utf-8"?>
+<we:webextension xmlns:we="http://schemas.microsoft.com/office/webextensions/webextension/2010/11" id="{E6A629F0-986D-4F72-AB22-D1874F787E33}">
+  <we:reference id="wa200004824" version="1.0.0.0" store="en-US" storeType="OMEX"/>
+  <we:alternateReferences>
+    <we:reference id="wa200004824" version="1.0.0.0" store="wa200004824" storeType="OMEX"/>
+  </we:alternateReferences>
+  <we:properties>
+    <we:property name="aha-slide" value="{&quot;slideId&quot;:&quot;92808901&quot;}"/>
+  </we:properties>
+  <we:bindings/>
+  <we:snapshot xmlns:r="http://schemas.openxmlformats.org/officeDocument/2006/relationships" r:embed="rId1"/>
+</we:webextension>
 </file>
--- a/ThatConference2023.pptx
+++ b/ThatConference2023.pptx
@@ -5,7 +5,7 @@
     <p:sldMasterId id="2147483660" r:id="rId1"/>
   </p:sldMasterIdLst>
   <p:notesMasterIdLst>
-    <p:notesMasterId r:id="rId8"/>
+    <p:notesMasterId r:id="rId19"/>
   </p:notesMasterIdLst>
   <p:sldIdLst>
     <p:sldId id="256" r:id="rId2"/>
@@ -13,7 +13,18 @@
     <p:sldId id="272" r:id="rId4"/>
     <p:sldId id="291" r:id="rId5"/>
     <p:sldId id="266" r:id="rId6"/>
-    <p:sldId id="290" r:id="rId7"/>
+    <p:sldId id="292" r:id="rId7"/>
+    <p:sldId id="293" r:id="rId8"/>
+    <p:sldId id="297" r:id="rId9"/>
+    <p:sldId id="298" r:id="rId10"/>
+    <p:sldId id="296" r:id="rId11"/>
+    <p:sldId id="295" r:id="rId12"/>
+    <p:sldId id="299" r:id="rId13"/>
+    <p:sldId id="301" r:id="rId14"/>
+    <p:sldId id="304" r:id="rId15"/>
+    <p:sldId id="302" r:id="rId16"/>
+    <p:sldId id="303" r:id="rId17"/>
+    <p:sldId id="300" r:id="rId18"/>
   </p:sldIdLst>
   <p:sldSz cx="12192000" cy="6858000"/>
   <p:notesSz cx="6858000" cy="9144000"/>
@@ -122,7 +133,18 @@
             <p14:sldId id="272"/>
             <p14:sldId id="291"/>
             <p14:sldId id="266"/>
-            <p14:sldId id="290"/>
+            <p14:sldId id="292"/>
+            <p14:sldId id="293"/>
+            <p14:sldId id="297"/>
+            <p14:sldId id="298"/>
+            <p14:sldId id="296"/>
+            <p14:sldId id="295"/>
+            <p14:sldId id="299"/>
+            <p14:sldId id="301"/>
+            <p14:sldId id="304"/>
+            <p14:sldId id="302"/>
+            <p14:sldId id="303"/>
+            <p14:sldId id="300"/>
           </p14:sldIdLst>
         </p14:section>
       </p14:sectionLst>
@@ -239,7 +261,7 @@
           <a:p>
             <a:fld id="{BA065681-88F1-4872-B208-B53BCC8B42F3}" type="datetimeFigureOut">
               <a:rPr lang="en-US" smtClean="0"/>
-              <a:t>5/24/2023</a:t>
+              <a:t>6/4/2023</a:t>
             </a:fld>
             <a:endParaRPr lang="en-US"/>
           </a:p>
@@ -599,6 +621,787 @@
 </p:notes>
 </file>
 
+<file path=ppt/notesSlides/notesSlide10.xml><?xml version="1.0" encoding="utf-8"?>
+<p:notes xmlns:a="http://schemas.openxmlformats.org/drawingml/2006/main" xmlns:r="http://schemas.openxmlformats.org/officeDocument/2006/relationships" xmlns:p="http://schemas.openxmlformats.org/presentationml/2006/main">
+  <p:cSld>
+    <p:spTree>
+      <p:nvGrpSpPr>
+        <p:cNvPr id="1" name=""/>
+        <p:cNvGrpSpPr/>
+        <p:nvPr/>
+      </p:nvGrpSpPr>
+      <p:grpSpPr>
+        <a:xfrm>
+          <a:off x="0" y="0"/>
+          <a:ext cx="0" cy="0"/>
+          <a:chOff x="0" y="0"/>
+          <a:chExt cx="0" cy="0"/>
+        </a:xfrm>
+      </p:grpSpPr>
+      <p:sp>
+        <p:nvSpPr>
+          <p:cNvPr id="2" name="Slide Image Placeholder 1"/>
+          <p:cNvSpPr>
+            <a:spLocks noGrp="1" noRot="1" noChangeAspect="1"/>
+          </p:cNvSpPr>
+          <p:nvPr>
+            <p:ph type="sldImg"/>
+          </p:nvPr>
+        </p:nvSpPr>
+        <p:spPr/>
+      </p:sp>
+      <p:sp>
+        <p:nvSpPr>
+          <p:cNvPr id="3" name="Notes Placeholder 2"/>
+          <p:cNvSpPr>
+            <a:spLocks noGrp="1"/>
+          </p:cNvSpPr>
+          <p:nvPr>
+            <p:ph type="body" idx="1"/>
+          </p:nvPr>
+        </p:nvSpPr>
+        <p:spPr/>
+        <p:txBody>
+          <a:bodyPr/>
+          <a:lstStyle/>
+          <a:p>
+            <a:r>
+              <a:rPr lang="en-US" dirty="0"/>
+              <a:t>TDD many times leads to hyperfocus on the unit of code.  </a:t>
+            </a:r>
+          </a:p>
+          <a:p>
+            <a:pPr marL="0" marR="0" lvl="0" indent="0" algn="l" defTabSz="914400" rtl="0" eaLnBrk="1" fontAlgn="auto" latinLnBrk="0" hangingPunct="1">
+              <a:lnSpc>
+                <a:spcPct val="100000"/>
+              </a:lnSpc>
+              <a:spcBef>
+                <a:spcPts val="0"/>
+              </a:spcBef>
+              <a:spcAft>
+                <a:spcPts val="0"/>
+              </a:spcAft>
+              <a:buClrTx/>
+              <a:buSzTx/>
+              <a:buFontTx/>
+              <a:buNone/>
+              <a:tabLst/>
+              <a:defRPr/>
+            </a:pPr>
+            <a:r>
+              <a:rPr lang="en-US" dirty="0"/>
+              <a:t>TDD -&gt; Great coverage (side effect – not goal)</a:t>
+            </a:r>
+          </a:p>
+          <a:p>
+            <a:pPr marL="0" marR="0" lvl="0" indent="0" algn="l" defTabSz="914400" rtl="0" eaLnBrk="1" fontAlgn="auto" latinLnBrk="0" hangingPunct="1">
+              <a:lnSpc>
+                <a:spcPct val="100000"/>
+              </a:lnSpc>
+              <a:spcBef>
+                <a:spcPts val="0"/>
+              </a:spcBef>
+              <a:spcAft>
+                <a:spcPts val="0"/>
+              </a:spcAft>
+              <a:buClrTx/>
+              <a:buSzTx/>
+              <a:buFontTx/>
+              <a:buNone/>
+              <a:tabLst/>
+              <a:defRPr/>
+            </a:pPr>
+            <a:r>
+              <a:rPr lang="en-US" dirty="0"/>
+              <a:t>	TDD is about drive development from tests (initiating force / driver)</a:t>
+            </a:r>
+          </a:p>
+        </p:txBody>
+      </p:sp>
+      <p:sp>
+        <p:nvSpPr>
+          <p:cNvPr id="4" name="Slide Number Placeholder 3"/>
+          <p:cNvSpPr>
+            <a:spLocks noGrp="1"/>
+          </p:cNvSpPr>
+          <p:nvPr>
+            <p:ph type="sldNum" sz="quarter" idx="5"/>
+          </p:nvPr>
+        </p:nvSpPr>
+        <p:spPr/>
+        <p:txBody>
+          <a:bodyPr/>
+          <a:lstStyle/>
+          <a:p>
+            <a:fld id="{AAA20043-755E-4D2A-B767-23CBDFF65C2F}" type="slidenum">
+              <a:rPr lang="en-US" smtClean="0"/>
+              <a:t>11</a:t>
+            </a:fld>
+            <a:endParaRPr lang="en-US"/>
+          </a:p>
+        </p:txBody>
+      </p:sp>
+    </p:spTree>
+    <p:extLst>
+      <p:ext uri="{BB962C8B-B14F-4D97-AF65-F5344CB8AC3E}">
+        <p14:creationId xmlns:p14="http://schemas.microsoft.com/office/powerpoint/2010/main" val="3634205570"/>
+      </p:ext>
+    </p:extLst>
+  </p:cSld>
+  <p:clrMapOvr>
+    <a:masterClrMapping/>
+  </p:clrMapOvr>
+</p:notes>
+</file>
+
+<file path=ppt/notesSlides/notesSlide11.xml><?xml version="1.0" encoding="utf-8"?>
+<p:notes xmlns:a="http://schemas.openxmlformats.org/drawingml/2006/main" xmlns:r="http://schemas.openxmlformats.org/officeDocument/2006/relationships" xmlns:p="http://schemas.openxmlformats.org/presentationml/2006/main">
+  <p:cSld>
+    <p:spTree>
+      <p:nvGrpSpPr>
+        <p:cNvPr id="1" name=""/>
+        <p:cNvGrpSpPr/>
+        <p:nvPr/>
+      </p:nvGrpSpPr>
+      <p:grpSpPr>
+        <a:xfrm>
+          <a:off x="0" y="0"/>
+          <a:ext cx="0" cy="0"/>
+          <a:chOff x="0" y="0"/>
+          <a:chExt cx="0" cy="0"/>
+        </a:xfrm>
+      </p:grpSpPr>
+      <p:sp>
+        <p:nvSpPr>
+          <p:cNvPr id="2" name="Slide Image Placeholder 1"/>
+          <p:cNvSpPr>
+            <a:spLocks noGrp="1" noRot="1" noChangeAspect="1"/>
+          </p:cNvSpPr>
+          <p:nvPr>
+            <p:ph type="sldImg"/>
+          </p:nvPr>
+        </p:nvSpPr>
+        <p:spPr/>
+      </p:sp>
+      <p:sp>
+        <p:nvSpPr>
+          <p:cNvPr id="3" name="Notes Placeholder 2"/>
+          <p:cNvSpPr>
+            <a:spLocks noGrp="1"/>
+          </p:cNvSpPr>
+          <p:nvPr>
+            <p:ph type="body" idx="1"/>
+          </p:nvPr>
+        </p:nvSpPr>
+        <p:spPr/>
+        <p:txBody>
+          <a:bodyPr/>
+          <a:lstStyle/>
+          <a:p>
+            <a:r>
+              <a:rPr lang="en-US" dirty="0"/>
+              <a:t>BDD sounds like TDD</a:t>
+            </a:r>
+          </a:p>
+          <a:p>
+            <a:r>
+              <a:rPr lang="en-US" dirty="0"/>
+              <a:t>TDD many times leads to hyperfocus on the unit of code.  </a:t>
+            </a:r>
+          </a:p>
+          <a:p>
+            <a:r>
+              <a:rPr lang="en-US" dirty="0"/>
+              <a:t>BDD tries to focus on Acceptance tests from an </a:t>
+            </a:r>
+          </a:p>
+          <a:p>
+            <a:pPr marL="0" marR="0" lvl="0" indent="0" algn="l" defTabSz="914400" rtl="0" eaLnBrk="1" fontAlgn="auto" latinLnBrk="0" hangingPunct="1">
+              <a:lnSpc>
+                <a:spcPct val="100000"/>
+              </a:lnSpc>
+              <a:spcBef>
+                <a:spcPts val="0"/>
+              </a:spcBef>
+              <a:spcAft>
+                <a:spcPts val="0"/>
+              </a:spcAft>
+              <a:buClrTx/>
+              <a:buSzTx/>
+              <a:buFontTx/>
+              <a:buNone/>
+              <a:tabLst/>
+              <a:defRPr/>
+            </a:pPr>
+            <a:r>
+              <a:rPr lang="en-US" dirty="0"/>
+              <a:t>TDD -&gt; Great coverage (side effect – not goal)</a:t>
+            </a:r>
+          </a:p>
+          <a:p>
+            <a:pPr marL="0" marR="0" lvl="0" indent="0" algn="l" defTabSz="914400" rtl="0" eaLnBrk="1" fontAlgn="auto" latinLnBrk="0" hangingPunct="1">
+              <a:lnSpc>
+                <a:spcPct val="100000"/>
+              </a:lnSpc>
+              <a:spcBef>
+                <a:spcPts val="0"/>
+              </a:spcBef>
+              <a:spcAft>
+                <a:spcPts val="0"/>
+              </a:spcAft>
+              <a:buClrTx/>
+              <a:buSzTx/>
+              <a:buFontTx/>
+              <a:buNone/>
+              <a:tabLst/>
+              <a:defRPr/>
+            </a:pPr>
+            <a:r>
+              <a:rPr lang="en-US" dirty="0"/>
+              <a:t>	TDD is about drive development from tests (initiating force / driver)</a:t>
+            </a:r>
+          </a:p>
+          <a:p>
+            <a:pPr marL="0" marR="0" lvl="0" indent="0" algn="l" defTabSz="914400" rtl="0" eaLnBrk="1" fontAlgn="auto" latinLnBrk="0" hangingPunct="1">
+              <a:lnSpc>
+                <a:spcPct val="100000"/>
+              </a:lnSpc>
+              <a:spcBef>
+                <a:spcPts val="0"/>
+              </a:spcBef>
+              <a:spcAft>
+                <a:spcPts val="0"/>
+              </a:spcAft>
+              <a:buClrTx/>
+              <a:buSzTx/>
+              <a:buFontTx/>
+              <a:buNone/>
+              <a:tabLst/>
+              <a:defRPr/>
+            </a:pPr>
+            <a:r>
+              <a:rPr lang="en-US" dirty="0"/>
+              <a:t>Obvious change the concept / words that make up how to do proper TDD  (What do you test?)</a:t>
+            </a:r>
+          </a:p>
+          <a:p>
+            <a:pPr marL="0" marR="0" lvl="0" indent="0" algn="l" defTabSz="914400" rtl="0" eaLnBrk="1" fontAlgn="auto" latinLnBrk="0" hangingPunct="1">
+              <a:lnSpc>
+                <a:spcPct val="100000"/>
+              </a:lnSpc>
+              <a:spcBef>
+                <a:spcPts val="0"/>
+              </a:spcBef>
+              <a:spcAft>
+                <a:spcPts val="0"/>
+              </a:spcAft>
+              <a:buClrTx/>
+              <a:buSzTx/>
+              <a:buFontTx/>
+              <a:buNone/>
+              <a:tabLst/>
+              <a:defRPr/>
+            </a:pPr>
+            <a:r>
+              <a:rPr lang="en-US" dirty="0"/>
+              <a:t>	It should be more about design and development than tests</a:t>
+            </a:r>
+          </a:p>
+          <a:p>
+            <a:pPr marL="0" marR="0" lvl="0" indent="0" algn="l" defTabSz="914400" rtl="0" eaLnBrk="1" fontAlgn="auto" latinLnBrk="0" hangingPunct="1">
+              <a:lnSpc>
+                <a:spcPct val="100000"/>
+              </a:lnSpc>
+              <a:spcBef>
+                <a:spcPts val="0"/>
+              </a:spcBef>
+              <a:spcAft>
+                <a:spcPts val="0"/>
+              </a:spcAft>
+              <a:buClrTx/>
+              <a:buSzTx/>
+              <a:buFontTx/>
+              <a:buNone/>
+              <a:tabLst/>
+              <a:defRPr/>
+            </a:pPr>
+            <a:r>
+              <a:rPr lang="en-US" dirty="0"/>
+              <a:t>	We shouldn’t ask how to test the implementation DETAIL of the code.</a:t>
+            </a:r>
+          </a:p>
+          <a:p>
+            <a:pPr marL="0" marR="0" lvl="0" indent="0" algn="l" defTabSz="914400" rtl="0" eaLnBrk="1" fontAlgn="auto" latinLnBrk="0" hangingPunct="1">
+              <a:lnSpc>
+                <a:spcPct val="100000"/>
+              </a:lnSpc>
+              <a:spcBef>
+                <a:spcPts val="0"/>
+              </a:spcBef>
+              <a:spcAft>
+                <a:spcPts val="0"/>
+              </a:spcAft>
+              <a:buClrTx/>
+              <a:buSzTx/>
+              <a:buFontTx/>
+              <a:buNone/>
+              <a:tabLst/>
+              <a:defRPr/>
+            </a:pPr>
+            <a:r>
+              <a:rPr lang="en-US" dirty="0"/>
+              <a:t>BDD changes thought from:</a:t>
+            </a:r>
+          </a:p>
+          <a:p>
+            <a:pPr marL="0" marR="0" lvl="0" indent="0" algn="l" defTabSz="914400" rtl="0" eaLnBrk="1" fontAlgn="auto" latinLnBrk="0" hangingPunct="1">
+              <a:lnSpc>
+                <a:spcPct val="100000"/>
+              </a:lnSpc>
+              <a:spcBef>
+                <a:spcPts val="0"/>
+              </a:spcBef>
+              <a:spcAft>
+                <a:spcPts val="0"/>
+              </a:spcAft>
+              <a:buClrTx/>
+              <a:buSzTx/>
+              <a:buFontTx/>
+              <a:buNone/>
+              <a:tabLst/>
+              <a:defRPr/>
+            </a:pPr>
+            <a:r>
+              <a:rPr lang="en-US" dirty="0"/>
+              <a:t>	Test Cases -&gt; Specifications</a:t>
+            </a:r>
+          </a:p>
+          <a:p>
+            <a:pPr marL="0" marR="0" lvl="0" indent="0" algn="l" defTabSz="914400" rtl="0" eaLnBrk="1" fontAlgn="auto" latinLnBrk="0" hangingPunct="1">
+              <a:lnSpc>
+                <a:spcPct val="100000"/>
+              </a:lnSpc>
+              <a:spcBef>
+                <a:spcPts val="0"/>
+              </a:spcBef>
+              <a:spcAft>
+                <a:spcPts val="0"/>
+              </a:spcAft>
+              <a:buClrTx/>
+              <a:buSzTx/>
+              <a:buFontTx/>
+              <a:buNone/>
+              <a:tabLst/>
+              <a:defRPr/>
+            </a:pPr>
+            <a:r>
+              <a:rPr lang="en-US" dirty="0"/>
+              <a:t>	Tests -&gt; Scenarios</a:t>
+            </a:r>
+          </a:p>
+          <a:p>
+            <a:pPr marL="0" marR="0" lvl="0" indent="0" algn="l" defTabSz="914400" rtl="0" eaLnBrk="1" fontAlgn="auto" latinLnBrk="0" hangingPunct="1">
+              <a:lnSpc>
+                <a:spcPct val="100000"/>
+              </a:lnSpc>
+              <a:spcBef>
+                <a:spcPts val="0"/>
+              </a:spcBef>
+              <a:spcAft>
+                <a:spcPts val="0"/>
+              </a:spcAft>
+              <a:buClrTx/>
+              <a:buSzTx/>
+              <a:buFontTx/>
+              <a:buNone/>
+              <a:tabLst/>
+              <a:defRPr/>
+            </a:pPr>
+            <a:r>
+              <a:rPr lang="en-US" dirty="0"/>
+              <a:t>         Stop thinking how software works, think about what the users want to achieve</a:t>
+            </a:r>
+          </a:p>
+        </p:txBody>
+      </p:sp>
+      <p:sp>
+        <p:nvSpPr>
+          <p:cNvPr id="4" name="Slide Number Placeholder 3"/>
+          <p:cNvSpPr>
+            <a:spLocks noGrp="1"/>
+          </p:cNvSpPr>
+          <p:nvPr>
+            <p:ph type="sldNum" sz="quarter" idx="5"/>
+          </p:nvPr>
+        </p:nvSpPr>
+        <p:spPr/>
+        <p:txBody>
+          <a:bodyPr/>
+          <a:lstStyle/>
+          <a:p>
+            <a:fld id="{AAA20043-755E-4D2A-B767-23CBDFF65C2F}" type="slidenum">
+              <a:rPr lang="en-US" smtClean="0"/>
+              <a:t>12</a:t>
+            </a:fld>
+            <a:endParaRPr lang="en-US"/>
+          </a:p>
+        </p:txBody>
+      </p:sp>
+    </p:spTree>
+    <p:extLst>
+      <p:ext uri="{BB962C8B-B14F-4D97-AF65-F5344CB8AC3E}">
+        <p14:creationId xmlns:p14="http://schemas.microsoft.com/office/powerpoint/2010/main" val="352182948"/>
+      </p:ext>
+    </p:extLst>
+  </p:cSld>
+  <p:clrMapOvr>
+    <a:masterClrMapping/>
+  </p:clrMapOvr>
+</p:notes>
+</file>
+
+<file path=ppt/notesSlides/notesSlide12.xml><?xml version="1.0" encoding="utf-8"?>
+<p:notes xmlns:a="http://schemas.openxmlformats.org/drawingml/2006/main" xmlns:r="http://schemas.openxmlformats.org/officeDocument/2006/relationships" xmlns:p="http://schemas.openxmlformats.org/presentationml/2006/main">
+  <p:cSld>
+    <p:spTree>
+      <p:nvGrpSpPr>
+        <p:cNvPr id="1" name=""/>
+        <p:cNvGrpSpPr/>
+        <p:nvPr/>
+      </p:nvGrpSpPr>
+      <p:grpSpPr>
+        <a:xfrm>
+          <a:off x="0" y="0"/>
+          <a:ext cx="0" cy="0"/>
+          <a:chOff x="0" y="0"/>
+          <a:chExt cx="0" cy="0"/>
+        </a:xfrm>
+      </p:grpSpPr>
+      <p:sp>
+        <p:nvSpPr>
+          <p:cNvPr id="2" name="Slide Image Placeholder 1"/>
+          <p:cNvSpPr>
+            <a:spLocks noGrp="1" noRot="1" noChangeAspect="1"/>
+          </p:cNvSpPr>
+          <p:nvPr>
+            <p:ph type="sldImg"/>
+          </p:nvPr>
+        </p:nvSpPr>
+        <p:spPr/>
+      </p:sp>
+      <p:sp>
+        <p:nvSpPr>
+          <p:cNvPr id="3" name="Notes Placeholder 2"/>
+          <p:cNvSpPr>
+            <a:spLocks noGrp="1"/>
+          </p:cNvSpPr>
+          <p:nvPr>
+            <p:ph type="body" idx="1"/>
+          </p:nvPr>
+        </p:nvSpPr>
+        <p:spPr/>
+        <p:txBody>
+          <a:bodyPr/>
+          <a:lstStyle/>
+          <a:p>
+            <a:r>
+              <a:rPr lang="en-US" dirty="0"/>
+              <a:t>END 2:37</a:t>
+            </a:r>
+          </a:p>
+        </p:txBody>
+      </p:sp>
+      <p:sp>
+        <p:nvSpPr>
+          <p:cNvPr id="4" name="Slide Number Placeholder 3"/>
+          <p:cNvSpPr>
+            <a:spLocks noGrp="1"/>
+          </p:cNvSpPr>
+          <p:nvPr>
+            <p:ph type="sldNum" sz="quarter" idx="5"/>
+          </p:nvPr>
+        </p:nvSpPr>
+        <p:spPr/>
+        <p:txBody>
+          <a:bodyPr/>
+          <a:lstStyle/>
+          <a:p>
+            <a:fld id="{AAA20043-755E-4D2A-B767-23CBDFF65C2F}" type="slidenum">
+              <a:rPr lang="en-US" smtClean="0"/>
+              <a:t>13</a:t>
+            </a:fld>
+            <a:endParaRPr lang="en-US"/>
+          </a:p>
+        </p:txBody>
+      </p:sp>
+    </p:spTree>
+    <p:extLst>
+      <p:ext uri="{BB962C8B-B14F-4D97-AF65-F5344CB8AC3E}">
+        <p14:creationId xmlns:p14="http://schemas.microsoft.com/office/powerpoint/2010/main" val="2326540985"/>
+      </p:ext>
+    </p:extLst>
+  </p:cSld>
+  <p:clrMapOvr>
+    <a:masterClrMapping/>
+  </p:clrMapOvr>
+</p:notes>
+</file>
+
+<file path=ppt/notesSlides/notesSlide13.xml><?xml version="1.0" encoding="utf-8"?>
+<p:notes xmlns:a="http://schemas.openxmlformats.org/drawingml/2006/main" xmlns:r="http://schemas.openxmlformats.org/officeDocument/2006/relationships" xmlns:p="http://schemas.openxmlformats.org/presentationml/2006/main">
+  <p:cSld>
+    <p:spTree>
+      <p:nvGrpSpPr>
+        <p:cNvPr id="1" name=""/>
+        <p:cNvGrpSpPr/>
+        <p:nvPr/>
+      </p:nvGrpSpPr>
+      <p:grpSpPr>
+        <a:xfrm>
+          <a:off x="0" y="0"/>
+          <a:ext cx="0" cy="0"/>
+          <a:chOff x="0" y="0"/>
+          <a:chExt cx="0" cy="0"/>
+        </a:xfrm>
+      </p:grpSpPr>
+      <p:sp>
+        <p:nvSpPr>
+          <p:cNvPr id="2" name="Slide Image Placeholder 1"/>
+          <p:cNvSpPr>
+            <a:spLocks noGrp="1" noRot="1" noChangeAspect="1"/>
+          </p:cNvSpPr>
+          <p:nvPr>
+            <p:ph type="sldImg"/>
+          </p:nvPr>
+        </p:nvSpPr>
+        <p:spPr/>
+      </p:sp>
+      <p:sp>
+        <p:nvSpPr>
+          <p:cNvPr id="3" name="Notes Placeholder 2"/>
+          <p:cNvSpPr>
+            <a:spLocks noGrp="1"/>
+          </p:cNvSpPr>
+          <p:nvPr>
+            <p:ph type="body" idx="1"/>
+          </p:nvPr>
+        </p:nvSpPr>
+        <p:spPr/>
+        <p:txBody>
+          <a:bodyPr/>
+          <a:lstStyle/>
+          <a:p>
+            <a:endParaRPr lang="en-US" dirty="0"/>
+          </a:p>
+        </p:txBody>
+      </p:sp>
+      <p:sp>
+        <p:nvSpPr>
+          <p:cNvPr id="4" name="Slide Number Placeholder 3"/>
+          <p:cNvSpPr>
+            <a:spLocks noGrp="1"/>
+          </p:cNvSpPr>
+          <p:nvPr>
+            <p:ph type="sldNum" sz="quarter" idx="5"/>
+          </p:nvPr>
+        </p:nvSpPr>
+        <p:spPr/>
+        <p:txBody>
+          <a:bodyPr/>
+          <a:lstStyle/>
+          <a:p>
+            <a:fld id="{AAA20043-755E-4D2A-B767-23CBDFF65C2F}" type="slidenum">
+              <a:rPr lang="en-US" smtClean="0"/>
+              <a:t>14</a:t>
+            </a:fld>
+            <a:endParaRPr lang="en-US"/>
+          </a:p>
+        </p:txBody>
+      </p:sp>
+    </p:spTree>
+    <p:extLst>
+      <p:ext uri="{BB962C8B-B14F-4D97-AF65-F5344CB8AC3E}">
+        <p14:creationId xmlns:p14="http://schemas.microsoft.com/office/powerpoint/2010/main" val="3353804740"/>
+      </p:ext>
+    </p:extLst>
+  </p:cSld>
+  <p:clrMapOvr>
+    <a:masterClrMapping/>
+  </p:clrMapOvr>
+</p:notes>
+</file>
+
+<file path=ppt/notesSlides/notesSlide14.xml><?xml version="1.0" encoding="utf-8"?>
+<p:notes xmlns:a="http://schemas.openxmlformats.org/drawingml/2006/main" xmlns:r="http://schemas.openxmlformats.org/officeDocument/2006/relationships" xmlns:p="http://schemas.openxmlformats.org/presentationml/2006/main">
+  <p:cSld>
+    <p:spTree>
+      <p:nvGrpSpPr>
+        <p:cNvPr id="1" name=""/>
+        <p:cNvGrpSpPr/>
+        <p:nvPr/>
+      </p:nvGrpSpPr>
+      <p:grpSpPr>
+        <a:xfrm>
+          <a:off x="0" y="0"/>
+          <a:ext cx="0" cy="0"/>
+          <a:chOff x="0" y="0"/>
+          <a:chExt cx="0" cy="0"/>
+        </a:xfrm>
+      </p:grpSpPr>
+      <p:sp>
+        <p:nvSpPr>
+          <p:cNvPr id="2" name="Slide Image Placeholder 1"/>
+          <p:cNvSpPr>
+            <a:spLocks noGrp="1" noRot="1" noChangeAspect="1"/>
+          </p:cNvSpPr>
+          <p:nvPr>
+            <p:ph type="sldImg"/>
+          </p:nvPr>
+        </p:nvSpPr>
+        <p:spPr/>
+      </p:sp>
+      <p:sp>
+        <p:nvSpPr>
+          <p:cNvPr id="3" name="Notes Placeholder 2"/>
+          <p:cNvSpPr>
+            <a:spLocks noGrp="1"/>
+          </p:cNvSpPr>
+          <p:nvPr>
+            <p:ph type="body" idx="1"/>
+          </p:nvPr>
+        </p:nvSpPr>
+        <p:spPr/>
+        <p:txBody>
+          <a:bodyPr/>
+          <a:lstStyle/>
+          <a:p>
+            <a:endParaRPr lang="en-US" dirty="0"/>
+          </a:p>
+        </p:txBody>
+      </p:sp>
+      <p:sp>
+        <p:nvSpPr>
+          <p:cNvPr id="4" name="Slide Number Placeholder 3"/>
+          <p:cNvSpPr>
+            <a:spLocks noGrp="1"/>
+          </p:cNvSpPr>
+          <p:nvPr>
+            <p:ph type="sldNum" sz="quarter" idx="5"/>
+          </p:nvPr>
+        </p:nvSpPr>
+        <p:spPr/>
+        <p:txBody>
+          <a:bodyPr/>
+          <a:lstStyle/>
+          <a:p>
+            <a:fld id="{AAA20043-755E-4D2A-B767-23CBDFF65C2F}" type="slidenum">
+              <a:rPr lang="en-US" smtClean="0"/>
+              <a:t>15</a:t>
+            </a:fld>
+            <a:endParaRPr lang="en-US"/>
+          </a:p>
+        </p:txBody>
+      </p:sp>
+    </p:spTree>
+    <p:extLst>
+      <p:ext uri="{BB962C8B-B14F-4D97-AF65-F5344CB8AC3E}">
+        <p14:creationId xmlns:p14="http://schemas.microsoft.com/office/powerpoint/2010/main" val="1280869736"/>
+      </p:ext>
+    </p:extLst>
+  </p:cSld>
+  <p:clrMapOvr>
+    <a:masterClrMapping/>
+  </p:clrMapOvr>
+</p:notes>
+</file>
+
+<file path=ppt/notesSlides/notesSlide15.xml><?xml version="1.0" encoding="utf-8"?>
+<p:notes xmlns:a="http://schemas.openxmlformats.org/drawingml/2006/main" xmlns:r="http://schemas.openxmlformats.org/officeDocument/2006/relationships" xmlns:p="http://schemas.openxmlformats.org/presentationml/2006/main">
+  <p:cSld>
+    <p:spTree>
+      <p:nvGrpSpPr>
+        <p:cNvPr id="1" name=""/>
+        <p:cNvGrpSpPr/>
+        <p:nvPr/>
+      </p:nvGrpSpPr>
+      <p:grpSpPr>
+        <a:xfrm>
+          <a:off x="0" y="0"/>
+          <a:ext cx="0" cy="0"/>
+          <a:chOff x="0" y="0"/>
+          <a:chExt cx="0" cy="0"/>
+        </a:xfrm>
+      </p:grpSpPr>
+      <p:sp>
+        <p:nvSpPr>
+          <p:cNvPr id="2" name="Slide Image Placeholder 1"/>
+          <p:cNvSpPr>
+            <a:spLocks noGrp="1" noRot="1" noChangeAspect="1"/>
+          </p:cNvSpPr>
+          <p:nvPr>
+            <p:ph type="sldImg"/>
+          </p:nvPr>
+        </p:nvSpPr>
+        <p:spPr/>
+      </p:sp>
+      <p:sp>
+        <p:nvSpPr>
+          <p:cNvPr id="3" name="Notes Placeholder 2"/>
+          <p:cNvSpPr>
+            <a:spLocks noGrp="1"/>
+          </p:cNvSpPr>
+          <p:nvPr>
+            <p:ph type="body" idx="1"/>
+          </p:nvPr>
+        </p:nvSpPr>
+        <p:spPr/>
+        <p:txBody>
+          <a:bodyPr/>
+          <a:lstStyle/>
+          <a:p>
+            <a:r>
+              <a:rPr lang="en-US" dirty="0"/>
+              <a:t>END 2:37</a:t>
+            </a:r>
+          </a:p>
+        </p:txBody>
+      </p:sp>
+      <p:sp>
+        <p:nvSpPr>
+          <p:cNvPr id="4" name="Slide Number Placeholder 3"/>
+          <p:cNvSpPr>
+            <a:spLocks noGrp="1"/>
+          </p:cNvSpPr>
+          <p:nvPr>
+            <p:ph type="sldNum" sz="quarter" idx="5"/>
+          </p:nvPr>
+        </p:nvSpPr>
+        <p:spPr/>
+        <p:txBody>
+          <a:bodyPr/>
+          <a:lstStyle/>
+          <a:p>
+            <a:fld id="{AAA20043-755E-4D2A-B767-23CBDFF65C2F}" type="slidenum">
+              <a:rPr lang="en-US" smtClean="0"/>
+              <a:t>16</a:t>
+            </a:fld>
+            <a:endParaRPr lang="en-US"/>
+          </a:p>
+        </p:txBody>
+      </p:sp>
+    </p:spTree>
+    <p:extLst>
+      <p:ext uri="{BB962C8B-B14F-4D97-AF65-F5344CB8AC3E}">
+        <p14:creationId xmlns:p14="http://schemas.microsoft.com/office/powerpoint/2010/main" val="1729981770"/>
+      </p:ext>
+    </p:extLst>
+  </p:cSld>
+  <p:clrMapOvr>
+    <a:masterClrMapping/>
+  </p:clrMapOvr>
+</p:notes>
+</file>
+
 <file path=ppt/notesSlides/notesSlide2.xml><?xml version="1.0" encoding="utf-8"?>
 <p:notes xmlns:a="http://schemas.openxmlformats.org/drawingml/2006/main" xmlns:r="http://schemas.openxmlformats.org/officeDocument/2006/relationships" xmlns:p="http://schemas.openxmlformats.org/presentationml/2006/main">
   <p:cSld>
@@ -845,6 +1648,426 @@
     <p:extLst>
       <p:ext uri="{BB962C8B-B14F-4D97-AF65-F5344CB8AC3E}">
         <p14:creationId xmlns:p14="http://schemas.microsoft.com/office/powerpoint/2010/main" val="4083801944"/>
+      </p:ext>
+    </p:extLst>
+  </p:cSld>
+  <p:clrMapOvr>
+    <a:masterClrMapping/>
+  </p:clrMapOvr>
+</p:notes>
+</file>
+
+<file path=ppt/notesSlides/notesSlide5.xml><?xml version="1.0" encoding="utf-8"?>
+<p:notes xmlns:a="http://schemas.openxmlformats.org/drawingml/2006/main" xmlns:r="http://schemas.openxmlformats.org/officeDocument/2006/relationships" xmlns:p="http://schemas.openxmlformats.org/presentationml/2006/main">
+  <p:cSld>
+    <p:spTree>
+      <p:nvGrpSpPr>
+        <p:cNvPr id="1" name=""/>
+        <p:cNvGrpSpPr/>
+        <p:nvPr/>
+      </p:nvGrpSpPr>
+      <p:grpSpPr>
+        <a:xfrm>
+          <a:off x="0" y="0"/>
+          <a:ext cx="0" cy="0"/>
+          <a:chOff x="0" y="0"/>
+          <a:chExt cx="0" cy="0"/>
+        </a:xfrm>
+      </p:grpSpPr>
+      <p:sp>
+        <p:nvSpPr>
+          <p:cNvPr id="2" name="Slide Image Placeholder 1"/>
+          <p:cNvSpPr>
+            <a:spLocks noGrp="1" noRot="1" noChangeAspect="1"/>
+          </p:cNvSpPr>
+          <p:nvPr>
+            <p:ph type="sldImg"/>
+          </p:nvPr>
+        </p:nvSpPr>
+        <p:spPr/>
+      </p:sp>
+      <p:sp>
+        <p:nvSpPr>
+          <p:cNvPr id="3" name="Notes Placeholder 2"/>
+          <p:cNvSpPr>
+            <a:spLocks noGrp="1"/>
+          </p:cNvSpPr>
+          <p:nvPr>
+            <p:ph type="body" idx="1"/>
+          </p:nvPr>
+        </p:nvSpPr>
+        <p:spPr/>
+        <p:txBody>
+          <a:bodyPr/>
+          <a:lstStyle/>
+          <a:p>
+            <a:endParaRPr lang="en-US" dirty="0"/>
+          </a:p>
+        </p:txBody>
+      </p:sp>
+      <p:sp>
+        <p:nvSpPr>
+          <p:cNvPr id="4" name="Slide Number Placeholder 3"/>
+          <p:cNvSpPr>
+            <a:spLocks noGrp="1"/>
+          </p:cNvSpPr>
+          <p:nvPr>
+            <p:ph type="sldNum" sz="quarter" idx="5"/>
+          </p:nvPr>
+        </p:nvSpPr>
+        <p:spPr/>
+        <p:txBody>
+          <a:bodyPr/>
+          <a:lstStyle/>
+          <a:p>
+            <a:fld id="{AAA20043-755E-4D2A-B767-23CBDFF65C2F}" type="slidenum">
+              <a:rPr lang="en-US" smtClean="0"/>
+              <a:t>6</a:t>
+            </a:fld>
+            <a:endParaRPr lang="en-US"/>
+          </a:p>
+        </p:txBody>
+      </p:sp>
+    </p:spTree>
+    <p:extLst>
+      <p:ext uri="{BB962C8B-B14F-4D97-AF65-F5344CB8AC3E}">
+        <p14:creationId xmlns:p14="http://schemas.microsoft.com/office/powerpoint/2010/main" val="1365785916"/>
+      </p:ext>
+    </p:extLst>
+  </p:cSld>
+  <p:clrMapOvr>
+    <a:masterClrMapping/>
+  </p:clrMapOvr>
+</p:notes>
+</file>
+
+<file path=ppt/notesSlides/notesSlide6.xml><?xml version="1.0" encoding="utf-8"?>
+<p:notes xmlns:a="http://schemas.openxmlformats.org/drawingml/2006/main" xmlns:r="http://schemas.openxmlformats.org/officeDocument/2006/relationships" xmlns:p="http://schemas.openxmlformats.org/presentationml/2006/main">
+  <p:cSld>
+    <p:spTree>
+      <p:nvGrpSpPr>
+        <p:cNvPr id="1" name=""/>
+        <p:cNvGrpSpPr/>
+        <p:nvPr/>
+      </p:nvGrpSpPr>
+      <p:grpSpPr>
+        <a:xfrm>
+          <a:off x="0" y="0"/>
+          <a:ext cx="0" cy="0"/>
+          <a:chOff x="0" y="0"/>
+          <a:chExt cx="0" cy="0"/>
+        </a:xfrm>
+      </p:grpSpPr>
+      <p:sp>
+        <p:nvSpPr>
+          <p:cNvPr id="2" name="Slide Image Placeholder 1"/>
+          <p:cNvSpPr>
+            <a:spLocks noGrp="1" noRot="1" noChangeAspect="1"/>
+          </p:cNvSpPr>
+          <p:nvPr>
+            <p:ph type="sldImg"/>
+          </p:nvPr>
+        </p:nvSpPr>
+        <p:spPr/>
+      </p:sp>
+      <p:sp>
+        <p:nvSpPr>
+          <p:cNvPr id="3" name="Notes Placeholder 2"/>
+          <p:cNvSpPr>
+            <a:spLocks noGrp="1"/>
+          </p:cNvSpPr>
+          <p:nvPr>
+            <p:ph type="body" idx="1"/>
+          </p:nvPr>
+        </p:nvSpPr>
+        <p:spPr/>
+        <p:txBody>
+          <a:bodyPr/>
+          <a:lstStyle/>
+          <a:p>
+            <a:endParaRPr lang="en-US" dirty="0"/>
+          </a:p>
+        </p:txBody>
+      </p:sp>
+      <p:sp>
+        <p:nvSpPr>
+          <p:cNvPr id="4" name="Slide Number Placeholder 3"/>
+          <p:cNvSpPr>
+            <a:spLocks noGrp="1"/>
+          </p:cNvSpPr>
+          <p:nvPr>
+            <p:ph type="sldNum" sz="quarter" idx="5"/>
+          </p:nvPr>
+        </p:nvSpPr>
+        <p:spPr/>
+        <p:txBody>
+          <a:bodyPr/>
+          <a:lstStyle/>
+          <a:p>
+            <a:fld id="{AAA20043-755E-4D2A-B767-23CBDFF65C2F}" type="slidenum">
+              <a:rPr lang="en-US" smtClean="0"/>
+              <a:t>7</a:t>
+            </a:fld>
+            <a:endParaRPr lang="en-US"/>
+          </a:p>
+        </p:txBody>
+      </p:sp>
+    </p:spTree>
+    <p:extLst>
+      <p:ext uri="{BB962C8B-B14F-4D97-AF65-F5344CB8AC3E}">
+        <p14:creationId xmlns:p14="http://schemas.microsoft.com/office/powerpoint/2010/main" val="2143596821"/>
+      </p:ext>
+    </p:extLst>
+  </p:cSld>
+  <p:clrMapOvr>
+    <a:masterClrMapping/>
+  </p:clrMapOvr>
+</p:notes>
+</file>
+
+<file path=ppt/notesSlides/notesSlide7.xml><?xml version="1.0" encoding="utf-8"?>
+<p:notes xmlns:a="http://schemas.openxmlformats.org/drawingml/2006/main" xmlns:r="http://schemas.openxmlformats.org/officeDocument/2006/relationships" xmlns:p="http://schemas.openxmlformats.org/presentationml/2006/main">
+  <p:cSld>
+    <p:spTree>
+      <p:nvGrpSpPr>
+        <p:cNvPr id="1" name=""/>
+        <p:cNvGrpSpPr/>
+        <p:nvPr/>
+      </p:nvGrpSpPr>
+      <p:grpSpPr>
+        <a:xfrm>
+          <a:off x="0" y="0"/>
+          <a:ext cx="0" cy="0"/>
+          <a:chOff x="0" y="0"/>
+          <a:chExt cx="0" cy="0"/>
+        </a:xfrm>
+      </p:grpSpPr>
+      <p:sp>
+        <p:nvSpPr>
+          <p:cNvPr id="2" name="Slide Image Placeholder 1"/>
+          <p:cNvSpPr>
+            <a:spLocks noGrp="1" noRot="1" noChangeAspect="1"/>
+          </p:cNvSpPr>
+          <p:nvPr>
+            <p:ph type="sldImg"/>
+          </p:nvPr>
+        </p:nvSpPr>
+        <p:spPr/>
+      </p:sp>
+      <p:sp>
+        <p:nvSpPr>
+          <p:cNvPr id="3" name="Notes Placeholder 2"/>
+          <p:cNvSpPr>
+            <a:spLocks noGrp="1"/>
+          </p:cNvSpPr>
+          <p:nvPr>
+            <p:ph type="body" idx="1"/>
+          </p:nvPr>
+        </p:nvSpPr>
+        <p:spPr/>
+        <p:txBody>
+          <a:bodyPr/>
+          <a:lstStyle/>
+          <a:p>
+            <a:endParaRPr lang="en-US" dirty="0"/>
+          </a:p>
+        </p:txBody>
+      </p:sp>
+      <p:sp>
+        <p:nvSpPr>
+          <p:cNvPr id="4" name="Slide Number Placeholder 3"/>
+          <p:cNvSpPr>
+            <a:spLocks noGrp="1"/>
+          </p:cNvSpPr>
+          <p:nvPr>
+            <p:ph type="sldNum" sz="quarter" idx="5"/>
+          </p:nvPr>
+        </p:nvSpPr>
+        <p:spPr/>
+        <p:txBody>
+          <a:bodyPr/>
+          <a:lstStyle/>
+          <a:p>
+            <a:fld id="{AAA20043-755E-4D2A-B767-23CBDFF65C2F}" type="slidenum">
+              <a:rPr lang="en-US" smtClean="0"/>
+              <a:t>8</a:t>
+            </a:fld>
+            <a:endParaRPr lang="en-US"/>
+          </a:p>
+        </p:txBody>
+      </p:sp>
+    </p:spTree>
+    <p:extLst>
+      <p:ext uri="{BB962C8B-B14F-4D97-AF65-F5344CB8AC3E}">
+        <p14:creationId xmlns:p14="http://schemas.microsoft.com/office/powerpoint/2010/main" val="3208344822"/>
+      </p:ext>
+    </p:extLst>
+  </p:cSld>
+  <p:clrMapOvr>
+    <a:masterClrMapping/>
+  </p:clrMapOvr>
+</p:notes>
+</file>
+
+<file path=ppt/notesSlides/notesSlide8.xml><?xml version="1.0" encoding="utf-8"?>
+<p:notes xmlns:a="http://schemas.openxmlformats.org/drawingml/2006/main" xmlns:r="http://schemas.openxmlformats.org/officeDocument/2006/relationships" xmlns:p="http://schemas.openxmlformats.org/presentationml/2006/main">
+  <p:cSld>
+    <p:spTree>
+      <p:nvGrpSpPr>
+        <p:cNvPr id="1" name=""/>
+        <p:cNvGrpSpPr/>
+        <p:nvPr/>
+      </p:nvGrpSpPr>
+      <p:grpSpPr>
+        <a:xfrm>
+          <a:off x="0" y="0"/>
+          <a:ext cx="0" cy="0"/>
+          <a:chOff x="0" y="0"/>
+          <a:chExt cx="0" cy="0"/>
+        </a:xfrm>
+      </p:grpSpPr>
+      <p:sp>
+        <p:nvSpPr>
+          <p:cNvPr id="2" name="Slide Image Placeholder 1"/>
+          <p:cNvSpPr>
+            <a:spLocks noGrp="1" noRot="1" noChangeAspect="1"/>
+          </p:cNvSpPr>
+          <p:nvPr>
+            <p:ph type="sldImg"/>
+          </p:nvPr>
+        </p:nvSpPr>
+        <p:spPr/>
+      </p:sp>
+      <p:sp>
+        <p:nvSpPr>
+          <p:cNvPr id="3" name="Notes Placeholder 2"/>
+          <p:cNvSpPr>
+            <a:spLocks noGrp="1"/>
+          </p:cNvSpPr>
+          <p:nvPr>
+            <p:ph type="body" idx="1"/>
+          </p:nvPr>
+        </p:nvSpPr>
+        <p:spPr/>
+        <p:txBody>
+          <a:bodyPr/>
+          <a:lstStyle/>
+          <a:p>
+            <a:endParaRPr lang="en-US" dirty="0"/>
+          </a:p>
+        </p:txBody>
+      </p:sp>
+      <p:sp>
+        <p:nvSpPr>
+          <p:cNvPr id="4" name="Slide Number Placeholder 3"/>
+          <p:cNvSpPr>
+            <a:spLocks noGrp="1"/>
+          </p:cNvSpPr>
+          <p:nvPr>
+            <p:ph type="sldNum" sz="quarter" idx="5"/>
+          </p:nvPr>
+        </p:nvSpPr>
+        <p:spPr/>
+        <p:txBody>
+          <a:bodyPr/>
+          <a:lstStyle/>
+          <a:p>
+            <a:fld id="{AAA20043-755E-4D2A-B767-23CBDFF65C2F}" type="slidenum">
+              <a:rPr lang="en-US" smtClean="0"/>
+              <a:t>9</a:t>
+            </a:fld>
+            <a:endParaRPr lang="en-US"/>
+          </a:p>
+        </p:txBody>
+      </p:sp>
+    </p:spTree>
+    <p:extLst>
+      <p:ext uri="{BB962C8B-B14F-4D97-AF65-F5344CB8AC3E}">
+        <p14:creationId xmlns:p14="http://schemas.microsoft.com/office/powerpoint/2010/main" val="3748494668"/>
+      </p:ext>
+    </p:extLst>
+  </p:cSld>
+  <p:clrMapOvr>
+    <a:masterClrMapping/>
+  </p:clrMapOvr>
+</p:notes>
+</file>
+
+<file path=ppt/notesSlides/notesSlide9.xml><?xml version="1.0" encoding="utf-8"?>
+<p:notes xmlns:a="http://schemas.openxmlformats.org/drawingml/2006/main" xmlns:r="http://schemas.openxmlformats.org/officeDocument/2006/relationships" xmlns:p="http://schemas.openxmlformats.org/presentationml/2006/main">
+  <p:cSld>
+    <p:spTree>
+      <p:nvGrpSpPr>
+        <p:cNvPr id="1" name=""/>
+        <p:cNvGrpSpPr/>
+        <p:nvPr/>
+      </p:nvGrpSpPr>
+      <p:grpSpPr>
+        <a:xfrm>
+          <a:off x="0" y="0"/>
+          <a:ext cx="0" cy="0"/>
+          <a:chOff x="0" y="0"/>
+          <a:chExt cx="0" cy="0"/>
+        </a:xfrm>
+      </p:grpSpPr>
+      <p:sp>
+        <p:nvSpPr>
+          <p:cNvPr id="2" name="Slide Image Placeholder 1"/>
+          <p:cNvSpPr>
+            <a:spLocks noGrp="1" noRot="1" noChangeAspect="1"/>
+          </p:cNvSpPr>
+          <p:nvPr>
+            <p:ph type="sldImg"/>
+          </p:nvPr>
+        </p:nvSpPr>
+        <p:spPr/>
+      </p:sp>
+      <p:sp>
+        <p:nvSpPr>
+          <p:cNvPr id="3" name="Notes Placeholder 2"/>
+          <p:cNvSpPr>
+            <a:spLocks noGrp="1"/>
+          </p:cNvSpPr>
+          <p:nvPr>
+            <p:ph type="body" idx="1"/>
+          </p:nvPr>
+        </p:nvSpPr>
+        <p:spPr/>
+        <p:txBody>
+          <a:bodyPr/>
+          <a:lstStyle/>
+          <a:p>
+            <a:endParaRPr lang="en-US" dirty="0"/>
+          </a:p>
+        </p:txBody>
+      </p:sp>
+      <p:sp>
+        <p:nvSpPr>
+          <p:cNvPr id="4" name="Slide Number Placeholder 3"/>
+          <p:cNvSpPr>
+            <a:spLocks noGrp="1"/>
+          </p:cNvSpPr>
+          <p:nvPr>
+            <p:ph type="sldNum" sz="quarter" idx="5"/>
+          </p:nvPr>
+        </p:nvSpPr>
+        <p:spPr/>
+        <p:txBody>
+          <a:bodyPr/>
+          <a:lstStyle/>
+          <a:p>
+            <a:fld id="{AAA20043-755E-4D2A-B767-23CBDFF65C2F}" type="slidenum">
+              <a:rPr lang="en-US" smtClean="0"/>
+              <a:t>10</a:t>
+            </a:fld>
+            <a:endParaRPr lang="en-US"/>
+          </a:p>
+        </p:txBody>
+      </p:sp>
+    </p:spTree>
+    <p:extLst>
+      <p:ext uri="{BB962C8B-B14F-4D97-AF65-F5344CB8AC3E}">
+        <p14:creationId xmlns:p14="http://schemas.microsoft.com/office/powerpoint/2010/main" val="2080274877"/>
       </p:ext>
     </p:extLst>
   </p:cSld>
@@ -985,7 +2208,7 @@
           <a:p>
             <a:fld id="{846CE7D5-CF57-46EF-B807-FDD0502418D4}" type="datetimeFigureOut">
               <a:rPr lang="en-US" smtClean="0"/>
-              <a:t>5/24/2023</a:t>
+              <a:t>6/4/2023</a:t>
             </a:fld>
             <a:endParaRPr lang="en-US" dirty="0"/>
           </a:p>
@@ -1155,7 +2378,7 @@
           <a:p>
             <a:fld id="{846CE7D5-CF57-46EF-B807-FDD0502418D4}" type="datetimeFigureOut">
               <a:rPr lang="en-US" smtClean="0"/>
-              <a:t>5/24/2023</a:t>
+              <a:t>6/4/2023</a:t>
             </a:fld>
             <a:endParaRPr lang="en-US" dirty="0"/>
           </a:p>
@@ -1335,7 +2558,7 @@
           <a:p>
             <a:fld id="{846CE7D5-CF57-46EF-B807-FDD0502418D4}" type="datetimeFigureOut">
               <a:rPr lang="en-US" smtClean="0"/>
-              <a:t>5/24/2023</a:t>
+              <a:t>6/4/2023</a:t>
             </a:fld>
             <a:endParaRPr lang="en-US" dirty="0"/>
           </a:p>
@@ -1505,7 +2728,7 @@
           <a:p>
             <a:fld id="{846CE7D5-CF57-46EF-B807-FDD0502418D4}" type="datetimeFigureOut">
               <a:rPr lang="en-US" smtClean="0"/>
-              <a:t>5/24/2023</a:t>
+              <a:t>6/4/2023</a:t>
             </a:fld>
             <a:endParaRPr lang="en-US" dirty="0"/>
           </a:p>
@@ -1751,7 +2974,7 @@
           <a:p>
             <a:fld id="{846CE7D5-CF57-46EF-B807-FDD0502418D4}" type="datetimeFigureOut">
               <a:rPr lang="en-US" smtClean="0"/>
-              <a:t>5/24/2023</a:t>
+              <a:t>6/4/2023</a:t>
             </a:fld>
             <a:endParaRPr lang="en-US" dirty="0"/>
           </a:p>
@@ -1983,7 +3206,7 @@
           <a:p>
             <a:fld id="{846CE7D5-CF57-46EF-B807-FDD0502418D4}" type="datetimeFigureOut">
               <a:rPr lang="en-US" smtClean="0"/>
-              <a:t>5/24/2023</a:t>
+              <a:t>6/4/2023</a:t>
             </a:fld>
             <a:endParaRPr lang="en-US" dirty="0"/>
           </a:p>
@@ -2350,7 +3573,7 @@
           <a:p>
             <a:fld id="{846CE7D5-CF57-46EF-B807-FDD0502418D4}" type="datetimeFigureOut">
               <a:rPr lang="en-US" smtClean="0"/>
-              <a:t>5/24/2023</a:t>
+              <a:t>6/4/2023</a:t>
             </a:fld>
             <a:endParaRPr lang="en-US" dirty="0"/>
           </a:p>
@@ -2468,7 +3691,7 @@
           <a:p>
             <a:fld id="{846CE7D5-CF57-46EF-B807-FDD0502418D4}" type="datetimeFigureOut">
               <a:rPr lang="en-US" smtClean="0"/>
-              <a:t>5/24/2023</a:t>
+              <a:t>6/4/2023</a:t>
             </a:fld>
             <a:endParaRPr lang="en-US" dirty="0"/>
           </a:p>
@@ -2563,7 +3786,7 @@
           <a:p>
             <a:fld id="{846CE7D5-CF57-46EF-B807-FDD0502418D4}" type="datetimeFigureOut">
               <a:rPr lang="en-US" smtClean="0"/>
-              <a:t>5/24/2023</a:t>
+              <a:t>6/4/2023</a:t>
             </a:fld>
             <a:endParaRPr lang="en-US" dirty="0"/>
           </a:p>
@@ -2840,7 +4063,7 @@
           <a:p>
             <a:fld id="{846CE7D5-CF57-46EF-B807-FDD0502418D4}" type="datetimeFigureOut">
               <a:rPr lang="en-US" smtClean="0"/>
-              <a:t>5/24/2023</a:t>
+              <a:t>6/4/2023</a:t>
             </a:fld>
             <a:endParaRPr lang="en-US" dirty="0"/>
           </a:p>
@@ -3096,7 +4319,7 @@
           <a:p>
             <a:fld id="{846CE7D5-CF57-46EF-B807-FDD0502418D4}" type="datetimeFigureOut">
               <a:rPr lang="en-US" smtClean="0"/>
-              <a:t>5/24/2023</a:t>
+              <a:t>6/4/2023</a:t>
             </a:fld>
             <a:endParaRPr lang="en-US" dirty="0"/>
           </a:p>
@@ -3309,7 +4532,7 @@
           <a:p>
             <a:fld id="{846CE7D5-CF57-46EF-B807-FDD0502418D4}" type="datetimeFigureOut">
               <a:rPr lang="en-US" smtClean="0"/>
-              <a:t>5/24/2023</a:t>
+              <a:t>6/4/2023</a:t>
             </a:fld>
             <a:endParaRPr lang="en-US" dirty="0"/>
           </a:p>
@@ -4063,6 +5286,5201 @@
   </p:cSld>
   <p:clrMapOvr>
     <a:overrideClrMapping bg1="dk1" tx1="lt1" bg2="dk2" tx2="lt2" accent1="accent1" accent2="accent2" accent3="accent3" accent4="accent4" accent5="accent5" accent6="accent6" hlink="hlink" folHlink="folHlink"/>
+  </p:clrMapOvr>
+</p:sld>
+</file>
+
+<file path=ppt/slides/slide10.xml><?xml version="1.0" encoding="utf-8"?>
+<p:sld xmlns:a="http://schemas.openxmlformats.org/drawingml/2006/main" xmlns:r="http://schemas.openxmlformats.org/officeDocument/2006/relationships" xmlns:p="http://schemas.openxmlformats.org/presentationml/2006/main">
+  <p:cSld>
+    <p:bg>
+      <p:bgPr>
+        <a:solidFill>
+          <a:schemeClr val="bg1"/>
+        </a:solidFill>
+        <a:effectLst/>
+      </p:bgPr>
+    </p:bg>
+    <p:spTree>
+      <p:nvGrpSpPr>
+        <p:cNvPr id="1" name=""/>
+        <p:cNvGrpSpPr/>
+        <p:nvPr/>
+      </p:nvGrpSpPr>
+      <p:grpSpPr>
+        <a:xfrm>
+          <a:off x="0" y="0"/>
+          <a:ext cx="0" cy="0"/>
+          <a:chOff x="0" y="0"/>
+          <a:chExt cx="0" cy="0"/>
+        </a:xfrm>
+      </p:grpSpPr>
+      <p:sp useBgFill="1">
+        <p:nvSpPr>
+          <p:cNvPr id="8" name="Rectangle 7">
+            <a:extLst>
+              <a:ext uri="{FF2B5EF4-FFF2-40B4-BE49-F238E27FC236}">
+                <a16:creationId xmlns:a16="http://schemas.microsoft.com/office/drawing/2014/main" id="{907EF6B7-1338-4443-8C46-6A318D952DFD}"/>
+              </a:ext>
+              <a:ext uri="{C183D7F6-B498-43B3-948B-1728B52AA6E4}">
+                <adec:decorative xmlns:adec="http://schemas.microsoft.com/office/drawing/2017/decorative" val="1"/>
+              </a:ext>
+            </a:extLst>
+          </p:cNvPr>
+          <p:cNvSpPr>
+            <a:spLocks noGrp="1" noRot="1" noChangeAspect="1" noMove="1" noResize="1" noEditPoints="1" noAdjustHandles="1" noChangeArrowheads="1" noChangeShapeType="1" noTextEdit="1"/>
+          </p:cNvSpPr>
+          <p:nvPr>
+            <p:extLst>
+              <p:ext uri="{386F3935-93C4-4BCD-93E2-E3B085C9AB24}">
+                <p16:designElem xmlns:p16="http://schemas.microsoft.com/office/powerpoint/2015/main" val="1"/>
+              </p:ext>
+            </p:extLst>
+          </p:nvPr>
+        </p:nvSpPr>
+        <p:spPr>
+          <a:xfrm>
+            <a:off x="3048" y="0"/>
+            <a:ext cx="12188952" cy="6858000"/>
+          </a:xfrm>
+          <a:prstGeom prst="rect">
+            <a:avLst/>
+          </a:prstGeom>
+          <a:ln>
+            <a:noFill/>
+          </a:ln>
+        </p:spPr>
+        <p:style>
+          <a:lnRef idx="2">
+            <a:schemeClr val="accent1">
+              <a:shade val="50000"/>
+            </a:schemeClr>
+          </a:lnRef>
+          <a:fillRef idx="1">
+            <a:schemeClr val="accent1"/>
+          </a:fillRef>
+          <a:effectRef idx="0">
+            <a:schemeClr val="accent1"/>
+          </a:effectRef>
+          <a:fontRef idx="minor">
+            <a:schemeClr val="lt1"/>
+          </a:fontRef>
+        </p:style>
+        <p:txBody>
+          <a:bodyPr rtlCol="0" anchor="ctr"/>
+          <a:lstStyle/>
+          <a:p>
+            <a:pPr algn="ctr"/>
+            <a:endParaRPr lang="en-US" dirty="0"/>
+          </a:p>
+        </p:txBody>
+      </p:sp>
+      <p:sp>
+        <p:nvSpPr>
+          <p:cNvPr id="10" name="Freeform: Shape 9">
+            <a:extLst>
+              <a:ext uri="{FF2B5EF4-FFF2-40B4-BE49-F238E27FC236}">
+                <a16:creationId xmlns:a16="http://schemas.microsoft.com/office/drawing/2014/main" id="{DAAE4CDD-124C-4DCF-9584-B6033B545DD5}"/>
+              </a:ext>
+              <a:ext uri="{C183D7F6-B498-43B3-948B-1728B52AA6E4}">
+                <adec:decorative xmlns:adec="http://schemas.microsoft.com/office/drawing/2017/decorative" val="1"/>
+              </a:ext>
+            </a:extLst>
+          </p:cNvPr>
+          <p:cNvSpPr>
+            <a:spLocks noChangeAspect="1"/>
+          </p:cNvSpPr>
+          <p:nvPr>
+            <p:extLst>
+              <p:ext uri="{386F3935-93C4-4BCD-93E2-E3B085C9AB24}">
+                <p16:designElem xmlns:p16="http://schemas.microsoft.com/office/powerpoint/2015/main" val="1"/>
+              </p:ext>
+            </p:extLst>
+          </p:nvPr>
+        </p:nvSpPr>
+        <p:spPr>
+          <a:xfrm>
+            <a:off x="1" y="0"/>
+            <a:ext cx="4167271" cy="6858000"/>
+          </a:xfrm>
+          <a:custGeom>
+            <a:avLst/>
+            <a:gdLst>
+              <a:gd name="connsiteX0" fmla="*/ 0 w 4167271"/>
+              <a:gd name="connsiteY0" fmla="*/ 0 h 6858000"/>
+              <a:gd name="connsiteX1" fmla="*/ 2259550 w 4167271"/>
+              <a:gd name="connsiteY1" fmla="*/ 0 h 6858000"/>
+              <a:gd name="connsiteX2" fmla="*/ 2387803 w 4167271"/>
+              <a:gd name="connsiteY2" fmla="*/ 82222 h 6858000"/>
+              <a:gd name="connsiteX3" fmla="*/ 4167271 w 4167271"/>
+              <a:gd name="connsiteY3" fmla="*/ 3429000 h 6858000"/>
+              <a:gd name="connsiteX4" fmla="*/ 2387803 w 4167271"/>
+              <a:gd name="connsiteY4" fmla="*/ 6775779 h 6858000"/>
+              <a:gd name="connsiteX5" fmla="*/ 2259550 w 4167271"/>
+              <a:gd name="connsiteY5" fmla="*/ 6858000 h 6858000"/>
+              <a:gd name="connsiteX6" fmla="*/ 0 w 4167271"/>
+              <a:gd name="connsiteY6" fmla="*/ 6858000 h 6858000"/>
+            </a:gdLst>
+            <a:ahLst/>
+            <a:cxnLst>
+              <a:cxn ang="0">
+                <a:pos x="connsiteX0" y="connsiteY0"/>
+              </a:cxn>
+              <a:cxn ang="0">
+                <a:pos x="connsiteX1" y="connsiteY1"/>
+              </a:cxn>
+              <a:cxn ang="0">
+                <a:pos x="connsiteX2" y="connsiteY2"/>
+              </a:cxn>
+              <a:cxn ang="0">
+                <a:pos x="connsiteX3" y="connsiteY3"/>
+              </a:cxn>
+              <a:cxn ang="0">
+                <a:pos x="connsiteX4" y="connsiteY4"/>
+              </a:cxn>
+              <a:cxn ang="0">
+                <a:pos x="connsiteX5" y="connsiteY5"/>
+              </a:cxn>
+              <a:cxn ang="0">
+                <a:pos x="connsiteX6" y="connsiteY6"/>
+              </a:cxn>
+            </a:cxnLst>
+            <a:rect l="l" t="t" r="r" b="b"/>
+            <a:pathLst>
+              <a:path w="4167271" h="6858000">
+                <a:moveTo>
+                  <a:pt x="0" y="0"/>
+                </a:moveTo>
+                <a:lnTo>
+                  <a:pt x="2259550" y="0"/>
+                </a:lnTo>
+                <a:lnTo>
+                  <a:pt x="2387803" y="82222"/>
+                </a:lnTo>
+                <a:cubicBezTo>
+                  <a:pt x="3461407" y="807534"/>
+                  <a:pt x="4167271" y="2035835"/>
+                  <a:pt x="4167271" y="3429000"/>
+                </a:cubicBezTo>
+                <a:cubicBezTo>
+                  <a:pt x="4167271" y="4822165"/>
+                  <a:pt x="3461407" y="6050467"/>
+                  <a:pt x="2387803" y="6775779"/>
+                </a:cubicBezTo>
+                <a:lnTo>
+                  <a:pt x="2259550" y="6858000"/>
+                </a:lnTo>
+                <a:lnTo>
+                  <a:pt x="0" y="6858000"/>
+                </a:lnTo>
+                <a:close/>
+              </a:path>
+            </a:pathLst>
+          </a:custGeom>
+          <a:gradFill flip="none" rotWithShape="1">
+            <a:gsLst>
+              <a:gs pos="0">
+                <a:schemeClr val="accent2">
+                  <a:lumMod val="67000"/>
+                </a:schemeClr>
+              </a:gs>
+              <a:gs pos="48000">
+                <a:schemeClr val="accent2">
+                  <a:lumMod val="97000"/>
+                  <a:lumOff val="3000"/>
+                </a:schemeClr>
+              </a:gs>
+              <a:gs pos="100000">
+                <a:schemeClr val="accent2">
+                  <a:lumMod val="60000"/>
+                  <a:lumOff val="40000"/>
+                </a:schemeClr>
+              </a:gs>
+            </a:gsLst>
+            <a:lin ang="16200000" scaled="1"/>
+            <a:tileRect/>
+          </a:gradFill>
+          <a:ln>
+            <a:noFill/>
+          </a:ln>
+        </p:spPr>
+        <p:style>
+          <a:lnRef idx="0">
+            <a:scrgbClr r="0" g="0" b="0"/>
+          </a:lnRef>
+          <a:fillRef idx="0">
+            <a:scrgbClr r="0" g="0" b="0"/>
+          </a:fillRef>
+          <a:effectRef idx="0">
+            <a:scrgbClr r="0" g="0" b="0"/>
+          </a:effectRef>
+          <a:fontRef idx="minor">
+            <a:schemeClr val="lt1"/>
+          </a:fontRef>
+        </p:style>
+        <p:txBody>
+          <a:bodyPr rtlCol="0" anchor="ctr"/>
+          <a:lstStyle/>
+          <a:p>
+            <a:pPr algn="ctr"/>
+            <a:endParaRPr lang="en-US" dirty="0"/>
+          </a:p>
+        </p:txBody>
+      </p:sp>
+      <p:sp>
+        <p:nvSpPr>
+          <p:cNvPr id="2" name="Title 1">
+            <a:extLst>
+              <a:ext uri="{FF2B5EF4-FFF2-40B4-BE49-F238E27FC236}">
+                <a16:creationId xmlns:a16="http://schemas.microsoft.com/office/drawing/2014/main" id="{604CD088-9924-FDF8-32EA-64AD14C5DE41}"/>
+              </a:ext>
+            </a:extLst>
+          </p:cNvPr>
+          <p:cNvSpPr>
+            <a:spLocks noGrp="1"/>
+          </p:cNvSpPr>
+          <p:nvPr>
+            <p:ph type="title"/>
+          </p:nvPr>
+        </p:nvSpPr>
+        <p:spPr>
+          <a:xfrm>
+            <a:off x="686834" y="1153572"/>
+            <a:ext cx="3200400" cy="4461163"/>
+          </a:xfrm>
+        </p:spPr>
+        <p:txBody>
+          <a:bodyPr>
+            <a:normAutofit/>
+          </a:bodyPr>
+          <a:lstStyle/>
+          <a:p>
+            <a:r>
+              <a:rPr lang="en-US" dirty="0">
+                <a:solidFill>
+                  <a:srgbClr val="FFFFFF"/>
+                </a:solidFill>
+              </a:rPr>
+              <a:t>Goals</a:t>
+            </a:r>
+          </a:p>
+        </p:txBody>
+      </p:sp>
+      <p:sp>
+        <p:nvSpPr>
+          <p:cNvPr id="12" name="Arc 11">
+            <a:extLst>
+              <a:ext uri="{FF2B5EF4-FFF2-40B4-BE49-F238E27FC236}">
+                <a16:creationId xmlns:a16="http://schemas.microsoft.com/office/drawing/2014/main" id="{081E4A58-353D-44AE-B2FC-2A74E2E400F7}"/>
+              </a:ext>
+              <a:ext uri="{C183D7F6-B498-43B3-948B-1728B52AA6E4}">
+                <adec:decorative xmlns:adec="http://schemas.microsoft.com/office/drawing/2017/decorative" val="1"/>
+              </a:ext>
+            </a:extLst>
+          </p:cNvPr>
+          <p:cNvSpPr>
+            <a:spLocks noGrp="1" noRot="1" noChangeAspect="1" noMove="1" noResize="1" noEditPoints="1" noAdjustHandles="1" noChangeArrowheads="1" noChangeShapeType="1" noTextEdit="1"/>
+          </p:cNvSpPr>
+          <p:nvPr>
+            <p:extLst>
+              <p:ext uri="{386F3935-93C4-4BCD-93E2-E3B085C9AB24}">
+                <p16:designElem xmlns:p16="http://schemas.microsoft.com/office/powerpoint/2015/main" val="1"/>
+              </p:ext>
+            </p:extLst>
+          </p:nvPr>
+        </p:nvSpPr>
+        <p:spPr>
+          <a:xfrm flipV="1">
+            <a:off x="7550402" y="2455479"/>
+            <a:ext cx="4083433" cy="4083433"/>
+          </a:xfrm>
+          <a:prstGeom prst="arc">
+            <a:avLst/>
+          </a:prstGeom>
+          <a:ln w="127000" cap="rnd">
+            <a:solidFill>
+              <a:schemeClr val="accent4"/>
+            </a:solidFill>
+            <a:prstDash val="dash"/>
+          </a:ln>
+        </p:spPr>
+        <p:style>
+          <a:lnRef idx="1">
+            <a:schemeClr val="accent1"/>
+          </a:lnRef>
+          <a:fillRef idx="0">
+            <a:schemeClr val="accent1"/>
+          </a:fillRef>
+          <a:effectRef idx="0">
+            <a:schemeClr val="accent1"/>
+          </a:effectRef>
+          <a:fontRef idx="minor">
+            <a:schemeClr val="tx1"/>
+          </a:fontRef>
+        </p:style>
+        <p:txBody>
+          <a:bodyPr rtlCol="0" anchor="ctr"/>
+          <a:lstStyle/>
+          <a:p>
+            <a:pPr algn="ctr"/>
+            <a:endParaRPr lang="en-US" dirty="0"/>
+          </a:p>
+        </p:txBody>
+      </p:sp>
+      <p:sp>
+        <p:nvSpPr>
+          <p:cNvPr id="4" name="Freeform: Shape 3">
+            <a:extLst>
+              <a:ext uri="{FF2B5EF4-FFF2-40B4-BE49-F238E27FC236}">
+                <a16:creationId xmlns:a16="http://schemas.microsoft.com/office/drawing/2014/main" id="{53CDCC1C-B54C-3E79-1EE0-9CB6B71FDF31}"/>
+              </a:ext>
+            </a:extLst>
+          </p:cNvPr>
+          <p:cNvSpPr/>
+          <p:nvPr/>
+        </p:nvSpPr>
+        <p:spPr>
+          <a:xfrm>
+            <a:off x="5662013" y="1426"/>
+            <a:ext cx="1666908" cy="2461295"/>
+          </a:xfrm>
+          <a:custGeom>
+            <a:avLst/>
+            <a:gdLst>
+              <a:gd name="connsiteX0" fmla="*/ 0 w 2461294"/>
+              <a:gd name="connsiteY0" fmla="*/ 0 h 1666908"/>
+              <a:gd name="connsiteX1" fmla="*/ 1627840 w 2461294"/>
+              <a:gd name="connsiteY1" fmla="*/ 0 h 1666908"/>
+              <a:gd name="connsiteX2" fmla="*/ 2461294 w 2461294"/>
+              <a:gd name="connsiteY2" fmla="*/ 833454 h 1666908"/>
+              <a:gd name="connsiteX3" fmla="*/ 1627840 w 2461294"/>
+              <a:gd name="connsiteY3" fmla="*/ 1666908 h 1666908"/>
+              <a:gd name="connsiteX4" fmla="*/ 0 w 2461294"/>
+              <a:gd name="connsiteY4" fmla="*/ 1666908 h 1666908"/>
+              <a:gd name="connsiteX5" fmla="*/ 833454 w 2461294"/>
+              <a:gd name="connsiteY5" fmla="*/ 833454 h 1666908"/>
+              <a:gd name="connsiteX6" fmla="*/ 0 w 2461294"/>
+              <a:gd name="connsiteY6" fmla="*/ 0 h 1666908"/>
+            </a:gdLst>
+            <a:ahLst/>
+            <a:cxnLst>
+              <a:cxn ang="0">
+                <a:pos x="connsiteX0" y="connsiteY0"/>
+              </a:cxn>
+              <a:cxn ang="0">
+                <a:pos x="connsiteX1" y="connsiteY1"/>
+              </a:cxn>
+              <a:cxn ang="0">
+                <a:pos x="connsiteX2" y="connsiteY2"/>
+              </a:cxn>
+              <a:cxn ang="0">
+                <a:pos x="connsiteX3" y="connsiteY3"/>
+              </a:cxn>
+              <a:cxn ang="0">
+                <a:pos x="connsiteX4" y="connsiteY4"/>
+              </a:cxn>
+              <a:cxn ang="0">
+                <a:pos x="connsiteX5" y="connsiteY5"/>
+              </a:cxn>
+              <a:cxn ang="0">
+                <a:pos x="connsiteX6" y="connsiteY6"/>
+              </a:cxn>
+            </a:cxnLst>
+            <a:rect l="l" t="t" r="r" b="b"/>
+            <a:pathLst>
+              <a:path w="2461294" h="1666908">
+                <a:moveTo>
+                  <a:pt x="2461293" y="0"/>
+                </a:moveTo>
+                <a:lnTo>
+                  <a:pt x="2461293" y="1102452"/>
+                </a:lnTo>
+                <a:lnTo>
+                  <a:pt x="1230647" y="1666908"/>
+                </a:lnTo>
+                <a:lnTo>
+                  <a:pt x="1" y="1102452"/>
+                </a:lnTo>
+                <a:lnTo>
+                  <a:pt x="1" y="0"/>
+                </a:lnTo>
+                <a:lnTo>
+                  <a:pt x="1230647" y="564456"/>
+                </a:lnTo>
+                <a:lnTo>
+                  <a:pt x="2461293" y="0"/>
+                </a:lnTo>
+                <a:close/>
+              </a:path>
+            </a:pathLst>
+          </a:custGeom>
+          <a:solidFill>
+            <a:schemeClr val="accent2">
+              <a:lumMod val="60000"/>
+              <a:lumOff val="40000"/>
+            </a:schemeClr>
+          </a:solidFill>
+        </p:spPr>
+        <p:style>
+          <a:lnRef idx="2">
+            <a:schemeClr val="accent1">
+              <a:hueOff val="0"/>
+              <a:satOff val="0"/>
+              <a:lumOff val="0"/>
+              <a:alphaOff val="0"/>
+            </a:schemeClr>
+          </a:lnRef>
+          <a:fillRef idx="1">
+            <a:schemeClr val="accent1">
+              <a:hueOff val="0"/>
+              <a:satOff val="0"/>
+              <a:lumOff val="0"/>
+              <a:alphaOff val="0"/>
+            </a:schemeClr>
+          </a:fillRef>
+          <a:effectRef idx="0">
+            <a:schemeClr val="accent1">
+              <a:hueOff val="0"/>
+              <a:satOff val="0"/>
+              <a:lumOff val="0"/>
+              <a:alphaOff val="0"/>
+            </a:schemeClr>
+          </a:effectRef>
+          <a:fontRef idx="minor">
+            <a:schemeClr val="lt1"/>
+          </a:fontRef>
+        </p:style>
+        <p:txBody>
+          <a:bodyPr spcFirstLastPara="0" vert="horz" wrap="square" lIns="24130" tIns="857585" rIns="24130" bIns="857584" numCol="1" spcCol="1270" anchor="ctr" anchorCtr="0">
+            <a:noAutofit/>
+          </a:bodyPr>
+          <a:lstStyle/>
+          <a:p>
+            <a:pPr marL="0" lvl="0" indent="0" algn="ctr" defTabSz="1689100">
+              <a:lnSpc>
+                <a:spcPct val="90000"/>
+              </a:lnSpc>
+              <a:spcBef>
+                <a:spcPct val="0"/>
+              </a:spcBef>
+              <a:spcAft>
+                <a:spcPct val="35000"/>
+              </a:spcAft>
+              <a:buNone/>
+            </a:pPr>
+            <a:r>
+              <a:rPr lang="en-US" sz="3800" kern="1200" dirty="0"/>
+              <a:t>Ready</a:t>
+            </a:r>
+          </a:p>
+        </p:txBody>
+      </p:sp>
+      <p:sp>
+        <p:nvSpPr>
+          <p:cNvPr id="5" name="Freeform: Shape 4">
+            <a:extLst>
+              <a:ext uri="{FF2B5EF4-FFF2-40B4-BE49-F238E27FC236}">
+                <a16:creationId xmlns:a16="http://schemas.microsoft.com/office/drawing/2014/main" id="{B50150B6-A81A-E049-10DA-746FA59EAC83}"/>
+              </a:ext>
+            </a:extLst>
+          </p:cNvPr>
+          <p:cNvSpPr/>
+          <p:nvPr/>
+        </p:nvSpPr>
+        <p:spPr>
+          <a:xfrm>
+            <a:off x="7328921" y="1428"/>
+            <a:ext cx="2500362" cy="1627840"/>
+          </a:xfrm>
+          <a:custGeom>
+            <a:avLst/>
+            <a:gdLst>
+              <a:gd name="connsiteX0" fmla="*/ 271312 w 1627840"/>
+              <a:gd name="connsiteY0" fmla="*/ 0 h 2500362"/>
+              <a:gd name="connsiteX1" fmla="*/ 1356528 w 1627840"/>
+              <a:gd name="connsiteY1" fmla="*/ 0 h 2500362"/>
+              <a:gd name="connsiteX2" fmla="*/ 1627840 w 1627840"/>
+              <a:gd name="connsiteY2" fmla="*/ 271312 h 2500362"/>
+              <a:gd name="connsiteX3" fmla="*/ 1627840 w 1627840"/>
+              <a:gd name="connsiteY3" fmla="*/ 2500362 h 2500362"/>
+              <a:gd name="connsiteX4" fmla="*/ 1627840 w 1627840"/>
+              <a:gd name="connsiteY4" fmla="*/ 2500362 h 2500362"/>
+              <a:gd name="connsiteX5" fmla="*/ 0 w 1627840"/>
+              <a:gd name="connsiteY5" fmla="*/ 2500362 h 2500362"/>
+              <a:gd name="connsiteX6" fmla="*/ 0 w 1627840"/>
+              <a:gd name="connsiteY6" fmla="*/ 2500362 h 2500362"/>
+              <a:gd name="connsiteX7" fmla="*/ 0 w 1627840"/>
+              <a:gd name="connsiteY7" fmla="*/ 271312 h 2500362"/>
+              <a:gd name="connsiteX8" fmla="*/ 271312 w 1627840"/>
+              <a:gd name="connsiteY8" fmla="*/ 0 h 2500362"/>
+            </a:gdLst>
+            <a:ahLst/>
+            <a:cxnLst>
+              <a:cxn ang="0">
+                <a:pos x="connsiteX0" y="connsiteY0"/>
+              </a:cxn>
+              <a:cxn ang="0">
+                <a:pos x="connsiteX1" y="connsiteY1"/>
+              </a:cxn>
+              <a:cxn ang="0">
+                <a:pos x="connsiteX2" y="connsiteY2"/>
+              </a:cxn>
+              <a:cxn ang="0">
+                <a:pos x="connsiteX3" y="connsiteY3"/>
+              </a:cxn>
+              <a:cxn ang="0">
+                <a:pos x="connsiteX4" y="connsiteY4"/>
+              </a:cxn>
+              <a:cxn ang="0">
+                <a:pos x="connsiteX5" y="connsiteY5"/>
+              </a:cxn>
+              <a:cxn ang="0">
+                <a:pos x="connsiteX6" y="connsiteY6"/>
+              </a:cxn>
+              <a:cxn ang="0">
+                <a:pos x="connsiteX7" y="connsiteY7"/>
+              </a:cxn>
+              <a:cxn ang="0">
+                <a:pos x="connsiteX8" y="connsiteY8"/>
+              </a:cxn>
+            </a:cxnLst>
+            <a:rect l="l" t="t" r="r" b="b"/>
+            <a:pathLst>
+              <a:path w="1627840" h="2500362">
+                <a:moveTo>
+                  <a:pt x="1627840" y="416736"/>
+                </a:moveTo>
+                <a:lnTo>
+                  <a:pt x="1627840" y="2083626"/>
+                </a:lnTo>
+                <a:cubicBezTo>
+                  <a:pt x="1627840" y="2313782"/>
+                  <a:pt x="1548757" y="2500361"/>
+                  <a:pt x="1451205" y="2500361"/>
+                </a:cubicBezTo>
+                <a:lnTo>
+                  <a:pt x="0" y="2500361"/>
+                </a:lnTo>
+                <a:lnTo>
+                  <a:pt x="0" y="2500361"/>
+                </a:lnTo>
+                <a:lnTo>
+                  <a:pt x="0" y="1"/>
+                </a:lnTo>
+                <a:lnTo>
+                  <a:pt x="0" y="1"/>
+                </a:lnTo>
+                <a:lnTo>
+                  <a:pt x="1451205" y="1"/>
+                </a:lnTo>
+                <a:cubicBezTo>
+                  <a:pt x="1548757" y="1"/>
+                  <a:pt x="1627840" y="186580"/>
+                  <a:pt x="1627840" y="416736"/>
+                </a:cubicBezTo>
+                <a:close/>
+              </a:path>
+            </a:pathLst>
+          </a:custGeom>
+        </p:spPr>
+        <p:style>
+          <a:lnRef idx="2">
+            <a:schemeClr val="accent1">
+              <a:hueOff val="0"/>
+              <a:satOff val="0"/>
+              <a:lumOff val="0"/>
+              <a:alphaOff val="0"/>
+            </a:schemeClr>
+          </a:lnRef>
+          <a:fillRef idx="1">
+            <a:schemeClr val="lt1">
+              <a:alpha val="90000"/>
+              <a:hueOff val="0"/>
+              <a:satOff val="0"/>
+              <a:lumOff val="0"/>
+              <a:alphaOff val="0"/>
+            </a:schemeClr>
+          </a:fillRef>
+          <a:effectRef idx="0">
+            <a:schemeClr val="lt1">
+              <a:alpha val="90000"/>
+              <a:hueOff val="0"/>
+              <a:satOff val="0"/>
+              <a:lumOff val="0"/>
+              <a:alphaOff val="0"/>
+            </a:schemeClr>
+          </a:effectRef>
+          <a:fontRef idx="minor">
+            <a:schemeClr val="dk1">
+              <a:hueOff val="0"/>
+              <a:satOff val="0"/>
+              <a:lumOff val="0"/>
+              <a:alphaOff val="0"/>
+            </a:schemeClr>
+          </a:fontRef>
+        </p:style>
+        <p:txBody>
+          <a:bodyPr spcFirstLastPara="0" vert="horz" wrap="square" lIns="327153" tIns="108674" rIns="108674" bIns="108676" numCol="1" spcCol="1270" anchor="ctr" anchorCtr="0">
+            <a:noAutofit/>
+          </a:bodyPr>
+          <a:lstStyle/>
+          <a:p>
+            <a:r>
+              <a:rPr lang="en-US" sz="2400" dirty="0"/>
+              <a:t>Introduce BDD</a:t>
+            </a:r>
+          </a:p>
+        </p:txBody>
+      </p:sp>
+      <p:sp>
+        <p:nvSpPr>
+          <p:cNvPr id="6" name="Freeform: Shape 5">
+            <a:extLst>
+              <a:ext uri="{FF2B5EF4-FFF2-40B4-BE49-F238E27FC236}">
+                <a16:creationId xmlns:a16="http://schemas.microsoft.com/office/drawing/2014/main" id="{47D5AD76-C1DB-867B-82D3-6F74063EC63C}"/>
+              </a:ext>
+            </a:extLst>
+          </p:cNvPr>
+          <p:cNvSpPr/>
+          <p:nvPr/>
+        </p:nvSpPr>
+        <p:spPr>
+          <a:xfrm>
+            <a:off x="5662013" y="2199066"/>
+            <a:ext cx="1666908" cy="2461294"/>
+          </a:xfrm>
+          <a:custGeom>
+            <a:avLst/>
+            <a:gdLst>
+              <a:gd name="connsiteX0" fmla="*/ 0 w 2461294"/>
+              <a:gd name="connsiteY0" fmla="*/ 0 h 1666908"/>
+              <a:gd name="connsiteX1" fmla="*/ 1627840 w 2461294"/>
+              <a:gd name="connsiteY1" fmla="*/ 0 h 1666908"/>
+              <a:gd name="connsiteX2" fmla="*/ 2461294 w 2461294"/>
+              <a:gd name="connsiteY2" fmla="*/ 833454 h 1666908"/>
+              <a:gd name="connsiteX3" fmla="*/ 1627840 w 2461294"/>
+              <a:gd name="connsiteY3" fmla="*/ 1666908 h 1666908"/>
+              <a:gd name="connsiteX4" fmla="*/ 0 w 2461294"/>
+              <a:gd name="connsiteY4" fmla="*/ 1666908 h 1666908"/>
+              <a:gd name="connsiteX5" fmla="*/ 833454 w 2461294"/>
+              <a:gd name="connsiteY5" fmla="*/ 833454 h 1666908"/>
+              <a:gd name="connsiteX6" fmla="*/ 0 w 2461294"/>
+              <a:gd name="connsiteY6" fmla="*/ 0 h 1666908"/>
+            </a:gdLst>
+            <a:ahLst/>
+            <a:cxnLst>
+              <a:cxn ang="0">
+                <a:pos x="connsiteX0" y="connsiteY0"/>
+              </a:cxn>
+              <a:cxn ang="0">
+                <a:pos x="connsiteX1" y="connsiteY1"/>
+              </a:cxn>
+              <a:cxn ang="0">
+                <a:pos x="connsiteX2" y="connsiteY2"/>
+              </a:cxn>
+              <a:cxn ang="0">
+                <a:pos x="connsiteX3" y="connsiteY3"/>
+              </a:cxn>
+              <a:cxn ang="0">
+                <a:pos x="connsiteX4" y="connsiteY4"/>
+              </a:cxn>
+              <a:cxn ang="0">
+                <a:pos x="connsiteX5" y="connsiteY5"/>
+              </a:cxn>
+              <a:cxn ang="0">
+                <a:pos x="connsiteX6" y="connsiteY6"/>
+              </a:cxn>
+            </a:cxnLst>
+            <a:rect l="l" t="t" r="r" b="b"/>
+            <a:pathLst>
+              <a:path w="2461294" h="1666908">
+                <a:moveTo>
+                  <a:pt x="2461293" y="0"/>
+                </a:moveTo>
+                <a:lnTo>
+                  <a:pt x="2461293" y="1102452"/>
+                </a:lnTo>
+                <a:lnTo>
+                  <a:pt x="1230647" y="1666908"/>
+                </a:lnTo>
+                <a:lnTo>
+                  <a:pt x="1" y="1102452"/>
+                </a:lnTo>
+                <a:lnTo>
+                  <a:pt x="1" y="0"/>
+                </a:lnTo>
+                <a:lnTo>
+                  <a:pt x="1230647" y="564456"/>
+                </a:lnTo>
+                <a:lnTo>
+                  <a:pt x="2461293" y="0"/>
+                </a:lnTo>
+                <a:close/>
+              </a:path>
+            </a:pathLst>
+          </a:custGeom>
+          <a:solidFill>
+            <a:schemeClr val="accent2">
+              <a:lumMod val="75000"/>
+            </a:schemeClr>
+          </a:solidFill>
+        </p:spPr>
+        <p:style>
+          <a:lnRef idx="2">
+            <a:schemeClr val="accent1">
+              <a:hueOff val="0"/>
+              <a:satOff val="0"/>
+              <a:lumOff val="0"/>
+              <a:alphaOff val="0"/>
+            </a:schemeClr>
+          </a:lnRef>
+          <a:fillRef idx="1">
+            <a:schemeClr val="accent1">
+              <a:hueOff val="0"/>
+              <a:satOff val="0"/>
+              <a:lumOff val="0"/>
+              <a:alphaOff val="0"/>
+            </a:schemeClr>
+          </a:fillRef>
+          <a:effectRef idx="0">
+            <a:schemeClr val="accent1">
+              <a:hueOff val="0"/>
+              <a:satOff val="0"/>
+              <a:lumOff val="0"/>
+              <a:alphaOff val="0"/>
+            </a:schemeClr>
+          </a:effectRef>
+          <a:fontRef idx="minor">
+            <a:schemeClr val="lt1"/>
+          </a:fontRef>
+        </p:style>
+        <p:txBody>
+          <a:bodyPr spcFirstLastPara="0" vert="horz" wrap="square" lIns="24130" tIns="857584" rIns="24130" bIns="857584" numCol="1" spcCol="1270" anchor="ctr" anchorCtr="0">
+            <a:noAutofit/>
+          </a:bodyPr>
+          <a:lstStyle/>
+          <a:p>
+            <a:pPr marL="0" lvl="0" indent="0" algn="ctr" defTabSz="1689100">
+              <a:lnSpc>
+                <a:spcPct val="90000"/>
+              </a:lnSpc>
+              <a:spcBef>
+                <a:spcPct val="0"/>
+              </a:spcBef>
+              <a:spcAft>
+                <a:spcPct val="35000"/>
+              </a:spcAft>
+              <a:buNone/>
+            </a:pPr>
+            <a:r>
+              <a:rPr lang="en-US" sz="3800" kern="1200" dirty="0"/>
+              <a:t>Set</a:t>
+            </a:r>
+          </a:p>
+        </p:txBody>
+      </p:sp>
+      <p:sp>
+        <p:nvSpPr>
+          <p:cNvPr id="7" name="Freeform: Shape 6">
+            <a:extLst>
+              <a:ext uri="{FF2B5EF4-FFF2-40B4-BE49-F238E27FC236}">
+                <a16:creationId xmlns:a16="http://schemas.microsoft.com/office/drawing/2014/main" id="{A578B24A-9E03-36BE-02B9-CDA489E9EEDC}"/>
+              </a:ext>
+            </a:extLst>
+          </p:cNvPr>
+          <p:cNvSpPr/>
+          <p:nvPr/>
+        </p:nvSpPr>
+        <p:spPr>
+          <a:xfrm>
+            <a:off x="7328921" y="2199066"/>
+            <a:ext cx="2500362" cy="1627841"/>
+          </a:xfrm>
+          <a:custGeom>
+            <a:avLst/>
+            <a:gdLst>
+              <a:gd name="connsiteX0" fmla="*/ 271312 w 1627840"/>
+              <a:gd name="connsiteY0" fmla="*/ 0 h 2500362"/>
+              <a:gd name="connsiteX1" fmla="*/ 1356528 w 1627840"/>
+              <a:gd name="connsiteY1" fmla="*/ 0 h 2500362"/>
+              <a:gd name="connsiteX2" fmla="*/ 1627840 w 1627840"/>
+              <a:gd name="connsiteY2" fmla="*/ 271312 h 2500362"/>
+              <a:gd name="connsiteX3" fmla="*/ 1627840 w 1627840"/>
+              <a:gd name="connsiteY3" fmla="*/ 2500362 h 2500362"/>
+              <a:gd name="connsiteX4" fmla="*/ 1627840 w 1627840"/>
+              <a:gd name="connsiteY4" fmla="*/ 2500362 h 2500362"/>
+              <a:gd name="connsiteX5" fmla="*/ 0 w 1627840"/>
+              <a:gd name="connsiteY5" fmla="*/ 2500362 h 2500362"/>
+              <a:gd name="connsiteX6" fmla="*/ 0 w 1627840"/>
+              <a:gd name="connsiteY6" fmla="*/ 2500362 h 2500362"/>
+              <a:gd name="connsiteX7" fmla="*/ 0 w 1627840"/>
+              <a:gd name="connsiteY7" fmla="*/ 271312 h 2500362"/>
+              <a:gd name="connsiteX8" fmla="*/ 271312 w 1627840"/>
+              <a:gd name="connsiteY8" fmla="*/ 0 h 2500362"/>
+            </a:gdLst>
+            <a:ahLst/>
+            <a:cxnLst>
+              <a:cxn ang="0">
+                <a:pos x="connsiteX0" y="connsiteY0"/>
+              </a:cxn>
+              <a:cxn ang="0">
+                <a:pos x="connsiteX1" y="connsiteY1"/>
+              </a:cxn>
+              <a:cxn ang="0">
+                <a:pos x="connsiteX2" y="connsiteY2"/>
+              </a:cxn>
+              <a:cxn ang="0">
+                <a:pos x="connsiteX3" y="connsiteY3"/>
+              </a:cxn>
+              <a:cxn ang="0">
+                <a:pos x="connsiteX4" y="connsiteY4"/>
+              </a:cxn>
+              <a:cxn ang="0">
+                <a:pos x="connsiteX5" y="connsiteY5"/>
+              </a:cxn>
+              <a:cxn ang="0">
+                <a:pos x="connsiteX6" y="connsiteY6"/>
+              </a:cxn>
+              <a:cxn ang="0">
+                <a:pos x="connsiteX7" y="connsiteY7"/>
+              </a:cxn>
+              <a:cxn ang="0">
+                <a:pos x="connsiteX8" y="connsiteY8"/>
+              </a:cxn>
+            </a:cxnLst>
+            <a:rect l="l" t="t" r="r" b="b"/>
+            <a:pathLst>
+              <a:path w="1627840" h="2500362">
+                <a:moveTo>
+                  <a:pt x="1627840" y="416736"/>
+                </a:moveTo>
+                <a:lnTo>
+                  <a:pt x="1627840" y="2083626"/>
+                </a:lnTo>
+                <a:cubicBezTo>
+                  <a:pt x="1627840" y="2313782"/>
+                  <a:pt x="1548757" y="2500361"/>
+                  <a:pt x="1451205" y="2500361"/>
+                </a:cubicBezTo>
+                <a:lnTo>
+                  <a:pt x="0" y="2500361"/>
+                </a:lnTo>
+                <a:lnTo>
+                  <a:pt x="0" y="2500361"/>
+                </a:lnTo>
+                <a:lnTo>
+                  <a:pt x="0" y="1"/>
+                </a:lnTo>
+                <a:lnTo>
+                  <a:pt x="0" y="1"/>
+                </a:lnTo>
+                <a:lnTo>
+                  <a:pt x="1451205" y="1"/>
+                </a:lnTo>
+                <a:cubicBezTo>
+                  <a:pt x="1548757" y="1"/>
+                  <a:pt x="1627840" y="186580"/>
+                  <a:pt x="1627840" y="416736"/>
+                </a:cubicBezTo>
+                <a:close/>
+              </a:path>
+            </a:pathLst>
+          </a:custGeom>
+        </p:spPr>
+        <p:style>
+          <a:lnRef idx="2">
+            <a:schemeClr val="accent1">
+              <a:hueOff val="0"/>
+              <a:satOff val="0"/>
+              <a:lumOff val="0"/>
+              <a:alphaOff val="0"/>
+            </a:schemeClr>
+          </a:lnRef>
+          <a:fillRef idx="1">
+            <a:schemeClr val="lt1">
+              <a:alpha val="90000"/>
+              <a:hueOff val="0"/>
+              <a:satOff val="0"/>
+              <a:lumOff val="0"/>
+              <a:alphaOff val="0"/>
+            </a:schemeClr>
+          </a:fillRef>
+          <a:effectRef idx="0">
+            <a:schemeClr val="lt1">
+              <a:alpha val="90000"/>
+              <a:hueOff val="0"/>
+              <a:satOff val="0"/>
+              <a:lumOff val="0"/>
+              <a:alphaOff val="0"/>
+            </a:schemeClr>
+          </a:effectRef>
+          <a:fontRef idx="minor">
+            <a:schemeClr val="dk1">
+              <a:hueOff val="0"/>
+              <a:satOff val="0"/>
+              <a:lumOff val="0"/>
+              <a:alphaOff val="0"/>
+            </a:schemeClr>
+          </a:fontRef>
+        </p:style>
+        <p:txBody>
+          <a:bodyPr spcFirstLastPara="0" vert="horz" wrap="square" lIns="327153" tIns="108675" rIns="108674" bIns="108676" numCol="1" spcCol="1270" anchor="ctr" anchorCtr="0">
+            <a:noAutofit/>
+          </a:bodyPr>
+          <a:lstStyle/>
+          <a:p>
+            <a:r>
+              <a:rPr lang="en-US" sz="2400" dirty="0"/>
+              <a:t>Gherkin Syntax</a:t>
+            </a:r>
+          </a:p>
+        </p:txBody>
+      </p:sp>
+      <p:sp>
+        <p:nvSpPr>
+          <p:cNvPr id="9" name="Freeform: Shape 8">
+            <a:extLst>
+              <a:ext uri="{FF2B5EF4-FFF2-40B4-BE49-F238E27FC236}">
+                <a16:creationId xmlns:a16="http://schemas.microsoft.com/office/drawing/2014/main" id="{496F153B-4161-EF2C-67C2-EEC6C7AE3D0F}"/>
+              </a:ext>
+            </a:extLst>
+          </p:cNvPr>
+          <p:cNvSpPr/>
+          <p:nvPr/>
+        </p:nvSpPr>
+        <p:spPr>
+          <a:xfrm>
+            <a:off x="5662013" y="4396706"/>
+            <a:ext cx="1666908" cy="2461294"/>
+          </a:xfrm>
+          <a:custGeom>
+            <a:avLst/>
+            <a:gdLst>
+              <a:gd name="connsiteX0" fmla="*/ 0 w 2461294"/>
+              <a:gd name="connsiteY0" fmla="*/ 0 h 1666908"/>
+              <a:gd name="connsiteX1" fmla="*/ 1627840 w 2461294"/>
+              <a:gd name="connsiteY1" fmla="*/ 0 h 1666908"/>
+              <a:gd name="connsiteX2" fmla="*/ 2461294 w 2461294"/>
+              <a:gd name="connsiteY2" fmla="*/ 833454 h 1666908"/>
+              <a:gd name="connsiteX3" fmla="*/ 1627840 w 2461294"/>
+              <a:gd name="connsiteY3" fmla="*/ 1666908 h 1666908"/>
+              <a:gd name="connsiteX4" fmla="*/ 0 w 2461294"/>
+              <a:gd name="connsiteY4" fmla="*/ 1666908 h 1666908"/>
+              <a:gd name="connsiteX5" fmla="*/ 833454 w 2461294"/>
+              <a:gd name="connsiteY5" fmla="*/ 833454 h 1666908"/>
+              <a:gd name="connsiteX6" fmla="*/ 0 w 2461294"/>
+              <a:gd name="connsiteY6" fmla="*/ 0 h 1666908"/>
+            </a:gdLst>
+            <a:ahLst/>
+            <a:cxnLst>
+              <a:cxn ang="0">
+                <a:pos x="connsiteX0" y="connsiteY0"/>
+              </a:cxn>
+              <a:cxn ang="0">
+                <a:pos x="connsiteX1" y="connsiteY1"/>
+              </a:cxn>
+              <a:cxn ang="0">
+                <a:pos x="connsiteX2" y="connsiteY2"/>
+              </a:cxn>
+              <a:cxn ang="0">
+                <a:pos x="connsiteX3" y="connsiteY3"/>
+              </a:cxn>
+              <a:cxn ang="0">
+                <a:pos x="connsiteX4" y="connsiteY4"/>
+              </a:cxn>
+              <a:cxn ang="0">
+                <a:pos x="connsiteX5" y="connsiteY5"/>
+              </a:cxn>
+              <a:cxn ang="0">
+                <a:pos x="connsiteX6" y="connsiteY6"/>
+              </a:cxn>
+            </a:cxnLst>
+            <a:rect l="l" t="t" r="r" b="b"/>
+            <a:pathLst>
+              <a:path w="2461294" h="1666908">
+                <a:moveTo>
+                  <a:pt x="2461293" y="0"/>
+                </a:moveTo>
+                <a:lnTo>
+                  <a:pt x="2461293" y="1102452"/>
+                </a:lnTo>
+                <a:lnTo>
+                  <a:pt x="1230647" y="1666908"/>
+                </a:lnTo>
+                <a:lnTo>
+                  <a:pt x="1" y="1102452"/>
+                </a:lnTo>
+                <a:lnTo>
+                  <a:pt x="1" y="0"/>
+                </a:lnTo>
+                <a:lnTo>
+                  <a:pt x="1230647" y="564456"/>
+                </a:lnTo>
+                <a:lnTo>
+                  <a:pt x="2461293" y="0"/>
+                </a:lnTo>
+                <a:close/>
+              </a:path>
+            </a:pathLst>
+          </a:custGeom>
+          <a:solidFill>
+            <a:schemeClr val="accent2">
+              <a:lumMod val="50000"/>
+            </a:schemeClr>
+          </a:solidFill>
+        </p:spPr>
+        <p:style>
+          <a:lnRef idx="2">
+            <a:schemeClr val="accent1">
+              <a:hueOff val="0"/>
+              <a:satOff val="0"/>
+              <a:lumOff val="0"/>
+              <a:alphaOff val="0"/>
+            </a:schemeClr>
+          </a:lnRef>
+          <a:fillRef idx="1">
+            <a:schemeClr val="accent1">
+              <a:hueOff val="0"/>
+              <a:satOff val="0"/>
+              <a:lumOff val="0"/>
+              <a:alphaOff val="0"/>
+            </a:schemeClr>
+          </a:fillRef>
+          <a:effectRef idx="0">
+            <a:schemeClr val="accent1">
+              <a:hueOff val="0"/>
+              <a:satOff val="0"/>
+              <a:lumOff val="0"/>
+              <a:alphaOff val="0"/>
+            </a:schemeClr>
+          </a:effectRef>
+          <a:fontRef idx="minor">
+            <a:schemeClr val="lt1"/>
+          </a:fontRef>
+        </p:style>
+        <p:txBody>
+          <a:bodyPr spcFirstLastPara="0" vert="horz" wrap="square" lIns="24130" tIns="857584" rIns="24130" bIns="857584" numCol="1" spcCol="1270" anchor="ctr" anchorCtr="0">
+            <a:noAutofit/>
+          </a:bodyPr>
+          <a:lstStyle/>
+          <a:p>
+            <a:pPr marL="0" lvl="0" indent="0" algn="ctr" defTabSz="1689100">
+              <a:lnSpc>
+                <a:spcPct val="90000"/>
+              </a:lnSpc>
+              <a:spcBef>
+                <a:spcPct val="0"/>
+              </a:spcBef>
+              <a:spcAft>
+                <a:spcPct val="35000"/>
+              </a:spcAft>
+              <a:buNone/>
+            </a:pPr>
+            <a:r>
+              <a:rPr lang="en-US" sz="3800" kern="1200" dirty="0"/>
+              <a:t>Go</a:t>
+            </a:r>
+          </a:p>
+        </p:txBody>
+      </p:sp>
+      <p:sp>
+        <p:nvSpPr>
+          <p:cNvPr id="11" name="Freeform: Shape 10">
+            <a:extLst>
+              <a:ext uri="{FF2B5EF4-FFF2-40B4-BE49-F238E27FC236}">
+                <a16:creationId xmlns:a16="http://schemas.microsoft.com/office/drawing/2014/main" id="{830488B1-CB76-FA72-2DE1-DEE98970306B}"/>
+              </a:ext>
+            </a:extLst>
+          </p:cNvPr>
+          <p:cNvSpPr/>
+          <p:nvPr/>
+        </p:nvSpPr>
+        <p:spPr>
+          <a:xfrm>
+            <a:off x="7328921" y="4396706"/>
+            <a:ext cx="2500362" cy="1627840"/>
+          </a:xfrm>
+          <a:custGeom>
+            <a:avLst/>
+            <a:gdLst>
+              <a:gd name="connsiteX0" fmla="*/ 271312 w 1627840"/>
+              <a:gd name="connsiteY0" fmla="*/ 0 h 2500362"/>
+              <a:gd name="connsiteX1" fmla="*/ 1356528 w 1627840"/>
+              <a:gd name="connsiteY1" fmla="*/ 0 h 2500362"/>
+              <a:gd name="connsiteX2" fmla="*/ 1627840 w 1627840"/>
+              <a:gd name="connsiteY2" fmla="*/ 271312 h 2500362"/>
+              <a:gd name="connsiteX3" fmla="*/ 1627840 w 1627840"/>
+              <a:gd name="connsiteY3" fmla="*/ 2500362 h 2500362"/>
+              <a:gd name="connsiteX4" fmla="*/ 1627840 w 1627840"/>
+              <a:gd name="connsiteY4" fmla="*/ 2500362 h 2500362"/>
+              <a:gd name="connsiteX5" fmla="*/ 0 w 1627840"/>
+              <a:gd name="connsiteY5" fmla="*/ 2500362 h 2500362"/>
+              <a:gd name="connsiteX6" fmla="*/ 0 w 1627840"/>
+              <a:gd name="connsiteY6" fmla="*/ 2500362 h 2500362"/>
+              <a:gd name="connsiteX7" fmla="*/ 0 w 1627840"/>
+              <a:gd name="connsiteY7" fmla="*/ 271312 h 2500362"/>
+              <a:gd name="connsiteX8" fmla="*/ 271312 w 1627840"/>
+              <a:gd name="connsiteY8" fmla="*/ 0 h 2500362"/>
+            </a:gdLst>
+            <a:ahLst/>
+            <a:cxnLst>
+              <a:cxn ang="0">
+                <a:pos x="connsiteX0" y="connsiteY0"/>
+              </a:cxn>
+              <a:cxn ang="0">
+                <a:pos x="connsiteX1" y="connsiteY1"/>
+              </a:cxn>
+              <a:cxn ang="0">
+                <a:pos x="connsiteX2" y="connsiteY2"/>
+              </a:cxn>
+              <a:cxn ang="0">
+                <a:pos x="connsiteX3" y="connsiteY3"/>
+              </a:cxn>
+              <a:cxn ang="0">
+                <a:pos x="connsiteX4" y="connsiteY4"/>
+              </a:cxn>
+              <a:cxn ang="0">
+                <a:pos x="connsiteX5" y="connsiteY5"/>
+              </a:cxn>
+              <a:cxn ang="0">
+                <a:pos x="connsiteX6" y="connsiteY6"/>
+              </a:cxn>
+              <a:cxn ang="0">
+                <a:pos x="connsiteX7" y="connsiteY7"/>
+              </a:cxn>
+              <a:cxn ang="0">
+                <a:pos x="connsiteX8" y="connsiteY8"/>
+              </a:cxn>
+            </a:cxnLst>
+            <a:rect l="l" t="t" r="r" b="b"/>
+            <a:pathLst>
+              <a:path w="1627840" h="2500362">
+                <a:moveTo>
+                  <a:pt x="1627840" y="416736"/>
+                </a:moveTo>
+                <a:lnTo>
+                  <a:pt x="1627840" y="2083626"/>
+                </a:lnTo>
+                <a:cubicBezTo>
+                  <a:pt x="1627840" y="2313782"/>
+                  <a:pt x="1548757" y="2500361"/>
+                  <a:pt x="1451205" y="2500361"/>
+                </a:cubicBezTo>
+                <a:lnTo>
+                  <a:pt x="0" y="2500361"/>
+                </a:lnTo>
+                <a:lnTo>
+                  <a:pt x="0" y="2500361"/>
+                </a:lnTo>
+                <a:lnTo>
+                  <a:pt x="0" y="1"/>
+                </a:lnTo>
+                <a:lnTo>
+                  <a:pt x="0" y="1"/>
+                </a:lnTo>
+                <a:lnTo>
+                  <a:pt x="1451205" y="1"/>
+                </a:lnTo>
+                <a:cubicBezTo>
+                  <a:pt x="1548757" y="1"/>
+                  <a:pt x="1627840" y="186580"/>
+                  <a:pt x="1627840" y="416736"/>
+                </a:cubicBezTo>
+                <a:close/>
+              </a:path>
+            </a:pathLst>
+          </a:custGeom>
+        </p:spPr>
+        <p:style>
+          <a:lnRef idx="2">
+            <a:schemeClr val="accent1">
+              <a:hueOff val="0"/>
+              <a:satOff val="0"/>
+              <a:lumOff val="0"/>
+              <a:alphaOff val="0"/>
+            </a:schemeClr>
+          </a:lnRef>
+          <a:fillRef idx="1">
+            <a:schemeClr val="lt1">
+              <a:alpha val="90000"/>
+              <a:hueOff val="0"/>
+              <a:satOff val="0"/>
+              <a:lumOff val="0"/>
+              <a:alphaOff val="0"/>
+            </a:schemeClr>
+          </a:fillRef>
+          <a:effectRef idx="0">
+            <a:schemeClr val="lt1">
+              <a:alpha val="90000"/>
+              <a:hueOff val="0"/>
+              <a:satOff val="0"/>
+              <a:lumOff val="0"/>
+              <a:alphaOff val="0"/>
+            </a:schemeClr>
+          </a:effectRef>
+          <a:fontRef idx="minor">
+            <a:schemeClr val="dk1">
+              <a:hueOff val="0"/>
+              <a:satOff val="0"/>
+              <a:lumOff val="0"/>
+              <a:alphaOff val="0"/>
+            </a:schemeClr>
+          </a:fontRef>
+        </p:style>
+        <p:txBody>
+          <a:bodyPr spcFirstLastPara="0" vert="horz" wrap="square" lIns="327153" tIns="108675" rIns="108674" bIns="108675" numCol="1" spcCol="1270" anchor="ctr" anchorCtr="0">
+            <a:noAutofit/>
+          </a:bodyPr>
+          <a:lstStyle/>
+          <a:p>
+            <a:r>
+              <a:rPr lang="en-US" sz="2400" dirty="0"/>
+              <a:t>Demo </a:t>
+            </a:r>
+            <a:r>
+              <a:rPr lang="en-US" sz="2400" dirty="0" err="1"/>
+              <a:t>Specflow</a:t>
+            </a:r>
+            <a:endParaRPr lang="en-US" sz="2400" dirty="0"/>
+          </a:p>
+        </p:txBody>
+      </p:sp>
+    </p:spTree>
+    <p:extLst>
+      <p:ext uri="{BB962C8B-B14F-4D97-AF65-F5344CB8AC3E}">
+        <p14:creationId xmlns:p14="http://schemas.microsoft.com/office/powerpoint/2010/main" val="2789812883"/>
+      </p:ext>
+    </p:extLst>
+  </p:cSld>
+  <p:clrMapOvr>
+    <a:masterClrMapping/>
+  </p:clrMapOvr>
+  <p:timing>
+    <p:tnLst>
+      <p:par>
+        <p:cTn id="1" dur="indefinite" restart="never" nodeType="tmRoot">
+          <p:childTnLst>
+            <p:seq concurrent="1" nextAc="seek">
+              <p:cTn id="2" dur="indefinite" nodeType="mainSeq">
+                <p:childTnLst>
+                  <p:par>
+                    <p:cTn id="3" fill="hold">
+                      <p:stCondLst>
+                        <p:cond delay="indefinite"/>
+                      </p:stCondLst>
+                      <p:childTnLst>
+                        <p:par>
+                          <p:cTn id="4" fill="hold">
+                            <p:stCondLst>
+                              <p:cond delay="0"/>
+                            </p:stCondLst>
+                            <p:childTnLst>
+                              <p:par>
+                                <p:cTn id="5" presetID="2" presetClass="entr" presetSubtype="8" fill="hold" grpId="0" nodeType="clickEffect">
+                                  <p:stCondLst>
+                                    <p:cond delay="0"/>
+                                  </p:stCondLst>
+                                  <p:childTnLst>
+                                    <p:set>
+                                      <p:cBhvr>
+                                        <p:cTn id="6" dur="1" fill="hold">
+                                          <p:stCondLst>
+                                            <p:cond delay="0"/>
+                                          </p:stCondLst>
+                                        </p:cTn>
+                                        <p:tgtEl>
+                                          <p:spTgt spid="10"/>
+                                        </p:tgtEl>
+                                        <p:attrNameLst>
+                                          <p:attrName>style.visibility</p:attrName>
+                                        </p:attrNameLst>
+                                      </p:cBhvr>
+                                      <p:to>
+                                        <p:strVal val="visible"/>
+                                      </p:to>
+                                    </p:set>
+                                    <p:anim calcmode="lin" valueType="num">
+                                      <p:cBhvr additive="base">
+                                        <p:cTn id="7" dur="3500" fill="hold"/>
+                                        <p:tgtEl>
+                                          <p:spTgt spid="10"/>
+                                        </p:tgtEl>
+                                        <p:attrNameLst>
+                                          <p:attrName>ppt_x</p:attrName>
+                                        </p:attrNameLst>
+                                      </p:cBhvr>
+                                      <p:tavLst>
+                                        <p:tav tm="0">
+                                          <p:val>
+                                            <p:strVal val="0-#ppt_w/2"/>
+                                          </p:val>
+                                        </p:tav>
+                                        <p:tav tm="100000">
+                                          <p:val>
+                                            <p:strVal val="#ppt_x"/>
+                                          </p:val>
+                                        </p:tav>
+                                      </p:tavLst>
+                                    </p:anim>
+                                    <p:anim calcmode="lin" valueType="num">
+                                      <p:cBhvr additive="base">
+                                        <p:cTn id="8" dur="3500" fill="hold"/>
+                                        <p:tgtEl>
+                                          <p:spTgt spid="10"/>
+                                        </p:tgtEl>
+                                        <p:attrNameLst>
+                                          <p:attrName>ppt_y</p:attrName>
+                                        </p:attrNameLst>
+                                      </p:cBhvr>
+                                      <p:tavLst>
+                                        <p:tav tm="0">
+                                          <p:val>
+                                            <p:strVal val="#ppt_y"/>
+                                          </p:val>
+                                        </p:tav>
+                                        <p:tav tm="100000">
+                                          <p:val>
+                                            <p:strVal val="#ppt_y"/>
+                                          </p:val>
+                                        </p:tav>
+                                      </p:tavLst>
+                                    </p:anim>
+                                  </p:childTnLst>
+                                </p:cTn>
+                              </p:par>
+                            </p:childTnLst>
+                          </p:cTn>
+                        </p:par>
+                      </p:childTnLst>
+                    </p:cTn>
+                  </p:par>
+                </p:childTnLst>
+              </p:cTn>
+              <p:prevCondLst>
+                <p:cond evt="onPrev" delay="0">
+                  <p:tgtEl>
+                    <p:sldTgt/>
+                  </p:tgtEl>
+                </p:cond>
+              </p:prevCondLst>
+              <p:nextCondLst>
+                <p:cond evt="onNext" delay="0">
+                  <p:tgtEl>
+                    <p:sldTgt/>
+                  </p:tgtEl>
+                </p:cond>
+              </p:nextCondLst>
+            </p:seq>
+          </p:childTnLst>
+        </p:cTn>
+      </p:par>
+    </p:tnLst>
+    <p:bldLst>
+      <p:bldP spid="10" grpId="0" animBg="1"/>
+    </p:bldLst>
+  </p:timing>
+</p:sld>
+</file>
+
+<file path=ppt/slides/slide11.xml><?xml version="1.0" encoding="utf-8"?>
+<p:sld xmlns:a="http://schemas.openxmlformats.org/drawingml/2006/main" xmlns:r="http://schemas.openxmlformats.org/officeDocument/2006/relationships" xmlns:p="http://schemas.openxmlformats.org/presentationml/2006/main">
+  <p:cSld>
+    <p:bg>
+      <p:bgPr>
+        <a:solidFill>
+          <a:schemeClr val="bg1"/>
+        </a:solidFill>
+        <a:effectLst/>
+      </p:bgPr>
+    </p:bg>
+    <p:spTree>
+      <p:nvGrpSpPr>
+        <p:cNvPr id="1" name=""/>
+        <p:cNvGrpSpPr/>
+        <p:nvPr/>
+      </p:nvGrpSpPr>
+      <p:grpSpPr>
+        <a:xfrm>
+          <a:off x="0" y="0"/>
+          <a:ext cx="0" cy="0"/>
+          <a:chOff x="0" y="0"/>
+          <a:chExt cx="0" cy="0"/>
+        </a:xfrm>
+      </p:grpSpPr>
+      <p:sp useBgFill="1">
+        <p:nvSpPr>
+          <p:cNvPr id="8" name="Rectangle 7">
+            <a:extLst>
+              <a:ext uri="{FF2B5EF4-FFF2-40B4-BE49-F238E27FC236}">
+                <a16:creationId xmlns:a16="http://schemas.microsoft.com/office/drawing/2014/main" id="{907EF6B7-1338-4443-8C46-6A318D952DFD}"/>
+              </a:ext>
+              <a:ext uri="{C183D7F6-B498-43B3-948B-1728B52AA6E4}">
+                <adec:decorative xmlns:adec="http://schemas.microsoft.com/office/drawing/2017/decorative" val="1"/>
+              </a:ext>
+            </a:extLst>
+          </p:cNvPr>
+          <p:cNvSpPr>
+            <a:spLocks noGrp="1" noRot="1" noChangeAspect="1" noMove="1" noResize="1" noEditPoints="1" noAdjustHandles="1" noChangeArrowheads="1" noChangeShapeType="1" noTextEdit="1"/>
+          </p:cNvSpPr>
+          <p:nvPr>
+            <p:extLst>
+              <p:ext uri="{386F3935-93C4-4BCD-93E2-E3B085C9AB24}">
+                <p16:designElem xmlns:p16="http://schemas.microsoft.com/office/powerpoint/2015/main" val="1"/>
+              </p:ext>
+            </p:extLst>
+          </p:nvPr>
+        </p:nvSpPr>
+        <p:spPr>
+          <a:xfrm>
+            <a:off x="3048" y="0"/>
+            <a:ext cx="12188952" cy="6858000"/>
+          </a:xfrm>
+          <a:prstGeom prst="rect">
+            <a:avLst/>
+          </a:prstGeom>
+          <a:ln>
+            <a:noFill/>
+          </a:ln>
+        </p:spPr>
+        <p:style>
+          <a:lnRef idx="2">
+            <a:schemeClr val="accent1">
+              <a:shade val="50000"/>
+            </a:schemeClr>
+          </a:lnRef>
+          <a:fillRef idx="1">
+            <a:schemeClr val="accent1"/>
+          </a:fillRef>
+          <a:effectRef idx="0">
+            <a:schemeClr val="accent1"/>
+          </a:effectRef>
+          <a:fontRef idx="minor">
+            <a:schemeClr val="lt1"/>
+          </a:fontRef>
+        </p:style>
+        <p:txBody>
+          <a:bodyPr rtlCol="0" anchor="ctr"/>
+          <a:lstStyle/>
+          <a:p>
+            <a:pPr algn="ctr"/>
+            <a:endParaRPr lang="en-US" dirty="0"/>
+          </a:p>
+        </p:txBody>
+      </p:sp>
+      <p:sp>
+        <p:nvSpPr>
+          <p:cNvPr id="10" name="Freeform: Shape 9">
+            <a:extLst>
+              <a:ext uri="{FF2B5EF4-FFF2-40B4-BE49-F238E27FC236}">
+                <a16:creationId xmlns:a16="http://schemas.microsoft.com/office/drawing/2014/main" id="{DAAE4CDD-124C-4DCF-9584-B6033B545DD5}"/>
+              </a:ext>
+              <a:ext uri="{C183D7F6-B498-43B3-948B-1728B52AA6E4}">
+                <adec:decorative xmlns:adec="http://schemas.microsoft.com/office/drawing/2017/decorative" val="1"/>
+              </a:ext>
+            </a:extLst>
+          </p:cNvPr>
+          <p:cNvSpPr>
+            <a:spLocks noChangeAspect="1"/>
+          </p:cNvSpPr>
+          <p:nvPr>
+            <p:extLst>
+              <p:ext uri="{386F3935-93C4-4BCD-93E2-E3B085C9AB24}">
+                <p16:designElem xmlns:p16="http://schemas.microsoft.com/office/powerpoint/2015/main" val="1"/>
+              </p:ext>
+            </p:extLst>
+          </p:nvPr>
+        </p:nvSpPr>
+        <p:spPr>
+          <a:xfrm>
+            <a:off x="1" y="0"/>
+            <a:ext cx="4167271" cy="6858000"/>
+          </a:xfrm>
+          <a:custGeom>
+            <a:avLst/>
+            <a:gdLst>
+              <a:gd name="connsiteX0" fmla="*/ 0 w 4167271"/>
+              <a:gd name="connsiteY0" fmla="*/ 0 h 6858000"/>
+              <a:gd name="connsiteX1" fmla="*/ 2259550 w 4167271"/>
+              <a:gd name="connsiteY1" fmla="*/ 0 h 6858000"/>
+              <a:gd name="connsiteX2" fmla="*/ 2387803 w 4167271"/>
+              <a:gd name="connsiteY2" fmla="*/ 82222 h 6858000"/>
+              <a:gd name="connsiteX3" fmla="*/ 4167271 w 4167271"/>
+              <a:gd name="connsiteY3" fmla="*/ 3429000 h 6858000"/>
+              <a:gd name="connsiteX4" fmla="*/ 2387803 w 4167271"/>
+              <a:gd name="connsiteY4" fmla="*/ 6775779 h 6858000"/>
+              <a:gd name="connsiteX5" fmla="*/ 2259550 w 4167271"/>
+              <a:gd name="connsiteY5" fmla="*/ 6858000 h 6858000"/>
+              <a:gd name="connsiteX6" fmla="*/ 0 w 4167271"/>
+              <a:gd name="connsiteY6" fmla="*/ 6858000 h 6858000"/>
+            </a:gdLst>
+            <a:ahLst/>
+            <a:cxnLst>
+              <a:cxn ang="0">
+                <a:pos x="connsiteX0" y="connsiteY0"/>
+              </a:cxn>
+              <a:cxn ang="0">
+                <a:pos x="connsiteX1" y="connsiteY1"/>
+              </a:cxn>
+              <a:cxn ang="0">
+                <a:pos x="connsiteX2" y="connsiteY2"/>
+              </a:cxn>
+              <a:cxn ang="0">
+                <a:pos x="connsiteX3" y="connsiteY3"/>
+              </a:cxn>
+              <a:cxn ang="0">
+                <a:pos x="connsiteX4" y="connsiteY4"/>
+              </a:cxn>
+              <a:cxn ang="0">
+                <a:pos x="connsiteX5" y="connsiteY5"/>
+              </a:cxn>
+              <a:cxn ang="0">
+                <a:pos x="connsiteX6" y="connsiteY6"/>
+              </a:cxn>
+            </a:cxnLst>
+            <a:rect l="l" t="t" r="r" b="b"/>
+            <a:pathLst>
+              <a:path w="4167271" h="6858000">
+                <a:moveTo>
+                  <a:pt x="0" y="0"/>
+                </a:moveTo>
+                <a:lnTo>
+                  <a:pt x="2259550" y="0"/>
+                </a:lnTo>
+                <a:lnTo>
+                  <a:pt x="2387803" y="82222"/>
+                </a:lnTo>
+                <a:cubicBezTo>
+                  <a:pt x="3461407" y="807534"/>
+                  <a:pt x="4167271" y="2035835"/>
+                  <a:pt x="4167271" y="3429000"/>
+                </a:cubicBezTo>
+                <a:cubicBezTo>
+                  <a:pt x="4167271" y="4822165"/>
+                  <a:pt x="3461407" y="6050467"/>
+                  <a:pt x="2387803" y="6775779"/>
+                </a:cubicBezTo>
+                <a:lnTo>
+                  <a:pt x="2259550" y="6858000"/>
+                </a:lnTo>
+                <a:lnTo>
+                  <a:pt x="0" y="6858000"/>
+                </a:lnTo>
+                <a:close/>
+              </a:path>
+            </a:pathLst>
+          </a:custGeom>
+          <a:gradFill flip="none" rotWithShape="1">
+            <a:gsLst>
+              <a:gs pos="0">
+                <a:schemeClr val="accent2">
+                  <a:lumMod val="67000"/>
+                </a:schemeClr>
+              </a:gs>
+              <a:gs pos="48000">
+                <a:schemeClr val="accent2">
+                  <a:lumMod val="97000"/>
+                  <a:lumOff val="3000"/>
+                </a:schemeClr>
+              </a:gs>
+              <a:gs pos="100000">
+                <a:schemeClr val="accent2">
+                  <a:lumMod val="60000"/>
+                  <a:lumOff val="40000"/>
+                </a:schemeClr>
+              </a:gs>
+            </a:gsLst>
+            <a:lin ang="16200000" scaled="1"/>
+            <a:tileRect/>
+          </a:gradFill>
+          <a:ln>
+            <a:noFill/>
+          </a:ln>
+        </p:spPr>
+        <p:style>
+          <a:lnRef idx="0">
+            <a:scrgbClr r="0" g="0" b="0"/>
+          </a:lnRef>
+          <a:fillRef idx="0">
+            <a:scrgbClr r="0" g="0" b="0"/>
+          </a:fillRef>
+          <a:effectRef idx="0">
+            <a:scrgbClr r="0" g="0" b="0"/>
+          </a:effectRef>
+          <a:fontRef idx="minor">
+            <a:schemeClr val="lt1"/>
+          </a:fontRef>
+        </p:style>
+        <p:txBody>
+          <a:bodyPr rtlCol="0" anchor="ctr"/>
+          <a:lstStyle/>
+          <a:p>
+            <a:pPr algn="ctr"/>
+            <a:endParaRPr lang="en-US" dirty="0"/>
+          </a:p>
+        </p:txBody>
+      </p:sp>
+      <p:sp>
+        <p:nvSpPr>
+          <p:cNvPr id="2" name="Title 1">
+            <a:extLst>
+              <a:ext uri="{FF2B5EF4-FFF2-40B4-BE49-F238E27FC236}">
+                <a16:creationId xmlns:a16="http://schemas.microsoft.com/office/drawing/2014/main" id="{604CD088-9924-FDF8-32EA-64AD14C5DE41}"/>
+              </a:ext>
+            </a:extLst>
+          </p:cNvPr>
+          <p:cNvSpPr>
+            <a:spLocks noGrp="1"/>
+          </p:cNvSpPr>
+          <p:nvPr>
+            <p:ph type="title"/>
+          </p:nvPr>
+        </p:nvSpPr>
+        <p:spPr>
+          <a:xfrm>
+            <a:off x="686834" y="1153572"/>
+            <a:ext cx="3200400" cy="4461163"/>
+          </a:xfrm>
+        </p:spPr>
+        <p:txBody>
+          <a:bodyPr>
+            <a:normAutofit/>
+          </a:bodyPr>
+          <a:lstStyle/>
+          <a:p>
+            <a:r>
+              <a:rPr lang="en-US" dirty="0">
+                <a:solidFill>
+                  <a:srgbClr val="FFFFFF"/>
+                </a:solidFill>
+              </a:rPr>
+              <a:t>TDD</a:t>
+            </a:r>
+          </a:p>
+        </p:txBody>
+      </p:sp>
+      <p:sp>
+        <p:nvSpPr>
+          <p:cNvPr id="12" name="Arc 11">
+            <a:extLst>
+              <a:ext uri="{FF2B5EF4-FFF2-40B4-BE49-F238E27FC236}">
+                <a16:creationId xmlns:a16="http://schemas.microsoft.com/office/drawing/2014/main" id="{081E4A58-353D-44AE-B2FC-2A74E2E400F7}"/>
+              </a:ext>
+              <a:ext uri="{C183D7F6-B498-43B3-948B-1728B52AA6E4}">
+                <adec:decorative xmlns:adec="http://schemas.microsoft.com/office/drawing/2017/decorative" val="1"/>
+              </a:ext>
+            </a:extLst>
+          </p:cNvPr>
+          <p:cNvSpPr>
+            <a:spLocks noGrp="1" noRot="1" noChangeAspect="1" noMove="1" noResize="1" noEditPoints="1" noAdjustHandles="1" noChangeArrowheads="1" noChangeShapeType="1" noTextEdit="1"/>
+          </p:cNvSpPr>
+          <p:nvPr>
+            <p:extLst>
+              <p:ext uri="{386F3935-93C4-4BCD-93E2-E3B085C9AB24}">
+                <p16:designElem xmlns:p16="http://schemas.microsoft.com/office/powerpoint/2015/main" val="1"/>
+              </p:ext>
+            </p:extLst>
+          </p:nvPr>
+        </p:nvSpPr>
+        <p:spPr>
+          <a:xfrm flipV="1">
+            <a:off x="7550402" y="2455479"/>
+            <a:ext cx="4083433" cy="4083433"/>
+          </a:xfrm>
+          <a:prstGeom prst="arc">
+            <a:avLst/>
+          </a:prstGeom>
+          <a:ln w="127000" cap="rnd">
+            <a:solidFill>
+              <a:schemeClr val="accent4"/>
+            </a:solidFill>
+            <a:prstDash val="dash"/>
+          </a:ln>
+        </p:spPr>
+        <p:style>
+          <a:lnRef idx="1">
+            <a:schemeClr val="accent1"/>
+          </a:lnRef>
+          <a:fillRef idx="0">
+            <a:schemeClr val="accent1"/>
+          </a:fillRef>
+          <a:effectRef idx="0">
+            <a:schemeClr val="accent1"/>
+          </a:effectRef>
+          <a:fontRef idx="minor">
+            <a:schemeClr val="tx1"/>
+          </a:fontRef>
+        </p:style>
+        <p:txBody>
+          <a:bodyPr rtlCol="0" anchor="ctr"/>
+          <a:lstStyle/>
+          <a:p>
+            <a:pPr algn="ctr"/>
+            <a:endParaRPr lang="en-US" dirty="0"/>
+          </a:p>
+        </p:txBody>
+      </p:sp>
+      <p:sp>
+        <p:nvSpPr>
+          <p:cNvPr id="3" name="Content Placeholder 2">
+            <a:extLst>
+              <a:ext uri="{FF2B5EF4-FFF2-40B4-BE49-F238E27FC236}">
+                <a16:creationId xmlns:a16="http://schemas.microsoft.com/office/drawing/2014/main" id="{506ECF03-3832-CE61-45EB-6C148D597A92}"/>
+              </a:ext>
+            </a:extLst>
+          </p:cNvPr>
+          <p:cNvSpPr>
+            <a:spLocks noGrp="1"/>
+          </p:cNvSpPr>
+          <p:nvPr>
+            <p:ph idx="1"/>
+          </p:nvPr>
+        </p:nvSpPr>
+        <p:spPr>
+          <a:xfrm>
+            <a:off x="4447308" y="787400"/>
+            <a:ext cx="6906491" cy="5389563"/>
+          </a:xfrm>
+        </p:spPr>
+        <p:txBody>
+          <a:bodyPr anchor="ctr">
+            <a:normAutofit/>
+          </a:bodyPr>
+          <a:lstStyle/>
+          <a:p>
+            <a:r>
+              <a:rPr lang="en-US" dirty="0"/>
+              <a:t>Build trust of the users</a:t>
+            </a:r>
+          </a:p>
+          <a:p>
+            <a:pPr lvl="1"/>
+            <a:r>
+              <a:rPr lang="en-US" dirty="0"/>
+              <a:t>Reduce the numbers of bugs found by users</a:t>
+            </a:r>
+          </a:p>
+          <a:p>
+            <a:pPr lvl="1"/>
+            <a:r>
+              <a:rPr lang="en-US" dirty="0"/>
+              <a:t>Finding errors sooner by development team</a:t>
+            </a:r>
+          </a:p>
+          <a:p>
+            <a:r>
+              <a:rPr lang="en-US" dirty="0"/>
+              <a:t>Done before writing end user software</a:t>
+            </a:r>
+          </a:p>
+          <a:p>
+            <a:r>
+              <a:rPr lang="en-US" dirty="0"/>
+              <a:t>TDD teams had 40% to 90% fewer defects</a:t>
+            </a:r>
+          </a:p>
+          <a:p>
+            <a:r>
+              <a:rPr lang="en-US" dirty="0"/>
+              <a:t>TDD teams spent 15% to 33% more time writing code</a:t>
+            </a:r>
+          </a:p>
+          <a:p>
+            <a:r>
+              <a:rPr lang="en-US" dirty="0"/>
+              <a:t>Problems</a:t>
+            </a:r>
+          </a:p>
+          <a:p>
+            <a:pPr lvl="1"/>
+            <a:r>
+              <a:rPr lang="en-US" dirty="0"/>
+              <a:t>Focuses on tests and how to create tests</a:t>
+            </a:r>
+          </a:p>
+          <a:p>
+            <a:pPr lvl="1"/>
+            <a:r>
+              <a:rPr lang="en-US" dirty="0"/>
+              <a:t>When focused on code coverage it slows the development processes down</a:t>
+            </a:r>
+          </a:p>
+          <a:p>
+            <a:pPr marL="0" indent="0">
+              <a:buNone/>
+            </a:pPr>
+            <a:endParaRPr lang="en-US" dirty="0"/>
+          </a:p>
+        </p:txBody>
+      </p:sp>
+      <p:sp>
+        <p:nvSpPr>
+          <p:cNvPr id="4" name="TextBox 3">
+            <a:extLst>
+              <a:ext uri="{FF2B5EF4-FFF2-40B4-BE49-F238E27FC236}">
+                <a16:creationId xmlns:a16="http://schemas.microsoft.com/office/drawing/2014/main" id="{E7C2E0A4-BBB9-95DD-623C-2422E8FDA616}"/>
+              </a:ext>
+            </a:extLst>
+          </p:cNvPr>
+          <p:cNvSpPr txBox="1"/>
+          <p:nvPr/>
+        </p:nvSpPr>
+        <p:spPr>
+          <a:xfrm>
+            <a:off x="2674986" y="6531320"/>
+            <a:ext cx="7146828" cy="369332"/>
+          </a:xfrm>
+          <a:prstGeom prst="rect">
+            <a:avLst/>
+          </a:prstGeom>
+          <a:noFill/>
+        </p:spPr>
+        <p:txBody>
+          <a:bodyPr wrap="none" rtlCol="0">
+            <a:spAutoFit/>
+          </a:bodyPr>
+          <a:lstStyle/>
+          <a:p>
+            <a:r>
+              <a:rPr lang="en-US" dirty="0">
+                <a:hlinkClick r:id="rId3"/>
+              </a:rPr>
+              <a:t>https://cucumber.io/blog/bdd/how-to-measure-the-roi-of-bdd-and-tdd </a:t>
+            </a:r>
+            <a:endParaRPr lang="en-US" dirty="0"/>
+          </a:p>
+        </p:txBody>
+      </p:sp>
+    </p:spTree>
+    <p:extLst>
+      <p:ext uri="{BB962C8B-B14F-4D97-AF65-F5344CB8AC3E}">
+        <p14:creationId xmlns:p14="http://schemas.microsoft.com/office/powerpoint/2010/main" val="3707692299"/>
+      </p:ext>
+    </p:extLst>
+  </p:cSld>
+  <p:clrMapOvr>
+    <a:masterClrMapping/>
+  </p:clrMapOvr>
+  <p:timing>
+    <p:tnLst>
+      <p:par>
+        <p:cTn id="1" dur="indefinite" restart="never" nodeType="tmRoot">
+          <p:childTnLst>
+            <p:seq concurrent="1" nextAc="seek">
+              <p:cTn id="2" dur="indefinite" nodeType="mainSeq">
+                <p:childTnLst>
+                  <p:par>
+                    <p:cTn id="3" fill="hold">
+                      <p:stCondLst>
+                        <p:cond delay="indefinite"/>
+                      </p:stCondLst>
+                      <p:childTnLst>
+                        <p:par>
+                          <p:cTn id="4" fill="hold">
+                            <p:stCondLst>
+                              <p:cond delay="0"/>
+                            </p:stCondLst>
+                            <p:childTnLst>
+                              <p:par>
+                                <p:cTn id="5" presetID="2" presetClass="entr" presetSubtype="8" fill="hold" grpId="0" nodeType="clickEffect">
+                                  <p:stCondLst>
+                                    <p:cond delay="0"/>
+                                  </p:stCondLst>
+                                  <p:childTnLst>
+                                    <p:set>
+                                      <p:cBhvr>
+                                        <p:cTn id="6" dur="1" fill="hold">
+                                          <p:stCondLst>
+                                            <p:cond delay="0"/>
+                                          </p:stCondLst>
+                                        </p:cTn>
+                                        <p:tgtEl>
+                                          <p:spTgt spid="10"/>
+                                        </p:tgtEl>
+                                        <p:attrNameLst>
+                                          <p:attrName>style.visibility</p:attrName>
+                                        </p:attrNameLst>
+                                      </p:cBhvr>
+                                      <p:to>
+                                        <p:strVal val="visible"/>
+                                      </p:to>
+                                    </p:set>
+                                    <p:anim calcmode="lin" valueType="num">
+                                      <p:cBhvr additive="base">
+                                        <p:cTn id="7" dur="3500" fill="hold"/>
+                                        <p:tgtEl>
+                                          <p:spTgt spid="10"/>
+                                        </p:tgtEl>
+                                        <p:attrNameLst>
+                                          <p:attrName>ppt_x</p:attrName>
+                                        </p:attrNameLst>
+                                      </p:cBhvr>
+                                      <p:tavLst>
+                                        <p:tav tm="0">
+                                          <p:val>
+                                            <p:strVal val="0-#ppt_w/2"/>
+                                          </p:val>
+                                        </p:tav>
+                                        <p:tav tm="100000">
+                                          <p:val>
+                                            <p:strVal val="#ppt_x"/>
+                                          </p:val>
+                                        </p:tav>
+                                      </p:tavLst>
+                                    </p:anim>
+                                    <p:anim calcmode="lin" valueType="num">
+                                      <p:cBhvr additive="base">
+                                        <p:cTn id="8" dur="3500" fill="hold"/>
+                                        <p:tgtEl>
+                                          <p:spTgt spid="10"/>
+                                        </p:tgtEl>
+                                        <p:attrNameLst>
+                                          <p:attrName>ppt_y</p:attrName>
+                                        </p:attrNameLst>
+                                      </p:cBhvr>
+                                      <p:tavLst>
+                                        <p:tav tm="0">
+                                          <p:val>
+                                            <p:strVal val="#ppt_y"/>
+                                          </p:val>
+                                        </p:tav>
+                                        <p:tav tm="100000">
+                                          <p:val>
+                                            <p:strVal val="#ppt_y"/>
+                                          </p:val>
+                                        </p:tav>
+                                      </p:tavLst>
+                                    </p:anim>
+                                  </p:childTnLst>
+                                </p:cTn>
+                              </p:par>
+                            </p:childTnLst>
+                          </p:cTn>
+                        </p:par>
+                      </p:childTnLst>
+                    </p:cTn>
+                  </p:par>
+                </p:childTnLst>
+              </p:cTn>
+              <p:prevCondLst>
+                <p:cond evt="onPrev" delay="0">
+                  <p:tgtEl>
+                    <p:sldTgt/>
+                  </p:tgtEl>
+                </p:cond>
+              </p:prevCondLst>
+              <p:nextCondLst>
+                <p:cond evt="onNext" delay="0">
+                  <p:tgtEl>
+                    <p:sldTgt/>
+                  </p:tgtEl>
+                </p:cond>
+              </p:nextCondLst>
+            </p:seq>
+          </p:childTnLst>
+        </p:cTn>
+      </p:par>
+    </p:tnLst>
+    <p:bldLst>
+      <p:bldP spid="10" grpId="0" animBg="1"/>
+    </p:bldLst>
+  </p:timing>
+</p:sld>
+</file>
+
+<file path=ppt/slides/slide12.xml><?xml version="1.0" encoding="utf-8"?>
+<p:sld xmlns:a="http://schemas.openxmlformats.org/drawingml/2006/main" xmlns:r="http://schemas.openxmlformats.org/officeDocument/2006/relationships" xmlns:p="http://schemas.openxmlformats.org/presentationml/2006/main">
+  <p:cSld>
+    <p:bg>
+      <p:bgPr>
+        <a:solidFill>
+          <a:schemeClr val="bg1"/>
+        </a:solidFill>
+        <a:effectLst/>
+      </p:bgPr>
+    </p:bg>
+    <p:spTree>
+      <p:nvGrpSpPr>
+        <p:cNvPr id="1" name=""/>
+        <p:cNvGrpSpPr/>
+        <p:nvPr/>
+      </p:nvGrpSpPr>
+      <p:grpSpPr>
+        <a:xfrm>
+          <a:off x="0" y="0"/>
+          <a:ext cx="0" cy="0"/>
+          <a:chOff x="0" y="0"/>
+          <a:chExt cx="0" cy="0"/>
+        </a:xfrm>
+      </p:grpSpPr>
+      <p:sp useBgFill="1">
+        <p:nvSpPr>
+          <p:cNvPr id="8" name="Rectangle 7">
+            <a:extLst>
+              <a:ext uri="{FF2B5EF4-FFF2-40B4-BE49-F238E27FC236}">
+                <a16:creationId xmlns:a16="http://schemas.microsoft.com/office/drawing/2014/main" id="{907EF6B7-1338-4443-8C46-6A318D952DFD}"/>
+              </a:ext>
+              <a:ext uri="{C183D7F6-B498-43B3-948B-1728B52AA6E4}">
+                <adec:decorative xmlns:adec="http://schemas.microsoft.com/office/drawing/2017/decorative" val="1"/>
+              </a:ext>
+            </a:extLst>
+          </p:cNvPr>
+          <p:cNvSpPr>
+            <a:spLocks noGrp="1" noRot="1" noChangeAspect="1" noMove="1" noResize="1" noEditPoints="1" noAdjustHandles="1" noChangeArrowheads="1" noChangeShapeType="1" noTextEdit="1"/>
+          </p:cNvSpPr>
+          <p:nvPr>
+            <p:extLst>
+              <p:ext uri="{386F3935-93C4-4BCD-93E2-E3B085C9AB24}">
+                <p16:designElem xmlns:p16="http://schemas.microsoft.com/office/powerpoint/2015/main" val="1"/>
+              </p:ext>
+            </p:extLst>
+          </p:nvPr>
+        </p:nvSpPr>
+        <p:spPr>
+          <a:xfrm>
+            <a:off x="3048" y="0"/>
+            <a:ext cx="12188952" cy="6858000"/>
+          </a:xfrm>
+          <a:prstGeom prst="rect">
+            <a:avLst/>
+          </a:prstGeom>
+          <a:ln>
+            <a:noFill/>
+          </a:ln>
+        </p:spPr>
+        <p:style>
+          <a:lnRef idx="2">
+            <a:schemeClr val="accent1">
+              <a:shade val="50000"/>
+            </a:schemeClr>
+          </a:lnRef>
+          <a:fillRef idx="1">
+            <a:schemeClr val="accent1"/>
+          </a:fillRef>
+          <a:effectRef idx="0">
+            <a:schemeClr val="accent1"/>
+          </a:effectRef>
+          <a:fontRef idx="minor">
+            <a:schemeClr val="lt1"/>
+          </a:fontRef>
+        </p:style>
+        <p:txBody>
+          <a:bodyPr rtlCol="0" anchor="ctr"/>
+          <a:lstStyle/>
+          <a:p>
+            <a:pPr algn="ctr"/>
+            <a:endParaRPr lang="en-US" dirty="0"/>
+          </a:p>
+        </p:txBody>
+      </p:sp>
+      <p:sp>
+        <p:nvSpPr>
+          <p:cNvPr id="10" name="Freeform: Shape 9">
+            <a:extLst>
+              <a:ext uri="{FF2B5EF4-FFF2-40B4-BE49-F238E27FC236}">
+                <a16:creationId xmlns:a16="http://schemas.microsoft.com/office/drawing/2014/main" id="{DAAE4CDD-124C-4DCF-9584-B6033B545DD5}"/>
+              </a:ext>
+              <a:ext uri="{C183D7F6-B498-43B3-948B-1728B52AA6E4}">
+                <adec:decorative xmlns:adec="http://schemas.microsoft.com/office/drawing/2017/decorative" val="1"/>
+              </a:ext>
+            </a:extLst>
+          </p:cNvPr>
+          <p:cNvSpPr>
+            <a:spLocks noChangeAspect="1"/>
+          </p:cNvSpPr>
+          <p:nvPr>
+            <p:extLst>
+              <p:ext uri="{386F3935-93C4-4BCD-93E2-E3B085C9AB24}">
+                <p16:designElem xmlns:p16="http://schemas.microsoft.com/office/powerpoint/2015/main" val="1"/>
+              </p:ext>
+            </p:extLst>
+          </p:nvPr>
+        </p:nvSpPr>
+        <p:spPr>
+          <a:xfrm>
+            <a:off x="1" y="0"/>
+            <a:ext cx="4167271" cy="6858000"/>
+          </a:xfrm>
+          <a:custGeom>
+            <a:avLst/>
+            <a:gdLst>
+              <a:gd name="connsiteX0" fmla="*/ 0 w 4167271"/>
+              <a:gd name="connsiteY0" fmla="*/ 0 h 6858000"/>
+              <a:gd name="connsiteX1" fmla="*/ 2259550 w 4167271"/>
+              <a:gd name="connsiteY1" fmla="*/ 0 h 6858000"/>
+              <a:gd name="connsiteX2" fmla="*/ 2387803 w 4167271"/>
+              <a:gd name="connsiteY2" fmla="*/ 82222 h 6858000"/>
+              <a:gd name="connsiteX3" fmla="*/ 4167271 w 4167271"/>
+              <a:gd name="connsiteY3" fmla="*/ 3429000 h 6858000"/>
+              <a:gd name="connsiteX4" fmla="*/ 2387803 w 4167271"/>
+              <a:gd name="connsiteY4" fmla="*/ 6775779 h 6858000"/>
+              <a:gd name="connsiteX5" fmla="*/ 2259550 w 4167271"/>
+              <a:gd name="connsiteY5" fmla="*/ 6858000 h 6858000"/>
+              <a:gd name="connsiteX6" fmla="*/ 0 w 4167271"/>
+              <a:gd name="connsiteY6" fmla="*/ 6858000 h 6858000"/>
+            </a:gdLst>
+            <a:ahLst/>
+            <a:cxnLst>
+              <a:cxn ang="0">
+                <a:pos x="connsiteX0" y="connsiteY0"/>
+              </a:cxn>
+              <a:cxn ang="0">
+                <a:pos x="connsiteX1" y="connsiteY1"/>
+              </a:cxn>
+              <a:cxn ang="0">
+                <a:pos x="connsiteX2" y="connsiteY2"/>
+              </a:cxn>
+              <a:cxn ang="0">
+                <a:pos x="connsiteX3" y="connsiteY3"/>
+              </a:cxn>
+              <a:cxn ang="0">
+                <a:pos x="connsiteX4" y="connsiteY4"/>
+              </a:cxn>
+              <a:cxn ang="0">
+                <a:pos x="connsiteX5" y="connsiteY5"/>
+              </a:cxn>
+              <a:cxn ang="0">
+                <a:pos x="connsiteX6" y="connsiteY6"/>
+              </a:cxn>
+            </a:cxnLst>
+            <a:rect l="l" t="t" r="r" b="b"/>
+            <a:pathLst>
+              <a:path w="4167271" h="6858000">
+                <a:moveTo>
+                  <a:pt x="0" y="0"/>
+                </a:moveTo>
+                <a:lnTo>
+                  <a:pt x="2259550" y="0"/>
+                </a:lnTo>
+                <a:lnTo>
+                  <a:pt x="2387803" y="82222"/>
+                </a:lnTo>
+                <a:cubicBezTo>
+                  <a:pt x="3461407" y="807534"/>
+                  <a:pt x="4167271" y="2035835"/>
+                  <a:pt x="4167271" y="3429000"/>
+                </a:cubicBezTo>
+                <a:cubicBezTo>
+                  <a:pt x="4167271" y="4822165"/>
+                  <a:pt x="3461407" y="6050467"/>
+                  <a:pt x="2387803" y="6775779"/>
+                </a:cubicBezTo>
+                <a:lnTo>
+                  <a:pt x="2259550" y="6858000"/>
+                </a:lnTo>
+                <a:lnTo>
+                  <a:pt x="0" y="6858000"/>
+                </a:lnTo>
+                <a:close/>
+              </a:path>
+            </a:pathLst>
+          </a:custGeom>
+          <a:gradFill flip="none" rotWithShape="1">
+            <a:gsLst>
+              <a:gs pos="0">
+                <a:schemeClr val="accent2">
+                  <a:lumMod val="67000"/>
+                </a:schemeClr>
+              </a:gs>
+              <a:gs pos="48000">
+                <a:schemeClr val="accent2">
+                  <a:lumMod val="97000"/>
+                  <a:lumOff val="3000"/>
+                </a:schemeClr>
+              </a:gs>
+              <a:gs pos="100000">
+                <a:schemeClr val="accent2">
+                  <a:lumMod val="60000"/>
+                  <a:lumOff val="40000"/>
+                </a:schemeClr>
+              </a:gs>
+            </a:gsLst>
+            <a:lin ang="16200000" scaled="1"/>
+            <a:tileRect/>
+          </a:gradFill>
+          <a:ln>
+            <a:noFill/>
+          </a:ln>
+        </p:spPr>
+        <p:style>
+          <a:lnRef idx="0">
+            <a:scrgbClr r="0" g="0" b="0"/>
+          </a:lnRef>
+          <a:fillRef idx="0">
+            <a:scrgbClr r="0" g="0" b="0"/>
+          </a:fillRef>
+          <a:effectRef idx="0">
+            <a:scrgbClr r="0" g="0" b="0"/>
+          </a:effectRef>
+          <a:fontRef idx="minor">
+            <a:schemeClr val="lt1"/>
+          </a:fontRef>
+        </p:style>
+        <p:txBody>
+          <a:bodyPr rtlCol="0" anchor="ctr"/>
+          <a:lstStyle/>
+          <a:p>
+            <a:pPr algn="ctr"/>
+            <a:endParaRPr lang="en-US" dirty="0"/>
+          </a:p>
+        </p:txBody>
+      </p:sp>
+      <p:sp>
+        <p:nvSpPr>
+          <p:cNvPr id="2" name="Title 1">
+            <a:extLst>
+              <a:ext uri="{FF2B5EF4-FFF2-40B4-BE49-F238E27FC236}">
+                <a16:creationId xmlns:a16="http://schemas.microsoft.com/office/drawing/2014/main" id="{604CD088-9924-FDF8-32EA-64AD14C5DE41}"/>
+              </a:ext>
+            </a:extLst>
+          </p:cNvPr>
+          <p:cNvSpPr>
+            <a:spLocks noGrp="1"/>
+          </p:cNvSpPr>
+          <p:nvPr>
+            <p:ph type="title"/>
+          </p:nvPr>
+        </p:nvSpPr>
+        <p:spPr>
+          <a:xfrm>
+            <a:off x="686834" y="1153572"/>
+            <a:ext cx="3200400" cy="4461163"/>
+          </a:xfrm>
+        </p:spPr>
+        <p:txBody>
+          <a:bodyPr>
+            <a:normAutofit/>
+          </a:bodyPr>
+          <a:lstStyle/>
+          <a:p>
+            <a:r>
+              <a:rPr lang="en-US" dirty="0">
+                <a:solidFill>
+                  <a:srgbClr val="FFFFFF"/>
+                </a:solidFill>
+              </a:rPr>
+              <a:t>BDD</a:t>
+            </a:r>
+          </a:p>
+        </p:txBody>
+      </p:sp>
+      <p:sp>
+        <p:nvSpPr>
+          <p:cNvPr id="12" name="Arc 11">
+            <a:extLst>
+              <a:ext uri="{FF2B5EF4-FFF2-40B4-BE49-F238E27FC236}">
+                <a16:creationId xmlns:a16="http://schemas.microsoft.com/office/drawing/2014/main" id="{081E4A58-353D-44AE-B2FC-2A74E2E400F7}"/>
+              </a:ext>
+              <a:ext uri="{C183D7F6-B498-43B3-948B-1728B52AA6E4}">
+                <adec:decorative xmlns:adec="http://schemas.microsoft.com/office/drawing/2017/decorative" val="1"/>
+              </a:ext>
+            </a:extLst>
+          </p:cNvPr>
+          <p:cNvSpPr>
+            <a:spLocks noGrp="1" noRot="1" noChangeAspect="1" noMove="1" noResize="1" noEditPoints="1" noAdjustHandles="1" noChangeArrowheads="1" noChangeShapeType="1" noTextEdit="1"/>
+          </p:cNvSpPr>
+          <p:nvPr>
+            <p:extLst>
+              <p:ext uri="{386F3935-93C4-4BCD-93E2-E3B085C9AB24}">
+                <p16:designElem xmlns:p16="http://schemas.microsoft.com/office/powerpoint/2015/main" val="1"/>
+              </p:ext>
+            </p:extLst>
+          </p:nvPr>
+        </p:nvSpPr>
+        <p:spPr>
+          <a:xfrm flipV="1">
+            <a:off x="7550402" y="2455479"/>
+            <a:ext cx="4083433" cy="4083433"/>
+          </a:xfrm>
+          <a:prstGeom prst="arc">
+            <a:avLst/>
+          </a:prstGeom>
+          <a:ln w="127000" cap="rnd">
+            <a:solidFill>
+              <a:schemeClr val="accent4"/>
+            </a:solidFill>
+            <a:prstDash val="dash"/>
+          </a:ln>
+        </p:spPr>
+        <p:style>
+          <a:lnRef idx="1">
+            <a:schemeClr val="accent1"/>
+          </a:lnRef>
+          <a:fillRef idx="0">
+            <a:schemeClr val="accent1"/>
+          </a:fillRef>
+          <a:effectRef idx="0">
+            <a:schemeClr val="accent1"/>
+          </a:effectRef>
+          <a:fontRef idx="minor">
+            <a:schemeClr val="tx1"/>
+          </a:fontRef>
+        </p:style>
+        <p:txBody>
+          <a:bodyPr rtlCol="0" anchor="ctr"/>
+          <a:lstStyle/>
+          <a:p>
+            <a:pPr algn="ctr"/>
+            <a:endParaRPr lang="en-US" dirty="0"/>
+          </a:p>
+        </p:txBody>
+      </p:sp>
+      <p:sp>
+        <p:nvSpPr>
+          <p:cNvPr id="3" name="Content Placeholder 2">
+            <a:extLst>
+              <a:ext uri="{FF2B5EF4-FFF2-40B4-BE49-F238E27FC236}">
+                <a16:creationId xmlns:a16="http://schemas.microsoft.com/office/drawing/2014/main" id="{506ECF03-3832-CE61-45EB-6C148D597A92}"/>
+              </a:ext>
+            </a:extLst>
+          </p:cNvPr>
+          <p:cNvSpPr>
+            <a:spLocks noGrp="1"/>
+          </p:cNvSpPr>
+          <p:nvPr>
+            <p:ph idx="1"/>
+          </p:nvPr>
+        </p:nvSpPr>
+        <p:spPr>
+          <a:xfrm>
+            <a:off x="4447308" y="787400"/>
+            <a:ext cx="6906491" cy="5389563"/>
+          </a:xfrm>
+        </p:spPr>
+        <p:txBody>
+          <a:bodyPr anchor="ctr">
+            <a:normAutofit/>
+          </a:bodyPr>
+          <a:lstStyle/>
+          <a:p>
+            <a:r>
+              <a:rPr lang="en-US" dirty="0"/>
+              <a:t>Tries to do TDD, but better</a:t>
+            </a:r>
+          </a:p>
+          <a:p>
+            <a:pPr lvl="1"/>
+            <a:r>
+              <a:rPr lang="en-US" dirty="0"/>
+              <a:t>Not TDD’s fault</a:t>
+            </a:r>
+          </a:p>
+          <a:p>
+            <a:pPr lvl="1"/>
+            <a:r>
+              <a:rPr lang="en-US" dirty="0"/>
+              <a:t>Avoid misunderstandings of adopting TDD</a:t>
+            </a:r>
+          </a:p>
+          <a:p>
+            <a:pPr lvl="1"/>
+            <a:r>
+              <a:rPr lang="en-US" dirty="0"/>
+              <a:t>Move focus to behaviors instead of tests</a:t>
+            </a:r>
+          </a:p>
+          <a:p>
+            <a:pPr lvl="1"/>
+            <a:r>
+              <a:rPr lang="en-US" dirty="0"/>
+              <a:t>Avoid complex slow and tightly coupled tests</a:t>
+            </a:r>
+          </a:p>
+          <a:p>
+            <a:pPr lvl="1"/>
+            <a:r>
+              <a:rPr lang="en-US" dirty="0"/>
+              <a:t>Start from end user perspective</a:t>
+            </a:r>
+          </a:p>
+          <a:p>
+            <a:pPr lvl="1"/>
+            <a:r>
+              <a:rPr lang="en-US" dirty="0"/>
+              <a:t>Get business and technical teams on the same page</a:t>
+            </a:r>
+          </a:p>
+          <a:p>
+            <a:pPr lvl="2"/>
+            <a:r>
+              <a:rPr lang="en-US"/>
+              <a:t>Three Amigos</a:t>
+            </a:r>
+            <a:endParaRPr lang="en-US" dirty="0"/>
+          </a:p>
+        </p:txBody>
+      </p:sp>
+    </p:spTree>
+    <p:extLst>
+      <p:ext uri="{BB962C8B-B14F-4D97-AF65-F5344CB8AC3E}">
+        <p14:creationId xmlns:p14="http://schemas.microsoft.com/office/powerpoint/2010/main" val="828508002"/>
+      </p:ext>
+    </p:extLst>
+  </p:cSld>
+  <p:clrMapOvr>
+    <a:masterClrMapping/>
+  </p:clrMapOvr>
+  <p:timing>
+    <p:tnLst>
+      <p:par>
+        <p:cTn id="1" dur="indefinite" restart="never" nodeType="tmRoot">
+          <p:childTnLst>
+            <p:seq concurrent="1" nextAc="seek">
+              <p:cTn id="2" dur="indefinite" nodeType="mainSeq">
+                <p:childTnLst>
+                  <p:par>
+                    <p:cTn id="3" fill="hold">
+                      <p:stCondLst>
+                        <p:cond delay="indefinite"/>
+                      </p:stCondLst>
+                      <p:childTnLst>
+                        <p:par>
+                          <p:cTn id="4" fill="hold">
+                            <p:stCondLst>
+                              <p:cond delay="0"/>
+                            </p:stCondLst>
+                            <p:childTnLst>
+                              <p:par>
+                                <p:cTn id="5" presetID="2" presetClass="entr" presetSubtype="8" fill="hold" grpId="0" nodeType="clickEffect">
+                                  <p:stCondLst>
+                                    <p:cond delay="0"/>
+                                  </p:stCondLst>
+                                  <p:childTnLst>
+                                    <p:set>
+                                      <p:cBhvr>
+                                        <p:cTn id="6" dur="1" fill="hold">
+                                          <p:stCondLst>
+                                            <p:cond delay="0"/>
+                                          </p:stCondLst>
+                                        </p:cTn>
+                                        <p:tgtEl>
+                                          <p:spTgt spid="10"/>
+                                        </p:tgtEl>
+                                        <p:attrNameLst>
+                                          <p:attrName>style.visibility</p:attrName>
+                                        </p:attrNameLst>
+                                      </p:cBhvr>
+                                      <p:to>
+                                        <p:strVal val="visible"/>
+                                      </p:to>
+                                    </p:set>
+                                    <p:anim calcmode="lin" valueType="num">
+                                      <p:cBhvr additive="base">
+                                        <p:cTn id="7" dur="3500" fill="hold"/>
+                                        <p:tgtEl>
+                                          <p:spTgt spid="10"/>
+                                        </p:tgtEl>
+                                        <p:attrNameLst>
+                                          <p:attrName>ppt_x</p:attrName>
+                                        </p:attrNameLst>
+                                      </p:cBhvr>
+                                      <p:tavLst>
+                                        <p:tav tm="0">
+                                          <p:val>
+                                            <p:strVal val="0-#ppt_w/2"/>
+                                          </p:val>
+                                        </p:tav>
+                                        <p:tav tm="100000">
+                                          <p:val>
+                                            <p:strVal val="#ppt_x"/>
+                                          </p:val>
+                                        </p:tav>
+                                      </p:tavLst>
+                                    </p:anim>
+                                    <p:anim calcmode="lin" valueType="num">
+                                      <p:cBhvr additive="base">
+                                        <p:cTn id="8" dur="3500" fill="hold"/>
+                                        <p:tgtEl>
+                                          <p:spTgt spid="10"/>
+                                        </p:tgtEl>
+                                        <p:attrNameLst>
+                                          <p:attrName>ppt_y</p:attrName>
+                                        </p:attrNameLst>
+                                      </p:cBhvr>
+                                      <p:tavLst>
+                                        <p:tav tm="0">
+                                          <p:val>
+                                            <p:strVal val="#ppt_y"/>
+                                          </p:val>
+                                        </p:tav>
+                                        <p:tav tm="100000">
+                                          <p:val>
+                                            <p:strVal val="#ppt_y"/>
+                                          </p:val>
+                                        </p:tav>
+                                      </p:tavLst>
+                                    </p:anim>
+                                  </p:childTnLst>
+                                </p:cTn>
+                              </p:par>
+                            </p:childTnLst>
+                          </p:cTn>
+                        </p:par>
+                      </p:childTnLst>
+                    </p:cTn>
+                  </p:par>
+                </p:childTnLst>
+              </p:cTn>
+              <p:prevCondLst>
+                <p:cond evt="onPrev" delay="0">
+                  <p:tgtEl>
+                    <p:sldTgt/>
+                  </p:tgtEl>
+                </p:cond>
+              </p:prevCondLst>
+              <p:nextCondLst>
+                <p:cond evt="onNext" delay="0">
+                  <p:tgtEl>
+                    <p:sldTgt/>
+                  </p:tgtEl>
+                </p:cond>
+              </p:nextCondLst>
+            </p:seq>
+          </p:childTnLst>
+        </p:cTn>
+      </p:par>
+    </p:tnLst>
+    <p:bldLst>
+      <p:bldP spid="10" grpId="0" animBg="1"/>
+    </p:bldLst>
+  </p:timing>
+</p:sld>
+</file>
+
+<file path=ppt/slides/slide13.xml><?xml version="1.0" encoding="utf-8"?>
+<p:sld xmlns:a="http://schemas.openxmlformats.org/drawingml/2006/main" xmlns:r="http://schemas.openxmlformats.org/officeDocument/2006/relationships" xmlns:p="http://schemas.openxmlformats.org/presentationml/2006/main">
+  <p:cSld>
+    <p:bg>
+      <p:bgPr>
+        <a:solidFill>
+          <a:schemeClr val="bg1"/>
+        </a:solidFill>
+        <a:effectLst/>
+      </p:bgPr>
+    </p:bg>
+    <p:spTree>
+      <p:nvGrpSpPr>
+        <p:cNvPr id="1" name=""/>
+        <p:cNvGrpSpPr/>
+        <p:nvPr/>
+      </p:nvGrpSpPr>
+      <p:grpSpPr>
+        <a:xfrm>
+          <a:off x="0" y="0"/>
+          <a:ext cx="0" cy="0"/>
+          <a:chOff x="0" y="0"/>
+          <a:chExt cx="0" cy="0"/>
+        </a:xfrm>
+      </p:grpSpPr>
+      <p:sp useBgFill="1">
+        <p:nvSpPr>
+          <p:cNvPr id="8" name="Rectangle 7">
+            <a:extLst>
+              <a:ext uri="{FF2B5EF4-FFF2-40B4-BE49-F238E27FC236}">
+                <a16:creationId xmlns:a16="http://schemas.microsoft.com/office/drawing/2014/main" id="{DAF1966E-FD40-4A4A-B61B-C4DF7FA05F06}"/>
+              </a:ext>
+              <a:ext uri="{C183D7F6-B498-43B3-948B-1728B52AA6E4}">
+                <adec:decorative xmlns:adec="http://schemas.microsoft.com/office/drawing/2017/decorative" val="1"/>
+              </a:ext>
+            </a:extLst>
+          </p:cNvPr>
+          <p:cNvSpPr>
+            <a:spLocks noGrp="1" noRot="1" noChangeAspect="1" noMove="1" noResize="1" noEditPoints="1" noAdjustHandles="1" noChangeArrowheads="1" noChangeShapeType="1" noTextEdit="1"/>
+          </p:cNvSpPr>
+          <p:nvPr>
+            <p:extLst>
+              <p:ext uri="{386F3935-93C4-4BCD-93E2-E3B085C9AB24}">
+                <p16:designElem xmlns:p16="http://schemas.microsoft.com/office/powerpoint/2015/main" val="1"/>
+              </p:ext>
+            </p:extLst>
+          </p:nvPr>
+        </p:nvSpPr>
+        <p:spPr>
+          <a:xfrm>
+            <a:off x="0" y="0"/>
+            <a:ext cx="12192000" cy="6858000"/>
+          </a:xfrm>
+          <a:prstGeom prst="rect">
+            <a:avLst/>
+          </a:prstGeom>
+          <a:ln>
+            <a:noFill/>
+          </a:ln>
+        </p:spPr>
+        <p:style>
+          <a:lnRef idx="2">
+            <a:schemeClr val="accent1">
+              <a:shade val="50000"/>
+            </a:schemeClr>
+          </a:lnRef>
+          <a:fillRef idx="1">
+            <a:schemeClr val="accent1"/>
+          </a:fillRef>
+          <a:effectRef idx="0">
+            <a:schemeClr val="accent1"/>
+          </a:effectRef>
+          <a:fontRef idx="minor">
+            <a:schemeClr val="lt1"/>
+          </a:fontRef>
+        </p:style>
+        <p:txBody>
+          <a:bodyPr rtlCol="0" anchor="ctr"/>
+          <a:lstStyle/>
+          <a:p>
+            <a:pPr algn="ctr"/>
+            <a:endParaRPr lang="en-US" dirty="0"/>
+          </a:p>
+        </p:txBody>
+      </p:sp>
+      <p:sp useBgFill="1">
+        <p:nvSpPr>
+          <p:cNvPr id="10" name="Rectangle 9">
+            <a:extLst>
+              <a:ext uri="{FF2B5EF4-FFF2-40B4-BE49-F238E27FC236}">
+                <a16:creationId xmlns:a16="http://schemas.microsoft.com/office/drawing/2014/main" id="{047BFA19-D45E-416B-A404-7AF2F3F27017}"/>
+              </a:ext>
+              <a:ext uri="{C183D7F6-B498-43B3-948B-1728B52AA6E4}">
+                <adec:decorative xmlns:adec="http://schemas.microsoft.com/office/drawing/2017/decorative" val="1"/>
+              </a:ext>
+            </a:extLst>
+          </p:cNvPr>
+          <p:cNvSpPr>
+            <a:spLocks noGrp="1" noRot="1" noChangeAspect="1" noMove="1" noResize="1" noEditPoints="1" noAdjustHandles="1" noChangeArrowheads="1" noChangeShapeType="1" noTextEdit="1"/>
+          </p:cNvSpPr>
+          <p:nvPr>
+            <p:extLst>
+              <p:ext uri="{386F3935-93C4-4BCD-93E2-E3B085C9AB24}">
+                <p16:designElem xmlns:p16="http://schemas.microsoft.com/office/powerpoint/2015/main" val="1"/>
+              </p:ext>
+            </p:extLst>
+          </p:nvPr>
+        </p:nvSpPr>
+        <p:spPr>
+          <a:xfrm>
+            <a:off x="558209" y="0"/>
+            <a:ext cx="11167447" cy="2018806"/>
+          </a:xfrm>
+          <a:prstGeom prst="rect">
+            <a:avLst/>
+          </a:prstGeom>
+          <a:ln w="9525">
+            <a:solidFill>
+              <a:srgbClr val="E1E1E1"/>
+            </a:solidFill>
+          </a:ln>
+          <a:effectLst>
+            <a:outerShdw blurRad="50800" dist="38100" dir="2700000" algn="tl" rotWithShape="0">
+              <a:schemeClr val="bg1">
+                <a:lumMod val="85000"/>
+                <a:alpha val="50000"/>
+              </a:schemeClr>
+            </a:outerShdw>
+          </a:effectLst>
+        </p:spPr>
+        <p:style>
+          <a:lnRef idx="2">
+            <a:schemeClr val="accent1">
+              <a:shade val="50000"/>
+            </a:schemeClr>
+          </a:lnRef>
+          <a:fillRef idx="1">
+            <a:schemeClr val="accent1"/>
+          </a:fillRef>
+          <a:effectRef idx="0">
+            <a:schemeClr val="accent1"/>
+          </a:effectRef>
+          <a:fontRef idx="minor">
+            <a:schemeClr val="lt1"/>
+          </a:fontRef>
+        </p:style>
+        <p:txBody>
+          <a:bodyPr rtlCol="0" anchor="ctr"/>
+          <a:lstStyle/>
+          <a:p>
+            <a:pPr marL="0" marR="0" lvl="0" indent="0" algn="ctr" defTabSz="914400" rtl="0" eaLnBrk="1" fontAlgn="auto" latinLnBrk="0" hangingPunct="1">
+              <a:lnSpc>
+                <a:spcPct val="100000"/>
+              </a:lnSpc>
+              <a:spcBef>
+                <a:spcPts val="0"/>
+              </a:spcBef>
+              <a:spcAft>
+                <a:spcPts val="0"/>
+              </a:spcAft>
+              <a:buClrTx/>
+              <a:buSzTx/>
+              <a:buFontTx/>
+              <a:buNone/>
+              <a:tabLst/>
+              <a:defRPr/>
+            </a:pPr>
+            <a:endParaRPr kumimoji="0" lang="en-US" sz="1800" b="0" i="0" u="none" strike="noStrike" kern="1200" cap="none" spc="0" normalizeH="0" baseline="0" noProof="0" dirty="0">
+              <a:ln>
+                <a:noFill/>
+              </a:ln>
+              <a:solidFill>
+                <a:prstClr val="white"/>
+              </a:solidFill>
+              <a:effectLst/>
+              <a:uLnTx/>
+              <a:uFillTx/>
+              <a:latin typeface="Calibri" panose="020F0502020204030204"/>
+              <a:ea typeface="+mn-ea"/>
+              <a:cs typeface="+mn-cs"/>
+            </a:endParaRPr>
+          </a:p>
+        </p:txBody>
+      </p:sp>
+      <p:sp useBgFill="1">
+        <p:nvSpPr>
+          <p:cNvPr id="12" name="Rectangle 11">
+            <a:extLst>
+              <a:ext uri="{FF2B5EF4-FFF2-40B4-BE49-F238E27FC236}">
+                <a16:creationId xmlns:a16="http://schemas.microsoft.com/office/drawing/2014/main" id="{8E0105E7-23DB-4CF2-8258-FF47C7620F6E}"/>
+              </a:ext>
+              <a:ext uri="{C183D7F6-B498-43B3-948B-1728B52AA6E4}">
+                <adec:decorative xmlns:adec="http://schemas.microsoft.com/office/drawing/2017/decorative" val="1"/>
+              </a:ext>
+            </a:extLst>
+          </p:cNvPr>
+          <p:cNvSpPr>
+            <a:spLocks noGrp="1" noRot="1" noChangeAspect="1" noMove="1" noResize="1" noEditPoints="1" noAdjustHandles="1" noChangeArrowheads="1" noChangeShapeType="1" noTextEdit="1"/>
+          </p:cNvSpPr>
+          <p:nvPr>
+            <p:extLst>
+              <p:ext uri="{386F3935-93C4-4BCD-93E2-E3B085C9AB24}">
+                <p16:designElem xmlns:p16="http://schemas.microsoft.com/office/powerpoint/2015/main" val="1"/>
+              </p:ext>
+            </p:extLst>
+          </p:nvPr>
+        </p:nvSpPr>
+        <p:spPr>
+          <a:xfrm>
+            <a:off x="566928" y="0"/>
+            <a:ext cx="11155680" cy="2011680"/>
+          </a:xfrm>
+          <a:prstGeom prst="rect">
+            <a:avLst/>
+          </a:prstGeom>
+          <a:ln w="9525">
+            <a:noFill/>
+          </a:ln>
+          <a:effectLst/>
+        </p:spPr>
+        <p:style>
+          <a:lnRef idx="2">
+            <a:schemeClr val="accent1">
+              <a:shade val="50000"/>
+            </a:schemeClr>
+          </a:lnRef>
+          <a:fillRef idx="1">
+            <a:schemeClr val="accent1"/>
+          </a:fillRef>
+          <a:effectRef idx="0">
+            <a:schemeClr val="accent1"/>
+          </a:effectRef>
+          <a:fontRef idx="minor">
+            <a:schemeClr val="lt1"/>
+          </a:fontRef>
+        </p:style>
+        <p:txBody>
+          <a:bodyPr rtlCol="0" anchor="ctr"/>
+          <a:lstStyle/>
+          <a:p>
+            <a:pPr marL="0" marR="0" lvl="0" indent="0" algn="ctr" defTabSz="914400" rtl="0" eaLnBrk="1" fontAlgn="auto" latinLnBrk="0" hangingPunct="1">
+              <a:lnSpc>
+                <a:spcPct val="100000"/>
+              </a:lnSpc>
+              <a:spcBef>
+                <a:spcPts val="0"/>
+              </a:spcBef>
+              <a:spcAft>
+                <a:spcPts val="0"/>
+              </a:spcAft>
+              <a:buClrTx/>
+              <a:buSzTx/>
+              <a:buFontTx/>
+              <a:buNone/>
+              <a:tabLst/>
+              <a:defRPr/>
+            </a:pPr>
+            <a:endParaRPr kumimoji="0" lang="en-US" sz="1800" b="0" i="0" u="none" strike="noStrike" kern="1200" cap="none" spc="0" normalizeH="0" baseline="0" noProof="0" dirty="0">
+              <a:ln>
+                <a:noFill/>
+              </a:ln>
+              <a:solidFill>
+                <a:prstClr val="white"/>
+              </a:solidFill>
+              <a:effectLst/>
+              <a:uLnTx/>
+              <a:uFillTx/>
+              <a:latin typeface="Calibri" panose="020F0502020204030204"/>
+              <a:ea typeface="+mn-ea"/>
+              <a:cs typeface="+mn-cs"/>
+            </a:endParaRPr>
+          </a:p>
+        </p:txBody>
+      </p:sp>
+      <p:sp>
+        <p:nvSpPr>
+          <p:cNvPr id="2" name="Title 1">
+            <a:extLst>
+              <a:ext uri="{FF2B5EF4-FFF2-40B4-BE49-F238E27FC236}">
+                <a16:creationId xmlns:a16="http://schemas.microsoft.com/office/drawing/2014/main" id="{82CF4B60-062A-25CD-E448-6C8255EEF9CC}"/>
+              </a:ext>
+            </a:extLst>
+          </p:cNvPr>
+          <p:cNvSpPr>
+            <a:spLocks noGrp="1"/>
+          </p:cNvSpPr>
+          <p:nvPr>
+            <p:ph type="title"/>
+          </p:nvPr>
+        </p:nvSpPr>
+        <p:spPr>
+          <a:xfrm>
+            <a:off x="1115568" y="548640"/>
+            <a:ext cx="10168128" cy="1252266"/>
+          </a:xfrm>
+        </p:spPr>
+        <p:txBody>
+          <a:bodyPr>
+            <a:normAutofit/>
+          </a:bodyPr>
+          <a:lstStyle/>
+          <a:p>
+            <a:r>
+              <a:rPr lang="en-US" sz="4000" dirty="0"/>
+              <a:t>Office Space</a:t>
+            </a:r>
+          </a:p>
+        </p:txBody>
+      </p:sp>
+      <p:sp>
+        <p:nvSpPr>
+          <p:cNvPr id="14" name="Rectangle 13">
+            <a:extLst>
+              <a:ext uri="{FF2B5EF4-FFF2-40B4-BE49-F238E27FC236}">
+                <a16:creationId xmlns:a16="http://schemas.microsoft.com/office/drawing/2014/main" id="{074B4F7D-14B2-478B-8BF5-01E4E0C5D263}"/>
+              </a:ext>
+              <a:ext uri="{C183D7F6-B498-43B3-948B-1728B52AA6E4}">
+                <adec:decorative xmlns:adec="http://schemas.microsoft.com/office/drawing/2017/decorative" val="1"/>
+              </a:ext>
+            </a:extLst>
+          </p:cNvPr>
+          <p:cNvSpPr>
+            <a:spLocks noGrp="1" noRot="1" noChangeAspect="1" noMove="1" noResize="1" noEditPoints="1" noAdjustHandles="1" noChangeArrowheads="1" noChangeShapeType="1" noTextEdit="1"/>
+          </p:cNvSpPr>
+          <p:nvPr>
+            <p:extLst>
+              <p:ext uri="{386F3935-93C4-4BCD-93E2-E3B085C9AB24}">
+                <p16:designElem xmlns:p16="http://schemas.microsoft.com/office/powerpoint/2015/main" val="1"/>
+              </p:ext>
+            </p:extLst>
+          </p:nvPr>
+        </p:nvSpPr>
+        <p:spPr>
+          <a:xfrm>
+            <a:off x="498834" y="758952"/>
+            <a:ext cx="128016" cy="704088"/>
+          </a:xfrm>
+          <a:prstGeom prst="rect">
+            <a:avLst/>
+          </a:prstGeom>
+          <a:solidFill>
+            <a:schemeClr val="accent2"/>
+          </a:solidFill>
+          <a:ln>
+            <a:noFill/>
+          </a:ln>
+        </p:spPr>
+        <p:style>
+          <a:lnRef idx="2">
+            <a:schemeClr val="accent1">
+              <a:shade val="50000"/>
+            </a:schemeClr>
+          </a:lnRef>
+          <a:fillRef idx="1">
+            <a:schemeClr val="accent1"/>
+          </a:fillRef>
+          <a:effectRef idx="0">
+            <a:schemeClr val="accent1"/>
+          </a:effectRef>
+          <a:fontRef idx="minor">
+            <a:schemeClr val="lt1"/>
+          </a:fontRef>
+        </p:style>
+        <p:txBody>
+          <a:bodyPr rtlCol="0" anchor="ctr"/>
+          <a:lstStyle/>
+          <a:p>
+            <a:pPr algn="ctr"/>
+            <a:endParaRPr lang="en-US" dirty="0">
+              <a:solidFill>
+                <a:prstClr val="white"/>
+              </a:solidFill>
+              <a:latin typeface="Calibri" panose="020F0502020204030204"/>
+            </a:endParaRPr>
+          </a:p>
+        </p:txBody>
+      </p:sp>
+      <p:sp>
+        <p:nvSpPr>
+          <p:cNvPr id="3" name="Content Placeholder 2">
+            <a:extLst>
+              <a:ext uri="{FF2B5EF4-FFF2-40B4-BE49-F238E27FC236}">
+                <a16:creationId xmlns:a16="http://schemas.microsoft.com/office/drawing/2014/main" id="{E43BD06B-906D-5C9C-E517-52B27F705E94}"/>
+              </a:ext>
+            </a:extLst>
+          </p:cNvPr>
+          <p:cNvSpPr>
+            <a:spLocks noGrp="1"/>
+          </p:cNvSpPr>
+          <p:nvPr>
+            <p:ph idx="1"/>
+          </p:nvPr>
+        </p:nvSpPr>
+        <p:spPr>
+          <a:xfrm>
+            <a:off x="1115568" y="2481943"/>
+            <a:ext cx="10168128" cy="3695020"/>
+          </a:xfrm>
+        </p:spPr>
+        <p:txBody>
+          <a:bodyPr>
+            <a:normAutofit/>
+          </a:bodyPr>
+          <a:lstStyle/>
+          <a:p>
+            <a:pPr marL="457200" indent="-457200">
+              <a:buFont typeface="+mj-lt"/>
+              <a:buAutoNum type="arabicPeriod"/>
+            </a:pPr>
+            <a:endParaRPr lang="en-US" sz="2200" dirty="0"/>
+          </a:p>
+          <a:p>
+            <a:pPr marL="457200" indent="-457200">
+              <a:buFont typeface="+mj-lt"/>
+              <a:buAutoNum type="arabicPeriod"/>
+            </a:pPr>
+            <a:endParaRPr lang="en-US" sz="2200" dirty="0"/>
+          </a:p>
+          <a:p>
+            <a:pPr marL="457200" indent="-457200">
+              <a:buFont typeface="+mj-lt"/>
+              <a:buAutoNum type="arabicPeriod"/>
+            </a:pPr>
+            <a:endParaRPr lang="en-US" sz="2200" dirty="0"/>
+          </a:p>
+        </p:txBody>
+      </p:sp>
+      <p:pic>
+        <p:nvPicPr>
+          <p:cNvPr id="6" name="Picture 5">
+            <a:extLst>
+              <a:ext uri="{FF2B5EF4-FFF2-40B4-BE49-F238E27FC236}">
+                <a16:creationId xmlns:a16="http://schemas.microsoft.com/office/drawing/2014/main" id="{6B466854-812D-E478-AD6C-8C7B4941D51F}"/>
+              </a:ext>
+            </a:extLst>
+          </p:cNvPr>
+          <p:cNvPicPr>
+            <a:picLocks noChangeAspect="1"/>
+          </p:cNvPicPr>
+          <p:nvPr/>
+        </p:nvPicPr>
+        <p:blipFill>
+          <a:blip r:embed="rId3"/>
+          <a:stretch>
+            <a:fillRect/>
+          </a:stretch>
+        </p:blipFill>
+        <p:spPr>
+          <a:xfrm>
+            <a:off x="1858107" y="2154304"/>
+            <a:ext cx="8475785" cy="4591050"/>
+          </a:xfrm>
+          <a:prstGeom prst="rect">
+            <a:avLst/>
+          </a:prstGeom>
+        </p:spPr>
+      </p:pic>
+    </p:spTree>
+    <p:extLst>
+      <p:ext uri="{BB962C8B-B14F-4D97-AF65-F5344CB8AC3E}">
+        <p14:creationId xmlns:p14="http://schemas.microsoft.com/office/powerpoint/2010/main" val="2258248356"/>
+      </p:ext>
+    </p:extLst>
+  </p:cSld>
+  <p:clrMapOvr>
+    <a:masterClrMapping/>
+  </p:clrMapOvr>
+  <p:timing>
+    <p:tnLst>
+      <p:par>
+        <p:cTn id="1" dur="indefinite" restart="never" nodeType="tmRoot">
+          <p:childTnLst>
+            <p:seq concurrent="1" nextAc="seek">
+              <p:cTn id="2" dur="indefinite" nodeType="mainSeq">
+                <p:childTnLst>
+                  <p:par>
+                    <p:cTn id="3" fill="hold">
+                      <p:stCondLst>
+                        <p:cond delay="indefinite"/>
+                      </p:stCondLst>
+                      <p:childTnLst>
+                        <p:par>
+                          <p:cTn id="4" fill="hold">
+                            <p:stCondLst>
+                              <p:cond delay="0"/>
+                            </p:stCondLst>
+                            <p:childTnLst>
+                              <p:par>
+                                <p:cTn id="5" presetID="8" presetClass="emph" presetSubtype="0" fill="hold" grpId="0" nodeType="clickEffect">
+                                  <p:stCondLst>
+                                    <p:cond delay="0"/>
+                                  </p:stCondLst>
+                                  <p:childTnLst>
+                                    <p:animRot by="21600000">
+                                      <p:cBhvr>
+                                        <p:cTn id="6" dur="2000" fill="hold"/>
+                                        <p:tgtEl>
+                                          <p:spTgt spid="14"/>
+                                        </p:tgtEl>
+                                        <p:attrNameLst>
+                                          <p:attrName>r</p:attrName>
+                                        </p:attrNameLst>
+                                      </p:cBhvr>
+                                    </p:animRot>
+                                  </p:childTnLst>
+                                </p:cTn>
+                              </p:par>
+                            </p:childTnLst>
+                          </p:cTn>
+                        </p:par>
+                      </p:childTnLst>
+                    </p:cTn>
+                  </p:par>
+                </p:childTnLst>
+              </p:cTn>
+              <p:prevCondLst>
+                <p:cond evt="onPrev" delay="0">
+                  <p:tgtEl>
+                    <p:sldTgt/>
+                  </p:tgtEl>
+                </p:cond>
+              </p:prevCondLst>
+              <p:nextCondLst>
+                <p:cond evt="onNext" delay="0">
+                  <p:tgtEl>
+                    <p:sldTgt/>
+                  </p:tgtEl>
+                </p:cond>
+              </p:nextCondLst>
+            </p:seq>
+          </p:childTnLst>
+        </p:cTn>
+      </p:par>
+    </p:tnLst>
+    <p:bldLst>
+      <p:bldP spid="14" grpId="0" animBg="1"/>
+    </p:bldLst>
+  </p:timing>
+</p:sld>
+</file>
+
+<file path=ppt/slides/slide14.xml><?xml version="1.0" encoding="utf-8"?>
+<p:sld xmlns:a="http://schemas.openxmlformats.org/drawingml/2006/main" xmlns:r="http://schemas.openxmlformats.org/officeDocument/2006/relationships" xmlns:p="http://schemas.openxmlformats.org/presentationml/2006/main">
+  <p:cSld>
+    <p:bg>
+      <p:bgPr>
+        <a:solidFill>
+          <a:schemeClr val="bg1"/>
+        </a:solidFill>
+        <a:effectLst/>
+      </p:bgPr>
+    </p:bg>
+    <p:spTree>
+      <p:nvGrpSpPr>
+        <p:cNvPr id="1" name=""/>
+        <p:cNvGrpSpPr/>
+        <p:nvPr/>
+      </p:nvGrpSpPr>
+      <p:grpSpPr>
+        <a:xfrm>
+          <a:off x="0" y="0"/>
+          <a:ext cx="0" cy="0"/>
+          <a:chOff x="0" y="0"/>
+          <a:chExt cx="0" cy="0"/>
+        </a:xfrm>
+      </p:grpSpPr>
+      <p:sp useBgFill="1">
+        <p:nvSpPr>
+          <p:cNvPr id="8" name="Rectangle 7">
+            <a:extLst>
+              <a:ext uri="{FF2B5EF4-FFF2-40B4-BE49-F238E27FC236}">
+                <a16:creationId xmlns:a16="http://schemas.microsoft.com/office/drawing/2014/main" id="{907EF6B7-1338-4443-8C46-6A318D952DFD}"/>
+              </a:ext>
+              <a:ext uri="{C183D7F6-B498-43B3-948B-1728B52AA6E4}">
+                <adec:decorative xmlns:adec="http://schemas.microsoft.com/office/drawing/2017/decorative" val="1"/>
+              </a:ext>
+            </a:extLst>
+          </p:cNvPr>
+          <p:cNvSpPr>
+            <a:spLocks noGrp="1" noRot="1" noChangeAspect="1" noMove="1" noResize="1" noEditPoints="1" noAdjustHandles="1" noChangeArrowheads="1" noChangeShapeType="1" noTextEdit="1"/>
+          </p:cNvSpPr>
+          <p:nvPr>
+            <p:extLst>
+              <p:ext uri="{386F3935-93C4-4BCD-93E2-E3B085C9AB24}">
+                <p16:designElem xmlns:p16="http://schemas.microsoft.com/office/powerpoint/2015/main" val="1"/>
+              </p:ext>
+            </p:extLst>
+          </p:nvPr>
+        </p:nvSpPr>
+        <p:spPr>
+          <a:xfrm>
+            <a:off x="3048" y="0"/>
+            <a:ext cx="12188952" cy="6858000"/>
+          </a:xfrm>
+          <a:prstGeom prst="rect">
+            <a:avLst/>
+          </a:prstGeom>
+          <a:ln>
+            <a:noFill/>
+          </a:ln>
+        </p:spPr>
+        <p:style>
+          <a:lnRef idx="2">
+            <a:schemeClr val="accent1">
+              <a:shade val="50000"/>
+            </a:schemeClr>
+          </a:lnRef>
+          <a:fillRef idx="1">
+            <a:schemeClr val="accent1"/>
+          </a:fillRef>
+          <a:effectRef idx="0">
+            <a:schemeClr val="accent1"/>
+          </a:effectRef>
+          <a:fontRef idx="minor">
+            <a:schemeClr val="lt1"/>
+          </a:fontRef>
+        </p:style>
+        <p:txBody>
+          <a:bodyPr rtlCol="0" anchor="ctr"/>
+          <a:lstStyle/>
+          <a:p>
+            <a:pPr algn="ctr"/>
+            <a:endParaRPr lang="en-US" dirty="0"/>
+          </a:p>
+        </p:txBody>
+      </p:sp>
+      <p:sp>
+        <p:nvSpPr>
+          <p:cNvPr id="10" name="Freeform: Shape 9">
+            <a:extLst>
+              <a:ext uri="{FF2B5EF4-FFF2-40B4-BE49-F238E27FC236}">
+                <a16:creationId xmlns:a16="http://schemas.microsoft.com/office/drawing/2014/main" id="{DAAE4CDD-124C-4DCF-9584-B6033B545DD5}"/>
+              </a:ext>
+              <a:ext uri="{C183D7F6-B498-43B3-948B-1728B52AA6E4}">
+                <adec:decorative xmlns:adec="http://schemas.microsoft.com/office/drawing/2017/decorative" val="1"/>
+              </a:ext>
+            </a:extLst>
+          </p:cNvPr>
+          <p:cNvSpPr>
+            <a:spLocks noChangeAspect="1"/>
+          </p:cNvSpPr>
+          <p:nvPr>
+            <p:extLst>
+              <p:ext uri="{386F3935-93C4-4BCD-93E2-E3B085C9AB24}">
+                <p16:designElem xmlns:p16="http://schemas.microsoft.com/office/powerpoint/2015/main" val="1"/>
+              </p:ext>
+            </p:extLst>
+          </p:nvPr>
+        </p:nvSpPr>
+        <p:spPr>
+          <a:xfrm>
+            <a:off x="1" y="0"/>
+            <a:ext cx="4167271" cy="6858000"/>
+          </a:xfrm>
+          <a:custGeom>
+            <a:avLst/>
+            <a:gdLst>
+              <a:gd name="connsiteX0" fmla="*/ 0 w 4167271"/>
+              <a:gd name="connsiteY0" fmla="*/ 0 h 6858000"/>
+              <a:gd name="connsiteX1" fmla="*/ 2259550 w 4167271"/>
+              <a:gd name="connsiteY1" fmla="*/ 0 h 6858000"/>
+              <a:gd name="connsiteX2" fmla="*/ 2387803 w 4167271"/>
+              <a:gd name="connsiteY2" fmla="*/ 82222 h 6858000"/>
+              <a:gd name="connsiteX3" fmla="*/ 4167271 w 4167271"/>
+              <a:gd name="connsiteY3" fmla="*/ 3429000 h 6858000"/>
+              <a:gd name="connsiteX4" fmla="*/ 2387803 w 4167271"/>
+              <a:gd name="connsiteY4" fmla="*/ 6775779 h 6858000"/>
+              <a:gd name="connsiteX5" fmla="*/ 2259550 w 4167271"/>
+              <a:gd name="connsiteY5" fmla="*/ 6858000 h 6858000"/>
+              <a:gd name="connsiteX6" fmla="*/ 0 w 4167271"/>
+              <a:gd name="connsiteY6" fmla="*/ 6858000 h 6858000"/>
+            </a:gdLst>
+            <a:ahLst/>
+            <a:cxnLst>
+              <a:cxn ang="0">
+                <a:pos x="connsiteX0" y="connsiteY0"/>
+              </a:cxn>
+              <a:cxn ang="0">
+                <a:pos x="connsiteX1" y="connsiteY1"/>
+              </a:cxn>
+              <a:cxn ang="0">
+                <a:pos x="connsiteX2" y="connsiteY2"/>
+              </a:cxn>
+              <a:cxn ang="0">
+                <a:pos x="connsiteX3" y="connsiteY3"/>
+              </a:cxn>
+              <a:cxn ang="0">
+                <a:pos x="connsiteX4" y="connsiteY4"/>
+              </a:cxn>
+              <a:cxn ang="0">
+                <a:pos x="connsiteX5" y="connsiteY5"/>
+              </a:cxn>
+              <a:cxn ang="0">
+                <a:pos x="connsiteX6" y="connsiteY6"/>
+              </a:cxn>
+            </a:cxnLst>
+            <a:rect l="l" t="t" r="r" b="b"/>
+            <a:pathLst>
+              <a:path w="4167271" h="6858000">
+                <a:moveTo>
+                  <a:pt x="0" y="0"/>
+                </a:moveTo>
+                <a:lnTo>
+                  <a:pt x="2259550" y="0"/>
+                </a:lnTo>
+                <a:lnTo>
+                  <a:pt x="2387803" y="82222"/>
+                </a:lnTo>
+                <a:cubicBezTo>
+                  <a:pt x="3461407" y="807534"/>
+                  <a:pt x="4167271" y="2035835"/>
+                  <a:pt x="4167271" y="3429000"/>
+                </a:cubicBezTo>
+                <a:cubicBezTo>
+                  <a:pt x="4167271" y="4822165"/>
+                  <a:pt x="3461407" y="6050467"/>
+                  <a:pt x="2387803" y="6775779"/>
+                </a:cubicBezTo>
+                <a:lnTo>
+                  <a:pt x="2259550" y="6858000"/>
+                </a:lnTo>
+                <a:lnTo>
+                  <a:pt x="0" y="6858000"/>
+                </a:lnTo>
+                <a:close/>
+              </a:path>
+            </a:pathLst>
+          </a:custGeom>
+          <a:gradFill flip="none" rotWithShape="1">
+            <a:gsLst>
+              <a:gs pos="0">
+                <a:schemeClr val="accent2">
+                  <a:lumMod val="67000"/>
+                </a:schemeClr>
+              </a:gs>
+              <a:gs pos="48000">
+                <a:schemeClr val="accent2">
+                  <a:lumMod val="97000"/>
+                  <a:lumOff val="3000"/>
+                </a:schemeClr>
+              </a:gs>
+              <a:gs pos="100000">
+                <a:schemeClr val="accent2">
+                  <a:lumMod val="60000"/>
+                  <a:lumOff val="40000"/>
+                </a:schemeClr>
+              </a:gs>
+            </a:gsLst>
+            <a:lin ang="16200000" scaled="1"/>
+            <a:tileRect/>
+          </a:gradFill>
+          <a:ln>
+            <a:noFill/>
+          </a:ln>
+        </p:spPr>
+        <p:style>
+          <a:lnRef idx="0">
+            <a:scrgbClr r="0" g="0" b="0"/>
+          </a:lnRef>
+          <a:fillRef idx="0">
+            <a:scrgbClr r="0" g="0" b="0"/>
+          </a:fillRef>
+          <a:effectRef idx="0">
+            <a:scrgbClr r="0" g="0" b="0"/>
+          </a:effectRef>
+          <a:fontRef idx="minor">
+            <a:schemeClr val="lt1"/>
+          </a:fontRef>
+        </p:style>
+        <p:txBody>
+          <a:bodyPr rtlCol="0" anchor="ctr"/>
+          <a:lstStyle/>
+          <a:p>
+            <a:pPr algn="ctr"/>
+            <a:endParaRPr lang="en-US" dirty="0"/>
+          </a:p>
+        </p:txBody>
+      </p:sp>
+      <p:sp>
+        <p:nvSpPr>
+          <p:cNvPr id="2" name="Title 1">
+            <a:extLst>
+              <a:ext uri="{FF2B5EF4-FFF2-40B4-BE49-F238E27FC236}">
+                <a16:creationId xmlns:a16="http://schemas.microsoft.com/office/drawing/2014/main" id="{604CD088-9924-FDF8-32EA-64AD14C5DE41}"/>
+              </a:ext>
+            </a:extLst>
+          </p:cNvPr>
+          <p:cNvSpPr>
+            <a:spLocks noGrp="1"/>
+          </p:cNvSpPr>
+          <p:nvPr>
+            <p:ph type="title"/>
+          </p:nvPr>
+        </p:nvSpPr>
+        <p:spPr>
+          <a:xfrm>
+            <a:off x="686834" y="1153572"/>
+            <a:ext cx="3200400" cy="4461163"/>
+          </a:xfrm>
+        </p:spPr>
+        <p:txBody>
+          <a:bodyPr>
+            <a:normAutofit/>
+          </a:bodyPr>
+          <a:lstStyle/>
+          <a:p>
+            <a:r>
+              <a:rPr lang="en-US" dirty="0">
+                <a:solidFill>
+                  <a:srgbClr val="FFFFFF"/>
+                </a:solidFill>
+              </a:rPr>
+              <a:t>Gherkin</a:t>
+            </a:r>
+          </a:p>
+        </p:txBody>
+      </p:sp>
+      <p:sp>
+        <p:nvSpPr>
+          <p:cNvPr id="12" name="Arc 11">
+            <a:extLst>
+              <a:ext uri="{FF2B5EF4-FFF2-40B4-BE49-F238E27FC236}">
+                <a16:creationId xmlns:a16="http://schemas.microsoft.com/office/drawing/2014/main" id="{081E4A58-353D-44AE-B2FC-2A74E2E400F7}"/>
+              </a:ext>
+              <a:ext uri="{C183D7F6-B498-43B3-948B-1728B52AA6E4}">
+                <adec:decorative xmlns:adec="http://schemas.microsoft.com/office/drawing/2017/decorative" val="1"/>
+              </a:ext>
+            </a:extLst>
+          </p:cNvPr>
+          <p:cNvSpPr>
+            <a:spLocks noGrp="1" noRot="1" noChangeAspect="1" noMove="1" noResize="1" noEditPoints="1" noAdjustHandles="1" noChangeArrowheads="1" noChangeShapeType="1" noTextEdit="1"/>
+          </p:cNvSpPr>
+          <p:nvPr>
+            <p:extLst>
+              <p:ext uri="{386F3935-93C4-4BCD-93E2-E3B085C9AB24}">
+                <p16:designElem xmlns:p16="http://schemas.microsoft.com/office/powerpoint/2015/main" val="1"/>
+              </p:ext>
+            </p:extLst>
+          </p:nvPr>
+        </p:nvSpPr>
+        <p:spPr>
+          <a:xfrm flipV="1">
+            <a:off x="7550402" y="2455479"/>
+            <a:ext cx="4083433" cy="4083433"/>
+          </a:xfrm>
+          <a:prstGeom prst="arc">
+            <a:avLst/>
+          </a:prstGeom>
+          <a:ln w="127000" cap="rnd">
+            <a:solidFill>
+              <a:schemeClr val="accent4"/>
+            </a:solidFill>
+            <a:prstDash val="dash"/>
+          </a:ln>
+        </p:spPr>
+        <p:style>
+          <a:lnRef idx="1">
+            <a:schemeClr val="accent1"/>
+          </a:lnRef>
+          <a:fillRef idx="0">
+            <a:schemeClr val="accent1"/>
+          </a:fillRef>
+          <a:effectRef idx="0">
+            <a:schemeClr val="accent1"/>
+          </a:effectRef>
+          <a:fontRef idx="minor">
+            <a:schemeClr val="tx1"/>
+          </a:fontRef>
+        </p:style>
+        <p:txBody>
+          <a:bodyPr rtlCol="0" anchor="ctr"/>
+          <a:lstStyle/>
+          <a:p>
+            <a:pPr algn="ctr"/>
+            <a:endParaRPr lang="en-US" dirty="0"/>
+          </a:p>
+        </p:txBody>
+      </p:sp>
+      <p:sp>
+        <p:nvSpPr>
+          <p:cNvPr id="3" name="Content Placeholder 2">
+            <a:extLst>
+              <a:ext uri="{FF2B5EF4-FFF2-40B4-BE49-F238E27FC236}">
+                <a16:creationId xmlns:a16="http://schemas.microsoft.com/office/drawing/2014/main" id="{506ECF03-3832-CE61-45EB-6C148D597A92}"/>
+              </a:ext>
+            </a:extLst>
+          </p:cNvPr>
+          <p:cNvSpPr>
+            <a:spLocks noGrp="1"/>
+          </p:cNvSpPr>
+          <p:nvPr>
+            <p:ph idx="1"/>
+          </p:nvPr>
+        </p:nvSpPr>
+        <p:spPr>
+          <a:xfrm>
+            <a:off x="4167272" y="787400"/>
+            <a:ext cx="7945215" cy="5389563"/>
+          </a:xfrm>
+        </p:spPr>
+        <p:txBody>
+          <a:bodyPr anchor="ctr">
+            <a:normAutofit/>
+          </a:bodyPr>
+          <a:lstStyle/>
+          <a:p>
+            <a:r>
+              <a:rPr lang="en-US" dirty="0"/>
+              <a:t>Way of writing test cases in natural language</a:t>
+            </a:r>
+          </a:p>
+          <a:p>
+            <a:pPr lvl="1"/>
+            <a:r>
+              <a:rPr lang="en-US" b="0" i="0" dirty="0">
+                <a:solidFill>
+                  <a:srgbClr val="111111"/>
+                </a:solidFill>
+                <a:effectLst/>
+                <a:latin typeface="-apple-system"/>
+              </a:rPr>
+              <a:t>Feature – unique attribute</a:t>
+            </a:r>
+          </a:p>
+          <a:p>
+            <a:pPr lvl="1"/>
+            <a:r>
+              <a:rPr lang="en-US" b="0" i="0" dirty="0">
+                <a:solidFill>
+                  <a:srgbClr val="111111"/>
+                </a:solidFill>
+                <a:effectLst/>
+                <a:latin typeface="-apple-system"/>
+              </a:rPr>
+              <a:t>Scenario – expected situation</a:t>
+            </a:r>
+          </a:p>
+          <a:p>
+            <a:pPr lvl="1"/>
+            <a:r>
+              <a:rPr lang="en-US" b="0" i="0" dirty="0">
+                <a:solidFill>
+                  <a:srgbClr val="111111"/>
+                </a:solidFill>
+                <a:effectLst/>
+                <a:latin typeface="-apple-system"/>
+              </a:rPr>
+              <a:t>Given, When, Then – acceptance criteria</a:t>
+            </a:r>
+            <a:endParaRPr lang="en-US" dirty="0"/>
+          </a:p>
+          <a:p>
+            <a:pPr lvl="1"/>
+            <a:r>
+              <a:rPr lang="en-US" b="0" i="0" dirty="0">
+                <a:solidFill>
+                  <a:srgbClr val="111111"/>
+                </a:solidFill>
+                <a:effectLst/>
+                <a:latin typeface="-apple-system"/>
+              </a:rPr>
+              <a:t>Background – Something that happens for every feature</a:t>
+            </a:r>
+            <a:br>
+              <a:rPr lang="en-US" dirty="0"/>
+            </a:br>
+            <a:r>
+              <a:rPr lang="en-US" b="0" i="0" dirty="0">
+                <a:solidFill>
+                  <a:srgbClr val="111111"/>
+                </a:solidFill>
+                <a:effectLst/>
+                <a:latin typeface="-apple-system"/>
+              </a:rPr>
+              <a:t>And - </a:t>
+            </a:r>
+            <a:br>
+              <a:rPr lang="en-US" dirty="0"/>
+            </a:br>
+            <a:r>
+              <a:rPr lang="en-US" b="0" i="0" dirty="0">
+                <a:solidFill>
+                  <a:srgbClr val="111111"/>
+                </a:solidFill>
+                <a:effectLst/>
+                <a:latin typeface="-apple-system"/>
+              </a:rPr>
+              <a:t>But</a:t>
+            </a:r>
+            <a:br>
+              <a:rPr lang="en-US" dirty="0"/>
+            </a:br>
+            <a:r>
+              <a:rPr lang="en-US" b="0" i="0" dirty="0">
+                <a:solidFill>
+                  <a:srgbClr val="111111"/>
+                </a:solidFill>
+                <a:effectLst/>
+                <a:latin typeface="-apple-system"/>
+              </a:rPr>
+              <a:t>#</a:t>
+            </a:r>
+            <a:br>
+              <a:rPr lang="en-US" dirty="0"/>
+            </a:br>
+            <a:r>
+              <a:rPr lang="en-US" b="0" i="0" dirty="0">
+                <a:solidFill>
+                  <a:srgbClr val="111111"/>
+                </a:solidFill>
+                <a:effectLst/>
+                <a:latin typeface="-apple-system"/>
+              </a:rPr>
+              <a:t>*</a:t>
+            </a:r>
+            <a:br>
+              <a:rPr lang="en-US" dirty="0"/>
+            </a:br>
+            <a:r>
+              <a:rPr lang="en-US" b="0" i="0" dirty="0">
+                <a:solidFill>
+                  <a:srgbClr val="111111"/>
+                </a:solidFill>
+                <a:effectLst/>
+                <a:latin typeface="-apple-system"/>
+              </a:rPr>
+              <a:t>Examples</a:t>
+            </a:r>
+            <a:br>
+              <a:rPr lang="en-US" dirty="0"/>
+            </a:br>
+            <a:r>
+              <a:rPr lang="en-US" b="0" i="0" dirty="0">
+                <a:solidFill>
+                  <a:srgbClr val="111111"/>
+                </a:solidFill>
+                <a:effectLst/>
+                <a:latin typeface="-apple-system"/>
+              </a:rPr>
+              <a:t>Scenario Outline</a:t>
+            </a:r>
+            <a:endParaRPr lang="en-US" dirty="0"/>
+          </a:p>
+        </p:txBody>
+      </p:sp>
+    </p:spTree>
+    <p:extLst>
+      <p:ext uri="{BB962C8B-B14F-4D97-AF65-F5344CB8AC3E}">
+        <p14:creationId xmlns:p14="http://schemas.microsoft.com/office/powerpoint/2010/main" val="1134065504"/>
+      </p:ext>
+    </p:extLst>
+  </p:cSld>
+  <p:clrMapOvr>
+    <a:masterClrMapping/>
+  </p:clrMapOvr>
+  <p:timing>
+    <p:tnLst>
+      <p:par>
+        <p:cTn id="1" dur="indefinite" restart="never" nodeType="tmRoot">
+          <p:childTnLst>
+            <p:seq concurrent="1" nextAc="seek">
+              <p:cTn id="2" dur="indefinite" nodeType="mainSeq">
+                <p:childTnLst>
+                  <p:par>
+                    <p:cTn id="3" fill="hold">
+                      <p:stCondLst>
+                        <p:cond delay="indefinite"/>
+                      </p:stCondLst>
+                      <p:childTnLst>
+                        <p:par>
+                          <p:cTn id="4" fill="hold">
+                            <p:stCondLst>
+                              <p:cond delay="0"/>
+                            </p:stCondLst>
+                            <p:childTnLst>
+                              <p:par>
+                                <p:cTn id="5" presetID="2" presetClass="entr" presetSubtype="8" fill="hold" grpId="0" nodeType="clickEffect">
+                                  <p:stCondLst>
+                                    <p:cond delay="0"/>
+                                  </p:stCondLst>
+                                  <p:childTnLst>
+                                    <p:set>
+                                      <p:cBhvr>
+                                        <p:cTn id="6" dur="1" fill="hold">
+                                          <p:stCondLst>
+                                            <p:cond delay="0"/>
+                                          </p:stCondLst>
+                                        </p:cTn>
+                                        <p:tgtEl>
+                                          <p:spTgt spid="10"/>
+                                        </p:tgtEl>
+                                        <p:attrNameLst>
+                                          <p:attrName>style.visibility</p:attrName>
+                                        </p:attrNameLst>
+                                      </p:cBhvr>
+                                      <p:to>
+                                        <p:strVal val="visible"/>
+                                      </p:to>
+                                    </p:set>
+                                    <p:anim calcmode="lin" valueType="num">
+                                      <p:cBhvr additive="base">
+                                        <p:cTn id="7" dur="3500" fill="hold"/>
+                                        <p:tgtEl>
+                                          <p:spTgt spid="10"/>
+                                        </p:tgtEl>
+                                        <p:attrNameLst>
+                                          <p:attrName>ppt_x</p:attrName>
+                                        </p:attrNameLst>
+                                      </p:cBhvr>
+                                      <p:tavLst>
+                                        <p:tav tm="0">
+                                          <p:val>
+                                            <p:strVal val="0-#ppt_w/2"/>
+                                          </p:val>
+                                        </p:tav>
+                                        <p:tav tm="100000">
+                                          <p:val>
+                                            <p:strVal val="#ppt_x"/>
+                                          </p:val>
+                                        </p:tav>
+                                      </p:tavLst>
+                                    </p:anim>
+                                    <p:anim calcmode="lin" valueType="num">
+                                      <p:cBhvr additive="base">
+                                        <p:cTn id="8" dur="3500" fill="hold"/>
+                                        <p:tgtEl>
+                                          <p:spTgt spid="10"/>
+                                        </p:tgtEl>
+                                        <p:attrNameLst>
+                                          <p:attrName>ppt_y</p:attrName>
+                                        </p:attrNameLst>
+                                      </p:cBhvr>
+                                      <p:tavLst>
+                                        <p:tav tm="0">
+                                          <p:val>
+                                            <p:strVal val="#ppt_y"/>
+                                          </p:val>
+                                        </p:tav>
+                                        <p:tav tm="100000">
+                                          <p:val>
+                                            <p:strVal val="#ppt_y"/>
+                                          </p:val>
+                                        </p:tav>
+                                      </p:tavLst>
+                                    </p:anim>
+                                  </p:childTnLst>
+                                </p:cTn>
+                              </p:par>
+                            </p:childTnLst>
+                          </p:cTn>
+                        </p:par>
+                      </p:childTnLst>
+                    </p:cTn>
+                  </p:par>
+                </p:childTnLst>
+              </p:cTn>
+              <p:prevCondLst>
+                <p:cond evt="onPrev" delay="0">
+                  <p:tgtEl>
+                    <p:sldTgt/>
+                  </p:tgtEl>
+                </p:cond>
+              </p:prevCondLst>
+              <p:nextCondLst>
+                <p:cond evt="onNext" delay="0">
+                  <p:tgtEl>
+                    <p:sldTgt/>
+                  </p:tgtEl>
+                </p:cond>
+              </p:nextCondLst>
+            </p:seq>
+          </p:childTnLst>
+        </p:cTn>
+      </p:par>
+    </p:tnLst>
+    <p:bldLst>
+      <p:bldP spid="10" grpId="0" animBg="1"/>
+    </p:bldLst>
+  </p:timing>
+</p:sld>
+</file>
+
+<file path=ppt/slides/slide15.xml><?xml version="1.0" encoding="utf-8"?>
+<p:sld xmlns:a="http://schemas.openxmlformats.org/drawingml/2006/main" xmlns:r="http://schemas.openxmlformats.org/officeDocument/2006/relationships" xmlns:p="http://schemas.openxmlformats.org/presentationml/2006/main">
+  <p:cSld>
+    <p:bg>
+      <p:bgPr>
+        <a:solidFill>
+          <a:schemeClr val="bg1"/>
+        </a:solidFill>
+        <a:effectLst/>
+      </p:bgPr>
+    </p:bg>
+    <p:spTree>
+      <p:nvGrpSpPr>
+        <p:cNvPr id="1" name=""/>
+        <p:cNvGrpSpPr/>
+        <p:nvPr/>
+      </p:nvGrpSpPr>
+      <p:grpSpPr>
+        <a:xfrm>
+          <a:off x="0" y="0"/>
+          <a:ext cx="0" cy="0"/>
+          <a:chOff x="0" y="0"/>
+          <a:chExt cx="0" cy="0"/>
+        </a:xfrm>
+      </p:grpSpPr>
+      <p:sp useBgFill="1">
+        <p:nvSpPr>
+          <p:cNvPr id="8" name="Rectangle 7">
+            <a:extLst>
+              <a:ext uri="{FF2B5EF4-FFF2-40B4-BE49-F238E27FC236}">
+                <a16:creationId xmlns:a16="http://schemas.microsoft.com/office/drawing/2014/main" id="{907EF6B7-1338-4443-8C46-6A318D952DFD}"/>
+              </a:ext>
+              <a:ext uri="{C183D7F6-B498-43B3-948B-1728B52AA6E4}">
+                <adec:decorative xmlns:adec="http://schemas.microsoft.com/office/drawing/2017/decorative" val="1"/>
+              </a:ext>
+            </a:extLst>
+          </p:cNvPr>
+          <p:cNvSpPr>
+            <a:spLocks noGrp="1" noRot="1" noChangeAspect="1" noMove="1" noResize="1" noEditPoints="1" noAdjustHandles="1" noChangeArrowheads="1" noChangeShapeType="1" noTextEdit="1"/>
+          </p:cNvSpPr>
+          <p:nvPr>
+            <p:extLst>
+              <p:ext uri="{386F3935-93C4-4BCD-93E2-E3B085C9AB24}">
+                <p16:designElem xmlns:p16="http://schemas.microsoft.com/office/powerpoint/2015/main" val="1"/>
+              </p:ext>
+            </p:extLst>
+          </p:nvPr>
+        </p:nvSpPr>
+        <p:spPr>
+          <a:xfrm>
+            <a:off x="3048" y="0"/>
+            <a:ext cx="12188952" cy="6858000"/>
+          </a:xfrm>
+          <a:prstGeom prst="rect">
+            <a:avLst/>
+          </a:prstGeom>
+          <a:ln>
+            <a:noFill/>
+          </a:ln>
+        </p:spPr>
+        <p:style>
+          <a:lnRef idx="2">
+            <a:schemeClr val="accent1">
+              <a:shade val="50000"/>
+            </a:schemeClr>
+          </a:lnRef>
+          <a:fillRef idx="1">
+            <a:schemeClr val="accent1"/>
+          </a:fillRef>
+          <a:effectRef idx="0">
+            <a:schemeClr val="accent1"/>
+          </a:effectRef>
+          <a:fontRef idx="minor">
+            <a:schemeClr val="lt1"/>
+          </a:fontRef>
+        </p:style>
+        <p:txBody>
+          <a:bodyPr rtlCol="0" anchor="ctr"/>
+          <a:lstStyle/>
+          <a:p>
+            <a:pPr algn="ctr"/>
+            <a:endParaRPr lang="en-US" dirty="0"/>
+          </a:p>
+        </p:txBody>
+      </p:sp>
+      <p:sp>
+        <p:nvSpPr>
+          <p:cNvPr id="10" name="Freeform: Shape 9">
+            <a:extLst>
+              <a:ext uri="{FF2B5EF4-FFF2-40B4-BE49-F238E27FC236}">
+                <a16:creationId xmlns:a16="http://schemas.microsoft.com/office/drawing/2014/main" id="{DAAE4CDD-124C-4DCF-9584-B6033B545DD5}"/>
+              </a:ext>
+              <a:ext uri="{C183D7F6-B498-43B3-948B-1728B52AA6E4}">
+                <adec:decorative xmlns:adec="http://schemas.microsoft.com/office/drawing/2017/decorative" val="1"/>
+              </a:ext>
+            </a:extLst>
+          </p:cNvPr>
+          <p:cNvSpPr>
+            <a:spLocks noChangeAspect="1"/>
+          </p:cNvSpPr>
+          <p:nvPr>
+            <p:extLst>
+              <p:ext uri="{386F3935-93C4-4BCD-93E2-E3B085C9AB24}">
+                <p16:designElem xmlns:p16="http://schemas.microsoft.com/office/powerpoint/2015/main" val="1"/>
+              </p:ext>
+            </p:extLst>
+          </p:nvPr>
+        </p:nvSpPr>
+        <p:spPr>
+          <a:xfrm>
+            <a:off x="1" y="0"/>
+            <a:ext cx="4167271" cy="6858000"/>
+          </a:xfrm>
+          <a:custGeom>
+            <a:avLst/>
+            <a:gdLst>
+              <a:gd name="connsiteX0" fmla="*/ 0 w 4167271"/>
+              <a:gd name="connsiteY0" fmla="*/ 0 h 6858000"/>
+              <a:gd name="connsiteX1" fmla="*/ 2259550 w 4167271"/>
+              <a:gd name="connsiteY1" fmla="*/ 0 h 6858000"/>
+              <a:gd name="connsiteX2" fmla="*/ 2387803 w 4167271"/>
+              <a:gd name="connsiteY2" fmla="*/ 82222 h 6858000"/>
+              <a:gd name="connsiteX3" fmla="*/ 4167271 w 4167271"/>
+              <a:gd name="connsiteY3" fmla="*/ 3429000 h 6858000"/>
+              <a:gd name="connsiteX4" fmla="*/ 2387803 w 4167271"/>
+              <a:gd name="connsiteY4" fmla="*/ 6775779 h 6858000"/>
+              <a:gd name="connsiteX5" fmla="*/ 2259550 w 4167271"/>
+              <a:gd name="connsiteY5" fmla="*/ 6858000 h 6858000"/>
+              <a:gd name="connsiteX6" fmla="*/ 0 w 4167271"/>
+              <a:gd name="connsiteY6" fmla="*/ 6858000 h 6858000"/>
+            </a:gdLst>
+            <a:ahLst/>
+            <a:cxnLst>
+              <a:cxn ang="0">
+                <a:pos x="connsiteX0" y="connsiteY0"/>
+              </a:cxn>
+              <a:cxn ang="0">
+                <a:pos x="connsiteX1" y="connsiteY1"/>
+              </a:cxn>
+              <a:cxn ang="0">
+                <a:pos x="connsiteX2" y="connsiteY2"/>
+              </a:cxn>
+              <a:cxn ang="0">
+                <a:pos x="connsiteX3" y="connsiteY3"/>
+              </a:cxn>
+              <a:cxn ang="0">
+                <a:pos x="connsiteX4" y="connsiteY4"/>
+              </a:cxn>
+              <a:cxn ang="0">
+                <a:pos x="connsiteX5" y="connsiteY5"/>
+              </a:cxn>
+              <a:cxn ang="0">
+                <a:pos x="connsiteX6" y="connsiteY6"/>
+              </a:cxn>
+            </a:cxnLst>
+            <a:rect l="l" t="t" r="r" b="b"/>
+            <a:pathLst>
+              <a:path w="4167271" h="6858000">
+                <a:moveTo>
+                  <a:pt x="0" y="0"/>
+                </a:moveTo>
+                <a:lnTo>
+                  <a:pt x="2259550" y="0"/>
+                </a:lnTo>
+                <a:lnTo>
+                  <a:pt x="2387803" y="82222"/>
+                </a:lnTo>
+                <a:cubicBezTo>
+                  <a:pt x="3461407" y="807534"/>
+                  <a:pt x="4167271" y="2035835"/>
+                  <a:pt x="4167271" y="3429000"/>
+                </a:cubicBezTo>
+                <a:cubicBezTo>
+                  <a:pt x="4167271" y="4822165"/>
+                  <a:pt x="3461407" y="6050467"/>
+                  <a:pt x="2387803" y="6775779"/>
+                </a:cubicBezTo>
+                <a:lnTo>
+                  <a:pt x="2259550" y="6858000"/>
+                </a:lnTo>
+                <a:lnTo>
+                  <a:pt x="0" y="6858000"/>
+                </a:lnTo>
+                <a:close/>
+              </a:path>
+            </a:pathLst>
+          </a:custGeom>
+          <a:gradFill flip="none" rotWithShape="1">
+            <a:gsLst>
+              <a:gs pos="0">
+                <a:schemeClr val="accent2">
+                  <a:lumMod val="67000"/>
+                </a:schemeClr>
+              </a:gs>
+              <a:gs pos="48000">
+                <a:schemeClr val="accent2">
+                  <a:lumMod val="97000"/>
+                  <a:lumOff val="3000"/>
+                </a:schemeClr>
+              </a:gs>
+              <a:gs pos="100000">
+                <a:schemeClr val="accent2">
+                  <a:lumMod val="60000"/>
+                  <a:lumOff val="40000"/>
+                </a:schemeClr>
+              </a:gs>
+            </a:gsLst>
+            <a:lin ang="16200000" scaled="1"/>
+            <a:tileRect/>
+          </a:gradFill>
+          <a:ln>
+            <a:noFill/>
+          </a:ln>
+        </p:spPr>
+        <p:style>
+          <a:lnRef idx="0">
+            <a:scrgbClr r="0" g="0" b="0"/>
+          </a:lnRef>
+          <a:fillRef idx="0">
+            <a:scrgbClr r="0" g="0" b="0"/>
+          </a:fillRef>
+          <a:effectRef idx="0">
+            <a:scrgbClr r="0" g="0" b="0"/>
+          </a:effectRef>
+          <a:fontRef idx="minor">
+            <a:schemeClr val="lt1"/>
+          </a:fontRef>
+        </p:style>
+        <p:txBody>
+          <a:bodyPr rtlCol="0" anchor="ctr"/>
+          <a:lstStyle/>
+          <a:p>
+            <a:pPr algn="ctr"/>
+            <a:endParaRPr lang="en-US" dirty="0"/>
+          </a:p>
+        </p:txBody>
+      </p:sp>
+      <p:sp>
+        <p:nvSpPr>
+          <p:cNvPr id="2" name="Title 1">
+            <a:extLst>
+              <a:ext uri="{FF2B5EF4-FFF2-40B4-BE49-F238E27FC236}">
+                <a16:creationId xmlns:a16="http://schemas.microsoft.com/office/drawing/2014/main" id="{604CD088-9924-FDF8-32EA-64AD14C5DE41}"/>
+              </a:ext>
+            </a:extLst>
+          </p:cNvPr>
+          <p:cNvSpPr>
+            <a:spLocks noGrp="1"/>
+          </p:cNvSpPr>
+          <p:nvPr>
+            <p:ph type="title"/>
+          </p:nvPr>
+        </p:nvSpPr>
+        <p:spPr>
+          <a:xfrm>
+            <a:off x="686834" y="1153572"/>
+            <a:ext cx="3200400" cy="4461163"/>
+          </a:xfrm>
+        </p:spPr>
+        <p:txBody>
+          <a:bodyPr>
+            <a:normAutofit/>
+          </a:bodyPr>
+          <a:lstStyle/>
+          <a:p>
+            <a:r>
+              <a:rPr lang="en-US" dirty="0">
+                <a:solidFill>
+                  <a:srgbClr val="FFFFFF"/>
+                </a:solidFill>
+              </a:rPr>
+              <a:t>Gherkin</a:t>
+            </a:r>
+          </a:p>
+        </p:txBody>
+      </p:sp>
+      <p:sp>
+        <p:nvSpPr>
+          <p:cNvPr id="12" name="Arc 11">
+            <a:extLst>
+              <a:ext uri="{FF2B5EF4-FFF2-40B4-BE49-F238E27FC236}">
+                <a16:creationId xmlns:a16="http://schemas.microsoft.com/office/drawing/2014/main" id="{081E4A58-353D-44AE-B2FC-2A74E2E400F7}"/>
+              </a:ext>
+              <a:ext uri="{C183D7F6-B498-43B3-948B-1728B52AA6E4}">
+                <adec:decorative xmlns:adec="http://schemas.microsoft.com/office/drawing/2017/decorative" val="1"/>
+              </a:ext>
+            </a:extLst>
+          </p:cNvPr>
+          <p:cNvSpPr>
+            <a:spLocks noGrp="1" noRot="1" noChangeAspect="1" noMove="1" noResize="1" noEditPoints="1" noAdjustHandles="1" noChangeArrowheads="1" noChangeShapeType="1" noTextEdit="1"/>
+          </p:cNvSpPr>
+          <p:nvPr>
+            <p:extLst>
+              <p:ext uri="{386F3935-93C4-4BCD-93E2-E3B085C9AB24}">
+                <p16:designElem xmlns:p16="http://schemas.microsoft.com/office/powerpoint/2015/main" val="1"/>
+              </p:ext>
+            </p:extLst>
+          </p:nvPr>
+        </p:nvSpPr>
+        <p:spPr>
+          <a:xfrm flipV="1">
+            <a:off x="7550402" y="2455479"/>
+            <a:ext cx="4083433" cy="4083433"/>
+          </a:xfrm>
+          <a:prstGeom prst="arc">
+            <a:avLst/>
+          </a:prstGeom>
+          <a:ln w="127000" cap="rnd">
+            <a:solidFill>
+              <a:schemeClr val="accent4"/>
+            </a:solidFill>
+            <a:prstDash val="dash"/>
+          </a:ln>
+        </p:spPr>
+        <p:style>
+          <a:lnRef idx="1">
+            <a:schemeClr val="accent1"/>
+          </a:lnRef>
+          <a:fillRef idx="0">
+            <a:schemeClr val="accent1"/>
+          </a:fillRef>
+          <a:effectRef idx="0">
+            <a:schemeClr val="accent1"/>
+          </a:effectRef>
+          <a:fontRef idx="minor">
+            <a:schemeClr val="tx1"/>
+          </a:fontRef>
+        </p:style>
+        <p:txBody>
+          <a:bodyPr rtlCol="0" anchor="ctr"/>
+          <a:lstStyle/>
+          <a:p>
+            <a:pPr algn="ctr"/>
+            <a:endParaRPr lang="en-US" dirty="0"/>
+          </a:p>
+        </p:txBody>
+      </p:sp>
+      <p:pic>
+        <p:nvPicPr>
+          <p:cNvPr id="5" name="Content Placeholder 4">
+            <a:extLst>
+              <a:ext uri="{FF2B5EF4-FFF2-40B4-BE49-F238E27FC236}">
+                <a16:creationId xmlns:a16="http://schemas.microsoft.com/office/drawing/2014/main" id="{17F18D02-C769-6116-EFA8-F7B909B3BE0E}"/>
+              </a:ext>
+            </a:extLst>
+          </p:cNvPr>
+          <p:cNvPicPr>
+            <a:picLocks noGrp="1" noChangeAspect="1"/>
+          </p:cNvPicPr>
+          <p:nvPr>
+            <p:ph idx="1"/>
+          </p:nvPr>
+        </p:nvPicPr>
+        <p:blipFill>
+          <a:blip r:embed="rId3"/>
+          <a:stretch>
+            <a:fillRect/>
+          </a:stretch>
+        </p:blipFill>
+        <p:spPr>
+          <a:xfrm>
+            <a:off x="4202589" y="1557130"/>
+            <a:ext cx="7909850" cy="3794830"/>
+          </a:xfrm>
+        </p:spPr>
+      </p:pic>
+    </p:spTree>
+    <p:extLst>
+      <p:ext uri="{BB962C8B-B14F-4D97-AF65-F5344CB8AC3E}">
+        <p14:creationId xmlns:p14="http://schemas.microsoft.com/office/powerpoint/2010/main" val="3757883864"/>
+      </p:ext>
+    </p:extLst>
+  </p:cSld>
+  <p:clrMapOvr>
+    <a:masterClrMapping/>
+  </p:clrMapOvr>
+  <p:timing>
+    <p:tnLst>
+      <p:par>
+        <p:cTn id="1" dur="indefinite" restart="never" nodeType="tmRoot">
+          <p:childTnLst>
+            <p:seq concurrent="1" nextAc="seek">
+              <p:cTn id="2" dur="indefinite" nodeType="mainSeq">
+                <p:childTnLst>
+                  <p:par>
+                    <p:cTn id="3" fill="hold">
+                      <p:stCondLst>
+                        <p:cond delay="indefinite"/>
+                      </p:stCondLst>
+                      <p:childTnLst>
+                        <p:par>
+                          <p:cTn id="4" fill="hold">
+                            <p:stCondLst>
+                              <p:cond delay="0"/>
+                            </p:stCondLst>
+                            <p:childTnLst>
+                              <p:par>
+                                <p:cTn id="5" presetID="2" presetClass="entr" presetSubtype="8" fill="hold" grpId="0" nodeType="clickEffect">
+                                  <p:stCondLst>
+                                    <p:cond delay="0"/>
+                                  </p:stCondLst>
+                                  <p:childTnLst>
+                                    <p:set>
+                                      <p:cBhvr>
+                                        <p:cTn id="6" dur="1" fill="hold">
+                                          <p:stCondLst>
+                                            <p:cond delay="0"/>
+                                          </p:stCondLst>
+                                        </p:cTn>
+                                        <p:tgtEl>
+                                          <p:spTgt spid="10"/>
+                                        </p:tgtEl>
+                                        <p:attrNameLst>
+                                          <p:attrName>style.visibility</p:attrName>
+                                        </p:attrNameLst>
+                                      </p:cBhvr>
+                                      <p:to>
+                                        <p:strVal val="visible"/>
+                                      </p:to>
+                                    </p:set>
+                                    <p:anim calcmode="lin" valueType="num">
+                                      <p:cBhvr additive="base">
+                                        <p:cTn id="7" dur="3500" fill="hold"/>
+                                        <p:tgtEl>
+                                          <p:spTgt spid="10"/>
+                                        </p:tgtEl>
+                                        <p:attrNameLst>
+                                          <p:attrName>ppt_x</p:attrName>
+                                        </p:attrNameLst>
+                                      </p:cBhvr>
+                                      <p:tavLst>
+                                        <p:tav tm="0">
+                                          <p:val>
+                                            <p:strVal val="0-#ppt_w/2"/>
+                                          </p:val>
+                                        </p:tav>
+                                        <p:tav tm="100000">
+                                          <p:val>
+                                            <p:strVal val="#ppt_x"/>
+                                          </p:val>
+                                        </p:tav>
+                                      </p:tavLst>
+                                    </p:anim>
+                                    <p:anim calcmode="lin" valueType="num">
+                                      <p:cBhvr additive="base">
+                                        <p:cTn id="8" dur="3500" fill="hold"/>
+                                        <p:tgtEl>
+                                          <p:spTgt spid="10"/>
+                                        </p:tgtEl>
+                                        <p:attrNameLst>
+                                          <p:attrName>ppt_y</p:attrName>
+                                        </p:attrNameLst>
+                                      </p:cBhvr>
+                                      <p:tavLst>
+                                        <p:tav tm="0">
+                                          <p:val>
+                                            <p:strVal val="#ppt_y"/>
+                                          </p:val>
+                                        </p:tav>
+                                        <p:tav tm="100000">
+                                          <p:val>
+                                            <p:strVal val="#ppt_y"/>
+                                          </p:val>
+                                        </p:tav>
+                                      </p:tavLst>
+                                    </p:anim>
+                                  </p:childTnLst>
+                                </p:cTn>
+                              </p:par>
+                            </p:childTnLst>
+                          </p:cTn>
+                        </p:par>
+                      </p:childTnLst>
+                    </p:cTn>
+                  </p:par>
+                </p:childTnLst>
+              </p:cTn>
+              <p:prevCondLst>
+                <p:cond evt="onPrev" delay="0">
+                  <p:tgtEl>
+                    <p:sldTgt/>
+                  </p:tgtEl>
+                </p:cond>
+              </p:prevCondLst>
+              <p:nextCondLst>
+                <p:cond evt="onNext" delay="0">
+                  <p:tgtEl>
+                    <p:sldTgt/>
+                  </p:tgtEl>
+                </p:cond>
+              </p:nextCondLst>
+            </p:seq>
+          </p:childTnLst>
+        </p:cTn>
+      </p:par>
+    </p:tnLst>
+    <p:bldLst>
+      <p:bldP spid="10" grpId="0" animBg="1"/>
+    </p:bldLst>
+  </p:timing>
+</p:sld>
+</file>
+
+<file path=ppt/slides/slide16.xml><?xml version="1.0" encoding="utf-8"?>
+<p:sld xmlns:a="http://schemas.openxmlformats.org/drawingml/2006/main" xmlns:r="http://schemas.openxmlformats.org/officeDocument/2006/relationships" xmlns:p="http://schemas.openxmlformats.org/presentationml/2006/main">
+  <p:cSld>
+    <p:bg>
+      <p:bgPr>
+        <a:solidFill>
+          <a:schemeClr val="bg1"/>
+        </a:solidFill>
+        <a:effectLst/>
+      </p:bgPr>
+    </p:bg>
+    <p:spTree>
+      <p:nvGrpSpPr>
+        <p:cNvPr id="1" name=""/>
+        <p:cNvGrpSpPr/>
+        <p:nvPr/>
+      </p:nvGrpSpPr>
+      <p:grpSpPr>
+        <a:xfrm>
+          <a:off x="0" y="0"/>
+          <a:ext cx="0" cy="0"/>
+          <a:chOff x="0" y="0"/>
+          <a:chExt cx="0" cy="0"/>
+        </a:xfrm>
+      </p:grpSpPr>
+      <p:sp useBgFill="1">
+        <p:nvSpPr>
+          <p:cNvPr id="8" name="Rectangle 7">
+            <a:extLst>
+              <a:ext uri="{FF2B5EF4-FFF2-40B4-BE49-F238E27FC236}">
+                <a16:creationId xmlns:a16="http://schemas.microsoft.com/office/drawing/2014/main" id="{DAF1966E-FD40-4A4A-B61B-C4DF7FA05F06}"/>
+              </a:ext>
+              <a:ext uri="{C183D7F6-B498-43B3-948B-1728B52AA6E4}">
+                <adec:decorative xmlns:adec="http://schemas.microsoft.com/office/drawing/2017/decorative" val="1"/>
+              </a:ext>
+            </a:extLst>
+          </p:cNvPr>
+          <p:cNvSpPr>
+            <a:spLocks noGrp="1" noRot="1" noChangeAspect="1" noMove="1" noResize="1" noEditPoints="1" noAdjustHandles="1" noChangeArrowheads="1" noChangeShapeType="1" noTextEdit="1"/>
+          </p:cNvSpPr>
+          <p:nvPr>
+            <p:extLst>
+              <p:ext uri="{386F3935-93C4-4BCD-93E2-E3B085C9AB24}">
+                <p16:designElem xmlns:p16="http://schemas.microsoft.com/office/powerpoint/2015/main" val="1"/>
+              </p:ext>
+            </p:extLst>
+          </p:nvPr>
+        </p:nvSpPr>
+        <p:spPr>
+          <a:xfrm>
+            <a:off x="0" y="0"/>
+            <a:ext cx="12192000" cy="6858000"/>
+          </a:xfrm>
+          <a:prstGeom prst="rect">
+            <a:avLst/>
+          </a:prstGeom>
+          <a:ln>
+            <a:noFill/>
+          </a:ln>
+        </p:spPr>
+        <p:style>
+          <a:lnRef idx="2">
+            <a:schemeClr val="accent1">
+              <a:shade val="50000"/>
+            </a:schemeClr>
+          </a:lnRef>
+          <a:fillRef idx="1">
+            <a:schemeClr val="accent1"/>
+          </a:fillRef>
+          <a:effectRef idx="0">
+            <a:schemeClr val="accent1"/>
+          </a:effectRef>
+          <a:fontRef idx="minor">
+            <a:schemeClr val="lt1"/>
+          </a:fontRef>
+        </p:style>
+        <p:txBody>
+          <a:bodyPr rtlCol="0" anchor="ctr"/>
+          <a:lstStyle/>
+          <a:p>
+            <a:pPr algn="ctr"/>
+            <a:endParaRPr lang="en-US" dirty="0"/>
+          </a:p>
+        </p:txBody>
+      </p:sp>
+      <p:sp useBgFill="1">
+        <p:nvSpPr>
+          <p:cNvPr id="10" name="Rectangle 9">
+            <a:extLst>
+              <a:ext uri="{FF2B5EF4-FFF2-40B4-BE49-F238E27FC236}">
+                <a16:creationId xmlns:a16="http://schemas.microsoft.com/office/drawing/2014/main" id="{047BFA19-D45E-416B-A404-7AF2F3F27017}"/>
+              </a:ext>
+              <a:ext uri="{C183D7F6-B498-43B3-948B-1728B52AA6E4}">
+                <adec:decorative xmlns:adec="http://schemas.microsoft.com/office/drawing/2017/decorative" val="1"/>
+              </a:ext>
+            </a:extLst>
+          </p:cNvPr>
+          <p:cNvSpPr>
+            <a:spLocks noGrp="1" noRot="1" noChangeAspect="1" noMove="1" noResize="1" noEditPoints="1" noAdjustHandles="1" noChangeArrowheads="1" noChangeShapeType="1" noTextEdit="1"/>
+          </p:cNvSpPr>
+          <p:nvPr>
+            <p:extLst>
+              <p:ext uri="{386F3935-93C4-4BCD-93E2-E3B085C9AB24}">
+                <p16:designElem xmlns:p16="http://schemas.microsoft.com/office/powerpoint/2015/main" val="1"/>
+              </p:ext>
+            </p:extLst>
+          </p:nvPr>
+        </p:nvSpPr>
+        <p:spPr>
+          <a:xfrm>
+            <a:off x="558209" y="0"/>
+            <a:ext cx="11167447" cy="2018806"/>
+          </a:xfrm>
+          <a:prstGeom prst="rect">
+            <a:avLst/>
+          </a:prstGeom>
+          <a:ln w="9525">
+            <a:solidFill>
+              <a:srgbClr val="E1E1E1"/>
+            </a:solidFill>
+          </a:ln>
+          <a:effectLst>
+            <a:outerShdw blurRad="50800" dist="38100" dir="2700000" algn="tl" rotWithShape="0">
+              <a:schemeClr val="bg1">
+                <a:lumMod val="85000"/>
+                <a:alpha val="50000"/>
+              </a:schemeClr>
+            </a:outerShdw>
+          </a:effectLst>
+        </p:spPr>
+        <p:style>
+          <a:lnRef idx="2">
+            <a:schemeClr val="accent1">
+              <a:shade val="50000"/>
+            </a:schemeClr>
+          </a:lnRef>
+          <a:fillRef idx="1">
+            <a:schemeClr val="accent1"/>
+          </a:fillRef>
+          <a:effectRef idx="0">
+            <a:schemeClr val="accent1"/>
+          </a:effectRef>
+          <a:fontRef idx="minor">
+            <a:schemeClr val="lt1"/>
+          </a:fontRef>
+        </p:style>
+        <p:txBody>
+          <a:bodyPr rtlCol="0" anchor="ctr"/>
+          <a:lstStyle/>
+          <a:p>
+            <a:pPr marL="0" marR="0" lvl="0" indent="0" algn="ctr" defTabSz="914400" rtl="0" eaLnBrk="1" fontAlgn="auto" latinLnBrk="0" hangingPunct="1">
+              <a:lnSpc>
+                <a:spcPct val="100000"/>
+              </a:lnSpc>
+              <a:spcBef>
+                <a:spcPts val="0"/>
+              </a:spcBef>
+              <a:spcAft>
+                <a:spcPts val="0"/>
+              </a:spcAft>
+              <a:buClrTx/>
+              <a:buSzTx/>
+              <a:buFontTx/>
+              <a:buNone/>
+              <a:tabLst/>
+              <a:defRPr/>
+            </a:pPr>
+            <a:endParaRPr kumimoji="0" lang="en-US" sz="1800" b="0" i="0" u="none" strike="noStrike" kern="1200" cap="none" spc="0" normalizeH="0" baseline="0" noProof="0" dirty="0">
+              <a:ln>
+                <a:noFill/>
+              </a:ln>
+              <a:solidFill>
+                <a:prstClr val="white"/>
+              </a:solidFill>
+              <a:effectLst/>
+              <a:uLnTx/>
+              <a:uFillTx/>
+              <a:latin typeface="Calibri" panose="020F0502020204030204"/>
+              <a:ea typeface="+mn-ea"/>
+              <a:cs typeface="+mn-cs"/>
+            </a:endParaRPr>
+          </a:p>
+        </p:txBody>
+      </p:sp>
+      <p:sp useBgFill="1">
+        <p:nvSpPr>
+          <p:cNvPr id="12" name="Rectangle 11">
+            <a:extLst>
+              <a:ext uri="{FF2B5EF4-FFF2-40B4-BE49-F238E27FC236}">
+                <a16:creationId xmlns:a16="http://schemas.microsoft.com/office/drawing/2014/main" id="{8E0105E7-23DB-4CF2-8258-FF47C7620F6E}"/>
+              </a:ext>
+              <a:ext uri="{C183D7F6-B498-43B3-948B-1728B52AA6E4}">
+                <adec:decorative xmlns:adec="http://schemas.microsoft.com/office/drawing/2017/decorative" val="1"/>
+              </a:ext>
+            </a:extLst>
+          </p:cNvPr>
+          <p:cNvSpPr>
+            <a:spLocks noGrp="1" noRot="1" noChangeAspect="1" noMove="1" noResize="1" noEditPoints="1" noAdjustHandles="1" noChangeArrowheads="1" noChangeShapeType="1" noTextEdit="1"/>
+          </p:cNvSpPr>
+          <p:nvPr>
+            <p:extLst>
+              <p:ext uri="{386F3935-93C4-4BCD-93E2-E3B085C9AB24}">
+                <p16:designElem xmlns:p16="http://schemas.microsoft.com/office/powerpoint/2015/main" val="1"/>
+              </p:ext>
+            </p:extLst>
+          </p:nvPr>
+        </p:nvSpPr>
+        <p:spPr>
+          <a:xfrm>
+            <a:off x="566928" y="0"/>
+            <a:ext cx="11155680" cy="2011680"/>
+          </a:xfrm>
+          <a:prstGeom prst="rect">
+            <a:avLst/>
+          </a:prstGeom>
+          <a:ln w="9525">
+            <a:noFill/>
+          </a:ln>
+          <a:effectLst/>
+        </p:spPr>
+        <p:style>
+          <a:lnRef idx="2">
+            <a:schemeClr val="accent1">
+              <a:shade val="50000"/>
+            </a:schemeClr>
+          </a:lnRef>
+          <a:fillRef idx="1">
+            <a:schemeClr val="accent1"/>
+          </a:fillRef>
+          <a:effectRef idx="0">
+            <a:schemeClr val="accent1"/>
+          </a:effectRef>
+          <a:fontRef idx="minor">
+            <a:schemeClr val="lt1"/>
+          </a:fontRef>
+        </p:style>
+        <p:txBody>
+          <a:bodyPr rtlCol="0" anchor="ctr"/>
+          <a:lstStyle/>
+          <a:p>
+            <a:pPr marL="0" marR="0" lvl="0" indent="0" algn="ctr" defTabSz="914400" rtl="0" eaLnBrk="1" fontAlgn="auto" latinLnBrk="0" hangingPunct="1">
+              <a:lnSpc>
+                <a:spcPct val="100000"/>
+              </a:lnSpc>
+              <a:spcBef>
+                <a:spcPts val="0"/>
+              </a:spcBef>
+              <a:spcAft>
+                <a:spcPts val="0"/>
+              </a:spcAft>
+              <a:buClrTx/>
+              <a:buSzTx/>
+              <a:buFontTx/>
+              <a:buNone/>
+              <a:tabLst/>
+              <a:defRPr/>
+            </a:pPr>
+            <a:endParaRPr kumimoji="0" lang="en-US" sz="1800" b="0" i="0" u="none" strike="noStrike" kern="1200" cap="none" spc="0" normalizeH="0" baseline="0" noProof="0" dirty="0">
+              <a:ln>
+                <a:noFill/>
+              </a:ln>
+              <a:solidFill>
+                <a:prstClr val="white"/>
+              </a:solidFill>
+              <a:effectLst/>
+              <a:uLnTx/>
+              <a:uFillTx/>
+              <a:latin typeface="Calibri" panose="020F0502020204030204"/>
+              <a:ea typeface="+mn-ea"/>
+              <a:cs typeface="+mn-cs"/>
+            </a:endParaRPr>
+          </a:p>
+        </p:txBody>
+      </p:sp>
+      <p:sp>
+        <p:nvSpPr>
+          <p:cNvPr id="2" name="Title 1">
+            <a:extLst>
+              <a:ext uri="{FF2B5EF4-FFF2-40B4-BE49-F238E27FC236}">
+                <a16:creationId xmlns:a16="http://schemas.microsoft.com/office/drawing/2014/main" id="{82CF4B60-062A-25CD-E448-6C8255EEF9CC}"/>
+              </a:ext>
+            </a:extLst>
+          </p:cNvPr>
+          <p:cNvSpPr>
+            <a:spLocks noGrp="1"/>
+          </p:cNvSpPr>
+          <p:nvPr>
+            <p:ph type="title"/>
+          </p:nvPr>
+        </p:nvSpPr>
+        <p:spPr>
+          <a:xfrm>
+            <a:off x="1115568" y="548640"/>
+            <a:ext cx="10168128" cy="1179576"/>
+          </a:xfrm>
+        </p:spPr>
+        <p:txBody>
+          <a:bodyPr>
+            <a:normAutofit/>
+          </a:bodyPr>
+          <a:lstStyle/>
+          <a:p>
+            <a:r>
+              <a:rPr lang="en-US" sz="4000" dirty="0"/>
+              <a:t>Sponsors</a:t>
+            </a:r>
+          </a:p>
+        </p:txBody>
+      </p:sp>
+      <p:sp>
+        <p:nvSpPr>
+          <p:cNvPr id="14" name="Rectangle 13">
+            <a:extLst>
+              <a:ext uri="{FF2B5EF4-FFF2-40B4-BE49-F238E27FC236}">
+                <a16:creationId xmlns:a16="http://schemas.microsoft.com/office/drawing/2014/main" id="{074B4F7D-14B2-478B-8BF5-01E4E0C5D263}"/>
+              </a:ext>
+              <a:ext uri="{C183D7F6-B498-43B3-948B-1728B52AA6E4}">
+                <adec:decorative xmlns:adec="http://schemas.microsoft.com/office/drawing/2017/decorative" val="1"/>
+              </a:ext>
+            </a:extLst>
+          </p:cNvPr>
+          <p:cNvSpPr>
+            <a:spLocks noGrp="1" noRot="1" noChangeAspect="1" noMove="1" noResize="1" noEditPoints="1" noAdjustHandles="1" noChangeArrowheads="1" noChangeShapeType="1" noTextEdit="1"/>
+          </p:cNvSpPr>
+          <p:nvPr>
+            <p:extLst>
+              <p:ext uri="{386F3935-93C4-4BCD-93E2-E3B085C9AB24}">
+                <p16:designElem xmlns:p16="http://schemas.microsoft.com/office/powerpoint/2015/main" val="1"/>
+              </p:ext>
+            </p:extLst>
+          </p:nvPr>
+        </p:nvSpPr>
+        <p:spPr>
+          <a:xfrm>
+            <a:off x="498834" y="758952"/>
+            <a:ext cx="128016" cy="704088"/>
+          </a:xfrm>
+          <a:prstGeom prst="rect">
+            <a:avLst/>
+          </a:prstGeom>
+          <a:solidFill>
+            <a:schemeClr val="accent2"/>
+          </a:solidFill>
+          <a:ln>
+            <a:noFill/>
+          </a:ln>
+        </p:spPr>
+        <p:style>
+          <a:lnRef idx="2">
+            <a:schemeClr val="accent1">
+              <a:shade val="50000"/>
+            </a:schemeClr>
+          </a:lnRef>
+          <a:fillRef idx="1">
+            <a:schemeClr val="accent1"/>
+          </a:fillRef>
+          <a:effectRef idx="0">
+            <a:schemeClr val="accent1"/>
+          </a:effectRef>
+          <a:fontRef idx="minor">
+            <a:schemeClr val="lt1"/>
+          </a:fontRef>
+        </p:style>
+        <p:txBody>
+          <a:bodyPr rtlCol="0" anchor="ctr"/>
+          <a:lstStyle/>
+          <a:p>
+            <a:pPr algn="ctr"/>
+            <a:endParaRPr lang="en-US" dirty="0">
+              <a:solidFill>
+                <a:prstClr val="white"/>
+              </a:solidFill>
+              <a:latin typeface="Calibri" panose="020F0502020204030204"/>
+            </a:endParaRPr>
+          </a:p>
+        </p:txBody>
+      </p:sp>
+      <p:sp>
+        <p:nvSpPr>
+          <p:cNvPr id="3" name="Content Placeholder 2">
+            <a:extLst>
+              <a:ext uri="{FF2B5EF4-FFF2-40B4-BE49-F238E27FC236}">
+                <a16:creationId xmlns:a16="http://schemas.microsoft.com/office/drawing/2014/main" id="{E43BD06B-906D-5C9C-E517-52B27F705E94}"/>
+              </a:ext>
+            </a:extLst>
+          </p:cNvPr>
+          <p:cNvSpPr>
+            <a:spLocks noGrp="1"/>
+          </p:cNvSpPr>
+          <p:nvPr>
+            <p:ph idx="1"/>
+          </p:nvPr>
+        </p:nvSpPr>
+        <p:spPr>
+          <a:xfrm>
+            <a:off x="1115568" y="2481943"/>
+            <a:ext cx="10168128" cy="3695020"/>
+          </a:xfrm>
+        </p:spPr>
+        <p:txBody>
+          <a:bodyPr>
+            <a:normAutofit/>
+          </a:bodyPr>
+          <a:lstStyle/>
+          <a:p>
+            <a:pPr marL="457200" indent="-457200">
+              <a:buFont typeface="+mj-lt"/>
+              <a:buAutoNum type="arabicPeriod"/>
+            </a:pPr>
+            <a:endParaRPr lang="en-US" sz="2200" dirty="0"/>
+          </a:p>
+          <a:p>
+            <a:pPr marL="457200" indent="-457200">
+              <a:buFont typeface="+mj-lt"/>
+              <a:buAutoNum type="arabicPeriod"/>
+            </a:pPr>
+            <a:endParaRPr lang="en-US" sz="2200" dirty="0"/>
+          </a:p>
+          <a:p>
+            <a:pPr marL="457200" indent="-457200">
+              <a:buFont typeface="+mj-lt"/>
+              <a:buAutoNum type="arabicPeriod"/>
+            </a:pPr>
+            <a:endParaRPr lang="en-US" sz="2200" dirty="0"/>
+          </a:p>
+        </p:txBody>
+      </p:sp>
+    </p:spTree>
+    <p:extLst>
+      <p:ext uri="{BB962C8B-B14F-4D97-AF65-F5344CB8AC3E}">
+        <p14:creationId xmlns:p14="http://schemas.microsoft.com/office/powerpoint/2010/main" val="1316702418"/>
+      </p:ext>
+    </p:extLst>
+  </p:cSld>
+  <p:clrMapOvr>
+    <a:masterClrMapping/>
+  </p:clrMapOvr>
+  <p:timing>
+    <p:tnLst>
+      <p:par>
+        <p:cTn id="1" dur="indefinite" restart="never" nodeType="tmRoot">
+          <p:childTnLst>
+            <p:seq concurrent="1" nextAc="seek">
+              <p:cTn id="2" dur="indefinite" nodeType="mainSeq">
+                <p:childTnLst>
+                  <p:par>
+                    <p:cTn id="3" fill="hold">
+                      <p:stCondLst>
+                        <p:cond delay="indefinite"/>
+                      </p:stCondLst>
+                      <p:childTnLst>
+                        <p:par>
+                          <p:cTn id="4" fill="hold">
+                            <p:stCondLst>
+                              <p:cond delay="0"/>
+                            </p:stCondLst>
+                            <p:childTnLst>
+                              <p:par>
+                                <p:cTn id="5" presetID="8" presetClass="emph" presetSubtype="0" fill="hold" grpId="0" nodeType="clickEffect">
+                                  <p:stCondLst>
+                                    <p:cond delay="0"/>
+                                  </p:stCondLst>
+                                  <p:childTnLst>
+                                    <p:animRot by="21600000">
+                                      <p:cBhvr>
+                                        <p:cTn id="6" dur="2000" fill="hold"/>
+                                        <p:tgtEl>
+                                          <p:spTgt spid="14"/>
+                                        </p:tgtEl>
+                                        <p:attrNameLst>
+                                          <p:attrName>r</p:attrName>
+                                        </p:attrNameLst>
+                                      </p:cBhvr>
+                                    </p:animRot>
+                                  </p:childTnLst>
+                                </p:cTn>
+                              </p:par>
+                            </p:childTnLst>
+                          </p:cTn>
+                        </p:par>
+                      </p:childTnLst>
+                    </p:cTn>
+                  </p:par>
+                </p:childTnLst>
+              </p:cTn>
+              <p:prevCondLst>
+                <p:cond evt="onPrev" delay="0">
+                  <p:tgtEl>
+                    <p:sldTgt/>
+                  </p:tgtEl>
+                </p:cond>
+              </p:prevCondLst>
+              <p:nextCondLst>
+                <p:cond evt="onNext" delay="0">
+                  <p:tgtEl>
+                    <p:sldTgt/>
+                  </p:tgtEl>
+                </p:cond>
+              </p:nextCondLst>
+            </p:seq>
+          </p:childTnLst>
+        </p:cTn>
+      </p:par>
+    </p:tnLst>
+    <p:bldLst>
+      <p:bldP spid="14" grpId="0" animBg="1"/>
+    </p:bldLst>
+  </p:timing>
+</p:sld>
+</file>
+
+<file path=ppt/slides/slide17.xml><?xml version="1.0" encoding="utf-8"?>
+<p:sld xmlns:a="http://schemas.openxmlformats.org/drawingml/2006/main" xmlns:r="http://schemas.openxmlformats.org/officeDocument/2006/relationships" xmlns:p="http://schemas.openxmlformats.org/presentationml/2006/main">
+  <p:cSld>
+    <p:bg>
+      <p:bgPr>
+        <a:solidFill>
+          <a:schemeClr val="bg1"/>
+        </a:solidFill>
+        <a:effectLst/>
+      </p:bgPr>
+    </p:bg>
+    <p:spTree>
+      <p:nvGrpSpPr>
+        <p:cNvPr id="1" name=""/>
+        <p:cNvGrpSpPr/>
+        <p:nvPr/>
+      </p:nvGrpSpPr>
+      <p:grpSpPr>
+        <a:xfrm>
+          <a:off x="0" y="0"/>
+          <a:ext cx="0" cy="0"/>
+          <a:chOff x="0" y="0"/>
+          <a:chExt cx="0" cy="0"/>
+        </a:xfrm>
+      </p:grpSpPr>
+      <p:sp useBgFill="1">
+        <p:nvSpPr>
+          <p:cNvPr id="8" name="Rectangle 7">
+            <a:extLst>
+              <a:ext uri="{FF2B5EF4-FFF2-40B4-BE49-F238E27FC236}">
+                <a16:creationId xmlns:a16="http://schemas.microsoft.com/office/drawing/2014/main" id="{DAF1966E-FD40-4A4A-B61B-C4DF7FA05F06}"/>
+              </a:ext>
+              <a:ext uri="{C183D7F6-B498-43B3-948B-1728B52AA6E4}">
+                <adec:decorative xmlns:adec="http://schemas.microsoft.com/office/drawing/2017/decorative" val="1"/>
+              </a:ext>
+            </a:extLst>
+          </p:cNvPr>
+          <p:cNvSpPr>
+            <a:spLocks noGrp="1" noRot="1" noChangeAspect="1" noMove="1" noResize="1" noEditPoints="1" noAdjustHandles="1" noChangeArrowheads="1" noChangeShapeType="1" noTextEdit="1"/>
+          </p:cNvSpPr>
+          <p:nvPr>
+            <p:extLst>
+              <p:ext uri="{386F3935-93C4-4BCD-93E2-E3B085C9AB24}">
+                <p16:designElem xmlns:p16="http://schemas.microsoft.com/office/powerpoint/2015/main" val="1"/>
+              </p:ext>
+            </p:extLst>
+          </p:nvPr>
+        </p:nvSpPr>
+        <p:spPr>
+          <a:xfrm>
+            <a:off x="0" y="0"/>
+            <a:ext cx="12192000" cy="6858000"/>
+          </a:xfrm>
+          <a:prstGeom prst="rect">
+            <a:avLst/>
+          </a:prstGeom>
+          <a:ln>
+            <a:noFill/>
+          </a:ln>
+        </p:spPr>
+        <p:style>
+          <a:lnRef idx="2">
+            <a:schemeClr val="accent1">
+              <a:shade val="50000"/>
+            </a:schemeClr>
+          </a:lnRef>
+          <a:fillRef idx="1">
+            <a:schemeClr val="accent1"/>
+          </a:fillRef>
+          <a:effectRef idx="0">
+            <a:schemeClr val="accent1"/>
+          </a:effectRef>
+          <a:fontRef idx="minor">
+            <a:schemeClr val="lt1"/>
+          </a:fontRef>
+        </p:style>
+        <p:txBody>
+          <a:bodyPr rtlCol="0" anchor="ctr"/>
+          <a:lstStyle/>
+          <a:p>
+            <a:pPr algn="ctr"/>
+            <a:endParaRPr lang="en-US" dirty="0"/>
+          </a:p>
+        </p:txBody>
+      </p:sp>
+      <p:sp useBgFill="1">
+        <p:nvSpPr>
+          <p:cNvPr id="10" name="Rectangle 9">
+            <a:extLst>
+              <a:ext uri="{FF2B5EF4-FFF2-40B4-BE49-F238E27FC236}">
+                <a16:creationId xmlns:a16="http://schemas.microsoft.com/office/drawing/2014/main" id="{047BFA19-D45E-416B-A404-7AF2F3F27017}"/>
+              </a:ext>
+              <a:ext uri="{C183D7F6-B498-43B3-948B-1728B52AA6E4}">
+                <adec:decorative xmlns:adec="http://schemas.microsoft.com/office/drawing/2017/decorative" val="1"/>
+              </a:ext>
+            </a:extLst>
+          </p:cNvPr>
+          <p:cNvSpPr>
+            <a:spLocks noGrp="1" noRot="1" noChangeAspect="1" noMove="1" noResize="1" noEditPoints="1" noAdjustHandles="1" noChangeArrowheads="1" noChangeShapeType="1" noTextEdit="1"/>
+          </p:cNvSpPr>
+          <p:nvPr>
+            <p:extLst>
+              <p:ext uri="{386F3935-93C4-4BCD-93E2-E3B085C9AB24}">
+                <p16:designElem xmlns:p16="http://schemas.microsoft.com/office/powerpoint/2015/main" val="1"/>
+              </p:ext>
+            </p:extLst>
+          </p:nvPr>
+        </p:nvSpPr>
+        <p:spPr>
+          <a:xfrm>
+            <a:off x="558209" y="0"/>
+            <a:ext cx="11167447" cy="2018806"/>
+          </a:xfrm>
+          <a:prstGeom prst="rect">
+            <a:avLst/>
+          </a:prstGeom>
+          <a:ln w="9525">
+            <a:solidFill>
+              <a:srgbClr val="E1E1E1"/>
+            </a:solidFill>
+          </a:ln>
+          <a:effectLst>
+            <a:outerShdw blurRad="50800" dist="38100" dir="2700000" algn="tl" rotWithShape="0">
+              <a:schemeClr val="bg1">
+                <a:lumMod val="85000"/>
+                <a:alpha val="50000"/>
+              </a:schemeClr>
+            </a:outerShdw>
+          </a:effectLst>
+        </p:spPr>
+        <p:style>
+          <a:lnRef idx="2">
+            <a:schemeClr val="accent1">
+              <a:shade val="50000"/>
+            </a:schemeClr>
+          </a:lnRef>
+          <a:fillRef idx="1">
+            <a:schemeClr val="accent1"/>
+          </a:fillRef>
+          <a:effectRef idx="0">
+            <a:schemeClr val="accent1"/>
+          </a:effectRef>
+          <a:fontRef idx="minor">
+            <a:schemeClr val="lt1"/>
+          </a:fontRef>
+        </p:style>
+        <p:txBody>
+          <a:bodyPr rtlCol="0" anchor="ctr"/>
+          <a:lstStyle/>
+          <a:p>
+            <a:pPr marL="0" marR="0" lvl="0" indent="0" algn="ctr" defTabSz="914400" rtl="0" eaLnBrk="1" fontAlgn="auto" latinLnBrk="0" hangingPunct="1">
+              <a:lnSpc>
+                <a:spcPct val="100000"/>
+              </a:lnSpc>
+              <a:spcBef>
+                <a:spcPts val="0"/>
+              </a:spcBef>
+              <a:spcAft>
+                <a:spcPts val="0"/>
+              </a:spcAft>
+              <a:buClrTx/>
+              <a:buSzTx/>
+              <a:buFontTx/>
+              <a:buNone/>
+              <a:tabLst/>
+              <a:defRPr/>
+            </a:pPr>
+            <a:endParaRPr kumimoji="0" lang="en-US" sz="1800" b="0" i="0" u="none" strike="noStrike" kern="1200" cap="none" spc="0" normalizeH="0" baseline="0" noProof="0" dirty="0">
+              <a:ln>
+                <a:noFill/>
+              </a:ln>
+              <a:solidFill>
+                <a:prstClr val="white"/>
+              </a:solidFill>
+              <a:effectLst/>
+              <a:uLnTx/>
+              <a:uFillTx/>
+              <a:latin typeface="Calibri" panose="020F0502020204030204"/>
+              <a:ea typeface="+mn-ea"/>
+              <a:cs typeface="+mn-cs"/>
+            </a:endParaRPr>
+          </a:p>
+        </p:txBody>
+      </p:sp>
+      <p:sp useBgFill="1">
+        <p:nvSpPr>
+          <p:cNvPr id="12" name="Rectangle 11">
+            <a:extLst>
+              <a:ext uri="{FF2B5EF4-FFF2-40B4-BE49-F238E27FC236}">
+                <a16:creationId xmlns:a16="http://schemas.microsoft.com/office/drawing/2014/main" id="{8E0105E7-23DB-4CF2-8258-FF47C7620F6E}"/>
+              </a:ext>
+              <a:ext uri="{C183D7F6-B498-43B3-948B-1728B52AA6E4}">
+                <adec:decorative xmlns:adec="http://schemas.microsoft.com/office/drawing/2017/decorative" val="1"/>
+              </a:ext>
+            </a:extLst>
+          </p:cNvPr>
+          <p:cNvSpPr>
+            <a:spLocks noGrp="1" noRot="1" noChangeAspect="1" noMove="1" noResize="1" noEditPoints="1" noAdjustHandles="1" noChangeArrowheads="1" noChangeShapeType="1" noTextEdit="1"/>
+          </p:cNvSpPr>
+          <p:nvPr>
+            <p:extLst>
+              <p:ext uri="{386F3935-93C4-4BCD-93E2-E3B085C9AB24}">
+                <p16:designElem xmlns:p16="http://schemas.microsoft.com/office/powerpoint/2015/main" val="1"/>
+              </p:ext>
+            </p:extLst>
+          </p:nvPr>
+        </p:nvSpPr>
+        <p:spPr>
+          <a:xfrm>
+            <a:off x="566928" y="0"/>
+            <a:ext cx="11155680" cy="2011680"/>
+          </a:xfrm>
+          <a:prstGeom prst="rect">
+            <a:avLst/>
+          </a:prstGeom>
+          <a:ln w="9525">
+            <a:noFill/>
+          </a:ln>
+          <a:effectLst/>
+        </p:spPr>
+        <p:style>
+          <a:lnRef idx="2">
+            <a:schemeClr val="accent1">
+              <a:shade val="50000"/>
+            </a:schemeClr>
+          </a:lnRef>
+          <a:fillRef idx="1">
+            <a:schemeClr val="accent1"/>
+          </a:fillRef>
+          <a:effectRef idx="0">
+            <a:schemeClr val="accent1"/>
+          </a:effectRef>
+          <a:fontRef idx="minor">
+            <a:schemeClr val="lt1"/>
+          </a:fontRef>
+        </p:style>
+        <p:txBody>
+          <a:bodyPr rtlCol="0" anchor="ctr"/>
+          <a:lstStyle/>
+          <a:p>
+            <a:pPr marL="0" marR="0" lvl="0" indent="0" algn="ctr" defTabSz="914400" rtl="0" eaLnBrk="1" fontAlgn="auto" latinLnBrk="0" hangingPunct="1">
+              <a:lnSpc>
+                <a:spcPct val="100000"/>
+              </a:lnSpc>
+              <a:spcBef>
+                <a:spcPts val="0"/>
+              </a:spcBef>
+              <a:spcAft>
+                <a:spcPts val="0"/>
+              </a:spcAft>
+              <a:buClrTx/>
+              <a:buSzTx/>
+              <a:buFontTx/>
+              <a:buNone/>
+              <a:tabLst/>
+              <a:defRPr/>
+            </a:pPr>
+            <a:endParaRPr kumimoji="0" lang="en-US" sz="1800" b="0" i="0" u="none" strike="noStrike" kern="1200" cap="none" spc="0" normalizeH="0" baseline="0" noProof="0" dirty="0">
+              <a:ln>
+                <a:noFill/>
+              </a:ln>
+              <a:solidFill>
+                <a:prstClr val="white"/>
+              </a:solidFill>
+              <a:effectLst/>
+              <a:uLnTx/>
+              <a:uFillTx/>
+              <a:latin typeface="Calibri" panose="020F0502020204030204"/>
+              <a:ea typeface="+mn-ea"/>
+              <a:cs typeface="+mn-cs"/>
+            </a:endParaRPr>
+          </a:p>
+        </p:txBody>
+      </p:sp>
+      <p:sp>
+        <p:nvSpPr>
+          <p:cNvPr id="2" name="Title 1">
+            <a:extLst>
+              <a:ext uri="{FF2B5EF4-FFF2-40B4-BE49-F238E27FC236}">
+                <a16:creationId xmlns:a16="http://schemas.microsoft.com/office/drawing/2014/main" id="{82CF4B60-062A-25CD-E448-6C8255EEF9CC}"/>
+              </a:ext>
+            </a:extLst>
+          </p:cNvPr>
+          <p:cNvSpPr>
+            <a:spLocks noGrp="1"/>
+          </p:cNvSpPr>
+          <p:nvPr>
+            <p:ph type="title"/>
+          </p:nvPr>
+        </p:nvSpPr>
+        <p:spPr>
+          <a:xfrm>
+            <a:off x="1115568" y="548640"/>
+            <a:ext cx="10168128" cy="1179576"/>
+          </a:xfrm>
+        </p:spPr>
+        <p:txBody>
+          <a:bodyPr>
+            <a:normAutofit/>
+          </a:bodyPr>
+          <a:lstStyle/>
+          <a:p>
+            <a:r>
+              <a:rPr lang="en-US" sz="4800" dirty="0"/>
+              <a:t>Thank You</a:t>
+            </a:r>
+          </a:p>
+        </p:txBody>
+      </p:sp>
+      <p:sp>
+        <p:nvSpPr>
+          <p:cNvPr id="14" name="Rectangle 13">
+            <a:extLst>
+              <a:ext uri="{FF2B5EF4-FFF2-40B4-BE49-F238E27FC236}">
+                <a16:creationId xmlns:a16="http://schemas.microsoft.com/office/drawing/2014/main" id="{074B4F7D-14B2-478B-8BF5-01E4E0C5D263}"/>
+              </a:ext>
+              <a:ext uri="{C183D7F6-B498-43B3-948B-1728B52AA6E4}">
+                <adec:decorative xmlns:adec="http://schemas.microsoft.com/office/drawing/2017/decorative" val="1"/>
+              </a:ext>
+            </a:extLst>
+          </p:cNvPr>
+          <p:cNvSpPr>
+            <a:spLocks noGrp="1" noRot="1" noChangeAspect="1" noMove="1" noResize="1" noEditPoints="1" noAdjustHandles="1" noChangeArrowheads="1" noChangeShapeType="1" noTextEdit="1"/>
+          </p:cNvSpPr>
+          <p:nvPr>
+            <p:extLst>
+              <p:ext uri="{386F3935-93C4-4BCD-93E2-E3B085C9AB24}">
+                <p16:designElem xmlns:p16="http://schemas.microsoft.com/office/powerpoint/2015/main" val="1"/>
+              </p:ext>
+            </p:extLst>
+          </p:nvPr>
+        </p:nvSpPr>
+        <p:spPr>
+          <a:xfrm>
+            <a:off x="498834" y="758952"/>
+            <a:ext cx="128016" cy="704088"/>
+          </a:xfrm>
+          <a:prstGeom prst="rect">
+            <a:avLst/>
+          </a:prstGeom>
+          <a:solidFill>
+            <a:schemeClr val="accent2"/>
+          </a:solidFill>
+          <a:ln>
+            <a:noFill/>
+          </a:ln>
+        </p:spPr>
+        <p:style>
+          <a:lnRef idx="2">
+            <a:schemeClr val="accent1">
+              <a:shade val="50000"/>
+            </a:schemeClr>
+          </a:lnRef>
+          <a:fillRef idx="1">
+            <a:schemeClr val="accent1"/>
+          </a:fillRef>
+          <a:effectRef idx="0">
+            <a:schemeClr val="accent1"/>
+          </a:effectRef>
+          <a:fontRef idx="minor">
+            <a:schemeClr val="lt1"/>
+          </a:fontRef>
+        </p:style>
+        <p:txBody>
+          <a:bodyPr rtlCol="0" anchor="ctr"/>
+          <a:lstStyle/>
+          <a:p>
+            <a:pPr algn="ctr"/>
+            <a:endParaRPr lang="en-US" dirty="0">
+              <a:solidFill>
+                <a:prstClr val="white"/>
+              </a:solidFill>
+              <a:latin typeface="Calibri" panose="020F0502020204030204"/>
+            </a:endParaRPr>
+          </a:p>
+        </p:txBody>
+      </p:sp>
+      <p:sp>
+        <p:nvSpPr>
+          <p:cNvPr id="3" name="Content Placeholder 2">
+            <a:extLst>
+              <a:ext uri="{FF2B5EF4-FFF2-40B4-BE49-F238E27FC236}">
+                <a16:creationId xmlns:a16="http://schemas.microsoft.com/office/drawing/2014/main" id="{E43BD06B-906D-5C9C-E517-52B27F705E94}"/>
+              </a:ext>
+            </a:extLst>
+          </p:cNvPr>
+          <p:cNvSpPr>
+            <a:spLocks noGrp="1"/>
+          </p:cNvSpPr>
+          <p:nvPr>
+            <p:ph idx="1"/>
+          </p:nvPr>
+        </p:nvSpPr>
+        <p:spPr>
+          <a:xfrm>
+            <a:off x="1992884" y="2560320"/>
+            <a:ext cx="8206232" cy="3695020"/>
+          </a:xfrm>
+        </p:spPr>
+        <p:txBody>
+          <a:bodyPr>
+            <a:normAutofit/>
+          </a:bodyPr>
+          <a:lstStyle/>
+          <a:p>
+            <a:pPr marL="0" indent="0">
+              <a:buNone/>
+            </a:pPr>
+            <a:r>
+              <a:rPr lang="en-US" dirty="0"/>
+              <a:t>All resources can be found at:</a:t>
+            </a:r>
+          </a:p>
+          <a:p>
+            <a:pPr marL="0" indent="0">
+              <a:buNone/>
+            </a:pPr>
+            <a:r>
+              <a:rPr lang="en-US" dirty="0"/>
+              <a:t>https://github.com/kevmoens/ThatConference2023</a:t>
+            </a:r>
+          </a:p>
+          <a:p>
+            <a:pPr marL="0" indent="0">
+              <a:buNone/>
+            </a:pPr>
+            <a:endParaRPr lang="en-US" dirty="0"/>
+          </a:p>
+        </p:txBody>
+      </p:sp>
+    </p:spTree>
+    <p:extLst>
+      <p:ext uri="{BB962C8B-B14F-4D97-AF65-F5344CB8AC3E}">
+        <p14:creationId xmlns:p14="http://schemas.microsoft.com/office/powerpoint/2010/main" val="1252023632"/>
+      </p:ext>
+    </p:extLst>
+  </p:cSld>
+  <p:clrMapOvr>
+    <a:masterClrMapping/>
   </p:clrMapOvr>
 </p:sld>
 </file>
@@ -6164,7 +12582,10 @@
           </a:bodyPr>
           <a:lstStyle/>
           <a:p>
-            <a:endParaRPr lang="en-US" sz="4000" dirty="0"/>
+            <a:r>
+              <a:rPr lang="en-US" sz="4000" dirty="0"/>
+              <a:t>Sponsors</a:t>
+            </a:r>
           </a:p>
         </p:txBody>
       </p:sp>
@@ -6400,7 +12821,7 @@
           <p:cNvPr id="8" name="Rectangle 7">
             <a:extLst>
               <a:ext uri="{FF2B5EF4-FFF2-40B4-BE49-F238E27FC236}">
-                <a16:creationId xmlns:a16="http://schemas.microsoft.com/office/drawing/2014/main" id="{DAF1966E-FD40-4A4A-B61B-C4DF7FA05F06}"/>
+                <a16:creationId xmlns:a16="http://schemas.microsoft.com/office/drawing/2014/main" id="{907EF6B7-1338-4443-8C46-6A318D952DFD}"/>
               </a:ext>
               <a:ext uri="{C183D7F6-B498-43B3-948B-1728B52AA6E4}">
                 <adec:decorative xmlns:adec="http://schemas.microsoft.com/office/drawing/2017/decorative" val="1"/>
@@ -6420,8 +12841,8 @@
         </p:nvSpPr>
         <p:spPr>
           <a:xfrm>
-            <a:off x="0" y="0"/>
-            <a:ext cx="12192000" cy="6858000"/>
+            <a:off x="3048" y="0"/>
+            <a:ext cx="12188952" cy="6858000"/>
           </a:xfrm>
           <a:prstGeom prst="rect">
             <a:avLst/>
@@ -6455,12 +12876,12 @@
           </a:p>
         </p:txBody>
       </p:sp>
-      <p:sp useBgFill="1">
-        <p:nvSpPr>
-          <p:cNvPr id="10" name="Rectangle 9">
+      <p:sp>
+        <p:nvSpPr>
+          <p:cNvPr id="10" name="Freeform: Shape 9">
             <a:extLst>
               <a:ext uri="{FF2B5EF4-FFF2-40B4-BE49-F238E27FC236}">
-                <a16:creationId xmlns:a16="http://schemas.microsoft.com/office/drawing/2014/main" id="{047BFA19-D45E-416B-A404-7AF2F3F27017}"/>
+                <a16:creationId xmlns:a16="http://schemas.microsoft.com/office/drawing/2014/main" id="{DAAE4CDD-124C-4DCF-9584-B6033B545DD5}"/>
               </a:ext>
               <a:ext uri="{C183D7F6-B498-43B3-948B-1728B52AA6E4}">
                 <adec:decorative xmlns:adec="http://schemas.microsoft.com/office/drawing/2017/decorative" val="1"/>
@@ -6468,7 +12889,7 @@
             </a:extLst>
           </p:cNvPr>
           <p:cNvSpPr>
-            <a:spLocks noGrp="1" noRot="1" noChangeAspect="1" noMove="1" noResize="1" noEditPoints="1" noAdjustHandles="1" noChangeArrowheads="1" noChangeShapeType="1" noTextEdit="1"/>
+            <a:spLocks noChangeAspect="1"/>
           </p:cNvSpPr>
           <p:nvPr>
             <p:extLst>
@@ -6480,86 +12901,615 @@
         </p:nvSpPr>
         <p:spPr>
           <a:xfrm>
-            <a:off x="558209" y="0"/>
-            <a:ext cx="11167447" cy="2018806"/>
+            <a:off x="1" y="0"/>
+            <a:ext cx="4167271" cy="6858000"/>
           </a:xfrm>
-          <a:prstGeom prst="rect">
+          <a:custGeom>
+            <a:avLst/>
+            <a:gdLst>
+              <a:gd name="connsiteX0" fmla="*/ 0 w 4167271"/>
+              <a:gd name="connsiteY0" fmla="*/ 0 h 6858000"/>
+              <a:gd name="connsiteX1" fmla="*/ 2259550 w 4167271"/>
+              <a:gd name="connsiteY1" fmla="*/ 0 h 6858000"/>
+              <a:gd name="connsiteX2" fmla="*/ 2387803 w 4167271"/>
+              <a:gd name="connsiteY2" fmla="*/ 82222 h 6858000"/>
+              <a:gd name="connsiteX3" fmla="*/ 4167271 w 4167271"/>
+              <a:gd name="connsiteY3" fmla="*/ 3429000 h 6858000"/>
+              <a:gd name="connsiteX4" fmla="*/ 2387803 w 4167271"/>
+              <a:gd name="connsiteY4" fmla="*/ 6775779 h 6858000"/>
+              <a:gd name="connsiteX5" fmla="*/ 2259550 w 4167271"/>
+              <a:gd name="connsiteY5" fmla="*/ 6858000 h 6858000"/>
+              <a:gd name="connsiteX6" fmla="*/ 0 w 4167271"/>
+              <a:gd name="connsiteY6" fmla="*/ 6858000 h 6858000"/>
+            </a:gdLst>
+            <a:ahLst/>
+            <a:cxnLst>
+              <a:cxn ang="0">
+                <a:pos x="connsiteX0" y="connsiteY0"/>
+              </a:cxn>
+              <a:cxn ang="0">
+                <a:pos x="connsiteX1" y="connsiteY1"/>
+              </a:cxn>
+              <a:cxn ang="0">
+                <a:pos x="connsiteX2" y="connsiteY2"/>
+              </a:cxn>
+              <a:cxn ang="0">
+                <a:pos x="connsiteX3" y="connsiteY3"/>
+              </a:cxn>
+              <a:cxn ang="0">
+                <a:pos x="connsiteX4" y="connsiteY4"/>
+              </a:cxn>
+              <a:cxn ang="0">
+                <a:pos x="connsiteX5" y="connsiteY5"/>
+              </a:cxn>
+              <a:cxn ang="0">
+                <a:pos x="connsiteX6" y="connsiteY6"/>
+              </a:cxn>
+            </a:cxnLst>
+            <a:rect l="l" t="t" r="r" b="b"/>
+            <a:pathLst>
+              <a:path w="4167271" h="6858000">
+                <a:moveTo>
+                  <a:pt x="0" y="0"/>
+                </a:moveTo>
+                <a:lnTo>
+                  <a:pt x="2259550" y="0"/>
+                </a:lnTo>
+                <a:lnTo>
+                  <a:pt x="2387803" y="82222"/>
+                </a:lnTo>
+                <a:cubicBezTo>
+                  <a:pt x="3461407" y="807534"/>
+                  <a:pt x="4167271" y="2035835"/>
+                  <a:pt x="4167271" y="3429000"/>
+                </a:cubicBezTo>
+                <a:cubicBezTo>
+                  <a:pt x="4167271" y="4822165"/>
+                  <a:pt x="3461407" y="6050467"/>
+                  <a:pt x="2387803" y="6775779"/>
+                </a:cubicBezTo>
+                <a:lnTo>
+                  <a:pt x="2259550" y="6858000"/>
+                </a:lnTo>
+                <a:lnTo>
+                  <a:pt x="0" y="6858000"/>
+                </a:lnTo>
+                <a:close/>
+              </a:path>
+            </a:pathLst>
+          </a:custGeom>
+          <a:gradFill flip="none" rotWithShape="1">
+            <a:gsLst>
+              <a:gs pos="0">
+                <a:schemeClr val="accent2">
+                  <a:lumMod val="67000"/>
+                </a:schemeClr>
+              </a:gs>
+              <a:gs pos="48000">
+                <a:schemeClr val="accent2">
+                  <a:lumMod val="97000"/>
+                  <a:lumOff val="3000"/>
+                </a:schemeClr>
+              </a:gs>
+              <a:gs pos="100000">
+                <a:schemeClr val="accent2">
+                  <a:lumMod val="60000"/>
+                  <a:lumOff val="40000"/>
+                </a:schemeClr>
+              </a:gs>
+            </a:gsLst>
+            <a:lin ang="16200000" scaled="1"/>
+            <a:tileRect/>
+          </a:gradFill>
+          <a:ln>
+            <a:noFill/>
+          </a:ln>
+        </p:spPr>
+        <p:style>
+          <a:lnRef idx="0">
+            <a:scrgbClr r="0" g="0" b="0"/>
+          </a:lnRef>
+          <a:fillRef idx="0">
+            <a:scrgbClr r="0" g="0" b="0"/>
+          </a:fillRef>
+          <a:effectRef idx="0">
+            <a:scrgbClr r="0" g="0" b="0"/>
+          </a:effectRef>
+          <a:fontRef idx="minor">
+            <a:schemeClr val="lt1"/>
+          </a:fontRef>
+        </p:style>
+        <p:txBody>
+          <a:bodyPr rtlCol="0" anchor="ctr"/>
+          <a:lstStyle/>
+          <a:p>
+            <a:pPr algn="ctr"/>
+            <a:endParaRPr lang="en-US" dirty="0"/>
+          </a:p>
+        </p:txBody>
+      </p:sp>
+      <p:sp>
+        <p:nvSpPr>
+          <p:cNvPr id="2" name="Title 1">
+            <a:extLst>
+              <a:ext uri="{FF2B5EF4-FFF2-40B4-BE49-F238E27FC236}">
+                <a16:creationId xmlns:a16="http://schemas.microsoft.com/office/drawing/2014/main" id="{604CD088-9924-FDF8-32EA-64AD14C5DE41}"/>
+              </a:ext>
+            </a:extLst>
+          </p:cNvPr>
+          <p:cNvSpPr>
+            <a:spLocks noGrp="1"/>
+          </p:cNvSpPr>
+          <p:nvPr>
+            <p:ph type="title"/>
+          </p:nvPr>
+        </p:nvSpPr>
+        <p:spPr>
+          <a:xfrm>
+            <a:off x="686834" y="1153572"/>
+            <a:ext cx="3200400" cy="4461163"/>
+          </a:xfrm>
+        </p:spPr>
+        <p:txBody>
+          <a:bodyPr>
+            <a:normAutofit/>
+          </a:bodyPr>
+          <a:lstStyle/>
+          <a:p>
+            <a:r>
+              <a:rPr lang="en-US" dirty="0">
+                <a:solidFill>
+                  <a:srgbClr val="FFFFFF"/>
+                </a:solidFill>
+              </a:rPr>
+              <a:t>Background</a:t>
+            </a:r>
+          </a:p>
+        </p:txBody>
+      </p:sp>
+      <p:sp>
+        <p:nvSpPr>
+          <p:cNvPr id="12" name="Arc 11">
+            <a:extLst>
+              <a:ext uri="{FF2B5EF4-FFF2-40B4-BE49-F238E27FC236}">
+                <a16:creationId xmlns:a16="http://schemas.microsoft.com/office/drawing/2014/main" id="{081E4A58-353D-44AE-B2FC-2A74E2E400F7}"/>
+              </a:ext>
+              <a:ext uri="{C183D7F6-B498-43B3-948B-1728B52AA6E4}">
+                <adec:decorative xmlns:adec="http://schemas.microsoft.com/office/drawing/2017/decorative" val="1"/>
+              </a:ext>
+            </a:extLst>
+          </p:cNvPr>
+          <p:cNvSpPr>
+            <a:spLocks noGrp="1" noRot="1" noChangeAspect="1" noMove="1" noResize="1" noEditPoints="1" noAdjustHandles="1" noChangeArrowheads="1" noChangeShapeType="1" noTextEdit="1"/>
+          </p:cNvSpPr>
+          <p:nvPr>
+            <p:extLst>
+              <p:ext uri="{386F3935-93C4-4BCD-93E2-E3B085C9AB24}">
+                <p16:designElem xmlns:p16="http://schemas.microsoft.com/office/powerpoint/2015/main" val="1"/>
+              </p:ext>
+            </p:extLst>
+          </p:nvPr>
+        </p:nvSpPr>
+        <p:spPr>
+          <a:xfrm flipV="1">
+            <a:off x="7550402" y="2455479"/>
+            <a:ext cx="4083433" cy="4083433"/>
+          </a:xfrm>
+          <a:prstGeom prst="arc">
             <a:avLst/>
           </a:prstGeom>
-          <a:ln w="9525">
+          <a:ln w="127000" cap="rnd">
             <a:solidFill>
-              <a:srgbClr val="E1E1E1"/>
+              <a:schemeClr val="accent4"/>
             </a:solidFill>
+            <a:prstDash val="dash"/>
           </a:ln>
-          <a:effectLst>
-            <a:outerShdw blurRad="50800" dist="38100" dir="2700000" algn="tl" rotWithShape="0">
-              <a:schemeClr val="bg1">
-                <a:lumMod val="85000"/>
-                <a:alpha val="50000"/>
-              </a:schemeClr>
-            </a:outerShdw>
-          </a:effectLst>
         </p:spPr>
         <p:style>
-          <a:lnRef idx="2">
-            <a:schemeClr val="accent1">
-              <a:shade val="50000"/>
-            </a:schemeClr>
+          <a:lnRef idx="1">
+            <a:schemeClr val="accent1"/>
           </a:lnRef>
-          <a:fillRef idx="1">
+          <a:fillRef idx="0">
             <a:schemeClr val="accent1"/>
           </a:fillRef>
           <a:effectRef idx="0">
             <a:schemeClr val="accent1"/>
           </a:effectRef>
           <a:fontRef idx="minor">
-            <a:schemeClr val="lt1"/>
+            <a:schemeClr val="tx1"/>
           </a:fontRef>
         </p:style>
         <p:txBody>
           <a:bodyPr rtlCol="0" anchor="ctr"/>
           <a:lstStyle/>
           <a:p>
-            <a:pPr marL="0" marR="0" lvl="0" indent="0" algn="ctr" defTabSz="914400" rtl="0" eaLnBrk="1" fontAlgn="auto" latinLnBrk="0" hangingPunct="1">
-              <a:lnSpc>
-                <a:spcPct val="100000"/>
-              </a:lnSpc>
-              <a:spcBef>
-                <a:spcPts val="0"/>
-              </a:spcBef>
-              <a:spcAft>
-                <a:spcPts val="0"/>
-              </a:spcAft>
-              <a:buClrTx/>
-              <a:buSzTx/>
-              <a:buFontTx/>
-              <a:buNone/>
-              <a:tabLst/>
-              <a:defRPr/>
-            </a:pPr>
-            <a:endParaRPr kumimoji="0" lang="en-US" sz="1800" b="0" i="0" u="none" strike="noStrike" kern="1200" cap="none" spc="0" normalizeH="0" baseline="0" noProof="0" dirty="0">
-              <a:ln>
-                <a:noFill/>
-              </a:ln>
-              <a:solidFill>
-                <a:prstClr val="white"/>
-              </a:solidFill>
-              <a:effectLst/>
-              <a:uLnTx/>
-              <a:uFillTx/>
-              <a:latin typeface="Calibri" panose="020F0502020204030204"/>
-              <a:ea typeface="+mn-ea"/>
-              <a:cs typeface="+mn-cs"/>
-            </a:endParaRPr>
-          </a:p>
-        </p:txBody>
-      </p:sp>
-      <p:sp useBgFill="1">
-        <p:nvSpPr>
-          <p:cNvPr id="12" name="Rectangle 11">
+            <a:pPr algn="ctr"/>
+            <a:endParaRPr lang="en-US" dirty="0"/>
+          </a:p>
+        </p:txBody>
+      </p:sp>
+      <p:sp>
+        <p:nvSpPr>
+          <p:cNvPr id="3" name="Content Placeholder 2">
             <a:extLst>
               <a:ext uri="{FF2B5EF4-FFF2-40B4-BE49-F238E27FC236}">
-                <a16:creationId xmlns:a16="http://schemas.microsoft.com/office/drawing/2014/main" id="{8E0105E7-23DB-4CF2-8258-FF47C7620F6E}"/>
+                <a16:creationId xmlns:a16="http://schemas.microsoft.com/office/drawing/2014/main" id="{506ECF03-3832-CE61-45EB-6C148D597A92}"/>
+              </a:ext>
+            </a:extLst>
+          </p:cNvPr>
+          <p:cNvSpPr>
+            <a:spLocks noGrp="1"/>
+          </p:cNvSpPr>
+          <p:nvPr>
+            <p:ph idx="1"/>
+          </p:nvPr>
+        </p:nvSpPr>
+        <p:spPr>
+          <a:xfrm>
+            <a:off x="4447308" y="787400"/>
+            <a:ext cx="6906491" cy="5389563"/>
+          </a:xfrm>
+        </p:spPr>
+        <p:txBody>
+          <a:bodyPr anchor="ctr">
+            <a:normAutofit/>
+          </a:bodyPr>
+          <a:lstStyle/>
+          <a:p>
+            <a:r>
+              <a:rPr lang="en-US" dirty="0"/>
+              <a:t>Continuously try to improve my skills</a:t>
+            </a:r>
+          </a:p>
+          <a:p>
+            <a:r>
+              <a:rPr lang="en-US" dirty="0"/>
+              <a:t>Follow Dave Farley / Nick </a:t>
+            </a:r>
+            <a:r>
+              <a:rPr lang="en-US" dirty="0" err="1"/>
+              <a:t>Chapsas</a:t>
+            </a:r>
+            <a:endParaRPr lang="en-US" dirty="0"/>
+          </a:p>
+          <a:p>
+            <a:r>
+              <a:rPr lang="en-US" dirty="0"/>
+              <a:t>Attended Nick </a:t>
+            </a:r>
+            <a:r>
+              <a:rPr lang="en-US" dirty="0" err="1"/>
+              <a:t>Chapsas</a:t>
+            </a:r>
+            <a:r>
+              <a:rPr lang="en-US" dirty="0"/>
+              <a:t>’ 2022 Workshop</a:t>
+            </a:r>
+          </a:p>
+          <a:p>
+            <a:pPr lvl="1"/>
+            <a:r>
+              <a:rPr lang="en-US" dirty="0"/>
+              <a:t>NDC Minnesota</a:t>
+            </a:r>
+          </a:p>
+          <a:p>
+            <a:pPr lvl="1"/>
+            <a:r>
+              <a:rPr lang="en-US" dirty="0"/>
+              <a:t>From Zero to Hero: Effective Testing</a:t>
+            </a:r>
+          </a:p>
+          <a:p>
+            <a:r>
+              <a:rPr lang="en-US" dirty="0"/>
+              <a:t>Started </a:t>
+            </a:r>
+            <a:r>
+              <a:rPr lang="en-US" dirty="0" err="1"/>
+              <a:t>Specflow</a:t>
+            </a:r>
+            <a:r>
+              <a:rPr lang="en-US" dirty="0"/>
+              <a:t> after Nick’s videos in 2021</a:t>
+            </a:r>
+          </a:p>
+          <a:p>
+            <a:pPr lvl="1"/>
+            <a:endParaRPr lang="en-US" dirty="0"/>
+          </a:p>
+        </p:txBody>
+      </p:sp>
+    </p:spTree>
+    <p:extLst>
+      <p:ext uri="{BB962C8B-B14F-4D97-AF65-F5344CB8AC3E}">
+        <p14:creationId xmlns:p14="http://schemas.microsoft.com/office/powerpoint/2010/main" val="4006630551"/>
+      </p:ext>
+    </p:extLst>
+  </p:cSld>
+  <p:clrMapOvr>
+    <a:masterClrMapping/>
+  </p:clrMapOvr>
+  <p:timing>
+    <p:tnLst>
+      <p:par>
+        <p:cTn id="1" dur="indefinite" restart="never" nodeType="tmRoot">
+          <p:childTnLst>
+            <p:seq concurrent="1" nextAc="seek">
+              <p:cTn id="2" dur="indefinite" nodeType="mainSeq">
+                <p:childTnLst>
+                  <p:par>
+                    <p:cTn id="3" fill="hold">
+                      <p:stCondLst>
+                        <p:cond delay="indefinite"/>
+                      </p:stCondLst>
+                      <p:childTnLst>
+                        <p:par>
+                          <p:cTn id="4" fill="hold">
+                            <p:stCondLst>
+                              <p:cond delay="0"/>
+                            </p:stCondLst>
+                            <p:childTnLst>
+                              <p:par>
+                                <p:cTn id="5" presetID="2" presetClass="entr" presetSubtype="8" fill="hold" grpId="0" nodeType="clickEffect">
+                                  <p:stCondLst>
+                                    <p:cond delay="0"/>
+                                  </p:stCondLst>
+                                  <p:childTnLst>
+                                    <p:set>
+                                      <p:cBhvr>
+                                        <p:cTn id="6" dur="1" fill="hold">
+                                          <p:stCondLst>
+                                            <p:cond delay="0"/>
+                                          </p:stCondLst>
+                                        </p:cTn>
+                                        <p:tgtEl>
+                                          <p:spTgt spid="10"/>
+                                        </p:tgtEl>
+                                        <p:attrNameLst>
+                                          <p:attrName>style.visibility</p:attrName>
+                                        </p:attrNameLst>
+                                      </p:cBhvr>
+                                      <p:to>
+                                        <p:strVal val="visible"/>
+                                      </p:to>
+                                    </p:set>
+                                    <p:anim calcmode="lin" valueType="num">
+                                      <p:cBhvr additive="base">
+                                        <p:cTn id="7" dur="3500" fill="hold"/>
+                                        <p:tgtEl>
+                                          <p:spTgt spid="10"/>
+                                        </p:tgtEl>
+                                        <p:attrNameLst>
+                                          <p:attrName>ppt_x</p:attrName>
+                                        </p:attrNameLst>
+                                      </p:cBhvr>
+                                      <p:tavLst>
+                                        <p:tav tm="0">
+                                          <p:val>
+                                            <p:strVal val="0-#ppt_w/2"/>
+                                          </p:val>
+                                        </p:tav>
+                                        <p:tav tm="100000">
+                                          <p:val>
+                                            <p:strVal val="#ppt_x"/>
+                                          </p:val>
+                                        </p:tav>
+                                      </p:tavLst>
+                                    </p:anim>
+                                    <p:anim calcmode="lin" valueType="num">
+                                      <p:cBhvr additive="base">
+                                        <p:cTn id="8" dur="3500" fill="hold"/>
+                                        <p:tgtEl>
+                                          <p:spTgt spid="10"/>
+                                        </p:tgtEl>
+                                        <p:attrNameLst>
+                                          <p:attrName>ppt_y</p:attrName>
+                                        </p:attrNameLst>
+                                      </p:cBhvr>
+                                      <p:tavLst>
+                                        <p:tav tm="0">
+                                          <p:val>
+                                            <p:strVal val="#ppt_y"/>
+                                          </p:val>
+                                        </p:tav>
+                                        <p:tav tm="100000">
+                                          <p:val>
+                                            <p:strVal val="#ppt_y"/>
+                                          </p:val>
+                                        </p:tav>
+                                      </p:tavLst>
+                                    </p:anim>
+                                  </p:childTnLst>
+                                </p:cTn>
+                              </p:par>
+                            </p:childTnLst>
+                          </p:cTn>
+                        </p:par>
+                      </p:childTnLst>
+                    </p:cTn>
+                  </p:par>
+                </p:childTnLst>
+              </p:cTn>
+              <p:prevCondLst>
+                <p:cond evt="onPrev" delay="0">
+                  <p:tgtEl>
+                    <p:sldTgt/>
+                  </p:tgtEl>
+                </p:cond>
+              </p:prevCondLst>
+              <p:nextCondLst>
+                <p:cond evt="onNext" delay="0">
+                  <p:tgtEl>
+                    <p:sldTgt/>
+                  </p:tgtEl>
+                </p:cond>
+              </p:nextCondLst>
+            </p:seq>
+          </p:childTnLst>
+        </p:cTn>
+      </p:par>
+    </p:tnLst>
+    <p:bldLst>
+      <p:bldP spid="10" grpId="0" animBg="1"/>
+    </p:bldLst>
+  </p:timing>
+</p:sld>
+</file>
+
+<file path=ppt/slides/slide7.xml><?xml version="1.0" encoding="utf-8"?>
+<p:sld xmlns:a="http://schemas.openxmlformats.org/drawingml/2006/main" xmlns:r="http://schemas.openxmlformats.org/officeDocument/2006/relationships" xmlns:p="http://schemas.openxmlformats.org/presentationml/2006/main">
+  <p:cSld>
+    <p:spTree>
+      <p:nvGrpSpPr>
+        <p:cNvPr id="1" name=""/>
+        <p:cNvGrpSpPr/>
+        <p:nvPr/>
+      </p:nvGrpSpPr>
+      <p:grpSpPr>
+        <a:xfrm>
+          <a:off x="0" y="0"/>
+          <a:ext cx="0" cy="0"/>
+          <a:chOff x="0" y="0"/>
+          <a:chExt cx="0" cy="0"/>
+        </a:xfrm>
+      </p:grpSpPr>
+      <p:sp>
+        <p:nvSpPr>
+          <p:cNvPr id="2" name="Title 1">
+            <a:extLst>
+              <a:ext uri="{FF2B5EF4-FFF2-40B4-BE49-F238E27FC236}">
+                <a16:creationId xmlns:a16="http://schemas.microsoft.com/office/drawing/2014/main" id="{2E868C38-14AC-D98A-9C03-E3DF4F920B29}"/>
+              </a:ext>
+            </a:extLst>
+          </p:cNvPr>
+          <p:cNvSpPr>
+            <a:spLocks noGrp="1"/>
+          </p:cNvSpPr>
+          <p:nvPr>
+            <p:ph type="title"/>
+          </p:nvPr>
+        </p:nvSpPr>
+        <p:spPr/>
+        <p:txBody>
+          <a:bodyPr/>
+          <a:lstStyle/>
+          <a:p>
+            <a:endParaRPr lang="en-US"/>
+          </a:p>
+        </p:txBody>
+      </p:sp>
+      <mc:AlternateContent xmlns:mc="http://schemas.openxmlformats.org/markup-compatibility/2006">
+        <mc:Choice xmlns:we="http://schemas.microsoft.com/office/webextensions/webextension/2010/11" xmlns:pca="http://schemas.microsoft.com/office/powerpoint/2013/contentapp" Requires="we pca">
+          <p:graphicFrame>
+            <p:nvGraphicFramePr>
+              <p:cNvPr id="4" name="Content Placeholder 3" title="AhaSlides - Live Polls and Quizzes">
+                <a:extLst>
+                  <a:ext uri="{FF2B5EF4-FFF2-40B4-BE49-F238E27FC236}">
+                    <a16:creationId xmlns:a16="http://schemas.microsoft.com/office/drawing/2014/main" id="{B09CFFE5-F978-10B3-0B02-BF7BE210B15D}"/>
+                  </a:ext>
+                </a:extLst>
+              </p:cNvPr>
+              <p:cNvGraphicFramePr>
+                <a:graphicFrameLocks noGrp="1"/>
+              </p:cNvGraphicFramePr>
+              <p:nvPr>
+                <p:ph idx="1"/>
+                <p:extLst>
+                  <p:ext uri="{D42A27DB-BD31-4B8C-83A1-F6EECF244321}">
+                    <p14:modId xmlns:p14="http://schemas.microsoft.com/office/powerpoint/2010/main" val="224293900"/>
+                  </p:ext>
+                </p:extLst>
+              </p:nvPr>
+            </p:nvGraphicFramePr>
+            <p:xfrm>
+              <a:off x="0" y="0"/>
+              <a:ext cx="12192000" cy="6858000"/>
+            </p:xfrm>
+            <a:graphic>
+              <a:graphicData uri="http://schemas.microsoft.com/office/webextensions/webextension/2010/11">
+                <we:webextensionref xmlns:we="http://schemas.microsoft.com/office/webextensions/webextension/2010/11" xmlns:r="http://schemas.openxmlformats.org/officeDocument/2006/relationships" r:id="rId3"/>
+              </a:graphicData>
+            </a:graphic>
+          </p:graphicFrame>
+        </mc:Choice>
+        <mc:Fallback>
+          <p:pic>
+            <p:nvPicPr>
+              <p:cNvPr id="4" name="Content Placeholder 3" title="AhaSlides - Live Polls and Quizzes">
+                <a:extLst>
+                  <a:ext uri="{FF2B5EF4-FFF2-40B4-BE49-F238E27FC236}">
+                    <a16:creationId xmlns:a16="http://schemas.microsoft.com/office/drawing/2014/main" id="{B09CFFE5-F978-10B3-0B02-BF7BE210B15D}"/>
+                  </a:ext>
+                </a:extLst>
+              </p:cNvPr>
+              <p:cNvPicPr>
+                <a:picLocks noGrp="1" noRot="1" noChangeAspect="1" noMove="1" noResize="1" noEditPoints="1" noAdjustHandles="1" noChangeArrowheads="1" noChangeShapeType="1"/>
+              </p:cNvPicPr>
+              <p:nvPr/>
+            </p:nvPicPr>
+            <p:blipFill>
+              <a:blip r:embed="rId4"/>
+              <a:stretch>
+                <a:fillRect/>
+              </a:stretch>
+            </p:blipFill>
+            <p:spPr>
+              <a:xfrm>
+                <a:off x="0" y="0"/>
+                <a:ext cx="12192000" cy="6858000"/>
+              </a:xfrm>
+              <a:prstGeom prst="rect">
+                <a:avLst/>
+              </a:prstGeom>
+            </p:spPr>
+          </p:pic>
+        </mc:Fallback>
+      </mc:AlternateContent>
+    </p:spTree>
+    <p:extLst>
+      <p:ext uri="{BB962C8B-B14F-4D97-AF65-F5344CB8AC3E}">
+        <p14:creationId xmlns:p14="http://schemas.microsoft.com/office/powerpoint/2010/main" val="3485639180"/>
+      </p:ext>
+    </p:extLst>
+  </p:cSld>
+  <p:clrMapOvr>
+    <a:masterClrMapping/>
+  </p:clrMapOvr>
+</p:sld>
+</file>
+
+<file path=ppt/slides/slide8.xml><?xml version="1.0" encoding="utf-8"?>
+<p:sld xmlns:a="http://schemas.openxmlformats.org/drawingml/2006/main" xmlns:r="http://schemas.openxmlformats.org/officeDocument/2006/relationships" xmlns:p="http://schemas.openxmlformats.org/presentationml/2006/main">
+  <p:cSld>
+    <p:bg>
+      <p:bgPr>
+        <a:solidFill>
+          <a:schemeClr val="bg1"/>
+        </a:solidFill>
+        <a:effectLst/>
+      </p:bgPr>
+    </p:bg>
+    <p:spTree>
+      <p:nvGrpSpPr>
+        <p:cNvPr id="1" name=""/>
+        <p:cNvGrpSpPr/>
+        <p:nvPr/>
+      </p:nvGrpSpPr>
+      <p:grpSpPr>
+        <a:xfrm>
+          <a:off x="0" y="0"/>
+          <a:ext cx="0" cy="0"/>
+          <a:chOff x="0" y="0"/>
+          <a:chExt cx="0" cy="0"/>
+        </a:xfrm>
+      </p:grpSpPr>
+      <p:sp useBgFill="1">
+        <p:nvSpPr>
+          <p:cNvPr id="8" name="Rectangle 7">
+            <a:extLst>
+              <a:ext uri="{FF2B5EF4-FFF2-40B4-BE49-F238E27FC236}">
+                <a16:creationId xmlns:a16="http://schemas.microsoft.com/office/drawing/2014/main" id="{907EF6B7-1338-4443-8C46-6A318D952DFD}"/>
               </a:ext>
               <a:ext uri="{C183D7F6-B498-43B3-948B-1728B52AA6E4}">
                 <adec:decorative xmlns:adec="http://schemas.microsoft.com/office/drawing/2017/decorative" val="1"/>
@@ -6579,140 +13529,12 @@
         </p:nvSpPr>
         <p:spPr>
           <a:xfrm>
-            <a:off x="566928" y="0"/>
-            <a:ext cx="11155680" cy="2011680"/>
+            <a:off x="3048" y="0"/>
+            <a:ext cx="12188952" cy="6858000"/>
           </a:xfrm>
           <a:prstGeom prst="rect">
             <a:avLst/>
           </a:prstGeom>
-          <a:ln w="9525">
-            <a:noFill/>
-          </a:ln>
-          <a:effectLst/>
-        </p:spPr>
-        <p:style>
-          <a:lnRef idx="2">
-            <a:schemeClr val="accent1">
-              <a:shade val="50000"/>
-            </a:schemeClr>
-          </a:lnRef>
-          <a:fillRef idx="1">
-            <a:schemeClr val="accent1"/>
-          </a:fillRef>
-          <a:effectRef idx="0">
-            <a:schemeClr val="accent1"/>
-          </a:effectRef>
-          <a:fontRef idx="minor">
-            <a:schemeClr val="lt1"/>
-          </a:fontRef>
-        </p:style>
-        <p:txBody>
-          <a:bodyPr rtlCol="0" anchor="ctr"/>
-          <a:lstStyle/>
-          <a:p>
-            <a:pPr marL="0" marR="0" lvl="0" indent="0" algn="ctr" defTabSz="914400" rtl="0" eaLnBrk="1" fontAlgn="auto" latinLnBrk="0" hangingPunct="1">
-              <a:lnSpc>
-                <a:spcPct val="100000"/>
-              </a:lnSpc>
-              <a:spcBef>
-                <a:spcPts val="0"/>
-              </a:spcBef>
-              <a:spcAft>
-                <a:spcPts val="0"/>
-              </a:spcAft>
-              <a:buClrTx/>
-              <a:buSzTx/>
-              <a:buFontTx/>
-              <a:buNone/>
-              <a:tabLst/>
-              <a:defRPr/>
-            </a:pPr>
-            <a:endParaRPr kumimoji="0" lang="en-US" sz="1800" b="0" i="0" u="none" strike="noStrike" kern="1200" cap="none" spc="0" normalizeH="0" baseline="0" noProof="0" dirty="0">
-              <a:ln>
-                <a:noFill/>
-              </a:ln>
-              <a:solidFill>
-                <a:prstClr val="white"/>
-              </a:solidFill>
-              <a:effectLst/>
-              <a:uLnTx/>
-              <a:uFillTx/>
-              <a:latin typeface="Calibri" panose="020F0502020204030204"/>
-              <a:ea typeface="+mn-ea"/>
-              <a:cs typeface="+mn-cs"/>
-            </a:endParaRPr>
-          </a:p>
-        </p:txBody>
-      </p:sp>
-      <p:sp>
-        <p:nvSpPr>
-          <p:cNvPr id="2" name="Title 1">
-            <a:extLst>
-              <a:ext uri="{FF2B5EF4-FFF2-40B4-BE49-F238E27FC236}">
-                <a16:creationId xmlns:a16="http://schemas.microsoft.com/office/drawing/2014/main" id="{82CF4B60-062A-25CD-E448-6C8255EEF9CC}"/>
-              </a:ext>
-            </a:extLst>
-          </p:cNvPr>
-          <p:cNvSpPr>
-            <a:spLocks noGrp="1"/>
-          </p:cNvSpPr>
-          <p:nvPr>
-            <p:ph type="title"/>
-          </p:nvPr>
-        </p:nvSpPr>
-        <p:spPr>
-          <a:xfrm>
-            <a:off x="1115568" y="548640"/>
-            <a:ext cx="10168128" cy="1179576"/>
-          </a:xfrm>
-        </p:spPr>
-        <p:txBody>
-          <a:bodyPr>
-            <a:normAutofit/>
-          </a:bodyPr>
-          <a:lstStyle/>
-          <a:p>
-            <a:r>
-              <a:rPr lang="en-US" sz="4800" dirty="0"/>
-              <a:t>Thank You</a:t>
-            </a:r>
-          </a:p>
-        </p:txBody>
-      </p:sp>
-      <p:sp>
-        <p:nvSpPr>
-          <p:cNvPr id="14" name="Rectangle 13">
-            <a:extLst>
-              <a:ext uri="{FF2B5EF4-FFF2-40B4-BE49-F238E27FC236}">
-                <a16:creationId xmlns:a16="http://schemas.microsoft.com/office/drawing/2014/main" id="{074B4F7D-14B2-478B-8BF5-01E4E0C5D263}"/>
-              </a:ext>
-              <a:ext uri="{C183D7F6-B498-43B3-948B-1728B52AA6E4}">
-                <adec:decorative xmlns:adec="http://schemas.microsoft.com/office/drawing/2017/decorative" val="1"/>
-              </a:ext>
-            </a:extLst>
-          </p:cNvPr>
-          <p:cNvSpPr>
-            <a:spLocks noGrp="1" noRot="1" noChangeAspect="1" noMove="1" noResize="1" noEditPoints="1" noAdjustHandles="1" noChangeArrowheads="1" noChangeShapeType="1" noTextEdit="1"/>
-          </p:cNvSpPr>
-          <p:nvPr>
-            <p:extLst>
-              <p:ext uri="{386F3935-93C4-4BCD-93E2-E3B085C9AB24}">
-                <p16:designElem xmlns:p16="http://schemas.microsoft.com/office/powerpoint/2015/main" val="1"/>
-              </p:ext>
-            </p:extLst>
-          </p:nvPr>
-        </p:nvSpPr>
-        <p:spPr>
-          <a:xfrm>
-            <a:off x="498834" y="758952"/>
-            <a:ext cx="128016" cy="704088"/>
-          </a:xfrm>
-          <a:prstGeom prst="rect">
-            <a:avLst/>
-          </a:prstGeom>
-          <a:solidFill>
-            <a:schemeClr val="accent2"/>
-          </a:solidFill>
           <a:ln>
             <a:noFill/>
           </a:ln>
@@ -6738,35 +13560,182 @@
           <a:lstStyle/>
           <a:p>
             <a:pPr algn="ctr"/>
-            <a:endParaRPr lang="en-US" dirty="0">
-              <a:solidFill>
-                <a:prstClr val="white"/>
-              </a:solidFill>
-              <a:latin typeface="Calibri" panose="020F0502020204030204"/>
-            </a:endParaRPr>
-          </a:p>
-        </p:txBody>
-      </p:sp>
-      <p:sp>
-        <p:nvSpPr>
-          <p:cNvPr id="3" name="Content Placeholder 2">
+            <a:endParaRPr lang="en-US" dirty="0"/>
+          </a:p>
+        </p:txBody>
+      </p:sp>
+      <p:sp>
+        <p:nvSpPr>
+          <p:cNvPr id="10" name="Freeform: Shape 9">
             <a:extLst>
               <a:ext uri="{FF2B5EF4-FFF2-40B4-BE49-F238E27FC236}">
-                <a16:creationId xmlns:a16="http://schemas.microsoft.com/office/drawing/2014/main" id="{E43BD06B-906D-5C9C-E517-52B27F705E94}"/>
+                <a16:creationId xmlns:a16="http://schemas.microsoft.com/office/drawing/2014/main" id="{DAAE4CDD-124C-4DCF-9584-B6033B545DD5}"/>
+              </a:ext>
+              <a:ext uri="{C183D7F6-B498-43B3-948B-1728B52AA6E4}">
+                <adec:decorative xmlns:adec="http://schemas.microsoft.com/office/drawing/2017/decorative" val="1"/>
               </a:ext>
             </a:extLst>
           </p:cNvPr>
           <p:cNvSpPr>
-            <a:spLocks noGrp="1"/>
-          </p:cNvSpPr>
-          <p:nvPr>
-            <p:ph idx="1"/>
+            <a:spLocks noChangeAspect="1"/>
+          </p:cNvSpPr>
+          <p:nvPr>
+            <p:extLst>
+              <p:ext uri="{386F3935-93C4-4BCD-93E2-E3B085C9AB24}">
+                <p16:designElem xmlns:p16="http://schemas.microsoft.com/office/powerpoint/2015/main" val="1"/>
+              </p:ext>
+            </p:extLst>
           </p:nvPr>
         </p:nvSpPr>
         <p:spPr>
           <a:xfrm>
-            <a:off x="1992884" y="2560320"/>
-            <a:ext cx="8206232" cy="3695020"/>
+            <a:off x="1" y="0"/>
+            <a:ext cx="4167271" cy="6858000"/>
+          </a:xfrm>
+          <a:custGeom>
+            <a:avLst/>
+            <a:gdLst>
+              <a:gd name="connsiteX0" fmla="*/ 0 w 4167271"/>
+              <a:gd name="connsiteY0" fmla="*/ 0 h 6858000"/>
+              <a:gd name="connsiteX1" fmla="*/ 2259550 w 4167271"/>
+              <a:gd name="connsiteY1" fmla="*/ 0 h 6858000"/>
+              <a:gd name="connsiteX2" fmla="*/ 2387803 w 4167271"/>
+              <a:gd name="connsiteY2" fmla="*/ 82222 h 6858000"/>
+              <a:gd name="connsiteX3" fmla="*/ 4167271 w 4167271"/>
+              <a:gd name="connsiteY3" fmla="*/ 3429000 h 6858000"/>
+              <a:gd name="connsiteX4" fmla="*/ 2387803 w 4167271"/>
+              <a:gd name="connsiteY4" fmla="*/ 6775779 h 6858000"/>
+              <a:gd name="connsiteX5" fmla="*/ 2259550 w 4167271"/>
+              <a:gd name="connsiteY5" fmla="*/ 6858000 h 6858000"/>
+              <a:gd name="connsiteX6" fmla="*/ 0 w 4167271"/>
+              <a:gd name="connsiteY6" fmla="*/ 6858000 h 6858000"/>
+            </a:gdLst>
+            <a:ahLst/>
+            <a:cxnLst>
+              <a:cxn ang="0">
+                <a:pos x="connsiteX0" y="connsiteY0"/>
+              </a:cxn>
+              <a:cxn ang="0">
+                <a:pos x="connsiteX1" y="connsiteY1"/>
+              </a:cxn>
+              <a:cxn ang="0">
+                <a:pos x="connsiteX2" y="connsiteY2"/>
+              </a:cxn>
+              <a:cxn ang="0">
+                <a:pos x="connsiteX3" y="connsiteY3"/>
+              </a:cxn>
+              <a:cxn ang="0">
+                <a:pos x="connsiteX4" y="connsiteY4"/>
+              </a:cxn>
+              <a:cxn ang="0">
+                <a:pos x="connsiteX5" y="connsiteY5"/>
+              </a:cxn>
+              <a:cxn ang="0">
+                <a:pos x="connsiteX6" y="connsiteY6"/>
+              </a:cxn>
+            </a:cxnLst>
+            <a:rect l="l" t="t" r="r" b="b"/>
+            <a:pathLst>
+              <a:path w="4167271" h="6858000">
+                <a:moveTo>
+                  <a:pt x="0" y="0"/>
+                </a:moveTo>
+                <a:lnTo>
+                  <a:pt x="2259550" y="0"/>
+                </a:lnTo>
+                <a:lnTo>
+                  <a:pt x="2387803" y="82222"/>
+                </a:lnTo>
+                <a:cubicBezTo>
+                  <a:pt x="3461407" y="807534"/>
+                  <a:pt x="4167271" y="2035835"/>
+                  <a:pt x="4167271" y="3429000"/>
+                </a:cubicBezTo>
+                <a:cubicBezTo>
+                  <a:pt x="4167271" y="4822165"/>
+                  <a:pt x="3461407" y="6050467"/>
+                  <a:pt x="2387803" y="6775779"/>
+                </a:cubicBezTo>
+                <a:lnTo>
+                  <a:pt x="2259550" y="6858000"/>
+                </a:lnTo>
+                <a:lnTo>
+                  <a:pt x="0" y="6858000"/>
+                </a:lnTo>
+                <a:close/>
+              </a:path>
+            </a:pathLst>
+          </a:custGeom>
+          <a:gradFill flip="none" rotWithShape="1">
+            <a:gsLst>
+              <a:gs pos="0">
+                <a:schemeClr val="accent2">
+                  <a:lumMod val="67000"/>
+                </a:schemeClr>
+              </a:gs>
+              <a:gs pos="48000">
+                <a:schemeClr val="accent2">
+                  <a:lumMod val="97000"/>
+                  <a:lumOff val="3000"/>
+                </a:schemeClr>
+              </a:gs>
+              <a:gs pos="100000">
+                <a:schemeClr val="accent2">
+                  <a:lumMod val="60000"/>
+                  <a:lumOff val="40000"/>
+                </a:schemeClr>
+              </a:gs>
+            </a:gsLst>
+            <a:lin ang="16200000" scaled="1"/>
+            <a:tileRect/>
+          </a:gradFill>
+          <a:ln>
+            <a:noFill/>
+          </a:ln>
+        </p:spPr>
+        <p:style>
+          <a:lnRef idx="0">
+            <a:scrgbClr r="0" g="0" b="0"/>
+          </a:lnRef>
+          <a:fillRef idx="0">
+            <a:scrgbClr r="0" g="0" b="0"/>
+          </a:fillRef>
+          <a:effectRef idx="0">
+            <a:scrgbClr r="0" g="0" b="0"/>
+          </a:effectRef>
+          <a:fontRef idx="minor">
+            <a:schemeClr val="lt1"/>
+          </a:fontRef>
+        </p:style>
+        <p:txBody>
+          <a:bodyPr rtlCol="0" anchor="ctr"/>
+          <a:lstStyle/>
+          <a:p>
+            <a:pPr algn="ctr"/>
+            <a:endParaRPr lang="en-US" dirty="0"/>
+          </a:p>
+        </p:txBody>
+      </p:sp>
+      <p:sp>
+        <p:nvSpPr>
+          <p:cNvPr id="2" name="Title 1">
+            <a:extLst>
+              <a:ext uri="{FF2B5EF4-FFF2-40B4-BE49-F238E27FC236}">
+                <a16:creationId xmlns:a16="http://schemas.microsoft.com/office/drawing/2014/main" id="{604CD088-9924-FDF8-32EA-64AD14C5DE41}"/>
+              </a:ext>
+            </a:extLst>
+          </p:cNvPr>
+          <p:cNvSpPr>
+            <a:spLocks noGrp="1"/>
+          </p:cNvSpPr>
+          <p:nvPr>
+            <p:ph type="title"/>
+          </p:nvPr>
+        </p:nvSpPr>
+        <p:spPr>
+          <a:xfrm>
+            <a:off x="686834" y="1153572"/>
+            <a:ext cx="3345904" cy="4461163"/>
           </a:xfrm>
         </p:spPr>
         <p:txBody>
@@ -6775,27 +13744,161 @@
           </a:bodyPr>
           <a:lstStyle/>
           <a:p>
-            <a:pPr marL="0" indent="0">
-              <a:buNone/>
-            </a:pPr>
-            <a:r>
-              <a:rPr lang="en-US" dirty="0"/>
-              <a:t>All resources can be found at:</a:t>
-            </a:r>
-          </a:p>
-          <a:p>
-            <a:pPr marL="0" indent="0">
-              <a:buNone/>
-            </a:pPr>
-            <a:r>
-              <a:rPr lang="en-US" dirty="0"/>
-              <a:t>https://github.com/kevmoens/ThatConference2023</a:t>
-            </a:r>
-          </a:p>
-          <a:p>
-            <a:pPr marL="0" indent="0">
-              <a:buNone/>
-            </a:pPr>
+            <a:r>
+              <a:rPr lang="en-US" dirty="0">
+                <a:solidFill>
+                  <a:srgbClr val="FFFFFF"/>
+                </a:solidFill>
+              </a:rPr>
+              <a:t>Types of Tests</a:t>
+            </a:r>
+          </a:p>
+        </p:txBody>
+      </p:sp>
+      <p:sp>
+        <p:nvSpPr>
+          <p:cNvPr id="12" name="Arc 11">
+            <a:extLst>
+              <a:ext uri="{FF2B5EF4-FFF2-40B4-BE49-F238E27FC236}">
+                <a16:creationId xmlns:a16="http://schemas.microsoft.com/office/drawing/2014/main" id="{081E4A58-353D-44AE-B2FC-2A74E2E400F7}"/>
+              </a:ext>
+              <a:ext uri="{C183D7F6-B498-43B3-948B-1728B52AA6E4}">
+                <adec:decorative xmlns:adec="http://schemas.microsoft.com/office/drawing/2017/decorative" val="1"/>
+              </a:ext>
+            </a:extLst>
+          </p:cNvPr>
+          <p:cNvSpPr>
+            <a:spLocks noGrp="1" noRot="1" noChangeAspect="1" noMove="1" noResize="1" noEditPoints="1" noAdjustHandles="1" noChangeArrowheads="1" noChangeShapeType="1" noTextEdit="1"/>
+          </p:cNvSpPr>
+          <p:nvPr>
+            <p:extLst>
+              <p:ext uri="{386F3935-93C4-4BCD-93E2-E3B085C9AB24}">
+                <p16:designElem xmlns:p16="http://schemas.microsoft.com/office/powerpoint/2015/main" val="1"/>
+              </p:ext>
+            </p:extLst>
+          </p:nvPr>
+        </p:nvSpPr>
+        <p:spPr>
+          <a:xfrm flipV="1">
+            <a:off x="7550402" y="2455479"/>
+            <a:ext cx="4083433" cy="4083433"/>
+          </a:xfrm>
+          <a:prstGeom prst="arc">
+            <a:avLst/>
+          </a:prstGeom>
+          <a:ln w="127000" cap="rnd">
+            <a:solidFill>
+              <a:schemeClr val="accent4"/>
+            </a:solidFill>
+            <a:prstDash val="dash"/>
+          </a:ln>
+        </p:spPr>
+        <p:style>
+          <a:lnRef idx="1">
+            <a:schemeClr val="accent1"/>
+          </a:lnRef>
+          <a:fillRef idx="0">
+            <a:schemeClr val="accent1"/>
+          </a:fillRef>
+          <a:effectRef idx="0">
+            <a:schemeClr val="accent1"/>
+          </a:effectRef>
+          <a:fontRef idx="minor">
+            <a:schemeClr val="tx1"/>
+          </a:fontRef>
+        </p:style>
+        <p:txBody>
+          <a:bodyPr rtlCol="0" anchor="ctr"/>
+          <a:lstStyle/>
+          <a:p>
+            <a:pPr algn="ctr"/>
+            <a:endParaRPr lang="en-US" dirty="0"/>
+          </a:p>
+        </p:txBody>
+      </p:sp>
+      <p:pic>
+        <p:nvPicPr>
+          <p:cNvPr id="1026" name="Picture 2">
+            <a:extLst>
+              <a:ext uri="{FF2B5EF4-FFF2-40B4-BE49-F238E27FC236}">
+                <a16:creationId xmlns:a16="http://schemas.microsoft.com/office/drawing/2014/main" id="{54E38469-A804-3993-F013-F5635B3322BA}"/>
+              </a:ext>
+            </a:extLst>
+          </p:cNvPr>
+          <p:cNvPicPr>
+            <a:picLocks noGrp="1" noChangeAspect="1" noChangeArrowheads="1"/>
+          </p:cNvPicPr>
+          <p:nvPr>
+            <p:ph idx="1"/>
+          </p:nvPr>
+        </p:nvPicPr>
+        <p:blipFill>
+          <a:blip r:embed="rId3">
+            <a:extLst>
+              <a:ext uri="{28A0092B-C50C-407E-A947-70E740481C1C}">
+                <a14:useLocalDpi xmlns:a14="http://schemas.microsoft.com/office/drawing/2010/main" val="0"/>
+              </a:ext>
+            </a:extLst>
+          </a:blip>
+          <a:srcRect/>
+          <a:stretch>
+            <a:fillRect/>
+          </a:stretch>
+        </p:blipFill>
+        <p:spPr bwMode="auto">
+          <a:xfrm>
+            <a:off x="4346628" y="394782"/>
+            <a:ext cx="5847472" cy="5320673"/>
+          </a:xfrm>
+          <a:prstGeom prst="rect">
+            <a:avLst/>
+          </a:prstGeom>
+          <a:noFill/>
+          <a:extLst>
+            <a:ext uri="{909E8E84-426E-40DD-AFC4-6F175D3DCCD1}">
+              <a14:hiddenFill xmlns:a14="http://schemas.microsoft.com/office/drawing/2010/main">
+                <a:solidFill>
+                  <a:srgbClr val="FFFFFF"/>
+                </a:solidFill>
+              </a14:hiddenFill>
+            </a:ext>
+          </a:extLst>
+        </p:spPr>
+      </p:pic>
+      <p:sp>
+        <p:nvSpPr>
+          <p:cNvPr id="4" name="TextBox 3">
+            <a:extLst>
+              <a:ext uri="{FF2B5EF4-FFF2-40B4-BE49-F238E27FC236}">
+                <a16:creationId xmlns:a16="http://schemas.microsoft.com/office/drawing/2014/main" id="{2C69869B-D5D4-A3E6-63AF-2C0C44C4A1E5}"/>
+              </a:ext>
+            </a:extLst>
+          </p:cNvPr>
+          <p:cNvSpPr txBox="1"/>
+          <p:nvPr/>
+        </p:nvSpPr>
+        <p:spPr>
+          <a:xfrm>
+            <a:off x="4346628" y="5757851"/>
+            <a:ext cx="6081473" cy="369332"/>
+          </a:xfrm>
+          <a:prstGeom prst="rect">
+            <a:avLst/>
+          </a:prstGeom>
+          <a:noFill/>
+        </p:spPr>
+        <p:txBody>
+          <a:bodyPr wrap="none" rtlCol="0">
+            <a:spAutoFit/>
+          </a:bodyPr>
+          <a:lstStyle/>
+          <a:p>
+            <a:r>
+              <a:rPr lang="en-US" dirty="0">
+                <a:hlinkClick r:id="rId4"/>
+              </a:rPr>
+              <a:t>https://smartbear.com/blog/continuous-delivery-challenges/</a:t>
+            </a:r>
             <a:endParaRPr lang="en-US" dirty="0"/>
           </a:p>
         </p:txBody>
@@ -6803,13 +13906,741 @@
     </p:spTree>
     <p:extLst>
       <p:ext uri="{BB962C8B-B14F-4D97-AF65-F5344CB8AC3E}">
-        <p14:creationId xmlns:p14="http://schemas.microsoft.com/office/powerpoint/2010/main" val="1411583589"/>
+        <p14:creationId xmlns:p14="http://schemas.microsoft.com/office/powerpoint/2010/main" val="1913994019"/>
       </p:ext>
     </p:extLst>
   </p:cSld>
   <p:clrMapOvr>
     <a:masterClrMapping/>
   </p:clrMapOvr>
+  <p:timing>
+    <p:tnLst>
+      <p:par>
+        <p:cTn id="1" dur="indefinite" restart="never" nodeType="tmRoot">
+          <p:childTnLst>
+            <p:seq concurrent="1" nextAc="seek">
+              <p:cTn id="2" dur="indefinite" nodeType="mainSeq">
+                <p:childTnLst>
+                  <p:par>
+                    <p:cTn id="3" fill="hold">
+                      <p:stCondLst>
+                        <p:cond delay="indefinite"/>
+                      </p:stCondLst>
+                      <p:childTnLst>
+                        <p:par>
+                          <p:cTn id="4" fill="hold">
+                            <p:stCondLst>
+                              <p:cond delay="0"/>
+                            </p:stCondLst>
+                            <p:childTnLst>
+                              <p:par>
+                                <p:cTn id="5" presetID="2" presetClass="entr" presetSubtype="8" fill="hold" grpId="0" nodeType="clickEffect">
+                                  <p:stCondLst>
+                                    <p:cond delay="0"/>
+                                  </p:stCondLst>
+                                  <p:childTnLst>
+                                    <p:set>
+                                      <p:cBhvr>
+                                        <p:cTn id="6" dur="1" fill="hold">
+                                          <p:stCondLst>
+                                            <p:cond delay="0"/>
+                                          </p:stCondLst>
+                                        </p:cTn>
+                                        <p:tgtEl>
+                                          <p:spTgt spid="10"/>
+                                        </p:tgtEl>
+                                        <p:attrNameLst>
+                                          <p:attrName>style.visibility</p:attrName>
+                                        </p:attrNameLst>
+                                      </p:cBhvr>
+                                      <p:to>
+                                        <p:strVal val="visible"/>
+                                      </p:to>
+                                    </p:set>
+                                    <p:anim calcmode="lin" valueType="num">
+                                      <p:cBhvr additive="base">
+                                        <p:cTn id="7" dur="3500" fill="hold"/>
+                                        <p:tgtEl>
+                                          <p:spTgt spid="10"/>
+                                        </p:tgtEl>
+                                        <p:attrNameLst>
+                                          <p:attrName>ppt_x</p:attrName>
+                                        </p:attrNameLst>
+                                      </p:cBhvr>
+                                      <p:tavLst>
+                                        <p:tav tm="0">
+                                          <p:val>
+                                            <p:strVal val="0-#ppt_w/2"/>
+                                          </p:val>
+                                        </p:tav>
+                                        <p:tav tm="100000">
+                                          <p:val>
+                                            <p:strVal val="#ppt_x"/>
+                                          </p:val>
+                                        </p:tav>
+                                      </p:tavLst>
+                                    </p:anim>
+                                    <p:anim calcmode="lin" valueType="num">
+                                      <p:cBhvr additive="base">
+                                        <p:cTn id="8" dur="3500" fill="hold"/>
+                                        <p:tgtEl>
+                                          <p:spTgt spid="10"/>
+                                        </p:tgtEl>
+                                        <p:attrNameLst>
+                                          <p:attrName>ppt_y</p:attrName>
+                                        </p:attrNameLst>
+                                      </p:cBhvr>
+                                      <p:tavLst>
+                                        <p:tav tm="0">
+                                          <p:val>
+                                            <p:strVal val="#ppt_y"/>
+                                          </p:val>
+                                        </p:tav>
+                                        <p:tav tm="100000">
+                                          <p:val>
+                                            <p:strVal val="#ppt_y"/>
+                                          </p:val>
+                                        </p:tav>
+                                      </p:tavLst>
+                                    </p:anim>
+                                  </p:childTnLst>
+                                </p:cTn>
+                              </p:par>
+                            </p:childTnLst>
+                          </p:cTn>
+                        </p:par>
+                      </p:childTnLst>
+                    </p:cTn>
+                  </p:par>
+                </p:childTnLst>
+              </p:cTn>
+              <p:prevCondLst>
+                <p:cond evt="onPrev" delay="0">
+                  <p:tgtEl>
+                    <p:sldTgt/>
+                  </p:tgtEl>
+                </p:cond>
+              </p:prevCondLst>
+              <p:nextCondLst>
+                <p:cond evt="onNext" delay="0">
+                  <p:tgtEl>
+                    <p:sldTgt/>
+                  </p:tgtEl>
+                </p:cond>
+              </p:nextCondLst>
+            </p:seq>
+          </p:childTnLst>
+        </p:cTn>
+      </p:par>
+    </p:tnLst>
+    <p:bldLst>
+      <p:bldP spid="10" grpId="0" animBg="1"/>
+    </p:bldLst>
+  </p:timing>
+</p:sld>
+</file>
+
+<file path=ppt/slides/slide9.xml><?xml version="1.0" encoding="utf-8"?>
+<p:sld xmlns:a="http://schemas.openxmlformats.org/drawingml/2006/main" xmlns:r="http://schemas.openxmlformats.org/officeDocument/2006/relationships" xmlns:p="http://schemas.openxmlformats.org/presentationml/2006/main">
+  <p:cSld>
+    <p:bg>
+      <p:bgPr>
+        <a:solidFill>
+          <a:schemeClr val="bg1"/>
+        </a:solidFill>
+        <a:effectLst/>
+      </p:bgPr>
+    </p:bg>
+    <p:spTree>
+      <p:nvGrpSpPr>
+        <p:cNvPr id="1" name=""/>
+        <p:cNvGrpSpPr/>
+        <p:nvPr/>
+      </p:nvGrpSpPr>
+      <p:grpSpPr>
+        <a:xfrm>
+          <a:off x="0" y="0"/>
+          <a:ext cx="0" cy="0"/>
+          <a:chOff x="0" y="0"/>
+          <a:chExt cx="0" cy="0"/>
+        </a:xfrm>
+      </p:grpSpPr>
+      <p:sp useBgFill="1">
+        <p:nvSpPr>
+          <p:cNvPr id="8" name="Rectangle 7">
+            <a:extLst>
+              <a:ext uri="{FF2B5EF4-FFF2-40B4-BE49-F238E27FC236}">
+                <a16:creationId xmlns:a16="http://schemas.microsoft.com/office/drawing/2014/main" id="{907EF6B7-1338-4443-8C46-6A318D952DFD}"/>
+              </a:ext>
+              <a:ext uri="{C183D7F6-B498-43B3-948B-1728B52AA6E4}">
+                <adec:decorative xmlns:adec="http://schemas.microsoft.com/office/drawing/2017/decorative" val="1"/>
+              </a:ext>
+            </a:extLst>
+          </p:cNvPr>
+          <p:cNvSpPr>
+            <a:spLocks noGrp="1" noRot="1" noChangeAspect="1" noMove="1" noResize="1" noEditPoints="1" noAdjustHandles="1" noChangeArrowheads="1" noChangeShapeType="1" noTextEdit="1"/>
+          </p:cNvSpPr>
+          <p:nvPr>
+            <p:extLst>
+              <p:ext uri="{386F3935-93C4-4BCD-93E2-E3B085C9AB24}">
+                <p16:designElem xmlns:p16="http://schemas.microsoft.com/office/powerpoint/2015/main" val="1"/>
+              </p:ext>
+            </p:extLst>
+          </p:nvPr>
+        </p:nvSpPr>
+        <p:spPr>
+          <a:xfrm>
+            <a:off x="3048" y="0"/>
+            <a:ext cx="12188952" cy="6858000"/>
+          </a:xfrm>
+          <a:prstGeom prst="rect">
+            <a:avLst/>
+          </a:prstGeom>
+          <a:ln>
+            <a:noFill/>
+          </a:ln>
+        </p:spPr>
+        <p:style>
+          <a:lnRef idx="2">
+            <a:schemeClr val="accent1">
+              <a:shade val="50000"/>
+            </a:schemeClr>
+          </a:lnRef>
+          <a:fillRef idx="1">
+            <a:schemeClr val="accent1"/>
+          </a:fillRef>
+          <a:effectRef idx="0">
+            <a:schemeClr val="accent1"/>
+          </a:effectRef>
+          <a:fontRef idx="minor">
+            <a:schemeClr val="lt1"/>
+          </a:fontRef>
+        </p:style>
+        <p:txBody>
+          <a:bodyPr rtlCol="0" anchor="ctr"/>
+          <a:lstStyle/>
+          <a:p>
+            <a:pPr algn="ctr"/>
+            <a:endParaRPr lang="en-US" dirty="0"/>
+          </a:p>
+        </p:txBody>
+      </p:sp>
+      <p:sp>
+        <p:nvSpPr>
+          <p:cNvPr id="10" name="Freeform: Shape 9">
+            <a:extLst>
+              <a:ext uri="{FF2B5EF4-FFF2-40B4-BE49-F238E27FC236}">
+                <a16:creationId xmlns:a16="http://schemas.microsoft.com/office/drawing/2014/main" id="{DAAE4CDD-124C-4DCF-9584-B6033B545DD5}"/>
+              </a:ext>
+              <a:ext uri="{C183D7F6-B498-43B3-948B-1728B52AA6E4}">
+                <adec:decorative xmlns:adec="http://schemas.microsoft.com/office/drawing/2017/decorative" val="1"/>
+              </a:ext>
+            </a:extLst>
+          </p:cNvPr>
+          <p:cNvSpPr>
+            <a:spLocks noChangeAspect="1"/>
+          </p:cNvSpPr>
+          <p:nvPr>
+            <p:extLst>
+              <p:ext uri="{386F3935-93C4-4BCD-93E2-E3B085C9AB24}">
+                <p16:designElem xmlns:p16="http://schemas.microsoft.com/office/powerpoint/2015/main" val="1"/>
+              </p:ext>
+            </p:extLst>
+          </p:nvPr>
+        </p:nvSpPr>
+        <p:spPr>
+          <a:xfrm>
+            <a:off x="1" y="0"/>
+            <a:ext cx="4167271" cy="6858000"/>
+          </a:xfrm>
+          <a:custGeom>
+            <a:avLst/>
+            <a:gdLst>
+              <a:gd name="connsiteX0" fmla="*/ 0 w 4167271"/>
+              <a:gd name="connsiteY0" fmla="*/ 0 h 6858000"/>
+              <a:gd name="connsiteX1" fmla="*/ 2259550 w 4167271"/>
+              <a:gd name="connsiteY1" fmla="*/ 0 h 6858000"/>
+              <a:gd name="connsiteX2" fmla="*/ 2387803 w 4167271"/>
+              <a:gd name="connsiteY2" fmla="*/ 82222 h 6858000"/>
+              <a:gd name="connsiteX3" fmla="*/ 4167271 w 4167271"/>
+              <a:gd name="connsiteY3" fmla="*/ 3429000 h 6858000"/>
+              <a:gd name="connsiteX4" fmla="*/ 2387803 w 4167271"/>
+              <a:gd name="connsiteY4" fmla="*/ 6775779 h 6858000"/>
+              <a:gd name="connsiteX5" fmla="*/ 2259550 w 4167271"/>
+              <a:gd name="connsiteY5" fmla="*/ 6858000 h 6858000"/>
+              <a:gd name="connsiteX6" fmla="*/ 0 w 4167271"/>
+              <a:gd name="connsiteY6" fmla="*/ 6858000 h 6858000"/>
+            </a:gdLst>
+            <a:ahLst/>
+            <a:cxnLst>
+              <a:cxn ang="0">
+                <a:pos x="connsiteX0" y="connsiteY0"/>
+              </a:cxn>
+              <a:cxn ang="0">
+                <a:pos x="connsiteX1" y="connsiteY1"/>
+              </a:cxn>
+              <a:cxn ang="0">
+                <a:pos x="connsiteX2" y="connsiteY2"/>
+              </a:cxn>
+              <a:cxn ang="0">
+                <a:pos x="connsiteX3" y="connsiteY3"/>
+              </a:cxn>
+              <a:cxn ang="0">
+                <a:pos x="connsiteX4" y="connsiteY4"/>
+              </a:cxn>
+              <a:cxn ang="0">
+                <a:pos x="connsiteX5" y="connsiteY5"/>
+              </a:cxn>
+              <a:cxn ang="0">
+                <a:pos x="connsiteX6" y="connsiteY6"/>
+              </a:cxn>
+            </a:cxnLst>
+            <a:rect l="l" t="t" r="r" b="b"/>
+            <a:pathLst>
+              <a:path w="4167271" h="6858000">
+                <a:moveTo>
+                  <a:pt x="0" y="0"/>
+                </a:moveTo>
+                <a:lnTo>
+                  <a:pt x="2259550" y="0"/>
+                </a:lnTo>
+                <a:lnTo>
+                  <a:pt x="2387803" y="82222"/>
+                </a:lnTo>
+                <a:cubicBezTo>
+                  <a:pt x="3461407" y="807534"/>
+                  <a:pt x="4167271" y="2035835"/>
+                  <a:pt x="4167271" y="3429000"/>
+                </a:cubicBezTo>
+                <a:cubicBezTo>
+                  <a:pt x="4167271" y="4822165"/>
+                  <a:pt x="3461407" y="6050467"/>
+                  <a:pt x="2387803" y="6775779"/>
+                </a:cubicBezTo>
+                <a:lnTo>
+                  <a:pt x="2259550" y="6858000"/>
+                </a:lnTo>
+                <a:lnTo>
+                  <a:pt x="0" y="6858000"/>
+                </a:lnTo>
+                <a:close/>
+              </a:path>
+            </a:pathLst>
+          </a:custGeom>
+          <a:gradFill flip="none" rotWithShape="1">
+            <a:gsLst>
+              <a:gs pos="0">
+                <a:schemeClr val="accent2">
+                  <a:lumMod val="67000"/>
+                </a:schemeClr>
+              </a:gs>
+              <a:gs pos="48000">
+                <a:schemeClr val="accent2">
+                  <a:lumMod val="97000"/>
+                  <a:lumOff val="3000"/>
+                </a:schemeClr>
+              </a:gs>
+              <a:gs pos="100000">
+                <a:schemeClr val="accent2">
+                  <a:lumMod val="60000"/>
+                  <a:lumOff val="40000"/>
+                </a:schemeClr>
+              </a:gs>
+            </a:gsLst>
+            <a:lin ang="16200000" scaled="1"/>
+            <a:tileRect/>
+          </a:gradFill>
+          <a:ln>
+            <a:noFill/>
+          </a:ln>
+        </p:spPr>
+        <p:style>
+          <a:lnRef idx="0">
+            <a:scrgbClr r="0" g="0" b="0"/>
+          </a:lnRef>
+          <a:fillRef idx="0">
+            <a:scrgbClr r="0" g="0" b="0"/>
+          </a:fillRef>
+          <a:effectRef idx="0">
+            <a:scrgbClr r="0" g="0" b="0"/>
+          </a:effectRef>
+          <a:fontRef idx="minor">
+            <a:schemeClr val="lt1"/>
+          </a:fontRef>
+        </p:style>
+        <p:txBody>
+          <a:bodyPr rtlCol="0" anchor="ctr"/>
+          <a:lstStyle/>
+          <a:p>
+            <a:pPr algn="ctr"/>
+            <a:endParaRPr lang="en-US" dirty="0"/>
+          </a:p>
+        </p:txBody>
+      </p:sp>
+      <p:sp>
+        <p:nvSpPr>
+          <p:cNvPr id="2" name="Title 1">
+            <a:extLst>
+              <a:ext uri="{FF2B5EF4-FFF2-40B4-BE49-F238E27FC236}">
+                <a16:creationId xmlns:a16="http://schemas.microsoft.com/office/drawing/2014/main" id="{604CD088-9924-FDF8-32EA-64AD14C5DE41}"/>
+              </a:ext>
+            </a:extLst>
+          </p:cNvPr>
+          <p:cNvSpPr>
+            <a:spLocks noGrp="1"/>
+          </p:cNvSpPr>
+          <p:nvPr>
+            <p:ph type="title"/>
+          </p:nvPr>
+        </p:nvSpPr>
+        <p:spPr>
+          <a:xfrm>
+            <a:off x="686834" y="1153572"/>
+            <a:ext cx="3345904" cy="4461163"/>
+          </a:xfrm>
+        </p:spPr>
+        <p:txBody>
+          <a:bodyPr>
+            <a:normAutofit/>
+          </a:bodyPr>
+          <a:lstStyle/>
+          <a:p>
+            <a:r>
+              <a:rPr lang="en-US" dirty="0">
+                <a:solidFill>
+                  <a:srgbClr val="FFFFFF"/>
+                </a:solidFill>
+              </a:rPr>
+              <a:t>Types of Tests</a:t>
+            </a:r>
+          </a:p>
+        </p:txBody>
+      </p:sp>
+      <p:sp>
+        <p:nvSpPr>
+          <p:cNvPr id="12" name="Arc 11">
+            <a:extLst>
+              <a:ext uri="{FF2B5EF4-FFF2-40B4-BE49-F238E27FC236}">
+                <a16:creationId xmlns:a16="http://schemas.microsoft.com/office/drawing/2014/main" id="{081E4A58-353D-44AE-B2FC-2A74E2E400F7}"/>
+              </a:ext>
+              <a:ext uri="{C183D7F6-B498-43B3-948B-1728B52AA6E4}">
+                <adec:decorative xmlns:adec="http://schemas.microsoft.com/office/drawing/2017/decorative" val="1"/>
+              </a:ext>
+            </a:extLst>
+          </p:cNvPr>
+          <p:cNvSpPr>
+            <a:spLocks noGrp="1" noRot="1" noChangeAspect="1" noMove="1" noResize="1" noEditPoints="1" noAdjustHandles="1" noChangeArrowheads="1" noChangeShapeType="1" noTextEdit="1"/>
+          </p:cNvSpPr>
+          <p:nvPr>
+            <p:extLst>
+              <p:ext uri="{386F3935-93C4-4BCD-93E2-E3B085C9AB24}">
+                <p16:designElem xmlns:p16="http://schemas.microsoft.com/office/powerpoint/2015/main" val="1"/>
+              </p:ext>
+            </p:extLst>
+          </p:nvPr>
+        </p:nvSpPr>
+        <p:spPr>
+          <a:xfrm flipV="1">
+            <a:off x="7550402" y="2455479"/>
+            <a:ext cx="4083433" cy="4083433"/>
+          </a:xfrm>
+          <a:prstGeom prst="arc">
+            <a:avLst/>
+          </a:prstGeom>
+          <a:ln w="127000" cap="rnd">
+            <a:solidFill>
+              <a:schemeClr val="accent4"/>
+            </a:solidFill>
+            <a:prstDash val="dash"/>
+          </a:ln>
+        </p:spPr>
+        <p:style>
+          <a:lnRef idx="1">
+            <a:schemeClr val="accent1"/>
+          </a:lnRef>
+          <a:fillRef idx="0">
+            <a:schemeClr val="accent1"/>
+          </a:fillRef>
+          <a:effectRef idx="0">
+            <a:schemeClr val="accent1"/>
+          </a:effectRef>
+          <a:fontRef idx="minor">
+            <a:schemeClr val="tx1"/>
+          </a:fontRef>
+        </p:style>
+        <p:txBody>
+          <a:bodyPr rtlCol="0" anchor="ctr"/>
+          <a:lstStyle/>
+          <a:p>
+            <a:pPr algn="ctr"/>
+            <a:endParaRPr lang="en-US" dirty="0"/>
+          </a:p>
+        </p:txBody>
+      </p:sp>
+      <p:sp>
+        <p:nvSpPr>
+          <p:cNvPr id="4" name="TextBox 3">
+            <a:extLst>
+              <a:ext uri="{FF2B5EF4-FFF2-40B4-BE49-F238E27FC236}">
+                <a16:creationId xmlns:a16="http://schemas.microsoft.com/office/drawing/2014/main" id="{2C69869B-D5D4-A3E6-63AF-2C0C44C4A1E5}"/>
+              </a:ext>
+            </a:extLst>
+          </p:cNvPr>
+          <p:cNvSpPr txBox="1"/>
+          <p:nvPr/>
+        </p:nvSpPr>
+        <p:spPr>
+          <a:xfrm>
+            <a:off x="4346628" y="5757851"/>
+            <a:ext cx="4987327" cy="369332"/>
+          </a:xfrm>
+          <a:prstGeom prst="rect">
+            <a:avLst/>
+          </a:prstGeom>
+          <a:noFill/>
+        </p:spPr>
+        <p:txBody>
+          <a:bodyPr wrap="none" rtlCol="0">
+            <a:spAutoFit/>
+          </a:bodyPr>
+          <a:lstStyle/>
+          <a:p>
+            <a:r>
+              <a:rPr lang="en-US" dirty="0"/>
+              <a:t>Nick </a:t>
+            </a:r>
+            <a:r>
+              <a:rPr lang="en-US" dirty="0" err="1"/>
+              <a:t>Chapsas</a:t>
+            </a:r>
+            <a:r>
+              <a:rPr lang="en-US" dirty="0"/>
+              <a:t> – From Zero To Hero: Effective Testing</a:t>
+            </a:r>
+          </a:p>
+        </p:txBody>
+      </p:sp>
+      <p:sp>
+        <p:nvSpPr>
+          <p:cNvPr id="5" name="AutoShape 2">
+            <a:extLst>
+              <a:ext uri="{FF2B5EF4-FFF2-40B4-BE49-F238E27FC236}">
+                <a16:creationId xmlns:a16="http://schemas.microsoft.com/office/drawing/2014/main" id="{8F785126-DE23-40A1-E13E-D0B650F66AD5}"/>
+              </a:ext>
+            </a:extLst>
+          </p:cNvPr>
+          <p:cNvSpPr>
+            <a:spLocks noChangeAspect="1" noChangeArrowheads="1"/>
+          </p:cNvSpPr>
+          <p:nvPr/>
+        </p:nvSpPr>
+        <p:spPr bwMode="auto">
+          <a:xfrm>
+            <a:off x="5943600" y="3276600"/>
+            <a:ext cx="304800" cy="304800"/>
+          </a:xfrm>
+          <a:prstGeom prst="rect">
+            <a:avLst/>
+          </a:prstGeom>
+          <a:noFill/>
+          <a:extLst>
+            <a:ext uri="{909E8E84-426E-40DD-AFC4-6F175D3DCCD1}">
+              <a14:hiddenFill xmlns:a14="http://schemas.microsoft.com/office/drawing/2010/main">
+                <a:solidFill>
+                  <a:srgbClr val="FFFFFF"/>
+                </a:solidFill>
+              </a14:hiddenFill>
+            </a:ext>
+          </a:extLst>
+        </p:spPr>
+        <p:txBody>
+          <a:bodyPr vert="horz" wrap="square" lIns="91440" tIns="45720" rIns="91440" bIns="45720" numCol="1" anchor="t" anchorCtr="0" compatLnSpc="1">
+            <a:prstTxWarp prst="textNoShape">
+              <a:avLst/>
+            </a:prstTxWarp>
+          </a:bodyPr>
+          <a:lstStyle/>
+          <a:p>
+            <a:endParaRPr lang="en-US"/>
+          </a:p>
+        </p:txBody>
+      </p:sp>
+      <p:pic>
+        <p:nvPicPr>
+          <p:cNvPr id="11" name="Content Placeholder 10">
+            <a:extLst>
+              <a:ext uri="{FF2B5EF4-FFF2-40B4-BE49-F238E27FC236}">
+                <a16:creationId xmlns:a16="http://schemas.microsoft.com/office/drawing/2014/main" id="{535A5E21-034A-68E3-D7D7-BF2A98B65AED}"/>
+              </a:ext>
+            </a:extLst>
+          </p:cNvPr>
+          <p:cNvPicPr>
+            <a:picLocks noGrp="1" noChangeAspect="1"/>
+          </p:cNvPicPr>
+          <p:nvPr>
+            <p:ph idx="1"/>
+          </p:nvPr>
+        </p:nvPicPr>
+        <p:blipFill>
+          <a:blip r:embed="rId3"/>
+          <a:stretch>
+            <a:fillRect/>
+          </a:stretch>
+        </p:blipFill>
+        <p:spPr bwMode="auto">
+          <a:xfrm>
+            <a:off x="4170125" y="536858"/>
+            <a:ext cx="7335041" cy="4916786"/>
+          </a:xfrm>
+          <a:prstGeom prst="rect">
+            <a:avLst/>
+          </a:prstGeom>
+          <a:noFill/>
+          <a:extLst>
+            <a:ext uri="{909E8E84-426E-40DD-AFC4-6F175D3DCCD1}">
+              <a14:hiddenFill xmlns:a14="http://schemas.microsoft.com/office/drawing/2010/main">
+                <a:solidFill>
+                  <a:srgbClr val="FFFFFF"/>
+                </a:solidFill>
+              </a14:hiddenFill>
+            </a:ext>
+          </a:extLst>
+        </p:spPr>
+      </p:pic>
+    </p:spTree>
+    <p:extLst>
+      <p:ext uri="{BB962C8B-B14F-4D97-AF65-F5344CB8AC3E}">
+        <p14:creationId xmlns:p14="http://schemas.microsoft.com/office/powerpoint/2010/main" val="485199577"/>
+      </p:ext>
+    </p:extLst>
+  </p:cSld>
+  <p:clrMapOvr>
+    <a:masterClrMapping/>
+  </p:clrMapOvr>
+  <p:timing>
+    <p:tnLst>
+      <p:par>
+        <p:cTn id="1" dur="indefinite" restart="never" nodeType="tmRoot">
+          <p:childTnLst>
+            <p:seq concurrent="1" nextAc="seek">
+              <p:cTn id="2" dur="indefinite" nodeType="mainSeq">
+                <p:childTnLst>
+                  <p:par>
+                    <p:cTn id="3" fill="hold">
+                      <p:stCondLst>
+                        <p:cond delay="indefinite"/>
+                      </p:stCondLst>
+                      <p:childTnLst>
+                        <p:par>
+                          <p:cTn id="4" fill="hold">
+                            <p:stCondLst>
+                              <p:cond delay="0"/>
+                            </p:stCondLst>
+                            <p:childTnLst>
+                              <p:par>
+                                <p:cTn id="5" presetID="2" presetClass="entr" presetSubtype="8" fill="hold" grpId="0" nodeType="clickEffect">
+                                  <p:stCondLst>
+                                    <p:cond delay="0"/>
+                                  </p:stCondLst>
+                                  <p:childTnLst>
+                                    <p:set>
+                                      <p:cBhvr>
+                                        <p:cTn id="6" dur="1" fill="hold">
+                                          <p:stCondLst>
+                                            <p:cond delay="0"/>
+                                          </p:stCondLst>
+                                        </p:cTn>
+                                        <p:tgtEl>
+                                          <p:spTgt spid="10"/>
+                                        </p:tgtEl>
+                                        <p:attrNameLst>
+                                          <p:attrName>style.visibility</p:attrName>
+                                        </p:attrNameLst>
+                                      </p:cBhvr>
+                                      <p:to>
+                                        <p:strVal val="visible"/>
+                                      </p:to>
+                                    </p:set>
+                                    <p:anim calcmode="lin" valueType="num">
+                                      <p:cBhvr additive="base">
+                                        <p:cTn id="7" dur="3500" fill="hold"/>
+                                        <p:tgtEl>
+                                          <p:spTgt spid="10"/>
+                                        </p:tgtEl>
+                                        <p:attrNameLst>
+                                          <p:attrName>ppt_x</p:attrName>
+                                        </p:attrNameLst>
+                                      </p:cBhvr>
+                                      <p:tavLst>
+                                        <p:tav tm="0">
+                                          <p:val>
+                                            <p:strVal val="0-#ppt_w/2"/>
+                                          </p:val>
+                                        </p:tav>
+                                        <p:tav tm="100000">
+                                          <p:val>
+                                            <p:strVal val="#ppt_x"/>
+                                          </p:val>
+                                        </p:tav>
+                                      </p:tavLst>
+                                    </p:anim>
+                                    <p:anim calcmode="lin" valueType="num">
+                                      <p:cBhvr additive="base">
+                                        <p:cTn id="8" dur="3500" fill="hold"/>
+                                        <p:tgtEl>
+                                          <p:spTgt spid="10"/>
+                                        </p:tgtEl>
+                                        <p:attrNameLst>
+                                          <p:attrName>ppt_y</p:attrName>
+                                        </p:attrNameLst>
+                                      </p:cBhvr>
+                                      <p:tavLst>
+                                        <p:tav tm="0">
+                                          <p:val>
+                                            <p:strVal val="#ppt_y"/>
+                                          </p:val>
+                                        </p:tav>
+                                        <p:tav tm="100000">
+                                          <p:val>
+                                            <p:strVal val="#ppt_y"/>
+                                          </p:val>
+                                        </p:tav>
+                                      </p:tavLst>
+                                    </p:anim>
+                                  </p:childTnLst>
+                                </p:cTn>
+                              </p:par>
+                            </p:childTnLst>
+                          </p:cTn>
+                        </p:par>
+                      </p:childTnLst>
+                    </p:cTn>
+                  </p:par>
+                </p:childTnLst>
+              </p:cTn>
+              <p:prevCondLst>
+                <p:cond evt="onPrev" delay="0">
+                  <p:tgtEl>
+                    <p:sldTgt/>
+                  </p:tgtEl>
+                </p:cond>
+              </p:prevCondLst>
+              <p:nextCondLst>
+                <p:cond evt="onNext" delay="0">
+                  <p:tgtEl>
+                    <p:sldTgt/>
+                  </p:tgtEl>
+                </p:cond>
+              </p:nextCondLst>
+            </p:seq>
+          </p:childTnLst>
+        </p:cTn>
+      </p:par>
+    </p:tnLst>
+    <p:bldLst>
+      <p:bldP spid="10" grpId="0" animBg="1"/>
+    </p:bldLst>
+  </p:timing>
 </p:sld>
 </file>
 
@@ -7367,4 +15198,18 @@
     </a:ext>
   </a:extLst>
 </a:theme>
+</file>
+
+<file path=ppt/webextensions/webextension1.xml><?xml version="1.0" encoding="utf-8"?>
+<we:webextension xmlns:we="http://schemas.microsoft.com/office/webextensions/webextension/2010/11" id="{26D2DC7F-7A12-4762-B1EE-C9ED760B7081}">
+  <we:reference id="wa200004824" version="1.0.0.0" store="en-US" storeType="OMEX"/>
+  <we:alternateReferences>
+    <we:reference id="wa200004824" version="1.0.0.0" store="wa200004824" storeType="OMEX"/>
+  </we:alternateReferences>
+  <we:properties>
+    <we:property name="aha-slide" value="{&quot;slideId&quot;:&quot;92816756&quot;}"/>
+  </we:properties>
+  <we:bindings/>
+  <we:snapshot xmlns:r="http://schemas.openxmlformats.org/officeDocument/2006/relationships" r:embed="rId1"/>
+</we:webextension>
 </file>
--- a/ThatConference2023.pptx
+++ b/ThatConference2023.pptx
@@ -261,7 +261,7 @@
           <a:p>
             <a:fld id="{BA065681-88F1-4872-B208-B53BCC8B42F3}" type="datetimeFigureOut">
               <a:rPr lang="en-US" smtClean="0"/>
-              <a:t>6/4/2023</a:t>
+              <a:t>6/6/2023</a:t>
             </a:fld>
             <a:endParaRPr lang="en-US"/>
           </a:p>
@@ -2208,7 +2208,7 @@
           <a:p>
             <a:fld id="{846CE7D5-CF57-46EF-B807-FDD0502418D4}" type="datetimeFigureOut">
               <a:rPr lang="en-US" smtClean="0"/>
-              <a:t>6/4/2023</a:t>
+              <a:t>6/6/2023</a:t>
             </a:fld>
             <a:endParaRPr lang="en-US" dirty="0"/>
           </a:p>
@@ -2378,7 +2378,7 @@
           <a:p>
             <a:fld id="{846CE7D5-CF57-46EF-B807-FDD0502418D4}" type="datetimeFigureOut">
               <a:rPr lang="en-US" smtClean="0"/>
-              <a:t>6/4/2023</a:t>
+              <a:t>6/6/2023</a:t>
             </a:fld>
             <a:endParaRPr lang="en-US" dirty="0"/>
           </a:p>
@@ -2558,7 +2558,7 @@
           <a:p>
             <a:fld id="{846CE7D5-CF57-46EF-B807-FDD0502418D4}" type="datetimeFigureOut">
               <a:rPr lang="en-US" smtClean="0"/>
-              <a:t>6/4/2023</a:t>
+              <a:t>6/6/2023</a:t>
             </a:fld>
             <a:endParaRPr lang="en-US" dirty="0"/>
           </a:p>
@@ -2728,7 +2728,7 @@
           <a:p>
             <a:fld id="{846CE7D5-CF57-46EF-B807-FDD0502418D4}" type="datetimeFigureOut">
               <a:rPr lang="en-US" smtClean="0"/>
-              <a:t>6/4/2023</a:t>
+              <a:t>6/6/2023</a:t>
             </a:fld>
             <a:endParaRPr lang="en-US" dirty="0"/>
           </a:p>
@@ -2974,7 +2974,7 @@
           <a:p>
             <a:fld id="{846CE7D5-CF57-46EF-B807-FDD0502418D4}" type="datetimeFigureOut">
               <a:rPr lang="en-US" smtClean="0"/>
-              <a:t>6/4/2023</a:t>
+              <a:t>6/6/2023</a:t>
             </a:fld>
             <a:endParaRPr lang="en-US" dirty="0"/>
           </a:p>
@@ -3206,7 +3206,7 @@
           <a:p>
             <a:fld id="{846CE7D5-CF57-46EF-B807-FDD0502418D4}" type="datetimeFigureOut">
               <a:rPr lang="en-US" smtClean="0"/>
-              <a:t>6/4/2023</a:t>
+              <a:t>6/6/2023</a:t>
             </a:fld>
             <a:endParaRPr lang="en-US" dirty="0"/>
           </a:p>
@@ -3573,7 +3573,7 @@
           <a:p>
             <a:fld id="{846CE7D5-CF57-46EF-B807-FDD0502418D4}" type="datetimeFigureOut">
               <a:rPr lang="en-US" smtClean="0"/>
-              <a:t>6/4/2023</a:t>
+              <a:t>6/6/2023</a:t>
             </a:fld>
             <a:endParaRPr lang="en-US" dirty="0"/>
           </a:p>
@@ -3691,7 +3691,7 @@
           <a:p>
             <a:fld id="{846CE7D5-CF57-46EF-B807-FDD0502418D4}" type="datetimeFigureOut">
               <a:rPr lang="en-US" smtClean="0"/>
-              <a:t>6/4/2023</a:t>
+              <a:t>6/6/2023</a:t>
             </a:fld>
             <a:endParaRPr lang="en-US" dirty="0"/>
           </a:p>
@@ -3786,7 +3786,7 @@
           <a:p>
             <a:fld id="{846CE7D5-CF57-46EF-B807-FDD0502418D4}" type="datetimeFigureOut">
               <a:rPr lang="en-US" smtClean="0"/>
-              <a:t>6/4/2023</a:t>
+              <a:t>6/6/2023</a:t>
             </a:fld>
             <a:endParaRPr lang="en-US" dirty="0"/>
           </a:p>
@@ -4063,7 +4063,7 @@
           <a:p>
             <a:fld id="{846CE7D5-CF57-46EF-B807-FDD0502418D4}" type="datetimeFigureOut">
               <a:rPr lang="en-US" smtClean="0"/>
-              <a:t>6/4/2023</a:t>
+              <a:t>6/6/2023</a:t>
             </a:fld>
             <a:endParaRPr lang="en-US" dirty="0"/>
           </a:p>
@@ -4319,7 +4319,7 @@
           <a:p>
             <a:fld id="{846CE7D5-CF57-46EF-B807-FDD0502418D4}" type="datetimeFigureOut">
               <a:rPr lang="en-US" smtClean="0"/>
-              <a:t>6/4/2023</a:t>
+              <a:t>6/6/2023</a:t>
             </a:fld>
             <a:endParaRPr lang="en-US" dirty="0"/>
           </a:p>
@@ -4532,7 +4532,7 @@
           <a:p>
             <a:fld id="{846CE7D5-CF57-46EF-B807-FDD0502418D4}" type="datetimeFigureOut">
               <a:rPr lang="en-US" smtClean="0"/>
-              <a:t>6/4/2023</a:t>
+              <a:t>6/6/2023</a:t>
             </a:fld>
             <a:endParaRPr lang="en-US" dirty="0"/>
           </a:p>
@@ -8771,6 +8771,25 @@
             </a:r>
           </a:p>
           <a:p>
+            <a:pPr lvl="2"/>
+            <a:r>
+              <a:rPr lang="en-US" dirty="0">
+                <a:solidFill>
+                  <a:srgbClr val="111111"/>
+                </a:solidFill>
+                <a:latin typeface="-apple-system"/>
+              </a:rPr>
+              <a:t>Markdown</a:t>
+            </a:r>
+            <a:endParaRPr lang="en-US" b="0" i="0" dirty="0">
+              <a:solidFill>
+                <a:srgbClr val="111111"/>
+              </a:solidFill>
+              <a:effectLst/>
+              <a:latin typeface="-apple-system"/>
+            </a:endParaRPr>
+          </a:p>
+          <a:p>
             <a:pPr lvl="1"/>
             <a:r>
               <a:rPr lang="en-US" b="0" i="0" dirty="0">
@@ -8795,7 +8814,50 @@
               </a:rPr>
               <a:t>Given, When, Then – acceptance criteria</a:t>
             </a:r>
+          </a:p>
+          <a:p>
+            <a:pPr lvl="2"/>
+            <a:r>
+              <a:rPr lang="en-US" dirty="0">
+                <a:solidFill>
+                  <a:srgbClr val="111111"/>
+                </a:solidFill>
+                <a:latin typeface="-apple-system"/>
+              </a:rPr>
+              <a:t>Method matching / Arguments</a:t>
+            </a:r>
+          </a:p>
+          <a:p>
+            <a:pPr lvl="2"/>
+            <a:r>
+              <a:rPr lang="en-US" dirty="0">
+                <a:solidFill>
+                  <a:srgbClr val="111111"/>
+                </a:solidFill>
+                <a:latin typeface="-apple-system"/>
+              </a:rPr>
+              <a:t>Tables</a:t>
+            </a:r>
             <a:endParaRPr lang="en-US" dirty="0"/>
+          </a:p>
+          <a:p>
+            <a:pPr lvl="1"/>
+            <a:r>
+              <a:rPr lang="en-US" b="0" i="0" dirty="0">
+                <a:solidFill>
+                  <a:srgbClr val="111111"/>
+                </a:solidFill>
+                <a:effectLst/>
+                <a:latin typeface="-apple-system"/>
+              </a:rPr>
+              <a:t>And, But, * - successive Given When Then</a:t>
+            </a:r>
+            <a:endParaRPr lang="en-US" dirty="0">
+              <a:solidFill>
+                <a:srgbClr val="111111"/>
+              </a:solidFill>
+              <a:latin typeface="-apple-system"/>
+            </a:endParaRPr>
           </a:p>
           <a:p>
             <a:pPr lvl="1"/>
@@ -8809,9 +8871,9 @@
               </a:rPr>
               <a:t>Background – Something that happens for every feature</a:t>
             </a:r>
-            <a:br>
-              <a:rPr lang="en-US" dirty="0"/>
-            </a:br>
+          </a:p>
+          <a:p>
+            <a:pPr lvl="1"/>
             <a:r>
               <a:rPr lang="en-US" b="0" i="0" dirty="0">
                 <a:solidFill>
@@ -8820,11 +8882,11 @@
                 <a:effectLst/>
                 <a:latin typeface="-apple-system"/>
               </a:rPr>
-              <a:t>And - </a:t>
-            </a:r>
-            <a:br>
-              <a:rPr lang="en-US" dirty="0"/>
-            </a:br>
+              <a:t>Scenario Outline – Run same tests with different data</a:t>
+            </a:r>
+          </a:p>
+          <a:p>
+            <a:pPr lvl="2"/>
             <a:r>
               <a:rPr lang="en-US" b="0" i="0" dirty="0">
                 <a:solidFill>
@@ -8833,61 +8895,8 @@
                 <a:effectLst/>
                 <a:latin typeface="-apple-system"/>
               </a:rPr>
-              <a:t>But</a:t>
-            </a:r>
-            <a:br>
-              <a:rPr lang="en-US" dirty="0"/>
-            </a:br>
-            <a:r>
-              <a:rPr lang="en-US" b="0" i="0" dirty="0">
-                <a:solidFill>
-                  <a:srgbClr val="111111"/>
-                </a:solidFill>
-                <a:effectLst/>
-                <a:latin typeface="-apple-system"/>
-              </a:rPr>
-              <a:t>#</a:t>
-            </a:r>
-            <a:br>
-              <a:rPr lang="en-US" dirty="0"/>
-            </a:br>
-            <a:r>
-              <a:rPr lang="en-US" b="0" i="0" dirty="0">
-                <a:solidFill>
-                  <a:srgbClr val="111111"/>
-                </a:solidFill>
-                <a:effectLst/>
-                <a:latin typeface="-apple-system"/>
-              </a:rPr>
-              <a:t>*</a:t>
-            </a:r>
-            <a:br>
-              <a:rPr lang="en-US" dirty="0"/>
-            </a:br>
-            <a:r>
-              <a:rPr lang="en-US" b="0" i="0" dirty="0">
-                <a:solidFill>
-                  <a:srgbClr val="111111"/>
-                </a:solidFill>
-                <a:effectLst/>
-                <a:latin typeface="-apple-system"/>
-              </a:rPr>
-              <a:t>Examples</a:t>
-            </a:r>
-            <a:br>
-              <a:rPr lang="en-US" dirty="0"/>
-            </a:br>
-            <a:r>
-              <a:rPr lang="en-US" b="0" i="0" dirty="0">
-                <a:solidFill>
-                  <a:srgbClr val="111111"/>
-                </a:solidFill>
-                <a:effectLst/>
-                <a:latin typeface="-apple-system"/>
-              </a:rPr>
-              <a:t>Scenario Outline</a:t>
-            </a:r>
-            <a:endParaRPr lang="en-US" dirty="0"/>
+              <a:t>Examples – defines data to run in Scenario Outline</a:t>
+            </a:r>
           </a:p>
         </p:txBody>
       </p:sp>

--- a/ThatConference2023.pptx
+++ b/ThatConference2023.pptx
@@ -5,7 +5,7 @@
     <p:sldMasterId id="2147483660" r:id="rId1"/>
   </p:sldMasterIdLst>
   <p:notesMasterIdLst>
-    <p:notesMasterId r:id="rId19"/>
+    <p:notesMasterId r:id="rId24"/>
   </p:notesMasterIdLst>
   <p:sldIdLst>
     <p:sldId id="256" r:id="rId2"/>
@@ -23,8 +23,13 @@
     <p:sldId id="301" r:id="rId14"/>
     <p:sldId id="304" r:id="rId15"/>
     <p:sldId id="302" r:id="rId16"/>
-    <p:sldId id="303" r:id="rId17"/>
-    <p:sldId id="300" r:id="rId18"/>
+    <p:sldId id="306" r:id="rId17"/>
+    <p:sldId id="307" r:id="rId18"/>
+    <p:sldId id="308" r:id="rId19"/>
+    <p:sldId id="305" r:id="rId20"/>
+    <p:sldId id="310" r:id="rId21"/>
+    <p:sldId id="303" r:id="rId22"/>
+    <p:sldId id="300" r:id="rId23"/>
   </p:sldIdLst>
   <p:sldSz cx="12192000" cy="6858000"/>
   <p:notesSz cx="6858000" cy="9144000"/>
@@ -143,6 +148,11 @@
             <p14:sldId id="301"/>
             <p14:sldId id="304"/>
             <p14:sldId id="302"/>
+            <p14:sldId id="306"/>
+            <p14:sldId id="307"/>
+            <p14:sldId id="308"/>
+            <p14:sldId id="305"/>
+            <p14:sldId id="310"/>
             <p14:sldId id="303"/>
             <p14:sldId id="300"/>
           </p14:sldIdLst>
@@ -261,7 +271,7 @@
           <a:p>
             <a:fld id="{BA065681-88F1-4872-B208-B53BCC8B42F3}" type="datetimeFigureOut">
               <a:rPr lang="en-US" smtClean="0"/>
-              <a:t>6/6/2023</a:t>
+              <a:t>6/20/2023</a:t>
             </a:fld>
             <a:endParaRPr lang="en-US"/>
           </a:p>
@@ -1191,6 +1201,43 @@
           <a:bodyPr/>
           <a:lstStyle/>
           <a:p>
+            <a:r>
+              <a:rPr lang="en-US" dirty="0"/>
+              <a:t>New Feature is edit request</a:t>
+            </a:r>
+          </a:p>
+          <a:p>
+            <a:r>
+              <a:rPr lang="en-US" dirty="0"/>
+              <a:t>We also need a Background</a:t>
+            </a:r>
+          </a:p>
+          <a:p>
+            <a:endParaRPr lang="en-US" dirty="0"/>
+          </a:p>
+          <a:p>
+            <a:r>
+              <a:rPr lang="en-US" dirty="0"/>
+              <a:t>Scenario Outline –  </a:t>
+            </a:r>
+            <a:r>
+              <a:rPr lang="en-US" dirty="0" err="1"/>
+              <a:t>TimeOffValidator</a:t>
+            </a:r>
+            <a:r>
+              <a:rPr lang="en-US" dirty="0"/>
+              <a:t> (updates)</a:t>
+            </a:r>
+          </a:p>
+          <a:p>
+            <a:r>
+              <a:rPr lang="en-US" dirty="0"/>
+              <a:t>Table – </a:t>
+            </a:r>
+            <a:r>
+              <a:rPr lang="en-US" dirty="0" err="1"/>
+              <a:t>TimeOffDateRange.feature</a:t>
+            </a:r>
             <a:endParaRPr lang="en-US" dirty="0"/>
           </a:p>
         </p:txBody>
@@ -1359,6 +1406,258 @@
           <a:bodyPr/>
           <a:lstStyle/>
           <a:p>
+            <a:endParaRPr lang="en-US" dirty="0"/>
+          </a:p>
+        </p:txBody>
+      </p:sp>
+      <p:sp>
+        <p:nvSpPr>
+          <p:cNvPr id="4" name="Slide Number Placeholder 3"/>
+          <p:cNvSpPr>
+            <a:spLocks noGrp="1"/>
+          </p:cNvSpPr>
+          <p:nvPr>
+            <p:ph type="sldNum" sz="quarter" idx="5"/>
+          </p:nvPr>
+        </p:nvSpPr>
+        <p:spPr/>
+        <p:txBody>
+          <a:bodyPr/>
+          <a:lstStyle/>
+          <a:p>
+            <a:fld id="{AAA20043-755E-4D2A-B767-23CBDFF65C2F}" type="slidenum">
+              <a:rPr lang="en-US" smtClean="0"/>
+              <a:t>16</a:t>
+            </a:fld>
+            <a:endParaRPr lang="en-US"/>
+          </a:p>
+        </p:txBody>
+      </p:sp>
+    </p:spTree>
+    <p:extLst>
+      <p:ext uri="{BB962C8B-B14F-4D97-AF65-F5344CB8AC3E}">
+        <p14:creationId xmlns:p14="http://schemas.microsoft.com/office/powerpoint/2010/main" val="310535517"/>
+      </p:ext>
+    </p:extLst>
+  </p:cSld>
+  <p:clrMapOvr>
+    <a:masterClrMapping/>
+  </p:clrMapOvr>
+</p:notes>
+</file>
+
+<file path=ppt/notesSlides/notesSlide16.xml><?xml version="1.0" encoding="utf-8"?>
+<p:notes xmlns:a="http://schemas.openxmlformats.org/drawingml/2006/main" xmlns:r="http://schemas.openxmlformats.org/officeDocument/2006/relationships" xmlns:p="http://schemas.openxmlformats.org/presentationml/2006/main">
+  <p:cSld>
+    <p:spTree>
+      <p:nvGrpSpPr>
+        <p:cNvPr id="1" name=""/>
+        <p:cNvGrpSpPr/>
+        <p:nvPr/>
+      </p:nvGrpSpPr>
+      <p:grpSpPr>
+        <a:xfrm>
+          <a:off x="0" y="0"/>
+          <a:ext cx="0" cy="0"/>
+          <a:chOff x="0" y="0"/>
+          <a:chExt cx="0" cy="0"/>
+        </a:xfrm>
+      </p:grpSpPr>
+      <p:sp>
+        <p:nvSpPr>
+          <p:cNvPr id="2" name="Slide Image Placeholder 1"/>
+          <p:cNvSpPr>
+            <a:spLocks noGrp="1" noRot="1" noChangeAspect="1"/>
+          </p:cNvSpPr>
+          <p:nvPr>
+            <p:ph type="sldImg"/>
+          </p:nvPr>
+        </p:nvSpPr>
+        <p:spPr/>
+      </p:sp>
+      <p:sp>
+        <p:nvSpPr>
+          <p:cNvPr id="3" name="Notes Placeholder 2"/>
+          <p:cNvSpPr>
+            <a:spLocks noGrp="1"/>
+          </p:cNvSpPr>
+          <p:nvPr>
+            <p:ph type="body" idx="1"/>
+          </p:nvPr>
+        </p:nvSpPr>
+        <p:spPr/>
+        <p:txBody>
+          <a:bodyPr/>
+          <a:lstStyle/>
+          <a:p>
+            <a:endParaRPr lang="en-US" dirty="0"/>
+          </a:p>
+        </p:txBody>
+      </p:sp>
+      <p:sp>
+        <p:nvSpPr>
+          <p:cNvPr id="4" name="Slide Number Placeholder 3"/>
+          <p:cNvSpPr>
+            <a:spLocks noGrp="1"/>
+          </p:cNvSpPr>
+          <p:nvPr>
+            <p:ph type="sldNum" sz="quarter" idx="5"/>
+          </p:nvPr>
+        </p:nvSpPr>
+        <p:spPr/>
+        <p:txBody>
+          <a:bodyPr/>
+          <a:lstStyle/>
+          <a:p>
+            <a:fld id="{AAA20043-755E-4D2A-B767-23CBDFF65C2F}" type="slidenum">
+              <a:rPr lang="en-US" smtClean="0"/>
+              <a:t>17</a:t>
+            </a:fld>
+            <a:endParaRPr lang="en-US"/>
+          </a:p>
+        </p:txBody>
+      </p:sp>
+    </p:spTree>
+    <p:extLst>
+      <p:ext uri="{BB962C8B-B14F-4D97-AF65-F5344CB8AC3E}">
+        <p14:creationId xmlns:p14="http://schemas.microsoft.com/office/powerpoint/2010/main" val="73048852"/>
+      </p:ext>
+    </p:extLst>
+  </p:cSld>
+  <p:clrMapOvr>
+    <a:masterClrMapping/>
+  </p:clrMapOvr>
+</p:notes>
+</file>
+
+<file path=ppt/notesSlides/notesSlide17.xml><?xml version="1.0" encoding="utf-8"?>
+<p:notes xmlns:a="http://schemas.openxmlformats.org/drawingml/2006/main" xmlns:r="http://schemas.openxmlformats.org/officeDocument/2006/relationships" xmlns:p="http://schemas.openxmlformats.org/presentationml/2006/main">
+  <p:cSld>
+    <p:spTree>
+      <p:nvGrpSpPr>
+        <p:cNvPr id="1" name=""/>
+        <p:cNvGrpSpPr/>
+        <p:nvPr/>
+      </p:nvGrpSpPr>
+      <p:grpSpPr>
+        <a:xfrm>
+          <a:off x="0" y="0"/>
+          <a:ext cx="0" cy="0"/>
+          <a:chOff x="0" y="0"/>
+          <a:chExt cx="0" cy="0"/>
+        </a:xfrm>
+      </p:grpSpPr>
+      <p:sp>
+        <p:nvSpPr>
+          <p:cNvPr id="2" name="Slide Image Placeholder 1"/>
+          <p:cNvSpPr>
+            <a:spLocks noGrp="1" noRot="1" noChangeAspect="1"/>
+          </p:cNvSpPr>
+          <p:nvPr>
+            <p:ph type="sldImg"/>
+          </p:nvPr>
+        </p:nvSpPr>
+        <p:spPr/>
+      </p:sp>
+      <p:sp>
+        <p:nvSpPr>
+          <p:cNvPr id="3" name="Notes Placeholder 2"/>
+          <p:cNvSpPr>
+            <a:spLocks noGrp="1"/>
+          </p:cNvSpPr>
+          <p:nvPr>
+            <p:ph type="body" idx="1"/>
+          </p:nvPr>
+        </p:nvSpPr>
+        <p:spPr/>
+        <p:txBody>
+          <a:bodyPr/>
+          <a:lstStyle/>
+          <a:p>
+            <a:endParaRPr lang="en-US" dirty="0"/>
+          </a:p>
+        </p:txBody>
+      </p:sp>
+      <p:sp>
+        <p:nvSpPr>
+          <p:cNvPr id="4" name="Slide Number Placeholder 3"/>
+          <p:cNvSpPr>
+            <a:spLocks noGrp="1"/>
+          </p:cNvSpPr>
+          <p:nvPr>
+            <p:ph type="sldNum" sz="quarter" idx="5"/>
+          </p:nvPr>
+        </p:nvSpPr>
+        <p:spPr/>
+        <p:txBody>
+          <a:bodyPr/>
+          <a:lstStyle/>
+          <a:p>
+            <a:fld id="{AAA20043-755E-4D2A-B767-23CBDFF65C2F}" type="slidenum">
+              <a:rPr lang="en-US" smtClean="0"/>
+              <a:t>18</a:t>
+            </a:fld>
+            <a:endParaRPr lang="en-US"/>
+          </a:p>
+        </p:txBody>
+      </p:sp>
+    </p:spTree>
+    <p:extLst>
+      <p:ext uri="{BB962C8B-B14F-4D97-AF65-F5344CB8AC3E}">
+        <p14:creationId xmlns:p14="http://schemas.microsoft.com/office/powerpoint/2010/main" val="65434503"/>
+      </p:ext>
+    </p:extLst>
+  </p:cSld>
+  <p:clrMapOvr>
+    <a:masterClrMapping/>
+  </p:clrMapOvr>
+</p:notes>
+</file>
+
+<file path=ppt/notesSlides/notesSlide18.xml><?xml version="1.0" encoding="utf-8"?>
+<p:notes xmlns:a="http://schemas.openxmlformats.org/drawingml/2006/main" xmlns:r="http://schemas.openxmlformats.org/officeDocument/2006/relationships" xmlns:p="http://schemas.openxmlformats.org/presentationml/2006/main">
+  <p:cSld>
+    <p:spTree>
+      <p:nvGrpSpPr>
+        <p:cNvPr id="1" name=""/>
+        <p:cNvGrpSpPr/>
+        <p:nvPr/>
+      </p:nvGrpSpPr>
+      <p:grpSpPr>
+        <a:xfrm>
+          <a:off x="0" y="0"/>
+          <a:ext cx="0" cy="0"/>
+          <a:chOff x="0" y="0"/>
+          <a:chExt cx="0" cy="0"/>
+        </a:xfrm>
+      </p:grpSpPr>
+      <p:sp>
+        <p:nvSpPr>
+          <p:cNvPr id="2" name="Slide Image Placeholder 1"/>
+          <p:cNvSpPr>
+            <a:spLocks noGrp="1" noRot="1" noChangeAspect="1"/>
+          </p:cNvSpPr>
+          <p:nvPr>
+            <p:ph type="sldImg"/>
+          </p:nvPr>
+        </p:nvSpPr>
+        <p:spPr/>
+      </p:sp>
+      <p:sp>
+        <p:nvSpPr>
+          <p:cNvPr id="3" name="Notes Placeholder 2"/>
+          <p:cNvSpPr>
+            <a:spLocks noGrp="1"/>
+          </p:cNvSpPr>
+          <p:nvPr>
+            <p:ph type="body" idx="1"/>
+          </p:nvPr>
+        </p:nvSpPr>
+        <p:spPr/>
+        <p:txBody>
+          <a:bodyPr/>
+          <a:lstStyle/>
+          <a:p>
             <a:r>
               <a:rPr lang="en-US" dirty="0"/>
               <a:t>END 2:37</a:t>
@@ -1383,7 +1682,7 @@
           <a:p>
             <a:fld id="{AAA20043-755E-4D2A-B767-23CBDFF65C2F}" type="slidenum">
               <a:rPr lang="en-US" smtClean="0"/>
-              <a:t>16</a:t>
+              <a:t>21</a:t>
             </a:fld>
             <a:endParaRPr lang="en-US"/>
           </a:p>
@@ -2208,7 +2507,7 @@
           <a:p>
             <a:fld id="{846CE7D5-CF57-46EF-B807-FDD0502418D4}" type="datetimeFigureOut">
               <a:rPr lang="en-US" smtClean="0"/>
-              <a:t>6/6/2023</a:t>
+              <a:t>6/20/2023</a:t>
             </a:fld>
             <a:endParaRPr lang="en-US" dirty="0"/>
           </a:p>
@@ -2378,7 +2677,7 @@
           <a:p>
             <a:fld id="{846CE7D5-CF57-46EF-B807-FDD0502418D4}" type="datetimeFigureOut">
               <a:rPr lang="en-US" smtClean="0"/>
-              <a:t>6/6/2023</a:t>
+              <a:t>6/20/2023</a:t>
             </a:fld>
             <a:endParaRPr lang="en-US" dirty="0"/>
           </a:p>
@@ -2558,7 +2857,7 @@
           <a:p>
             <a:fld id="{846CE7D5-CF57-46EF-B807-FDD0502418D4}" type="datetimeFigureOut">
               <a:rPr lang="en-US" smtClean="0"/>
-              <a:t>6/6/2023</a:t>
+              <a:t>6/20/2023</a:t>
             </a:fld>
             <a:endParaRPr lang="en-US" dirty="0"/>
           </a:p>
@@ -2728,7 +3027,7 @@
           <a:p>
             <a:fld id="{846CE7D5-CF57-46EF-B807-FDD0502418D4}" type="datetimeFigureOut">
               <a:rPr lang="en-US" smtClean="0"/>
-              <a:t>6/6/2023</a:t>
+              <a:t>6/20/2023</a:t>
             </a:fld>
             <a:endParaRPr lang="en-US" dirty="0"/>
           </a:p>
@@ -2974,7 +3273,7 @@
           <a:p>
             <a:fld id="{846CE7D5-CF57-46EF-B807-FDD0502418D4}" type="datetimeFigureOut">
               <a:rPr lang="en-US" smtClean="0"/>
-              <a:t>6/6/2023</a:t>
+              <a:t>6/20/2023</a:t>
             </a:fld>
             <a:endParaRPr lang="en-US" dirty="0"/>
           </a:p>
@@ -3206,7 +3505,7 @@
           <a:p>
             <a:fld id="{846CE7D5-CF57-46EF-B807-FDD0502418D4}" type="datetimeFigureOut">
               <a:rPr lang="en-US" smtClean="0"/>
-              <a:t>6/6/2023</a:t>
+              <a:t>6/20/2023</a:t>
             </a:fld>
             <a:endParaRPr lang="en-US" dirty="0"/>
           </a:p>
@@ -3573,7 +3872,7 @@
           <a:p>
             <a:fld id="{846CE7D5-CF57-46EF-B807-FDD0502418D4}" type="datetimeFigureOut">
               <a:rPr lang="en-US" smtClean="0"/>
-              <a:t>6/6/2023</a:t>
+              <a:t>6/20/2023</a:t>
             </a:fld>
             <a:endParaRPr lang="en-US" dirty="0"/>
           </a:p>
@@ -3691,7 +3990,7 @@
           <a:p>
             <a:fld id="{846CE7D5-CF57-46EF-B807-FDD0502418D4}" type="datetimeFigureOut">
               <a:rPr lang="en-US" smtClean="0"/>
-              <a:t>6/6/2023</a:t>
+              <a:t>6/20/2023</a:t>
             </a:fld>
             <a:endParaRPr lang="en-US" dirty="0"/>
           </a:p>
@@ -3786,7 +4085,7 @@
           <a:p>
             <a:fld id="{846CE7D5-CF57-46EF-B807-FDD0502418D4}" type="datetimeFigureOut">
               <a:rPr lang="en-US" smtClean="0"/>
-              <a:t>6/6/2023</a:t>
+              <a:t>6/20/2023</a:t>
             </a:fld>
             <a:endParaRPr lang="en-US" dirty="0"/>
           </a:p>
@@ -4063,7 +4362,7 @@
           <a:p>
             <a:fld id="{846CE7D5-CF57-46EF-B807-FDD0502418D4}" type="datetimeFigureOut">
               <a:rPr lang="en-US" smtClean="0"/>
-              <a:t>6/6/2023</a:t>
+              <a:t>6/20/2023</a:t>
             </a:fld>
             <a:endParaRPr lang="en-US" dirty="0"/>
           </a:p>
@@ -4319,7 +4618,7 @@
           <a:p>
             <a:fld id="{846CE7D5-CF57-46EF-B807-FDD0502418D4}" type="datetimeFigureOut">
               <a:rPr lang="en-US" smtClean="0"/>
-              <a:t>6/6/2023</a:t>
+              <a:t>6/20/2023</a:t>
             </a:fld>
             <a:endParaRPr lang="en-US" dirty="0"/>
           </a:p>
@@ -4532,7 +4831,7 @@
           <a:p>
             <a:fld id="{846CE7D5-CF57-46EF-B807-FDD0502418D4}" type="datetimeFigureOut">
               <a:rPr lang="en-US" smtClean="0"/>
-              <a:t>6/6/2023</a:t>
+              <a:t>6/20/2023</a:t>
             </a:fld>
             <a:endParaRPr lang="en-US" dirty="0"/>
           </a:p>
@@ -9570,6 +9869,1940 @@
           <p:cNvPr id="8" name="Rectangle 7">
             <a:extLst>
               <a:ext uri="{FF2B5EF4-FFF2-40B4-BE49-F238E27FC236}">
+                <a16:creationId xmlns:a16="http://schemas.microsoft.com/office/drawing/2014/main" id="{907EF6B7-1338-4443-8C46-6A318D952DFD}"/>
+              </a:ext>
+              <a:ext uri="{C183D7F6-B498-43B3-948B-1728B52AA6E4}">
+                <adec:decorative xmlns:adec="http://schemas.microsoft.com/office/drawing/2017/decorative" val="1"/>
+              </a:ext>
+            </a:extLst>
+          </p:cNvPr>
+          <p:cNvSpPr>
+            <a:spLocks noGrp="1" noRot="1" noChangeAspect="1" noMove="1" noResize="1" noEditPoints="1" noAdjustHandles="1" noChangeArrowheads="1" noChangeShapeType="1" noTextEdit="1"/>
+          </p:cNvSpPr>
+          <p:nvPr>
+            <p:extLst>
+              <p:ext uri="{386F3935-93C4-4BCD-93E2-E3B085C9AB24}">
+                <p16:designElem xmlns:p16="http://schemas.microsoft.com/office/powerpoint/2015/main" val="1"/>
+              </p:ext>
+            </p:extLst>
+          </p:nvPr>
+        </p:nvSpPr>
+        <p:spPr>
+          <a:xfrm>
+            <a:off x="3048" y="0"/>
+            <a:ext cx="12188952" cy="6858000"/>
+          </a:xfrm>
+          <a:prstGeom prst="rect">
+            <a:avLst/>
+          </a:prstGeom>
+          <a:ln>
+            <a:noFill/>
+          </a:ln>
+        </p:spPr>
+        <p:style>
+          <a:lnRef idx="2">
+            <a:schemeClr val="accent1">
+              <a:shade val="50000"/>
+            </a:schemeClr>
+          </a:lnRef>
+          <a:fillRef idx="1">
+            <a:schemeClr val="accent1"/>
+          </a:fillRef>
+          <a:effectRef idx="0">
+            <a:schemeClr val="accent1"/>
+          </a:effectRef>
+          <a:fontRef idx="minor">
+            <a:schemeClr val="lt1"/>
+          </a:fontRef>
+        </p:style>
+        <p:txBody>
+          <a:bodyPr rtlCol="0" anchor="ctr"/>
+          <a:lstStyle/>
+          <a:p>
+            <a:pPr algn="ctr"/>
+            <a:endParaRPr lang="en-US" dirty="0"/>
+          </a:p>
+        </p:txBody>
+      </p:sp>
+      <p:sp>
+        <p:nvSpPr>
+          <p:cNvPr id="10" name="Freeform: Shape 9">
+            <a:extLst>
+              <a:ext uri="{FF2B5EF4-FFF2-40B4-BE49-F238E27FC236}">
+                <a16:creationId xmlns:a16="http://schemas.microsoft.com/office/drawing/2014/main" id="{DAAE4CDD-124C-4DCF-9584-B6033B545DD5}"/>
+              </a:ext>
+              <a:ext uri="{C183D7F6-B498-43B3-948B-1728B52AA6E4}">
+                <adec:decorative xmlns:adec="http://schemas.microsoft.com/office/drawing/2017/decorative" val="1"/>
+              </a:ext>
+            </a:extLst>
+          </p:cNvPr>
+          <p:cNvSpPr>
+            <a:spLocks noChangeAspect="1"/>
+          </p:cNvSpPr>
+          <p:nvPr>
+            <p:extLst>
+              <p:ext uri="{386F3935-93C4-4BCD-93E2-E3B085C9AB24}">
+                <p16:designElem xmlns:p16="http://schemas.microsoft.com/office/powerpoint/2015/main" val="1"/>
+              </p:ext>
+            </p:extLst>
+          </p:nvPr>
+        </p:nvSpPr>
+        <p:spPr>
+          <a:xfrm>
+            <a:off x="1" y="0"/>
+            <a:ext cx="4167271" cy="6858000"/>
+          </a:xfrm>
+          <a:custGeom>
+            <a:avLst/>
+            <a:gdLst>
+              <a:gd name="connsiteX0" fmla="*/ 0 w 4167271"/>
+              <a:gd name="connsiteY0" fmla="*/ 0 h 6858000"/>
+              <a:gd name="connsiteX1" fmla="*/ 2259550 w 4167271"/>
+              <a:gd name="connsiteY1" fmla="*/ 0 h 6858000"/>
+              <a:gd name="connsiteX2" fmla="*/ 2387803 w 4167271"/>
+              <a:gd name="connsiteY2" fmla="*/ 82222 h 6858000"/>
+              <a:gd name="connsiteX3" fmla="*/ 4167271 w 4167271"/>
+              <a:gd name="connsiteY3" fmla="*/ 3429000 h 6858000"/>
+              <a:gd name="connsiteX4" fmla="*/ 2387803 w 4167271"/>
+              <a:gd name="connsiteY4" fmla="*/ 6775779 h 6858000"/>
+              <a:gd name="connsiteX5" fmla="*/ 2259550 w 4167271"/>
+              <a:gd name="connsiteY5" fmla="*/ 6858000 h 6858000"/>
+              <a:gd name="connsiteX6" fmla="*/ 0 w 4167271"/>
+              <a:gd name="connsiteY6" fmla="*/ 6858000 h 6858000"/>
+            </a:gdLst>
+            <a:ahLst/>
+            <a:cxnLst>
+              <a:cxn ang="0">
+                <a:pos x="connsiteX0" y="connsiteY0"/>
+              </a:cxn>
+              <a:cxn ang="0">
+                <a:pos x="connsiteX1" y="connsiteY1"/>
+              </a:cxn>
+              <a:cxn ang="0">
+                <a:pos x="connsiteX2" y="connsiteY2"/>
+              </a:cxn>
+              <a:cxn ang="0">
+                <a:pos x="connsiteX3" y="connsiteY3"/>
+              </a:cxn>
+              <a:cxn ang="0">
+                <a:pos x="connsiteX4" y="connsiteY4"/>
+              </a:cxn>
+              <a:cxn ang="0">
+                <a:pos x="connsiteX5" y="connsiteY5"/>
+              </a:cxn>
+              <a:cxn ang="0">
+                <a:pos x="connsiteX6" y="connsiteY6"/>
+              </a:cxn>
+            </a:cxnLst>
+            <a:rect l="l" t="t" r="r" b="b"/>
+            <a:pathLst>
+              <a:path w="4167271" h="6858000">
+                <a:moveTo>
+                  <a:pt x="0" y="0"/>
+                </a:moveTo>
+                <a:lnTo>
+                  <a:pt x="2259550" y="0"/>
+                </a:lnTo>
+                <a:lnTo>
+                  <a:pt x="2387803" y="82222"/>
+                </a:lnTo>
+                <a:cubicBezTo>
+                  <a:pt x="3461407" y="807534"/>
+                  <a:pt x="4167271" y="2035835"/>
+                  <a:pt x="4167271" y="3429000"/>
+                </a:cubicBezTo>
+                <a:cubicBezTo>
+                  <a:pt x="4167271" y="4822165"/>
+                  <a:pt x="3461407" y="6050467"/>
+                  <a:pt x="2387803" y="6775779"/>
+                </a:cubicBezTo>
+                <a:lnTo>
+                  <a:pt x="2259550" y="6858000"/>
+                </a:lnTo>
+                <a:lnTo>
+                  <a:pt x="0" y="6858000"/>
+                </a:lnTo>
+                <a:close/>
+              </a:path>
+            </a:pathLst>
+          </a:custGeom>
+          <a:gradFill flip="none" rotWithShape="1">
+            <a:gsLst>
+              <a:gs pos="0">
+                <a:schemeClr val="accent2">
+                  <a:lumMod val="67000"/>
+                </a:schemeClr>
+              </a:gs>
+              <a:gs pos="48000">
+                <a:schemeClr val="accent2">
+                  <a:lumMod val="97000"/>
+                  <a:lumOff val="3000"/>
+                </a:schemeClr>
+              </a:gs>
+              <a:gs pos="100000">
+                <a:schemeClr val="accent2">
+                  <a:lumMod val="60000"/>
+                  <a:lumOff val="40000"/>
+                </a:schemeClr>
+              </a:gs>
+            </a:gsLst>
+            <a:lin ang="16200000" scaled="1"/>
+            <a:tileRect/>
+          </a:gradFill>
+          <a:ln>
+            <a:noFill/>
+          </a:ln>
+        </p:spPr>
+        <p:style>
+          <a:lnRef idx="0">
+            <a:scrgbClr r="0" g="0" b="0"/>
+          </a:lnRef>
+          <a:fillRef idx="0">
+            <a:scrgbClr r="0" g="0" b="0"/>
+          </a:fillRef>
+          <a:effectRef idx="0">
+            <a:scrgbClr r="0" g="0" b="0"/>
+          </a:effectRef>
+          <a:fontRef idx="minor">
+            <a:schemeClr val="lt1"/>
+          </a:fontRef>
+        </p:style>
+        <p:txBody>
+          <a:bodyPr rtlCol="0" anchor="ctr"/>
+          <a:lstStyle/>
+          <a:p>
+            <a:pPr algn="ctr"/>
+            <a:endParaRPr lang="en-US" dirty="0"/>
+          </a:p>
+        </p:txBody>
+      </p:sp>
+      <p:sp>
+        <p:nvSpPr>
+          <p:cNvPr id="2" name="Title 1">
+            <a:extLst>
+              <a:ext uri="{FF2B5EF4-FFF2-40B4-BE49-F238E27FC236}">
+                <a16:creationId xmlns:a16="http://schemas.microsoft.com/office/drawing/2014/main" id="{604CD088-9924-FDF8-32EA-64AD14C5DE41}"/>
+              </a:ext>
+            </a:extLst>
+          </p:cNvPr>
+          <p:cNvSpPr>
+            <a:spLocks noGrp="1"/>
+          </p:cNvSpPr>
+          <p:nvPr>
+            <p:ph type="title"/>
+          </p:nvPr>
+        </p:nvSpPr>
+        <p:spPr>
+          <a:xfrm>
+            <a:off x="686834" y="1153572"/>
+            <a:ext cx="3200400" cy="4461163"/>
+          </a:xfrm>
+        </p:spPr>
+        <p:txBody>
+          <a:bodyPr>
+            <a:normAutofit/>
+          </a:bodyPr>
+          <a:lstStyle/>
+          <a:p>
+            <a:r>
+              <a:rPr lang="en-US" dirty="0">
+                <a:solidFill>
+                  <a:srgbClr val="FFFFFF"/>
+                </a:solidFill>
+              </a:rPr>
+              <a:t>Gherkin</a:t>
+            </a:r>
+          </a:p>
+        </p:txBody>
+      </p:sp>
+      <p:sp>
+        <p:nvSpPr>
+          <p:cNvPr id="12" name="Arc 11">
+            <a:extLst>
+              <a:ext uri="{FF2B5EF4-FFF2-40B4-BE49-F238E27FC236}">
+                <a16:creationId xmlns:a16="http://schemas.microsoft.com/office/drawing/2014/main" id="{081E4A58-353D-44AE-B2FC-2A74E2E400F7}"/>
+              </a:ext>
+              <a:ext uri="{C183D7F6-B498-43B3-948B-1728B52AA6E4}">
+                <adec:decorative xmlns:adec="http://schemas.microsoft.com/office/drawing/2017/decorative" val="1"/>
+              </a:ext>
+            </a:extLst>
+          </p:cNvPr>
+          <p:cNvSpPr>
+            <a:spLocks noGrp="1" noRot="1" noChangeAspect="1" noMove="1" noResize="1" noEditPoints="1" noAdjustHandles="1" noChangeArrowheads="1" noChangeShapeType="1" noTextEdit="1"/>
+          </p:cNvSpPr>
+          <p:nvPr>
+            <p:extLst>
+              <p:ext uri="{386F3935-93C4-4BCD-93E2-E3B085C9AB24}">
+                <p16:designElem xmlns:p16="http://schemas.microsoft.com/office/powerpoint/2015/main" val="1"/>
+              </p:ext>
+            </p:extLst>
+          </p:nvPr>
+        </p:nvSpPr>
+        <p:spPr>
+          <a:xfrm flipV="1">
+            <a:off x="7550402" y="2455479"/>
+            <a:ext cx="4083433" cy="4083433"/>
+          </a:xfrm>
+          <a:prstGeom prst="arc">
+            <a:avLst/>
+          </a:prstGeom>
+          <a:ln w="127000" cap="rnd">
+            <a:solidFill>
+              <a:schemeClr val="accent4"/>
+            </a:solidFill>
+            <a:prstDash val="dash"/>
+          </a:ln>
+        </p:spPr>
+        <p:style>
+          <a:lnRef idx="1">
+            <a:schemeClr val="accent1"/>
+          </a:lnRef>
+          <a:fillRef idx="0">
+            <a:schemeClr val="accent1"/>
+          </a:fillRef>
+          <a:effectRef idx="0">
+            <a:schemeClr val="accent1"/>
+          </a:effectRef>
+          <a:fontRef idx="minor">
+            <a:schemeClr val="tx1"/>
+          </a:fontRef>
+        </p:style>
+        <p:txBody>
+          <a:bodyPr rtlCol="0" anchor="ctr"/>
+          <a:lstStyle/>
+          <a:p>
+            <a:pPr algn="ctr"/>
+            <a:endParaRPr lang="en-US" dirty="0"/>
+          </a:p>
+        </p:txBody>
+      </p:sp>
+      <p:pic>
+        <p:nvPicPr>
+          <p:cNvPr id="5" name="Content Placeholder 4">
+            <a:extLst>
+              <a:ext uri="{FF2B5EF4-FFF2-40B4-BE49-F238E27FC236}">
+                <a16:creationId xmlns:a16="http://schemas.microsoft.com/office/drawing/2014/main" id="{17F18D02-C769-6116-EFA8-F7B909B3BE0E}"/>
+              </a:ext>
+            </a:extLst>
+          </p:cNvPr>
+          <p:cNvPicPr>
+            <a:picLocks noGrp="1" noChangeAspect="1"/>
+          </p:cNvPicPr>
+          <p:nvPr>
+            <p:ph idx="1"/>
+          </p:nvPr>
+        </p:nvPicPr>
+        <p:blipFill>
+          <a:blip r:embed="rId3">
+            <a:extLst>
+              <a:ext uri="{28A0092B-C50C-407E-A947-70E740481C1C}">
+                <a14:useLocalDpi xmlns:a14="http://schemas.microsoft.com/office/drawing/2010/main" val="0"/>
+              </a:ext>
+            </a:extLst>
+          </a:blip>
+          <a:srcRect/>
+          <a:stretch/>
+        </p:blipFill>
+        <p:spPr>
+          <a:xfrm>
+            <a:off x="4202589" y="1557130"/>
+            <a:ext cx="7909850" cy="3794830"/>
+          </a:xfrm>
+        </p:spPr>
+      </p:pic>
+      <p:pic>
+        <p:nvPicPr>
+          <p:cNvPr id="4" name="Picture 3">
+            <a:extLst>
+              <a:ext uri="{FF2B5EF4-FFF2-40B4-BE49-F238E27FC236}">
+                <a16:creationId xmlns:a16="http://schemas.microsoft.com/office/drawing/2014/main" id="{E5D75963-707A-00B6-0F3B-7B61F831E4A6}"/>
+              </a:ext>
+            </a:extLst>
+          </p:cNvPr>
+          <p:cNvPicPr>
+            <a:picLocks noChangeAspect="1"/>
+          </p:cNvPicPr>
+          <p:nvPr/>
+        </p:nvPicPr>
+        <p:blipFill>
+          <a:blip r:embed="rId4"/>
+          <a:stretch>
+            <a:fillRect/>
+          </a:stretch>
+        </p:blipFill>
+        <p:spPr>
+          <a:xfrm>
+            <a:off x="6095986" y="3428993"/>
+            <a:ext cx="27" cy="13"/>
+          </a:xfrm>
+          <a:prstGeom prst="rect">
+            <a:avLst/>
+          </a:prstGeom>
+        </p:spPr>
+      </p:pic>
+    </p:spTree>
+    <p:extLst>
+      <p:ext uri="{BB962C8B-B14F-4D97-AF65-F5344CB8AC3E}">
+        <p14:creationId xmlns:p14="http://schemas.microsoft.com/office/powerpoint/2010/main" val="1295300796"/>
+      </p:ext>
+    </p:extLst>
+  </p:cSld>
+  <p:clrMapOvr>
+    <a:masterClrMapping/>
+  </p:clrMapOvr>
+  <p:timing>
+    <p:tnLst>
+      <p:par>
+        <p:cTn id="1" dur="indefinite" restart="never" nodeType="tmRoot">
+          <p:childTnLst>
+            <p:seq concurrent="1" nextAc="seek">
+              <p:cTn id="2" dur="indefinite" nodeType="mainSeq">
+                <p:childTnLst>
+                  <p:par>
+                    <p:cTn id="3" fill="hold">
+                      <p:stCondLst>
+                        <p:cond delay="indefinite"/>
+                      </p:stCondLst>
+                      <p:childTnLst>
+                        <p:par>
+                          <p:cTn id="4" fill="hold">
+                            <p:stCondLst>
+                              <p:cond delay="0"/>
+                            </p:stCondLst>
+                            <p:childTnLst>
+                              <p:par>
+                                <p:cTn id="5" presetID="2" presetClass="entr" presetSubtype="8" fill="hold" grpId="0" nodeType="clickEffect">
+                                  <p:stCondLst>
+                                    <p:cond delay="0"/>
+                                  </p:stCondLst>
+                                  <p:childTnLst>
+                                    <p:set>
+                                      <p:cBhvr>
+                                        <p:cTn id="6" dur="1" fill="hold">
+                                          <p:stCondLst>
+                                            <p:cond delay="0"/>
+                                          </p:stCondLst>
+                                        </p:cTn>
+                                        <p:tgtEl>
+                                          <p:spTgt spid="10"/>
+                                        </p:tgtEl>
+                                        <p:attrNameLst>
+                                          <p:attrName>style.visibility</p:attrName>
+                                        </p:attrNameLst>
+                                      </p:cBhvr>
+                                      <p:to>
+                                        <p:strVal val="visible"/>
+                                      </p:to>
+                                    </p:set>
+                                    <p:anim calcmode="lin" valueType="num">
+                                      <p:cBhvr additive="base">
+                                        <p:cTn id="7" dur="3500" fill="hold"/>
+                                        <p:tgtEl>
+                                          <p:spTgt spid="10"/>
+                                        </p:tgtEl>
+                                        <p:attrNameLst>
+                                          <p:attrName>ppt_x</p:attrName>
+                                        </p:attrNameLst>
+                                      </p:cBhvr>
+                                      <p:tavLst>
+                                        <p:tav tm="0">
+                                          <p:val>
+                                            <p:strVal val="0-#ppt_w/2"/>
+                                          </p:val>
+                                        </p:tav>
+                                        <p:tav tm="100000">
+                                          <p:val>
+                                            <p:strVal val="#ppt_x"/>
+                                          </p:val>
+                                        </p:tav>
+                                      </p:tavLst>
+                                    </p:anim>
+                                    <p:anim calcmode="lin" valueType="num">
+                                      <p:cBhvr additive="base">
+                                        <p:cTn id="8" dur="3500" fill="hold"/>
+                                        <p:tgtEl>
+                                          <p:spTgt spid="10"/>
+                                        </p:tgtEl>
+                                        <p:attrNameLst>
+                                          <p:attrName>ppt_y</p:attrName>
+                                        </p:attrNameLst>
+                                      </p:cBhvr>
+                                      <p:tavLst>
+                                        <p:tav tm="0">
+                                          <p:val>
+                                            <p:strVal val="#ppt_y"/>
+                                          </p:val>
+                                        </p:tav>
+                                        <p:tav tm="100000">
+                                          <p:val>
+                                            <p:strVal val="#ppt_y"/>
+                                          </p:val>
+                                        </p:tav>
+                                      </p:tavLst>
+                                    </p:anim>
+                                  </p:childTnLst>
+                                </p:cTn>
+                              </p:par>
+                            </p:childTnLst>
+                          </p:cTn>
+                        </p:par>
+                      </p:childTnLst>
+                    </p:cTn>
+                  </p:par>
+                </p:childTnLst>
+              </p:cTn>
+              <p:prevCondLst>
+                <p:cond evt="onPrev" delay="0">
+                  <p:tgtEl>
+                    <p:sldTgt/>
+                  </p:tgtEl>
+                </p:cond>
+              </p:prevCondLst>
+              <p:nextCondLst>
+                <p:cond evt="onNext" delay="0">
+                  <p:tgtEl>
+                    <p:sldTgt/>
+                  </p:tgtEl>
+                </p:cond>
+              </p:nextCondLst>
+            </p:seq>
+          </p:childTnLst>
+        </p:cTn>
+      </p:par>
+    </p:tnLst>
+    <p:bldLst>
+      <p:bldP spid="10" grpId="0" animBg="1"/>
+    </p:bldLst>
+  </p:timing>
+</p:sld>
+</file>
+
+<file path=ppt/slides/slide17.xml><?xml version="1.0" encoding="utf-8"?>
+<p:sld xmlns:a="http://schemas.openxmlformats.org/drawingml/2006/main" xmlns:r="http://schemas.openxmlformats.org/officeDocument/2006/relationships" xmlns:p="http://schemas.openxmlformats.org/presentationml/2006/main">
+  <p:cSld>
+    <p:bg>
+      <p:bgPr>
+        <a:solidFill>
+          <a:schemeClr val="bg1"/>
+        </a:solidFill>
+        <a:effectLst/>
+      </p:bgPr>
+    </p:bg>
+    <p:spTree>
+      <p:nvGrpSpPr>
+        <p:cNvPr id="1" name=""/>
+        <p:cNvGrpSpPr/>
+        <p:nvPr/>
+      </p:nvGrpSpPr>
+      <p:grpSpPr>
+        <a:xfrm>
+          <a:off x="0" y="0"/>
+          <a:ext cx="0" cy="0"/>
+          <a:chOff x="0" y="0"/>
+          <a:chExt cx="0" cy="0"/>
+        </a:xfrm>
+      </p:grpSpPr>
+      <p:sp useBgFill="1">
+        <p:nvSpPr>
+          <p:cNvPr id="8" name="Rectangle 7">
+            <a:extLst>
+              <a:ext uri="{FF2B5EF4-FFF2-40B4-BE49-F238E27FC236}">
+                <a16:creationId xmlns:a16="http://schemas.microsoft.com/office/drawing/2014/main" id="{907EF6B7-1338-4443-8C46-6A318D952DFD}"/>
+              </a:ext>
+              <a:ext uri="{C183D7F6-B498-43B3-948B-1728B52AA6E4}">
+                <adec:decorative xmlns:adec="http://schemas.microsoft.com/office/drawing/2017/decorative" val="1"/>
+              </a:ext>
+            </a:extLst>
+          </p:cNvPr>
+          <p:cNvSpPr>
+            <a:spLocks noGrp="1" noRot="1" noChangeAspect="1" noMove="1" noResize="1" noEditPoints="1" noAdjustHandles="1" noChangeArrowheads="1" noChangeShapeType="1" noTextEdit="1"/>
+          </p:cNvSpPr>
+          <p:nvPr>
+            <p:extLst>
+              <p:ext uri="{386F3935-93C4-4BCD-93E2-E3B085C9AB24}">
+                <p16:designElem xmlns:p16="http://schemas.microsoft.com/office/powerpoint/2015/main" val="1"/>
+              </p:ext>
+            </p:extLst>
+          </p:nvPr>
+        </p:nvSpPr>
+        <p:spPr>
+          <a:xfrm>
+            <a:off x="3048" y="0"/>
+            <a:ext cx="12188952" cy="6858000"/>
+          </a:xfrm>
+          <a:prstGeom prst="rect">
+            <a:avLst/>
+          </a:prstGeom>
+          <a:ln>
+            <a:noFill/>
+          </a:ln>
+        </p:spPr>
+        <p:style>
+          <a:lnRef idx="2">
+            <a:schemeClr val="accent1">
+              <a:shade val="50000"/>
+            </a:schemeClr>
+          </a:lnRef>
+          <a:fillRef idx="1">
+            <a:schemeClr val="accent1"/>
+          </a:fillRef>
+          <a:effectRef idx="0">
+            <a:schemeClr val="accent1"/>
+          </a:effectRef>
+          <a:fontRef idx="minor">
+            <a:schemeClr val="lt1"/>
+          </a:fontRef>
+        </p:style>
+        <p:txBody>
+          <a:bodyPr rtlCol="0" anchor="ctr"/>
+          <a:lstStyle/>
+          <a:p>
+            <a:pPr algn="ctr"/>
+            <a:endParaRPr lang="en-US" dirty="0"/>
+          </a:p>
+        </p:txBody>
+      </p:sp>
+      <p:sp>
+        <p:nvSpPr>
+          <p:cNvPr id="10" name="Freeform: Shape 9">
+            <a:extLst>
+              <a:ext uri="{FF2B5EF4-FFF2-40B4-BE49-F238E27FC236}">
+                <a16:creationId xmlns:a16="http://schemas.microsoft.com/office/drawing/2014/main" id="{DAAE4CDD-124C-4DCF-9584-B6033B545DD5}"/>
+              </a:ext>
+              <a:ext uri="{C183D7F6-B498-43B3-948B-1728B52AA6E4}">
+                <adec:decorative xmlns:adec="http://schemas.microsoft.com/office/drawing/2017/decorative" val="1"/>
+              </a:ext>
+            </a:extLst>
+          </p:cNvPr>
+          <p:cNvSpPr>
+            <a:spLocks noChangeAspect="1"/>
+          </p:cNvSpPr>
+          <p:nvPr>
+            <p:extLst>
+              <p:ext uri="{386F3935-93C4-4BCD-93E2-E3B085C9AB24}">
+                <p16:designElem xmlns:p16="http://schemas.microsoft.com/office/powerpoint/2015/main" val="1"/>
+              </p:ext>
+            </p:extLst>
+          </p:nvPr>
+        </p:nvSpPr>
+        <p:spPr>
+          <a:xfrm>
+            <a:off x="1" y="0"/>
+            <a:ext cx="4167271" cy="6858000"/>
+          </a:xfrm>
+          <a:custGeom>
+            <a:avLst/>
+            <a:gdLst>
+              <a:gd name="connsiteX0" fmla="*/ 0 w 4167271"/>
+              <a:gd name="connsiteY0" fmla="*/ 0 h 6858000"/>
+              <a:gd name="connsiteX1" fmla="*/ 2259550 w 4167271"/>
+              <a:gd name="connsiteY1" fmla="*/ 0 h 6858000"/>
+              <a:gd name="connsiteX2" fmla="*/ 2387803 w 4167271"/>
+              <a:gd name="connsiteY2" fmla="*/ 82222 h 6858000"/>
+              <a:gd name="connsiteX3" fmla="*/ 4167271 w 4167271"/>
+              <a:gd name="connsiteY3" fmla="*/ 3429000 h 6858000"/>
+              <a:gd name="connsiteX4" fmla="*/ 2387803 w 4167271"/>
+              <a:gd name="connsiteY4" fmla="*/ 6775779 h 6858000"/>
+              <a:gd name="connsiteX5" fmla="*/ 2259550 w 4167271"/>
+              <a:gd name="connsiteY5" fmla="*/ 6858000 h 6858000"/>
+              <a:gd name="connsiteX6" fmla="*/ 0 w 4167271"/>
+              <a:gd name="connsiteY6" fmla="*/ 6858000 h 6858000"/>
+            </a:gdLst>
+            <a:ahLst/>
+            <a:cxnLst>
+              <a:cxn ang="0">
+                <a:pos x="connsiteX0" y="connsiteY0"/>
+              </a:cxn>
+              <a:cxn ang="0">
+                <a:pos x="connsiteX1" y="connsiteY1"/>
+              </a:cxn>
+              <a:cxn ang="0">
+                <a:pos x="connsiteX2" y="connsiteY2"/>
+              </a:cxn>
+              <a:cxn ang="0">
+                <a:pos x="connsiteX3" y="connsiteY3"/>
+              </a:cxn>
+              <a:cxn ang="0">
+                <a:pos x="connsiteX4" y="connsiteY4"/>
+              </a:cxn>
+              <a:cxn ang="0">
+                <a:pos x="connsiteX5" y="connsiteY5"/>
+              </a:cxn>
+              <a:cxn ang="0">
+                <a:pos x="connsiteX6" y="connsiteY6"/>
+              </a:cxn>
+            </a:cxnLst>
+            <a:rect l="l" t="t" r="r" b="b"/>
+            <a:pathLst>
+              <a:path w="4167271" h="6858000">
+                <a:moveTo>
+                  <a:pt x="0" y="0"/>
+                </a:moveTo>
+                <a:lnTo>
+                  <a:pt x="2259550" y="0"/>
+                </a:lnTo>
+                <a:lnTo>
+                  <a:pt x="2387803" y="82222"/>
+                </a:lnTo>
+                <a:cubicBezTo>
+                  <a:pt x="3461407" y="807534"/>
+                  <a:pt x="4167271" y="2035835"/>
+                  <a:pt x="4167271" y="3429000"/>
+                </a:cubicBezTo>
+                <a:cubicBezTo>
+                  <a:pt x="4167271" y="4822165"/>
+                  <a:pt x="3461407" y="6050467"/>
+                  <a:pt x="2387803" y="6775779"/>
+                </a:cubicBezTo>
+                <a:lnTo>
+                  <a:pt x="2259550" y="6858000"/>
+                </a:lnTo>
+                <a:lnTo>
+                  <a:pt x="0" y="6858000"/>
+                </a:lnTo>
+                <a:close/>
+              </a:path>
+            </a:pathLst>
+          </a:custGeom>
+          <a:gradFill flip="none" rotWithShape="1">
+            <a:gsLst>
+              <a:gs pos="0">
+                <a:schemeClr val="accent2">
+                  <a:lumMod val="67000"/>
+                </a:schemeClr>
+              </a:gs>
+              <a:gs pos="48000">
+                <a:schemeClr val="accent2">
+                  <a:lumMod val="97000"/>
+                  <a:lumOff val="3000"/>
+                </a:schemeClr>
+              </a:gs>
+              <a:gs pos="100000">
+                <a:schemeClr val="accent2">
+                  <a:lumMod val="60000"/>
+                  <a:lumOff val="40000"/>
+                </a:schemeClr>
+              </a:gs>
+            </a:gsLst>
+            <a:lin ang="16200000" scaled="1"/>
+            <a:tileRect/>
+          </a:gradFill>
+          <a:ln>
+            <a:noFill/>
+          </a:ln>
+        </p:spPr>
+        <p:style>
+          <a:lnRef idx="0">
+            <a:scrgbClr r="0" g="0" b="0"/>
+          </a:lnRef>
+          <a:fillRef idx="0">
+            <a:scrgbClr r="0" g="0" b="0"/>
+          </a:fillRef>
+          <a:effectRef idx="0">
+            <a:scrgbClr r="0" g="0" b="0"/>
+          </a:effectRef>
+          <a:fontRef idx="minor">
+            <a:schemeClr val="lt1"/>
+          </a:fontRef>
+        </p:style>
+        <p:txBody>
+          <a:bodyPr rtlCol="0" anchor="ctr"/>
+          <a:lstStyle/>
+          <a:p>
+            <a:pPr algn="ctr"/>
+            <a:endParaRPr lang="en-US" dirty="0"/>
+          </a:p>
+        </p:txBody>
+      </p:sp>
+      <p:sp>
+        <p:nvSpPr>
+          <p:cNvPr id="2" name="Title 1">
+            <a:extLst>
+              <a:ext uri="{FF2B5EF4-FFF2-40B4-BE49-F238E27FC236}">
+                <a16:creationId xmlns:a16="http://schemas.microsoft.com/office/drawing/2014/main" id="{604CD088-9924-FDF8-32EA-64AD14C5DE41}"/>
+              </a:ext>
+            </a:extLst>
+          </p:cNvPr>
+          <p:cNvSpPr>
+            <a:spLocks noGrp="1"/>
+          </p:cNvSpPr>
+          <p:nvPr>
+            <p:ph type="title"/>
+          </p:nvPr>
+        </p:nvSpPr>
+        <p:spPr>
+          <a:xfrm>
+            <a:off x="686834" y="1153572"/>
+            <a:ext cx="3200400" cy="4461163"/>
+          </a:xfrm>
+        </p:spPr>
+        <p:txBody>
+          <a:bodyPr>
+            <a:normAutofit/>
+          </a:bodyPr>
+          <a:lstStyle/>
+          <a:p>
+            <a:r>
+              <a:rPr lang="en-US" dirty="0">
+                <a:solidFill>
+                  <a:srgbClr val="FFFFFF"/>
+                </a:solidFill>
+              </a:rPr>
+              <a:t>Gherkin</a:t>
+            </a:r>
+          </a:p>
+        </p:txBody>
+      </p:sp>
+      <p:sp>
+        <p:nvSpPr>
+          <p:cNvPr id="12" name="Arc 11">
+            <a:extLst>
+              <a:ext uri="{FF2B5EF4-FFF2-40B4-BE49-F238E27FC236}">
+                <a16:creationId xmlns:a16="http://schemas.microsoft.com/office/drawing/2014/main" id="{081E4A58-353D-44AE-B2FC-2A74E2E400F7}"/>
+              </a:ext>
+              <a:ext uri="{C183D7F6-B498-43B3-948B-1728B52AA6E4}">
+                <adec:decorative xmlns:adec="http://schemas.microsoft.com/office/drawing/2017/decorative" val="1"/>
+              </a:ext>
+            </a:extLst>
+          </p:cNvPr>
+          <p:cNvSpPr>
+            <a:spLocks noGrp="1" noRot="1" noChangeAspect="1" noMove="1" noResize="1" noEditPoints="1" noAdjustHandles="1" noChangeArrowheads="1" noChangeShapeType="1" noTextEdit="1"/>
+          </p:cNvSpPr>
+          <p:nvPr>
+            <p:extLst>
+              <p:ext uri="{386F3935-93C4-4BCD-93E2-E3B085C9AB24}">
+                <p16:designElem xmlns:p16="http://schemas.microsoft.com/office/powerpoint/2015/main" val="1"/>
+              </p:ext>
+            </p:extLst>
+          </p:nvPr>
+        </p:nvSpPr>
+        <p:spPr>
+          <a:xfrm flipV="1">
+            <a:off x="7550402" y="2455479"/>
+            <a:ext cx="4083433" cy="4083433"/>
+          </a:xfrm>
+          <a:prstGeom prst="arc">
+            <a:avLst/>
+          </a:prstGeom>
+          <a:ln w="127000" cap="rnd">
+            <a:solidFill>
+              <a:schemeClr val="accent4"/>
+            </a:solidFill>
+            <a:prstDash val="dash"/>
+          </a:ln>
+        </p:spPr>
+        <p:style>
+          <a:lnRef idx="1">
+            <a:schemeClr val="accent1"/>
+          </a:lnRef>
+          <a:fillRef idx="0">
+            <a:schemeClr val="accent1"/>
+          </a:fillRef>
+          <a:effectRef idx="0">
+            <a:schemeClr val="accent1"/>
+          </a:effectRef>
+          <a:fontRef idx="minor">
+            <a:schemeClr val="tx1"/>
+          </a:fontRef>
+        </p:style>
+        <p:txBody>
+          <a:bodyPr rtlCol="0" anchor="ctr"/>
+          <a:lstStyle/>
+          <a:p>
+            <a:pPr algn="ctr"/>
+            <a:endParaRPr lang="en-US" dirty="0"/>
+          </a:p>
+        </p:txBody>
+      </p:sp>
+      <p:pic>
+        <p:nvPicPr>
+          <p:cNvPr id="5" name="Content Placeholder 4">
+            <a:extLst>
+              <a:ext uri="{FF2B5EF4-FFF2-40B4-BE49-F238E27FC236}">
+                <a16:creationId xmlns:a16="http://schemas.microsoft.com/office/drawing/2014/main" id="{17F18D02-C769-6116-EFA8-F7B909B3BE0E}"/>
+              </a:ext>
+            </a:extLst>
+          </p:cNvPr>
+          <p:cNvPicPr>
+            <a:picLocks noGrp="1" noChangeAspect="1"/>
+          </p:cNvPicPr>
+          <p:nvPr>
+            <p:ph idx="1"/>
+          </p:nvPr>
+        </p:nvPicPr>
+        <p:blipFill>
+          <a:blip r:embed="rId3">
+            <a:extLst>
+              <a:ext uri="{28A0092B-C50C-407E-A947-70E740481C1C}">
+                <a14:useLocalDpi xmlns:a14="http://schemas.microsoft.com/office/drawing/2010/main" val="0"/>
+              </a:ext>
+            </a:extLst>
+          </a:blip>
+          <a:srcRect/>
+          <a:stretch/>
+        </p:blipFill>
+        <p:spPr>
+          <a:xfrm>
+            <a:off x="4202589" y="1557130"/>
+            <a:ext cx="7909850" cy="3794830"/>
+          </a:xfrm>
+        </p:spPr>
+      </p:pic>
+      <p:pic>
+        <p:nvPicPr>
+          <p:cNvPr id="4" name="Picture 3">
+            <a:extLst>
+              <a:ext uri="{FF2B5EF4-FFF2-40B4-BE49-F238E27FC236}">
+                <a16:creationId xmlns:a16="http://schemas.microsoft.com/office/drawing/2014/main" id="{E5D75963-707A-00B6-0F3B-7B61F831E4A6}"/>
+              </a:ext>
+            </a:extLst>
+          </p:cNvPr>
+          <p:cNvPicPr>
+            <a:picLocks noChangeAspect="1"/>
+          </p:cNvPicPr>
+          <p:nvPr/>
+        </p:nvPicPr>
+        <p:blipFill>
+          <a:blip r:embed="rId4"/>
+          <a:stretch>
+            <a:fillRect/>
+          </a:stretch>
+        </p:blipFill>
+        <p:spPr>
+          <a:xfrm>
+            <a:off x="6095986" y="3428993"/>
+            <a:ext cx="27" cy="13"/>
+          </a:xfrm>
+          <a:prstGeom prst="rect">
+            <a:avLst/>
+          </a:prstGeom>
+        </p:spPr>
+      </p:pic>
+    </p:spTree>
+    <p:extLst>
+      <p:ext uri="{BB962C8B-B14F-4D97-AF65-F5344CB8AC3E}">
+        <p14:creationId xmlns:p14="http://schemas.microsoft.com/office/powerpoint/2010/main" val="1559919554"/>
+      </p:ext>
+    </p:extLst>
+  </p:cSld>
+  <p:clrMapOvr>
+    <a:masterClrMapping/>
+  </p:clrMapOvr>
+  <p:timing>
+    <p:tnLst>
+      <p:par>
+        <p:cTn id="1" dur="indefinite" restart="never" nodeType="tmRoot">
+          <p:childTnLst>
+            <p:seq concurrent="1" nextAc="seek">
+              <p:cTn id="2" dur="indefinite" nodeType="mainSeq">
+                <p:childTnLst>
+                  <p:par>
+                    <p:cTn id="3" fill="hold">
+                      <p:stCondLst>
+                        <p:cond delay="indefinite"/>
+                      </p:stCondLst>
+                      <p:childTnLst>
+                        <p:par>
+                          <p:cTn id="4" fill="hold">
+                            <p:stCondLst>
+                              <p:cond delay="0"/>
+                            </p:stCondLst>
+                            <p:childTnLst>
+                              <p:par>
+                                <p:cTn id="5" presetID="2" presetClass="entr" presetSubtype="8" fill="hold" grpId="0" nodeType="clickEffect">
+                                  <p:stCondLst>
+                                    <p:cond delay="0"/>
+                                  </p:stCondLst>
+                                  <p:childTnLst>
+                                    <p:set>
+                                      <p:cBhvr>
+                                        <p:cTn id="6" dur="1" fill="hold">
+                                          <p:stCondLst>
+                                            <p:cond delay="0"/>
+                                          </p:stCondLst>
+                                        </p:cTn>
+                                        <p:tgtEl>
+                                          <p:spTgt spid="10"/>
+                                        </p:tgtEl>
+                                        <p:attrNameLst>
+                                          <p:attrName>style.visibility</p:attrName>
+                                        </p:attrNameLst>
+                                      </p:cBhvr>
+                                      <p:to>
+                                        <p:strVal val="visible"/>
+                                      </p:to>
+                                    </p:set>
+                                    <p:anim calcmode="lin" valueType="num">
+                                      <p:cBhvr additive="base">
+                                        <p:cTn id="7" dur="3500" fill="hold"/>
+                                        <p:tgtEl>
+                                          <p:spTgt spid="10"/>
+                                        </p:tgtEl>
+                                        <p:attrNameLst>
+                                          <p:attrName>ppt_x</p:attrName>
+                                        </p:attrNameLst>
+                                      </p:cBhvr>
+                                      <p:tavLst>
+                                        <p:tav tm="0">
+                                          <p:val>
+                                            <p:strVal val="0-#ppt_w/2"/>
+                                          </p:val>
+                                        </p:tav>
+                                        <p:tav tm="100000">
+                                          <p:val>
+                                            <p:strVal val="#ppt_x"/>
+                                          </p:val>
+                                        </p:tav>
+                                      </p:tavLst>
+                                    </p:anim>
+                                    <p:anim calcmode="lin" valueType="num">
+                                      <p:cBhvr additive="base">
+                                        <p:cTn id="8" dur="3500" fill="hold"/>
+                                        <p:tgtEl>
+                                          <p:spTgt spid="10"/>
+                                        </p:tgtEl>
+                                        <p:attrNameLst>
+                                          <p:attrName>ppt_y</p:attrName>
+                                        </p:attrNameLst>
+                                      </p:cBhvr>
+                                      <p:tavLst>
+                                        <p:tav tm="0">
+                                          <p:val>
+                                            <p:strVal val="#ppt_y"/>
+                                          </p:val>
+                                        </p:tav>
+                                        <p:tav tm="100000">
+                                          <p:val>
+                                            <p:strVal val="#ppt_y"/>
+                                          </p:val>
+                                        </p:tav>
+                                      </p:tavLst>
+                                    </p:anim>
+                                  </p:childTnLst>
+                                </p:cTn>
+                              </p:par>
+                            </p:childTnLst>
+                          </p:cTn>
+                        </p:par>
+                      </p:childTnLst>
+                    </p:cTn>
+                  </p:par>
+                </p:childTnLst>
+              </p:cTn>
+              <p:prevCondLst>
+                <p:cond evt="onPrev" delay="0">
+                  <p:tgtEl>
+                    <p:sldTgt/>
+                  </p:tgtEl>
+                </p:cond>
+              </p:prevCondLst>
+              <p:nextCondLst>
+                <p:cond evt="onNext" delay="0">
+                  <p:tgtEl>
+                    <p:sldTgt/>
+                  </p:tgtEl>
+                </p:cond>
+              </p:nextCondLst>
+            </p:seq>
+          </p:childTnLst>
+        </p:cTn>
+      </p:par>
+    </p:tnLst>
+    <p:bldLst>
+      <p:bldP spid="10" grpId="0" animBg="1"/>
+    </p:bldLst>
+  </p:timing>
+</p:sld>
+</file>
+
+<file path=ppt/slides/slide18.xml><?xml version="1.0" encoding="utf-8"?>
+<p:sld xmlns:a="http://schemas.openxmlformats.org/drawingml/2006/main" xmlns:r="http://schemas.openxmlformats.org/officeDocument/2006/relationships" xmlns:p="http://schemas.openxmlformats.org/presentationml/2006/main">
+  <p:cSld>
+    <p:bg>
+      <p:bgPr>
+        <a:solidFill>
+          <a:schemeClr val="bg1"/>
+        </a:solidFill>
+        <a:effectLst/>
+      </p:bgPr>
+    </p:bg>
+    <p:spTree>
+      <p:nvGrpSpPr>
+        <p:cNvPr id="1" name=""/>
+        <p:cNvGrpSpPr/>
+        <p:nvPr/>
+      </p:nvGrpSpPr>
+      <p:grpSpPr>
+        <a:xfrm>
+          <a:off x="0" y="0"/>
+          <a:ext cx="0" cy="0"/>
+          <a:chOff x="0" y="0"/>
+          <a:chExt cx="0" cy="0"/>
+        </a:xfrm>
+      </p:grpSpPr>
+      <p:sp useBgFill="1">
+        <p:nvSpPr>
+          <p:cNvPr id="8" name="Rectangle 7">
+            <a:extLst>
+              <a:ext uri="{FF2B5EF4-FFF2-40B4-BE49-F238E27FC236}">
+                <a16:creationId xmlns:a16="http://schemas.microsoft.com/office/drawing/2014/main" id="{907EF6B7-1338-4443-8C46-6A318D952DFD}"/>
+              </a:ext>
+              <a:ext uri="{C183D7F6-B498-43B3-948B-1728B52AA6E4}">
+                <adec:decorative xmlns:adec="http://schemas.microsoft.com/office/drawing/2017/decorative" val="1"/>
+              </a:ext>
+            </a:extLst>
+          </p:cNvPr>
+          <p:cNvSpPr>
+            <a:spLocks noGrp="1" noRot="1" noChangeAspect="1" noMove="1" noResize="1" noEditPoints="1" noAdjustHandles="1" noChangeArrowheads="1" noChangeShapeType="1" noTextEdit="1"/>
+          </p:cNvSpPr>
+          <p:nvPr>
+            <p:extLst>
+              <p:ext uri="{386F3935-93C4-4BCD-93E2-E3B085C9AB24}">
+                <p16:designElem xmlns:p16="http://schemas.microsoft.com/office/powerpoint/2015/main" val="1"/>
+              </p:ext>
+            </p:extLst>
+          </p:nvPr>
+        </p:nvSpPr>
+        <p:spPr>
+          <a:xfrm>
+            <a:off x="3048" y="0"/>
+            <a:ext cx="12188952" cy="6858000"/>
+          </a:xfrm>
+          <a:prstGeom prst="rect">
+            <a:avLst/>
+          </a:prstGeom>
+          <a:ln>
+            <a:noFill/>
+          </a:ln>
+        </p:spPr>
+        <p:style>
+          <a:lnRef idx="2">
+            <a:schemeClr val="accent1">
+              <a:shade val="50000"/>
+            </a:schemeClr>
+          </a:lnRef>
+          <a:fillRef idx="1">
+            <a:schemeClr val="accent1"/>
+          </a:fillRef>
+          <a:effectRef idx="0">
+            <a:schemeClr val="accent1"/>
+          </a:effectRef>
+          <a:fontRef idx="minor">
+            <a:schemeClr val="lt1"/>
+          </a:fontRef>
+        </p:style>
+        <p:txBody>
+          <a:bodyPr rtlCol="0" anchor="ctr"/>
+          <a:lstStyle/>
+          <a:p>
+            <a:pPr algn="ctr"/>
+            <a:endParaRPr lang="en-US" dirty="0"/>
+          </a:p>
+        </p:txBody>
+      </p:sp>
+      <p:sp>
+        <p:nvSpPr>
+          <p:cNvPr id="10" name="Freeform: Shape 9">
+            <a:extLst>
+              <a:ext uri="{FF2B5EF4-FFF2-40B4-BE49-F238E27FC236}">
+                <a16:creationId xmlns:a16="http://schemas.microsoft.com/office/drawing/2014/main" id="{DAAE4CDD-124C-4DCF-9584-B6033B545DD5}"/>
+              </a:ext>
+              <a:ext uri="{C183D7F6-B498-43B3-948B-1728B52AA6E4}">
+                <adec:decorative xmlns:adec="http://schemas.microsoft.com/office/drawing/2017/decorative" val="1"/>
+              </a:ext>
+            </a:extLst>
+          </p:cNvPr>
+          <p:cNvSpPr>
+            <a:spLocks noChangeAspect="1"/>
+          </p:cNvSpPr>
+          <p:nvPr>
+            <p:extLst>
+              <p:ext uri="{386F3935-93C4-4BCD-93E2-E3B085C9AB24}">
+                <p16:designElem xmlns:p16="http://schemas.microsoft.com/office/powerpoint/2015/main" val="1"/>
+              </p:ext>
+            </p:extLst>
+          </p:nvPr>
+        </p:nvSpPr>
+        <p:spPr>
+          <a:xfrm>
+            <a:off x="1" y="0"/>
+            <a:ext cx="4167271" cy="6858000"/>
+          </a:xfrm>
+          <a:custGeom>
+            <a:avLst/>
+            <a:gdLst>
+              <a:gd name="connsiteX0" fmla="*/ 0 w 4167271"/>
+              <a:gd name="connsiteY0" fmla="*/ 0 h 6858000"/>
+              <a:gd name="connsiteX1" fmla="*/ 2259550 w 4167271"/>
+              <a:gd name="connsiteY1" fmla="*/ 0 h 6858000"/>
+              <a:gd name="connsiteX2" fmla="*/ 2387803 w 4167271"/>
+              <a:gd name="connsiteY2" fmla="*/ 82222 h 6858000"/>
+              <a:gd name="connsiteX3" fmla="*/ 4167271 w 4167271"/>
+              <a:gd name="connsiteY3" fmla="*/ 3429000 h 6858000"/>
+              <a:gd name="connsiteX4" fmla="*/ 2387803 w 4167271"/>
+              <a:gd name="connsiteY4" fmla="*/ 6775779 h 6858000"/>
+              <a:gd name="connsiteX5" fmla="*/ 2259550 w 4167271"/>
+              <a:gd name="connsiteY5" fmla="*/ 6858000 h 6858000"/>
+              <a:gd name="connsiteX6" fmla="*/ 0 w 4167271"/>
+              <a:gd name="connsiteY6" fmla="*/ 6858000 h 6858000"/>
+            </a:gdLst>
+            <a:ahLst/>
+            <a:cxnLst>
+              <a:cxn ang="0">
+                <a:pos x="connsiteX0" y="connsiteY0"/>
+              </a:cxn>
+              <a:cxn ang="0">
+                <a:pos x="connsiteX1" y="connsiteY1"/>
+              </a:cxn>
+              <a:cxn ang="0">
+                <a:pos x="connsiteX2" y="connsiteY2"/>
+              </a:cxn>
+              <a:cxn ang="0">
+                <a:pos x="connsiteX3" y="connsiteY3"/>
+              </a:cxn>
+              <a:cxn ang="0">
+                <a:pos x="connsiteX4" y="connsiteY4"/>
+              </a:cxn>
+              <a:cxn ang="0">
+                <a:pos x="connsiteX5" y="connsiteY5"/>
+              </a:cxn>
+              <a:cxn ang="0">
+                <a:pos x="connsiteX6" y="connsiteY6"/>
+              </a:cxn>
+            </a:cxnLst>
+            <a:rect l="l" t="t" r="r" b="b"/>
+            <a:pathLst>
+              <a:path w="4167271" h="6858000">
+                <a:moveTo>
+                  <a:pt x="0" y="0"/>
+                </a:moveTo>
+                <a:lnTo>
+                  <a:pt x="2259550" y="0"/>
+                </a:lnTo>
+                <a:lnTo>
+                  <a:pt x="2387803" y="82222"/>
+                </a:lnTo>
+                <a:cubicBezTo>
+                  <a:pt x="3461407" y="807534"/>
+                  <a:pt x="4167271" y="2035835"/>
+                  <a:pt x="4167271" y="3429000"/>
+                </a:cubicBezTo>
+                <a:cubicBezTo>
+                  <a:pt x="4167271" y="4822165"/>
+                  <a:pt x="3461407" y="6050467"/>
+                  <a:pt x="2387803" y="6775779"/>
+                </a:cubicBezTo>
+                <a:lnTo>
+                  <a:pt x="2259550" y="6858000"/>
+                </a:lnTo>
+                <a:lnTo>
+                  <a:pt x="0" y="6858000"/>
+                </a:lnTo>
+                <a:close/>
+              </a:path>
+            </a:pathLst>
+          </a:custGeom>
+          <a:gradFill flip="none" rotWithShape="1">
+            <a:gsLst>
+              <a:gs pos="0">
+                <a:schemeClr val="accent2">
+                  <a:lumMod val="67000"/>
+                </a:schemeClr>
+              </a:gs>
+              <a:gs pos="48000">
+                <a:schemeClr val="accent2">
+                  <a:lumMod val="97000"/>
+                  <a:lumOff val="3000"/>
+                </a:schemeClr>
+              </a:gs>
+              <a:gs pos="100000">
+                <a:schemeClr val="accent2">
+                  <a:lumMod val="60000"/>
+                  <a:lumOff val="40000"/>
+                </a:schemeClr>
+              </a:gs>
+            </a:gsLst>
+            <a:lin ang="16200000" scaled="1"/>
+            <a:tileRect/>
+          </a:gradFill>
+          <a:ln>
+            <a:noFill/>
+          </a:ln>
+        </p:spPr>
+        <p:style>
+          <a:lnRef idx="0">
+            <a:scrgbClr r="0" g="0" b="0"/>
+          </a:lnRef>
+          <a:fillRef idx="0">
+            <a:scrgbClr r="0" g="0" b="0"/>
+          </a:fillRef>
+          <a:effectRef idx="0">
+            <a:scrgbClr r="0" g="0" b="0"/>
+          </a:effectRef>
+          <a:fontRef idx="minor">
+            <a:schemeClr val="lt1"/>
+          </a:fontRef>
+        </p:style>
+        <p:txBody>
+          <a:bodyPr rtlCol="0" anchor="ctr"/>
+          <a:lstStyle/>
+          <a:p>
+            <a:pPr algn="ctr"/>
+            <a:endParaRPr lang="en-US" dirty="0"/>
+          </a:p>
+        </p:txBody>
+      </p:sp>
+      <p:sp>
+        <p:nvSpPr>
+          <p:cNvPr id="2" name="Title 1">
+            <a:extLst>
+              <a:ext uri="{FF2B5EF4-FFF2-40B4-BE49-F238E27FC236}">
+                <a16:creationId xmlns:a16="http://schemas.microsoft.com/office/drawing/2014/main" id="{604CD088-9924-FDF8-32EA-64AD14C5DE41}"/>
+              </a:ext>
+            </a:extLst>
+          </p:cNvPr>
+          <p:cNvSpPr>
+            <a:spLocks noGrp="1"/>
+          </p:cNvSpPr>
+          <p:nvPr>
+            <p:ph type="title"/>
+          </p:nvPr>
+        </p:nvSpPr>
+        <p:spPr>
+          <a:xfrm>
+            <a:off x="686834" y="1153572"/>
+            <a:ext cx="3200400" cy="4461163"/>
+          </a:xfrm>
+        </p:spPr>
+        <p:txBody>
+          <a:bodyPr>
+            <a:normAutofit/>
+          </a:bodyPr>
+          <a:lstStyle/>
+          <a:p>
+            <a:r>
+              <a:rPr lang="en-US" dirty="0">
+                <a:solidFill>
+                  <a:srgbClr val="FFFFFF"/>
+                </a:solidFill>
+              </a:rPr>
+              <a:t>Gherkin</a:t>
+            </a:r>
+          </a:p>
+        </p:txBody>
+      </p:sp>
+      <p:sp>
+        <p:nvSpPr>
+          <p:cNvPr id="12" name="Arc 11">
+            <a:extLst>
+              <a:ext uri="{FF2B5EF4-FFF2-40B4-BE49-F238E27FC236}">
+                <a16:creationId xmlns:a16="http://schemas.microsoft.com/office/drawing/2014/main" id="{081E4A58-353D-44AE-B2FC-2A74E2E400F7}"/>
+              </a:ext>
+              <a:ext uri="{C183D7F6-B498-43B3-948B-1728B52AA6E4}">
+                <adec:decorative xmlns:adec="http://schemas.microsoft.com/office/drawing/2017/decorative" val="1"/>
+              </a:ext>
+            </a:extLst>
+          </p:cNvPr>
+          <p:cNvSpPr>
+            <a:spLocks noGrp="1" noRot="1" noChangeAspect="1" noMove="1" noResize="1" noEditPoints="1" noAdjustHandles="1" noChangeArrowheads="1" noChangeShapeType="1" noTextEdit="1"/>
+          </p:cNvSpPr>
+          <p:nvPr>
+            <p:extLst>
+              <p:ext uri="{386F3935-93C4-4BCD-93E2-E3B085C9AB24}">
+                <p16:designElem xmlns:p16="http://schemas.microsoft.com/office/powerpoint/2015/main" val="1"/>
+              </p:ext>
+            </p:extLst>
+          </p:nvPr>
+        </p:nvSpPr>
+        <p:spPr>
+          <a:xfrm flipV="1">
+            <a:off x="7550402" y="2455479"/>
+            <a:ext cx="4083433" cy="4083433"/>
+          </a:xfrm>
+          <a:prstGeom prst="arc">
+            <a:avLst/>
+          </a:prstGeom>
+          <a:ln w="127000" cap="rnd">
+            <a:solidFill>
+              <a:schemeClr val="accent4"/>
+            </a:solidFill>
+            <a:prstDash val="dash"/>
+          </a:ln>
+        </p:spPr>
+        <p:style>
+          <a:lnRef idx="1">
+            <a:schemeClr val="accent1"/>
+          </a:lnRef>
+          <a:fillRef idx="0">
+            <a:schemeClr val="accent1"/>
+          </a:fillRef>
+          <a:effectRef idx="0">
+            <a:schemeClr val="accent1"/>
+          </a:effectRef>
+          <a:fontRef idx="minor">
+            <a:schemeClr val="tx1"/>
+          </a:fontRef>
+        </p:style>
+        <p:txBody>
+          <a:bodyPr rtlCol="0" anchor="ctr"/>
+          <a:lstStyle/>
+          <a:p>
+            <a:pPr algn="ctr"/>
+            <a:endParaRPr lang="en-US" dirty="0"/>
+          </a:p>
+        </p:txBody>
+      </p:sp>
+      <p:pic>
+        <p:nvPicPr>
+          <p:cNvPr id="5" name="Content Placeholder 4">
+            <a:extLst>
+              <a:ext uri="{FF2B5EF4-FFF2-40B4-BE49-F238E27FC236}">
+                <a16:creationId xmlns:a16="http://schemas.microsoft.com/office/drawing/2014/main" id="{17F18D02-C769-6116-EFA8-F7B909B3BE0E}"/>
+              </a:ext>
+            </a:extLst>
+          </p:cNvPr>
+          <p:cNvPicPr>
+            <a:picLocks noGrp="1" noChangeAspect="1"/>
+          </p:cNvPicPr>
+          <p:nvPr>
+            <p:ph idx="1"/>
+          </p:nvPr>
+        </p:nvPicPr>
+        <p:blipFill>
+          <a:blip r:embed="rId3">
+            <a:extLst>
+              <a:ext uri="{28A0092B-C50C-407E-A947-70E740481C1C}">
+                <a14:useLocalDpi xmlns:a14="http://schemas.microsoft.com/office/drawing/2010/main" val="0"/>
+              </a:ext>
+            </a:extLst>
+          </a:blip>
+          <a:srcRect/>
+          <a:stretch/>
+        </p:blipFill>
+        <p:spPr>
+          <a:xfrm>
+            <a:off x="4202589" y="1557130"/>
+            <a:ext cx="7909850" cy="3794830"/>
+          </a:xfrm>
+        </p:spPr>
+      </p:pic>
+      <p:pic>
+        <p:nvPicPr>
+          <p:cNvPr id="4" name="Picture 3">
+            <a:extLst>
+              <a:ext uri="{FF2B5EF4-FFF2-40B4-BE49-F238E27FC236}">
+                <a16:creationId xmlns:a16="http://schemas.microsoft.com/office/drawing/2014/main" id="{E5D75963-707A-00B6-0F3B-7B61F831E4A6}"/>
+              </a:ext>
+            </a:extLst>
+          </p:cNvPr>
+          <p:cNvPicPr>
+            <a:picLocks noChangeAspect="1"/>
+          </p:cNvPicPr>
+          <p:nvPr/>
+        </p:nvPicPr>
+        <p:blipFill>
+          <a:blip r:embed="rId4"/>
+          <a:stretch>
+            <a:fillRect/>
+          </a:stretch>
+        </p:blipFill>
+        <p:spPr>
+          <a:xfrm>
+            <a:off x="6095986" y="3428993"/>
+            <a:ext cx="27" cy="13"/>
+          </a:xfrm>
+          <a:prstGeom prst="rect">
+            <a:avLst/>
+          </a:prstGeom>
+        </p:spPr>
+      </p:pic>
+    </p:spTree>
+    <p:extLst>
+      <p:ext uri="{BB962C8B-B14F-4D97-AF65-F5344CB8AC3E}">
+        <p14:creationId xmlns:p14="http://schemas.microsoft.com/office/powerpoint/2010/main" val="1556859037"/>
+      </p:ext>
+    </p:extLst>
+  </p:cSld>
+  <p:clrMapOvr>
+    <a:masterClrMapping/>
+  </p:clrMapOvr>
+  <p:timing>
+    <p:tnLst>
+      <p:par>
+        <p:cTn id="1" dur="indefinite" restart="never" nodeType="tmRoot">
+          <p:childTnLst>
+            <p:seq concurrent="1" nextAc="seek">
+              <p:cTn id="2" dur="indefinite" nodeType="mainSeq">
+                <p:childTnLst>
+                  <p:par>
+                    <p:cTn id="3" fill="hold">
+                      <p:stCondLst>
+                        <p:cond delay="indefinite"/>
+                      </p:stCondLst>
+                      <p:childTnLst>
+                        <p:par>
+                          <p:cTn id="4" fill="hold">
+                            <p:stCondLst>
+                              <p:cond delay="0"/>
+                            </p:stCondLst>
+                            <p:childTnLst>
+                              <p:par>
+                                <p:cTn id="5" presetID="2" presetClass="entr" presetSubtype="8" fill="hold" grpId="0" nodeType="clickEffect">
+                                  <p:stCondLst>
+                                    <p:cond delay="0"/>
+                                  </p:stCondLst>
+                                  <p:childTnLst>
+                                    <p:set>
+                                      <p:cBhvr>
+                                        <p:cTn id="6" dur="1" fill="hold">
+                                          <p:stCondLst>
+                                            <p:cond delay="0"/>
+                                          </p:stCondLst>
+                                        </p:cTn>
+                                        <p:tgtEl>
+                                          <p:spTgt spid="10"/>
+                                        </p:tgtEl>
+                                        <p:attrNameLst>
+                                          <p:attrName>style.visibility</p:attrName>
+                                        </p:attrNameLst>
+                                      </p:cBhvr>
+                                      <p:to>
+                                        <p:strVal val="visible"/>
+                                      </p:to>
+                                    </p:set>
+                                    <p:anim calcmode="lin" valueType="num">
+                                      <p:cBhvr additive="base">
+                                        <p:cTn id="7" dur="3500" fill="hold"/>
+                                        <p:tgtEl>
+                                          <p:spTgt spid="10"/>
+                                        </p:tgtEl>
+                                        <p:attrNameLst>
+                                          <p:attrName>ppt_x</p:attrName>
+                                        </p:attrNameLst>
+                                      </p:cBhvr>
+                                      <p:tavLst>
+                                        <p:tav tm="0">
+                                          <p:val>
+                                            <p:strVal val="0-#ppt_w/2"/>
+                                          </p:val>
+                                        </p:tav>
+                                        <p:tav tm="100000">
+                                          <p:val>
+                                            <p:strVal val="#ppt_x"/>
+                                          </p:val>
+                                        </p:tav>
+                                      </p:tavLst>
+                                    </p:anim>
+                                    <p:anim calcmode="lin" valueType="num">
+                                      <p:cBhvr additive="base">
+                                        <p:cTn id="8" dur="3500" fill="hold"/>
+                                        <p:tgtEl>
+                                          <p:spTgt spid="10"/>
+                                        </p:tgtEl>
+                                        <p:attrNameLst>
+                                          <p:attrName>ppt_y</p:attrName>
+                                        </p:attrNameLst>
+                                      </p:cBhvr>
+                                      <p:tavLst>
+                                        <p:tav tm="0">
+                                          <p:val>
+                                            <p:strVal val="#ppt_y"/>
+                                          </p:val>
+                                        </p:tav>
+                                        <p:tav tm="100000">
+                                          <p:val>
+                                            <p:strVal val="#ppt_y"/>
+                                          </p:val>
+                                        </p:tav>
+                                      </p:tavLst>
+                                    </p:anim>
+                                  </p:childTnLst>
+                                </p:cTn>
+                              </p:par>
+                            </p:childTnLst>
+                          </p:cTn>
+                        </p:par>
+                      </p:childTnLst>
+                    </p:cTn>
+                  </p:par>
+                </p:childTnLst>
+              </p:cTn>
+              <p:prevCondLst>
+                <p:cond evt="onPrev" delay="0">
+                  <p:tgtEl>
+                    <p:sldTgt/>
+                  </p:tgtEl>
+                </p:cond>
+              </p:prevCondLst>
+              <p:nextCondLst>
+                <p:cond evt="onNext" delay="0">
+                  <p:tgtEl>
+                    <p:sldTgt/>
+                  </p:tgtEl>
+                </p:cond>
+              </p:nextCondLst>
+            </p:seq>
+          </p:childTnLst>
+        </p:cTn>
+      </p:par>
+    </p:tnLst>
+    <p:bldLst>
+      <p:bldP spid="10" grpId="0" animBg="1"/>
+    </p:bldLst>
+  </p:timing>
+</p:sld>
+</file>
+
+<file path=ppt/slides/slide19.xml><?xml version="1.0" encoding="utf-8"?>
+<p:sld xmlns:a="http://schemas.openxmlformats.org/drawingml/2006/main" xmlns:r="http://schemas.openxmlformats.org/officeDocument/2006/relationships" xmlns:p="http://schemas.openxmlformats.org/presentationml/2006/main">
+  <p:cSld>
+    <p:spTree>
+      <p:nvGrpSpPr>
+        <p:cNvPr id="1" name=""/>
+        <p:cNvGrpSpPr/>
+        <p:nvPr/>
+      </p:nvGrpSpPr>
+      <p:grpSpPr>
+        <a:xfrm>
+          <a:off x="0" y="0"/>
+          <a:ext cx="0" cy="0"/>
+          <a:chOff x="0" y="0"/>
+          <a:chExt cx="0" cy="0"/>
+        </a:xfrm>
+      </p:grpSpPr>
+      <p:sp>
+        <p:nvSpPr>
+          <p:cNvPr id="2" name="Title 1">
+            <a:extLst>
+              <a:ext uri="{FF2B5EF4-FFF2-40B4-BE49-F238E27FC236}">
+                <a16:creationId xmlns:a16="http://schemas.microsoft.com/office/drawing/2014/main" id="{A696639F-6DBD-D0A1-94B2-8C9A24D3DEF2}"/>
+              </a:ext>
+            </a:extLst>
+          </p:cNvPr>
+          <p:cNvSpPr>
+            <a:spLocks noGrp="1"/>
+          </p:cNvSpPr>
+          <p:nvPr>
+            <p:ph type="title"/>
+          </p:nvPr>
+        </p:nvSpPr>
+        <p:spPr/>
+        <p:txBody>
+          <a:bodyPr/>
+          <a:lstStyle/>
+          <a:p>
+            <a:endParaRPr lang="en-US"/>
+          </a:p>
+        </p:txBody>
+      </p:sp>
+      <p:sp>
+        <p:nvSpPr>
+          <p:cNvPr id="3" name="Content Placeholder 2">
+            <a:extLst>
+              <a:ext uri="{FF2B5EF4-FFF2-40B4-BE49-F238E27FC236}">
+                <a16:creationId xmlns:a16="http://schemas.microsoft.com/office/drawing/2014/main" id="{17AD3650-7B2E-0F66-3F5A-B1E44400E5BE}"/>
+              </a:ext>
+            </a:extLst>
+          </p:cNvPr>
+          <p:cNvSpPr>
+            <a:spLocks noGrp="1"/>
+          </p:cNvSpPr>
+          <p:nvPr>
+            <p:ph idx="1"/>
+          </p:nvPr>
+        </p:nvSpPr>
+        <p:spPr/>
+        <p:txBody>
+          <a:bodyPr/>
+          <a:lstStyle/>
+          <a:p>
+            <a:endParaRPr lang="en-US"/>
+          </a:p>
+        </p:txBody>
+      </p:sp>
+      <p:pic>
+        <p:nvPicPr>
+          <p:cNvPr id="4" name="Content Placeholder 4">
+            <a:extLst>
+              <a:ext uri="{FF2B5EF4-FFF2-40B4-BE49-F238E27FC236}">
+                <a16:creationId xmlns:a16="http://schemas.microsoft.com/office/drawing/2014/main" id="{837FFBC6-F8D1-1F8E-851B-524E234D21B0}"/>
+              </a:ext>
+            </a:extLst>
+          </p:cNvPr>
+          <p:cNvPicPr>
+            <a:picLocks noChangeAspect="1"/>
+          </p:cNvPicPr>
+          <p:nvPr/>
+        </p:nvPicPr>
+        <p:blipFill>
+          <a:blip r:embed="rId2">
+            <a:extLst>
+              <a:ext uri="{28A0092B-C50C-407E-A947-70E740481C1C}">
+                <a14:useLocalDpi xmlns:a14="http://schemas.microsoft.com/office/drawing/2010/main" val="0"/>
+              </a:ext>
+            </a:extLst>
+          </a:blip>
+          <a:srcRect/>
+          <a:stretch/>
+        </p:blipFill>
+        <p:spPr>
+          <a:xfrm>
+            <a:off x="-2591" y="1506311"/>
+            <a:ext cx="6911872" cy="3316040"/>
+          </a:xfrm>
+          <a:prstGeom prst="rect">
+            <a:avLst/>
+          </a:prstGeom>
+        </p:spPr>
+      </p:pic>
+      <p:pic>
+        <p:nvPicPr>
+          <p:cNvPr id="5" name="Picture 4">
+            <a:extLst>
+              <a:ext uri="{FF2B5EF4-FFF2-40B4-BE49-F238E27FC236}">
+                <a16:creationId xmlns:a16="http://schemas.microsoft.com/office/drawing/2014/main" id="{8F42F4D8-B744-D1E4-4669-E0256E41F0CC}"/>
+              </a:ext>
+            </a:extLst>
+          </p:cNvPr>
+          <p:cNvPicPr>
+            <a:picLocks noChangeAspect="1"/>
+          </p:cNvPicPr>
+          <p:nvPr/>
+        </p:nvPicPr>
+        <p:blipFill>
+          <a:blip r:embed="rId3">
+            <a:extLst>
+              <a:ext uri="{28A0092B-C50C-407E-A947-70E740481C1C}">
+                <a14:useLocalDpi xmlns:a14="http://schemas.microsoft.com/office/drawing/2010/main" val="0"/>
+              </a:ext>
+            </a:extLst>
+          </a:blip>
+          <a:srcRect/>
+          <a:stretch/>
+        </p:blipFill>
+        <p:spPr>
+          <a:xfrm>
+            <a:off x="6909280" y="-25849"/>
+            <a:ext cx="5028023" cy="6913533"/>
+          </a:xfrm>
+          <a:prstGeom prst="rect">
+            <a:avLst/>
+          </a:prstGeom>
+        </p:spPr>
+      </p:pic>
+    </p:spTree>
+    <p:extLst>
+      <p:ext uri="{BB962C8B-B14F-4D97-AF65-F5344CB8AC3E}">
+        <p14:creationId xmlns:p14="http://schemas.microsoft.com/office/powerpoint/2010/main" val="1013754944"/>
+      </p:ext>
+    </p:extLst>
+  </p:cSld>
+  <p:clrMapOvr>
+    <a:masterClrMapping/>
+  </p:clrMapOvr>
+</p:sld>
+</file>
+
+<file path=ppt/slides/slide2.xml><?xml version="1.0" encoding="utf-8"?>
+<p:sld xmlns:a="http://schemas.openxmlformats.org/drawingml/2006/main" xmlns:r="http://schemas.openxmlformats.org/officeDocument/2006/relationships" xmlns:p="http://schemas.openxmlformats.org/presentationml/2006/main">
+  <p:cSld>
+    <p:spTree>
+      <p:nvGrpSpPr>
+        <p:cNvPr id="1" name=""/>
+        <p:cNvGrpSpPr/>
+        <p:nvPr/>
+      </p:nvGrpSpPr>
+      <p:grpSpPr>
+        <a:xfrm>
+          <a:off x="0" y="0"/>
+          <a:ext cx="0" cy="0"/>
+          <a:chOff x="0" y="0"/>
+          <a:chExt cx="0" cy="0"/>
+        </a:xfrm>
+      </p:grpSpPr>
+      <p:sp>
+        <p:nvSpPr>
+          <p:cNvPr id="2" name="Title 1">
+            <a:extLst>
+              <a:ext uri="{FF2B5EF4-FFF2-40B4-BE49-F238E27FC236}">
+                <a16:creationId xmlns:a16="http://schemas.microsoft.com/office/drawing/2014/main" id="{9347DB6B-8169-FEB2-EFE8-BB8ED29FEA2F}"/>
+              </a:ext>
+            </a:extLst>
+          </p:cNvPr>
+          <p:cNvSpPr>
+            <a:spLocks noGrp="1"/>
+          </p:cNvSpPr>
+          <p:nvPr>
+            <p:ph type="title"/>
+          </p:nvPr>
+        </p:nvSpPr>
+        <p:spPr/>
+        <p:txBody>
+          <a:bodyPr/>
+          <a:lstStyle/>
+          <a:p>
+            <a:endParaRPr lang="en-US" dirty="0"/>
+          </a:p>
+        </p:txBody>
+      </p:sp>
+      <p:pic>
+        <p:nvPicPr>
+          <p:cNvPr id="6" name="Content Placeholder 5" descr="A picture containing text, screenshot, human face, font&#10;&#10;Description automatically generated">
+            <a:extLst>
+              <a:ext uri="{FF2B5EF4-FFF2-40B4-BE49-F238E27FC236}">
+                <a16:creationId xmlns:a16="http://schemas.microsoft.com/office/drawing/2014/main" id="{1774A12E-1FFF-8127-763B-6F5362513EE2}"/>
+              </a:ext>
+            </a:extLst>
+          </p:cNvPr>
+          <p:cNvPicPr>
+            <a:picLocks noGrp="1" noChangeAspect="1"/>
+          </p:cNvPicPr>
+          <p:nvPr>
+            <p:ph idx="1"/>
+          </p:nvPr>
+        </p:nvPicPr>
+        <p:blipFill>
+          <a:blip r:embed="rId3">
+            <a:extLst>
+              <a:ext uri="{28A0092B-C50C-407E-A947-70E740481C1C}">
+                <a14:useLocalDpi xmlns:a14="http://schemas.microsoft.com/office/drawing/2010/main" val="0"/>
+              </a:ext>
+            </a:extLst>
+          </a:blip>
+          <a:stretch>
+            <a:fillRect/>
+          </a:stretch>
+        </p:blipFill>
+        <p:spPr>
+          <a:xfrm>
+            <a:off x="0" y="0"/>
+            <a:ext cx="13033612" cy="7460856"/>
+          </a:xfrm>
+        </p:spPr>
+      </p:pic>
+    </p:spTree>
+    <p:extLst>
+      <p:ext uri="{BB962C8B-B14F-4D97-AF65-F5344CB8AC3E}">
+        <p14:creationId xmlns:p14="http://schemas.microsoft.com/office/powerpoint/2010/main" val="2826635753"/>
+      </p:ext>
+    </p:extLst>
+  </p:cSld>
+  <p:clrMapOvr>
+    <a:masterClrMapping/>
+  </p:clrMapOvr>
+</p:sld>
+</file>
+
+<file path=ppt/slides/slide20.xml><?xml version="1.0" encoding="utf-8"?>
+<p:sld xmlns:a="http://schemas.openxmlformats.org/drawingml/2006/main" xmlns:r="http://schemas.openxmlformats.org/officeDocument/2006/relationships" xmlns:p="http://schemas.openxmlformats.org/presentationml/2006/main">
+  <p:cSld>
+    <p:spTree>
+      <p:nvGrpSpPr>
+        <p:cNvPr id="1" name=""/>
+        <p:cNvGrpSpPr/>
+        <p:nvPr/>
+      </p:nvGrpSpPr>
+      <p:grpSpPr>
+        <a:xfrm>
+          <a:off x="0" y="0"/>
+          <a:ext cx="0" cy="0"/>
+          <a:chOff x="0" y="0"/>
+          <a:chExt cx="0" cy="0"/>
+        </a:xfrm>
+      </p:grpSpPr>
+      <p:sp>
+        <p:nvSpPr>
+          <p:cNvPr id="2" name="Title 1">
+            <a:extLst>
+              <a:ext uri="{FF2B5EF4-FFF2-40B4-BE49-F238E27FC236}">
+                <a16:creationId xmlns:a16="http://schemas.microsoft.com/office/drawing/2014/main" id="{A696639F-6DBD-D0A1-94B2-8C9A24D3DEF2}"/>
+              </a:ext>
+            </a:extLst>
+          </p:cNvPr>
+          <p:cNvSpPr>
+            <a:spLocks noGrp="1"/>
+          </p:cNvSpPr>
+          <p:nvPr>
+            <p:ph type="title"/>
+          </p:nvPr>
+        </p:nvSpPr>
+        <p:spPr/>
+        <p:txBody>
+          <a:bodyPr/>
+          <a:lstStyle/>
+          <a:p>
+            <a:endParaRPr lang="en-US"/>
+          </a:p>
+        </p:txBody>
+      </p:sp>
+      <p:sp>
+        <p:nvSpPr>
+          <p:cNvPr id="3" name="Content Placeholder 2">
+            <a:extLst>
+              <a:ext uri="{FF2B5EF4-FFF2-40B4-BE49-F238E27FC236}">
+                <a16:creationId xmlns:a16="http://schemas.microsoft.com/office/drawing/2014/main" id="{17AD3650-7B2E-0F66-3F5A-B1E44400E5BE}"/>
+              </a:ext>
+            </a:extLst>
+          </p:cNvPr>
+          <p:cNvSpPr>
+            <a:spLocks noGrp="1"/>
+          </p:cNvSpPr>
+          <p:nvPr>
+            <p:ph idx="1"/>
+          </p:nvPr>
+        </p:nvSpPr>
+        <p:spPr/>
+        <p:txBody>
+          <a:bodyPr/>
+          <a:lstStyle/>
+          <a:p>
+            <a:endParaRPr lang="en-US"/>
+          </a:p>
+        </p:txBody>
+      </p:sp>
+    </p:spTree>
+    <p:extLst>
+      <p:ext uri="{BB962C8B-B14F-4D97-AF65-F5344CB8AC3E}">
+        <p14:creationId xmlns:p14="http://schemas.microsoft.com/office/powerpoint/2010/main" val="2935746363"/>
+      </p:ext>
+    </p:extLst>
+  </p:cSld>
+  <p:clrMapOvr>
+    <a:masterClrMapping/>
+  </p:clrMapOvr>
+</p:sld>
+</file>
+
+<file path=ppt/slides/slide21.xml><?xml version="1.0" encoding="utf-8"?>
+<p:sld xmlns:a="http://schemas.openxmlformats.org/drawingml/2006/main" xmlns:r="http://schemas.openxmlformats.org/officeDocument/2006/relationships" xmlns:p="http://schemas.openxmlformats.org/presentationml/2006/main">
+  <p:cSld>
+    <p:bg>
+      <p:bgPr>
+        <a:solidFill>
+          <a:schemeClr val="bg1"/>
+        </a:solidFill>
+        <a:effectLst/>
+      </p:bgPr>
+    </p:bg>
+    <p:spTree>
+      <p:nvGrpSpPr>
+        <p:cNvPr id="1" name=""/>
+        <p:cNvGrpSpPr/>
+        <p:nvPr/>
+      </p:nvGrpSpPr>
+      <p:grpSpPr>
+        <a:xfrm>
+          <a:off x="0" y="0"/>
+          <a:ext cx="0" cy="0"/>
+          <a:chOff x="0" y="0"/>
+          <a:chExt cx="0" cy="0"/>
+        </a:xfrm>
+      </p:grpSpPr>
+      <p:sp useBgFill="1">
+        <p:nvSpPr>
+          <p:cNvPr id="8" name="Rectangle 7">
+            <a:extLst>
+              <a:ext uri="{FF2B5EF4-FFF2-40B4-BE49-F238E27FC236}">
                 <a16:creationId xmlns:a16="http://schemas.microsoft.com/office/drawing/2014/main" id="{DAF1966E-FD40-4A4A-B61B-C4DF7FA05F06}"/>
               </a:ext>
               <a:ext uri="{C183D7F6-B498-43B3-948B-1728B52AA6E4}">
@@ -10051,7 +12284,7 @@
 </p:sld>
 </file>
 
-<file path=ppt/slides/slide17.xml><?xml version="1.0" encoding="utf-8"?>
+<file path=ppt/slides/slide22.xml><?xml version="1.0" encoding="utf-8"?>
 <p:sld xmlns:a="http://schemas.openxmlformats.org/drawingml/2006/main" xmlns:r="http://schemas.openxmlformats.org/officeDocument/2006/relationships" xmlns:p="http://schemas.openxmlformats.org/presentationml/2006/main">
   <p:cSld>
     <p:bg>
@@ -10485,96 +12718,6 @@
     <p:extLst>
       <p:ext uri="{BB962C8B-B14F-4D97-AF65-F5344CB8AC3E}">
         <p14:creationId xmlns:p14="http://schemas.microsoft.com/office/powerpoint/2010/main" val="1252023632"/>
-      </p:ext>
-    </p:extLst>
-  </p:cSld>
-  <p:clrMapOvr>
-    <a:masterClrMapping/>
-  </p:clrMapOvr>
-</p:sld>
-</file>
-
-<file path=ppt/slides/slide2.xml><?xml version="1.0" encoding="utf-8"?>
-<p:sld xmlns:a="http://schemas.openxmlformats.org/drawingml/2006/main" xmlns:r="http://schemas.openxmlformats.org/officeDocument/2006/relationships" xmlns:p="http://schemas.openxmlformats.org/presentationml/2006/main">
-  <p:cSld>
-    <p:spTree>
-      <p:nvGrpSpPr>
-        <p:cNvPr id="1" name=""/>
-        <p:cNvGrpSpPr/>
-        <p:nvPr/>
-      </p:nvGrpSpPr>
-      <p:grpSpPr>
-        <a:xfrm>
-          <a:off x="0" y="0"/>
-          <a:ext cx="0" cy="0"/>
-          <a:chOff x="0" y="0"/>
-          <a:chExt cx="0" cy="0"/>
-        </a:xfrm>
-      </p:grpSpPr>
-      <p:sp>
-        <p:nvSpPr>
-          <p:cNvPr id="2" name="Title 1">
-            <a:extLst>
-              <a:ext uri="{FF2B5EF4-FFF2-40B4-BE49-F238E27FC236}">
-                <a16:creationId xmlns:a16="http://schemas.microsoft.com/office/drawing/2014/main" id="{9347DB6B-8169-FEB2-EFE8-BB8ED29FEA2F}"/>
-              </a:ext>
-            </a:extLst>
-          </p:cNvPr>
-          <p:cNvSpPr>
-            <a:spLocks noGrp="1"/>
-          </p:cNvSpPr>
-          <p:nvPr>
-            <p:ph type="title"/>
-          </p:nvPr>
-        </p:nvSpPr>
-        <p:spPr/>
-        <p:txBody>
-          <a:bodyPr/>
-          <a:lstStyle/>
-          <a:p>
-            <a:endParaRPr lang="en-US" dirty="0"/>
-          </a:p>
-        </p:txBody>
-      </p:sp>
-      <p:pic>
-        <p:nvPicPr>
-          <p:cNvPr id="6" name="Content Placeholder 5" descr="A picture containing text, screenshot, human face, font&#10;&#10;Description automatically generated">
-            <a:extLst>
-              <a:ext uri="{FF2B5EF4-FFF2-40B4-BE49-F238E27FC236}">
-                <a16:creationId xmlns:a16="http://schemas.microsoft.com/office/drawing/2014/main" id="{1774A12E-1FFF-8127-763B-6F5362513EE2}"/>
-              </a:ext>
-            </a:extLst>
-          </p:cNvPr>
-          <p:cNvPicPr>
-            <a:picLocks noGrp="1" noChangeAspect="1"/>
-          </p:cNvPicPr>
-          <p:nvPr>
-            <p:ph idx="1"/>
-          </p:nvPr>
-        </p:nvPicPr>
-        <p:blipFill>
-          <a:blip r:embed="rId3">
-            <a:extLst>
-              <a:ext uri="{28A0092B-C50C-407E-A947-70E740481C1C}">
-                <a14:useLocalDpi xmlns:a14="http://schemas.microsoft.com/office/drawing/2010/main" val="0"/>
-              </a:ext>
-            </a:extLst>
-          </a:blip>
-          <a:stretch>
-            <a:fillRect/>
-          </a:stretch>
-        </p:blipFill>
-        <p:spPr>
-          <a:xfrm>
-            <a:off x="0" y="0"/>
-            <a:ext cx="13033612" cy="7460856"/>
-          </a:xfrm>
-        </p:spPr>
-      </p:pic>
-    </p:spTree>
-    <p:extLst>
-      <p:ext uri="{BB962C8B-B14F-4D97-AF65-F5344CB8AC3E}">
-        <p14:creationId xmlns:p14="http://schemas.microsoft.com/office/powerpoint/2010/main" val="2826635753"/>
       </p:ext>
     </p:extLst>
   </p:cSld>
@@ -15216,7 +17359,7 @@
     <we:reference id="wa200004824" version="1.0.0.0" store="wa200004824" storeType="OMEX"/>
   </we:alternateReferences>
   <we:properties>
-    <we:property name="aha-slide" value="{&quot;slideId&quot;:&quot;92816756&quot;}"/>
+    <we:property name="aha-slide" value="{&quot;slideId&quot;:&quot;&quot;}"/>
   </we:properties>
   <we:bindings/>
   <we:snapshot xmlns:r="http://schemas.openxmlformats.org/officeDocument/2006/relationships" r:embed="rId1"/>

--- a/ThatConference2023.pptx
+++ b/ThatConference2023.pptx
@@ -5,7 +5,7 @@
     <p:sldMasterId id="2147483660" r:id="rId1"/>
   </p:sldMasterIdLst>
   <p:notesMasterIdLst>
-    <p:notesMasterId r:id="rId24"/>
+    <p:notesMasterId r:id="rId25"/>
   </p:notesMasterIdLst>
   <p:sldIdLst>
     <p:sldId id="256" r:id="rId2"/>
@@ -18,18 +18,19 @@
     <p:sldId id="297" r:id="rId9"/>
     <p:sldId id="298" r:id="rId10"/>
     <p:sldId id="296" r:id="rId11"/>
-    <p:sldId id="295" r:id="rId12"/>
-    <p:sldId id="299" r:id="rId13"/>
-    <p:sldId id="301" r:id="rId14"/>
+    <p:sldId id="301" r:id="rId12"/>
+    <p:sldId id="295" r:id="rId13"/>
+    <p:sldId id="299" r:id="rId14"/>
     <p:sldId id="304" r:id="rId15"/>
     <p:sldId id="302" r:id="rId16"/>
     <p:sldId id="306" r:id="rId17"/>
     <p:sldId id="307" r:id="rId18"/>
     <p:sldId id="308" r:id="rId19"/>
     <p:sldId id="305" r:id="rId20"/>
-    <p:sldId id="310" r:id="rId21"/>
-    <p:sldId id="303" r:id="rId22"/>
-    <p:sldId id="300" r:id="rId23"/>
+    <p:sldId id="311" r:id="rId21"/>
+    <p:sldId id="310" r:id="rId22"/>
+    <p:sldId id="303" r:id="rId23"/>
+    <p:sldId id="300" r:id="rId24"/>
   </p:sldIdLst>
   <p:sldSz cx="12192000" cy="6858000"/>
   <p:notesSz cx="6858000" cy="9144000"/>
@@ -143,15 +144,16 @@
             <p14:sldId id="297"/>
             <p14:sldId id="298"/>
             <p14:sldId id="296"/>
+            <p14:sldId id="301"/>
             <p14:sldId id="295"/>
             <p14:sldId id="299"/>
-            <p14:sldId id="301"/>
             <p14:sldId id="304"/>
             <p14:sldId id="302"/>
             <p14:sldId id="306"/>
             <p14:sldId id="307"/>
             <p14:sldId id="308"/>
             <p14:sldId id="305"/>
+            <p14:sldId id="311"/>
             <p14:sldId id="310"/>
             <p14:sldId id="303"/>
             <p14:sldId id="300"/>
@@ -677,53 +679,7 @@
           <a:p>
             <a:r>
               <a:rPr lang="en-US" dirty="0"/>
-              <a:t>TDD many times leads to hyperfocus on the unit of code.  </a:t>
-            </a:r>
-          </a:p>
-          <a:p>
-            <a:pPr marL="0" marR="0" lvl="0" indent="0" algn="l" defTabSz="914400" rtl="0" eaLnBrk="1" fontAlgn="auto" latinLnBrk="0" hangingPunct="1">
-              <a:lnSpc>
-                <a:spcPct val="100000"/>
-              </a:lnSpc>
-              <a:spcBef>
-                <a:spcPts val="0"/>
-              </a:spcBef>
-              <a:spcAft>
-                <a:spcPts val="0"/>
-              </a:spcAft>
-              <a:buClrTx/>
-              <a:buSzTx/>
-              <a:buFontTx/>
-              <a:buNone/>
-              <a:tabLst/>
-              <a:defRPr/>
-            </a:pPr>
-            <a:r>
-              <a:rPr lang="en-US" dirty="0"/>
-              <a:t>TDD -&gt; Great coverage (side effect – not goal)</a:t>
-            </a:r>
-          </a:p>
-          <a:p>
-            <a:pPr marL="0" marR="0" lvl="0" indent="0" algn="l" defTabSz="914400" rtl="0" eaLnBrk="1" fontAlgn="auto" latinLnBrk="0" hangingPunct="1">
-              <a:lnSpc>
-                <a:spcPct val="100000"/>
-              </a:lnSpc>
-              <a:spcBef>
-                <a:spcPts val="0"/>
-              </a:spcBef>
-              <a:spcAft>
-                <a:spcPts val="0"/>
-              </a:spcAft>
-              <a:buClrTx/>
-              <a:buSzTx/>
-              <a:buFontTx/>
-              <a:buNone/>
-              <a:tabLst/>
-              <a:defRPr/>
-            </a:pPr>
-            <a:r>
-              <a:rPr lang="en-US" dirty="0"/>
-              <a:t>	TDD is about drive development from tests (initiating force / driver)</a:t>
+              <a:t>END 2:37</a:t>
             </a:r>
           </a:p>
         </p:txBody>
@@ -754,7 +710,7 @@
     </p:spTree>
     <p:extLst>
       <p:ext uri="{BB962C8B-B14F-4D97-AF65-F5344CB8AC3E}">
-        <p14:creationId xmlns:p14="http://schemas.microsoft.com/office/powerpoint/2010/main" val="3634205570"/>
+        <p14:creationId xmlns:p14="http://schemas.microsoft.com/office/powerpoint/2010/main" val="2326540985"/>
       </p:ext>
     </p:extLst>
   </p:cSld>
@@ -810,19 +766,7 @@
           <a:p>
             <a:r>
               <a:rPr lang="en-US" dirty="0"/>
-              <a:t>BDD sounds like TDD</a:t>
-            </a:r>
-          </a:p>
-          <a:p>
-            <a:r>
-              <a:rPr lang="en-US" dirty="0"/>
               <a:t>TDD many times leads to hyperfocus on the unit of code.  </a:t>
-            </a:r>
-          </a:p>
-          <a:p>
-            <a:r>
-              <a:rPr lang="en-US" dirty="0"/>
-              <a:t>BDD tries to focus on Acceptance tests from an </a:t>
             </a:r>
           </a:p>
           <a:p>
@@ -871,167 +815,6 @@
               <a:t>	TDD is about drive development from tests (initiating force / driver)</a:t>
             </a:r>
           </a:p>
-          <a:p>
-            <a:pPr marL="0" marR="0" lvl="0" indent="0" algn="l" defTabSz="914400" rtl="0" eaLnBrk="1" fontAlgn="auto" latinLnBrk="0" hangingPunct="1">
-              <a:lnSpc>
-                <a:spcPct val="100000"/>
-              </a:lnSpc>
-              <a:spcBef>
-                <a:spcPts val="0"/>
-              </a:spcBef>
-              <a:spcAft>
-                <a:spcPts val="0"/>
-              </a:spcAft>
-              <a:buClrTx/>
-              <a:buSzTx/>
-              <a:buFontTx/>
-              <a:buNone/>
-              <a:tabLst/>
-              <a:defRPr/>
-            </a:pPr>
-            <a:r>
-              <a:rPr lang="en-US" dirty="0"/>
-              <a:t>Obvious change the concept / words that make up how to do proper TDD  (What do you test?)</a:t>
-            </a:r>
-          </a:p>
-          <a:p>
-            <a:pPr marL="0" marR="0" lvl="0" indent="0" algn="l" defTabSz="914400" rtl="0" eaLnBrk="1" fontAlgn="auto" latinLnBrk="0" hangingPunct="1">
-              <a:lnSpc>
-                <a:spcPct val="100000"/>
-              </a:lnSpc>
-              <a:spcBef>
-                <a:spcPts val="0"/>
-              </a:spcBef>
-              <a:spcAft>
-                <a:spcPts val="0"/>
-              </a:spcAft>
-              <a:buClrTx/>
-              <a:buSzTx/>
-              <a:buFontTx/>
-              <a:buNone/>
-              <a:tabLst/>
-              <a:defRPr/>
-            </a:pPr>
-            <a:r>
-              <a:rPr lang="en-US" dirty="0"/>
-              <a:t>	It should be more about design and development than tests</a:t>
-            </a:r>
-          </a:p>
-          <a:p>
-            <a:pPr marL="0" marR="0" lvl="0" indent="0" algn="l" defTabSz="914400" rtl="0" eaLnBrk="1" fontAlgn="auto" latinLnBrk="0" hangingPunct="1">
-              <a:lnSpc>
-                <a:spcPct val="100000"/>
-              </a:lnSpc>
-              <a:spcBef>
-                <a:spcPts val="0"/>
-              </a:spcBef>
-              <a:spcAft>
-                <a:spcPts val="0"/>
-              </a:spcAft>
-              <a:buClrTx/>
-              <a:buSzTx/>
-              <a:buFontTx/>
-              <a:buNone/>
-              <a:tabLst/>
-              <a:defRPr/>
-            </a:pPr>
-            <a:r>
-              <a:rPr lang="en-US" dirty="0"/>
-              <a:t>	We shouldn’t ask how to test the implementation DETAIL of the code.</a:t>
-            </a:r>
-          </a:p>
-          <a:p>
-            <a:pPr marL="0" marR="0" lvl="0" indent="0" algn="l" defTabSz="914400" rtl="0" eaLnBrk="1" fontAlgn="auto" latinLnBrk="0" hangingPunct="1">
-              <a:lnSpc>
-                <a:spcPct val="100000"/>
-              </a:lnSpc>
-              <a:spcBef>
-                <a:spcPts val="0"/>
-              </a:spcBef>
-              <a:spcAft>
-                <a:spcPts val="0"/>
-              </a:spcAft>
-              <a:buClrTx/>
-              <a:buSzTx/>
-              <a:buFontTx/>
-              <a:buNone/>
-              <a:tabLst/>
-              <a:defRPr/>
-            </a:pPr>
-            <a:r>
-              <a:rPr lang="en-US" dirty="0"/>
-              <a:t>BDD changes thought from:</a:t>
-            </a:r>
-          </a:p>
-          <a:p>
-            <a:pPr marL="0" marR="0" lvl="0" indent="0" algn="l" defTabSz="914400" rtl="0" eaLnBrk="1" fontAlgn="auto" latinLnBrk="0" hangingPunct="1">
-              <a:lnSpc>
-                <a:spcPct val="100000"/>
-              </a:lnSpc>
-              <a:spcBef>
-                <a:spcPts val="0"/>
-              </a:spcBef>
-              <a:spcAft>
-                <a:spcPts val="0"/>
-              </a:spcAft>
-              <a:buClrTx/>
-              <a:buSzTx/>
-              <a:buFontTx/>
-              <a:buNone/>
-              <a:tabLst/>
-              <a:defRPr/>
-            </a:pPr>
-            <a:r>
-              <a:rPr lang="en-US" dirty="0"/>
-              <a:t>	Test Cases -&gt; Specifications</a:t>
-            </a:r>
-          </a:p>
-          <a:p>
-            <a:pPr marL="0" marR="0" lvl="0" indent="0" algn="l" defTabSz="914400" rtl="0" eaLnBrk="1" fontAlgn="auto" latinLnBrk="0" hangingPunct="1">
-              <a:lnSpc>
-                <a:spcPct val="100000"/>
-              </a:lnSpc>
-              <a:spcBef>
-                <a:spcPts val="0"/>
-              </a:spcBef>
-              <a:spcAft>
-                <a:spcPts val="0"/>
-              </a:spcAft>
-              <a:buClrTx/>
-              <a:buSzTx/>
-              <a:buFontTx/>
-              <a:buNone/>
-              <a:tabLst/>
-              <a:defRPr/>
-            </a:pPr>
-            <a:r>
-              <a:rPr lang="en-US" dirty="0"/>
-              <a:t>	Tests -&gt; Scenarios</a:t>
-            </a:r>
-          </a:p>
-          <a:p>
-            <a:pPr marL="0" marR="0" lvl="0" indent="0" algn="l" defTabSz="914400" rtl="0" eaLnBrk="1" fontAlgn="auto" latinLnBrk="0" hangingPunct="1">
-              <a:lnSpc>
-                <a:spcPct val="100000"/>
-              </a:lnSpc>
-              <a:spcBef>
-                <a:spcPts val="0"/>
-              </a:spcBef>
-              <a:spcAft>
-                <a:spcPts val="0"/>
-              </a:spcAft>
-              <a:buClrTx/>
-              <a:buSzTx/>
-              <a:buFontTx/>
-              <a:buNone/>
-              <a:tabLst/>
-              <a:defRPr/>
-            </a:pPr>
-            <a:r>
-              <a:rPr lang="en-US" dirty="0"/>
-              <a:t>         Stop thinking how software works, think about what the users want to achieve</a:t>
-            </a:r>
-          </a:p>
         </p:txBody>
       </p:sp>
       <p:sp>
@@ -1060,7 +843,7 @@
     </p:spTree>
     <p:extLst>
       <p:ext uri="{BB962C8B-B14F-4D97-AF65-F5344CB8AC3E}">
-        <p14:creationId xmlns:p14="http://schemas.microsoft.com/office/powerpoint/2010/main" val="352182948"/>
+        <p14:creationId xmlns:p14="http://schemas.microsoft.com/office/powerpoint/2010/main" val="3634205570"/>
       </p:ext>
     </p:extLst>
   </p:cSld>
@@ -1116,7 +899,226 @@
           <a:p>
             <a:r>
               <a:rPr lang="en-US" dirty="0"/>
-              <a:t>END 2:37</a:t>
+              <a:t>BDD sounds like TDD</a:t>
+            </a:r>
+          </a:p>
+          <a:p>
+            <a:r>
+              <a:rPr lang="en-US" dirty="0"/>
+              <a:t>TDD many times leads to hyperfocus on the unit of code.  </a:t>
+            </a:r>
+          </a:p>
+          <a:p>
+            <a:r>
+              <a:rPr lang="en-US" dirty="0"/>
+              <a:t>BDD tries to focus on Acceptance tests from an </a:t>
+            </a:r>
+          </a:p>
+          <a:p>
+            <a:pPr marL="0" marR="0" lvl="0" indent="0" algn="l" defTabSz="914400" rtl="0" eaLnBrk="1" fontAlgn="auto" latinLnBrk="0" hangingPunct="1">
+              <a:lnSpc>
+                <a:spcPct val="100000"/>
+              </a:lnSpc>
+              <a:spcBef>
+                <a:spcPts val="0"/>
+              </a:spcBef>
+              <a:spcAft>
+                <a:spcPts val="0"/>
+              </a:spcAft>
+              <a:buClrTx/>
+              <a:buSzTx/>
+              <a:buFontTx/>
+              <a:buNone/>
+              <a:tabLst/>
+              <a:defRPr/>
+            </a:pPr>
+            <a:r>
+              <a:rPr lang="en-US" dirty="0"/>
+              <a:t>TDD -&gt; Great coverage (side effect – not goal)</a:t>
+            </a:r>
+          </a:p>
+          <a:p>
+            <a:pPr marL="0" marR="0" lvl="0" indent="0" algn="l" defTabSz="914400" rtl="0" eaLnBrk="1" fontAlgn="auto" latinLnBrk="0" hangingPunct="1">
+              <a:lnSpc>
+                <a:spcPct val="100000"/>
+              </a:lnSpc>
+              <a:spcBef>
+                <a:spcPts val="0"/>
+              </a:spcBef>
+              <a:spcAft>
+                <a:spcPts val="0"/>
+              </a:spcAft>
+              <a:buClrTx/>
+              <a:buSzTx/>
+              <a:buFontTx/>
+              <a:buNone/>
+              <a:tabLst/>
+              <a:defRPr/>
+            </a:pPr>
+            <a:r>
+              <a:rPr lang="en-US" dirty="0"/>
+              <a:t>	TDD is about drive development from tests (initiating force / driver)</a:t>
+            </a:r>
+          </a:p>
+          <a:p>
+            <a:pPr marL="0" marR="0" lvl="0" indent="0" algn="l" defTabSz="914400" rtl="0" eaLnBrk="1" fontAlgn="auto" latinLnBrk="0" hangingPunct="1">
+              <a:lnSpc>
+                <a:spcPct val="100000"/>
+              </a:lnSpc>
+              <a:spcBef>
+                <a:spcPts val="0"/>
+              </a:spcBef>
+              <a:spcAft>
+                <a:spcPts val="0"/>
+              </a:spcAft>
+              <a:buClrTx/>
+              <a:buSzTx/>
+              <a:buFontTx/>
+              <a:buNone/>
+              <a:tabLst/>
+              <a:defRPr/>
+            </a:pPr>
+            <a:r>
+              <a:rPr lang="en-US" dirty="0"/>
+              <a:t>Obvious change the concept / words that make up how to do proper TDD  (What do you test?)</a:t>
+            </a:r>
+          </a:p>
+          <a:p>
+            <a:pPr marL="0" marR="0" lvl="0" indent="0" algn="l" defTabSz="914400" rtl="0" eaLnBrk="1" fontAlgn="auto" latinLnBrk="0" hangingPunct="1">
+              <a:lnSpc>
+                <a:spcPct val="100000"/>
+              </a:lnSpc>
+              <a:spcBef>
+                <a:spcPts val="0"/>
+              </a:spcBef>
+              <a:spcAft>
+                <a:spcPts val="0"/>
+              </a:spcAft>
+              <a:buClrTx/>
+              <a:buSzTx/>
+              <a:buFontTx/>
+              <a:buNone/>
+              <a:tabLst/>
+              <a:defRPr/>
+            </a:pPr>
+            <a:r>
+              <a:rPr lang="en-US" dirty="0"/>
+              <a:t>	It should be more about design and development than tests</a:t>
+            </a:r>
+          </a:p>
+          <a:p>
+            <a:pPr marL="0" marR="0" lvl="0" indent="0" algn="l" defTabSz="914400" rtl="0" eaLnBrk="1" fontAlgn="auto" latinLnBrk="0" hangingPunct="1">
+              <a:lnSpc>
+                <a:spcPct val="100000"/>
+              </a:lnSpc>
+              <a:spcBef>
+                <a:spcPts val="0"/>
+              </a:spcBef>
+              <a:spcAft>
+                <a:spcPts val="0"/>
+              </a:spcAft>
+              <a:buClrTx/>
+              <a:buSzTx/>
+              <a:buFontTx/>
+              <a:buNone/>
+              <a:tabLst/>
+              <a:defRPr/>
+            </a:pPr>
+            <a:r>
+              <a:rPr lang="en-US" dirty="0"/>
+              <a:t>	We shouldn’t ask how to test the implementation DETAIL of the code.</a:t>
+            </a:r>
+          </a:p>
+          <a:p>
+            <a:pPr marL="0" marR="0" lvl="0" indent="0" algn="l" defTabSz="914400" rtl="0" eaLnBrk="1" fontAlgn="auto" latinLnBrk="0" hangingPunct="1">
+              <a:lnSpc>
+                <a:spcPct val="100000"/>
+              </a:lnSpc>
+              <a:spcBef>
+                <a:spcPts val="0"/>
+              </a:spcBef>
+              <a:spcAft>
+                <a:spcPts val="0"/>
+              </a:spcAft>
+              <a:buClrTx/>
+              <a:buSzTx/>
+              <a:buFontTx/>
+              <a:buNone/>
+              <a:tabLst/>
+              <a:defRPr/>
+            </a:pPr>
+            <a:r>
+              <a:rPr lang="en-US" dirty="0"/>
+              <a:t>BDD changes thought from:</a:t>
+            </a:r>
+          </a:p>
+          <a:p>
+            <a:pPr marL="0" marR="0" lvl="0" indent="0" algn="l" defTabSz="914400" rtl="0" eaLnBrk="1" fontAlgn="auto" latinLnBrk="0" hangingPunct="1">
+              <a:lnSpc>
+                <a:spcPct val="100000"/>
+              </a:lnSpc>
+              <a:spcBef>
+                <a:spcPts val="0"/>
+              </a:spcBef>
+              <a:spcAft>
+                <a:spcPts val="0"/>
+              </a:spcAft>
+              <a:buClrTx/>
+              <a:buSzTx/>
+              <a:buFontTx/>
+              <a:buNone/>
+              <a:tabLst/>
+              <a:defRPr/>
+            </a:pPr>
+            <a:r>
+              <a:rPr lang="en-US" dirty="0"/>
+              <a:t>	Test Cases -&gt; Specifications</a:t>
+            </a:r>
+          </a:p>
+          <a:p>
+            <a:pPr marL="0" marR="0" lvl="0" indent="0" algn="l" defTabSz="914400" rtl="0" eaLnBrk="1" fontAlgn="auto" latinLnBrk="0" hangingPunct="1">
+              <a:lnSpc>
+                <a:spcPct val="100000"/>
+              </a:lnSpc>
+              <a:spcBef>
+                <a:spcPts val="0"/>
+              </a:spcBef>
+              <a:spcAft>
+                <a:spcPts val="0"/>
+              </a:spcAft>
+              <a:buClrTx/>
+              <a:buSzTx/>
+              <a:buFontTx/>
+              <a:buNone/>
+              <a:tabLst/>
+              <a:defRPr/>
+            </a:pPr>
+            <a:r>
+              <a:rPr lang="en-US" dirty="0"/>
+              <a:t>	Tests -&gt; Scenarios</a:t>
+            </a:r>
+          </a:p>
+          <a:p>
+            <a:pPr marL="0" marR="0" lvl="0" indent="0" algn="l" defTabSz="914400" rtl="0" eaLnBrk="1" fontAlgn="auto" latinLnBrk="0" hangingPunct="1">
+              <a:lnSpc>
+                <a:spcPct val="100000"/>
+              </a:lnSpc>
+              <a:spcBef>
+                <a:spcPts val="0"/>
+              </a:spcBef>
+              <a:spcAft>
+                <a:spcPts val="0"/>
+              </a:spcAft>
+              <a:buClrTx/>
+              <a:buSzTx/>
+              <a:buFontTx/>
+              <a:buNone/>
+              <a:tabLst/>
+              <a:defRPr/>
+            </a:pPr>
+            <a:r>
+              <a:rPr lang="en-US" dirty="0"/>
+              <a:t>         Stop thinking how software works, think about what the users want to achieve</a:t>
             </a:r>
           </a:p>
         </p:txBody>
@@ -1147,7 +1149,7 @@
     </p:spTree>
     <p:extLst>
       <p:ext uri="{BB962C8B-B14F-4D97-AF65-F5344CB8AC3E}">
-        <p14:creationId xmlns:p14="http://schemas.microsoft.com/office/powerpoint/2010/main" val="2326540985"/>
+        <p14:creationId xmlns:p14="http://schemas.microsoft.com/office/powerpoint/2010/main" val="352182948"/>
       </p:ext>
     </p:extLst>
   </p:cSld>
@@ -1237,6 +1239,22 @@
             <a:r>
               <a:rPr lang="en-US" dirty="0" err="1"/>
               <a:t>TimeOffDateRange.feature</a:t>
+            </a:r>
+            <a:endParaRPr lang="en-US" dirty="0"/>
+          </a:p>
+          <a:p>
+            <a:endParaRPr lang="en-US" dirty="0"/>
+          </a:p>
+          <a:p>
+            <a:r>
+              <a:rPr lang="en-US" b="0" i="0" dirty="0">
+                <a:solidFill>
+                  <a:srgbClr val="36394D"/>
+                </a:solidFill>
+                <a:effectLst/>
+                <a:latin typeface="Open Sans" panose="020F0502020204030204" pitchFamily="34" charset="0"/>
+              </a:rPr>
+              <a:t>The purpose of feature files is to create readable specifications that can be understood by the whole team, not to provide test coverage</a:t>
             </a:r>
             <a:endParaRPr lang="en-US" dirty="0"/>
           </a:p>
@@ -1658,10 +1676,7 @@
           <a:bodyPr/>
           <a:lstStyle/>
           <a:p>
-            <a:r>
-              <a:rPr lang="en-US" dirty="0"/>
-              <a:t>END 2:37</a:t>
-            </a:r>
+            <a:endParaRPr lang="en-US" dirty="0"/>
           </a:p>
         </p:txBody>
       </p:sp>
@@ -1682,7 +1697,7 @@
           <a:p>
             <a:fld id="{AAA20043-755E-4D2A-B767-23CBDFF65C2F}" type="slidenum">
               <a:rPr lang="en-US" smtClean="0"/>
-              <a:t>21</a:t>
+              <a:t>19</a:t>
             </a:fld>
             <a:endParaRPr lang="en-US"/>
           </a:p>
@@ -1691,7 +1706,245 @@
     </p:spTree>
     <p:extLst>
       <p:ext uri="{BB962C8B-B14F-4D97-AF65-F5344CB8AC3E}">
-        <p14:creationId xmlns:p14="http://schemas.microsoft.com/office/powerpoint/2010/main" val="1729981770"/>
+        <p14:creationId xmlns:p14="http://schemas.microsoft.com/office/powerpoint/2010/main" val="2982868590"/>
+      </p:ext>
+    </p:extLst>
+  </p:cSld>
+  <p:clrMapOvr>
+    <a:masterClrMapping/>
+  </p:clrMapOvr>
+</p:notes>
+</file>
+
+<file path=ppt/notesSlides/notesSlide19.xml><?xml version="1.0" encoding="utf-8"?>
+<p:notes xmlns:a="http://schemas.openxmlformats.org/drawingml/2006/main" xmlns:r="http://schemas.openxmlformats.org/officeDocument/2006/relationships" xmlns:p="http://schemas.openxmlformats.org/presentationml/2006/main">
+  <p:cSld>
+    <p:spTree>
+      <p:nvGrpSpPr>
+        <p:cNvPr id="1" name=""/>
+        <p:cNvGrpSpPr/>
+        <p:nvPr/>
+      </p:nvGrpSpPr>
+      <p:grpSpPr>
+        <a:xfrm>
+          <a:off x="0" y="0"/>
+          <a:ext cx="0" cy="0"/>
+          <a:chOff x="0" y="0"/>
+          <a:chExt cx="0" cy="0"/>
+        </a:xfrm>
+      </p:grpSpPr>
+      <p:sp>
+        <p:nvSpPr>
+          <p:cNvPr id="2" name="Slide Image Placeholder 1"/>
+          <p:cNvSpPr>
+            <a:spLocks noGrp="1" noRot="1" noChangeAspect="1"/>
+          </p:cNvSpPr>
+          <p:nvPr>
+            <p:ph type="sldImg"/>
+          </p:nvPr>
+        </p:nvSpPr>
+        <p:spPr/>
+      </p:sp>
+      <p:sp>
+        <p:nvSpPr>
+          <p:cNvPr id="3" name="Notes Placeholder 2"/>
+          <p:cNvSpPr>
+            <a:spLocks noGrp="1"/>
+          </p:cNvSpPr>
+          <p:nvPr>
+            <p:ph type="body" idx="1"/>
+          </p:nvPr>
+        </p:nvSpPr>
+        <p:spPr/>
+        <p:txBody>
+          <a:bodyPr/>
+          <a:lstStyle/>
+          <a:p>
+            <a:r>
+              <a:rPr lang="en-US" dirty="0"/>
+              <a:t>Start with creating a new </a:t>
+            </a:r>
+            <a:r>
+              <a:rPr lang="en-US" dirty="0" err="1"/>
+              <a:t>SuperHero.Feature</a:t>
+            </a:r>
+            <a:r>
+              <a:rPr lang="en-US" dirty="0"/>
+              <a:t> and then generate the step definitions</a:t>
+            </a:r>
+          </a:p>
+          <a:p>
+            <a:r>
+              <a:rPr lang="en-US" dirty="0"/>
+              <a:t>Show </a:t>
+            </a:r>
+            <a:r>
+              <a:rPr lang="en-US" dirty="0" err="1"/>
+              <a:t>TimeOffValidator</a:t>
+            </a:r>
+            <a:r>
+              <a:rPr lang="en-US" dirty="0"/>
+              <a:t> to show</a:t>
+            </a:r>
+          </a:p>
+          <a:p>
+            <a:r>
+              <a:rPr lang="en-US" dirty="0"/>
+              <a:t>	- Same Given used on multiple scenarios</a:t>
+            </a:r>
+          </a:p>
+          <a:p>
+            <a:r>
+              <a:rPr lang="en-US" dirty="0"/>
+              <a:t>	- Introduce parameters on the error strings</a:t>
+            </a:r>
+          </a:p>
+          <a:p>
+            <a:r>
+              <a:rPr lang="en-US" dirty="0"/>
+              <a:t>		-Show Attribute using Regular Expressions</a:t>
+            </a:r>
+          </a:p>
+          <a:p>
+            <a:r>
+              <a:rPr lang="en-US" dirty="0"/>
+              <a:t>Show </a:t>
+            </a:r>
+            <a:r>
+              <a:rPr lang="en-US" dirty="0" err="1"/>
+              <a:t>UserYearInfo</a:t>
+            </a:r>
+            <a:r>
+              <a:rPr lang="en-US" dirty="0"/>
+              <a:t> to show</a:t>
+            </a:r>
+          </a:p>
+          <a:p>
+            <a:r>
+              <a:rPr lang="en-US" dirty="0"/>
+              <a:t>	- numeric parameters</a:t>
+            </a:r>
+          </a:p>
+          <a:p>
+            <a:r>
+              <a:rPr lang="en-US" dirty="0"/>
+              <a:t>Show </a:t>
+            </a:r>
+            <a:r>
+              <a:rPr lang="en-US" dirty="0" err="1"/>
+              <a:t>TimeOffDateRange</a:t>
+            </a:r>
+            <a:r>
+              <a:rPr lang="en-US" dirty="0"/>
+              <a:t> to show</a:t>
+            </a:r>
+          </a:p>
+          <a:p>
+            <a:r>
+              <a:rPr lang="en-US" dirty="0"/>
+              <a:t>	- Tables</a:t>
+            </a:r>
+          </a:p>
+          <a:p>
+            <a:r>
+              <a:rPr lang="en-US" dirty="0"/>
+              <a:t>	- And</a:t>
+            </a:r>
+          </a:p>
+          <a:p>
+            <a:r>
+              <a:rPr lang="en-US" dirty="0"/>
+              <a:t>Show </a:t>
+            </a:r>
+            <a:r>
+              <a:rPr lang="en-US" dirty="0" err="1"/>
+              <a:t>CalendarViewModel</a:t>
+            </a:r>
+            <a:r>
+              <a:rPr lang="en-US" dirty="0"/>
+              <a:t> to show</a:t>
+            </a:r>
+          </a:p>
+          <a:p>
+            <a:r>
+              <a:rPr lang="en-US" dirty="0"/>
+              <a:t>	- *</a:t>
+            </a:r>
+          </a:p>
+          <a:p>
+            <a:r>
+              <a:rPr lang="en-US" dirty="0"/>
+              <a:t>Mention the </a:t>
+            </a:r>
+            <a:r>
+              <a:rPr lang="en-US" dirty="0" err="1"/>
+              <a:t>Specflow.Assist</a:t>
+            </a:r>
+            <a:r>
+              <a:rPr lang="en-US" dirty="0"/>
+              <a:t> helper </a:t>
+            </a:r>
+            <a:r>
+              <a:rPr lang="en-US" dirty="0" err="1"/>
+              <a:t>Nuget</a:t>
+            </a:r>
+            <a:endParaRPr lang="en-US" dirty="0"/>
+          </a:p>
+          <a:p>
+            <a:endParaRPr lang="en-US" dirty="0"/>
+          </a:p>
+          <a:p>
+            <a:r>
+              <a:rPr lang="en-US" dirty="0"/>
+              <a:t>Show persistence methods in </a:t>
+            </a:r>
+            <a:r>
+              <a:rPr lang="en-US"/>
+              <a:t>the class</a:t>
+            </a:r>
+            <a:endParaRPr lang="en-US" dirty="0"/>
+          </a:p>
+          <a:p>
+            <a:endParaRPr lang="en-US" dirty="0"/>
+          </a:p>
+          <a:p>
+            <a:r>
+              <a:rPr lang="en-US" dirty="0"/>
+              <a:t>Living Documentation</a:t>
+            </a:r>
+          </a:p>
+          <a:p>
+            <a:endParaRPr lang="en-US" dirty="0"/>
+          </a:p>
+        </p:txBody>
+      </p:sp>
+      <p:sp>
+        <p:nvSpPr>
+          <p:cNvPr id="4" name="Slide Number Placeholder 3"/>
+          <p:cNvSpPr>
+            <a:spLocks noGrp="1"/>
+          </p:cNvSpPr>
+          <p:nvPr>
+            <p:ph type="sldNum" sz="quarter" idx="5"/>
+          </p:nvPr>
+        </p:nvSpPr>
+        <p:spPr/>
+        <p:txBody>
+          <a:bodyPr/>
+          <a:lstStyle/>
+          <a:p>
+            <a:fld id="{AAA20043-755E-4D2A-B767-23CBDFF65C2F}" type="slidenum">
+              <a:rPr lang="en-US" smtClean="0"/>
+              <a:t>20</a:t>
+            </a:fld>
+            <a:endParaRPr lang="en-US"/>
+          </a:p>
+        </p:txBody>
+      </p:sp>
+    </p:spTree>
+    <p:extLst>
+      <p:ext uri="{BB962C8B-B14F-4D97-AF65-F5344CB8AC3E}">
+        <p14:creationId xmlns:p14="http://schemas.microsoft.com/office/powerpoint/2010/main" val="3661640459"/>
       </p:ext>
     </p:extLst>
   </p:cSld>
@@ -1776,6 +2029,177 @@
     <p:extLst>
       <p:ext uri="{BB962C8B-B14F-4D97-AF65-F5344CB8AC3E}">
         <p14:creationId xmlns:p14="http://schemas.microsoft.com/office/powerpoint/2010/main" val="670499103"/>
+      </p:ext>
+    </p:extLst>
+  </p:cSld>
+  <p:clrMapOvr>
+    <a:masterClrMapping/>
+  </p:clrMapOvr>
+</p:notes>
+</file>
+
+<file path=ppt/notesSlides/notesSlide20.xml><?xml version="1.0" encoding="utf-8"?>
+<p:notes xmlns:a="http://schemas.openxmlformats.org/drawingml/2006/main" xmlns:r="http://schemas.openxmlformats.org/officeDocument/2006/relationships" xmlns:p="http://schemas.openxmlformats.org/presentationml/2006/main">
+  <p:cSld>
+    <p:spTree>
+      <p:nvGrpSpPr>
+        <p:cNvPr id="1" name=""/>
+        <p:cNvGrpSpPr/>
+        <p:nvPr/>
+      </p:nvGrpSpPr>
+      <p:grpSpPr>
+        <a:xfrm>
+          <a:off x="0" y="0"/>
+          <a:ext cx="0" cy="0"/>
+          <a:chOff x="0" y="0"/>
+          <a:chExt cx="0" cy="0"/>
+        </a:xfrm>
+      </p:grpSpPr>
+      <p:sp>
+        <p:nvSpPr>
+          <p:cNvPr id="2" name="Slide Image Placeholder 1"/>
+          <p:cNvSpPr>
+            <a:spLocks noGrp="1" noRot="1" noChangeAspect="1"/>
+          </p:cNvSpPr>
+          <p:nvPr>
+            <p:ph type="sldImg"/>
+          </p:nvPr>
+        </p:nvSpPr>
+        <p:spPr/>
+      </p:sp>
+      <p:sp>
+        <p:nvSpPr>
+          <p:cNvPr id="3" name="Notes Placeholder 2"/>
+          <p:cNvSpPr>
+            <a:spLocks noGrp="1"/>
+          </p:cNvSpPr>
+          <p:nvPr>
+            <p:ph type="body" idx="1"/>
+          </p:nvPr>
+        </p:nvSpPr>
+        <p:spPr/>
+        <p:txBody>
+          <a:bodyPr/>
+          <a:lstStyle/>
+          <a:p>
+            <a:endParaRPr lang="en-US" dirty="0"/>
+          </a:p>
+        </p:txBody>
+      </p:sp>
+      <p:sp>
+        <p:nvSpPr>
+          <p:cNvPr id="4" name="Slide Number Placeholder 3"/>
+          <p:cNvSpPr>
+            <a:spLocks noGrp="1"/>
+          </p:cNvSpPr>
+          <p:nvPr>
+            <p:ph type="sldNum" sz="quarter" idx="5"/>
+          </p:nvPr>
+        </p:nvSpPr>
+        <p:spPr/>
+        <p:txBody>
+          <a:bodyPr/>
+          <a:lstStyle/>
+          <a:p>
+            <a:fld id="{AAA20043-755E-4D2A-B767-23CBDFF65C2F}" type="slidenum">
+              <a:rPr lang="en-US" smtClean="0"/>
+              <a:t>21</a:t>
+            </a:fld>
+            <a:endParaRPr lang="en-US"/>
+          </a:p>
+        </p:txBody>
+      </p:sp>
+    </p:spTree>
+    <p:extLst>
+      <p:ext uri="{BB962C8B-B14F-4D97-AF65-F5344CB8AC3E}">
+        <p14:creationId xmlns:p14="http://schemas.microsoft.com/office/powerpoint/2010/main" val="2977206080"/>
+      </p:ext>
+    </p:extLst>
+  </p:cSld>
+  <p:clrMapOvr>
+    <a:masterClrMapping/>
+  </p:clrMapOvr>
+</p:notes>
+</file>
+
+<file path=ppt/notesSlides/notesSlide21.xml><?xml version="1.0" encoding="utf-8"?>
+<p:notes xmlns:a="http://schemas.openxmlformats.org/drawingml/2006/main" xmlns:r="http://schemas.openxmlformats.org/officeDocument/2006/relationships" xmlns:p="http://schemas.openxmlformats.org/presentationml/2006/main">
+  <p:cSld>
+    <p:spTree>
+      <p:nvGrpSpPr>
+        <p:cNvPr id="1" name=""/>
+        <p:cNvGrpSpPr/>
+        <p:nvPr/>
+      </p:nvGrpSpPr>
+      <p:grpSpPr>
+        <a:xfrm>
+          <a:off x="0" y="0"/>
+          <a:ext cx="0" cy="0"/>
+          <a:chOff x="0" y="0"/>
+          <a:chExt cx="0" cy="0"/>
+        </a:xfrm>
+      </p:grpSpPr>
+      <p:sp>
+        <p:nvSpPr>
+          <p:cNvPr id="2" name="Slide Image Placeholder 1"/>
+          <p:cNvSpPr>
+            <a:spLocks noGrp="1" noRot="1" noChangeAspect="1"/>
+          </p:cNvSpPr>
+          <p:nvPr>
+            <p:ph type="sldImg"/>
+          </p:nvPr>
+        </p:nvSpPr>
+        <p:spPr/>
+      </p:sp>
+      <p:sp>
+        <p:nvSpPr>
+          <p:cNvPr id="3" name="Notes Placeholder 2"/>
+          <p:cNvSpPr>
+            <a:spLocks noGrp="1"/>
+          </p:cNvSpPr>
+          <p:nvPr>
+            <p:ph type="body" idx="1"/>
+          </p:nvPr>
+        </p:nvSpPr>
+        <p:spPr/>
+        <p:txBody>
+          <a:bodyPr/>
+          <a:lstStyle/>
+          <a:p>
+            <a:r>
+              <a:rPr lang="en-US" dirty="0"/>
+              <a:t>END 2:37</a:t>
+            </a:r>
+          </a:p>
+        </p:txBody>
+      </p:sp>
+      <p:sp>
+        <p:nvSpPr>
+          <p:cNvPr id="4" name="Slide Number Placeholder 3"/>
+          <p:cNvSpPr>
+            <a:spLocks noGrp="1"/>
+          </p:cNvSpPr>
+          <p:nvPr>
+            <p:ph type="sldNum" sz="quarter" idx="5"/>
+          </p:nvPr>
+        </p:nvSpPr>
+        <p:spPr/>
+        <p:txBody>
+          <a:bodyPr/>
+          <a:lstStyle/>
+          <a:p>
+            <a:fld id="{AAA20043-755E-4D2A-B767-23CBDFF65C2F}" type="slidenum">
+              <a:rPr lang="en-US" smtClean="0"/>
+              <a:t>22</a:t>
+            </a:fld>
+            <a:endParaRPr lang="en-US"/>
+          </a:p>
+        </p:txBody>
+      </p:sp>
+    </p:spTree>
+    <p:extLst>
+      <p:ext uri="{BB962C8B-B14F-4D97-AF65-F5344CB8AC3E}">
+        <p14:creationId xmlns:p14="http://schemas.microsoft.com/office/powerpoint/2010/main" val="1729981770"/>
       </p:ext>
     </p:extLst>
   </p:cSld>
@@ -7011,6 +7435,547 @@
           <p:cNvPr id="8" name="Rectangle 7">
             <a:extLst>
               <a:ext uri="{FF2B5EF4-FFF2-40B4-BE49-F238E27FC236}">
+                <a16:creationId xmlns:a16="http://schemas.microsoft.com/office/drawing/2014/main" id="{DAF1966E-FD40-4A4A-B61B-C4DF7FA05F06}"/>
+              </a:ext>
+              <a:ext uri="{C183D7F6-B498-43B3-948B-1728B52AA6E4}">
+                <adec:decorative xmlns:adec="http://schemas.microsoft.com/office/drawing/2017/decorative" val="1"/>
+              </a:ext>
+            </a:extLst>
+          </p:cNvPr>
+          <p:cNvSpPr>
+            <a:spLocks noGrp="1" noRot="1" noChangeAspect="1" noMove="1" noResize="1" noEditPoints="1" noAdjustHandles="1" noChangeArrowheads="1" noChangeShapeType="1" noTextEdit="1"/>
+          </p:cNvSpPr>
+          <p:nvPr>
+            <p:extLst>
+              <p:ext uri="{386F3935-93C4-4BCD-93E2-E3B085C9AB24}">
+                <p16:designElem xmlns:p16="http://schemas.microsoft.com/office/powerpoint/2015/main" val="1"/>
+              </p:ext>
+            </p:extLst>
+          </p:nvPr>
+        </p:nvSpPr>
+        <p:spPr>
+          <a:xfrm>
+            <a:off x="0" y="0"/>
+            <a:ext cx="12192000" cy="6858000"/>
+          </a:xfrm>
+          <a:prstGeom prst="rect">
+            <a:avLst/>
+          </a:prstGeom>
+          <a:ln>
+            <a:noFill/>
+          </a:ln>
+        </p:spPr>
+        <p:style>
+          <a:lnRef idx="2">
+            <a:schemeClr val="accent1">
+              <a:shade val="50000"/>
+            </a:schemeClr>
+          </a:lnRef>
+          <a:fillRef idx="1">
+            <a:schemeClr val="accent1"/>
+          </a:fillRef>
+          <a:effectRef idx="0">
+            <a:schemeClr val="accent1"/>
+          </a:effectRef>
+          <a:fontRef idx="minor">
+            <a:schemeClr val="lt1"/>
+          </a:fontRef>
+        </p:style>
+        <p:txBody>
+          <a:bodyPr rtlCol="0" anchor="ctr"/>
+          <a:lstStyle/>
+          <a:p>
+            <a:pPr algn="ctr"/>
+            <a:endParaRPr lang="en-US" dirty="0"/>
+          </a:p>
+        </p:txBody>
+      </p:sp>
+      <p:sp useBgFill="1">
+        <p:nvSpPr>
+          <p:cNvPr id="10" name="Rectangle 9">
+            <a:extLst>
+              <a:ext uri="{FF2B5EF4-FFF2-40B4-BE49-F238E27FC236}">
+                <a16:creationId xmlns:a16="http://schemas.microsoft.com/office/drawing/2014/main" id="{047BFA19-D45E-416B-A404-7AF2F3F27017}"/>
+              </a:ext>
+              <a:ext uri="{C183D7F6-B498-43B3-948B-1728B52AA6E4}">
+                <adec:decorative xmlns:adec="http://schemas.microsoft.com/office/drawing/2017/decorative" val="1"/>
+              </a:ext>
+            </a:extLst>
+          </p:cNvPr>
+          <p:cNvSpPr>
+            <a:spLocks noGrp="1" noRot="1" noChangeAspect="1" noMove="1" noResize="1" noEditPoints="1" noAdjustHandles="1" noChangeArrowheads="1" noChangeShapeType="1" noTextEdit="1"/>
+          </p:cNvSpPr>
+          <p:nvPr>
+            <p:extLst>
+              <p:ext uri="{386F3935-93C4-4BCD-93E2-E3B085C9AB24}">
+                <p16:designElem xmlns:p16="http://schemas.microsoft.com/office/powerpoint/2015/main" val="1"/>
+              </p:ext>
+            </p:extLst>
+          </p:nvPr>
+        </p:nvSpPr>
+        <p:spPr>
+          <a:xfrm>
+            <a:off x="558209" y="0"/>
+            <a:ext cx="11167447" cy="2018806"/>
+          </a:xfrm>
+          <a:prstGeom prst="rect">
+            <a:avLst/>
+          </a:prstGeom>
+          <a:ln w="9525">
+            <a:solidFill>
+              <a:srgbClr val="E1E1E1"/>
+            </a:solidFill>
+          </a:ln>
+          <a:effectLst>
+            <a:outerShdw blurRad="50800" dist="38100" dir="2700000" algn="tl" rotWithShape="0">
+              <a:schemeClr val="bg1">
+                <a:lumMod val="85000"/>
+                <a:alpha val="50000"/>
+              </a:schemeClr>
+            </a:outerShdw>
+          </a:effectLst>
+        </p:spPr>
+        <p:style>
+          <a:lnRef idx="2">
+            <a:schemeClr val="accent1">
+              <a:shade val="50000"/>
+            </a:schemeClr>
+          </a:lnRef>
+          <a:fillRef idx="1">
+            <a:schemeClr val="accent1"/>
+          </a:fillRef>
+          <a:effectRef idx="0">
+            <a:schemeClr val="accent1"/>
+          </a:effectRef>
+          <a:fontRef idx="minor">
+            <a:schemeClr val="lt1"/>
+          </a:fontRef>
+        </p:style>
+        <p:txBody>
+          <a:bodyPr rtlCol="0" anchor="ctr"/>
+          <a:lstStyle/>
+          <a:p>
+            <a:pPr marL="0" marR="0" lvl="0" indent="0" algn="ctr" defTabSz="914400" rtl="0" eaLnBrk="1" fontAlgn="auto" latinLnBrk="0" hangingPunct="1">
+              <a:lnSpc>
+                <a:spcPct val="100000"/>
+              </a:lnSpc>
+              <a:spcBef>
+                <a:spcPts val="0"/>
+              </a:spcBef>
+              <a:spcAft>
+                <a:spcPts val="0"/>
+              </a:spcAft>
+              <a:buClrTx/>
+              <a:buSzTx/>
+              <a:buFontTx/>
+              <a:buNone/>
+              <a:tabLst/>
+              <a:defRPr/>
+            </a:pPr>
+            <a:endParaRPr kumimoji="0" lang="en-US" sz="1800" b="0" i="0" u="none" strike="noStrike" kern="1200" cap="none" spc="0" normalizeH="0" baseline="0" noProof="0" dirty="0">
+              <a:ln>
+                <a:noFill/>
+              </a:ln>
+              <a:solidFill>
+                <a:prstClr val="white"/>
+              </a:solidFill>
+              <a:effectLst/>
+              <a:uLnTx/>
+              <a:uFillTx/>
+              <a:latin typeface="Calibri" panose="020F0502020204030204"/>
+              <a:ea typeface="+mn-ea"/>
+              <a:cs typeface="+mn-cs"/>
+            </a:endParaRPr>
+          </a:p>
+        </p:txBody>
+      </p:sp>
+      <p:sp useBgFill="1">
+        <p:nvSpPr>
+          <p:cNvPr id="12" name="Rectangle 11">
+            <a:extLst>
+              <a:ext uri="{FF2B5EF4-FFF2-40B4-BE49-F238E27FC236}">
+                <a16:creationId xmlns:a16="http://schemas.microsoft.com/office/drawing/2014/main" id="{8E0105E7-23DB-4CF2-8258-FF47C7620F6E}"/>
+              </a:ext>
+              <a:ext uri="{C183D7F6-B498-43B3-948B-1728B52AA6E4}">
+                <adec:decorative xmlns:adec="http://schemas.microsoft.com/office/drawing/2017/decorative" val="1"/>
+              </a:ext>
+            </a:extLst>
+          </p:cNvPr>
+          <p:cNvSpPr>
+            <a:spLocks noGrp="1" noRot="1" noChangeAspect="1" noMove="1" noResize="1" noEditPoints="1" noAdjustHandles="1" noChangeArrowheads="1" noChangeShapeType="1" noTextEdit="1"/>
+          </p:cNvSpPr>
+          <p:nvPr>
+            <p:extLst>
+              <p:ext uri="{386F3935-93C4-4BCD-93E2-E3B085C9AB24}">
+                <p16:designElem xmlns:p16="http://schemas.microsoft.com/office/powerpoint/2015/main" val="1"/>
+              </p:ext>
+            </p:extLst>
+          </p:nvPr>
+        </p:nvSpPr>
+        <p:spPr>
+          <a:xfrm>
+            <a:off x="566928" y="0"/>
+            <a:ext cx="11155680" cy="2011680"/>
+          </a:xfrm>
+          <a:prstGeom prst="rect">
+            <a:avLst/>
+          </a:prstGeom>
+          <a:ln w="9525">
+            <a:noFill/>
+          </a:ln>
+          <a:effectLst/>
+        </p:spPr>
+        <p:style>
+          <a:lnRef idx="2">
+            <a:schemeClr val="accent1">
+              <a:shade val="50000"/>
+            </a:schemeClr>
+          </a:lnRef>
+          <a:fillRef idx="1">
+            <a:schemeClr val="accent1"/>
+          </a:fillRef>
+          <a:effectRef idx="0">
+            <a:schemeClr val="accent1"/>
+          </a:effectRef>
+          <a:fontRef idx="minor">
+            <a:schemeClr val="lt1"/>
+          </a:fontRef>
+        </p:style>
+        <p:txBody>
+          <a:bodyPr rtlCol="0" anchor="ctr"/>
+          <a:lstStyle/>
+          <a:p>
+            <a:pPr marL="0" marR="0" lvl="0" indent="0" algn="ctr" defTabSz="914400" rtl="0" eaLnBrk="1" fontAlgn="auto" latinLnBrk="0" hangingPunct="1">
+              <a:lnSpc>
+                <a:spcPct val="100000"/>
+              </a:lnSpc>
+              <a:spcBef>
+                <a:spcPts val="0"/>
+              </a:spcBef>
+              <a:spcAft>
+                <a:spcPts val="0"/>
+              </a:spcAft>
+              <a:buClrTx/>
+              <a:buSzTx/>
+              <a:buFontTx/>
+              <a:buNone/>
+              <a:tabLst/>
+              <a:defRPr/>
+            </a:pPr>
+            <a:endParaRPr kumimoji="0" lang="en-US" sz="1800" b="0" i="0" u="none" strike="noStrike" kern="1200" cap="none" spc="0" normalizeH="0" baseline="0" noProof="0" dirty="0">
+              <a:ln>
+                <a:noFill/>
+              </a:ln>
+              <a:solidFill>
+                <a:prstClr val="white"/>
+              </a:solidFill>
+              <a:effectLst/>
+              <a:uLnTx/>
+              <a:uFillTx/>
+              <a:latin typeface="Calibri" panose="020F0502020204030204"/>
+              <a:ea typeface="+mn-ea"/>
+              <a:cs typeface="+mn-cs"/>
+            </a:endParaRPr>
+          </a:p>
+        </p:txBody>
+      </p:sp>
+      <p:sp>
+        <p:nvSpPr>
+          <p:cNvPr id="2" name="Title 1">
+            <a:extLst>
+              <a:ext uri="{FF2B5EF4-FFF2-40B4-BE49-F238E27FC236}">
+                <a16:creationId xmlns:a16="http://schemas.microsoft.com/office/drawing/2014/main" id="{82CF4B60-062A-25CD-E448-6C8255EEF9CC}"/>
+              </a:ext>
+            </a:extLst>
+          </p:cNvPr>
+          <p:cNvSpPr>
+            <a:spLocks noGrp="1"/>
+          </p:cNvSpPr>
+          <p:nvPr>
+            <p:ph type="title"/>
+          </p:nvPr>
+        </p:nvSpPr>
+        <p:spPr>
+          <a:xfrm>
+            <a:off x="1115568" y="548640"/>
+            <a:ext cx="10168128" cy="1252266"/>
+          </a:xfrm>
+        </p:spPr>
+        <p:txBody>
+          <a:bodyPr>
+            <a:normAutofit/>
+          </a:bodyPr>
+          <a:lstStyle/>
+          <a:p>
+            <a:r>
+              <a:rPr lang="en-US" sz="4000" dirty="0"/>
+              <a:t>Office Space</a:t>
+            </a:r>
+          </a:p>
+        </p:txBody>
+      </p:sp>
+      <p:sp>
+        <p:nvSpPr>
+          <p:cNvPr id="14" name="Rectangle 13">
+            <a:extLst>
+              <a:ext uri="{FF2B5EF4-FFF2-40B4-BE49-F238E27FC236}">
+                <a16:creationId xmlns:a16="http://schemas.microsoft.com/office/drawing/2014/main" id="{074B4F7D-14B2-478B-8BF5-01E4E0C5D263}"/>
+              </a:ext>
+              <a:ext uri="{C183D7F6-B498-43B3-948B-1728B52AA6E4}">
+                <adec:decorative xmlns:adec="http://schemas.microsoft.com/office/drawing/2017/decorative" val="1"/>
+              </a:ext>
+            </a:extLst>
+          </p:cNvPr>
+          <p:cNvSpPr>
+            <a:spLocks noGrp="1" noRot="1" noChangeAspect="1" noMove="1" noResize="1" noEditPoints="1" noAdjustHandles="1" noChangeArrowheads="1" noChangeShapeType="1" noTextEdit="1"/>
+          </p:cNvSpPr>
+          <p:nvPr>
+            <p:extLst>
+              <p:ext uri="{386F3935-93C4-4BCD-93E2-E3B085C9AB24}">
+                <p16:designElem xmlns:p16="http://schemas.microsoft.com/office/powerpoint/2015/main" val="1"/>
+              </p:ext>
+            </p:extLst>
+          </p:nvPr>
+        </p:nvSpPr>
+        <p:spPr>
+          <a:xfrm>
+            <a:off x="498834" y="758952"/>
+            <a:ext cx="128016" cy="704088"/>
+          </a:xfrm>
+          <a:prstGeom prst="rect">
+            <a:avLst/>
+          </a:prstGeom>
+          <a:solidFill>
+            <a:schemeClr val="accent2"/>
+          </a:solidFill>
+          <a:ln>
+            <a:noFill/>
+          </a:ln>
+        </p:spPr>
+        <p:style>
+          <a:lnRef idx="2">
+            <a:schemeClr val="accent1">
+              <a:shade val="50000"/>
+            </a:schemeClr>
+          </a:lnRef>
+          <a:fillRef idx="1">
+            <a:schemeClr val="accent1"/>
+          </a:fillRef>
+          <a:effectRef idx="0">
+            <a:schemeClr val="accent1"/>
+          </a:effectRef>
+          <a:fontRef idx="minor">
+            <a:schemeClr val="lt1"/>
+          </a:fontRef>
+        </p:style>
+        <p:txBody>
+          <a:bodyPr rtlCol="0" anchor="ctr"/>
+          <a:lstStyle/>
+          <a:p>
+            <a:pPr algn="ctr"/>
+            <a:endParaRPr lang="en-US" dirty="0">
+              <a:solidFill>
+                <a:prstClr val="white"/>
+              </a:solidFill>
+              <a:latin typeface="Calibri" panose="020F0502020204030204"/>
+            </a:endParaRPr>
+          </a:p>
+        </p:txBody>
+      </p:sp>
+      <p:sp>
+        <p:nvSpPr>
+          <p:cNvPr id="3" name="Content Placeholder 2">
+            <a:extLst>
+              <a:ext uri="{FF2B5EF4-FFF2-40B4-BE49-F238E27FC236}">
+                <a16:creationId xmlns:a16="http://schemas.microsoft.com/office/drawing/2014/main" id="{E43BD06B-906D-5C9C-E517-52B27F705E94}"/>
+              </a:ext>
+            </a:extLst>
+          </p:cNvPr>
+          <p:cNvSpPr>
+            <a:spLocks noGrp="1"/>
+          </p:cNvSpPr>
+          <p:nvPr>
+            <p:ph idx="1"/>
+          </p:nvPr>
+        </p:nvSpPr>
+        <p:spPr>
+          <a:xfrm>
+            <a:off x="1115568" y="2481943"/>
+            <a:ext cx="10168128" cy="3695020"/>
+          </a:xfrm>
+        </p:spPr>
+        <p:txBody>
+          <a:bodyPr>
+            <a:normAutofit/>
+          </a:bodyPr>
+          <a:lstStyle/>
+          <a:p>
+            <a:pPr marL="457200" indent="-457200">
+              <a:buFont typeface="+mj-lt"/>
+              <a:buAutoNum type="arabicPeriod"/>
+            </a:pPr>
+            <a:endParaRPr lang="en-US" sz="2200" dirty="0"/>
+          </a:p>
+          <a:p>
+            <a:pPr marL="457200" indent="-457200">
+              <a:buFont typeface="+mj-lt"/>
+              <a:buAutoNum type="arabicPeriod"/>
+            </a:pPr>
+            <a:endParaRPr lang="en-US" sz="2200" dirty="0"/>
+          </a:p>
+          <a:p>
+            <a:pPr marL="457200" indent="-457200">
+              <a:buFont typeface="+mj-lt"/>
+              <a:buAutoNum type="arabicPeriod"/>
+            </a:pPr>
+            <a:endParaRPr lang="en-US" sz="2200" dirty="0"/>
+          </a:p>
+        </p:txBody>
+      </p:sp>
+      <p:pic>
+        <p:nvPicPr>
+          <p:cNvPr id="6" name="Picture 5">
+            <a:extLst>
+              <a:ext uri="{FF2B5EF4-FFF2-40B4-BE49-F238E27FC236}">
+                <a16:creationId xmlns:a16="http://schemas.microsoft.com/office/drawing/2014/main" id="{6B466854-812D-E478-AD6C-8C7B4941D51F}"/>
+              </a:ext>
+            </a:extLst>
+          </p:cNvPr>
+          <p:cNvPicPr>
+            <a:picLocks noChangeAspect="1"/>
+          </p:cNvPicPr>
+          <p:nvPr/>
+        </p:nvPicPr>
+        <p:blipFill>
+          <a:blip r:embed="rId3"/>
+          <a:stretch>
+            <a:fillRect/>
+          </a:stretch>
+        </p:blipFill>
+        <p:spPr>
+          <a:xfrm>
+            <a:off x="1858107" y="2154304"/>
+            <a:ext cx="8475785" cy="4591050"/>
+          </a:xfrm>
+          <a:prstGeom prst="rect">
+            <a:avLst/>
+          </a:prstGeom>
+        </p:spPr>
+      </p:pic>
+    </p:spTree>
+    <p:extLst>
+      <p:ext uri="{BB962C8B-B14F-4D97-AF65-F5344CB8AC3E}">
+        <p14:creationId xmlns:p14="http://schemas.microsoft.com/office/powerpoint/2010/main" val="2258248356"/>
+      </p:ext>
+    </p:extLst>
+  </p:cSld>
+  <p:clrMapOvr>
+    <a:masterClrMapping/>
+  </p:clrMapOvr>
+  <p:timing>
+    <p:tnLst>
+      <p:par>
+        <p:cTn id="1" dur="indefinite" restart="never" nodeType="tmRoot">
+          <p:childTnLst>
+            <p:seq concurrent="1" nextAc="seek">
+              <p:cTn id="2" dur="indefinite" nodeType="mainSeq">
+                <p:childTnLst>
+                  <p:par>
+                    <p:cTn id="3" fill="hold">
+                      <p:stCondLst>
+                        <p:cond delay="indefinite"/>
+                      </p:stCondLst>
+                      <p:childTnLst>
+                        <p:par>
+                          <p:cTn id="4" fill="hold">
+                            <p:stCondLst>
+                              <p:cond delay="0"/>
+                            </p:stCondLst>
+                            <p:childTnLst>
+                              <p:par>
+                                <p:cTn id="5" presetID="8" presetClass="emph" presetSubtype="0" fill="hold" grpId="0" nodeType="clickEffect">
+                                  <p:stCondLst>
+                                    <p:cond delay="0"/>
+                                  </p:stCondLst>
+                                  <p:childTnLst>
+                                    <p:animRot by="21600000">
+                                      <p:cBhvr>
+                                        <p:cTn id="6" dur="2000" fill="hold"/>
+                                        <p:tgtEl>
+                                          <p:spTgt spid="14"/>
+                                        </p:tgtEl>
+                                        <p:attrNameLst>
+                                          <p:attrName>r</p:attrName>
+                                        </p:attrNameLst>
+                                      </p:cBhvr>
+                                    </p:animRot>
+                                  </p:childTnLst>
+                                </p:cTn>
+                              </p:par>
+                            </p:childTnLst>
+                          </p:cTn>
+                        </p:par>
+                      </p:childTnLst>
+                    </p:cTn>
+                  </p:par>
+                </p:childTnLst>
+              </p:cTn>
+              <p:prevCondLst>
+                <p:cond evt="onPrev" delay="0">
+                  <p:tgtEl>
+                    <p:sldTgt/>
+                  </p:tgtEl>
+                </p:cond>
+              </p:prevCondLst>
+              <p:nextCondLst>
+                <p:cond evt="onNext" delay="0">
+                  <p:tgtEl>
+                    <p:sldTgt/>
+                  </p:tgtEl>
+                </p:cond>
+              </p:nextCondLst>
+            </p:seq>
+          </p:childTnLst>
+        </p:cTn>
+      </p:par>
+    </p:tnLst>
+    <p:bldLst>
+      <p:bldP spid="14" grpId="0" animBg="1"/>
+    </p:bldLst>
+  </p:timing>
+</p:sld>
+</file>
+
+<file path=ppt/slides/slide12.xml><?xml version="1.0" encoding="utf-8"?>
+<p:sld xmlns:a="http://schemas.openxmlformats.org/drawingml/2006/main" xmlns:r="http://schemas.openxmlformats.org/officeDocument/2006/relationships" xmlns:p="http://schemas.openxmlformats.org/presentationml/2006/main">
+  <p:cSld>
+    <p:bg>
+      <p:bgPr>
+        <a:solidFill>
+          <a:schemeClr val="bg1"/>
+        </a:solidFill>
+        <a:effectLst/>
+      </p:bgPr>
+    </p:bg>
+    <p:spTree>
+      <p:nvGrpSpPr>
+        <p:cNvPr id="1" name=""/>
+        <p:cNvGrpSpPr/>
+        <p:nvPr/>
+      </p:nvGrpSpPr>
+      <p:grpSpPr>
+        <a:xfrm>
+          <a:off x="0" y="0"/>
+          <a:ext cx="0" cy="0"/>
+          <a:chOff x="0" y="0"/>
+          <a:chExt cx="0" cy="0"/>
+        </a:xfrm>
+      </p:grpSpPr>
+      <p:sp useBgFill="1">
+        <p:nvSpPr>
+          <p:cNvPr id="8" name="Rectangle 7">
+            <a:extLst>
+              <a:ext uri="{FF2B5EF4-FFF2-40B4-BE49-F238E27FC236}">
                 <a16:creationId xmlns:a16="http://schemas.microsoft.com/office/drawing/2014/main" id="{907EF6B7-1338-4443-8C46-6A318D952DFD}"/>
               </a:ext>
               <a:ext uri="{C183D7F6-B498-43B3-948B-1728B52AA6E4}">
@@ -7453,565 +8418,6 @@
     <p:extLst>
       <p:ext uri="{BB962C8B-B14F-4D97-AF65-F5344CB8AC3E}">
         <p14:creationId xmlns:p14="http://schemas.microsoft.com/office/powerpoint/2010/main" val="3707692299"/>
-      </p:ext>
-    </p:extLst>
-  </p:cSld>
-  <p:clrMapOvr>
-    <a:masterClrMapping/>
-  </p:clrMapOvr>
-  <p:timing>
-    <p:tnLst>
-      <p:par>
-        <p:cTn id="1" dur="indefinite" restart="never" nodeType="tmRoot">
-          <p:childTnLst>
-            <p:seq concurrent="1" nextAc="seek">
-              <p:cTn id="2" dur="indefinite" nodeType="mainSeq">
-                <p:childTnLst>
-                  <p:par>
-                    <p:cTn id="3" fill="hold">
-                      <p:stCondLst>
-                        <p:cond delay="indefinite"/>
-                      </p:stCondLst>
-                      <p:childTnLst>
-                        <p:par>
-                          <p:cTn id="4" fill="hold">
-                            <p:stCondLst>
-                              <p:cond delay="0"/>
-                            </p:stCondLst>
-                            <p:childTnLst>
-                              <p:par>
-                                <p:cTn id="5" presetID="2" presetClass="entr" presetSubtype="8" fill="hold" grpId="0" nodeType="clickEffect">
-                                  <p:stCondLst>
-                                    <p:cond delay="0"/>
-                                  </p:stCondLst>
-                                  <p:childTnLst>
-                                    <p:set>
-                                      <p:cBhvr>
-                                        <p:cTn id="6" dur="1" fill="hold">
-                                          <p:stCondLst>
-                                            <p:cond delay="0"/>
-                                          </p:stCondLst>
-                                        </p:cTn>
-                                        <p:tgtEl>
-                                          <p:spTgt spid="10"/>
-                                        </p:tgtEl>
-                                        <p:attrNameLst>
-                                          <p:attrName>style.visibility</p:attrName>
-                                        </p:attrNameLst>
-                                      </p:cBhvr>
-                                      <p:to>
-                                        <p:strVal val="visible"/>
-                                      </p:to>
-                                    </p:set>
-                                    <p:anim calcmode="lin" valueType="num">
-                                      <p:cBhvr additive="base">
-                                        <p:cTn id="7" dur="3500" fill="hold"/>
-                                        <p:tgtEl>
-                                          <p:spTgt spid="10"/>
-                                        </p:tgtEl>
-                                        <p:attrNameLst>
-                                          <p:attrName>ppt_x</p:attrName>
-                                        </p:attrNameLst>
-                                      </p:cBhvr>
-                                      <p:tavLst>
-                                        <p:tav tm="0">
-                                          <p:val>
-                                            <p:strVal val="0-#ppt_w/2"/>
-                                          </p:val>
-                                        </p:tav>
-                                        <p:tav tm="100000">
-                                          <p:val>
-                                            <p:strVal val="#ppt_x"/>
-                                          </p:val>
-                                        </p:tav>
-                                      </p:tavLst>
-                                    </p:anim>
-                                    <p:anim calcmode="lin" valueType="num">
-                                      <p:cBhvr additive="base">
-                                        <p:cTn id="8" dur="3500" fill="hold"/>
-                                        <p:tgtEl>
-                                          <p:spTgt spid="10"/>
-                                        </p:tgtEl>
-                                        <p:attrNameLst>
-                                          <p:attrName>ppt_y</p:attrName>
-                                        </p:attrNameLst>
-                                      </p:cBhvr>
-                                      <p:tavLst>
-                                        <p:tav tm="0">
-                                          <p:val>
-                                            <p:strVal val="#ppt_y"/>
-                                          </p:val>
-                                        </p:tav>
-                                        <p:tav tm="100000">
-                                          <p:val>
-                                            <p:strVal val="#ppt_y"/>
-                                          </p:val>
-                                        </p:tav>
-                                      </p:tavLst>
-                                    </p:anim>
-                                  </p:childTnLst>
-                                </p:cTn>
-                              </p:par>
-                            </p:childTnLst>
-                          </p:cTn>
-                        </p:par>
-                      </p:childTnLst>
-                    </p:cTn>
-                  </p:par>
-                </p:childTnLst>
-              </p:cTn>
-              <p:prevCondLst>
-                <p:cond evt="onPrev" delay="0">
-                  <p:tgtEl>
-                    <p:sldTgt/>
-                  </p:tgtEl>
-                </p:cond>
-              </p:prevCondLst>
-              <p:nextCondLst>
-                <p:cond evt="onNext" delay="0">
-                  <p:tgtEl>
-                    <p:sldTgt/>
-                  </p:tgtEl>
-                </p:cond>
-              </p:nextCondLst>
-            </p:seq>
-          </p:childTnLst>
-        </p:cTn>
-      </p:par>
-    </p:tnLst>
-    <p:bldLst>
-      <p:bldP spid="10" grpId="0" animBg="1"/>
-    </p:bldLst>
-  </p:timing>
-</p:sld>
-</file>
-
-<file path=ppt/slides/slide12.xml><?xml version="1.0" encoding="utf-8"?>
-<p:sld xmlns:a="http://schemas.openxmlformats.org/drawingml/2006/main" xmlns:r="http://schemas.openxmlformats.org/officeDocument/2006/relationships" xmlns:p="http://schemas.openxmlformats.org/presentationml/2006/main">
-  <p:cSld>
-    <p:bg>
-      <p:bgPr>
-        <a:solidFill>
-          <a:schemeClr val="bg1"/>
-        </a:solidFill>
-        <a:effectLst/>
-      </p:bgPr>
-    </p:bg>
-    <p:spTree>
-      <p:nvGrpSpPr>
-        <p:cNvPr id="1" name=""/>
-        <p:cNvGrpSpPr/>
-        <p:nvPr/>
-      </p:nvGrpSpPr>
-      <p:grpSpPr>
-        <a:xfrm>
-          <a:off x="0" y="0"/>
-          <a:ext cx="0" cy="0"/>
-          <a:chOff x="0" y="0"/>
-          <a:chExt cx="0" cy="0"/>
-        </a:xfrm>
-      </p:grpSpPr>
-      <p:sp useBgFill="1">
-        <p:nvSpPr>
-          <p:cNvPr id="8" name="Rectangle 7">
-            <a:extLst>
-              <a:ext uri="{FF2B5EF4-FFF2-40B4-BE49-F238E27FC236}">
-                <a16:creationId xmlns:a16="http://schemas.microsoft.com/office/drawing/2014/main" id="{907EF6B7-1338-4443-8C46-6A318D952DFD}"/>
-              </a:ext>
-              <a:ext uri="{C183D7F6-B498-43B3-948B-1728B52AA6E4}">
-                <adec:decorative xmlns:adec="http://schemas.microsoft.com/office/drawing/2017/decorative" val="1"/>
-              </a:ext>
-            </a:extLst>
-          </p:cNvPr>
-          <p:cNvSpPr>
-            <a:spLocks noGrp="1" noRot="1" noChangeAspect="1" noMove="1" noResize="1" noEditPoints="1" noAdjustHandles="1" noChangeArrowheads="1" noChangeShapeType="1" noTextEdit="1"/>
-          </p:cNvSpPr>
-          <p:nvPr>
-            <p:extLst>
-              <p:ext uri="{386F3935-93C4-4BCD-93E2-E3B085C9AB24}">
-                <p16:designElem xmlns:p16="http://schemas.microsoft.com/office/powerpoint/2015/main" val="1"/>
-              </p:ext>
-            </p:extLst>
-          </p:nvPr>
-        </p:nvSpPr>
-        <p:spPr>
-          <a:xfrm>
-            <a:off x="3048" y="0"/>
-            <a:ext cx="12188952" cy="6858000"/>
-          </a:xfrm>
-          <a:prstGeom prst="rect">
-            <a:avLst/>
-          </a:prstGeom>
-          <a:ln>
-            <a:noFill/>
-          </a:ln>
-        </p:spPr>
-        <p:style>
-          <a:lnRef idx="2">
-            <a:schemeClr val="accent1">
-              <a:shade val="50000"/>
-            </a:schemeClr>
-          </a:lnRef>
-          <a:fillRef idx="1">
-            <a:schemeClr val="accent1"/>
-          </a:fillRef>
-          <a:effectRef idx="0">
-            <a:schemeClr val="accent1"/>
-          </a:effectRef>
-          <a:fontRef idx="minor">
-            <a:schemeClr val="lt1"/>
-          </a:fontRef>
-        </p:style>
-        <p:txBody>
-          <a:bodyPr rtlCol="0" anchor="ctr"/>
-          <a:lstStyle/>
-          <a:p>
-            <a:pPr algn="ctr"/>
-            <a:endParaRPr lang="en-US" dirty="0"/>
-          </a:p>
-        </p:txBody>
-      </p:sp>
-      <p:sp>
-        <p:nvSpPr>
-          <p:cNvPr id="10" name="Freeform: Shape 9">
-            <a:extLst>
-              <a:ext uri="{FF2B5EF4-FFF2-40B4-BE49-F238E27FC236}">
-                <a16:creationId xmlns:a16="http://schemas.microsoft.com/office/drawing/2014/main" id="{DAAE4CDD-124C-4DCF-9584-B6033B545DD5}"/>
-              </a:ext>
-              <a:ext uri="{C183D7F6-B498-43B3-948B-1728B52AA6E4}">
-                <adec:decorative xmlns:adec="http://schemas.microsoft.com/office/drawing/2017/decorative" val="1"/>
-              </a:ext>
-            </a:extLst>
-          </p:cNvPr>
-          <p:cNvSpPr>
-            <a:spLocks noChangeAspect="1"/>
-          </p:cNvSpPr>
-          <p:nvPr>
-            <p:extLst>
-              <p:ext uri="{386F3935-93C4-4BCD-93E2-E3B085C9AB24}">
-                <p16:designElem xmlns:p16="http://schemas.microsoft.com/office/powerpoint/2015/main" val="1"/>
-              </p:ext>
-            </p:extLst>
-          </p:nvPr>
-        </p:nvSpPr>
-        <p:spPr>
-          <a:xfrm>
-            <a:off x="1" y="0"/>
-            <a:ext cx="4167271" cy="6858000"/>
-          </a:xfrm>
-          <a:custGeom>
-            <a:avLst/>
-            <a:gdLst>
-              <a:gd name="connsiteX0" fmla="*/ 0 w 4167271"/>
-              <a:gd name="connsiteY0" fmla="*/ 0 h 6858000"/>
-              <a:gd name="connsiteX1" fmla="*/ 2259550 w 4167271"/>
-              <a:gd name="connsiteY1" fmla="*/ 0 h 6858000"/>
-              <a:gd name="connsiteX2" fmla="*/ 2387803 w 4167271"/>
-              <a:gd name="connsiteY2" fmla="*/ 82222 h 6858000"/>
-              <a:gd name="connsiteX3" fmla="*/ 4167271 w 4167271"/>
-              <a:gd name="connsiteY3" fmla="*/ 3429000 h 6858000"/>
-              <a:gd name="connsiteX4" fmla="*/ 2387803 w 4167271"/>
-              <a:gd name="connsiteY4" fmla="*/ 6775779 h 6858000"/>
-              <a:gd name="connsiteX5" fmla="*/ 2259550 w 4167271"/>
-              <a:gd name="connsiteY5" fmla="*/ 6858000 h 6858000"/>
-              <a:gd name="connsiteX6" fmla="*/ 0 w 4167271"/>
-              <a:gd name="connsiteY6" fmla="*/ 6858000 h 6858000"/>
-            </a:gdLst>
-            <a:ahLst/>
-            <a:cxnLst>
-              <a:cxn ang="0">
-                <a:pos x="connsiteX0" y="connsiteY0"/>
-              </a:cxn>
-              <a:cxn ang="0">
-                <a:pos x="connsiteX1" y="connsiteY1"/>
-              </a:cxn>
-              <a:cxn ang="0">
-                <a:pos x="connsiteX2" y="connsiteY2"/>
-              </a:cxn>
-              <a:cxn ang="0">
-                <a:pos x="connsiteX3" y="connsiteY3"/>
-              </a:cxn>
-              <a:cxn ang="0">
-                <a:pos x="connsiteX4" y="connsiteY4"/>
-              </a:cxn>
-              <a:cxn ang="0">
-                <a:pos x="connsiteX5" y="connsiteY5"/>
-              </a:cxn>
-              <a:cxn ang="0">
-                <a:pos x="connsiteX6" y="connsiteY6"/>
-              </a:cxn>
-            </a:cxnLst>
-            <a:rect l="l" t="t" r="r" b="b"/>
-            <a:pathLst>
-              <a:path w="4167271" h="6858000">
-                <a:moveTo>
-                  <a:pt x="0" y="0"/>
-                </a:moveTo>
-                <a:lnTo>
-                  <a:pt x="2259550" y="0"/>
-                </a:lnTo>
-                <a:lnTo>
-                  <a:pt x="2387803" y="82222"/>
-                </a:lnTo>
-                <a:cubicBezTo>
-                  <a:pt x="3461407" y="807534"/>
-                  <a:pt x="4167271" y="2035835"/>
-                  <a:pt x="4167271" y="3429000"/>
-                </a:cubicBezTo>
-                <a:cubicBezTo>
-                  <a:pt x="4167271" y="4822165"/>
-                  <a:pt x="3461407" y="6050467"/>
-                  <a:pt x="2387803" y="6775779"/>
-                </a:cubicBezTo>
-                <a:lnTo>
-                  <a:pt x="2259550" y="6858000"/>
-                </a:lnTo>
-                <a:lnTo>
-                  <a:pt x="0" y="6858000"/>
-                </a:lnTo>
-                <a:close/>
-              </a:path>
-            </a:pathLst>
-          </a:custGeom>
-          <a:gradFill flip="none" rotWithShape="1">
-            <a:gsLst>
-              <a:gs pos="0">
-                <a:schemeClr val="accent2">
-                  <a:lumMod val="67000"/>
-                </a:schemeClr>
-              </a:gs>
-              <a:gs pos="48000">
-                <a:schemeClr val="accent2">
-                  <a:lumMod val="97000"/>
-                  <a:lumOff val="3000"/>
-                </a:schemeClr>
-              </a:gs>
-              <a:gs pos="100000">
-                <a:schemeClr val="accent2">
-                  <a:lumMod val="60000"/>
-                  <a:lumOff val="40000"/>
-                </a:schemeClr>
-              </a:gs>
-            </a:gsLst>
-            <a:lin ang="16200000" scaled="1"/>
-            <a:tileRect/>
-          </a:gradFill>
-          <a:ln>
-            <a:noFill/>
-          </a:ln>
-        </p:spPr>
-        <p:style>
-          <a:lnRef idx="0">
-            <a:scrgbClr r="0" g="0" b="0"/>
-          </a:lnRef>
-          <a:fillRef idx="0">
-            <a:scrgbClr r="0" g="0" b="0"/>
-          </a:fillRef>
-          <a:effectRef idx="0">
-            <a:scrgbClr r="0" g="0" b="0"/>
-          </a:effectRef>
-          <a:fontRef idx="minor">
-            <a:schemeClr val="lt1"/>
-          </a:fontRef>
-        </p:style>
-        <p:txBody>
-          <a:bodyPr rtlCol="0" anchor="ctr"/>
-          <a:lstStyle/>
-          <a:p>
-            <a:pPr algn="ctr"/>
-            <a:endParaRPr lang="en-US" dirty="0"/>
-          </a:p>
-        </p:txBody>
-      </p:sp>
-      <p:sp>
-        <p:nvSpPr>
-          <p:cNvPr id="2" name="Title 1">
-            <a:extLst>
-              <a:ext uri="{FF2B5EF4-FFF2-40B4-BE49-F238E27FC236}">
-                <a16:creationId xmlns:a16="http://schemas.microsoft.com/office/drawing/2014/main" id="{604CD088-9924-FDF8-32EA-64AD14C5DE41}"/>
-              </a:ext>
-            </a:extLst>
-          </p:cNvPr>
-          <p:cNvSpPr>
-            <a:spLocks noGrp="1"/>
-          </p:cNvSpPr>
-          <p:nvPr>
-            <p:ph type="title"/>
-          </p:nvPr>
-        </p:nvSpPr>
-        <p:spPr>
-          <a:xfrm>
-            <a:off x="686834" y="1153572"/>
-            <a:ext cx="3200400" cy="4461163"/>
-          </a:xfrm>
-        </p:spPr>
-        <p:txBody>
-          <a:bodyPr>
-            <a:normAutofit/>
-          </a:bodyPr>
-          <a:lstStyle/>
-          <a:p>
-            <a:r>
-              <a:rPr lang="en-US" dirty="0">
-                <a:solidFill>
-                  <a:srgbClr val="FFFFFF"/>
-                </a:solidFill>
-              </a:rPr>
-              <a:t>BDD</a:t>
-            </a:r>
-          </a:p>
-        </p:txBody>
-      </p:sp>
-      <p:sp>
-        <p:nvSpPr>
-          <p:cNvPr id="12" name="Arc 11">
-            <a:extLst>
-              <a:ext uri="{FF2B5EF4-FFF2-40B4-BE49-F238E27FC236}">
-                <a16:creationId xmlns:a16="http://schemas.microsoft.com/office/drawing/2014/main" id="{081E4A58-353D-44AE-B2FC-2A74E2E400F7}"/>
-              </a:ext>
-              <a:ext uri="{C183D7F6-B498-43B3-948B-1728B52AA6E4}">
-                <adec:decorative xmlns:adec="http://schemas.microsoft.com/office/drawing/2017/decorative" val="1"/>
-              </a:ext>
-            </a:extLst>
-          </p:cNvPr>
-          <p:cNvSpPr>
-            <a:spLocks noGrp="1" noRot="1" noChangeAspect="1" noMove="1" noResize="1" noEditPoints="1" noAdjustHandles="1" noChangeArrowheads="1" noChangeShapeType="1" noTextEdit="1"/>
-          </p:cNvSpPr>
-          <p:nvPr>
-            <p:extLst>
-              <p:ext uri="{386F3935-93C4-4BCD-93E2-E3B085C9AB24}">
-                <p16:designElem xmlns:p16="http://schemas.microsoft.com/office/powerpoint/2015/main" val="1"/>
-              </p:ext>
-            </p:extLst>
-          </p:nvPr>
-        </p:nvSpPr>
-        <p:spPr>
-          <a:xfrm flipV="1">
-            <a:off x="7550402" y="2455479"/>
-            <a:ext cx="4083433" cy="4083433"/>
-          </a:xfrm>
-          <a:prstGeom prst="arc">
-            <a:avLst/>
-          </a:prstGeom>
-          <a:ln w="127000" cap="rnd">
-            <a:solidFill>
-              <a:schemeClr val="accent4"/>
-            </a:solidFill>
-            <a:prstDash val="dash"/>
-          </a:ln>
-        </p:spPr>
-        <p:style>
-          <a:lnRef idx="1">
-            <a:schemeClr val="accent1"/>
-          </a:lnRef>
-          <a:fillRef idx="0">
-            <a:schemeClr val="accent1"/>
-          </a:fillRef>
-          <a:effectRef idx="0">
-            <a:schemeClr val="accent1"/>
-          </a:effectRef>
-          <a:fontRef idx="minor">
-            <a:schemeClr val="tx1"/>
-          </a:fontRef>
-        </p:style>
-        <p:txBody>
-          <a:bodyPr rtlCol="0" anchor="ctr"/>
-          <a:lstStyle/>
-          <a:p>
-            <a:pPr algn="ctr"/>
-            <a:endParaRPr lang="en-US" dirty="0"/>
-          </a:p>
-        </p:txBody>
-      </p:sp>
-      <p:sp>
-        <p:nvSpPr>
-          <p:cNvPr id="3" name="Content Placeholder 2">
-            <a:extLst>
-              <a:ext uri="{FF2B5EF4-FFF2-40B4-BE49-F238E27FC236}">
-                <a16:creationId xmlns:a16="http://schemas.microsoft.com/office/drawing/2014/main" id="{506ECF03-3832-CE61-45EB-6C148D597A92}"/>
-              </a:ext>
-            </a:extLst>
-          </p:cNvPr>
-          <p:cNvSpPr>
-            <a:spLocks noGrp="1"/>
-          </p:cNvSpPr>
-          <p:nvPr>
-            <p:ph idx="1"/>
-          </p:nvPr>
-        </p:nvSpPr>
-        <p:spPr>
-          <a:xfrm>
-            <a:off x="4447308" y="787400"/>
-            <a:ext cx="6906491" cy="5389563"/>
-          </a:xfrm>
-        </p:spPr>
-        <p:txBody>
-          <a:bodyPr anchor="ctr">
-            <a:normAutofit/>
-          </a:bodyPr>
-          <a:lstStyle/>
-          <a:p>
-            <a:r>
-              <a:rPr lang="en-US" dirty="0"/>
-              <a:t>Tries to do TDD, but better</a:t>
-            </a:r>
-          </a:p>
-          <a:p>
-            <a:pPr lvl="1"/>
-            <a:r>
-              <a:rPr lang="en-US" dirty="0"/>
-              <a:t>Not TDD’s fault</a:t>
-            </a:r>
-          </a:p>
-          <a:p>
-            <a:pPr lvl="1"/>
-            <a:r>
-              <a:rPr lang="en-US" dirty="0"/>
-              <a:t>Avoid misunderstandings of adopting TDD</a:t>
-            </a:r>
-          </a:p>
-          <a:p>
-            <a:pPr lvl="1"/>
-            <a:r>
-              <a:rPr lang="en-US" dirty="0"/>
-              <a:t>Move focus to behaviors instead of tests</a:t>
-            </a:r>
-          </a:p>
-          <a:p>
-            <a:pPr lvl="1"/>
-            <a:r>
-              <a:rPr lang="en-US" dirty="0"/>
-              <a:t>Avoid complex slow and tightly coupled tests</a:t>
-            </a:r>
-          </a:p>
-          <a:p>
-            <a:pPr lvl="1"/>
-            <a:r>
-              <a:rPr lang="en-US" dirty="0"/>
-              <a:t>Start from end user perspective</a:t>
-            </a:r>
-          </a:p>
-          <a:p>
-            <a:pPr lvl="1"/>
-            <a:r>
-              <a:rPr lang="en-US" dirty="0"/>
-              <a:t>Get business and technical teams on the same page</a:t>
-            </a:r>
-          </a:p>
-          <a:p>
-            <a:pPr lvl="2"/>
-            <a:r>
-              <a:rPr lang="en-US"/>
-              <a:t>Three Amigos</a:t>
-            </a:r>
-            <a:endParaRPr lang="en-US" dirty="0"/>
-          </a:p>
-        </p:txBody>
-      </p:sp>
-    </p:spTree>
-    <p:extLst>
-      <p:ext uri="{BB962C8B-B14F-4D97-AF65-F5344CB8AC3E}">
-        <p14:creationId xmlns:p14="http://schemas.microsoft.com/office/powerpoint/2010/main" val="828508002"/>
       </p:ext>
     </p:extLst>
   </p:cSld>
@@ -8175,547 +8581,6 @@
           <p:cNvPr id="8" name="Rectangle 7">
             <a:extLst>
               <a:ext uri="{FF2B5EF4-FFF2-40B4-BE49-F238E27FC236}">
-                <a16:creationId xmlns:a16="http://schemas.microsoft.com/office/drawing/2014/main" id="{DAF1966E-FD40-4A4A-B61B-C4DF7FA05F06}"/>
-              </a:ext>
-              <a:ext uri="{C183D7F6-B498-43B3-948B-1728B52AA6E4}">
-                <adec:decorative xmlns:adec="http://schemas.microsoft.com/office/drawing/2017/decorative" val="1"/>
-              </a:ext>
-            </a:extLst>
-          </p:cNvPr>
-          <p:cNvSpPr>
-            <a:spLocks noGrp="1" noRot="1" noChangeAspect="1" noMove="1" noResize="1" noEditPoints="1" noAdjustHandles="1" noChangeArrowheads="1" noChangeShapeType="1" noTextEdit="1"/>
-          </p:cNvSpPr>
-          <p:nvPr>
-            <p:extLst>
-              <p:ext uri="{386F3935-93C4-4BCD-93E2-E3B085C9AB24}">
-                <p16:designElem xmlns:p16="http://schemas.microsoft.com/office/powerpoint/2015/main" val="1"/>
-              </p:ext>
-            </p:extLst>
-          </p:nvPr>
-        </p:nvSpPr>
-        <p:spPr>
-          <a:xfrm>
-            <a:off x="0" y="0"/>
-            <a:ext cx="12192000" cy="6858000"/>
-          </a:xfrm>
-          <a:prstGeom prst="rect">
-            <a:avLst/>
-          </a:prstGeom>
-          <a:ln>
-            <a:noFill/>
-          </a:ln>
-        </p:spPr>
-        <p:style>
-          <a:lnRef idx="2">
-            <a:schemeClr val="accent1">
-              <a:shade val="50000"/>
-            </a:schemeClr>
-          </a:lnRef>
-          <a:fillRef idx="1">
-            <a:schemeClr val="accent1"/>
-          </a:fillRef>
-          <a:effectRef idx="0">
-            <a:schemeClr val="accent1"/>
-          </a:effectRef>
-          <a:fontRef idx="minor">
-            <a:schemeClr val="lt1"/>
-          </a:fontRef>
-        </p:style>
-        <p:txBody>
-          <a:bodyPr rtlCol="0" anchor="ctr"/>
-          <a:lstStyle/>
-          <a:p>
-            <a:pPr algn="ctr"/>
-            <a:endParaRPr lang="en-US" dirty="0"/>
-          </a:p>
-        </p:txBody>
-      </p:sp>
-      <p:sp useBgFill="1">
-        <p:nvSpPr>
-          <p:cNvPr id="10" name="Rectangle 9">
-            <a:extLst>
-              <a:ext uri="{FF2B5EF4-FFF2-40B4-BE49-F238E27FC236}">
-                <a16:creationId xmlns:a16="http://schemas.microsoft.com/office/drawing/2014/main" id="{047BFA19-D45E-416B-A404-7AF2F3F27017}"/>
-              </a:ext>
-              <a:ext uri="{C183D7F6-B498-43B3-948B-1728B52AA6E4}">
-                <adec:decorative xmlns:adec="http://schemas.microsoft.com/office/drawing/2017/decorative" val="1"/>
-              </a:ext>
-            </a:extLst>
-          </p:cNvPr>
-          <p:cNvSpPr>
-            <a:spLocks noGrp="1" noRot="1" noChangeAspect="1" noMove="1" noResize="1" noEditPoints="1" noAdjustHandles="1" noChangeArrowheads="1" noChangeShapeType="1" noTextEdit="1"/>
-          </p:cNvSpPr>
-          <p:nvPr>
-            <p:extLst>
-              <p:ext uri="{386F3935-93C4-4BCD-93E2-E3B085C9AB24}">
-                <p16:designElem xmlns:p16="http://schemas.microsoft.com/office/powerpoint/2015/main" val="1"/>
-              </p:ext>
-            </p:extLst>
-          </p:nvPr>
-        </p:nvSpPr>
-        <p:spPr>
-          <a:xfrm>
-            <a:off x="558209" y="0"/>
-            <a:ext cx="11167447" cy="2018806"/>
-          </a:xfrm>
-          <a:prstGeom prst="rect">
-            <a:avLst/>
-          </a:prstGeom>
-          <a:ln w="9525">
-            <a:solidFill>
-              <a:srgbClr val="E1E1E1"/>
-            </a:solidFill>
-          </a:ln>
-          <a:effectLst>
-            <a:outerShdw blurRad="50800" dist="38100" dir="2700000" algn="tl" rotWithShape="0">
-              <a:schemeClr val="bg1">
-                <a:lumMod val="85000"/>
-                <a:alpha val="50000"/>
-              </a:schemeClr>
-            </a:outerShdw>
-          </a:effectLst>
-        </p:spPr>
-        <p:style>
-          <a:lnRef idx="2">
-            <a:schemeClr val="accent1">
-              <a:shade val="50000"/>
-            </a:schemeClr>
-          </a:lnRef>
-          <a:fillRef idx="1">
-            <a:schemeClr val="accent1"/>
-          </a:fillRef>
-          <a:effectRef idx="0">
-            <a:schemeClr val="accent1"/>
-          </a:effectRef>
-          <a:fontRef idx="minor">
-            <a:schemeClr val="lt1"/>
-          </a:fontRef>
-        </p:style>
-        <p:txBody>
-          <a:bodyPr rtlCol="0" anchor="ctr"/>
-          <a:lstStyle/>
-          <a:p>
-            <a:pPr marL="0" marR="0" lvl="0" indent="0" algn="ctr" defTabSz="914400" rtl="0" eaLnBrk="1" fontAlgn="auto" latinLnBrk="0" hangingPunct="1">
-              <a:lnSpc>
-                <a:spcPct val="100000"/>
-              </a:lnSpc>
-              <a:spcBef>
-                <a:spcPts val="0"/>
-              </a:spcBef>
-              <a:spcAft>
-                <a:spcPts val="0"/>
-              </a:spcAft>
-              <a:buClrTx/>
-              <a:buSzTx/>
-              <a:buFontTx/>
-              <a:buNone/>
-              <a:tabLst/>
-              <a:defRPr/>
-            </a:pPr>
-            <a:endParaRPr kumimoji="0" lang="en-US" sz="1800" b="0" i="0" u="none" strike="noStrike" kern="1200" cap="none" spc="0" normalizeH="0" baseline="0" noProof="0" dirty="0">
-              <a:ln>
-                <a:noFill/>
-              </a:ln>
-              <a:solidFill>
-                <a:prstClr val="white"/>
-              </a:solidFill>
-              <a:effectLst/>
-              <a:uLnTx/>
-              <a:uFillTx/>
-              <a:latin typeface="Calibri" panose="020F0502020204030204"/>
-              <a:ea typeface="+mn-ea"/>
-              <a:cs typeface="+mn-cs"/>
-            </a:endParaRPr>
-          </a:p>
-        </p:txBody>
-      </p:sp>
-      <p:sp useBgFill="1">
-        <p:nvSpPr>
-          <p:cNvPr id="12" name="Rectangle 11">
-            <a:extLst>
-              <a:ext uri="{FF2B5EF4-FFF2-40B4-BE49-F238E27FC236}">
-                <a16:creationId xmlns:a16="http://schemas.microsoft.com/office/drawing/2014/main" id="{8E0105E7-23DB-4CF2-8258-FF47C7620F6E}"/>
-              </a:ext>
-              <a:ext uri="{C183D7F6-B498-43B3-948B-1728B52AA6E4}">
-                <adec:decorative xmlns:adec="http://schemas.microsoft.com/office/drawing/2017/decorative" val="1"/>
-              </a:ext>
-            </a:extLst>
-          </p:cNvPr>
-          <p:cNvSpPr>
-            <a:spLocks noGrp="1" noRot="1" noChangeAspect="1" noMove="1" noResize="1" noEditPoints="1" noAdjustHandles="1" noChangeArrowheads="1" noChangeShapeType="1" noTextEdit="1"/>
-          </p:cNvSpPr>
-          <p:nvPr>
-            <p:extLst>
-              <p:ext uri="{386F3935-93C4-4BCD-93E2-E3B085C9AB24}">
-                <p16:designElem xmlns:p16="http://schemas.microsoft.com/office/powerpoint/2015/main" val="1"/>
-              </p:ext>
-            </p:extLst>
-          </p:nvPr>
-        </p:nvSpPr>
-        <p:spPr>
-          <a:xfrm>
-            <a:off x="566928" y="0"/>
-            <a:ext cx="11155680" cy="2011680"/>
-          </a:xfrm>
-          <a:prstGeom prst="rect">
-            <a:avLst/>
-          </a:prstGeom>
-          <a:ln w="9525">
-            <a:noFill/>
-          </a:ln>
-          <a:effectLst/>
-        </p:spPr>
-        <p:style>
-          <a:lnRef idx="2">
-            <a:schemeClr val="accent1">
-              <a:shade val="50000"/>
-            </a:schemeClr>
-          </a:lnRef>
-          <a:fillRef idx="1">
-            <a:schemeClr val="accent1"/>
-          </a:fillRef>
-          <a:effectRef idx="0">
-            <a:schemeClr val="accent1"/>
-          </a:effectRef>
-          <a:fontRef idx="minor">
-            <a:schemeClr val="lt1"/>
-          </a:fontRef>
-        </p:style>
-        <p:txBody>
-          <a:bodyPr rtlCol="0" anchor="ctr"/>
-          <a:lstStyle/>
-          <a:p>
-            <a:pPr marL="0" marR="0" lvl="0" indent="0" algn="ctr" defTabSz="914400" rtl="0" eaLnBrk="1" fontAlgn="auto" latinLnBrk="0" hangingPunct="1">
-              <a:lnSpc>
-                <a:spcPct val="100000"/>
-              </a:lnSpc>
-              <a:spcBef>
-                <a:spcPts val="0"/>
-              </a:spcBef>
-              <a:spcAft>
-                <a:spcPts val="0"/>
-              </a:spcAft>
-              <a:buClrTx/>
-              <a:buSzTx/>
-              <a:buFontTx/>
-              <a:buNone/>
-              <a:tabLst/>
-              <a:defRPr/>
-            </a:pPr>
-            <a:endParaRPr kumimoji="0" lang="en-US" sz="1800" b="0" i="0" u="none" strike="noStrike" kern="1200" cap="none" spc="0" normalizeH="0" baseline="0" noProof="0" dirty="0">
-              <a:ln>
-                <a:noFill/>
-              </a:ln>
-              <a:solidFill>
-                <a:prstClr val="white"/>
-              </a:solidFill>
-              <a:effectLst/>
-              <a:uLnTx/>
-              <a:uFillTx/>
-              <a:latin typeface="Calibri" panose="020F0502020204030204"/>
-              <a:ea typeface="+mn-ea"/>
-              <a:cs typeface="+mn-cs"/>
-            </a:endParaRPr>
-          </a:p>
-        </p:txBody>
-      </p:sp>
-      <p:sp>
-        <p:nvSpPr>
-          <p:cNvPr id="2" name="Title 1">
-            <a:extLst>
-              <a:ext uri="{FF2B5EF4-FFF2-40B4-BE49-F238E27FC236}">
-                <a16:creationId xmlns:a16="http://schemas.microsoft.com/office/drawing/2014/main" id="{82CF4B60-062A-25CD-E448-6C8255EEF9CC}"/>
-              </a:ext>
-            </a:extLst>
-          </p:cNvPr>
-          <p:cNvSpPr>
-            <a:spLocks noGrp="1"/>
-          </p:cNvSpPr>
-          <p:nvPr>
-            <p:ph type="title"/>
-          </p:nvPr>
-        </p:nvSpPr>
-        <p:spPr>
-          <a:xfrm>
-            <a:off x="1115568" y="548640"/>
-            <a:ext cx="10168128" cy="1252266"/>
-          </a:xfrm>
-        </p:spPr>
-        <p:txBody>
-          <a:bodyPr>
-            <a:normAutofit/>
-          </a:bodyPr>
-          <a:lstStyle/>
-          <a:p>
-            <a:r>
-              <a:rPr lang="en-US" sz="4000" dirty="0"/>
-              <a:t>Office Space</a:t>
-            </a:r>
-          </a:p>
-        </p:txBody>
-      </p:sp>
-      <p:sp>
-        <p:nvSpPr>
-          <p:cNvPr id="14" name="Rectangle 13">
-            <a:extLst>
-              <a:ext uri="{FF2B5EF4-FFF2-40B4-BE49-F238E27FC236}">
-                <a16:creationId xmlns:a16="http://schemas.microsoft.com/office/drawing/2014/main" id="{074B4F7D-14B2-478B-8BF5-01E4E0C5D263}"/>
-              </a:ext>
-              <a:ext uri="{C183D7F6-B498-43B3-948B-1728B52AA6E4}">
-                <adec:decorative xmlns:adec="http://schemas.microsoft.com/office/drawing/2017/decorative" val="1"/>
-              </a:ext>
-            </a:extLst>
-          </p:cNvPr>
-          <p:cNvSpPr>
-            <a:spLocks noGrp="1" noRot="1" noChangeAspect="1" noMove="1" noResize="1" noEditPoints="1" noAdjustHandles="1" noChangeArrowheads="1" noChangeShapeType="1" noTextEdit="1"/>
-          </p:cNvSpPr>
-          <p:nvPr>
-            <p:extLst>
-              <p:ext uri="{386F3935-93C4-4BCD-93E2-E3B085C9AB24}">
-                <p16:designElem xmlns:p16="http://schemas.microsoft.com/office/powerpoint/2015/main" val="1"/>
-              </p:ext>
-            </p:extLst>
-          </p:nvPr>
-        </p:nvSpPr>
-        <p:spPr>
-          <a:xfrm>
-            <a:off x="498834" y="758952"/>
-            <a:ext cx="128016" cy="704088"/>
-          </a:xfrm>
-          <a:prstGeom prst="rect">
-            <a:avLst/>
-          </a:prstGeom>
-          <a:solidFill>
-            <a:schemeClr val="accent2"/>
-          </a:solidFill>
-          <a:ln>
-            <a:noFill/>
-          </a:ln>
-        </p:spPr>
-        <p:style>
-          <a:lnRef idx="2">
-            <a:schemeClr val="accent1">
-              <a:shade val="50000"/>
-            </a:schemeClr>
-          </a:lnRef>
-          <a:fillRef idx="1">
-            <a:schemeClr val="accent1"/>
-          </a:fillRef>
-          <a:effectRef idx="0">
-            <a:schemeClr val="accent1"/>
-          </a:effectRef>
-          <a:fontRef idx="minor">
-            <a:schemeClr val="lt1"/>
-          </a:fontRef>
-        </p:style>
-        <p:txBody>
-          <a:bodyPr rtlCol="0" anchor="ctr"/>
-          <a:lstStyle/>
-          <a:p>
-            <a:pPr algn="ctr"/>
-            <a:endParaRPr lang="en-US" dirty="0">
-              <a:solidFill>
-                <a:prstClr val="white"/>
-              </a:solidFill>
-              <a:latin typeface="Calibri" panose="020F0502020204030204"/>
-            </a:endParaRPr>
-          </a:p>
-        </p:txBody>
-      </p:sp>
-      <p:sp>
-        <p:nvSpPr>
-          <p:cNvPr id="3" name="Content Placeholder 2">
-            <a:extLst>
-              <a:ext uri="{FF2B5EF4-FFF2-40B4-BE49-F238E27FC236}">
-                <a16:creationId xmlns:a16="http://schemas.microsoft.com/office/drawing/2014/main" id="{E43BD06B-906D-5C9C-E517-52B27F705E94}"/>
-              </a:ext>
-            </a:extLst>
-          </p:cNvPr>
-          <p:cNvSpPr>
-            <a:spLocks noGrp="1"/>
-          </p:cNvSpPr>
-          <p:nvPr>
-            <p:ph idx="1"/>
-          </p:nvPr>
-        </p:nvSpPr>
-        <p:spPr>
-          <a:xfrm>
-            <a:off x="1115568" y="2481943"/>
-            <a:ext cx="10168128" cy="3695020"/>
-          </a:xfrm>
-        </p:spPr>
-        <p:txBody>
-          <a:bodyPr>
-            <a:normAutofit/>
-          </a:bodyPr>
-          <a:lstStyle/>
-          <a:p>
-            <a:pPr marL="457200" indent="-457200">
-              <a:buFont typeface="+mj-lt"/>
-              <a:buAutoNum type="arabicPeriod"/>
-            </a:pPr>
-            <a:endParaRPr lang="en-US" sz="2200" dirty="0"/>
-          </a:p>
-          <a:p>
-            <a:pPr marL="457200" indent="-457200">
-              <a:buFont typeface="+mj-lt"/>
-              <a:buAutoNum type="arabicPeriod"/>
-            </a:pPr>
-            <a:endParaRPr lang="en-US" sz="2200" dirty="0"/>
-          </a:p>
-          <a:p>
-            <a:pPr marL="457200" indent="-457200">
-              <a:buFont typeface="+mj-lt"/>
-              <a:buAutoNum type="arabicPeriod"/>
-            </a:pPr>
-            <a:endParaRPr lang="en-US" sz="2200" dirty="0"/>
-          </a:p>
-        </p:txBody>
-      </p:sp>
-      <p:pic>
-        <p:nvPicPr>
-          <p:cNvPr id="6" name="Picture 5">
-            <a:extLst>
-              <a:ext uri="{FF2B5EF4-FFF2-40B4-BE49-F238E27FC236}">
-                <a16:creationId xmlns:a16="http://schemas.microsoft.com/office/drawing/2014/main" id="{6B466854-812D-E478-AD6C-8C7B4941D51F}"/>
-              </a:ext>
-            </a:extLst>
-          </p:cNvPr>
-          <p:cNvPicPr>
-            <a:picLocks noChangeAspect="1"/>
-          </p:cNvPicPr>
-          <p:nvPr/>
-        </p:nvPicPr>
-        <p:blipFill>
-          <a:blip r:embed="rId3"/>
-          <a:stretch>
-            <a:fillRect/>
-          </a:stretch>
-        </p:blipFill>
-        <p:spPr>
-          <a:xfrm>
-            <a:off x="1858107" y="2154304"/>
-            <a:ext cx="8475785" cy="4591050"/>
-          </a:xfrm>
-          <a:prstGeom prst="rect">
-            <a:avLst/>
-          </a:prstGeom>
-        </p:spPr>
-      </p:pic>
-    </p:spTree>
-    <p:extLst>
-      <p:ext uri="{BB962C8B-B14F-4D97-AF65-F5344CB8AC3E}">
-        <p14:creationId xmlns:p14="http://schemas.microsoft.com/office/powerpoint/2010/main" val="2258248356"/>
-      </p:ext>
-    </p:extLst>
-  </p:cSld>
-  <p:clrMapOvr>
-    <a:masterClrMapping/>
-  </p:clrMapOvr>
-  <p:timing>
-    <p:tnLst>
-      <p:par>
-        <p:cTn id="1" dur="indefinite" restart="never" nodeType="tmRoot">
-          <p:childTnLst>
-            <p:seq concurrent="1" nextAc="seek">
-              <p:cTn id="2" dur="indefinite" nodeType="mainSeq">
-                <p:childTnLst>
-                  <p:par>
-                    <p:cTn id="3" fill="hold">
-                      <p:stCondLst>
-                        <p:cond delay="indefinite"/>
-                      </p:stCondLst>
-                      <p:childTnLst>
-                        <p:par>
-                          <p:cTn id="4" fill="hold">
-                            <p:stCondLst>
-                              <p:cond delay="0"/>
-                            </p:stCondLst>
-                            <p:childTnLst>
-                              <p:par>
-                                <p:cTn id="5" presetID="8" presetClass="emph" presetSubtype="0" fill="hold" grpId="0" nodeType="clickEffect">
-                                  <p:stCondLst>
-                                    <p:cond delay="0"/>
-                                  </p:stCondLst>
-                                  <p:childTnLst>
-                                    <p:animRot by="21600000">
-                                      <p:cBhvr>
-                                        <p:cTn id="6" dur="2000" fill="hold"/>
-                                        <p:tgtEl>
-                                          <p:spTgt spid="14"/>
-                                        </p:tgtEl>
-                                        <p:attrNameLst>
-                                          <p:attrName>r</p:attrName>
-                                        </p:attrNameLst>
-                                      </p:cBhvr>
-                                    </p:animRot>
-                                  </p:childTnLst>
-                                </p:cTn>
-                              </p:par>
-                            </p:childTnLst>
-                          </p:cTn>
-                        </p:par>
-                      </p:childTnLst>
-                    </p:cTn>
-                  </p:par>
-                </p:childTnLst>
-              </p:cTn>
-              <p:prevCondLst>
-                <p:cond evt="onPrev" delay="0">
-                  <p:tgtEl>
-                    <p:sldTgt/>
-                  </p:tgtEl>
-                </p:cond>
-              </p:prevCondLst>
-              <p:nextCondLst>
-                <p:cond evt="onNext" delay="0">
-                  <p:tgtEl>
-                    <p:sldTgt/>
-                  </p:tgtEl>
-                </p:cond>
-              </p:nextCondLst>
-            </p:seq>
-          </p:childTnLst>
-        </p:cTn>
-      </p:par>
-    </p:tnLst>
-    <p:bldLst>
-      <p:bldP spid="14" grpId="0" animBg="1"/>
-    </p:bldLst>
-  </p:timing>
-</p:sld>
-</file>
-
-<file path=ppt/slides/slide14.xml><?xml version="1.0" encoding="utf-8"?>
-<p:sld xmlns:a="http://schemas.openxmlformats.org/drawingml/2006/main" xmlns:r="http://schemas.openxmlformats.org/officeDocument/2006/relationships" xmlns:p="http://schemas.openxmlformats.org/presentationml/2006/main">
-  <p:cSld>
-    <p:bg>
-      <p:bgPr>
-        <a:solidFill>
-          <a:schemeClr val="bg1"/>
-        </a:solidFill>
-        <a:effectLst/>
-      </p:bgPr>
-    </p:bg>
-    <p:spTree>
-      <p:nvGrpSpPr>
-        <p:cNvPr id="1" name=""/>
-        <p:cNvGrpSpPr/>
-        <p:nvPr/>
-      </p:nvGrpSpPr>
-      <p:grpSpPr>
-        <a:xfrm>
-          <a:off x="0" y="0"/>
-          <a:ext cx="0" cy="0"/>
-          <a:chOff x="0" y="0"/>
-          <a:chExt cx="0" cy="0"/>
-        </a:xfrm>
-      </p:grpSpPr>
-      <p:sp useBgFill="1">
-        <p:nvSpPr>
-          <p:cNvPr id="8" name="Rectangle 7">
-            <a:extLst>
-              <a:ext uri="{FF2B5EF4-FFF2-40B4-BE49-F238E27FC236}">
                 <a16:creationId xmlns:a16="http://schemas.microsoft.com/office/drawing/2014/main" id="{907EF6B7-1338-4443-8C46-6A318D952DFD}"/>
               </a:ext>
               <a:ext uri="{C183D7F6-B498-43B3-948B-1728B52AA6E4}">
@@ -8957,7 +8822,7 @@
                   <a:srgbClr val="FFFFFF"/>
                 </a:solidFill>
               </a:rPr>
-              <a:t>Gherkin</a:t>
+              <a:t>BDD</a:t>
             </a:r>
           </a:p>
         </p:txBody>
@@ -9041,6 +8906,565 @@
         </p:nvSpPr>
         <p:spPr>
           <a:xfrm>
+            <a:off x="4447308" y="787400"/>
+            <a:ext cx="6906491" cy="5389563"/>
+          </a:xfrm>
+        </p:spPr>
+        <p:txBody>
+          <a:bodyPr anchor="ctr">
+            <a:normAutofit/>
+          </a:bodyPr>
+          <a:lstStyle/>
+          <a:p>
+            <a:r>
+              <a:rPr lang="en-US" dirty="0"/>
+              <a:t>Tries to do TDD, but better</a:t>
+            </a:r>
+          </a:p>
+          <a:p>
+            <a:pPr lvl="1"/>
+            <a:r>
+              <a:rPr lang="en-US" dirty="0"/>
+              <a:t>Not TDD’s fault</a:t>
+            </a:r>
+          </a:p>
+          <a:p>
+            <a:pPr lvl="1"/>
+            <a:r>
+              <a:rPr lang="en-US" dirty="0"/>
+              <a:t>Avoid misunderstandings of adopting TDD</a:t>
+            </a:r>
+          </a:p>
+          <a:p>
+            <a:pPr lvl="1"/>
+            <a:r>
+              <a:rPr lang="en-US" dirty="0"/>
+              <a:t>Move focus to behaviors instead of tests</a:t>
+            </a:r>
+          </a:p>
+          <a:p>
+            <a:pPr lvl="1"/>
+            <a:r>
+              <a:rPr lang="en-US" dirty="0"/>
+              <a:t>Avoid complex slow and tightly coupled tests</a:t>
+            </a:r>
+          </a:p>
+          <a:p>
+            <a:pPr lvl="1"/>
+            <a:r>
+              <a:rPr lang="en-US" dirty="0"/>
+              <a:t>Start from end user perspective</a:t>
+            </a:r>
+          </a:p>
+          <a:p>
+            <a:pPr lvl="1"/>
+            <a:r>
+              <a:rPr lang="en-US" dirty="0"/>
+              <a:t>Get business and technical teams on the same page</a:t>
+            </a:r>
+          </a:p>
+          <a:p>
+            <a:pPr lvl="2"/>
+            <a:r>
+              <a:rPr lang="en-US"/>
+              <a:t>Three Amigos</a:t>
+            </a:r>
+            <a:endParaRPr lang="en-US" dirty="0"/>
+          </a:p>
+        </p:txBody>
+      </p:sp>
+    </p:spTree>
+    <p:extLst>
+      <p:ext uri="{BB962C8B-B14F-4D97-AF65-F5344CB8AC3E}">
+        <p14:creationId xmlns:p14="http://schemas.microsoft.com/office/powerpoint/2010/main" val="828508002"/>
+      </p:ext>
+    </p:extLst>
+  </p:cSld>
+  <p:clrMapOvr>
+    <a:masterClrMapping/>
+  </p:clrMapOvr>
+  <p:timing>
+    <p:tnLst>
+      <p:par>
+        <p:cTn id="1" dur="indefinite" restart="never" nodeType="tmRoot">
+          <p:childTnLst>
+            <p:seq concurrent="1" nextAc="seek">
+              <p:cTn id="2" dur="indefinite" nodeType="mainSeq">
+                <p:childTnLst>
+                  <p:par>
+                    <p:cTn id="3" fill="hold">
+                      <p:stCondLst>
+                        <p:cond delay="indefinite"/>
+                      </p:stCondLst>
+                      <p:childTnLst>
+                        <p:par>
+                          <p:cTn id="4" fill="hold">
+                            <p:stCondLst>
+                              <p:cond delay="0"/>
+                            </p:stCondLst>
+                            <p:childTnLst>
+                              <p:par>
+                                <p:cTn id="5" presetID="2" presetClass="entr" presetSubtype="8" fill="hold" grpId="0" nodeType="clickEffect">
+                                  <p:stCondLst>
+                                    <p:cond delay="0"/>
+                                  </p:stCondLst>
+                                  <p:childTnLst>
+                                    <p:set>
+                                      <p:cBhvr>
+                                        <p:cTn id="6" dur="1" fill="hold">
+                                          <p:stCondLst>
+                                            <p:cond delay="0"/>
+                                          </p:stCondLst>
+                                        </p:cTn>
+                                        <p:tgtEl>
+                                          <p:spTgt spid="10"/>
+                                        </p:tgtEl>
+                                        <p:attrNameLst>
+                                          <p:attrName>style.visibility</p:attrName>
+                                        </p:attrNameLst>
+                                      </p:cBhvr>
+                                      <p:to>
+                                        <p:strVal val="visible"/>
+                                      </p:to>
+                                    </p:set>
+                                    <p:anim calcmode="lin" valueType="num">
+                                      <p:cBhvr additive="base">
+                                        <p:cTn id="7" dur="3500" fill="hold"/>
+                                        <p:tgtEl>
+                                          <p:spTgt spid="10"/>
+                                        </p:tgtEl>
+                                        <p:attrNameLst>
+                                          <p:attrName>ppt_x</p:attrName>
+                                        </p:attrNameLst>
+                                      </p:cBhvr>
+                                      <p:tavLst>
+                                        <p:tav tm="0">
+                                          <p:val>
+                                            <p:strVal val="0-#ppt_w/2"/>
+                                          </p:val>
+                                        </p:tav>
+                                        <p:tav tm="100000">
+                                          <p:val>
+                                            <p:strVal val="#ppt_x"/>
+                                          </p:val>
+                                        </p:tav>
+                                      </p:tavLst>
+                                    </p:anim>
+                                    <p:anim calcmode="lin" valueType="num">
+                                      <p:cBhvr additive="base">
+                                        <p:cTn id="8" dur="3500" fill="hold"/>
+                                        <p:tgtEl>
+                                          <p:spTgt spid="10"/>
+                                        </p:tgtEl>
+                                        <p:attrNameLst>
+                                          <p:attrName>ppt_y</p:attrName>
+                                        </p:attrNameLst>
+                                      </p:cBhvr>
+                                      <p:tavLst>
+                                        <p:tav tm="0">
+                                          <p:val>
+                                            <p:strVal val="#ppt_y"/>
+                                          </p:val>
+                                        </p:tav>
+                                        <p:tav tm="100000">
+                                          <p:val>
+                                            <p:strVal val="#ppt_y"/>
+                                          </p:val>
+                                        </p:tav>
+                                      </p:tavLst>
+                                    </p:anim>
+                                  </p:childTnLst>
+                                </p:cTn>
+                              </p:par>
+                            </p:childTnLst>
+                          </p:cTn>
+                        </p:par>
+                      </p:childTnLst>
+                    </p:cTn>
+                  </p:par>
+                </p:childTnLst>
+              </p:cTn>
+              <p:prevCondLst>
+                <p:cond evt="onPrev" delay="0">
+                  <p:tgtEl>
+                    <p:sldTgt/>
+                  </p:tgtEl>
+                </p:cond>
+              </p:prevCondLst>
+              <p:nextCondLst>
+                <p:cond evt="onNext" delay="0">
+                  <p:tgtEl>
+                    <p:sldTgt/>
+                  </p:tgtEl>
+                </p:cond>
+              </p:nextCondLst>
+            </p:seq>
+          </p:childTnLst>
+        </p:cTn>
+      </p:par>
+    </p:tnLst>
+    <p:bldLst>
+      <p:bldP spid="10" grpId="0" animBg="1"/>
+    </p:bldLst>
+  </p:timing>
+</p:sld>
+</file>
+
+<file path=ppt/slides/slide14.xml><?xml version="1.0" encoding="utf-8"?>
+<p:sld xmlns:a="http://schemas.openxmlformats.org/drawingml/2006/main" xmlns:r="http://schemas.openxmlformats.org/officeDocument/2006/relationships" xmlns:p="http://schemas.openxmlformats.org/presentationml/2006/main">
+  <p:cSld>
+    <p:bg>
+      <p:bgPr>
+        <a:solidFill>
+          <a:schemeClr val="bg1"/>
+        </a:solidFill>
+        <a:effectLst/>
+      </p:bgPr>
+    </p:bg>
+    <p:spTree>
+      <p:nvGrpSpPr>
+        <p:cNvPr id="1" name=""/>
+        <p:cNvGrpSpPr/>
+        <p:nvPr/>
+      </p:nvGrpSpPr>
+      <p:grpSpPr>
+        <a:xfrm>
+          <a:off x="0" y="0"/>
+          <a:ext cx="0" cy="0"/>
+          <a:chOff x="0" y="0"/>
+          <a:chExt cx="0" cy="0"/>
+        </a:xfrm>
+      </p:grpSpPr>
+      <p:sp useBgFill="1">
+        <p:nvSpPr>
+          <p:cNvPr id="8" name="Rectangle 7">
+            <a:extLst>
+              <a:ext uri="{FF2B5EF4-FFF2-40B4-BE49-F238E27FC236}">
+                <a16:creationId xmlns:a16="http://schemas.microsoft.com/office/drawing/2014/main" id="{907EF6B7-1338-4443-8C46-6A318D952DFD}"/>
+              </a:ext>
+              <a:ext uri="{C183D7F6-B498-43B3-948B-1728B52AA6E4}">
+                <adec:decorative xmlns:adec="http://schemas.microsoft.com/office/drawing/2017/decorative" val="1"/>
+              </a:ext>
+            </a:extLst>
+          </p:cNvPr>
+          <p:cNvSpPr>
+            <a:spLocks noGrp="1" noRot="1" noChangeAspect="1" noMove="1" noResize="1" noEditPoints="1" noAdjustHandles="1" noChangeArrowheads="1" noChangeShapeType="1" noTextEdit="1"/>
+          </p:cNvSpPr>
+          <p:nvPr>
+            <p:extLst>
+              <p:ext uri="{386F3935-93C4-4BCD-93E2-E3B085C9AB24}">
+                <p16:designElem xmlns:p16="http://schemas.microsoft.com/office/powerpoint/2015/main" val="1"/>
+              </p:ext>
+            </p:extLst>
+          </p:nvPr>
+        </p:nvSpPr>
+        <p:spPr>
+          <a:xfrm>
+            <a:off x="3048" y="0"/>
+            <a:ext cx="12188952" cy="6858000"/>
+          </a:xfrm>
+          <a:prstGeom prst="rect">
+            <a:avLst/>
+          </a:prstGeom>
+          <a:ln>
+            <a:noFill/>
+          </a:ln>
+        </p:spPr>
+        <p:style>
+          <a:lnRef idx="2">
+            <a:schemeClr val="accent1">
+              <a:shade val="50000"/>
+            </a:schemeClr>
+          </a:lnRef>
+          <a:fillRef idx="1">
+            <a:schemeClr val="accent1"/>
+          </a:fillRef>
+          <a:effectRef idx="0">
+            <a:schemeClr val="accent1"/>
+          </a:effectRef>
+          <a:fontRef idx="minor">
+            <a:schemeClr val="lt1"/>
+          </a:fontRef>
+        </p:style>
+        <p:txBody>
+          <a:bodyPr rtlCol="0" anchor="ctr"/>
+          <a:lstStyle/>
+          <a:p>
+            <a:pPr algn="ctr"/>
+            <a:endParaRPr lang="en-US" dirty="0"/>
+          </a:p>
+        </p:txBody>
+      </p:sp>
+      <p:sp>
+        <p:nvSpPr>
+          <p:cNvPr id="10" name="Freeform: Shape 9">
+            <a:extLst>
+              <a:ext uri="{FF2B5EF4-FFF2-40B4-BE49-F238E27FC236}">
+                <a16:creationId xmlns:a16="http://schemas.microsoft.com/office/drawing/2014/main" id="{DAAE4CDD-124C-4DCF-9584-B6033B545DD5}"/>
+              </a:ext>
+              <a:ext uri="{C183D7F6-B498-43B3-948B-1728B52AA6E4}">
+                <adec:decorative xmlns:adec="http://schemas.microsoft.com/office/drawing/2017/decorative" val="1"/>
+              </a:ext>
+            </a:extLst>
+          </p:cNvPr>
+          <p:cNvSpPr>
+            <a:spLocks noChangeAspect="1"/>
+          </p:cNvSpPr>
+          <p:nvPr>
+            <p:extLst>
+              <p:ext uri="{386F3935-93C4-4BCD-93E2-E3B085C9AB24}">
+                <p16:designElem xmlns:p16="http://schemas.microsoft.com/office/powerpoint/2015/main" val="1"/>
+              </p:ext>
+            </p:extLst>
+          </p:nvPr>
+        </p:nvSpPr>
+        <p:spPr>
+          <a:xfrm>
+            <a:off x="1" y="0"/>
+            <a:ext cx="4167271" cy="6858000"/>
+          </a:xfrm>
+          <a:custGeom>
+            <a:avLst/>
+            <a:gdLst>
+              <a:gd name="connsiteX0" fmla="*/ 0 w 4167271"/>
+              <a:gd name="connsiteY0" fmla="*/ 0 h 6858000"/>
+              <a:gd name="connsiteX1" fmla="*/ 2259550 w 4167271"/>
+              <a:gd name="connsiteY1" fmla="*/ 0 h 6858000"/>
+              <a:gd name="connsiteX2" fmla="*/ 2387803 w 4167271"/>
+              <a:gd name="connsiteY2" fmla="*/ 82222 h 6858000"/>
+              <a:gd name="connsiteX3" fmla="*/ 4167271 w 4167271"/>
+              <a:gd name="connsiteY3" fmla="*/ 3429000 h 6858000"/>
+              <a:gd name="connsiteX4" fmla="*/ 2387803 w 4167271"/>
+              <a:gd name="connsiteY4" fmla="*/ 6775779 h 6858000"/>
+              <a:gd name="connsiteX5" fmla="*/ 2259550 w 4167271"/>
+              <a:gd name="connsiteY5" fmla="*/ 6858000 h 6858000"/>
+              <a:gd name="connsiteX6" fmla="*/ 0 w 4167271"/>
+              <a:gd name="connsiteY6" fmla="*/ 6858000 h 6858000"/>
+            </a:gdLst>
+            <a:ahLst/>
+            <a:cxnLst>
+              <a:cxn ang="0">
+                <a:pos x="connsiteX0" y="connsiteY0"/>
+              </a:cxn>
+              <a:cxn ang="0">
+                <a:pos x="connsiteX1" y="connsiteY1"/>
+              </a:cxn>
+              <a:cxn ang="0">
+                <a:pos x="connsiteX2" y="connsiteY2"/>
+              </a:cxn>
+              <a:cxn ang="0">
+                <a:pos x="connsiteX3" y="connsiteY3"/>
+              </a:cxn>
+              <a:cxn ang="0">
+                <a:pos x="connsiteX4" y="connsiteY4"/>
+              </a:cxn>
+              <a:cxn ang="0">
+                <a:pos x="connsiteX5" y="connsiteY5"/>
+              </a:cxn>
+              <a:cxn ang="0">
+                <a:pos x="connsiteX6" y="connsiteY6"/>
+              </a:cxn>
+            </a:cxnLst>
+            <a:rect l="l" t="t" r="r" b="b"/>
+            <a:pathLst>
+              <a:path w="4167271" h="6858000">
+                <a:moveTo>
+                  <a:pt x="0" y="0"/>
+                </a:moveTo>
+                <a:lnTo>
+                  <a:pt x="2259550" y="0"/>
+                </a:lnTo>
+                <a:lnTo>
+                  <a:pt x="2387803" y="82222"/>
+                </a:lnTo>
+                <a:cubicBezTo>
+                  <a:pt x="3461407" y="807534"/>
+                  <a:pt x="4167271" y="2035835"/>
+                  <a:pt x="4167271" y="3429000"/>
+                </a:cubicBezTo>
+                <a:cubicBezTo>
+                  <a:pt x="4167271" y="4822165"/>
+                  <a:pt x="3461407" y="6050467"/>
+                  <a:pt x="2387803" y="6775779"/>
+                </a:cubicBezTo>
+                <a:lnTo>
+                  <a:pt x="2259550" y="6858000"/>
+                </a:lnTo>
+                <a:lnTo>
+                  <a:pt x="0" y="6858000"/>
+                </a:lnTo>
+                <a:close/>
+              </a:path>
+            </a:pathLst>
+          </a:custGeom>
+          <a:gradFill flip="none" rotWithShape="1">
+            <a:gsLst>
+              <a:gs pos="0">
+                <a:schemeClr val="accent2">
+                  <a:lumMod val="67000"/>
+                </a:schemeClr>
+              </a:gs>
+              <a:gs pos="48000">
+                <a:schemeClr val="accent2">
+                  <a:lumMod val="97000"/>
+                  <a:lumOff val="3000"/>
+                </a:schemeClr>
+              </a:gs>
+              <a:gs pos="100000">
+                <a:schemeClr val="accent2">
+                  <a:lumMod val="60000"/>
+                  <a:lumOff val="40000"/>
+                </a:schemeClr>
+              </a:gs>
+            </a:gsLst>
+            <a:lin ang="16200000" scaled="1"/>
+            <a:tileRect/>
+          </a:gradFill>
+          <a:ln>
+            <a:noFill/>
+          </a:ln>
+        </p:spPr>
+        <p:style>
+          <a:lnRef idx="0">
+            <a:scrgbClr r="0" g="0" b="0"/>
+          </a:lnRef>
+          <a:fillRef idx="0">
+            <a:scrgbClr r="0" g="0" b="0"/>
+          </a:fillRef>
+          <a:effectRef idx="0">
+            <a:scrgbClr r="0" g="0" b="0"/>
+          </a:effectRef>
+          <a:fontRef idx="minor">
+            <a:schemeClr val="lt1"/>
+          </a:fontRef>
+        </p:style>
+        <p:txBody>
+          <a:bodyPr rtlCol="0" anchor="ctr"/>
+          <a:lstStyle/>
+          <a:p>
+            <a:pPr algn="ctr"/>
+            <a:endParaRPr lang="en-US" dirty="0"/>
+          </a:p>
+        </p:txBody>
+      </p:sp>
+      <p:sp>
+        <p:nvSpPr>
+          <p:cNvPr id="2" name="Title 1">
+            <a:extLst>
+              <a:ext uri="{FF2B5EF4-FFF2-40B4-BE49-F238E27FC236}">
+                <a16:creationId xmlns:a16="http://schemas.microsoft.com/office/drawing/2014/main" id="{604CD088-9924-FDF8-32EA-64AD14C5DE41}"/>
+              </a:ext>
+            </a:extLst>
+          </p:cNvPr>
+          <p:cNvSpPr>
+            <a:spLocks noGrp="1"/>
+          </p:cNvSpPr>
+          <p:nvPr>
+            <p:ph type="title"/>
+          </p:nvPr>
+        </p:nvSpPr>
+        <p:spPr>
+          <a:xfrm>
+            <a:off x="686834" y="1153572"/>
+            <a:ext cx="3200400" cy="4461163"/>
+          </a:xfrm>
+        </p:spPr>
+        <p:txBody>
+          <a:bodyPr>
+            <a:normAutofit/>
+          </a:bodyPr>
+          <a:lstStyle/>
+          <a:p>
+            <a:r>
+              <a:rPr lang="en-US" dirty="0">
+                <a:solidFill>
+                  <a:srgbClr val="FFFFFF"/>
+                </a:solidFill>
+              </a:rPr>
+              <a:t>Gherkin</a:t>
+            </a:r>
+          </a:p>
+        </p:txBody>
+      </p:sp>
+      <p:sp>
+        <p:nvSpPr>
+          <p:cNvPr id="12" name="Arc 11">
+            <a:extLst>
+              <a:ext uri="{FF2B5EF4-FFF2-40B4-BE49-F238E27FC236}">
+                <a16:creationId xmlns:a16="http://schemas.microsoft.com/office/drawing/2014/main" id="{081E4A58-353D-44AE-B2FC-2A74E2E400F7}"/>
+              </a:ext>
+              <a:ext uri="{C183D7F6-B498-43B3-948B-1728B52AA6E4}">
+                <adec:decorative xmlns:adec="http://schemas.microsoft.com/office/drawing/2017/decorative" val="1"/>
+              </a:ext>
+            </a:extLst>
+          </p:cNvPr>
+          <p:cNvSpPr>
+            <a:spLocks noGrp="1" noRot="1" noChangeAspect="1" noMove="1" noResize="1" noEditPoints="1" noAdjustHandles="1" noChangeArrowheads="1" noChangeShapeType="1" noTextEdit="1"/>
+          </p:cNvSpPr>
+          <p:nvPr>
+            <p:extLst>
+              <p:ext uri="{386F3935-93C4-4BCD-93E2-E3B085C9AB24}">
+                <p16:designElem xmlns:p16="http://schemas.microsoft.com/office/powerpoint/2015/main" val="1"/>
+              </p:ext>
+            </p:extLst>
+          </p:nvPr>
+        </p:nvSpPr>
+        <p:spPr>
+          <a:xfrm flipV="1">
+            <a:off x="7550402" y="2455479"/>
+            <a:ext cx="4083433" cy="4083433"/>
+          </a:xfrm>
+          <a:prstGeom prst="arc">
+            <a:avLst/>
+          </a:prstGeom>
+          <a:ln w="127000" cap="rnd">
+            <a:solidFill>
+              <a:schemeClr val="accent4"/>
+            </a:solidFill>
+            <a:prstDash val="dash"/>
+          </a:ln>
+        </p:spPr>
+        <p:style>
+          <a:lnRef idx="1">
+            <a:schemeClr val="accent1"/>
+          </a:lnRef>
+          <a:fillRef idx="0">
+            <a:schemeClr val="accent1"/>
+          </a:fillRef>
+          <a:effectRef idx="0">
+            <a:schemeClr val="accent1"/>
+          </a:effectRef>
+          <a:fontRef idx="minor">
+            <a:schemeClr val="tx1"/>
+          </a:fontRef>
+        </p:style>
+        <p:txBody>
+          <a:bodyPr rtlCol="0" anchor="ctr"/>
+          <a:lstStyle/>
+          <a:p>
+            <a:pPr algn="ctr"/>
+            <a:endParaRPr lang="en-US" dirty="0"/>
+          </a:p>
+        </p:txBody>
+      </p:sp>
+      <p:sp>
+        <p:nvSpPr>
+          <p:cNvPr id="3" name="Content Placeholder 2">
+            <a:extLst>
+              <a:ext uri="{FF2B5EF4-FFF2-40B4-BE49-F238E27FC236}">
+                <a16:creationId xmlns:a16="http://schemas.microsoft.com/office/drawing/2014/main" id="{506ECF03-3832-CE61-45EB-6C148D597A92}"/>
+              </a:ext>
+            </a:extLst>
+          </p:cNvPr>
+          <p:cNvSpPr>
+            <a:spLocks noGrp="1"/>
+          </p:cNvSpPr>
+          <p:nvPr>
+            <p:ph idx="1"/>
+          </p:nvPr>
+        </p:nvSpPr>
+        <p:spPr>
+          <a:xfrm>
             <a:off x="4167272" y="787400"/>
             <a:ext cx="7945215" cy="5389563"/>
           </a:xfrm>
@@ -9053,7 +9477,7 @@
           <a:p>
             <a:r>
               <a:rPr lang="en-US" dirty="0"/>
-              <a:t>Way of writing test cases in natural language</a:t>
+              <a:t>Way of writing test cases in natural language (SHARED UNDERSTANDING)</a:t>
             </a:r>
           </a:p>
           <a:p>
@@ -11535,7 +11959,7 @@
           <p:nvPr/>
         </p:nvPicPr>
         <p:blipFill>
-          <a:blip r:embed="rId2">
+          <a:blip r:embed="rId3">
             <a:extLst>
               <a:ext uri="{28A0092B-C50C-407E-A947-70E740481C1C}">
                 <a14:useLocalDpi xmlns:a14="http://schemas.microsoft.com/office/drawing/2010/main" val="0"/>
@@ -11570,7 +11994,7 @@
           <p:nvPr/>
         </p:nvPicPr>
         <p:blipFill>
-          <a:blip r:embed="rId3">
+          <a:blip r:embed="rId4">
             <a:extLst>
               <a:ext uri="{28A0092B-C50C-407E-A947-70E740481C1C}">
                 <a14:useLocalDpi xmlns:a14="http://schemas.microsoft.com/office/drawing/2010/main" val="0"/>
@@ -11696,6 +12120,14 @@
 <file path=ppt/slides/slide20.xml><?xml version="1.0" encoding="utf-8"?>
 <p:sld xmlns:a="http://schemas.openxmlformats.org/drawingml/2006/main" xmlns:r="http://schemas.openxmlformats.org/officeDocument/2006/relationships" xmlns:p="http://schemas.openxmlformats.org/presentationml/2006/main">
   <p:cSld>
+    <p:bg>
+      <p:bgPr>
+        <a:solidFill>
+          <a:schemeClr val="bg1"/>
+        </a:solidFill>
+        <a:effectLst/>
+      </p:bgPr>
+    </p:bg>
     <p:spTree>
       <p:nvGrpSpPr>
         <p:cNvPr id="1" name=""/>
@@ -11710,6 +12142,527 @@
           <a:chExt cx="0" cy="0"/>
         </a:xfrm>
       </p:grpSpPr>
+      <p:sp useBgFill="1">
+        <p:nvSpPr>
+          <p:cNvPr id="8" name="Rectangle 7">
+            <a:extLst>
+              <a:ext uri="{FF2B5EF4-FFF2-40B4-BE49-F238E27FC236}">
+                <a16:creationId xmlns:a16="http://schemas.microsoft.com/office/drawing/2014/main" id="{907EF6B7-1338-4443-8C46-6A318D952DFD}"/>
+              </a:ext>
+              <a:ext uri="{C183D7F6-B498-43B3-948B-1728B52AA6E4}">
+                <adec:decorative xmlns:adec="http://schemas.microsoft.com/office/drawing/2017/decorative" val="1"/>
+              </a:ext>
+            </a:extLst>
+          </p:cNvPr>
+          <p:cNvSpPr>
+            <a:spLocks noGrp="1" noRot="1" noChangeAspect="1" noMove="1" noResize="1" noEditPoints="1" noAdjustHandles="1" noChangeArrowheads="1" noChangeShapeType="1" noTextEdit="1"/>
+          </p:cNvSpPr>
+          <p:nvPr>
+            <p:extLst>
+              <p:ext uri="{386F3935-93C4-4BCD-93E2-E3B085C9AB24}">
+                <p16:designElem xmlns:p16="http://schemas.microsoft.com/office/powerpoint/2015/main" val="1"/>
+              </p:ext>
+            </p:extLst>
+          </p:nvPr>
+        </p:nvSpPr>
+        <p:spPr>
+          <a:xfrm>
+            <a:off x="3048" y="0"/>
+            <a:ext cx="12188952" cy="6858000"/>
+          </a:xfrm>
+          <a:prstGeom prst="rect">
+            <a:avLst/>
+          </a:prstGeom>
+          <a:ln>
+            <a:noFill/>
+          </a:ln>
+        </p:spPr>
+        <p:style>
+          <a:lnRef idx="2">
+            <a:schemeClr val="accent1">
+              <a:shade val="50000"/>
+            </a:schemeClr>
+          </a:lnRef>
+          <a:fillRef idx="1">
+            <a:schemeClr val="accent1"/>
+          </a:fillRef>
+          <a:effectRef idx="0">
+            <a:schemeClr val="accent1"/>
+          </a:effectRef>
+          <a:fontRef idx="minor">
+            <a:schemeClr val="lt1"/>
+          </a:fontRef>
+        </p:style>
+        <p:txBody>
+          <a:bodyPr rtlCol="0" anchor="ctr"/>
+          <a:lstStyle/>
+          <a:p>
+            <a:pPr algn="ctr"/>
+            <a:endParaRPr lang="en-US" dirty="0"/>
+          </a:p>
+        </p:txBody>
+      </p:sp>
+      <p:sp>
+        <p:nvSpPr>
+          <p:cNvPr id="10" name="Freeform: Shape 9">
+            <a:extLst>
+              <a:ext uri="{FF2B5EF4-FFF2-40B4-BE49-F238E27FC236}">
+                <a16:creationId xmlns:a16="http://schemas.microsoft.com/office/drawing/2014/main" id="{DAAE4CDD-124C-4DCF-9584-B6033B545DD5}"/>
+              </a:ext>
+              <a:ext uri="{C183D7F6-B498-43B3-948B-1728B52AA6E4}">
+                <adec:decorative xmlns:adec="http://schemas.microsoft.com/office/drawing/2017/decorative" val="1"/>
+              </a:ext>
+            </a:extLst>
+          </p:cNvPr>
+          <p:cNvSpPr>
+            <a:spLocks noChangeAspect="1"/>
+          </p:cNvSpPr>
+          <p:nvPr>
+            <p:extLst>
+              <p:ext uri="{386F3935-93C4-4BCD-93E2-E3B085C9AB24}">
+                <p16:designElem xmlns:p16="http://schemas.microsoft.com/office/powerpoint/2015/main" val="1"/>
+              </p:ext>
+            </p:extLst>
+          </p:nvPr>
+        </p:nvSpPr>
+        <p:spPr>
+          <a:xfrm>
+            <a:off x="1" y="0"/>
+            <a:ext cx="4167271" cy="6858000"/>
+          </a:xfrm>
+          <a:custGeom>
+            <a:avLst/>
+            <a:gdLst>
+              <a:gd name="connsiteX0" fmla="*/ 0 w 4167271"/>
+              <a:gd name="connsiteY0" fmla="*/ 0 h 6858000"/>
+              <a:gd name="connsiteX1" fmla="*/ 2259550 w 4167271"/>
+              <a:gd name="connsiteY1" fmla="*/ 0 h 6858000"/>
+              <a:gd name="connsiteX2" fmla="*/ 2387803 w 4167271"/>
+              <a:gd name="connsiteY2" fmla="*/ 82222 h 6858000"/>
+              <a:gd name="connsiteX3" fmla="*/ 4167271 w 4167271"/>
+              <a:gd name="connsiteY3" fmla="*/ 3429000 h 6858000"/>
+              <a:gd name="connsiteX4" fmla="*/ 2387803 w 4167271"/>
+              <a:gd name="connsiteY4" fmla="*/ 6775779 h 6858000"/>
+              <a:gd name="connsiteX5" fmla="*/ 2259550 w 4167271"/>
+              <a:gd name="connsiteY5" fmla="*/ 6858000 h 6858000"/>
+              <a:gd name="connsiteX6" fmla="*/ 0 w 4167271"/>
+              <a:gd name="connsiteY6" fmla="*/ 6858000 h 6858000"/>
+            </a:gdLst>
+            <a:ahLst/>
+            <a:cxnLst>
+              <a:cxn ang="0">
+                <a:pos x="connsiteX0" y="connsiteY0"/>
+              </a:cxn>
+              <a:cxn ang="0">
+                <a:pos x="connsiteX1" y="connsiteY1"/>
+              </a:cxn>
+              <a:cxn ang="0">
+                <a:pos x="connsiteX2" y="connsiteY2"/>
+              </a:cxn>
+              <a:cxn ang="0">
+                <a:pos x="connsiteX3" y="connsiteY3"/>
+              </a:cxn>
+              <a:cxn ang="0">
+                <a:pos x="connsiteX4" y="connsiteY4"/>
+              </a:cxn>
+              <a:cxn ang="0">
+                <a:pos x="connsiteX5" y="connsiteY5"/>
+              </a:cxn>
+              <a:cxn ang="0">
+                <a:pos x="connsiteX6" y="connsiteY6"/>
+              </a:cxn>
+            </a:cxnLst>
+            <a:rect l="l" t="t" r="r" b="b"/>
+            <a:pathLst>
+              <a:path w="4167271" h="6858000">
+                <a:moveTo>
+                  <a:pt x="0" y="0"/>
+                </a:moveTo>
+                <a:lnTo>
+                  <a:pt x="2259550" y="0"/>
+                </a:lnTo>
+                <a:lnTo>
+                  <a:pt x="2387803" y="82222"/>
+                </a:lnTo>
+                <a:cubicBezTo>
+                  <a:pt x="3461407" y="807534"/>
+                  <a:pt x="4167271" y="2035835"/>
+                  <a:pt x="4167271" y="3429000"/>
+                </a:cubicBezTo>
+                <a:cubicBezTo>
+                  <a:pt x="4167271" y="4822165"/>
+                  <a:pt x="3461407" y="6050467"/>
+                  <a:pt x="2387803" y="6775779"/>
+                </a:cubicBezTo>
+                <a:lnTo>
+                  <a:pt x="2259550" y="6858000"/>
+                </a:lnTo>
+                <a:lnTo>
+                  <a:pt x="0" y="6858000"/>
+                </a:lnTo>
+                <a:close/>
+              </a:path>
+            </a:pathLst>
+          </a:custGeom>
+          <a:gradFill flip="none" rotWithShape="1">
+            <a:gsLst>
+              <a:gs pos="0">
+                <a:schemeClr val="accent2">
+                  <a:lumMod val="67000"/>
+                </a:schemeClr>
+              </a:gs>
+              <a:gs pos="48000">
+                <a:schemeClr val="accent2">
+                  <a:lumMod val="97000"/>
+                  <a:lumOff val="3000"/>
+                </a:schemeClr>
+              </a:gs>
+              <a:gs pos="100000">
+                <a:schemeClr val="accent2">
+                  <a:lumMod val="60000"/>
+                  <a:lumOff val="40000"/>
+                </a:schemeClr>
+              </a:gs>
+            </a:gsLst>
+            <a:lin ang="16200000" scaled="1"/>
+            <a:tileRect/>
+          </a:gradFill>
+          <a:ln>
+            <a:noFill/>
+          </a:ln>
+        </p:spPr>
+        <p:style>
+          <a:lnRef idx="0">
+            <a:scrgbClr r="0" g="0" b="0"/>
+          </a:lnRef>
+          <a:fillRef idx="0">
+            <a:scrgbClr r="0" g="0" b="0"/>
+          </a:fillRef>
+          <a:effectRef idx="0">
+            <a:scrgbClr r="0" g="0" b="0"/>
+          </a:effectRef>
+          <a:fontRef idx="minor">
+            <a:schemeClr val="lt1"/>
+          </a:fontRef>
+        </p:style>
+        <p:txBody>
+          <a:bodyPr rtlCol="0" anchor="ctr"/>
+          <a:lstStyle/>
+          <a:p>
+            <a:pPr algn="ctr"/>
+            <a:endParaRPr lang="en-US" dirty="0"/>
+          </a:p>
+        </p:txBody>
+      </p:sp>
+      <p:sp>
+        <p:nvSpPr>
+          <p:cNvPr id="2" name="Title 1">
+            <a:extLst>
+              <a:ext uri="{FF2B5EF4-FFF2-40B4-BE49-F238E27FC236}">
+                <a16:creationId xmlns:a16="http://schemas.microsoft.com/office/drawing/2014/main" id="{604CD088-9924-FDF8-32EA-64AD14C5DE41}"/>
+              </a:ext>
+            </a:extLst>
+          </p:cNvPr>
+          <p:cNvSpPr>
+            <a:spLocks noGrp="1"/>
+          </p:cNvSpPr>
+          <p:nvPr>
+            <p:ph type="title"/>
+          </p:nvPr>
+        </p:nvSpPr>
+        <p:spPr>
+          <a:xfrm>
+            <a:off x="686834" y="1153572"/>
+            <a:ext cx="3200400" cy="4461163"/>
+          </a:xfrm>
+        </p:spPr>
+        <p:txBody>
+          <a:bodyPr>
+            <a:normAutofit/>
+          </a:bodyPr>
+          <a:lstStyle/>
+          <a:p>
+            <a:r>
+              <a:rPr lang="en-US" dirty="0">
+                <a:solidFill>
+                  <a:srgbClr val="FFFFFF"/>
+                </a:solidFill>
+              </a:rPr>
+              <a:t>Demo</a:t>
+            </a:r>
+          </a:p>
+        </p:txBody>
+      </p:sp>
+      <p:sp>
+        <p:nvSpPr>
+          <p:cNvPr id="12" name="Arc 11">
+            <a:extLst>
+              <a:ext uri="{FF2B5EF4-FFF2-40B4-BE49-F238E27FC236}">
+                <a16:creationId xmlns:a16="http://schemas.microsoft.com/office/drawing/2014/main" id="{081E4A58-353D-44AE-B2FC-2A74E2E400F7}"/>
+              </a:ext>
+              <a:ext uri="{C183D7F6-B498-43B3-948B-1728B52AA6E4}">
+                <adec:decorative xmlns:adec="http://schemas.microsoft.com/office/drawing/2017/decorative" val="1"/>
+              </a:ext>
+            </a:extLst>
+          </p:cNvPr>
+          <p:cNvSpPr>
+            <a:spLocks noGrp="1" noRot="1" noChangeAspect="1" noMove="1" noResize="1" noEditPoints="1" noAdjustHandles="1" noChangeArrowheads="1" noChangeShapeType="1" noTextEdit="1"/>
+          </p:cNvSpPr>
+          <p:nvPr>
+            <p:extLst>
+              <p:ext uri="{386F3935-93C4-4BCD-93E2-E3B085C9AB24}">
+                <p16:designElem xmlns:p16="http://schemas.microsoft.com/office/powerpoint/2015/main" val="1"/>
+              </p:ext>
+            </p:extLst>
+          </p:nvPr>
+        </p:nvSpPr>
+        <p:spPr>
+          <a:xfrm flipV="1">
+            <a:off x="7550402" y="2455479"/>
+            <a:ext cx="4083433" cy="4083433"/>
+          </a:xfrm>
+          <a:prstGeom prst="arc">
+            <a:avLst/>
+          </a:prstGeom>
+          <a:ln w="127000" cap="rnd">
+            <a:solidFill>
+              <a:schemeClr val="accent4"/>
+            </a:solidFill>
+            <a:prstDash val="dash"/>
+          </a:ln>
+        </p:spPr>
+        <p:style>
+          <a:lnRef idx="1">
+            <a:schemeClr val="accent1"/>
+          </a:lnRef>
+          <a:fillRef idx="0">
+            <a:schemeClr val="accent1"/>
+          </a:fillRef>
+          <a:effectRef idx="0">
+            <a:schemeClr val="accent1"/>
+          </a:effectRef>
+          <a:fontRef idx="minor">
+            <a:schemeClr val="tx1"/>
+          </a:fontRef>
+        </p:style>
+        <p:txBody>
+          <a:bodyPr rtlCol="0" anchor="ctr"/>
+          <a:lstStyle/>
+          <a:p>
+            <a:pPr algn="ctr"/>
+            <a:endParaRPr lang="en-US" dirty="0"/>
+          </a:p>
+        </p:txBody>
+      </p:sp>
+      <p:pic>
+        <p:nvPicPr>
+          <p:cNvPr id="4" name="Picture 3">
+            <a:extLst>
+              <a:ext uri="{FF2B5EF4-FFF2-40B4-BE49-F238E27FC236}">
+                <a16:creationId xmlns:a16="http://schemas.microsoft.com/office/drawing/2014/main" id="{E5D75963-707A-00B6-0F3B-7B61F831E4A6}"/>
+              </a:ext>
+            </a:extLst>
+          </p:cNvPr>
+          <p:cNvPicPr>
+            <a:picLocks noChangeAspect="1"/>
+          </p:cNvPicPr>
+          <p:nvPr/>
+        </p:nvPicPr>
+        <p:blipFill>
+          <a:blip r:embed="rId3"/>
+          <a:stretch>
+            <a:fillRect/>
+          </a:stretch>
+        </p:blipFill>
+        <p:spPr>
+          <a:xfrm>
+            <a:off x="6095986" y="3428993"/>
+            <a:ext cx="27" cy="13"/>
+          </a:xfrm>
+          <a:prstGeom prst="rect">
+            <a:avLst/>
+          </a:prstGeom>
+        </p:spPr>
+      </p:pic>
+      <p:sp>
+        <p:nvSpPr>
+          <p:cNvPr id="6" name="Content Placeholder 5">
+            <a:extLst>
+              <a:ext uri="{FF2B5EF4-FFF2-40B4-BE49-F238E27FC236}">
+                <a16:creationId xmlns:a16="http://schemas.microsoft.com/office/drawing/2014/main" id="{8A486F0A-7C8D-B815-63C5-A465D3B07763}"/>
+              </a:ext>
+            </a:extLst>
+          </p:cNvPr>
+          <p:cNvSpPr>
+            <a:spLocks noGrp="1"/>
+          </p:cNvSpPr>
+          <p:nvPr>
+            <p:ph idx="1"/>
+          </p:nvPr>
+        </p:nvSpPr>
+        <p:spPr/>
+        <p:txBody>
+          <a:bodyPr/>
+          <a:lstStyle/>
+          <a:p>
+            <a:endParaRPr lang="en-US" dirty="0"/>
+          </a:p>
+        </p:txBody>
+      </p:sp>
+    </p:spTree>
+    <p:extLst>
+      <p:ext uri="{BB962C8B-B14F-4D97-AF65-F5344CB8AC3E}">
+        <p14:creationId xmlns:p14="http://schemas.microsoft.com/office/powerpoint/2010/main" val="1798449752"/>
+      </p:ext>
+    </p:extLst>
+  </p:cSld>
+  <p:clrMapOvr>
+    <a:masterClrMapping/>
+  </p:clrMapOvr>
+  <p:timing>
+    <p:tnLst>
+      <p:par>
+        <p:cTn id="1" dur="indefinite" restart="never" nodeType="tmRoot">
+          <p:childTnLst>
+            <p:seq concurrent="1" nextAc="seek">
+              <p:cTn id="2" dur="indefinite" nodeType="mainSeq">
+                <p:childTnLst>
+                  <p:par>
+                    <p:cTn id="3" fill="hold">
+                      <p:stCondLst>
+                        <p:cond delay="indefinite"/>
+                      </p:stCondLst>
+                      <p:childTnLst>
+                        <p:par>
+                          <p:cTn id="4" fill="hold">
+                            <p:stCondLst>
+                              <p:cond delay="0"/>
+                            </p:stCondLst>
+                            <p:childTnLst>
+                              <p:par>
+                                <p:cTn id="5" presetID="2" presetClass="entr" presetSubtype="8" fill="hold" grpId="0" nodeType="clickEffect">
+                                  <p:stCondLst>
+                                    <p:cond delay="0"/>
+                                  </p:stCondLst>
+                                  <p:childTnLst>
+                                    <p:set>
+                                      <p:cBhvr>
+                                        <p:cTn id="6" dur="1" fill="hold">
+                                          <p:stCondLst>
+                                            <p:cond delay="0"/>
+                                          </p:stCondLst>
+                                        </p:cTn>
+                                        <p:tgtEl>
+                                          <p:spTgt spid="10"/>
+                                        </p:tgtEl>
+                                        <p:attrNameLst>
+                                          <p:attrName>style.visibility</p:attrName>
+                                        </p:attrNameLst>
+                                      </p:cBhvr>
+                                      <p:to>
+                                        <p:strVal val="visible"/>
+                                      </p:to>
+                                    </p:set>
+                                    <p:anim calcmode="lin" valueType="num">
+                                      <p:cBhvr additive="base">
+                                        <p:cTn id="7" dur="3500" fill="hold"/>
+                                        <p:tgtEl>
+                                          <p:spTgt spid="10"/>
+                                        </p:tgtEl>
+                                        <p:attrNameLst>
+                                          <p:attrName>ppt_x</p:attrName>
+                                        </p:attrNameLst>
+                                      </p:cBhvr>
+                                      <p:tavLst>
+                                        <p:tav tm="0">
+                                          <p:val>
+                                            <p:strVal val="0-#ppt_w/2"/>
+                                          </p:val>
+                                        </p:tav>
+                                        <p:tav tm="100000">
+                                          <p:val>
+                                            <p:strVal val="#ppt_x"/>
+                                          </p:val>
+                                        </p:tav>
+                                      </p:tavLst>
+                                    </p:anim>
+                                    <p:anim calcmode="lin" valueType="num">
+                                      <p:cBhvr additive="base">
+                                        <p:cTn id="8" dur="3500" fill="hold"/>
+                                        <p:tgtEl>
+                                          <p:spTgt spid="10"/>
+                                        </p:tgtEl>
+                                        <p:attrNameLst>
+                                          <p:attrName>ppt_y</p:attrName>
+                                        </p:attrNameLst>
+                                      </p:cBhvr>
+                                      <p:tavLst>
+                                        <p:tav tm="0">
+                                          <p:val>
+                                            <p:strVal val="#ppt_y"/>
+                                          </p:val>
+                                        </p:tav>
+                                        <p:tav tm="100000">
+                                          <p:val>
+                                            <p:strVal val="#ppt_y"/>
+                                          </p:val>
+                                        </p:tav>
+                                      </p:tavLst>
+                                    </p:anim>
+                                  </p:childTnLst>
+                                </p:cTn>
+                              </p:par>
+                            </p:childTnLst>
+                          </p:cTn>
+                        </p:par>
+                      </p:childTnLst>
+                    </p:cTn>
+                  </p:par>
+                </p:childTnLst>
+              </p:cTn>
+              <p:prevCondLst>
+                <p:cond evt="onPrev" delay="0">
+                  <p:tgtEl>
+                    <p:sldTgt/>
+                  </p:tgtEl>
+                </p:cond>
+              </p:prevCondLst>
+              <p:nextCondLst>
+                <p:cond evt="onNext" delay="0">
+                  <p:tgtEl>
+                    <p:sldTgt/>
+                  </p:tgtEl>
+                </p:cond>
+              </p:nextCondLst>
+            </p:seq>
+          </p:childTnLst>
+        </p:cTn>
+      </p:par>
+    </p:tnLst>
+    <p:bldLst>
+      <p:bldP spid="10" grpId="0" animBg="1"/>
+    </p:bldLst>
+  </p:timing>
+</p:sld>
+</file>
+
+<file path=ppt/slides/slide21.xml><?xml version="1.0" encoding="utf-8"?>
+<p:sld xmlns:a="http://schemas.openxmlformats.org/drawingml/2006/main" xmlns:r="http://schemas.openxmlformats.org/officeDocument/2006/relationships" xmlns:p="http://schemas.openxmlformats.org/presentationml/2006/main">
+  <p:cSld>
+    <p:spTree>
+      <p:nvGrpSpPr>
+        <p:cNvPr id="1" name=""/>
+        <p:cNvGrpSpPr/>
+        <p:nvPr/>
+      </p:nvGrpSpPr>
+      <p:grpSpPr>
+        <a:xfrm>
+          <a:off x="0" y="0"/>
+          <a:ext cx="0" cy="0"/>
+          <a:chOff x="0" y="0"/>
+          <a:chExt cx="0" cy="0"/>
+        </a:xfrm>
+      </p:grpSpPr>
       <p:sp>
         <p:nvSpPr>
           <p:cNvPr id="2" name="Title 1">
@@ -11773,7 +12726,7 @@
 </p:sld>
 </file>
 
-<file path=ppt/slides/slide21.xml><?xml version="1.0" encoding="utf-8"?>
+<file path=ppt/slides/slide22.xml><?xml version="1.0" encoding="utf-8"?>
 <p:sld xmlns:a="http://schemas.openxmlformats.org/drawingml/2006/main" xmlns:r="http://schemas.openxmlformats.org/officeDocument/2006/relationships" xmlns:p="http://schemas.openxmlformats.org/presentationml/2006/main">
   <p:cSld>
     <p:bg>
@@ -12284,7 +13237,7 @@
 </p:sld>
 </file>
 
-<file path=ppt/slides/slide22.xml><?xml version="1.0" encoding="utf-8"?>
+<file path=ppt/slides/slide23.xml><?xml version="1.0" encoding="utf-8"?>
 <p:sld xmlns:a="http://schemas.openxmlformats.org/drawingml/2006/main" xmlns:r="http://schemas.openxmlformats.org/officeDocument/2006/relationships" xmlns:p="http://schemas.openxmlformats.org/presentationml/2006/main">
   <p:cSld>
     <p:bg>
@@ -15551,8 +16504,8 @@
           </a:p>
         </p:txBody>
       </p:sp>
-      <mc:AlternateContent xmlns:mc="http://schemas.openxmlformats.org/markup-compatibility/2006">
-        <mc:Choice xmlns:we="http://schemas.microsoft.com/office/webextensions/webextension/2010/11" xmlns:pca="http://schemas.microsoft.com/office/powerpoint/2013/contentapp" Requires="we pca">
+      <mc:AlternateContent xmlns:mc="http://schemas.openxmlformats.org/markup-compatibility/2006" xmlns:we="http://schemas.microsoft.com/office/webextensions/webextension/2010/11" xmlns:pca="http://schemas.microsoft.com/office/powerpoint/2013/contentapp">
+        <mc:Choice Requires="we pca">
           <p:graphicFrame>
             <p:nvGraphicFramePr>
               <p:cNvPr id="4" name="Content Placeholder 3" title="AhaSlides - Live Polls and Quizzes">
@@ -15585,7 +16538,7 @@
             </a:graphic>
           </p:graphicFrame>
         </mc:Choice>
-        <mc:Fallback>
+        <mc:Fallback xmlns="">
           <p:pic>
             <p:nvPicPr>
               <p:cNvPr id="4" name="Content Placeholder 3" title="AhaSlides - Live Polls and Quizzes">

--- a/ThatConference2023.pptx
+++ b/ThatConference2023.pptx
@@ -273,7 +273,7 @@
           <a:p>
             <a:fld id="{BA065681-88F1-4872-B208-B53BCC8B42F3}" type="datetimeFigureOut">
               <a:rPr lang="en-US" smtClean="0"/>
-              <a:t>6/20/2023</a:t>
+              <a:t>6/25/2023</a:t>
             </a:fld>
             <a:endParaRPr lang="en-US"/>
           </a:p>
@@ -584,16 +584,7 @@
           <a:bodyPr/>
           <a:lstStyle/>
           <a:p>
-            <a:r>
-              <a:rPr lang="en-US" dirty="0"/>
-              <a:t>Your color game is weak!</a:t>
-            </a:r>
-          </a:p>
-          <a:p>
-            <a:r>
-              <a:rPr lang="en-US" dirty="0"/>
-              <a:t>No Way!</a:t>
-            </a:r>
+            <a:endParaRPr lang="en-US" dirty="0"/>
           </a:p>
         </p:txBody>
       </p:sp>
@@ -677,10 +668,7 @@
           <a:bodyPr/>
           <a:lstStyle/>
           <a:p>
-            <a:r>
-              <a:rPr lang="en-US" dirty="0"/>
-              <a:t>END 2:37</a:t>
-            </a:r>
+            <a:endParaRPr lang="en-US" dirty="0"/>
           </a:p>
         </p:txBody>
       </p:sp>
@@ -1072,7 +1060,7 @@
             </a:pPr>
             <a:r>
               <a:rPr lang="en-US" dirty="0"/>
-              <a:t>	Test Cases -&gt; Specifications</a:t>
+              <a:t>	Test Cases -&gt; Specifications / Features</a:t>
             </a:r>
           </a:p>
           <a:p>
@@ -1896,13 +1884,8 @@
           <a:p>
             <a:r>
               <a:rPr lang="en-US" dirty="0"/>
-              <a:t>Show persistence methods in </a:t>
-            </a:r>
-            <a:r>
-              <a:rPr lang="en-US"/>
-              <a:t>the class</a:t>
-            </a:r>
-            <a:endParaRPr lang="en-US" dirty="0"/>
+              <a:t>Show persistence methods in the class</a:t>
+            </a:r>
           </a:p>
           <a:p>
             <a:endParaRPr lang="en-US" dirty="0"/>
@@ -2931,7 +2914,7 @@
           <a:p>
             <a:fld id="{846CE7D5-CF57-46EF-B807-FDD0502418D4}" type="datetimeFigureOut">
               <a:rPr lang="en-US" smtClean="0"/>
-              <a:t>6/20/2023</a:t>
+              <a:t>6/25/2023</a:t>
             </a:fld>
             <a:endParaRPr lang="en-US" dirty="0"/>
           </a:p>
@@ -3101,7 +3084,7 @@
           <a:p>
             <a:fld id="{846CE7D5-CF57-46EF-B807-FDD0502418D4}" type="datetimeFigureOut">
               <a:rPr lang="en-US" smtClean="0"/>
-              <a:t>6/20/2023</a:t>
+              <a:t>6/25/2023</a:t>
             </a:fld>
             <a:endParaRPr lang="en-US" dirty="0"/>
           </a:p>
@@ -3281,7 +3264,7 @@
           <a:p>
             <a:fld id="{846CE7D5-CF57-46EF-B807-FDD0502418D4}" type="datetimeFigureOut">
               <a:rPr lang="en-US" smtClean="0"/>
-              <a:t>6/20/2023</a:t>
+              <a:t>6/25/2023</a:t>
             </a:fld>
             <a:endParaRPr lang="en-US" dirty="0"/>
           </a:p>
@@ -3451,7 +3434,7 @@
           <a:p>
             <a:fld id="{846CE7D5-CF57-46EF-B807-FDD0502418D4}" type="datetimeFigureOut">
               <a:rPr lang="en-US" smtClean="0"/>
-              <a:t>6/20/2023</a:t>
+              <a:t>6/25/2023</a:t>
             </a:fld>
             <a:endParaRPr lang="en-US" dirty="0"/>
           </a:p>
@@ -3697,7 +3680,7 @@
           <a:p>
             <a:fld id="{846CE7D5-CF57-46EF-B807-FDD0502418D4}" type="datetimeFigureOut">
               <a:rPr lang="en-US" smtClean="0"/>
-              <a:t>6/20/2023</a:t>
+              <a:t>6/25/2023</a:t>
             </a:fld>
             <a:endParaRPr lang="en-US" dirty="0"/>
           </a:p>
@@ -3929,7 +3912,7 @@
           <a:p>
             <a:fld id="{846CE7D5-CF57-46EF-B807-FDD0502418D4}" type="datetimeFigureOut">
               <a:rPr lang="en-US" smtClean="0"/>
-              <a:t>6/20/2023</a:t>
+              <a:t>6/25/2023</a:t>
             </a:fld>
             <a:endParaRPr lang="en-US" dirty="0"/>
           </a:p>
@@ -4296,7 +4279,7 @@
           <a:p>
             <a:fld id="{846CE7D5-CF57-46EF-B807-FDD0502418D4}" type="datetimeFigureOut">
               <a:rPr lang="en-US" smtClean="0"/>
-              <a:t>6/20/2023</a:t>
+              <a:t>6/25/2023</a:t>
             </a:fld>
             <a:endParaRPr lang="en-US" dirty="0"/>
           </a:p>
@@ -4414,7 +4397,7 @@
           <a:p>
             <a:fld id="{846CE7D5-CF57-46EF-B807-FDD0502418D4}" type="datetimeFigureOut">
               <a:rPr lang="en-US" smtClean="0"/>
-              <a:t>6/20/2023</a:t>
+              <a:t>6/25/2023</a:t>
             </a:fld>
             <a:endParaRPr lang="en-US" dirty="0"/>
           </a:p>
@@ -4509,7 +4492,7 @@
           <a:p>
             <a:fld id="{846CE7D5-CF57-46EF-B807-FDD0502418D4}" type="datetimeFigureOut">
               <a:rPr lang="en-US" smtClean="0"/>
-              <a:t>6/20/2023</a:t>
+              <a:t>6/25/2023</a:t>
             </a:fld>
             <a:endParaRPr lang="en-US" dirty="0"/>
           </a:p>
@@ -4786,7 +4769,7 @@
           <a:p>
             <a:fld id="{846CE7D5-CF57-46EF-B807-FDD0502418D4}" type="datetimeFigureOut">
               <a:rPr lang="en-US" smtClean="0"/>
-              <a:t>6/20/2023</a:t>
+              <a:t>6/25/2023</a:t>
             </a:fld>
             <a:endParaRPr lang="en-US" dirty="0"/>
           </a:p>
@@ -5042,7 +5025,7 @@
           <a:p>
             <a:fld id="{846CE7D5-CF57-46EF-B807-FDD0502418D4}" type="datetimeFigureOut">
               <a:rPr lang="en-US" smtClean="0"/>
-              <a:t>6/20/2023</a:t>
+              <a:t>6/25/2023</a:t>
             </a:fld>
             <a:endParaRPr lang="en-US" dirty="0"/>
           </a:p>
@@ -5255,7 +5238,7 @@
           <a:p>
             <a:fld id="{846CE7D5-CF57-46EF-B807-FDD0502418D4}" type="datetimeFigureOut">
               <a:rPr lang="en-US" smtClean="0"/>
-              <a:t>6/20/2023</a:t>
+              <a:t>6/25/2023</a:t>
             </a:fld>
             <a:endParaRPr lang="en-US" dirty="0"/>
           </a:p>
@@ -16504,8 +16487,8 @@
           </a:p>
         </p:txBody>
       </p:sp>
-      <mc:AlternateContent xmlns:mc="http://schemas.openxmlformats.org/markup-compatibility/2006" xmlns:we="http://schemas.microsoft.com/office/webextensions/webextension/2010/11" xmlns:pca="http://schemas.microsoft.com/office/powerpoint/2013/contentapp">
-        <mc:Choice Requires="we pca">
+      <mc:AlternateContent xmlns:mc="http://schemas.openxmlformats.org/markup-compatibility/2006">
+        <mc:Choice xmlns:we="http://schemas.microsoft.com/office/webextensions/webextension/2010/11" xmlns:pca="http://schemas.microsoft.com/office/powerpoint/2013/contentapp" Requires="we pca">
           <p:graphicFrame>
             <p:nvGraphicFramePr>
               <p:cNvPr id="4" name="Content Placeholder 3" title="AhaSlides - Live Polls and Quizzes">
@@ -16538,7 +16521,7 @@
             </a:graphic>
           </p:graphicFrame>
         </mc:Choice>
-        <mc:Fallback xmlns="">
+        <mc:Fallback>
           <p:pic>
             <p:nvPicPr>
               <p:cNvPr id="4" name="Content Placeholder 3" title="AhaSlides - Live Polls and Quizzes">

--- a/ThatConference2023.pptx
+++ b/ThatConference2023.pptx
@@ -5,32 +5,29 @@
     <p:sldMasterId id="2147483660" r:id="rId1"/>
   </p:sldMasterIdLst>
   <p:notesMasterIdLst>
-    <p:notesMasterId r:id="rId25"/>
+    <p:notesMasterId r:id="rId22"/>
   </p:notesMasterIdLst>
   <p:sldIdLst>
     <p:sldId id="256" r:id="rId2"/>
     <p:sldId id="273" r:id="rId3"/>
-    <p:sldId id="272" r:id="rId4"/>
-    <p:sldId id="291" r:id="rId5"/>
-    <p:sldId id="266" r:id="rId6"/>
-    <p:sldId id="292" r:id="rId7"/>
-    <p:sldId id="293" r:id="rId8"/>
-    <p:sldId id="297" r:id="rId9"/>
-    <p:sldId id="298" r:id="rId10"/>
-    <p:sldId id="296" r:id="rId11"/>
-    <p:sldId id="301" r:id="rId12"/>
-    <p:sldId id="295" r:id="rId13"/>
-    <p:sldId id="299" r:id="rId14"/>
-    <p:sldId id="304" r:id="rId15"/>
-    <p:sldId id="302" r:id="rId16"/>
-    <p:sldId id="306" r:id="rId17"/>
-    <p:sldId id="307" r:id="rId18"/>
-    <p:sldId id="308" r:id="rId19"/>
-    <p:sldId id="305" r:id="rId20"/>
-    <p:sldId id="311" r:id="rId21"/>
-    <p:sldId id="310" r:id="rId22"/>
-    <p:sldId id="303" r:id="rId23"/>
-    <p:sldId id="300" r:id="rId24"/>
+    <p:sldId id="292" r:id="rId4"/>
+    <p:sldId id="293" r:id="rId5"/>
+    <p:sldId id="297" r:id="rId6"/>
+    <p:sldId id="298" r:id="rId7"/>
+    <p:sldId id="296" r:id="rId8"/>
+    <p:sldId id="301" r:id="rId9"/>
+    <p:sldId id="295" r:id="rId10"/>
+    <p:sldId id="299" r:id="rId11"/>
+    <p:sldId id="304" r:id="rId12"/>
+    <p:sldId id="302" r:id="rId13"/>
+    <p:sldId id="306" r:id="rId14"/>
+    <p:sldId id="307" r:id="rId15"/>
+    <p:sldId id="308" r:id="rId16"/>
+    <p:sldId id="305" r:id="rId17"/>
+    <p:sldId id="311" r:id="rId18"/>
+    <p:sldId id="310" r:id="rId19"/>
+    <p:sldId id="303" r:id="rId20"/>
+    <p:sldId id="300" r:id="rId21"/>
   </p:sldIdLst>
   <p:sldSz cx="12192000" cy="6858000"/>
   <p:notesSz cx="6858000" cy="9144000"/>
@@ -136,9 +133,6 @@
           <p14:sldIdLst>
             <p14:sldId id="256"/>
             <p14:sldId id="273"/>
-            <p14:sldId id="272"/>
-            <p14:sldId id="291"/>
-            <p14:sldId id="266"/>
             <p14:sldId id="292"/>
             <p14:sldId id="293"/>
             <p14:sldId id="297"/>
@@ -668,6 +662,59 @@
           <a:bodyPr/>
           <a:lstStyle/>
           <a:p>
+            <a:r>
+              <a:rPr lang="en-US" dirty="0"/>
+              <a:t>New Feature is edit request</a:t>
+            </a:r>
+          </a:p>
+          <a:p>
+            <a:r>
+              <a:rPr lang="en-US" dirty="0"/>
+              <a:t>We also need a Background</a:t>
+            </a:r>
+          </a:p>
+          <a:p>
+            <a:endParaRPr lang="en-US" dirty="0"/>
+          </a:p>
+          <a:p>
+            <a:r>
+              <a:rPr lang="en-US" dirty="0"/>
+              <a:t>Scenario Outline –  </a:t>
+            </a:r>
+            <a:r>
+              <a:rPr lang="en-US" dirty="0" err="1"/>
+              <a:t>TimeOffValidator</a:t>
+            </a:r>
+            <a:r>
+              <a:rPr lang="en-US" dirty="0"/>
+              <a:t> (updates)</a:t>
+            </a:r>
+          </a:p>
+          <a:p>
+            <a:r>
+              <a:rPr lang="en-US" dirty="0"/>
+              <a:t>Table – </a:t>
+            </a:r>
+            <a:r>
+              <a:rPr lang="en-US" dirty="0" err="1"/>
+              <a:t>TimeOffDateRange.feature</a:t>
+            </a:r>
+            <a:endParaRPr lang="en-US" dirty="0"/>
+          </a:p>
+          <a:p>
+            <a:endParaRPr lang="en-US" dirty="0"/>
+          </a:p>
+          <a:p>
+            <a:r>
+              <a:rPr lang="en-US" b="0" i="0" dirty="0">
+                <a:solidFill>
+                  <a:srgbClr val="36394D"/>
+                </a:solidFill>
+                <a:effectLst/>
+                <a:latin typeface="Open Sans" panose="020F0502020204030204" pitchFamily="34" charset="0"/>
+              </a:rPr>
+              <a:t>The purpose of feature files is to create readable specifications that can be understood by the whole team, not to provide test coverage</a:t>
+            </a:r>
             <a:endParaRPr lang="en-US" dirty="0"/>
           </a:p>
         </p:txBody>
@@ -698,7 +745,7 @@
     </p:spTree>
     <p:extLst>
       <p:ext uri="{BB962C8B-B14F-4D97-AF65-F5344CB8AC3E}">
-        <p14:creationId xmlns:p14="http://schemas.microsoft.com/office/powerpoint/2010/main" val="2326540985"/>
+        <p14:creationId xmlns:p14="http://schemas.microsoft.com/office/powerpoint/2010/main" val="3353804740"/>
       </p:ext>
     </p:extLst>
   </p:cSld>
@@ -752,56 +799,7 @@
           <a:bodyPr/>
           <a:lstStyle/>
           <a:p>
-            <a:r>
-              <a:rPr lang="en-US" dirty="0"/>
-              <a:t>TDD many times leads to hyperfocus on the unit of code.  </a:t>
-            </a:r>
-          </a:p>
-          <a:p>
-            <a:pPr marL="0" marR="0" lvl="0" indent="0" algn="l" defTabSz="914400" rtl="0" eaLnBrk="1" fontAlgn="auto" latinLnBrk="0" hangingPunct="1">
-              <a:lnSpc>
-                <a:spcPct val="100000"/>
-              </a:lnSpc>
-              <a:spcBef>
-                <a:spcPts val="0"/>
-              </a:spcBef>
-              <a:spcAft>
-                <a:spcPts val="0"/>
-              </a:spcAft>
-              <a:buClrTx/>
-              <a:buSzTx/>
-              <a:buFontTx/>
-              <a:buNone/>
-              <a:tabLst/>
-              <a:defRPr/>
-            </a:pPr>
-            <a:r>
-              <a:rPr lang="en-US" dirty="0"/>
-              <a:t>TDD -&gt; Great coverage (side effect – not goal)</a:t>
-            </a:r>
-          </a:p>
-          <a:p>
-            <a:pPr marL="0" marR="0" lvl="0" indent="0" algn="l" defTabSz="914400" rtl="0" eaLnBrk="1" fontAlgn="auto" latinLnBrk="0" hangingPunct="1">
-              <a:lnSpc>
-                <a:spcPct val="100000"/>
-              </a:lnSpc>
-              <a:spcBef>
-                <a:spcPts val="0"/>
-              </a:spcBef>
-              <a:spcAft>
-                <a:spcPts val="0"/>
-              </a:spcAft>
-              <a:buClrTx/>
-              <a:buSzTx/>
-              <a:buFontTx/>
-              <a:buNone/>
-              <a:tabLst/>
-              <a:defRPr/>
-            </a:pPr>
-            <a:r>
-              <a:rPr lang="en-US" dirty="0"/>
-              <a:t>	TDD is about drive development from tests (initiating force / driver)</a:t>
-            </a:r>
+            <a:endParaRPr lang="en-US" dirty="0"/>
           </a:p>
         </p:txBody>
       </p:sp>
@@ -831,7 +829,7 @@
     </p:spTree>
     <p:extLst>
       <p:ext uri="{BB962C8B-B14F-4D97-AF65-F5344CB8AC3E}">
-        <p14:creationId xmlns:p14="http://schemas.microsoft.com/office/powerpoint/2010/main" val="3634205570"/>
+        <p14:creationId xmlns:p14="http://schemas.microsoft.com/office/powerpoint/2010/main" val="1280869736"/>
       </p:ext>
     </p:extLst>
   </p:cSld>
@@ -885,229 +883,7 @@
           <a:bodyPr/>
           <a:lstStyle/>
           <a:p>
-            <a:r>
-              <a:rPr lang="en-US" dirty="0"/>
-              <a:t>BDD sounds like TDD</a:t>
-            </a:r>
-          </a:p>
-          <a:p>
-            <a:r>
-              <a:rPr lang="en-US" dirty="0"/>
-              <a:t>TDD many times leads to hyperfocus on the unit of code.  </a:t>
-            </a:r>
-          </a:p>
-          <a:p>
-            <a:r>
-              <a:rPr lang="en-US" dirty="0"/>
-              <a:t>BDD tries to focus on Acceptance tests from an </a:t>
-            </a:r>
-          </a:p>
-          <a:p>
-            <a:pPr marL="0" marR="0" lvl="0" indent="0" algn="l" defTabSz="914400" rtl="0" eaLnBrk="1" fontAlgn="auto" latinLnBrk="0" hangingPunct="1">
-              <a:lnSpc>
-                <a:spcPct val="100000"/>
-              </a:lnSpc>
-              <a:spcBef>
-                <a:spcPts val="0"/>
-              </a:spcBef>
-              <a:spcAft>
-                <a:spcPts val="0"/>
-              </a:spcAft>
-              <a:buClrTx/>
-              <a:buSzTx/>
-              <a:buFontTx/>
-              <a:buNone/>
-              <a:tabLst/>
-              <a:defRPr/>
-            </a:pPr>
-            <a:r>
-              <a:rPr lang="en-US" dirty="0"/>
-              <a:t>TDD -&gt; Great coverage (side effect – not goal)</a:t>
-            </a:r>
-          </a:p>
-          <a:p>
-            <a:pPr marL="0" marR="0" lvl="0" indent="0" algn="l" defTabSz="914400" rtl="0" eaLnBrk="1" fontAlgn="auto" latinLnBrk="0" hangingPunct="1">
-              <a:lnSpc>
-                <a:spcPct val="100000"/>
-              </a:lnSpc>
-              <a:spcBef>
-                <a:spcPts val="0"/>
-              </a:spcBef>
-              <a:spcAft>
-                <a:spcPts val="0"/>
-              </a:spcAft>
-              <a:buClrTx/>
-              <a:buSzTx/>
-              <a:buFontTx/>
-              <a:buNone/>
-              <a:tabLst/>
-              <a:defRPr/>
-            </a:pPr>
-            <a:r>
-              <a:rPr lang="en-US" dirty="0"/>
-              <a:t>	TDD is about drive development from tests (initiating force / driver)</a:t>
-            </a:r>
-          </a:p>
-          <a:p>
-            <a:pPr marL="0" marR="0" lvl="0" indent="0" algn="l" defTabSz="914400" rtl="0" eaLnBrk="1" fontAlgn="auto" latinLnBrk="0" hangingPunct="1">
-              <a:lnSpc>
-                <a:spcPct val="100000"/>
-              </a:lnSpc>
-              <a:spcBef>
-                <a:spcPts val="0"/>
-              </a:spcBef>
-              <a:spcAft>
-                <a:spcPts val="0"/>
-              </a:spcAft>
-              <a:buClrTx/>
-              <a:buSzTx/>
-              <a:buFontTx/>
-              <a:buNone/>
-              <a:tabLst/>
-              <a:defRPr/>
-            </a:pPr>
-            <a:r>
-              <a:rPr lang="en-US" dirty="0"/>
-              <a:t>Obvious change the concept / words that make up how to do proper TDD  (What do you test?)</a:t>
-            </a:r>
-          </a:p>
-          <a:p>
-            <a:pPr marL="0" marR="0" lvl="0" indent="0" algn="l" defTabSz="914400" rtl="0" eaLnBrk="1" fontAlgn="auto" latinLnBrk="0" hangingPunct="1">
-              <a:lnSpc>
-                <a:spcPct val="100000"/>
-              </a:lnSpc>
-              <a:spcBef>
-                <a:spcPts val="0"/>
-              </a:spcBef>
-              <a:spcAft>
-                <a:spcPts val="0"/>
-              </a:spcAft>
-              <a:buClrTx/>
-              <a:buSzTx/>
-              <a:buFontTx/>
-              <a:buNone/>
-              <a:tabLst/>
-              <a:defRPr/>
-            </a:pPr>
-            <a:r>
-              <a:rPr lang="en-US" dirty="0"/>
-              <a:t>	It should be more about design and development than tests</a:t>
-            </a:r>
-          </a:p>
-          <a:p>
-            <a:pPr marL="0" marR="0" lvl="0" indent="0" algn="l" defTabSz="914400" rtl="0" eaLnBrk="1" fontAlgn="auto" latinLnBrk="0" hangingPunct="1">
-              <a:lnSpc>
-                <a:spcPct val="100000"/>
-              </a:lnSpc>
-              <a:spcBef>
-                <a:spcPts val="0"/>
-              </a:spcBef>
-              <a:spcAft>
-                <a:spcPts val="0"/>
-              </a:spcAft>
-              <a:buClrTx/>
-              <a:buSzTx/>
-              <a:buFontTx/>
-              <a:buNone/>
-              <a:tabLst/>
-              <a:defRPr/>
-            </a:pPr>
-            <a:r>
-              <a:rPr lang="en-US" dirty="0"/>
-              <a:t>	We shouldn’t ask how to test the implementation DETAIL of the code.</a:t>
-            </a:r>
-          </a:p>
-          <a:p>
-            <a:pPr marL="0" marR="0" lvl="0" indent="0" algn="l" defTabSz="914400" rtl="0" eaLnBrk="1" fontAlgn="auto" latinLnBrk="0" hangingPunct="1">
-              <a:lnSpc>
-                <a:spcPct val="100000"/>
-              </a:lnSpc>
-              <a:spcBef>
-                <a:spcPts val="0"/>
-              </a:spcBef>
-              <a:spcAft>
-                <a:spcPts val="0"/>
-              </a:spcAft>
-              <a:buClrTx/>
-              <a:buSzTx/>
-              <a:buFontTx/>
-              <a:buNone/>
-              <a:tabLst/>
-              <a:defRPr/>
-            </a:pPr>
-            <a:r>
-              <a:rPr lang="en-US" dirty="0"/>
-              <a:t>BDD changes thought from:</a:t>
-            </a:r>
-          </a:p>
-          <a:p>
-            <a:pPr marL="0" marR="0" lvl="0" indent="0" algn="l" defTabSz="914400" rtl="0" eaLnBrk="1" fontAlgn="auto" latinLnBrk="0" hangingPunct="1">
-              <a:lnSpc>
-                <a:spcPct val="100000"/>
-              </a:lnSpc>
-              <a:spcBef>
-                <a:spcPts val="0"/>
-              </a:spcBef>
-              <a:spcAft>
-                <a:spcPts val="0"/>
-              </a:spcAft>
-              <a:buClrTx/>
-              <a:buSzTx/>
-              <a:buFontTx/>
-              <a:buNone/>
-              <a:tabLst/>
-              <a:defRPr/>
-            </a:pPr>
-            <a:r>
-              <a:rPr lang="en-US" dirty="0"/>
-              <a:t>	Test Cases -&gt; Specifications / Features</a:t>
-            </a:r>
-          </a:p>
-          <a:p>
-            <a:pPr marL="0" marR="0" lvl="0" indent="0" algn="l" defTabSz="914400" rtl="0" eaLnBrk="1" fontAlgn="auto" latinLnBrk="0" hangingPunct="1">
-              <a:lnSpc>
-                <a:spcPct val="100000"/>
-              </a:lnSpc>
-              <a:spcBef>
-                <a:spcPts val="0"/>
-              </a:spcBef>
-              <a:spcAft>
-                <a:spcPts val="0"/>
-              </a:spcAft>
-              <a:buClrTx/>
-              <a:buSzTx/>
-              <a:buFontTx/>
-              <a:buNone/>
-              <a:tabLst/>
-              <a:defRPr/>
-            </a:pPr>
-            <a:r>
-              <a:rPr lang="en-US" dirty="0"/>
-              <a:t>	Tests -&gt; Scenarios</a:t>
-            </a:r>
-          </a:p>
-          <a:p>
-            <a:pPr marL="0" marR="0" lvl="0" indent="0" algn="l" defTabSz="914400" rtl="0" eaLnBrk="1" fontAlgn="auto" latinLnBrk="0" hangingPunct="1">
-              <a:lnSpc>
-                <a:spcPct val="100000"/>
-              </a:lnSpc>
-              <a:spcBef>
-                <a:spcPts val="0"/>
-              </a:spcBef>
-              <a:spcAft>
-                <a:spcPts val="0"/>
-              </a:spcAft>
-              <a:buClrTx/>
-              <a:buSzTx/>
-              <a:buFontTx/>
-              <a:buNone/>
-              <a:tabLst/>
-              <a:defRPr/>
-            </a:pPr>
-            <a:r>
-              <a:rPr lang="en-US" dirty="0"/>
-              <a:t>         Stop thinking how software works, think about what the users want to achieve</a:t>
-            </a:r>
+            <a:endParaRPr lang="en-US" dirty="0"/>
           </a:p>
         </p:txBody>
       </p:sp>
@@ -1137,7 +913,7 @@
     </p:spTree>
     <p:extLst>
       <p:ext uri="{BB962C8B-B14F-4D97-AF65-F5344CB8AC3E}">
-        <p14:creationId xmlns:p14="http://schemas.microsoft.com/office/powerpoint/2010/main" val="352182948"/>
+        <p14:creationId xmlns:p14="http://schemas.microsoft.com/office/powerpoint/2010/main" val="310535517"/>
       </p:ext>
     </p:extLst>
   </p:cSld>
@@ -1191,59 +967,6 @@
           <a:bodyPr/>
           <a:lstStyle/>
           <a:p>
-            <a:r>
-              <a:rPr lang="en-US" dirty="0"/>
-              <a:t>New Feature is edit request</a:t>
-            </a:r>
-          </a:p>
-          <a:p>
-            <a:r>
-              <a:rPr lang="en-US" dirty="0"/>
-              <a:t>We also need a Background</a:t>
-            </a:r>
-          </a:p>
-          <a:p>
-            <a:endParaRPr lang="en-US" dirty="0"/>
-          </a:p>
-          <a:p>
-            <a:r>
-              <a:rPr lang="en-US" dirty="0"/>
-              <a:t>Scenario Outline –  </a:t>
-            </a:r>
-            <a:r>
-              <a:rPr lang="en-US" dirty="0" err="1"/>
-              <a:t>TimeOffValidator</a:t>
-            </a:r>
-            <a:r>
-              <a:rPr lang="en-US" dirty="0"/>
-              <a:t> (updates)</a:t>
-            </a:r>
-          </a:p>
-          <a:p>
-            <a:r>
-              <a:rPr lang="en-US" dirty="0"/>
-              <a:t>Table – </a:t>
-            </a:r>
-            <a:r>
-              <a:rPr lang="en-US" dirty="0" err="1"/>
-              <a:t>TimeOffDateRange.feature</a:t>
-            </a:r>
-            <a:endParaRPr lang="en-US" dirty="0"/>
-          </a:p>
-          <a:p>
-            <a:endParaRPr lang="en-US" dirty="0"/>
-          </a:p>
-          <a:p>
-            <a:r>
-              <a:rPr lang="en-US" b="0" i="0" dirty="0">
-                <a:solidFill>
-                  <a:srgbClr val="36394D"/>
-                </a:solidFill>
-                <a:effectLst/>
-                <a:latin typeface="Open Sans" panose="020F0502020204030204" pitchFamily="34" charset="0"/>
-              </a:rPr>
-              <a:t>The purpose of feature files is to create readable specifications that can be understood by the whole team, not to provide test coverage</a:t>
-            </a:r>
             <a:endParaRPr lang="en-US" dirty="0"/>
           </a:p>
         </p:txBody>
@@ -1274,7 +997,7 @@
     </p:spTree>
     <p:extLst>
       <p:ext uri="{BB962C8B-B14F-4D97-AF65-F5344CB8AC3E}">
-        <p14:creationId xmlns:p14="http://schemas.microsoft.com/office/powerpoint/2010/main" val="3353804740"/>
+        <p14:creationId xmlns:p14="http://schemas.microsoft.com/office/powerpoint/2010/main" val="73048852"/>
       </p:ext>
     </p:extLst>
   </p:cSld>
@@ -1358,7 +1081,7 @@
     </p:spTree>
     <p:extLst>
       <p:ext uri="{BB962C8B-B14F-4D97-AF65-F5344CB8AC3E}">
-        <p14:creationId xmlns:p14="http://schemas.microsoft.com/office/powerpoint/2010/main" val="1280869736"/>
+        <p14:creationId xmlns:p14="http://schemas.microsoft.com/office/powerpoint/2010/main" val="65434503"/>
       </p:ext>
     </p:extLst>
   </p:cSld>
@@ -1442,7 +1165,7 @@
     </p:spTree>
     <p:extLst>
       <p:ext uri="{BB962C8B-B14F-4D97-AF65-F5344CB8AC3E}">
-        <p14:creationId xmlns:p14="http://schemas.microsoft.com/office/powerpoint/2010/main" val="310535517"/>
+        <p14:creationId xmlns:p14="http://schemas.microsoft.com/office/powerpoint/2010/main" val="2982868590"/>
       </p:ext>
     </p:extLst>
   </p:cSld>
@@ -1496,6 +1219,155 @@
           <a:bodyPr/>
           <a:lstStyle/>
           <a:p>
+            <a:r>
+              <a:rPr lang="en-US" dirty="0"/>
+              <a:t>Start with creating a new </a:t>
+            </a:r>
+            <a:r>
+              <a:rPr lang="en-US" dirty="0" err="1"/>
+              <a:t>SuperHero.Feature</a:t>
+            </a:r>
+            <a:r>
+              <a:rPr lang="en-US" dirty="0"/>
+              <a:t> and then generate the step definitions</a:t>
+            </a:r>
+          </a:p>
+          <a:p>
+            <a:r>
+              <a:rPr lang="en-US" dirty="0"/>
+              <a:t>Show </a:t>
+            </a:r>
+            <a:r>
+              <a:rPr lang="en-US" dirty="0" err="1"/>
+              <a:t>TimeOffValidator</a:t>
+            </a:r>
+            <a:r>
+              <a:rPr lang="en-US" dirty="0"/>
+              <a:t> to show</a:t>
+            </a:r>
+          </a:p>
+          <a:p>
+            <a:r>
+              <a:rPr lang="en-US" dirty="0"/>
+              <a:t>	- Same Given used on multiple scenarios</a:t>
+            </a:r>
+          </a:p>
+          <a:p>
+            <a:r>
+              <a:rPr lang="en-US" dirty="0"/>
+              <a:t>	- Introduce parameters on the error strings</a:t>
+            </a:r>
+          </a:p>
+          <a:p>
+            <a:r>
+              <a:rPr lang="en-US" dirty="0"/>
+              <a:t>		-Show Attribute using Regular Expressions</a:t>
+            </a:r>
+          </a:p>
+          <a:p>
+            <a:r>
+              <a:rPr lang="en-US" dirty="0"/>
+              <a:t>Show </a:t>
+            </a:r>
+            <a:r>
+              <a:rPr lang="en-US" dirty="0" err="1"/>
+              <a:t>UserYearInfo</a:t>
+            </a:r>
+            <a:r>
+              <a:rPr lang="en-US" dirty="0"/>
+              <a:t> to show</a:t>
+            </a:r>
+          </a:p>
+          <a:p>
+            <a:r>
+              <a:rPr lang="en-US" dirty="0"/>
+              <a:t>	- numeric parameters</a:t>
+            </a:r>
+          </a:p>
+          <a:p>
+            <a:r>
+              <a:rPr lang="en-US" dirty="0"/>
+              <a:t>Show </a:t>
+            </a:r>
+            <a:r>
+              <a:rPr lang="en-US" dirty="0" err="1"/>
+              <a:t>TimeOffDateRange</a:t>
+            </a:r>
+            <a:r>
+              <a:rPr lang="en-US" dirty="0"/>
+              <a:t> to show</a:t>
+            </a:r>
+          </a:p>
+          <a:p>
+            <a:r>
+              <a:rPr lang="en-US" dirty="0"/>
+              <a:t>	- Tables</a:t>
+            </a:r>
+          </a:p>
+          <a:p>
+            <a:r>
+              <a:rPr lang="en-US" dirty="0"/>
+              <a:t>	- And</a:t>
+            </a:r>
+          </a:p>
+          <a:p>
+            <a:r>
+              <a:rPr lang="en-US" dirty="0"/>
+              <a:t>Show </a:t>
+            </a:r>
+            <a:r>
+              <a:rPr lang="en-US" dirty="0" err="1"/>
+              <a:t>CalendarViewModel</a:t>
+            </a:r>
+            <a:r>
+              <a:rPr lang="en-US" dirty="0"/>
+              <a:t> to show</a:t>
+            </a:r>
+          </a:p>
+          <a:p>
+            <a:r>
+              <a:rPr lang="en-US" dirty="0"/>
+              <a:t>	- *</a:t>
+            </a:r>
+          </a:p>
+          <a:p>
+            <a:r>
+              <a:rPr lang="en-US" dirty="0"/>
+              <a:t>Mention the </a:t>
+            </a:r>
+            <a:r>
+              <a:rPr lang="en-US" dirty="0" err="1"/>
+              <a:t>Specflow.Assist</a:t>
+            </a:r>
+            <a:r>
+              <a:rPr lang="en-US" dirty="0"/>
+              <a:t> helper </a:t>
+            </a:r>
+            <a:r>
+              <a:rPr lang="en-US" dirty="0" err="1"/>
+              <a:t>Nuget</a:t>
+            </a:r>
+            <a:endParaRPr lang="en-US" dirty="0"/>
+          </a:p>
+          <a:p>
+            <a:endParaRPr lang="en-US" dirty="0"/>
+          </a:p>
+          <a:p>
+            <a:r>
+              <a:rPr lang="en-US" dirty="0"/>
+              <a:t>Show persistence methods in the class</a:t>
+            </a:r>
+          </a:p>
+          <a:p>
+            <a:endParaRPr lang="en-US" dirty="0"/>
+          </a:p>
+          <a:p>
+            <a:r>
+              <a:rPr lang="en-US" dirty="0"/>
+              <a:t>Living Documentation</a:t>
+            </a:r>
+          </a:p>
+          <a:p>
             <a:endParaRPr lang="en-US" dirty="0"/>
           </a:p>
         </p:txBody>
@@ -1526,7 +1398,7 @@
     </p:spTree>
     <p:extLst>
       <p:ext uri="{BB962C8B-B14F-4D97-AF65-F5344CB8AC3E}">
-        <p14:creationId xmlns:p14="http://schemas.microsoft.com/office/powerpoint/2010/main" val="73048852"/>
+        <p14:creationId xmlns:p14="http://schemas.microsoft.com/office/powerpoint/2010/main" val="3661640459"/>
       </p:ext>
     </p:extLst>
   </p:cSld>
@@ -1580,7 +1452,16 @@
           <a:bodyPr/>
           <a:lstStyle/>
           <a:p>
-            <a:endParaRPr lang="en-US" dirty="0"/>
+            <a:r>
+              <a:rPr lang="en-US" dirty="0"/>
+              <a:t>Questions</a:t>
+            </a:r>
+          </a:p>
+          <a:p>
+            <a:r>
+              <a:rPr lang="en-US" dirty="0"/>
+              <a:t>https://backstage.ahaslides.com/hjezm8iswo8pait</a:t>
+            </a:r>
           </a:p>
         </p:txBody>
       </p:sp>
@@ -1610,7 +1491,7 @@
     </p:spTree>
     <p:extLst>
       <p:ext uri="{BB962C8B-B14F-4D97-AF65-F5344CB8AC3E}">
-        <p14:creationId xmlns:p14="http://schemas.microsoft.com/office/powerpoint/2010/main" val="65434503"/>
+        <p14:creationId xmlns:p14="http://schemas.microsoft.com/office/powerpoint/2010/main" val="2977206080"/>
       </p:ext>
     </p:extLst>
   </p:cSld>
@@ -1664,7 +1545,10 @@
           <a:bodyPr/>
           <a:lstStyle/>
           <a:p>
-            <a:endParaRPr lang="en-US" dirty="0"/>
+            <a:r>
+              <a:rPr lang="en-US" dirty="0"/>
+              <a:t>END 2:37</a:t>
+            </a:r>
           </a:p>
         </p:txBody>
       </p:sp>
@@ -1694,240 +1578,7 @@
     </p:spTree>
     <p:extLst>
       <p:ext uri="{BB962C8B-B14F-4D97-AF65-F5344CB8AC3E}">
-        <p14:creationId xmlns:p14="http://schemas.microsoft.com/office/powerpoint/2010/main" val="2982868590"/>
-      </p:ext>
-    </p:extLst>
-  </p:cSld>
-  <p:clrMapOvr>
-    <a:masterClrMapping/>
-  </p:clrMapOvr>
-</p:notes>
-</file>
-
-<file path=ppt/notesSlides/notesSlide19.xml><?xml version="1.0" encoding="utf-8"?>
-<p:notes xmlns:a="http://schemas.openxmlformats.org/drawingml/2006/main" xmlns:r="http://schemas.openxmlformats.org/officeDocument/2006/relationships" xmlns:p="http://schemas.openxmlformats.org/presentationml/2006/main">
-  <p:cSld>
-    <p:spTree>
-      <p:nvGrpSpPr>
-        <p:cNvPr id="1" name=""/>
-        <p:cNvGrpSpPr/>
-        <p:nvPr/>
-      </p:nvGrpSpPr>
-      <p:grpSpPr>
-        <a:xfrm>
-          <a:off x="0" y="0"/>
-          <a:ext cx="0" cy="0"/>
-          <a:chOff x="0" y="0"/>
-          <a:chExt cx="0" cy="0"/>
-        </a:xfrm>
-      </p:grpSpPr>
-      <p:sp>
-        <p:nvSpPr>
-          <p:cNvPr id="2" name="Slide Image Placeholder 1"/>
-          <p:cNvSpPr>
-            <a:spLocks noGrp="1" noRot="1" noChangeAspect="1"/>
-          </p:cNvSpPr>
-          <p:nvPr>
-            <p:ph type="sldImg"/>
-          </p:nvPr>
-        </p:nvSpPr>
-        <p:spPr/>
-      </p:sp>
-      <p:sp>
-        <p:nvSpPr>
-          <p:cNvPr id="3" name="Notes Placeholder 2"/>
-          <p:cNvSpPr>
-            <a:spLocks noGrp="1"/>
-          </p:cNvSpPr>
-          <p:nvPr>
-            <p:ph type="body" idx="1"/>
-          </p:nvPr>
-        </p:nvSpPr>
-        <p:spPr/>
-        <p:txBody>
-          <a:bodyPr/>
-          <a:lstStyle/>
-          <a:p>
-            <a:r>
-              <a:rPr lang="en-US" dirty="0"/>
-              <a:t>Start with creating a new </a:t>
-            </a:r>
-            <a:r>
-              <a:rPr lang="en-US" dirty="0" err="1"/>
-              <a:t>SuperHero.Feature</a:t>
-            </a:r>
-            <a:r>
-              <a:rPr lang="en-US" dirty="0"/>
-              <a:t> and then generate the step definitions</a:t>
-            </a:r>
-          </a:p>
-          <a:p>
-            <a:r>
-              <a:rPr lang="en-US" dirty="0"/>
-              <a:t>Show </a:t>
-            </a:r>
-            <a:r>
-              <a:rPr lang="en-US" dirty="0" err="1"/>
-              <a:t>TimeOffValidator</a:t>
-            </a:r>
-            <a:r>
-              <a:rPr lang="en-US" dirty="0"/>
-              <a:t> to show</a:t>
-            </a:r>
-          </a:p>
-          <a:p>
-            <a:r>
-              <a:rPr lang="en-US" dirty="0"/>
-              <a:t>	- Same Given used on multiple scenarios</a:t>
-            </a:r>
-          </a:p>
-          <a:p>
-            <a:r>
-              <a:rPr lang="en-US" dirty="0"/>
-              <a:t>	- Introduce parameters on the error strings</a:t>
-            </a:r>
-          </a:p>
-          <a:p>
-            <a:r>
-              <a:rPr lang="en-US" dirty="0"/>
-              <a:t>		-Show Attribute using Regular Expressions</a:t>
-            </a:r>
-          </a:p>
-          <a:p>
-            <a:r>
-              <a:rPr lang="en-US" dirty="0"/>
-              <a:t>Show </a:t>
-            </a:r>
-            <a:r>
-              <a:rPr lang="en-US" dirty="0" err="1"/>
-              <a:t>UserYearInfo</a:t>
-            </a:r>
-            <a:r>
-              <a:rPr lang="en-US" dirty="0"/>
-              <a:t> to show</a:t>
-            </a:r>
-          </a:p>
-          <a:p>
-            <a:r>
-              <a:rPr lang="en-US" dirty="0"/>
-              <a:t>	- numeric parameters</a:t>
-            </a:r>
-          </a:p>
-          <a:p>
-            <a:r>
-              <a:rPr lang="en-US" dirty="0"/>
-              <a:t>Show </a:t>
-            </a:r>
-            <a:r>
-              <a:rPr lang="en-US" dirty="0" err="1"/>
-              <a:t>TimeOffDateRange</a:t>
-            </a:r>
-            <a:r>
-              <a:rPr lang="en-US" dirty="0"/>
-              <a:t> to show</a:t>
-            </a:r>
-          </a:p>
-          <a:p>
-            <a:r>
-              <a:rPr lang="en-US" dirty="0"/>
-              <a:t>	- Tables</a:t>
-            </a:r>
-          </a:p>
-          <a:p>
-            <a:r>
-              <a:rPr lang="en-US" dirty="0"/>
-              <a:t>	- And</a:t>
-            </a:r>
-          </a:p>
-          <a:p>
-            <a:r>
-              <a:rPr lang="en-US" dirty="0"/>
-              <a:t>Show </a:t>
-            </a:r>
-            <a:r>
-              <a:rPr lang="en-US" dirty="0" err="1"/>
-              <a:t>CalendarViewModel</a:t>
-            </a:r>
-            <a:r>
-              <a:rPr lang="en-US" dirty="0"/>
-              <a:t> to show</a:t>
-            </a:r>
-          </a:p>
-          <a:p>
-            <a:r>
-              <a:rPr lang="en-US" dirty="0"/>
-              <a:t>	- *</a:t>
-            </a:r>
-          </a:p>
-          <a:p>
-            <a:r>
-              <a:rPr lang="en-US" dirty="0"/>
-              <a:t>Mention the </a:t>
-            </a:r>
-            <a:r>
-              <a:rPr lang="en-US" dirty="0" err="1"/>
-              <a:t>Specflow.Assist</a:t>
-            </a:r>
-            <a:r>
-              <a:rPr lang="en-US" dirty="0"/>
-              <a:t> helper </a:t>
-            </a:r>
-            <a:r>
-              <a:rPr lang="en-US" dirty="0" err="1"/>
-              <a:t>Nuget</a:t>
-            </a:r>
-            <a:endParaRPr lang="en-US" dirty="0"/>
-          </a:p>
-          <a:p>
-            <a:endParaRPr lang="en-US" dirty="0"/>
-          </a:p>
-          <a:p>
-            <a:r>
-              <a:rPr lang="en-US" dirty="0"/>
-              <a:t>Show persistence methods in the class</a:t>
-            </a:r>
-          </a:p>
-          <a:p>
-            <a:endParaRPr lang="en-US" dirty="0"/>
-          </a:p>
-          <a:p>
-            <a:r>
-              <a:rPr lang="en-US" dirty="0"/>
-              <a:t>Living Documentation</a:t>
-            </a:r>
-          </a:p>
-          <a:p>
-            <a:endParaRPr lang="en-US" dirty="0"/>
-          </a:p>
-        </p:txBody>
-      </p:sp>
-      <p:sp>
-        <p:nvSpPr>
-          <p:cNvPr id="4" name="Slide Number Placeholder 3"/>
-          <p:cNvSpPr>
-            <a:spLocks noGrp="1"/>
-          </p:cNvSpPr>
-          <p:nvPr>
-            <p:ph type="sldNum" sz="quarter" idx="5"/>
-          </p:nvPr>
-        </p:nvSpPr>
-        <p:spPr/>
-        <p:txBody>
-          <a:bodyPr/>
-          <a:lstStyle/>
-          <a:p>
-            <a:fld id="{AAA20043-755E-4D2A-B767-23CBDFF65C2F}" type="slidenum">
-              <a:rPr lang="en-US" smtClean="0"/>
-              <a:t>20</a:t>
-            </a:fld>
-            <a:endParaRPr lang="en-US"/>
-          </a:p>
-        </p:txBody>
-      </p:sp>
-    </p:spTree>
-    <p:extLst>
-      <p:ext uri="{BB962C8B-B14F-4D97-AF65-F5344CB8AC3E}">
-        <p14:creationId xmlns:p14="http://schemas.microsoft.com/office/powerpoint/2010/main" val="3661640459"/>
+        <p14:creationId xmlns:p14="http://schemas.microsoft.com/office/powerpoint/2010/main" val="1729981770"/>
       </p:ext>
     </p:extLst>
   </p:cSld>
@@ -2011,178 +1662,7 @@
     </p:spTree>
     <p:extLst>
       <p:ext uri="{BB962C8B-B14F-4D97-AF65-F5344CB8AC3E}">
-        <p14:creationId xmlns:p14="http://schemas.microsoft.com/office/powerpoint/2010/main" val="670499103"/>
-      </p:ext>
-    </p:extLst>
-  </p:cSld>
-  <p:clrMapOvr>
-    <a:masterClrMapping/>
-  </p:clrMapOvr>
-</p:notes>
-</file>
-
-<file path=ppt/notesSlides/notesSlide20.xml><?xml version="1.0" encoding="utf-8"?>
-<p:notes xmlns:a="http://schemas.openxmlformats.org/drawingml/2006/main" xmlns:r="http://schemas.openxmlformats.org/officeDocument/2006/relationships" xmlns:p="http://schemas.openxmlformats.org/presentationml/2006/main">
-  <p:cSld>
-    <p:spTree>
-      <p:nvGrpSpPr>
-        <p:cNvPr id="1" name=""/>
-        <p:cNvGrpSpPr/>
-        <p:nvPr/>
-      </p:nvGrpSpPr>
-      <p:grpSpPr>
-        <a:xfrm>
-          <a:off x="0" y="0"/>
-          <a:ext cx="0" cy="0"/>
-          <a:chOff x="0" y="0"/>
-          <a:chExt cx="0" cy="0"/>
-        </a:xfrm>
-      </p:grpSpPr>
-      <p:sp>
-        <p:nvSpPr>
-          <p:cNvPr id="2" name="Slide Image Placeholder 1"/>
-          <p:cNvSpPr>
-            <a:spLocks noGrp="1" noRot="1" noChangeAspect="1"/>
-          </p:cNvSpPr>
-          <p:nvPr>
-            <p:ph type="sldImg"/>
-          </p:nvPr>
-        </p:nvSpPr>
-        <p:spPr/>
-      </p:sp>
-      <p:sp>
-        <p:nvSpPr>
-          <p:cNvPr id="3" name="Notes Placeholder 2"/>
-          <p:cNvSpPr>
-            <a:spLocks noGrp="1"/>
-          </p:cNvSpPr>
-          <p:nvPr>
-            <p:ph type="body" idx="1"/>
-          </p:nvPr>
-        </p:nvSpPr>
-        <p:spPr/>
-        <p:txBody>
-          <a:bodyPr/>
-          <a:lstStyle/>
-          <a:p>
-            <a:endParaRPr lang="en-US" dirty="0"/>
-          </a:p>
-        </p:txBody>
-      </p:sp>
-      <p:sp>
-        <p:nvSpPr>
-          <p:cNvPr id="4" name="Slide Number Placeholder 3"/>
-          <p:cNvSpPr>
-            <a:spLocks noGrp="1"/>
-          </p:cNvSpPr>
-          <p:nvPr>
-            <p:ph type="sldNum" sz="quarter" idx="5"/>
-          </p:nvPr>
-        </p:nvSpPr>
-        <p:spPr/>
-        <p:txBody>
-          <a:bodyPr/>
-          <a:lstStyle/>
-          <a:p>
-            <a:fld id="{AAA20043-755E-4D2A-B767-23CBDFF65C2F}" type="slidenum">
-              <a:rPr lang="en-US" smtClean="0"/>
-              <a:t>21</a:t>
-            </a:fld>
-            <a:endParaRPr lang="en-US"/>
-          </a:p>
-        </p:txBody>
-      </p:sp>
-    </p:spTree>
-    <p:extLst>
-      <p:ext uri="{BB962C8B-B14F-4D97-AF65-F5344CB8AC3E}">
-        <p14:creationId xmlns:p14="http://schemas.microsoft.com/office/powerpoint/2010/main" val="2977206080"/>
-      </p:ext>
-    </p:extLst>
-  </p:cSld>
-  <p:clrMapOvr>
-    <a:masterClrMapping/>
-  </p:clrMapOvr>
-</p:notes>
-</file>
-
-<file path=ppt/notesSlides/notesSlide21.xml><?xml version="1.0" encoding="utf-8"?>
-<p:notes xmlns:a="http://schemas.openxmlformats.org/drawingml/2006/main" xmlns:r="http://schemas.openxmlformats.org/officeDocument/2006/relationships" xmlns:p="http://schemas.openxmlformats.org/presentationml/2006/main">
-  <p:cSld>
-    <p:spTree>
-      <p:nvGrpSpPr>
-        <p:cNvPr id="1" name=""/>
-        <p:cNvGrpSpPr/>
-        <p:nvPr/>
-      </p:nvGrpSpPr>
-      <p:grpSpPr>
-        <a:xfrm>
-          <a:off x="0" y="0"/>
-          <a:ext cx="0" cy="0"/>
-          <a:chOff x="0" y="0"/>
-          <a:chExt cx="0" cy="0"/>
-        </a:xfrm>
-      </p:grpSpPr>
-      <p:sp>
-        <p:nvSpPr>
-          <p:cNvPr id="2" name="Slide Image Placeholder 1"/>
-          <p:cNvSpPr>
-            <a:spLocks noGrp="1" noRot="1" noChangeAspect="1"/>
-          </p:cNvSpPr>
-          <p:nvPr>
-            <p:ph type="sldImg"/>
-          </p:nvPr>
-        </p:nvSpPr>
-        <p:spPr/>
-      </p:sp>
-      <p:sp>
-        <p:nvSpPr>
-          <p:cNvPr id="3" name="Notes Placeholder 2"/>
-          <p:cNvSpPr>
-            <a:spLocks noGrp="1"/>
-          </p:cNvSpPr>
-          <p:nvPr>
-            <p:ph type="body" idx="1"/>
-          </p:nvPr>
-        </p:nvSpPr>
-        <p:spPr/>
-        <p:txBody>
-          <a:bodyPr/>
-          <a:lstStyle/>
-          <a:p>
-            <a:r>
-              <a:rPr lang="en-US" dirty="0"/>
-              <a:t>END 2:37</a:t>
-            </a:r>
-          </a:p>
-        </p:txBody>
-      </p:sp>
-      <p:sp>
-        <p:nvSpPr>
-          <p:cNvPr id="4" name="Slide Number Placeholder 3"/>
-          <p:cNvSpPr>
-            <a:spLocks noGrp="1"/>
-          </p:cNvSpPr>
-          <p:nvPr>
-            <p:ph type="sldNum" sz="quarter" idx="5"/>
-          </p:nvPr>
-        </p:nvSpPr>
-        <p:spPr/>
-        <p:txBody>
-          <a:bodyPr/>
-          <a:lstStyle/>
-          <a:p>
-            <a:fld id="{AAA20043-755E-4D2A-B767-23CBDFF65C2F}" type="slidenum">
-              <a:rPr lang="en-US" smtClean="0"/>
-              <a:t>22</a:t>
-            </a:fld>
-            <a:endParaRPr lang="en-US"/>
-          </a:p>
-        </p:txBody>
-      </p:sp>
-    </p:spTree>
-    <p:extLst>
-      <p:ext uri="{BB962C8B-B14F-4D97-AF65-F5344CB8AC3E}">
-        <p14:creationId xmlns:p14="http://schemas.microsoft.com/office/powerpoint/2010/main" val="1729981770"/>
+        <p14:creationId xmlns:p14="http://schemas.microsoft.com/office/powerpoint/2010/main" val="1365785916"/>
       </p:ext>
     </p:extLst>
   </p:cSld>
@@ -2266,7 +1746,7 @@
     </p:spTree>
     <p:extLst>
       <p:ext uri="{BB962C8B-B14F-4D97-AF65-F5344CB8AC3E}">
-        <p14:creationId xmlns:p14="http://schemas.microsoft.com/office/powerpoint/2010/main" val="1115682604"/>
+        <p14:creationId xmlns:p14="http://schemas.microsoft.com/office/powerpoint/2010/main" val="2143596821"/>
       </p:ext>
     </p:extLst>
   </p:cSld>
@@ -2320,10 +1800,7 @@
           <a:bodyPr/>
           <a:lstStyle/>
           <a:p>
-            <a:r>
-              <a:rPr lang="en-US" dirty="0"/>
-              <a:t>END 2:37</a:t>
-            </a:r>
+            <a:endParaRPr lang="en-US" dirty="0"/>
           </a:p>
         </p:txBody>
       </p:sp>
@@ -2353,7 +1830,7 @@
     </p:spTree>
     <p:extLst>
       <p:ext uri="{BB962C8B-B14F-4D97-AF65-F5344CB8AC3E}">
-        <p14:creationId xmlns:p14="http://schemas.microsoft.com/office/powerpoint/2010/main" val="4083801944"/>
+        <p14:creationId xmlns:p14="http://schemas.microsoft.com/office/powerpoint/2010/main" val="3208344822"/>
       </p:ext>
     </p:extLst>
   </p:cSld>
@@ -2437,7 +1914,7 @@
     </p:spTree>
     <p:extLst>
       <p:ext uri="{BB962C8B-B14F-4D97-AF65-F5344CB8AC3E}">
-        <p14:creationId xmlns:p14="http://schemas.microsoft.com/office/powerpoint/2010/main" val="1365785916"/>
+        <p14:creationId xmlns:p14="http://schemas.microsoft.com/office/powerpoint/2010/main" val="3748494668"/>
       </p:ext>
     </p:extLst>
   </p:cSld>
@@ -2521,7 +1998,7 @@
     </p:spTree>
     <p:extLst>
       <p:ext uri="{BB962C8B-B14F-4D97-AF65-F5344CB8AC3E}">
-        <p14:creationId xmlns:p14="http://schemas.microsoft.com/office/powerpoint/2010/main" val="2143596821"/>
+        <p14:creationId xmlns:p14="http://schemas.microsoft.com/office/powerpoint/2010/main" val="2080274877"/>
       </p:ext>
     </p:extLst>
   </p:cSld>
@@ -2575,7 +2052,10 @@
           <a:bodyPr/>
           <a:lstStyle/>
           <a:p>
-            <a:endParaRPr lang="en-US" dirty="0"/>
+            <a:r>
+              <a:rPr lang="en-US" dirty="0"/>
+              <a:t>Tell story about wife and pictures</a:t>
+            </a:r>
           </a:p>
         </p:txBody>
       </p:sp>
@@ -2605,7 +2085,7 @@
     </p:spTree>
     <p:extLst>
       <p:ext uri="{BB962C8B-B14F-4D97-AF65-F5344CB8AC3E}">
-        <p14:creationId xmlns:p14="http://schemas.microsoft.com/office/powerpoint/2010/main" val="3208344822"/>
+        <p14:creationId xmlns:p14="http://schemas.microsoft.com/office/powerpoint/2010/main" val="2326540985"/>
       </p:ext>
     </p:extLst>
   </p:cSld>
@@ -2659,7 +2139,56 @@
           <a:bodyPr/>
           <a:lstStyle/>
           <a:p>
-            <a:endParaRPr lang="en-US" dirty="0"/>
+            <a:r>
+              <a:rPr lang="en-US" dirty="0"/>
+              <a:t>TDD many times leads to hyperfocus on the unit of code.  </a:t>
+            </a:r>
+          </a:p>
+          <a:p>
+            <a:pPr marL="0" marR="0" lvl="0" indent="0" algn="l" defTabSz="914400" rtl="0" eaLnBrk="1" fontAlgn="auto" latinLnBrk="0" hangingPunct="1">
+              <a:lnSpc>
+                <a:spcPct val="100000"/>
+              </a:lnSpc>
+              <a:spcBef>
+                <a:spcPts val="0"/>
+              </a:spcBef>
+              <a:spcAft>
+                <a:spcPts val="0"/>
+              </a:spcAft>
+              <a:buClrTx/>
+              <a:buSzTx/>
+              <a:buFontTx/>
+              <a:buNone/>
+              <a:tabLst/>
+              <a:defRPr/>
+            </a:pPr>
+            <a:r>
+              <a:rPr lang="en-US" dirty="0"/>
+              <a:t>TDD -&gt; Great coverage (side effect – not goal)</a:t>
+            </a:r>
+          </a:p>
+          <a:p>
+            <a:pPr marL="0" marR="0" lvl="0" indent="0" algn="l" defTabSz="914400" rtl="0" eaLnBrk="1" fontAlgn="auto" latinLnBrk="0" hangingPunct="1">
+              <a:lnSpc>
+                <a:spcPct val="100000"/>
+              </a:lnSpc>
+              <a:spcBef>
+                <a:spcPts val="0"/>
+              </a:spcBef>
+              <a:spcAft>
+                <a:spcPts val="0"/>
+              </a:spcAft>
+              <a:buClrTx/>
+              <a:buSzTx/>
+              <a:buFontTx/>
+              <a:buNone/>
+              <a:tabLst/>
+              <a:defRPr/>
+            </a:pPr>
+            <a:r>
+              <a:rPr lang="en-US" dirty="0"/>
+              <a:t>	TDD is about drive development from tests (initiating force / driver)</a:t>
+            </a:r>
           </a:p>
         </p:txBody>
       </p:sp>
@@ -2689,7 +2218,7 @@
     </p:spTree>
     <p:extLst>
       <p:ext uri="{BB962C8B-B14F-4D97-AF65-F5344CB8AC3E}">
-        <p14:creationId xmlns:p14="http://schemas.microsoft.com/office/powerpoint/2010/main" val="3748494668"/>
+        <p14:creationId xmlns:p14="http://schemas.microsoft.com/office/powerpoint/2010/main" val="3634205570"/>
       </p:ext>
     </p:extLst>
   </p:cSld>
@@ -2743,7 +2272,229 @@
           <a:bodyPr/>
           <a:lstStyle/>
           <a:p>
-            <a:endParaRPr lang="en-US" dirty="0"/>
+            <a:r>
+              <a:rPr lang="en-US" dirty="0"/>
+              <a:t>BDD sounds like TDD</a:t>
+            </a:r>
+          </a:p>
+          <a:p>
+            <a:r>
+              <a:rPr lang="en-US" dirty="0"/>
+              <a:t>TDD many times leads to hyperfocus on the unit of code.  </a:t>
+            </a:r>
+          </a:p>
+          <a:p>
+            <a:r>
+              <a:rPr lang="en-US" dirty="0"/>
+              <a:t>BDD tries to focus on Acceptance tests from an </a:t>
+            </a:r>
+          </a:p>
+          <a:p>
+            <a:pPr marL="0" marR="0" lvl="0" indent="0" algn="l" defTabSz="914400" rtl="0" eaLnBrk="1" fontAlgn="auto" latinLnBrk="0" hangingPunct="1">
+              <a:lnSpc>
+                <a:spcPct val="100000"/>
+              </a:lnSpc>
+              <a:spcBef>
+                <a:spcPts val="0"/>
+              </a:spcBef>
+              <a:spcAft>
+                <a:spcPts val="0"/>
+              </a:spcAft>
+              <a:buClrTx/>
+              <a:buSzTx/>
+              <a:buFontTx/>
+              <a:buNone/>
+              <a:tabLst/>
+              <a:defRPr/>
+            </a:pPr>
+            <a:r>
+              <a:rPr lang="en-US" dirty="0"/>
+              <a:t>TDD -&gt; Great coverage (side effect – not goal)</a:t>
+            </a:r>
+          </a:p>
+          <a:p>
+            <a:pPr marL="0" marR="0" lvl="0" indent="0" algn="l" defTabSz="914400" rtl="0" eaLnBrk="1" fontAlgn="auto" latinLnBrk="0" hangingPunct="1">
+              <a:lnSpc>
+                <a:spcPct val="100000"/>
+              </a:lnSpc>
+              <a:spcBef>
+                <a:spcPts val="0"/>
+              </a:spcBef>
+              <a:spcAft>
+                <a:spcPts val="0"/>
+              </a:spcAft>
+              <a:buClrTx/>
+              <a:buSzTx/>
+              <a:buFontTx/>
+              <a:buNone/>
+              <a:tabLst/>
+              <a:defRPr/>
+            </a:pPr>
+            <a:r>
+              <a:rPr lang="en-US" dirty="0"/>
+              <a:t>	TDD is about drive development from tests (initiating force / driver)</a:t>
+            </a:r>
+          </a:p>
+          <a:p>
+            <a:pPr marL="0" marR="0" lvl="0" indent="0" algn="l" defTabSz="914400" rtl="0" eaLnBrk="1" fontAlgn="auto" latinLnBrk="0" hangingPunct="1">
+              <a:lnSpc>
+                <a:spcPct val="100000"/>
+              </a:lnSpc>
+              <a:spcBef>
+                <a:spcPts val="0"/>
+              </a:spcBef>
+              <a:spcAft>
+                <a:spcPts val="0"/>
+              </a:spcAft>
+              <a:buClrTx/>
+              <a:buSzTx/>
+              <a:buFontTx/>
+              <a:buNone/>
+              <a:tabLst/>
+              <a:defRPr/>
+            </a:pPr>
+            <a:r>
+              <a:rPr lang="en-US" dirty="0"/>
+              <a:t>Obvious change the concept / words that make up how to do proper TDD  (What do you test?)</a:t>
+            </a:r>
+          </a:p>
+          <a:p>
+            <a:pPr marL="0" marR="0" lvl="0" indent="0" algn="l" defTabSz="914400" rtl="0" eaLnBrk="1" fontAlgn="auto" latinLnBrk="0" hangingPunct="1">
+              <a:lnSpc>
+                <a:spcPct val="100000"/>
+              </a:lnSpc>
+              <a:spcBef>
+                <a:spcPts val="0"/>
+              </a:spcBef>
+              <a:spcAft>
+                <a:spcPts val="0"/>
+              </a:spcAft>
+              <a:buClrTx/>
+              <a:buSzTx/>
+              <a:buFontTx/>
+              <a:buNone/>
+              <a:tabLst/>
+              <a:defRPr/>
+            </a:pPr>
+            <a:r>
+              <a:rPr lang="en-US" dirty="0"/>
+              <a:t>	It should be more about design and development than tests</a:t>
+            </a:r>
+          </a:p>
+          <a:p>
+            <a:pPr marL="0" marR="0" lvl="0" indent="0" algn="l" defTabSz="914400" rtl="0" eaLnBrk="1" fontAlgn="auto" latinLnBrk="0" hangingPunct="1">
+              <a:lnSpc>
+                <a:spcPct val="100000"/>
+              </a:lnSpc>
+              <a:spcBef>
+                <a:spcPts val="0"/>
+              </a:spcBef>
+              <a:spcAft>
+                <a:spcPts val="0"/>
+              </a:spcAft>
+              <a:buClrTx/>
+              <a:buSzTx/>
+              <a:buFontTx/>
+              <a:buNone/>
+              <a:tabLst/>
+              <a:defRPr/>
+            </a:pPr>
+            <a:r>
+              <a:rPr lang="en-US" dirty="0"/>
+              <a:t>	We shouldn’t ask how to test the implementation DETAIL of the code.</a:t>
+            </a:r>
+          </a:p>
+          <a:p>
+            <a:pPr marL="0" marR="0" lvl="0" indent="0" algn="l" defTabSz="914400" rtl="0" eaLnBrk="1" fontAlgn="auto" latinLnBrk="0" hangingPunct="1">
+              <a:lnSpc>
+                <a:spcPct val="100000"/>
+              </a:lnSpc>
+              <a:spcBef>
+                <a:spcPts val="0"/>
+              </a:spcBef>
+              <a:spcAft>
+                <a:spcPts val="0"/>
+              </a:spcAft>
+              <a:buClrTx/>
+              <a:buSzTx/>
+              <a:buFontTx/>
+              <a:buNone/>
+              <a:tabLst/>
+              <a:defRPr/>
+            </a:pPr>
+            <a:r>
+              <a:rPr lang="en-US" dirty="0"/>
+              <a:t>BDD changes thought from:</a:t>
+            </a:r>
+          </a:p>
+          <a:p>
+            <a:pPr marL="0" marR="0" lvl="0" indent="0" algn="l" defTabSz="914400" rtl="0" eaLnBrk="1" fontAlgn="auto" latinLnBrk="0" hangingPunct="1">
+              <a:lnSpc>
+                <a:spcPct val="100000"/>
+              </a:lnSpc>
+              <a:spcBef>
+                <a:spcPts val="0"/>
+              </a:spcBef>
+              <a:spcAft>
+                <a:spcPts val="0"/>
+              </a:spcAft>
+              <a:buClrTx/>
+              <a:buSzTx/>
+              <a:buFontTx/>
+              <a:buNone/>
+              <a:tabLst/>
+              <a:defRPr/>
+            </a:pPr>
+            <a:r>
+              <a:rPr lang="en-US" dirty="0"/>
+              <a:t>	Test Cases -&gt; Specifications / Features</a:t>
+            </a:r>
+          </a:p>
+          <a:p>
+            <a:pPr marL="0" marR="0" lvl="0" indent="0" algn="l" defTabSz="914400" rtl="0" eaLnBrk="1" fontAlgn="auto" latinLnBrk="0" hangingPunct="1">
+              <a:lnSpc>
+                <a:spcPct val="100000"/>
+              </a:lnSpc>
+              <a:spcBef>
+                <a:spcPts val="0"/>
+              </a:spcBef>
+              <a:spcAft>
+                <a:spcPts val="0"/>
+              </a:spcAft>
+              <a:buClrTx/>
+              <a:buSzTx/>
+              <a:buFontTx/>
+              <a:buNone/>
+              <a:tabLst/>
+              <a:defRPr/>
+            </a:pPr>
+            <a:r>
+              <a:rPr lang="en-US" dirty="0"/>
+              <a:t>	Tests -&gt; Scenarios</a:t>
+            </a:r>
+          </a:p>
+          <a:p>
+            <a:pPr marL="0" marR="0" lvl="0" indent="0" algn="l" defTabSz="914400" rtl="0" eaLnBrk="1" fontAlgn="auto" latinLnBrk="0" hangingPunct="1">
+              <a:lnSpc>
+                <a:spcPct val="100000"/>
+              </a:lnSpc>
+              <a:spcBef>
+                <a:spcPts val="0"/>
+              </a:spcBef>
+              <a:spcAft>
+                <a:spcPts val="0"/>
+              </a:spcAft>
+              <a:buClrTx/>
+              <a:buSzTx/>
+              <a:buFontTx/>
+              <a:buNone/>
+              <a:tabLst/>
+              <a:defRPr/>
+            </a:pPr>
+            <a:r>
+              <a:rPr lang="en-US" dirty="0"/>
+              <a:t>         Stop thinking how software works, think about what the users want to achieve</a:t>
+            </a:r>
           </a:p>
         </p:txBody>
       </p:sp>
@@ -2773,7 +2524,7 @@
     </p:spTree>
     <p:extLst>
       <p:ext uri="{BB962C8B-B14F-4D97-AF65-F5344CB8AC3E}">
-        <p14:creationId xmlns:p14="http://schemas.microsoft.com/office/powerpoint/2010/main" val="2080274877"/>
+        <p14:creationId xmlns:p14="http://schemas.microsoft.com/office/powerpoint/2010/main" val="352182948"/>
       </p:ext>
     </p:extLst>
   </p:cSld>
@@ -6267,7 +6018,7 @@
                   <a:srgbClr val="FFFFFF"/>
                 </a:solidFill>
               </a:rPr>
-              <a:t>Goals</a:t>
+              <a:t>BDD</a:t>
             </a:r>
           </a:p>
         </p:txBody>
@@ -6335,926 +6086,93 @@
       </p:sp>
       <p:sp>
         <p:nvSpPr>
-          <p:cNvPr id="4" name="Freeform: Shape 3">
+          <p:cNvPr id="3" name="Content Placeholder 2">
             <a:extLst>
               <a:ext uri="{FF2B5EF4-FFF2-40B4-BE49-F238E27FC236}">
-                <a16:creationId xmlns:a16="http://schemas.microsoft.com/office/drawing/2014/main" id="{53CDCC1C-B54C-3E79-1EE0-9CB6B71FDF31}"/>
+                <a16:creationId xmlns:a16="http://schemas.microsoft.com/office/drawing/2014/main" id="{506ECF03-3832-CE61-45EB-6C148D597A92}"/>
               </a:ext>
             </a:extLst>
           </p:cNvPr>
-          <p:cNvSpPr/>
-          <p:nvPr/>
+          <p:cNvSpPr>
+            <a:spLocks noGrp="1"/>
+          </p:cNvSpPr>
+          <p:nvPr>
+            <p:ph idx="1"/>
+          </p:nvPr>
         </p:nvSpPr>
         <p:spPr>
           <a:xfrm>
-            <a:off x="5662013" y="1426"/>
-            <a:ext cx="1666908" cy="2461295"/>
+            <a:off x="4447308" y="787400"/>
+            <a:ext cx="6906491" cy="5389563"/>
           </a:xfrm>
-          <a:custGeom>
-            <a:avLst/>
-            <a:gdLst>
-              <a:gd name="connsiteX0" fmla="*/ 0 w 2461294"/>
-              <a:gd name="connsiteY0" fmla="*/ 0 h 1666908"/>
-              <a:gd name="connsiteX1" fmla="*/ 1627840 w 2461294"/>
-              <a:gd name="connsiteY1" fmla="*/ 0 h 1666908"/>
-              <a:gd name="connsiteX2" fmla="*/ 2461294 w 2461294"/>
-              <a:gd name="connsiteY2" fmla="*/ 833454 h 1666908"/>
-              <a:gd name="connsiteX3" fmla="*/ 1627840 w 2461294"/>
-              <a:gd name="connsiteY3" fmla="*/ 1666908 h 1666908"/>
-              <a:gd name="connsiteX4" fmla="*/ 0 w 2461294"/>
-              <a:gd name="connsiteY4" fmla="*/ 1666908 h 1666908"/>
-              <a:gd name="connsiteX5" fmla="*/ 833454 w 2461294"/>
-              <a:gd name="connsiteY5" fmla="*/ 833454 h 1666908"/>
-              <a:gd name="connsiteX6" fmla="*/ 0 w 2461294"/>
-              <a:gd name="connsiteY6" fmla="*/ 0 h 1666908"/>
-            </a:gdLst>
-            <a:ahLst/>
-            <a:cxnLst>
-              <a:cxn ang="0">
-                <a:pos x="connsiteX0" y="connsiteY0"/>
-              </a:cxn>
-              <a:cxn ang="0">
-                <a:pos x="connsiteX1" y="connsiteY1"/>
-              </a:cxn>
-              <a:cxn ang="0">
-                <a:pos x="connsiteX2" y="connsiteY2"/>
-              </a:cxn>
-              <a:cxn ang="0">
-                <a:pos x="connsiteX3" y="connsiteY3"/>
-              </a:cxn>
-              <a:cxn ang="0">
-                <a:pos x="connsiteX4" y="connsiteY4"/>
-              </a:cxn>
-              <a:cxn ang="0">
-                <a:pos x="connsiteX5" y="connsiteY5"/>
-              </a:cxn>
-              <a:cxn ang="0">
-                <a:pos x="connsiteX6" y="connsiteY6"/>
-              </a:cxn>
-            </a:cxnLst>
-            <a:rect l="l" t="t" r="r" b="b"/>
-            <a:pathLst>
-              <a:path w="2461294" h="1666908">
-                <a:moveTo>
-                  <a:pt x="2461293" y="0"/>
-                </a:moveTo>
-                <a:lnTo>
-                  <a:pt x="2461293" y="1102452"/>
-                </a:lnTo>
-                <a:lnTo>
-                  <a:pt x="1230647" y="1666908"/>
-                </a:lnTo>
-                <a:lnTo>
-                  <a:pt x="1" y="1102452"/>
-                </a:lnTo>
-                <a:lnTo>
-                  <a:pt x="1" y="0"/>
-                </a:lnTo>
-                <a:lnTo>
-                  <a:pt x="1230647" y="564456"/>
-                </a:lnTo>
-                <a:lnTo>
-                  <a:pt x="2461293" y="0"/>
-                </a:lnTo>
-                <a:close/>
-              </a:path>
-            </a:pathLst>
-          </a:custGeom>
-          <a:solidFill>
-            <a:schemeClr val="accent2">
-              <a:lumMod val="60000"/>
-              <a:lumOff val="40000"/>
-            </a:schemeClr>
-          </a:solidFill>
         </p:spPr>
-        <p:style>
-          <a:lnRef idx="2">
-            <a:schemeClr val="accent1">
-              <a:hueOff val="0"/>
-              <a:satOff val="0"/>
-              <a:lumOff val="0"/>
-              <a:alphaOff val="0"/>
-            </a:schemeClr>
-          </a:lnRef>
-          <a:fillRef idx="1">
-            <a:schemeClr val="accent1">
-              <a:hueOff val="0"/>
-              <a:satOff val="0"/>
-              <a:lumOff val="0"/>
-              <a:alphaOff val="0"/>
-            </a:schemeClr>
-          </a:fillRef>
-          <a:effectRef idx="0">
-            <a:schemeClr val="accent1">
-              <a:hueOff val="0"/>
-              <a:satOff val="0"/>
-              <a:lumOff val="0"/>
-              <a:alphaOff val="0"/>
-            </a:schemeClr>
-          </a:effectRef>
-          <a:fontRef idx="minor">
-            <a:schemeClr val="lt1"/>
-          </a:fontRef>
-        </p:style>
-        <p:txBody>
-          <a:bodyPr spcFirstLastPara="0" vert="horz" wrap="square" lIns="24130" tIns="857585" rIns="24130" bIns="857584" numCol="1" spcCol="1270" anchor="ctr" anchorCtr="0">
-            <a:noAutofit/>
+        <p:txBody>
+          <a:bodyPr anchor="ctr">
+            <a:normAutofit/>
           </a:bodyPr>
           <a:lstStyle/>
           <a:p>
-            <a:pPr marL="0" lvl="0" indent="0" algn="ctr" defTabSz="1689100">
-              <a:lnSpc>
-                <a:spcPct val="90000"/>
-              </a:lnSpc>
-              <a:spcBef>
-                <a:spcPct val="0"/>
-              </a:spcBef>
-              <a:spcAft>
-                <a:spcPct val="35000"/>
-              </a:spcAft>
-              <a:buNone/>
-            </a:pPr>
-            <a:r>
-              <a:rPr lang="en-US" sz="3800" kern="1200" dirty="0"/>
-              <a:t>Ready</a:t>
-            </a:r>
-          </a:p>
-        </p:txBody>
-      </p:sp>
-      <p:sp>
-        <p:nvSpPr>
-          <p:cNvPr id="5" name="Freeform: Shape 4">
-            <a:extLst>
-              <a:ext uri="{FF2B5EF4-FFF2-40B4-BE49-F238E27FC236}">
-                <a16:creationId xmlns:a16="http://schemas.microsoft.com/office/drawing/2014/main" id="{B50150B6-A81A-E049-10DA-746FA59EAC83}"/>
-              </a:ext>
-            </a:extLst>
-          </p:cNvPr>
-          <p:cNvSpPr/>
-          <p:nvPr/>
-        </p:nvSpPr>
-        <p:spPr>
-          <a:xfrm>
-            <a:off x="7328921" y="1428"/>
-            <a:ext cx="2500362" cy="1627840"/>
-          </a:xfrm>
-          <a:custGeom>
-            <a:avLst/>
-            <a:gdLst>
-              <a:gd name="connsiteX0" fmla="*/ 271312 w 1627840"/>
-              <a:gd name="connsiteY0" fmla="*/ 0 h 2500362"/>
-              <a:gd name="connsiteX1" fmla="*/ 1356528 w 1627840"/>
-              <a:gd name="connsiteY1" fmla="*/ 0 h 2500362"/>
-              <a:gd name="connsiteX2" fmla="*/ 1627840 w 1627840"/>
-              <a:gd name="connsiteY2" fmla="*/ 271312 h 2500362"/>
-              <a:gd name="connsiteX3" fmla="*/ 1627840 w 1627840"/>
-              <a:gd name="connsiteY3" fmla="*/ 2500362 h 2500362"/>
-              <a:gd name="connsiteX4" fmla="*/ 1627840 w 1627840"/>
-              <a:gd name="connsiteY4" fmla="*/ 2500362 h 2500362"/>
-              <a:gd name="connsiteX5" fmla="*/ 0 w 1627840"/>
-              <a:gd name="connsiteY5" fmla="*/ 2500362 h 2500362"/>
-              <a:gd name="connsiteX6" fmla="*/ 0 w 1627840"/>
-              <a:gd name="connsiteY6" fmla="*/ 2500362 h 2500362"/>
-              <a:gd name="connsiteX7" fmla="*/ 0 w 1627840"/>
-              <a:gd name="connsiteY7" fmla="*/ 271312 h 2500362"/>
-              <a:gd name="connsiteX8" fmla="*/ 271312 w 1627840"/>
-              <a:gd name="connsiteY8" fmla="*/ 0 h 2500362"/>
-            </a:gdLst>
-            <a:ahLst/>
-            <a:cxnLst>
-              <a:cxn ang="0">
-                <a:pos x="connsiteX0" y="connsiteY0"/>
-              </a:cxn>
-              <a:cxn ang="0">
-                <a:pos x="connsiteX1" y="connsiteY1"/>
-              </a:cxn>
-              <a:cxn ang="0">
-                <a:pos x="connsiteX2" y="connsiteY2"/>
-              </a:cxn>
-              <a:cxn ang="0">
-                <a:pos x="connsiteX3" y="connsiteY3"/>
-              </a:cxn>
-              <a:cxn ang="0">
-                <a:pos x="connsiteX4" y="connsiteY4"/>
-              </a:cxn>
-              <a:cxn ang="0">
-                <a:pos x="connsiteX5" y="connsiteY5"/>
-              </a:cxn>
-              <a:cxn ang="0">
-                <a:pos x="connsiteX6" y="connsiteY6"/>
-              </a:cxn>
-              <a:cxn ang="0">
-                <a:pos x="connsiteX7" y="connsiteY7"/>
-              </a:cxn>
-              <a:cxn ang="0">
-                <a:pos x="connsiteX8" y="connsiteY8"/>
-              </a:cxn>
-            </a:cxnLst>
-            <a:rect l="l" t="t" r="r" b="b"/>
-            <a:pathLst>
-              <a:path w="1627840" h="2500362">
-                <a:moveTo>
-                  <a:pt x="1627840" y="416736"/>
-                </a:moveTo>
-                <a:lnTo>
-                  <a:pt x="1627840" y="2083626"/>
-                </a:lnTo>
-                <a:cubicBezTo>
-                  <a:pt x="1627840" y="2313782"/>
-                  <a:pt x="1548757" y="2500361"/>
-                  <a:pt x="1451205" y="2500361"/>
-                </a:cubicBezTo>
-                <a:lnTo>
-                  <a:pt x="0" y="2500361"/>
-                </a:lnTo>
-                <a:lnTo>
-                  <a:pt x="0" y="2500361"/>
-                </a:lnTo>
-                <a:lnTo>
-                  <a:pt x="0" y="1"/>
-                </a:lnTo>
-                <a:lnTo>
-                  <a:pt x="0" y="1"/>
-                </a:lnTo>
-                <a:lnTo>
-                  <a:pt x="1451205" y="1"/>
-                </a:lnTo>
-                <a:cubicBezTo>
-                  <a:pt x="1548757" y="1"/>
-                  <a:pt x="1627840" y="186580"/>
-                  <a:pt x="1627840" y="416736"/>
-                </a:cubicBezTo>
-                <a:close/>
-              </a:path>
-            </a:pathLst>
-          </a:custGeom>
-        </p:spPr>
-        <p:style>
-          <a:lnRef idx="2">
-            <a:schemeClr val="accent1">
-              <a:hueOff val="0"/>
-              <a:satOff val="0"/>
-              <a:lumOff val="0"/>
-              <a:alphaOff val="0"/>
-            </a:schemeClr>
-          </a:lnRef>
-          <a:fillRef idx="1">
-            <a:schemeClr val="lt1">
-              <a:alpha val="90000"/>
-              <a:hueOff val="0"/>
-              <a:satOff val="0"/>
-              <a:lumOff val="0"/>
-              <a:alphaOff val="0"/>
-            </a:schemeClr>
-          </a:fillRef>
-          <a:effectRef idx="0">
-            <a:schemeClr val="lt1">
-              <a:alpha val="90000"/>
-              <a:hueOff val="0"/>
-              <a:satOff val="0"/>
-              <a:lumOff val="0"/>
-              <a:alphaOff val="0"/>
-            </a:schemeClr>
-          </a:effectRef>
-          <a:fontRef idx="minor">
-            <a:schemeClr val="dk1">
-              <a:hueOff val="0"/>
-              <a:satOff val="0"/>
-              <a:lumOff val="0"/>
-              <a:alphaOff val="0"/>
-            </a:schemeClr>
-          </a:fontRef>
-        </p:style>
-        <p:txBody>
-          <a:bodyPr spcFirstLastPara="0" vert="horz" wrap="square" lIns="327153" tIns="108674" rIns="108674" bIns="108676" numCol="1" spcCol="1270" anchor="ctr" anchorCtr="0">
-            <a:noAutofit/>
-          </a:bodyPr>
-          <a:lstStyle/>
-          <a:p>
-            <a:r>
-              <a:rPr lang="en-US" sz="2400" dirty="0"/>
-              <a:t>Introduce BDD</a:t>
-            </a:r>
-          </a:p>
-        </p:txBody>
-      </p:sp>
-      <p:sp>
-        <p:nvSpPr>
-          <p:cNvPr id="6" name="Freeform: Shape 5">
-            <a:extLst>
-              <a:ext uri="{FF2B5EF4-FFF2-40B4-BE49-F238E27FC236}">
-                <a16:creationId xmlns:a16="http://schemas.microsoft.com/office/drawing/2014/main" id="{47D5AD76-C1DB-867B-82D3-6F74063EC63C}"/>
-              </a:ext>
-            </a:extLst>
-          </p:cNvPr>
-          <p:cNvSpPr/>
-          <p:nvPr/>
-        </p:nvSpPr>
-        <p:spPr>
-          <a:xfrm>
-            <a:off x="5662013" y="2199066"/>
-            <a:ext cx="1666908" cy="2461294"/>
-          </a:xfrm>
-          <a:custGeom>
-            <a:avLst/>
-            <a:gdLst>
-              <a:gd name="connsiteX0" fmla="*/ 0 w 2461294"/>
-              <a:gd name="connsiteY0" fmla="*/ 0 h 1666908"/>
-              <a:gd name="connsiteX1" fmla="*/ 1627840 w 2461294"/>
-              <a:gd name="connsiteY1" fmla="*/ 0 h 1666908"/>
-              <a:gd name="connsiteX2" fmla="*/ 2461294 w 2461294"/>
-              <a:gd name="connsiteY2" fmla="*/ 833454 h 1666908"/>
-              <a:gd name="connsiteX3" fmla="*/ 1627840 w 2461294"/>
-              <a:gd name="connsiteY3" fmla="*/ 1666908 h 1666908"/>
-              <a:gd name="connsiteX4" fmla="*/ 0 w 2461294"/>
-              <a:gd name="connsiteY4" fmla="*/ 1666908 h 1666908"/>
-              <a:gd name="connsiteX5" fmla="*/ 833454 w 2461294"/>
-              <a:gd name="connsiteY5" fmla="*/ 833454 h 1666908"/>
-              <a:gd name="connsiteX6" fmla="*/ 0 w 2461294"/>
-              <a:gd name="connsiteY6" fmla="*/ 0 h 1666908"/>
-            </a:gdLst>
-            <a:ahLst/>
-            <a:cxnLst>
-              <a:cxn ang="0">
-                <a:pos x="connsiteX0" y="connsiteY0"/>
-              </a:cxn>
-              <a:cxn ang="0">
-                <a:pos x="connsiteX1" y="connsiteY1"/>
-              </a:cxn>
-              <a:cxn ang="0">
-                <a:pos x="connsiteX2" y="connsiteY2"/>
-              </a:cxn>
-              <a:cxn ang="0">
-                <a:pos x="connsiteX3" y="connsiteY3"/>
-              </a:cxn>
-              <a:cxn ang="0">
-                <a:pos x="connsiteX4" y="connsiteY4"/>
-              </a:cxn>
-              <a:cxn ang="0">
-                <a:pos x="connsiteX5" y="connsiteY5"/>
-              </a:cxn>
-              <a:cxn ang="0">
-                <a:pos x="connsiteX6" y="connsiteY6"/>
-              </a:cxn>
-            </a:cxnLst>
-            <a:rect l="l" t="t" r="r" b="b"/>
-            <a:pathLst>
-              <a:path w="2461294" h="1666908">
-                <a:moveTo>
-                  <a:pt x="2461293" y="0"/>
-                </a:moveTo>
-                <a:lnTo>
-                  <a:pt x="2461293" y="1102452"/>
-                </a:lnTo>
-                <a:lnTo>
-                  <a:pt x="1230647" y="1666908"/>
-                </a:lnTo>
-                <a:lnTo>
-                  <a:pt x="1" y="1102452"/>
-                </a:lnTo>
-                <a:lnTo>
-                  <a:pt x="1" y="0"/>
-                </a:lnTo>
-                <a:lnTo>
-                  <a:pt x="1230647" y="564456"/>
-                </a:lnTo>
-                <a:lnTo>
-                  <a:pt x="2461293" y="0"/>
-                </a:lnTo>
-                <a:close/>
-              </a:path>
-            </a:pathLst>
-          </a:custGeom>
-          <a:solidFill>
-            <a:schemeClr val="accent2">
-              <a:lumMod val="75000"/>
-            </a:schemeClr>
-          </a:solidFill>
-        </p:spPr>
-        <p:style>
-          <a:lnRef idx="2">
-            <a:schemeClr val="accent1">
-              <a:hueOff val="0"/>
-              <a:satOff val="0"/>
-              <a:lumOff val="0"/>
-              <a:alphaOff val="0"/>
-            </a:schemeClr>
-          </a:lnRef>
-          <a:fillRef idx="1">
-            <a:schemeClr val="accent1">
-              <a:hueOff val="0"/>
-              <a:satOff val="0"/>
-              <a:lumOff val="0"/>
-              <a:alphaOff val="0"/>
-            </a:schemeClr>
-          </a:fillRef>
-          <a:effectRef idx="0">
-            <a:schemeClr val="accent1">
-              <a:hueOff val="0"/>
-              <a:satOff val="0"/>
-              <a:lumOff val="0"/>
-              <a:alphaOff val="0"/>
-            </a:schemeClr>
-          </a:effectRef>
-          <a:fontRef idx="minor">
-            <a:schemeClr val="lt1"/>
-          </a:fontRef>
-        </p:style>
-        <p:txBody>
-          <a:bodyPr spcFirstLastPara="0" vert="horz" wrap="square" lIns="24130" tIns="857584" rIns="24130" bIns="857584" numCol="1" spcCol="1270" anchor="ctr" anchorCtr="0">
-            <a:noAutofit/>
-          </a:bodyPr>
-          <a:lstStyle/>
-          <a:p>
-            <a:pPr marL="0" lvl="0" indent="0" algn="ctr" defTabSz="1689100">
-              <a:lnSpc>
-                <a:spcPct val="90000"/>
-              </a:lnSpc>
-              <a:spcBef>
-                <a:spcPct val="0"/>
-              </a:spcBef>
-              <a:spcAft>
-                <a:spcPct val="35000"/>
-              </a:spcAft>
-              <a:buNone/>
-            </a:pPr>
-            <a:r>
-              <a:rPr lang="en-US" sz="3800" kern="1200" dirty="0"/>
-              <a:t>Set</a:t>
-            </a:r>
-          </a:p>
-        </p:txBody>
-      </p:sp>
-      <p:sp>
-        <p:nvSpPr>
-          <p:cNvPr id="7" name="Freeform: Shape 6">
-            <a:extLst>
-              <a:ext uri="{FF2B5EF4-FFF2-40B4-BE49-F238E27FC236}">
-                <a16:creationId xmlns:a16="http://schemas.microsoft.com/office/drawing/2014/main" id="{A578B24A-9E03-36BE-02B9-CDA489E9EEDC}"/>
-              </a:ext>
-            </a:extLst>
-          </p:cNvPr>
-          <p:cNvSpPr/>
-          <p:nvPr/>
-        </p:nvSpPr>
-        <p:spPr>
-          <a:xfrm>
-            <a:off x="7328921" y="2199066"/>
-            <a:ext cx="2500362" cy="1627841"/>
-          </a:xfrm>
-          <a:custGeom>
-            <a:avLst/>
-            <a:gdLst>
-              <a:gd name="connsiteX0" fmla="*/ 271312 w 1627840"/>
-              <a:gd name="connsiteY0" fmla="*/ 0 h 2500362"/>
-              <a:gd name="connsiteX1" fmla="*/ 1356528 w 1627840"/>
-              <a:gd name="connsiteY1" fmla="*/ 0 h 2500362"/>
-              <a:gd name="connsiteX2" fmla="*/ 1627840 w 1627840"/>
-              <a:gd name="connsiteY2" fmla="*/ 271312 h 2500362"/>
-              <a:gd name="connsiteX3" fmla="*/ 1627840 w 1627840"/>
-              <a:gd name="connsiteY3" fmla="*/ 2500362 h 2500362"/>
-              <a:gd name="connsiteX4" fmla="*/ 1627840 w 1627840"/>
-              <a:gd name="connsiteY4" fmla="*/ 2500362 h 2500362"/>
-              <a:gd name="connsiteX5" fmla="*/ 0 w 1627840"/>
-              <a:gd name="connsiteY5" fmla="*/ 2500362 h 2500362"/>
-              <a:gd name="connsiteX6" fmla="*/ 0 w 1627840"/>
-              <a:gd name="connsiteY6" fmla="*/ 2500362 h 2500362"/>
-              <a:gd name="connsiteX7" fmla="*/ 0 w 1627840"/>
-              <a:gd name="connsiteY7" fmla="*/ 271312 h 2500362"/>
-              <a:gd name="connsiteX8" fmla="*/ 271312 w 1627840"/>
-              <a:gd name="connsiteY8" fmla="*/ 0 h 2500362"/>
-            </a:gdLst>
-            <a:ahLst/>
-            <a:cxnLst>
-              <a:cxn ang="0">
-                <a:pos x="connsiteX0" y="connsiteY0"/>
-              </a:cxn>
-              <a:cxn ang="0">
-                <a:pos x="connsiteX1" y="connsiteY1"/>
-              </a:cxn>
-              <a:cxn ang="0">
-                <a:pos x="connsiteX2" y="connsiteY2"/>
-              </a:cxn>
-              <a:cxn ang="0">
-                <a:pos x="connsiteX3" y="connsiteY3"/>
-              </a:cxn>
-              <a:cxn ang="0">
-                <a:pos x="connsiteX4" y="connsiteY4"/>
-              </a:cxn>
-              <a:cxn ang="0">
-                <a:pos x="connsiteX5" y="connsiteY5"/>
-              </a:cxn>
-              <a:cxn ang="0">
-                <a:pos x="connsiteX6" y="connsiteY6"/>
-              </a:cxn>
-              <a:cxn ang="0">
-                <a:pos x="connsiteX7" y="connsiteY7"/>
-              </a:cxn>
-              <a:cxn ang="0">
-                <a:pos x="connsiteX8" y="connsiteY8"/>
-              </a:cxn>
-            </a:cxnLst>
-            <a:rect l="l" t="t" r="r" b="b"/>
-            <a:pathLst>
-              <a:path w="1627840" h="2500362">
-                <a:moveTo>
-                  <a:pt x="1627840" y="416736"/>
-                </a:moveTo>
-                <a:lnTo>
-                  <a:pt x="1627840" y="2083626"/>
-                </a:lnTo>
-                <a:cubicBezTo>
-                  <a:pt x="1627840" y="2313782"/>
-                  <a:pt x="1548757" y="2500361"/>
-                  <a:pt x="1451205" y="2500361"/>
-                </a:cubicBezTo>
-                <a:lnTo>
-                  <a:pt x="0" y="2500361"/>
-                </a:lnTo>
-                <a:lnTo>
-                  <a:pt x="0" y="2500361"/>
-                </a:lnTo>
-                <a:lnTo>
-                  <a:pt x="0" y="1"/>
-                </a:lnTo>
-                <a:lnTo>
-                  <a:pt x="0" y="1"/>
-                </a:lnTo>
-                <a:lnTo>
-                  <a:pt x="1451205" y="1"/>
-                </a:lnTo>
-                <a:cubicBezTo>
-                  <a:pt x="1548757" y="1"/>
-                  <a:pt x="1627840" y="186580"/>
-                  <a:pt x="1627840" y="416736"/>
-                </a:cubicBezTo>
-                <a:close/>
-              </a:path>
-            </a:pathLst>
-          </a:custGeom>
-        </p:spPr>
-        <p:style>
-          <a:lnRef idx="2">
-            <a:schemeClr val="accent1">
-              <a:hueOff val="0"/>
-              <a:satOff val="0"/>
-              <a:lumOff val="0"/>
-              <a:alphaOff val="0"/>
-            </a:schemeClr>
-          </a:lnRef>
-          <a:fillRef idx="1">
-            <a:schemeClr val="lt1">
-              <a:alpha val="90000"/>
-              <a:hueOff val="0"/>
-              <a:satOff val="0"/>
-              <a:lumOff val="0"/>
-              <a:alphaOff val="0"/>
-            </a:schemeClr>
-          </a:fillRef>
-          <a:effectRef idx="0">
-            <a:schemeClr val="lt1">
-              <a:alpha val="90000"/>
-              <a:hueOff val="0"/>
-              <a:satOff val="0"/>
-              <a:lumOff val="0"/>
-              <a:alphaOff val="0"/>
-            </a:schemeClr>
-          </a:effectRef>
-          <a:fontRef idx="minor">
-            <a:schemeClr val="dk1">
-              <a:hueOff val="0"/>
-              <a:satOff val="0"/>
-              <a:lumOff val="0"/>
-              <a:alphaOff val="0"/>
-            </a:schemeClr>
-          </a:fontRef>
-        </p:style>
-        <p:txBody>
-          <a:bodyPr spcFirstLastPara="0" vert="horz" wrap="square" lIns="327153" tIns="108675" rIns="108674" bIns="108676" numCol="1" spcCol="1270" anchor="ctr" anchorCtr="0">
-            <a:noAutofit/>
-          </a:bodyPr>
-          <a:lstStyle/>
-          <a:p>
-            <a:r>
-              <a:rPr lang="en-US" sz="2400" dirty="0"/>
-              <a:t>Gherkin Syntax</a:t>
-            </a:r>
-          </a:p>
-        </p:txBody>
-      </p:sp>
-      <p:sp>
-        <p:nvSpPr>
-          <p:cNvPr id="9" name="Freeform: Shape 8">
-            <a:extLst>
-              <a:ext uri="{FF2B5EF4-FFF2-40B4-BE49-F238E27FC236}">
-                <a16:creationId xmlns:a16="http://schemas.microsoft.com/office/drawing/2014/main" id="{496F153B-4161-EF2C-67C2-EEC6C7AE3D0F}"/>
-              </a:ext>
-            </a:extLst>
-          </p:cNvPr>
-          <p:cNvSpPr/>
-          <p:nvPr/>
-        </p:nvSpPr>
-        <p:spPr>
-          <a:xfrm>
-            <a:off x="5662013" y="4396706"/>
-            <a:ext cx="1666908" cy="2461294"/>
-          </a:xfrm>
-          <a:custGeom>
-            <a:avLst/>
-            <a:gdLst>
-              <a:gd name="connsiteX0" fmla="*/ 0 w 2461294"/>
-              <a:gd name="connsiteY0" fmla="*/ 0 h 1666908"/>
-              <a:gd name="connsiteX1" fmla="*/ 1627840 w 2461294"/>
-              <a:gd name="connsiteY1" fmla="*/ 0 h 1666908"/>
-              <a:gd name="connsiteX2" fmla="*/ 2461294 w 2461294"/>
-              <a:gd name="connsiteY2" fmla="*/ 833454 h 1666908"/>
-              <a:gd name="connsiteX3" fmla="*/ 1627840 w 2461294"/>
-              <a:gd name="connsiteY3" fmla="*/ 1666908 h 1666908"/>
-              <a:gd name="connsiteX4" fmla="*/ 0 w 2461294"/>
-              <a:gd name="connsiteY4" fmla="*/ 1666908 h 1666908"/>
-              <a:gd name="connsiteX5" fmla="*/ 833454 w 2461294"/>
-              <a:gd name="connsiteY5" fmla="*/ 833454 h 1666908"/>
-              <a:gd name="connsiteX6" fmla="*/ 0 w 2461294"/>
-              <a:gd name="connsiteY6" fmla="*/ 0 h 1666908"/>
-            </a:gdLst>
-            <a:ahLst/>
-            <a:cxnLst>
-              <a:cxn ang="0">
-                <a:pos x="connsiteX0" y="connsiteY0"/>
-              </a:cxn>
-              <a:cxn ang="0">
-                <a:pos x="connsiteX1" y="connsiteY1"/>
-              </a:cxn>
-              <a:cxn ang="0">
-                <a:pos x="connsiteX2" y="connsiteY2"/>
-              </a:cxn>
-              <a:cxn ang="0">
-                <a:pos x="connsiteX3" y="connsiteY3"/>
-              </a:cxn>
-              <a:cxn ang="0">
-                <a:pos x="connsiteX4" y="connsiteY4"/>
-              </a:cxn>
-              <a:cxn ang="0">
-                <a:pos x="connsiteX5" y="connsiteY5"/>
-              </a:cxn>
-              <a:cxn ang="0">
-                <a:pos x="connsiteX6" y="connsiteY6"/>
-              </a:cxn>
-            </a:cxnLst>
-            <a:rect l="l" t="t" r="r" b="b"/>
-            <a:pathLst>
-              <a:path w="2461294" h="1666908">
-                <a:moveTo>
-                  <a:pt x="2461293" y="0"/>
-                </a:moveTo>
-                <a:lnTo>
-                  <a:pt x="2461293" y="1102452"/>
-                </a:lnTo>
-                <a:lnTo>
-                  <a:pt x="1230647" y="1666908"/>
-                </a:lnTo>
-                <a:lnTo>
-                  <a:pt x="1" y="1102452"/>
-                </a:lnTo>
-                <a:lnTo>
-                  <a:pt x="1" y="0"/>
-                </a:lnTo>
-                <a:lnTo>
-                  <a:pt x="1230647" y="564456"/>
-                </a:lnTo>
-                <a:lnTo>
-                  <a:pt x="2461293" y="0"/>
-                </a:lnTo>
-                <a:close/>
-              </a:path>
-            </a:pathLst>
-          </a:custGeom>
-          <a:solidFill>
-            <a:schemeClr val="accent2">
-              <a:lumMod val="50000"/>
-            </a:schemeClr>
-          </a:solidFill>
-        </p:spPr>
-        <p:style>
-          <a:lnRef idx="2">
-            <a:schemeClr val="accent1">
-              <a:hueOff val="0"/>
-              <a:satOff val="0"/>
-              <a:lumOff val="0"/>
-              <a:alphaOff val="0"/>
-            </a:schemeClr>
-          </a:lnRef>
-          <a:fillRef idx="1">
-            <a:schemeClr val="accent1">
-              <a:hueOff val="0"/>
-              <a:satOff val="0"/>
-              <a:lumOff val="0"/>
-              <a:alphaOff val="0"/>
-            </a:schemeClr>
-          </a:fillRef>
-          <a:effectRef idx="0">
-            <a:schemeClr val="accent1">
-              <a:hueOff val="0"/>
-              <a:satOff val="0"/>
-              <a:lumOff val="0"/>
-              <a:alphaOff val="0"/>
-            </a:schemeClr>
-          </a:effectRef>
-          <a:fontRef idx="minor">
-            <a:schemeClr val="lt1"/>
-          </a:fontRef>
-        </p:style>
-        <p:txBody>
-          <a:bodyPr spcFirstLastPara="0" vert="horz" wrap="square" lIns="24130" tIns="857584" rIns="24130" bIns="857584" numCol="1" spcCol="1270" anchor="ctr" anchorCtr="0">
-            <a:noAutofit/>
-          </a:bodyPr>
-          <a:lstStyle/>
-          <a:p>
-            <a:pPr marL="0" lvl="0" indent="0" algn="ctr" defTabSz="1689100">
-              <a:lnSpc>
-                <a:spcPct val="90000"/>
-              </a:lnSpc>
-              <a:spcBef>
-                <a:spcPct val="0"/>
-              </a:spcBef>
-              <a:spcAft>
-                <a:spcPct val="35000"/>
-              </a:spcAft>
-              <a:buNone/>
-            </a:pPr>
-            <a:r>
-              <a:rPr lang="en-US" sz="3800" kern="1200" dirty="0"/>
-              <a:t>Go</a:t>
-            </a:r>
-          </a:p>
-        </p:txBody>
-      </p:sp>
-      <p:sp>
-        <p:nvSpPr>
-          <p:cNvPr id="11" name="Freeform: Shape 10">
-            <a:extLst>
-              <a:ext uri="{FF2B5EF4-FFF2-40B4-BE49-F238E27FC236}">
-                <a16:creationId xmlns:a16="http://schemas.microsoft.com/office/drawing/2014/main" id="{830488B1-CB76-FA72-2DE1-DEE98970306B}"/>
-              </a:ext>
-            </a:extLst>
-          </p:cNvPr>
-          <p:cNvSpPr/>
-          <p:nvPr/>
-        </p:nvSpPr>
-        <p:spPr>
-          <a:xfrm>
-            <a:off x="7328921" y="4396706"/>
-            <a:ext cx="2500362" cy="1627840"/>
-          </a:xfrm>
-          <a:custGeom>
-            <a:avLst/>
-            <a:gdLst>
-              <a:gd name="connsiteX0" fmla="*/ 271312 w 1627840"/>
-              <a:gd name="connsiteY0" fmla="*/ 0 h 2500362"/>
-              <a:gd name="connsiteX1" fmla="*/ 1356528 w 1627840"/>
-              <a:gd name="connsiteY1" fmla="*/ 0 h 2500362"/>
-              <a:gd name="connsiteX2" fmla="*/ 1627840 w 1627840"/>
-              <a:gd name="connsiteY2" fmla="*/ 271312 h 2500362"/>
-              <a:gd name="connsiteX3" fmla="*/ 1627840 w 1627840"/>
-              <a:gd name="connsiteY3" fmla="*/ 2500362 h 2500362"/>
-              <a:gd name="connsiteX4" fmla="*/ 1627840 w 1627840"/>
-              <a:gd name="connsiteY4" fmla="*/ 2500362 h 2500362"/>
-              <a:gd name="connsiteX5" fmla="*/ 0 w 1627840"/>
-              <a:gd name="connsiteY5" fmla="*/ 2500362 h 2500362"/>
-              <a:gd name="connsiteX6" fmla="*/ 0 w 1627840"/>
-              <a:gd name="connsiteY6" fmla="*/ 2500362 h 2500362"/>
-              <a:gd name="connsiteX7" fmla="*/ 0 w 1627840"/>
-              <a:gd name="connsiteY7" fmla="*/ 271312 h 2500362"/>
-              <a:gd name="connsiteX8" fmla="*/ 271312 w 1627840"/>
-              <a:gd name="connsiteY8" fmla="*/ 0 h 2500362"/>
-            </a:gdLst>
-            <a:ahLst/>
-            <a:cxnLst>
-              <a:cxn ang="0">
-                <a:pos x="connsiteX0" y="connsiteY0"/>
-              </a:cxn>
-              <a:cxn ang="0">
-                <a:pos x="connsiteX1" y="connsiteY1"/>
-              </a:cxn>
-              <a:cxn ang="0">
-                <a:pos x="connsiteX2" y="connsiteY2"/>
-              </a:cxn>
-              <a:cxn ang="0">
-                <a:pos x="connsiteX3" y="connsiteY3"/>
-              </a:cxn>
-              <a:cxn ang="0">
-                <a:pos x="connsiteX4" y="connsiteY4"/>
-              </a:cxn>
-              <a:cxn ang="0">
-                <a:pos x="connsiteX5" y="connsiteY5"/>
-              </a:cxn>
-              <a:cxn ang="0">
-                <a:pos x="connsiteX6" y="connsiteY6"/>
-              </a:cxn>
-              <a:cxn ang="0">
-                <a:pos x="connsiteX7" y="connsiteY7"/>
-              </a:cxn>
-              <a:cxn ang="0">
-                <a:pos x="connsiteX8" y="connsiteY8"/>
-              </a:cxn>
-            </a:cxnLst>
-            <a:rect l="l" t="t" r="r" b="b"/>
-            <a:pathLst>
-              <a:path w="1627840" h="2500362">
-                <a:moveTo>
-                  <a:pt x="1627840" y="416736"/>
-                </a:moveTo>
-                <a:lnTo>
-                  <a:pt x="1627840" y="2083626"/>
-                </a:lnTo>
-                <a:cubicBezTo>
-                  <a:pt x="1627840" y="2313782"/>
-                  <a:pt x="1548757" y="2500361"/>
-                  <a:pt x="1451205" y="2500361"/>
-                </a:cubicBezTo>
-                <a:lnTo>
-                  <a:pt x="0" y="2500361"/>
-                </a:lnTo>
-                <a:lnTo>
-                  <a:pt x="0" y="2500361"/>
-                </a:lnTo>
-                <a:lnTo>
-                  <a:pt x="0" y="1"/>
-                </a:lnTo>
-                <a:lnTo>
-                  <a:pt x="0" y="1"/>
-                </a:lnTo>
-                <a:lnTo>
-                  <a:pt x="1451205" y="1"/>
-                </a:lnTo>
-                <a:cubicBezTo>
-                  <a:pt x="1548757" y="1"/>
-                  <a:pt x="1627840" y="186580"/>
-                  <a:pt x="1627840" y="416736"/>
-                </a:cubicBezTo>
-                <a:close/>
-              </a:path>
-            </a:pathLst>
-          </a:custGeom>
-        </p:spPr>
-        <p:style>
-          <a:lnRef idx="2">
-            <a:schemeClr val="accent1">
-              <a:hueOff val="0"/>
-              <a:satOff val="0"/>
-              <a:lumOff val="0"/>
-              <a:alphaOff val="0"/>
-            </a:schemeClr>
-          </a:lnRef>
-          <a:fillRef idx="1">
-            <a:schemeClr val="lt1">
-              <a:alpha val="90000"/>
-              <a:hueOff val="0"/>
-              <a:satOff val="0"/>
-              <a:lumOff val="0"/>
-              <a:alphaOff val="0"/>
-            </a:schemeClr>
-          </a:fillRef>
-          <a:effectRef idx="0">
-            <a:schemeClr val="lt1">
-              <a:alpha val="90000"/>
-              <a:hueOff val="0"/>
-              <a:satOff val="0"/>
-              <a:lumOff val="0"/>
-              <a:alphaOff val="0"/>
-            </a:schemeClr>
-          </a:effectRef>
-          <a:fontRef idx="minor">
-            <a:schemeClr val="dk1">
-              <a:hueOff val="0"/>
-              <a:satOff val="0"/>
-              <a:lumOff val="0"/>
-              <a:alphaOff val="0"/>
-            </a:schemeClr>
-          </a:fontRef>
-        </p:style>
-        <p:txBody>
-          <a:bodyPr spcFirstLastPara="0" vert="horz" wrap="square" lIns="327153" tIns="108675" rIns="108674" bIns="108675" numCol="1" spcCol="1270" anchor="ctr" anchorCtr="0">
-            <a:noAutofit/>
-          </a:bodyPr>
-          <a:lstStyle/>
-          <a:p>
-            <a:r>
-              <a:rPr lang="en-US" sz="2400" dirty="0"/>
-              <a:t>Demo </a:t>
-            </a:r>
-            <a:r>
-              <a:rPr lang="en-US" sz="2400" dirty="0" err="1"/>
-              <a:t>Specflow</a:t>
-            </a:r>
-            <a:endParaRPr lang="en-US" sz="2400" dirty="0"/>
+            <a:r>
+              <a:rPr lang="en-US" dirty="0"/>
+              <a:t>Tries to do TDD, but better</a:t>
+            </a:r>
+          </a:p>
+          <a:p>
+            <a:pPr lvl="1"/>
+            <a:r>
+              <a:rPr lang="en-US" dirty="0"/>
+              <a:t>Not TDD’s fault</a:t>
+            </a:r>
+          </a:p>
+          <a:p>
+            <a:pPr lvl="1"/>
+            <a:r>
+              <a:rPr lang="en-US" dirty="0"/>
+              <a:t>Avoid misunderstandings of adopting TDD</a:t>
+            </a:r>
+          </a:p>
+          <a:p>
+            <a:pPr lvl="1"/>
+            <a:r>
+              <a:rPr lang="en-US" dirty="0"/>
+              <a:t>Move focus to behaviors instead of tests</a:t>
+            </a:r>
+          </a:p>
+          <a:p>
+            <a:pPr lvl="1"/>
+            <a:r>
+              <a:rPr lang="en-US" dirty="0"/>
+              <a:t>Avoid complex slow and tightly coupled tests</a:t>
+            </a:r>
+          </a:p>
+          <a:p>
+            <a:pPr lvl="1"/>
+            <a:r>
+              <a:rPr lang="en-US" dirty="0"/>
+              <a:t>Start from end user perspective</a:t>
+            </a:r>
+          </a:p>
+          <a:p>
+            <a:pPr lvl="1"/>
+            <a:r>
+              <a:rPr lang="en-US" dirty="0"/>
+              <a:t>Get business and technical teams on the same page</a:t>
+            </a:r>
+          </a:p>
+          <a:p>
+            <a:pPr lvl="2"/>
+            <a:r>
+              <a:rPr lang="en-US"/>
+              <a:t>Three Amigos</a:t>
+            </a:r>
+            <a:endParaRPr lang="en-US" dirty="0"/>
           </a:p>
         </p:txBody>
       </p:sp>
     </p:spTree>
     <p:extLst>
       <p:ext uri="{BB962C8B-B14F-4D97-AF65-F5344CB8AC3E}">
-        <p14:creationId xmlns:p14="http://schemas.microsoft.com/office/powerpoint/2010/main" val="2789812883"/>
+        <p14:creationId xmlns:p14="http://schemas.microsoft.com/office/powerpoint/2010/main" val="828508002"/>
       </p:ext>
     </p:extLst>
   </p:cSld>
@@ -7418,1711 +6336,6 @@
           <p:cNvPr id="8" name="Rectangle 7">
             <a:extLst>
               <a:ext uri="{FF2B5EF4-FFF2-40B4-BE49-F238E27FC236}">
-                <a16:creationId xmlns:a16="http://schemas.microsoft.com/office/drawing/2014/main" id="{DAF1966E-FD40-4A4A-B61B-C4DF7FA05F06}"/>
-              </a:ext>
-              <a:ext uri="{C183D7F6-B498-43B3-948B-1728B52AA6E4}">
-                <adec:decorative xmlns:adec="http://schemas.microsoft.com/office/drawing/2017/decorative" val="1"/>
-              </a:ext>
-            </a:extLst>
-          </p:cNvPr>
-          <p:cNvSpPr>
-            <a:spLocks noGrp="1" noRot="1" noChangeAspect="1" noMove="1" noResize="1" noEditPoints="1" noAdjustHandles="1" noChangeArrowheads="1" noChangeShapeType="1" noTextEdit="1"/>
-          </p:cNvSpPr>
-          <p:nvPr>
-            <p:extLst>
-              <p:ext uri="{386F3935-93C4-4BCD-93E2-E3B085C9AB24}">
-                <p16:designElem xmlns:p16="http://schemas.microsoft.com/office/powerpoint/2015/main" val="1"/>
-              </p:ext>
-            </p:extLst>
-          </p:nvPr>
-        </p:nvSpPr>
-        <p:spPr>
-          <a:xfrm>
-            <a:off x="0" y="0"/>
-            <a:ext cx="12192000" cy="6858000"/>
-          </a:xfrm>
-          <a:prstGeom prst="rect">
-            <a:avLst/>
-          </a:prstGeom>
-          <a:ln>
-            <a:noFill/>
-          </a:ln>
-        </p:spPr>
-        <p:style>
-          <a:lnRef idx="2">
-            <a:schemeClr val="accent1">
-              <a:shade val="50000"/>
-            </a:schemeClr>
-          </a:lnRef>
-          <a:fillRef idx="1">
-            <a:schemeClr val="accent1"/>
-          </a:fillRef>
-          <a:effectRef idx="0">
-            <a:schemeClr val="accent1"/>
-          </a:effectRef>
-          <a:fontRef idx="minor">
-            <a:schemeClr val="lt1"/>
-          </a:fontRef>
-        </p:style>
-        <p:txBody>
-          <a:bodyPr rtlCol="0" anchor="ctr"/>
-          <a:lstStyle/>
-          <a:p>
-            <a:pPr algn="ctr"/>
-            <a:endParaRPr lang="en-US" dirty="0"/>
-          </a:p>
-        </p:txBody>
-      </p:sp>
-      <p:sp useBgFill="1">
-        <p:nvSpPr>
-          <p:cNvPr id="10" name="Rectangle 9">
-            <a:extLst>
-              <a:ext uri="{FF2B5EF4-FFF2-40B4-BE49-F238E27FC236}">
-                <a16:creationId xmlns:a16="http://schemas.microsoft.com/office/drawing/2014/main" id="{047BFA19-D45E-416B-A404-7AF2F3F27017}"/>
-              </a:ext>
-              <a:ext uri="{C183D7F6-B498-43B3-948B-1728B52AA6E4}">
-                <adec:decorative xmlns:adec="http://schemas.microsoft.com/office/drawing/2017/decorative" val="1"/>
-              </a:ext>
-            </a:extLst>
-          </p:cNvPr>
-          <p:cNvSpPr>
-            <a:spLocks noGrp="1" noRot="1" noChangeAspect="1" noMove="1" noResize="1" noEditPoints="1" noAdjustHandles="1" noChangeArrowheads="1" noChangeShapeType="1" noTextEdit="1"/>
-          </p:cNvSpPr>
-          <p:nvPr>
-            <p:extLst>
-              <p:ext uri="{386F3935-93C4-4BCD-93E2-E3B085C9AB24}">
-                <p16:designElem xmlns:p16="http://schemas.microsoft.com/office/powerpoint/2015/main" val="1"/>
-              </p:ext>
-            </p:extLst>
-          </p:nvPr>
-        </p:nvSpPr>
-        <p:spPr>
-          <a:xfrm>
-            <a:off x="558209" y="0"/>
-            <a:ext cx="11167447" cy="2018806"/>
-          </a:xfrm>
-          <a:prstGeom prst="rect">
-            <a:avLst/>
-          </a:prstGeom>
-          <a:ln w="9525">
-            <a:solidFill>
-              <a:srgbClr val="E1E1E1"/>
-            </a:solidFill>
-          </a:ln>
-          <a:effectLst>
-            <a:outerShdw blurRad="50800" dist="38100" dir="2700000" algn="tl" rotWithShape="0">
-              <a:schemeClr val="bg1">
-                <a:lumMod val="85000"/>
-                <a:alpha val="50000"/>
-              </a:schemeClr>
-            </a:outerShdw>
-          </a:effectLst>
-        </p:spPr>
-        <p:style>
-          <a:lnRef idx="2">
-            <a:schemeClr val="accent1">
-              <a:shade val="50000"/>
-            </a:schemeClr>
-          </a:lnRef>
-          <a:fillRef idx="1">
-            <a:schemeClr val="accent1"/>
-          </a:fillRef>
-          <a:effectRef idx="0">
-            <a:schemeClr val="accent1"/>
-          </a:effectRef>
-          <a:fontRef idx="minor">
-            <a:schemeClr val="lt1"/>
-          </a:fontRef>
-        </p:style>
-        <p:txBody>
-          <a:bodyPr rtlCol="0" anchor="ctr"/>
-          <a:lstStyle/>
-          <a:p>
-            <a:pPr marL="0" marR="0" lvl="0" indent="0" algn="ctr" defTabSz="914400" rtl="0" eaLnBrk="1" fontAlgn="auto" latinLnBrk="0" hangingPunct="1">
-              <a:lnSpc>
-                <a:spcPct val="100000"/>
-              </a:lnSpc>
-              <a:spcBef>
-                <a:spcPts val="0"/>
-              </a:spcBef>
-              <a:spcAft>
-                <a:spcPts val="0"/>
-              </a:spcAft>
-              <a:buClrTx/>
-              <a:buSzTx/>
-              <a:buFontTx/>
-              <a:buNone/>
-              <a:tabLst/>
-              <a:defRPr/>
-            </a:pPr>
-            <a:endParaRPr kumimoji="0" lang="en-US" sz="1800" b="0" i="0" u="none" strike="noStrike" kern="1200" cap="none" spc="0" normalizeH="0" baseline="0" noProof="0" dirty="0">
-              <a:ln>
-                <a:noFill/>
-              </a:ln>
-              <a:solidFill>
-                <a:prstClr val="white"/>
-              </a:solidFill>
-              <a:effectLst/>
-              <a:uLnTx/>
-              <a:uFillTx/>
-              <a:latin typeface="Calibri" panose="020F0502020204030204"/>
-              <a:ea typeface="+mn-ea"/>
-              <a:cs typeface="+mn-cs"/>
-            </a:endParaRPr>
-          </a:p>
-        </p:txBody>
-      </p:sp>
-      <p:sp useBgFill="1">
-        <p:nvSpPr>
-          <p:cNvPr id="12" name="Rectangle 11">
-            <a:extLst>
-              <a:ext uri="{FF2B5EF4-FFF2-40B4-BE49-F238E27FC236}">
-                <a16:creationId xmlns:a16="http://schemas.microsoft.com/office/drawing/2014/main" id="{8E0105E7-23DB-4CF2-8258-FF47C7620F6E}"/>
-              </a:ext>
-              <a:ext uri="{C183D7F6-B498-43B3-948B-1728B52AA6E4}">
-                <adec:decorative xmlns:adec="http://schemas.microsoft.com/office/drawing/2017/decorative" val="1"/>
-              </a:ext>
-            </a:extLst>
-          </p:cNvPr>
-          <p:cNvSpPr>
-            <a:spLocks noGrp="1" noRot="1" noChangeAspect="1" noMove="1" noResize="1" noEditPoints="1" noAdjustHandles="1" noChangeArrowheads="1" noChangeShapeType="1" noTextEdit="1"/>
-          </p:cNvSpPr>
-          <p:nvPr>
-            <p:extLst>
-              <p:ext uri="{386F3935-93C4-4BCD-93E2-E3B085C9AB24}">
-                <p16:designElem xmlns:p16="http://schemas.microsoft.com/office/powerpoint/2015/main" val="1"/>
-              </p:ext>
-            </p:extLst>
-          </p:nvPr>
-        </p:nvSpPr>
-        <p:spPr>
-          <a:xfrm>
-            <a:off x="566928" y="0"/>
-            <a:ext cx="11155680" cy="2011680"/>
-          </a:xfrm>
-          <a:prstGeom prst="rect">
-            <a:avLst/>
-          </a:prstGeom>
-          <a:ln w="9525">
-            <a:noFill/>
-          </a:ln>
-          <a:effectLst/>
-        </p:spPr>
-        <p:style>
-          <a:lnRef idx="2">
-            <a:schemeClr val="accent1">
-              <a:shade val="50000"/>
-            </a:schemeClr>
-          </a:lnRef>
-          <a:fillRef idx="1">
-            <a:schemeClr val="accent1"/>
-          </a:fillRef>
-          <a:effectRef idx="0">
-            <a:schemeClr val="accent1"/>
-          </a:effectRef>
-          <a:fontRef idx="minor">
-            <a:schemeClr val="lt1"/>
-          </a:fontRef>
-        </p:style>
-        <p:txBody>
-          <a:bodyPr rtlCol="0" anchor="ctr"/>
-          <a:lstStyle/>
-          <a:p>
-            <a:pPr marL="0" marR="0" lvl="0" indent="0" algn="ctr" defTabSz="914400" rtl="0" eaLnBrk="1" fontAlgn="auto" latinLnBrk="0" hangingPunct="1">
-              <a:lnSpc>
-                <a:spcPct val="100000"/>
-              </a:lnSpc>
-              <a:spcBef>
-                <a:spcPts val="0"/>
-              </a:spcBef>
-              <a:spcAft>
-                <a:spcPts val="0"/>
-              </a:spcAft>
-              <a:buClrTx/>
-              <a:buSzTx/>
-              <a:buFontTx/>
-              <a:buNone/>
-              <a:tabLst/>
-              <a:defRPr/>
-            </a:pPr>
-            <a:endParaRPr kumimoji="0" lang="en-US" sz="1800" b="0" i="0" u="none" strike="noStrike" kern="1200" cap="none" spc="0" normalizeH="0" baseline="0" noProof="0" dirty="0">
-              <a:ln>
-                <a:noFill/>
-              </a:ln>
-              <a:solidFill>
-                <a:prstClr val="white"/>
-              </a:solidFill>
-              <a:effectLst/>
-              <a:uLnTx/>
-              <a:uFillTx/>
-              <a:latin typeface="Calibri" panose="020F0502020204030204"/>
-              <a:ea typeface="+mn-ea"/>
-              <a:cs typeface="+mn-cs"/>
-            </a:endParaRPr>
-          </a:p>
-        </p:txBody>
-      </p:sp>
-      <p:sp>
-        <p:nvSpPr>
-          <p:cNvPr id="2" name="Title 1">
-            <a:extLst>
-              <a:ext uri="{FF2B5EF4-FFF2-40B4-BE49-F238E27FC236}">
-                <a16:creationId xmlns:a16="http://schemas.microsoft.com/office/drawing/2014/main" id="{82CF4B60-062A-25CD-E448-6C8255EEF9CC}"/>
-              </a:ext>
-            </a:extLst>
-          </p:cNvPr>
-          <p:cNvSpPr>
-            <a:spLocks noGrp="1"/>
-          </p:cNvSpPr>
-          <p:nvPr>
-            <p:ph type="title"/>
-          </p:nvPr>
-        </p:nvSpPr>
-        <p:spPr>
-          <a:xfrm>
-            <a:off x="1115568" y="548640"/>
-            <a:ext cx="10168128" cy="1252266"/>
-          </a:xfrm>
-        </p:spPr>
-        <p:txBody>
-          <a:bodyPr>
-            <a:normAutofit/>
-          </a:bodyPr>
-          <a:lstStyle/>
-          <a:p>
-            <a:r>
-              <a:rPr lang="en-US" sz="4000" dirty="0"/>
-              <a:t>Office Space</a:t>
-            </a:r>
-          </a:p>
-        </p:txBody>
-      </p:sp>
-      <p:sp>
-        <p:nvSpPr>
-          <p:cNvPr id="14" name="Rectangle 13">
-            <a:extLst>
-              <a:ext uri="{FF2B5EF4-FFF2-40B4-BE49-F238E27FC236}">
-                <a16:creationId xmlns:a16="http://schemas.microsoft.com/office/drawing/2014/main" id="{074B4F7D-14B2-478B-8BF5-01E4E0C5D263}"/>
-              </a:ext>
-              <a:ext uri="{C183D7F6-B498-43B3-948B-1728B52AA6E4}">
-                <adec:decorative xmlns:adec="http://schemas.microsoft.com/office/drawing/2017/decorative" val="1"/>
-              </a:ext>
-            </a:extLst>
-          </p:cNvPr>
-          <p:cNvSpPr>
-            <a:spLocks noGrp="1" noRot="1" noChangeAspect="1" noMove="1" noResize="1" noEditPoints="1" noAdjustHandles="1" noChangeArrowheads="1" noChangeShapeType="1" noTextEdit="1"/>
-          </p:cNvSpPr>
-          <p:nvPr>
-            <p:extLst>
-              <p:ext uri="{386F3935-93C4-4BCD-93E2-E3B085C9AB24}">
-                <p16:designElem xmlns:p16="http://schemas.microsoft.com/office/powerpoint/2015/main" val="1"/>
-              </p:ext>
-            </p:extLst>
-          </p:nvPr>
-        </p:nvSpPr>
-        <p:spPr>
-          <a:xfrm>
-            <a:off x="498834" y="758952"/>
-            <a:ext cx="128016" cy="704088"/>
-          </a:xfrm>
-          <a:prstGeom prst="rect">
-            <a:avLst/>
-          </a:prstGeom>
-          <a:solidFill>
-            <a:schemeClr val="accent2"/>
-          </a:solidFill>
-          <a:ln>
-            <a:noFill/>
-          </a:ln>
-        </p:spPr>
-        <p:style>
-          <a:lnRef idx="2">
-            <a:schemeClr val="accent1">
-              <a:shade val="50000"/>
-            </a:schemeClr>
-          </a:lnRef>
-          <a:fillRef idx="1">
-            <a:schemeClr val="accent1"/>
-          </a:fillRef>
-          <a:effectRef idx="0">
-            <a:schemeClr val="accent1"/>
-          </a:effectRef>
-          <a:fontRef idx="minor">
-            <a:schemeClr val="lt1"/>
-          </a:fontRef>
-        </p:style>
-        <p:txBody>
-          <a:bodyPr rtlCol="0" anchor="ctr"/>
-          <a:lstStyle/>
-          <a:p>
-            <a:pPr algn="ctr"/>
-            <a:endParaRPr lang="en-US" dirty="0">
-              <a:solidFill>
-                <a:prstClr val="white"/>
-              </a:solidFill>
-              <a:latin typeface="Calibri" panose="020F0502020204030204"/>
-            </a:endParaRPr>
-          </a:p>
-        </p:txBody>
-      </p:sp>
-      <p:sp>
-        <p:nvSpPr>
-          <p:cNvPr id="3" name="Content Placeholder 2">
-            <a:extLst>
-              <a:ext uri="{FF2B5EF4-FFF2-40B4-BE49-F238E27FC236}">
-                <a16:creationId xmlns:a16="http://schemas.microsoft.com/office/drawing/2014/main" id="{E43BD06B-906D-5C9C-E517-52B27F705E94}"/>
-              </a:ext>
-            </a:extLst>
-          </p:cNvPr>
-          <p:cNvSpPr>
-            <a:spLocks noGrp="1"/>
-          </p:cNvSpPr>
-          <p:nvPr>
-            <p:ph idx="1"/>
-          </p:nvPr>
-        </p:nvSpPr>
-        <p:spPr>
-          <a:xfrm>
-            <a:off x="1115568" y="2481943"/>
-            <a:ext cx="10168128" cy="3695020"/>
-          </a:xfrm>
-        </p:spPr>
-        <p:txBody>
-          <a:bodyPr>
-            <a:normAutofit/>
-          </a:bodyPr>
-          <a:lstStyle/>
-          <a:p>
-            <a:pPr marL="457200" indent="-457200">
-              <a:buFont typeface="+mj-lt"/>
-              <a:buAutoNum type="arabicPeriod"/>
-            </a:pPr>
-            <a:endParaRPr lang="en-US" sz="2200" dirty="0"/>
-          </a:p>
-          <a:p>
-            <a:pPr marL="457200" indent="-457200">
-              <a:buFont typeface="+mj-lt"/>
-              <a:buAutoNum type="arabicPeriod"/>
-            </a:pPr>
-            <a:endParaRPr lang="en-US" sz="2200" dirty="0"/>
-          </a:p>
-          <a:p>
-            <a:pPr marL="457200" indent="-457200">
-              <a:buFont typeface="+mj-lt"/>
-              <a:buAutoNum type="arabicPeriod"/>
-            </a:pPr>
-            <a:endParaRPr lang="en-US" sz="2200" dirty="0"/>
-          </a:p>
-        </p:txBody>
-      </p:sp>
-      <p:pic>
-        <p:nvPicPr>
-          <p:cNvPr id="6" name="Picture 5">
-            <a:extLst>
-              <a:ext uri="{FF2B5EF4-FFF2-40B4-BE49-F238E27FC236}">
-                <a16:creationId xmlns:a16="http://schemas.microsoft.com/office/drawing/2014/main" id="{6B466854-812D-E478-AD6C-8C7B4941D51F}"/>
-              </a:ext>
-            </a:extLst>
-          </p:cNvPr>
-          <p:cNvPicPr>
-            <a:picLocks noChangeAspect="1"/>
-          </p:cNvPicPr>
-          <p:nvPr/>
-        </p:nvPicPr>
-        <p:blipFill>
-          <a:blip r:embed="rId3"/>
-          <a:stretch>
-            <a:fillRect/>
-          </a:stretch>
-        </p:blipFill>
-        <p:spPr>
-          <a:xfrm>
-            <a:off x="1858107" y="2154304"/>
-            <a:ext cx="8475785" cy="4591050"/>
-          </a:xfrm>
-          <a:prstGeom prst="rect">
-            <a:avLst/>
-          </a:prstGeom>
-        </p:spPr>
-      </p:pic>
-    </p:spTree>
-    <p:extLst>
-      <p:ext uri="{BB962C8B-B14F-4D97-AF65-F5344CB8AC3E}">
-        <p14:creationId xmlns:p14="http://schemas.microsoft.com/office/powerpoint/2010/main" val="2258248356"/>
-      </p:ext>
-    </p:extLst>
-  </p:cSld>
-  <p:clrMapOvr>
-    <a:masterClrMapping/>
-  </p:clrMapOvr>
-  <p:timing>
-    <p:tnLst>
-      <p:par>
-        <p:cTn id="1" dur="indefinite" restart="never" nodeType="tmRoot">
-          <p:childTnLst>
-            <p:seq concurrent="1" nextAc="seek">
-              <p:cTn id="2" dur="indefinite" nodeType="mainSeq">
-                <p:childTnLst>
-                  <p:par>
-                    <p:cTn id="3" fill="hold">
-                      <p:stCondLst>
-                        <p:cond delay="indefinite"/>
-                      </p:stCondLst>
-                      <p:childTnLst>
-                        <p:par>
-                          <p:cTn id="4" fill="hold">
-                            <p:stCondLst>
-                              <p:cond delay="0"/>
-                            </p:stCondLst>
-                            <p:childTnLst>
-                              <p:par>
-                                <p:cTn id="5" presetID="8" presetClass="emph" presetSubtype="0" fill="hold" grpId="0" nodeType="clickEffect">
-                                  <p:stCondLst>
-                                    <p:cond delay="0"/>
-                                  </p:stCondLst>
-                                  <p:childTnLst>
-                                    <p:animRot by="21600000">
-                                      <p:cBhvr>
-                                        <p:cTn id="6" dur="2000" fill="hold"/>
-                                        <p:tgtEl>
-                                          <p:spTgt spid="14"/>
-                                        </p:tgtEl>
-                                        <p:attrNameLst>
-                                          <p:attrName>r</p:attrName>
-                                        </p:attrNameLst>
-                                      </p:cBhvr>
-                                    </p:animRot>
-                                  </p:childTnLst>
-                                </p:cTn>
-                              </p:par>
-                            </p:childTnLst>
-                          </p:cTn>
-                        </p:par>
-                      </p:childTnLst>
-                    </p:cTn>
-                  </p:par>
-                </p:childTnLst>
-              </p:cTn>
-              <p:prevCondLst>
-                <p:cond evt="onPrev" delay="0">
-                  <p:tgtEl>
-                    <p:sldTgt/>
-                  </p:tgtEl>
-                </p:cond>
-              </p:prevCondLst>
-              <p:nextCondLst>
-                <p:cond evt="onNext" delay="0">
-                  <p:tgtEl>
-                    <p:sldTgt/>
-                  </p:tgtEl>
-                </p:cond>
-              </p:nextCondLst>
-            </p:seq>
-          </p:childTnLst>
-        </p:cTn>
-      </p:par>
-    </p:tnLst>
-    <p:bldLst>
-      <p:bldP spid="14" grpId="0" animBg="1"/>
-    </p:bldLst>
-  </p:timing>
-</p:sld>
-</file>
-
-<file path=ppt/slides/slide12.xml><?xml version="1.0" encoding="utf-8"?>
-<p:sld xmlns:a="http://schemas.openxmlformats.org/drawingml/2006/main" xmlns:r="http://schemas.openxmlformats.org/officeDocument/2006/relationships" xmlns:p="http://schemas.openxmlformats.org/presentationml/2006/main">
-  <p:cSld>
-    <p:bg>
-      <p:bgPr>
-        <a:solidFill>
-          <a:schemeClr val="bg1"/>
-        </a:solidFill>
-        <a:effectLst/>
-      </p:bgPr>
-    </p:bg>
-    <p:spTree>
-      <p:nvGrpSpPr>
-        <p:cNvPr id="1" name=""/>
-        <p:cNvGrpSpPr/>
-        <p:nvPr/>
-      </p:nvGrpSpPr>
-      <p:grpSpPr>
-        <a:xfrm>
-          <a:off x="0" y="0"/>
-          <a:ext cx="0" cy="0"/>
-          <a:chOff x="0" y="0"/>
-          <a:chExt cx="0" cy="0"/>
-        </a:xfrm>
-      </p:grpSpPr>
-      <p:sp useBgFill="1">
-        <p:nvSpPr>
-          <p:cNvPr id="8" name="Rectangle 7">
-            <a:extLst>
-              <a:ext uri="{FF2B5EF4-FFF2-40B4-BE49-F238E27FC236}">
-                <a16:creationId xmlns:a16="http://schemas.microsoft.com/office/drawing/2014/main" id="{907EF6B7-1338-4443-8C46-6A318D952DFD}"/>
-              </a:ext>
-              <a:ext uri="{C183D7F6-B498-43B3-948B-1728B52AA6E4}">
-                <adec:decorative xmlns:adec="http://schemas.microsoft.com/office/drawing/2017/decorative" val="1"/>
-              </a:ext>
-            </a:extLst>
-          </p:cNvPr>
-          <p:cNvSpPr>
-            <a:spLocks noGrp="1" noRot="1" noChangeAspect="1" noMove="1" noResize="1" noEditPoints="1" noAdjustHandles="1" noChangeArrowheads="1" noChangeShapeType="1" noTextEdit="1"/>
-          </p:cNvSpPr>
-          <p:nvPr>
-            <p:extLst>
-              <p:ext uri="{386F3935-93C4-4BCD-93E2-E3B085C9AB24}">
-                <p16:designElem xmlns:p16="http://schemas.microsoft.com/office/powerpoint/2015/main" val="1"/>
-              </p:ext>
-            </p:extLst>
-          </p:nvPr>
-        </p:nvSpPr>
-        <p:spPr>
-          <a:xfrm>
-            <a:off x="3048" y="0"/>
-            <a:ext cx="12188952" cy="6858000"/>
-          </a:xfrm>
-          <a:prstGeom prst="rect">
-            <a:avLst/>
-          </a:prstGeom>
-          <a:ln>
-            <a:noFill/>
-          </a:ln>
-        </p:spPr>
-        <p:style>
-          <a:lnRef idx="2">
-            <a:schemeClr val="accent1">
-              <a:shade val="50000"/>
-            </a:schemeClr>
-          </a:lnRef>
-          <a:fillRef idx="1">
-            <a:schemeClr val="accent1"/>
-          </a:fillRef>
-          <a:effectRef idx="0">
-            <a:schemeClr val="accent1"/>
-          </a:effectRef>
-          <a:fontRef idx="minor">
-            <a:schemeClr val="lt1"/>
-          </a:fontRef>
-        </p:style>
-        <p:txBody>
-          <a:bodyPr rtlCol="0" anchor="ctr"/>
-          <a:lstStyle/>
-          <a:p>
-            <a:pPr algn="ctr"/>
-            <a:endParaRPr lang="en-US" dirty="0"/>
-          </a:p>
-        </p:txBody>
-      </p:sp>
-      <p:sp>
-        <p:nvSpPr>
-          <p:cNvPr id="10" name="Freeform: Shape 9">
-            <a:extLst>
-              <a:ext uri="{FF2B5EF4-FFF2-40B4-BE49-F238E27FC236}">
-                <a16:creationId xmlns:a16="http://schemas.microsoft.com/office/drawing/2014/main" id="{DAAE4CDD-124C-4DCF-9584-B6033B545DD5}"/>
-              </a:ext>
-              <a:ext uri="{C183D7F6-B498-43B3-948B-1728B52AA6E4}">
-                <adec:decorative xmlns:adec="http://schemas.microsoft.com/office/drawing/2017/decorative" val="1"/>
-              </a:ext>
-            </a:extLst>
-          </p:cNvPr>
-          <p:cNvSpPr>
-            <a:spLocks noChangeAspect="1"/>
-          </p:cNvSpPr>
-          <p:nvPr>
-            <p:extLst>
-              <p:ext uri="{386F3935-93C4-4BCD-93E2-E3B085C9AB24}">
-                <p16:designElem xmlns:p16="http://schemas.microsoft.com/office/powerpoint/2015/main" val="1"/>
-              </p:ext>
-            </p:extLst>
-          </p:nvPr>
-        </p:nvSpPr>
-        <p:spPr>
-          <a:xfrm>
-            <a:off x="1" y="0"/>
-            <a:ext cx="4167271" cy="6858000"/>
-          </a:xfrm>
-          <a:custGeom>
-            <a:avLst/>
-            <a:gdLst>
-              <a:gd name="connsiteX0" fmla="*/ 0 w 4167271"/>
-              <a:gd name="connsiteY0" fmla="*/ 0 h 6858000"/>
-              <a:gd name="connsiteX1" fmla="*/ 2259550 w 4167271"/>
-              <a:gd name="connsiteY1" fmla="*/ 0 h 6858000"/>
-              <a:gd name="connsiteX2" fmla="*/ 2387803 w 4167271"/>
-              <a:gd name="connsiteY2" fmla="*/ 82222 h 6858000"/>
-              <a:gd name="connsiteX3" fmla="*/ 4167271 w 4167271"/>
-              <a:gd name="connsiteY3" fmla="*/ 3429000 h 6858000"/>
-              <a:gd name="connsiteX4" fmla="*/ 2387803 w 4167271"/>
-              <a:gd name="connsiteY4" fmla="*/ 6775779 h 6858000"/>
-              <a:gd name="connsiteX5" fmla="*/ 2259550 w 4167271"/>
-              <a:gd name="connsiteY5" fmla="*/ 6858000 h 6858000"/>
-              <a:gd name="connsiteX6" fmla="*/ 0 w 4167271"/>
-              <a:gd name="connsiteY6" fmla="*/ 6858000 h 6858000"/>
-            </a:gdLst>
-            <a:ahLst/>
-            <a:cxnLst>
-              <a:cxn ang="0">
-                <a:pos x="connsiteX0" y="connsiteY0"/>
-              </a:cxn>
-              <a:cxn ang="0">
-                <a:pos x="connsiteX1" y="connsiteY1"/>
-              </a:cxn>
-              <a:cxn ang="0">
-                <a:pos x="connsiteX2" y="connsiteY2"/>
-              </a:cxn>
-              <a:cxn ang="0">
-                <a:pos x="connsiteX3" y="connsiteY3"/>
-              </a:cxn>
-              <a:cxn ang="0">
-                <a:pos x="connsiteX4" y="connsiteY4"/>
-              </a:cxn>
-              <a:cxn ang="0">
-                <a:pos x="connsiteX5" y="connsiteY5"/>
-              </a:cxn>
-              <a:cxn ang="0">
-                <a:pos x="connsiteX6" y="connsiteY6"/>
-              </a:cxn>
-            </a:cxnLst>
-            <a:rect l="l" t="t" r="r" b="b"/>
-            <a:pathLst>
-              <a:path w="4167271" h="6858000">
-                <a:moveTo>
-                  <a:pt x="0" y="0"/>
-                </a:moveTo>
-                <a:lnTo>
-                  <a:pt x="2259550" y="0"/>
-                </a:lnTo>
-                <a:lnTo>
-                  <a:pt x="2387803" y="82222"/>
-                </a:lnTo>
-                <a:cubicBezTo>
-                  <a:pt x="3461407" y="807534"/>
-                  <a:pt x="4167271" y="2035835"/>
-                  <a:pt x="4167271" y="3429000"/>
-                </a:cubicBezTo>
-                <a:cubicBezTo>
-                  <a:pt x="4167271" y="4822165"/>
-                  <a:pt x="3461407" y="6050467"/>
-                  <a:pt x="2387803" y="6775779"/>
-                </a:cubicBezTo>
-                <a:lnTo>
-                  <a:pt x="2259550" y="6858000"/>
-                </a:lnTo>
-                <a:lnTo>
-                  <a:pt x="0" y="6858000"/>
-                </a:lnTo>
-                <a:close/>
-              </a:path>
-            </a:pathLst>
-          </a:custGeom>
-          <a:gradFill flip="none" rotWithShape="1">
-            <a:gsLst>
-              <a:gs pos="0">
-                <a:schemeClr val="accent2">
-                  <a:lumMod val="67000"/>
-                </a:schemeClr>
-              </a:gs>
-              <a:gs pos="48000">
-                <a:schemeClr val="accent2">
-                  <a:lumMod val="97000"/>
-                  <a:lumOff val="3000"/>
-                </a:schemeClr>
-              </a:gs>
-              <a:gs pos="100000">
-                <a:schemeClr val="accent2">
-                  <a:lumMod val="60000"/>
-                  <a:lumOff val="40000"/>
-                </a:schemeClr>
-              </a:gs>
-            </a:gsLst>
-            <a:lin ang="16200000" scaled="1"/>
-            <a:tileRect/>
-          </a:gradFill>
-          <a:ln>
-            <a:noFill/>
-          </a:ln>
-        </p:spPr>
-        <p:style>
-          <a:lnRef idx="0">
-            <a:scrgbClr r="0" g="0" b="0"/>
-          </a:lnRef>
-          <a:fillRef idx="0">
-            <a:scrgbClr r="0" g="0" b="0"/>
-          </a:fillRef>
-          <a:effectRef idx="0">
-            <a:scrgbClr r="0" g="0" b="0"/>
-          </a:effectRef>
-          <a:fontRef idx="minor">
-            <a:schemeClr val="lt1"/>
-          </a:fontRef>
-        </p:style>
-        <p:txBody>
-          <a:bodyPr rtlCol="0" anchor="ctr"/>
-          <a:lstStyle/>
-          <a:p>
-            <a:pPr algn="ctr"/>
-            <a:endParaRPr lang="en-US" dirty="0"/>
-          </a:p>
-        </p:txBody>
-      </p:sp>
-      <p:sp>
-        <p:nvSpPr>
-          <p:cNvPr id="2" name="Title 1">
-            <a:extLst>
-              <a:ext uri="{FF2B5EF4-FFF2-40B4-BE49-F238E27FC236}">
-                <a16:creationId xmlns:a16="http://schemas.microsoft.com/office/drawing/2014/main" id="{604CD088-9924-FDF8-32EA-64AD14C5DE41}"/>
-              </a:ext>
-            </a:extLst>
-          </p:cNvPr>
-          <p:cNvSpPr>
-            <a:spLocks noGrp="1"/>
-          </p:cNvSpPr>
-          <p:nvPr>
-            <p:ph type="title"/>
-          </p:nvPr>
-        </p:nvSpPr>
-        <p:spPr>
-          <a:xfrm>
-            <a:off x="686834" y="1153572"/>
-            <a:ext cx="3200400" cy="4461163"/>
-          </a:xfrm>
-        </p:spPr>
-        <p:txBody>
-          <a:bodyPr>
-            <a:normAutofit/>
-          </a:bodyPr>
-          <a:lstStyle/>
-          <a:p>
-            <a:r>
-              <a:rPr lang="en-US" dirty="0">
-                <a:solidFill>
-                  <a:srgbClr val="FFFFFF"/>
-                </a:solidFill>
-              </a:rPr>
-              <a:t>TDD</a:t>
-            </a:r>
-          </a:p>
-        </p:txBody>
-      </p:sp>
-      <p:sp>
-        <p:nvSpPr>
-          <p:cNvPr id="12" name="Arc 11">
-            <a:extLst>
-              <a:ext uri="{FF2B5EF4-FFF2-40B4-BE49-F238E27FC236}">
-                <a16:creationId xmlns:a16="http://schemas.microsoft.com/office/drawing/2014/main" id="{081E4A58-353D-44AE-B2FC-2A74E2E400F7}"/>
-              </a:ext>
-              <a:ext uri="{C183D7F6-B498-43B3-948B-1728B52AA6E4}">
-                <adec:decorative xmlns:adec="http://schemas.microsoft.com/office/drawing/2017/decorative" val="1"/>
-              </a:ext>
-            </a:extLst>
-          </p:cNvPr>
-          <p:cNvSpPr>
-            <a:spLocks noGrp="1" noRot="1" noChangeAspect="1" noMove="1" noResize="1" noEditPoints="1" noAdjustHandles="1" noChangeArrowheads="1" noChangeShapeType="1" noTextEdit="1"/>
-          </p:cNvSpPr>
-          <p:nvPr>
-            <p:extLst>
-              <p:ext uri="{386F3935-93C4-4BCD-93E2-E3B085C9AB24}">
-                <p16:designElem xmlns:p16="http://schemas.microsoft.com/office/powerpoint/2015/main" val="1"/>
-              </p:ext>
-            </p:extLst>
-          </p:nvPr>
-        </p:nvSpPr>
-        <p:spPr>
-          <a:xfrm flipV="1">
-            <a:off x="7550402" y="2455479"/>
-            <a:ext cx="4083433" cy="4083433"/>
-          </a:xfrm>
-          <a:prstGeom prst="arc">
-            <a:avLst/>
-          </a:prstGeom>
-          <a:ln w="127000" cap="rnd">
-            <a:solidFill>
-              <a:schemeClr val="accent4"/>
-            </a:solidFill>
-            <a:prstDash val="dash"/>
-          </a:ln>
-        </p:spPr>
-        <p:style>
-          <a:lnRef idx="1">
-            <a:schemeClr val="accent1"/>
-          </a:lnRef>
-          <a:fillRef idx="0">
-            <a:schemeClr val="accent1"/>
-          </a:fillRef>
-          <a:effectRef idx="0">
-            <a:schemeClr val="accent1"/>
-          </a:effectRef>
-          <a:fontRef idx="minor">
-            <a:schemeClr val="tx1"/>
-          </a:fontRef>
-        </p:style>
-        <p:txBody>
-          <a:bodyPr rtlCol="0" anchor="ctr"/>
-          <a:lstStyle/>
-          <a:p>
-            <a:pPr algn="ctr"/>
-            <a:endParaRPr lang="en-US" dirty="0"/>
-          </a:p>
-        </p:txBody>
-      </p:sp>
-      <p:sp>
-        <p:nvSpPr>
-          <p:cNvPr id="3" name="Content Placeholder 2">
-            <a:extLst>
-              <a:ext uri="{FF2B5EF4-FFF2-40B4-BE49-F238E27FC236}">
-                <a16:creationId xmlns:a16="http://schemas.microsoft.com/office/drawing/2014/main" id="{506ECF03-3832-CE61-45EB-6C148D597A92}"/>
-              </a:ext>
-            </a:extLst>
-          </p:cNvPr>
-          <p:cNvSpPr>
-            <a:spLocks noGrp="1"/>
-          </p:cNvSpPr>
-          <p:nvPr>
-            <p:ph idx="1"/>
-          </p:nvPr>
-        </p:nvSpPr>
-        <p:spPr>
-          <a:xfrm>
-            <a:off x="4447308" y="787400"/>
-            <a:ext cx="6906491" cy="5389563"/>
-          </a:xfrm>
-        </p:spPr>
-        <p:txBody>
-          <a:bodyPr anchor="ctr">
-            <a:normAutofit/>
-          </a:bodyPr>
-          <a:lstStyle/>
-          <a:p>
-            <a:r>
-              <a:rPr lang="en-US" dirty="0"/>
-              <a:t>Build trust of the users</a:t>
-            </a:r>
-          </a:p>
-          <a:p>
-            <a:pPr lvl="1"/>
-            <a:r>
-              <a:rPr lang="en-US" dirty="0"/>
-              <a:t>Reduce the numbers of bugs found by users</a:t>
-            </a:r>
-          </a:p>
-          <a:p>
-            <a:pPr lvl="1"/>
-            <a:r>
-              <a:rPr lang="en-US" dirty="0"/>
-              <a:t>Finding errors sooner by development team</a:t>
-            </a:r>
-          </a:p>
-          <a:p>
-            <a:r>
-              <a:rPr lang="en-US" dirty="0"/>
-              <a:t>Done before writing end user software</a:t>
-            </a:r>
-          </a:p>
-          <a:p>
-            <a:r>
-              <a:rPr lang="en-US" dirty="0"/>
-              <a:t>TDD teams had 40% to 90% fewer defects</a:t>
-            </a:r>
-          </a:p>
-          <a:p>
-            <a:r>
-              <a:rPr lang="en-US" dirty="0"/>
-              <a:t>TDD teams spent 15% to 33% more time writing code</a:t>
-            </a:r>
-          </a:p>
-          <a:p>
-            <a:r>
-              <a:rPr lang="en-US" dirty="0"/>
-              <a:t>Problems</a:t>
-            </a:r>
-          </a:p>
-          <a:p>
-            <a:pPr lvl="1"/>
-            <a:r>
-              <a:rPr lang="en-US" dirty="0"/>
-              <a:t>Focuses on tests and how to create tests</a:t>
-            </a:r>
-          </a:p>
-          <a:p>
-            <a:pPr lvl="1"/>
-            <a:r>
-              <a:rPr lang="en-US" dirty="0"/>
-              <a:t>When focused on code coverage it slows the development processes down</a:t>
-            </a:r>
-          </a:p>
-          <a:p>
-            <a:pPr marL="0" indent="0">
-              <a:buNone/>
-            </a:pPr>
-            <a:endParaRPr lang="en-US" dirty="0"/>
-          </a:p>
-        </p:txBody>
-      </p:sp>
-      <p:sp>
-        <p:nvSpPr>
-          <p:cNvPr id="4" name="TextBox 3">
-            <a:extLst>
-              <a:ext uri="{FF2B5EF4-FFF2-40B4-BE49-F238E27FC236}">
-                <a16:creationId xmlns:a16="http://schemas.microsoft.com/office/drawing/2014/main" id="{E7C2E0A4-BBB9-95DD-623C-2422E8FDA616}"/>
-              </a:ext>
-            </a:extLst>
-          </p:cNvPr>
-          <p:cNvSpPr txBox="1"/>
-          <p:nvPr/>
-        </p:nvSpPr>
-        <p:spPr>
-          <a:xfrm>
-            <a:off x="2674986" y="6531320"/>
-            <a:ext cx="7146828" cy="369332"/>
-          </a:xfrm>
-          <a:prstGeom prst="rect">
-            <a:avLst/>
-          </a:prstGeom>
-          <a:noFill/>
-        </p:spPr>
-        <p:txBody>
-          <a:bodyPr wrap="none" rtlCol="0">
-            <a:spAutoFit/>
-          </a:bodyPr>
-          <a:lstStyle/>
-          <a:p>
-            <a:r>
-              <a:rPr lang="en-US" dirty="0">
-                <a:hlinkClick r:id="rId3"/>
-              </a:rPr>
-              <a:t>https://cucumber.io/blog/bdd/how-to-measure-the-roi-of-bdd-and-tdd </a:t>
-            </a:r>
-            <a:endParaRPr lang="en-US" dirty="0"/>
-          </a:p>
-        </p:txBody>
-      </p:sp>
-    </p:spTree>
-    <p:extLst>
-      <p:ext uri="{BB962C8B-B14F-4D97-AF65-F5344CB8AC3E}">
-        <p14:creationId xmlns:p14="http://schemas.microsoft.com/office/powerpoint/2010/main" val="3707692299"/>
-      </p:ext>
-    </p:extLst>
-  </p:cSld>
-  <p:clrMapOvr>
-    <a:masterClrMapping/>
-  </p:clrMapOvr>
-  <p:timing>
-    <p:tnLst>
-      <p:par>
-        <p:cTn id="1" dur="indefinite" restart="never" nodeType="tmRoot">
-          <p:childTnLst>
-            <p:seq concurrent="1" nextAc="seek">
-              <p:cTn id="2" dur="indefinite" nodeType="mainSeq">
-                <p:childTnLst>
-                  <p:par>
-                    <p:cTn id="3" fill="hold">
-                      <p:stCondLst>
-                        <p:cond delay="indefinite"/>
-                      </p:stCondLst>
-                      <p:childTnLst>
-                        <p:par>
-                          <p:cTn id="4" fill="hold">
-                            <p:stCondLst>
-                              <p:cond delay="0"/>
-                            </p:stCondLst>
-                            <p:childTnLst>
-                              <p:par>
-                                <p:cTn id="5" presetID="2" presetClass="entr" presetSubtype="8" fill="hold" grpId="0" nodeType="clickEffect">
-                                  <p:stCondLst>
-                                    <p:cond delay="0"/>
-                                  </p:stCondLst>
-                                  <p:childTnLst>
-                                    <p:set>
-                                      <p:cBhvr>
-                                        <p:cTn id="6" dur="1" fill="hold">
-                                          <p:stCondLst>
-                                            <p:cond delay="0"/>
-                                          </p:stCondLst>
-                                        </p:cTn>
-                                        <p:tgtEl>
-                                          <p:spTgt spid="10"/>
-                                        </p:tgtEl>
-                                        <p:attrNameLst>
-                                          <p:attrName>style.visibility</p:attrName>
-                                        </p:attrNameLst>
-                                      </p:cBhvr>
-                                      <p:to>
-                                        <p:strVal val="visible"/>
-                                      </p:to>
-                                    </p:set>
-                                    <p:anim calcmode="lin" valueType="num">
-                                      <p:cBhvr additive="base">
-                                        <p:cTn id="7" dur="3500" fill="hold"/>
-                                        <p:tgtEl>
-                                          <p:spTgt spid="10"/>
-                                        </p:tgtEl>
-                                        <p:attrNameLst>
-                                          <p:attrName>ppt_x</p:attrName>
-                                        </p:attrNameLst>
-                                      </p:cBhvr>
-                                      <p:tavLst>
-                                        <p:tav tm="0">
-                                          <p:val>
-                                            <p:strVal val="0-#ppt_w/2"/>
-                                          </p:val>
-                                        </p:tav>
-                                        <p:tav tm="100000">
-                                          <p:val>
-                                            <p:strVal val="#ppt_x"/>
-                                          </p:val>
-                                        </p:tav>
-                                      </p:tavLst>
-                                    </p:anim>
-                                    <p:anim calcmode="lin" valueType="num">
-                                      <p:cBhvr additive="base">
-                                        <p:cTn id="8" dur="3500" fill="hold"/>
-                                        <p:tgtEl>
-                                          <p:spTgt spid="10"/>
-                                        </p:tgtEl>
-                                        <p:attrNameLst>
-                                          <p:attrName>ppt_y</p:attrName>
-                                        </p:attrNameLst>
-                                      </p:cBhvr>
-                                      <p:tavLst>
-                                        <p:tav tm="0">
-                                          <p:val>
-                                            <p:strVal val="#ppt_y"/>
-                                          </p:val>
-                                        </p:tav>
-                                        <p:tav tm="100000">
-                                          <p:val>
-                                            <p:strVal val="#ppt_y"/>
-                                          </p:val>
-                                        </p:tav>
-                                      </p:tavLst>
-                                    </p:anim>
-                                  </p:childTnLst>
-                                </p:cTn>
-                              </p:par>
-                            </p:childTnLst>
-                          </p:cTn>
-                        </p:par>
-                      </p:childTnLst>
-                    </p:cTn>
-                  </p:par>
-                </p:childTnLst>
-              </p:cTn>
-              <p:prevCondLst>
-                <p:cond evt="onPrev" delay="0">
-                  <p:tgtEl>
-                    <p:sldTgt/>
-                  </p:tgtEl>
-                </p:cond>
-              </p:prevCondLst>
-              <p:nextCondLst>
-                <p:cond evt="onNext" delay="0">
-                  <p:tgtEl>
-                    <p:sldTgt/>
-                  </p:tgtEl>
-                </p:cond>
-              </p:nextCondLst>
-            </p:seq>
-          </p:childTnLst>
-        </p:cTn>
-      </p:par>
-    </p:tnLst>
-    <p:bldLst>
-      <p:bldP spid="10" grpId="0" animBg="1"/>
-    </p:bldLst>
-  </p:timing>
-</p:sld>
-</file>
-
-<file path=ppt/slides/slide13.xml><?xml version="1.0" encoding="utf-8"?>
-<p:sld xmlns:a="http://schemas.openxmlformats.org/drawingml/2006/main" xmlns:r="http://schemas.openxmlformats.org/officeDocument/2006/relationships" xmlns:p="http://schemas.openxmlformats.org/presentationml/2006/main">
-  <p:cSld>
-    <p:bg>
-      <p:bgPr>
-        <a:solidFill>
-          <a:schemeClr val="bg1"/>
-        </a:solidFill>
-        <a:effectLst/>
-      </p:bgPr>
-    </p:bg>
-    <p:spTree>
-      <p:nvGrpSpPr>
-        <p:cNvPr id="1" name=""/>
-        <p:cNvGrpSpPr/>
-        <p:nvPr/>
-      </p:nvGrpSpPr>
-      <p:grpSpPr>
-        <a:xfrm>
-          <a:off x="0" y="0"/>
-          <a:ext cx="0" cy="0"/>
-          <a:chOff x="0" y="0"/>
-          <a:chExt cx="0" cy="0"/>
-        </a:xfrm>
-      </p:grpSpPr>
-      <p:sp useBgFill="1">
-        <p:nvSpPr>
-          <p:cNvPr id="8" name="Rectangle 7">
-            <a:extLst>
-              <a:ext uri="{FF2B5EF4-FFF2-40B4-BE49-F238E27FC236}">
-                <a16:creationId xmlns:a16="http://schemas.microsoft.com/office/drawing/2014/main" id="{907EF6B7-1338-4443-8C46-6A318D952DFD}"/>
-              </a:ext>
-              <a:ext uri="{C183D7F6-B498-43B3-948B-1728B52AA6E4}">
-                <adec:decorative xmlns:adec="http://schemas.microsoft.com/office/drawing/2017/decorative" val="1"/>
-              </a:ext>
-            </a:extLst>
-          </p:cNvPr>
-          <p:cNvSpPr>
-            <a:spLocks noGrp="1" noRot="1" noChangeAspect="1" noMove="1" noResize="1" noEditPoints="1" noAdjustHandles="1" noChangeArrowheads="1" noChangeShapeType="1" noTextEdit="1"/>
-          </p:cNvSpPr>
-          <p:nvPr>
-            <p:extLst>
-              <p:ext uri="{386F3935-93C4-4BCD-93E2-E3B085C9AB24}">
-                <p16:designElem xmlns:p16="http://schemas.microsoft.com/office/powerpoint/2015/main" val="1"/>
-              </p:ext>
-            </p:extLst>
-          </p:nvPr>
-        </p:nvSpPr>
-        <p:spPr>
-          <a:xfrm>
-            <a:off x="3048" y="0"/>
-            <a:ext cx="12188952" cy="6858000"/>
-          </a:xfrm>
-          <a:prstGeom prst="rect">
-            <a:avLst/>
-          </a:prstGeom>
-          <a:ln>
-            <a:noFill/>
-          </a:ln>
-        </p:spPr>
-        <p:style>
-          <a:lnRef idx="2">
-            <a:schemeClr val="accent1">
-              <a:shade val="50000"/>
-            </a:schemeClr>
-          </a:lnRef>
-          <a:fillRef idx="1">
-            <a:schemeClr val="accent1"/>
-          </a:fillRef>
-          <a:effectRef idx="0">
-            <a:schemeClr val="accent1"/>
-          </a:effectRef>
-          <a:fontRef idx="minor">
-            <a:schemeClr val="lt1"/>
-          </a:fontRef>
-        </p:style>
-        <p:txBody>
-          <a:bodyPr rtlCol="0" anchor="ctr"/>
-          <a:lstStyle/>
-          <a:p>
-            <a:pPr algn="ctr"/>
-            <a:endParaRPr lang="en-US" dirty="0"/>
-          </a:p>
-        </p:txBody>
-      </p:sp>
-      <p:sp>
-        <p:nvSpPr>
-          <p:cNvPr id="10" name="Freeform: Shape 9">
-            <a:extLst>
-              <a:ext uri="{FF2B5EF4-FFF2-40B4-BE49-F238E27FC236}">
-                <a16:creationId xmlns:a16="http://schemas.microsoft.com/office/drawing/2014/main" id="{DAAE4CDD-124C-4DCF-9584-B6033B545DD5}"/>
-              </a:ext>
-              <a:ext uri="{C183D7F6-B498-43B3-948B-1728B52AA6E4}">
-                <adec:decorative xmlns:adec="http://schemas.microsoft.com/office/drawing/2017/decorative" val="1"/>
-              </a:ext>
-            </a:extLst>
-          </p:cNvPr>
-          <p:cNvSpPr>
-            <a:spLocks noChangeAspect="1"/>
-          </p:cNvSpPr>
-          <p:nvPr>
-            <p:extLst>
-              <p:ext uri="{386F3935-93C4-4BCD-93E2-E3B085C9AB24}">
-                <p16:designElem xmlns:p16="http://schemas.microsoft.com/office/powerpoint/2015/main" val="1"/>
-              </p:ext>
-            </p:extLst>
-          </p:nvPr>
-        </p:nvSpPr>
-        <p:spPr>
-          <a:xfrm>
-            <a:off x="1" y="0"/>
-            <a:ext cx="4167271" cy="6858000"/>
-          </a:xfrm>
-          <a:custGeom>
-            <a:avLst/>
-            <a:gdLst>
-              <a:gd name="connsiteX0" fmla="*/ 0 w 4167271"/>
-              <a:gd name="connsiteY0" fmla="*/ 0 h 6858000"/>
-              <a:gd name="connsiteX1" fmla="*/ 2259550 w 4167271"/>
-              <a:gd name="connsiteY1" fmla="*/ 0 h 6858000"/>
-              <a:gd name="connsiteX2" fmla="*/ 2387803 w 4167271"/>
-              <a:gd name="connsiteY2" fmla="*/ 82222 h 6858000"/>
-              <a:gd name="connsiteX3" fmla="*/ 4167271 w 4167271"/>
-              <a:gd name="connsiteY3" fmla="*/ 3429000 h 6858000"/>
-              <a:gd name="connsiteX4" fmla="*/ 2387803 w 4167271"/>
-              <a:gd name="connsiteY4" fmla="*/ 6775779 h 6858000"/>
-              <a:gd name="connsiteX5" fmla="*/ 2259550 w 4167271"/>
-              <a:gd name="connsiteY5" fmla="*/ 6858000 h 6858000"/>
-              <a:gd name="connsiteX6" fmla="*/ 0 w 4167271"/>
-              <a:gd name="connsiteY6" fmla="*/ 6858000 h 6858000"/>
-            </a:gdLst>
-            <a:ahLst/>
-            <a:cxnLst>
-              <a:cxn ang="0">
-                <a:pos x="connsiteX0" y="connsiteY0"/>
-              </a:cxn>
-              <a:cxn ang="0">
-                <a:pos x="connsiteX1" y="connsiteY1"/>
-              </a:cxn>
-              <a:cxn ang="0">
-                <a:pos x="connsiteX2" y="connsiteY2"/>
-              </a:cxn>
-              <a:cxn ang="0">
-                <a:pos x="connsiteX3" y="connsiteY3"/>
-              </a:cxn>
-              <a:cxn ang="0">
-                <a:pos x="connsiteX4" y="connsiteY4"/>
-              </a:cxn>
-              <a:cxn ang="0">
-                <a:pos x="connsiteX5" y="connsiteY5"/>
-              </a:cxn>
-              <a:cxn ang="0">
-                <a:pos x="connsiteX6" y="connsiteY6"/>
-              </a:cxn>
-            </a:cxnLst>
-            <a:rect l="l" t="t" r="r" b="b"/>
-            <a:pathLst>
-              <a:path w="4167271" h="6858000">
-                <a:moveTo>
-                  <a:pt x="0" y="0"/>
-                </a:moveTo>
-                <a:lnTo>
-                  <a:pt x="2259550" y="0"/>
-                </a:lnTo>
-                <a:lnTo>
-                  <a:pt x="2387803" y="82222"/>
-                </a:lnTo>
-                <a:cubicBezTo>
-                  <a:pt x="3461407" y="807534"/>
-                  <a:pt x="4167271" y="2035835"/>
-                  <a:pt x="4167271" y="3429000"/>
-                </a:cubicBezTo>
-                <a:cubicBezTo>
-                  <a:pt x="4167271" y="4822165"/>
-                  <a:pt x="3461407" y="6050467"/>
-                  <a:pt x="2387803" y="6775779"/>
-                </a:cubicBezTo>
-                <a:lnTo>
-                  <a:pt x="2259550" y="6858000"/>
-                </a:lnTo>
-                <a:lnTo>
-                  <a:pt x="0" y="6858000"/>
-                </a:lnTo>
-                <a:close/>
-              </a:path>
-            </a:pathLst>
-          </a:custGeom>
-          <a:gradFill flip="none" rotWithShape="1">
-            <a:gsLst>
-              <a:gs pos="0">
-                <a:schemeClr val="accent2">
-                  <a:lumMod val="67000"/>
-                </a:schemeClr>
-              </a:gs>
-              <a:gs pos="48000">
-                <a:schemeClr val="accent2">
-                  <a:lumMod val="97000"/>
-                  <a:lumOff val="3000"/>
-                </a:schemeClr>
-              </a:gs>
-              <a:gs pos="100000">
-                <a:schemeClr val="accent2">
-                  <a:lumMod val="60000"/>
-                  <a:lumOff val="40000"/>
-                </a:schemeClr>
-              </a:gs>
-            </a:gsLst>
-            <a:lin ang="16200000" scaled="1"/>
-            <a:tileRect/>
-          </a:gradFill>
-          <a:ln>
-            <a:noFill/>
-          </a:ln>
-        </p:spPr>
-        <p:style>
-          <a:lnRef idx="0">
-            <a:scrgbClr r="0" g="0" b="0"/>
-          </a:lnRef>
-          <a:fillRef idx="0">
-            <a:scrgbClr r="0" g="0" b="0"/>
-          </a:fillRef>
-          <a:effectRef idx="0">
-            <a:scrgbClr r="0" g="0" b="0"/>
-          </a:effectRef>
-          <a:fontRef idx="minor">
-            <a:schemeClr val="lt1"/>
-          </a:fontRef>
-        </p:style>
-        <p:txBody>
-          <a:bodyPr rtlCol="0" anchor="ctr"/>
-          <a:lstStyle/>
-          <a:p>
-            <a:pPr algn="ctr"/>
-            <a:endParaRPr lang="en-US" dirty="0"/>
-          </a:p>
-        </p:txBody>
-      </p:sp>
-      <p:sp>
-        <p:nvSpPr>
-          <p:cNvPr id="2" name="Title 1">
-            <a:extLst>
-              <a:ext uri="{FF2B5EF4-FFF2-40B4-BE49-F238E27FC236}">
-                <a16:creationId xmlns:a16="http://schemas.microsoft.com/office/drawing/2014/main" id="{604CD088-9924-FDF8-32EA-64AD14C5DE41}"/>
-              </a:ext>
-            </a:extLst>
-          </p:cNvPr>
-          <p:cNvSpPr>
-            <a:spLocks noGrp="1"/>
-          </p:cNvSpPr>
-          <p:nvPr>
-            <p:ph type="title"/>
-          </p:nvPr>
-        </p:nvSpPr>
-        <p:spPr>
-          <a:xfrm>
-            <a:off x="686834" y="1153572"/>
-            <a:ext cx="3200400" cy="4461163"/>
-          </a:xfrm>
-        </p:spPr>
-        <p:txBody>
-          <a:bodyPr>
-            <a:normAutofit/>
-          </a:bodyPr>
-          <a:lstStyle/>
-          <a:p>
-            <a:r>
-              <a:rPr lang="en-US" dirty="0">
-                <a:solidFill>
-                  <a:srgbClr val="FFFFFF"/>
-                </a:solidFill>
-              </a:rPr>
-              <a:t>BDD</a:t>
-            </a:r>
-          </a:p>
-        </p:txBody>
-      </p:sp>
-      <p:sp>
-        <p:nvSpPr>
-          <p:cNvPr id="12" name="Arc 11">
-            <a:extLst>
-              <a:ext uri="{FF2B5EF4-FFF2-40B4-BE49-F238E27FC236}">
-                <a16:creationId xmlns:a16="http://schemas.microsoft.com/office/drawing/2014/main" id="{081E4A58-353D-44AE-B2FC-2A74E2E400F7}"/>
-              </a:ext>
-              <a:ext uri="{C183D7F6-B498-43B3-948B-1728B52AA6E4}">
-                <adec:decorative xmlns:adec="http://schemas.microsoft.com/office/drawing/2017/decorative" val="1"/>
-              </a:ext>
-            </a:extLst>
-          </p:cNvPr>
-          <p:cNvSpPr>
-            <a:spLocks noGrp="1" noRot="1" noChangeAspect="1" noMove="1" noResize="1" noEditPoints="1" noAdjustHandles="1" noChangeArrowheads="1" noChangeShapeType="1" noTextEdit="1"/>
-          </p:cNvSpPr>
-          <p:nvPr>
-            <p:extLst>
-              <p:ext uri="{386F3935-93C4-4BCD-93E2-E3B085C9AB24}">
-                <p16:designElem xmlns:p16="http://schemas.microsoft.com/office/powerpoint/2015/main" val="1"/>
-              </p:ext>
-            </p:extLst>
-          </p:nvPr>
-        </p:nvSpPr>
-        <p:spPr>
-          <a:xfrm flipV="1">
-            <a:off x="7550402" y="2455479"/>
-            <a:ext cx="4083433" cy="4083433"/>
-          </a:xfrm>
-          <a:prstGeom prst="arc">
-            <a:avLst/>
-          </a:prstGeom>
-          <a:ln w="127000" cap="rnd">
-            <a:solidFill>
-              <a:schemeClr val="accent4"/>
-            </a:solidFill>
-            <a:prstDash val="dash"/>
-          </a:ln>
-        </p:spPr>
-        <p:style>
-          <a:lnRef idx="1">
-            <a:schemeClr val="accent1"/>
-          </a:lnRef>
-          <a:fillRef idx="0">
-            <a:schemeClr val="accent1"/>
-          </a:fillRef>
-          <a:effectRef idx="0">
-            <a:schemeClr val="accent1"/>
-          </a:effectRef>
-          <a:fontRef idx="minor">
-            <a:schemeClr val="tx1"/>
-          </a:fontRef>
-        </p:style>
-        <p:txBody>
-          <a:bodyPr rtlCol="0" anchor="ctr"/>
-          <a:lstStyle/>
-          <a:p>
-            <a:pPr algn="ctr"/>
-            <a:endParaRPr lang="en-US" dirty="0"/>
-          </a:p>
-        </p:txBody>
-      </p:sp>
-      <p:sp>
-        <p:nvSpPr>
-          <p:cNvPr id="3" name="Content Placeholder 2">
-            <a:extLst>
-              <a:ext uri="{FF2B5EF4-FFF2-40B4-BE49-F238E27FC236}">
-                <a16:creationId xmlns:a16="http://schemas.microsoft.com/office/drawing/2014/main" id="{506ECF03-3832-CE61-45EB-6C148D597A92}"/>
-              </a:ext>
-            </a:extLst>
-          </p:cNvPr>
-          <p:cNvSpPr>
-            <a:spLocks noGrp="1"/>
-          </p:cNvSpPr>
-          <p:nvPr>
-            <p:ph idx="1"/>
-          </p:nvPr>
-        </p:nvSpPr>
-        <p:spPr>
-          <a:xfrm>
-            <a:off x="4447308" y="787400"/>
-            <a:ext cx="6906491" cy="5389563"/>
-          </a:xfrm>
-        </p:spPr>
-        <p:txBody>
-          <a:bodyPr anchor="ctr">
-            <a:normAutofit/>
-          </a:bodyPr>
-          <a:lstStyle/>
-          <a:p>
-            <a:r>
-              <a:rPr lang="en-US" dirty="0"/>
-              <a:t>Tries to do TDD, but better</a:t>
-            </a:r>
-          </a:p>
-          <a:p>
-            <a:pPr lvl="1"/>
-            <a:r>
-              <a:rPr lang="en-US" dirty="0"/>
-              <a:t>Not TDD’s fault</a:t>
-            </a:r>
-          </a:p>
-          <a:p>
-            <a:pPr lvl="1"/>
-            <a:r>
-              <a:rPr lang="en-US" dirty="0"/>
-              <a:t>Avoid misunderstandings of adopting TDD</a:t>
-            </a:r>
-          </a:p>
-          <a:p>
-            <a:pPr lvl="1"/>
-            <a:r>
-              <a:rPr lang="en-US" dirty="0"/>
-              <a:t>Move focus to behaviors instead of tests</a:t>
-            </a:r>
-          </a:p>
-          <a:p>
-            <a:pPr lvl="1"/>
-            <a:r>
-              <a:rPr lang="en-US" dirty="0"/>
-              <a:t>Avoid complex slow and tightly coupled tests</a:t>
-            </a:r>
-          </a:p>
-          <a:p>
-            <a:pPr lvl="1"/>
-            <a:r>
-              <a:rPr lang="en-US" dirty="0"/>
-              <a:t>Start from end user perspective</a:t>
-            </a:r>
-          </a:p>
-          <a:p>
-            <a:pPr lvl="1"/>
-            <a:r>
-              <a:rPr lang="en-US" dirty="0"/>
-              <a:t>Get business and technical teams on the same page</a:t>
-            </a:r>
-          </a:p>
-          <a:p>
-            <a:pPr lvl="2"/>
-            <a:r>
-              <a:rPr lang="en-US"/>
-              <a:t>Three Amigos</a:t>
-            </a:r>
-            <a:endParaRPr lang="en-US" dirty="0"/>
-          </a:p>
-        </p:txBody>
-      </p:sp>
-    </p:spTree>
-    <p:extLst>
-      <p:ext uri="{BB962C8B-B14F-4D97-AF65-F5344CB8AC3E}">
-        <p14:creationId xmlns:p14="http://schemas.microsoft.com/office/powerpoint/2010/main" val="828508002"/>
-      </p:ext>
-    </p:extLst>
-  </p:cSld>
-  <p:clrMapOvr>
-    <a:masterClrMapping/>
-  </p:clrMapOvr>
-  <p:timing>
-    <p:tnLst>
-      <p:par>
-        <p:cTn id="1" dur="indefinite" restart="never" nodeType="tmRoot">
-          <p:childTnLst>
-            <p:seq concurrent="1" nextAc="seek">
-              <p:cTn id="2" dur="indefinite" nodeType="mainSeq">
-                <p:childTnLst>
-                  <p:par>
-                    <p:cTn id="3" fill="hold">
-                      <p:stCondLst>
-                        <p:cond delay="indefinite"/>
-                      </p:stCondLst>
-                      <p:childTnLst>
-                        <p:par>
-                          <p:cTn id="4" fill="hold">
-                            <p:stCondLst>
-                              <p:cond delay="0"/>
-                            </p:stCondLst>
-                            <p:childTnLst>
-                              <p:par>
-                                <p:cTn id="5" presetID="2" presetClass="entr" presetSubtype="8" fill="hold" grpId="0" nodeType="clickEffect">
-                                  <p:stCondLst>
-                                    <p:cond delay="0"/>
-                                  </p:stCondLst>
-                                  <p:childTnLst>
-                                    <p:set>
-                                      <p:cBhvr>
-                                        <p:cTn id="6" dur="1" fill="hold">
-                                          <p:stCondLst>
-                                            <p:cond delay="0"/>
-                                          </p:stCondLst>
-                                        </p:cTn>
-                                        <p:tgtEl>
-                                          <p:spTgt spid="10"/>
-                                        </p:tgtEl>
-                                        <p:attrNameLst>
-                                          <p:attrName>style.visibility</p:attrName>
-                                        </p:attrNameLst>
-                                      </p:cBhvr>
-                                      <p:to>
-                                        <p:strVal val="visible"/>
-                                      </p:to>
-                                    </p:set>
-                                    <p:anim calcmode="lin" valueType="num">
-                                      <p:cBhvr additive="base">
-                                        <p:cTn id="7" dur="3500" fill="hold"/>
-                                        <p:tgtEl>
-                                          <p:spTgt spid="10"/>
-                                        </p:tgtEl>
-                                        <p:attrNameLst>
-                                          <p:attrName>ppt_x</p:attrName>
-                                        </p:attrNameLst>
-                                      </p:cBhvr>
-                                      <p:tavLst>
-                                        <p:tav tm="0">
-                                          <p:val>
-                                            <p:strVal val="0-#ppt_w/2"/>
-                                          </p:val>
-                                        </p:tav>
-                                        <p:tav tm="100000">
-                                          <p:val>
-                                            <p:strVal val="#ppt_x"/>
-                                          </p:val>
-                                        </p:tav>
-                                      </p:tavLst>
-                                    </p:anim>
-                                    <p:anim calcmode="lin" valueType="num">
-                                      <p:cBhvr additive="base">
-                                        <p:cTn id="8" dur="3500" fill="hold"/>
-                                        <p:tgtEl>
-                                          <p:spTgt spid="10"/>
-                                        </p:tgtEl>
-                                        <p:attrNameLst>
-                                          <p:attrName>ppt_y</p:attrName>
-                                        </p:attrNameLst>
-                                      </p:cBhvr>
-                                      <p:tavLst>
-                                        <p:tav tm="0">
-                                          <p:val>
-                                            <p:strVal val="#ppt_y"/>
-                                          </p:val>
-                                        </p:tav>
-                                        <p:tav tm="100000">
-                                          <p:val>
-                                            <p:strVal val="#ppt_y"/>
-                                          </p:val>
-                                        </p:tav>
-                                      </p:tavLst>
-                                    </p:anim>
-                                  </p:childTnLst>
-                                </p:cTn>
-                              </p:par>
-                            </p:childTnLst>
-                          </p:cTn>
-                        </p:par>
-                      </p:childTnLst>
-                    </p:cTn>
-                  </p:par>
-                </p:childTnLst>
-              </p:cTn>
-              <p:prevCondLst>
-                <p:cond evt="onPrev" delay="0">
-                  <p:tgtEl>
-                    <p:sldTgt/>
-                  </p:tgtEl>
-                </p:cond>
-              </p:prevCondLst>
-              <p:nextCondLst>
-                <p:cond evt="onNext" delay="0">
-                  <p:tgtEl>
-                    <p:sldTgt/>
-                  </p:tgtEl>
-                </p:cond>
-              </p:nextCondLst>
-            </p:seq>
-          </p:childTnLst>
-        </p:cTn>
-      </p:par>
-    </p:tnLst>
-    <p:bldLst>
-      <p:bldP spid="10" grpId="0" animBg="1"/>
-    </p:bldLst>
-  </p:timing>
-</p:sld>
-</file>
-
-<file path=ppt/slides/slide14.xml><?xml version="1.0" encoding="utf-8"?>
-<p:sld xmlns:a="http://schemas.openxmlformats.org/drawingml/2006/main" xmlns:r="http://schemas.openxmlformats.org/officeDocument/2006/relationships" xmlns:p="http://schemas.openxmlformats.org/presentationml/2006/main">
-  <p:cSld>
-    <p:bg>
-      <p:bgPr>
-        <a:solidFill>
-          <a:schemeClr val="bg1"/>
-        </a:solidFill>
-        <a:effectLst/>
-      </p:bgPr>
-    </p:bg>
-    <p:spTree>
-      <p:nvGrpSpPr>
-        <p:cNvPr id="1" name=""/>
-        <p:cNvGrpSpPr/>
-        <p:nvPr/>
-      </p:nvGrpSpPr>
-      <p:grpSpPr>
-        <a:xfrm>
-          <a:off x="0" y="0"/>
-          <a:ext cx="0" cy="0"/>
-          <a:chOff x="0" y="0"/>
-          <a:chExt cx="0" cy="0"/>
-        </a:xfrm>
-      </p:grpSpPr>
-      <p:sp useBgFill="1">
-        <p:nvSpPr>
-          <p:cNvPr id="8" name="Rectangle 7">
-            <a:extLst>
-              <a:ext uri="{FF2B5EF4-FFF2-40B4-BE49-F238E27FC236}">
                 <a16:creationId xmlns:a16="http://schemas.microsoft.com/office/drawing/2014/main" id="{907EF6B7-1338-4443-8C46-6A318D952DFD}"/>
               </a:ext>
               <a:ext uri="{C183D7F6-B498-43B3-948B-1728B52AA6E4}">
@@ -9743,7 +6956,7 @@
 </p:sld>
 </file>
 
-<file path=ppt/slides/slide15.xml><?xml version="1.0" encoding="utf-8"?>
+<file path=ppt/slides/slide12.xml><?xml version="1.0" encoding="utf-8"?>
 <p:sld xmlns:a="http://schemas.openxmlformats.org/drawingml/2006/main" xmlns:r="http://schemas.openxmlformats.org/officeDocument/2006/relationships" xmlns:p="http://schemas.openxmlformats.org/presentationml/2006/main">
   <p:cSld>
     <p:bg>
@@ -10246,7 +7459,7 @@
 </p:sld>
 </file>
 
-<file path=ppt/slides/slide16.xml><?xml version="1.0" encoding="utf-8"?>
+<file path=ppt/slides/slide13.xml><?xml version="1.0" encoding="utf-8"?>
 <p:sld xmlns:a="http://schemas.openxmlformats.org/drawingml/2006/main" xmlns:r="http://schemas.openxmlformats.org/officeDocument/2006/relationships" xmlns:p="http://schemas.openxmlformats.org/presentationml/2006/main">
   <p:cSld>
     <p:bg>
@@ -10784,7 +7997,7 @@
 </p:sld>
 </file>
 
-<file path=ppt/slides/slide17.xml><?xml version="1.0" encoding="utf-8"?>
+<file path=ppt/slides/slide14.xml><?xml version="1.0" encoding="utf-8"?>
 <p:sld xmlns:a="http://schemas.openxmlformats.org/drawingml/2006/main" xmlns:r="http://schemas.openxmlformats.org/officeDocument/2006/relationships" xmlns:p="http://schemas.openxmlformats.org/presentationml/2006/main">
   <p:cSld>
     <p:bg>
@@ -11322,7 +8535,7 @@
 </p:sld>
 </file>
 
-<file path=ppt/slides/slide18.xml><?xml version="1.0" encoding="utf-8"?>
+<file path=ppt/slides/slide15.xml><?xml version="1.0" encoding="utf-8"?>
 <p:sld xmlns:a="http://schemas.openxmlformats.org/drawingml/2006/main" xmlns:r="http://schemas.openxmlformats.org/officeDocument/2006/relationships" xmlns:p="http://schemas.openxmlformats.org/presentationml/2006/main">
   <p:cSld>
     <p:bg>
@@ -11860,7 +9073,7 @@
 </p:sld>
 </file>
 
-<file path=ppt/slides/slide19.xml><?xml version="1.0" encoding="utf-8"?>
+<file path=ppt/slides/slide16.xml><?xml version="1.0" encoding="utf-8"?>
 <p:sld xmlns:a="http://schemas.openxmlformats.org/drawingml/2006/main" xmlns:r="http://schemas.openxmlformats.org/officeDocument/2006/relationships" xmlns:p="http://schemas.openxmlformats.org/presentationml/2006/main">
   <p:cSld>
     <p:spTree>
@@ -12010,97 +9223,7 @@
 </p:sld>
 </file>
 
-<file path=ppt/slides/slide2.xml><?xml version="1.0" encoding="utf-8"?>
-<p:sld xmlns:a="http://schemas.openxmlformats.org/drawingml/2006/main" xmlns:r="http://schemas.openxmlformats.org/officeDocument/2006/relationships" xmlns:p="http://schemas.openxmlformats.org/presentationml/2006/main">
-  <p:cSld>
-    <p:spTree>
-      <p:nvGrpSpPr>
-        <p:cNvPr id="1" name=""/>
-        <p:cNvGrpSpPr/>
-        <p:nvPr/>
-      </p:nvGrpSpPr>
-      <p:grpSpPr>
-        <a:xfrm>
-          <a:off x="0" y="0"/>
-          <a:ext cx="0" cy="0"/>
-          <a:chOff x="0" y="0"/>
-          <a:chExt cx="0" cy="0"/>
-        </a:xfrm>
-      </p:grpSpPr>
-      <p:sp>
-        <p:nvSpPr>
-          <p:cNvPr id="2" name="Title 1">
-            <a:extLst>
-              <a:ext uri="{FF2B5EF4-FFF2-40B4-BE49-F238E27FC236}">
-                <a16:creationId xmlns:a16="http://schemas.microsoft.com/office/drawing/2014/main" id="{9347DB6B-8169-FEB2-EFE8-BB8ED29FEA2F}"/>
-              </a:ext>
-            </a:extLst>
-          </p:cNvPr>
-          <p:cNvSpPr>
-            <a:spLocks noGrp="1"/>
-          </p:cNvSpPr>
-          <p:nvPr>
-            <p:ph type="title"/>
-          </p:nvPr>
-        </p:nvSpPr>
-        <p:spPr/>
-        <p:txBody>
-          <a:bodyPr/>
-          <a:lstStyle/>
-          <a:p>
-            <a:endParaRPr lang="en-US" dirty="0"/>
-          </a:p>
-        </p:txBody>
-      </p:sp>
-      <p:pic>
-        <p:nvPicPr>
-          <p:cNvPr id="6" name="Content Placeholder 5" descr="A picture containing text, screenshot, human face, font&#10;&#10;Description automatically generated">
-            <a:extLst>
-              <a:ext uri="{FF2B5EF4-FFF2-40B4-BE49-F238E27FC236}">
-                <a16:creationId xmlns:a16="http://schemas.microsoft.com/office/drawing/2014/main" id="{1774A12E-1FFF-8127-763B-6F5362513EE2}"/>
-              </a:ext>
-            </a:extLst>
-          </p:cNvPr>
-          <p:cNvPicPr>
-            <a:picLocks noGrp="1" noChangeAspect="1"/>
-          </p:cNvPicPr>
-          <p:nvPr>
-            <p:ph idx="1"/>
-          </p:nvPr>
-        </p:nvPicPr>
-        <p:blipFill>
-          <a:blip r:embed="rId3">
-            <a:extLst>
-              <a:ext uri="{28A0092B-C50C-407E-A947-70E740481C1C}">
-                <a14:useLocalDpi xmlns:a14="http://schemas.microsoft.com/office/drawing/2010/main" val="0"/>
-              </a:ext>
-            </a:extLst>
-          </a:blip>
-          <a:stretch>
-            <a:fillRect/>
-          </a:stretch>
-        </p:blipFill>
-        <p:spPr>
-          <a:xfrm>
-            <a:off x="0" y="0"/>
-            <a:ext cx="13033612" cy="7460856"/>
-          </a:xfrm>
-        </p:spPr>
-      </p:pic>
-    </p:spTree>
-    <p:extLst>
-      <p:ext uri="{BB962C8B-B14F-4D97-AF65-F5344CB8AC3E}">
-        <p14:creationId xmlns:p14="http://schemas.microsoft.com/office/powerpoint/2010/main" val="2826635753"/>
-      </p:ext>
-    </p:extLst>
-  </p:cSld>
-  <p:clrMapOvr>
-    <a:masterClrMapping/>
-  </p:clrMapOvr>
-</p:sld>
-</file>
-
-<file path=ppt/slides/slide20.xml><?xml version="1.0" encoding="utf-8"?>
+<file path=ppt/slides/slide17.xml><?xml version="1.0" encoding="utf-8"?>
 <p:sld xmlns:a="http://schemas.openxmlformats.org/drawingml/2006/main" xmlns:r="http://schemas.openxmlformats.org/officeDocument/2006/relationships" xmlns:p="http://schemas.openxmlformats.org/presentationml/2006/main">
   <p:cSld>
     <p:bg>
@@ -12629,7 +9752,7 @@
 </p:sld>
 </file>
 
-<file path=ppt/slides/slide21.xml><?xml version="1.0" encoding="utf-8"?>
+<file path=ppt/slides/slide18.xml><?xml version="1.0" encoding="utf-8"?>
 <p:sld xmlns:a="http://schemas.openxmlformats.org/drawingml/2006/main" xmlns:r="http://schemas.openxmlformats.org/officeDocument/2006/relationships" xmlns:p="http://schemas.openxmlformats.org/presentationml/2006/main">
   <p:cSld>
     <p:spTree>
@@ -12667,35 +9790,77 @@
           <a:bodyPr/>
           <a:lstStyle/>
           <a:p>
-            <a:endParaRPr lang="en-US"/>
-          </a:p>
-        </p:txBody>
-      </p:sp>
-      <p:sp>
-        <p:nvSpPr>
-          <p:cNvPr id="3" name="Content Placeholder 2">
-            <a:extLst>
-              <a:ext uri="{FF2B5EF4-FFF2-40B4-BE49-F238E27FC236}">
-                <a16:creationId xmlns:a16="http://schemas.microsoft.com/office/drawing/2014/main" id="{17AD3650-7B2E-0F66-3F5A-B1E44400E5BE}"/>
-              </a:ext>
-            </a:extLst>
-          </p:cNvPr>
-          <p:cNvSpPr>
-            <a:spLocks noGrp="1"/>
-          </p:cNvSpPr>
-          <p:nvPr>
-            <p:ph idx="1"/>
-          </p:nvPr>
-        </p:nvSpPr>
-        <p:spPr/>
-        <p:txBody>
-          <a:bodyPr/>
-          <a:lstStyle/>
-          <a:p>
-            <a:endParaRPr lang="en-US"/>
-          </a:p>
-        </p:txBody>
-      </p:sp>
+            <a:endParaRPr lang="en-US" dirty="0"/>
+          </a:p>
+        </p:txBody>
+      </p:sp>
+      <mc:AlternateContent xmlns:mc="http://schemas.openxmlformats.org/markup-compatibility/2006">
+        <mc:Choice xmlns:we="http://schemas.microsoft.com/office/webextensions/webextension/2010/11" xmlns:pca="http://schemas.microsoft.com/office/powerpoint/2013/contentapp" Requires="we pca">
+          <p:graphicFrame>
+            <p:nvGraphicFramePr>
+              <p:cNvPr id="4" name="Content Placeholder 3" title="AhaSlides - Live Polls and Quizzes">
+                <a:extLst>
+                  <a:ext uri="{FF2B5EF4-FFF2-40B4-BE49-F238E27FC236}">
+                    <a16:creationId xmlns:a16="http://schemas.microsoft.com/office/drawing/2014/main" id="{055DF06A-A17C-F65E-7A3E-1456FC4C2172}"/>
+                  </a:ext>
+                </a:extLst>
+              </p:cNvPr>
+              <p:cNvGraphicFramePr>
+                <a:graphicFrameLocks noGrp="1"/>
+              </p:cNvGraphicFramePr>
+              <p:nvPr>
+                <p:ph idx="1"/>
+                <p:extLst>
+                  <p:ext uri="{D42A27DB-BD31-4B8C-83A1-F6EECF244321}">
+                    <p14:modId xmlns:p14="http://schemas.microsoft.com/office/powerpoint/2010/main" val="1076382067"/>
+                  </p:ext>
+                </p:extLst>
+              </p:nvPr>
+            </p:nvGraphicFramePr>
+            <p:xfrm>
+              <a:off x="0" y="0"/>
+              <a:ext cx="12192000" cy="6858000"/>
+            </p:xfrm>
+            <a:graphic>
+              <a:graphicData uri="http://schemas.microsoft.com/office/webextensions/webextension/2010/11">
+                <we:webextensionref xmlns:we="http://schemas.microsoft.com/office/webextensions/webextension/2010/11" xmlns:r="http://schemas.openxmlformats.org/officeDocument/2006/relationships" r:id="rId3"/>
+              </a:graphicData>
+            </a:graphic>
+          </p:graphicFrame>
+        </mc:Choice>
+        <mc:Fallback>
+          <p:pic>
+            <p:nvPicPr>
+              <p:cNvPr id="4" name="Content Placeholder 3" title="AhaSlides - Live Polls and Quizzes">
+                <a:extLst>
+                  <a:ext uri="{FF2B5EF4-FFF2-40B4-BE49-F238E27FC236}">
+                    <a16:creationId xmlns:a16="http://schemas.microsoft.com/office/drawing/2014/main" id="{055DF06A-A17C-F65E-7A3E-1456FC4C2172}"/>
+                  </a:ext>
+                </a:extLst>
+              </p:cNvPr>
+              <p:cNvPicPr>
+                <a:picLocks noGrp="1" noRot="1" noChangeAspect="1" noMove="1" noResize="1" noEditPoints="1" noAdjustHandles="1" noChangeArrowheads="1" noChangeShapeType="1"/>
+              </p:cNvPicPr>
+              <p:nvPr/>
+            </p:nvPicPr>
+            <p:blipFill>
+              <a:blip r:embed="rId4"/>
+              <a:stretch>
+                <a:fillRect/>
+              </a:stretch>
+            </p:blipFill>
+            <p:spPr>
+              <a:xfrm>
+                <a:off x="0" y="0"/>
+                <a:ext cx="12192000" cy="6858000"/>
+              </a:xfrm>
+              <a:prstGeom prst="rect">
+                <a:avLst/>
+              </a:prstGeom>
+            </p:spPr>
+          </p:pic>
+        </mc:Fallback>
+      </mc:AlternateContent>
     </p:spTree>
     <p:extLst>
       <p:ext uri="{BB962C8B-B14F-4D97-AF65-F5344CB8AC3E}">
@@ -12709,7 +9874,7 @@
 </p:sld>
 </file>
 
-<file path=ppt/slides/slide22.xml><?xml version="1.0" encoding="utf-8"?>
+<file path=ppt/slides/slide19.xml><?xml version="1.0" encoding="utf-8"?>
 <p:sld xmlns:a="http://schemas.openxmlformats.org/drawingml/2006/main" xmlns:r="http://schemas.openxmlformats.org/officeDocument/2006/relationships" xmlns:p="http://schemas.openxmlformats.org/presentationml/2006/main">
   <p:cSld>
     <p:bg>
@@ -13220,7 +10385,97 @@
 </p:sld>
 </file>
 
-<file path=ppt/slides/slide23.xml><?xml version="1.0" encoding="utf-8"?>
+<file path=ppt/slides/slide2.xml><?xml version="1.0" encoding="utf-8"?>
+<p:sld xmlns:a="http://schemas.openxmlformats.org/drawingml/2006/main" xmlns:r="http://schemas.openxmlformats.org/officeDocument/2006/relationships" xmlns:p="http://schemas.openxmlformats.org/presentationml/2006/main">
+  <p:cSld>
+    <p:spTree>
+      <p:nvGrpSpPr>
+        <p:cNvPr id="1" name=""/>
+        <p:cNvGrpSpPr/>
+        <p:nvPr/>
+      </p:nvGrpSpPr>
+      <p:grpSpPr>
+        <a:xfrm>
+          <a:off x="0" y="0"/>
+          <a:ext cx="0" cy="0"/>
+          <a:chOff x="0" y="0"/>
+          <a:chExt cx="0" cy="0"/>
+        </a:xfrm>
+      </p:grpSpPr>
+      <p:sp>
+        <p:nvSpPr>
+          <p:cNvPr id="2" name="Title 1">
+            <a:extLst>
+              <a:ext uri="{FF2B5EF4-FFF2-40B4-BE49-F238E27FC236}">
+                <a16:creationId xmlns:a16="http://schemas.microsoft.com/office/drawing/2014/main" id="{9347DB6B-8169-FEB2-EFE8-BB8ED29FEA2F}"/>
+              </a:ext>
+            </a:extLst>
+          </p:cNvPr>
+          <p:cNvSpPr>
+            <a:spLocks noGrp="1"/>
+          </p:cNvSpPr>
+          <p:nvPr>
+            <p:ph type="title"/>
+          </p:nvPr>
+        </p:nvSpPr>
+        <p:spPr/>
+        <p:txBody>
+          <a:bodyPr/>
+          <a:lstStyle/>
+          <a:p>
+            <a:endParaRPr lang="en-US" dirty="0"/>
+          </a:p>
+        </p:txBody>
+      </p:sp>
+      <p:pic>
+        <p:nvPicPr>
+          <p:cNvPr id="6" name="Content Placeholder 5" descr="A picture containing text, screenshot, human face, font&#10;&#10;Description automatically generated">
+            <a:extLst>
+              <a:ext uri="{FF2B5EF4-FFF2-40B4-BE49-F238E27FC236}">
+                <a16:creationId xmlns:a16="http://schemas.microsoft.com/office/drawing/2014/main" id="{1774A12E-1FFF-8127-763B-6F5362513EE2}"/>
+              </a:ext>
+            </a:extLst>
+          </p:cNvPr>
+          <p:cNvPicPr>
+            <a:picLocks noGrp="1" noChangeAspect="1"/>
+          </p:cNvPicPr>
+          <p:nvPr>
+            <p:ph idx="1"/>
+          </p:nvPr>
+        </p:nvPicPr>
+        <p:blipFill>
+          <a:blip r:embed="rId3">
+            <a:extLst>
+              <a:ext uri="{28A0092B-C50C-407E-A947-70E740481C1C}">
+                <a14:useLocalDpi xmlns:a14="http://schemas.microsoft.com/office/drawing/2010/main" val="0"/>
+              </a:ext>
+            </a:extLst>
+          </a:blip>
+          <a:stretch>
+            <a:fillRect/>
+          </a:stretch>
+        </p:blipFill>
+        <p:spPr>
+          <a:xfrm>
+            <a:off x="0" y="0"/>
+            <a:ext cx="13033612" cy="7460856"/>
+          </a:xfrm>
+        </p:spPr>
+      </p:pic>
+    </p:spTree>
+    <p:extLst>
+      <p:ext uri="{BB962C8B-B14F-4D97-AF65-F5344CB8AC3E}">
+        <p14:creationId xmlns:p14="http://schemas.microsoft.com/office/powerpoint/2010/main" val="2826635753"/>
+      </p:ext>
+    </p:extLst>
+  </p:cSld>
+  <p:clrMapOvr>
+    <a:masterClrMapping/>
+  </p:clrMapOvr>
+</p:sld>
+</file>
+
+<file path=ppt/slides/slide20.xml><?xml version="1.0" encoding="utf-8"?>
 <p:sld xmlns:a="http://schemas.openxmlformats.org/drawingml/2006/main" xmlns:r="http://schemas.openxmlformats.org/officeDocument/2006/relationships" xmlns:p="http://schemas.openxmlformats.org/presentationml/2006/main">
   <p:cSld>
     <p:bg>
@@ -13664,2222 +10919,6 @@
 </file>
 
 <file path=ppt/slides/slide3.xml><?xml version="1.0" encoding="utf-8"?>
-<p:sld xmlns:a="http://schemas.openxmlformats.org/drawingml/2006/main" xmlns:r="http://schemas.openxmlformats.org/officeDocument/2006/relationships" xmlns:p="http://schemas.openxmlformats.org/presentationml/2006/main">
-  <p:cSld>
-    <p:bg>
-      <p:bgPr>
-        <a:solidFill>
-          <a:schemeClr val="bg1"/>
-        </a:solidFill>
-        <a:effectLst/>
-      </p:bgPr>
-    </p:bg>
-    <p:spTree>
-      <p:nvGrpSpPr>
-        <p:cNvPr id="1" name=""/>
-        <p:cNvGrpSpPr/>
-        <p:nvPr/>
-      </p:nvGrpSpPr>
-      <p:grpSpPr>
-        <a:xfrm>
-          <a:off x="0" y="0"/>
-          <a:ext cx="0" cy="0"/>
-          <a:chOff x="0" y="0"/>
-          <a:chExt cx="0" cy="0"/>
-        </a:xfrm>
-      </p:grpSpPr>
-      <p:sp useBgFill="1">
-        <p:nvSpPr>
-          <p:cNvPr id="8" name="Rectangle 7">
-            <a:extLst>
-              <a:ext uri="{FF2B5EF4-FFF2-40B4-BE49-F238E27FC236}">
-                <a16:creationId xmlns:a16="http://schemas.microsoft.com/office/drawing/2014/main" id="{907EF6B7-1338-4443-8C46-6A318D952DFD}"/>
-              </a:ext>
-              <a:ext uri="{C183D7F6-B498-43B3-948B-1728B52AA6E4}">
-                <adec:decorative xmlns:adec="http://schemas.microsoft.com/office/drawing/2017/decorative" val="1"/>
-              </a:ext>
-            </a:extLst>
-          </p:cNvPr>
-          <p:cNvSpPr>
-            <a:spLocks noGrp="1" noRot="1" noChangeAspect="1" noMove="1" noResize="1" noEditPoints="1" noAdjustHandles="1" noChangeArrowheads="1" noChangeShapeType="1" noTextEdit="1"/>
-          </p:cNvSpPr>
-          <p:nvPr>
-            <p:extLst>
-              <p:ext uri="{386F3935-93C4-4BCD-93E2-E3B085C9AB24}">
-                <p16:designElem xmlns:p16="http://schemas.microsoft.com/office/powerpoint/2015/main" val="1"/>
-              </p:ext>
-            </p:extLst>
-          </p:nvPr>
-        </p:nvSpPr>
-        <p:spPr>
-          <a:xfrm>
-            <a:off x="3048" y="0"/>
-            <a:ext cx="12188952" cy="6858000"/>
-          </a:xfrm>
-          <a:prstGeom prst="rect">
-            <a:avLst/>
-          </a:prstGeom>
-          <a:ln>
-            <a:noFill/>
-          </a:ln>
-        </p:spPr>
-        <p:style>
-          <a:lnRef idx="2">
-            <a:schemeClr val="accent1">
-              <a:shade val="50000"/>
-            </a:schemeClr>
-          </a:lnRef>
-          <a:fillRef idx="1">
-            <a:schemeClr val="accent1"/>
-          </a:fillRef>
-          <a:effectRef idx="0">
-            <a:schemeClr val="accent1"/>
-          </a:effectRef>
-          <a:fontRef idx="minor">
-            <a:schemeClr val="lt1"/>
-          </a:fontRef>
-        </p:style>
-        <p:txBody>
-          <a:bodyPr rtlCol="0" anchor="ctr"/>
-          <a:lstStyle/>
-          <a:p>
-            <a:pPr algn="ctr"/>
-            <a:endParaRPr lang="en-US" dirty="0"/>
-          </a:p>
-        </p:txBody>
-      </p:sp>
-      <p:sp>
-        <p:nvSpPr>
-          <p:cNvPr id="10" name="Freeform: Shape 9">
-            <a:extLst>
-              <a:ext uri="{FF2B5EF4-FFF2-40B4-BE49-F238E27FC236}">
-                <a16:creationId xmlns:a16="http://schemas.microsoft.com/office/drawing/2014/main" id="{DAAE4CDD-124C-4DCF-9584-B6033B545DD5}"/>
-              </a:ext>
-              <a:ext uri="{C183D7F6-B498-43B3-948B-1728B52AA6E4}">
-                <adec:decorative xmlns:adec="http://schemas.microsoft.com/office/drawing/2017/decorative" val="1"/>
-              </a:ext>
-            </a:extLst>
-          </p:cNvPr>
-          <p:cNvSpPr>
-            <a:spLocks noChangeAspect="1"/>
-          </p:cNvSpPr>
-          <p:nvPr>
-            <p:extLst>
-              <p:ext uri="{386F3935-93C4-4BCD-93E2-E3B085C9AB24}">
-                <p16:designElem xmlns:p16="http://schemas.microsoft.com/office/powerpoint/2015/main" val="1"/>
-              </p:ext>
-            </p:extLst>
-          </p:nvPr>
-        </p:nvSpPr>
-        <p:spPr>
-          <a:xfrm>
-            <a:off x="1" y="0"/>
-            <a:ext cx="4167271" cy="6858000"/>
-          </a:xfrm>
-          <a:custGeom>
-            <a:avLst/>
-            <a:gdLst>
-              <a:gd name="connsiteX0" fmla="*/ 0 w 4167271"/>
-              <a:gd name="connsiteY0" fmla="*/ 0 h 6858000"/>
-              <a:gd name="connsiteX1" fmla="*/ 2259550 w 4167271"/>
-              <a:gd name="connsiteY1" fmla="*/ 0 h 6858000"/>
-              <a:gd name="connsiteX2" fmla="*/ 2387803 w 4167271"/>
-              <a:gd name="connsiteY2" fmla="*/ 82222 h 6858000"/>
-              <a:gd name="connsiteX3" fmla="*/ 4167271 w 4167271"/>
-              <a:gd name="connsiteY3" fmla="*/ 3429000 h 6858000"/>
-              <a:gd name="connsiteX4" fmla="*/ 2387803 w 4167271"/>
-              <a:gd name="connsiteY4" fmla="*/ 6775779 h 6858000"/>
-              <a:gd name="connsiteX5" fmla="*/ 2259550 w 4167271"/>
-              <a:gd name="connsiteY5" fmla="*/ 6858000 h 6858000"/>
-              <a:gd name="connsiteX6" fmla="*/ 0 w 4167271"/>
-              <a:gd name="connsiteY6" fmla="*/ 6858000 h 6858000"/>
-            </a:gdLst>
-            <a:ahLst/>
-            <a:cxnLst>
-              <a:cxn ang="0">
-                <a:pos x="connsiteX0" y="connsiteY0"/>
-              </a:cxn>
-              <a:cxn ang="0">
-                <a:pos x="connsiteX1" y="connsiteY1"/>
-              </a:cxn>
-              <a:cxn ang="0">
-                <a:pos x="connsiteX2" y="connsiteY2"/>
-              </a:cxn>
-              <a:cxn ang="0">
-                <a:pos x="connsiteX3" y="connsiteY3"/>
-              </a:cxn>
-              <a:cxn ang="0">
-                <a:pos x="connsiteX4" y="connsiteY4"/>
-              </a:cxn>
-              <a:cxn ang="0">
-                <a:pos x="connsiteX5" y="connsiteY5"/>
-              </a:cxn>
-              <a:cxn ang="0">
-                <a:pos x="connsiteX6" y="connsiteY6"/>
-              </a:cxn>
-            </a:cxnLst>
-            <a:rect l="l" t="t" r="r" b="b"/>
-            <a:pathLst>
-              <a:path w="4167271" h="6858000">
-                <a:moveTo>
-                  <a:pt x="0" y="0"/>
-                </a:moveTo>
-                <a:lnTo>
-                  <a:pt x="2259550" y="0"/>
-                </a:lnTo>
-                <a:lnTo>
-                  <a:pt x="2387803" y="82222"/>
-                </a:lnTo>
-                <a:cubicBezTo>
-                  <a:pt x="3461407" y="807534"/>
-                  <a:pt x="4167271" y="2035835"/>
-                  <a:pt x="4167271" y="3429000"/>
-                </a:cubicBezTo>
-                <a:cubicBezTo>
-                  <a:pt x="4167271" y="4822165"/>
-                  <a:pt x="3461407" y="6050467"/>
-                  <a:pt x="2387803" y="6775779"/>
-                </a:cubicBezTo>
-                <a:lnTo>
-                  <a:pt x="2259550" y="6858000"/>
-                </a:lnTo>
-                <a:lnTo>
-                  <a:pt x="0" y="6858000"/>
-                </a:lnTo>
-                <a:close/>
-              </a:path>
-            </a:pathLst>
-          </a:custGeom>
-          <a:gradFill flip="none" rotWithShape="1">
-            <a:gsLst>
-              <a:gs pos="0">
-                <a:schemeClr val="accent2">
-                  <a:lumMod val="67000"/>
-                </a:schemeClr>
-              </a:gs>
-              <a:gs pos="48000">
-                <a:schemeClr val="accent2">
-                  <a:lumMod val="97000"/>
-                  <a:lumOff val="3000"/>
-                </a:schemeClr>
-              </a:gs>
-              <a:gs pos="100000">
-                <a:schemeClr val="accent2">
-                  <a:lumMod val="60000"/>
-                  <a:lumOff val="40000"/>
-                </a:schemeClr>
-              </a:gs>
-            </a:gsLst>
-            <a:lin ang="16200000" scaled="1"/>
-            <a:tileRect/>
-          </a:gradFill>
-          <a:ln>
-            <a:noFill/>
-          </a:ln>
-        </p:spPr>
-        <p:style>
-          <a:lnRef idx="0">
-            <a:scrgbClr r="0" g="0" b="0"/>
-          </a:lnRef>
-          <a:fillRef idx="0">
-            <a:scrgbClr r="0" g="0" b="0"/>
-          </a:fillRef>
-          <a:effectRef idx="0">
-            <a:scrgbClr r="0" g="0" b="0"/>
-          </a:effectRef>
-          <a:fontRef idx="minor">
-            <a:schemeClr val="lt1"/>
-          </a:fontRef>
-        </p:style>
-        <p:txBody>
-          <a:bodyPr rtlCol="0" anchor="ctr"/>
-          <a:lstStyle/>
-          <a:p>
-            <a:pPr algn="ctr"/>
-            <a:endParaRPr lang="en-US" dirty="0"/>
-          </a:p>
-        </p:txBody>
-      </p:sp>
-      <p:sp>
-        <p:nvSpPr>
-          <p:cNvPr id="2" name="Title 1">
-            <a:extLst>
-              <a:ext uri="{FF2B5EF4-FFF2-40B4-BE49-F238E27FC236}">
-                <a16:creationId xmlns:a16="http://schemas.microsoft.com/office/drawing/2014/main" id="{604CD088-9924-FDF8-32EA-64AD14C5DE41}"/>
-              </a:ext>
-            </a:extLst>
-          </p:cNvPr>
-          <p:cNvSpPr>
-            <a:spLocks noGrp="1"/>
-          </p:cNvSpPr>
-          <p:nvPr>
-            <p:ph type="title"/>
-          </p:nvPr>
-        </p:nvSpPr>
-        <p:spPr>
-          <a:xfrm>
-            <a:off x="686834" y="1153572"/>
-            <a:ext cx="3200400" cy="4461163"/>
-          </a:xfrm>
-        </p:spPr>
-        <p:txBody>
-          <a:bodyPr>
-            <a:normAutofit/>
-          </a:bodyPr>
-          <a:lstStyle/>
-          <a:p>
-            <a:r>
-              <a:rPr lang="en-US" dirty="0">
-                <a:solidFill>
-                  <a:srgbClr val="FFFFFF"/>
-                </a:solidFill>
-              </a:rPr>
-              <a:t>Sections</a:t>
-            </a:r>
-          </a:p>
-        </p:txBody>
-      </p:sp>
-      <p:sp>
-        <p:nvSpPr>
-          <p:cNvPr id="12" name="Arc 11">
-            <a:extLst>
-              <a:ext uri="{FF2B5EF4-FFF2-40B4-BE49-F238E27FC236}">
-                <a16:creationId xmlns:a16="http://schemas.microsoft.com/office/drawing/2014/main" id="{081E4A58-353D-44AE-B2FC-2A74E2E400F7}"/>
-              </a:ext>
-              <a:ext uri="{C183D7F6-B498-43B3-948B-1728B52AA6E4}">
-                <adec:decorative xmlns:adec="http://schemas.microsoft.com/office/drawing/2017/decorative" val="1"/>
-              </a:ext>
-            </a:extLst>
-          </p:cNvPr>
-          <p:cNvSpPr>
-            <a:spLocks noGrp="1" noRot="1" noChangeAspect="1" noMove="1" noResize="1" noEditPoints="1" noAdjustHandles="1" noChangeArrowheads="1" noChangeShapeType="1" noTextEdit="1"/>
-          </p:cNvSpPr>
-          <p:nvPr>
-            <p:extLst>
-              <p:ext uri="{386F3935-93C4-4BCD-93E2-E3B085C9AB24}">
-                <p16:designElem xmlns:p16="http://schemas.microsoft.com/office/powerpoint/2015/main" val="1"/>
-              </p:ext>
-            </p:extLst>
-          </p:nvPr>
-        </p:nvSpPr>
-        <p:spPr>
-          <a:xfrm flipV="1">
-            <a:off x="7550402" y="2455479"/>
-            <a:ext cx="4083433" cy="4083433"/>
-          </a:xfrm>
-          <a:prstGeom prst="arc">
-            <a:avLst/>
-          </a:prstGeom>
-          <a:ln w="127000" cap="rnd">
-            <a:solidFill>
-              <a:schemeClr val="accent4"/>
-            </a:solidFill>
-            <a:prstDash val="dash"/>
-          </a:ln>
-        </p:spPr>
-        <p:style>
-          <a:lnRef idx="1">
-            <a:schemeClr val="accent1"/>
-          </a:lnRef>
-          <a:fillRef idx="0">
-            <a:schemeClr val="accent1"/>
-          </a:fillRef>
-          <a:effectRef idx="0">
-            <a:schemeClr val="accent1"/>
-          </a:effectRef>
-          <a:fontRef idx="minor">
-            <a:schemeClr val="tx1"/>
-          </a:fontRef>
-        </p:style>
-        <p:txBody>
-          <a:bodyPr rtlCol="0" anchor="ctr"/>
-          <a:lstStyle/>
-          <a:p>
-            <a:pPr algn="ctr"/>
-            <a:endParaRPr lang="en-US" dirty="0"/>
-          </a:p>
-        </p:txBody>
-      </p:sp>
-      <p:sp>
-        <p:nvSpPr>
-          <p:cNvPr id="3" name="Content Placeholder 2">
-            <a:extLst>
-              <a:ext uri="{FF2B5EF4-FFF2-40B4-BE49-F238E27FC236}">
-                <a16:creationId xmlns:a16="http://schemas.microsoft.com/office/drawing/2014/main" id="{506ECF03-3832-CE61-45EB-6C148D597A92}"/>
-              </a:ext>
-            </a:extLst>
-          </p:cNvPr>
-          <p:cNvSpPr>
-            <a:spLocks noGrp="1"/>
-          </p:cNvSpPr>
-          <p:nvPr>
-            <p:ph idx="1"/>
-          </p:nvPr>
-        </p:nvSpPr>
-        <p:spPr>
-          <a:xfrm>
-            <a:off x="4447308" y="787400"/>
-            <a:ext cx="6906491" cy="5389563"/>
-          </a:xfrm>
-        </p:spPr>
-        <p:txBody>
-          <a:bodyPr anchor="ctr">
-            <a:normAutofit/>
-          </a:bodyPr>
-          <a:lstStyle/>
-          <a:p>
-            <a:endParaRPr lang="en-US" dirty="0"/>
-          </a:p>
-        </p:txBody>
-      </p:sp>
-    </p:spTree>
-    <p:extLst>
-      <p:ext uri="{BB962C8B-B14F-4D97-AF65-F5344CB8AC3E}">
-        <p14:creationId xmlns:p14="http://schemas.microsoft.com/office/powerpoint/2010/main" val="2269727316"/>
-      </p:ext>
-    </p:extLst>
-  </p:cSld>
-  <p:clrMapOvr>
-    <a:masterClrMapping/>
-  </p:clrMapOvr>
-  <p:timing>
-    <p:tnLst>
-      <p:par>
-        <p:cTn id="1" dur="indefinite" restart="never" nodeType="tmRoot">
-          <p:childTnLst>
-            <p:seq concurrent="1" nextAc="seek">
-              <p:cTn id="2" dur="indefinite" nodeType="mainSeq">
-                <p:childTnLst>
-                  <p:par>
-                    <p:cTn id="3" fill="hold">
-                      <p:stCondLst>
-                        <p:cond delay="indefinite"/>
-                      </p:stCondLst>
-                      <p:childTnLst>
-                        <p:par>
-                          <p:cTn id="4" fill="hold">
-                            <p:stCondLst>
-                              <p:cond delay="0"/>
-                            </p:stCondLst>
-                            <p:childTnLst>
-                              <p:par>
-                                <p:cTn id="5" presetID="2" presetClass="entr" presetSubtype="8" fill="hold" grpId="0" nodeType="clickEffect">
-                                  <p:stCondLst>
-                                    <p:cond delay="0"/>
-                                  </p:stCondLst>
-                                  <p:childTnLst>
-                                    <p:set>
-                                      <p:cBhvr>
-                                        <p:cTn id="6" dur="1" fill="hold">
-                                          <p:stCondLst>
-                                            <p:cond delay="0"/>
-                                          </p:stCondLst>
-                                        </p:cTn>
-                                        <p:tgtEl>
-                                          <p:spTgt spid="10"/>
-                                        </p:tgtEl>
-                                        <p:attrNameLst>
-                                          <p:attrName>style.visibility</p:attrName>
-                                        </p:attrNameLst>
-                                      </p:cBhvr>
-                                      <p:to>
-                                        <p:strVal val="visible"/>
-                                      </p:to>
-                                    </p:set>
-                                    <p:anim calcmode="lin" valueType="num">
-                                      <p:cBhvr additive="base">
-                                        <p:cTn id="7" dur="3500" fill="hold"/>
-                                        <p:tgtEl>
-                                          <p:spTgt spid="10"/>
-                                        </p:tgtEl>
-                                        <p:attrNameLst>
-                                          <p:attrName>ppt_x</p:attrName>
-                                        </p:attrNameLst>
-                                      </p:cBhvr>
-                                      <p:tavLst>
-                                        <p:tav tm="0">
-                                          <p:val>
-                                            <p:strVal val="0-#ppt_w/2"/>
-                                          </p:val>
-                                        </p:tav>
-                                        <p:tav tm="100000">
-                                          <p:val>
-                                            <p:strVal val="#ppt_x"/>
-                                          </p:val>
-                                        </p:tav>
-                                      </p:tavLst>
-                                    </p:anim>
-                                    <p:anim calcmode="lin" valueType="num">
-                                      <p:cBhvr additive="base">
-                                        <p:cTn id="8" dur="3500" fill="hold"/>
-                                        <p:tgtEl>
-                                          <p:spTgt spid="10"/>
-                                        </p:tgtEl>
-                                        <p:attrNameLst>
-                                          <p:attrName>ppt_y</p:attrName>
-                                        </p:attrNameLst>
-                                      </p:cBhvr>
-                                      <p:tavLst>
-                                        <p:tav tm="0">
-                                          <p:val>
-                                            <p:strVal val="#ppt_y"/>
-                                          </p:val>
-                                        </p:tav>
-                                        <p:tav tm="100000">
-                                          <p:val>
-                                            <p:strVal val="#ppt_y"/>
-                                          </p:val>
-                                        </p:tav>
-                                      </p:tavLst>
-                                    </p:anim>
-                                  </p:childTnLst>
-                                </p:cTn>
-                              </p:par>
-                            </p:childTnLst>
-                          </p:cTn>
-                        </p:par>
-                      </p:childTnLst>
-                    </p:cTn>
-                  </p:par>
-                </p:childTnLst>
-              </p:cTn>
-              <p:prevCondLst>
-                <p:cond evt="onPrev" delay="0">
-                  <p:tgtEl>
-                    <p:sldTgt/>
-                  </p:tgtEl>
-                </p:cond>
-              </p:prevCondLst>
-              <p:nextCondLst>
-                <p:cond evt="onNext" delay="0">
-                  <p:tgtEl>
-                    <p:sldTgt/>
-                  </p:tgtEl>
-                </p:cond>
-              </p:nextCondLst>
-            </p:seq>
-          </p:childTnLst>
-        </p:cTn>
-      </p:par>
-    </p:tnLst>
-    <p:bldLst>
-      <p:bldP spid="10" grpId="0" animBg="1"/>
-    </p:bldLst>
-  </p:timing>
-</p:sld>
-</file>
-
-<file path=ppt/slides/slide4.xml><?xml version="1.0" encoding="utf-8"?>
-<p:sld xmlns:a="http://schemas.openxmlformats.org/drawingml/2006/main" xmlns:r="http://schemas.openxmlformats.org/officeDocument/2006/relationships" xmlns:p="http://schemas.openxmlformats.org/presentationml/2006/main">
-  <p:cSld>
-    <p:bg>
-      <p:bgPr>
-        <a:solidFill>
-          <a:schemeClr val="bg1"/>
-        </a:solidFill>
-        <a:effectLst/>
-      </p:bgPr>
-    </p:bg>
-    <p:spTree>
-      <p:nvGrpSpPr>
-        <p:cNvPr id="1" name=""/>
-        <p:cNvGrpSpPr/>
-        <p:nvPr/>
-      </p:nvGrpSpPr>
-      <p:grpSpPr>
-        <a:xfrm>
-          <a:off x="0" y="0"/>
-          <a:ext cx="0" cy="0"/>
-          <a:chOff x="0" y="0"/>
-          <a:chExt cx="0" cy="0"/>
-        </a:xfrm>
-      </p:grpSpPr>
-      <p:sp useBgFill="1">
-        <p:nvSpPr>
-          <p:cNvPr id="8" name="Rectangle 7">
-            <a:extLst>
-              <a:ext uri="{FF2B5EF4-FFF2-40B4-BE49-F238E27FC236}">
-                <a16:creationId xmlns:a16="http://schemas.microsoft.com/office/drawing/2014/main" id="{907EF6B7-1338-4443-8C46-6A318D952DFD}"/>
-              </a:ext>
-              <a:ext uri="{C183D7F6-B498-43B3-948B-1728B52AA6E4}">
-                <adec:decorative xmlns:adec="http://schemas.microsoft.com/office/drawing/2017/decorative" val="1"/>
-              </a:ext>
-            </a:extLst>
-          </p:cNvPr>
-          <p:cNvSpPr>
-            <a:spLocks noGrp="1" noRot="1" noChangeAspect="1" noMove="1" noResize="1" noEditPoints="1" noAdjustHandles="1" noChangeArrowheads="1" noChangeShapeType="1" noTextEdit="1"/>
-          </p:cNvSpPr>
-          <p:nvPr>
-            <p:extLst>
-              <p:ext uri="{386F3935-93C4-4BCD-93E2-E3B085C9AB24}">
-                <p16:designElem xmlns:p16="http://schemas.microsoft.com/office/powerpoint/2015/main" val="1"/>
-              </p:ext>
-            </p:extLst>
-          </p:nvPr>
-        </p:nvSpPr>
-        <p:spPr>
-          <a:xfrm>
-            <a:off x="3048" y="0"/>
-            <a:ext cx="12188952" cy="6858000"/>
-          </a:xfrm>
-          <a:prstGeom prst="rect">
-            <a:avLst/>
-          </a:prstGeom>
-          <a:ln>
-            <a:noFill/>
-          </a:ln>
-        </p:spPr>
-        <p:style>
-          <a:lnRef idx="2">
-            <a:schemeClr val="accent1">
-              <a:shade val="50000"/>
-            </a:schemeClr>
-          </a:lnRef>
-          <a:fillRef idx="1">
-            <a:schemeClr val="accent1"/>
-          </a:fillRef>
-          <a:effectRef idx="0">
-            <a:schemeClr val="accent1"/>
-          </a:effectRef>
-          <a:fontRef idx="minor">
-            <a:schemeClr val="lt1"/>
-          </a:fontRef>
-        </p:style>
-        <p:txBody>
-          <a:bodyPr rtlCol="0" anchor="ctr"/>
-          <a:lstStyle/>
-          <a:p>
-            <a:pPr algn="ctr"/>
-            <a:endParaRPr lang="en-US" dirty="0"/>
-          </a:p>
-        </p:txBody>
-      </p:sp>
-      <p:grpSp>
-        <p:nvGrpSpPr>
-          <p:cNvPr id="5" name="Group 4">
-            <a:extLst>
-              <a:ext uri="{FF2B5EF4-FFF2-40B4-BE49-F238E27FC236}">
-                <a16:creationId xmlns:a16="http://schemas.microsoft.com/office/drawing/2014/main" id="{36B1940D-D47A-6A61-EB1E-BDA0B5802076}"/>
-              </a:ext>
-            </a:extLst>
-          </p:cNvPr>
-          <p:cNvGrpSpPr/>
-          <p:nvPr/>
-        </p:nvGrpSpPr>
-        <p:grpSpPr>
-          <a:xfrm>
-            <a:off x="1" y="712"/>
-            <a:ext cx="4167270" cy="6856574"/>
-            <a:chOff x="1" y="712"/>
-            <a:chExt cx="4167270" cy="6856574"/>
-          </a:xfrm>
-        </p:grpSpPr>
-        <p:sp>
-          <p:nvSpPr>
-            <p:cNvPr id="6" name="Freeform: Shape 5">
-              <a:extLst>
-                <a:ext uri="{FF2B5EF4-FFF2-40B4-BE49-F238E27FC236}">
-                  <a16:creationId xmlns:a16="http://schemas.microsoft.com/office/drawing/2014/main" id="{33843118-6950-4CF7-73FD-E0319140E83C}"/>
-                </a:ext>
-              </a:extLst>
-            </p:cNvPr>
-            <p:cNvSpPr/>
-            <p:nvPr/>
-          </p:nvSpPr>
-          <p:spPr>
-            <a:xfrm>
-              <a:off x="1" y="712"/>
-              <a:ext cx="1666908" cy="2461295"/>
-            </a:xfrm>
-            <a:custGeom>
-              <a:avLst/>
-              <a:gdLst>
-                <a:gd name="connsiteX0" fmla="*/ 0 w 2461294"/>
-                <a:gd name="connsiteY0" fmla="*/ 0 h 1666908"/>
-                <a:gd name="connsiteX1" fmla="*/ 1627840 w 2461294"/>
-                <a:gd name="connsiteY1" fmla="*/ 0 h 1666908"/>
-                <a:gd name="connsiteX2" fmla="*/ 2461294 w 2461294"/>
-                <a:gd name="connsiteY2" fmla="*/ 833454 h 1666908"/>
-                <a:gd name="connsiteX3" fmla="*/ 1627840 w 2461294"/>
-                <a:gd name="connsiteY3" fmla="*/ 1666908 h 1666908"/>
-                <a:gd name="connsiteX4" fmla="*/ 0 w 2461294"/>
-                <a:gd name="connsiteY4" fmla="*/ 1666908 h 1666908"/>
-                <a:gd name="connsiteX5" fmla="*/ 833454 w 2461294"/>
-                <a:gd name="connsiteY5" fmla="*/ 833454 h 1666908"/>
-                <a:gd name="connsiteX6" fmla="*/ 0 w 2461294"/>
-                <a:gd name="connsiteY6" fmla="*/ 0 h 1666908"/>
-              </a:gdLst>
-              <a:ahLst/>
-              <a:cxnLst>
-                <a:cxn ang="0">
-                  <a:pos x="connsiteX0" y="connsiteY0"/>
-                </a:cxn>
-                <a:cxn ang="0">
-                  <a:pos x="connsiteX1" y="connsiteY1"/>
-                </a:cxn>
-                <a:cxn ang="0">
-                  <a:pos x="connsiteX2" y="connsiteY2"/>
-                </a:cxn>
-                <a:cxn ang="0">
-                  <a:pos x="connsiteX3" y="connsiteY3"/>
-                </a:cxn>
-                <a:cxn ang="0">
-                  <a:pos x="connsiteX4" y="connsiteY4"/>
-                </a:cxn>
-                <a:cxn ang="0">
-                  <a:pos x="connsiteX5" y="connsiteY5"/>
-                </a:cxn>
-                <a:cxn ang="0">
-                  <a:pos x="connsiteX6" y="connsiteY6"/>
-                </a:cxn>
-              </a:cxnLst>
-              <a:rect l="l" t="t" r="r" b="b"/>
-              <a:pathLst>
-                <a:path w="2461294" h="1666908">
-                  <a:moveTo>
-                    <a:pt x="2461293" y="0"/>
-                  </a:moveTo>
-                  <a:lnTo>
-                    <a:pt x="2461293" y="1102452"/>
-                  </a:lnTo>
-                  <a:lnTo>
-                    <a:pt x="1230647" y="1666908"/>
-                  </a:lnTo>
-                  <a:lnTo>
-                    <a:pt x="1" y="1102452"/>
-                  </a:lnTo>
-                  <a:lnTo>
-                    <a:pt x="1" y="0"/>
-                  </a:lnTo>
-                  <a:lnTo>
-                    <a:pt x="1230647" y="564456"/>
-                  </a:lnTo>
-                  <a:lnTo>
-                    <a:pt x="2461293" y="0"/>
-                  </a:lnTo>
-                  <a:close/>
-                </a:path>
-              </a:pathLst>
-            </a:custGeom>
-            <a:solidFill>
-              <a:schemeClr val="accent2">
-                <a:lumMod val="60000"/>
-                <a:lumOff val="40000"/>
-              </a:schemeClr>
-            </a:solidFill>
-          </p:spPr>
-          <p:style>
-            <a:lnRef idx="2">
-              <a:schemeClr val="accent1">
-                <a:hueOff val="0"/>
-                <a:satOff val="0"/>
-                <a:lumOff val="0"/>
-                <a:alphaOff val="0"/>
-              </a:schemeClr>
-            </a:lnRef>
-            <a:fillRef idx="1">
-              <a:schemeClr val="accent1">
-                <a:hueOff val="0"/>
-                <a:satOff val="0"/>
-                <a:lumOff val="0"/>
-                <a:alphaOff val="0"/>
-              </a:schemeClr>
-            </a:fillRef>
-            <a:effectRef idx="0">
-              <a:schemeClr val="accent1">
-                <a:hueOff val="0"/>
-                <a:satOff val="0"/>
-                <a:lumOff val="0"/>
-                <a:alphaOff val="0"/>
-              </a:schemeClr>
-            </a:effectRef>
-            <a:fontRef idx="minor">
-              <a:schemeClr val="lt1"/>
-            </a:fontRef>
-          </p:style>
-          <p:txBody>
-            <a:bodyPr spcFirstLastPara="0" vert="horz" wrap="square" lIns="24130" tIns="857585" rIns="24130" bIns="857584" numCol="1" spcCol="1270" anchor="ctr" anchorCtr="0">
-              <a:noAutofit/>
-            </a:bodyPr>
-            <a:lstStyle/>
-            <a:p>
-              <a:pPr marL="0" lvl="0" indent="0" algn="ctr" defTabSz="1689100">
-                <a:lnSpc>
-                  <a:spcPct val="90000"/>
-                </a:lnSpc>
-                <a:spcBef>
-                  <a:spcPct val="0"/>
-                </a:spcBef>
-                <a:spcAft>
-                  <a:spcPct val="35000"/>
-                </a:spcAft>
-                <a:buNone/>
-              </a:pPr>
-              <a:r>
-                <a:rPr lang="en-US" sz="3800" kern="1200" dirty="0"/>
-                <a:t>Ready</a:t>
-              </a:r>
-            </a:p>
-          </p:txBody>
-        </p:sp>
-        <p:sp>
-          <p:nvSpPr>
-            <p:cNvPr id="7" name="Freeform: Shape 6">
-              <a:extLst>
-                <a:ext uri="{FF2B5EF4-FFF2-40B4-BE49-F238E27FC236}">
-                  <a16:creationId xmlns:a16="http://schemas.microsoft.com/office/drawing/2014/main" id="{962D4C25-050B-B385-1C8C-7218D85B038E}"/>
-                </a:ext>
-              </a:extLst>
-            </p:cNvPr>
-            <p:cNvSpPr/>
-            <p:nvPr/>
-          </p:nvSpPr>
-          <p:spPr>
-            <a:xfrm>
-              <a:off x="1666909" y="714"/>
-              <a:ext cx="2500362" cy="1627840"/>
-            </a:xfrm>
-            <a:custGeom>
-              <a:avLst/>
-              <a:gdLst>
-                <a:gd name="connsiteX0" fmla="*/ 271312 w 1627840"/>
-                <a:gd name="connsiteY0" fmla="*/ 0 h 2500362"/>
-                <a:gd name="connsiteX1" fmla="*/ 1356528 w 1627840"/>
-                <a:gd name="connsiteY1" fmla="*/ 0 h 2500362"/>
-                <a:gd name="connsiteX2" fmla="*/ 1627840 w 1627840"/>
-                <a:gd name="connsiteY2" fmla="*/ 271312 h 2500362"/>
-                <a:gd name="connsiteX3" fmla="*/ 1627840 w 1627840"/>
-                <a:gd name="connsiteY3" fmla="*/ 2500362 h 2500362"/>
-                <a:gd name="connsiteX4" fmla="*/ 1627840 w 1627840"/>
-                <a:gd name="connsiteY4" fmla="*/ 2500362 h 2500362"/>
-                <a:gd name="connsiteX5" fmla="*/ 0 w 1627840"/>
-                <a:gd name="connsiteY5" fmla="*/ 2500362 h 2500362"/>
-                <a:gd name="connsiteX6" fmla="*/ 0 w 1627840"/>
-                <a:gd name="connsiteY6" fmla="*/ 2500362 h 2500362"/>
-                <a:gd name="connsiteX7" fmla="*/ 0 w 1627840"/>
-                <a:gd name="connsiteY7" fmla="*/ 271312 h 2500362"/>
-                <a:gd name="connsiteX8" fmla="*/ 271312 w 1627840"/>
-                <a:gd name="connsiteY8" fmla="*/ 0 h 2500362"/>
-              </a:gdLst>
-              <a:ahLst/>
-              <a:cxnLst>
-                <a:cxn ang="0">
-                  <a:pos x="connsiteX0" y="connsiteY0"/>
-                </a:cxn>
-                <a:cxn ang="0">
-                  <a:pos x="connsiteX1" y="connsiteY1"/>
-                </a:cxn>
-                <a:cxn ang="0">
-                  <a:pos x="connsiteX2" y="connsiteY2"/>
-                </a:cxn>
-                <a:cxn ang="0">
-                  <a:pos x="connsiteX3" y="connsiteY3"/>
-                </a:cxn>
-                <a:cxn ang="0">
-                  <a:pos x="connsiteX4" y="connsiteY4"/>
-                </a:cxn>
-                <a:cxn ang="0">
-                  <a:pos x="connsiteX5" y="connsiteY5"/>
-                </a:cxn>
-                <a:cxn ang="0">
-                  <a:pos x="connsiteX6" y="connsiteY6"/>
-                </a:cxn>
-                <a:cxn ang="0">
-                  <a:pos x="connsiteX7" y="connsiteY7"/>
-                </a:cxn>
-                <a:cxn ang="0">
-                  <a:pos x="connsiteX8" y="connsiteY8"/>
-                </a:cxn>
-              </a:cxnLst>
-              <a:rect l="l" t="t" r="r" b="b"/>
-              <a:pathLst>
-                <a:path w="1627840" h="2500362">
-                  <a:moveTo>
-                    <a:pt x="1627840" y="416736"/>
-                  </a:moveTo>
-                  <a:lnTo>
-                    <a:pt x="1627840" y="2083626"/>
-                  </a:lnTo>
-                  <a:cubicBezTo>
-                    <a:pt x="1627840" y="2313782"/>
-                    <a:pt x="1548757" y="2500361"/>
-                    <a:pt x="1451205" y="2500361"/>
-                  </a:cubicBezTo>
-                  <a:lnTo>
-                    <a:pt x="0" y="2500361"/>
-                  </a:lnTo>
-                  <a:lnTo>
-                    <a:pt x="0" y="2500361"/>
-                  </a:lnTo>
-                  <a:lnTo>
-                    <a:pt x="0" y="1"/>
-                  </a:lnTo>
-                  <a:lnTo>
-                    <a:pt x="0" y="1"/>
-                  </a:lnTo>
-                  <a:lnTo>
-                    <a:pt x="1451205" y="1"/>
-                  </a:lnTo>
-                  <a:cubicBezTo>
-                    <a:pt x="1548757" y="1"/>
-                    <a:pt x="1627840" y="186580"/>
-                    <a:pt x="1627840" y="416736"/>
-                  </a:cubicBezTo>
-                  <a:close/>
-                </a:path>
-              </a:pathLst>
-            </a:custGeom>
-          </p:spPr>
-          <p:style>
-            <a:lnRef idx="2">
-              <a:schemeClr val="accent1">
-                <a:hueOff val="0"/>
-                <a:satOff val="0"/>
-                <a:lumOff val="0"/>
-                <a:alphaOff val="0"/>
-              </a:schemeClr>
-            </a:lnRef>
-            <a:fillRef idx="1">
-              <a:schemeClr val="lt1">
-                <a:alpha val="90000"/>
-                <a:hueOff val="0"/>
-                <a:satOff val="0"/>
-                <a:lumOff val="0"/>
-                <a:alphaOff val="0"/>
-              </a:schemeClr>
-            </a:fillRef>
-            <a:effectRef idx="0">
-              <a:schemeClr val="lt1">
-                <a:alpha val="90000"/>
-                <a:hueOff val="0"/>
-                <a:satOff val="0"/>
-                <a:lumOff val="0"/>
-                <a:alphaOff val="0"/>
-              </a:schemeClr>
-            </a:effectRef>
-            <a:fontRef idx="minor">
-              <a:schemeClr val="dk1">
-                <a:hueOff val="0"/>
-                <a:satOff val="0"/>
-                <a:lumOff val="0"/>
-                <a:alphaOff val="0"/>
-              </a:schemeClr>
-            </a:fontRef>
-          </p:style>
-          <p:txBody>
-            <a:bodyPr spcFirstLastPara="0" vert="horz" wrap="square" lIns="327153" tIns="108674" rIns="108674" bIns="108676" numCol="1" spcCol="1270" anchor="ctr" anchorCtr="0">
-              <a:noAutofit/>
-            </a:bodyPr>
-            <a:lstStyle/>
-            <a:p>
-              <a:pPr marL="285750" lvl="1" indent="-285750" algn="l" defTabSz="2044700">
-                <a:lnSpc>
-                  <a:spcPct val="90000"/>
-                </a:lnSpc>
-                <a:spcBef>
-                  <a:spcPct val="0"/>
-                </a:spcBef>
-                <a:spcAft>
-                  <a:spcPct val="15000"/>
-                </a:spcAft>
-                <a:buChar char="•"/>
-              </a:pPr>
-              <a:endParaRPr lang="en-US" sz="4600" kern="1200"/>
-            </a:p>
-            <a:p>
-              <a:pPr marL="285750" lvl="1" indent="-285750" algn="l" defTabSz="2044700">
-                <a:lnSpc>
-                  <a:spcPct val="90000"/>
-                </a:lnSpc>
-                <a:spcBef>
-                  <a:spcPct val="0"/>
-                </a:spcBef>
-                <a:spcAft>
-                  <a:spcPct val="15000"/>
-                </a:spcAft>
-                <a:buChar char="•"/>
-              </a:pPr>
-              <a:endParaRPr lang="en-US" sz="4600" kern="1200"/>
-            </a:p>
-          </p:txBody>
-        </p:sp>
-        <p:sp>
-          <p:nvSpPr>
-            <p:cNvPr id="9" name="Freeform: Shape 8">
-              <a:extLst>
-                <a:ext uri="{FF2B5EF4-FFF2-40B4-BE49-F238E27FC236}">
-                  <a16:creationId xmlns:a16="http://schemas.microsoft.com/office/drawing/2014/main" id="{09B4944D-C1E4-056A-687B-213683940B34}"/>
-                </a:ext>
-              </a:extLst>
-            </p:cNvPr>
-            <p:cNvSpPr/>
-            <p:nvPr/>
-          </p:nvSpPr>
-          <p:spPr>
-            <a:xfrm>
-              <a:off x="1" y="2198352"/>
-              <a:ext cx="1666908" cy="2461294"/>
-            </a:xfrm>
-            <a:custGeom>
-              <a:avLst/>
-              <a:gdLst>
-                <a:gd name="connsiteX0" fmla="*/ 0 w 2461294"/>
-                <a:gd name="connsiteY0" fmla="*/ 0 h 1666908"/>
-                <a:gd name="connsiteX1" fmla="*/ 1627840 w 2461294"/>
-                <a:gd name="connsiteY1" fmla="*/ 0 h 1666908"/>
-                <a:gd name="connsiteX2" fmla="*/ 2461294 w 2461294"/>
-                <a:gd name="connsiteY2" fmla="*/ 833454 h 1666908"/>
-                <a:gd name="connsiteX3" fmla="*/ 1627840 w 2461294"/>
-                <a:gd name="connsiteY3" fmla="*/ 1666908 h 1666908"/>
-                <a:gd name="connsiteX4" fmla="*/ 0 w 2461294"/>
-                <a:gd name="connsiteY4" fmla="*/ 1666908 h 1666908"/>
-                <a:gd name="connsiteX5" fmla="*/ 833454 w 2461294"/>
-                <a:gd name="connsiteY5" fmla="*/ 833454 h 1666908"/>
-                <a:gd name="connsiteX6" fmla="*/ 0 w 2461294"/>
-                <a:gd name="connsiteY6" fmla="*/ 0 h 1666908"/>
-              </a:gdLst>
-              <a:ahLst/>
-              <a:cxnLst>
-                <a:cxn ang="0">
-                  <a:pos x="connsiteX0" y="connsiteY0"/>
-                </a:cxn>
-                <a:cxn ang="0">
-                  <a:pos x="connsiteX1" y="connsiteY1"/>
-                </a:cxn>
-                <a:cxn ang="0">
-                  <a:pos x="connsiteX2" y="connsiteY2"/>
-                </a:cxn>
-                <a:cxn ang="0">
-                  <a:pos x="connsiteX3" y="connsiteY3"/>
-                </a:cxn>
-                <a:cxn ang="0">
-                  <a:pos x="connsiteX4" y="connsiteY4"/>
-                </a:cxn>
-                <a:cxn ang="0">
-                  <a:pos x="connsiteX5" y="connsiteY5"/>
-                </a:cxn>
-                <a:cxn ang="0">
-                  <a:pos x="connsiteX6" y="connsiteY6"/>
-                </a:cxn>
-              </a:cxnLst>
-              <a:rect l="l" t="t" r="r" b="b"/>
-              <a:pathLst>
-                <a:path w="2461294" h="1666908">
-                  <a:moveTo>
-                    <a:pt x="2461293" y="0"/>
-                  </a:moveTo>
-                  <a:lnTo>
-                    <a:pt x="2461293" y="1102452"/>
-                  </a:lnTo>
-                  <a:lnTo>
-                    <a:pt x="1230647" y="1666908"/>
-                  </a:lnTo>
-                  <a:lnTo>
-                    <a:pt x="1" y="1102452"/>
-                  </a:lnTo>
-                  <a:lnTo>
-                    <a:pt x="1" y="0"/>
-                  </a:lnTo>
-                  <a:lnTo>
-                    <a:pt x="1230647" y="564456"/>
-                  </a:lnTo>
-                  <a:lnTo>
-                    <a:pt x="2461293" y="0"/>
-                  </a:lnTo>
-                  <a:close/>
-                </a:path>
-              </a:pathLst>
-            </a:custGeom>
-            <a:solidFill>
-              <a:schemeClr val="accent2">
-                <a:lumMod val="75000"/>
-              </a:schemeClr>
-            </a:solidFill>
-          </p:spPr>
-          <p:style>
-            <a:lnRef idx="2">
-              <a:schemeClr val="accent1">
-                <a:hueOff val="0"/>
-                <a:satOff val="0"/>
-                <a:lumOff val="0"/>
-                <a:alphaOff val="0"/>
-              </a:schemeClr>
-            </a:lnRef>
-            <a:fillRef idx="1">
-              <a:schemeClr val="accent1">
-                <a:hueOff val="0"/>
-                <a:satOff val="0"/>
-                <a:lumOff val="0"/>
-                <a:alphaOff val="0"/>
-              </a:schemeClr>
-            </a:fillRef>
-            <a:effectRef idx="0">
-              <a:schemeClr val="accent1">
-                <a:hueOff val="0"/>
-                <a:satOff val="0"/>
-                <a:lumOff val="0"/>
-                <a:alphaOff val="0"/>
-              </a:schemeClr>
-            </a:effectRef>
-            <a:fontRef idx="minor">
-              <a:schemeClr val="lt1"/>
-            </a:fontRef>
-          </p:style>
-          <p:txBody>
-            <a:bodyPr spcFirstLastPara="0" vert="horz" wrap="square" lIns="24130" tIns="857584" rIns="24130" bIns="857584" numCol="1" spcCol="1270" anchor="ctr" anchorCtr="0">
-              <a:noAutofit/>
-            </a:bodyPr>
-            <a:lstStyle/>
-            <a:p>
-              <a:pPr marL="0" lvl="0" indent="0" algn="ctr" defTabSz="1689100">
-                <a:lnSpc>
-                  <a:spcPct val="90000"/>
-                </a:lnSpc>
-                <a:spcBef>
-                  <a:spcPct val="0"/>
-                </a:spcBef>
-                <a:spcAft>
-                  <a:spcPct val="35000"/>
-                </a:spcAft>
-                <a:buNone/>
-              </a:pPr>
-              <a:r>
-                <a:rPr lang="en-US" sz="3800" kern="1200" dirty="0"/>
-                <a:t>Set</a:t>
-              </a:r>
-            </a:p>
-          </p:txBody>
-        </p:sp>
-        <p:sp>
-          <p:nvSpPr>
-            <p:cNvPr id="11" name="Freeform: Shape 10">
-              <a:extLst>
-                <a:ext uri="{FF2B5EF4-FFF2-40B4-BE49-F238E27FC236}">
-                  <a16:creationId xmlns:a16="http://schemas.microsoft.com/office/drawing/2014/main" id="{C3775411-BF63-E410-2740-A965A1EB2D99}"/>
-                </a:ext>
-              </a:extLst>
-            </p:cNvPr>
-            <p:cNvSpPr/>
-            <p:nvPr/>
-          </p:nvSpPr>
-          <p:spPr>
-            <a:xfrm>
-              <a:off x="1666909" y="2198352"/>
-              <a:ext cx="2500362" cy="1627841"/>
-            </a:xfrm>
-            <a:custGeom>
-              <a:avLst/>
-              <a:gdLst>
-                <a:gd name="connsiteX0" fmla="*/ 271312 w 1627840"/>
-                <a:gd name="connsiteY0" fmla="*/ 0 h 2500362"/>
-                <a:gd name="connsiteX1" fmla="*/ 1356528 w 1627840"/>
-                <a:gd name="connsiteY1" fmla="*/ 0 h 2500362"/>
-                <a:gd name="connsiteX2" fmla="*/ 1627840 w 1627840"/>
-                <a:gd name="connsiteY2" fmla="*/ 271312 h 2500362"/>
-                <a:gd name="connsiteX3" fmla="*/ 1627840 w 1627840"/>
-                <a:gd name="connsiteY3" fmla="*/ 2500362 h 2500362"/>
-                <a:gd name="connsiteX4" fmla="*/ 1627840 w 1627840"/>
-                <a:gd name="connsiteY4" fmla="*/ 2500362 h 2500362"/>
-                <a:gd name="connsiteX5" fmla="*/ 0 w 1627840"/>
-                <a:gd name="connsiteY5" fmla="*/ 2500362 h 2500362"/>
-                <a:gd name="connsiteX6" fmla="*/ 0 w 1627840"/>
-                <a:gd name="connsiteY6" fmla="*/ 2500362 h 2500362"/>
-                <a:gd name="connsiteX7" fmla="*/ 0 w 1627840"/>
-                <a:gd name="connsiteY7" fmla="*/ 271312 h 2500362"/>
-                <a:gd name="connsiteX8" fmla="*/ 271312 w 1627840"/>
-                <a:gd name="connsiteY8" fmla="*/ 0 h 2500362"/>
-              </a:gdLst>
-              <a:ahLst/>
-              <a:cxnLst>
-                <a:cxn ang="0">
-                  <a:pos x="connsiteX0" y="connsiteY0"/>
-                </a:cxn>
-                <a:cxn ang="0">
-                  <a:pos x="connsiteX1" y="connsiteY1"/>
-                </a:cxn>
-                <a:cxn ang="0">
-                  <a:pos x="connsiteX2" y="connsiteY2"/>
-                </a:cxn>
-                <a:cxn ang="0">
-                  <a:pos x="connsiteX3" y="connsiteY3"/>
-                </a:cxn>
-                <a:cxn ang="0">
-                  <a:pos x="connsiteX4" y="connsiteY4"/>
-                </a:cxn>
-                <a:cxn ang="0">
-                  <a:pos x="connsiteX5" y="connsiteY5"/>
-                </a:cxn>
-                <a:cxn ang="0">
-                  <a:pos x="connsiteX6" y="connsiteY6"/>
-                </a:cxn>
-                <a:cxn ang="0">
-                  <a:pos x="connsiteX7" y="connsiteY7"/>
-                </a:cxn>
-                <a:cxn ang="0">
-                  <a:pos x="connsiteX8" y="connsiteY8"/>
-                </a:cxn>
-              </a:cxnLst>
-              <a:rect l="l" t="t" r="r" b="b"/>
-              <a:pathLst>
-                <a:path w="1627840" h="2500362">
-                  <a:moveTo>
-                    <a:pt x="1627840" y="416736"/>
-                  </a:moveTo>
-                  <a:lnTo>
-                    <a:pt x="1627840" y="2083626"/>
-                  </a:lnTo>
-                  <a:cubicBezTo>
-                    <a:pt x="1627840" y="2313782"/>
-                    <a:pt x="1548757" y="2500361"/>
-                    <a:pt x="1451205" y="2500361"/>
-                  </a:cubicBezTo>
-                  <a:lnTo>
-                    <a:pt x="0" y="2500361"/>
-                  </a:lnTo>
-                  <a:lnTo>
-                    <a:pt x="0" y="2500361"/>
-                  </a:lnTo>
-                  <a:lnTo>
-                    <a:pt x="0" y="1"/>
-                  </a:lnTo>
-                  <a:lnTo>
-                    <a:pt x="0" y="1"/>
-                  </a:lnTo>
-                  <a:lnTo>
-                    <a:pt x="1451205" y="1"/>
-                  </a:lnTo>
-                  <a:cubicBezTo>
-                    <a:pt x="1548757" y="1"/>
-                    <a:pt x="1627840" y="186580"/>
-                    <a:pt x="1627840" y="416736"/>
-                  </a:cubicBezTo>
-                  <a:close/>
-                </a:path>
-              </a:pathLst>
-            </a:custGeom>
-          </p:spPr>
-          <p:style>
-            <a:lnRef idx="2">
-              <a:schemeClr val="accent1">
-                <a:hueOff val="0"/>
-                <a:satOff val="0"/>
-                <a:lumOff val="0"/>
-                <a:alphaOff val="0"/>
-              </a:schemeClr>
-            </a:lnRef>
-            <a:fillRef idx="1">
-              <a:schemeClr val="lt1">
-                <a:alpha val="90000"/>
-                <a:hueOff val="0"/>
-                <a:satOff val="0"/>
-                <a:lumOff val="0"/>
-                <a:alphaOff val="0"/>
-              </a:schemeClr>
-            </a:fillRef>
-            <a:effectRef idx="0">
-              <a:schemeClr val="lt1">
-                <a:alpha val="90000"/>
-                <a:hueOff val="0"/>
-                <a:satOff val="0"/>
-                <a:lumOff val="0"/>
-                <a:alphaOff val="0"/>
-              </a:schemeClr>
-            </a:effectRef>
-            <a:fontRef idx="minor">
-              <a:schemeClr val="dk1">
-                <a:hueOff val="0"/>
-                <a:satOff val="0"/>
-                <a:lumOff val="0"/>
-                <a:alphaOff val="0"/>
-              </a:schemeClr>
-            </a:fontRef>
-          </p:style>
-          <p:txBody>
-            <a:bodyPr spcFirstLastPara="0" vert="horz" wrap="square" lIns="327153" tIns="108675" rIns="108674" bIns="108676" numCol="1" spcCol="1270" anchor="ctr" anchorCtr="0">
-              <a:noAutofit/>
-            </a:bodyPr>
-            <a:lstStyle/>
-            <a:p>
-              <a:pPr marL="285750" lvl="1" indent="-285750" algn="l" defTabSz="2044700">
-                <a:lnSpc>
-                  <a:spcPct val="90000"/>
-                </a:lnSpc>
-                <a:spcBef>
-                  <a:spcPct val="0"/>
-                </a:spcBef>
-                <a:spcAft>
-                  <a:spcPct val="15000"/>
-                </a:spcAft>
-                <a:buChar char="•"/>
-              </a:pPr>
-              <a:endParaRPr lang="en-US" sz="4600" kern="1200"/>
-            </a:p>
-            <a:p>
-              <a:pPr marL="285750" lvl="1" indent="-285750" algn="l" defTabSz="2044700">
-                <a:lnSpc>
-                  <a:spcPct val="90000"/>
-                </a:lnSpc>
-                <a:spcBef>
-                  <a:spcPct val="0"/>
-                </a:spcBef>
-                <a:spcAft>
-                  <a:spcPct val="15000"/>
-                </a:spcAft>
-                <a:buChar char="•"/>
-              </a:pPr>
-              <a:endParaRPr lang="en-US" sz="4600" kern="1200"/>
-            </a:p>
-          </p:txBody>
-        </p:sp>
-        <p:sp>
-          <p:nvSpPr>
-            <p:cNvPr id="13" name="Freeform: Shape 12">
-              <a:extLst>
-                <a:ext uri="{FF2B5EF4-FFF2-40B4-BE49-F238E27FC236}">
-                  <a16:creationId xmlns:a16="http://schemas.microsoft.com/office/drawing/2014/main" id="{D1826FFC-DA5D-CC42-E7D7-2ABD2D1596E1}"/>
-                </a:ext>
-              </a:extLst>
-            </p:cNvPr>
-            <p:cNvSpPr/>
-            <p:nvPr/>
-          </p:nvSpPr>
-          <p:spPr>
-            <a:xfrm>
-              <a:off x="1" y="4395992"/>
-              <a:ext cx="1666908" cy="2461294"/>
-            </a:xfrm>
-            <a:custGeom>
-              <a:avLst/>
-              <a:gdLst>
-                <a:gd name="connsiteX0" fmla="*/ 0 w 2461294"/>
-                <a:gd name="connsiteY0" fmla="*/ 0 h 1666908"/>
-                <a:gd name="connsiteX1" fmla="*/ 1627840 w 2461294"/>
-                <a:gd name="connsiteY1" fmla="*/ 0 h 1666908"/>
-                <a:gd name="connsiteX2" fmla="*/ 2461294 w 2461294"/>
-                <a:gd name="connsiteY2" fmla="*/ 833454 h 1666908"/>
-                <a:gd name="connsiteX3" fmla="*/ 1627840 w 2461294"/>
-                <a:gd name="connsiteY3" fmla="*/ 1666908 h 1666908"/>
-                <a:gd name="connsiteX4" fmla="*/ 0 w 2461294"/>
-                <a:gd name="connsiteY4" fmla="*/ 1666908 h 1666908"/>
-                <a:gd name="connsiteX5" fmla="*/ 833454 w 2461294"/>
-                <a:gd name="connsiteY5" fmla="*/ 833454 h 1666908"/>
-                <a:gd name="connsiteX6" fmla="*/ 0 w 2461294"/>
-                <a:gd name="connsiteY6" fmla="*/ 0 h 1666908"/>
-              </a:gdLst>
-              <a:ahLst/>
-              <a:cxnLst>
-                <a:cxn ang="0">
-                  <a:pos x="connsiteX0" y="connsiteY0"/>
-                </a:cxn>
-                <a:cxn ang="0">
-                  <a:pos x="connsiteX1" y="connsiteY1"/>
-                </a:cxn>
-                <a:cxn ang="0">
-                  <a:pos x="connsiteX2" y="connsiteY2"/>
-                </a:cxn>
-                <a:cxn ang="0">
-                  <a:pos x="connsiteX3" y="connsiteY3"/>
-                </a:cxn>
-                <a:cxn ang="0">
-                  <a:pos x="connsiteX4" y="connsiteY4"/>
-                </a:cxn>
-                <a:cxn ang="0">
-                  <a:pos x="connsiteX5" y="connsiteY5"/>
-                </a:cxn>
-                <a:cxn ang="0">
-                  <a:pos x="connsiteX6" y="connsiteY6"/>
-                </a:cxn>
-              </a:cxnLst>
-              <a:rect l="l" t="t" r="r" b="b"/>
-              <a:pathLst>
-                <a:path w="2461294" h="1666908">
-                  <a:moveTo>
-                    <a:pt x="2461293" y="0"/>
-                  </a:moveTo>
-                  <a:lnTo>
-                    <a:pt x="2461293" y="1102452"/>
-                  </a:lnTo>
-                  <a:lnTo>
-                    <a:pt x="1230647" y="1666908"/>
-                  </a:lnTo>
-                  <a:lnTo>
-                    <a:pt x="1" y="1102452"/>
-                  </a:lnTo>
-                  <a:lnTo>
-                    <a:pt x="1" y="0"/>
-                  </a:lnTo>
-                  <a:lnTo>
-                    <a:pt x="1230647" y="564456"/>
-                  </a:lnTo>
-                  <a:lnTo>
-                    <a:pt x="2461293" y="0"/>
-                  </a:lnTo>
-                  <a:close/>
-                </a:path>
-              </a:pathLst>
-            </a:custGeom>
-            <a:solidFill>
-              <a:schemeClr val="accent2">
-                <a:lumMod val="50000"/>
-              </a:schemeClr>
-            </a:solidFill>
-          </p:spPr>
-          <p:style>
-            <a:lnRef idx="2">
-              <a:schemeClr val="accent1">
-                <a:hueOff val="0"/>
-                <a:satOff val="0"/>
-                <a:lumOff val="0"/>
-                <a:alphaOff val="0"/>
-              </a:schemeClr>
-            </a:lnRef>
-            <a:fillRef idx="1">
-              <a:schemeClr val="accent1">
-                <a:hueOff val="0"/>
-                <a:satOff val="0"/>
-                <a:lumOff val="0"/>
-                <a:alphaOff val="0"/>
-              </a:schemeClr>
-            </a:fillRef>
-            <a:effectRef idx="0">
-              <a:schemeClr val="accent1">
-                <a:hueOff val="0"/>
-                <a:satOff val="0"/>
-                <a:lumOff val="0"/>
-                <a:alphaOff val="0"/>
-              </a:schemeClr>
-            </a:effectRef>
-            <a:fontRef idx="minor">
-              <a:schemeClr val="lt1"/>
-            </a:fontRef>
-          </p:style>
-          <p:txBody>
-            <a:bodyPr spcFirstLastPara="0" vert="horz" wrap="square" lIns="24130" tIns="857584" rIns="24130" bIns="857584" numCol="1" spcCol="1270" anchor="ctr" anchorCtr="0">
-              <a:noAutofit/>
-            </a:bodyPr>
-            <a:lstStyle/>
-            <a:p>
-              <a:pPr marL="0" lvl="0" indent="0" algn="ctr" defTabSz="1689100">
-                <a:lnSpc>
-                  <a:spcPct val="90000"/>
-                </a:lnSpc>
-                <a:spcBef>
-                  <a:spcPct val="0"/>
-                </a:spcBef>
-                <a:spcAft>
-                  <a:spcPct val="35000"/>
-                </a:spcAft>
-                <a:buNone/>
-              </a:pPr>
-              <a:r>
-                <a:rPr lang="en-US" sz="3800" kern="1200" dirty="0"/>
-                <a:t>Go</a:t>
-              </a:r>
-            </a:p>
-          </p:txBody>
-        </p:sp>
-        <p:sp>
-          <p:nvSpPr>
-            <p:cNvPr id="14" name="Freeform: Shape 13">
-              <a:extLst>
-                <a:ext uri="{FF2B5EF4-FFF2-40B4-BE49-F238E27FC236}">
-                  <a16:creationId xmlns:a16="http://schemas.microsoft.com/office/drawing/2014/main" id="{2C64F812-B9E0-A33B-9DD9-52116B04E114}"/>
-                </a:ext>
-              </a:extLst>
-            </p:cNvPr>
-            <p:cNvSpPr/>
-            <p:nvPr/>
-          </p:nvSpPr>
-          <p:spPr>
-            <a:xfrm>
-              <a:off x="1666909" y="4395992"/>
-              <a:ext cx="2500362" cy="1627840"/>
-            </a:xfrm>
-            <a:custGeom>
-              <a:avLst/>
-              <a:gdLst>
-                <a:gd name="connsiteX0" fmla="*/ 271312 w 1627840"/>
-                <a:gd name="connsiteY0" fmla="*/ 0 h 2500362"/>
-                <a:gd name="connsiteX1" fmla="*/ 1356528 w 1627840"/>
-                <a:gd name="connsiteY1" fmla="*/ 0 h 2500362"/>
-                <a:gd name="connsiteX2" fmla="*/ 1627840 w 1627840"/>
-                <a:gd name="connsiteY2" fmla="*/ 271312 h 2500362"/>
-                <a:gd name="connsiteX3" fmla="*/ 1627840 w 1627840"/>
-                <a:gd name="connsiteY3" fmla="*/ 2500362 h 2500362"/>
-                <a:gd name="connsiteX4" fmla="*/ 1627840 w 1627840"/>
-                <a:gd name="connsiteY4" fmla="*/ 2500362 h 2500362"/>
-                <a:gd name="connsiteX5" fmla="*/ 0 w 1627840"/>
-                <a:gd name="connsiteY5" fmla="*/ 2500362 h 2500362"/>
-                <a:gd name="connsiteX6" fmla="*/ 0 w 1627840"/>
-                <a:gd name="connsiteY6" fmla="*/ 2500362 h 2500362"/>
-                <a:gd name="connsiteX7" fmla="*/ 0 w 1627840"/>
-                <a:gd name="connsiteY7" fmla="*/ 271312 h 2500362"/>
-                <a:gd name="connsiteX8" fmla="*/ 271312 w 1627840"/>
-                <a:gd name="connsiteY8" fmla="*/ 0 h 2500362"/>
-              </a:gdLst>
-              <a:ahLst/>
-              <a:cxnLst>
-                <a:cxn ang="0">
-                  <a:pos x="connsiteX0" y="connsiteY0"/>
-                </a:cxn>
-                <a:cxn ang="0">
-                  <a:pos x="connsiteX1" y="connsiteY1"/>
-                </a:cxn>
-                <a:cxn ang="0">
-                  <a:pos x="connsiteX2" y="connsiteY2"/>
-                </a:cxn>
-                <a:cxn ang="0">
-                  <a:pos x="connsiteX3" y="connsiteY3"/>
-                </a:cxn>
-                <a:cxn ang="0">
-                  <a:pos x="connsiteX4" y="connsiteY4"/>
-                </a:cxn>
-                <a:cxn ang="0">
-                  <a:pos x="connsiteX5" y="connsiteY5"/>
-                </a:cxn>
-                <a:cxn ang="0">
-                  <a:pos x="connsiteX6" y="connsiteY6"/>
-                </a:cxn>
-                <a:cxn ang="0">
-                  <a:pos x="connsiteX7" y="connsiteY7"/>
-                </a:cxn>
-                <a:cxn ang="0">
-                  <a:pos x="connsiteX8" y="connsiteY8"/>
-                </a:cxn>
-              </a:cxnLst>
-              <a:rect l="l" t="t" r="r" b="b"/>
-              <a:pathLst>
-                <a:path w="1627840" h="2500362">
-                  <a:moveTo>
-                    <a:pt x="1627840" y="416736"/>
-                  </a:moveTo>
-                  <a:lnTo>
-                    <a:pt x="1627840" y="2083626"/>
-                  </a:lnTo>
-                  <a:cubicBezTo>
-                    <a:pt x="1627840" y="2313782"/>
-                    <a:pt x="1548757" y="2500361"/>
-                    <a:pt x="1451205" y="2500361"/>
-                  </a:cubicBezTo>
-                  <a:lnTo>
-                    <a:pt x="0" y="2500361"/>
-                  </a:lnTo>
-                  <a:lnTo>
-                    <a:pt x="0" y="2500361"/>
-                  </a:lnTo>
-                  <a:lnTo>
-                    <a:pt x="0" y="1"/>
-                  </a:lnTo>
-                  <a:lnTo>
-                    <a:pt x="0" y="1"/>
-                  </a:lnTo>
-                  <a:lnTo>
-                    <a:pt x="1451205" y="1"/>
-                  </a:lnTo>
-                  <a:cubicBezTo>
-                    <a:pt x="1548757" y="1"/>
-                    <a:pt x="1627840" y="186580"/>
-                    <a:pt x="1627840" y="416736"/>
-                  </a:cubicBezTo>
-                  <a:close/>
-                </a:path>
-              </a:pathLst>
-            </a:custGeom>
-          </p:spPr>
-          <p:style>
-            <a:lnRef idx="2">
-              <a:schemeClr val="accent1">
-                <a:hueOff val="0"/>
-                <a:satOff val="0"/>
-                <a:lumOff val="0"/>
-                <a:alphaOff val="0"/>
-              </a:schemeClr>
-            </a:lnRef>
-            <a:fillRef idx="1">
-              <a:schemeClr val="lt1">
-                <a:alpha val="90000"/>
-                <a:hueOff val="0"/>
-                <a:satOff val="0"/>
-                <a:lumOff val="0"/>
-                <a:alphaOff val="0"/>
-              </a:schemeClr>
-            </a:fillRef>
-            <a:effectRef idx="0">
-              <a:schemeClr val="lt1">
-                <a:alpha val="90000"/>
-                <a:hueOff val="0"/>
-                <a:satOff val="0"/>
-                <a:lumOff val="0"/>
-                <a:alphaOff val="0"/>
-              </a:schemeClr>
-            </a:effectRef>
-            <a:fontRef idx="minor">
-              <a:schemeClr val="dk1">
-                <a:hueOff val="0"/>
-                <a:satOff val="0"/>
-                <a:lumOff val="0"/>
-                <a:alphaOff val="0"/>
-              </a:schemeClr>
-            </a:fontRef>
-          </p:style>
-          <p:txBody>
-            <a:bodyPr spcFirstLastPara="0" vert="horz" wrap="square" lIns="327153" tIns="108675" rIns="108674" bIns="108675" numCol="1" spcCol="1270" anchor="ctr" anchorCtr="0">
-              <a:noAutofit/>
-            </a:bodyPr>
-            <a:lstStyle/>
-            <a:p>
-              <a:pPr marL="285750" lvl="1" indent="-285750" algn="l" defTabSz="2044700">
-                <a:lnSpc>
-                  <a:spcPct val="90000"/>
-                </a:lnSpc>
-                <a:spcBef>
-                  <a:spcPct val="0"/>
-                </a:spcBef>
-                <a:spcAft>
-                  <a:spcPct val="15000"/>
-                </a:spcAft>
-                <a:buChar char="•"/>
-              </a:pPr>
-              <a:endParaRPr lang="en-US" sz="4600" kern="1200"/>
-            </a:p>
-            <a:p>
-              <a:pPr marL="285750" lvl="1" indent="-285750" algn="l" defTabSz="2044700">
-                <a:lnSpc>
-                  <a:spcPct val="90000"/>
-                </a:lnSpc>
-                <a:spcBef>
-                  <a:spcPct val="0"/>
-                </a:spcBef>
-                <a:spcAft>
-                  <a:spcPct val="15000"/>
-                </a:spcAft>
-                <a:buChar char="•"/>
-              </a:pPr>
-              <a:endParaRPr lang="en-US" sz="4600" kern="1200"/>
-            </a:p>
-          </p:txBody>
-        </p:sp>
-      </p:grpSp>
-      <p:sp>
-        <p:nvSpPr>
-          <p:cNvPr id="12" name="Arc 11">
-            <a:extLst>
-              <a:ext uri="{FF2B5EF4-FFF2-40B4-BE49-F238E27FC236}">
-                <a16:creationId xmlns:a16="http://schemas.microsoft.com/office/drawing/2014/main" id="{081E4A58-353D-44AE-B2FC-2A74E2E400F7}"/>
-              </a:ext>
-              <a:ext uri="{C183D7F6-B498-43B3-948B-1728B52AA6E4}">
-                <adec:decorative xmlns:adec="http://schemas.microsoft.com/office/drawing/2017/decorative" val="1"/>
-              </a:ext>
-            </a:extLst>
-          </p:cNvPr>
-          <p:cNvSpPr>
-            <a:spLocks noGrp="1" noRot="1" noChangeAspect="1" noMove="1" noResize="1" noEditPoints="1" noAdjustHandles="1" noChangeArrowheads="1" noChangeShapeType="1" noTextEdit="1"/>
-          </p:cNvSpPr>
-          <p:nvPr>
-            <p:extLst>
-              <p:ext uri="{386F3935-93C4-4BCD-93E2-E3B085C9AB24}">
-                <p16:designElem xmlns:p16="http://schemas.microsoft.com/office/powerpoint/2015/main" val="1"/>
-              </p:ext>
-            </p:extLst>
-          </p:nvPr>
-        </p:nvSpPr>
-        <p:spPr>
-          <a:xfrm flipV="1">
-            <a:off x="7550402" y="2455479"/>
-            <a:ext cx="4083433" cy="4083433"/>
-          </a:xfrm>
-          <a:prstGeom prst="arc">
-            <a:avLst/>
-          </a:prstGeom>
-          <a:ln w="127000" cap="rnd">
-            <a:solidFill>
-              <a:schemeClr val="accent2">
-                <a:lumMod val="50000"/>
-              </a:schemeClr>
-            </a:solidFill>
-            <a:prstDash val="dash"/>
-          </a:ln>
-        </p:spPr>
-        <p:style>
-          <a:lnRef idx="1">
-            <a:schemeClr val="accent1"/>
-          </a:lnRef>
-          <a:fillRef idx="0">
-            <a:schemeClr val="accent1"/>
-          </a:fillRef>
-          <a:effectRef idx="0">
-            <a:schemeClr val="accent1"/>
-          </a:effectRef>
-          <a:fontRef idx="minor">
-            <a:schemeClr val="tx1"/>
-          </a:fontRef>
-        </p:style>
-        <p:txBody>
-          <a:bodyPr rtlCol="0" anchor="ctr"/>
-          <a:lstStyle/>
-          <a:p>
-            <a:pPr algn="ctr"/>
-            <a:endParaRPr lang="en-US" dirty="0"/>
-          </a:p>
-        </p:txBody>
-      </p:sp>
-      <p:sp>
-        <p:nvSpPr>
-          <p:cNvPr id="3" name="Content Placeholder 2">
-            <a:extLst>
-              <a:ext uri="{FF2B5EF4-FFF2-40B4-BE49-F238E27FC236}">
-                <a16:creationId xmlns:a16="http://schemas.microsoft.com/office/drawing/2014/main" id="{506ECF03-3832-CE61-45EB-6C148D597A92}"/>
-              </a:ext>
-            </a:extLst>
-          </p:cNvPr>
-          <p:cNvSpPr>
-            <a:spLocks noGrp="1"/>
-          </p:cNvSpPr>
-          <p:nvPr>
-            <p:ph idx="1"/>
-          </p:nvPr>
-        </p:nvSpPr>
-        <p:spPr>
-          <a:xfrm>
-            <a:off x="4447308" y="787400"/>
-            <a:ext cx="6906491" cy="5389563"/>
-          </a:xfrm>
-        </p:spPr>
-        <p:txBody>
-          <a:bodyPr anchor="ctr">
-            <a:normAutofit/>
-          </a:bodyPr>
-          <a:lstStyle/>
-          <a:p>
-            <a:endParaRPr lang="en-US" dirty="0"/>
-          </a:p>
-        </p:txBody>
-      </p:sp>
-    </p:spTree>
-    <p:extLst>
-      <p:ext uri="{BB962C8B-B14F-4D97-AF65-F5344CB8AC3E}">
-        <p14:creationId xmlns:p14="http://schemas.microsoft.com/office/powerpoint/2010/main" val="3892084729"/>
-      </p:ext>
-    </p:extLst>
-  </p:cSld>
-  <p:clrMapOvr>
-    <a:masterClrMapping/>
-  </p:clrMapOvr>
-</p:sld>
-</file>
-
-<file path=ppt/slides/slide5.xml><?xml version="1.0" encoding="utf-8"?>
-<p:sld xmlns:a="http://schemas.openxmlformats.org/drawingml/2006/main" xmlns:r="http://schemas.openxmlformats.org/officeDocument/2006/relationships" xmlns:p="http://schemas.openxmlformats.org/presentationml/2006/main">
-  <p:cSld>
-    <p:bg>
-      <p:bgPr>
-        <a:solidFill>
-          <a:schemeClr val="bg1"/>
-        </a:solidFill>
-        <a:effectLst/>
-      </p:bgPr>
-    </p:bg>
-    <p:spTree>
-      <p:nvGrpSpPr>
-        <p:cNvPr id="1" name=""/>
-        <p:cNvGrpSpPr/>
-        <p:nvPr/>
-      </p:nvGrpSpPr>
-      <p:grpSpPr>
-        <a:xfrm>
-          <a:off x="0" y="0"/>
-          <a:ext cx="0" cy="0"/>
-          <a:chOff x="0" y="0"/>
-          <a:chExt cx="0" cy="0"/>
-        </a:xfrm>
-      </p:grpSpPr>
-      <p:sp useBgFill="1">
-        <p:nvSpPr>
-          <p:cNvPr id="8" name="Rectangle 7">
-            <a:extLst>
-              <a:ext uri="{FF2B5EF4-FFF2-40B4-BE49-F238E27FC236}">
-                <a16:creationId xmlns:a16="http://schemas.microsoft.com/office/drawing/2014/main" id="{DAF1966E-FD40-4A4A-B61B-C4DF7FA05F06}"/>
-              </a:ext>
-              <a:ext uri="{C183D7F6-B498-43B3-948B-1728B52AA6E4}">
-                <adec:decorative xmlns:adec="http://schemas.microsoft.com/office/drawing/2017/decorative" val="1"/>
-              </a:ext>
-            </a:extLst>
-          </p:cNvPr>
-          <p:cNvSpPr>
-            <a:spLocks noGrp="1" noRot="1" noChangeAspect="1" noMove="1" noResize="1" noEditPoints="1" noAdjustHandles="1" noChangeArrowheads="1" noChangeShapeType="1" noTextEdit="1"/>
-          </p:cNvSpPr>
-          <p:nvPr>
-            <p:extLst>
-              <p:ext uri="{386F3935-93C4-4BCD-93E2-E3B085C9AB24}">
-                <p16:designElem xmlns:p16="http://schemas.microsoft.com/office/powerpoint/2015/main" val="1"/>
-              </p:ext>
-            </p:extLst>
-          </p:nvPr>
-        </p:nvSpPr>
-        <p:spPr>
-          <a:xfrm>
-            <a:off x="0" y="0"/>
-            <a:ext cx="12192000" cy="6858000"/>
-          </a:xfrm>
-          <a:prstGeom prst="rect">
-            <a:avLst/>
-          </a:prstGeom>
-          <a:ln>
-            <a:noFill/>
-          </a:ln>
-        </p:spPr>
-        <p:style>
-          <a:lnRef idx="2">
-            <a:schemeClr val="accent1">
-              <a:shade val="50000"/>
-            </a:schemeClr>
-          </a:lnRef>
-          <a:fillRef idx="1">
-            <a:schemeClr val="accent1"/>
-          </a:fillRef>
-          <a:effectRef idx="0">
-            <a:schemeClr val="accent1"/>
-          </a:effectRef>
-          <a:fontRef idx="minor">
-            <a:schemeClr val="lt1"/>
-          </a:fontRef>
-        </p:style>
-        <p:txBody>
-          <a:bodyPr rtlCol="0" anchor="ctr"/>
-          <a:lstStyle/>
-          <a:p>
-            <a:pPr algn="ctr"/>
-            <a:endParaRPr lang="en-US" dirty="0"/>
-          </a:p>
-        </p:txBody>
-      </p:sp>
-      <p:sp useBgFill="1">
-        <p:nvSpPr>
-          <p:cNvPr id="10" name="Rectangle 9">
-            <a:extLst>
-              <a:ext uri="{FF2B5EF4-FFF2-40B4-BE49-F238E27FC236}">
-                <a16:creationId xmlns:a16="http://schemas.microsoft.com/office/drawing/2014/main" id="{047BFA19-D45E-416B-A404-7AF2F3F27017}"/>
-              </a:ext>
-              <a:ext uri="{C183D7F6-B498-43B3-948B-1728B52AA6E4}">
-                <adec:decorative xmlns:adec="http://schemas.microsoft.com/office/drawing/2017/decorative" val="1"/>
-              </a:ext>
-            </a:extLst>
-          </p:cNvPr>
-          <p:cNvSpPr>
-            <a:spLocks noGrp="1" noRot="1" noChangeAspect="1" noMove="1" noResize="1" noEditPoints="1" noAdjustHandles="1" noChangeArrowheads="1" noChangeShapeType="1" noTextEdit="1"/>
-          </p:cNvSpPr>
-          <p:nvPr>
-            <p:extLst>
-              <p:ext uri="{386F3935-93C4-4BCD-93E2-E3B085C9AB24}">
-                <p16:designElem xmlns:p16="http://schemas.microsoft.com/office/powerpoint/2015/main" val="1"/>
-              </p:ext>
-            </p:extLst>
-          </p:nvPr>
-        </p:nvSpPr>
-        <p:spPr>
-          <a:xfrm>
-            <a:off x="558209" y="0"/>
-            <a:ext cx="11167447" cy="2018806"/>
-          </a:xfrm>
-          <a:prstGeom prst="rect">
-            <a:avLst/>
-          </a:prstGeom>
-          <a:ln w="9525">
-            <a:solidFill>
-              <a:srgbClr val="E1E1E1"/>
-            </a:solidFill>
-          </a:ln>
-          <a:effectLst>
-            <a:outerShdw blurRad="50800" dist="38100" dir="2700000" algn="tl" rotWithShape="0">
-              <a:schemeClr val="bg1">
-                <a:lumMod val="85000"/>
-                <a:alpha val="50000"/>
-              </a:schemeClr>
-            </a:outerShdw>
-          </a:effectLst>
-        </p:spPr>
-        <p:style>
-          <a:lnRef idx="2">
-            <a:schemeClr val="accent1">
-              <a:shade val="50000"/>
-            </a:schemeClr>
-          </a:lnRef>
-          <a:fillRef idx="1">
-            <a:schemeClr val="accent1"/>
-          </a:fillRef>
-          <a:effectRef idx="0">
-            <a:schemeClr val="accent1"/>
-          </a:effectRef>
-          <a:fontRef idx="minor">
-            <a:schemeClr val="lt1"/>
-          </a:fontRef>
-        </p:style>
-        <p:txBody>
-          <a:bodyPr rtlCol="0" anchor="ctr"/>
-          <a:lstStyle/>
-          <a:p>
-            <a:pPr marL="0" marR="0" lvl="0" indent="0" algn="ctr" defTabSz="914400" rtl="0" eaLnBrk="1" fontAlgn="auto" latinLnBrk="0" hangingPunct="1">
-              <a:lnSpc>
-                <a:spcPct val="100000"/>
-              </a:lnSpc>
-              <a:spcBef>
-                <a:spcPts val="0"/>
-              </a:spcBef>
-              <a:spcAft>
-                <a:spcPts val="0"/>
-              </a:spcAft>
-              <a:buClrTx/>
-              <a:buSzTx/>
-              <a:buFontTx/>
-              <a:buNone/>
-              <a:tabLst/>
-              <a:defRPr/>
-            </a:pPr>
-            <a:endParaRPr kumimoji="0" lang="en-US" sz="1800" b="0" i="0" u="none" strike="noStrike" kern="1200" cap="none" spc="0" normalizeH="0" baseline="0" noProof="0" dirty="0">
-              <a:ln>
-                <a:noFill/>
-              </a:ln>
-              <a:solidFill>
-                <a:prstClr val="white"/>
-              </a:solidFill>
-              <a:effectLst/>
-              <a:uLnTx/>
-              <a:uFillTx/>
-              <a:latin typeface="Calibri" panose="020F0502020204030204"/>
-              <a:ea typeface="+mn-ea"/>
-              <a:cs typeface="+mn-cs"/>
-            </a:endParaRPr>
-          </a:p>
-        </p:txBody>
-      </p:sp>
-      <p:sp useBgFill="1">
-        <p:nvSpPr>
-          <p:cNvPr id="12" name="Rectangle 11">
-            <a:extLst>
-              <a:ext uri="{FF2B5EF4-FFF2-40B4-BE49-F238E27FC236}">
-                <a16:creationId xmlns:a16="http://schemas.microsoft.com/office/drawing/2014/main" id="{8E0105E7-23DB-4CF2-8258-FF47C7620F6E}"/>
-              </a:ext>
-              <a:ext uri="{C183D7F6-B498-43B3-948B-1728B52AA6E4}">
-                <adec:decorative xmlns:adec="http://schemas.microsoft.com/office/drawing/2017/decorative" val="1"/>
-              </a:ext>
-            </a:extLst>
-          </p:cNvPr>
-          <p:cNvSpPr>
-            <a:spLocks noGrp="1" noRot="1" noChangeAspect="1" noMove="1" noResize="1" noEditPoints="1" noAdjustHandles="1" noChangeArrowheads="1" noChangeShapeType="1" noTextEdit="1"/>
-          </p:cNvSpPr>
-          <p:nvPr>
-            <p:extLst>
-              <p:ext uri="{386F3935-93C4-4BCD-93E2-E3B085C9AB24}">
-                <p16:designElem xmlns:p16="http://schemas.microsoft.com/office/powerpoint/2015/main" val="1"/>
-              </p:ext>
-            </p:extLst>
-          </p:nvPr>
-        </p:nvSpPr>
-        <p:spPr>
-          <a:xfrm>
-            <a:off x="566928" y="0"/>
-            <a:ext cx="11155680" cy="2011680"/>
-          </a:xfrm>
-          <a:prstGeom prst="rect">
-            <a:avLst/>
-          </a:prstGeom>
-          <a:ln w="9525">
-            <a:noFill/>
-          </a:ln>
-          <a:effectLst/>
-        </p:spPr>
-        <p:style>
-          <a:lnRef idx="2">
-            <a:schemeClr val="accent1">
-              <a:shade val="50000"/>
-            </a:schemeClr>
-          </a:lnRef>
-          <a:fillRef idx="1">
-            <a:schemeClr val="accent1"/>
-          </a:fillRef>
-          <a:effectRef idx="0">
-            <a:schemeClr val="accent1"/>
-          </a:effectRef>
-          <a:fontRef idx="minor">
-            <a:schemeClr val="lt1"/>
-          </a:fontRef>
-        </p:style>
-        <p:txBody>
-          <a:bodyPr rtlCol="0" anchor="ctr"/>
-          <a:lstStyle/>
-          <a:p>
-            <a:pPr marL="0" marR="0" lvl="0" indent="0" algn="ctr" defTabSz="914400" rtl="0" eaLnBrk="1" fontAlgn="auto" latinLnBrk="0" hangingPunct="1">
-              <a:lnSpc>
-                <a:spcPct val="100000"/>
-              </a:lnSpc>
-              <a:spcBef>
-                <a:spcPts val="0"/>
-              </a:spcBef>
-              <a:spcAft>
-                <a:spcPts val="0"/>
-              </a:spcAft>
-              <a:buClrTx/>
-              <a:buSzTx/>
-              <a:buFontTx/>
-              <a:buNone/>
-              <a:tabLst/>
-              <a:defRPr/>
-            </a:pPr>
-            <a:endParaRPr kumimoji="0" lang="en-US" sz="1800" b="0" i="0" u="none" strike="noStrike" kern="1200" cap="none" spc="0" normalizeH="0" baseline="0" noProof="0" dirty="0">
-              <a:ln>
-                <a:noFill/>
-              </a:ln>
-              <a:solidFill>
-                <a:prstClr val="white"/>
-              </a:solidFill>
-              <a:effectLst/>
-              <a:uLnTx/>
-              <a:uFillTx/>
-              <a:latin typeface="Calibri" panose="020F0502020204030204"/>
-              <a:ea typeface="+mn-ea"/>
-              <a:cs typeface="+mn-cs"/>
-            </a:endParaRPr>
-          </a:p>
-        </p:txBody>
-      </p:sp>
-      <p:sp>
-        <p:nvSpPr>
-          <p:cNvPr id="2" name="Title 1">
-            <a:extLst>
-              <a:ext uri="{FF2B5EF4-FFF2-40B4-BE49-F238E27FC236}">
-                <a16:creationId xmlns:a16="http://schemas.microsoft.com/office/drawing/2014/main" id="{82CF4B60-062A-25CD-E448-6C8255EEF9CC}"/>
-              </a:ext>
-            </a:extLst>
-          </p:cNvPr>
-          <p:cNvSpPr>
-            <a:spLocks noGrp="1"/>
-          </p:cNvSpPr>
-          <p:nvPr>
-            <p:ph type="title"/>
-          </p:nvPr>
-        </p:nvSpPr>
-        <p:spPr>
-          <a:xfrm>
-            <a:off x="1115568" y="548640"/>
-            <a:ext cx="10168128" cy="1179576"/>
-          </a:xfrm>
-        </p:spPr>
-        <p:txBody>
-          <a:bodyPr>
-            <a:normAutofit/>
-          </a:bodyPr>
-          <a:lstStyle/>
-          <a:p>
-            <a:r>
-              <a:rPr lang="en-US" sz="4000" dirty="0"/>
-              <a:t>Sponsors</a:t>
-            </a:r>
-          </a:p>
-        </p:txBody>
-      </p:sp>
-      <p:sp>
-        <p:nvSpPr>
-          <p:cNvPr id="14" name="Rectangle 13">
-            <a:extLst>
-              <a:ext uri="{FF2B5EF4-FFF2-40B4-BE49-F238E27FC236}">
-                <a16:creationId xmlns:a16="http://schemas.microsoft.com/office/drawing/2014/main" id="{074B4F7D-14B2-478B-8BF5-01E4E0C5D263}"/>
-              </a:ext>
-              <a:ext uri="{C183D7F6-B498-43B3-948B-1728B52AA6E4}">
-                <adec:decorative xmlns:adec="http://schemas.microsoft.com/office/drawing/2017/decorative" val="1"/>
-              </a:ext>
-            </a:extLst>
-          </p:cNvPr>
-          <p:cNvSpPr>
-            <a:spLocks noGrp="1" noRot="1" noChangeAspect="1" noMove="1" noResize="1" noEditPoints="1" noAdjustHandles="1" noChangeArrowheads="1" noChangeShapeType="1" noTextEdit="1"/>
-          </p:cNvSpPr>
-          <p:nvPr>
-            <p:extLst>
-              <p:ext uri="{386F3935-93C4-4BCD-93E2-E3B085C9AB24}">
-                <p16:designElem xmlns:p16="http://schemas.microsoft.com/office/powerpoint/2015/main" val="1"/>
-              </p:ext>
-            </p:extLst>
-          </p:nvPr>
-        </p:nvSpPr>
-        <p:spPr>
-          <a:xfrm>
-            <a:off x="498834" y="758952"/>
-            <a:ext cx="128016" cy="704088"/>
-          </a:xfrm>
-          <a:prstGeom prst="rect">
-            <a:avLst/>
-          </a:prstGeom>
-          <a:solidFill>
-            <a:schemeClr val="accent2"/>
-          </a:solidFill>
-          <a:ln>
-            <a:noFill/>
-          </a:ln>
-        </p:spPr>
-        <p:style>
-          <a:lnRef idx="2">
-            <a:schemeClr val="accent1">
-              <a:shade val="50000"/>
-            </a:schemeClr>
-          </a:lnRef>
-          <a:fillRef idx="1">
-            <a:schemeClr val="accent1"/>
-          </a:fillRef>
-          <a:effectRef idx="0">
-            <a:schemeClr val="accent1"/>
-          </a:effectRef>
-          <a:fontRef idx="minor">
-            <a:schemeClr val="lt1"/>
-          </a:fontRef>
-        </p:style>
-        <p:txBody>
-          <a:bodyPr rtlCol="0" anchor="ctr"/>
-          <a:lstStyle/>
-          <a:p>
-            <a:pPr algn="ctr"/>
-            <a:endParaRPr lang="en-US" dirty="0">
-              <a:solidFill>
-                <a:prstClr val="white"/>
-              </a:solidFill>
-              <a:latin typeface="Calibri" panose="020F0502020204030204"/>
-            </a:endParaRPr>
-          </a:p>
-        </p:txBody>
-      </p:sp>
-      <p:sp>
-        <p:nvSpPr>
-          <p:cNvPr id="3" name="Content Placeholder 2">
-            <a:extLst>
-              <a:ext uri="{FF2B5EF4-FFF2-40B4-BE49-F238E27FC236}">
-                <a16:creationId xmlns:a16="http://schemas.microsoft.com/office/drawing/2014/main" id="{E43BD06B-906D-5C9C-E517-52B27F705E94}"/>
-              </a:ext>
-            </a:extLst>
-          </p:cNvPr>
-          <p:cNvSpPr>
-            <a:spLocks noGrp="1"/>
-          </p:cNvSpPr>
-          <p:nvPr>
-            <p:ph idx="1"/>
-          </p:nvPr>
-        </p:nvSpPr>
-        <p:spPr>
-          <a:xfrm>
-            <a:off x="1115568" y="2481943"/>
-            <a:ext cx="10168128" cy="3695020"/>
-          </a:xfrm>
-        </p:spPr>
-        <p:txBody>
-          <a:bodyPr>
-            <a:normAutofit/>
-          </a:bodyPr>
-          <a:lstStyle/>
-          <a:p>
-            <a:pPr marL="457200" indent="-457200">
-              <a:buFont typeface="+mj-lt"/>
-              <a:buAutoNum type="arabicPeriod"/>
-            </a:pPr>
-            <a:endParaRPr lang="en-US" sz="2200" dirty="0"/>
-          </a:p>
-          <a:p>
-            <a:pPr marL="457200" indent="-457200">
-              <a:buFont typeface="+mj-lt"/>
-              <a:buAutoNum type="arabicPeriod"/>
-            </a:pPr>
-            <a:endParaRPr lang="en-US" sz="2200" dirty="0"/>
-          </a:p>
-          <a:p>
-            <a:pPr marL="457200" indent="-457200">
-              <a:buFont typeface="+mj-lt"/>
-              <a:buAutoNum type="arabicPeriod"/>
-            </a:pPr>
-            <a:endParaRPr lang="en-US" sz="2200" dirty="0"/>
-          </a:p>
-        </p:txBody>
-      </p:sp>
-    </p:spTree>
-    <p:extLst>
-      <p:ext uri="{BB962C8B-B14F-4D97-AF65-F5344CB8AC3E}">
-        <p14:creationId xmlns:p14="http://schemas.microsoft.com/office/powerpoint/2010/main" val="728067852"/>
-      </p:ext>
-    </p:extLst>
-  </p:cSld>
-  <p:clrMapOvr>
-    <a:masterClrMapping/>
-  </p:clrMapOvr>
-  <p:timing>
-    <p:tnLst>
-      <p:par>
-        <p:cTn id="1" dur="indefinite" restart="never" nodeType="tmRoot">
-          <p:childTnLst>
-            <p:seq concurrent="1" nextAc="seek">
-              <p:cTn id="2" dur="indefinite" nodeType="mainSeq">
-                <p:childTnLst>
-                  <p:par>
-                    <p:cTn id="3" fill="hold">
-                      <p:stCondLst>
-                        <p:cond delay="indefinite"/>
-                      </p:stCondLst>
-                      <p:childTnLst>
-                        <p:par>
-                          <p:cTn id="4" fill="hold">
-                            <p:stCondLst>
-                              <p:cond delay="0"/>
-                            </p:stCondLst>
-                            <p:childTnLst>
-                              <p:par>
-                                <p:cTn id="5" presetID="8" presetClass="emph" presetSubtype="0" fill="hold" grpId="0" nodeType="clickEffect">
-                                  <p:stCondLst>
-                                    <p:cond delay="0"/>
-                                  </p:stCondLst>
-                                  <p:childTnLst>
-                                    <p:animRot by="21600000">
-                                      <p:cBhvr>
-                                        <p:cTn id="6" dur="2000" fill="hold"/>
-                                        <p:tgtEl>
-                                          <p:spTgt spid="14"/>
-                                        </p:tgtEl>
-                                        <p:attrNameLst>
-                                          <p:attrName>r</p:attrName>
-                                        </p:attrNameLst>
-                                      </p:cBhvr>
-                                    </p:animRot>
-                                  </p:childTnLst>
-                                </p:cTn>
-                              </p:par>
-                            </p:childTnLst>
-                          </p:cTn>
-                        </p:par>
-                      </p:childTnLst>
-                    </p:cTn>
-                  </p:par>
-                </p:childTnLst>
-              </p:cTn>
-              <p:prevCondLst>
-                <p:cond evt="onPrev" delay="0">
-                  <p:tgtEl>
-                    <p:sldTgt/>
-                  </p:tgtEl>
-                </p:cond>
-              </p:prevCondLst>
-              <p:nextCondLst>
-                <p:cond evt="onNext" delay="0">
-                  <p:tgtEl>
-                    <p:sldTgt/>
-                  </p:tgtEl>
-                </p:cond>
-              </p:nextCondLst>
-            </p:seq>
-          </p:childTnLst>
-        </p:cTn>
-      </p:par>
-    </p:tnLst>
-    <p:bldLst>
-      <p:bldP spid="14" grpId="0" animBg="1"/>
-    </p:bldLst>
-  </p:timing>
-</p:sld>
-</file>
-
-<file path=ppt/slides/slide6.xml><?xml version="1.0" encoding="utf-8"?>
 <p:sld xmlns:a="http://schemas.openxmlformats.org/drawingml/2006/main" xmlns:r="http://schemas.openxmlformats.org/officeDocument/2006/relationships" xmlns:p="http://schemas.openxmlformats.org/presentationml/2006/main">
   <p:cSld>
     <p:bg>
@@ -16445,7 +11484,7 @@
 </p:sld>
 </file>
 
-<file path=ppt/slides/slide7.xml><?xml version="1.0" encoding="utf-8"?>
+<file path=ppt/slides/slide4.xml><?xml version="1.0" encoding="utf-8"?>
 <p:sld xmlns:a="http://schemas.openxmlformats.org/drawingml/2006/main" xmlns:r="http://schemas.openxmlformats.org/officeDocument/2006/relationships" xmlns:p="http://schemas.openxmlformats.org/presentationml/2006/main">
   <p:cSld>
     <p:spTree>
@@ -16567,7 +11606,7 @@
 </p:sld>
 </file>
 
-<file path=ppt/slides/slide8.xml><?xml version="1.0" encoding="utf-8"?>
+<file path=ppt/slides/slide5.xml><?xml version="1.0" encoding="utf-8"?>
 <p:sld xmlns:a="http://schemas.openxmlformats.org/drawingml/2006/main" xmlns:r="http://schemas.openxmlformats.org/officeDocument/2006/relationships" xmlns:p="http://schemas.openxmlformats.org/presentationml/2006/main">
   <p:cSld>
     <p:bg>
@@ -17128,7 +12167,7 @@
 </p:sld>
 </file>
 
-<file path=ppt/slides/slide9.xml><?xml version="1.0" encoding="utf-8"?>
+<file path=ppt/slides/slide6.xml><?xml version="1.0" encoding="utf-8"?>
 <p:sld xmlns:a="http://schemas.openxmlformats.org/drawingml/2006/main" xmlns:r="http://schemas.openxmlformats.org/officeDocument/2006/relationships" xmlns:p="http://schemas.openxmlformats.org/presentationml/2006/main">
   <p:cSld>
     <p:bg>
@@ -17599,6 +12638,2544 @@
     <p:extLst>
       <p:ext uri="{BB962C8B-B14F-4D97-AF65-F5344CB8AC3E}">
         <p14:creationId xmlns:p14="http://schemas.microsoft.com/office/powerpoint/2010/main" val="485199577"/>
+      </p:ext>
+    </p:extLst>
+  </p:cSld>
+  <p:clrMapOvr>
+    <a:masterClrMapping/>
+  </p:clrMapOvr>
+  <p:timing>
+    <p:tnLst>
+      <p:par>
+        <p:cTn id="1" dur="indefinite" restart="never" nodeType="tmRoot">
+          <p:childTnLst>
+            <p:seq concurrent="1" nextAc="seek">
+              <p:cTn id="2" dur="indefinite" nodeType="mainSeq">
+                <p:childTnLst>
+                  <p:par>
+                    <p:cTn id="3" fill="hold">
+                      <p:stCondLst>
+                        <p:cond delay="indefinite"/>
+                      </p:stCondLst>
+                      <p:childTnLst>
+                        <p:par>
+                          <p:cTn id="4" fill="hold">
+                            <p:stCondLst>
+                              <p:cond delay="0"/>
+                            </p:stCondLst>
+                            <p:childTnLst>
+                              <p:par>
+                                <p:cTn id="5" presetID="2" presetClass="entr" presetSubtype="8" fill="hold" grpId="0" nodeType="clickEffect">
+                                  <p:stCondLst>
+                                    <p:cond delay="0"/>
+                                  </p:stCondLst>
+                                  <p:childTnLst>
+                                    <p:set>
+                                      <p:cBhvr>
+                                        <p:cTn id="6" dur="1" fill="hold">
+                                          <p:stCondLst>
+                                            <p:cond delay="0"/>
+                                          </p:stCondLst>
+                                        </p:cTn>
+                                        <p:tgtEl>
+                                          <p:spTgt spid="10"/>
+                                        </p:tgtEl>
+                                        <p:attrNameLst>
+                                          <p:attrName>style.visibility</p:attrName>
+                                        </p:attrNameLst>
+                                      </p:cBhvr>
+                                      <p:to>
+                                        <p:strVal val="visible"/>
+                                      </p:to>
+                                    </p:set>
+                                    <p:anim calcmode="lin" valueType="num">
+                                      <p:cBhvr additive="base">
+                                        <p:cTn id="7" dur="3500" fill="hold"/>
+                                        <p:tgtEl>
+                                          <p:spTgt spid="10"/>
+                                        </p:tgtEl>
+                                        <p:attrNameLst>
+                                          <p:attrName>ppt_x</p:attrName>
+                                        </p:attrNameLst>
+                                      </p:cBhvr>
+                                      <p:tavLst>
+                                        <p:tav tm="0">
+                                          <p:val>
+                                            <p:strVal val="0-#ppt_w/2"/>
+                                          </p:val>
+                                        </p:tav>
+                                        <p:tav tm="100000">
+                                          <p:val>
+                                            <p:strVal val="#ppt_x"/>
+                                          </p:val>
+                                        </p:tav>
+                                      </p:tavLst>
+                                    </p:anim>
+                                    <p:anim calcmode="lin" valueType="num">
+                                      <p:cBhvr additive="base">
+                                        <p:cTn id="8" dur="3500" fill="hold"/>
+                                        <p:tgtEl>
+                                          <p:spTgt spid="10"/>
+                                        </p:tgtEl>
+                                        <p:attrNameLst>
+                                          <p:attrName>ppt_y</p:attrName>
+                                        </p:attrNameLst>
+                                      </p:cBhvr>
+                                      <p:tavLst>
+                                        <p:tav tm="0">
+                                          <p:val>
+                                            <p:strVal val="#ppt_y"/>
+                                          </p:val>
+                                        </p:tav>
+                                        <p:tav tm="100000">
+                                          <p:val>
+                                            <p:strVal val="#ppt_y"/>
+                                          </p:val>
+                                        </p:tav>
+                                      </p:tavLst>
+                                    </p:anim>
+                                  </p:childTnLst>
+                                </p:cTn>
+                              </p:par>
+                            </p:childTnLst>
+                          </p:cTn>
+                        </p:par>
+                      </p:childTnLst>
+                    </p:cTn>
+                  </p:par>
+                </p:childTnLst>
+              </p:cTn>
+              <p:prevCondLst>
+                <p:cond evt="onPrev" delay="0">
+                  <p:tgtEl>
+                    <p:sldTgt/>
+                  </p:tgtEl>
+                </p:cond>
+              </p:prevCondLst>
+              <p:nextCondLst>
+                <p:cond evt="onNext" delay="0">
+                  <p:tgtEl>
+                    <p:sldTgt/>
+                  </p:tgtEl>
+                </p:cond>
+              </p:nextCondLst>
+            </p:seq>
+          </p:childTnLst>
+        </p:cTn>
+      </p:par>
+    </p:tnLst>
+    <p:bldLst>
+      <p:bldP spid="10" grpId="0" animBg="1"/>
+    </p:bldLst>
+  </p:timing>
+</p:sld>
+</file>
+
+<file path=ppt/slides/slide7.xml><?xml version="1.0" encoding="utf-8"?>
+<p:sld xmlns:a="http://schemas.openxmlformats.org/drawingml/2006/main" xmlns:r="http://schemas.openxmlformats.org/officeDocument/2006/relationships" xmlns:p="http://schemas.openxmlformats.org/presentationml/2006/main">
+  <p:cSld>
+    <p:bg>
+      <p:bgPr>
+        <a:solidFill>
+          <a:schemeClr val="bg1"/>
+        </a:solidFill>
+        <a:effectLst/>
+      </p:bgPr>
+    </p:bg>
+    <p:spTree>
+      <p:nvGrpSpPr>
+        <p:cNvPr id="1" name=""/>
+        <p:cNvGrpSpPr/>
+        <p:nvPr/>
+      </p:nvGrpSpPr>
+      <p:grpSpPr>
+        <a:xfrm>
+          <a:off x="0" y="0"/>
+          <a:ext cx="0" cy="0"/>
+          <a:chOff x="0" y="0"/>
+          <a:chExt cx="0" cy="0"/>
+        </a:xfrm>
+      </p:grpSpPr>
+      <p:sp useBgFill="1">
+        <p:nvSpPr>
+          <p:cNvPr id="8" name="Rectangle 7">
+            <a:extLst>
+              <a:ext uri="{FF2B5EF4-FFF2-40B4-BE49-F238E27FC236}">
+                <a16:creationId xmlns:a16="http://schemas.microsoft.com/office/drawing/2014/main" id="{907EF6B7-1338-4443-8C46-6A318D952DFD}"/>
+              </a:ext>
+              <a:ext uri="{C183D7F6-B498-43B3-948B-1728B52AA6E4}">
+                <adec:decorative xmlns:adec="http://schemas.microsoft.com/office/drawing/2017/decorative" val="1"/>
+              </a:ext>
+            </a:extLst>
+          </p:cNvPr>
+          <p:cNvSpPr>
+            <a:spLocks noGrp="1" noRot="1" noChangeAspect="1" noMove="1" noResize="1" noEditPoints="1" noAdjustHandles="1" noChangeArrowheads="1" noChangeShapeType="1" noTextEdit="1"/>
+          </p:cNvSpPr>
+          <p:nvPr>
+            <p:extLst>
+              <p:ext uri="{386F3935-93C4-4BCD-93E2-E3B085C9AB24}">
+                <p16:designElem xmlns:p16="http://schemas.microsoft.com/office/powerpoint/2015/main" val="1"/>
+              </p:ext>
+            </p:extLst>
+          </p:nvPr>
+        </p:nvSpPr>
+        <p:spPr>
+          <a:xfrm>
+            <a:off x="3048" y="0"/>
+            <a:ext cx="12188952" cy="6858000"/>
+          </a:xfrm>
+          <a:prstGeom prst="rect">
+            <a:avLst/>
+          </a:prstGeom>
+          <a:ln>
+            <a:noFill/>
+          </a:ln>
+        </p:spPr>
+        <p:style>
+          <a:lnRef idx="2">
+            <a:schemeClr val="accent1">
+              <a:shade val="50000"/>
+            </a:schemeClr>
+          </a:lnRef>
+          <a:fillRef idx="1">
+            <a:schemeClr val="accent1"/>
+          </a:fillRef>
+          <a:effectRef idx="0">
+            <a:schemeClr val="accent1"/>
+          </a:effectRef>
+          <a:fontRef idx="minor">
+            <a:schemeClr val="lt1"/>
+          </a:fontRef>
+        </p:style>
+        <p:txBody>
+          <a:bodyPr rtlCol="0" anchor="ctr"/>
+          <a:lstStyle/>
+          <a:p>
+            <a:pPr algn="ctr"/>
+            <a:endParaRPr lang="en-US" dirty="0"/>
+          </a:p>
+        </p:txBody>
+      </p:sp>
+      <p:sp>
+        <p:nvSpPr>
+          <p:cNvPr id="10" name="Freeform: Shape 9">
+            <a:extLst>
+              <a:ext uri="{FF2B5EF4-FFF2-40B4-BE49-F238E27FC236}">
+                <a16:creationId xmlns:a16="http://schemas.microsoft.com/office/drawing/2014/main" id="{DAAE4CDD-124C-4DCF-9584-B6033B545DD5}"/>
+              </a:ext>
+              <a:ext uri="{C183D7F6-B498-43B3-948B-1728B52AA6E4}">
+                <adec:decorative xmlns:adec="http://schemas.microsoft.com/office/drawing/2017/decorative" val="1"/>
+              </a:ext>
+            </a:extLst>
+          </p:cNvPr>
+          <p:cNvSpPr>
+            <a:spLocks noChangeAspect="1"/>
+          </p:cNvSpPr>
+          <p:nvPr>
+            <p:extLst>
+              <p:ext uri="{386F3935-93C4-4BCD-93E2-E3B085C9AB24}">
+                <p16:designElem xmlns:p16="http://schemas.microsoft.com/office/powerpoint/2015/main" val="1"/>
+              </p:ext>
+            </p:extLst>
+          </p:nvPr>
+        </p:nvSpPr>
+        <p:spPr>
+          <a:xfrm>
+            <a:off x="1" y="0"/>
+            <a:ext cx="4167271" cy="6858000"/>
+          </a:xfrm>
+          <a:custGeom>
+            <a:avLst/>
+            <a:gdLst>
+              <a:gd name="connsiteX0" fmla="*/ 0 w 4167271"/>
+              <a:gd name="connsiteY0" fmla="*/ 0 h 6858000"/>
+              <a:gd name="connsiteX1" fmla="*/ 2259550 w 4167271"/>
+              <a:gd name="connsiteY1" fmla="*/ 0 h 6858000"/>
+              <a:gd name="connsiteX2" fmla="*/ 2387803 w 4167271"/>
+              <a:gd name="connsiteY2" fmla="*/ 82222 h 6858000"/>
+              <a:gd name="connsiteX3" fmla="*/ 4167271 w 4167271"/>
+              <a:gd name="connsiteY3" fmla="*/ 3429000 h 6858000"/>
+              <a:gd name="connsiteX4" fmla="*/ 2387803 w 4167271"/>
+              <a:gd name="connsiteY4" fmla="*/ 6775779 h 6858000"/>
+              <a:gd name="connsiteX5" fmla="*/ 2259550 w 4167271"/>
+              <a:gd name="connsiteY5" fmla="*/ 6858000 h 6858000"/>
+              <a:gd name="connsiteX6" fmla="*/ 0 w 4167271"/>
+              <a:gd name="connsiteY6" fmla="*/ 6858000 h 6858000"/>
+            </a:gdLst>
+            <a:ahLst/>
+            <a:cxnLst>
+              <a:cxn ang="0">
+                <a:pos x="connsiteX0" y="connsiteY0"/>
+              </a:cxn>
+              <a:cxn ang="0">
+                <a:pos x="connsiteX1" y="connsiteY1"/>
+              </a:cxn>
+              <a:cxn ang="0">
+                <a:pos x="connsiteX2" y="connsiteY2"/>
+              </a:cxn>
+              <a:cxn ang="0">
+                <a:pos x="connsiteX3" y="connsiteY3"/>
+              </a:cxn>
+              <a:cxn ang="0">
+                <a:pos x="connsiteX4" y="connsiteY4"/>
+              </a:cxn>
+              <a:cxn ang="0">
+                <a:pos x="connsiteX5" y="connsiteY5"/>
+              </a:cxn>
+              <a:cxn ang="0">
+                <a:pos x="connsiteX6" y="connsiteY6"/>
+              </a:cxn>
+            </a:cxnLst>
+            <a:rect l="l" t="t" r="r" b="b"/>
+            <a:pathLst>
+              <a:path w="4167271" h="6858000">
+                <a:moveTo>
+                  <a:pt x="0" y="0"/>
+                </a:moveTo>
+                <a:lnTo>
+                  <a:pt x="2259550" y="0"/>
+                </a:lnTo>
+                <a:lnTo>
+                  <a:pt x="2387803" y="82222"/>
+                </a:lnTo>
+                <a:cubicBezTo>
+                  <a:pt x="3461407" y="807534"/>
+                  <a:pt x="4167271" y="2035835"/>
+                  <a:pt x="4167271" y="3429000"/>
+                </a:cubicBezTo>
+                <a:cubicBezTo>
+                  <a:pt x="4167271" y="4822165"/>
+                  <a:pt x="3461407" y="6050467"/>
+                  <a:pt x="2387803" y="6775779"/>
+                </a:cubicBezTo>
+                <a:lnTo>
+                  <a:pt x="2259550" y="6858000"/>
+                </a:lnTo>
+                <a:lnTo>
+                  <a:pt x="0" y="6858000"/>
+                </a:lnTo>
+                <a:close/>
+              </a:path>
+            </a:pathLst>
+          </a:custGeom>
+          <a:gradFill flip="none" rotWithShape="1">
+            <a:gsLst>
+              <a:gs pos="0">
+                <a:schemeClr val="accent2">
+                  <a:lumMod val="67000"/>
+                </a:schemeClr>
+              </a:gs>
+              <a:gs pos="48000">
+                <a:schemeClr val="accent2">
+                  <a:lumMod val="97000"/>
+                  <a:lumOff val="3000"/>
+                </a:schemeClr>
+              </a:gs>
+              <a:gs pos="100000">
+                <a:schemeClr val="accent2">
+                  <a:lumMod val="60000"/>
+                  <a:lumOff val="40000"/>
+                </a:schemeClr>
+              </a:gs>
+            </a:gsLst>
+            <a:lin ang="16200000" scaled="1"/>
+            <a:tileRect/>
+          </a:gradFill>
+          <a:ln>
+            <a:noFill/>
+          </a:ln>
+        </p:spPr>
+        <p:style>
+          <a:lnRef idx="0">
+            <a:scrgbClr r="0" g="0" b="0"/>
+          </a:lnRef>
+          <a:fillRef idx="0">
+            <a:scrgbClr r="0" g="0" b="0"/>
+          </a:fillRef>
+          <a:effectRef idx="0">
+            <a:scrgbClr r="0" g="0" b="0"/>
+          </a:effectRef>
+          <a:fontRef idx="minor">
+            <a:schemeClr val="lt1"/>
+          </a:fontRef>
+        </p:style>
+        <p:txBody>
+          <a:bodyPr rtlCol="0" anchor="ctr"/>
+          <a:lstStyle/>
+          <a:p>
+            <a:pPr algn="ctr"/>
+            <a:endParaRPr lang="en-US" dirty="0"/>
+          </a:p>
+        </p:txBody>
+      </p:sp>
+      <p:sp>
+        <p:nvSpPr>
+          <p:cNvPr id="2" name="Title 1">
+            <a:extLst>
+              <a:ext uri="{FF2B5EF4-FFF2-40B4-BE49-F238E27FC236}">
+                <a16:creationId xmlns:a16="http://schemas.microsoft.com/office/drawing/2014/main" id="{604CD088-9924-FDF8-32EA-64AD14C5DE41}"/>
+              </a:ext>
+            </a:extLst>
+          </p:cNvPr>
+          <p:cNvSpPr>
+            <a:spLocks noGrp="1"/>
+          </p:cNvSpPr>
+          <p:nvPr>
+            <p:ph type="title"/>
+          </p:nvPr>
+        </p:nvSpPr>
+        <p:spPr>
+          <a:xfrm>
+            <a:off x="686834" y="1153572"/>
+            <a:ext cx="3200400" cy="4461163"/>
+          </a:xfrm>
+        </p:spPr>
+        <p:txBody>
+          <a:bodyPr>
+            <a:normAutofit/>
+          </a:bodyPr>
+          <a:lstStyle/>
+          <a:p>
+            <a:r>
+              <a:rPr lang="en-US" dirty="0">
+                <a:solidFill>
+                  <a:srgbClr val="FFFFFF"/>
+                </a:solidFill>
+              </a:rPr>
+              <a:t>Goals</a:t>
+            </a:r>
+          </a:p>
+        </p:txBody>
+      </p:sp>
+      <p:sp>
+        <p:nvSpPr>
+          <p:cNvPr id="12" name="Arc 11">
+            <a:extLst>
+              <a:ext uri="{FF2B5EF4-FFF2-40B4-BE49-F238E27FC236}">
+                <a16:creationId xmlns:a16="http://schemas.microsoft.com/office/drawing/2014/main" id="{081E4A58-353D-44AE-B2FC-2A74E2E400F7}"/>
+              </a:ext>
+              <a:ext uri="{C183D7F6-B498-43B3-948B-1728B52AA6E4}">
+                <adec:decorative xmlns:adec="http://schemas.microsoft.com/office/drawing/2017/decorative" val="1"/>
+              </a:ext>
+            </a:extLst>
+          </p:cNvPr>
+          <p:cNvSpPr>
+            <a:spLocks noGrp="1" noRot="1" noChangeAspect="1" noMove="1" noResize="1" noEditPoints="1" noAdjustHandles="1" noChangeArrowheads="1" noChangeShapeType="1" noTextEdit="1"/>
+          </p:cNvSpPr>
+          <p:nvPr>
+            <p:extLst>
+              <p:ext uri="{386F3935-93C4-4BCD-93E2-E3B085C9AB24}">
+                <p16:designElem xmlns:p16="http://schemas.microsoft.com/office/powerpoint/2015/main" val="1"/>
+              </p:ext>
+            </p:extLst>
+          </p:nvPr>
+        </p:nvSpPr>
+        <p:spPr>
+          <a:xfrm flipV="1">
+            <a:off x="7550402" y="2455479"/>
+            <a:ext cx="4083433" cy="4083433"/>
+          </a:xfrm>
+          <a:prstGeom prst="arc">
+            <a:avLst/>
+          </a:prstGeom>
+          <a:ln w="127000" cap="rnd">
+            <a:solidFill>
+              <a:schemeClr val="accent4"/>
+            </a:solidFill>
+            <a:prstDash val="dash"/>
+          </a:ln>
+        </p:spPr>
+        <p:style>
+          <a:lnRef idx="1">
+            <a:schemeClr val="accent1"/>
+          </a:lnRef>
+          <a:fillRef idx="0">
+            <a:schemeClr val="accent1"/>
+          </a:fillRef>
+          <a:effectRef idx="0">
+            <a:schemeClr val="accent1"/>
+          </a:effectRef>
+          <a:fontRef idx="minor">
+            <a:schemeClr val="tx1"/>
+          </a:fontRef>
+        </p:style>
+        <p:txBody>
+          <a:bodyPr rtlCol="0" anchor="ctr"/>
+          <a:lstStyle/>
+          <a:p>
+            <a:pPr algn="ctr"/>
+            <a:endParaRPr lang="en-US" dirty="0"/>
+          </a:p>
+        </p:txBody>
+      </p:sp>
+      <p:sp>
+        <p:nvSpPr>
+          <p:cNvPr id="4" name="Freeform: Shape 3">
+            <a:extLst>
+              <a:ext uri="{FF2B5EF4-FFF2-40B4-BE49-F238E27FC236}">
+                <a16:creationId xmlns:a16="http://schemas.microsoft.com/office/drawing/2014/main" id="{53CDCC1C-B54C-3E79-1EE0-9CB6B71FDF31}"/>
+              </a:ext>
+            </a:extLst>
+          </p:cNvPr>
+          <p:cNvSpPr/>
+          <p:nvPr/>
+        </p:nvSpPr>
+        <p:spPr>
+          <a:xfrm>
+            <a:off x="5662013" y="1426"/>
+            <a:ext cx="1666908" cy="2461295"/>
+          </a:xfrm>
+          <a:custGeom>
+            <a:avLst/>
+            <a:gdLst>
+              <a:gd name="connsiteX0" fmla="*/ 0 w 2461294"/>
+              <a:gd name="connsiteY0" fmla="*/ 0 h 1666908"/>
+              <a:gd name="connsiteX1" fmla="*/ 1627840 w 2461294"/>
+              <a:gd name="connsiteY1" fmla="*/ 0 h 1666908"/>
+              <a:gd name="connsiteX2" fmla="*/ 2461294 w 2461294"/>
+              <a:gd name="connsiteY2" fmla="*/ 833454 h 1666908"/>
+              <a:gd name="connsiteX3" fmla="*/ 1627840 w 2461294"/>
+              <a:gd name="connsiteY3" fmla="*/ 1666908 h 1666908"/>
+              <a:gd name="connsiteX4" fmla="*/ 0 w 2461294"/>
+              <a:gd name="connsiteY4" fmla="*/ 1666908 h 1666908"/>
+              <a:gd name="connsiteX5" fmla="*/ 833454 w 2461294"/>
+              <a:gd name="connsiteY5" fmla="*/ 833454 h 1666908"/>
+              <a:gd name="connsiteX6" fmla="*/ 0 w 2461294"/>
+              <a:gd name="connsiteY6" fmla="*/ 0 h 1666908"/>
+            </a:gdLst>
+            <a:ahLst/>
+            <a:cxnLst>
+              <a:cxn ang="0">
+                <a:pos x="connsiteX0" y="connsiteY0"/>
+              </a:cxn>
+              <a:cxn ang="0">
+                <a:pos x="connsiteX1" y="connsiteY1"/>
+              </a:cxn>
+              <a:cxn ang="0">
+                <a:pos x="connsiteX2" y="connsiteY2"/>
+              </a:cxn>
+              <a:cxn ang="0">
+                <a:pos x="connsiteX3" y="connsiteY3"/>
+              </a:cxn>
+              <a:cxn ang="0">
+                <a:pos x="connsiteX4" y="connsiteY4"/>
+              </a:cxn>
+              <a:cxn ang="0">
+                <a:pos x="connsiteX5" y="connsiteY5"/>
+              </a:cxn>
+              <a:cxn ang="0">
+                <a:pos x="connsiteX6" y="connsiteY6"/>
+              </a:cxn>
+            </a:cxnLst>
+            <a:rect l="l" t="t" r="r" b="b"/>
+            <a:pathLst>
+              <a:path w="2461294" h="1666908">
+                <a:moveTo>
+                  <a:pt x="2461293" y="0"/>
+                </a:moveTo>
+                <a:lnTo>
+                  <a:pt x="2461293" y="1102452"/>
+                </a:lnTo>
+                <a:lnTo>
+                  <a:pt x="1230647" y="1666908"/>
+                </a:lnTo>
+                <a:lnTo>
+                  <a:pt x="1" y="1102452"/>
+                </a:lnTo>
+                <a:lnTo>
+                  <a:pt x="1" y="0"/>
+                </a:lnTo>
+                <a:lnTo>
+                  <a:pt x="1230647" y="564456"/>
+                </a:lnTo>
+                <a:lnTo>
+                  <a:pt x="2461293" y="0"/>
+                </a:lnTo>
+                <a:close/>
+              </a:path>
+            </a:pathLst>
+          </a:custGeom>
+          <a:solidFill>
+            <a:schemeClr val="accent2">
+              <a:lumMod val="60000"/>
+              <a:lumOff val="40000"/>
+            </a:schemeClr>
+          </a:solidFill>
+        </p:spPr>
+        <p:style>
+          <a:lnRef idx="2">
+            <a:schemeClr val="accent1">
+              <a:hueOff val="0"/>
+              <a:satOff val="0"/>
+              <a:lumOff val="0"/>
+              <a:alphaOff val="0"/>
+            </a:schemeClr>
+          </a:lnRef>
+          <a:fillRef idx="1">
+            <a:schemeClr val="accent1">
+              <a:hueOff val="0"/>
+              <a:satOff val="0"/>
+              <a:lumOff val="0"/>
+              <a:alphaOff val="0"/>
+            </a:schemeClr>
+          </a:fillRef>
+          <a:effectRef idx="0">
+            <a:schemeClr val="accent1">
+              <a:hueOff val="0"/>
+              <a:satOff val="0"/>
+              <a:lumOff val="0"/>
+              <a:alphaOff val="0"/>
+            </a:schemeClr>
+          </a:effectRef>
+          <a:fontRef idx="minor">
+            <a:schemeClr val="lt1"/>
+          </a:fontRef>
+        </p:style>
+        <p:txBody>
+          <a:bodyPr spcFirstLastPara="0" vert="horz" wrap="square" lIns="24130" tIns="857585" rIns="24130" bIns="857584" numCol="1" spcCol="1270" anchor="ctr" anchorCtr="0">
+            <a:noAutofit/>
+          </a:bodyPr>
+          <a:lstStyle/>
+          <a:p>
+            <a:pPr marL="0" lvl="0" indent="0" algn="ctr" defTabSz="1689100">
+              <a:lnSpc>
+                <a:spcPct val="90000"/>
+              </a:lnSpc>
+              <a:spcBef>
+                <a:spcPct val="0"/>
+              </a:spcBef>
+              <a:spcAft>
+                <a:spcPct val="35000"/>
+              </a:spcAft>
+              <a:buNone/>
+            </a:pPr>
+            <a:r>
+              <a:rPr lang="en-US" sz="3800" kern="1200" dirty="0"/>
+              <a:t>Ready</a:t>
+            </a:r>
+          </a:p>
+        </p:txBody>
+      </p:sp>
+      <p:sp>
+        <p:nvSpPr>
+          <p:cNvPr id="5" name="Freeform: Shape 4">
+            <a:extLst>
+              <a:ext uri="{FF2B5EF4-FFF2-40B4-BE49-F238E27FC236}">
+                <a16:creationId xmlns:a16="http://schemas.microsoft.com/office/drawing/2014/main" id="{B50150B6-A81A-E049-10DA-746FA59EAC83}"/>
+              </a:ext>
+            </a:extLst>
+          </p:cNvPr>
+          <p:cNvSpPr/>
+          <p:nvPr/>
+        </p:nvSpPr>
+        <p:spPr>
+          <a:xfrm>
+            <a:off x="7328921" y="1428"/>
+            <a:ext cx="2500362" cy="1627840"/>
+          </a:xfrm>
+          <a:custGeom>
+            <a:avLst/>
+            <a:gdLst>
+              <a:gd name="connsiteX0" fmla="*/ 271312 w 1627840"/>
+              <a:gd name="connsiteY0" fmla="*/ 0 h 2500362"/>
+              <a:gd name="connsiteX1" fmla="*/ 1356528 w 1627840"/>
+              <a:gd name="connsiteY1" fmla="*/ 0 h 2500362"/>
+              <a:gd name="connsiteX2" fmla="*/ 1627840 w 1627840"/>
+              <a:gd name="connsiteY2" fmla="*/ 271312 h 2500362"/>
+              <a:gd name="connsiteX3" fmla="*/ 1627840 w 1627840"/>
+              <a:gd name="connsiteY3" fmla="*/ 2500362 h 2500362"/>
+              <a:gd name="connsiteX4" fmla="*/ 1627840 w 1627840"/>
+              <a:gd name="connsiteY4" fmla="*/ 2500362 h 2500362"/>
+              <a:gd name="connsiteX5" fmla="*/ 0 w 1627840"/>
+              <a:gd name="connsiteY5" fmla="*/ 2500362 h 2500362"/>
+              <a:gd name="connsiteX6" fmla="*/ 0 w 1627840"/>
+              <a:gd name="connsiteY6" fmla="*/ 2500362 h 2500362"/>
+              <a:gd name="connsiteX7" fmla="*/ 0 w 1627840"/>
+              <a:gd name="connsiteY7" fmla="*/ 271312 h 2500362"/>
+              <a:gd name="connsiteX8" fmla="*/ 271312 w 1627840"/>
+              <a:gd name="connsiteY8" fmla="*/ 0 h 2500362"/>
+            </a:gdLst>
+            <a:ahLst/>
+            <a:cxnLst>
+              <a:cxn ang="0">
+                <a:pos x="connsiteX0" y="connsiteY0"/>
+              </a:cxn>
+              <a:cxn ang="0">
+                <a:pos x="connsiteX1" y="connsiteY1"/>
+              </a:cxn>
+              <a:cxn ang="0">
+                <a:pos x="connsiteX2" y="connsiteY2"/>
+              </a:cxn>
+              <a:cxn ang="0">
+                <a:pos x="connsiteX3" y="connsiteY3"/>
+              </a:cxn>
+              <a:cxn ang="0">
+                <a:pos x="connsiteX4" y="connsiteY4"/>
+              </a:cxn>
+              <a:cxn ang="0">
+                <a:pos x="connsiteX5" y="connsiteY5"/>
+              </a:cxn>
+              <a:cxn ang="0">
+                <a:pos x="connsiteX6" y="connsiteY6"/>
+              </a:cxn>
+              <a:cxn ang="0">
+                <a:pos x="connsiteX7" y="connsiteY7"/>
+              </a:cxn>
+              <a:cxn ang="0">
+                <a:pos x="connsiteX8" y="connsiteY8"/>
+              </a:cxn>
+            </a:cxnLst>
+            <a:rect l="l" t="t" r="r" b="b"/>
+            <a:pathLst>
+              <a:path w="1627840" h="2500362">
+                <a:moveTo>
+                  <a:pt x="1627840" y="416736"/>
+                </a:moveTo>
+                <a:lnTo>
+                  <a:pt x="1627840" y="2083626"/>
+                </a:lnTo>
+                <a:cubicBezTo>
+                  <a:pt x="1627840" y="2313782"/>
+                  <a:pt x="1548757" y="2500361"/>
+                  <a:pt x="1451205" y="2500361"/>
+                </a:cubicBezTo>
+                <a:lnTo>
+                  <a:pt x="0" y="2500361"/>
+                </a:lnTo>
+                <a:lnTo>
+                  <a:pt x="0" y="2500361"/>
+                </a:lnTo>
+                <a:lnTo>
+                  <a:pt x="0" y="1"/>
+                </a:lnTo>
+                <a:lnTo>
+                  <a:pt x="0" y="1"/>
+                </a:lnTo>
+                <a:lnTo>
+                  <a:pt x="1451205" y="1"/>
+                </a:lnTo>
+                <a:cubicBezTo>
+                  <a:pt x="1548757" y="1"/>
+                  <a:pt x="1627840" y="186580"/>
+                  <a:pt x="1627840" y="416736"/>
+                </a:cubicBezTo>
+                <a:close/>
+              </a:path>
+            </a:pathLst>
+          </a:custGeom>
+        </p:spPr>
+        <p:style>
+          <a:lnRef idx="2">
+            <a:schemeClr val="accent1">
+              <a:hueOff val="0"/>
+              <a:satOff val="0"/>
+              <a:lumOff val="0"/>
+              <a:alphaOff val="0"/>
+            </a:schemeClr>
+          </a:lnRef>
+          <a:fillRef idx="1">
+            <a:schemeClr val="lt1">
+              <a:alpha val="90000"/>
+              <a:hueOff val="0"/>
+              <a:satOff val="0"/>
+              <a:lumOff val="0"/>
+              <a:alphaOff val="0"/>
+            </a:schemeClr>
+          </a:fillRef>
+          <a:effectRef idx="0">
+            <a:schemeClr val="lt1">
+              <a:alpha val="90000"/>
+              <a:hueOff val="0"/>
+              <a:satOff val="0"/>
+              <a:lumOff val="0"/>
+              <a:alphaOff val="0"/>
+            </a:schemeClr>
+          </a:effectRef>
+          <a:fontRef idx="minor">
+            <a:schemeClr val="dk1">
+              <a:hueOff val="0"/>
+              <a:satOff val="0"/>
+              <a:lumOff val="0"/>
+              <a:alphaOff val="0"/>
+            </a:schemeClr>
+          </a:fontRef>
+        </p:style>
+        <p:txBody>
+          <a:bodyPr spcFirstLastPara="0" vert="horz" wrap="square" lIns="327153" tIns="108674" rIns="108674" bIns="108676" numCol="1" spcCol="1270" anchor="ctr" anchorCtr="0">
+            <a:noAutofit/>
+          </a:bodyPr>
+          <a:lstStyle/>
+          <a:p>
+            <a:r>
+              <a:rPr lang="en-US" sz="2400" dirty="0"/>
+              <a:t>Introduce BDD</a:t>
+            </a:r>
+          </a:p>
+        </p:txBody>
+      </p:sp>
+      <p:sp>
+        <p:nvSpPr>
+          <p:cNvPr id="6" name="Freeform: Shape 5">
+            <a:extLst>
+              <a:ext uri="{FF2B5EF4-FFF2-40B4-BE49-F238E27FC236}">
+                <a16:creationId xmlns:a16="http://schemas.microsoft.com/office/drawing/2014/main" id="{47D5AD76-C1DB-867B-82D3-6F74063EC63C}"/>
+              </a:ext>
+            </a:extLst>
+          </p:cNvPr>
+          <p:cNvSpPr/>
+          <p:nvPr/>
+        </p:nvSpPr>
+        <p:spPr>
+          <a:xfrm>
+            <a:off x="5662013" y="2199066"/>
+            <a:ext cx="1666908" cy="2461294"/>
+          </a:xfrm>
+          <a:custGeom>
+            <a:avLst/>
+            <a:gdLst>
+              <a:gd name="connsiteX0" fmla="*/ 0 w 2461294"/>
+              <a:gd name="connsiteY0" fmla="*/ 0 h 1666908"/>
+              <a:gd name="connsiteX1" fmla="*/ 1627840 w 2461294"/>
+              <a:gd name="connsiteY1" fmla="*/ 0 h 1666908"/>
+              <a:gd name="connsiteX2" fmla="*/ 2461294 w 2461294"/>
+              <a:gd name="connsiteY2" fmla="*/ 833454 h 1666908"/>
+              <a:gd name="connsiteX3" fmla="*/ 1627840 w 2461294"/>
+              <a:gd name="connsiteY3" fmla="*/ 1666908 h 1666908"/>
+              <a:gd name="connsiteX4" fmla="*/ 0 w 2461294"/>
+              <a:gd name="connsiteY4" fmla="*/ 1666908 h 1666908"/>
+              <a:gd name="connsiteX5" fmla="*/ 833454 w 2461294"/>
+              <a:gd name="connsiteY5" fmla="*/ 833454 h 1666908"/>
+              <a:gd name="connsiteX6" fmla="*/ 0 w 2461294"/>
+              <a:gd name="connsiteY6" fmla="*/ 0 h 1666908"/>
+            </a:gdLst>
+            <a:ahLst/>
+            <a:cxnLst>
+              <a:cxn ang="0">
+                <a:pos x="connsiteX0" y="connsiteY0"/>
+              </a:cxn>
+              <a:cxn ang="0">
+                <a:pos x="connsiteX1" y="connsiteY1"/>
+              </a:cxn>
+              <a:cxn ang="0">
+                <a:pos x="connsiteX2" y="connsiteY2"/>
+              </a:cxn>
+              <a:cxn ang="0">
+                <a:pos x="connsiteX3" y="connsiteY3"/>
+              </a:cxn>
+              <a:cxn ang="0">
+                <a:pos x="connsiteX4" y="connsiteY4"/>
+              </a:cxn>
+              <a:cxn ang="0">
+                <a:pos x="connsiteX5" y="connsiteY5"/>
+              </a:cxn>
+              <a:cxn ang="0">
+                <a:pos x="connsiteX6" y="connsiteY6"/>
+              </a:cxn>
+            </a:cxnLst>
+            <a:rect l="l" t="t" r="r" b="b"/>
+            <a:pathLst>
+              <a:path w="2461294" h="1666908">
+                <a:moveTo>
+                  <a:pt x="2461293" y="0"/>
+                </a:moveTo>
+                <a:lnTo>
+                  <a:pt x="2461293" y="1102452"/>
+                </a:lnTo>
+                <a:lnTo>
+                  <a:pt x="1230647" y="1666908"/>
+                </a:lnTo>
+                <a:lnTo>
+                  <a:pt x="1" y="1102452"/>
+                </a:lnTo>
+                <a:lnTo>
+                  <a:pt x="1" y="0"/>
+                </a:lnTo>
+                <a:lnTo>
+                  <a:pt x="1230647" y="564456"/>
+                </a:lnTo>
+                <a:lnTo>
+                  <a:pt x="2461293" y="0"/>
+                </a:lnTo>
+                <a:close/>
+              </a:path>
+            </a:pathLst>
+          </a:custGeom>
+          <a:solidFill>
+            <a:schemeClr val="accent2">
+              <a:lumMod val="75000"/>
+            </a:schemeClr>
+          </a:solidFill>
+        </p:spPr>
+        <p:style>
+          <a:lnRef idx="2">
+            <a:schemeClr val="accent1">
+              <a:hueOff val="0"/>
+              <a:satOff val="0"/>
+              <a:lumOff val="0"/>
+              <a:alphaOff val="0"/>
+            </a:schemeClr>
+          </a:lnRef>
+          <a:fillRef idx="1">
+            <a:schemeClr val="accent1">
+              <a:hueOff val="0"/>
+              <a:satOff val="0"/>
+              <a:lumOff val="0"/>
+              <a:alphaOff val="0"/>
+            </a:schemeClr>
+          </a:fillRef>
+          <a:effectRef idx="0">
+            <a:schemeClr val="accent1">
+              <a:hueOff val="0"/>
+              <a:satOff val="0"/>
+              <a:lumOff val="0"/>
+              <a:alphaOff val="0"/>
+            </a:schemeClr>
+          </a:effectRef>
+          <a:fontRef idx="minor">
+            <a:schemeClr val="lt1"/>
+          </a:fontRef>
+        </p:style>
+        <p:txBody>
+          <a:bodyPr spcFirstLastPara="0" vert="horz" wrap="square" lIns="24130" tIns="857584" rIns="24130" bIns="857584" numCol="1" spcCol="1270" anchor="ctr" anchorCtr="0">
+            <a:noAutofit/>
+          </a:bodyPr>
+          <a:lstStyle/>
+          <a:p>
+            <a:pPr marL="0" lvl="0" indent="0" algn="ctr" defTabSz="1689100">
+              <a:lnSpc>
+                <a:spcPct val="90000"/>
+              </a:lnSpc>
+              <a:spcBef>
+                <a:spcPct val="0"/>
+              </a:spcBef>
+              <a:spcAft>
+                <a:spcPct val="35000"/>
+              </a:spcAft>
+              <a:buNone/>
+            </a:pPr>
+            <a:r>
+              <a:rPr lang="en-US" sz="3800" kern="1200" dirty="0"/>
+              <a:t>Set</a:t>
+            </a:r>
+          </a:p>
+        </p:txBody>
+      </p:sp>
+      <p:sp>
+        <p:nvSpPr>
+          <p:cNvPr id="7" name="Freeform: Shape 6">
+            <a:extLst>
+              <a:ext uri="{FF2B5EF4-FFF2-40B4-BE49-F238E27FC236}">
+                <a16:creationId xmlns:a16="http://schemas.microsoft.com/office/drawing/2014/main" id="{A578B24A-9E03-36BE-02B9-CDA489E9EEDC}"/>
+              </a:ext>
+            </a:extLst>
+          </p:cNvPr>
+          <p:cNvSpPr/>
+          <p:nvPr/>
+        </p:nvSpPr>
+        <p:spPr>
+          <a:xfrm>
+            <a:off x="7328921" y="2199066"/>
+            <a:ext cx="2500362" cy="1627841"/>
+          </a:xfrm>
+          <a:custGeom>
+            <a:avLst/>
+            <a:gdLst>
+              <a:gd name="connsiteX0" fmla="*/ 271312 w 1627840"/>
+              <a:gd name="connsiteY0" fmla="*/ 0 h 2500362"/>
+              <a:gd name="connsiteX1" fmla="*/ 1356528 w 1627840"/>
+              <a:gd name="connsiteY1" fmla="*/ 0 h 2500362"/>
+              <a:gd name="connsiteX2" fmla="*/ 1627840 w 1627840"/>
+              <a:gd name="connsiteY2" fmla="*/ 271312 h 2500362"/>
+              <a:gd name="connsiteX3" fmla="*/ 1627840 w 1627840"/>
+              <a:gd name="connsiteY3" fmla="*/ 2500362 h 2500362"/>
+              <a:gd name="connsiteX4" fmla="*/ 1627840 w 1627840"/>
+              <a:gd name="connsiteY4" fmla="*/ 2500362 h 2500362"/>
+              <a:gd name="connsiteX5" fmla="*/ 0 w 1627840"/>
+              <a:gd name="connsiteY5" fmla="*/ 2500362 h 2500362"/>
+              <a:gd name="connsiteX6" fmla="*/ 0 w 1627840"/>
+              <a:gd name="connsiteY6" fmla="*/ 2500362 h 2500362"/>
+              <a:gd name="connsiteX7" fmla="*/ 0 w 1627840"/>
+              <a:gd name="connsiteY7" fmla="*/ 271312 h 2500362"/>
+              <a:gd name="connsiteX8" fmla="*/ 271312 w 1627840"/>
+              <a:gd name="connsiteY8" fmla="*/ 0 h 2500362"/>
+            </a:gdLst>
+            <a:ahLst/>
+            <a:cxnLst>
+              <a:cxn ang="0">
+                <a:pos x="connsiteX0" y="connsiteY0"/>
+              </a:cxn>
+              <a:cxn ang="0">
+                <a:pos x="connsiteX1" y="connsiteY1"/>
+              </a:cxn>
+              <a:cxn ang="0">
+                <a:pos x="connsiteX2" y="connsiteY2"/>
+              </a:cxn>
+              <a:cxn ang="0">
+                <a:pos x="connsiteX3" y="connsiteY3"/>
+              </a:cxn>
+              <a:cxn ang="0">
+                <a:pos x="connsiteX4" y="connsiteY4"/>
+              </a:cxn>
+              <a:cxn ang="0">
+                <a:pos x="connsiteX5" y="connsiteY5"/>
+              </a:cxn>
+              <a:cxn ang="0">
+                <a:pos x="connsiteX6" y="connsiteY6"/>
+              </a:cxn>
+              <a:cxn ang="0">
+                <a:pos x="connsiteX7" y="connsiteY7"/>
+              </a:cxn>
+              <a:cxn ang="0">
+                <a:pos x="connsiteX8" y="connsiteY8"/>
+              </a:cxn>
+            </a:cxnLst>
+            <a:rect l="l" t="t" r="r" b="b"/>
+            <a:pathLst>
+              <a:path w="1627840" h="2500362">
+                <a:moveTo>
+                  <a:pt x="1627840" y="416736"/>
+                </a:moveTo>
+                <a:lnTo>
+                  <a:pt x="1627840" y="2083626"/>
+                </a:lnTo>
+                <a:cubicBezTo>
+                  <a:pt x="1627840" y="2313782"/>
+                  <a:pt x="1548757" y="2500361"/>
+                  <a:pt x="1451205" y="2500361"/>
+                </a:cubicBezTo>
+                <a:lnTo>
+                  <a:pt x="0" y="2500361"/>
+                </a:lnTo>
+                <a:lnTo>
+                  <a:pt x="0" y="2500361"/>
+                </a:lnTo>
+                <a:lnTo>
+                  <a:pt x="0" y="1"/>
+                </a:lnTo>
+                <a:lnTo>
+                  <a:pt x="0" y="1"/>
+                </a:lnTo>
+                <a:lnTo>
+                  <a:pt x="1451205" y="1"/>
+                </a:lnTo>
+                <a:cubicBezTo>
+                  <a:pt x="1548757" y="1"/>
+                  <a:pt x="1627840" y="186580"/>
+                  <a:pt x="1627840" y="416736"/>
+                </a:cubicBezTo>
+                <a:close/>
+              </a:path>
+            </a:pathLst>
+          </a:custGeom>
+        </p:spPr>
+        <p:style>
+          <a:lnRef idx="2">
+            <a:schemeClr val="accent1">
+              <a:hueOff val="0"/>
+              <a:satOff val="0"/>
+              <a:lumOff val="0"/>
+              <a:alphaOff val="0"/>
+            </a:schemeClr>
+          </a:lnRef>
+          <a:fillRef idx="1">
+            <a:schemeClr val="lt1">
+              <a:alpha val="90000"/>
+              <a:hueOff val="0"/>
+              <a:satOff val="0"/>
+              <a:lumOff val="0"/>
+              <a:alphaOff val="0"/>
+            </a:schemeClr>
+          </a:fillRef>
+          <a:effectRef idx="0">
+            <a:schemeClr val="lt1">
+              <a:alpha val="90000"/>
+              <a:hueOff val="0"/>
+              <a:satOff val="0"/>
+              <a:lumOff val="0"/>
+              <a:alphaOff val="0"/>
+            </a:schemeClr>
+          </a:effectRef>
+          <a:fontRef idx="minor">
+            <a:schemeClr val="dk1">
+              <a:hueOff val="0"/>
+              <a:satOff val="0"/>
+              <a:lumOff val="0"/>
+              <a:alphaOff val="0"/>
+            </a:schemeClr>
+          </a:fontRef>
+        </p:style>
+        <p:txBody>
+          <a:bodyPr spcFirstLastPara="0" vert="horz" wrap="square" lIns="327153" tIns="108675" rIns="108674" bIns="108676" numCol="1" spcCol="1270" anchor="ctr" anchorCtr="0">
+            <a:noAutofit/>
+          </a:bodyPr>
+          <a:lstStyle/>
+          <a:p>
+            <a:r>
+              <a:rPr lang="en-US" sz="2400" dirty="0"/>
+              <a:t>Gherkin Syntax</a:t>
+            </a:r>
+          </a:p>
+        </p:txBody>
+      </p:sp>
+      <p:sp>
+        <p:nvSpPr>
+          <p:cNvPr id="9" name="Freeform: Shape 8">
+            <a:extLst>
+              <a:ext uri="{FF2B5EF4-FFF2-40B4-BE49-F238E27FC236}">
+                <a16:creationId xmlns:a16="http://schemas.microsoft.com/office/drawing/2014/main" id="{496F153B-4161-EF2C-67C2-EEC6C7AE3D0F}"/>
+              </a:ext>
+            </a:extLst>
+          </p:cNvPr>
+          <p:cNvSpPr/>
+          <p:nvPr/>
+        </p:nvSpPr>
+        <p:spPr>
+          <a:xfrm>
+            <a:off x="5662013" y="4396706"/>
+            <a:ext cx="1666908" cy="2461294"/>
+          </a:xfrm>
+          <a:custGeom>
+            <a:avLst/>
+            <a:gdLst>
+              <a:gd name="connsiteX0" fmla="*/ 0 w 2461294"/>
+              <a:gd name="connsiteY0" fmla="*/ 0 h 1666908"/>
+              <a:gd name="connsiteX1" fmla="*/ 1627840 w 2461294"/>
+              <a:gd name="connsiteY1" fmla="*/ 0 h 1666908"/>
+              <a:gd name="connsiteX2" fmla="*/ 2461294 w 2461294"/>
+              <a:gd name="connsiteY2" fmla="*/ 833454 h 1666908"/>
+              <a:gd name="connsiteX3" fmla="*/ 1627840 w 2461294"/>
+              <a:gd name="connsiteY3" fmla="*/ 1666908 h 1666908"/>
+              <a:gd name="connsiteX4" fmla="*/ 0 w 2461294"/>
+              <a:gd name="connsiteY4" fmla="*/ 1666908 h 1666908"/>
+              <a:gd name="connsiteX5" fmla="*/ 833454 w 2461294"/>
+              <a:gd name="connsiteY5" fmla="*/ 833454 h 1666908"/>
+              <a:gd name="connsiteX6" fmla="*/ 0 w 2461294"/>
+              <a:gd name="connsiteY6" fmla="*/ 0 h 1666908"/>
+            </a:gdLst>
+            <a:ahLst/>
+            <a:cxnLst>
+              <a:cxn ang="0">
+                <a:pos x="connsiteX0" y="connsiteY0"/>
+              </a:cxn>
+              <a:cxn ang="0">
+                <a:pos x="connsiteX1" y="connsiteY1"/>
+              </a:cxn>
+              <a:cxn ang="0">
+                <a:pos x="connsiteX2" y="connsiteY2"/>
+              </a:cxn>
+              <a:cxn ang="0">
+                <a:pos x="connsiteX3" y="connsiteY3"/>
+              </a:cxn>
+              <a:cxn ang="0">
+                <a:pos x="connsiteX4" y="connsiteY4"/>
+              </a:cxn>
+              <a:cxn ang="0">
+                <a:pos x="connsiteX5" y="connsiteY5"/>
+              </a:cxn>
+              <a:cxn ang="0">
+                <a:pos x="connsiteX6" y="connsiteY6"/>
+              </a:cxn>
+            </a:cxnLst>
+            <a:rect l="l" t="t" r="r" b="b"/>
+            <a:pathLst>
+              <a:path w="2461294" h="1666908">
+                <a:moveTo>
+                  <a:pt x="2461293" y="0"/>
+                </a:moveTo>
+                <a:lnTo>
+                  <a:pt x="2461293" y="1102452"/>
+                </a:lnTo>
+                <a:lnTo>
+                  <a:pt x="1230647" y="1666908"/>
+                </a:lnTo>
+                <a:lnTo>
+                  <a:pt x="1" y="1102452"/>
+                </a:lnTo>
+                <a:lnTo>
+                  <a:pt x="1" y="0"/>
+                </a:lnTo>
+                <a:lnTo>
+                  <a:pt x="1230647" y="564456"/>
+                </a:lnTo>
+                <a:lnTo>
+                  <a:pt x="2461293" y="0"/>
+                </a:lnTo>
+                <a:close/>
+              </a:path>
+            </a:pathLst>
+          </a:custGeom>
+          <a:solidFill>
+            <a:schemeClr val="accent2">
+              <a:lumMod val="50000"/>
+            </a:schemeClr>
+          </a:solidFill>
+        </p:spPr>
+        <p:style>
+          <a:lnRef idx="2">
+            <a:schemeClr val="accent1">
+              <a:hueOff val="0"/>
+              <a:satOff val="0"/>
+              <a:lumOff val="0"/>
+              <a:alphaOff val="0"/>
+            </a:schemeClr>
+          </a:lnRef>
+          <a:fillRef idx="1">
+            <a:schemeClr val="accent1">
+              <a:hueOff val="0"/>
+              <a:satOff val="0"/>
+              <a:lumOff val="0"/>
+              <a:alphaOff val="0"/>
+            </a:schemeClr>
+          </a:fillRef>
+          <a:effectRef idx="0">
+            <a:schemeClr val="accent1">
+              <a:hueOff val="0"/>
+              <a:satOff val="0"/>
+              <a:lumOff val="0"/>
+              <a:alphaOff val="0"/>
+            </a:schemeClr>
+          </a:effectRef>
+          <a:fontRef idx="minor">
+            <a:schemeClr val="lt1"/>
+          </a:fontRef>
+        </p:style>
+        <p:txBody>
+          <a:bodyPr spcFirstLastPara="0" vert="horz" wrap="square" lIns="24130" tIns="857584" rIns="24130" bIns="857584" numCol="1" spcCol="1270" anchor="ctr" anchorCtr="0">
+            <a:noAutofit/>
+          </a:bodyPr>
+          <a:lstStyle/>
+          <a:p>
+            <a:pPr marL="0" lvl="0" indent="0" algn="ctr" defTabSz="1689100">
+              <a:lnSpc>
+                <a:spcPct val="90000"/>
+              </a:lnSpc>
+              <a:spcBef>
+                <a:spcPct val="0"/>
+              </a:spcBef>
+              <a:spcAft>
+                <a:spcPct val="35000"/>
+              </a:spcAft>
+              <a:buNone/>
+            </a:pPr>
+            <a:r>
+              <a:rPr lang="en-US" sz="3800" kern="1200" dirty="0"/>
+              <a:t>Go</a:t>
+            </a:r>
+          </a:p>
+        </p:txBody>
+      </p:sp>
+      <p:sp>
+        <p:nvSpPr>
+          <p:cNvPr id="11" name="Freeform: Shape 10">
+            <a:extLst>
+              <a:ext uri="{FF2B5EF4-FFF2-40B4-BE49-F238E27FC236}">
+                <a16:creationId xmlns:a16="http://schemas.microsoft.com/office/drawing/2014/main" id="{830488B1-CB76-FA72-2DE1-DEE98970306B}"/>
+              </a:ext>
+            </a:extLst>
+          </p:cNvPr>
+          <p:cNvSpPr/>
+          <p:nvPr/>
+        </p:nvSpPr>
+        <p:spPr>
+          <a:xfrm>
+            <a:off x="7328921" y="4396706"/>
+            <a:ext cx="2500362" cy="1627840"/>
+          </a:xfrm>
+          <a:custGeom>
+            <a:avLst/>
+            <a:gdLst>
+              <a:gd name="connsiteX0" fmla="*/ 271312 w 1627840"/>
+              <a:gd name="connsiteY0" fmla="*/ 0 h 2500362"/>
+              <a:gd name="connsiteX1" fmla="*/ 1356528 w 1627840"/>
+              <a:gd name="connsiteY1" fmla="*/ 0 h 2500362"/>
+              <a:gd name="connsiteX2" fmla="*/ 1627840 w 1627840"/>
+              <a:gd name="connsiteY2" fmla="*/ 271312 h 2500362"/>
+              <a:gd name="connsiteX3" fmla="*/ 1627840 w 1627840"/>
+              <a:gd name="connsiteY3" fmla="*/ 2500362 h 2500362"/>
+              <a:gd name="connsiteX4" fmla="*/ 1627840 w 1627840"/>
+              <a:gd name="connsiteY4" fmla="*/ 2500362 h 2500362"/>
+              <a:gd name="connsiteX5" fmla="*/ 0 w 1627840"/>
+              <a:gd name="connsiteY5" fmla="*/ 2500362 h 2500362"/>
+              <a:gd name="connsiteX6" fmla="*/ 0 w 1627840"/>
+              <a:gd name="connsiteY6" fmla="*/ 2500362 h 2500362"/>
+              <a:gd name="connsiteX7" fmla="*/ 0 w 1627840"/>
+              <a:gd name="connsiteY7" fmla="*/ 271312 h 2500362"/>
+              <a:gd name="connsiteX8" fmla="*/ 271312 w 1627840"/>
+              <a:gd name="connsiteY8" fmla="*/ 0 h 2500362"/>
+            </a:gdLst>
+            <a:ahLst/>
+            <a:cxnLst>
+              <a:cxn ang="0">
+                <a:pos x="connsiteX0" y="connsiteY0"/>
+              </a:cxn>
+              <a:cxn ang="0">
+                <a:pos x="connsiteX1" y="connsiteY1"/>
+              </a:cxn>
+              <a:cxn ang="0">
+                <a:pos x="connsiteX2" y="connsiteY2"/>
+              </a:cxn>
+              <a:cxn ang="0">
+                <a:pos x="connsiteX3" y="connsiteY3"/>
+              </a:cxn>
+              <a:cxn ang="0">
+                <a:pos x="connsiteX4" y="connsiteY4"/>
+              </a:cxn>
+              <a:cxn ang="0">
+                <a:pos x="connsiteX5" y="connsiteY5"/>
+              </a:cxn>
+              <a:cxn ang="0">
+                <a:pos x="connsiteX6" y="connsiteY6"/>
+              </a:cxn>
+              <a:cxn ang="0">
+                <a:pos x="connsiteX7" y="connsiteY7"/>
+              </a:cxn>
+              <a:cxn ang="0">
+                <a:pos x="connsiteX8" y="connsiteY8"/>
+              </a:cxn>
+            </a:cxnLst>
+            <a:rect l="l" t="t" r="r" b="b"/>
+            <a:pathLst>
+              <a:path w="1627840" h="2500362">
+                <a:moveTo>
+                  <a:pt x="1627840" y="416736"/>
+                </a:moveTo>
+                <a:lnTo>
+                  <a:pt x="1627840" y="2083626"/>
+                </a:lnTo>
+                <a:cubicBezTo>
+                  <a:pt x="1627840" y="2313782"/>
+                  <a:pt x="1548757" y="2500361"/>
+                  <a:pt x="1451205" y="2500361"/>
+                </a:cubicBezTo>
+                <a:lnTo>
+                  <a:pt x="0" y="2500361"/>
+                </a:lnTo>
+                <a:lnTo>
+                  <a:pt x="0" y="2500361"/>
+                </a:lnTo>
+                <a:lnTo>
+                  <a:pt x="0" y="1"/>
+                </a:lnTo>
+                <a:lnTo>
+                  <a:pt x="0" y="1"/>
+                </a:lnTo>
+                <a:lnTo>
+                  <a:pt x="1451205" y="1"/>
+                </a:lnTo>
+                <a:cubicBezTo>
+                  <a:pt x="1548757" y="1"/>
+                  <a:pt x="1627840" y="186580"/>
+                  <a:pt x="1627840" y="416736"/>
+                </a:cubicBezTo>
+                <a:close/>
+              </a:path>
+            </a:pathLst>
+          </a:custGeom>
+        </p:spPr>
+        <p:style>
+          <a:lnRef idx="2">
+            <a:schemeClr val="accent1">
+              <a:hueOff val="0"/>
+              <a:satOff val="0"/>
+              <a:lumOff val="0"/>
+              <a:alphaOff val="0"/>
+            </a:schemeClr>
+          </a:lnRef>
+          <a:fillRef idx="1">
+            <a:schemeClr val="lt1">
+              <a:alpha val="90000"/>
+              <a:hueOff val="0"/>
+              <a:satOff val="0"/>
+              <a:lumOff val="0"/>
+              <a:alphaOff val="0"/>
+            </a:schemeClr>
+          </a:fillRef>
+          <a:effectRef idx="0">
+            <a:schemeClr val="lt1">
+              <a:alpha val="90000"/>
+              <a:hueOff val="0"/>
+              <a:satOff val="0"/>
+              <a:lumOff val="0"/>
+              <a:alphaOff val="0"/>
+            </a:schemeClr>
+          </a:effectRef>
+          <a:fontRef idx="minor">
+            <a:schemeClr val="dk1">
+              <a:hueOff val="0"/>
+              <a:satOff val="0"/>
+              <a:lumOff val="0"/>
+              <a:alphaOff val="0"/>
+            </a:schemeClr>
+          </a:fontRef>
+        </p:style>
+        <p:txBody>
+          <a:bodyPr spcFirstLastPara="0" vert="horz" wrap="square" lIns="327153" tIns="108675" rIns="108674" bIns="108675" numCol="1" spcCol="1270" anchor="ctr" anchorCtr="0">
+            <a:noAutofit/>
+          </a:bodyPr>
+          <a:lstStyle/>
+          <a:p>
+            <a:r>
+              <a:rPr lang="en-US" sz="2400" dirty="0"/>
+              <a:t>Demo </a:t>
+            </a:r>
+            <a:r>
+              <a:rPr lang="en-US" sz="2400" dirty="0" err="1"/>
+              <a:t>Specflow</a:t>
+            </a:r>
+            <a:endParaRPr lang="en-US" sz="2400" dirty="0"/>
+          </a:p>
+        </p:txBody>
+      </p:sp>
+    </p:spTree>
+    <p:extLst>
+      <p:ext uri="{BB962C8B-B14F-4D97-AF65-F5344CB8AC3E}">
+        <p14:creationId xmlns:p14="http://schemas.microsoft.com/office/powerpoint/2010/main" val="2789812883"/>
+      </p:ext>
+    </p:extLst>
+  </p:cSld>
+  <p:clrMapOvr>
+    <a:masterClrMapping/>
+  </p:clrMapOvr>
+  <p:timing>
+    <p:tnLst>
+      <p:par>
+        <p:cTn id="1" dur="indefinite" restart="never" nodeType="tmRoot">
+          <p:childTnLst>
+            <p:seq concurrent="1" nextAc="seek">
+              <p:cTn id="2" dur="indefinite" nodeType="mainSeq">
+                <p:childTnLst>
+                  <p:par>
+                    <p:cTn id="3" fill="hold">
+                      <p:stCondLst>
+                        <p:cond delay="indefinite"/>
+                      </p:stCondLst>
+                      <p:childTnLst>
+                        <p:par>
+                          <p:cTn id="4" fill="hold">
+                            <p:stCondLst>
+                              <p:cond delay="0"/>
+                            </p:stCondLst>
+                            <p:childTnLst>
+                              <p:par>
+                                <p:cTn id="5" presetID="2" presetClass="entr" presetSubtype="8" fill="hold" grpId="0" nodeType="clickEffect">
+                                  <p:stCondLst>
+                                    <p:cond delay="0"/>
+                                  </p:stCondLst>
+                                  <p:childTnLst>
+                                    <p:set>
+                                      <p:cBhvr>
+                                        <p:cTn id="6" dur="1" fill="hold">
+                                          <p:stCondLst>
+                                            <p:cond delay="0"/>
+                                          </p:stCondLst>
+                                        </p:cTn>
+                                        <p:tgtEl>
+                                          <p:spTgt spid="10"/>
+                                        </p:tgtEl>
+                                        <p:attrNameLst>
+                                          <p:attrName>style.visibility</p:attrName>
+                                        </p:attrNameLst>
+                                      </p:cBhvr>
+                                      <p:to>
+                                        <p:strVal val="visible"/>
+                                      </p:to>
+                                    </p:set>
+                                    <p:anim calcmode="lin" valueType="num">
+                                      <p:cBhvr additive="base">
+                                        <p:cTn id="7" dur="3500" fill="hold"/>
+                                        <p:tgtEl>
+                                          <p:spTgt spid="10"/>
+                                        </p:tgtEl>
+                                        <p:attrNameLst>
+                                          <p:attrName>ppt_x</p:attrName>
+                                        </p:attrNameLst>
+                                      </p:cBhvr>
+                                      <p:tavLst>
+                                        <p:tav tm="0">
+                                          <p:val>
+                                            <p:strVal val="0-#ppt_w/2"/>
+                                          </p:val>
+                                        </p:tav>
+                                        <p:tav tm="100000">
+                                          <p:val>
+                                            <p:strVal val="#ppt_x"/>
+                                          </p:val>
+                                        </p:tav>
+                                      </p:tavLst>
+                                    </p:anim>
+                                    <p:anim calcmode="lin" valueType="num">
+                                      <p:cBhvr additive="base">
+                                        <p:cTn id="8" dur="3500" fill="hold"/>
+                                        <p:tgtEl>
+                                          <p:spTgt spid="10"/>
+                                        </p:tgtEl>
+                                        <p:attrNameLst>
+                                          <p:attrName>ppt_y</p:attrName>
+                                        </p:attrNameLst>
+                                      </p:cBhvr>
+                                      <p:tavLst>
+                                        <p:tav tm="0">
+                                          <p:val>
+                                            <p:strVal val="#ppt_y"/>
+                                          </p:val>
+                                        </p:tav>
+                                        <p:tav tm="100000">
+                                          <p:val>
+                                            <p:strVal val="#ppt_y"/>
+                                          </p:val>
+                                        </p:tav>
+                                      </p:tavLst>
+                                    </p:anim>
+                                  </p:childTnLst>
+                                </p:cTn>
+                              </p:par>
+                            </p:childTnLst>
+                          </p:cTn>
+                        </p:par>
+                      </p:childTnLst>
+                    </p:cTn>
+                  </p:par>
+                </p:childTnLst>
+              </p:cTn>
+              <p:prevCondLst>
+                <p:cond evt="onPrev" delay="0">
+                  <p:tgtEl>
+                    <p:sldTgt/>
+                  </p:tgtEl>
+                </p:cond>
+              </p:prevCondLst>
+              <p:nextCondLst>
+                <p:cond evt="onNext" delay="0">
+                  <p:tgtEl>
+                    <p:sldTgt/>
+                  </p:tgtEl>
+                </p:cond>
+              </p:nextCondLst>
+            </p:seq>
+          </p:childTnLst>
+        </p:cTn>
+      </p:par>
+    </p:tnLst>
+    <p:bldLst>
+      <p:bldP spid="10" grpId="0" animBg="1"/>
+    </p:bldLst>
+  </p:timing>
+</p:sld>
+</file>
+
+<file path=ppt/slides/slide8.xml><?xml version="1.0" encoding="utf-8"?>
+<p:sld xmlns:a="http://schemas.openxmlformats.org/drawingml/2006/main" xmlns:r="http://schemas.openxmlformats.org/officeDocument/2006/relationships" xmlns:p="http://schemas.openxmlformats.org/presentationml/2006/main">
+  <p:cSld>
+    <p:bg>
+      <p:bgPr>
+        <a:solidFill>
+          <a:schemeClr val="bg1"/>
+        </a:solidFill>
+        <a:effectLst/>
+      </p:bgPr>
+    </p:bg>
+    <p:spTree>
+      <p:nvGrpSpPr>
+        <p:cNvPr id="1" name=""/>
+        <p:cNvGrpSpPr/>
+        <p:nvPr/>
+      </p:nvGrpSpPr>
+      <p:grpSpPr>
+        <a:xfrm>
+          <a:off x="0" y="0"/>
+          <a:ext cx="0" cy="0"/>
+          <a:chOff x="0" y="0"/>
+          <a:chExt cx="0" cy="0"/>
+        </a:xfrm>
+      </p:grpSpPr>
+      <p:sp useBgFill="1">
+        <p:nvSpPr>
+          <p:cNvPr id="8" name="Rectangle 7">
+            <a:extLst>
+              <a:ext uri="{FF2B5EF4-FFF2-40B4-BE49-F238E27FC236}">
+                <a16:creationId xmlns:a16="http://schemas.microsoft.com/office/drawing/2014/main" id="{DAF1966E-FD40-4A4A-B61B-C4DF7FA05F06}"/>
+              </a:ext>
+              <a:ext uri="{C183D7F6-B498-43B3-948B-1728B52AA6E4}">
+                <adec:decorative xmlns:adec="http://schemas.microsoft.com/office/drawing/2017/decorative" val="1"/>
+              </a:ext>
+            </a:extLst>
+          </p:cNvPr>
+          <p:cNvSpPr>
+            <a:spLocks noGrp="1" noRot="1" noChangeAspect="1" noMove="1" noResize="1" noEditPoints="1" noAdjustHandles="1" noChangeArrowheads="1" noChangeShapeType="1" noTextEdit="1"/>
+          </p:cNvSpPr>
+          <p:nvPr>
+            <p:extLst>
+              <p:ext uri="{386F3935-93C4-4BCD-93E2-E3B085C9AB24}">
+                <p16:designElem xmlns:p16="http://schemas.microsoft.com/office/powerpoint/2015/main" val="1"/>
+              </p:ext>
+            </p:extLst>
+          </p:nvPr>
+        </p:nvSpPr>
+        <p:spPr>
+          <a:xfrm>
+            <a:off x="0" y="0"/>
+            <a:ext cx="12192000" cy="6858000"/>
+          </a:xfrm>
+          <a:prstGeom prst="rect">
+            <a:avLst/>
+          </a:prstGeom>
+          <a:ln>
+            <a:noFill/>
+          </a:ln>
+        </p:spPr>
+        <p:style>
+          <a:lnRef idx="2">
+            <a:schemeClr val="accent1">
+              <a:shade val="50000"/>
+            </a:schemeClr>
+          </a:lnRef>
+          <a:fillRef idx="1">
+            <a:schemeClr val="accent1"/>
+          </a:fillRef>
+          <a:effectRef idx="0">
+            <a:schemeClr val="accent1"/>
+          </a:effectRef>
+          <a:fontRef idx="minor">
+            <a:schemeClr val="lt1"/>
+          </a:fontRef>
+        </p:style>
+        <p:txBody>
+          <a:bodyPr rtlCol="0" anchor="ctr"/>
+          <a:lstStyle/>
+          <a:p>
+            <a:pPr algn="ctr"/>
+            <a:endParaRPr lang="en-US" dirty="0"/>
+          </a:p>
+        </p:txBody>
+      </p:sp>
+      <p:sp useBgFill="1">
+        <p:nvSpPr>
+          <p:cNvPr id="10" name="Rectangle 9">
+            <a:extLst>
+              <a:ext uri="{FF2B5EF4-FFF2-40B4-BE49-F238E27FC236}">
+                <a16:creationId xmlns:a16="http://schemas.microsoft.com/office/drawing/2014/main" id="{047BFA19-D45E-416B-A404-7AF2F3F27017}"/>
+              </a:ext>
+              <a:ext uri="{C183D7F6-B498-43B3-948B-1728B52AA6E4}">
+                <adec:decorative xmlns:adec="http://schemas.microsoft.com/office/drawing/2017/decorative" val="1"/>
+              </a:ext>
+            </a:extLst>
+          </p:cNvPr>
+          <p:cNvSpPr>
+            <a:spLocks noGrp="1" noRot="1" noChangeAspect="1" noMove="1" noResize="1" noEditPoints="1" noAdjustHandles="1" noChangeArrowheads="1" noChangeShapeType="1" noTextEdit="1"/>
+          </p:cNvSpPr>
+          <p:nvPr>
+            <p:extLst>
+              <p:ext uri="{386F3935-93C4-4BCD-93E2-E3B085C9AB24}">
+                <p16:designElem xmlns:p16="http://schemas.microsoft.com/office/powerpoint/2015/main" val="1"/>
+              </p:ext>
+            </p:extLst>
+          </p:nvPr>
+        </p:nvSpPr>
+        <p:spPr>
+          <a:xfrm>
+            <a:off x="558209" y="0"/>
+            <a:ext cx="11167447" cy="2018806"/>
+          </a:xfrm>
+          <a:prstGeom prst="rect">
+            <a:avLst/>
+          </a:prstGeom>
+          <a:ln w="9525">
+            <a:solidFill>
+              <a:srgbClr val="E1E1E1"/>
+            </a:solidFill>
+          </a:ln>
+          <a:effectLst>
+            <a:outerShdw blurRad="50800" dist="38100" dir="2700000" algn="tl" rotWithShape="0">
+              <a:schemeClr val="bg1">
+                <a:lumMod val="85000"/>
+                <a:alpha val="50000"/>
+              </a:schemeClr>
+            </a:outerShdw>
+          </a:effectLst>
+        </p:spPr>
+        <p:style>
+          <a:lnRef idx="2">
+            <a:schemeClr val="accent1">
+              <a:shade val="50000"/>
+            </a:schemeClr>
+          </a:lnRef>
+          <a:fillRef idx="1">
+            <a:schemeClr val="accent1"/>
+          </a:fillRef>
+          <a:effectRef idx="0">
+            <a:schemeClr val="accent1"/>
+          </a:effectRef>
+          <a:fontRef idx="minor">
+            <a:schemeClr val="lt1"/>
+          </a:fontRef>
+        </p:style>
+        <p:txBody>
+          <a:bodyPr rtlCol="0" anchor="ctr"/>
+          <a:lstStyle/>
+          <a:p>
+            <a:pPr marL="0" marR="0" lvl="0" indent="0" algn="ctr" defTabSz="914400" rtl="0" eaLnBrk="1" fontAlgn="auto" latinLnBrk="0" hangingPunct="1">
+              <a:lnSpc>
+                <a:spcPct val="100000"/>
+              </a:lnSpc>
+              <a:spcBef>
+                <a:spcPts val="0"/>
+              </a:spcBef>
+              <a:spcAft>
+                <a:spcPts val="0"/>
+              </a:spcAft>
+              <a:buClrTx/>
+              <a:buSzTx/>
+              <a:buFontTx/>
+              <a:buNone/>
+              <a:tabLst/>
+              <a:defRPr/>
+            </a:pPr>
+            <a:endParaRPr kumimoji="0" lang="en-US" sz="1800" b="0" i="0" u="none" strike="noStrike" kern="1200" cap="none" spc="0" normalizeH="0" baseline="0" noProof="0" dirty="0">
+              <a:ln>
+                <a:noFill/>
+              </a:ln>
+              <a:solidFill>
+                <a:prstClr val="white"/>
+              </a:solidFill>
+              <a:effectLst/>
+              <a:uLnTx/>
+              <a:uFillTx/>
+              <a:latin typeface="Calibri" panose="020F0502020204030204"/>
+              <a:ea typeface="+mn-ea"/>
+              <a:cs typeface="+mn-cs"/>
+            </a:endParaRPr>
+          </a:p>
+        </p:txBody>
+      </p:sp>
+      <p:sp useBgFill="1">
+        <p:nvSpPr>
+          <p:cNvPr id="12" name="Rectangle 11">
+            <a:extLst>
+              <a:ext uri="{FF2B5EF4-FFF2-40B4-BE49-F238E27FC236}">
+                <a16:creationId xmlns:a16="http://schemas.microsoft.com/office/drawing/2014/main" id="{8E0105E7-23DB-4CF2-8258-FF47C7620F6E}"/>
+              </a:ext>
+              <a:ext uri="{C183D7F6-B498-43B3-948B-1728B52AA6E4}">
+                <adec:decorative xmlns:adec="http://schemas.microsoft.com/office/drawing/2017/decorative" val="1"/>
+              </a:ext>
+            </a:extLst>
+          </p:cNvPr>
+          <p:cNvSpPr>
+            <a:spLocks noGrp="1" noRot="1" noChangeAspect="1" noMove="1" noResize="1" noEditPoints="1" noAdjustHandles="1" noChangeArrowheads="1" noChangeShapeType="1" noTextEdit="1"/>
+          </p:cNvSpPr>
+          <p:nvPr>
+            <p:extLst>
+              <p:ext uri="{386F3935-93C4-4BCD-93E2-E3B085C9AB24}">
+                <p16:designElem xmlns:p16="http://schemas.microsoft.com/office/powerpoint/2015/main" val="1"/>
+              </p:ext>
+            </p:extLst>
+          </p:nvPr>
+        </p:nvSpPr>
+        <p:spPr>
+          <a:xfrm>
+            <a:off x="566928" y="0"/>
+            <a:ext cx="11155680" cy="2011680"/>
+          </a:xfrm>
+          <a:prstGeom prst="rect">
+            <a:avLst/>
+          </a:prstGeom>
+          <a:ln w="9525">
+            <a:noFill/>
+          </a:ln>
+          <a:effectLst/>
+        </p:spPr>
+        <p:style>
+          <a:lnRef idx="2">
+            <a:schemeClr val="accent1">
+              <a:shade val="50000"/>
+            </a:schemeClr>
+          </a:lnRef>
+          <a:fillRef idx="1">
+            <a:schemeClr val="accent1"/>
+          </a:fillRef>
+          <a:effectRef idx="0">
+            <a:schemeClr val="accent1"/>
+          </a:effectRef>
+          <a:fontRef idx="minor">
+            <a:schemeClr val="lt1"/>
+          </a:fontRef>
+        </p:style>
+        <p:txBody>
+          <a:bodyPr rtlCol="0" anchor="ctr"/>
+          <a:lstStyle/>
+          <a:p>
+            <a:pPr marL="0" marR="0" lvl="0" indent="0" algn="ctr" defTabSz="914400" rtl="0" eaLnBrk="1" fontAlgn="auto" latinLnBrk="0" hangingPunct="1">
+              <a:lnSpc>
+                <a:spcPct val="100000"/>
+              </a:lnSpc>
+              <a:spcBef>
+                <a:spcPts val="0"/>
+              </a:spcBef>
+              <a:spcAft>
+                <a:spcPts val="0"/>
+              </a:spcAft>
+              <a:buClrTx/>
+              <a:buSzTx/>
+              <a:buFontTx/>
+              <a:buNone/>
+              <a:tabLst/>
+              <a:defRPr/>
+            </a:pPr>
+            <a:endParaRPr kumimoji="0" lang="en-US" sz="1800" b="0" i="0" u="none" strike="noStrike" kern="1200" cap="none" spc="0" normalizeH="0" baseline="0" noProof="0" dirty="0">
+              <a:ln>
+                <a:noFill/>
+              </a:ln>
+              <a:solidFill>
+                <a:prstClr val="white"/>
+              </a:solidFill>
+              <a:effectLst/>
+              <a:uLnTx/>
+              <a:uFillTx/>
+              <a:latin typeface="Calibri" panose="020F0502020204030204"/>
+              <a:ea typeface="+mn-ea"/>
+              <a:cs typeface="+mn-cs"/>
+            </a:endParaRPr>
+          </a:p>
+        </p:txBody>
+      </p:sp>
+      <p:sp>
+        <p:nvSpPr>
+          <p:cNvPr id="2" name="Title 1">
+            <a:extLst>
+              <a:ext uri="{FF2B5EF4-FFF2-40B4-BE49-F238E27FC236}">
+                <a16:creationId xmlns:a16="http://schemas.microsoft.com/office/drawing/2014/main" id="{82CF4B60-062A-25CD-E448-6C8255EEF9CC}"/>
+              </a:ext>
+            </a:extLst>
+          </p:cNvPr>
+          <p:cNvSpPr>
+            <a:spLocks noGrp="1"/>
+          </p:cNvSpPr>
+          <p:nvPr>
+            <p:ph type="title"/>
+          </p:nvPr>
+        </p:nvSpPr>
+        <p:spPr>
+          <a:xfrm>
+            <a:off x="1115568" y="548640"/>
+            <a:ext cx="10168128" cy="1252266"/>
+          </a:xfrm>
+        </p:spPr>
+        <p:txBody>
+          <a:bodyPr>
+            <a:normAutofit/>
+          </a:bodyPr>
+          <a:lstStyle/>
+          <a:p>
+            <a:r>
+              <a:rPr lang="en-US" sz="4000" dirty="0"/>
+              <a:t>Office Space</a:t>
+            </a:r>
+          </a:p>
+        </p:txBody>
+      </p:sp>
+      <p:sp>
+        <p:nvSpPr>
+          <p:cNvPr id="14" name="Rectangle 13">
+            <a:extLst>
+              <a:ext uri="{FF2B5EF4-FFF2-40B4-BE49-F238E27FC236}">
+                <a16:creationId xmlns:a16="http://schemas.microsoft.com/office/drawing/2014/main" id="{074B4F7D-14B2-478B-8BF5-01E4E0C5D263}"/>
+              </a:ext>
+              <a:ext uri="{C183D7F6-B498-43B3-948B-1728B52AA6E4}">
+                <adec:decorative xmlns:adec="http://schemas.microsoft.com/office/drawing/2017/decorative" val="1"/>
+              </a:ext>
+            </a:extLst>
+          </p:cNvPr>
+          <p:cNvSpPr>
+            <a:spLocks noGrp="1" noRot="1" noChangeAspect="1" noMove="1" noResize="1" noEditPoints="1" noAdjustHandles="1" noChangeArrowheads="1" noChangeShapeType="1" noTextEdit="1"/>
+          </p:cNvSpPr>
+          <p:nvPr>
+            <p:extLst>
+              <p:ext uri="{386F3935-93C4-4BCD-93E2-E3B085C9AB24}">
+                <p16:designElem xmlns:p16="http://schemas.microsoft.com/office/powerpoint/2015/main" val="1"/>
+              </p:ext>
+            </p:extLst>
+          </p:nvPr>
+        </p:nvSpPr>
+        <p:spPr>
+          <a:xfrm>
+            <a:off x="498834" y="758952"/>
+            <a:ext cx="128016" cy="704088"/>
+          </a:xfrm>
+          <a:prstGeom prst="rect">
+            <a:avLst/>
+          </a:prstGeom>
+          <a:solidFill>
+            <a:schemeClr val="accent2"/>
+          </a:solidFill>
+          <a:ln>
+            <a:noFill/>
+          </a:ln>
+        </p:spPr>
+        <p:style>
+          <a:lnRef idx="2">
+            <a:schemeClr val="accent1">
+              <a:shade val="50000"/>
+            </a:schemeClr>
+          </a:lnRef>
+          <a:fillRef idx="1">
+            <a:schemeClr val="accent1"/>
+          </a:fillRef>
+          <a:effectRef idx="0">
+            <a:schemeClr val="accent1"/>
+          </a:effectRef>
+          <a:fontRef idx="minor">
+            <a:schemeClr val="lt1"/>
+          </a:fontRef>
+        </p:style>
+        <p:txBody>
+          <a:bodyPr rtlCol="0" anchor="ctr"/>
+          <a:lstStyle/>
+          <a:p>
+            <a:pPr algn="ctr"/>
+            <a:endParaRPr lang="en-US" dirty="0">
+              <a:solidFill>
+                <a:prstClr val="white"/>
+              </a:solidFill>
+              <a:latin typeface="Calibri" panose="020F0502020204030204"/>
+            </a:endParaRPr>
+          </a:p>
+        </p:txBody>
+      </p:sp>
+      <p:sp>
+        <p:nvSpPr>
+          <p:cNvPr id="3" name="Content Placeholder 2">
+            <a:extLst>
+              <a:ext uri="{FF2B5EF4-FFF2-40B4-BE49-F238E27FC236}">
+                <a16:creationId xmlns:a16="http://schemas.microsoft.com/office/drawing/2014/main" id="{E43BD06B-906D-5C9C-E517-52B27F705E94}"/>
+              </a:ext>
+            </a:extLst>
+          </p:cNvPr>
+          <p:cNvSpPr>
+            <a:spLocks noGrp="1"/>
+          </p:cNvSpPr>
+          <p:nvPr>
+            <p:ph idx="1"/>
+          </p:nvPr>
+        </p:nvSpPr>
+        <p:spPr>
+          <a:xfrm>
+            <a:off x="1115568" y="2481943"/>
+            <a:ext cx="10168128" cy="3695020"/>
+          </a:xfrm>
+        </p:spPr>
+        <p:txBody>
+          <a:bodyPr>
+            <a:normAutofit/>
+          </a:bodyPr>
+          <a:lstStyle/>
+          <a:p>
+            <a:pPr marL="457200" indent="-457200">
+              <a:buFont typeface="+mj-lt"/>
+              <a:buAutoNum type="arabicPeriod"/>
+            </a:pPr>
+            <a:endParaRPr lang="en-US" sz="2200" dirty="0"/>
+          </a:p>
+          <a:p>
+            <a:pPr marL="457200" indent="-457200">
+              <a:buFont typeface="+mj-lt"/>
+              <a:buAutoNum type="arabicPeriod"/>
+            </a:pPr>
+            <a:endParaRPr lang="en-US" sz="2200" dirty="0"/>
+          </a:p>
+          <a:p>
+            <a:pPr marL="457200" indent="-457200">
+              <a:buFont typeface="+mj-lt"/>
+              <a:buAutoNum type="arabicPeriod"/>
+            </a:pPr>
+            <a:endParaRPr lang="en-US" sz="2200" dirty="0"/>
+          </a:p>
+        </p:txBody>
+      </p:sp>
+      <p:pic>
+        <p:nvPicPr>
+          <p:cNvPr id="6" name="Picture 5">
+            <a:extLst>
+              <a:ext uri="{FF2B5EF4-FFF2-40B4-BE49-F238E27FC236}">
+                <a16:creationId xmlns:a16="http://schemas.microsoft.com/office/drawing/2014/main" id="{6B466854-812D-E478-AD6C-8C7B4941D51F}"/>
+              </a:ext>
+            </a:extLst>
+          </p:cNvPr>
+          <p:cNvPicPr>
+            <a:picLocks noChangeAspect="1"/>
+          </p:cNvPicPr>
+          <p:nvPr/>
+        </p:nvPicPr>
+        <p:blipFill>
+          <a:blip r:embed="rId3"/>
+          <a:stretch>
+            <a:fillRect/>
+          </a:stretch>
+        </p:blipFill>
+        <p:spPr>
+          <a:xfrm>
+            <a:off x="1858107" y="2154304"/>
+            <a:ext cx="8475785" cy="4591050"/>
+          </a:xfrm>
+          <a:prstGeom prst="rect">
+            <a:avLst/>
+          </a:prstGeom>
+        </p:spPr>
+      </p:pic>
+    </p:spTree>
+    <p:extLst>
+      <p:ext uri="{BB962C8B-B14F-4D97-AF65-F5344CB8AC3E}">
+        <p14:creationId xmlns:p14="http://schemas.microsoft.com/office/powerpoint/2010/main" val="2258248356"/>
+      </p:ext>
+    </p:extLst>
+  </p:cSld>
+  <p:clrMapOvr>
+    <a:masterClrMapping/>
+  </p:clrMapOvr>
+  <p:timing>
+    <p:tnLst>
+      <p:par>
+        <p:cTn id="1" dur="indefinite" restart="never" nodeType="tmRoot">
+          <p:childTnLst>
+            <p:seq concurrent="1" nextAc="seek">
+              <p:cTn id="2" dur="indefinite" nodeType="mainSeq">
+                <p:childTnLst>
+                  <p:par>
+                    <p:cTn id="3" fill="hold">
+                      <p:stCondLst>
+                        <p:cond delay="indefinite"/>
+                      </p:stCondLst>
+                      <p:childTnLst>
+                        <p:par>
+                          <p:cTn id="4" fill="hold">
+                            <p:stCondLst>
+                              <p:cond delay="0"/>
+                            </p:stCondLst>
+                            <p:childTnLst>
+                              <p:par>
+                                <p:cTn id="5" presetID="8" presetClass="emph" presetSubtype="0" fill="hold" grpId="0" nodeType="clickEffect">
+                                  <p:stCondLst>
+                                    <p:cond delay="0"/>
+                                  </p:stCondLst>
+                                  <p:childTnLst>
+                                    <p:animRot by="21600000">
+                                      <p:cBhvr>
+                                        <p:cTn id="6" dur="2000" fill="hold"/>
+                                        <p:tgtEl>
+                                          <p:spTgt spid="14"/>
+                                        </p:tgtEl>
+                                        <p:attrNameLst>
+                                          <p:attrName>r</p:attrName>
+                                        </p:attrNameLst>
+                                      </p:cBhvr>
+                                    </p:animRot>
+                                  </p:childTnLst>
+                                </p:cTn>
+                              </p:par>
+                            </p:childTnLst>
+                          </p:cTn>
+                        </p:par>
+                      </p:childTnLst>
+                    </p:cTn>
+                  </p:par>
+                </p:childTnLst>
+              </p:cTn>
+              <p:prevCondLst>
+                <p:cond evt="onPrev" delay="0">
+                  <p:tgtEl>
+                    <p:sldTgt/>
+                  </p:tgtEl>
+                </p:cond>
+              </p:prevCondLst>
+              <p:nextCondLst>
+                <p:cond evt="onNext" delay="0">
+                  <p:tgtEl>
+                    <p:sldTgt/>
+                  </p:tgtEl>
+                </p:cond>
+              </p:nextCondLst>
+            </p:seq>
+          </p:childTnLst>
+        </p:cTn>
+      </p:par>
+    </p:tnLst>
+    <p:bldLst>
+      <p:bldP spid="14" grpId="0" animBg="1"/>
+    </p:bldLst>
+  </p:timing>
+</p:sld>
+</file>
+
+<file path=ppt/slides/slide9.xml><?xml version="1.0" encoding="utf-8"?>
+<p:sld xmlns:a="http://schemas.openxmlformats.org/drawingml/2006/main" xmlns:r="http://schemas.openxmlformats.org/officeDocument/2006/relationships" xmlns:p="http://schemas.openxmlformats.org/presentationml/2006/main">
+  <p:cSld>
+    <p:bg>
+      <p:bgPr>
+        <a:solidFill>
+          <a:schemeClr val="bg1"/>
+        </a:solidFill>
+        <a:effectLst/>
+      </p:bgPr>
+    </p:bg>
+    <p:spTree>
+      <p:nvGrpSpPr>
+        <p:cNvPr id="1" name=""/>
+        <p:cNvGrpSpPr/>
+        <p:nvPr/>
+      </p:nvGrpSpPr>
+      <p:grpSpPr>
+        <a:xfrm>
+          <a:off x="0" y="0"/>
+          <a:ext cx="0" cy="0"/>
+          <a:chOff x="0" y="0"/>
+          <a:chExt cx="0" cy="0"/>
+        </a:xfrm>
+      </p:grpSpPr>
+      <p:sp useBgFill="1">
+        <p:nvSpPr>
+          <p:cNvPr id="8" name="Rectangle 7">
+            <a:extLst>
+              <a:ext uri="{FF2B5EF4-FFF2-40B4-BE49-F238E27FC236}">
+                <a16:creationId xmlns:a16="http://schemas.microsoft.com/office/drawing/2014/main" id="{907EF6B7-1338-4443-8C46-6A318D952DFD}"/>
+              </a:ext>
+              <a:ext uri="{C183D7F6-B498-43B3-948B-1728B52AA6E4}">
+                <adec:decorative xmlns:adec="http://schemas.microsoft.com/office/drawing/2017/decorative" val="1"/>
+              </a:ext>
+            </a:extLst>
+          </p:cNvPr>
+          <p:cNvSpPr>
+            <a:spLocks noGrp="1" noRot="1" noChangeAspect="1" noMove="1" noResize="1" noEditPoints="1" noAdjustHandles="1" noChangeArrowheads="1" noChangeShapeType="1" noTextEdit="1"/>
+          </p:cNvSpPr>
+          <p:nvPr>
+            <p:extLst>
+              <p:ext uri="{386F3935-93C4-4BCD-93E2-E3B085C9AB24}">
+                <p16:designElem xmlns:p16="http://schemas.microsoft.com/office/powerpoint/2015/main" val="1"/>
+              </p:ext>
+            </p:extLst>
+          </p:nvPr>
+        </p:nvSpPr>
+        <p:spPr>
+          <a:xfrm>
+            <a:off x="3048" y="0"/>
+            <a:ext cx="12188952" cy="6858000"/>
+          </a:xfrm>
+          <a:prstGeom prst="rect">
+            <a:avLst/>
+          </a:prstGeom>
+          <a:ln>
+            <a:noFill/>
+          </a:ln>
+        </p:spPr>
+        <p:style>
+          <a:lnRef idx="2">
+            <a:schemeClr val="accent1">
+              <a:shade val="50000"/>
+            </a:schemeClr>
+          </a:lnRef>
+          <a:fillRef idx="1">
+            <a:schemeClr val="accent1"/>
+          </a:fillRef>
+          <a:effectRef idx="0">
+            <a:schemeClr val="accent1"/>
+          </a:effectRef>
+          <a:fontRef idx="minor">
+            <a:schemeClr val="lt1"/>
+          </a:fontRef>
+        </p:style>
+        <p:txBody>
+          <a:bodyPr rtlCol="0" anchor="ctr"/>
+          <a:lstStyle/>
+          <a:p>
+            <a:pPr algn="ctr"/>
+            <a:endParaRPr lang="en-US" dirty="0"/>
+          </a:p>
+        </p:txBody>
+      </p:sp>
+      <p:sp>
+        <p:nvSpPr>
+          <p:cNvPr id="10" name="Freeform: Shape 9">
+            <a:extLst>
+              <a:ext uri="{FF2B5EF4-FFF2-40B4-BE49-F238E27FC236}">
+                <a16:creationId xmlns:a16="http://schemas.microsoft.com/office/drawing/2014/main" id="{DAAE4CDD-124C-4DCF-9584-B6033B545DD5}"/>
+              </a:ext>
+              <a:ext uri="{C183D7F6-B498-43B3-948B-1728B52AA6E4}">
+                <adec:decorative xmlns:adec="http://schemas.microsoft.com/office/drawing/2017/decorative" val="1"/>
+              </a:ext>
+            </a:extLst>
+          </p:cNvPr>
+          <p:cNvSpPr>
+            <a:spLocks noChangeAspect="1"/>
+          </p:cNvSpPr>
+          <p:nvPr>
+            <p:extLst>
+              <p:ext uri="{386F3935-93C4-4BCD-93E2-E3B085C9AB24}">
+                <p16:designElem xmlns:p16="http://schemas.microsoft.com/office/powerpoint/2015/main" val="1"/>
+              </p:ext>
+            </p:extLst>
+          </p:nvPr>
+        </p:nvSpPr>
+        <p:spPr>
+          <a:xfrm>
+            <a:off x="1" y="0"/>
+            <a:ext cx="4167271" cy="6858000"/>
+          </a:xfrm>
+          <a:custGeom>
+            <a:avLst/>
+            <a:gdLst>
+              <a:gd name="connsiteX0" fmla="*/ 0 w 4167271"/>
+              <a:gd name="connsiteY0" fmla="*/ 0 h 6858000"/>
+              <a:gd name="connsiteX1" fmla="*/ 2259550 w 4167271"/>
+              <a:gd name="connsiteY1" fmla="*/ 0 h 6858000"/>
+              <a:gd name="connsiteX2" fmla="*/ 2387803 w 4167271"/>
+              <a:gd name="connsiteY2" fmla="*/ 82222 h 6858000"/>
+              <a:gd name="connsiteX3" fmla="*/ 4167271 w 4167271"/>
+              <a:gd name="connsiteY3" fmla="*/ 3429000 h 6858000"/>
+              <a:gd name="connsiteX4" fmla="*/ 2387803 w 4167271"/>
+              <a:gd name="connsiteY4" fmla="*/ 6775779 h 6858000"/>
+              <a:gd name="connsiteX5" fmla="*/ 2259550 w 4167271"/>
+              <a:gd name="connsiteY5" fmla="*/ 6858000 h 6858000"/>
+              <a:gd name="connsiteX6" fmla="*/ 0 w 4167271"/>
+              <a:gd name="connsiteY6" fmla="*/ 6858000 h 6858000"/>
+            </a:gdLst>
+            <a:ahLst/>
+            <a:cxnLst>
+              <a:cxn ang="0">
+                <a:pos x="connsiteX0" y="connsiteY0"/>
+              </a:cxn>
+              <a:cxn ang="0">
+                <a:pos x="connsiteX1" y="connsiteY1"/>
+              </a:cxn>
+              <a:cxn ang="0">
+                <a:pos x="connsiteX2" y="connsiteY2"/>
+              </a:cxn>
+              <a:cxn ang="0">
+                <a:pos x="connsiteX3" y="connsiteY3"/>
+              </a:cxn>
+              <a:cxn ang="0">
+                <a:pos x="connsiteX4" y="connsiteY4"/>
+              </a:cxn>
+              <a:cxn ang="0">
+                <a:pos x="connsiteX5" y="connsiteY5"/>
+              </a:cxn>
+              <a:cxn ang="0">
+                <a:pos x="connsiteX6" y="connsiteY6"/>
+              </a:cxn>
+            </a:cxnLst>
+            <a:rect l="l" t="t" r="r" b="b"/>
+            <a:pathLst>
+              <a:path w="4167271" h="6858000">
+                <a:moveTo>
+                  <a:pt x="0" y="0"/>
+                </a:moveTo>
+                <a:lnTo>
+                  <a:pt x="2259550" y="0"/>
+                </a:lnTo>
+                <a:lnTo>
+                  <a:pt x="2387803" y="82222"/>
+                </a:lnTo>
+                <a:cubicBezTo>
+                  <a:pt x="3461407" y="807534"/>
+                  <a:pt x="4167271" y="2035835"/>
+                  <a:pt x="4167271" y="3429000"/>
+                </a:cubicBezTo>
+                <a:cubicBezTo>
+                  <a:pt x="4167271" y="4822165"/>
+                  <a:pt x="3461407" y="6050467"/>
+                  <a:pt x="2387803" y="6775779"/>
+                </a:cubicBezTo>
+                <a:lnTo>
+                  <a:pt x="2259550" y="6858000"/>
+                </a:lnTo>
+                <a:lnTo>
+                  <a:pt x="0" y="6858000"/>
+                </a:lnTo>
+                <a:close/>
+              </a:path>
+            </a:pathLst>
+          </a:custGeom>
+          <a:gradFill flip="none" rotWithShape="1">
+            <a:gsLst>
+              <a:gs pos="0">
+                <a:schemeClr val="accent2">
+                  <a:lumMod val="67000"/>
+                </a:schemeClr>
+              </a:gs>
+              <a:gs pos="48000">
+                <a:schemeClr val="accent2">
+                  <a:lumMod val="97000"/>
+                  <a:lumOff val="3000"/>
+                </a:schemeClr>
+              </a:gs>
+              <a:gs pos="100000">
+                <a:schemeClr val="accent2">
+                  <a:lumMod val="60000"/>
+                  <a:lumOff val="40000"/>
+                </a:schemeClr>
+              </a:gs>
+            </a:gsLst>
+            <a:lin ang="16200000" scaled="1"/>
+            <a:tileRect/>
+          </a:gradFill>
+          <a:ln>
+            <a:noFill/>
+          </a:ln>
+        </p:spPr>
+        <p:style>
+          <a:lnRef idx="0">
+            <a:scrgbClr r="0" g="0" b="0"/>
+          </a:lnRef>
+          <a:fillRef idx="0">
+            <a:scrgbClr r="0" g="0" b="0"/>
+          </a:fillRef>
+          <a:effectRef idx="0">
+            <a:scrgbClr r="0" g="0" b="0"/>
+          </a:effectRef>
+          <a:fontRef idx="minor">
+            <a:schemeClr val="lt1"/>
+          </a:fontRef>
+        </p:style>
+        <p:txBody>
+          <a:bodyPr rtlCol="0" anchor="ctr"/>
+          <a:lstStyle/>
+          <a:p>
+            <a:pPr algn="ctr"/>
+            <a:endParaRPr lang="en-US" dirty="0"/>
+          </a:p>
+        </p:txBody>
+      </p:sp>
+      <p:sp>
+        <p:nvSpPr>
+          <p:cNvPr id="2" name="Title 1">
+            <a:extLst>
+              <a:ext uri="{FF2B5EF4-FFF2-40B4-BE49-F238E27FC236}">
+                <a16:creationId xmlns:a16="http://schemas.microsoft.com/office/drawing/2014/main" id="{604CD088-9924-FDF8-32EA-64AD14C5DE41}"/>
+              </a:ext>
+            </a:extLst>
+          </p:cNvPr>
+          <p:cNvSpPr>
+            <a:spLocks noGrp="1"/>
+          </p:cNvSpPr>
+          <p:nvPr>
+            <p:ph type="title"/>
+          </p:nvPr>
+        </p:nvSpPr>
+        <p:spPr>
+          <a:xfrm>
+            <a:off x="686834" y="1153572"/>
+            <a:ext cx="3200400" cy="4461163"/>
+          </a:xfrm>
+        </p:spPr>
+        <p:txBody>
+          <a:bodyPr>
+            <a:normAutofit/>
+          </a:bodyPr>
+          <a:lstStyle/>
+          <a:p>
+            <a:r>
+              <a:rPr lang="en-US" dirty="0">
+                <a:solidFill>
+                  <a:srgbClr val="FFFFFF"/>
+                </a:solidFill>
+              </a:rPr>
+              <a:t>TDD</a:t>
+            </a:r>
+          </a:p>
+        </p:txBody>
+      </p:sp>
+      <p:sp>
+        <p:nvSpPr>
+          <p:cNvPr id="12" name="Arc 11">
+            <a:extLst>
+              <a:ext uri="{FF2B5EF4-FFF2-40B4-BE49-F238E27FC236}">
+                <a16:creationId xmlns:a16="http://schemas.microsoft.com/office/drawing/2014/main" id="{081E4A58-353D-44AE-B2FC-2A74E2E400F7}"/>
+              </a:ext>
+              <a:ext uri="{C183D7F6-B498-43B3-948B-1728B52AA6E4}">
+                <adec:decorative xmlns:adec="http://schemas.microsoft.com/office/drawing/2017/decorative" val="1"/>
+              </a:ext>
+            </a:extLst>
+          </p:cNvPr>
+          <p:cNvSpPr>
+            <a:spLocks noGrp="1" noRot="1" noChangeAspect="1" noMove="1" noResize="1" noEditPoints="1" noAdjustHandles="1" noChangeArrowheads="1" noChangeShapeType="1" noTextEdit="1"/>
+          </p:cNvSpPr>
+          <p:nvPr>
+            <p:extLst>
+              <p:ext uri="{386F3935-93C4-4BCD-93E2-E3B085C9AB24}">
+                <p16:designElem xmlns:p16="http://schemas.microsoft.com/office/powerpoint/2015/main" val="1"/>
+              </p:ext>
+            </p:extLst>
+          </p:nvPr>
+        </p:nvSpPr>
+        <p:spPr>
+          <a:xfrm flipV="1">
+            <a:off x="7550402" y="2455479"/>
+            <a:ext cx="4083433" cy="4083433"/>
+          </a:xfrm>
+          <a:prstGeom prst="arc">
+            <a:avLst/>
+          </a:prstGeom>
+          <a:ln w="127000" cap="rnd">
+            <a:solidFill>
+              <a:schemeClr val="accent4"/>
+            </a:solidFill>
+            <a:prstDash val="dash"/>
+          </a:ln>
+        </p:spPr>
+        <p:style>
+          <a:lnRef idx="1">
+            <a:schemeClr val="accent1"/>
+          </a:lnRef>
+          <a:fillRef idx="0">
+            <a:schemeClr val="accent1"/>
+          </a:fillRef>
+          <a:effectRef idx="0">
+            <a:schemeClr val="accent1"/>
+          </a:effectRef>
+          <a:fontRef idx="minor">
+            <a:schemeClr val="tx1"/>
+          </a:fontRef>
+        </p:style>
+        <p:txBody>
+          <a:bodyPr rtlCol="0" anchor="ctr"/>
+          <a:lstStyle/>
+          <a:p>
+            <a:pPr algn="ctr"/>
+            <a:endParaRPr lang="en-US" dirty="0"/>
+          </a:p>
+        </p:txBody>
+      </p:sp>
+      <p:sp>
+        <p:nvSpPr>
+          <p:cNvPr id="3" name="Content Placeholder 2">
+            <a:extLst>
+              <a:ext uri="{FF2B5EF4-FFF2-40B4-BE49-F238E27FC236}">
+                <a16:creationId xmlns:a16="http://schemas.microsoft.com/office/drawing/2014/main" id="{506ECF03-3832-CE61-45EB-6C148D597A92}"/>
+              </a:ext>
+            </a:extLst>
+          </p:cNvPr>
+          <p:cNvSpPr>
+            <a:spLocks noGrp="1"/>
+          </p:cNvSpPr>
+          <p:nvPr>
+            <p:ph idx="1"/>
+          </p:nvPr>
+        </p:nvSpPr>
+        <p:spPr>
+          <a:xfrm>
+            <a:off x="4447308" y="787400"/>
+            <a:ext cx="6906491" cy="5389563"/>
+          </a:xfrm>
+        </p:spPr>
+        <p:txBody>
+          <a:bodyPr anchor="ctr">
+            <a:normAutofit/>
+          </a:bodyPr>
+          <a:lstStyle/>
+          <a:p>
+            <a:r>
+              <a:rPr lang="en-US" dirty="0"/>
+              <a:t>Build trust of the users</a:t>
+            </a:r>
+          </a:p>
+          <a:p>
+            <a:pPr lvl="1"/>
+            <a:r>
+              <a:rPr lang="en-US" dirty="0"/>
+              <a:t>Reduce the numbers of bugs found by users</a:t>
+            </a:r>
+          </a:p>
+          <a:p>
+            <a:pPr lvl="1"/>
+            <a:r>
+              <a:rPr lang="en-US" dirty="0"/>
+              <a:t>Finding errors sooner by development team</a:t>
+            </a:r>
+          </a:p>
+          <a:p>
+            <a:r>
+              <a:rPr lang="en-US" dirty="0"/>
+              <a:t>Done before writing end user software</a:t>
+            </a:r>
+          </a:p>
+          <a:p>
+            <a:r>
+              <a:rPr lang="en-US" dirty="0"/>
+              <a:t>TDD teams had 40% to 90% fewer defects</a:t>
+            </a:r>
+          </a:p>
+          <a:p>
+            <a:r>
+              <a:rPr lang="en-US" dirty="0"/>
+              <a:t>TDD teams spent 15% to 33% more time writing code</a:t>
+            </a:r>
+          </a:p>
+          <a:p>
+            <a:r>
+              <a:rPr lang="en-US" dirty="0"/>
+              <a:t>Problems</a:t>
+            </a:r>
+          </a:p>
+          <a:p>
+            <a:pPr lvl="1"/>
+            <a:r>
+              <a:rPr lang="en-US" dirty="0"/>
+              <a:t>Focuses on tests and how to create tests</a:t>
+            </a:r>
+          </a:p>
+          <a:p>
+            <a:pPr lvl="1"/>
+            <a:r>
+              <a:rPr lang="en-US" dirty="0"/>
+              <a:t>When focused on code coverage it slows the development processes down</a:t>
+            </a:r>
+          </a:p>
+          <a:p>
+            <a:pPr marL="0" indent="0">
+              <a:buNone/>
+            </a:pPr>
+            <a:endParaRPr lang="en-US" dirty="0"/>
+          </a:p>
+        </p:txBody>
+      </p:sp>
+      <p:sp>
+        <p:nvSpPr>
+          <p:cNvPr id="4" name="TextBox 3">
+            <a:extLst>
+              <a:ext uri="{FF2B5EF4-FFF2-40B4-BE49-F238E27FC236}">
+                <a16:creationId xmlns:a16="http://schemas.microsoft.com/office/drawing/2014/main" id="{E7C2E0A4-BBB9-95DD-623C-2422E8FDA616}"/>
+              </a:ext>
+            </a:extLst>
+          </p:cNvPr>
+          <p:cNvSpPr txBox="1"/>
+          <p:nvPr/>
+        </p:nvSpPr>
+        <p:spPr>
+          <a:xfrm>
+            <a:off x="2674986" y="6531320"/>
+            <a:ext cx="7146828" cy="369332"/>
+          </a:xfrm>
+          <a:prstGeom prst="rect">
+            <a:avLst/>
+          </a:prstGeom>
+          <a:noFill/>
+        </p:spPr>
+        <p:txBody>
+          <a:bodyPr wrap="none" rtlCol="0">
+            <a:spAutoFit/>
+          </a:bodyPr>
+          <a:lstStyle/>
+          <a:p>
+            <a:r>
+              <a:rPr lang="en-US" dirty="0">
+                <a:hlinkClick r:id="rId3"/>
+              </a:rPr>
+              <a:t>https://cucumber.io/blog/bdd/how-to-measure-the-roi-of-bdd-and-tdd </a:t>
+            </a:r>
+            <a:endParaRPr lang="en-US" dirty="0"/>
+          </a:p>
+        </p:txBody>
+      </p:sp>
+    </p:spTree>
+    <p:extLst>
+      <p:ext uri="{BB962C8B-B14F-4D97-AF65-F5344CB8AC3E}">
+        <p14:creationId xmlns:p14="http://schemas.microsoft.com/office/powerpoint/2010/main" val="3707692299"/>
       </p:ext>
     </p:extLst>
   </p:cSld>
@@ -18295,6 +15872,20 @@
     <we:reference id="wa200004824" version="1.0.0.0" store="wa200004824" storeType="OMEX"/>
   </we:alternateReferences>
   <we:properties>
+    <we:property name="aha-slide" value="{&quot;slideId&quot;:&quot;92816756&quot;}"/>
+  </we:properties>
+  <we:bindings/>
+  <we:snapshot xmlns:r="http://schemas.openxmlformats.org/officeDocument/2006/relationships" r:embed="rId1"/>
+</we:webextension>
+</file>
+
+<file path=ppt/webextensions/webextension2.xml><?xml version="1.0" encoding="utf-8"?>
+<we:webextension xmlns:we="http://schemas.microsoft.com/office/webextensions/webextension/2010/11" id="{2E5E68B8-329D-4F80-86E6-7E1C6A76DF6B}">
+  <we:reference id="wa200004824" version="1.0.0.0" store="en-US" storeType="OMEX"/>
+  <we:alternateReferences>
+    <we:reference id="wa200004824" version="1.0.0.0" store="wa200004824" storeType="OMEX"/>
+  </we:alternateReferences>
+  <we:properties>
     <we:property name="aha-slide" value="{&quot;slideId&quot;:&quot;&quot;}"/>
   </we:properties>
   <we:bindings/>

--- a/ThatConference2023.pptx
+++ b/ThatConference2023.pptx
@@ -578,6 +578,40 @@
           <a:bodyPr/>
           <a:lstStyle/>
           <a:p>
+            <a:r>
+              <a:rPr lang="en-US" dirty="0"/>
+              <a:t>Before you start</a:t>
+            </a:r>
+          </a:p>
+          <a:p>
+            <a:r>
+              <a:rPr lang="en-US" dirty="0"/>
+              <a:t>Reset code</a:t>
+            </a:r>
+          </a:p>
+          <a:p>
+            <a:r>
+              <a:rPr lang="en-US" dirty="0"/>
+              <a:t>Test </a:t>
+            </a:r>
+            <a:r>
+              <a:rPr lang="en-US" dirty="0" err="1"/>
+              <a:t>AhaSlides</a:t>
+            </a:r>
+            <a:r>
+              <a:rPr lang="en-US" dirty="0"/>
+              <a:t> in PowerPoint</a:t>
+            </a:r>
+          </a:p>
+          <a:p>
+            <a:r>
+              <a:rPr lang="en-US" dirty="0"/>
+              <a:t>Start </a:t>
+            </a:r>
+            <a:r>
+              <a:rPr lang="en-US"/>
+              <a:t>ZoomIt</a:t>
+            </a:r>
             <a:endParaRPr lang="en-US" dirty="0"/>
           </a:p>
         </p:txBody>
@@ -599,7 +633,7 @@
           <a:p>
             <a:fld id="{AAA20043-755E-4D2A-B767-23CBDFF65C2F}" type="slidenum">
               <a:rPr lang="en-US" smtClean="0"/>
-              <a:t>2</a:t>
+              <a:t>1</a:t>
             </a:fld>
             <a:endParaRPr lang="en-US"/>
           </a:p>
@@ -608,7 +642,7 @@
     </p:spTree>
     <p:extLst>
       <p:ext uri="{BB962C8B-B14F-4D97-AF65-F5344CB8AC3E}">
-        <p14:creationId xmlns:p14="http://schemas.microsoft.com/office/powerpoint/2010/main" val="126520479"/>
+        <p14:creationId xmlns:p14="http://schemas.microsoft.com/office/powerpoint/2010/main" val="3478946098"/>
       </p:ext>
     </p:extLst>
   </p:cSld>
@@ -664,58 +698,227 @@
           <a:p>
             <a:r>
               <a:rPr lang="en-US" dirty="0"/>
-              <a:t>New Feature is edit request</a:t>
+              <a:t>BDD sounds like TDD</a:t>
             </a:r>
           </a:p>
           <a:p>
             <a:r>
               <a:rPr lang="en-US" dirty="0"/>
-              <a:t>We also need a Background</a:t>
-            </a:r>
-          </a:p>
-          <a:p>
-            <a:endParaRPr lang="en-US" dirty="0"/>
+              <a:t>TDD many times leads to hyperfocus on the unit of code.  </a:t>
+            </a:r>
           </a:p>
           <a:p>
             <a:r>
               <a:rPr lang="en-US" dirty="0"/>
-              <a:t>Scenario Outline –  </a:t>
-            </a:r>
-            <a:r>
-              <a:rPr lang="en-US" dirty="0" err="1"/>
-              <a:t>TimeOffValidator</a:t>
-            </a:r>
+              <a:t>BDD tries to focus on Acceptance tests from an </a:t>
+            </a:r>
+          </a:p>
+          <a:p>
+            <a:pPr marL="0" marR="0" lvl="0" indent="0" algn="l" defTabSz="914400" rtl="0" eaLnBrk="1" fontAlgn="auto" latinLnBrk="0" hangingPunct="1">
+              <a:lnSpc>
+                <a:spcPct val="100000"/>
+              </a:lnSpc>
+              <a:spcBef>
+                <a:spcPts val="0"/>
+              </a:spcBef>
+              <a:spcAft>
+                <a:spcPts val="0"/>
+              </a:spcAft>
+              <a:buClrTx/>
+              <a:buSzTx/>
+              <a:buFontTx/>
+              <a:buNone/>
+              <a:tabLst/>
+              <a:defRPr/>
+            </a:pPr>
             <a:r>
               <a:rPr lang="en-US" dirty="0"/>
-              <a:t> (updates)</a:t>
-            </a:r>
-          </a:p>
-          <a:p>
+              <a:t>TDD -&gt; Great coverage (side effect – not goal)</a:t>
+            </a:r>
+          </a:p>
+          <a:p>
+            <a:pPr marL="0" marR="0" lvl="0" indent="0" algn="l" defTabSz="914400" rtl="0" eaLnBrk="1" fontAlgn="auto" latinLnBrk="0" hangingPunct="1">
+              <a:lnSpc>
+                <a:spcPct val="100000"/>
+              </a:lnSpc>
+              <a:spcBef>
+                <a:spcPts val="0"/>
+              </a:spcBef>
+              <a:spcAft>
+                <a:spcPts val="0"/>
+              </a:spcAft>
+              <a:buClrTx/>
+              <a:buSzTx/>
+              <a:buFontTx/>
+              <a:buNone/>
+              <a:tabLst/>
+              <a:defRPr/>
+            </a:pPr>
             <a:r>
               <a:rPr lang="en-US" dirty="0"/>
-              <a:t>Table – </a:t>
-            </a:r>
-            <a:r>
-              <a:rPr lang="en-US" dirty="0" err="1"/>
-              <a:t>TimeOffDateRange.feature</a:t>
-            </a:r>
-            <a:endParaRPr lang="en-US" dirty="0"/>
-          </a:p>
-          <a:p>
-            <a:endParaRPr lang="en-US" dirty="0"/>
-          </a:p>
-          <a:p>
-            <a:r>
-              <a:rPr lang="en-US" b="0" i="0" dirty="0">
-                <a:solidFill>
-                  <a:srgbClr val="36394D"/>
-                </a:solidFill>
-                <a:effectLst/>
-                <a:latin typeface="Open Sans" panose="020F0502020204030204" pitchFamily="34" charset="0"/>
-              </a:rPr>
-              <a:t>The purpose of feature files is to create readable specifications that can be understood by the whole team, not to provide test coverage</a:t>
-            </a:r>
-            <a:endParaRPr lang="en-US" dirty="0"/>
+              <a:t>	TDD is about drive development from tests (initiating force / driver)</a:t>
+            </a:r>
+          </a:p>
+          <a:p>
+            <a:pPr marL="0" marR="0" lvl="0" indent="0" algn="l" defTabSz="914400" rtl="0" eaLnBrk="1" fontAlgn="auto" latinLnBrk="0" hangingPunct="1">
+              <a:lnSpc>
+                <a:spcPct val="100000"/>
+              </a:lnSpc>
+              <a:spcBef>
+                <a:spcPts val="0"/>
+              </a:spcBef>
+              <a:spcAft>
+                <a:spcPts val="0"/>
+              </a:spcAft>
+              <a:buClrTx/>
+              <a:buSzTx/>
+              <a:buFontTx/>
+              <a:buNone/>
+              <a:tabLst/>
+              <a:defRPr/>
+            </a:pPr>
+            <a:r>
+              <a:rPr lang="en-US" dirty="0"/>
+              <a:t>Obvious change the concept / words that make up how to do proper TDD  (What do you test?)</a:t>
+            </a:r>
+          </a:p>
+          <a:p>
+            <a:pPr marL="0" marR="0" lvl="0" indent="0" algn="l" defTabSz="914400" rtl="0" eaLnBrk="1" fontAlgn="auto" latinLnBrk="0" hangingPunct="1">
+              <a:lnSpc>
+                <a:spcPct val="100000"/>
+              </a:lnSpc>
+              <a:spcBef>
+                <a:spcPts val="0"/>
+              </a:spcBef>
+              <a:spcAft>
+                <a:spcPts val="0"/>
+              </a:spcAft>
+              <a:buClrTx/>
+              <a:buSzTx/>
+              <a:buFontTx/>
+              <a:buNone/>
+              <a:tabLst/>
+              <a:defRPr/>
+            </a:pPr>
+            <a:r>
+              <a:rPr lang="en-US" dirty="0"/>
+              <a:t>	It should be more about design and development than tests</a:t>
+            </a:r>
+          </a:p>
+          <a:p>
+            <a:pPr marL="0" marR="0" lvl="0" indent="0" algn="l" defTabSz="914400" rtl="0" eaLnBrk="1" fontAlgn="auto" latinLnBrk="0" hangingPunct="1">
+              <a:lnSpc>
+                <a:spcPct val="100000"/>
+              </a:lnSpc>
+              <a:spcBef>
+                <a:spcPts val="0"/>
+              </a:spcBef>
+              <a:spcAft>
+                <a:spcPts val="0"/>
+              </a:spcAft>
+              <a:buClrTx/>
+              <a:buSzTx/>
+              <a:buFontTx/>
+              <a:buNone/>
+              <a:tabLst/>
+              <a:defRPr/>
+            </a:pPr>
+            <a:r>
+              <a:rPr lang="en-US" dirty="0"/>
+              <a:t>	We shouldn’t ask how to test the implementation DETAIL of the code.</a:t>
+            </a:r>
+          </a:p>
+          <a:p>
+            <a:pPr marL="0" marR="0" lvl="0" indent="0" algn="l" defTabSz="914400" rtl="0" eaLnBrk="1" fontAlgn="auto" latinLnBrk="0" hangingPunct="1">
+              <a:lnSpc>
+                <a:spcPct val="100000"/>
+              </a:lnSpc>
+              <a:spcBef>
+                <a:spcPts val="0"/>
+              </a:spcBef>
+              <a:spcAft>
+                <a:spcPts val="0"/>
+              </a:spcAft>
+              <a:buClrTx/>
+              <a:buSzTx/>
+              <a:buFontTx/>
+              <a:buNone/>
+              <a:tabLst/>
+              <a:defRPr/>
+            </a:pPr>
+            <a:r>
+              <a:rPr lang="en-US" dirty="0"/>
+              <a:t>BDD changes thought from:</a:t>
+            </a:r>
+          </a:p>
+          <a:p>
+            <a:pPr marL="0" marR="0" lvl="0" indent="0" algn="l" defTabSz="914400" rtl="0" eaLnBrk="1" fontAlgn="auto" latinLnBrk="0" hangingPunct="1">
+              <a:lnSpc>
+                <a:spcPct val="100000"/>
+              </a:lnSpc>
+              <a:spcBef>
+                <a:spcPts val="0"/>
+              </a:spcBef>
+              <a:spcAft>
+                <a:spcPts val="0"/>
+              </a:spcAft>
+              <a:buClrTx/>
+              <a:buSzTx/>
+              <a:buFontTx/>
+              <a:buNone/>
+              <a:tabLst/>
+              <a:defRPr/>
+            </a:pPr>
+            <a:r>
+              <a:rPr lang="en-US" dirty="0"/>
+              <a:t>	Test Cases -&gt; Specifications / Features</a:t>
+            </a:r>
+          </a:p>
+          <a:p>
+            <a:pPr marL="0" marR="0" lvl="0" indent="0" algn="l" defTabSz="914400" rtl="0" eaLnBrk="1" fontAlgn="auto" latinLnBrk="0" hangingPunct="1">
+              <a:lnSpc>
+                <a:spcPct val="100000"/>
+              </a:lnSpc>
+              <a:spcBef>
+                <a:spcPts val="0"/>
+              </a:spcBef>
+              <a:spcAft>
+                <a:spcPts val="0"/>
+              </a:spcAft>
+              <a:buClrTx/>
+              <a:buSzTx/>
+              <a:buFontTx/>
+              <a:buNone/>
+              <a:tabLst/>
+              <a:defRPr/>
+            </a:pPr>
+            <a:r>
+              <a:rPr lang="en-US" dirty="0"/>
+              <a:t>	Tests -&gt; Scenarios</a:t>
+            </a:r>
+          </a:p>
+          <a:p>
+            <a:pPr marL="0" marR="0" lvl="0" indent="0" algn="l" defTabSz="914400" rtl="0" eaLnBrk="1" fontAlgn="auto" latinLnBrk="0" hangingPunct="1">
+              <a:lnSpc>
+                <a:spcPct val="100000"/>
+              </a:lnSpc>
+              <a:spcBef>
+                <a:spcPts val="0"/>
+              </a:spcBef>
+              <a:spcAft>
+                <a:spcPts val="0"/>
+              </a:spcAft>
+              <a:buClrTx/>
+              <a:buSzTx/>
+              <a:buFontTx/>
+              <a:buNone/>
+              <a:tabLst/>
+              <a:defRPr/>
+            </a:pPr>
+            <a:r>
+              <a:rPr lang="en-US" dirty="0"/>
+              <a:t>         Stop thinking how software works, think about what the users want to achieve</a:t>
+            </a:r>
           </a:p>
         </p:txBody>
       </p:sp>
@@ -736,7 +939,7 @@
           <a:p>
             <a:fld id="{AAA20043-755E-4D2A-B767-23CBDFF65C2F}" type="slidenum">
               <a:rPr lang="en-US" smtClean="0"/>
-              <a:t>11</a:t>
+              <a:t>10</a:t>
             </a:fld>
             <a:endParaRPr lang="en-US"/>
           </a:p>
@@ -745,7 +948,7 @@
     </p:spTree>
     <p:extLst>
       <p:ext uri="{BB962C8B-B14F-4D97-AF65-F5344CB8AC3E}">
-        <p14:creationId xmlns:p14="http://schemas.microsoft.com/office/powerpoint/2010/main" val="3353804740"/>
+        <p14:creationId xmlns:p14="http://schemas.microsoft.com/office/powerpoint/2010/main" val="352182948"/>
       </p:ext>
     </p:extLst>
   </p:cSld>
@@ -799,6 +1002,59 @@
           <a:bodyPr/>
           <a:lstStyle/>
           <a:p>
+            <a:r>
+              <a:rPr lang="en-US" dirty="0"/>
+              <a:t>New Feature is edit request</a:t>
+            </a:r>
+          </a:p>
+          <a:p>
+            <a:r>
+              <a:rPr lang="en-US" dirty="0"/>
+              <a:t>We also need a Background</a:t>
+            </a:r>
+          </a:p>
+          <a:p>
+            <a:endParaRPr lang="en-US" dirty="0"/>
+          </a:p>
+          <a:p>
+            <a:r>
+              <a:rPr lang="en-US" dirty="0"/>
+              <a:t>Scenario Outline –  </a:t>
+            </a:r>
+            <a:r>
+              <a:rPr lang="en-US" dirty="0" err="1"/>
+              <a:t>TimeOffValidator</a:t>
+            </a:r>
+            <a:r>
+              <a:rPr lang="en-US" dirty="0"/>
+              <a:t> (updates)</a:t>
+            </a:r>
+          </a:p>
+          <a:p>
+            <a:r>
+              <a:rPr lang="en-US" dirty="0"/>
+              <a:t>Table – </a:t>
+            </a:r>
+            <a:r>
+              <a:rPr lang="en-US" dirty="0" err="1"/>
+              <a:t>TimeOffDateRange.feature</a:t>
+            </a:r>
+            <a:endParaRPr lang="en-US" dirty="0"/>
+          </a:p>
+          <a:p>
+            <a:endParaRPr lang="en-US" dirty="0"/>
+          </a:p>
+          <a:p>
+            <a:r>
+              <a:rPr lang="en-US" b="0" i="0" dirty="0">
+                <a:solidFill>
+                  <a:srgbClr val="36394D"/>
+                </a:solidFill>
+                <a:effectLst/>
+                <a:latin typeface="Open Sans" panose="020F0502020204030204" pitchFamily="34" charset="0"/>
+              </a:rPr>
+              <a:t>The purpose of feature files is to create readable specifications that can be understood by the whole team, not to provide test coverage</a:t>
+            </a:r>
             <a:endParaRPr lang="en-US" dirty="0"/>
           </a:p>
         </p:txBody>
@@ -820,7 +1076,7 @@
           <a:p>
             <a:fld id="{AAA20043-755E-4D2A-B767-23CBDFF65C2F}" type="slidenum">
               <a:rPr lang="en-US" smtClean="0"/>
-              <a:t>12</a:t>
+              <a:t>11</a:t>
             </a:fld>
             <a:endParaRPr lang="en-US"/>
           </a:p>
@@ -829,7 +1085,7 @@
     </p:spTree>
     <p:extLst>
       <p:ext uri="{BB962C8B-B14F-4D97-AF65-F5344CB8AC3E}">
-        <p14:creationId xmlns:p14="http://schemas.microsoft.com/office/powerpoint/2010/main" val="1280869736"/>
+        <p14:creationId xmlns:p14="http://schemas.microsoft.com/office/powerpoint/2010/main" val="3353804740"/>
       </p:ext>
     </p:extLst>
   </p:cSld>
@@ -904,7 +1160,7 @@
           <a:p>
             <a:fld id="{AAA20043-755E-4D2A-B767-23CBDFF65C2F}" type="slidenum">
               <a:rPr lang="en-US" smtClean="0"/>
-              <a:t>13</a:t>
+              <a:t>12</a:t>
             </a:fld>
             <a:endParaRPr lang="en-US"/>
           </a:p>
@@ -913,7 +1169,7 @@
     </p:spTree>
     <p:extLst>
       <p:ext uri="{BB962C8B-B14F-4D97-AF65-F5344CB8AC3E}">
-        <p14:creationId xmlns:p14="http://schemas.microsoft.com/office/powerpoint/2010/main" val="310535517"/>
+        <p14:creationId xmlns:p14="http://schemas.microsoft.com/office/powerpoint/2010/main" val="1280869736"/>
       </p:ext>
     </p:extLst>
   </p:cSld>
@@ -988,7 +1244,7 @@
           <a:p>
             <a:fld id="{AAA20043-755E-4D2A-B767-23CBDFF65C2F}" type="slidenum">
               <a:rPr lang="en-US" smtClean="0"/>
-              <a:t>14</a:t>
+              <a:t>13</a:t>
             </a:fld>
             <a:endParaRPr lang="en-US"/>
           </a:p>
@@ -997,7 +1253,7 @@
     </p:spTree>
     <p:extLst>
       <p:ext uri="{BB962C8B-B14F-4D97-AF65-F5344CB8AC3E}">
-        <p14:creationId xmlns:p14="http://schemas.microsoft.com/office/powerpoint/2010/main" val="73048852"/>
+        <p14:creationId xmlns:p14="http://schemas.microsoft.com/office/powerpoint/2010/main" val="310535517"/>
       </p:ext>
     </p:extLst>
   </p:cSld>
@@ -1072,7 +1328,7 @@
           <a:p>
             <a:fld id="{AAA20043-755E-4D2A-B767-23CBDFF65C2F}" type="slidenum">
               <a:rPr lang="en-US" smtClean="0"/>
-              <a:t>15</a:t>
+              <a:t>14</a:t>
             </a:fld>
             <a:endParaRPr lang="en-US"/>
           </a:p>
@@ -1081,7 +1337,7 @@
     </p:spTree>
     <p:extLst>
       <p:ext uri="{BB962C8B-B14F-4D97-AF65-F5344CB8AC3E}">
-        <p14:creationId xmlns:p14="http://schemas.microsoft.com/office/powerpoint/2010/main" val="65434503"/>
+        <p14:creationId xmlns:p14="http://schemas.microsoft.com/office/powerpoint/2010/main" val="73048852"/>
       </p:ext>
     </p:extLst>
   </p:cSld>
@@ -1156,7 +1412,7 @@
           <a:p>
             <a:fld id="{AAA20043-755E-4D2A-B767-23CBDFF65C2F}" type="slidenum">
               <a:rPr lang="en-US" smtClean="0"/>
-              <a:t>16</a:t>
+              <a:t>15</a:t>
             </a:fld>
             <a:endParaRPr lang="en-US"/>
           </a:p>
@@ -1165,7 +1421,7 @@
     </p:spTree>
     <p:extLst>
       <p:ext uri="{BB962C8B-B14F-4D97-AF65-F5344CB8AC3E}">
-        <p14:creationId xmlns:p14="http://schemas.microsoft.com/office/powerpoint/2010/main" val="2982868590"/>
+        <p14:creationId xmlns:p14="http://schemas.microsoft.com/office/powerpoint/2010/main" val="65434503"/>
       </p:ext>
     </p:extLst>
   </p:cSld>
@@ -1219,155 +1475,6 @@
           <a:bodyPr/>
           <a:lstStyle/>
           <a:p>
-            <a:r>
-              <a:rPr lang="en-US" dirty="0"/>
-              <a:t>Start with creating a new </a:t>
-            </a:r>
-            <a:r>
-              <a:rPr lang="en-US" dirty="0" err="1"/>
-              <a:t>SuperHero.Feature</a:t>
-            </a:r>
-            <a:r>
-              <a:rPr lang="en-US" dirty="0"/>
-              <a:t> and then generate the step definitions</a:t>
-            </a:r>
-          </a:p>
-          <a:p>
-            <a:r>
-              <a:rPr lang="en-US" dirty="0"/>
-              <a:t>Show </a:t>
-            </a:r>
-            <a:r>
-              <a:rPr lang="en-US" dirty="0" err="1"/>
-              <a:t>TimeOffValidator</a:t>
-            </a:r>
-            <a:r>
-              <a:rPr lang="en-US" dirty="0"/>
-              <a:t> to show</a:t>
-            </a:r>
-          </a:p>
-          <a:p>
-            <a:r>
-              <a:rPr lang="en-US" dirty="0"/>
-              <a:t>	- Same Given used on multiple scenarios</a:t>
-            </a:r>
-          </a:p>
-          <a:p>
-            <a:r>
-              <a:rPr lang="en-US" dirty="0"/>
-              <a:t>	- Introduce parameters on the error strings</a:t>
-            </a:r>
-          </a:p>
-          <a:p>
-            <a:r>
-              <a:rPr lang="en-US" dirty="0"/>
-              <a:t>		-Show Attribute using Regular Expressions</a:t>
-            </a:r>
-          </a:p>
-          <a:p>
-            <a:r>
-              <a:rPr lang="en-US" dirty="0"/>
-              <a:t>Show </a:t>
-            </a:r>
-            <a:r>
-              <a:rPr lang="en-US" dirty="0" err="1"/>
-              <a:t>UserYearInfo</a:t>
-            </a:r>
-            <a:r>
-              <a:rPr lang="en-US" dirty="0"/>
-              <a:t> to show</a:t>
-            </a:r>
-          </a:p>
-          <a:p>
-            <a:r>
-              <a:rPr lang="en-US" dirty="0"/>
-              <a:t>	- numeric parameters</a:t>
-            </a:r>
-          </a:p>
-          <a:p>
-            <a:r>
-              <a:rPr lang="en-US" dirty="0"/>
-              <a:t>Show </a:t>
-            </a:r>
-            <a:r>
-              <a:rPr lang="en-US" dirty="0" err="1"/>
-              <a:t>TimeOffDateRange</a:t>
-            </a:r>
-            <a:r>
-              <a:rPr lang="en-US" dirty="0"/>
-              <a:t> to show</a:t>
-            </a:r>
-          </a:p>
-          <a:p>
-            <a:r>
-              <a:rPr lang="en-US" dirty="0"/>
-              <a:t>	- Tables</a:t>
-            </a:r>
-          </a:p>
-          <a:p>
-            <a:r>
-              <a:rPr lang="en-US" dirty="0"/>
-              <a:t>	- And</a:t>
-            </a:r>
-          </a:p>
-          <a:p>
-            <a:r>
-              <a:rPr lang="en-US" dirty="0"/>
-              <a:t>Show </a:t>
-            </a:r>
-            <a:r>
-              <a:rPr lang="en-US" dirty="0" err="1"/>
-              <a:t>CalendarViewModel</a:t>
-            </a:r>
-            <a:r>
-              <a:rPr lang="en-US" dirty="0"/>
-              <a:t> to show</a:t>
-            </a:r>
-          </a:p>
-          <a:p>
-            <a:r>
-              <a:rPr lang="en-US" dirty="0"/>
-              <a:t>	- *</a:t>
-            </a:r>
-          </a:p>
-          <a:p>
-            <a:r>
-              <a:rPr lang="en-US" dirty="0"/>
-              <a:t>Mention the </a:t>
-            </a:r>
-            <a:r>
-              <a:rPr lang="en-US" dirty="0" err="1"/>
-              <a:t>Specflow.Assist</a:t>
-            </a:r>
-            <a:r>
-              <a:rPr lang="en-US" dirty="0"/>
-              <a:t> helper </a:t>
-            </a:r>
-            <a:r>
-              <a:rPr lang="en-US" dirty="0" err="1"/>
-              <a:t>Nuget</a:t>
-            </a:r>
-            <a:endParaRPr lang="en-US" dirty="0"/>
-          </a:p>
-          <a:p>
-            <a:endParaRPr lang="en-US" dirty="0"/>
-          </a:p>
-          <a:p>
-            <a:r>
-              <a:rPr lang="en-US" dirty="0"/>
-              <a:t>Show persistence methods in the class</a:t>
-            </a:r>
-          </a:p>
-          <a:p>
-            <a:endParaRPr lang="en-US" dirty="0"/>
-          </a:p>
-          <a:p>
-            <a:r>
-              <a:rPr lang="en-US" dirty="0"/>
-              <a:t>Living Documentation</a:t>
-            </a:r>
-          </a:p>
-          <a:p>
             <a:endParaRPr lang="en-US" dirty="0"/>
           </a:p>
         </p:txBody>
@@ -1389,7 +1496,7 @@
           <a:p>
             <a:fld id="{AAA20043-755E-4D2A-B767-23CBDFF65C2F}" type="slidenum">
               <a:rPr lang="en-US" smtClean="0"/>
-              <a:t>17</a:t>
+              <a:t>16</a:t>
             </a:fld>
             <a:endParaRPr lang="en-US"/>
           </a:p>
@@ -1398,7 +1505,7 @@
     </p:spTree>
     <p:extLst>
       <p:ext uri="{BB962C8B-B14F-4D97-AF65-F5344CB8AC3E}">
-        <p14:creationId xmlns:p14="http://schemas.microsoft.com/office/powerpoint/2010/main" val="3661640459"/>
+        <p14:creationId xmlns:p14="http://schemas.microsoft.com/office/powerpoint/2010/main" val="2982868590"/>
       </p:ext>
     </p:extLst>
   </p:cSld>
@@ -1454,6 +1561,239 @@
           <a:p>
             <a:r>
               <a:rPr lang="en-US" dirty="0"/>
+              <a:t>Start with creating a new </a:t>
+            </a:r>
+            <a:r>
+              <a:rPr lang="en-US" dirty="0" err="1"/>
+              <a:t>SuperHero.Feature</a:t>
+            </a:r>
+            <a:r>
+              <a:rPr lang="en-US" dirty="0"/>
+              <a:t> and then generate the step definitions</a:t>
+            </a:r>
+          </a:p>
+          <a:p>
+            <a:r>
+              <a:rPr lang="en-US" dirty="0"/>
+              <a:t>Show </a:t>
+            </a:r>
+            <a:r>
+              <a:rPr lang="en-US" dirty="0" err="1"/>
+              <a:t>TimeOffValidator</a:t>
+            </a:r>
+            <a:r>
+              <a:rPr lang="en-US" dirty="0"/>
+              <a:t> to show</a:t>
+            </a:r>
+          </a:p>
+          <a:p>
+            <a:r>
+              <a:rPr lang="en-US" dirty="0"/>
+              <a:t>	- Same Given used on multiple scenarios</a:t>
+            </a:r>
+          </a:p>
+          <a:p>
+            <a:r>
+              <a:rPr lang="en-US" dirty="0"/>
+              <a:t>	- Introduce parameters on the error strings</a:t>
+            </a:r>
+          </a:p>
+          <a:p>
+            <a:r>
+              <a:rPr lang="en-US" dirty="0"/>
+              <a:t>		-Show Attribute using Regular Expressions</a:t>
+            </a:r>
+          </a:p>
+          <a:p>
+            <a:r>
+              <a:rPr lang="en-US" dirty="0"/>
+              <a:t>Show </a:t>
+            </a:r>
+            <a:r>
+              <a:rPr lang="en-US" dirty="0" err="1"/>
+              <a:t>UserYearInfo</a:t>
+            </a:r>
+            <a:r>
+              <a:rPr lang="en-US" dirty="0"/>
+              <a:t> to show</a:t>
+            </a:r>
+          </a:p>
+          <a:p>
+            <a:r>
+              <a:rPr lang="en-US" dirty="0"/>
+              <a:t>	- numeric parameters</a:t>
+            </a:r>
+          </a:p>
+          <a:p>
+            <a:r>
+              <a:rPr lang="en-US" dirty="0"/>
+              <a:t>Show </a:t>
+            </a:r>
+            <a:r>
+              <a:rPr lang="en-US" dirty="0" err="1"/>
+              <a:t>TimeOffDateRange</a:t>
+            </a:r>
+            <a:r>
+              <a:rPr lang="en-US" dirty="0"/>
+              <a:t> to show</a:t>
+            </a:r>
+          </a:p>
+          <a:p>
+            <a:r>
+              <a:rPr lang="en-US" dirty="0"/>
+              <a:t>	- Tables</a:t>
+            </a:r>
+          </a:p>
+          <a:p>
+            <a:r>
+              <a:rPr lang="en-US" dirty="0"/>
+              <a:t>	- And</a:t>
+            </a:r>
+          </a:p>
+          <a:p>
+            <a:r>
+              <a:rPr lang="en-US" dirty="0"/>
+              <a:t>Show </a:t>
+            </a:r>
+            <a:r>
+              <a:rPr lang="en-US" dirty="0" err="1"/>
+              <a:t>CalendarViewModel</a:t>
+            </a:r>
+            <a:r>
+              <a:rPr lang="en-US" dirty="0"/>
+              <a:t> to show</a:t>
+            </a:r>
+          </a:p>
+          <a:p>
+            <a:r>
+              <a:rPr lang="en-US" dirty="0"/>
+              <a:t>	- *</a:t>
+            </a:r>
+          </a:p>
+          <a:p>
+            <a:r>
+              <a:rPr lang="en-US" dirty="0"/>
+              <a:t>Mention the </a:t>
+            </a:r>
+            <a:r>
+              <a:rPr lang="en-US" dirty="0" err="1"/>
+              <a:t>Specflow.Assist</a:t>
+            </a:r>
+            <a:r>
+              <a:rPr lang="en-US" dirty="0"/>
+              <a:t> helper </a:t>
+            </a:r>
+            <a:r>
+              <a:rPr lang="en-US" dirty="0" err="1"/>
+              <a:t>Nuget</a:t>
+            </a:r>
+            <a:endParaRPr lang="en-US" dirty="0"/>
+          </a:p>
+          <a:p>
+            <a:endParaRPr lang="en-US" dirty="0"/>
+          </a:p>
+          <a:p>
+            <a:r>
+              <a:rPr lang="en-US" dirty="0"/>
+              <a:t>Show persistence methods in the class</a:t>
+            </a:r>
+          </a:p>
+          <a:p>
+            <a:endParaRPr lang="en-US" dirty="0"/>
+          </a:p>
+          <a:p>
+            <a:r>
+              <a:rPr lang="en-US" dirty="0"/>
+              <a:t>Living Documentation</a:t>
+            </a:r>
+          </a:p>
+          <a:p>
+            <a:endParaRPr lang="en-US" dirty="0"/>
+          </a:p>
+        </p:txBody>
+      </p:sp>
+      <p:sp>
+        <p:nvSpPr>
+          <p:cNvPr id="4" name="Slide Number Placeholder 3"/>
+          <p:cNvSpPr>
+            <a:spLocks noGrp="1"/>
+          </p:cNvSpPr>
+          <p:nvPr>
+            <p:ph type="sldNum" sz="quarter" idx="5"/>
+          </p:nvPr>
+        </p:nvSpPr>
+        <p:spPr/>
+        <p:txBody>
+          <a:bodyPr/>
+          <a:lstStyle/>
+          <a:p>
+            <a:fld id="{AAA20043-755E-4D2A-B767-23CBDFF65C2F}" type="slidenum">
+              <a:rPr lang="en-US" smtClean="0"/>
+              <a:t>17</a:t>
+            </a:fld>
+            <a:endParaRPr lang="en-US"/>
+          </a:p>
+        </p:txBody>
+      </p:sp>
+    </p:spTree>
+    <p:extLst>
+      <p:ext uri="{BB962C8B-B14F-4D97-AF65-F5344CB8AC3E}">
+        <p14:creationId xmlns:p14="http://schemas.microsoft.com/office/powerpoint/2010/main" val="3661640459"/>
+      </p:ext>
+    </p:extLst>
+  </p:cSld>
+  <p:clrMapOvr>
+    <a:masterClrMapping/>
+  </p:clrMapOvr>
+</p:notes>
+</file>
+
+<file path=ppt/notesSlides/notesSlide18.xml><?xml version="1.0" encoding="utf-8"?>
+<p:notes xmlns:a="http://schemas.openxmlformats.org/drawingml/2006/main" xmlns:r="http://schemas.openxmlformats.org/officeDocument/2006/relationships" xmlns:p="http://schemas.openxmlformats.org/presentationml/2006/main">
+  <p:cSld>
+    <p:spTree>
+      <p:nvGrpSpPr>
+        <p:cNvPr id="1" name=""/>
+        <p:cNvGrpSpPr/>
+        <p:nvPr/>
+      </p:nvGrpSpPr>
+      <p:grpSpPr>
+        <a:xfrm>
+          <a:off x="0" y="0"/>
+          <a:ext cx="0" cy="0"/>
+          <a:chOff x="0" y="0"/>
+          <a:chExt cx="0" cy="0"/>
+        </a:xfrm>
+      </p:grpSpPr>
+      <p:sp>
+        <p:nvSpPr>
+          <p:cNvPr id="2" name="Slide Image Placeholder 1"/>
+          <p:cNvSpPr>
+            <a:spLocks noGrp="1" noRot="1" noChangeAspect="1"/>
+          </p:cNvSpPr>
+          <p:nvPr>
+            <p:ph type="sldImg"/>
+          </p:nvPr>
+        </p:nvSpPr>
+        <p:spPr/>
+      </p:sp>
+      <p:sp>
+        <p:nvSpPr>
+          <p:cNvPr id="3" name="Notes Placeholder 2"/>
+          <p:cNvSpPr>
+            <a:spLocks noGrp="1"/>
+          </p:cNvSpPr>
+          <p:nvPr>
+            <p:ph type="body" idx="1"/>
+          </p:nvPr>
+        </p:nvSpPr>
+        <p:spPr/>
+        <p:txBody>
+          <a:bodyPr/>
+          <a:lstStyle/>
+          <a:p>
+            <a:r>
+              <a:rPr lang="en-US" dirty="0"/>
               <a:t>Questions</a:t>
             </a:r>
           </a:p>
@@ -1501,7 +1841,7 @@
 </p:notes>
 </file>
 
-<file path=ppt/notesSlides/notesSlide18.xml><?xml version="1.0" encoding="utf-8"?>
+<file path=ppt/notesSlides/notesSlide19.xml><?xml version="1.0" encoding="utf-8"?>
 <p:notes xmlns:a="http://schemas.openxmlformats.org/drawingml/2006/main" xmlns:r="http://schemas.openxmlformats.org/officeDocument/2006/relationships" xmlns:p="http://schemas.openxmlformats.org/presentationml/2006/main">
   <p:cSld>
     <p:spTree>
@@ -1653,7 +1993,7 @@
           <a:p>
             <a:fld id="{AAA20043-755E-4D2A-B767-23CBDFF65C2F}" type="slidenum">
               <a:rPr lang="en-US" smtClean="0"/>
-              <a:t>3</a:t>
+              <a:t>2</a:t>
             </a:fld>
             <a:endParaRPr lang="en-US"/>
           </a:p>
@@ -1662,7 +2002,7 @@
     </p:spTree>
     <p:extLst>
       <p:ext uri="{BB962C8B-B14F-4D97-AF65-F5344CB8AC3E}">
-        <p14:creationId xmlns:p14="http://schemas.microsoft.com/office/powerpoint/2010/main" val="1365785916"/>
+        <p14:creationId xmlns:p14="http://schemas.microsoft.com/office/powerpoint/2010/main" val="126520479"/>
       </p:ext>
     </p:extLst>
   </p:cSld>
@@ -1737,7 +2077,7 @@
           <a:p>
             <a:fld id="{AAA20043-755E-4D2A-B767-23CBDFF65C2F}" type="slidenum">
               <a:rPr lang="en-US" smtClean="0"/>
-              <a:t>4</a:t>
+              <a:t>3</a:t>
             </a:fld>
             <a:endParaRPr lang="en-US"/>
           </a:p>
@@ -1746,7 +2086,7 @@
     </p:spTree>
     <p:extLst>
       <p:ext uri="{BB962C8B-B14F-4D97-AF65-F5344CB8AC3E}">
-        <p14:creationId xmlns:p14="http://schemas.microsoft.com/office/powerpoint/2010/main" val="2143596821"/>
+        <p14:creationId xmlns:p14="http://schemas.microsoft.com/office/powerpoint/2010/main" val="1365785916"/>
       </p:ext>
     </p:extLst>
   </p:cSld>
@@ -1821,7 +2161,7 @@
           <a:p>
             <a:fld id="{AAA20043-755E-4D2A-B767-23CBDFF65C2F}" type="slidenum">
               <a:rPr lang="en-US" smtClean="0"/>
-              <a:t>5</a:t>
+              <a:t>4</a:t>
             </a:fld>
             <a:endParaRPr lang="en-US"/>
           </a:p>
@@ -1830,7 +2170,7 @@
     </p:spTree>
     <p:extLst>
       <p:ext uri="{BB962C8B-B14F-4D97-AF65-F5344CB8AC3E}">
-        <p14:creationId xmlns:p14="http://schemas.microsoft.com/office/powerpoint/2010/main" val="3208344822"/>
+        <p14:creationId xmlns:p14="http://schemas.microsoft.com/office/powerpoint/2010/main" val="2143596821"/>
       </p:ext>
     </p:extLst>
   </p:cSld>
@@ -1905,7 +2245,7 @@
           <a:p>
             <a:fld id="{AAA20043-755E-4D2A-B767-23CBDFF65C2F}" type="slidenum">
               <a:rPr lang="en-US" smtClean="0"/>
-              <a:t>6</a:t>
+              <a:t>5</a:t>
             </a:fld>
             <a:endParaRPr lang="en-US"/>
           </a:p>
@@ -1914,7 +2254,7 @@
     </p:spTree>
     <p:extLst>
       <p:ext uri="{BB962C8B-B14F-4D97-AF65-F5344CB8AC3E}">
-        <p14:creationId xmlns:p14="http://schemas.microsoft.com/office/powerpoint/2010/main" val="3748494668"/>
+        <p14:creationId xmlns:p14="http://schemas.microsoft.com/office/powerpoint/2010/main" val="3208344822"/>
       </p:ext>
     </p:extLst>
   </p:cSld>
@@ -1989,7 +2329,7 @@
           <a:p>
             <a:fld id="{AAA20043-755E-4D2A-B767-23CBDFF65C2F}" type="slidenum">
               <a:rPr lang="en-US" smtClean="0"/>
-              <a:t>7</a:t>
+              <a:t>6</a:t>
             </a:fld>
             <a:endParaRPr lang="en-US"/>
           </a:p>
@@ -1998,7 +2338,7 @@
     </p:spTree>
     <p:extLst>
       <p:ext uri="{BB962C8B-B14F-4D97-AF65-F5344CB8AC3E}">
-        <p14:creationId xmlns:p14="http://schemas.microsoft.com/office/powerpoint/2010/main" val="2080274877"/>
+        <p14:creationId xmlns:p14="http://schemas.microsoft.com/office/powerpoint/2010/main" val="3748494668"/>
       </p:ext>
     </p:extLst>
   </p:cSld>
@@ -2052,10 +2392,7 @@
           <a:bodyPr/>
           <a:lstStyle/>
           <a:p>
-            <a:r>
-              <a:rPr lang="en-US" dirty="0"/>
-              <a:t>Tell story about wife and pictures</a:t>
-            </a:r>
+            <a:endParaRPr lang="en-US" dirty="0"/>
           </a:p>
         </p:txBody>
       </p:sp>
@@ -2076,7 +2413,7 @@
           <a:p>
             <a:fld id="{AAA20043-755E-4D2A-B767-23CBDFF65C2F}" type="slidenum">
               <a:rPr lang="en-US" smtClean="0"/>
-              <a:t>8</a:t>
+              <a:t>7</a:t>
             </a:fld>
             <a:endParaRPr lang="en-US"/>
           </a:p>
@@ -2085,7 +2422,7 @@
     </p:spTree>
     <p:extLst>
       <p:ext uri="{BB962C8B-B14F-4D97-AF65-F5344CB8AC3E}">
-        <p14:creationId xmlns:p14="http://schemas.microsoft.com/office/powerpoint/2010/main" val="2326540985"/>
+        <p14:creationId xmlns:p14="http://schemas.microsoft.com/office/powerpoint/2010/main" val="2080274877"/>
       </p:ext>
     </p:extLst>
   </p:cSld>
@@ -2141,53 +2478,7 @@
           <a:p>
             <a:r>
               <a:rPr lang="en-US" dirty="0"/>
-              <a:t>TDD many times leads to hyperfocus on the unit of code.  </a:t>
-            </a:r>
-          </a:p>
-          <a:p>
-            <a:pPr marL="0" marR="0" lvl="0" indent="0" algn="l" defTabSz="914400" rtl="0" eaLnBrk="1" fontAlgn="auto" latinLnBrk="0" hangingPunct="1">
-              <a:lnSpc>
-                <a:spcPct val="100000"/>
-              </a:lnSpc>
-              <a:spcBef>
-                <a:spcPts val="0"/>
-              </a:spcBef>
-              <a:spcAft>
-                <a:spcPts val="0"/>
-              </a:spcAft>
-              <a:buClrTx/>
-              <a:buSzTx/>
-              <a:buFontTx/>
-              <a:buNone/>
-              <a:tabLst/>
-              <a:defRPr/>
-            </a:pPr>
-            <a:r>
-              <a:rPr lang="en-US" dirty="0"/>
-              <a:t>TDD -&gt; Great coverage (side effect – not goal)</a:t>
-            </a:r>
-          </a:p>
-          <a:p>
-            <a:pPr marL="0" marR="0" lvl="0" indent="0" algn="l" defTabSz="914400" rtl="0" eaLnBrk="1" fontAlgn="auto" latinLnBrk="0" hangingPunct="1">
-              <a:lnSpc>
-                <a:spcPct val="100000"/>
-              </a:lnSpc>
-              <a:spcBef>
-                <a:spcPts val="0"/>
-              </a:spcBef>
-              <a:spcAft>
-                <a:spcPts val="0"/>
-              </a:spcAft>
-              <a:buClrTx/>
-              <a:buSzTx/>
-              <a:buFontTx/>
-              <a:buNone/>
-              <a:tabLst/>
-              <a:defRPr/>
-            </a:pPr>
-            <a:r>
-              <a:rPr lang="en-US" dirty="0"/>
-              <a:t>	TDD is about drive development from tests (initiating force / driver)</a:t>
+              <a:t>Tell story about wife and pictures</a:t>
             </a:r>
           </a:p>
         </p:txBody>
@@ -2209,7 +2500,7 @@
           <a:p>
             <a:fld id="{AAA20043-755E-4D2A-B767-23CBDFF65C2F}" type="slidenum">
               <a:rPr lang="en-US" smtClean="0"/>
-              <a:t>9</a:t>
+              <a:t>8</a:t>
             </a:fld>
             <a:endParaRPr lang="en-US"/>
           </a:p>
@@ -2218,7 +2509,7 @@
     </p:spTree>
     <p:extLst>
       <p:ext uri="{BB962C8B-B14F-4D97-AF65-F5344CB8AC3E}">
-        <p14:creationId xmlns:p14="http://schemas.microsoft.com/office/powerpoint/2010/main" val="3634205570"/>
+        <p14:creationId xmlns:p14="http://schemas.microsoft.com/office/powerpoint/2010/main" val="2326540985"/>
       </p:ext>
     </p:extLst>
   </p:cSld>
@@ -2274,19 +2565,7 @@
           <a:p>
             <a:r>
               <a:rPr lang="en-US" dirty="0"/>
-              <a:t>BDD sounds like TDD</a:t>
-            </a:r>
-          </a:p>
-          <a:p>
-            <a:r>
-              <a:rPr lang="en-US" dirty="0"/>
               <a:t>TDD many times leads to hyperfocus on the unit of code.  </a:t>
-            </a:r>
-          </a:p>
-          <a:p>
-            <a:r>
-              <a:rPr lang="en-US" dirty="0"/>
-              <a:t>BDD tries to focus on Acceptance tests from an </a:t>
             </a:r>
           </a:p>
           <a:p>
@@ -2335,167 +2614,6 @@
               <a:t>	TDD is about drive development from tests (initiating force / driver)</a:t>
             </a:r>
           </a:p>
-          <a:p>
-            <a:pPr marL="0" marR="0" lvl="0" indent="0" algn="l" defTabSz="914400" rtl="0" eaLnBrk="1" fontAlgn="auto" latinLnBrk="0" hangingPunct="1">
-              <a:lnSpc>
-                <a:spcPct val="100000"/>
-              </a:lnSpc>
-              <a:spcBef>
-                <a:spcPts val="0"/>
-              </a:spcBef>
-              <a:spcAft>
-                <a:spcPts val="0"/>
-              </a:spcAft>
-              <a:buClrTx/>
-              <a:buSzTx/>
-              <a:buFontTx/>
-              <a:buNone/>
-              <a:tabLst/>
-              <a:defRPr/>
-            </a:pPr>
-            <a:r>
-              <a:rPr lang="en-US" dirty="0"/>
-              <a:t>Obvious change the concept / words that make up how to do proper TDD  (What do you test?)</a:t>
-            </a:r>
-          </a:p>
-          <a:p>
-            <a:pPr marL="0" marR="0" lvl="0" indent="0" algn="l" defTabSz="914400" rtl="0" eaLnBrk="1" fontAlgn="auto" latinLnBrk="0" hangingPunct="1">
-              <a:lnSpc>
-                <a:spcPct val="100000"/>
-              </a:lnSpc>
-              <a:spcBef>
-                <a:spcPts val="0"/>
-              </a:spcBef>
-              <a:spcAft>
-                <a:spcPts val="0"/>
-              </a:spcAft>
-              <a:buClrTx/>
-              <a:buSzTx/>
-              <a:buFontTx/>
-              <a:buNone/>
-              <a:tabLst/>
-              <a:defRPr/>
-            </a:pPr>
-            <a:r>
-              <a:rPr lang="en-US" dirty="0"/>
-              <a:t>	It should be more about design and development than tests</a:t>
-            </a:r>
-          </a:p>
-          <a:p>
-            <a:pPr marL="0" marR="0" lvl="0" indent="0" algn="l" defTabSz="914400" rtl="0" eaLnBrk="1" fontAlgn="auto" latinLnBrk="0" hangingPunct="1">
-              <a:lnSpc>
-                <a:spcPct val="100000"/>
-              </a:lnSpc>
-              <a:spcBef>
-                <a:spcPts val="0"/>
-              </a:spcBef>
-              <a:spcAft>
-                <a:spcPts val="0"/>
-              </a:spcAft>
-              <a:buClrTx/>
-              <a:buSzTx/>
-              <a:buFontTx/>
-              <a:buNone/>
-              <a:tabLst/>
-              <a:defRPr/>
-            </a:pPr>
-            <a:r>
-              <a:rPr lang="en-US" dirty="0"/>
-              <a:t>	We shouldn’t ask how to test the implementation DETAIL of the code.</a:t>
-            </a:r>
-          </a:p>
-          <a:p>
-            <a:pPr marL="0" marR="0" lvl="0" indent="0" algn="l" defTabSz="914400" rtl="0" eaLnBrk="1" fontAlgn="auto" latinLnBrk="0" hangingPunct="1">
-              <a:lnSpc>
-                <a:spcPct val="100000"/>
-              </a:lnSpc>
-              <a:spcBef>
-                <a:spcPts val="0"/>
-              </a:spcBef>
-              <a:spcAft>
-                <a:spcPts val="0"/>
-              </a:spcAft>
-              <a:buClrTx/>
-              <a:buSzTx/>
-              <a:buFontTx/>
-              <a:buNone/>
-              <a:tabLst/>
-              <a:defRPr/>
-            </a:pPr>
-            <a:r>
-              <a:rPr lang="en-US" dirty="0"/>
-              <a:t>BDD changes thought from:</a:t>
-            </a:r>
-          </a:p>
-          <a:p>
-            <a:pPr marL="0" marR="0" lvl="0" indent="0" algn="l" defTabSz="914400" rtl="0" eaLnBrk="1" fontAlgn="auto" latinLnBrk="0" hangingPunct="1">
-              <a:lnSpc>
-                <a:spcPct val="100000"/>
-              </a:lnSpc>
-              <a:spcBef>
-                <a:spcPts val="0"/>
-              </a:spcBef>
-              <a:spcAft>
-                <a:spcPts val="0"/>
-              </a:spcAft>
-              <a:buClrTx/>
-              <a:buSzTx/>
-              <a:buFontTx/>
-              <a:buNone/>
-              <a:tabLst/>
-              <a:defRPr/>
-            </a:pPr>
-            <a:r>
-              <a:rPr lang="en-US" dirty="0"/>
-              <a:t>	Test Cases -&gt; Specifications / Features</a:t>
-            </a:r>
-          </a:p>
-          <a:p>
-            <a:pPr marL="0" marR="0" lvl="0" indent="0" algn="l" defTabSz="914400" rtl="0" eaLnBrk="1" fontAlgn="auto" latinLnBrk="0" hangingPunct="1">
-              <a:lnSpc>
-                <a:spcPct val="100000"/>
-              </a:lnSpc>
-              <a:spcBef>
-                <a:spcPts val="0"/>
-              </a:spcBef>
-              <a:spcAft>
-                <a:spcPts val="0"/>
-              </a:spcAft>
-              <a:buClrTx/>
-              <a:buSzTx/>
-              <a:buFontTx/>
-              <a:buNone/>
-              <a:tabLst/>
-              <a:defRPr/>
-            </a:pPr>
-            <a:r>
-              <a:rPr lang="en-US" dirty="0"/>
-              <a:t>	Tests -&gt; Scenarios</a:t>
-            </a:r>
-          </a:p>
-          <a:p>
-            <a:pPr marL="0" marR="0" lvl="0" indent="0" algn="l" defTabSz="914400" rtl="0" eaLnBrk="1" fontAlgn="auto" latinLnBrk="0" hangingPunct="1">
-              <a:lnSpc>
-                <a:spcPct val="100000"/>
-              </a:lnSpc>
-              <a:spcBef>
-                <a:spcPts val="0"/>
-              </a:spcBef>
-              <a:spcAft>
-                <a:spcPts val="0"/>
-              </a:spcAft>
-              <a:buClrTx/>
-              <a:buSzTx/>
-              <a:buFontTx/>
-              <a:buNone/>
-              <a:tabLst/>
-              <a:defRPr/>
-            </a:pPr>
-            <a:r>
-              <a:rPr lang="en-US" dirty="0"/>
-              <a:t>         Stop thinking how software works, think about what the users want to achieve</a:t>
-            </a:r>
-          </a:p>
         </p:txBody>
       </p:sp>
       <p:sp>
@@ -2515,7 +2633,7 @@
           <a:p>
             <a:fld id="{AAA20043-755E-4D2A-B767-23CBDFF65C2F}" type="slidenum">
               <a:rPr lang="en-US" smtClean="0"/>
-              <a:t>10</a:t>
+              <a:t>9</a:t>
             </a:fld>
             <a:endParaRPr lang="en-US"/>
           </a:p>
@@ -2524,7 +2642,7 @@
     </p:spTree>
     <p:extLst>
       <p:ext uri="{BB962C8B-B14F-4D97-AF65-F5344CB8AC3E}">
-        <p14:creationId xmlns:p14="http://schemas.microsoft.com/office/powerpoint/2010/main" val="352182948"/>
+        <p14:creationId xmlns:p14="http://schemas.microsoft.com/office/powerpoint/2010/main" val="3634205570"/>
       </p:ext>
     </p:extLst>
   </p:cSld>
@@ -5477,10 +5595,10 @@
           <p:nvPr/>
         </p:nvPicPr>
         <p:blipFill rotWithShape="1">
-          <a:blip r:embed="rId2">
+          <a:blip r:embed="rId3">
             <a:extLst>
               <a:ext uri="{837473B0-CC2E-450A-ABE3-18F120FF3D39}">
-                <a1611:picAttrSrcUrl xmlns:a1611="http://schemas.microsoft.com/office/drawing/2016/11/main" r:id="rId3"/>
+                <a1611:picAttrSrcUrl xmlns:a1611="http://schemas.microsoft.com/office/drawing/2016/11/main" r:id="rId4"/>
               </a:ext>
             </a:extLst>
           </a:blip>
@@ -5717,7 +5835,7 @@
             </a:r>
             <a:r>
               <a:rPr lang="en-US" sz="2200" dirty="0">
-                <a:hlinkClick r:id="rId4">
+                <a:hlinkClick r:id="rId5">
                   <a:extLst>
                     <a:ext uri="{A12FA001-AC4F-418D-AE19-62706E023703}">
                       <ahyp:hlinkClr xmlns:ahyp="http://schemas.microsoft.com/office/drawing/2018/hyperlinkcolor" val="tx"/>
@@ -10893,9 +11011,42 @@
               <a:buNone/>
             </a:pPr>
             <a:r>
-              <a:rPr lang="en-US" dirty="0"/>
+              <a:rPr lang="en-US" dirty="0">
+                <a:hlinkClick r:id="rId2"/>
+              </a:rPr>
               <a:t>https://github.com/kevmoens/ThatConference2023</a:t>
             </a:r>
+            <a:endParaRPr lang="en-US" dirty="0"/>
+          </a:p>
+          <a:p>
+            <a:pPr marL="0" indent="0">
+              <a:buNone/>
+            </a:pPr>
+            <a:r>
+              <a:rPr lang="en-US" dirty="0" err="1">
+                <a:hlinkClick r:id="rId3"/>
+              </a:rPr>
+              <a:t>kevmoens</a:t>
+            </a:r>
+            <a:r>
+              <a:rPr lang="en-US" dirty="0">
+                <a:hlinkClick r:id="rId3"/>
+              </a:rPr>
+              <a:t>/</a:t>
+            </a:r>
+            <a:r>
+              <a:rPr lang="en-US" dirty="0" err="1">
+                <a:hlinkClick r:id="rId3"/>
+              </a:rPr>
+              <a:t>RequestTimeOff</a:t>
+            </a:r>
+            <a:r>
+              <a:rPr lang="en-US" dirty="0">
+                <a:hlinkClick r:id="rId3"/>
+              </a:rPr>
+              <a:t> (github.com)</a:t>
+            </a:r>
+            <a:endParaRPr lang="en-US" dirty="0"/>
           </a:p>
           <a:p>
             <a:pPr marL="0" indent="0">
@@ -15872,7 +16023,7 @@
     <we:reference id="wa200004824" version="1.0.0.0" store="wa200004824" storeType="OMEX"/>
   </we:alternateReferences>
   <we:properties>
-    <we:property name="aha-slide" value="{&quot;slideId&quot;:&quot;92816756&quot;}"/>
+    <we:property name="aha-slide" value="{&quot;slideId&quot;:&quot;&quot;}"/>
   </we:properties>
   <we:bindings/>
   <we:snapshot xmlns:r="http://schemas.openxmlformats.org/officeDocument/2006/relationships" r:embed="rId1"/>

--- a/ThatConference2023.pptx
+++ b/ThatConference2023.pptx
@@ -5,29 +5,30 @@
     <p:sldMasterId id="2147483660" r:id="rId1"/>
   </p:sldMasterIdLst>
   <p:notesMasterIdLst>
-    <p:notesMasterId r:id="rId22"/>
+    <p:notesMasterId r:id="rId23"/>
   </p:notesMasterIdLst>
   <p:sldIdLst>
     <p:sldId id="256" r:id="rId2"/>
-    <p:sldId id="273" r:id="rId3"/>
-    <p:sldId id="292" r:id="rId4"/>
-    <p:sldId id="293" r:id="rId5"/>
-    <p:sldId id="297" r:id="rId6"/>
-    <p:sldId id="298" r:id="rId7"/>
-    <p:sldId id="296" r:id="rId8"/>
-    <p:sldId id="301" r:id="rId9"/>
-    <p:sldId id="295" r:id="rId10"/>
-    <p:sldId id="299" r:id="rId11"/>
-    <p:sldId id="304" r:id="rId12"/>
-    <p:sldId id="302" r:id="rId13"/>
-    <p:sldId id="306" r:id="rId14"/>
-    <p:sldId id="307" r:id="rId15"/>
-    <p:sldId id="308" r:id="rId16"/>
-    <p:sldId id="305" r:id="rId17"/>
-    <p:sldId id="311" r:id="rId18"/>
-    <p:sldId id="310" r:id="rId19"/>
-    <p:sldId id="303" r:id="rId20"/>
-    <p:sldId id="300" r:id="rId21"/>
+    <p:sldId id="292" r:id="rId3"/>
+    <p:sldId id="273" r:id="rId4"/>
+    <p:sldId id="313" r:id="rId5"/>
+    <p:sldId id="293" r:id="rId6"/>
+    <p:sldId id="297" r:id="rId7"/>
+    <p:sldId id="298" r:id="rId8"/>
+    <p:sldId id="296" r:id="rId9"/>
+    <p:sldId id="301" r:id="rId10"/>
+    <p:sldId id="295" r:id="rId11"/>
+    <p:sldId id="299" r:id="rId12"/>
+    <p:sldId id="304" r:id="rId13"/>
+    <p:sldId id="302" r:id="rId14"/>
+    <p:sldId id="306" r:id="rId15"/>
+    <p:sldId id="307" r:id="rId16"/>
+    <p:sldId id="308" r:id="rId17"/>
+    <p:sldId id="305" r:id="rId18"/>
+    <p:sldId id="311" r:id="rId19"/>
+    <p:sldId id="312" r:id="rId20"/>
+    <p:sldId id="303" r:id="rId21"/>
+    <p:sldId id="300" r:id="rId22"/>
   </p:sldIdLst>
   <p:sldSz cx="12192000" cy="6858000"/>
   <p:notesSz cx="6858000" cy="9144000"/>
@@ -132,8 +133,9 @@
         <p14:section name="Default Section" id="{F0AB5F7F-0A37-450E-83E6-E8D1B4BB5FEB}">
           <p14:sldIdLst>
             <p14:sldId id="256"/>
+            <p14:sldId id="292"/>
             <p14:sldId id="273"/>
-            <p14:sldId id="292"/>
+            <p14:sldId id="313"/>
             <p14:sldId id="293"/>
             <p14:sldId id="297"/>
             <p14:sldId id="298"/>
@@ -148,7 +150,7 @@
             <p14:sldId id="308"/>
             <p14:sldId id="305"/>
             <p14:sldId id="311"/>
-            <p14:sldId id="310"/>
+            <p14:sldId id="312"/>
             <p14:sldId id="303"/>
             <p14:sldId id="300"/>
           </p14:sldIdLst>
@@ -267,7 +269,7 @@
           <a:p>
             <a:fld id="{BA065681-88F1-4872-B208-B53BCC8B42F3}" type="datetimeFigureOut">
               <a:rPr lang="en-US" smtClean="0"/>
-              <a:t>6/25/2023</a:t>
+              <a:t>7/4/2023</a:t>
             </a:fld>
             <a:endParaRPr lang="en-US"/>
           </a:p>
@@ -609,8 +611,25 @@
               <a:t>Start </a:t>
             </a:r>
             <a:r>
+              <a:rPr lang="en-US" dirty="0" err="1"/>
+              <a:t>ZoomIt</a:t>
+            </a:r>
+            <a:endParaRPr lang="en-US" dirty="0"/>
+          </a:p>
+          <a:p>
+            <a:r>
+              <a:rPr lang="en-US" dirty="0"/>
+              <a:t>Test screen text size in Visual Studio with helper</a:t>
+            </a:r>
+          </a:p>
+          <a:p>
+            <a:r>
+              <a:rPr lang="en-US" dirty="0"/>
+              <a:t>Open VS Code to fake </a:t>
+            </a:r>
+            <a:r>
               <a:rPr lang="en-US"/>
-              <a:t>ZoomIt</a:t>
+              <a:t>sales pitch</a:t>
             </a:r>
             <a:endParaRPr lang="en-US" dirty="0"/>
           </a:p>
@@ -698,19 +717,7 @@
           <a:p>
             <a:r>
               <a:rPr lang="en-US" dirty="0"/>
-              <a:t>BDD sounds like TDD</a:t>
-            </a:r>
-          </a:p>
-          <a:p>
-            <a:r>
-              <a:rPr lang="en-US" dirty="0"/>
               <a:t>TDD many times leads to hyperfocus on the unit of code.  </a:t>
-            </a:r>
-          </a:p>
-          <a:p>
-            <a:r>
-              <a:rPr lang="en-US" dirty="0"/>
-              <a:t>BDD tries to focus on Acceptance tests from an </a:t>
             </a:r>
           </a:p>
           <a:p>
@@ -759,167 +766,6 @@
               <a:t>	TDD is about drive development from tests (initiating force / driver)</a:t>
             </a:r>
           </a:p>
-          <a:p>
-            <a:pPr marL="0" marR="0" lvl="0" indent="0" algn="l" defTabSz="914400" rtl="0" eaLnBrk="1" fontAlgn="auto" latinLnBrk="0" hangingPunct="1">
-              <a:lnSpc>
-                <a:spcPct val="100000"/>
-              </a:lnSpc>
-              <a:spcBef>
-                <a:spcPts val="0"/>
-              </a:spcBef>
-              <a:spcAft>
-                <a:spcPts val="0"/>
-              </a:spcAft>
-              <a:buClrTx/>
-              <a:buSzTx/>
-              <a:buFontTx/>
-              <a:buNone/>
-              <a:tabLst/>
-              <a:defRPr/>
-            </a:pPr>
-            <a:r>
-              <a:rPr lang="en-US" dirty="0"/>
-              <a:t>Obvious change the concept / words that make up how to do proper TDD  (What do you test?)</a:t>
-            </a:r>
-          </a:p>
-          <a:p>
-            <a:pPr marL="0" marR="0" lvl="0" indent="0" algn="l" defTabSz="914400" rtl="0" eaLnBrk="1" fontAlgn="auto" latinLnBrk="0" hangingPunct="1">
-              <a:lnSpc>
-                <a:spcPct val="100000"/>
-              </a:lnSpc>
-              <a:spcBef>
-                <a:spcPts val="0"/>
-              </a:spcBef>
-              <a:spcAft>
-                <a:spcPts val="0"/>
-              </a:spcAft>
-              <a:buClrTx/>
-              <a:buSzTx/>
-              <a:buFontTx/>
-              <a:buNone/>
-              <a:tabLst/>
-              <a:defRPr/>
-            </a:pPr>
-            <a:r>
-              <a:rPr lang="en-US" dirty="0"/>
-              <a:t>	It should be more about design and development than tests</a:t>
-            </a:r>
-          </a:p>
-          <a:p>
-            <a:pPr marL="0" marR="0" lvl="0" indent="0" algn="l" defTabSz="914400" rtl="0" eaLnBrk="1" fontAlgn="auto" latinLnBrk="0" hangingPunct="1">
-              <a:lnSpc>
-                <a:spcPct val="100000"/>
-              </a:lnSpc>
-              <a:spcBef>
-                <a:spcPts val="0"/>
-              </a:spcBef>
-              <a:spcAft>
-                <a:spcPts val="0"/>
-              </a:spcAft>
-              <a:buClrTx/>
-              <a:buSzTx/>
-              <a:buFontTx/>
-              <a:buNone/>
-              <a:tabLst/>
-              <a:defRPr/>
-            </a:pPr>
-            <a:r>
-              <a:rPr lang="en-US" dirty="0"/>
-              <a:t>	We shouldn’t ask how to test the implementation DETAIL of the code.</a:t>
-            </a:r>
-          </a:p>
-          <a:p>
-            <a:pPr marL="0" marR="0" lvl="0" indent="0" algn="l" defTabSz="914400" rtl="0" eaLnBrk="1" fontAlgn="auto" latinLnBrk="0" hangingPunct="1">
-              <a:lnSpc>
-                <a:spcPct val="100000"/>
-              </a:lnSpc>
-              <a:spcBef>
-                <a:spcPts val="0"/>
-              </a:spcBef>
-              <a:spcAft>
-                <a:spcPts val="0"/>
-              </a:spcAft>
-              <a:buClrTx/>
-              <a:buSzTx/>
-              <a:buFontTx/>
-              <a:buNone/>
-              <a:tabLst/>
-              <a:defRPr/>
-            </a:pPr>
-            <a:r>
-              <a:rPr lang="en-US" dirty="0"/>
-              <a:t>BDD changes thought from:</a:t>
-            </a:r>
-          </a:p>
-          <a:p>
-            <a:pPr marL="0" marR="0" lvl="0" indent="0" algn="l" defTabSz="914400" rtl="0" eaLnBrk="1" fontAlgn="auto" latinLnBrk="0" hangingPunct="1">
-              <a:lnSpc>
-                <a:spcPct val="100000"/>
-              </a:lnSpc>
-              <a:spcBef>
-                <a:spcPts val="0"/>
-              </a:spcBef>
-              <a:spcAft>
-                <a:spcPts val="0"/>
-              </a:spcAft>
-              <a:buClrTx/>
-              <a:buSzTx/>
-              <a:buFontTx/>
-              <a:buNone/>
-              <a:tabLst/>
-              <a:defRPr/>
-            </a:pPr>
-            <a:r>
-              <a:rPr lang="en-US" dirty="0"/>
-              <a:t>	Test Cases -&gt; Specifications / Features</a:t>
-            </a:r>
-          </a:p>
-          <a:p>
-            <a:pPr marL="0" marR="0" lvl="0" indent="0" algn="l" defTabSz="914400" rtl="0" eaLnBrk="1" fontAlgn="auto" latinLnBrk="0" hangingPunct="1">
-              <a:lnSpc>
-                <a:spcPct val="100000"/>
-              </a:lnSpc>
-              <a:spcBef>
-                <a:spcPts val="0"/>
-              </a:spcBef>
-              <a:spcAft>
-                <a:spcPts val="0"/>
-              </a:spcAft>
-              <a:buClrTx/>
-              <a:buSzTx/>
-              <a:buFontTx/>
-              <a:buNone/>
-              <a:tabLst/>
-              <a:defRPr/>
-            </a:pPr>
-            <a:r>
-              <a:rPr lang="en-US" dirty="0"/>
-              <a:t>	Tests -&gt; Scenarios</a:t>
-            </a:r>
-          </a:p>
-          <a:p>
-            <a:pPr marL="0" marR="0" lvl="0" indent="0" algn="l" defTabSz="914400" rtl="0" eaLnBrk="1" fontAlgn="auto" latinLnBrk="0" hangingPunct="1">
-              <a:lnSpc>
-                <a:spcPct val="100000"/>
-              </a:lnSpc>
-              <a:spcBef>
-                <a:spcPts val="0"/>
-              </a:spcBef>
-              <a:spcAft>
-                <a:spcPts val="0"/>
-              </a:spcAft>
-              <a:buClrTx/>
-              <a:buSzTx/>
-              <a:buFontTx/>
-              <a:buNone/>
-              <a:tabLst/>
-              <a:defRPr/>
-            </a:pPr>
-            <a:r>
-              <a:rPr lang="en-US" dirty="0"/>
-              <a:t>         Stop thinking how software works, think about what the users want to achieve</a:t>
-            </a:r>
-          </a:p>
         </p:txBody>
       </p:sp>
       <p:sp>
@@ -948,7 +794,7 @@
     </p:spTree>
     <p:extLst>
       <p:ext uri="{BB962C8B-B14F-4D97-AF65-F5344CB8AC3E}">
-        <p14:creationId xmlns:p14="http://schemas.microsoft.com/office/powerpoint/2010/main" val="352182948"/>
+        <p14:creationId xmlns:p14="http://schemas.microsoft.com/office/powerpoint/2010/main" val="3634205570"/>
       </p:ext>
     </p:extLst>
   </p:cSld>
@@ -1004,58 +850,227 @@
           <a:p>
             <a:r>
               <a:rPr lang="en-US" dirty="0"/>
-              <a:t>New Feature is edit request</a:t>
+              <a:t>BDD sounds like TDD</a:t>
             </a:r>
           </a:p>
           <a:p>
             <a:r>
               <a:rPr lang="en-US" dirty="0"/>
-              <a:t>We also need a Background</a:t>
-            </a:r>
-          </a:p>
-          <a:p>
-            <a:endParaRPr lang="en-US" dirty="0"/>
+              <a:t>TDD many times leads to hyperfocus on the unit of code.  </a:t>
+            </a:r>
           </a:p>
           <a:p>
             <a:r>
               <a:rPr lang="en-US" dirty="0"/>
-              <a:t>Scenario Outline –  </a:t>
-            </a:r>
-            <a:r>
-              <a:rPr lang="en-US" dirty="0" err="1"/>
-              <a:t>TimeOffValidator</a:t>
-            </a:r>
+              <a:t>BDD tries to focus on Acceptance tests from an </a:t>
+            </a:r>
+          </a:p>
+          <a:p>
+            <a:pPr marL="0" marR="0" lvl="0" indent="0" algn="l" defTabSz="914400" rtl="0" eaLnBrk="1" fontAlgn="auto" latinLnBrk="0" hangingPunct="1">
+              <a:lnSpc>
+                <a:spcPct val="100000"/>
+              </a:lnSpc>
+              <a:spcBef>
+                <a:spcPts val="0"/>
+              </a:spcBef>
+              <a:spcAft>
+                <a:spcPts val="0"/>
+              </a:spcAft>
+              <a:buClrTx/>
+              <a:buSzTx/>
+              <a:buFontTx/>
+              <a:buNone/>
+              <a:tabLst/>
+              <a:defRPr/>
+            </a:pPr>
             <a:r>
               <a:rPr lang="en-US" dirty="0"/>
-              <a:t> (updates)</a:t>
-            </a:r>
-          </a:p>
-          <a:p>
+              <a:t>TDD -&gt; Great coverage (side effect – not goal)</a:t>
+            </a:r>
+          </a:p>
+          <a:p>
+            <a:pPr marL="0" marR="0" lvl="0" indent="0" algn="l" defTabSz="914400" rtl="0" eaLnBrk="1" fontAlgn="auto" latinLnBrk="0" hangingPunct="1">
+              <a:lnSpc>
+                <a:spcPct val="100000"/>
+              </a:lnSpc>
+              <a:spcBef>
+                <a:spcPts val="0"/>
+              </a:spcBef>
+              <a:spcAft>
+                <a:spcPts val="0"/>
+              </a:spcAft>
+              <a:buClrTx/>
+              <a:buSzTx/>
+              <a:buFontTx/>
+              <a:buNone/>
+              <a:tabLst/>
+              <a:defRPr/>
+            </a:pPr>
             <a:r>
               <a:rPr lang="en-US" dirty="0"/>
-              <a:t>Table – </a:t>
-            </a:r>
-            <a:r>
-              <a:rPr lang="en-US" dirty="0" err="1"/>
-              <a:t>TimeOffDateRange.feature</a:t>
-            </a:r>
-            <a:endParaRPr lang="en-US" dirty="0"/>
-          </a:p>
-          <a:p>
-            <a:endParaRPr lang="en-US" dirty="0"/>
-          </a:p>
-          <a:p>
-            <a:r>
-              <a:rPr lang="en-US" b="0" i="0" dirty="0">
-                <a:solidFill>
-                  <a:srgbClr val="36394D"/>
-                </a:solidFill>
-                <a:effectLst/>
-                <a:latin typeface="Open Sans" panose="020F0502020204030204" pitchFamily="34" charset="0"/>
-              </a:rPr>
-              <a:t>The purpose of feature files is to create readable specifications that can be understood by the whole team, not to provide test coverage</a:t>
-            </a:r>
-            <a:endParaRPr lang="en-US" dirty="0"/>
+              <a:t>	TDD is about drive development from tests (initiating force / driver)</a:t>
+            </a:r>
+          </a:p>
+          <a:p>
+            <a:pPr marL="0" marR="0" lvl="0" indent="0" algn="l" defTabSz="914400" rtl="0" eaLnBrk="1" fontAlgn="auto" latinLnBrk="0" hangingPunct="1">
+              <a:lnSpc>
+                <a:spcPct val="100000"/>
+              </a:lnSpc>
+              <a:spcBef>
+                <a:spcPts val="0"/>
+              </a:spcBef>
+              <a:spcAft>
+                <a:spcPts val="0"/>
+              </a:spcAft>
+              <a:buClrTx/>
+              <a:buSzTx/>
+              <a:buFontTx/>
+              <a:buNone/>
+              <a:tabLst/>
+              <a:defRPr/>
+            </a:pPr>
+            <a:r>
+              <a:rPr lang="en-US" dirty="0"/>
+              <a:t>Obvious change the concept / words that make up how to do proper TDD  (What do you test?)</a:t>
+            </a:r>
+          </a:p>
+          <a:p>
+            <a:pPr marL="0" marR="0" lvl="0" indent="0" algn="l" defTabSz="914400" rtl="0" eaLnBrk="1" fontAlgn="auto" latinLnBrk="0" hangingPunct="1">
+              <a:lnSpc>
+                <a:spcPct val="100000"/>
+              </a:lnSpc>
+              <a:spcBef>
+                <a:spcPts val="0"/>
+              </a:spcBef>
+              <a:spcAft>
+                <a:spcPts val="0"/>
+              </a:spcAft>
+              <a:buClrTx/>
+              <a:buSzTx/>
+              <a:buFontTx/>
+              <a:buNone/>
+              <a:tabLst/>
+              <a:defRPr/>
+            </a:pPr>
+            <a:r>
+              <a:rPr lang="en-US" dirty="0"/>
+              <a:t>	It should be more about design and development than tests</a:t>
+            </a:r>
+          </a:p>
+          <a:p>
+            <a:pPr marL="0" marR="0" lvl="0" indent="0" algn="l" defTabSz="914400" rtl="0" eaLnBrk="1" fontAlgn="auto" latinLnBrk="0" hangingPunct="1">
+              <a:lnSpc>
+                <a:spcPct val="100000"/>
+              </a:lnSpc>
+              <a:spcBef>
+                <a:spcPts val="0"/>
+              </a:spcBef>
+              <a:spcAft>
+                <a:spcPts val="0"/>
+              </a:spcAft>
+              <a:buClrTx/>
+              <a:buSzTx/>
+              <a:buFontTx/>
+              <a:buNone/>
+              <a:tabLst/>
+              <a:defRPr/>
+            </a:pPr>
+            <a:r>
+              <a:rPr lang="en-US" dirty="0"/>
+              <a:t>	We shouldn’t ask how to test the implementation DETAIL of the code.</a:t>
+            </a:r>
+          </a:p>
+          <a:p>
+            <a:pPr marL="0" marR="0" lvl="0" indent="0" algn="l" defTabSz="914400" rtl="0" eaLnBrk="1" fontAlgn="auto" latinLnBrk="0" hangingPunct="1">
+              <a:lnSpc>
+                <a:spcPct val="100000"/>
+              </a:lnSpc>
+              <a:spcBef>
+                <a:spcPts val="0"/>
+              </a:spcBef>
+              <a:spcAft>
+                <a:spcPts val="0"/>
+              </a:spcAft>
+              <a:buClrTx/>
+              <a:buSzTx/>
+              <a:buFontTx/>
+              <a:buNone/>
+              <a:tabLst/>
+              <a:defRPr/>
+            </a:pPr>
+            <a:r>
+              <a:rPr lang="en-US" dirty="0"/>
+              <a:t>BDD changes thought from:</a:t>
+            </a:r>
+          </a:p>
+          <a:p>
+            <a:pPr marL="0" marR="0" lvl="0" indent="0" algn="l" defTabSz="914400" rtl="0" eaLnBrk="1" fontAlgn="auto" latinLnBrk="0" hangingPunct="1">
+              <a:lnSpc>
+                <a:spcPct val="100000"/>
+              </a:lnSpc>
+              <a:spcBef>
+                <a:spcPts val="0"/>
+              </a:spcBef>
+              <a:spcAft>
+                <a:spcPts val="0"/>
+              </a:spcAft>
+              <a:buClrTx/>
+              <a:buSzTx/>
+              <a:buFontTx/>
+              <a:buNone/>
+              <a:tabLst/>
+              <a:defRPr/>
+            </a:pPr>
+            <a:r>
+              <a:rPr lang="en-US" dirty="0"/>
+              <a:t>	Test Cases -&gt; Specifications / Features</a:t>
+            </a:r>
+          </a:p>
+          <a:p>
+            <a:pPr marL="0" marR="0" lvl="0" indent="0" algn="l" defTabSz="914400" rtl="0" eaLnBrk="1" fontAlgn="auto" latinLnBrk="0" hangingPunct="1">
+              <a:lnSpc>
+                <a:spcPct val="100000"/>
+              </a:lnSpc>
+              <a:spcBef>
+                <a:spcPts val="0"/>
+              </a:spcBef>
+              <a:spcAft>
+                <a:spcPts val="0"/>
+              </a:spcAft>
+              <a:buClrTx/>
+              <a:buSzTx/>
+              <a:buFontTx/>
+              <a:buNone/>
+              <a:tabLst/>
+              <a:defRPr/>
+            </a:pPr>
+            <a:r>
+              <a:rPr lang="en-US" dirty="0"/>
+              <a:t>	Tests -&gt; Scenarios</a:t>
+            </a:r>
+          </a:p>
+          <a:p>
+            <a:pPr marL="0" marR="0" lvl="0" indent="0" algn="l" defTabSz="914400" rtl="0" eaLnBrk="1" fontAlgn="auto" latinLnBrk="0" hangingPunct="1">
+              <a:lnSpc>
+                <a:spcPct val="100000"/>
+              </a:lnSpc>
+              <a:spcBef>
+                <a:spcPts val="0"/>
+              </a:spcBef>
+              <a:spcAft>
+                <a:spcPts val="0"/>
+              </a:spcAft>
+              <a:buClrTx/>
+              <a:buSzTx/>
+              <a:buFontTx/>
+              <a:buNone/>
+              <a:tabLst/>
+              <a:defRPr/>
+            </a:pPr>
+            <a:r>
+              <a:rPr lang="en-US" dirty="0"/>
+              <a:t>         Stop thinking how software works, think about what the users want to achieve</a:t>
+            </a:r>
           </a:p>
         </p:txBody>
       </p:sp>
@@ -1085,7 +1100,7 @@
     </p:spTree>
     <p:extLst>
       <p:ext uri="{BB962C8B-B14F-4D97-AF65-F5344CB8AC3E}">
-        <p14:creationId xmlns:p14="http://schemas.microsoft.com/office/powerpoint/2010/main" val="3353804740"/>
+        <p14:creationId xmlns:p14="http://schemas.microsoft.com/office/powerpoint/2010/main" val="352182948"/>
       </p:ext>
     </p:extLst>
   </p:cSld>
@@ -1139,6 +1154,59 @@
           <a:bodyPr/>
           <a:lstStyle/>
           <a:p>
+            <a:r>
+              <a:rPr lang="en-US" dirty="0"/>
+              <a:t>New Feature is edit request</a:t>
+            </a:r>
+          </a:p>
+          <a:p>
+            <a:r>
+              <a:rPr lang="en-US" dirty="0"/>
+              <a:t>We also need a Background</a:t>
+            </a:r>
+          </a:p>
+          <a:p>
+            <a:endParaRPr lang="en-US" dirty="0"/>
+          </a:p>
+          <a:p>
+            <a:r>
+              <a:rPr lang="en-US" dirty="0"/>
+              <a:t>Scenario Outline –  </a:t>
+            </a:r>
+            <a:r>
+              <a:rPr lang="en-US" dirty="0" err="1"/>
+              <a:t>TimeOffValidator</a:t>
+            </a:r>
+            <a:r>
+              <a:rPr lang="en-US" dirty="0"/>
+              <a:t> (updates)</a:t>
+            </a:r>
+          </a:p>
+          <a:p>
+            <a:r>
+              <a:rPr lang="en-US" dirty="0"/>
+              <a:t>Table – </a:t>
+            </a:r>
+            <a:r>
+              <a:rPr lang="en-US" dirty="0" err="1"/>
+              <a:t>TimeOffDateRange.feature</a:t>
+            </a:r>
+            <a:endParaRPr lang="en-US" dirty="0"/>
+          </a:p>
+          <a:p>
+            <a:endParaRPr lang="en-US" dirty="0"/>
+          </a:p>
+          <a:p>
+            <a:r>
+              <a:rPr lang="en-US" b="0" i="0" dirty="0">
+                <a:solidFill>
+                  <a:srgbClr val="36394D"/>
+                </a:solidFill>
+                <a:effectLst/>
+                <a:latin typeface="Open Sans" panose="020F0502020204030204" pitchFamily="34" charset="0"/>
+              </a:rPr>
+              <a:t>The purpose of feature files is to create readable specifications that can be understood by the whole team, not to provide test coverage</a:t>
+            </a:r>
             <a:endParaRPr lang="en-US" dirty="0"/>
           </a:p>
         </p:txBody>
@@ -1169,7 +1237,7 @@
     </p:spTree>
     <p:extLst>
       <p:ext uri="{BB962C8B-B14F-4D97-AF65-F5344CB8AC3E}">
-        <p14:creationId xmlns:p14="http://schemas.microsoft.com/office/powerpoint/2010/main" val="1280869736"/>
+        <p14:creationId xmlns:p14="http://schemas.microsoft.com/office/powerpoint/2010/main" val="3353804740"/>
       </p:ext>
     </p:extLst>
   </p:cSld>
@@ -1253,7 +1321,7 @@
     </p:spTree>
     <p:extLst>
       <p:ext uri="{BB962C8B-B14F-4D97-AF65-F5344CB8AC3E}">
-        <p14:creationId xmlns:p14="http://schemas.microsoft.com/office/powerpoint/2010/main" val="310535517"/>
+        <p14:creationId xmlns:p14="http://schemas.microsoft.com/office/powerpoint/2010/main" val="1280869736"/>
       </p:ext>
     </p:extLst>
   </p:cSld>
@@ -1337,7 +1405,7 @@
     </p:spTree>
     <p:extLst>
       <p:ext uri="{BB962C8B-B14F-4D97-AF65-F5344CB8AC3E}">
-        <p14:creationId xmlns:p14="http://schemas.microsoft.com/office/powerpoint/2010/main" val="73048852"/>
+        <p14:creationId xmlns:p14="http://schemas.microsoft.com/office/powerpoint/2010/main" val="310535517"/>
       </p:ext>
     </p:extLst>
   </p:cSld>
@@ -1421,7 +1489,7 @@
     </p:spTree>
     <p:extLst>
       <p:ext uri="{BB962C8B-B14F-4D97-AF65-F5344CB8AC3E}">
-        <p14:creationId xmlns:p14="http://schemas.microsoft.com/office/powerpoint/2010/main" val="65434503"/>
+        <p14:creationId xmlns:p14="http://schemas.microsoft.com/office/powerpoint/2010/main" val="73048852"/>
       </p:ext>
     </p:extLst>
   </p:cSld>
@@ -1505,7 +1573,7 @@
     </p:spTree>
     <p:extLst>
       <p:ext uri="{BB962C8B-B14F-4D97-AF65-F5344CB8AC3E}">
-        <p14:creationId xmlns:p14="http://schemas.microsoft.com/office/powerpoint/2010/main" val="2982868590"/>
+        <p14:creationId xmlns:p14="http://schemas.microsoft.com/office/powerpoint/2010/main" val="65434503"/>
       </p:ext>
     </p:extLst>
   </p:cSld>
@@ -1559,155 +1627,6 @@
           <a:bodyPr/>
           <a:lstStyle/>
           <a:p>
-            <a:r>
-              <a:rPr lang="en-US" dirty="0"/>
-              <a:t>Start with creating a new </a:t>
-            </a:r>
-            <a:r>
-              <a:rPr lang="en-US" dirty="0" err="1"/>
-              <a:t>SuperHero.Feature</a:t>
-            </a:r>
-            <a:r>
-              <a:rPr lang="en-US" dirty="0"/>
-              <a:t> and then generate the step definitions</a:t>
-            </a:r>
-          </a:p>
-          <a:p>
-            <a:r>
-              <a:rPr lang="en-US" dirty="0"/>
-              <a:t>Show </a:t>
-            </a:r>
-            <a:r>
-              <a:rPr lang="en-US" dirty="0" err="1"/>
-              <a:t>TimeOffValidator</a:t>
-            </a:r>
-            <a:r>
-              <a:rPr lang="en-US" dirty="0"/>
-              <a:t> to show</a:t>
-            </a:r>
-          </a:p>
-          <a:p>
-            <a:r>
-              <a:rPr lang="en-US" dirty="0"/>
-              <a:t>	- Same Given used on multiple scenarios</a:t>
-            </a:r>
-          </a:p>
-          <a:p>
-            <a:r>
-              <a:rPr lang="en-US" dirty="0"/>
-              <a:t>	- Introduce parameters on the error strings</a:t>
-            </a:r>
-          </a:p>
-          <a:p>
-            <a:r>
-              <a:rPr lang="en-US" dirty="0"/>
-              <a:t>		-Show Attribute using Regular Expressions</a:t>
-            </a:r>
-          </a:p>
-          <a:p>
-            <a:r>
-              <a:rPr lang="en-US" dirty="0"/>
-              <a:t>Show </a:t>
-            </a:r>
-            <a:r>
-              <a:rPr lang="en-US" dirty="0" err="1"/>
-              <a:t>UserYearInfo</a:t>
-            </a:r>
-            <a:r>
-              <a:rPr lang="en-US" dirty="0"/>
-              <a:t> to show</a:t>
-            </a:r>
-          </a:p>
-          <a:p>
-            <a:r>
-              <a:rPr lang="en-US" dirty="0"/>
-              <a:t>	- numeric parameters</a:t>
-            </a:r>
-          </a:p>
-          <a:p>
-            <a:r>
-              <a:rPr lang="en-US" dirty="0"/>
-              <a:t>Show </a:t>
-            </a:r>
-            <a:r>
-              <a:rPr lang="en-US" dirty="0" err="1"/>
-              <a:t>TimeOffDateRange</a:t>
-            </a:r>
-            <a:r>
-              <a:rPr lang="en-US" dirty="0"/>
-              <a:t> to show</a:t>
-            </a:r>
-          </a:p>
-          <a:p>
-            <a:r>
-              <a:rPr lang="en-US" dirty="0"/>
-              <a:t>	- Tables</a:t>
-            </a:r>
-          </a:p>
-          <a:p>
-            <a:r>
-              <a:rPr lang="en-US" dirty="0"/>
-              <a:t>	- And</a:t>
-            </a:r>
-          </a:p>
-          <a:p>
-            <a:r>
-              <a:rPr lang="en-US" dirty="0"/>
-              <a:t>Show </a:t>
-            </a:r>
-            <a:r>
-              <a:rPr lang="en-US" dirty="0" err="1"/>
-              <a:t>CalendarViewModel</a:t>
-            </a:r>
-            <a:r>
-              <a:rPr lang="en-US" dirty="0"/>
-              <a:t> to show</a:t>
-            </a:r>
-          </a:p>
-          <a:p>
-            <a:r>
-              <a:rPr lang="en-US" dirty="0"/>
-              <a:t>	- *</a:t>
-            </a:r>
-          </a:p>
-          <a:p>
-            <a:r>
-              <a:rPr lang="en-US" dirty="0"/>
-              <a:t>Mention the </a:t>
-            </a:r>
-            <a:r>
-              <a:rPr lang="en-US" dirty="0" err="1"/>
-              <a:t>Specflow.Assist</a:t>
-            </a:r>
-            <a:r>
-              <a:rPr lang="en-US" dirty="0"/>
-              <a:t> helper </a:t>
-            </a:r>
-            <a:r>
-              <a:rPr lang="en-US" dirty="0" err="1"/>
-              <a:t>Nuget</a:t>
-            </a:r>
-            <a:endParaRPr lang="en-US" dirty="0"/>
-          </a:p>
-          <a:p>
-            <a:endParaRPr lang="en-US" dirty="0"/>
-          </a:p>
-          <a:p>
-            <a:r>
-              <a:rPr lang="en-US" dirty="0"/>
-              <a:t>Show persistence methods in the class</a:t>
-            </a:r>
-          </a:p>
-          <a:p>
-            <a:endParaRPr lang="en-US" dirty="0"/>
-          </a:p>
-          <a:p>
-            <a:r>
-              <a:rPr lang="en-US" dirty="0"/>
-              <a:t>Living Documentation</a:t>
-            </a:r>
-          </a:p>
-          <a:p>
             <a:endParaRPr lang="en-US" dirty="0"/>
           </a:p>
         </p:txBody>
@@ -1738,7 +1657,7 @@
     </p:spTree>
     <p:extLst>
       <p:ext uri="{BB962C8B-B14F-4D97-AF65-F5344CB8AC3E}">
-        <p14:creationId xmlns:p14="http://schemas.microsoft.com/office/powerpoint/2010/main" val="3661640459"/>
+        <p14:creationId xmlns:p14="http://schemas.microsoft.com/office/powerpoint/2010/main" val="2982868590"/>
       </p:ext>
     </p:extLst>
   </p:cSld>
@@ -1794,14 +1713,154 @@
           <a:p>
             <a:r>
               <a:rPr lang="en-US" dirty="0"/>
-              <a:t>Questions</a:t>
-            </a:r>
-          </a:p>
-          <a:p>
+              <a:t>Start with creating a new </a:t>
+            </a:r>
+            <a:r>
+              <a:rPr lang="en-US" dirty="0" err="1"/>
+              <a:t>SuperHero.Feature</a:t>
+            </a:r>
             <a:r>
               <a:rPr lang="en-US" dirty="0"/>
-              <a:t>https://backstage.ahaslides.com/hjezm8iswo8pait</a:t>
-            </a:r>
+              <a:t> and then generate the step definitions</a:t>
+            </a:r>
+          </a:p>
+          <a:p>
+            <a:r>
+              <a:rPr lang="en-US" dirty="0"/>
+              <a:t>Show </a:t>
+            </a:r>
+            <a:r>
+              <a:rPr lang="en-US" dirty="0" err="1"/>
+              <a:t>TimeOffValidator</a:t>
+            </a:r>
+            <a:r>
+              <a:rPr lang="en-US" dirty="0"/>
+              <a:t> to show</a:t>
+            </a:r>
+          </a:p>
+          <a:p>
+            <a:r>
+              <a:rPr lang="en-US" dirty="0"/>
+              <a:t>	- Same Given used on multiple scenarios</a:t>
+            </a:r>
+          </a:p>
+          <a:p>
+            <a:r>
+              <a:rPr lang="en-US" dirty="0"/>
+              <a:t>	- Introduce parameters on the error strings</a:t>
+            </a:r>
+          </a:p>
+          <a:p>
+            <a:r>
+              <a:rPr lang="en-US" dirty="0"/>
+              <a:t>		-Show Attribute using Regular Expressions</a:t>
+            </a:r>
+          </a:p>
+          <a:p>
+            <a:r>
+              <a:rPr lang="en-US" dirty="0"/>
+              <a:t>Show </a:t>
+            </a:r>
+            <a:r>
+              <a:rPr lang="en-US" dirty="0" err="1"/>
+              <a:t>UserYearInfo</a:t>
+            </a:r>
+            <a:r>
+              <a:rPr lang="en-US" dirty="0"/>
+              <a:t> to show</a:t>
+            </a:r>
+          </a:p>
+          <a:p>
+            <a:r>
+              <a:rPr lang="en-US" dirty="0"/>
+              <a:t>	- numeric parameters</a:t>
+            </a:r>
+          </a:p>
+          <a:p>
+            <a:r>
+              <a:rPr lang="en-US" dirty="0"/>
+              <a:t>Show </a:t>
+            </a:r>
+            <a:r>
+              <a:rPr lang="en-US" dirty="0" err="1"/>
+              <a:t>TimeOffDateRange</a:t>
+            </a:r>
+            <a:r>
+              <a:rPr lang="en-US" dirty="0"/>
+              <a:t> to show</a:t>
+            </a:r>
+          </a:p>
+          <a:p>
+            <a:r>
+              <a:rPr lang="en-US" dirty="0"/>
+              <a:t>	- Tables</a:t>
+            </a:r>
+          </a:p>
+          <a:p>
+            <a:r>
+              <a:rPr lang="en-US" dirty="0"/>
+              <a:t>	- And</a:t>
+            </a:r>
+          </a:p>
+          <a:p>
+            <a:r>
+              <a:rPr lang="en-US" dirty="0"/>
+              <a:t>Show </a:t>
+            </a:r>
+            <a:r>
+              <a:rPr lang="en-US" dirty="0" err="1"/>
+              <a:t>CalendarViewModel</a:t>
+            </a:r>
+            <a:r>
+              <a:rPr lang="en-US" dirty="0"/>
+              <a:t> to show</a:t>
+            </a:r>
+          </a:p>
+          <a:p>
+            <a:r>
+              <a:rPr lang="en-US" dirty="0"/>
+              <a:t>	- *</a:t>
+            </a:r>
+          </a:p>
+          <a:p>
+            <a:r>
+              <a:rPr lang="en-US" dirty="0"/>
+              <a:t>Mention the </a:t>
+            </a:r>
+            <a:r>
+              <a:rPr lang="en-US" dirty="0" err="1"/>
+              <a:t>Specflow.Assist</a:t>
+            </a:r>
+            <a:r>
+              <a:rPr lang="en-US" dirty="0"/>
+              <a:t> helper </a:t>
+            </a:r>
+            <a:r>
+              <a:rPr lang="en-US" dirty="0" err="1"/>
+              <a:t>Nuget</a:t>
+            </a:r>
+            <a:endParaRPr lang="en-US" dirty="0"/>
+          </a:p>
+          <a:p>
+            <a:endParaRPr lang="en-US" dirty="0"/>
+          </a:p>
+          <a:p>
+            <a:r>
+              <a:rPr lang="en-US" dirty="0"/>
+              <a:t>Show persistence methods in the class</a:t>
+            </a:r>
+          </a:p>
+          <a:p>
+            <a:endParaRPr lang="en-US" dirty="0"/>
+          </a:p>
+          <a:p>
+            <a:r>
+              <a:rPr lang="en-US" dirty="0"/>
+              <a:t>Living Documentation</a:t>
+            </a:r>
+          </a:p>
+          <a:p>
+            <a:endParaRPr lang="en-US" dirty="0"/>
           </a:p>
         </p:txBody>
       </p:sp>
@@ -1831,7 +1890,7 @@
     </p:spTree>
     <p:extLst>
       <p:ext uri="{BB962C8B-B14F-4D97-AF65-F5344CB8AC3E}">
-        <p14:creationId xmlns:p14="http://schemas.microsoft.com/office/powerpoint/2010/main" val="2977206080"/>
+        <p14:creationId xmlns:p14="http://schemas.microsoft.com/office/powerpoint/2010/main" val="3661640459"/>
       </p:ext>
     </p:extLst>
   </p:cSld>
@@ -1885,10 +1944,7 @@
           <a:bodyPr/>
           <a:lstStyle/>
           <a:p>
-            <a:r>
-              <a:rPr lang="en-US" dirty="0"/>
-              <a:t>END 2:37</a:t>
-            </a:r>
+            <a:endParaRPr lang="en-US" dirty="0"/>
           </a:p>
         </p:txBody>
       </p:sp>
@@ -1918,7 +1974,7 @@
     </p:spTree>
     <p:extLst>
       <p:ext uri="{BB962C8B-B14F-4D97-AF65-F5344CB8AC3E}">
-        <p14:creationId xmlns:p14="http://schemas.microsoft.com/office/powerpoint/2010/main" val="1729981770"/>
+        <p14:creationId xmlns:p14="http://schemas.microsoft.com/office/powerpoint/2010/main" val="4285008719"/>
       </p:ext>
     </p:extLst>
   </p:cSld>
@@ -1972,7 +2028,10 @@
           <a:bodyPr/>
           <a:lstStyle/>
           <a:p>
-            <a:endParaRPr lang="en-US" dirty="0"/>
+            <a:r>
+              <a:rPr lang="en-US" dirty="0"/>
+              <a:t>Read VS Code</a:t>
+            </a:r>
           </a:p>
         </p:txBody>
       </p:sp>
@@ -2002,7 +2061,94 @@
     </p:spTree>
     <p:extLst>
       <p:ext uri="{BB962C8B-B14F-4D97-AF65-F5344CB8AC3E}">
-        <p14:creationId xmlns:p14="http://schemas.microsoft.com/office/powerpoint/2010/main" val="126520479"/>
+        <p14:creationId xmlns:p14="http://schemas.microsoft.com/office/powerpoint/2010/main" val="1365785916"/>
+      </p:ext>
+    </p:extLst>
+  </p:cSld>
+  <p:clrMapOvr>
+    <a:masterClrMapping/>
+  </p:clrMapOvr>
+</p:notes>
+</file>
+
+<file path=ppt/notesSlides/notesSlide20.xml><?xml version="1.0" encoding="utf-8"?>
+<p:notes xmlns:a="http://schemas.openxmlformats.org/drawingml/2006/main" xmlns:r="http://schemas.openxmlformats.org/officeDocument/2006/relationships" xmlns:p="http://schemas.openxmlformats.org/presentationml/2006/main">
+  <p:cSld>
+    <p:spTree>
+      <p:nvGrpSpPr>
+        <p:cNvPr id="1" name=""/>
+        <p:cNvGrpSpPr/>
+        <p:nvPr/>
+      </p:nvGrpSpPr>
+      <p:grpSpPr>
+        <a:xfrm>
+          <a:off x="0" y="0"/>
+          <a:ext cx="0" cy="0"/>
+          <a:chOff x="0" y="0"/>
+          <a:chExt cx="0" cy="0"/>
+        </a:xfrm>
+      </p:grpSpPr>
+      <p:sp>
+        <p:nvSpPr>
+          <p:cNvPr id="2" name="Slide Image Placeholder 1"/>
+          <p:cNvSpPr>
+            <a:spLocks noGrp="1" noRot="1" noChangeAspect="1"/>
+          </p:cNvSpPr>
+          <p:nvPr>
+            <p:ph type="sldImg"/>
+          </p:nvPr>
+        </p:nvSpPr>
+        <p:spPr/>
+      </p:sp>
+      <p:sp>
+        <p:nvSpPr>
+          <p:cNvPr id="3" name="Notes Placeholder 2"/>
+          <p:cNvSpPr>
+            <a:spLocks noGrp="1"/>
+          </p:cNvSpPr>
+          <p:nvPr>
+            <p:ph type="body" idx="1"/>
+          </p:nvPr>
+        </p:nvSpPr>
+        <p:spPr/>
+        <p:txBody>
+          <a:bodyPr/>
+          <a:lstStyle/>
+          <a:p>
+            <a:r>
+              <a:rPr lang="en-US" dirty="0"/>
+              <a:t>END 2:37</a:t>
+            </a:r>
+          </a:p>
+        </p:txBody>
+      </p:sp>
+      <p:sp>
+        <p:nvSpPr>
+          <p:cNvPr id="4" name="Slide Number Placeholder 3"/>
+          <p:cNvSpPr>
+            <a:spLocks noGrp="1"/>
+          </p:cNvSpPr>
+          <p:nvPr>
+            <p:ph type="sldNum" sz="quarter" idx="5"/>
+          </p:nvPr>
+        </p:nvSpPr>
+        <p:spPr/>
+        <p:txBody>
+          <a:bodyPr/>
+          <a:lstStyle/>
+          <a:p>
+            <a:fld id="{AAA20043-755E-4D2A-B767-23CBDFF65C2F}" type="slidenum">
+              <a:rPr lang="en-US" smtClean="0"/>
+              <a:t>20</a:t>
+            </a:fld>
+            <a:endParaRPr lang="en-US"/>
+          </a:p>
+        </p:txBody>
+      </p:sp>
+    </p:spTree>
+    <p:extLst>
+      <p:ext uri="{BB962C8B-B14F-4D97-AF65-F5344CB8AC3E}">
+        <p14:creationId xmlns:p14="http://schemas.microsoft.com/office/powerpoint/2010/main" val="1729981770"/>
       </p:ext>
     </p:extLst>
   </p:cSld>
@@ -2056,7 +2202,10 @@
           <a:bodyPr/>
           <a:lstStyle/>
           <a:p>
-            <a:endParaRPr lang="en-US" dirty="0"/>
+            <a:r>
+              <a:rPr lang="en-US" dirty="0"/>
+              <a:t>I don’t have sales experience</a:t>
+            </a:r>
           </a:p>
         </p:txBody>
       </p:sp>
@@ -2086,7 +2235,7 @@
     </p:spTree>
     <p:extLst>
       <p:ext uri="{BB962C8B-B14F-4D97-AF65-F5344CB8AC3E}">
-        <p14:creationId xmlns:p14="http://schemas.microsoft.com/office/powerpoint/2010/main" val="1365785916"/>
+        <p14:creationId xmlns:p14="http://schemas.microsoft.com/office/powerpoint/2010/main" val="126520479"/>
       </p:ext>
     </p:extLst>
   </p:cSld>
@@ -2170,7 +2319,7 @@
     </p:spTree>
     <p:extLst>
       <p:ext uri="{BB962C8B-B14F-4D97-AF65-F5344CB8AC3E}">
-        <p14:creationId xmlns:p14="http://schemas.microsoft.com/office/powerpoint/2010/main" val="2143596821"/>
+        <p14:creationId xmlns:p14="http://schemas.microsoft.com/office/powerpoint/2010/main" val="150740400"/>
       </p:ext>
     </p:extLst>
   </p:cSld>
@@ -2254,7 +2403,7 @@
     </p:spTree>
     <p:extLst>
       <p:ext uri="{BB962C8B-B14F-4D97-AF65-F5344CB8AC3E}">
-        <p14:creationId xmlns:p14="http://schemas.microsoft.com/office/powerpoint/2010/main" val="3208344822"/>
+        <p14:creationId xmlns:p14="http://schemas.microsoft.com/office/powerpoint/2010/main" val="2143596821"/>
       </p:ext>
     </p:extLst>
   </p:cSld>
@@ -2338,7 +2487,7 @@
     </p:spTree>
     <p:extLst>
       <p:ext uri="{BB962C8B-B14F-4D97-AF65-F5344CB8AC3E}">
-        <p14:creationId xmlns:p14="http://schemas.microsoft.com/office/powerpoint/2010/main" val="3748494668"/>
+        <p14:creationId xmlns:p14="http://schemas.microsoft.com/office/powerpoint/2010/main" val="3208344822"/>
       </p:ext>
     </p:extLst>
   </p:cSld>
@@ -2422,7 +2571,7 @@
     </p:spTree>
     <p:extLst>
       <p:ext uri="{BB962C8B-B14F-4D97-AF65-F5344CB8AC3E}">
-        <p14:creationId xmlns:p14="http://schemas.microsoft.com/office/powerpoint/2010/main" val="2080274877"/>
+        <p14:creationId xmlns:p14="http://schemas.microsoft.com/office/powerpoint/2010/main" val="3748494668"/>
       </p:ext>
     </p:extLst>
   </p:cSld>
@@ -2476,10 +2625,7 @@
           <a:bodyPr/>
           <a:lstStyle/>
           <a:p>
-            <a:r>
-              <a:rPr lang="en-US" dirty="0"/>
-              <a:t>Tell story about wife and pictures</a:t>
-            </a:r>
+            <a:endParaRPr lang="en-US" dirty="0"/>
           </a:p>
         </p:txBody>
       </p:sp>
@@ -2509,7 +2655,7 @@
     </p:spTree>
     <p:extLst>
       <p:ext uri="{BB962C8B-B14F-4D97-AF65-F5344CB8AC3E}">
-        <p14:creationId xmlns:p14="http://schemas.microsoft.com/office/powerpoint/2010/main" val="2326540985"/>
+        <p14:creationId xmlns:p14="http://schemas.microsoft.com/office/powerpoint/2010/main" val="2080274877"/>
       </p:ext>
     </p:extLst>
   </p:cSld>
@@ -2565,53 +2711,7 @@
           <a:p>
             <a:r>
               <a:rPr lang="en-US" dirty="0"/>
-              <a:t>TDD many times leads to hyperfocus on the unit of code.  </a:t>
-            </a:r>
-          </a:p>
-          <a:p>
-            <a:pPr marL="0" marR="0" lvl="0" indent="0" algn="l" defTabSz="914400" rtl="0" eaLnBrk="1" fontAlgn="auto" latinLnBrk="0" hangingPunct="1">
-              <a:lnSpc>
-                <a:spcPct val="100000"/>
-              </a:lnSpc>
-              <a:spcBef>
-                <a:spcPts val="0"/>
-              </a:spcBef>
-              <a:spcAft>
-                <a:spcPts val="0"/>
-              </a:spcAft>
-              <a:buClrTx/>
-              <a:buSzTx/>
-              <a:buFontTx/>
-              <a:buNone/>
-              <a:tabLst/>
-              <a:defRPr/>
-            </a:pPr>
-            <a:r>
-              <a:rPr lang="en-US" dirty="0"/>
-              <a:t>TDD -&gt; Great coverage (side effect – not goal)</a:t>
-            </a:r>
-          </a:p>
-          <a:p>
-            <a:pPr marL="0" marR="0" lvl="0" indent="0" algn="l" defTabSz="914400" rtl="0" eaLnBrk="1" fontAlgn="auto" latinLnBrk="0" hangingPunct="1">
-              <a:lnSpc>
-                <a:spcPct val="100000"/>
-              </a:lnSpc>
-              <a:spcBef>
-                <a:spcPts val="0"/>
-              </a:spcBef>
-              <a:spcAft>
-                <a:spcPts val="0"/>
-              </a:spcAft>
-              <a:buClrTx/>
-              <a:buSzTx/>
-              <a:buFontTx/>
-              <a:buNone/>
-              <a:tabLst/>
-              <a:defRPr/>
-            </a:pPr>
-            <a:r>
-              <a:rPr lang="en-US" dirty="0"/>
-              <a:t>	TDD is about drive development from tests (initiating force / driver)</a:t>
+              <a:t>Tell story about wife and pictures</a:t>
             </a:r>
           </a:p>
         </p:txBody>
@@ -2642,7 +2742,7 @@
     </p:spTree>
     <p:extLst>
       <p:ext uri="{BB962C8B-B14F-4D97-AF65-F5344CB8AC3E}">
-        <p14:creationId xmlns:p14="http://schemas.microsoft.com/office/powerpoint/2010/main" val="3634205570"/>
+        <p14:creationId xmlns:p14="http://schemas.microsoft.com/office/powerpoint/2010/main" val="2326540985"/>
       </p:ext>
     </p:extLst>
   </p:cSld>
@@ -2783,7 +2883,7 @@
           <a:p>
             <a:fld id="{846CE7D5-CF57-46EF-B807-FDD0502418D4}" type="datetimeFigureOut">
               <a:rPr lang="en-US" smtClean="0"/>
-              <a:t>6/25/2023</a:t>
+              <a:t>7/4/2023</a:t>
             </a:fld>
             <a:endParaRPr lang="en-US" dirty="0"/>
           </a:p>
@@ -2953,7 +3053,7 @@
           <a:p>
             <a:fld id="{846CE7D5-CF57-46EF-B807-FDD0502418D4}" type="datetimeFigureOut">
               <a:rPr lang="en-US" smtClean="0"/>
-              <a:t>6/25/2023</a:t>
+              <a:t>7/4/2023</a:t>
             </a:fld>
             <a:endParaRPr lang="en-US" dirty="0"/>
           </a:p>
@@ -3133,7 +3233,7 @@
           <a:p>
             <a:fld id="{846CE7D5-CF57-46EF-B807-FDD0502418D4}" type="datetimeFigureOut">
               <a:rPr lang="en-US" smtClean="0"/>
-              <a:t>6/25/2023</a:t>
+              <a:t>7/4/2023</a:t>
             </a:fld>
             <a:endParaRPr lang="en-US" dirty="0"/>
           </a:p>
@@ -3303,7 +3403,7 @@
           <a:p>
             <a:fld id="{846CE7D5-CF57-46EF-B807-FDD0502418D4}" type="datetimeFigureOut">
               <a:rPr lang="en-US" smtClean="0"/>
-              <a:t>6/25/2023</a:t>
+              <a:t>7/4/2023</a:t>
             </a:fld>
             <a:endParaRPr lang="en-US" dirty="0"/>
           </a:p>
@@ -3549,7 +3649,7 @@
           <a:p>
             <a:fld id="{846CE7D5-CF57-46EF-B807-FDD0502418D4}" type="datetimeFigureOut">
               <a:rPr lang="en-US" smtClean="0"/>
-              <a:t>6/25/2023</a:t>
+              <a:t>7/4/2023</a:t>
             </a:fld>
             <a:endParaRPr lang="en-US" dirty="0"/>
           </a:p>
@@ -3781,7 +3881,7 @@
           <a:p>
             <a:fld id="{846CE7D5-CF57-46EF-B807-FDD0502418D4}" type="datetimeFigureOut">
               <a:rPr lang="en-US" smtClean="0"/>
-              <a:t>6/25/2023</a:t>
+              <a:t>7/4/2023</a:t>
             </a:fld>
             <a:endParaRPr lang="en-US" dirty="0"/>
           </a:p>
@@ -4148,7 +4248,7 @@
           <a:p>
             <a:fld id="{846CE7D5-CF57-46EF-B807-FDD0502418D4}" type="datetimeFigureOut">
               <a:rPr lang="en-US" smtClean="0"/>
-              <a:t>6/25/2023</a:t>
+              <a:t>7/4/2023</a:t>
             </a:fld>
             <a:endParaRPr lang="en-US" dirty="0"/>
           </a:p>
@@ -4266,7 +4366,7 @@
           <a:p>
             <a:fld id="{846CE7D5-CF57-46EF-B807-FDD0502418D4}" type="datetimeFigureOut">
               <a:rPr lang="en-US" smtClean="0"/>
-              <a:t>6/25/2023</a:t>
+              <a:t>7/4/2023</a:t>
             </a:fld>
             <a:endParaRPr lang="en-US" dirty="0"/>
           </a:p>
@@ -4361,7 +4461,7 @@
           <a:p>
             <a:fld id="{846CE7D5-CF57-46EF-B807-FDD0502418D4}" type="datetimeFigureOut">
               <a:rPr lang="en-US" smtClean="0"/>
-              <a:t>6/25/2023</a:t>
+              <a:t>7/4/2023</a:t>
             </a:fld>
             <a:endParaRPr lang="en-US" dirty="0"/>
           </a:p>
@@ -4638,7 +4738,7 @@
           <a:p>
             <a:fld id="{846CE7D5-CF57-46EF-B807-FDD0502418D4}" type="datetimeFigureOut">
               <a:rPr lang="en-US" smtClean="0"/>
-              <a:t>6/25/2023</a:t>
+              <a:t>7/4/2023</a:t>
             </a:fld>
             <a:endParaRPr lang="en-US" dirty="0"/>
           </a:p>
@@ -4894,7 +4994,7 @@
           <a:p>
             <a:fld id="{846CE7D5-CF57-46EF-B807-FDD0502418D4}" type="datetimeFigureOut">
               <a:rPr lang="en-US" smtClean="0"/>
-              <a:t>6/25/2023</a:t>
+              <a:t>7/4/2023</a:t>
             </a:fld>
             <a:endParaRPr lang="en-US" dirty="0"/>
           </a:p>
@@ -5107,7 +5207,7 @@
           <a:p>
             <a:fld id="{846CE7D5-CF57-46EF-B807-FDD0502418D4}" type="datetimeFigureOut">
               <a:rPr lang="en-US" smtClean="0"/>
-              <a:t>6/25/2023</a:t>
+              <a:t>7/4/2023</a:t>
             </a:fld>
             <a:endParaRPr lang="en-US" dirty="0"/>
           </a:p>
@@ -6136,7 +6236,7 @@
                   <a:srgbClr val="FFFFFF"/>
                 </a:solidFill>
               </a:rPr>
-              <a:t>BDD</a:t>
+              <a:t>TDD</a:t>
             </a:r>
           </a:p>
         </p:txBody>
@@ -6232,56 +6332,102 @@
           <a:p>
             <a:r>
               <a:rPr lang="en-US" dirty="0"/>
-              <a:t>Tries to do TDD, but better</a:t>
+              <a:t>Build trust of the users</a:t>
             </a:r>
           </a:p>
           <a:p>
             <a:pPr lvl="1"/>
             <a:r>
               <a:rPr lang="en-US" dirty="0"/>
-              <a:t>Not TDD’s fault</a:t>
+              <a:t>Reduce the numbers of bugs found by users</a:t>
             </a:r>
           </a:p>
           <a:p>
             <a:pPr lvl="1"/>
             <a:r>
               <a:rPr lang="en-US" dirty="0"/>
-              <a:t>Avoid misunderstandings of adopting TDD</a:t>
+              <a:t>Finding errors sooner by development team</a:t>
+            </a:r>
+          </a:p>
+          <a:p>
+            <a:r>
+              <a:rPr lang="en-US" dirty="0"/>
+              <a:t>Done before writing end user software</a:t>
+            </a:r>
+          </a:p>
+          <a:p>
+            <a:r>
+              <a:rPr lang="en-US" dirty="0"/>
+              <a:t>TDD teams had 40% to 90% fewer defects</a:t>
+            </a:r>
+          </a:p>
+          <a:p>
+            <a:r>
+              <a:rPr lang="en-US" dirty="0"/>
+              <a:t>TDD teams spent 15% to 33% more time writing code</a:t>
+            </a:r>
+          </a:p>
+          <a:p>
+            <a:r>
+              <a:rPr lang="en-US" dirty="0"/>
+              <a:t>Problems</a:t>
             </a:r>
           </a:p>
           <a:p>
             <a:pPr lvl="1"/>
             <a:r>
               <a:rPr lang="en-US" dirty="0"/>
-              <a:t>Move focus to behaviors instead of tests</a:t>
+              <a:t>Focuses on tests and how to create tests</a:t>
             </a:r>
           </a:p>
           <a:p>
             <a:pPr lvl="1"/>
             <a:r>
               <a:rPr lang="en-US" dirty="0"/>
-              <a:t>Avoid complex slow and tightly coupled tests</a:t>
-            </a:r>
-          </a:p>
-          <a:p>
-            <a:pPr lvl="1"/>
-            <a:r>
-              <a:rPr lang="en-US" dirty="0"/>
-              <a:t>Start from end user perspective</a:t>
-            </a:r>
-          </a:p>
-          <a:p>
-            <a:pPr lvl="1"/>
-            <a:r>
-              <a:rPr lang="en-US" dirty="0"/>
-              <a:t>Get business and technical teams on the same page</a:t>
-            </a:r>
-          </a:p>
-          <a:p>
-            <a:pPr lvl="2"/>
-            <a:r>
-              <a:rPr lang="en-US"/>
-              <a:t>Three Amigos</a:t>
+              <a:t>When focused on code coverage it slows the development processes down</a:t>
+            </a:r>
+          </a:p>
+          <a:p>
+            <a:pPr marL="0" indent="0">
+              <a:buNone/>
+            </a:pPr>
+            <a:endParaRPr lang="en-US" dirty="0"/>
+          </a:p>
+        </p:txBody>
+      </p:sp>
+      <p:sp>
+        <p:nvSpPr>
+          <p:cNvPr id="4" name="TextBox 3">
+            <a:extLst>
+              <a:ext uri="{FF2B5EF4-FFF2-40B4-BE49-F238E27FC236}">
+                <a16:creationId xmlns:a16="http://schemas.microsoft.com/office/drawing/2014/main" id="{E7C2E0A4-BBB9-95DD-623C-2422E8FDA616}"/>
+              </a:ext>
+            </a:extLst>
+          </p:cNvPr>
+          <p:cNvSpPr txBox="1"/>
+          <p:nvPr/>
+        </p:nvSpPr>
+        <p:spPr>
+          <a:xfrm>
+            <a:off x="2674986" y="6531320"/>
+            <a:ext cx="7146828" cy="369332"/>
+          </a:xfrm>
+          <a:prstGeom prst="rect">
+            <a:avLst/>
+          </a:prstGeom>
+          <a:noFill/>
+        </p:spPr>
+        <p:txBody>
+          <a:bodyPr wrap="none" rtlCol="0">
+            <a:spAutoFit/>
+          </a:bodyPr>
+          <a:lstStyle/>
+          <a:p>
+            <a:r>
+              <a:rPr lang="en-US" dirty="0">
+                <a:hlinkClick r:id="rId3"/>
+              </a:rPr>
+              <a:t>https://cucumber.io/blog/bdd/how-to-measure-the-roi-of-bdd-and-tdd </a:t>
             </a:r>
             <a:endParaRPr lang="en-US" dirty="0"/>
           </a:p>
@@ -6290,7 +6436,7 @@
     </p:spTree>
     <p:extLst>
       <p:ext uri="{BB962C8B-B14F-4D97-AF65-F5344CB8AC3E}">
-        <p14:creationId xmlns:p14="http://schemas.microsoft.com/office/powerpoint/2010/main" val="828508002"/>
+        <p14:creationId xmlns:p14="http://schemas.microsoft.com/office/powerpoint/2010/main" val="3707692299"/>
       </p:ext>
     </p:extLst>
   </p:cSld>
@@ -6387,6 +6533,375 @@
                                         </p:tav>
                                       </p:tavLst>
                                     </p:anim>
+                                  </p:childTnLst>
+                                </p:cTn>
+                              </p:par>
+                            </p:childTnLst>
+                          </p:cTn>
+                        </p:par>
+                      </p:childTnLst>
+                    </p:cTn>
+                  </p:par>
+                  <p:par>
+                    <p:cTn id="9" fill="hold">
+                      <p:stCondLst>
+                        <p:cond delay="indefinite"/>
+                      </p:stCondLst>
+                      <p:childTnLst>
+                        <p:par>
+                          <p:cTn id="10" fill="hold">
+                            <p:stCondLst>
+                              <p:cond delay="0"/>
+                            </p:stCondLst>
+                            <p:childTnLst>
+                              <p:par>
+                                <p:cTn id="11" presetID="1" presetClass="entr" presetSubtype="0" fill="hold" nodeType="clickEffect">
+                                  <p:stCondLst>
+                                    <p:cond delay="0"/>
+                                  </p:stCondLst>
+                                  <p:childTnLst>
+                                    <p:set>
+                                      <p:cBhvr>
+                                        <p:cTn id="12" dur="1" fill="hold">
+                                          <p:stCondLst>
+                                            <p:cond delay="0"/>
+                                          </p:stCondLst>
+                                        </p:cTn>
+                                        <p:tgtEl>
+                                          <p:spTgt spid="3">
+                                            <p:txEl>
+                                              <p:pRg st="0" end="0"/>
+                                            </p:txEl>
+                                          </p:spTgt>
+                                        </p:tgtEl>
+                                        <p:attrNameLst>
+                                          <p:attrName>style.visibility</p:attrName>
+                                        </p:attrNameLst>
+                                      </p:cBhvr>
+                                      <p:to>
+                                        <p:strVal val="visible"/>
+                                      </p:to>
+                                    </p:set>
+                                  </p:childTnLst>
+                                </p:cTn>
+                              </p:par>
+                              <p:par>
+                                <p:cTn id="13" presetID="1" presetClass="entr" presetSubtype="0" fill="hold" nodeType="withEffect">
+                                  <p:stCondLst>
+                                    <p:cond delay="0"/>
+                                  </p:stCondLst>
+                                  <p:childTnLst>
+                                    <p:set>
+                                      <p:cBhvr>
+                                        <p:cTn id="14" dur="1" fill="hold">
+                                          <p:stCondLst>
+                                            <p:cond delay="0"/>
+                                          </p:stCondLst>
+                                        </p:cTn>
+                                        <p:tgtEl>
+                                          <p:spTgt spid="3">
+                                            <p:txEl>
+                                              <p:pRg st="1" end="1"/>
+                                            </p:txEl>
+                                          </p:spTgt>
+                                        </p:tgtEl>
+                                        <p:attrNameLst>
+                                          <p:attrName>style.visibility</p:attrName>
+                                        </p:attrNameLst>
+                                      </p:cBhvr>
+                                      <p:to>
+                                        <p:strVal val="visible"/>
+                                      </p:to>
+                                    </p:set>
+                                  </p:childTnLst>
+                                </p:cTn>
+                              </p:par>
+                              <p:par>
+                                <p:cTn id="15" presetID="1" presetClass="entr" presetSubtype="0" fill="hold" nodeType="withEffect">
+                                  <p:stCondLst>
+                                    <p:cond delay="0"/>
+                                  </p:stCondLst>
+                                  <p:childTnLst>
+                                    <p:set>
+                                      <p:cBhvr>
+                                        <p:cTn id="16" dur="1" fill="hold">
+                                          <p:stCondLst>
+                                            <p:cond delay="0"/>
+                                          </p:stCondLst>
+                                        </p:cTn>
+                                        <p:tgtEl>
+                                          <p:spTgt spid="3">
+                                            <p:txEl>
+                                              <p:pRg st="2" end="2"/>
+                                            </p:txEl>
+                                          </p:spTgt>
+                                        </p:tgtEl>
+                                        <p:attrNameLst>
+                                          <p:attrName>style.visibility</p:attrName>
+                                        </p:attrNameLst>
+                                      </p:cBhvr>
+                                      <p:to>
+                                        <p:strVal val="visible"/>
+                                      </p:to>
+                                    </p:set>
+                                  </p:childTnLst>
+                                </p:cTn>
+                              </p:par>
+                            </p:childTnLst>
+                          </p:cTn>
+                        </p:par>
+                      </p:childTnLst>
+                    </p:cTn>
+                  </p:par>
+                  <p:par>
+                    <p:cTn id="17" fill="hold">
+                      <p:stCondLst>
+                        <p:cond delay="indefinite"/>
+                      </p:stCondLst>
+                      <p:childTnLst>
+                        <p:par>
+                          <p:cTn id="18" fill="hold">
+                            <p:stCondLst>
+                              <p:cond delay="0"/>
+                            </p:stCondLst>
+                            <p:childTnLst>
+                              <p:par>
+                                <p:cTn id="19" presetID="1" presetClass="entr" presetSubtype="0" fill="hold" nodeType="clickEffect">
+                                  <p:stCondLst>
+                                    <p:cond delay="0"/>
+                                  </p:stCondLst>
+                                  <p:childTnLst>
+                                    <p:set>
+                                      <p:cBhvr>
+                                        <p:cTn id="20" dur="1" fill="hold">
+                                          <p:stCondLst>
+                                            <p:cond delay="0"/>
+                                          </p:stCondLst>
+                                        </p:cTn>
+                                        <p:tgtEl>
+                                          <p:spTgt spid="3">
+                                            <p:txEl>
+                                              <p:pRg st="3" end="3"/>
+                                            </p:txEl>
+                                          </p:spTgt>
+                                        </p:tgtEl>
+                                        <p:attrNameLst>
+                                          <p:attrName>style.visibility</p:attrName>
+                                        </p:attrNameLst>
+                                      </p:cBhvr>
+                                      <p:to>
+                                        <p:strVal val="visible"/>
+                                      </p:to>
+                                    </p:set>
+                                  </p:childTnLst>
+                                </p:cTn>
+                              </p:par>
+                            </p:childTnLst>
+                          </p:cTn>
+                        </p:par>
+                      </p:childTnLst>
+                    </p:cTn>
+                  </p:par>
+                  <p:par>
+                    <p:cTn id="21" fill="hold">
+                      <p:stCondLst>
+                        <p:cond delay="indefinite"/>
+                      </p:stCondLst>
+                      <p:childTnLst>
+                        <p:par>
+                          <p:cTn id="22" fill="hold">
+                            <p:stCondLst>
+                              <p:cond delay="0"/>
+                            </p:stCondLst>
+                            <p:childTnLst>
+                              <p:par>
+                                <p:cTn id="23" presetID="1" presetClass="entr" presetSubtype="0" fill="hold" nodeType="clickEffect">
+                                  <p:stCondLst>
+                                    <p:cond delay="0"/>
+                                  </p:stCondLst>
+                                  <p:childTnLst>
+                                    <p:set>
+                                      <p:cBhvr>
+                                        <p:cTn id="24" dur="1" fill="hold">
+                                          <p:stCondLst>
+                                            <p:cond delay="0"/>
+                                          </p:stCondLst>
+                                        </p:cTn>
+                                        <p:tgtEl>
+                                          <p:spTgt spid="3">
+                                            <p:txEl>
+                                              <p:pRg st="4" end="4"/>
+                                            </p:txEl>
+                                          </p:spTgt>
+                                        </p:tgtEl>
+                                        <p:attrNameLst>
+                                          <p:attrName>style.visibility</p:attrName>
+                                        </p:attrNameLst>
+                                      </p:cBhvr>
+                                      <p:to>
+                                        <p:strVal val="visible"/>
+                                      </p:to>
+                                    </p:set>
+                                  </p:childTnLst>
+                                </p:cTn>
+                              </p:par>
+                            </p:childTnLst>
+                          </p:cTn>
+                        </p:par>
+                      </p:childTnLst>
+                    </p:cTn>
+                  </p:par>
+                  <p:par>
+                    <p:cTn id="25" fill="hold">
+                      <p:stCondLst>
+                        <p:cond delay="indefinite"/>
+                      </p:stCondLst>
+                      <p:childTnLst>
+                        <p:par>
+                          <p:cTn id="26" fill="hold">
+                            <p:stCondLst>
+                              <p:cond delay="0"/>
+                            </p:stCondLst>
+                            <p:childTnLst>
+                              <p:par>
+                                <p:cTn id="27" presetID="1" presetClass="entr" presetSubtype="0" fill="hold" nodeType="clickEffect">
+                                  <p:stCondLst>
+                                    <p:cond delay="0"/>
+                                  </p:stCondLst>
+                                  <p:childTnLst>
+                                    <p:set>
+                                      <p:cBhvr>
+                                        <p:cTn id="28" dur="1" fill="hold">
+                                          <p:stCondLst>
+                                            <p:cond delay="0"/>
+                                          </p:stCondLst>
+                                        </p:cTn>
+                                        <p:tgtEl>
+                                          <p:spTgt spid="3">
+                                            <p:txEl>
+                                              <p:pRg st="5" end="5"/>
+                                            </p:txEl>
+                                          </p:spTgt>
+                                        </p:tgtEl>
+                                        <p:attrNameLst>
+                                          <p:attrName>style.visibility</p:attrName>
+                                        </p:attrNameLst>
+                                      </p:cBhvr>
+                                      <p:to>
+                                        <p:strVal val="visible"/>
+                                      </p:to>
+                                    </p:set>
+                                  </p:childTnLst>
+                                </p:cTn>
+                              </p:par>
+                            </p:childTnLst>
+                          </p:cTn>
+                        </p:par>
+                      </p:childTnLst>
+                    </p:cTn>
+                  </p:par>
+                  <p:par>
+                    <p:cTn id="29" fill="hold">
+                      <p:stCondLst>
+                        <p:cond delay="indefinite"/>
+                      </p:stCondLst>
+                      <p:childTnLst>
+                        <p:par>
+                          <p:cTn id="30" fill="hold">
+                            <p:stCondLst>
+                              <p:cond delay="0"/>
+                            </p:stCondLst>
+                            <p:childTnLst>
+                              <p:par>
+                                <p:cTn id="31" presetID="1" presetClass="entr" presetSubtype="0" fill="hold" nodeType="clickEffect">
+                                  <p:stCondLst>
+                                    <p:cond delay="0"/>
+                                  </p:stCondLst>
+                                  <p:childTnLst>
+                                    <p:set>
+                                      <p:cBhvr>
+                                        <p:cTn id="32" dur="1" fill="hold">
+                                          <p:stCondLst>
+                                            <p:cond delay="0"/>
+                                          </p:stCondLst>
+                                        </p:cTn>
+                                        <p:tgtEl>
+                                          <p:spTgt spid="3">
+                                            <p:txEl>
+                                              <p:pRg st="6" end="6"/>
+                                            </p:txEl>
+                                          </p:spTgt>
+                                        </p:tgtEl>
+                                        <p:attrNameLst>
+                                          <p:attrName>style.visibility</p:attrName>
+                                        </p:attrNameLst>
+                                      </p:cBhvr>
+                                      <p:to>
+                                        <p:strVal val="visible"/>
+                                      </p:to>
+                                    </p:set>
+                                  </p:childTnLst>
+                                </p:cTn>
+                              </p:par>
+                              <p:par>
+                                <p:cTn id="33" presetID="1" presetClass="entr" presetSubtype="0" fill="hold" nodeType="withEffect">
+                                  <p:stCondLst>
+                                    <p:cond delay="0"/>
+                                  </p:stCondLst>
+                                  <p:childTnLst>
+                                    <p:set>
+                                      <p:cBhvr>
+                                        <p:cTn id="34" dur="1" fill="hold">
+                                          <p:stCondLst>
+                                            <p:cond delay="0"/>
+                                          </p:stCondLst>
+                                        </p:cTn>
+                                        <p:tgtEl>
+                                          <p:spTgt spid="3">
+                                            <p:txEl>
+                                              <p:pRg st="7" end="7"/>
+                                            </p:txEl>
+                                          </p:spTgt>
+                                        </p:tgtEl>
+                                        <p:attrNameLst>
+                                          <p:attrName>style.visibility</p:attrName>
+                                        </p:attrNameLst>
+                                      </p:cBhvr>
+                                      <p:to>
+                                        <p:strVal val="visible"/>
+                                      </p:to>
+                                    </p:set>
+                                  </p:childTnLst>
+                                </p:cTn>
+                              </p:par>
+                              <p:par>
+                                <p:cTn id="35" presetID="1" presetClass="entr" presetSubtype="0" fill="hold" nodeType="withEffect">
+                                  <p:stCondLst>
+                                    <p:cond delay="0"/>
+                                  </p:stCondLst>
+                                  <p:childTnLst>
+                                    <p:set>
+                                      <p:cBhvr>
+                                        <p:cTn id="36" dur="1" fill="hold">
+                                          <p:stCondLst>
+                                            <p:cond delay="0"/>
+                                          </p:stCondLst>
+                                        </p:cTn>
+                                        <p:tgtEl>
+                                          <p:spTgt spid="3">
+                                            <p:txEl>
+                                              <p:pRg st="8" end="8"/>
+                                            </p:txEl>
+                                          </p:spTgt>
+                                        </p:tgtEl>
+                                        <p:attrNameLst>
+                                          <p:attrName>style.visibility</p:attrName>
+                                        </p:attrNameLst>
+                                      </p:cBhvr>
+                                      <p:to>
+                                        <p:strVal val="visible"/>
+                                      </p:to>
+                                    </p:set>
                                   </p:childTnLst>
                                 </p:cTn>
                               </p:par>
@@ -6695,7 +7210,7 @@
                   <a:srgbClr val="FFFFFF"/>
                 </a:solidFill>
               </a:rPr>
-              <a:t>Gherkin</a:t>
+              <a:t>BDD</a:t>
             </a:r>
           </a:p>
         </p:txBody>
@@ -6779,55 +7294,963 @@
         </p:nvSpPr>
         <p:spPr>
           <a:xfrm>
+            <a:off x="4447308" y="787400"/>
+            <a:ext cx="6906491" cy="5389563"/>
+          </a:xfrm>
+        </p:spPr>
+        <p:txBody>
+          <a:bodyPr anchor="ctr">
+            <a:normAutofit/>
+          </a:bodyPr>
+          <a:lstStyle/>
+          <a:p>
+            <a:r>
+              <a:rPr lang="en-US" dirty="0"/>
+              <a:t>Tries to do TDD, but better</a:t>
+            </a:r>
+          </a:p>
+          <a:p>
+            <a:pPr lvl="1"/>
+            <a:r>
+              <a:rPr lang="en-US" dirty="0"/>
+              <a:t>Not TDD’s fault</a:t>
+            </a:r>
+          </a:p>
+          <a:p>
+            <a:pPr lvl="1"/>
+            <a:r>
+              <a:rPr lang="en-US" dirty="0"/>
+              <a:t>Avoid misunderstandings of adopting TDD</a:t>
+            </a:r>
+          </a:p>
+          <a:p>
+            <a:pPr lvl="1"/>
+            <a:r>
+              <a:rPr lang="en-US" dirty="0"/>
+              <a:t>Move focus to behaviors instead of tests</a:t>
+            </a:r>
+          </a:p>
+          <a:p>
+            <a:pPr lvl="1"/>
+            <a:r>
+              <a:rPr lang="en-US" dirty="0"/>
+              <a:t>Avoid complex slow and tightly coupled tests</a:t>
+            </a:r>
+          </a:p>
+          <a:p>
+            <a:pPr lvl="1"/>
+            <a:r>
+              <a:rPr lang="en-US" dirty="0"/>
+              <a:t>Start from end user perspective</a:t>
+            </a:r>
+          </a:p>
+          <a:p>
+            <a:pPr lvl="1"/>
+            <a:r>
+              <a:rPr lang="en-US" dirty="0"/>
+              <a:t>Get business and technical teams on the same page</a:t>
+            </a:r>
+          </a:p>
+          <a:p>
+            <a:pPr lvl="2"/>
+            <a:r>
+              <a:rPr lang="en-US" dirty="0"/>
+              <a:t>Three Amigos</a:t>
+            </a:r>
+          </a:p>
+        </p:txBody>
+      </p:sp>
+    </p:spTree>
+    <p:extLst>
+      <p:ext uri="{BB962C8B-B14F-4D97-AF65-F5344CB8AC3E}">
+        <p14:creationId xmlns:p14="http://schemas.microsoft.com/office/powerpoint/2010/main" val="828508002"/>
+      </p:ext>
+    </p:extLst>
+  </p:cSld>
+  <p:clrMapOvr>
+    <a:masterClrMapping/>
+  </p:clrMapOvr>
+  <p:timing>
+    <p:tnLst>
+      <p:par>
+        <p:cTn id="1" dur="indefinite" restart="never" nodeType="tmRoot">
+          <p:childTnLst>
+            <p:seq concurrent="1" nextAc="seek">
+              <p:cTn id="2" dur="indefinite" nodeType="mainSeq">
+                <p:childTnLst>
+                  <p:par>
+                    <p:cTn id="3" fill="hold">
+                      <p:stCondLst>
+                        <p:cond delay="indefinite"/>
+                      </p:stCondLst>
+                      <p:childTnLst>
+                        <p:par>
+                          <p:cTn id="4" fill="hold">
+                            <p:stCondLst>
+                              <p:cond delay="0"/>
+                            </p:stCondLst>
+                            <p:childTnLst>
+                              <p:par>
+                                <p:cTn id="5" presetID="2" presetClass="entr" presetSubtype="8" fill="hold" grpId="0" nodeType="clickEffect">
+                                  <p:stCondLst>
+                                    <p:cond delay="0"/>
+                                  </p:stCondLst>
+                                  <p:childTnLst>
+                                    <p:set>
+                                      <p:cBhvr>
+                                        <p:cTn id="6" dur="1" fill="hold">
+                                          <p:stCondLst>
+                                            <p:cond delay="0"/>
+                                          </p:stCondLst>
+                                        </p:cTn>
+                                        <p:tgtEl>
+                                          <p:spTgt spid="10"/>
+                                        </p:tgtEl>
+                                        <p:attrNameLst>
+                                          <p:attrName>style.visibility</p:attrName>
+                                        </p:attrNameLst>
+                                      </p:cBhvr>
+                                      <p:to>
+                                        <p:strVal val="visible"/>
+                                      </p:to>
+                                    </p:set>
+                                    <p:anim calcmode="lin" valueType="num">
+                                      <p:cBhvr additive="base">
+                                        <p:cTn id="7" dur="3500" fill="hold"/>
+                                        <p:tgtEl>
+                                          <p:spTgt spid="10"/>
+                                        </p:tgtEl>
+                                        <p:attrNameLst>
+                                          <p:attrName>ppt_x</p:attrName>
+                                        </p:attrNameLst>
+                                      </p:cBhvr>
+                                      <p:tavLst>
+                                        <p:tav tm="0">
+                                          <p:val>
+                                            <p:strVal val="0-#ppt_w/2"/>
+                                          </p:val>
+                                        </p:tav>
+                                        <p:tav tm="100000">
+                                          <p:val>
+                                            <p:strVal val="#ppt_x"/>
+                                          </p:val>
+                                        </p:tav>
+                                      </p:tavLst>
+                                    </p:anim>
+                                    <p:anim calcmode="lin" valueType="num">
+                                      <p:cBhvr additive="base">
+                                        <p:cTn id="8" dur="3500" fill="hold"/>
+                                        <p:tgtEl>
+                                          <p:spTgt spid="10"/>
+                                        </p:tgtEl>
+                                        <p:attrNameLst>
+                                          <p:attrName>ppt_y</p:attrName>
+                                        </p:attrNameLst>
+                                      </p:cBhvr>
+                                      <p:tavLst>
+                                        <p:tav tm="0">
+                                          <p:val>
+                                            <p:strVal val="#ppt_y"/>
+                                          </p:val>
+                                        </p:tav>
+                                        <p:tav tm="100000">
+                                          <p:val>
+                                            <p:strVal val="#ppt_y"/>
+                                          </p:val>
+                                        </p:tav>
+                                      </p:tavLst>
+                                    </p:anim>
+                                  </p:childTnLst>
+                                </p:cTn>
+                              </p:par>
+                            </p:childTnLst>
+                          </p:cTn>
+                        </p:par>
+                      </p:childTnLst>
+                    </p:cTn>
+                  </p:par>
+                  <p:par>
+                    <p:cTn id="9" fill="hold">
+                      <p:stCondLst>
+                        <p:cond delay="indefinite"/>
+                      </p:stCondLst>
+                      <p:childTnLst>
+                        <p:par>
+                          <p:cTn id="10" fill="hold">
+                            <p:stCondLst>
+                              <p:cond delay="0"/>
+                            </p:stCondLst>
+                            <p:childTnLst>
+                              <p:par>
+                                <p:cTn id="11" presetID="1" presetClass="entr" presetSubtype="0" fill="hold" nodeType="clickEffect">
+                                  <p:stCondLst>
+                                    <p:cond delay="0"/>
+                                  </p:stCondLst>
+                                  <p:childTnLst>
+                                    <p:set>
+                                      <p:cBhvr>
+                                        <p:cTn id="12" dur="1" fill="hold">
+                                          <p:stCondLst>
+                                            <p:cond delay="0"/>
+                                          </p:stCondLst>
+                                        </p:cTn>
+                                        <p:tgtEl>
+                                          <p:spTgt spid="3">
+                                            <p:txEl>
+                                              <p:pRg st="0" end="0"/>
+                                            </p:txEl>
+                                          </p:spTgt>
+                                        </p:tgtEl>
+                                        <p:attrNameLst>
+                                          <p:attrName>style.visibility</p:attrName>
+                                        </p:attrNameLst>
+                                      </p:cBhvr>
+                                      <p:to>
+                                        <p:strVal val="visible"/>
+                                      </p:to>
+                                    </p:set>
+                                  </p:childTnLst>
+                                </p:cTn>
+                              </p:par>
+                            </p:childTnLst>
+                          </p:cTn>
+                        </p:par>
+                      </p:childTnLst>
+                    </p:cTn>
+                  </p:par>
+                  <p:par>
+                    <p:cTn id="13" fill="hold">
+                      <p:stCondLst>
+                        <p:cond delay="indefinite"/>
+                      </p:stCondLst>
+                      <p:childTnLst>
+                        <p:par>
+                          <p:cTn id="14" fill="hold">
+                            <p:stCondLst>
+                              <p:cond delay="0"/>
+                            </p:stCondLst>
+                            <p:childTnLst>
+                              <p:par>
+                                <p:cTn id="15" presetID="1" presetClass="entr" presetSubtype="0" fill="hold" nodeType="clickEffect">
+                                  <p:stCondLst>
+                                    <p:cond delay="0"/>
+                                  </p:stCondLst>
+                                  <p:childTnLst>
+                                    <p:set>
+                                      <p:cBhvr>
+                                        <p:cTn id="16" dur="1" fill="hold">
+                                          <p:stCondLst>
+                                            <p:cond delay="0"/>
+                                          </p:stCondLst>
+                                        </p:cTn>
+                                        <p:tgtEl>
+                                          <p:spTgt spid="3">
+                                            <p:txEl>
+                                              <p:pRg st="1" end="1"/>
+                                            </p:txEl>
+                                          </p:spTgt>
+                                        </p:tgtEl>
+                                        <p:attrNameLst>
+                                          <p:attrName>style.visibility</p:attrName>
+                                        </p:attrNameLst>
+                                      </p:cBhvr>
+                                      <p:to>
+                                        <p:strVal val="visible"/>
+                                      </p:to>
+                                    </p:set>
+                                  </p:childTnLst>
+                                </p:cTn>
+                              </p:par>
+                            </p:childTnLst>
+                          </p:cTn>
+                        </p:par>
+                      </p:childTnLst>
+                    </p:cTn>
+                  </p:par>
+                  <p:par>
+                    <p:cTn id="17" fill="hold">
+                      <p:stCondLst>
+                        <p:cond delay="indefinite"/>
+                      </p:stCondLst>
+                      <p:childTnLst>
+                        <p:par>
+                          <p:cTn id="18" fill="hold">
+                            <p:stCondLst>
+                              <p:cond delay="0"/>
+                            </p:stCondLst>
+                            <p:childTnLst>
+                              <p:par>
+                                <p:cTn id="19" presetID="1" presetClass="entr" presetSubtype="0" fill="hold" nodeType="clickEffect">
+                                  <p:stCondLst>
+                                    <p:cond delay="0"/>
+                                  </p:stCondLst>
+                                  <p:childTnLst>
+                                    <p:set>
+                                      <p:cBhvr>
+                                        <p:cTn id="20" dur="1" fill="hold">
+                                          <p:stCondLst>
+                                            <p:cond delay="0"/>
+                                          </p:stCondLst>
+                                        </p:cTn>
+                                        <p:tgtEl>
+                                          <p:spTgt spid="3">
+                                            <p:txEl>
+                                              <p:pRg st="2" end="2"/>
+                                            </p:txEl>
+                                          </p:spTgt>
+                                        </p:tgtEl>
+                                        <p:attrNameLst>
+                                          <p:attrName>style.visibility</p:attrName>
+                                        </p:attrNameLst>
+                                      </p:cBhvr>
+                                      <p:to>
+                                        <p:strVal val="visible"/>
+                                      </p:to>
+                                    </p:set>
+                                  </p:childTnLst>
+                                </p:cTn>
+                              </p:par>
+                            </p:childTnLst>
+                          </p:cTn>
+                        </p:par>
+                      </p:childTnLst>
+                    </p:cTn>
+                  </p:par>
+                  <p:par>
+                    <p:cTn id="21" fill="hold">
+                      <p:stCondLst>
+                        <p:cond delay="indefinite"/>
+                      </p:stCondLst>
+                      <p:childTnLst>
+                        <p:par>
+                          <p:cTn id="22" fill="hold">
+                            <p:stCondLst>
+                              <p:cond delay="0"/>
+                            </p:stCondLst>
+                            <p:childTnLst>
+                              <p:par>
+                                <p:cTn id="23" presetID="1" presetClass="entr" presetSubtype="0" fill="hold" nodeType="clickEffect">
+                                  <p:stCondLst>
+                                    <p:cond delay="0"/>
+                                  </p:stCondLst>
+                                  <p:childTnLst>
+                                    <p:set>
+                                      <p:cBhvr>
+                                        <p:cTn id="24" dur="1" fill="hold">
+                                          <p:stCondLst>
+                                            <p:cond delay="0"/>
+                                          </p:stCondLst>
+                                        </p:cTn>
+                                        <p:tgtEl>
+                                          <p:spTgt spid="3">
+                                            <p:txEl>
+                                              <p:pRg st="3" end="3"/>
+                                            </p:txEl>
+                                          </p:spTgt>
+                                        </p:tgtEl>
+                                        <p:attrNameLst>
+                                          <p:attrName>style.visibility</p:attrName>
+                                        </p:attrNameLst>
+                                      </p:cBhvr>
+                                      <p:to>
+                                        <p:strVal val="visible"/>
+                                      </p:to>
+                                    </p:set>
+                                  </p:childTnLst>
+                                </p:cTn>
+                              </p:par>
+                            </p:childTnLst>
+                          </p:cTn>
+                        </p:par>
+                      </p:childTnLst>
+                    </p:cTn>
+                  </p:par>
+                  <p:par>
+                    <p:cTn id="25" fill="hold">
+                      <p:stCondLst>
+                        <p:cond delay="indefinite"/>
+                      </p:stCondLst>
+                      <p:childTnLst>
+                        <p:par>
+                          <p:cTn id="26" fill="hold">
+                            <p:stCondLst>
+                              <p:cond delay="0"/>
+                            </p:stCondLst>
+                            <p:childTnLst>
+                              <p:par>
+                                <p:cTn id="27" presetID="1" presetClass="entr" presetSubtype="0" fill="hold" nodeType="clickEffect">
+                                  <p:stCondLst>
+                                    <p:cond delay="0"/>
+                                  </p:stCondLst>
+                                  <p:childTnLst>
+                                    <p:set>
+                                      <p:cBhvr>
+                                        <p:cTn id="28" dur="1" fill="hold">
+                                          <p:stCondLst>
+                                            <p:cond delay="0"/>
+                                          </p:stCondLst>
+                                        </p:cTn>
+                                        <p:tgtEl>
+                                          <p:spTgt spid="3">
+                                            <p:txEl>
+                                              <p:pRg st="4" end="4"/>
+                                            </p:txEl>
+                                          </p:spTgt>
+                                        </p:tgtEl>
+                                        <p:attrNameLst>
+                                          <p:attrName>style.visibility</p:attrName>
+                                        </p:attrNameLst>
+                                      </p:cBhvr>
+                                      <p:to>
+                                        <p:strVal val="visible"/>
+                                      </p:to>
+                                    </p:set>
+                                  </p:childTnLst>
+                                </p:cTn>
+                              </p:par>
+                            </p:childTnLst>
+                          </p:cTn>
+                        </p:par>
+                      </p:childTnLst>
+                    </p:cTn>
+                  </p:par>
+                  <p:par>
+                    <p:cTn id="29" fill="hold">
+                      <p:stCondLst>
+                        <p:cond delay="indefinite"/>
+                      </p:stCondLst>
+                      <p:childTnLst>
+                        <p:par>
+                          <p:cTn id="30" fill="hold">
+                            <p:stCondLst>
+                              <p:cond delay="0"/>
+                            </p:stCondLst>
+                            <p:childTnLst>
+                              <p:par>
+                                <p:cTn id="31" presetID="1" presetClass="entr" presetSubtype="0" fill="hold" nodeType="clickEffect">
+                                  <p:stCondLst>
+                                    <p:cond delay="0"/>
+                                  </p:stCondLst>
+                                  <p:childTnLst>
+                                    <p:set>
+                                      <p:cBhvr>
+                                        <p:cTn id="32" dur="1" fill="hold">
+                                          <p:stCondLst>
+                                            <p:cond delay="0"/>
+                                          </p:stCondLst>
+                                        </p:cTn>
+                                        <p:tgtEl>
+                                          <p:spTgt spid="3">
+                                            <p:txEl>
+                                              <p:pRg st="5" end="5"/>
+                                            </p:txEl>
+                                          </p:spTgt>
+                                        </p:tgtEl>
+                                        <p:attrNameLst>
+                                          <p:attrName>style.visibility</p:attrName>
+                                        </p:attrNameLst>
+                                      </p:cBhvr>
+                                      <p:to>
+                                        <p:strVal val="visible"/>
+                                      </p:to>
+                                    </p:set>
+                                  </p:childTnLst>
+                                </p:cTn>
+                              </p:par>
+                            </p:childTnLst>
+                          </p:cTn>
+                        </p:par>
+                      </p:childTnLst>
+                    </p:cTn>
+                  </p:par>
+                  <p:par>
+                    <p:cTn id="33" fill="hold">
+                      <p:stCondLst>
+                        <p:cond delay="indefinite"/>
+                      </p:stCondLst>
+                      <p:childTnLst>
+                        <p:par>
+                          <p:cTn id="34" fill="hold">
+                            <p:stCondLst>
+                              <p:cond delay="0"/>
+                            </p:stCondLst>
+                            <p:childTnLst>
+                              <p:par>
+                                <p:cTn id="35" presetID="1" presetClass="entr" presetSubtype="0" fill="hold" nodeType="clickEffect">
+                                  <p:stCondLst>
+                                    <p:cond delay="0"/>
+                                  </p:stCondLst>
+                                  <p:childTnLst>
+                                    <p:set>
+                                      <p:cBhvr>
+                                        <p:cTn id="36" dur="1" fill="hold">
+                                          <p:stCondLst>
+                                            <p:cond delay="0"/>
+                                          </p:stCondLst>
+                                        </p:cTn>
+                                        <p:tgtEl>
+                                          <p:spTgt spid="3">
+                                            <p:txEl>
+                                              <p:pRg st="6" end="6"/>
+                                            </p:txEl>
+                                          </p:spTgt>
+                                        </p:tgtEl>
+                                        <p:attrNameLst>
+                                          <p:attrName>style.visibility</p:attrName>
+                                        </p:attrNameLst>
+                                      </p:cBhvr>
+                                      <p:to>
+                                        <p:strVal val="visible"/>
+                                      </p:to>
+                                    </p:set>
+                                  </p:childTnLst>
+                                </p:cTn>
+                              </p:par>
+                              <p:par>
+                                <p:cTn id="37" presetID="1" presetClass="entr" presetSubtype="0" fill="hold" nodeType="withEffect">
+                                  <p:stCondLst>
+                                    <p:cond delay="0"/>
+                                  </p:stCondLst>
+                                  <p:childTnLst>
+                                    <p:set>
+                                      <p:cBhvr>
+                                        <p:cTn id="38" dur="1" fill="hold">
+                                          <p:stCondLst>
+                                            <p:cond delay="0"/>
+                                          </p:stCondLst>
+                                        </p:cTn>
+                                        <p:tgtEl>
+                                          <p:spTgt spid="3">
+                                            <p:txEl>
+                                              <p:pRg st="7" end="7"/>
+                                            </p:txEl>
+                                          </p:spTgt>
+                                        </p:tgtEl>
+                                        <p:attrNameLst>
+                                          <p:attrName>style.visibility</p:attrName>
+                                        </p:attrNameLst>
+                                      </p:cBhvr>
+                                      <p:to>
+                                        <p:strVal val="visible"/>
+                                      </p:to>
+                                    </p:set>
+                                  </p:childTnLst>
+                                </p:cTn>
+                              </p:par>
+                            </p:childTnLst>
+                          </p:cTn>
+                        </p:par>
+                      </p:childTnLst>
+                    </p:cTn>
+                  </p:par>
+                </p:childTnLst>
+              </p:cTn>
+              <p:prevCondLst>
+                <p:cond evt="onPrev" delay="0">
+                  <p:tgtEl>
+                    <p:sldTgt/>
+                  </p:tgtEl>
+                </p:cond>
+              </p:prevCondLst>
+              <p:nextCondLst>
+                <p:cond evt="onNext" delay="0">
+                  <p:tgtEl>
+                    <p:sldTgt/>
+                  </p:tgtEl>
+                </p:cond>
+              </p:nextCondLst>
+            </p:seq>
+          </p:childTnLst>
+        </p:cTn>
+      </p:par>
+    </p:tnLst>
+    <p:bldLst>
+      <p:bldP spid="10" grpId="0" animBg="1"/>
+    </p:bldLst>
+  </p:timing>
+</p:sld>
+</file>
+
+<file path=ppt/slides/slide12.xml><?xml version="1.0" encoding="utf-8"?>
+<p:sld xmlns:a="http://schemas.openxmlformats.org/drawingml/2006/main" xmlns:r="http://schemas.openxmlformats.org/officeDocument/2006/relationships" xmlns:p="http://schemas.openxmlformats.org/presentationml/2006/main">
+  <p:cSld>
+    <p:bg>
+      <p:bgPr>
+        <a:solidFill>
+          <a:schemeClr val="bg1"/>
+        </a:solidFill>
+        <a:effectLst/>
+      </p:bgPr>
+    </p:bg>
+    <p:spTree>
+      <p:nvGrpSpPr>
+        <p:cNvPr id="1" name=""/>
+        <p:cNvGrpSpPr/>
+        <p:nvPr/>
+      </p:nvGrpSpPr>
+      <p:grpSpPr>
+        <a:xfrm>
+          <a:off x="0" y="0"/>
+          <a:ext cx="0" cy="0"/>
+          <a:chOff x="0" y="0"/>
+          <a:chExt cx="0" cy="0"/>
+        </a:xfrm>
+      </p:grpSpPr>
+      <p:sp useBgFill="1">
+        <p:nvSpPr>
+          <p:cNvPr id="8" name="Rectangle 7">
+            <a:extLst>
+              <a:ext uri="{FF2B5EF4-FFF2-40B4-BE49-F238E27FC236}">
+                <a16:creationId xmlns:a16="http://schemas.microsoft.com/office/drawing/2014/main" id="{907EF6B7-1338-4443-8C46-6A318D952DFD}"/>
+              </a:ext>
+              <a:ext uri="{C183D7F6-B498-43B3-948B-1728B52AA6E4}">
+                <adec:decorative xmlns:adec="http://schemas.microsoft.com/office/drawing/2017/decorative" val="1"/>
+              </a:ext>
+            </a:extLst>
+          </p:cNvPr>
+          <p:cNvSpPr>
+            <a:spLocks noGrp="1" noRot="1" noChangeAspect="1" noMove="1" noResize="1" noEditPoints="1" noAdjustHandles="1" noChangeArrowheads="1" noChangeShapeType="1" noTextEdit="1"/>
+          </p:cNvSpPr>
+          <p:nvPr>
+            <p:extLst>
+              <p:ext uri="{386F3935-93C4-4BCD-93E2-E3B085C9AB24}">
+                <p16:designElem xmlns:p16="http://schemas.microsoft.com/office/powerpoint/2015/main" val="1"/>
+              </p:ext>
+            </p:extLst>
+          </p:nvPr>
+        </p:nvSpPr>
+        <p:spPr>
+          <a:xfrm>
+            <a:off x="3048" y="0"/>
+            <a:ext cx="12188952" cy="6858000"/>
+          </a:xfrm>
+          <a:prstGeom prst="rect">
+            <a:avLst/>
+          </a:prstGeom>
+          <a:ln>
+            <a:noFill/>
+          </a:ln>
+        </p:spPr>
+        <p:style>
+          <a:lnRef idx="2">
+            <a:schemeClr val="accent1">
+              <a:shade val="50000"/>
+            </a:schemeClr>
+          </a:lnRef>
+          <a:fillRef idx="1">
+            <a:schemeClr val="accent1"/>
+          </a:fillRef>
+          <a:effectRef idx="0">
+            <a:schemeClr val="accent1"/>
+          </a:effectRef>
+          <a:fontRef idx="minor">
+            <a:schemeClr val="lt1"/>
+          </a:fontRef>
+        </p:style>
+        <p:txBody>
+          <a:bodyPr rtlCol="0" anchor="ctr"/>
+          <a:lstStyle/>
+          <a:p>
+            <a:pPr algn="ctr"/>
+            <a:endParaRPr lang="en-US" dirty="0"/>
+          </a:p>
+        </p:txBody>
+      </p:sp>
+      <p:sp>
+        <p:nvSpPr>
+          <p:cNvPr id="10" name="Freeform: Shape 9">
+            <a:extLst>
+              <a:ext uri="{FF2B5EF4-FFF2-40B4-BE49-F238E27FC236}">
+                <a16:creationId xmlns:a16="http://schemas.microsoft.com/office/drawing/2014/main" id="{DAAE4CDD-124C-4DCF-9584-B6033B545DD5}"/>
+              </a:ext>
+              <a:ext uri="{C183D7F6-B498-43B3-948B-1728B52AA6E4}">
+                <adec:decorative xmlns:adec="http://schemas.microsoft.com/office/drawing/2017/decorative" val="1"/>
+              </a:ext>
+            </a:extLst>
+          </p:cNvPr>
+          <p:cNvSpPr>
+            <a:spLocks noChangeAspect="1"/>
+          </p:cNvSpPr>
+          <p:nvPr>
+            <p:extLst>
+              <p:ext uri="{386F3935-93C4-4BCD-93E2-E3B085C9AB24}">
+                <p16:designElem xmlns:p16="http://schemas.microsoft.com/office/powerpoint/2015/main" val="1"/>
+              </p:ext>
+            </p:extLst>
+          </p:nvPr>
+        </p:nvSpPr>
+        <p:spPr>
+          <a:xfrm>
+            <a:off x="1" y="0"/>
+            <a:ext cx="4167271" cy="6858000"/>
+          </a:xfrm>
+          <a:custGeom>
+            <a:avLst/>
+            <a:gdLst>
+              <a:gd name="connsiteX0" fmla="*/ 0 w 4167271"/>
+              <a:gd name="connsiteY0" fmla="*/ 0 h 6858000"/>
+              <a:gd name="connsiteX1" fmla="*/ 2259550 w 4167271"/>
+              <a:gd name="connsiteY1" fmla="*/ 0 h 6858000"/>
+              <a:gd name="connsiteX2" fmla="*/ 2387803 w 4167271"/>
+              <a:gd name="connsiteY2" fmla="*/ 82222 h 6858000"/>
+              <a:gd name="connsiteX3" fmla="*/ 4167271 w 4167271"/>
+              <a:gd name="connsiteY3" fmla="*/ 3429000 h 6858000"/>
+              <a:gd name="connsiteX4" fmla="*/ 2387803 w 4167271"/>
+              <a:gd name="connsiteY4" fmla="*/ 6775779 h 6858000"/>
+              <a:gd name="connsiteX5" fmla="*/ 2259550 w 4167271"/>
+              <a:gd name="connsiteY5" fmla="*/ 6858000 h 6858000"/>
+              <a:gd name="connsiteX6" fmla="*/ 0 w 4167271"/>
+              <a:gd name="connsiteY6" fmla="*/ 6858000 h 6858000"/>
+            </a:gdLst>
+            <a:ahLst/>
+            <a:cxnLst>
+              <a:cxn ang="0">
+                <a:pos x="connsiteX0" y="connsiteY0"/>
+              </a:cxn>
+              <a:cxn ang="0">
+                <a:pos x="connsiteX1" y="connsiteY1"/>
+              </a:cxn>
+              <a:cxn ang="0">
+                <a:pos x="connsiteX2" y="connsiteY2"/>
+              </a:cxn>
+              <a:cxn ang="0">
+                <a:pos x="connsiteX3" y="connsiteY3"/>
+              </a:cxn>
+              <a:cxn ang="0">
+                <a:pos x="connsiteX4" y="connsiteY4"/>
+              </a:cxn>
+              <a:cxn ang="0">
+                <a:pos x="connsiteX5" y="connsiteY5"/>
+              </a:cxn>
+              <a:cxn ang="0">
+                <a:pos x="connsiteX6" y="connsiteY6"/>
+              </a:cxn>
+            </a:cxnLst>
+            <a:rect l="l" t="t" r="r" b="b"/>
+            <a:pathLst>
+              <a:path w="4167271" h="6858000">
+                <a:moveTo>
+                  <a:pt x="0" y="0"/>
+                </a:moveTo>
+                <a:lnTo>
+                  <a:pt x="2259550" y="0"/>
+                </a:lnTo>
+                <a:lnTo>
+                  <a:pt x="2387803" y="82222"/>
+                </a:lnTo>
+                <a:cubicBezTo>
+                  <a:pt x="3461407" y="807534"/>
+                  <a:pt x="4167271" y="2035835"/>
+                  <a:pt x="4167271" y="3429000"/>
+                </a:cubicBezTo>
+                <a:cubicBezTo>
+                  <a:pt x="4167271" y="4822165"/>
+                  <a:pt x="3461407" y="6050467"/>
+                  <a:pt x="2387803" y="6775779"/>
+                </a:cubicBezTo>
+                <a:lnTo>
+                  <a:pt x="2259550" y="6858000"/>
+                </a:lnTo>
+                <a:lnTo>
+                  <a:pt x="0" y="6858000"/>
+                </a:lnTo>
+                <a:close/>
+              </a:path>
+            </a:pathLst>
+          </a:custGeom>
+          <a:gradFill flip="none" rotWithShape="1">
+            <a:gsLst>
+              <a:gs pos="0">
+                <a:schemeClr val="accent2">
+                  <a:lumMod val="67000"/>
+                </a:schemeClr>
+              </a:gs>
+              <a:gs pos="48000">
+                <a:schemeClr val="accent2">
+                  <a:lumMod val="97000"/>
+                  <a:lumOff val="3000"/>
+                </a:schemeClr>
+              </a:gs>
+              <a:gs pos="100000">
+                <a:schemeClr val="accent2">
+                  <a:lumMod val="60000"/>
+                  <a:lumOff val="40000"/>
+                </a:schemeClr>
+              </a:gs>
+            </a:gsLst>
+            <a:lin ang="16200000" scaled="1"/>
+            <a:tileRect/>
+          </a:gradFill>
+          <a:ln>
+            <a:noFill/>
+          </a:ln>
+        </p:spPr>
+        <p:style>
+          <a:lnRef idx="0">
+            <a:scrgbClr r="0" g="0" b="0"/>
+          </a:lnRef>
+          <a:fillRef idx="0">
+            <a:scrgbClr r="0" g="0" b="0"/>
+          </a:fillRef>
+          <a:effectRef idx="0">
+            <a:scrgbClr r="0" g="0" b="0"/>
+          </a:effectRef>
+          <a:fontRef idx="minor">
+            <a:schemeClr val="lt1"/>
+          </a:fontRef>
+        </p:style>
+        <p:txBody>
+          <a:bodyPr rtlCol="0" anchor="ctr"/>
+          <a:lstStyle/>
+          <a:p>
+            <a:pPr algn="ctr"/>
+            <a:endParaRPr lang="en-US" dirty="0"/>
+          </a:p>
+        </p:txBody>
+      </p:sp>
+      <p:sp>
+        <p:nvSpPr>
+          <p:cNvPr id="2" name="Title 1">
+            <a:extLst>
+              <a:ext uri="{FF2B5EF4-FFF2-40B4-BE49-F238E27FC236}">
+                <a16:creationId xmlns:a16="http://schemas.microsoft.com/office/drawing/2014/main" id="{604CD088-9924-FDF8-32EA-64AD14C5DE41}"/>
+              </a:ext>
+            </a:extLst>
+          </p:cNvPr>
+          <p:cNvSpPr>
+            <a:spLocks noGrp="1"/>
+          </p:cNvSpPr>
+          <p:nvPr>
+            <p:ph type="title"/>
+          </p:nvPr>
+        </p:nvSpPr>
+        <p:spPr>
+          <a:xfrm>
+            <a:off x="686834" y="1153572"/>
+            <a:ext cx="3200400" cy="4461163"/>
+          </a:xfrm>
+        </p:spPr>
+        <p:txBody>
+          <a:bodyPr>
+            <a:normAutofit/>
+          </a:bodyPr>
+          <a:lstStyle/>
+          <a:p>
+            <a:r>
+              <a:rPr lang="en-US" dirty="0">
+                <a:solidFill>
+                  <a:srgbClr val="FFFFFF"/>
+                </a:solidFill>
+              </a:rPr>
+              <a:t>Gherkin</a:t>
+            </a:r>
+          </a:p>
+        </p:txBody>
+      </p:sp>
+      <p:sp>
+        <p:nvSpPr>
+          <p:cNvPr id="12" name="Arc 11">
+            <a:extLst>
+              <a:ext uri="{FF2B5EF4-FFF2-40B4-BE49-F238E27FC236}">
+                <a16:creationId xmlns:a16="http://schemas.microsoft.com/office/drawing/2014/main" id="{081E4A58-353D-44AE-B2FC-2A74E2E400F7}"/>
+              </a:ext>
+              <a:ext uri="{C183D7F6-B498-43B3-948B-1728B52AA6E4}">
+                <adec:decorative xmlns:adec="http://schemas.microsoft.com/office/drawing/2017/decorative" val="1"/>
+              </a:ext>
+            </a:extLst>
+          </p:cNvPr>
+          <p:cNvSpPr>
+            <a:spLocks noGrp="1" noRot="1" noChangeAspect="1" noMove="1" noResize="1" noEditPoints="1" noAdjustHandles="1" noChangeArrowheads="1" noChangeShapeType="1" noTextEdit="1"/>
+          </p:cNvSpPr>
+          <p:nvPr>
+            <p:extLst>
+              <p:ext uri="{386F3935-93C4-4BCD-93E2-E3B085C9AB24}">
+                <p16:designElem xmlns:p16="http://schemas.microsoft.com/office/powerpoint/2015/main" val="1"/>
+              </p:ext>
+            </p:extLst>
+          </p:nvPr>
+        </p:nvSpPr>
+        <p:spPr>
+          <a:xfrm flipV="1">
+            <a:off x="7550402" y="2455479"/>
+            <a:ext cx="4083433" cy="4083433"/>
+          </a:xfrm>
+          <a:prstGeom prst="arc">
+            <a:avLst/>
+          </a:prstGeom>
+          <a:ln w="127000" cap="rnd">
+            <a:solidFill>
+              <a:schemeClr val="accent4"/>
+            </a:solidFill>
+            <a:prstDash val="dash"/>
+          </a:ln>
+        </p:spPr>
+        <p:style>
+          <a:lnRef idx="1">
+            <a:schemeClr val="accent1"/>
+          </a:lnRef>
+          <a:fillRef idx="0">
+            <a:schemeClr val="accent1"/>
+          </a:fillRef>
+          <a:effectRef idx="0">
+            <a:schemeClr val="accent1"/>
+          </a:effectRef>
+          <a:fontRef idx="minor">
+            <a:schemeClr val="tx1"/>
+          </a:fontRef>
+        </p:style>
+        <p:txBody>
+          <a:bodyPr rtlCol="0" anchor="ctr"/>
+          <a:lstStyle/>
+          <a:p>
+            <a:pPr algn="ctr"/>
+            <a:endParaRPr lang="en-US" dirty="0"/>
+          </a:p>
+        </p:txBody>
+      </p:sp>
+      <p:sp>
+        <p:nvSpPr>
+          <p:cNvPr id="3" name="Content Placeholder 2">
+            <a:extLst>
+              <a:ext uri="{FF2B5EF4-FFF2-40B4-BE49-F238E27FC236}">
+                <a16:creationId xmlns:a16="http://schemas.microsoft.com/office/drawing/2014/main" id="{506ECF03-3832-CE61-45EB-6C148D597A92}"/>
+              </a:ext>
+            </a:extLst>
+          </p:cNvPr>
+          <p:cNvSpPr>
+            <a:spLocks noGrp="1"/>
+          </p:cNvSpPr>
+          <p:nvPr>
+            <p:ph idx="1"/>
+          </p:nvPr>
+        </p:nvSpPr>
+        <p:spPr>
+          <a:xfrm>
             <a:off x="4167272" y="787400"/>
             <a:ext cx="7945215" cy="5389563"/>
           </a:xfrm>
         </p:spPr>
         <p:txBody>
           <a:bodyPr anchor="ctr">
-            <a:normAutofit/>
+            <a:normAutofit fontScale="92500"/>
           </a:bodyPr>
           <a:lstStyle/>
           <a:p>
             <a:r>
               <a:rPr lang="en-US" dirty="0"/>
-              <a:t>Way of writing test cases in natural language (SHARED UNDERSTANDING)</a:t>
-            </a:r>
-          </a:p>
-          <a:p>
-            <a:pPr lvl="1"/>
-            <a:r>
-              <a:rPr lang="en-US" b="0" i="0" dirty="0">
-                <a:solidFill>
-                  <a:srgbClr val="111111"/>
-                </a:solidFill>
-                <a:effectLst/>
-                <a:latin typeface="-apple-system"/>
-              </a:rPr>
-              <a:t>Feature – unique attribute</a:t>
-            </a:r>
-          </a:p>
-          <a:p>
-            <a:pPr lvl="2"/>
-            <a:r>
-              <a:rPr lang="en-US" dirty="0">
-                <a:solidFill>
-                  <a:srgbClr val="111111"/>
-                </a:solidFill>
-                <a:latin typeface="-apple-system"/>
-              </a:rPr>
-              <a:t>Markdown</a:t>
-            </a:r>
-            <a:endParaRPr lang="en-US" b="0" i="0" dirty="0">
-              <a:solidFill>
-                <a:srgbClr val="111111"/>
-              </a:solidFill>
-              <a:effectLst/>
-              <a:latin typeface="-apple-system"/>
-            </a:endParaRPr>
-          </a:p>
-          <a:p>
-            <a:pPr lvl="1"/>
+              <a:t>Way of writing test cases in natural language </a:t>
+            </a:r>
+          </a:p>
+          <a:p>
+            <a:pPr marL="457200" lvl="1" indent="0">
+              <a:buNone/>
+            </a:pPr>
+            <a:r>
+              <a:rPr lang="en-US" dirty="0"/>
+              <a:t>(SHARED UNDERSTANDING) </a:t>
+            </a:r>
+          </a:p>
+          <a:p>
             <a:r>
               <a:rPr lang="en-US" b="0" i="0" dirty="0">
                 <a:solidFill>
@@ -6840,7 +8263,6 @@
             </a:r>
           </a:p>
           <a:p>
-            <a:pPr lvl="1"/>
             <a:r>
               <a:rPr lang="en-US" b="0" i="0" dirty="0">
                 <a:solidFill>
@@ -6853,7 +8275,7 @@
             </a:r>
           </a:p>
           <a:p>
-            <a:pPr lvl="2"/>
+            <a:pPr lvl="1"/>
             <a:r>
               <a:rPr lang="en-US" dirty="0">
                 <a:solidFill>
@@ -6865,7 +8287,6 @@
             </a:r>
           </a:p>
           <a:p>
-            <a:pPr lvl="2"/>
             <a:r>
               <a:rPr lang="en-US" dirty="0">
                 <a:solidFill>
@@ -6875,10 +8296,8 @@
               </a:rPr>
               <a:t>Tables</a:t>
             </a:r>
-            <a:endParaRPr lang="en-US" dirty="0"/>
-          </a:p>
-          <a:p>
-            <a:pPr lvl="1"/>
+          </a:p>
+          <a:p>
             <a:r>
               <a:rPr lang="en-US" b="0" i="0" dirty="0">
                 <a:solidFill>
@@ -6889,15 +8308,31 @@
               </a:rPr>
               <a:t>And, But, * - successive Given When Then</a:t>
             </a:r>
-            <a:endParaRPr lang="en-US" dirty="0">
-              <a:solidFill>
-                <a:srgbClr val="111111"/>
-              </a:solidFill>
-              <a:latin typeface="-apple-system"/>
-            </a:endParaRPr>
+          </a:p>
+          <a:p>
+            <a:r>
+              <a:rPr lang="en-US" dirty="0">
+                <a:solidFill>
+                  <a:srgbClr val="111111"/>
+                </a:solidFill>
+                <a:latin typeface="-apple-system"/>
+              </a:rPr>
+              <a:t>Feature – unique attribute</a:t>
+            </a:r>
           </a:p>
           <a:p>
             <a:pPr lvl="1"/>
+            <a:r>
+              <a:rPr lang="en-US" dirty="0">
+                <a:solidFill>
+                  <a:srgbClr val="111111"/>
+                </a:solidFill>
+                <a:latin typeface="-apple-system"/>
+              </a:rPr>
+              <a:t>Markdown</a:t>
+            </a:r>
+          </a:p>
+          <a:p>
             <a:r>
               <a:rPr lang="en-US" b="0" i="0" dirty="0">
                 <a:solidFill>
@@ -6910,7 +8345,6 @@
             </a:r>
           </a:p>
           <a:p>
-            <a:pPr lvl="1"/>
             <a:r>
               <a:rPr lang="en-US" b="0" i="0" dirty="0">
                 <a:solidFill>
@@ -6923,7 +8357,7 @@
             </a:r>
           </a:p>
           <a:p>
-            <a:pPr lvl="2"/>
+            <a:pPr lvl="1"/>
             <a:r>
               <a:rPr lang="en-US" b="0" i="0" dirty="0">
                 <a:solidFill>
@@ -7046,6 +8480,522 @@
                       </p:childTnLst>
                     </p:cTn>
                   </p:par>
+                  <p:par>
+                    <p:cTn id="9" fill="hold">
+                      <p:stCondLst>
+                        <p:cond delay="indefinite"/>
+                      </p:stCondLst>
+                      <p:childTnLst>
+                        <p:par>
+                          <p:cTn id="10" fill="hold">
+                            <p:stCondLst>
+                              <p:cond delay="0"/>
+                            </p:stCondLst>
+                            <p:childTnLst>
+                              <p:par>
+                                <p:cTn id="11" presetID="1" presetClass="entr" presetSubtype="0" fill="hold" nodeType="clickEffect">
+                                  <p:stCondLst>
+                                    <p:cond delay="0"/>
+                                  </p:stCondLst>
+                                  <p:childTnLst>
+                                    <p:set>
+                                      <p:cBhvr>
+                                        <p:cTn id="12" dur="1" fill="hold">
+                                          <p:stCondLst>
+                                            <p:cond delay="0"/>
+                                          </p:stCondLst>
+                                        </p:cTn>
+                                        <p:tgtEl>
+                                          <p:spTgt spid="3">
+                                            <p:txEl>
+                                              <p:pRg st="0" end="0"/>
+                                            </p:txEl>
+                                          </p:spTgt>
+                                        </p:tgtEl>
+                                        <p:attrNameLst>
+                                          <p:attrName>style.visibility</p:attrName>
+                                        </p:attrNameLst>
+                                      </p:cBhvr>
+                                      <p:to>
+                                        <p:strVal val="visible"/>
+                                      </p:to>
+                                    </p:set>
+                                  </p:childTnLst>
+                                </p:cTn>
+                              </p:par>
+                              <p:par>
+                                <p:cTn id="13" presetID="1" presetClass="entr" presetSubtype="0" fill="hold" nodeType="withEffect">
+                                  <p:stCondLst>
+                                    <p:cond delay="0"/>
+                                  </p:stCondLst>
+                                  <p:childTnLst>
+                                    <p:set>
+                                      <p:cBhvr>
+                                        <p:cTn id="14" dur="1" fill="hold">
+                                          <p:stCondLst>
+                                            <p:cond delay="0"/>
+                                          </p:stCondLst>
+                                        </p:cTn>
+                                        <p:tgtEl>
+                                          <p:spTgt spid="3">
+                                            <p:txEl>
+                                              <p:pRg st="1" end="1"/>
+                                            </p:txEl>
+                                          </p:spTgt>
+                                        </p:tgtEl>
+                                        <p:attrNameLst>
+                                          <p:attrName>style.visibility</p:attrName>
+                                        </p:attrNameLst>
+                                      </p:cBhvr>
+                                      <p:to>
+                                        <p:strVal val="visible"/>
+                                      </p:to>
+                                    </p:set>
+                                  </p:childTnLst>
+                                </p:cTn>
+                              </p:par>
+                            </p:childTnLst>
+                          </p:cTn>
+                        </p:par>
+                      </p:childTnLst>
+                    </p:cTn>
+                  </p:par>
+                  <p:par>
+                    <p:cTn id="15" fill="hold">
+                      <p:stCondLst>
+                        <p:cond delay="indefinite"/>
+                      </p:stCondLst>
+                      <p:childTnLst>
+                        <p:par>
+                          <p:cTn id="16" fill="hold">
+                            <p:stCondLst>
+                              <p:cond delay="0"/>
+                            </p:stCondLst>
+                            <p:childTnLst>
+                              <p:par>
+                                <p:cTn id="17" presetID="1" presetClass="entr" presetSubtype="0" fill="hold" nodeType="clickEffect">
+                                  <p:stCondLst>
+                                    <p:cond delay="0"/>
+                                  </p:stCondLst>
+                                  <p:childTnLst>
+                                    <p:set>
+                                      <p:cBhvr>
+                                        <p:cTn id="18" dur="1" fill="hold">
+                                          <p:stCondLst>
+                                            <p:cond delay="0"/>
+                                          </p:stCondLst>
+                                        </p:cTn>
+                                        <p:tgtEl>
+                                          <p:spTgt spid="3">
+                                            <p:txEl>
+                                              <p:pRg st="2" end="2"/>
+                                            </p:txEl>
+                                          </p:spTgt>
+                                        </p:tgtEl>
+                                        <p:attrNameLst>
+                                          <p:attrName>style.visibility</p:attrName>
+                                        </p:attrNameLst>
+                                      </p:cBhvr>
+                                      <p:to>
+                                        <p:strVal val="visible"/>
+                                      </p:to>
+                                    </p:set>
+                                  </p:childTnLst>
+                                </p:cTn>
+                              </p:par>
+                            </p:childTnLst>
+                          </p:cTn>
+                        </p:par>
+                      </p:childTnLst>
+                    </p:cTn>
+                  </p:par>
+                  <p:par>
+                    <p:cTn id="19" fill="hold">
+                      <p:stCondLst>
+                        <p:cond delay="indefinite"/>
+                      </p:stCondLst>
+                      <p:childTnLst>
+                        <p:par>
+                          <p:cTn id="20" fill="hold">
+                            <p:stCondLst>
+                              <p:cond delay="0"/>
+                            </p:stCondLst>
+                            <p:childTnLst>
+                              <p:par>
+                                <p:cTn id="21" presetID="1" presetClass="entr" presetSubtype="0" fill="hold" nodeType="clickEffect">
+                                  <p:stCondLst>
+                                    <p:cond delay="0"/>
+                                  </p:stCondLst>
+                                  <p:childTnLst>
+                                    <p:set>
+                                      <p:cBhvr>
+                                        <p:cTn id="22" dur="1" fill="hold">
+                                          <p:stCondLst>
+                                            <p:cond delay="0"/>
+                                          </p:stCondLst>
+                                        </p:cTn>
+                                        <p:tgtEl>
+                                          <p:spTgt spid="3">
+                                            <p:txEl>
+                                              <p:pRg st="3" end="3"/>
+                                            </p:txEl>
+                                          </p:spTgt>
+                                        </p:tgtEl>
+                                        <p:attrNameLst>
+                                          <p:attrName>style.visibility</p:attrName>
+                                        </p:attrNameLst>
+                                      </p:cBhvr>
+                                      <p:to>
+                                        <p:strVal val="visible"/>
+                                      </p:to>
+                                    </p:set>
+                                  </p:childTnLst>
+                                </p:cTn>
+                              </p:par>
+                              <p:par>
+                                <p:cTn id="23" presetID="1" presetClass="entr" presetSubtype="0" fill="hold" nodeType="withEffect">
+                                  <p:stCondLst>
+                                    <p:cond delay="0"/>
+                                  </p:stCondLst>
+                                  <p:childTnLst>
+                                    <p:set>
+                                      <p:cBhvr>
+                                        <p:cTn id="24" dur="1" fill="hold">
+                                          <p:stCondLst>
+                                            <p:cond delay="0"/>
+                                          </p:stCondLst>
+                                        </p:cTn>
+                                        <p:tgtEl>
+                                          <p:spTgt spid="3">
+                                            <p:txEl>
+                                              <p:pRg st="4" end="4"/>
+                                            </p:txEl>
+                                          </p:spTgt>
+                                        </p:tgtEl>
+                                        <p:attrNameLst>
+                                          <p:attrName>style.visibility</p:attrName>
+                                        </p:attrNameLst>
+                                      </p:cBhvr>
+                                      <p:to>
+                                        <p:strVal val="visible"/>
+                                      </p:to>
+                                    </p:set>
+                                  </p:childTnLst>
+                                </p:cTn>
+                              </p:par>
+                            </p:childTnLst>
+                          </p:cTn>
+                        </p:par>
+                      </p:childTnLst>
+                    </p:cTn>
+                  </p:par>
+                  <p:par>
+                    <p:cTn id="25" fill="hold">
+                      <p:stCondLst>
+                        <p:cond delay="indefinite"/>
+                      </p:stCondLst>
+                      <p:childTnLst>
+                        <p:par>
+                          <p:cTn id="26" fill="hold">
+                            <p:stCondLst>
+                              <p:cond delay="0"/>
+                            </p:stCondLst>
+                            <p:childTnLst>
+                              <p:par>
+                                <p:cTn id="27" presetID="1" presetClass="entr" presetSubtype="0" fill="hold" nodeType="clickEffect">
+                                  <p:stCondLst>
+                                    <p:cond delay="0"/>
+                                  </p:stCondLst>
+                                  <p:childTnLst>
+                                    <p:set>
+                                      <p:cBhvr>
+                                        <p:cTn id="28" dur="1" fill="hold">
+                                          <p:stCondLst>
+                                            <p:cond delay="0"/>
+                                          </p:stCondLst>
+                                        </p:cTn>
+                                        <p:tgtEl>
+                                          <p:spTgt spid="3">
+                                            <p:txEl>
+                                              <p:pRg st="5" end="5"/>
+                                            </p:txEl>
+                                          </p:spTgt>
+                                        </p:tgtEl>
+                                        <p:attrNameLst>
+                                          <p:attrName>style.visibility</p:attrName>
+                                        </p:attrNameLst>
+                                      </p:cBhvr>
+                                      <p:to>
+                                        <p:strVal val="visible"/>
+                                      </p:to>
+                                    </p:set>
+                                  </p:childTnLst>
+                                </p:cTn>
+                              </p:par>
+                            </p:childTnLst>
+                          </p:cTn>
+                        </p:par>
+                      </p:childTnLst>
+                    </p:cTn>
+                  </p:par>
+                  <p:par>
+                    <p:cTn id="29" fill="hold">
+                      <p:stCondLst>
+                        <p:cond delay="indefinite"/>
+                      </p:stCondLst>
+                      <p:childTnLst>
+                        <p:par>
+                          <p:cTn id="30" fill="hold">
+                            <p:stCondLst>
+                              <p:cond delay="0"/>
+                            </p:stCondLst>
+                            <p:childTnLst>
+                              <p:par>
+                                <p:cTn id="31" presetID="1" presetClass="entr" presetSubtype="0" fill="hold" nodeType="clickEffect">
+                                  <p:stCondLst>
+                                    <p:cond delay="0"/>
+                                  </p:stCondLst>
+                                  <p:childTnLst>
+                                    <p:set>
+                                      <p:cBhvr>
+                                        <p:cTn id="32" dur="1" fill="hold">
+                                          <p:stCondLst>
+                                            <p:cond delay="0"/>
+                                          </p:stCondLst>
+                                        </p:cTn>
+                                        <p:tgtEl>
+                                          <p:spTgt spid="3">
+                                            <p:txEl>
+                                              <p:pRg st="6" end="6"/>
+                                            </p:txEl>
+                                          </p:spTgt>
+                                        </p:tgtEl>
+                                        <p:attrNameLst>
+                                          <p:attrName>style.visibility</p:attrName>
+                                        </p:attrNameLst>
+                                      </p:cBhvr>
+                                      <p:to>
+                                        <p:strVal val="visible"/>
+                                      </p:to>
+                                    </p:set>
+                                  </p:childTnLst>
+                                </p:cTn>
+                              </p:par>
+                            </p:childTnLst>
+                          </p:cTn>
+                        </p:par>
+                      </p:childTnLst>
+                    </p:cTn>
+                  </p:par>
+                  <p:par>
+                    <p:cTn id="33" fill="hold">
+                      <p:stCondLst>
+                        <p:cond delay="indefinite"/>
+                      </p:stCondLst>
+                      <p:childTnLst>
+                        <p:par>
+                          <p:cTn id="34" fill="hold">
+                            <p:stCondLst>
+                              <p:cond delay="0"/>
+                            </p:stCondLst>
+                            <p:childTnLst>
+                              <p:par>
+                                <p:cTn id="35" presetID="1" presetClass="entr" presetSubtype="0" fill="hold" nodeType="clickEffect">
+                                  <p:stCondLst>
+                                    <p:cond delay="0"/>
+                                  </p:stCondLst>
+                                  <p:childTnLst>
+                                    <p:set>
+                                      <p:cBhvr>
+                                        <p:cTn id="36" dur="1" fill="hold">
+                                          <p:stCondLst>
+                                            <p:cond delay="0"/>
+                                          </p:stCondLst>
+                                        </p:cTn>
+                                        <p:tgtEl>
+                                          <p:spTgt spid="3">
+                                            <p:txEl>
+                                              <p:pRg st="7" end="7"/>
+                                            </p:txEl>
+                                          </p:spTgt>
+                                        </p:tgtEl>
+                                        <p:attrNameLst>
+                                          <p:attrName>style.visibility</p:attrName>
+                                        </p:attrNameLst>
+                                      </p:cBhvr>
+                                      <p:to>
+                                        <p:strVal val="visible"/>
+                                      </p:to>
+                                    </p:set>
+                                  </p:childTnLst>
+                                </p:cTn>
+                              </p:par>
+                              <p:par>
+                                <p:cTn id="37" presetID="1" presetClass="entr" presetSubtype="0" fill="hold" nodeType="withEffect">
+                                  <p:stCondLst>
+                                    <p:cond delay="0"/>
+                                  </p:stCondLst>
+                                  <p:childTnLst>
+                                    <p:set>
+                                      <p:cBhvr>
+                                        <p:cTn id="38" dur="1" fill="hold">
+                                          <p:stCondLst>
+                                            <p:cond delay="0"/>
+                                          </p:stCondLst>
+                                        </p:cTn>
+                                        <p:tgtEl>
+                                          <p:spTgt spid="3">
+                                            <p:txEl>
+                                              <p:pRg st="8" end="8"/>
+                                            </p:txEl>
+                                          </p:spTgt>
+                                        </p:tgtEl>
+                                        <p:attrNameLst>
+                                          <p:attrName>style.visibility</p:attrName>
+                                        </p:attrNameLst>
+                                      </p:cBhvr>
+                                      <p:to>
+                                        <p:strVal val="visible"/>
+                                      </p:to>
+                                    </p:set>
+                                  </p:childTnLst>
+                                </p:cTn>
+                              </p:par>
+                            </p:childTnLst>
+                          </p:cTn>
+                        </p:par>
+                      </p:childTnLst>
+                    </p:cTn>
+                  </p:par>
+                  <p:par>
+                    <p:cTn id="39" fill="hold">
+                      <p:stCondLst>
+                        <p:cond delay="indefinite"/>
+                      </p:stCondLst>
+                      <p:childTnLst>
+                        <p:par>
+                          <p:cTn id="40" fill="hold">
+                            <p:stCondLst>
+                              <p:cond delay="0"/>
+                            </p:stCondLst>
+                            <p:childTnLst>
+                              <p:par>
+                                <p:cTn id="41" presetID="1" presetClass="entr" presetSubtype="0" fill="hold" nodeType="clickEffect">
+                                  <p:stCondLst>
+                                    <p:cond delay="0"/>
+                                  </p:stCondLst>
+                                  <p:childTnLst>
+                                    <p:set>
+                                      <p:cBhvr>
+                                        <p:cTn id="42" dur="1" fill="hold">
+                                          <p:stCondLst>
+                                            <p:cond delay="0"/>
+                                          </p:stCondLst>
+                                        </p:cTn>
+                                        <p:tgtEl>
+                                          <p:spTgt spid="3">
+                                            <p:txEl>
+                                              <p:pRg st="9" end="9"/>
+                                            </p:txEl>
+                                          </p:spTgt>
+                                        </p:tgtEl>
+                                        <p:attrNameLst>
+                                          <p:attrName>style.visibility</p:attrName>
+                                        </p:attrNameLst>
+                                      </p:cBhvr>
+                                      <p:to>
+                                        <p:strVal val="visible"/>
+                                      </p:to>
+                                    </p:set>
+                                  </p:childTnLst>
+                                </p:cTn>
+                              </p:par>
+                            </p:childTnLst>
+                          </p:cTn>
+                        </p:par>
+                      </p:childTnLst>
+                    </p:cTn>
+                  </p:par>
+                  <p:par>
+                    <p:cTn id="43" fill="hold">
+                      <p:stCondLst>
+                        <p:cond delay="indefinite"/>
+                      </p:stCondLst>
+                      <p:childTnLst>
+                        <p:par>
+                          <p:cTn id="44" fill="hold">
+                            <p:stCondLst>
+                              <p:cond delay="0"/>
+                            </p:stCondLst>
+                            <p:childTnLst>
+                              <p:par>
+                                <p:cTn id="45" presetID="1" presetClass="entr" presetSubtype="0" fill="hold" nodeType="clickEffect">
+                                  <p:stCondLst>
+                                    <p:cond delay="0"/>
+                                  </p:stCondLst>
+                                  <p:childTnLst>
+                                    <p:set>
+                                      <p:cBhvr>
+                                        <p:cTn id="46" dur="1" fill="hold">
+                                          <p:stCondLst>
+                                            <p:cond delay="0"/>
+                                          </p:stCondLst>
+                                        </p:cTn>
+                                        <p:tgtEl>
+                                          <p:spTgt spid="3">
+                                            <p:txEl>
+                                              <p:pRg st="10" end="10"/>
+                                            </p:txEl>
+                                          </p:spTgt>
+                                        </p:tgtEl>
+                                        <p:attrNameLst>
+                                          <p:attrName>style.visibility</p:attrName>
+                                        </p:attrNameLst>
+                                      </p:cBhvr>
+                                      <p:to>
+                                        <p:strVal val="visible"/>
+                                      </p:to>
+                                    </p:set>
+                                  </p:childTnLst>
+                                </p:cTn>
+                              </p:par>
+                              <p:par>
+                                <p:cTn id="47" presetID="1" presetClass="entr" presetSubtype="0" fill="hold" nodeType="withEffect">
+                                  <p:stCondLst>
+                                    <p:cond delay="0"/>
+                                  </p:stCondLst>
+                                  <p:childTnLst>
+                                    <p:set>
+                                      <p:cBhvr>
+                                        <p:cTn id="48" dur="1" fill="hold">
+                                          <p:stCondLst>
+                                            <p:cond delay="0"/>
+                                          </p:stCondLst>
+                                        </p:cTn>
+                                        <p:tgtEl>
+                                          <p:spTgt spid="3">
+                                            <p:txEl>
+                                              <p:pRg st="11" end="11"/>
+                                            </p:txEl>
+                                          </p:spTgt>
+                                        </p:tgtEl>
+                                        <p:attrNameLst>
+                                          <p:attrName>style.visibility</p:attrName>
+                                        </p:attrNameLst>
+                                      </p:cBhvr>
+                                      <p:to>
+                                        <p:strVal val="visible"/>
+                                      </p:to>
+                                    </p:set>
+                                  </p:childTnLst>
+                                </p:cTn>
+                              </p:par>
+                            </p:childTnLst>
+                          </p:cTn>
+                        </p:par>
+                      </p:childTnLst>
+                    </p:cTn>
+                  </p:par>
                 </p:childTnLst>
               </p:cTn>
               <p:prevCondLst>
@@ -7074,7 +9024,7 @@
 </p:sld>
 </file>
 
-<file path=ppt/slides/slide12.xml><?xml version="1.0" encoding="utf-8"?>
+<file path=ppt/slides/slide13.xml><?xml version="1.0" encoding="utf-8"?>
 <p:sld xmlns:a="http://schemas.openxmlformats.org/drawingml/2006/main" xmlns:r="http://schemas.openxmlformats.org/officeDocument/2006/relationships" xmlns:p="http://schemas.openxmlformats.org/presentationml/2006/main">
   <p:cSld>
     <p:bg>
@@ -7549,6 +9499,51 @@
                       </p:childTnLst>
                     </p:cTn>
                   </p:par>
+                  <p:par>
+                    <p:cTn id="9" fill="hold">
+                      <p:stCondLst>
+                        <p:cond delay="indefinite"/>
+                      </p:stCondLst>
+                      <p:childTnLst>
+                        <p:par>
+                          <p:cTn id="10" fill="hold">
+                            <p:stCondLst>
+                              <p:cond delay="0"/>
+                            </p:stCondLst>
+                            <p:childTnLst>
+                              <p:par>
+                                <p:cTn id="11" presetID="1" presetClass="entr" presetSubtype="0" fill="hold" nodeType="clickEffect">
+                                  <p:stCondLst>
+                                    <p:cond delay="0"/>
+                                  </p:stCondLst>
+                                  <p:childTnLst>
+                                    <p:set>
+                                      <p:cBhvr>
+                                        <p:cTn id="12" dur="1" fill="hold">
+                                          <p:stCondLst>
+                                            <p:cond delay="0"/>
+                                          </p:stCondLst>
+                                        </p:cTn>
+                                        <p:tgtEl>
+                                          <p:spTgt spid="5"/>
+                                        </p:tgtEl>
+                                        <p:attrNameLst>
+                                          <p:attrName>style.visibility</p:attrName>
+                                        </p:attrNameLst>
+                                      </p:cBhvr>
+                                      <p:to>
+                                        <p:strVal val="visible"/>
+                                      </p:to>
+                                    </p:set>
+                                  </p:childTnLst>
+                                </p:cTn>
+                              </p:par>
+                            </p:childTnLst>
+                          </p:cTn>
+                        </p:par>
+                      </p:childTnLst>
+                    </p:cTn>
+                  </p:par>
                 </p:childTnLst>
               </p:cTn>
               <p:prevCondLst>
@@ -7577,7 +9572,7 @@
 </p:sld>
 </file>
 
-<file path=ppt/slides/slide13.xml><?xml version="1.0" encoding="utf-8"?>
+<file path=ppt/slides/slide14.xml><?xml version="1.0" encoding="utf-8"?>
 <p:sld xmlns:a="http://schemas.openxmlformats.org/drawingml/2006/main" xmlns:r="http://schemas.openxmlformats.org/officeDocument/2006/relationships" xmlns:p="http://schemas.openxmlformats.org/presentationml/2006/main">
   <p:cSld>
     <p:bg>
@@ -7988,134 +9983,10 @@
   <p:clrMapOvr>
     <a:masterClrMapping/>
   </p:clrMapOvr>
-  <p:timing>
-    <p:tnLst>
-      <p:par>
-        <p:cTn id="1" dur="indefinite" restart="never" nodeType="tmRoot">
-          <p:childTnLst>
-            <p:seq concurrent="1" nextAc="seek">
-              <p:cTn id="2" dur="indefinite" nodeType="mainSeq">
-                <p:childTnLst>
-                  <p:par>
-                    <p:cTn id="3" fill="hold">
-                      <p:stCondLst>
-                        <p:cond delay="indefinite"/>
-                      </p:stCondLst>
-                      <p:childTnLst>
-                        <p:par>
-                          <p:cTn id="4" fill="hold">
-                            <p:stCondLst>
-                              <p:cond delay="0"/>
-                            </p:stCondLst>
-                            <p:childTnLst>
-                              <p:par>
-                                <p:cTn id="5" presetID="2" presetClass="entr" presetSubtype="8" fill="hold" grpId="0" nodeType="clickEffect">
-                                  <p:stCondLst>
-                                    <p:cond delay="0"/>
-                                  </p:stCondLst>
-                                  <p:childTnLst>
-                                    <p:set>
-                                      <p:cBhvr>
-                                        <p:cTn id="6" dur="1" fill="hold">
-                                          <p:stCondLst>
-                                            <p:cond delay="0"/>
-                                          </p:stCondLst>
-                                        </p:cTn>
-                                        <p:tgtEl>
-                                          <p:spTgt spid="10"/>
-                                        </p:tgtEl>
-                                        <p:attrNameLst>
-                                          <p:attrName>style.visibility</p:attrName>
-                                        </p:attrNameLst>
-                                      </p:cBhvr>
-                                      <p:to>
-                                        <p:strVal val="visible"/>
-                                      </p:to>
-                                    </p:set>
-                                    <p:anim calcmode="lin" valueType="num">
-                                      <p:cBhvr additive="base">
-                                        <p:cTn id="7" dur="3500" fill="hold"/>
-                                        <p:tgtEl>
-                                          <p:spTgt spid="10"/>
-                                        </p:tgtEl>
-                                        <p:attrNameLst>
-                                          <p:attrName>ppt_x</p:attrName>
-                                        </p:attrNameLst>
-                                      </p:cBhvr>
-                                      <p:tavLst>
-                                        <p:tav tm="0">
-                                          <p:val>
-                                            <p:strVal val="0-#ppt_w/2"/>
-                                          </p:val>
-                                        </p:tav>
-                                        <p:tav tm="100000">
-                                          <p:val>
-                                            <p:strVal val="#ppt_x"/>
-                                          </p:val>
-                                        </p:tav>
-                                      </p:tavLst>
-                                    </p:anim>
-                                    <p:anim calcmode="lin" valueType="num">
-                                      <p:cBhvr additive="base">
-                                        <p:cTn id="8" dur="3500" fill="hold"/>
-                                        <p:tgtEl>
-                                          <p:spTgt spid="10"/>
-                                        </p:tgtEl>
-                                        <p:attrNameLst>
-                                          <p:attrName>ppt_y</p:attrName>
-                                        </p:attrNameLst>
-                                      </p:cBhvr>
-                                      <p:tavLst>
-                                        <p:tav tm="0">
-                                          <p:val>
-                                            <p:strVal val="#ppt_y"/>
-                                          </p:val>
-                                        </p:tav>
-                                        <p:tav tm="100000">
-                                          <p:val>
-                                            <p:strVal val="#ppt_y"/>
-                                          </p:val>
-                                        </p:tav>
-                                      </p:tavLst>
-                                    </p:anim>
-                                  </p:childTnLst>
-                                </p:cTn>
-                              </p:par>
-                            </p:childTnLst>
-                          </p:cTn>
-                        </p:par>
-                      </p:childTnLst>
-                    </p:cTn>
-                  </p:par>
-                </p:childTnLst>
-              </p:cTn>
-              <p:prevCondLst>
-                <p:cond evt="onPrev" delay="0">
-                  <p:tgtEl>
-                    <p:sldTgt/>
-                  </p:tgtEl>
-                </p:cond>
-              </p:prevCondLst>
-              <p:nextCondLst>
-                <p:cond evt="onNext" delay="0">
-                  <p:tgtEl>
-                    <p:sldTgt/>
-                  </p:tgtEl>
-                </p:cond>
-              </p:nextCondLst>
-            </p:seq>
-          </p:childTnLst>
-        </p:cTn>
-      </p:par>
-    </p:tnLst>
-    <p:bldLst>
-      <p:bldP spid="10" grpId="0" animBg="1"/>
-    </p:bldLst>
-  </p:timing>
 </p:sld>
 </file>
 
-<file path=ppt/slides/slide14.xml><?xml version="1.0" encoding="utf-8"?>
+<file path=ppt/slides/slide15.xml><?xml version="1.0" encoding="utf-8"?>
 <p:sld xmlns:a="http://schemas.openxmlformats.org/drawingml/2006/main" xmlns:r="http://schemas.openxmlformats.org/officeDocument/2006/relationships" xmlns:p="http://schemas.openxmlformats.org/presentationml/2006/main">
   <p:cSld>
     <p:bg>
@@ -8526,134 +10397,10 @@
   <p:clrMapOvr>
     <a:masterClrMapping/>
   </p:clrMapOvr>
-  <p:timing>
-    <p:tnLst>
-      <p:par>
-        <p:cTn id="1" dur="indefinite" restart="never" nodeType="tmRoot">
-          <p:childTnLst>
-            <p:seq concurrent="1" nextAc="seek">
-              <p:cTn id="2" dur="indefinite" nodeType="mainSeq">
-                <p:childTnLst>
-                  <p:par>
-                    <p:cTn id="3" fill="hold">
-                      <p:stCondLst>
-                        <p:cond delay="indefinite"/>
-                      </p:stCondLst>
-                      <p:childTnLst>
-                        <p:par>
-                          <p:cTn id="4" fill="hold">
-                            <p:stCondLst>
-                              <p:cond delay="0"/>
-                            </p:stCondLst>
-                            <p:childTnLst>
-                              <p:par>
-                                <p:cTn id="5" presetID="2" presetClass="entr" presetSubtype="8" fill="hold" grpId="0" nodeType="clickEffect">
-                                  <p:stCondLst>
-                                    <p:cond delay="0"/>
-                                  </p:stCondLst>
-                                  <p:childTnLst>
-                                    <p:set>
-                                      <p:cBhvr>
-                                        <p:cTn id="6" dur="1" fill="hold">
-                                          <p:stCondLst>
-                                            <p:cond delay="0"/>
-                                          </p:stCondLst>
-                                        </p:cTn>
-                                        <p:tgtEl>
-                                          <p:spTgt spid="10"/>
-                                        </p:tgtEl>
-                                        <p:attrNameLst>
-                                          <p:attrName>style.visibility</p:attrName>
-                                        </p:attrNameLst>
-                                      </p:cBhvr>
-                                      <p:to>
-                                        <p:strVal val="visible"/>
-                                      </p:to>
-                                    </p:set>
-                                    <p:anim calcmode="lin" valueType="num">
-                                      <p:cBhvr additive="base">
-                                        <p:cTn id="7" dur="3500" fill="hold"/>
-                                        <p:tgtEl>
-                                          <p:spTgt spid="10"/>
-                                        </p:tgtEl>
-                                        <p:attrNameLst>
-                                          <p:attrName>ppt_x</p:attrName>
-                                        </p:attrNameLst>
-                                      </p:cBhvr>
-                                      <p:tavLst>
-                                        <p:tav tm="0">
-                                          <p:val>
-                                            <p:strVal val="0-#ppt_w/2"/>
-                                          </p:val>
-                                        </p:tav>
-                                        <p:tav tm="100000">
-                                          <p:val>
-                                            <p:strVal val="#ppt_x"/>
-                                          </p:val>
-                                        </p:tav>
-                                      </p:tavLst>
-                                    </p:anim>
-                                    <p:anim calcmode="lin" valueType="num">
-                                      <p:cBhvr additive="base">
-                                        <p:cTn id="8" dur="3500" fill="hold"/>
-                                        <p:tgtEl>
-                                          <p:spTgt spid="10"/>
-                                        </p:tgtEl>
-                                        <p:attrNameLst>
-                                          <p:attrName>ppt_y</p:attrName>
-                                        </p:attrNameLst>
-                                      </p:cBhvr>
-                                      <p:tavLst>
-                                        <p:tav tm="0">
-                                          <p:val>
-                                            <p:strVal val="#ppt_y"/>
-                                          </p:val>
-                                        </p:tav>
-                                        <p:tav tm="100000">
-                                          <p:val>
-                                            <p:strVal val="#ppt_y"/>
-                                          </p:val>
-                                        </p:tav>
-                                      </p:tavLst>
-                                    </p:anim>
-                                  </p:childTnLst>
-                                </p:cTn>
-                              </p:par>
-                            </p:childTnLst>
-                          </p:cTn>
-                        </p:par>
-                      </p:childTnLst>
-                    </p:cTn>
-                  </p:par>
-                </p:childTnLst>
-              </p:cTn>
-              <p:prevCondLst>
-                <p:cond evt="onPrev" delay="0">
-                  <p:tgtEl>
-                    <p:sldTgt/>
-                  </p:tgtEl>
-                </p:cond>
-              </p:prevCondLst>
-              <p:nextCondLst>
-                <p:cond evt="onNext" delay="0">
-                  <p:tgtEl>
-                    <p:sldTgt/>
-                  </p:tgtEl>
-                </p:cond>
-              </p:nextCondLst>
-            </p:seq>
-          </p:childTnLst>
-        </p:cTn>
-      </p:par>
-    </p:tnLst>
-    <p:bldLst>
-      <p:bldP spid="10" grpId="0" animBg="1"/>
-    </p:bldLst>
-  </p:timing>
 </p:sld>
 </file>
 
-<file path=ppt/slides/slide15.xml><?xml version="1.0" encoding="utf-8"?>
+<file path=ppt/slides/slide16.xml><?xml version="1.0" encoding="utf-8"?>
 <p:sld xmlns:a="http://schemas.openxmlformats.org/drawingml/2006/main" xmlns:r="http://schemas.openxmlformats.org/officeDocument/2006/relationships" xmlns:p="http://schemas.openxmlformats.org/presentationml/2006/main">
   <p:cSld>
     <p:bg>
@@ -9191,7 +10938,7 @@
 </p:sld>
 </file>
 
-<file path=ppt/slides/slide16.xml><?xml version="1.0" encoding="utf-8"?>
+<file path=ppt/slides/slide17.xml><?xml version="1.0" encoding="utf-8"?>
 <p:sld xmlns:a="http://schemas.openxmlformats.org/drawingml/2006/main" xmlns:r="http://schemas.openxmlformats.org/officeDocument/2006/relationships" xmlns:p="http://schemas.openxmlformats.org/presentationml/2006/main">
   <p:cSld>
     <p:spTree>
@@ -9341,7 +11088,7 @@
 </p:sld>
 </file>
 
-<file path=ppt/slides/slide17.xml><?xml version="1.0" encoding="utf-8"?>
+<file path=ppt/slides/slide18.xml><?xml version="1.0" encoding="utf-8"?>
 <p:sld xmlns:a="http://schemas.openxmlformats.org/drawingml/2006/main" xmlns:r="http://schemas.openxmlformats.org/officeDocument/2006/relationships" xmlns:p="http://schemas.openxmlformats.org/presentationml/2006/main">
   <p:cSld>
     <p:bg>
@@ -9870,7 +11617,7 @@
 </p:sld>
 </file>
 
-<file path=ppt/slides/slide18.xml><?xml version="1.0" encoding="utf-8"?>
+<file path=ppt/slides/slide19.xml><?xml version="1.0" encoding="utf-8"?>
 <p:sld xmlns:a="http://schemas.openxmlformats.org/drawingml/2006/main" xmlns:r="http://schemas.openxmlformats.org/officeDocument/2006/relationships" xmlns:p="http://schemas.openxmlformats.org/presentationml/2006/main">
   <p:cSld>
     <p:spTree>
@@ -9892,7 +11639,7 @@
           <p:cNvPr id="2" name="Title 1">
             <a:extLst>
               <a:ext uri="{FF2B5EF4-FFF2-40B4-BE49-F238E27FC236}">
-                <a16:creationId xmlns:a16="http://schemas.microsoft.com/office/drawing/2014/main" id="{A696639F-6DBD-D0A1-94B2-8C9A24D3DEF2}"/>
+                <a16:creationId xmlns:a16="http://schemas.microsoft.com/office/drawing/2014/main" id="{2E868C38-14AC-D98A-9C03-E3DF4F920B29}"/>
               </a:ext>
             </a:extLst>
           </p:cNvPr>
@@ -9908,7 +11655,7 @@
           <a:bodyPr/>
           <a:lstStyle/>
           <a:p>
-            <a:endParaRPr lang="en-US" dirty="0"/>
+            <a:endParaRPr lang="en-US"/>
           </a:p>
         </p:txBody>
       </p:sp>
@@ -9919,7 +11666,7 @@
               <p:cNvPr id="4" name="Content Placeholder 3" title="AhaSlides - Live Polls and Quizzes">
                 <a:extLst>
                   <a:ext uri="{FF2B5EF4-FFF2-40B4-BE49-F238E27FC236}">
-                    <a16:creationId xmlns:a16="http://schemas.microsoft.com/office/drawing/2014/main" id="{055DF06A-A17C-F65E-7A3E-1456FC4C2172}"/>
+                    <a16:creationId xmlns:a16="http://schemas.microsoft.com/office/drawing/2014/main" id="{B09CFFE5-F978-10B3-0B02-BF7BE210B15D}"/>
                   </a:ext>
                 </a:extLst>
               </p:cNvPr>
@@ -9928,11 +11675,6 @@
               </p:cNvGraphicFramePr>
               <p:nvPr>
                 <p:ph idx="1"/>
-                <p:extLst>
-                  <p:ext uri="{D42A27DB-BD31-4B8C-83A1-F6EECF244321}">
-                    <p14:modId xmlns:p14="http://schemas.microsoft.com/office/powerpoint/2010/main" val="1076382067"/>
-                  </p:ext>
-                </p:extLst>
               </p:nvPr>
             </p:nvGraphicFramePr>
             <p:xfrm>
@@ -9952,7 +11694,7 @@
               <p:cNvPr id="4" name="Content Placeholder 3" title="AhaSlides - Live Polls and Quizzes">
                 <a:extLst>
                   <a:ext uri="{FF2B5EF4-FFF2-40B4-BE49-F238E27FC236}">
-                    <a16:creationId xmlns:a16="http://schemas.microsoft.com/office/drawing/2014/main" id="{055DF06A-A17C-F65E-7A3E-1456FC4C2172}"/>
+                    <a16:creationId xmlns:a16="http://schemas.microsoft.com/office/drawing/2014/main" id="{B09CFFE5-F978-10B3-0B02-BF7BE210B15D}"/>
                   </a:ext>
                 </a:extLst>
               </p:cNvPr>
@@ -9982,7 +11724,7 @@
     </p:spTree>
     <p:extLst>
       <p:ext uri="{BB962C8B-B14F-4D97-AF65-F5344CB8AC3E}">
-        <p14:creationId xmlns:p14="http://schemas.microsoft.com/office/powerpoint/2010/main" val="2935746363"/>
+        <p14:creationId xmlns:p14="http://schemas.microsoft.com/office/powerpoint/2010/main" val="592880752"/>
       </p:ext>
     </p:extLst>
   </p:cSld>
@@ -9992,1084 +11734,7 @@
 </p:sld>
 </file>
 
-<file path=ppt/slides/slide19.xml><?xml version="1.0" encoding="utf-8"?>
-<p:sld xmlns:a="http://schemas.openxmlformats.org/drawingml/2006/main" xmlns:r="http://schemas.openxmlformats.org/officeDocument/2006/relationships" xmlns:p="http://schemas.openxmlformats.org/presentationml/2006/main">
-  <p:cSld>
-    <p:bg>
-      <p:bgPr>
-        <a:solidFill>
-          <a:schemeClr val="bg1"/>
-        </a:solidFill>
-        <a:effectLst/>
-      </p:bgPr>
-    </p:bg>
-    <p:spTree>
-      <p:nvGrpSpPr>
-        <p:cNvPr id="1" name=""/>
-        <p:cNvGrpSpPr/>
-        <p:nvPr/>
-      </p:nvGrpSpPr>
-      <p:grpSpPr>
-        <a:xfrm>
-          <a:off x="0" y="0"/>
-          <a:ext cx="0" cy="0"/>
-          <a:chOff x="0" y="0"/>
-          <a:chExt cx="0" cy="0"/>
-        </a:xfrm>
-      </p:grpSpPr>
-      <p:sp useBgFill="1">
-        <p:nvSpPr>
-          <p:cNvPr id="8" name="Rectangle 7">
-            <a:extLst>
-              <a:ext uri="{FF2B5EF4-FFF2-40B4-BE49-F238E27FC236}">
-                <a16:creationId xmlns:a16="http://schemas.microsoft.com/office/drawing/2014/main" id="{DAF1966E-FD40-4A4A-B61B-C4DF7FA05F06}"/>
-              </a:ext>
-              <a:ext uri="{C183D7F6-B498-43B3-948B-1728B52AA6E4}">
-                <adec:decorative xmlns:adec="http://schemas.microsoft.com/office/drawing/2017/decorative" val="1"/>
-              </a:ext>
-            </a:extLst>
-          </p:cNvPr>
-          <p:cNvSpPr>
-            <a:spLocks noGrp="1" noRot="1" noChangeAspect="1" noMove="1" noResize="1" noEditPoints="1" noAdjustHandles="1" noChangeArrowheads="1" noChangeShapeType="1" noTextEdit="1"/>
-          </p:cNvSpPr>
-          <p:nvPr>
-            <p:extLst>
-              <p:ext uri="{386F3935-93C4-4BCD-93E2-E3B085C9AB24}">
-                <p16:designElem xmlns:p16="http://schemas.microsoft.com/office/powerpoint/2015/main" val="1"/>
-              </p:ext>
-            </p:extLst>
-          </p:nvPr>
-        </p:nvSpPr>
-        <p:spPr>
-          <a:xfrm>
-            <a:off x="0" y="0"/>
-            <a:ext cx="12192000" cy="6858000"/>
-          </a:xfrm>
-          <a:prstGeom prst="rect">
-            <a:avLst/>
-          </a:prstGeom>
-          <a:ln>
-            <a:noFill/>
-          </a:ln>
-        </p:spPr>
-        <p:style>
-          <a:lnRef idx="2">
-            <a:schemeClr val="accent1">
-              <a:shade val="50000"/>
-            </a:schemeClr>
-          </a:lnRef>
-          <a:fillRef idx="1">
-            <a:schemeClr val="accent1"/>
-          </a:fillRef>
-          <a:effectRef idx="0">
-            <a:schemeClr val="accent1"/>
-          </a:effectRef>
-          <a:fontRef idx="minor">
-            <a:schemeClr val="lt1"/>
-          </a:fontRef>
-        </p:style>
-        <p:txBody>
-          <a:bodyPr rtlCol="0" anchor="ctr"/>
-          <a:lstStyle/>
-          <a:p>
-            <a:pPr algn="ctr"/>
-            <a:endParaRPr lang="en-US" dirty="0"/>
-          </a:p>
-        </p:txBody>
-      </p:sp>
-      <p:sp useBgFill="1">
-        <p:nvSpPr>
-          <p:cNvPr id="10" name="Rectangle 9">
-            <a:extLst>
-              <a:ext uri="{FF2B5EF4-FFF2-40B4-BE49-F238E27FC236}">
-                <a16:creationId xmlns:a16="http://schemas.microsoft.com/office/drawing/2014/main" id="{047BFA19-D45E-416B-A404-7AF2F3F27017}"/>
-              </a:ext>
-              <a:ext uri="{C183D7F6-B498-43B3-948B-1728B52AA6E4}">
-                <adec:decorative xmlns:adec="http://schemas.microsoft.com/office/drawing/2017/decorative" val="1"/>
-              </a:ext>
-            </a:extLst>
-          </p:cNvPr>
-          <p:cNvSpPr>
-            <a:spLocks noGrp="1" noRot="1" noChangeAspect="1" noMove="1" noResize="1" noEditPoints="1" noAdjustHandles="1" noChangeArrowheads="1" noChangeShapeType="1" noTextEdit="1"/>
-          </p:cNvSpPr>
-          <p:nvPr>
-            <p:extLst>
-              <p:ext uri="{386F3935-93C4-4BCD-93E2-E3B085C9AB24}">
-                <p16:designElem xmlns:p16="http://schemas.microsoft.com/office/powerpoint/2015/main" val="1"/>
-              </p:ext>
-            </p:extLst>
-          </p:nvPr>
-        </p:nvSpPr>
-        <p:spPr>
-          <a:xfrm>
-            <a:off x="558209" y="0"/>
-            <a:ext cx="11167447" cy="2018806"/>
-          </a:xfrm>
-          <a:prstGeom prst="rect">
-            <a:avLst/>
-          </a:prstGeom>
-          <a:ln w="9525">
-            <a:solidFill>
-              <a:srgbClr val="E1E1E1"/>
-            </a:solidFill>
-          </a:ln>
-          <a:effectLst>
-            <a:outerShdw blurRad="50800" dist="38100" dir="2700000" algn="tl" rotWithShape="0">
-              <a:schemeClr val="bg1">
-                <a:lumMod val="85000"/>
-                <a:alpha val="50000"/>
-              </a:schemeClr>
-            </a:outerShdw>
-          </a:effectLst>
-        </p:spPr>
-        <p:style>
-          <a:lnRef idx="2">
-            <a:schemeClr val="accent1">
-              <a:shade val="50000"/>
-            </a:schemeClr>
-          </a:lnRef>
-          <a:fillRef idx="1">
-            <a:schemeClr val="accent1"/>
-          </a:fillRef>
-          <a:effectRef idx="0">
-            <a:schemeClr val="accent1"/>
-          </a:effectRef>
-          <a:fontRef idx="minor">
-            <a:schemeClr val="lt1"/>
-          </a:fontRef>
-        </p:style>
-        <p:txBody>
-          <a:bodyPr rtlCol="0" anchor="ctr"/>
-          <a:lstStyle/>
-          <a:p>
-            <a:pPr marL="0" marR="0" lvl="0" indent="0" algn="ctr" defTabSz="914400" rtl="0" eaLnBrk="1" fontAlgn="auto" latinLnBrk="0" hangingPunct="1">
-              <a:lnSpc>
-                <a:spcPct val="100000"/>
-              </a:lnSpc>
-              <a:spcBef>
-                <a:spcPts val="0"/>
-              </a:spcBef>
-              <a:spcAft>
-                <a:spcPts val="0"/>
-              </a:spcAft>
-              <a:buClrTx/>
-              <a:buSzTx/>
-              <a:buFontTx/>
-              <a:buNone/>
-              <a:tabLst/>
-              <a:defRPr/>
-            </a:pPr>
-            <a:endParaRPr kumimoji="0" lang="en-US" sz="1800" b="0" i="0" u="none" strike="noStrike" kern="1200" cap="none" spc="0" normalizeH="0" baseline="0" noProof="0" dirty="0">
-              <a:ln>
-                <a:noFill/>
-              </a:ln>
-              <a:solidFill>
-                <a:prstClr val="white"/>
-              </a:solidFill>
-              <a:effectLst/>
-              <a:uLnTx/>
-              <a:uFillTx/>
-              <a:latin typeface="Calibri" panose="020F0502020204030204"/>
-              <a:ea typeface="+mn-ea"/>
-              <a:cs typeface="+mn-cs"/>
-            </a:endParaRPr>
-          </a:p>
-        </p:txBody>
-      </p:sp>
-      <p:sp useBgFill="1">
-        <p:nvSpPr>
-          <p:cNvPr id="12" name="Rectangle 11">
-            <a:extLst>
-              <a:ext uri="{FF2B5EF4-FFF2-40B4-BE49-F238E27FC236}">
-                <a16:creationId xmlns:a16="http://schemas.microsoft.com/office/drawing/2014/main" id="{8E0105E7-23DB-4CF2-8258-FF47C7620F6E}"/>
-              </a:ext>
-              <a:ext uri="{C183D7F6-B498-43B3-948B-1728B52AA6E4}">
-                <adec:decorative xmlns:adec="http://schemas.microsoft.com/office/drawing/2017/decorative" val="1"/>
-              </a:ext>
-            </a:extLst>
-          </p:cNvPr>
-          <p:cNvSpPr>
-            <a:spLocks noGrp="1" noRot="1" noChangeAspect="1" noMove="1" noResize="1" noEditPoints="1" noAdjustHandles="1" noChangeArrowheads="1" noChangeShapeType="1" noTextEdit="1"/>
-          </p:cNvSpPr>
-          <p:nvPr>
-            <p:extLst>
-              <p:ext uri="{386F3935-93C4-4BCD-93E2-E3B085C9AB24}">
-                <p16:designElem xmlns:p16="http://schemas.microsoft.com/office/powerpoint/2015/main" val="1"/>
-              </p:ext>
-            </p:extLst>
-          </p:nvPr>
-        </p:nvSpPr>
-        <p:spPr>
-          <a:xfrm>
-            <a:off x="566928" y="0"/>
-            <a:ext cx="11155680" cy="2011680"/>
-          </a:xfrm>
-          <a:prstGeom prst="rect">
-            <a:avLst/>
-          </a:prstGeom>
-          <a:ln w="9525">
-            <a:noFill/>
-          </a:ln>
-          <a:effectLst/>
-        </p:spPr>
-        <p:style>
-          <a:lnRef idx="2">
-            <a:schemeClr val="accent1">
-              <a:shade val="50000"/>
-            </a:schemeClr>
-          </a:lnRef>
-          <a:fillRef idx="1">
-            <a:schemeClr val="accent1"/>
-          </a:fillRef>
-          <a:effectRef idx="0">
-            <a:schemeClr val="accent1"/>
-          </a:effectRef>
-          <a:fontRef idx="minor">
-            <a:schemeClr val="lt1"/>
-          </a:fontRef>
-        </p:style>
-        <p:txBody>
-          <a:bodyPr rtlCol="0" anchor="ctr"/>
-          <a:lstStyle/>
-          <a:p>
-            <a:pPr marL="0" marR="0" lvl="0" indent="0" algn="ctr" defTabSz="914400" rtl="0" eaLnBrk="1" fontAlgn="auto" latinLnBrk="0" hangingPunct="1">
-              <a:lnSpc>
-                <a:spcPct val="100000"/>
-              </a:lnSpc>
-              <a:spcBef>
-                <a:spcPts val="0"/>
-              </a:spcBef>
-              <a:spcAft>
-                <a:spcPts val="0"/>
-              </a:spcAft>
-              <a:buClrTx/>
-              <a:buSzTx/>
-              <a:buFontTx/>
-              <a:buNone/>
-              <a:tabLst/>
-              <a:defRPr/>
-            </a:pPr>
-            <a:endParaRPr kumimoji="0" lang="en-US" sz="1800" b="0" i="0" u="none" strike="noStrike" kern="1200" cap="none" spc="0" normalizeH="0" baseline="0" noProof="0" dirty="0">
-              <a:ln>
-                <a:noFill/>
-              </a:ln>
-              <a:solidFill>
-                <a:prstClr val="white"/>
-              </a:solidFill>
-              <a:effectLst/>
-              <a:uLnTx/>
-              <a:uFillTx/>
-              <a:latin typeface="Calibri" panose="020F0502020204030204"/>
-              <a:ea typeface="+mn-ea"/>
-              <a:cs typeface="+mn-cs"/>
-            </a:endParaRPr>
-          </a:p>
-        </p:txBody>
-      </p:sp>
-      <p:sp>
-        <p:nvSpPr>
-          <p:cNvPr id="2" name="Title 1">
-            <a:extLst>
-              <a:ext uri="{FF2B5EF4-FFF2-40B4-BE49-F238E27FC236}">
-                <a16:creationId xmlns:a16="http://schemas.microsoft.com/office/drawing/2014/main" id="{82CF4B60-062A-25CD-E448-6C8255EEF9CC}"/>
-              </a:ext>
-            </a:extLst>
-          </p:cNvPr>
-          <p:cNvSpPr>
-            <a:spLocks noGrp="1"/>
-          </p:cNvSpPr>
-          <p:nvPr>
-            <p:ph type="title"/>
-          </p:nvPr>
-        </p:nvSpPr>
-        <p:spPr>
-          <a:xfrm>
-            <a:off x="1115568" y="548640"/>
-            <a:ext cx="10168128" cy="1179576"/>
-          </a:xfrm>
-        </p:spPr>
-        <p:txBody>
-          <a:bodyPr>
-            <a:normAutofit/>
-          </a:bodyPr>
-          <a:lstStyle/>
-          <a:p>
-            <a:r>
-              <a:rPr lang="en-US" sz="4000" dirty="0"/>
-              <a:t>Sponsors</a:t>
-            </a:r>
-          </a:p>
-        </p:txBody>
-      </p:sp>
-      <p:sp>
-        <p:nvSpPr>
-          <p:cNvPr id="14" name="Rectangle 13">
-            <a:extLst>
-              <a:ext uri="{FF2B5EF4-FFF2-40B4-BE49-F238E27FC236}">
-                <a16:creationId xmlns:a16="http://schemas.microsoft.com/office/drawing/2014/main" id="{074B4F7D-14B2-478B-8BF5-01E4E0C5D263}"/>
-              </a:ext>
-              <a:ext uri="{C183D7F6-B498-43B3-948B-1728B52AA6E4}">
-                <adec:decorative xmlns:adec="http://schemas.microsoft.com/office/drawing/2017/decorative" val="1"/>
-              </a:ext>
-            </a:extLst>
-          </p:cNvPr>
-          <p:cNvSpPr>
-            <a:spLocks noGrp="1" noRot="1" noChangeAspect="1" noMove="1" noResize="1" noEditPoints="1" noAdjustHandles="1" noChangeArrowheads="1" noChangeShapeType="1" noTextEdit="1"/>
-          </p:cNvSpPr>
-          <p:nvPr>
-            <p:extLst>
-              <p:ext uri="{386F3935-93C4-4BCD-93E2-E3B085C9AB24}">
-                <p16:designElem xmlns:p16="http://schemas.microsoft.com/office/powerpoint/2015/main" val="1"/>
-              </p:ext>
-            </p:extLst>
-          </p:nvPr>
-        </p:nvSpPr>
-        <p:spPr>
-          <a:xfrm>
-            <a:off x="498834" y="758952"/>
-            <a:ext cx="128016" cy="704088"/>
-          </a:xfrm>
-          <a:prstGeom prst="rect">
-            <a:avLst/>
-          </a:prstGeom>
-          <a:solidFill>
-            <a:schemeClr val="accent2"/>
-          </a:solidFill>
-          <a:ln>
-            <a:noFill/>
-          </a:ln>
-        </p:spPr>
-        <p:style>
-          <a:lnRef idx="2">
-            <a:schemeClr val="accent1">
-              <a:shade val="50000"/>
-            </a:schemeClr>
-          </a:lnRef>
-          <a:fillRef idx="1">
-            <a:schemeClr val="accent1"/>
-          </a:fillRef>
-          <a:effectRef idx="0">
-            <a:schemeClr val="accent1"/>
-          </a:effectRef>
-          <a:fontRef idx="minor">
-            <a:schemeClr val="lt1"/>
-          </a:fontRef>
-        </p:style>
-        <p:txBody>
-          <a:bodyPr rtlCol="0" anchor="ctr"/>
-          <a:lstStyle/>
-          <a:p>
-            <a:pPr algn="ctr"/>
-            <a:endParaRPr lang="en-US" dirty="0">
-              <a:solidFill>
-                <a:prstClr val="white"/>
-              </a:solidFill>
-              <a:latin typeface="Calibri" panose="020F0502020204030204"/>
-            </a:endParaRPr>
-          </a:p>
-        </p:txBody>
-      </p:sp>
-      <p:sp>
-        <p:nvSpPr>
-          <p:cNvPr id="3" name="Content Placeholder 2">
-            <a:extLst>
-              <a:ext uri="{FF2B5EF4-FFF2-40B4-BE49-F238E27FC236}">
-                <a16:creationId xmlns:a16="http://schemas.microsoft.com/office/drawing/2014/main" id="{E43BD06B-906D-5C9C-E517-52B27F705E94}"/>
-              </a:ext>
-            </a:extLst>
-          </p:cNvPr>
-          <p:cNvSpPr>
-            <a:spLocks noGrp="1"/>
-          </p:cNvSpPr>
-          <p:nvPr>
-            <p:ph idx="1"/>
-          </p:nvPr>
-        </p:nvSpPr>
-        <p:spPr>
-          <a:xfrm>
-            <a:off x="1115568" y="2481943"/>
-            <a:ext cx="10168128" cy="3695020"/>
-          </a:xfrm>
-        </p:spPr>
-        <p:txBody>
-          <a:bodyPr>
-            <a:normAutofit/>
-          </a:bodyPr>
-          <a:lstStyle/>
-          <a:p>
-            <a:pPr marL="457200" indent="-457200">
-              <a:buFont typeface="+mj-lt"/>
-              <a:buAutoNum type="arabicPeriod"/>
-            </a:pPr>
-            <a:endParaRPr lang="en-US" sz="2200" dirty="0"/>
-          </a:p>
-          <a:p>
-            <a:pPr marL="457200" indent="-457200">
-              <a:buFont typeface="+mj-lt"/>
-              <a:buAutoNum type="arabicPeriod"/>
-            </a:pPr>
-            <a:endParaRPr lang="en-US" sz="2200" dirty="0"/>
-          </a:p>
-          <a:p>
-            <a:pPr marL="457200" indent="-457200">
-              <a:buFont typeface="+mj-lt"/>
-              <a:buAutoNum type="arabicPeriod"/>
-            </a:pPr>
-            <a:endParaRPr lang="en-US" sz="2200" dirty="0"/>
-          </a:p>
-        </p:txBody>
-      </p:sp>
-    </p:spTree>
-    <p:extLst>
-      <p:ext uri="{BB962C8B-B14F-4D97-AF65-F5344CB8AC3E}">
-        <p14:creationId xmlns:p14="http://schemas.microsoft.com/office/powerpoint/2010/main" val="1316702418"/>
-      </p:ext>
-    </p:extLst>
-  </p:cSld>
-  <p:clrMapOvr>
-    <a:masterClrMapping/>
-  </p:clrMapOvr>
-  <p:timing>
-    <p:tnLst>
-      <p:par>
-        <p:cTn id="1" dur="indefinite" restart="never" nodeType="tmRoot">
-          <p:childTnLst>
-            <p:seq concurrent="1" nextAc="seek">
-              <p:cTn id="2" dur="indefinite" nodeType="mainSeq">
-                <p:childTnLst>
-                  <p:par>
-                    <p:cTn id="3" fill="hold">
-                      <p:stCondLst>
-                        <p:cond delay="indefinite"/>
-                      </p:stCondLst>
-                      <p:childTnLst>
-                        <p:par>
-                          <p:cTn id="4" fill="hold">
-                            <p:stCondLst>
-                              <p:cond delay="0"/>
-                            </p:stCondLst>
-                            <p:childTnLst>
-                              <p:par>
-                                <p:cTn id="5" presetID="8" presetClass="emph" presetSubtype="0" fill="hold" grpId="0" nodeType="clickEffect">
-                                  <p:stCondLst>
-                                    <p:cond delay="0"/>
-                                  </p:stCondLst>
-                                  <p:childTnLst>
-                                    <p:animRot by="21600000">
-                                      <p:cBhvr>
-                                        <p:cTn id="6" dur="2000" fill="hold"/>
-                                        <p:tgtEl>
-                                          <p:spTgt spid="14"/>
-                                        </p:tgtEl>
-                                        <p:attrNameLst>
-                                          <p:attrName>r</p:attrName>
-                                        </p:attrNameLst>
-                                      </p:cBhvr>
-                                    </p:animRot>
-                                  </p:childTnLst>
-                                </p:cTn>
-                              </p:par>
-                            </p:childTnLst>
-                          </p:cTn>
-                        </p:par>
-                      </p:childTnLst>
-                    </p:cTn>
-                  </p:par>
-                </p:childTnLst>
-              </p:cTn>
-              <p:prevCondLst>
-                <p:cond evt="onPrev" delay="0">
-                  <p:tgtEl>
-                    <p:sldTgt/>
-                  </p:tgtEl>
-                </p:cond>
-              </p:prevCondLst>
-              <p:nextCondLst>
-                <p:cond evt="onNext" delay="0">
-                  <p:tgtEl>
-                    <p:sldTgt/>
-                  </p:tgtEl>
-                </p:cond>
-              </p:nextCondLst>
-            </p:seq>
-          </p:childTnLst>
-        </p:cTn>
-      </p:par>
-    </p:tnLst>
-    <p:bldLst>
-      <p:bldP spid="14" grpId="0" animBg="1"/>
-    </p:bldLst>
-  </p:timing>
-</p:sld>
-</file>
-
 <file path=ppt/slides/slide2.xml><?xml version="1.0" encoding="utf-8"?>
-<p:sld xmlns:a="http://schemas.openxmlformats.org/drawingml/2006/main" xmlns:r="http://schemas.openxmlformats.org/officeDocument/2006/relationships" xmlns:p="http://schemas.openxmlformats.org/presentationml/2006/main">
-  <p:cSld>
-    <p:spTree>
-      <p:nvGrpSpPr>
-        <p:cNvPr id="1" name=""/>
-        <p:cNvGrpSpPr/>
-        <p:nvPr/>
-      </p:nvGrpSpPr>
-      <p:grpSpPr>
-        <a:xfrm>
-          <a:off x="0" y="0"/>
-          <a:ext cx="0" cy="0"/>
-          <a:chOff x="0" y="0"/>
-          <a:chExt cx="0" cy="0"/>
-        </a:xfrm>
-      </p:grpSpPr>
-      <p:sp>
-        <p:nvSpPr>
-          <p:cNvPr id="2" name="Title 1">
-            <a:extLst>
-              <a:ext uri="{FF2B5EF4-FFF2-40B4-BE49-F238E27FC236}">
-                <a16:creationId xmlns:a16="http://schemas.microsoft.com/office/drawing/2014/main" id="{9347DB6B-8169-FEB2-EFE8-BB8ED29FEA2F}"/>
-              </a:ext>
-            </a:extLst>
-          </p:cNvPr>
-          <p:cNvSpPr>
-            <a:spLocks noGrp="1"/>
-          </p:cNvSpPr>
-          <p:nvPr>
-            <p:ph type="title"/>
-          </p:nvPr>
-        </p:nvSpPr>
-        <p:spPr/>
-        <p:txBody>
-          <a:bodyPr/>
-          <a:lstStyle/>
-          <a:p>
-            <a:endParaRPr lang="en-US" dirty="0"/>
-          </a:p>
-        </p:txBody>
-      </p:sp>
-      <p:pic>
-        <p:nvPicPr>
-          <p:cNvPr id="6" name="Content Placeholder 5" descr="A picture containing text, screenshot, human face, font&#10;&#10;Description automatically generated">
-            <a:extLst>
-              <a:ext uri="{FF2B5EF4-FFF2-40B4-BE49-F238E27FC236}">
-                <a16:creationId xmlns:a16="http://schemas.microsoft.com/office/drawing/2014/main" id="{1774A12E-1FFF-8127-763B-6F5362513EE2}"/>
-              </a:ext>
-            </a:extLst>
-          </p:cNvPr>
-          <p:cNvPicPr>
-            <a:picLocks noGrp="1" noChangeAspect="1"/>
-          </p:cNvPicPr>
-          <p:nvPr>
-            <p:ph idx="1"/>
-          </p:nvPr>
-        </p:nvPicPr>
-        <p:blipFill>
-          <a:blip r:embed="rId3">
-            <a:extLst>
-              <a:ext uri="{28A0092B-C50C-407E-A947-70E740481C1C}">
-                <a14:useLocalDpi xmlns:a14="http://schemas.microsoft.com/office/drawing/2010/main" val="0"/>
-              </a:ext>
-            </a:extLst>
-          </a:blip>
-          <a:stretch>
-            <a:fillRect/>
-          </a:stretch>
-        </p:blipFill>
-        <p:spPr>
-          <a:xfrm>
-            <a:off x="0" y="0"/>
-            <a:ext cx="13033612" cy="7460856"/>
-          </a:xfrm>
-        </p:spPr>
-      </p:pic>
-    </p:spTree>
-    <p:extLst>
-      <p:ext uri="{BB962C8B-B14F-4D97-AF65-F5344CB8AC3E}">
-        <p14:creationId xmlns:p14="http://schemas.microsoft.com/office/powerpoint/2010/main" val="2826635753"/>
-      </p:ext>
-    </p:extLst>
-  </p:cSld>
-  <p:clrMapOvr>
-    <a:masterClrMapping/>
-  </p:clrMapOvr>
-</p:sld>
-</file>
-
-<file path=ppt/slides/slide20.xml><?xml version="1.0" encoding="utf-8"?>
-<p:sld xmlns:a="http://schemas.openxmlformats.org/drawingml/2006/main" xmlns:r="http://schemas.openxmlformats.org/officeDocument/2006/relationships" xmlns:p="http://schemas.openxmlformats.org/presentationml/2006/main">
-  <p:cSld>
-    <p:bg>
-      <p:bgPr>
-        <a:solidFill>
-          <a:schemeClr val="bg1"/>
-        </a:solidFill>
-        <a:effectLst/>
-      </p:bgPr>
-    </p:bg>
-    <p:spTree>
-      <p:nvGrpSpPr>
-        <p:cNvPr id="1" name=""/>
-        <p:cNvGrpSpPr/>
-        <p:nvPr/>
-      </p:nvGrpSpPr>
-      <p:grpSpPr>
-        <a:xfrm>
-          <a:off x="0" y="0"/>
-          <a:ext cx="0" cy="0"/>
-          <a:chOff x="0" y="0"/>
-          <a:chExt cx="0" cy="0"/>
-        </a:xfrm>
-      </p:grpSpPr>
-      <p:sp useBgFill="1">
-        <p:nvSpPr>
-          <p:cNvPr id="8" name="Rectangle 7">
-            <a:extLst>
-              <a:ext uri="{FF2B5EF4-FFF2-40B4-BE49-F238E27FC236}">
-                <a16:creationId xmlns:a16="http://schemas.microsoft.com/office/drawing/2014/main" id="{DAF1966E-FD40-4A4A-B61B-C4DF7FA05F06}"/>
-              </a:ext>
-              <a:ext uri="{C183D7F6-B498-43B3-948B-1728B52AA6E4}">
-                <adec:decorative xmlns:adec="http://schemas.microsoft.com/office/drawing/2017/decorative" val="1"/>
-              </a:ext>
-            </a:extLst>
-          </p:cNvPr>
-          <p:cNvSpPr>
-            <a:spLocks noGrp="1" noRot="1" noChangeAspect="1" noMove="1" noResize="1" noEditPoints="1" noAdjustHandles="1" noChangeArrowheads="1" noChangeShapeType="1" noTextEdit="1"/>
-          </p:cNvSpPr>
-          <p:nvPr>
-            <p:extLst>
-              <p:ext uri="{386F3935-93C4-4BCD-93E2-E3B085C9AB24}">
-                <p16:designElem xmlns:p16="http://schemas.microsoft.com/office/powerpoint/2015/main" val="1"/>
-              </p:ext>
-            </p:extLst>
-          </p:nvPr>
-        </p:nvSpPr>
-        <p:spPr>
-          <a:xfrm>
-            <a:off x="0" y="0"/>
-            <a:ext cx="12192000" cy="6858000"/>
-          </a:xfrm>
-          <a:prstGeom prst="rect">
-            <a:avLst/>
-          </a:prstGeom>
-          <a:ln>
-            <a:noFill/>
-          </a:ln>
-        </p:spPr>
-        <p:style>
-          <a:lnRef idx="2">
-            <a:schemeClr val="accent1">
-              <a:shade val="50000"/>
-            </a:schemeClr>
-          </a:lnRef>
-          <a:fillRef idx="1">
-            <a:schemeClr val="accent1"/>
-          </a:fillRef>
-          <a:effectRef idx="0">
-            <a:schemeClr val="accent1"/>
-          </a:effectRef>
-          <a:fontRef idx="minor">
-            <a:schemeClr val="lt1"/>
-          </a:fontRef>
-        </p:style>
-        <p:txBody>
-          <a:bodyPr rtlCol="0" anchor="ctr"/>
-          <a:lstStyle/>
-          <a:p>
-            <a:pPr algn="ctr"/>
-            <a:endParaRPr lang="en-US" dirty="0"/>
-          </a:p>
-        </p:txBody>
-      </p:sp>
-      <p:sp useBgFill="1">
-        <p:nvSpPr>
-          <p:cNvPr id="10" name="Rectangle 9">
-            <a:extLst>
-              <a:ext uri="{FF2B5EF4-FFF2-40B4-BE49-F238E27FC236}">
-                <a16:creationId xmlns:a16="http://schemas.microsoft.com/office/drawing/2014/main" id="{047BFA19-D45E-416B-A404-7AF2F3F27017}"/>
-              </a:ext>
-              <a:ext uri="{C183D7F6-B498-43B3-948B-1728B52AA6E4}">
-                <adec:decorative xmlns:adec="http://schemas.microsoft.com/office/drawing/2017/decorative" val="1"/>
-              </a:ext>
-            </a:extLst>
-          </p:cNvPr>
-          <p:cNvSpPr>
-            <a:spLocks noGrp="1" noRot="1" noChangeAspect="1" noMove="1" noResize="1" noEditPoints="1" noAdjustHandles="1" noChangeArrowheads="1" noChangeShapeType="1" noTextEdit="1"/>
-          </p:cNvSpPr>
-          <p:nvPr>
-            <p:extLst>
-              <p:ext uri="{386F3935-93C4-4BCD-93E2-E3B085C9AB24}">
-                <p16:designElem xmlns:p16="http://schemas.microsoft.com/office/powerpoint/2015/main" val="1"/>
-              </p:ext>
-            </p:extLst>
-          </p:nvPr>
-        </p:nvSpPr>
-        <p:spPr>
-          <a:xfrm>
-            <a:off x="558209" y="0"/>
-            <a:ext cx="11167447" cy="2018806"/>
-          </a:xfrm>
-          <a:prstGeom prst="rect">
-            <a:avLst/>
-          </a:prstGeom>
-          <a:ln w="9525">
-            <a:solidFill>
-              <a:srgbClr val="E1E1E1"/>
-            </a:solidFill>
-          </a:ln>
-          <a:effectLst>
-            <a:outerShdw blurRad="50800" dist="38100" dir="2700000" algn="tl" rotWithShape="0">
-              <a:schemeClr val="bg1">
-                <a:lumMod val="85000"/>
-                <a:alpha val="50000"/>
-              </a:schemeClr>
-            </a:outerShdw>
-          </a:effectLst>
-        </p:spPr>
-        <p:style>
-          <a:lnRef idx="2">
-            <a:schemeClr val="accent1">
-              <a:shade val="50000"/>
-            </a:schemeClr>
-          </a:lnRef>
-          <a:fillRef idx="1">
-            <a:schemeClr val="accent1"/>
-          </a:fillRef>
-          <a:effectRef idx="0">
-            <a:schemeClr val="accent1"/>
-          </a:effectRef>
-          <a:fontRef idx="minor">
-            <a:schemeClr val="lt1"/>
-          </a:fontRef>
-        </p:style>
-        <p:txBody>
-          <a:bodyPr rtlCol="0" anchor="ctr"/>
-          <a:lstStyle/>
-          <a:p>
-            <a:pPr marL="0" marR="0" lvl="0" indent="0" algn="ctr" defTabSz="914400" rtl="0" eaLnBrk="1" fontAlgn="auto" latinLnBrk="0" hangingPunct="1">
-              <a:lnSpc>
-                <a:spcPct val="100000"/>
-              </a:lnSpc>
-              <a:spcBef>
-                <a:spcPts val="0"/>
-              </a:spcBef>
-              <a:spcAft>
-                <a:spcPts val="0"/>
-              </a:spcAft>
-              <a:buClrTx/>
-              <a:buSzTx/>
-              <a:buFontTx/>
-              <a:buNone/>
-              <a:tabLst/>
-              <a:defRPr/>
-            </a:pPr>
-            <a:endParaRPr kumimoji="0" lang="en-US" sz="1800" b="0" i="0" u="none" strike="noStrike" kern="1200" cap="none" spc="0" normalizeH="0" baseline="0" noProof="0" dirty="0">
-              <a:ln>
-                <a:noFill/>
-              </a:ln>
-              <a:solidFill>
-                <a:prstClr val="white"/>
-              </a:solidFill>
-              <a:effectLst/>
-              <a:uLnTx/>
-              <a:uFillTx/>
-              <a:latin typeface="Calibri" panose="020F0502020204030204"/>
-              <a:ea typeface="+mn-ea"/>
-              <a:cs typeface="+mn-cs"/>
-            </a:endParaRPr>
-          </a:p>
-        </p:txBody>
-      </p:sp>
-      <p:sp useBgFill="1">
-        <p:nvSpPr>
-          <p:cNvPr id="12" name="Rectangle 11">
-            <a:extLst>
-              <a:ext uri="{FF2B5EF4-FFF2-40B4-BE49-F238E27FC236}">
-                <a16:creationId xmlns:a16="http://schemas.microsoft.com/office/drawing/2014/main" id="{8E0105E7-23DB-4CF2-8258-FF47C7620F6E}"/>
-              </a:ext>
-              <a:ext uri="{C183D7F6-B498-43B3-948B-1728B52AA6E4}">
-                <adec:decorative xmlns:adec="http://schemas.microsoft.com/office/drawing/2017/decorative" val="1"/>
-              </a:ext>
-            </a:extLst>
-          </p:cNvPr>
-          <p:cNvSpPr>
-            <a:spLocks noGrp="1" noRot="1" noChangeAspect="1" noMove="1" noResize="1" noEditPoints="1" noAdjustHandles="1" noChangeArrowheads="1" noChangeShapeType="1" noTextEdit="1"/>
-          </p:cNvSpPr>
-          <p:nvPr>
-            <p:extLst>
-              <p:ext uri="{386F3935-93C4-4BCD-93E2-E3B085C9AB24}">
-                <p16:designElem xmlns:p16="http://schemas.microsoft.com/office/powerpoint/2015/main" val="1"/>
-              </p:ext>
-            </p:extLst>
-          </p:nvPr>
-        </p:nvSpPr>
-        <p:spPr>
-          <a:xfrm>
-            <a:off x="566928" y="0"/>
-            <a:ext cx="11155680" cy="2011680"/>
-          </a:xfrm>
-          <a:prstGeom prst="rect">
-            <a:avLst/>
-          </a:prstGeom>
-          <a:ln w="9525">
-            <a:noFill/>
-          </a:ln>
-          <a:effectLst/>
-        </p:spPr>
-        <p:style>
-          <a:lnRef idx="2">
-            <a:schemeClr val="accent1">
-              <a:shade val="50000"/>
-            </a:schemeClr>
-          </a:lnRef>
-          <a:fillRef idx="1">
-            <a:schemeClr val="accent1"/>
-          </a:fillRef>
-          <a:effectRef idx="0">
-            <a:schemeClr val="accent1"/>
-          </a:effectRef>
-          <a:fontRef idx="minor">
-            <a:schemeClr val="lt1"/>
-          </a:fontRef>
-        </p:style>
-        <p:txBody>
-          <a:bodyPr rtlCol="0" anchor="ctr"/>
-          <a:lstStyle/>
-          <a:p>
-            <a:pPr marL="0" marR="0" lvl="0" indent="0" algn="ctr" defTabSz="914400" rtl="0" eaLnBrk="1" fontAlgn="auto" latinLnBrk="0" hangingPunct="1">
-              <a:lnSpc>
-                <a:spcPct val="100000"/>
-              </a:lnSpc>
-              <a:spcBef>
-                <a:spcPts val="0"/>
-              </a:spcBef>
-              <a:spcAft>
-                <a:spcPts val="0"/>
-              </a:spcAft>
-              <a:buClrTx/>
-              <a:buSzTx/>
-              <a:buFontTx/>
-              <a:buNone/>
-              <a:tabLst/>
-              <a:defRPr/>
-            </a:pPr>
-            <a:endParaRPr kumimoji="0" lang="en-US" sz="1800" b="0" i="0" u="none" strike="noStrike" kern="1200" cap="none" spc="0" normalizeH="0" baseline="0" noProof="0" dirty="0">
-              <a:ln>
-                <a:noFill/>
-              </a:ln>
-              <a:solidFill>
-                <a:prstClr val="white"/>
-              </a:solidFill>
-              <a:effectLst/>
-              <a:uLnTx/>
-              <a:uFillTx/>
-              <a:latin typeface="Calibri" panose="020F0502020204030204"/>
-              <a:ea typeface="+mn-ea"/>
-              <a:cs typeface="+mn-cs"/>
-            </a:endParaRPr>
-          </a:p>
-        </p:txBody>
-      </p:sp>
-      <p:sp>
-        <p:nvSpPr>
-          <p:cNvPr id="2" name="Title 1">
-            <a:extLst>
-              <a:ext uri="{FF2B5EF4-FFF2-40B4-BE49-F238E27FC236}">
-                <a16:creationId xmlns:a16="http://schemas.microsoft.com/office/drawing/2014/main" id="{82CF4B60-062A-25CD-E448-6C8255EEF9CC}"/>
-              </a:ext>
-            </a:extLst>
-          </p:cNvPr>
-          <p:cNvSpPr>
-            <a:spLocks noGrp="1"/>
-          </p:cNvSpPr>
-          <p:nvPr>
-            <p:ph type="title"/>
-          </p:nvPr>
-        </p:nvSpPr>
-        <p:spPr>
-          <a:xfrm>
-            <a:off x="1115568" y="548640"/>
-            <a:ext cx="10168128" cy="1179576"/>
-          </a:xfrm>
-        </p:spPr>
-        <p:txBody>
-          <a:bodyPr>
-            <a:normAutofit/>
-          </a:bodyPr>
-          <a:lstStyle/>
-          <a:p>
-            <a:r>
-              <a:rPr lang="en-US" sz="4800" dirty="0"/>
-              <a:t>Thank You</a:t>
-            </a:r>
-          </a:p>
-        </p:txBody>
-      </p:sp>
-      <p:sp>
-        <p:nvSpPr>
-          <p:cNvPr id="14" name="Rectangle 13">
-            <a:extLst>
-              <a:ext uri="{FF2B5EF4-FFF2-40B4-BE49-F238E27FC236}">
-                <a16:creationId xmlns:a16="http://schemas.microsoft.com/office/drawing/2014/main" id="{074B4F7D-14B2-478B-8BF5-01E4E0C5D263}"/>
-              </a:ext>
-              <a:ext uri="{C183D7F6-B498-43B3-948B-1728B52AA6E4}">
-                <adec:decorative xmlns:adec="http://schemas.microsoft.com/office/drawing/2017/decorative" val="1"/>
-              </a:ext>
-            </a:extLst>
-          </p:cNvPr>
-          <p:cNvSpPr>
-            <a:spLocks noGrp="1" noRot="1" noChangeAspect="1" noMove="1" noResize="1" noEditPoints="1" noAdjustHandles="1" noChangeArrowheads="1" noChangeShapeType="1" noTextEdit="1"/>
-          </p:cNvSpPr>
-          <p:nvPr>
-            <p:extLst>
-              <p:ext uri="{386F3935-93C4-4BCD-93E2-E3B085C9AB24}">
-                <p16:designElem xmlns:p16="http://schemas.microsoft.com/office/powerpoint/2015/main" val="1"/>
-              </p:ext>
-            </p:extLst>
-          </p:nvPr>
-        </p:nvSpPr>
-        <p:spPr>
-          <a:xfrm>
-            <a:off x="498834" y="758952"/>
-            <a:ext cx="128016" cy="704088"/>
-          </a:xfrm>
-          <a:prstGeom prst="rect">
-            <a:avLst/>
-          </a:prstGeom>
-          <a:solidFill>
-            <a:schemeClr val="accent2"/>
-          </a:solidFill>
-          <a:ln>
-            <a:noFill/>
-          </a:ln>
-        </p:spPr>
-        <p:style>
-          <a:lnRef idx="2">
-            <a:schemeClr val="accent1">
-              <a:shade val="50000"/>
-            </a:schemeClr>
-          </a:lnRef>
-          <a:fillRef idx="1">
-            <a:schemeClr val="accent1"/>
-          </a:fillRef>
-          <a:effectRef idx="0">
-            <a:schemeClr val="accent1"/>
-          </a:effectRef>
-          <a:fontRef idx="minor">
-            <a:schemeClr val="lt1"/>
-          </a:fontRef>
-        </p:style>
-        <p:txBody>
-          <a:bodyPr rtlCol="0" anchor="ctr"/>
-          <a:lstStyle/>
-          <a:p>
-            <a:pPr algn="ctr"/>
-            <a:endParaRPr lang="en-US" dirty="0">
-              <a:solidFill>
-                <a:prstClr val="white"/>
-              </a:solidFill>
-              <a:latin typeface="Calibri" panose="020F0502020204030204"/>
-            </a:endParaRPr>
-          </a:p>
-        </p:txBody>
-      </p:sp>
-      <p:sp>
-        <p:nvSpPr>
-          <p:cNvPr id="3" name="Content Placeholder 2">
-            <a:extLst>
-              <a:ext uri="{FF2B5EF4-FFF2-40B4-BE49-F238E27FC236}">
-                <a16:creationId xmlns:a16="http://schemas.microsoft.com/office/drawing/2014/main" id="{E43BD06B-906D-5C9C-E517-52B27F705E94}"/>
-              </a:ext>
-            </a:extLst>
-          </p:cNvPr>
-          <p:cNvSpPr>
-            <a:spLocks noGrp="1"/>
-          </p:cNvSpPr>
-          <p:nvPr>
-            <p:ph idx="1"/>
-          </p:nvPr>
-        </p:nvSpPr>
-        <p:spPr>
-          <a:xfrm>
-            <a:off x="1992884" y="2560320"/>
-            <a:ext cx="8206232" cy="3695020"/>
-          </a:xfrm>
-        </p:spPr>
-        <p:txBody>
-          <a:bodyPr>
-            <a:normAutofit/>
-          </a:bodyPr>
-          <a:lstStyle/>
-          <a:p>
-            <a:pPr marL="0" indent="0">
-              <a:buNone/>
-            </a:pPr>
-            <a:r>
-              <a:rPr lang="en-US" dirty="0"/>
-              <a:t>All resources can be found at:</a:t>
-            </a:r>
-          </a:p>
-          <a:p>
-            <a:pPr marL="0" indent="0">
-              <a:buNone/>
-            </a:pPr>
-            <a:r>
-              <a:rPr lang="en-US" dirty="0">
-                <a:hlinkClick r:id="rId2"/>
-              </a:rPr>
-              <a:t>https://github.com/kevmoens/ThatConference2023</a:t>
-            </a:r>
-            <a:endParaRPr lang="en-US" dirty="0"/>
-          </a:p>
-          <a:p>
-            <a:pPr marL="0" indent="0">
-              <a:buNone/>
-            </a:pPr>
-            <a:r>
-              <a:rPr lang="en-US" dirty="0" err="1">
-                <a:hlinkClick r:id="rId3"/>
-              </a:rPr>
-              <a:t>kevmoens</a:t>
-            </a:r>
-            <a:r>
-              <a:rPr lang="en-US" dirty="0">
-                <a:hlinkClick r:id="rId3"/>
-              </a:rPr>
-              <a:t>/</a:t>
-            </a:r>
-            <a:r>
-              <a:rPr lang="en-US" dirty="0" err="1">
-                <a:hlinkClick r:id="rId3"/>
-              </a:rPr>
-              <a:t>RequestTimeOff</a:t>
-            </a:r>
-            <a:r>
-              <a:rPr lang="en-US" dirty="0">
-                <a:hlinkClick r:id="rId3"/>
-              </a:rPr>
-              <a:t> (github.com)</a:t>
-            </a:r>
-            <a:endParaRPr lang="en-US" dirty="0"/>
-          </a:p>
-          <a:p>
-            <a:pPr marL="0" indent="0">
-              <a:buNone/>
-            </a:pPr>
-            <a:endParaRPr lang="en-US" dirty="0"/>
-          </a:p>
-        </p:txBody>
-      </p:sp>
-    </p:spTree>
-    <p:extLst>
-      <p:ext uri="{BB962C8B-B14F-4D97-AF65-F5344CB8AC3E}">
-        <p14:creationId xmlns:p14="http://schemas.microsoft.com/office/powerpoint/2010/main" val="1252023632"/>
-      </p:ext>
-    </p:extLst>
-  </p:cSld>
-  <p:clrMapOvr>
-    <a:masterClrMapping/>
-  </p:clrMapOvr>
-</p:sld>
-</file>
-
-<file path=ppt/slides/slide3.xml><?xml version="1.0" encoding="utf-8"?>
 <p:sld xmlns:a="http://schemas.openxmlformats.org/drawingml/2006/main" xmlns:r="http://schemas.openxmlformats.org/officeDocument/2006/relationships" xmlns:p="http://schemas.openxmlformats.org/presentationml/2006/main">
   <p:cSld>
     <p:bg>
@@ -11335,13 +12000,18 @@
           <a:lstStyle/>
           <a:p>
             <a:r>
-              <a:rPr lang="en-US" dirty="0">
+              <a:rPr lang="en-US" dirty="0" err="1">
                 <a:solidFill>
                   <a:srgbClr val="FFFFFF"/>
                 </a:solidFill>
               </a:rPr>
-              <a:t>Background</a:t>
-            </a:r>
+              <a:t>Specflow</a:t>
+            </a:r>
+            <a:endParaRPr lang="en-US" dirty="0">
+              <a:solidFill>
+                <a:srgbClr val="FFFFFF"/>
+              </a:solidFill>
+            </a:endParaRPr>
           </a:p>
         </p:txBody>
       </p:sp>
@@ -11436,60 +12106,49 @@
           <a:p>
             <a:r>
               <a:rPr lang="en-US" dirty="0"/>
-              <a:t>Continuously try to improve my skills</a:t>
+              <a:t>Hello</a:t>
             </a:r>
           </a:p>
           <a:p>
             <a:r>
               <a:rPr lang="en-US" dirty="0"/>
-              <a:t>Follow Dave Farley / Nick </a:t>
-            </a:r>
+              <a:t>@Kevmoens</a:t>
+            </a:r>
+          </a:p>
+          <a:p>
+            <a:r>
+              <a:rPr lang="en-US" dirty="0"/>
+              <a:t>15 projects in the queue and 12 pull requests coming in Q4 2023</a:t>
+            </a:r>
+          </a:p>
+          <a:p>
+            <a:r>
+              <a:rPr lang="en-US" dirty="0"/>
+              <a:t>Samantha Roberts</a:t>
+            </a:r>
+          </a:p>
+          <a:p>
+            <a:pPr lvl="1"/>
+            <a:r>
+              <a:rPr lang="en-US" dirty="0"/>
+              <a:t>QA Manager</a:t>
+            </a:r>
+          </a:p>
+          <a:p>
+            <a:pPr lvl="1"/>
             <a:r>
               <a:rPr lang="en-US" dirty="0" err="1"/>
-              <a:t>Chapsas</a:t>
-            </a:r>
-            <a:endParaRPr lang="en-US" dirty="0"/>
-          </a:p>
-          <a:p>
+              <a:t>TechologyPro</a:t>
+            </a:r>
             <a:r>
               <a:rPr lang="en-US" dirty="0"/>
-              <a:t>Attended Nick </a:t>
-            </a:r>
-            <a:r>
-              <a:rPr lang="en-US" dirty="0" err="1"/>
-              <a:t>Chapsas</a:t>
-            </a:r>
+              <a:t> Inc and Corp Solutions LLC Ltd</a:t>
+            </a:r>
+          </a:p>
+          <a:p>
             <a:r>
               <a:rPr lang="en-US" dirty="0"/>
-              <a:t>’ 2022 Workshop</a:t>
-            </a:r>
-          </a:p>
-          <a:p>
-            <a:pPr lvl="1"/>
-            <a:r>
-              <a:rPr lang="en-US" dirty="0"/>
-              <a:t>NDC Minnesota</a:t>
-            </a:r>
-          </a:p>
-          <a:p>
-            <a:pPr lvl="1"/>
-            <a:r>
-              <a:rPr lang="en-US" dirty="0"/>
-              <a:t>From Zero to Hero: Effective Testing</a:t>
-            </a:r>
-          </a:p>
-          <a:p>
-            <a:r>
-              <a:rPr lang="en-US" dirty="0"/>
-              <a:t>Started </a:t>
-            </a:r>
-            <a:r>
-              <a:rPr lang="en-US" dirty="0" err="1"/>
-              <a:t>Specflow</a:t>
-            </a:r>
-            <a:r>
-              <a:rPr lang="en-US" dirty="0"/>
-              <a:t> after Nick’s videos in 2021</a:t>
+              <a:t>GetSpecflow.com</a:t>
             </a:r>
           </a:p>
           <a:p>
@@ -11607,6 +12266,313 @@
                       </p:childTnLst>
                     </p:cTn>
                   </p:par>
+                  <p:par>
+                    <p:cTn id="9" fill="hold">
+                      <p:stCondLst>
+                        <p:cond delay="indefinite"/>
+                      </p:stCondLst>
+                      <p:childTnLst>
+                        <p:par>
+                          <p:cTn id="10" fill="hold">
+                            <p:stCondLst>
+                              <p:cond delay="0"/>
+                            </p:stCondLst>
+                            <p:childTnLst>
+                              <p:par>
+                                <p:cTn id="11" presetID="1" presetClass="entr" presetSubtype="0" fill="hold" grpId="0" nodeType="clickEffect">
+                                  <p:stCondLst>
+                                    <p:cond delay="0"/>
+                                  </p:stCondLst>
+                                  <p:childTnLst>
+                                    <p:set>
+                                      <p:cBhvr>
+                                        <p:cTn id="12" dur="1" fill="hold">
+                                          <p:stCondLst>
+                                            <p:cond delay="0"/>
+                                          </p:stCondLst>
+                                        </p:cTn>
+                                        <p:tgtEl>
+                                          <p:spTgt spid="3">
+                                            <p:txEl>
+                                              <p:pRg st="0" end="0"/>
+                                            </p:txEl>
+                                          </p:spTgt>
+                                        </p:tgtEl>
+                                        <p:attrNameLst>
+                                          <p:attrName>style.visibility</p:attrName>
+                                        </p:attrNameLst>
+                                      </p:cBhvr>
+                                      <p:to>
+                                        <p:strVal val="visible"/>
+                                      </p:to>
+                                    </p:set>
+                                  </p:childTnLst>
+                                </p:cTn>
+                              </p:par>
+                            </p:childTnLst>
+                          </p:cTn>
+                        </p:par>
+                      </p:childTnLst>
+                    </p:cTn>
+                  </p:par>
+                  <p:par>
+                    <p:cTn id="13" fill="hold">
+                      <p:stCondLst>
+                        <p:cond delay="indefinite"/>
+                      </p:stCondLst>
+                      <p:childTnLst>
+                        <p:par>
+                          <p:cTn id="14" fill="hold">
+                            <p:stCondLst>
+                              <p:cond delay="0"/>
+                            </p:stCondLst>
+                            <p:childTnLst>
+                              <p:par>
+                                <p:cTn id="15" presetID="1" presetClass="entr" presetSubtype="0" fill="hold" grpId="0" nodeType="clickEffect">
+                                  <p:stCondLst>
+                                    <p:cond delay="0"/>
+                                  </p:stCondLst>
+                                  <p:childTnLst>
+                                    <p:set>
+                                      <p:cBhvr>
+                                        <p:cTn id="16" dur="1" fill="hold">
+                                          <p:stCondLst>
+                                            <p:cond delay="0"/>
+                                          </p:stCondLst>
+                                        </p:cTn>
+                                        <p:tgtEl>
+                                          <p:spTgt spid="3">
+                                            <p:txEl>
+                                              <p:pRg st="1" end="1"/>
+                                            </p:txEl>
+                                          </p:spTgt>
+                                        </p:tgtEl>
+                                        <p:attrNameLst>
+                                          <p:attrName>style.visibility</p:attrName>
+                                        </p:attrNameLst>
+                                      </p:cBhvr>
+                                      <p:to>
+                                        <p:strVal val="visible"/>
+                                      </p:to>
+                                    </p:set>
+                                  </p:childTnLst>
+                                </p:cTn>
+                              </p:par>
+                            </p:childTnLst>
+                          </p:cTn>
+                        </p:par>
+                      </p:childTnLst>
+                    </p:cTn>
+                  </p:par>
+                  <p:par>
+                    <p:cTn id="17" fill="hold">
+                      <p:stCondLst>
+                        <p:cond delay="indefinite"/>
+                      </p:stCondLst>
+                      <p:childTnLst>
+                        <p:par>
+                          <p:cTn id="18" fill="hold">
+                            <p:stCondLst>
+                              <p:cond delay="0"/>
+                            </p:stCondLst>
+                            <p:childTnLst>
+                              <p:par>
+                                <p:cTn id="19" presetID="1" presetClass="entr" presetSubtype="0" fill="hold" grpId="0" nodeType="clickEffect">
+                                  <p:stCondLst>
+                                    <p:cond delay="0"/>
+                                  </p:stCondLst>
+                                  <p:childTnLst>
+                                    <p:set>
+                                      <p:cBhvr>
+                                        <p:cTn id="20" dur="1" fill="hold">
+                                          <p:stCondLst>
+                                            <p:cond delay="0"/>
+                                          </p:stCondLst>
+                                        </p:cTn>
+                                        <p:tgtEl>
+                                          <p:spTgt spid="3">
+                                            <p:txEl>
+                                              <p:pRg st="2" end="2"/>
+                                            </p:txEl>
+                                          </p:spTgt>
+                                        </p:tgtEl>
+                                        <p:attrNameLst>
+                                          <p:attrName>style.visibility</p:attrName>
+                                        </p:attrNameLst>
+                                      </p:cBhvr>
+                                      <p:to>
+                                        <p:strVal val="visible"/>
+                                      </p:to>
+                                    </p:set>
+                                  </p:childTnLst>
+                                </p:cTn>
+                              </p:par>
+                            </p:childTnLst>
+                          </p:cTn>
+                        </p:par>
+                      </p:childTnLst>
+                    </p:cTn>
+                  </p:par>
+                  <p:par>
+                    <p:cTn id="21" fill="hold">
+                      <p:stCondLst>
+                        <p:cond delay="indefinite"/>
+                      </p:stCondLst>
+                      <p:childTnLst>
+                        <p:par>
+                          <p:cTn id="22" fill="hold">
+                            <p:stCondLst>
+                              <p:cond delay="0"/>
+                            </p:stCondLst>
+                            <p:childTnLst>
+                              <p:par>
+                                <p:cTn id="23" presetID="1" presetClass="entr" presetSubtype="0" fill="hold" grpId="0" nodeType="clickEffect">
+                                  <p:stCondLst>
+                                    <p:cond delay="0"/>
+                                  </p:stCondLst>
+                                  <p:childTnLst>
+                                    <p:set>
+                                      <p:cBhvr>
+                                        <p:cTn id="24" dur="1" fill="hold">
+                                          <p:stCondLst>
+                                            <p:cond delay="0"/>
+                                          </p:stCondLst>
+                                        </p:cTn>
+                                        <p:tgtEl>
+                                          <p:spTgt spid="3">
+                                            <p:txEl>
+                                              <p:pRg st="3" end="3"/>
+                                            </p:txEl>
+                                          </p:spTgt>
+                                        </p:tgtEl>
+                                        <p:attrNameLst>
+                                          <p:attrName>style.visibility</p:attrName>
+                                        </p:attrNameLst>
+                                      </p:cBhvr>
+                                      <p:to>
+                                        <p:strVal val="visible"/>
+                                      </p:to>
+                                    </p:set>
+                                  </p:childTnLst>
+                                </p:cTn>
+                              </p:par>
+                              <p:par>
+                                <p:cTn id="25" presetID="1" presetClass="entr" presetSubtype="0" fill="hold" grpId="0" nodeType="withEffect">
+                                  <p:stCondLst>
+                                    <p:cond delay="0"/>
+                                  </p:stCondLst>
+                                  <p:childTnLst>
+                                    <p:set>
+                                      <p:cBhvr>
+                                        <p:cTn id="26" dur="1" fill="hold">
+                                          <p:stCondLst>
+                                            <p:cond delay="0"/>
+                                          </p:stCondLst>
+                                        </p:cTn>
+                                        <p:tgtEl>
+                                          <p:spTgt spid="3">
+                                            <p:txEl>
+                                              <p:pRg st="4" end="4"/>
+                                            </p:txEl>
+                                          </p:spTgt>
+                                        </p:tgtEl>
+                                        <p:attrNameLst>
+                                          <p:attrName>style.visibility</p:attrName>
+                                        </p:attrNameLst>
+                                      </p:cBhvr>
+                                      <p:to>
+                                        <p:strVal val="visible"/>
+                                      </p:to>
+                                    </p:set>
+                                  </p:childTnLst>
+                                </p:cTn>
+                              </p:par>
+                              <p:par>
+                                <p:cTn id="27" presetID="1" presetClass="entr" presetSubtype="0" fill="hold" grpId="0" nodeType="withEffect">
+                                  <p:stCondLst>
+                                    <p:cond delay="0"/>
+                                  </p:stCondLst>
+                                  <p:childTnLst>
+                                    <p:set>
+                                      <p:cBhvr>
+                                        <p:cTn id="28" dur="1" fill="hold">
+                                          <p:stCondLst>
+                                            <p:cond delay="0"/>
+                                          </p:stCondLst>
+                                        </p:cTn>
+                                        <p:tgtEl>
+                                          <p:spTgt spid="3">
+                                            <p:txEl>
+                                              <p:pRg st="5" end="5"/>
+                                            </p:txEl>
+                                          </p:spTgt>
+                                        </p:tgtEl>
+                                        <p:attrNameLst>
+                                          <p:attrName>style.visibility</p:attrName>
+                                        </p:attrNameLst>
+                                      </p:cBhvr>
+                                      <p:to>
+                                        <p:strVal val="visible"/>
+                                      </p:to>
+                                    </p:set>
+                                  </p:childTnLst>
+                                </p:cTn>
+                              </p:par>
+                            </p:childTnLst>
+                          </p:cTn>
+                        </p:par>
+                      </p:childTnLst>
+                    </p:cTn>
+                  </p:par>
+                  <p:par>
+                    <p:cTn id="29" fill="hold">
+                      <p:stCondLst>
+                        <p:cond delay="indefinite"/>
+                      </p:stCondLst>
+                      <p:childTnLst>
+                        <p:par>
+                          <p:cTn id="30" fill="hold">
+                            <p:stCondLst>
+                              <p:cond delay="0"/>
+                            </p:stCondLst>
+                            <p:childTnLst>
+                              <p:par>
+                                <p:cTn id="31" presetID="1" presetClass="entr" presetSubtype="0" fill="hold" grpId="0" nodeType="clickEffect">
+                                  <p:stCondLst>
+                                    <p:cond delay="0"/>
+                                  </p:stCondLst>
+                                  <p:childTnLst>
+                                    <p:set>
+                                      <p:cBhvr>
+                                        <p:cTn id="32" dur="1" fill="hold">
+                                          <p:stCondLst>
+                                            <p:cond delay="0"/>
+                                          </p:stCondLst>
+                                        </p:cTn>
+                                        <p:tgtEl>
+                                          <p:spTgt spid="3">
+                                            <p:txEl>
+                                              <p:pRg st="6" end="6"/>
+                                            </p:txEl>
+                                          </p:spTgt>
+                                        </p:tgtEl>
+                                        <p:attrNameLst>
+                                          <p:attrName>style.visibility</p:attrName>
+                                        </p:attrNameLst>
+                                      </p:cBhvr>
+                                      <p:to>
+                                        <p:strVal val="visible"/>
+                                      </p:to>
+                                    </p:set>
+                                  </p:childTnLst>
+                                </p:cTn>
+                              </p:par>
+                            </p:childTnLst>
+                          </p:cTn>
+                        </p:par>
+                      </p:childTnLst>
+                    </p:cTn>
+                  </p:par>
                 </p:childTnLst>
               </p:cTn>
               <p:prevCondLst>
@@ -11630,12 +12596,982 @@
     </p:tnLst>
     <p:bldLst>
       <p:bldP spid="10" grpId="0" animBg="1"/>
+      <p:bldP spid="3" grpId="0" build="p"/>
     </p:bldLst>
   </p:timing>
 </p:sld>
 </file>
 
-<file path=ppt/slides/slide4.xml><?xml version="1.0" encoding="utf-8"?>
+<file path=ppt/slides/slide20.xml><?xml version="1.0" encoding="utf-8"?>
+<p:sld xmlns:a="http://schemas.openxmlformats.org/drawingml/2006/main" xmlns:r="http://schemas.openxmlformats.org/officeDocument/2006/relationships" xmlns:p="http://schemas.openxmlformats.org/presentationml/2006/main">
+  <p:cSld>
+    <p:bg>
+      <p:bgPr>
+        <a:solidFill>
+          <a:schemeClr val="bg1"/>
+        </a:solidFill>
+        <a:effectLst/>
+      </p:bgPr>
+    </p:bg>
+    <p:spTree>
+      <p:nvGrpSpPr>
+        <p:cNvPr id="1" name=""/>
+        <p:cNvGrpSpPr/>
+        <p:nvPr/>
+      </p:nvGrpSpPr>
+      <p:grpSpPr>
+        <a:xfrm>
+          <a:off x="0" y="0"/>
+          <a:ext cx="0" cy="0"/>
+          <a:chOff x="0" y="0"/>
+          <a:chExt cx="0" cy="0"/>
+        </a:xfrm>
+      </p:grpSpPr>
+      <p:sp useBgFill="1">
+        <p:nvSpPr>
+          <p:cNvPr id="8" name="Rectangle 7">
+            <a:extLst>
+              <a:ext uri="{FF2B5EF4-FFF2-40B4-BE49-F238E27FC236}">
+                <a16:creationId xmlns:a16="http://schemas.microsoft.com/office/drawing/2014/main" id="{DAF1966E-FD40-4A4A-B61B-C4DF7FA05F06}"/>
+              </a:ext>
+              <a:ext uri="{C183D7F6-B498-43B3-948B-1728B52AA6E4}">
+                <adec:decorative xmlns:adec="http://schemas.microsoft.com/office/drawing/2017/decorative" val="1"/>
+              </a:ext>
+            </a:extLst>
+          </p:cNvPr>
+          <p:cNvSpPr>
+            <a:spLocks noGrp="1" noRot="1" noChangeAspect="1" noMove="1" noResize="1" noEditPoints="1" noAdjustHandles="1" noChangeArrowheads="1" noChangeShapeType="1" noTextEdit="1"/>
+          </p:cNvSpPr>
+          <p:nvPr>
+            <p:extLst>
+              <p:ext uri="{386F3935-93C4-4BCD-93E2-E3B085C9AB24}">
+                <p16:designElem xmlns:p16="http://schemas.microsoft.com/office/powerpoint/2015/main" val="1"/>
+              </p:ext>
+            </p:extLst>
+          </p:nvPr>
+        </p:nvSpPr>
+        <p:spPr>
+          <a:xfrm>
+            <a:off x="0" y="0"/>
+            <a:ext cx="12192000" cy="6858000"/>
+          </a:xfrm>
+          <a:prstGeom prst="rect">
+            <a:avLst/>
+          </a:prstGeom>
+          <a:ln>
+            <a:noFill/>
+          </a:ln>
+        </p:spPr>
+        <p:style>
+          <a:lnRef idx="2">
+            <a:schemeClr val="accent1">
+              <a:shade val="50000"/>
+            </a:schemeClr>
+          </a:lnRef>
+          <a:fillRef idx="1">
+            <a:schemeClr val="accent1"/>
+          </a:fillRef>
+          <a:effectRef idx="0">
+            <a:schemeClr val="accent1"/>
+          </a:effectRef>
+          <a:fontRef idx="minor">
+            <a:schemeClr val="lt1"/>
+          </a:fontRef>
+        </p:style>
+        <p:txBody>
+          <a:bodyPr rtlCol="0" anchor="ctr"/>
+          <a:lstStyle/>
+          <a:p>
+            <a:pPr algn="ctr"/>
+            <a:endParaRPr lang="en-US" dirty="0"/>
+          </a:p>
+        </p:txBody>
+      </p:sp>
+      <p:sp useBgFill="1">
+        <p:nvSpPr>
+          <p:cNvPr id="10" name="Rectangle 9">
+            <a:extLst>
+              <a:ext uri="{FF2B5EF4-FFF2-40B4-BE49-F238E27FC236}">
+                <a16:creationId xmlns:a16="http://schemas.microsoft.com/office/drawing/2014/main" id="{047BFA19-D45E-416B-A404-7AF2F3F27017}"/>
+              </a:ext>
+              <a:ext uri="{C183D7F6-B498-43B3-948B-1728B52AA6E4}">
+                <adec:decorative xmlns:adec="http://schemas.microsoft.com/office/drawing/2017/decorative" val="1"/>
+              </a:ext>
+            </a:extLst>
+          </p:cNvPr>
+          <p:cNvSpPr>
+            <a:spLocks noGrp="1" noRot="1" noChangeAspect="1" noMove="1" noResize="1" noEditPoints="1" noAdjustHandles="1" noChangeArrowheads="1" noChangeShapeType="1" noTextEdit="1"/>
+          </p:cNvSpPr>
+          <p:nvPr>
+            <p:extLst>
+              <p:ext uri="{386F3935-93C4-4BCD-93E2-E3B085C9AB24}">
+                <p16:designElem xmlns:p16="http://schemas.microsoft.com/office/powerpoint/2015/main" val="1"/>
+              </p:ext>
+            </p:extLst>
+          </p:nvPr>
+        </p:nvSpPr>
+        <p:spPr>
+          <a:xfrm>
+            <a:off x="558209" y="0"/>
+            <a:ext cx="11167447" cy="2018806"/>
+          </a:xfrm>
+          <a:prstGeom prst="rect">
+            <a:avLst/>
+          </a:prstGeom>
+          <a:ln w="9525">
+            <a:solidFill>
+              <a:srgbClr val="E1E1E1"/>
+            </a:solidFill>
+          </a:ln>
+          <a:effectLst>
+            <a:outerShdw blurRad="50800" dist="38100" dir="2700000" algn="tl" rotWithShape="0">
+              <a:schemeClr val="bg1">
+                <a:lumMod val="85000"/>
+                <a:alpha val="50000"/>
+              </a:schemeClr>
+            </a:outerShdw>
+          </a:effectLst>
+        </p:spPr>
+        <p:style>
+          <a:lnRef idx="2">
+            <a:schemeClr val="accent1">
+              <a:shade val="50000"/>
+            </a:schemeClr>
+          </a:lnRef>
+          <a:fillRef idx="1">
+            <a:schemeClr val="accent1"/>
+          </a:fillRef>
+          <a:effectRef idx="0">
+            <a:schemeClr val="accent1"/>
+          </a:effectRef>
+          <a:fontRef idx="minor">
+            <a:schemeClr val="lt1"/>
+          </a:fontRef>
+        </p:style>
+        <p:txBody>
+          <a:bodyPr rtlCol="0" anchor="ctr"/>
+          <a:lstStyle/>
+          <a:p>
+            <a:pPr marL="0" marR="0" lvl="0" indent="0" algn="ctr" defTabSz="914400" rtl="0" eaLnBrk="1" fontAlgn="auto" latinLnBrk="0" hangingPunct="1">
+              <a:lnSpc>
+                <a:spcPct val="100000"/>
+              </a:lnSpc>
+              <a:spcBef>
+                <a:spcPts val="0"/>
+              </a:spcBef>
+              <a:spcAft>
+                <a:spcPts val="0"/>
+              </a:spcAft>
+              <a:buClrTx/>
+              <a:buSzTx/>
+              <a:buFontTx/>
+              <a:buNone/>
+              <a:tabLst/>
+              <a:defRPr/>
+            </a:pPr>
+            <a:endParaRPr kumimoji="0" lang="en-US" sz="1800" b="0" i="0" u="none" strike="noStrike" kern="1200" cap="none" spc="0" normalizeH="0" baseline="0" noProof="0" dirty="0">
+              <a:ln>
+                <a:noFill/>
+              </a:ln>
+              <a:solidFill>
+                <a:prstClr val="white"/>
+              </a:solidFill>
+              <a:effectLst/>
+              <a:uLnTx/>
+              <a:uFillTx/>
+              <a:latin typeface="Calibri" panose="020F0502020204030204"/>
+              <a:ea typeface="+mn-ea"/>
+              <a:cs typeface="+mn-cs"/>
+            </a:endParaRPr>
+          </a:p>
+        </p:txBody>
+      </p:sp>
+      <p:sp useBgFill="1">
+        <p:nvSpPr>
+          <p:cNvPr id="12" name="Rectangle 11">
+            <a:extLst>
+              <a:ext uri="{FF2B5EF4-FFF2-40B4-BE49-F238E27FC236}">
+                <a16:creationId xmlns:a16="http://schemas.microsoft.com/office/drawing/2014/main" id="{8E0105E7-23DB-4CF2-8258-FF47C7620F6E}"/>
+              </a:ext>
+              <a:ext uri="{C183D7F6-B498-43B3-948B-1728B52AA6E4}">
+                <adec:decorative xmlns:adec="http://schemas.microsoft.com/office/drawing/2017/decorative" val="1"/>
+              </a:ext>
+            </a:extLst>
+          </p:cNvPr>
+          <p:cNvSpPr>
+            <a:spLocks noGrp="1" noRot="1" noChangeAspect="1" noMove="1" noResize="1" noEditPoints="1" noAdjustHandles="1" noChangeArrowheads="1" noChangeShapeType="1" noTextEdit="1"/>
+          </p:cNvSpPr>
+          <p:nvPr>
+            <p:extLst>
+              <p:ext uri="{386F3935-93C4-4BCD-93E2-E3B085C9AB24}">
+                <p16:designElem xmlns:p16="http://schemas.microsoft.com/office/powerpoint/2015/main" val="1"/>
+              </p:ext>
+            </p:extLst>
+          </p:nvPr>
+        </p:nvSpPr>
+        <p:spPr>
+          <a:xfrm>
+            <a:off x="566928" y="0"/>
+            <a:ext cx="11155680" cy="2011680"/>
+          </a:xfrm>
+          <a:prstGeom prst="rect">
+            <a:avLst/>
+          </a:prstGeom>
+          <a:ln w="9525">
+            <a:noFill/>
+          </a:ln>
+          <a:effectLst/>
+        </p:spPr>
+        <p:style>
+          <a:lnRef idx="2">
+            <a:schemeClr val="accent1">
+              <a:shade val="50000"/>
+            </a:schemeClr>
+          </a:lnRef>
+          <a:fillRef idx="1">
+            <a:schemeClr val="accent1"/>
+          </a:fillRef>
+          <a:effectRef idx="0">
+            <a:schemeClr val="accent1"/>
+          </a:effectRef>
+          <a:fontRef idx="minor">
+            <a:schemeClr val="lt1"/>
+          </a:fontRef>
+        </p:style>
+        <p:txBody>
+          <a:bodyPr rtlCol="0" anchor="ctr"/>
+          <a:lstStyle/>
+          <a:p>
+            <a:pPr marL="0" marR="0" lvl="0" indent="0" algn="ctr" defTabSz="914400" rtl="0" eaLnBrk="1" fontAlgn="auto" latinLnBrk="0" hangingPunct="1">
+              <a:lnSpc>
+                <a:spcPct val="100000"/>
+              </a:lnSpc>
+              <a:spcBef>
+                <a:spcPts val="0"/>
+              </a:spcBef>
+              <a:spcAft>
+                <a:spcPts val="0"/>
+              </a:spcAft>
+              <a:buClrTx/>
+              <a:buSzTx/>
+              <a:buFontTx/>
+              <a:buNone/>
+              <a:tabLst/>
+              <a:defRPr/>
+            </a:pPr>
+            <a:endParaRPr kumimoji="0" lang="en-US" sz="1800" b="0" i="0" u="none" strike="noStrike" kern="1200" cap="none" spc="0" normalizeH="0" baseline="0" noProof="0" dirty="0">
+              <a:ln>
+                <a:noFill/>
+              </a:ln>
+              <a:solidFill>
+                <a:prstClr val="white"/>
+              </a:solidFill>
+              <a:effectLst/>
+              <a:uLnTx/>
+              <a:uFillTx/>
+              <a:latin typeface="Calibri" panose="020F0502020204030204"/>
+              <a:ea typeface="+mn-ea"/>
+              <a:cs typeface="+mn-cs"/>
+            </a:endParaRPr>
+          </a:p>
+        </p:txBody>
+      </p:sp>
+      <p:sp>
+        <p:nvSpPr>
+          <p:cNvPr id="2" name="Title 1">
+            <a:extLst>
+              <a:ext uri="{FF2B5EF4-FFF2-40B4-BE49-F238E27FC236}">
+                <a16:creationId xmlns:a16="http://schemas.microsoft.com/office/drawing/2014/main" id="{82CF4B60-062A-25CD-E448-6C8255EEF9CC}"/>
+              </a:ext>
+            </a:extLst>
+          </p:cNvPr>
+          <p:cNvSpPr>
+            <a:spLocks noGrp="1"/>
+          </p:cNvSpPr>
+          <p:nvPr>
+            <p:ph type="title"/>
+          </p:nvPr>
+        </p:nvSpPr>
+        <p:spPr>
+          <a:xfrm>
+            <a:off x="1115568" y="548640"/>
+            <a:ext cx="10168128" cy="1179576"/>
+          </a:xfrm>
+        </p:spPr>
+        <p:txBody>
+          <a:bodyPr>
+            <a:normAutofit/>
+          </a:bodyPr>
+          <a:lstStyle/>
+          <a:p>
+            <a:r>
+              <a:rPr lang="en-US" sz="4000" dirty="0"/>
+              <a:t>Sponsors</a:t>
+            </a:r>
+          </a:p>
+        </p:txBody>
+      </p:sp>
+      <p:sp>
+        <p:nvSpPr>
+          <p:cNvPr id="14" name="Rectangle 13">
+            <a:extLst>
+              <a:ext uri="{FF2B5EF4-FFF2-40B4-BE49-F238E27FC236}">
+                <a16:creationId xmlns:a16="http://schemas.microsoft.com/office/drawing/2014/main" id="{074B4F7D-14B2-478B-8BF5-01E4E0C5D263}"/>
+              </a:ext>
+              <a:ext uri="{C183D7F6-B498-43B3-948B-1728B52AA6E4}">
+                <adec:decorative xmlns:adec="http://schemas.microsoft.com/office/drawing/2017/decorative" val="1"/>
+              </a:ext>
+            </a:extLst>
+          </p:cNvPr>
+          <p:cNvSpPr>
+            <a:spLocks noGrp="1" noRot="1" noChangeAspect="1" noMove="1" noResize="1" noEditPoints="1" noAdjustHandles="1" noChangeArrowheads="1" noChangeShapeType="1" noTextEdit="1"/>
+          </p:cNvSpPr>
+          <p:nvPr>
+            <p:extLst>
+              <p:ext uri="{386F3935-93C4-4BCD-93E2-E3B085C9AB24}">
+                <p16:designElem xmlns:p16="http://schemas.microsoft.com/office/powerpoint/2015/main" val="1"/>
+              </p:ext>
+            </p:extLst>
+          </p:nvPr>
+        </p:nvSpPr>
+        <p:spPr>
+          <a:xfrm>
+            <a:off x="498834" y="758952"/>
+            <a:ext cx="128016" cy="704088"/>
+          </a:xfrm>
+          <a:prstGeom prst="rect">
+            <a:avLst/>
+          </a:prstGeom>
+          <a:solidFill>
+            <a:schemeClr val="accent2"/>
+          </a:solidFill>
+          <a:ln>
+            <a:noFill/>
+          </a:ln>
+        </p:spPr>
+        <p:style>
+          <a:lnRef idx="2">
+            <a:schemeClr val="accent1">
+              <a:shade val="50000"/>
+            </a:schemeClr>
+          </a:lnRef>
+          <a:fillRef idx="1">
+            <a:schemeClr val="accent1"/>
+          </a:fillRef>
+          <a:effectRef idx="0">
+            <a:schemeClr val="accent1"/>
+          </a:effectRef>
+          <a:fontRef idx="minor">
+            <a:schemeClr val="lt1"/>
+          </a:fontRef>
+        </p:style>
+        <p:txBody>
+          <a:bodyPr rtlCol="0" anchor="ctr"/>
+          <a:lstStyle/>
+          <a:p>
+            <a:pPr algn="ctr"/>
+            <a:endParaRPr lang="en-US" dirty="0">
+              <a:solidFill>
+                <a:prstClr val="white"/>
+              </a:solidFill>
+              <a:latin typeface="Calibri" panose="020F0502020204030204"/>
+            </a:endParaRPr>
+          </a:p>
+        </p:txBody>
+      </p:sp>
+      <p:sp>
+        <p:nvSpPr>
+          <p:cNvPr id="3" name="Content Placeholder 2">
+            <a:extLst>
+              <a:ext uri="{FF2B5EF4-FFF2-40B4-BE49-F238E27FC236}">
+                <a16:creationId xmlns:a16="http://schemas.microsoft.com/office/drawing/2014/main" id="{E43BD06B-906D-5C9C-E517-52B27F705E94}"/>
+              </a:ext>
+            </a:extLst>
+          </p:cNvPr>
+          <p:cNvSpPr>
+            <a:spLocks noGrp="1"/>
+          </p:cNvSpPr>
+          <p:nvPr>
+            <p:ph idx="1"/>
+          </p:nvPr>
+        </p:nvSpPr>
+        <p:spPr>
+          <a:xfrm>
+            <a:off x="1115568" y="2481943"/>
+            <a:ext cx="10168128" cy="3695020"/>
+          </a:xfrm>
+        </p:spPr>
+        <p:txBody>
+          <a:bodyPr>
+            <a:normAutofit/>
+          </a:bodyPr>
+          <a:lstStyle/>
+          <a:p>
+            <a:pPr marL="457200" indent="-457200">
+              <a:buFont typeface="+mj-lt"/>
+              <a:buAutoNum type="arabicPeriod"/>
+            </a:pPr>
+            <a:endParaRPr lang="en-US" sz="2200" dirty="0"/>
+          </a:p>
+          <a:p>
+            <a:pPr marL="457200" indent="-457200">
+              <a:buFont typeface="+mj-lt"/>
+              <a:buAutoNum type="arabicPeriod"/>
+            </a:pPr>
+            <a:endParaRPr lang="en-US" sz="2200" dirty="0"/>
+          </a:p>
+          <a:p>
+            <a:pPr marL="457200" indent="-457200">
+              <a:buFont typeface="+mj-lt"/>
+              <a:buAutoNum type="arabicPeriod"/>
+            </a:pPr>
+            <a:endParaRPr lang="en-US" sz="2200" dirty="0"/>
+          </a:p>
+        </p:txBody>
+      </p:sp>
+    </p:spTree>
+    <p:extLst>
+      <p:ext uri="{BB962C8B-B14F-4D97-AF65-F5344CB8AC3E}">
+        <p14:creationId xmlns:p14="http://schemas.microsoft.com/office/powerpoint/2010/main" val="1316702418"/>
+      </p:ext>
+    </p:extLst>
+  </p:cSld>
+  <p:clrMapOvr>
+    <a:masterClrMapping/>
+  </p:clrMapOvr>
+  <p:timing>
+    <p:tnLst>
+      <p:par>
+        <p:cTn id="1" dur="indefinite" restart="never" nodeType="tmRoot">
+          <p:childTnLst>
+            <p:seq concurrent="1" nextAc="seek">
+              <p:cTn id="2" dur="indefinite" nodeType="mainSeq">
+                <p:childTnLst>
+                  <p:par>
+                    <p:cTn id="3" fill="hold">
+                      <p:stCondLst>
+                        <p:cond delay="indefinite"/>
+                      </p:stCondLst>
+                      <p:childTnLst>
+                        <p:par>
+                          <p:cTn id="4" fill="hold">
+                            <p:stCondLst>
+                              <p:cond delay="0"/>
+                            </p:stCondLst>
+                            <p:childTnLst>
+                              <p:par>
+                                <p:cTn id="5" presetID="8" presetClass="emph" presetSubtype="0" fill="hold" grpId="0" nodeType="clickEffect">
+                                  <p:stCondLst>
+                                    <p:cond delay="0"/>
+                                  </p:stCondLst>
+                                  <p:childTnLst>
+                                    <p:animRot by="21600000">
+                                      <p:cBhvr>
+                                        <p:cTn id="6" dur="2000" fill="hold"/>
+                                        <p:tgtEl>
+                                          <p:spTgt spid="14"/>
+                                        </p:tgtEl>
+                                        <p:attrNameLst>
+                                          <p:attrName>r</p:attrName>
+                                        </p:attrNameLst>
+                                      </p:cBhvr>
+                                    </p:animRot>
+                                  </p:childTnLst>
+                                </p:cTn>
+                              </p:par>
+                            </p:childTnLst>
+                          </p:cTn>
+                        </p:par>
+                      </p:childTnLst>
+                    </p:cTn>
+                  </p:par>
+                </p:childTnLst>
+              </p:cTn>
+              <p:prevCondLst>
+                <p:cond evt="onPrev" delay="0">
+                  <p:tgtEl>
+                    <p:sldTgt/>
+                  </p:tgtEl>
+                </p:cond>
+              </p:prevCondLst>
+              <p:nextCondLst>
+                <p:cond evt="onNext" delay="0">
+                  <p:tgtEl>
+                    <p:sldTgt/>
+                  </p:tgtEl>
+                </p:cond>
+              </p:nextCondLst>
+            </p:seq>
+          </p:childTnLst>
+        </p:cTn>
+      </p:par>
+    </p:tnLst>
+    <p:bldLst>
+      <p:bldP spid="14" grpId="0" animBg="1"/>
+    </p:bldLst>
+  </p:timing>
+</p:sld>
+</file>
+
+<file path=ppt/slides/slide21.xml><?xml version="1.0" encoding="utf-8"?>
+<p:sld xmlns:a="http://schemas.openxmlformats.org/drawingml/2006/main" xmlns:r="http://schemas.openxmlformats.org/officeDocument/2006/relationships" xmlns:p="http://schemas.openxmlformats.org/presentationml/2006/main">
+  <p:cSld>
+    <p:bg>
+      <p:bgPr>
+        <a:solidFill>
+          <a:schemeClr val="bg1"/>
+        </a:solidFill>
+        <a:effectLst/>
+      </p:bgPr>
+    </p:bg>
+    <p:spTree>
+      <p:nvGrpSpPr>
+        <p:cNvPr id="1" name=""/>
+        <p:cNvGrpSpPr/>
+        <p:nvPr/>
+      </p:nvGrpSpPr>
+      <p:grpSpPr>
+        <a:xfrm>
+          <a:off x="0" y="0"/>
+          <a:ext cx="0" cy="0"/>
+          <a:chOff x="0" y="0"/>
+          <a:chExt cx="0" cy="0"/>
+        </a:xfrm>
+      </p:grpSpPr>
+      <p:sp useBgFill="1">
+        <p:nvSpPr>
+          <p:cNvPr id="8" name="Rectangle 7">
+            <a:extLst>
+              <a:ext uri="{FF2B5EF4-FFF2-40B4-BE49-F238E27FC236}">
+                <a16:creationId xmlns:a16="http://schemas.microsoft.com/office/drawing/2014/main" id="{DAF1966E-FD40-4A4A-B61B-C4DF7FA05F06}"/>
+              </a:ext>
+              <a:ext uri="{C183D7F6-B498-43B3-948B-1728B52AA6E4}">
+                <adec:decorative xmlns:adec="http://schemas.microsoft.com/office/drawing/2017/decorative" val="1"/>
+              </a:ext>
+            </a:extLst>
+          </p:cNvPr>
+          <p:cNvSpPr>
+            <a:spLocks noGrp="1" noRot="1" noChangeAspect="1" noMove="1" noResize="1" noEditPoints="1" noAdjustHandles="1" noChangeArrowheads="1" noChangeShapeType="1" noTextEdit="1"/>
+          </p:cNvSpPr>
+          <p:nvPr>
+            <p:extLst>
+              <p:ext uri="{386F3935-93C4-4BCD-93E2-E3B085C9AB24}">
+                <p16:designElem xmlns:p16="http://schemas.microsoft.com/office/powerpoint/2015/main" val="1"/>
+              </p:ext>
+            </p:extLst>
+          </p:nvPr>
+        </p:nvSpPr>
+        <p:spPr>
+          <a:xfrm>
+            <a:off x="0" y="0"/>
+            <a:ext cx="12192000" cy="6858000"/>
+          </a:xfrm>
+          <a:prstGeom prst="rect">
+            <a:avLst/>
+          </a:prstGeom>
+          <a:ln>
+            <a:noFill/>
+          </a:ln>
+        </p:spPr>
+        <p:style>
+          <a:lnRef idx="2">
+            <a:schemeClr val="accent1">
+              <a:shade val="50000"/>
+            </a:schemeClr>
+          </a:lnRef>
+          <a:fillRef idx="1">
+            <a:schemeClr val="accent1"/>
+          </a:fillRef>
+          <a:effectRef idx="0">
+            <a:schemeClr val="accent1"/>
+          </a:effectRef>
+          <a:fontRef idx="minor">
+            <a:schemeClr val="lt1"/>
+          </a:fontRef>
+        </p:style>
+        <p:txBody>
+          <a:bodyPr rtlCol="0" anchor="ctr"/>
+          <a:lstStyle/>
+          <a:p>
+            <a:pPr algn="ctr"/>
+            <a:endParaRPr lang="en-US" dirty="0"/>
+          </a:p>
+        </p:txBody>
+      </p:sp>
+      <p:sp useBgFill="1">
+        <p:nvSpPr>
+          <p:cNvPr id="10" name="Rectangle 9">
+            <a:extLst>
+              <a:ext uri="{FF2B5EF4-FFF2-40B4-BE49-F238E27FC236}">
+                <a16:creationId xmlns:a16="http://schemas.microsoft.com/office/drawing/2014/main" id="{047BFA19-D45E-416B-A404-7AF2F3F27017}"/>
+              </a:ext>
+              <a:ext uri="{C183D7F6-B498-43B3-948B-1728B52AA6E4}">
+                <adec:decorative xmlns:adec="http://schemas.microsoft.com/office/drawing/2017/decorative" val="1"/>
+              </a:ext>
+            </a:extLst>
+          </p:cNvPr>
+          <p:cNvSpPr>
+            <a:spLocks noGrp="1" noRot="1" noChangeAspect="1" noMove="1" noResize="1" noEditPoints="1" noAdjustHandles="1" noChangeArrowheads="1" noChangeShapeType="1" noTextEdit="1"/>
+          </p:cNvSpPr>
+          <p:nvPr>
+            <p:extLst>
+              <p:ext uri="{386F3935-93C4-4BCD-93E2-E3B085C9AB24}">
+                <p16:designElem xmlns:p16="http://schemas.microsoft.com/office/powerpoint/2015/main" val="1"/>
+              </p:ext>
+            </p:extLst>
+          </p:nvPr>
+        </p:nvSpPr>
+        <p:spPr>
+          <a:xfrm>
+            <a:off x="558209" y="0"/>
+            <a:ext cx="11167447" cy="2018806"/>
+          </a:xfrm>
+          <a:prstGeom prst="rect">
+            <a:avLst/>
+          </a:prstGeom>
+          <a:ln w="9525">
+            <a:solidFill>
+              <a:srgbClr val="E1E1E1"/>
+            </a:solidFill>
+          </a:ln>
+          <a:effectLst>
+            <a:outerShdw blurRad="50800" dist="38100" dir="2700000" algn="tl" rotWithShape="0">
+              <a:schemeClr val="bg1">
+                <a:lumMod val="85000"/>
+                <a:alpha val="50000"/>
+              </a:schemeClr>
+            </a:outerShdw>
+          </a:effectLst>
+        </p:spPr>
+        <p:style>
+          <a:lnRef idx="2">
+            <a:schemeClr val="accent1">
+              <a:shade val="50000"/>
+            </a:schemeClr>
+          </a:lnRef>
+          <a:fillRef idx="1">
+            <a:schemeClr val="accent1"/>
+          </a:fillRef>
+          <a:effectRef idx="0">
+            <a:schemeClr val="accent1"/>
+          </a:effectRef>
+          <a:fontRef idx="minor">
+            <a:schemeClr val="lt1"/>
+          </a:fontRef>
+        </p:style>
+        <p:txBody>
+          <a:bodyPr rtlCol="0" anchor="ctr"/>
+          <a:lstStyle/>
+          <a:p>
+            <a:pPr marL="0" marR="0" lvl="0" indent="0" algn="ctr" defTabSz="914400" rtl="0" eaLnBrk="1" fontAlgn="auto" latinLnBrk="0" hangingPunct="1">
+              <a:lnSpc>
+                <a:spcPct val="100000"/>
+              </a:lnSpc>
+              <a:spcBef>
+                <a:spcPts val="0"/>
+              </a:spcBef>
+              <a:spcAft>
+                <a:spcPts val="0"/>
+              </a:spcAft>
+              <a:buClrTx/>
+              <a:buSzTx/>
+              <a:buFontTx/>
+              <a:buNone/>
+              <a:tabLst/>
+              <a:defRPr/>
+            </a:pPr>
+            <a:endParaRPr kumimoji="0" lang="en-US" sz="1800" b="0" i="0" u="none" strike="noStrike" kern="1200" cap="none" spc="0" normalizeH="0" baseline="0" noProof="0" dirty="0">
+              <a:ln>
+                <a:noFill/>
+              </a:ln>
+              <a:solidFill>
+                <a:prstClr val="white"/>
+              </a:solidFill>
+              <a:effectLst/>
+              <a:uLnTx/>
+              <a:uFillTx/>
+              <a:latin typeface="Calibri" panose="020F0502020204030204"/>
+              <a:ea typeface="+mn-ea"/>
+              <a:cs typeface="+mn-cs"/>
+            </a:endParaRPr>
+          </a:p>
+        </p:txBody>
+      </p:sp>
+      <p:sp useBgFill="1">
+        <p:nvSpPr>
+          <p:cNvPr id="12" name="Rectangle 11">
+            <a:extLst>
+              <a:ext uri="{FF2B5EF4-FFF2-40B4-BE49-F238E27FC236}">
+                <a16:creationId xmlns:a16="http://schemas.microsoft.com/office/drawing/2014/main" id="{8E0105E7-23DB-4CF2-8258-FF47C7620F6E}"/>
+              </a:ext>
+              <a:ext uri="{C183D7F6-B498-43B3-948B-1728B52AA6E4}">
+                <adec:decorative xmlns:adec="http://schemas.microsoft.com/office/drawing/2017/decorative" val="1"/>
+              </a:ext>
+            </a:extLst>
+          </p:cNvPr>
+          <p:cNvSpPr>
+            <a:spLocks noGrp="1" noRot="1" noChangeAspect="1" noMove="1" noResize="1" noEditPoints="1" noAdjustHandles="1" noChangeArrowheads="1" noChangeShapeType="1" noTextEdit="1"/>
+          </p:cNvSpPr>
+          <p:nvPr>
+            <p:extLst>
+              <p:ext uri="{386F3935-93C4-4BCD-93E2-E3B085C9AB24}">
+                <p16:designElem xmlns:p16="http://schemas.microsoft.com/office/powerpoint/2015/main" val="1"/>
+              </p:ext>
+            </p:extLst>
+          </p:nvPr>
+        </p:nvSpPr>
+        <p:spPr>
+          <a:xfrm>
+            <a:off x="566928" y="0"/>
+            <a:ext cx="11155680" cy="2011680"/>
+          </a:xfrm>
+          <a:prstGeom prst="rect">
+            <a:avLst/>
+          </a:prstGeom>
+          <a:ln w="9525">
+            <a:noFill/>
+          </a:ln>
+          <a:effectLst/>
+        </p:spPr>
+        <p:style>
+          <a:lnRef idx="2">
+            <a:schemeClr val="accent1">
+              <a:shade val="50000"/>
+            </a:schemeClr>
+          </a:lnRef>
+          <a:fillRef idx="1">
+            <a:schemeClr val="accent1"/>
+          </a:fillRef>
+          <a:effectRef idx="0">
+            <a:schemeClr val="accent1"/>
+          </a:effectRef>
+          <a:fontRef idx="minor">
+            <a:schemeClr val="lt1"/>
+          </a:fontRef>
+        </p:style>
+        <p:txBody>
+          <a:bodyPr rtlCol="0" anchor="ctr"/>
+          <a:lstStyle/>
+          <a:p>
+            <a:pPr marL="0" marR="0" lvl="0" indent="0" algn="ctr" defTabSz="914400" rtl="0" eaLnBrk="1" fontAlgn="auto" latinLnBrk="0" hangingPunct="1">
+              <a:lnSpc>
+                <a:spcPct val="100000"/>
+              </a:lnSpc>
+              <a:spcBef>
+                <a:spcPts val="0"/>
+              </a:spcBef>
+              <a:spcAft>
+                <a:spcPts val="0"/>
+              </a:spcAft>
+              <a:buClrTx/>
+              <a:buSzTx/>
+              <a:buFontTx/>
+              <a:buNone/>
+              <a:tabLst/>
+              <a:defRPr/>
+            </a:pPr>
+            <a:endParaRPr kumimoji="0" lang="en-US" sz="1800" b="0" i="0" u="none" strike="noStrike" kern="1200" cap="none" spc="0" normalizeH="0" baseline="0" noProof="0" dirty="0">
+              <a:ln>
+                <a:noFill/>
+              </a:ln>
+              <a:solidFill>
+                <a:prstClr val="white"/>
+              </a:solidFill>
+              <a:effectLst/>
+              <a:uLnTx/>
+              <a:uFillTx/>
+              <a:latin typeface="Calibri" panose="020F0502020204030204"/>
+              <a:ea typeface="+mn-ea"/>
+              <a:cs typeface="+mn-cs"/>
+            </a:endParaRPr>
+          </a:p>
+        </p:txBody>
+      </p:sp>
+      <p:sp>
+        <p:nvSpPr>
+          <p:cNvPr id="2" name="Title 1">
+            <a:extLst>
+              <a:ext uri="{FF2B5EF4-FFF2-40B4-BE49-F238E27FC236}">
+                <a16:creationId xmlns:a16="http://schemas.microsoft.com/office/drawing/2014/main" id="{82CF4B60-062A-25CD-E448-6C8255EEF9CC}"/>
+              </a:ext>
+            </a:extLst>
+          </p:cNvPr>
+          <p:cNvSpPr>
+            <a:spLocks noGrp="1"/>
+          </p:cNvSpPr>
+          <p:nvPr>
+            <p:ph type="title"/>
+          </p:nvPr>
+        </p:nvSpPr>
+        <p:spPr>
+          <a:xfrm>
+            <a:off x="1115568" y="548640"/>
+            <a:ext cx="10168128" cy="1179576"/>
+          </a:xfrm>
+        </p:spPr>
+        <p:txBody>
+          <a:bodyPr>
+            <a:normAutofit/>
+          </a:bodyPr>
+          <a:lstStyle/>
+          <a:p>
+            <a:r>
+              <a:rPr lang="en-US" sz="4800" dirty="0"/>
+              <a:t>Thank You</a:t>
+            </a:r>
+          </a:p>
+        </p:txBody>
+      </p:sp>
+      <p:sp>
+        <p:nvSpPr>
+          <p:cNvPr id="14" name="Rectangle 13">
+            <a:extLst>
+              <a:ext uri="{FF2B5EF4-FFF2-40B4-BE49-F238E27FC236}">
+                <a16:creationId xmlns:a16="http://schemas.microsoft.com/office/drawing/2014/main" id="{074B4F7D-14B2-478B-8BF5-01E4E0C5D263}"/>
+              </a:ext>
+              <a:ext uri="{C183D7F6-B498-43B3-948B-1728B52AA6E4}">
+                <adec:decorative xmlns:adec="http://schemas.microsoft.com/office/drawing/2017/decorative" val="1"/>
+              </a:ext>
+            </a:extLst>
+          </p:cNvPr>
+          <p:cNvSpPr>
+            <a:spLocks noGrp="1" noRot="1" noChangeAspect="1" noMove="1" noResize="1" noEditPoints="1" noAdjustHandles="1" noChangeArrowheads="1" noChangeShapeType="1" noTextEdit="1"/>
+          </p:cNvSpPr>
+          <p:nvPr>
+            <p:extLst>
+              <p:ext uri="{386F3935-93C4-4BCD-93E2-E3B085C9AB24}">
+                <p16:designElem xmlns:p16="http://schemas.microsoft.com/office/powerpoint/2015/main" val="1"/>
+              </p:ext>
+            </p:extLst>
+          </p:nvPr>
+        </p:nvSpPr>
+        <p:spPr>
+          <a:xfrm>
+            <a:off x="498834" y="758952"/>
+            <a:ext cx="128016" cy="704088"/>
+          </a:xfrm>
+          <a:prstGeom prst="rect">
+            <a:avLst/>
+          </a:prstGeom>
+          <a:solidFill>
+            <a:schemeClr val="accent2"/>
+          </a:solidFill>
+          <a:ln>
+            <a:noFill/>
+          </a:ln>
+        </p:spPr>
+        <p:style>
+          <a:lnRef idx="2">
+            <a:schemeClr val="accent1">
+              <a:shade val="50000"/>
+            </a:schemeClr>
+          </a:lnRef>
+          <a:fillRef idx="1">
+            <a:schemeClr val="accent1"/>
+          </a:fillRef>
+          <a:effectRef idx="0">
+            <a:schemeClr val="accent1"/>
+          </a:effectRef>
+          <a:fontRef idx="minor">
+            <a:schemeClr val="lt1"/>
+          </a:fontRef>
+        </p:style>
+        <p:txBody>
+          <a:bodyPr rtlCol="0" anchor="ctr"/>
+          <a:lstStyle/>
+          <a:p>
+            <a:pPr algn="ctr"/>
+            <a:endParaRPr lang="en-US" dirty="0">
+              <a:solidFill>
+                <a:prstClr val="white"/>
+              </a:solidFill>
+              <a:latin typeface="Calibri" panose="020F0502020204030204"/>
+            </a:endParaRPr>
+          </a:p>
+        </p:txBody>
+      </p:sp>
+      <p:sp>
+        <p:nvSpPr>
+          <p:cNvPr id="3" name="Content Placeholder 2">
+            <a:extLst>
+              <a:ext uri="{FF2B5EF4-FFF2-40B4-BE49-F238E27FC236}">
+                <a16:creationId xmlns:a16="http://schemas.microsoft.com/office/drawing/2014/main" id="{E43BD06B-906D-5C9C-E517-52B27F705E94}"/>
+              </a:ext>
+            </a:extLst>
+          </p:cNvPr>
+          <p:cNvSpPr>
+            <a:spLocks noGrp="1"/>
+          </p:cNvSpPr>
+          <p:nvPr>
+            <p:ph idx="1"/>
+          </p:nvPr>
+        </p:nvSpPr>
+        <p:spPr>
+          <a:xfrm>
+            <a:off x="1992884" y="2560320"/>
+            <a:ext cx="8206232" cy="3695020"/>
+          </a:xfrm>
+        </p:spPr>
+        <p:txBody>
+          <a:bodyPr>
+            <a:normAutofit/>
+          </a:bodyPr>
+          <a:lstStyle/>
+          <a:p>
+            <a:pPr marL="0" indent="0">
+              <a:buNone/>
+            </a:pPr>
+            <a:r>
+              <a:rPr lang="en-US" dirty="0"/>
+              <a:t>All resources can be found at:</a:t>
+            </a:r>
+          </a:p>
+          <a:p>
+            <a:pPr marL="0" indent="0">
+              <a:buNone/>
+            </a:pPr>
+            <a:r>
+              <a:rPr lang="en-US" dirty="0">
+                <a:hlinkClick r:id="rId2"/>
+              </a:rPr>
+              <a:t>https://github.com/kevmoens/ThatConference2023</a:t>
+            </a:r>
+            <a:endParaRPr lang="en-US" dirty="0"/>
+          </a:p>
+          <a:p>
+            <a:pPr marL="0" indent="0">
+              <a:buNone/>
+            </a:pPr>
+            <a:r>
+              <a:rPr lang="en-US" dirty="0">
+                <a:hlinkClick r:id="rId3"/>
+              </a:rPr>
+              <a:t>https://github.com/kevmoens/RequestTimeOff</a:t>
+            </a:r>
+            <a:endParaRPr lang="en-US" dirty="0"/>
+          </a:p>
+          <a:p>
+            <a:pPr marL="0" indent="0">
+              <a:buNone/>
+            </a:pPr>
+            <a:endParaRPr lang="en-US" dirty="0"/>
+          </a:p>
+        </p:txBody>
+      </p:sp>
+    </p:spTree>
+    <p:extLst>
+      <p:ext uri="{BB962C8B-B14F-4D97-AF65-F5344CB8AC3E}">
+        <p14:creationId xmlns:p14="http://schemas.microsoft.com/office/powerpoint/2010/main" val="1252023632"/>
+      </p:ext>
+    </p:extLst>
+  </p:cSld>
+  <p:clrMapOvr>
+    <a:masterClrMapping/>
+  </p:clrMapOvr>
+</p:sld>
+</file>
+
+<file path=ppt/slides/slide3.xml><?xml version="1.0" encoding="utf-8"?>
 <p:sld xmlns:a="http://schemas.openxmlformats.org/drawingml/2006/main" xmlns:r="http://schemas.openxmlformats.org/officeDocument/2006/relationships" xmlns:p="http://schemas.openxmlformats.org/presentationml/2006/main">
   <p:cSld>
     <p:spTree>
@@ -11657,7 +13593,7 @@
           <p:cNvPr id="2" name="Title 1">
             <a:extLst>
               <a:ext uri="{FF2B5EF4-FFF2-40B4-BE49-F238E27FC236}">
-                <a16:creationId xmlns:a16="http://schemas.microsoft.com/office/drawing/2014/main" id="{2E868C38-14AC-D98A-9C03-E3DF4F920B29}"/>
+                <a16:creationId xmlns:a16="http://schemas.microsoft.com/office/drawing/2014/main" id="{9347DB6B-8169-FEB2-EFE8-BB8ED29FEA2F}"/>
               </a:ext>
             </a:extLst>
           </p:cNvPr>
@@ -11673,81 +13609,49 @@
           <a:bodyPr/>
           <a:lstStyle/>
           <a:p>
-            <a:endParaRPr lang="en-US"/>
-          </a:p>
-        </p:txBody>
-      </p:sp>
-      <mc:AlternateContent xmlns:mc="http://schemas.openxmlformats.org/markup-compatibility/2006">
-        <mc:Choice xmlns:we="http://schemas.microsoft.com/office/webextensions/webextension/2010/11" xmlns:pca="http://schemas.microsoft.com/office/powerpoint/2013/contentapp" Requires="we pca">
-          <p:graphicFrame>
-            <p:nvGraphicFramePr>
-              <p:cNvPr id="4" name="Content Placeholder 3" title="AhaSlides - Live Polls and Quizzes">
-                <a:extLst>
-                  <a:ext uri="{FF2B5EF4-FFF2-40B4-BE49-F238E27FC236}">
-                    <a16:creationId xmlns:a16="http://schemas.microsoft.com/office/drawing/2014/main" id="{B09CFFE5-F978-10B3-0B02-BF7BE210B15D}"/>
-                  </a:ext>
-                </a:extLst>
-              </p:cNvPr>
-              <p:cNvGraphicFramePr>
-                <a:graphicFrameLocks noGrp="1"/>
-              </p:cNvGraphicFramePr>
-              <p:nvPr>
-                <p:ph idx="1"/>
-                <p:extLst>
-                  <p:ext uri="{D42A27DB-BD31-4B8C-83A1-F6EECF244321}">
-                    <p14:modId xmlns:p14="http://schemas.microsoft.com/office/powerpoint/2010/main" val="224293900"/>
-                  </p:ext>
-                </p:extLst>
-              </p:nvPr>
-            </p:nvGraphicFramePr>
-            <p:xfrm>
-              <a:off x="0" y="0"/>
-              <a:ext cx="12192000" cy="6858000"/>
-            </p:xfrm>
-            <a:graphic>
-              <a:graphicData uri="http://schemas.microsoft.com/office/webextensions/webextension/2010/11">
-                <we:webextensionref xmlns:we="http://schemas.microsoft.com/office/webextensions/webextension/2010/11" xmlns:r="http://schemas.openxmlformats.org/officeDocument/2006/relationships" r:id="rId3"/>
-              </a:graphicData>
-            </a:graphic>
-          </p:graphicFrame>
-        </mc:Choice>
-        <mc:Fallback>
-          <p:pic>
-            <p:nvPicPr>
-              <p:cNvPr id="4" name="Content Placeholder 3" title="AhaSlides - Live Polls and Quizzes">
-                <a:extLst>
-                  <a:ext uri="{FF2B5EF4-FFF2-40B4-BE49-F238E27FC236}">
-                    <a16:creationId xmlns:a16="http://schemas.microsoft.com/office/drawing/2014/main" id="{B09CFFE5-F978-10B3-0B02-BF7BE210B15D}"/>
-                  </a:ext>
-                </a:extLst>
-              </p:cNvPr>
-              <p:cNvPicPr>
-                <a:picLocks noGrp="1" noRot="1" noChangeAspect="1" noMove="1" noResize="1" noEditPoints="1" noAdjustHandles="1" noChangeArrowheads="1" noChangeShapeType="1"/>
-              </p:cNvPicPr>
-              <p:nvPr/>
-            </p:nvPicPr>
-            <p:blipFill>
-              <a:blip r:embed="rId4"/>
-              <a:stretch>
-                <a:fillRect/>
-              </a:stretch>
-            </p:blipFill>
-            <p:spPr>
-              <a:xfrm>
-                <a:off x="0" y="0"/>
-                <a:ext cx="12192000" cy="6858000"/>
-              </a:xfrm>
-              <a:prstGeom prst="rect">
-                <a:avLst/>
-              </a:prstGeom>
-            </p:spPr>
-          </p:pic>
-        </mc:Fallback>
-      </mc:AlternateContent>
+            <a:endParaRPr lang="en-US" dirty="0"/>
+          </a:p>
+        </p:txBody>
+      </p:sp>
+      <p:pic>
+        <p:nvPicPr>
+          <p:cNvPr id="6" name="Content Placeholder 5" descr="A picture containing text, screenshot, human face, font&#10;&#10;Description automatically generated">
+            <a:extLst>
+              <a:ext uri="{FF2B5EF4-FFF2-40B4-BE49-F238E27FC236}">
+                <a16:creationId xmlns:a16="http://schemas.microsoft.com/office/drawing/2014/main" id="{1774A12E-1FFF-8127-763B-6F5362513EE2}"/>
+              </a:ext>
+            </a:extLst>
+          </p:cNvPr>
+          <p:cNvPicPr>
+            <a:picLocks noGrp="1" noChangeAspect="1"/>
+          </p:cNvPicPr>
+          <p:nvPr>
+            <p:ph idx="1"/>
+          </p:nvPr>
+        </p:nvPicPr>
+        <p:blipFill>
+          <a:blip r:embed="rId3">
+            <a:extLst>
+              <a:ext uri="{28A0092B-C50C-407E-A947-70E740481C1C}">
+                <a14:useLocalDpi xmlns:a14="http://schemas.microsoft.com/office/drawing/2010/main" val="0"/>
+              </a:ext>
+            </a:extLst>
+          </a:blip>
+          <a:stretch>
+            <a:fillRect/>
+          </a:stretch>
+        </p:blipFill>
+        <p:spPr>
+          <a:xfrm>
+            <a:off x="0" y="0"/>
+            <a:ext cx="13033612" cy="7460856"/>
+          </a:xfrm>
+        </p:spPr>
+      </p:pic>
     </p:spTree>
     <p:extLst>
       <p:ext uri="{BB962C8B-B14F-4D97-AF65-F5344CB8AC3E}">
-        <p14:creationId xmlns:p14="http://schemas.microsoft.com/office/powerpoint/2010/main" val="3485639180"/>
+        <p14:creationId xmlns:p14="http://schemas.microsoft.com/office/powerpoint/2010/main" val="2826635753"/>
       </p:ext>
     </p:extLst>
   </p:cSld>
@@ -11757,7 +13661,7 @@
 </p:sld>
 </file>
 
-<file path=ppt/slides/slide5.xml><?xml version="1.0" encoding="utf-8"?>
+<file path=ppt/slides/slide4.xml><?xml version="1.0" encoding="utf-8"?>
 <p:sld xmlns:a="http://schemas.openxmlformats.org/drawingml/2006/main" xmlns:r="http://schemas.openxmlformats.org/officeDocument/2006/relationships" xmlns:p="http://schemas.openxmlformats.org/presentationml/2006/main">
   <p:cSld>
     <p:bg>
@@ -12013,6 +13917,952 @@
         <p:spPr>
           <a:xfrm>
             <a:off x="686834" y="1153572"/>
+            <a:ext cx="3200400" cy="4461163"/>
+          </a:xfrm>
+        </p:spPr>
+        <p:txBody>
+          <a:bodyPr>
+            <a:normAutofit/>
+          </a:bodyPr>
+          <a:lstStyle/>
+          <a:p>
+            <a:r>
+              <a:rPr lang="en-US" dirty="0">
+                <a:solidFill>
+                  <a:srgbClr val="FFFFFF"/>
+                </a:solidFill>
+              </a:rPr>
+              <a:t>Background</a:t>
+            </a:r>
+          </a:p>
+        </p:txBody>
+      </p:sp>
+      <p:sp>
+        <p:nvSpPr>
+          <p:cNvPr id="12" name="Arc 11">
+            <a:extLst>
+              <a:ext uri="{FF2B5EF4-FFF2-40B4-BE49-F238E27FC236}">
+                <a16:creationId xmlns:a16="http://schemas.microsoft.com/office/drawing/2014/main" id="{081E4A58-353D-44AE-B2FC-2A74E2E400F7}"/>
+              </a:ext>
+              <a:ext uri="{C183D7F6-B498-43B3-948B-1728B52AA6E4}">
+                <adec:decorative xmlns:adec="http://schemas.microsoft.com/office/drawing/2017/decorative" val="1"/>
+              </a:ext>
+            </a:extLst>
+          </p:cNvPr>
+          <p:cNvSpPr>
+            <a:spLocks noGrp="1" noRot="1" noChangeAspect="1" noMove="1" noResize="1" noEditPoints="1" noAdjustHandles="1" noChangeArrowheads="1" noChangeShapeType="1" noTextEdit="1"/>
+          </p:cNvSpPr>
+          <p:nvPr>
+            <p:extLst>
+              <p:ext uri="{386F3935-93C4-4BCD-93E2-E3B085C9AB24}">
+                <p16:designElem xmlns:p16="http://schemas.microsoft.com/office/powerpoint/2015/main" val="1"/>
+              </p:ext>
+            </p:extLst>
+          </p:nvPr>
+        </p:nvSpPr>
+        <p:spPr>
+          <a:xfrm flipV="1">
+            <a:off x="7550402" y="2455479"/>
+            <a:ext cx="4083433" cy="4083433"/>
+          </a:xfrm>
+          <a:prstGeom prst="arc">
+            <a:avLst/>
+          </a:prstGeom>
+          <a:ln w="127000" cap="rnd">
+            <a:solidFill>
+              <a:schemeClr val="accent4"/>
+            </a:solidFill>
+            <a:prstDash val="dash"/>
+          </a:ln>
+        </p:spPr>
+        <p:style>
+          <a:lnRef idx="1">
+            <a:schemeClr val="accent1"/>
+          </a:lnRef>
+          <a:fillRef idx="0">
+            <a:schemeClr val="accent1"/>
+          </a:fillRef>
+          <a:effectRef idx="0">
+            <a:schemeClr val="accent1"/>
+          </a:effectRef>
+          <a:fontRef idx="minor">
+            <a:schemeClr val="tx1"/>
+          </a:fontRef>
+        </p:style>
+        <p:txBody>
+          <a:bodyPr rtlCol="0" anchor="ctr"/>
+          <a:lstStyle/>
+          <a:p>
+            <a:pPr algn="ctr"/>
+            <a:endParaRPr lang="en-US" dirty="0"/>
+          </a:p>
+        </p:txBody>
+      </p:sp>
+      <p:sp>
+        <p:nvSpPr>
+          <p:cNvPr id="3" name="Content Placeholder 2">
+            <a:extLst>
+              <a:ext uri="{FF2B5EF4-FFF2-40B4-BE49-F238E27FC236}">
+                <a16:creationId xmlns:a16="http://schemas.microsoft.com/office/drawing/2014/main" id="{506ECF03-3832-CE61-45EB-6C148D597A92}"/>
+              </a:ext>
+            </a:extLst>
+          </p:cNvPr>
+          <p:cNvSpPr>
+            <a:spLocks noGrp="1"/>
+          </p:cNvSpPr>
+          <p:nvPr>
+            <p:ph idx="1"/>
+          </p:nvPr>
+        </p:nvSpPr>
+        <p:spPr>
+          <a:xfrm>
+            <a:off x="4447308" y="787400"/>
+            <a:ext cx="6906491" cy="5389563"/>
+          </a:xfrm>
+        </p:spPr>
+        <p:txBody>
+          <a:bodyPr anchor="ctr">
+            <a:normAutofit/>
+          </a:bodyPr>
+          <a:lstStyle/>
+          <a:p>
+            <a:r>
+              <a:rPr lang="en-US" dirty="0"/>
+              <a:t>Continuously try to improve my skills</a:t>
+            </a:r>
+          </a:p>
+          <a:p>
+            <a:r>
+              <a:rPr lang="en-US" dirty="0"/>
+              <a:t>Follow Dave Farley / Nick </a:t>
+            </a:r>
+            <a:r>
+              <a:rPr lang="en-US" dirty="0" err="1"/>
+              <a:t>Chapsas</a:t>
+            </a:r>
+            <a:endParaRPr lang="en-US" dirty="0"/>
+          </a:p>
+          <a:p>
+            <a:r>
+              <a:rPr lang="en-US" dirty="0"/>
+              <a:t>Attended Nick </a:t>
+            </a:r>
+            <a:r>
+              <a:rPr lang="en-US" dirty="0" err="1"/>
+              <a:t>Chapsas</a:t>
+            </a:r>
+            <a:r>
+              <a:rPr lang="en-US" dirty="0"/>
+              <a:t>’ 2022 Workshop</a:t>
+            </a:r>
+          </a:p>
+          <a:p>
+            <a:pPr lvl="1"/>
+            <a:r>
+              <a:rPr lang="en-US" dirty="0"/>
+              <a:t>NDC Minnesota</a:t>
+            </a:r>
+          </a:p>
+          <a:p>
+            <a:pPr lvl="1"/>
+            <a:r>
+              <a:rPr lang="en-US" dirty="0"/>
+              <a:t>From Zero to Hero: Effective Testing</a:t>
+            </a:r>
+          </a:p>
+          <a:p>
+            <a:r>
+              <a:rPr lang="en-US" dirty="0"/>
+              <a:t>Started </a:t>
+            </a:r>
+            <a:r>
+              <a:rPr lang="en-US" dirty="0" err="1"/>
+              <a:t>Specflow</a:t>
+            </a:r>
+            <a:r>
+              <a:rPr lang="en-US" dirty="0"/>
+              <a:t> after Nick’s videos in 2021</a:t>
+            </a:r>
+          </a:p>
+          <a:p>
+            <a:pPr lvl="1"/>
+            <a:endParaRPr lang="en-US" dirty="0"/>
+          </a:p>
+        </p:txBody>
+      </p:sp>
+    </p:spTree>
+    <p:extLst>
+      <p:ext uri="{BB962C8B-B14F-4D97-AF65-F5344CB8AC3E}">
+        <p14:creationId xmlns:p14="http://schemas.microsoft.com/office/powerpoint/2010/main" val="589093135"/>
+      </p:ext>
+    </p:extLst>
+  </p:cSld>
+  <p:clrMapOvr>
+    <a:masterClrMapping/>
+  </p:clrMapOvr>
+  <p:timing>
+    <p:tnLst>
+      <p:par>
+        <p:cTn id="1" dur="indefinite" restart="never" nodeType="tmRoot">
+          <p:childTnLst>
+            <p:seq concurrent="1" nextAc="seek">
+              <p:cTn id="2" dur="indefinite" nodeType="mainSeq">
+                <p:childTnLst>
+                  <p:par>
+                    <p:cTn id="3" fill="hold">
+                      <p:stCondLst>
+                        <p:cond delay="indefinite"/>
+                      </p:stCondLst>
+                      <p:childTnLst>
+                        <p:par>
+                          <p:cTn id="4" fill="hold">
+                            <p:stCondLst>
+                              <p:cond delay="0"/>
+                            </p:stCondLst>
+                            <p:childTnLst>
+                              <p:par>
+                                <p:cTn id="5" presetID="2" presetClass="entr" presetSubtype="8" fill="hold" grpId="0" nodeType="clickEffect">
+                                  <p:stCondLst>
+                                    <p:cond delay="0"/>
+                                  </p:stCondLst>
+                                  <p:childTnLst>
+                                    <p:set>
+                                      <p:cBhvr>
+                                        <p:cTn id="6" dur="1" fill="hold">
+                                          <p:stCondLst>
+                                            <p:cond delay="0"/>
+                                          </p:stCondLst>
+                                        </p:cTn>
+                                        <p:tgtEl>
+                                          <p:spTgt spid="10"/>
+                                        </p:tgtEl>
+                                        <p:attrNameLst>
+                                          <p:attrName>style.visibility</p:attrName>
+                                        </p:attrNameLst>
+                                      </p:cBhvr>
+                                      <p:to>
+                                        <p:strVal val="visible"/>
+                                      </p:to>
+                                    </p:set>
+                                    <p:anim calcmode="lin" valueType="num">
+                                      <p:cBhvr additive="base">
+                                        <p:cTn id="7" dur="3500" fill="hold"/>
+                                        <p:tgtEl>
+                                          <p:spTgt spid="10"/>
+                                        </p:tgtEl>
+                                        <p:attrNameLst>
+                                          <p:attrName>ppt_x</p:attrName>
+                                        </p:attrNameLst>
+                                      </p:cBhvr>
+                                      <p:tavLst>
+                                        <p:tav tm="0">
+                                          <p:val>
+                                            <p:strVal val="0-#ppt_w/2"/>
+                                          </p:val>
+                                        </p:tav>
+                                        <p:tav tm="100000">
+                                          <p:val>
+                                            <p:strVal val="#ppt_x"/>
+                                          </p:val>
+                                        </p:tav>
+                                      </p:tavLst>
+                                    </p:anim>
+                                    <p:anim calcmode="lin" valueType="num">
+                                      <p:cBhvr additive="base">
+                                        <p:cTn id="8" dur="3500" fill="hold"/>
+                                        <p:tgtEl>
+                                          <p:spTgt spid="10"/>
+                                        </p:tgtEl>
+                                        <p:attrNameLst>
+                                          <p:attrName>ppt_y</p:attrName>
+                                        </p:attrNameLst>
+                                      </p:cBhvr>
+                                      <p:tavLst>
+                                        <p:tav tm="0">
+                                          <p:val>
+                                            <p:strVal val="#ppt_y"/>
+                                          </p:val>
+                                        </p:tav>
+                                        <p:tav tm="100000">
+                                          <p:val>
+                                            <p:strVal val="#ppt_y"/>
+                                          </p:val>
+                                        </p:tav>
+                                      </p:tavLst>
+                                    </p:anim>
+                                  </p:childTnLst>
+                                </p:cTn>
+                              </p:par>
+                            </p:childTnLst>
+                          </p:cTn>
+                        </p:par>
+                      </p:childTnLst>
+                    </p:cTn>
+                  </p:par>
+                  <p:par>
+                    <p:cTn id="9" fill="hold">
+                      <p:stCondLst>
+                        <p:cond delay="indefinite"/>
+                      </p:stCondLst>
+                      <p:childTnLst>
+                        <p:par>
+                          <p:cTn id="10" fill="hold">
+                            <p:stCondLst>
+                              <p:cond delay="0"/>
+                            </p:stCondLst>
+                            <p:childTnLst>
+                              <p:par>
+                                <p:cTn id="11" presetID="1" presetClass="entr" presetSubtype="0" fill="hold" nodeType="clickEffect">
+                                  <p:stCondLst>
+                                    <p:cond delay="0"/>
+                                  </p:stCondLst>
+                                  <p:childTnLst>
+                                    <p:set>
+                                      <p:cBhvr>
+                                        <p:cTn id="12" dur="1" fill="hold">
+                                          <p:stCondLst>
+                                            <p:cond delay="0"/>
+                                          </p:stCondLst>
+                                        </p:cTn>
+                                        <p:tgtEl>
+                                          <p:spTgt spid="3">
+                                            <p:txEl>
+                                              <p:pRg st="0" end="0"/>
+                                            </p:txEl>
+                                          </p:spTgt>
+                                        </p:tgtEl>
+                                        <p:attrNameLst>
+                                          <p:attrName>style.visibility</p:attrName>
+                                        </p:attrNameLst>
+                                      </p:cBhvr>
+                                      <p:to>
+                                        <p:strVal val="visible"/>
+                                      </p:to>
+                                    </p:set>
+                                  </p:childTnLst>
+                                </p:cTn>
+                              </p:par>
+                            </p:childTnLst>
+                          </p:cTn>
+                        </p:par>
+                      </p:childTnLst>
+                    </p:cTn>
+                  </p:par>
+                  <p:par>
+                    <p:cTn id="13" fill="hold">
+                      <p:stCondLst>
+                        <p:cond delay="indefinite"/>
+                      </p:stCondLst>
+                      <p:childTnLst>
+                        <p:par>
+                          <p:cTn id="14" fill="hold">
+                            <p:stCondLst>
+                              <p:cond delay="0"/>
+                            </p:stCondLst>
+                            <p:childTnLst>
+                              <p:par>
+                                <p:cTn id="15" presetID="1" presetClass="entr" presetSubtype="0" fill="hold" nodeType="clickEffect">
+                                  <p:stCondLst>
+                                    <p:cond delay="0"/>
+                                  </p:stCondLst>
+                                  <p:childTnLst>
+                                    <p:set>
+                                      <p:cBhvr>
+                                        <p:cTn id="16" dur="1" fill="hold">
+                                          <p:stCondLst>
+                                            <p:cond delay="0"/>
+                                          </p:stCondLst>
+                                        </p:cTn>
+                                        <p:tgtEl>
+                                          <p:spTgt spid="3">
+                                            <p:txEl>
+                                              <p:pRg st="1" end="1"/>
+                                            </p:txEl>
+                                          </p:spTgt>
+                                        </p:tgtEl>
+                                        <p:attrNameLst>
+                                          <p:attrName>style.visibility</p:attrName>
+                                        </p:attrNameLst>
+                                      </p:cBhvr>
+                                      <p:to>
+                                        <p:strVal val="visible"/>
+                                      </p:to>
+                                    </p:set>
+                                  </p:childTnLst>
+                                </p:cTn>
+                              </p:par>
+                            </p:childTnLst>
+                          </p:cTn>
+                        </p:par>
+                      </p:childTnLst>
+                    </p:cTn>
+                  </p:par>
+                  <p:par>
+                    <p:cTn id="17" fill="hold">
+                      <p:stCondLst>
+                        <p:cond delay="indefinite"/>
+                      </p:stCondLst>
+                      <p:childTnLst>
+                        <p:par>
+                          <p:cTn id="18" fill="hold">
+                            <p:stCondLst>
+                              <p:cond delay="0"/>
+                            </p:stCondLst>
+                            <p:childTnLst>
+                              <p:par>
+                                <p:cTn id="19" presetID="1" presetClass="entr" presetSubtype="0" fill="hold" nodeType="clickEffect">
+                                  <p:stCondLst>
+                                    <p:cond delay="0"/>
+                                  </p:stCondLst>
+                                  <p:childTnLst>
+                                    <p:set>
+                                      <p:cBhvr>
+                                        <p:cTn id="20" dur="1" fill="hold">
+                                          <p:stCondLst>
+                                            <p:cond delay="0"/>
+                                          </p:stCondLst>
+                                        </p:cTn>
+                                        <p:tgtEl>
+                                          <p:spTgt spid="3">
+                                            <p:txEl>
+                                              <p:pRg st="2" end="2"/>
+                                            </p:txEl>
+                                          </p:spTgt>
+                                        </p:tgtEl>
+                                        <p:attrNameLst>
+                                          <p:attrName>style.visibility</p:attrName>
+                                        </p:attrNameLst>
+                                      </p:cBhvr>
+                                      <p:to>
+                                        <p:strVal val="visible"/>
+                                      </p:to>
+                                    </p:set>
+                                  </p:childTnLst>
+                                </p:cTn>
+                              </p:par>
+                              <p:par>
+                                <p:cTn id="21" presetID="1" presetClass="entr" presetSubtype="0" fill="hold" nodeType="withEffect">
+                                  <p:stCondLst>
+                                    <p:cond delay="0"/>
+                                  </p:stCondLst>
+                                  <p:childTnLst>
+                                    <p:set>
+                                      <p:cBhvr>
+                                        <p:cTn id="22" dur="1" fill="hold">
+                                          <p:stCondLst>
+                                            <p:cond delay="0"/>
+                                          </p:stCondLst>
+                                        </p:cTn>
+                                        <p:tgtEl>
+                                          <p:spTgt spid="3">
+                                            <p:txEl>
+                                              <p:pRg st="3" end="3"/>
+                                            </p:txEl>
+                                          </p:spTgt>
+                                        </p:tgtEl>
+                                        <p:attrNameLst>
+                                          <p:attrName>style.visibility</p:attrName>
+                                        </p:attrNameLst>
+                                      </p:cBhvr>
+                                      <p:to>
+                                        <p:strVal val="visible"/>
+                                      </p:to>
+                                    </p:set>
+                                  </p:childTnLst>
+                                </p:cTn>
+                              </p:par>
+                              <p:par>
+                                <p:cTn id="23" presetID="1" presetClass="entr" presetSubtype="0" fill="hold" nodeType="withEffect">
+                                  <p:stCondLst>
+                                    <p:cond delay="0"/>
+                                  </p:stCondLst>
+                                  <p:childTnLst>
+                                    <p:set>
+                                      <p:cBhvr>
+                                        <p:cTn id="24" dur="1" fill="hold">
+                                          <p:stCondLst>
+                                            <p:cond delay="0"/>
+                                          </p:stCondLst>
+                                        </p:cTn>
+                                        <p:tgtEl>
+                                          <p:spTgt spid="3">
+                                            <p:txEl>
+                                              <p:pRg st="4" end="4"/>
+                                            </p:txEl>
+                                          </p:spTgt>
+                                        </p:tgtEl>
+                                        <p:attrNameLst>
+                                          <p:attrName>style.visibility</p:attrName>
+                                        </p:attrNameLst>
+                                      </p:cBhvr>
+                                      <p:to>
+                                        <p:strVal val="visible"/>
+                                      </p:to>
+                                    </p:set>
+                                  </p:childTnLst>
+                                </p:cTn>
+                              </p:par>
+                            </p:childTnLst>
+                          </p:cTn>
+                        </p:par>
+                      </p:childTnLst>
+                    </p:cTn>
+                  </p:par>
+                  <p:par>
+                    <p:cTn id="25" fill="hold">
+                      <p:stCondLst>
+                        <p:cond delay="indefinite"/>
+                      </p:stCondLst>
+                      <p:childTnLst>
+                        <p:par>
+                          <p:cTn id="26" fill="hold">
+                            <p:stCondLst>
+                              <p:cond delay="0"/>
+                            </p:stCondLst>
+                            <p:childTnLst>
+                              <p:par>
+                                <p:cTn id="27" presetID="1" presetClass="entr" presetSubtype="0" fill="hold" nodeType="clickEffect">
+                                  <p:stCondLst>
+                                    <p:cond delay="0"/>
+                                  </p:stCondLst>
+                                  <p:childTnLst>
+                                    <p:set>
+                                      <p:cBhvr>
+                                        <p:cTn id="28" dur="1" fill="hold">
+                                          <p:stCondLst>
+                                            <p:cond delay="0"/>
+                                          </p:stCondLst>
+                                        </p:cTn>
+                                        <p:tgtEl>
+                                          <p:spTgt spid="3">
+                                            <p:txEl>
+                                              <p:pRg st="5" end="5"/>
+                                            </p:txEl>
+                                          </p:spTgt>
+                                        </p:tgtEl>
+                                        <p:attrNameLst>
+                                          <p:attrName>style.visibility</p:attrName>
+                                        </p:attrNameLst>
+                                      </p:cBhvr>
+                                      <p:to>
+                                        <p:strVal val="visible"/>
+                                      </p:to>
+                                    </p:set>
+                                  </p:childTnLst>
+                                </p:cTn>
+                              </p:par>
+                            </p:childTnLst>
+                          </p:cTn>
+                        </p:par>
+                      </p:childTnLst>
+                    </p:cTn>
+                  </p:par>
+                </p:childTnLst>
+              </p:cTn>
+              <p:prevCondLst>
+                <p:cond evt="onPrev" delay="0">
+                  <p:tgtEl>
+                    <p:sldTgt/>
+                  </p:tgtEl>
+                </p:cond>
+              </p:prevCondLst>
+              <p:nextCondLst>
+                <p:cond evt="onNext" delay="0">
+                  <p:tgtEl>
+                    <p:sldTgt/>
+                  </p:tgtEl>
+                </p:cond>
+              </p:nextCondLst>
+            </p:seq>
+          </p:childTnLst>
+        </p:cTn>
+      </p:par>
+    </p:tnLst>
+    <p:bldLst>
+      <p:bldP spid="10" grpId="0" animBg="1"/>
+    </p:bldLst>
+  </p:timing>
+</p:sld>
+</file>
+
+<file path=ppt/slides/slide5.xml><?xml version="1.0" encoding="utf-8"?>
+<p:sld xmlns:a="http://schemas.openxmlformats.org/drawingml/2006/main" xmlns:r="http://schemas.openxmlformats.org/officeDocument/2006/relationships" xmlns:p="http://schemas.openxmlformats.org/presentationml/2006/main">
+  <p:cSld>
+    <p:spTree>
+      <p:nvGrpSpPr>
+        <p:cNvPr id="1" name=""/>
+        <p:cNvGrpSpPr/>
+        <p:nvPr/>
+      </p:nvGrpSpPr>
+      <p:grpSpPr>
+        <a:xfrm>
+          <a:off x="0" y="0"/>
+          <a:ext cx="0" cy="0"/>
+          <a:chOff x="0" y="0"/>
+          <a:chExt cx="0" cy="0"/>
+        </a:xfrm>
+      </p:grpSpPr>
+      <p:sp>
+        <p:nvSpPr>
+          <p:cNvPr id="2" name="Title 1">
+            <a:extLst>
+              <a:ext uri="{FF2B5EF4-FFF2-40B4-BE49-F238E27FC236}">
+                <a16:creationId xmlns:a16="http://schemas.microsoft.com/office/drawing/2014/main" id="{2E868C38-14AC-D98A-9C03-E3DF4F920B29}"/>
+              </a:ext>
+            </a:extLst>
+          </p:cNvPr>
+          <p:cNvSpPr>
+            <a:spLocks noGrp="1"/>
+          </p:cNvSpPr>
+          <p:nvPr>
+            <p:ph type="title"/>
+          </p:nvPr>
+        </p:nvSpPr>
+        <p:spPr/>
+        <p:txBody>
+          <a:bodyPr/>
+          <a:lstStyle/>
+          <a:p>
+            <a:endParaRPr lang="en-US"/>
+          </a:p>
+        </p:txBody>
+      </p:sp>
+      <mc:AlternateContent xmlns:mc="http://schemas.openxmlformats.org/markup-compatibility/2006">
+        <mc:Choice xmlns:we="http://schemas.microsoft.com/office/webextensions/webextension/2010/11" xmlns:pca="http://schemas.microsoft.com/office/powerpoint/2013/contentapp" Requires="we pca">
+          <p:graphicFrame>
+            <p:nvGraphicFramePr>
+              <p:cNvPr id="4" name="Content Placeholder 3" title="AhaSlides - Live Polls and Quizzes">
+                <a:extLst>
+                  <a:ext uri="{FF2B5EF4-FFF2-40B4-BE49-F238E27FC236}">
+                    <a16:creationId xmlns:a16="http://schemas.microsoft.com/office/drawing/2014/main" id="{B09CFFE5-F978-10B3-0B02-BF7BE210B15D}"/>
+                  </a:ext>
+                </a:extLst>
+              </p:cNvPr>
+              <p:cNvGraphicFramePr>
+                <a:graphicFrameLocks noGrp="1"/>
+              </p:cNvGraphicFramePr>
+              <p:nvPr>
+                <p:ph idx="1"/>
+                <p:extLst>
+                  <p:ext uri="{D42A27DB-BD31-4B8C-83A1-F6EECF244321}">
+                    <p14:modId xmlns:p14="http://schemas.microsoft.com/office/powerpoint/2010/main" val="224293900"/>
+                  </p:ext>
+                </p:extLst>
+              </p:nvPr>
+            </p:nvGraphicFramePr>
+            <p:xfrm>
+              <a:off x="0" y="0"/>
+              <a:ext cx="12192000" cy="6858000"/>
+            </p:xfrm>
+            <a:graphic>
+              <a:graphicData uri="http://schemas.microsoft.com/office/webextensions/webextension/2010/11">
+                <we:webextensionref xmlns:we="http://schemas.microsoft.com/office/webextensions/webextension/2010/11" xmlns:r="http://schemas.openxmlformats.org/officeDocument/2006/relationships" r:id="rId3"/>
+              </a:graphicData>
+            </a:graphic>
+          </p:graphicFrame>
+        </mc:Choice>
+        <mc:Fallback>
+          <p:pic>
+            <p:nvPicPr>
+              <p:cNvPr id="4" name="Content Placeholder 3" title="AhaSlides - Live Polls and Quizzes">
+                <a:extLst>
+                  <a:ext uri="{FF2B5EF4-FFF2-40B4-BE49-F238E27FC236}">
+                    <a16:creationId xmlns:a16="http://schemas.microsoft.com/office/drawing/2014/main" id="{B09CFFE5-F978-10B3-0B02-BF7BE210B15D}"/>
+                  </a:ext>
+                </a:extLst>
+              </p:cNvPr>
+              <p:cNvPicPr>
+                <a:picLocks noGrp="1" noRot="1" noChangeAspect="1" noMove="1" noResize="1" noEditPoints="1" noAdjustHandles="1" noChangeArrowheads="1" noChangeShapeType="1"/>
+              </p:cNvPicPr>
+              <p:nvPr/>
+            </p:nvPicPr>
+            <p:blipFill>
+              <a:blip r:embed="rId4"/>
+              <a:stretch>
+                <a:fillRect/>
+              </a:stretch>
+            </p:blipFill>
+            <p:spPr>
+              <a:xfrm>
+                <a:off x="0" y="0"/>
+                <a:ext cx="12192000" cy="6858000"/>
+              </a:xfrm>
+              <a:prstGeom prst="rect">
+                <a:avLst/>
+              </a:prstGeom>
+            </p:spPr>
+          </p:pic>
+        </mc:Fallback>
+      </mc:AlternateContent>
+    </p:spTree>
+    <p:extLst>
+      <p:ext uri="{BB962C8B-B14F-4D97-AF65-F5344CB8AC3E}">
+        <p14:creationId xmlns:p14="http://schemas.microsoft.com/office/powerpoint/2010/main" val="3485639180"/>
+      </p:ext>
+    </p:extLst>
+  </p:cSld>
+  <p:clrMapOvr>
+    <a:masterClrMapping/>
+  </p:clrMapOvr>
+</p:sld>
+</file>
+
+<file path=ppt/slides/slide6.xml><?xml version="1.0" encoding="utf-8"?>
+<p:sld xmlns:a="http://schemas.openxmlformats.org/drawingml/2006/main" xmlns:r="http://schemas.openxmlformats.org/officeDocument/2006/relationships" xmlns:p="http://schemas.openxmlformats.org/presentationml/2006/main">
+  <p:cSld>
+    <p:bg>
+      <p:bgPr>
+        <a:solidFill>
+          <a:schemeClr val="bg1"/>
+        </a:solidFill>
+        <a:effectLst/>
+      </p:bgPr>
+    </p:bg>
+    <p:spTree>
+      <p:nvGrpSpPr>
+        <p:cNvPr id="1" name=""/>
+        <p:cNvGrpSpPr/>
+        <p:nvPr/>
+      </p:nvGrpSpPr>
+      <p:grpSpPr>
+        <a:xfrm>
+          <a:off x="0" y="0"/>
+          <a:ext cx="0" cy="0"/>
+          <a:chOff x="0" y="0"/>
+          <a:chExt cx="0" cy="0"/>
+        </a:xfrm>
+      </p:grpSpPr>
+      <p:sp useBgFill="1">
+        <p:nvSpPr>
+          <p:cNvPr id="8" name="Rectangle 7">
+            <a:extLst>
+              <a:ext uri="{FF2B5EF4-FFF2-40B4-BE49-F238E27FC236}">
+                <a16:creationId xmlns:a16="http://schemas.microsoft.com/office/drawing/2014/main" id="{907EF6B7-1338-4443-8C46-6A318D952DFD}"/>
+              </a:ext>
+              <a:ext uri="{C183D7F6-B498-43B3-948B-1728B52AA6E4}">
+                <adec:decorative xmlns:adec="http://schemas.microsoft.com/office/drawing/2017/decorative" val="1"/>
+              </a:ext>
+            </a:extLst>
+          </p:cNvPr>
+          <p:cNvSpPr>
+            <a:spLocks noGrp="1" noRot="1" noChangeAspect="1" noMove="1" noResize="1" noEditPoints="1" noAdjustHandles="1" noChangeArrowheads="1" noChangeShapeType="1" noTextEdit="1"/>
+          </p:cNvSpPr>
+          <p:nvPr>
+            <p:extLst>
+              <p:ext uri="{386F3935-93C4-4BCD-93E2-E3B085C9AB24}">
+                <p16:designElem xmlns:p16="http://schemas.microsoft.com/office/powerpoint/2015/main" val="1"/>
+              </p:ext>
+            </p:extLst>
+          </p:nvPr>
+        </p:nvSpPr>
+        <p:spPr>
+          <a:xfrm>
+            <a:off x="3048" y="0"/>
+            <a:ext cx="12188952" cy="6858000"/>
+          </a:xfrm>
+          <a:prstGeom prst="rect">
+            <a:avLst/>
+          </a:prstGeom>
+          <a:ln>
+            <a:noFill/>
+          </a:ln>
+        </p:spPr>
+        <p:style>
+          <a:lnRef idx="2">
+            <a:schemeClr val="accent1">
+              <a:shade val="50000"/>
+            </a:schemeClr>
+          </a:lnRef>
+          <a:fillRef idx="1">
+            <a:schemeClr val="accent1"/>
+          </a:fillRef>
+          <a:effectRef idx="0">
+            <a:schemeClr val="accent1"/>
+          </a:effectRef>
+          <a:fontRef idx="minor">
+            <a:schemeClr val="lt1"/>
+          </a:fontRef>
+        </p:style>
+        <p:txBody>
+          <a:bodyPr rtlCol="0" anchor="ctr"/>
+          <a:lstStyle/>
+          <a:p>
+            <a:pPr algn="ctr"/>
+            <a:endParaRPr lang="en-US" dirty="0"/>
+          </a:p>
+        </p:txBody>
+      </p:sp>
+      <p:sp>
+        <p:nvSpPr>
+          <p:cNvPr id="10" name="Freeform: Shape 9">
+            <a:extLst>
+              <a:ext uri="{FF2B5EF4-FFF2-40B4-BE49-F238E27FC236}">
+                <a16:creationId xmlns:a16="http://schemas.microsoft.com/office/drawing/2014/main" id="{DAAE4CDD-124C-4DCF-9584-B6033B545DD5}"/>
+              </a:ext>
+              <a:ext uri="{C183D7F6-B498-43B3-948B-1728B52AA6E4}">
+                <adec:decorative xmlns:adec="http://schemas.microsoft.com/office/drawing/2017/decorative" val="1"/>
+              </a:ext>
+            </a:extLst>
+          </p:cNvPr>
+          <p:cNvSpPr>
+            <a:spLocks noChangeAspect="1"/>
+          </p:cNvSpPr>
+          <p:nvPr>
+            <p:extLst>
+              <p:ext uri="{386F3935-93C4-4BCD-93E2-E3B085C9AB24}">
+                <p16:designElem xmlns:p16="http://schemas.microsoft.com/office/powerpoint/2015/main" val="1"/>
+              </p:ext>
+            </p:extLst>
+          </p:nvPr>
+        </p:nvSpPr>
+        <p:spPr>
+          <a:xfrm>
+            <a:off x="1" y="0"/>
+            <a:ext cx="4167271" cy="6858000"/>
+          </a:xfrm>
+          <a:custGeom>
+            <a:avLst/>
+            <a:gdLst>
+              <a:gd name="connsiteX0" fmla="*/ 0 w 4167271"/>
+              <a:gd name="connsiteY0" fmla="*/ 0 h 6858000"/>
+              <a:gd name="connsiteX1" fmla="*/ 2259550 w 4167271"/>
+              <a:gd name="connsiteY1" fmla="*/ 0 h 6858000"/>
+              <a:gd name="connsiteX2" fmla="*/ 2387803 w 4167271"/>
+              <a:gd name="connsiteY2" fmla="*/ 82222 h 6858000"/>
+              <a:gd name="connsiteX3" fmla="*/ 4167271 w 4167271"/>
+              <a:gd name="connsiteY3" fmla="*/ 3429000 h 6858000"/>
+              <a:gd name="connsiteX4" fmla="*/ 2387803 w 4167271"/>
+              <a:gd name="connsiteY4" fmla="*/ 6775779 h 6858000"/>
+              <a:gd name="connsiteX5" fmla="*/ 2259550 w 4167271"/>
+              <a:gd name="connsiteY5" fmla="*/ 6858000 h 6858000"/>
+              <a:gd name="connsiteX6" fmla="*/ 0 w 4167271"/>
+              <a:gd name="connsiteY6" fmla="*/ 6858000 h 6858000"/>
+            </a:gdLst>
+            <a:ahLst/>
+            <a:cxnLst>
+              <a:cxn ang="0">
+                <a:pos x="connsiteX0" y="connsiteY0"/>
+              </a:cxn>
+              <a:cxn ang="0">
+                <a:pos x="connsiteX1" y="connsiteY1"/>
+              </a:cxn>
+              <a:cxn ang="0">
+                <a:pos x="connsiteX2" y="connsiteY2"/>
+              </a:cxn>
+              <a:cxn ang="0">
+                <a:pos x="connsiteX3" y="connsiteY3"/>
+              </a:cxn>
+              <a:cxn ang="0">
+                <a:pos x="connsiteX4" y="connsiteY4"/>
+              </a:cxn>
+              <a:cxn ang="0">
+                <a:pos x="connsiteX5" y="connsiteY5"/>
+              </a:cxn>
+              <a:cxn ang="0">
+                <a:pos x="connsiteX6" y="connsiteY6"/>
+              </a:cxn>
+            </a:cxnLst>
+            <a:rect l="l" t="t" r="r" b="b"/>
+            <a:pathLst>
+              <a:path w="4167271" h="6858000">
+                <a:moveTo>
+                  <a:pt x="0" y="0"/>
+                </a:moveTo>
+                <a:lnTo>
+                  <a:pt x="2259550" y="0"/>
+                </a:lnTo>
+                <a:lnTo>
+                  <a:pt x="2387803" y="82222"/>
+                </a:lnTo>
+                <a:cubicBezTo>
+                  <a:pt x="3461407" y="807534"/>
+                  <a:pt x="4167271" y="2035835"/>
+                  <a:pt x="4167271" y="3429000"/>
+                </a:cubicBezTo>
+                <a:cubicBezTo>
+                  <a:pt x="4167271" y="4822165"/>
+                  <a:pt x="3461407" y="6050467"/>
+                  <a:pt x="2387803" y="6775779"/>
+                </a:cubicBezTo>
+                <a:lnTo>
+                  <a:pt x="2259550" y="6858000"/>
+                </a:lnTo>
+                <a:lnTo>
+                  <a:pt x="0" y="6858000"/>
+                </a:lnTo>
+                <a:close/>
+              </a:path>
+            </a:pathLst>
+          </a:custGeom>
+          <a:gradFill flip="none" rotWithShape="1">
+            <a:gsLst>
+              <a:gs pos="0">
+                <a:schemeClr val="accent2">
+                  <a:lumMod val="67000"/>
+                </a:schemeClr>
+              </a:gs>
+              <a:gs pos="48000">
+                <a:schemeClr val="accent2">
+                  <a:lumMod val="97000"/>
+                  <a:lumOff val="3000"/>
+                </a:schemeClr>
+              </a:gs>
+              <a:gs pos="100000">
+                <a:schemeClr val="accent2">
+                  <a:lumMod val="60000"/>
+                  <a:lumOff val="40000"/>
+                </a:schemeClr>
+              </a:gs>
+            </a:gsLst>
+            <a:lin ang="16200000" scaled="1"/>
+            <a:tileRect/>
+          </a:gradFill>
+          <a:ln>
+            <a:noFill/>
+          </a:ln>
+        </p:spPr>
+        <p:style>
+          <a:lnRef idx="0">
+            <a:scrgbClr r="0" g="0" b="0"/>
+          </a:lnRef>
+          <a:fillRef idx="0">
+            <a:scrgbClr r="0" g="0" b="0"/>
+          </a:fillRef>
+          <a:effectRef idx="0">
+            <a:scrgbClr r="0" g="0" b="0"/>
+          </a:effectRef>
+          <a:fontRef idx="minor">
+            <a:schemeClr val="lt1"/>
+          </a:fontRef>
+        </p:style>
+        <p:txBody>
+          <a:bodyPr rtlCol="0" anchor="ctr"/>
+          <a:lstStyle/>
+          <a:p>
+            <a:pPr algn="ctr"/>
+            <a:endParaRPr lang="en-US" dirty="0"/>
+          </a:p>
+        </p:txBody>
+      </p:sp>
+      <p:sp>
+        <p:nvSpPr>
+          <p:cNvPr id="2" name="Title 1">
+            <a:extLst>
+              <a:ext uri="{FF2B5EF4-FFF2-40B4-BE49-F238E27FC236}">
+                <a16:creationId xmlns:a16="http://schemas.microsoft.com/office/drawing/2014/main" id="{604CD088-9924-FDF8-32EA-64AD14C5DE41}"/>
+              </a:ext>
+            </a:extLst>
+          </p:cNvPr>
+          <p:cNvSpPr>
+            <a:spLocks noGrp="1"/>
+          </p:cNvSpPr>
+          <p:nvPr>
+            <p:ph type="title"/>
+          </p:nvPr>
+        </p:nvSpPr>
+        <p:spPr>
+          <a:xfrm>
+            <a:off x="686834" y="1153572"/>
             <a:ext cx="3345904" cy="4461163"/>
           </a:xfrm>
         </p:spPr>
@@ -12290,6 +15140,78 @@
                       </p:childTnLst>
                     </p:cTn>
                   </p:par>
+                  <p:par>
+                    <p:cTn id="9" fill="hold">
+                      <p:stCondLst>
+                        <p:cond delay="indefinite"/>
+                      </p:stCondLst>
+                      <p:childTnLst>
+                        <p:par>
+                          <p:cTn id="10" fill="hold">
+                            <p:stCondLst>
+                              <p:cond delay="0"/>
+                            </p:stCondLst>
+                            <p:childTnLst>
+                              <p:par>
+                                <p:cTn id="11" presetID="1" presetClass="entr" presetSubtype="0" fill="hold" nodeType="clickEffect">
+                                  <p:stCondLst>
+                                    <p:cond delay="0"/>
+                                  </p:stCondLst>
+                                  <p:childTnLst>
+                                    <p:set>
+                                      <p:cBhvr>
+                                        <p:cTn id="12" dur="1" fill="hold">
+                                          <p:stCondLst>
+                                            <p:cond delay="0"/>
+                                          </p:stCondLst>
+                                        </p:cTn>
+                                        <p:tgtEl>
+                                          <p:spTgt spid="1026"/>
+                                        </p:tgtEl>
+                                        <p:attrNameLst>
+                                          <p:attrName>style.visibility</p:attrName>
+                                        </p:attrNameLst>
+                                      </p:cBhvr>
+                                      <p:to>
+                                        <p:strVal val="visible"/>
+                                      </p:to>
+                                    </p:set>
+                                  </p:childTnLst>
+                                </p:cTn>
+                              </p:par>
+                              <p:par>
+                                <p:cTn id="13" presetID="1" presetClass="entr" presetSubtype="0" fill="hold" grpId="0" nodeType="withEffect">
+                                  <p:stCondLst>
+                                    <p:cond delay="0"/>
+                                  </p:stCondLst>
+                                  <p:childTnLst>
+                                    <p:set>
+                                      <p:cBhvr>
+                                        <p:cTn id="14" dur="1" fill="hold">
+                                          <p:stCondLst>
+                                            <p:cond delay="0"/>
+                                          </p:stCondLst>
+                                        </p:cTn>
+                                        <p:tgtEl>
+                                          <p:spTgt spid="4"/>
+                                        </p:tgtEl>
+                                        <p:attrNameLst>
+                                          <p:attrName>style.visibility</p:attrName>
+                                        </p:attrNameLst>
+                                      </p:cBhvr>
+                                      <p:to>
+                                        <p:strVal val="visible"/>
+                                      </p:to>
+                                    </p:set>
+                                  </p:childTnLst>
+                                </p:cTn>
+                              </p:par>
+                            </p:childTnLst>
+                          </p:cTn>
+                        </p:par>
+                      </p:childTnLst>
+                    </p:cTn>
+                  </p:par>
                 </p:childTnLst>
               </p:cTn>
               <p:prevCondLst>
@@ -12313,12 +15235,13 @@
     </p:tnLst>
     <p:bldLst>
       <p:bldP spid="10" grpId="0" animBg="1"/>
+      <p:bldP spid="4" grpId="0"/>
     </p:bldLst>
   </p:timing>
 </p:sld>
 </file>
 
-<file path=ppt/slides/slide6.xml><?xml version="1.0" encoding="utf-8"?>
+<file path=ppt/slides/slide7.xml><?xml version="1.0" encoding="utf-8"?>
 <p:sld xmlns:a="http://schemas.openxmlformats.org/drawingml/2006/main" xmlns:r="http://schemas.openxmlformats.org/officeDocument/2006/relationships" xmlns:p="http://schemas.openxmlformats.org/presentationml/2006/main">
   <p:cSld>
     <p:bg>
@@ -12894,6 +15817,78 @@
                       </p:childTnLst>
                     </p:cTn>
                   </p:par>
+                  <p:par>
+                    <p:cTn id="9" fill="hold">
+                      <p:stCondLst>
+                        <p:cond delay="indefinite"/>
+                      </p:stCondLst>
+                      <p:childTnLst>
+                        <p:par>
+                          <p:cTn id="10" fill="hold">
+                            <p:stCondLst>
+                              <p:cond delay="0"/>
+                            </p:stCondLst>
+                            <p:childTnLst>
+                              <p:par>
+                                <p:cTn id="11" presetID="1" presetClass="entr" presetSubtype="0" fill="hold" nodeType="clickEffect">
+                                  <p:stCondLst>
+                                    <p:cond delay="0"/>
+                                  </p:stCondLst>
+                                  <p:childTnLst>
+                                    <p:set>
+                                      <p:cBhvr>
+                                        <p:cTn id="12" dur="1" fill="hold">
+                                          <p:stCondLst>
+                                            <p:cond delay="0"/>
+                                          </p:stCondLst>
+                                        </p:cTn>
+                                        <p:tgtEl>
+                                          <p:spTgt spid="11"/>
+                                        </p:tgtEl>
+                                        <p:attrNameLst>
+                                          <p:attrName>style.visibility</p:attrName>
+                                        </p:attrNameLst>
+                                      </p:cBhvr>
+                                      <p:to>
+                                        <p:strVal val="visible"/>
+                                      </p:to>
+                                    </p:set>
+                                  </p:childTnLst>
+                                </p:cTn>
+                              </p:par>
+                              <p:par>
+                                <p:cTn id="13" presetID="1" presetClass="entr" presetSubtype="0" fill="hold" grpId="0" nodeType="withEffect">
+                                  <p:stCondLst>
+                                    <p:cond delay="0"/>
+                                  </p:stCondLst>
+                                  <p:childTnLst>
+                                    <p:set>
+                                      <p:cBhvr>
+                                        <p:cTn id="14" dur="1" fill="hold">
+                                          <p:stCondLst>
+                                            <p:cond delay="0"/>
+                                          </p:stCondLst>
+                                        </p:cTn>
+                                        <p:tgtEl>
+                                          <p:spTgt spid="4"/>
+                                        </p:tgtEl>
+                                        <p:attrNameLst>
+                                          <p:attrName>style.visibility</p:attrName>
+                                        </p:attrNameLst>
+                                      </p:cBhvr>
+                                      <p:to>
+                                        <p:strVal val="visible"/>
+                                      </p:to>
+                                    </p:set>
+                                  </p:childTnLst>
+                                </p:cTn>
+                              </p:par>
+                            </p:childTnLst>
+                          </p:cTn>
+                        </p:par>
+                      </p:childTnLst>
+                    </p:cTn>
+                  </p:par>
                 </p:childTnLst>
               </p:cTn>
               <p:prevCondLst>
@@ -12917,12 +15912,13 @@
     </p:tnLst>
     <p:bldLst>
       <p:bldP spid="10" grpId="0" animBg="1"/>
+      <p:bldP spid="4" grpId="0"/>
     </p:bldLst>
   </p:timing>
 </p:sld>
 </file>
 
-<file path=ppt/slides/slide7.xml><?xml version="1.0" encoding="utf-8"?>
+<file path=ppt/slides/slide8.xml><?xml version="1.0" encoding="utf-8"?>
 <p:sld xmlns:a="http://schemas.openxmlformats.org/drawingml/2006/main" xmlns:r="http://schemas.openxmlformats.org/officeDocument/2006/relationships" xmlns:p="http://schemas.openxmlformats.org/presentationml/2006/main">
   <p:cSld>
     <p:bg>
@@ -14286,6 +17282,222 @@
                       </p:childTnLst>
                     </p:cTn>
                   </p:par>
+                  <p:par>
+                    <p:cTn id="9" fill="hold">
+                      <p:stCondLst>
+                        <p:cond delay="indefinite"/>
+                      </p:stCondLst>
+                      <p:childTnLst>
+                        <p:par>
+                          <p:cTn id="10" fill="hold">
+                            <p:stCondLst>
+                              <p:cond delay="0"/>
+                            </p:stCondLst>
+                            <p:childTnLst>
+                              <p:par>
+                                <p:cTn id="11" presetID="1" presetClass="entr" presetSubtype="0" fill="hold" grpId="0" nodeType="clickEffect">
+                                  <p:stCondLst>
+                                    <p:cond delay="0"/>
+                                  </p:stCondLst>
+                                  <p:childTnLst>
+                                    <p:set>
+                                      <p:cBhvr>
+                                        <p:cTn id="12" dur="1" fill="hold">
+                                          <p:stCondLst>
+                                            <p:cond delay="0"/>
+                                          </p:stCondLst>
+                                        </p:cTn>
+                                        <p:tgtEl>
+                                          <p:spTgt spid="4"/>
+                                        </p:tgtEl>
+                                        <p:attrNameLst>
+                                          <p:attrName>style.visibility</p:attrName>
+                                        </p:attrNameLst>
+                                      </p:cBhvr>
+                                      <p:to>
+                                        <p:strVal val="visible"/>
+                                      </p:to>
+                                    </p:set>
+                                  </p:childTnLst>
+                                </p:cTn>
+                              </p:par>
+                              <p:par>
+                                <p:cTn id="13" presetID="1" presetClass="entr" presetSubtype="0" fill="hold" grpId="0" nodeType="withEffect">
+                                  <p:stCondLst>
+                                    <p:cond delay="0"/>
+                                  </p:stCondLst>
+                                  <p:childTnLst>
+                                    <p:set>
+                                      <p:cBhvr>
+                                        <p:cTn id="14" dur="1" fill="hold">
+                                          <p:stCondLst>
+                                            <p:cond delay="0"/>
+                                          </p:stCondLst>
+                                        </p:cTn>
+                                        <p:tgtEl>
+                                          <p:spTgt spid="5"/>
+                                        </p:tgtEl>
+                                        <p:attrNameLst>
+                                          <p:attrName>style.visibility</p:attrName>
+                                        </p:attrNameLst>
+                                      </p:cBhvr>
+                                      <p:to>
+                                        <p:strVal val="visible"/>
+                                      </p:to>
+                                    </p:set>
+                                  </p:childTnLst>
+                                </p:cTn>
+                              </p:par>
+                            </p:childTnLst>
+                          </p:cTn>
+                        </p:par>
+                      </p:childTnLst>
+                    </p:cTn>
+                  </p:par>
+                  <p:par>
+                    <p:cTn id="15" fill="hold">
+                      <p:stCondLst>
+                        <p:cond delay="indefinite"/>
+                      </p:stCondLst>
+                      <p:childTnLst>
+                        <p:par>
+                          <p:cTn id="16" fill="hold">
+                            <p:stCondLst>
+                              <p:cond delay="0"/>
+                            </p:stCondLst>
+                            <p:childTnLst>
+                              <p:par>
+                                <p:cTn id="17" presetID="1" presetClass="entr" presetSubtype="0" fill="hold" grpId="0" nodeType="clickEffect">
+                                  <p:stCondLst>
+                                    <p:cond delay="0"/>
+                                  </p:stCondLst>
+                                  <p:childTnLst>
+                                    <p:set>
+                                      <p:cBhvr>
+                                        <p:cTn id="18" dur="1" fill="hold">
+                                          <p:stCondLst>
+                                            <p:cond delay="0"/>
+                                          </p:stCondLst>
+                                        </p:cTn>
+                                        <p:tgtEl>
+                                          <p:spTgt spid="6"/>
+                                        </p:tgtEl>
+                                        <p:attrNameLst>
+                                          <p:attrName>style.visibility</p:attrName>
+                                        </p:attrNameLst>
+                                      </p:cBhvr>
+                                      <p:to>
+                                        <p:strVal val="visible"/>
+                                      </p:to>
+                                    </p:set>
+                                  </p:childTnLst>
+                                </p:cTn>
+                              </p:par>
+                              <p:par>
+                                <p:cTn id="19" presetID="1" presetClass="entr" presetSubtype="0" fill="hold" grpId="0" nodeType="withEffect">
+                                  <p:stCondLst>
+                                    <p:cond delay="0"/>
+                                  </p:stCondLst>
+                                  <p:childTnLst>
+                                    <p:set>
+                                      <p:cBhvr>
+                                        <p:cTn id="20" dur="1" fill="hold">
+                                          <p:stCondLst>
+                                            <p:cond delay="0"/>
+                                          </p:stCondLst>
+                                        </p:cTn>
+                                        <p:tgtEl>
+                                          <p:spTgt spid="7"/>
+                                        </p:tgtEl>
+                                        <p:attrNameLst>
+                                          <p:attrName>style.visibility</p:attrName>
+                                        </p:attrNameLst>
+                                      </p:cBhvr>
+                                      <p:to>
+                                        <p:strVal val="visible"/>
+                                      </p:to>
+                                    </p:set>
+                                  </p:childTnLst>
+                                </p:cTn>
+                              </p:par>
+                            </p:childTnLst>
+                          </p:cTn>
+                        </p:par>
+                      </p:childTnLst>
+                    </p:cTn>
+                  </p:par>
+                  <p:par>
+                    <p:cTn id="21" fill="hold">
+                      <p:stCondLst>
+                        <p:cond delay="indefinite"/>
+                      </p:stCondLst>
+                      <p:childTnLst>
+                        <p:par>
+                          <p:cTn id="22" fill="hold">
+                            <p:stCondLst>
+                              <p:cond delay="0"/>
+                            </p:stCondLst>
+                            <p:childTnLst>
+                              <p:par>
+                                <p:cTn id="23" presetID="1" presetClass="entr" presetSubtype="0" fill="hold" grpId="0" nodeType="clickEffect">
+                                  <p:stCondLst>
+                                    <p:cond delay="0"/>
+                                  </p:stCondLst>
+                                  <p:childTnLst>
+                                    <p:set>
+                                      <p:cBhvr>
+                                        <p:cTn id="24" dur="1" fill="hold">
+                                          <p:stCondLst>
+                                            <p:cond delay="0"/>
+                                          </p:stCondLst>
+                                        </p:cTn>
+                                        <p:tgtEl>
+                                          <p:spTgt spid="9"/>
+                                        </p:tgtEl>
+                                        <p:attrNameLst>
+                                          <p:attrName>style.visibility</p:attrName>
+                                        </p:attrNameLst>
+                                      </p:cBhvr>
+                                      <p:to>
+                                        <p:strVal val="visible"/>
+                                      </p:to>
+                                    </p:set>
+                                  </p:childTnLst>
+                                </p:cTn>
+                              </p:par>
+                              <p:par>
+                                <p:cTn id="25" presetID="1" presetClass="entr" presetSubtype="0" fill="hold" grpId="0" nodeType="withEffect">
+                                  <p:stCondLst>
+                                    <p:cond delay="0"/>
+                                  </p:stCondLst>
+                                  <p:childTnLst>
+                                    <p:set>
+                                      <p:cBhvr>
+                                        <p:cTn id="26" dur="1" fill="hold">
+                                          <p:stCondLst>
+                                            <p:cond delay="0"/>
+                                          </p:stCondLst>
+                                        </p:cTn>
+                                        <p:tgtEl>
+                                          <p:spTgt spid="11"/>
+                                        </p:tgtEl>
+                                        <p:attrNameLst>
+                                          <p:attrName>style.visibility</p:attrName>
+                                        </p:attrNameLst>
+                                      </p:cBhvr>
+                                      <p:to>
+                                        <p:strVal val="visible"/>
+                                      </p:to>
+                                    </p:set>
+                                  </p:childTnLst>
+                                </p:cTn>
+                              </p:par>
+                            </p:childTnLst>
+                          </p:cTn>
+                        </p:par>
+                      </p:childTnLst>
+                    </p:cTn>
+                  </p:par>
                 </p:childTnLst>
               </p:cTn>
               <p:prevCondLst>
@@ -14309,12 +17521,18 @@
     </p:tnLst>
     <p:bldLst>
       <p:bldP spid="10" grpId="0" animBg="1"/>
+      <p:bldP spid="4" grpId="0" animBg="1"/>
+      <p:bldP spid="5" grpId="0" animBg="1"/>
+      <p:bldP spid="6" grpId="0" animBg="1"/>
+      <p:bldP spid="7" grpId="0" animBg="1"/>
+      <p:bldP spid="9" grpId="0" animBg="1"/>
+      <p:bldP spid="11" grpId="0" animBg="1"/>
     </p:bldLst>
   </p:timing>
 </p:sld>
 </file>
 
-<file path=ppt/slides/slide8.xml><?xml version="1.0" encoding="utf-8"?>
+<file path=ppt/slides/slide9.xml><?xml version="1.0" encoding="utf-8"?>
 <p:sld xmlns:a="http://schemas.openxmlformats.org/drawingml/2006/main" xmlns:r="http://schemas.openxmlformats.org/officeDocument/2006/relationships" xmlns:p="http://schemas.openxmlformats.org/presentationml/2006/main">
   <p:cSld>
     <p:bg>
@@ -14850,611 +18068,6 @@
     </p:tnLst>
     <p:bldLst>
       <p:bldP spid="14" grpId="0" animBg="1"/>
-    </p:bldLst>
-  </p:timing>
-</p:sld>
-</file>
-
-<file path=ppt/slides/slide9.xml><?xml version="1.0" encoding="utf-8"?>
-<p:sld xmlns:a="http://schemas.openxmlformats.org/drawingml/2006/main" xmlns:r="http://schemas.openxmlformats.org/officeDocument/2006/relationships" xmlns:p="http://schemas.openxmlformats.org/presentationml/2006/main">
-  <p:cSld>
-    <p:bg>
-      <p:bgPr>
-        <a:solidFill>
-          <a:schemeClr val="bg1"/>
-        </a:solidFill>
-        <a:effectLst/>
-      </p:bgPr>
-    </p:bg>
-    <p:spTree>
-      <p:nvGrpSpPr>
-        <p:cNvPr id="1" name=""/>
-        <p:cNvGrpSpPr/>
-        <p:nvPr/>
-      </p:nvGrpSpPr>
-      <p:grpSpPr>
-        <a:xfrm>
-          <a:off x="0" y="0"/>
-          <a:ext cx="0" cy="0"/>
-          <a:chOff x="0" y="0"/>
-          <a:chExt cx="0" cy="0"/>
-        </a:xfrm>
-      </p:grpSpPr>
-      <p:sp useBgFill="1">
-        <p:nvSpPr>
-          <p:cNvPr id="8" name="Rectangle 7">
-            <a:extLst>
-              <a:ext uri="{FF2B5EF4-FFF2-40B4-BE49-F238E27FC236}">
-                <a16:creationId xmlns:a16="http://schemas.microsoft.com/office/drawing/2014/main" id="{907EF6B7-1338-4443-8C46-6A318D952DFD}"/>
-              </a:ext>
-              <a:ext uri="{C183D7F6-B498-43B3-948B-1728B52AA6E4}">
-                <adec:decorative xmlns:adec="http://schemas.microsoft.com/office/drawing/2017/decorative" val="1"/>
-              </a:ext>
-            </a:extLst>
-          </p:cNvPr>
-          <p:cNvSpPr>
-            <a:spLocks noGrp="1" noRot="1" noChangeAspect="1" noMove="1" noResize="1" noEditPoints="1" noAdjustHandles="1" noChangeArrowheads="1" noChangeShapeType="1" noTextEdit="1"/>
-          </p:cNvSpPr>
-          <p:nvPr>
-            <p:extLst>
-              <p:ext uri="{386F3935-93C4-4BCD-93E2-E3B085C9AB24}">
-                <p16:designElem xmlns:p16="http://schemas.microsoft.com/office/powerpoint/2015/main" val="1"/>
-              </p:ext>
-            </p:extLst>
-          </p:nvPr>
-        </p:nvSpPr>
-        <p:spPr>
-          <a:xfrm>
-            <a:off x="3048" y="0"/>
-            <a:ext cx="12188952" cy="6858000"/>
-          </a:xfrm>
-          <a:prstGeom prst="rect">
-            <a:avLst/>
-          </a:prstGeom>
-          <a:ln>
-            <a:noFill/>
-          </a:ln>
-        </p:spPr>
-        <p:style>
-          <a:lnRef idx="2">
-            <a:schemeClr val="accent1">
-              <a:shade val="50000"/>
-            </a:schemeClr>
-          </a:lnRef>
-          <a:fillRef idx="1">
-            <a:schemeClr val="accent1"/>
-          </a:fillRef>
-          <a:effectRef idx="0">
-            <a:schemeClr val="accent1"/>
-          </a:effectRef>
-          <a:fontRef idx="minor">
-            <a:schemeClr val="lt1"/>
-          </a:fontRef>
-        </p:style>
-        <p:txBody>
-          <a:bodyPr rtlCol="0" anchor="ctr"/>
-          <a:lstStyle/>
-          <a:p>
-            <a:pPr algn="ctr"/>
-            <a:endParaRPr lang="en-US" dirty="0"/>
-          </a:p>
-        </p:txBody>
-      </p:sp>
-      <p:sp>
-        <p:nvSpPr>
-          <p:cNvPr id="10" name="Freeform: Shape 9">
-            <a:extLst>
-              <a:ext uri="{FF2B5EF4-FFF2-40B4-BE49-F238E27FC236}">
-                <a16:creationId xmlns:a16="http://schemas.microsoft.com/office/drawing/2014/main" id="{DAAE4CDD-124C-4DCF-9584-B6033B545DD5}"/>
-              </a:ext>
-              <a:ext uri="{C183D7F6-B498-43B3-948B-1728B52AA6E4}">
-                <adec:decorative xmlns:adec="http://schemas.microsoft.com/office/drawing/2017/decorative" val="1"/>
-              </a:ext>
-            </a:extLst>
-          </p:cNvPr>
-          <p:cNvSpPr>
-            <a:spLocks noChangeAspect="1"/>
-          </p:cNvSpPr>
-          <p:nvPr>
-            <p:extLst>
-              <p:ext uri="{386F3935-93C4-4BCD-93E2-E3B085C9AB24}">
-                <p16:designElem xmlns:p16="http://schemas.microsoft.com/office/powerpoint/2015/main" val="1"/>
-              </p:ext>
-            </p:extLst>
-          </p:nvPr>
-        </p:nvSpPr>
-        <p:spPr>
-          <a:xfrm>
-            <a:off x="1" y="0"/>
-            <a:ext cx="4167271" cy="6858000"/>
-          </a:xfrm>
-          <a:custGeom>
-            <a:avLst/>
-            <a:gdLst>
-              <a:gd name="connsiteX0" fmla="*/ 0 w 4167271"/>
-              <a:gd name="connsiteY0" fmla="*/ 0 h 6858000"/>
-              <a:gd name="connsiteX1" fmla="*/ 2259550 w 4167271"/>
-              <a:gd name="connsiteY1" fmla="*/ 0 h 6858000"/>
-              <a:gd name="connsiteX2" fmla="*/ 2387803 w 4167271"/>
-              <a:gd name="connsiteY2" fmla="*/ 82222 h 6858000"/>
-              <a:gd name="connsiteX3" fmla="*/ 4167271 w 4167271"/>
-              <a:gd name="connsiteY3" fmla="*/ 3429000 h 6858000"/>
-              <a:gd name="connsiteX4" fmla="*/ 2387803 w 4167271"/>
-              <a:gd name="connsiteY4" fmla="*/ 6775779 h 6858000"/>
-              <a:gd name="connsiteX5" fmla="*/ 2259550 w 4167271"/>
-              <a:gd name="connsiteY5" fmla="*/ 6858000 h 6858000"/>
-              <a:gd name="connsiteX6" fmla="*/ 0 w 4167271"/>
-              <a:gd name="connsiteY6" fmla="*/ 6858000 h 6858000"/>
-            </a:gdLst>
-            <a:ahLst/>
-            <a:cxnLst>
-              <a:cxn ang="0">
-                <a:pos x="connsiteX0" y="connsiteY0"/>
-              </a:cxn>
-              <a:cxn ang="0">
-                <a:pos x="connsiteX1" y="connsiteY1"/>
-              </a:cxn>
-              <a:cxn ang="0">
-                <a:pos x="connsiteX2" y="connsiteY2"/>
-              </a:cxn>
-              <a:cxn ang="0">
-                <a:pos x="connsiteX3" y="connsiteY3"/>
-              </a:cxn>
-              <a:cxn ang="0">
-                <a:pos x="connsiteX4" y="connsiteY4"/>
-              </a:cxn>
-              <a:cxn ang="0">
-                <a:pos x="connsiteX5" y="connsiteY5"/>
-              </a:cxn>
-              <a:cxn ang="0">
-                <a:pos x="connsiteX6" y="connsiteY6"/>
-              </a:cxn>
-            </a:cxnLst>
-            <a:rect l="l" t="t" r="r" b="b"/>
-            <a:pathLst>
-              <a:path w="4167271" h="6858000">
-                <a:moveTo>
-                  <a:pt x="0" y="0"/>
-                </a:moveTo>
-                <a:lnTo>
-                  <a:pt x="2259550" y="0"/>
-                </a:lnTo>
-                <a:lnTo>
-                  <a:pt x="2387803" y="82222"/>
-                </a:lnTo>
-                <a:cubicBezTo>
-                  <a:pt x="3461407" y="807534"/>
-                  <a:pt x="4167271" y="2035835"/>
-                  <a:pt x="4167271" y="3429000"/>
-                </a:cubicBezTo>
-                <a:cubicBezTo>
-                  <a:pt x="4167271" y="4822165"/>
-                  <a:pt x="3461407" y="6050467"/>
-                  <a:pt x="2387803" y="6775779"/>
-                </a:cubicBezTo>
-                <a:lnTo>
-                  <a:pt x="2259550" y="6858000"/>
-                </a:lnTo>
-                <a:lnTo>
-                  <a:pt x="0" y="6858000"/>
-                </a:lnTo>
-                <a:close/>
-              </a:path>
-            </a:pathLst>
-          </a:custGeom>
-          <a:gradFill flip="none" rotWithShape="1">
-            <a:gsLst>
-              <a:gs pos="0">
-                <a:schemeClr val="accent2">
-                  <a:lumMod val="67000"/>
-                </a:schemeClr>
-              </a:gs>
-              <a:gs pos="48000">
-                <a:schemeClr val="accent2">
-                  <a:lumMod val="97000"/>
-                  <a:lumOff val="3000"/>
-                </a:schemeClr>
-              </a:gs>
-              <a:gs pos="100000">
-                <a:schemeClr val="accent2">
-                  <a:lumMod val="60000"/>
-                  <a:lumOff val="40000"/>
-                </a:schemeClr>
-              </a:gs>
-            </a:gsLst>
-            <a:lin ang="16200000" scaled="1"/>
-            <a:tileRect/>
-          </a:gradFill>
-          <a:ln>
-            <a:noFill/>
-          </a:ln>
-        </p:spPr>
-        <p:style>
-          <a:lnRef idx="0">
-            <a:scrgbClr r="0" g="0" b="0"/>
-          </a:lnRef>
-          <a:fillRef idx="0">
-            <a:scrgbClr r="0" g="0" b="0"/>
-          </a:fillRef>
-          <a:effectRef idx="0">
-            <a:scrgbClr r="0" g="0" b="0"/>
-          </a:effectRef>
-          <a:fontRef idx="minor">
-            <a:schemeClr val="lt1"/>
-          </a:fontRef>
-        </p:style>
-        <p:txBody>
-          <a:bodyPr rtlCol="0" anchor="ctr"/>
-          <a:lstStyle/>
-          <a:p>
-            <a:pPr algn="ctr"/>
-            <a:endParaRPr lang="en-US" dirty="0"/>
-          </a:p>
-        </p:txBody>
-      </p:sp>
-      <p:sp>
-        <p:nvSpPr>
-          <p:cNvPr id="2" name="Title 1">
-            <a:extLst>
-              <a:ext uri="{FF2B5EF4-FFF2-40B4-BE49-F238E27FC236}">
-                <a16:creationId xmlns:a16="http://schemas.microsoft.com/office/drawing/2014/main" id="{604CD088-9924-FDF8-32EA-64AD14C5DE41}"/>
-              </a:ext>
-            </a:extLst>
-          </p:cNvPr>
-          <p:cNvSpPr>
-            <a:spLocks noGrp="1"/>
-          </p:cNvSpPr>
-          <p:nvPr>
-            <p:ph type="title"/>
-          </p:nvPr>
-        </p:nvSpPr>
-        <p:spPr>
-          <a:xfrm>
-            <a:off x="686834" y="1153572"/>
-            <a:ext cx="3200400" cy="4461163"/>
-          </a:xfrm>
-        </p:spPr>
-        <p:txBody>
-          <a:bodyPr>
-            <a:normAutofit/>
-          </a:bodyPr>
-          <a:lstStyle/>
-          <a:p>
-            <a:r>
-              <a:rPr lang="en-US" dirty="0">
-                <a:solidFill>
-                  <a:srgbClr val="FFFFFF"/>
-                </a:solidFill>
-              </a:rPr>
-              <a:t>TDD</a:t>
-            </a:r>
-          </a:p>
-        </p:txBody>
-      </p:sp>
-      <p:sp>
-        <p:nvSpPr>
-          <p:cNvPr id="12" name="Arc 11">
-            <a:extLst>
-              <a:ext uri="{FF2B5EF4-FFF2-40B4-BE49-F238E27FC236}">
-                <a16:creationId xmlns:a16="http://schemas.microsoft.com/office/drawing/2014/main" id="{081E4A58-353D-44AE-B2FC-2A74E2E400F7}"/>
-              </a:ext>
-              <a:ext uri="{C183D7F6-B498-43B3-948B-1728B52AA6E4}">
-                <adec:decorative xmlns:adec="http://schemas.microsoft.com/office/drawing/2017/decorative" val="1"/>
-              </a:ext>
-            </a:extLst>
-          </p:cNvPr>
-          <p:cNvSpPr>
-            <a:spLocks noGrp="1" noRot="1" noChangeAspect="1" noMove="1" noResize="1" noEditPoints="1" noAdjustHandles="1" noChangeArrowheads="1" noChangeShapeType="1" noTextEdit="1"/>
-          </p:cNvSpPr>
-          <p:nvPr>
-            <p:extLst>
-              <p:ext uri="{386F3935-93C4-4BCD-93E2-E3B085C9AB24}">
-                <p16:designElem xmlns:p16="http://schemas.microsoft.com/office/powerpoint/2015/main" val="1"/>
-              </p:ext>
-            </p:extLst>
-          </p:nvPr>
-        </p:nvSpPr>
-        <p:spPr>
-          <a:xfrm flipV="1">
-            <a:off x="7550402" y="2455479"/>
-            <a:ext cx="4083433" cy="4083433"/>
-          </a:xfrm>
-          <a:prstGeom prst="arc">
-            <a:avLst/>
-          </a:prstGeom>
-          <a:ln w="127000" cap="rnd">
-            <a:solidFill>
-              <a:schemeClr val="accent4"/>
-            </a:solidFill>
-            <a:prstDash val="dash"/>
-          </a:ln>
-        </p:spPr>
-        <p:style>
-          <a:lnRef idx="1">
-            <a:schemeClr val="accent1"/>
-          </a:lnRef>
-          <a:fillRef idx="0">
-            <a:schemeClr val="accent1"/>
-          </a:fillRef>
-          <a:effectRef idx="0">
-            <a:schemeClr val="accent1"/>
-          </a:effectRef>
-          <a:fontRef idx="minor">
-            <a:schemeClr val="tx1"/>
-          </a:fontRef>
-        </p:style>
-        <p:txBody>
-          <a:bodyPr rtlCol="0" anchor="ctr"/>
-          <a:lstStyle/>
-          <a:p>
-            <a:pPr algn="ctr"/>
-            <a:endParaRPr lang="en-US" dirty="0"/>
-          </a:p>
-        </p:txBody>
-      </p:sp>
-      <p:sp>
-        <p:nvSpPr>
-          <p:cNvPr id="3" name="Content Placeholder 2">
-            <a:extLst>
-              <a:ext uri="{FF2B5EF4-FFF2-40B4-BE49-F238E27FC236}">
-                <a16:creationId xmlns:a16="http://schemas.microsoft.com/office/drawing/2014/main" id="{506ECF03-3832-CE61-45EB-6C148D597A92}"/>
-              </a:ext>
-            </a:extLst>
-          </p:cNvPr>
-          <p:cNvSpPr>
-            <a:spLocks noGrp="1"/>
-          </p:cNvSpPr>
-          <p:nvPr>
-            <p:ph idx="1"/>
-          </p:nvPr>
-        </p:nvSpPr>
-        <p:spPr>
-          <a:xfrm>
-            <a:off x="4447308" y="787400"/>
-            <a:ext cx="6906491" cy="5389563"/>
-          </a:xfrm>
-        </p:spPr>
-        <p:txBody>
-          <a:bodyPr anchor="ctr">
-            <a:normAutofit/>
-          </a:bodyPr>
-          <a:lstStyle/>
-          <a:p>
-            <a:r>
-              <a:rPr lang="en-US" dirty="0"/>
-              <a:t>Build trust of the users</a:t>
-            </a:r>
-          </a:p>
-          <a:p>
-            <a:pPr lvl="1"/>
-            <a:r>
-              <a:rPr lang="en-US" dirty="0"/>
-              <a:t>Reduce the numbers of bugs found by users</a:t>
-            </a:r>
-          </a:p>
-          <a:p>
-            <a:pPr lvl="1"/>
-            <a:r>
-              <a:rPr lang="en-US" dirty="0"/>
-              <a:t>Finding errors sooner by development team</a:t>
-            </a:r>
-          </a:p>
-          <a:p>
-            <a:r>
-              <a:rPr lang="en-US" dirty="0"/>
-              <a:t>Done before writing end user software</a:t>
-            </a:r>
-          </a:p>
-          <a:p>
-            <a:r>
-              <a:rPr lang="en-US" dirty="0"/>
-              <a:t>TDD teams had 40% to 90% fewer defects</a:t>
-            </a:r>
-          </a:p>
-          <a:p>
-            <a:r>
-              <a:rPr lang="en-US" dirty="0"/>
-              <a:t>TDD teams spent 15% to 33% more time writing code</a:t>
-            </a:r>
-          </a:p>
-          <a:p>
-            <a:r>
-              <a:rPr lang="en-US" dirty="0"/>
-              <a:t>Problems</a:t>
-            </a:r>
-          </a:p>
-          <a:p>
-            <a:pPr lvl="1"/>
-            <a:r>
-              <a:rPr lang="en-US" dirty="0"/>
-              <a:t>Focuses on tests and how to create tests</a:t>
-            </a:r>
-          </a:p>
-          <a:p>
-            <a:pPr lvl="1"/>
-            <a:r>
-              <a:rPr lang="en-US" dirty="0"/>
-              <a:t>When focused on code coverage it slows the development processes down</a:t>
-            </a:r>
-          </a:p>
-          <a:p>
-            <a:pPr marL="0" indent="0">
-              <a:buNone/>
-            </a:pPr>
-            <a:endParaRPr lang="en-US" dirty="0"/>
-          </a:p>
-        </p:txBody>
-      </p:sp>
-      <p:sp>
-        <p:nvSpPr>
-          <p:cNvPr id="4" name="TextBox 3">
-            <a:extLst>
-              <a:ext uri="{FF2B5EF4-FFF2-40B4-BE49-F238E27FC236}">
-                <a16:creationId xmlns:a16="http://schemas.microsoft.com/office/drawing/2014/main" id="{E7C2E0A4-BBB9-95DD-623C-2422E8FDA616}"/>
-              </a:ext>
-            </a:extLst>
-          </p:cNvPr>
-          <p:cNvSpPr txBox="1"/>
-          <p:nvPr/>
-        </p:nvSpPr>
-        <p:spPr>
-          <a:xfrm>
-            <a:off x="2674986" y="6531320"/>
-            <a:ext cx="7146828" cy="369332"/>
-          </a:xfrm>
-          <a:prstGeom prst="rect">
-            <a:avLst/>
-          </a:prstGeom>
-          <a:noFill/>
-        </p:spPr>
-        <p:txBody>
-          <a:bodyPr wrap="none" rtlCol="0">
-            <a:spAutoFit/>
-          </a:bodyPr>
-          <a:lstStyle/>
-          <a:p>
-            <a:r>
-              <a:rPr lang="en-US" dirty="0">
-                <a:hlinkClick r:id="rId3"/>
-              </a:rPr>
-              <a:t>https://cucumber.io/blog/bdd/how-to-measure-the-roi-of-bdd-and-tdd </a:t>
-            </a:r>
-            <a:endParaRPr lang="en-US" dirty="0"/>
-          </a:p>
-        </p:txBody>
-      </p:sp>
-    </p:spTree>
-    <p:extLst>
-      <p:ext uri="{BB962C8B-B14F-4D97-AF65-F5344CB8AC3E}">
-        <p14:creationId xmlns:p14="http://schemas.microsoft.com/office/powerpoint/2010/main" val="3707692299"/>
-      </p:ext>
-    </p:extLst>
-  </p:cSld>
-  <p:clrMapOvr>
-    <a:masterClrMapping/>
-  </p:clrMapOvr>
-  <p:timing>
-    <p:tnLst>
-      <p:par>
-        <p:cTn id="1" dur="indefinite" restart="never" nodeType="tmRoot">
-          <p:childTnLst>
-            <p:seq concurrent="1" nextAc="seek">
-              <p:cTn id="2" dur="indefinite" nodeType="mainSeq">
-                <p:childTnLst>
-                  <p:par>
-                    <p:cTn id="3" fill="hold">
-                      <p:stCondLst>
-                        <p:cond delay="indefinite"/>
-                      </p:stCondLst>
-                      <p:childTnLst>
-                        <p:par>
-                          <p:cTn id="4" fill="hold">
-                            <p:stCondLst>
-                              <p:cond delay="0"/>
-                            </p:stCondLst>
-                            <p:childTnLst>
-                              <p:par>
-                                <p:cTn id="5" presetID="2" presetClass="entr" presetSubtype="8" fill="hold" grpId="0" nodeType="clickEffect">
-                                  <p:stCondLst>
-                                    <p:cond delay="0"/>
-                                  </p:stCondLst>
-                                  <p:childTnLst>
-                                    <p:set>
-                                      <p:cBhvr>
-                                        <p:cTn id="6" dur="1" fill="hold">
-                                          <p:stCondLst>
-                                            <p:cond delay="0"/>
-                                          </p:stCondLst>
-                                        </p:cTn>
-                                        <p:tgtEl>
-                                          <p:spTgt spid="10"/>
-                                        </p:tgtEl>
-                                        <p:attrNameLst>
-                                          <p:attrName>style.visibility</p:attrName>
-                                        </p:attrNameLst>
-                                      </p:cBhvr>
-                                      <p:to>
-                                        <p:strVal val="visible"/>
-                                      </p:to>
-                                    </p:set>
-                                    <p:anim calcmode="lin" valueType="num">
-                                      <p:cBhvr additive="base">
-                                        <p:cTn id="7" dur="3500" fill="hold"/>
-                                        <p:tgtEl>
-                                          <p:spTgt spid="10"/>
-                                        </p:tgtEl>
-                                        <p:attrNameLst>
-                                          <p:attrName>ppt_x</p:attrName>
-                                        </p:attrNameLst>
-                                      </p:cBhvr>
-                                      <p:tavLst>
-                                        <p:tav tm="0">
-                                          <p:val>
-                                            <p:strVal val="0-#ppt_w/2"/>
-                                          </p:val>
-                                        </p:tav>
-                                        <p:tav tm="100000">
-                                          <p:val>
-                                            <p:strVal val="#ppt_x"/>
-                                          </p:val>
-                                        </p:tav>
-                                      </p:tavLst>
-                                    </p:anim>
-                                    <p:anim calcmode="lin" valueType="num">
-                                      <p:cBhvr additive="base">
-                                        <p:cTn id="8" dur="3500" fill="hold"/>
-                                        <p:tgtEl>
-                                          <p:spTgt spid="10"/>
-                                        </p:tgtEl>
-                                        <p:attrNameLst>
-                                          <p:attrName>ppt_y</p:attrName>
-                                        </p:attrNameLst>
-                                      </p:cBhvr>
-                                      <p:tavLst>
-                                        <p:tav tm="0">
-                                          <p:val>
-                                            <p:strVal val="#ppt_y"/>
-                                          </p:val>
-                                        </p:tav>
-                                        <p:tav tm="100000">
-                                          <p:val>
-                                            <p:strVal val="#ppt_y"/>
-                                          </p:val>
-                                        </p:tav>
-                                      </p:tavLst>
-                                    </p:anim>
-                                  </p:childTnLst>
-                                </p:cTn>
-                              </p:par>
-                            </p:childTnLst>
-                          </p:cTn>
-                        </p:par>
-                      </p:childTnLst>
-                    </p:cTn>
-                  </p:par>
-                </p:childTnLst>
-              </p:cTn>
-              <p:prevCondLst>
-                <p:cond evt="onPrev" delay="0">
-                  <p:tgtEl>
-                    <p:sldTgt/>
-                  </p:tgtEl>
-                </p:cond>
-              </p:prevCondLst>
-              <p:nextCondLst>
-                <p:cond evt="onNext" delay="0">
-                  <p:tgtEl>
-                    <p:sldTgt/>
-                  </p:tgtEl>
-                </p:cond>
-              </p:nextCondLst>
-            </p:seq>
-          </p:childTnLst>
-        </p:cTn>
-      </p:par>
-    </p:tnLst>
-    <p:bldLst>
-      <p:bldP spid="10" grpId="0" animBg="1"/>
     </p:bldLst>
   </p:timing>
 </p:sld>
@@ -16023,7 +18636,7 @@
     <we:reference id="wa200004824" version="1.0.0.0" store="wa200004824" storeType="OMEX"/>
   </we:alternateReferences>
   <we:properties>
-    <we:property name="aha-slide" value="{&quot;slideId&quot;:&quot;&quot;}"/>
+    <we:property name="aha-slide" value="{&quot;slideId&quot;:&quot;92816756&quot;}"/>
   </we:properties>
   <we:bindings/>
   <we:snapshot xmlns:r="http://schemas.openxmlformats.org/officeDocument/2006/relationships" r:embed="rId1"/>
@@ -16031,13 +18644,13 @@
 </file>
 
 <file path=ppt/webextensions/webextension2.xml><?xml version="1.0" encoding="utf-8"?>
-<we:webextension xmlns:we="http://schemas.microsoft.com/office/webextensions/webextension/2010/11" id="{2E5E68B8-329D-4F80-86E6-7E1C6A76DF6B}">
+<we:webextension xmlns:we="http://schemas.microsoft.com/office/webextensions/webextension/2010/11" id="{26D2DC7F-7A12-4762-B1EE-C9ED760B7081}">
   <we:reference id="wa200004824" version="1.0.0.0" store="en-US" storeType="OMEX"/>
   <we:alternateReferences>
     <we:reference id="wa200004824" version="1.0.0.0" store="wa200004824" storeType="OMEX"/>
   </we:alternateReferences>
   <we:properties>
-    <we:property name="aha-slide" value="{&quot;slideId&quot;:&quot;&quot;}"/>
+    <we:property name="aha-slide" value="{&quot;slideId&quot;:&quot;93845082&quot;}"/>
   </we:properties>
   <we:bindings/>
   <we:snapshot xmlns:r="http://schemas.openxmlformats.org/officeDocument/2006/relationships" r:embed="rId1"/>

--- a/ThatConference2023.pptx
+++ b/ThatConference2023.pptx
@@ -17,17 +17,17 @@
     <p:sldId id="296" r:id="rId8"/>
     <p:sldId id="295" r:id="rId9"/>
     <p:sldId id="299" r:id="rId10"/>
-    <p:sldId id="301" r:id="rId11"/>
-    <p:sldId id="304" r:id="rId12"/>
-    <p:sldId id="302" r:id="rId13"/>
-    <p:sldId id="306" r:id="rId14"/>
-    <p:sldId id="307" r:id="rId15"/>
-    <p:sldId id="308" r:id="rId16"/>
-    <p:sldId id="305" r:id="rId17"/>
-    <p:sldId id="311" r:id="rId18"/>
-    <p:sldId id="312" r:id="rId19"/>
-    <p:sldId id="303" r:id="rId20"/>
-    <p:sldId id="300" r:id="rId21"/>
+    <p:sldId id="304" r:id="rId11"/>
+    <p:sldId id="302" r:id="rId12"/>
+    <p:sldId id="306" r:id="rId13"/>
+    <p:sldId id="307" r:id="rId14"/>
+    <p:sldId id="308" r:id="rId15"/>
+    <p:sldId id="305" r:id="rId16"/>
+    <p:sldId id="311" r:id="rId17"/>
+    <p:sldId id="312" r:id="rId18"/>
+    <p:sldId id="315" r:id="rId19"/>
+    <p:sldId id="314" r:id="rId20"/>
+    <p:sldId id="316" r:id="rId21"/>
   </p:sldIdLst>
   <p:sldSz cx="12192000" cy="6858000"/>
   <p:notesSz cx="6858000" cy="9144000"/>
@@ -140,7 +140,6 @@
             <p14:sldId id="296"/>
             <p14:sldId id="295"/>
             <p14:sldId id="299"/>
-            <p14:sldId id="301"/>
             <p14:sldId id="304"/>
             <p14:sldId id="302"/>
             <p14:sldId id="306"/>
@@ -149,8 +148,9 @@
             <p14:sldId id="305"/>
             <p14:sldId id="311"/>
             <p14:sldId id="312"/>
-            <p14:sldId id="303"/>
-            <p14:sldId id="300"/>
+            <p14:sldId id="315"/>
+            <p14:sldId id="314"/>
+            <p14:sldId id="316"/>
           </p14:sldIdLst>
         </p14:section>
       </p14:sectionLst>
@@ -267,7 +267,7 @@
           <a:p>
             <a:fld id="{BA065681-88F1-4872-B208-B53BCC8B42F3}" type="datetimeFigureOut">
               <a:rPr lang="en-US" smtClean="0"/>
-              <a:t>7/4/2023</a:t>
+              <a:t>7/17/2023</a:t>
             </a:fld>
             <a:endParaRPr lang="en-US"/>
           </a:p>
@@ -623,7 +623,21 @@
           <a:p>
             <a:r>
               <a:rPr lang="en-US" dirty="0"/>
-              <a:t>Open VS Code to fake sales pitch</a:t>
+              <a:t>Open 2 Visual Studios – </a:t>
+            </a:r>
+            <a:r>
+              <a:rPr lang="en-US" dirty="0" err="1"/>
+              <a:t>RequestTimeOff</a:t>
+            </a:r>
+            <a:r>
+              <a:rPr lang="en-US" dirty="0"/>
+              <a:t> and blank</a:t>
+            </a:r>
+          </a:p>
+          <a:p>
+            <a:r>
+              <a:rPr lang="en-US" dirty="0"/>
+              <a:t>Open VS Code to fake sales pitch and tab for checklist of Demo</a:t>
             </a:r>
           </a:p>
         </p:txBody>
@@ -710,8 +724,58 @@
           <a:p>
             <a:r>
               <a:rPr lang="en-US" dirty="0"/>
-              <a:t>Tell story about wife and pictures</a:t>
-            </a:r>
+              <a:t>New Feature is edit request</a:t>
+            </a:r>
+          </a:p>
+          <a:p>
+            <a:r>
+              <a:rPr lang="en-US" dirty="0"/>
+              <a:t>We also need a Background</a:t>
+            </a:r>
+          </a:p>
+          <a:p>
+            <a:endParaRPr lang="en-US" dirty="0"/>
+          </a:p>
+          <a:p>
+            <a:r>
+              <a:rPr lang="en-US" dirty="0"/>
+              <a:t>Scenario Outline –  </a:t>
+            </a:r>
+            <a:r>
+              <a:rPr lang="en-US" dirty="0" err="1"/>
+              <a:t>TimeOffValidator</a:t>
+            </a:r>
+            <a:r>
+              <a:rPr lang="en-US" dirty="0"/>
+              <a:t> (updates)</a:t>
+            </a:r>
+          </a:p>
+          <a:p>
+            <a:r>
+              <a:rPr lang="en-US" dirty="0"/>
+              <a:t>Table – </a:t>
+            </a:r>
+            <a:r>
+              <a:rPr lang="en-US" dirty="0" err="1"/>
+              <a:t>TimeOffDateRange.feature</a:t>
+            </a:r>
+            <a:endParaRPr lang="en-US" dirty="0"/>
+          </a:p>
+          <a:p>
+            <a:endParaRPr lang="en-US" dirty="0"/>
+          </a:p>
+          <a:p>
+            <a:r>
+              <a:rPr lang="en-US" b="0" i="0" dirty="0">
+                <a:solidFill>
+                  <a:srgbClr val="36394D"/>
+                </a:solidFill>
+                <a:effectLst/>
+                <a:latin typeface="Open Sans" panose="020F0502020204030204" pitchFamily="34" charset="0"/>
+              </a:rPr>
+              <a:t>The purpose of feature files is to create readable specifications that can be understood by the whole team, not to provide test coverage</a:t>
+            </a:r>
+            <a:endParaRPr lang="en-US" dirty="0"/>
           </a:p>
         </p:txBody>
       </p:sp>
@@ -741,7 +805,7 @@
     </p:spTree>
     <p:extLst>
       <p:ext uri="{BB962C8B-B14F-4D97-AF65-F5344CB8AC3E}">
-        <p14:creationId xmlns:p14="http://schemas.microsoft.com/office/powerpoint/2010/main" val="2326540985"/>
+        <p14:creationId xmlns:p14="http://schemas.microsoft.com/office/powerpoint/2010/main" val="3353804740"/>
       </p:ext>
     </p:extLst>
   </p:cSld>
@@ -797,58 +861,43 @@
           <a:p>
             <a:r>
               <a:rPr lang="en-US" dirty="0"/>
-              <a:t>New Feature is edit request</a:t>
+              <a:t>Intellectual property</a:t>
             </a:r>
           </a:p>
           <a:p>
             <a:r>
               <a:rPr lang="en-US" dirty="0"/>
-              <a:t>We also need a Background</a:t>
-            </a:r>
-          </a:p>
-          <a:p>
-            <a:endParaRPr lang="en-US" dirty="0"/>
-          </a:p>
-          <a:p>
+              <a:t>No technical details</a:t>
+            </a:r>
+          </a:p>
+          <a:p>
+            <a:pPr marL="0" marR="0" lvl="0" indent="0" algn="l" defTabSz="914400" rtl="0" eaLnBrk="1" fontAlgn="auto" latinLnBrk="0" hangingPunct="1">
+              <a:lnSpc>
+                <a:spcPct val="100000"/>
+              </a:lnSpc>
+              <a:spcBef>
+                <a:spcPts val="0"/>
+              </a:spcBef>
+              <a:spcAft>
+                <a:spcPts val="0"/>
+              </a:spcAft>
+              <a:buClrTx/>
+              <a:buSzTx/>
+              <a:buFontTx/>
+              <a:buNone/>
+              <a:tabLst/>
+              <a:defRPr/>
+            </a:pPr>
             <a:r>
               <a:rPr lang="en-US" dirty="0"/>
-              <a:t>Scenario Outline –  </a:t>
-            </a:r>
-            <a:r>
-              <a:rPr lang="en-US" dirty="0" err="1"/>
-              <a:t>TimeOffValidator</a:t>
-            </a:r>
+              <a:t>- Isotope radioactive source</a:t>
+            </a:r>
+          </a:p>
+          <a:p>
             <a:r>
               <a:rPr lang="en-US" dirty="0"/>
-              <a:t> (updates)</a:t>
-            </a:r>
-          </a:p>
-          <a:p>
-            <a:r>
-              <a:rPr lang="en-US" dirty="0"/>
-              <a:t>Table – </a:t>
-            </a:r>
-            <a:r>
-              <a:rPr lang="en-US" dirty="0" err="1"/>
-              <a:t>TimeOffDateRange.feature</a:t>
-            </a:r>
-            <a:endParaRPr lang="en-US" dirty="0"/>
-          </a:p>
-          <a:p>
-            <a:endParaRPr lang="en-US" dirty="0"/>
-          </a:p>
-          <a:p>
-            <a:r>
-              <a:rPr lang="en-US" b="0" i="0" dirty="0">
-                <a:solidFill>
-                  <a:srgbClr val="36394D"/>
-                </a:solidFill>
-                <a:effectLst/>
-                <a:latin typeface="Open Sans" panose="020F0502020204030204" pitchFamily="34" charset="0"/>
-              </a:rPr>
-              <a:t>The purpose of feature files is to create readable specifications that can be understood by the whole team, not to provide test coverage</a:t>
-            </a:r>
-            <a:endParaRPr lang="en-US" dirty="0"/>
+              <a:t>- Species</a:t>
+            </a:r>
           </a:p>
         </p:txBody>
       </p:sp>
@@ -871,14 +920,14 @@
               <a:rPr lang="en-US" smtClean="0"/>
               <a:t>11</a:t>
             </a:fld>
-            <a:endParaRPr lang="en-US"/>
+            <a:endParaRPr lang="en-US" dirty="0"/>
           </a:p>
         </p:txBody>
       </p:sp>
     </p:spTree>
     <p:extLst>
       <p:ext uri="{BB962C8B-B14F-4D97-AF65-F5344CB8AC3E}">
-        <p14:creationId xmlns:p14="http://schemas.microsoft.com/office/powerpoint/2010/main" val="3353804740"/>
+        <p14:creationId xmlns:p14="http://schemas.microsoft.com/office/powerpoint/2010/main" val="1280869736"/>
       </p:ext>
     </p:extLst>
   </p:cSld>
@@ -932,45 +981,7 @@
           <a:bodyPr/>
           <a:lstStyle/>
           <a:p>
-            <a:r>
-              <a:rPr lang="en-US" dirty="0"/>
-              <a:t>Intellectual property</a:t>
-            </a:r>
-          </a:p>
-          <a:p>
-            <a:r>
-              <a:rPr lang="en-US" dirty="0"/>
-              <a:t>No technical details</a:t>
-            </a:r>
-          </a:p>
-          <a:p>
-            <a:pPr marL="0" marR="0" lvl="0" indent="0" algn="l" defTabSz="914400" rtl="0" eaLnBrk="1" fontAlgn="auto" latinLnBrk="0" hangingPunct="1">
-              <a:lnSpc>
-                <a:spcPct val="100000"/>
-              </a:lnSpc>
-              <a:spcBef>
-                <a:spcPts val="0"/>
-              </a:spcBef>
-              <a:spcAft>
-                <a:spcPts val="0"/>
-              </a:spcAft>
-              <a:buClrTx/>
-              <a:buSzTx/>
-              <a:buFontTx/>
-              <a:buNone/>
-              <a:tabLst/>
-              <a:defRPr/>
-            </a:pPr>
-            <a:r>
-              <a:rPr lang="en-US" dirty="0"/>
-              <a:t>- Isotope radioactive source</a:t>
-            </a:r>
-          </a:p>
-          <a:p>
-            <a:r>
-              <a:rPr lang="en-US" dirty="0"/>
-              <a:t>- Species</a:t>
-            </a:r>
+            <a:endParaRPr lang="en-US" dirty="0"/>
           </a:p>
         </p:txBody>
       </p:sp>
@@ -1000,7 +1011,7 @@
     </p:spTree>
     <p:extLst>
       <p:ext uri="{BB962C8B-B14F-4D97-AF65-F5344CB8AC3E}">
-        <p14:creationId xmlns:p14="http://schemas.microsoft.com/office/powerpoint/2010/main" val="1280869736"/>
+        <p14:creationId xmlns:p14="http://schemas.microsoft.com/office/powerpoint/2010/main" val="310535517"/>
       </p:ext>
     </p:extLst>
   </p:cSld>
@@ -1084,7 +1095,7 @@
     </p:spTree>
     <p:extLst>
       <p:ext uri="{BB962C8B-B14F-4D97-AF65-F5344CB8AC3E}">
-        <p14:creationId xmlns:p14="http://schemas.microsoft.com/office/powerpoint/2010/main" val="310535517"/>
+        <p14:creationId xmlns:p14="http://schemas.microsoft.com/office/powerpoint/2010/main" val="73048852"/>
       </p:ext>
     </p:extLst>
   </p:cSld>
@@ -1168,7 +1179,7 @@
     </p:spTree>
     <p:extLst>
       <p:ext uri="{BB962C8B-B14F-4D97-AF65-F5344CB8AC3E}">
-        <p14:creationId xmlns:p14="http://schemas.microsoft.com/office/powerpoint/2010/main" val="73048852"/>
+        <p14:creationId xmlns:p14="http://schemas.microsoft.com/office/powerpoint/2010/main" val="65434503"/>
       </p:ext>
     </p:extLst>
   </p:cSld>
@@ -1252,7 +1263,7 @@
     </p:spTree>
     <p:extLst>
       <p:ext uri="{BB962C8B-B14F-4D97-AF65-F5344CB8AC3E}">
-        <p14:creationId xmlns:p14="http://schemas.microsoft.com/office/powerpoint/2010/main" val="65434503"/>
+        <p14:creationId xmlns:p14="http://schemas.microsoft.com/office/powerpoint/2010/main" val="2982868590"/>
       </p:ext>
     </p:extLst>
   </p:cSld>
@@ -1306,6 +1317,171 @@
           <a:bodyPr/>
           <a:lstStyle/>
           <a:p>
+            <a:r>
+              <a:rPr lang="en-US" dirty="0"/>
+              <a:t>Start with creating a new </a:t>
+            </a:r>
+            <a:r>
+              <a:rPr lang="en-US" dirty="0" err="1"/>
+              <a:t>SuperHero.Feature</a:t>
+            </a:r>
+            <a:r>
+              <a:rPr lang="en-US" dirty="0"/>
+              <a:t> and then generate the step definitions</a:t>
+            </a:r>
+          </a:p>
+          <a:p>
+            <a:pPr marL="0" marR="0" lvl="0" indent="0" algn="l" defTabSz="914400" rtl="0" eaLnBrk="1" fontAlgn="auto" latinLnBrk="0" hangingPunct="1">
+              <a:lnSpc>
+                <a:spcPct val="100000"/>
+              </a:lnSpc>
+              <a:spcBef>
+                <a:spcPts val="0"/>
+              </a:spcBef>
+              <a:spcAft>
+                <a:spcPts val="0"/>
+              </a:spcAft>
+              <a:buClrTx/>
+              <a:buSzTx/>
+              <a:buFontTx/>
+              <a:buNone/>
+              <a:tabLst/>
+              <a:defRPr/>
+            </a:pPr>
+            <a:r>
+              <a:rPr lang="en-US" dirty="0"/>
+              <a:t>	Show persistence methods in the class</a:t>
+            </a:r>
+          </a:p>
+          <a:p>
+            <a:r>
+              <a:rPr lang="en-US" dirty="0"/>
+              <a:t>	Arrange Act Assert</a:t>
+            </a:r>
+          </a:p>
+          <a:p>
+            <a:endParaRPr lang="en-US" dirty="0"/>
+          </a:p>
+          <a:p>
+            <a:r>
+              <a:rPr lang="en-US" dirty="0"/>
+              <a:t>Show </a:t>
+            </a:r>
+            <a:r>
+              <a:rPr lang="en-US" dirty="0" err="1"/>
+              <a:t>TimeOffValidator</a:t>
+            </a:r>
+            <a:r>
+              <a:rPr lang="en-US" dirty="0"/>
+              <a:t> to show</a:t>
+            </a:r>
+          </a:p>
+          <a:p>
+            <a:r>
+              <a:rPr lang="en-US" dirty="0"/>
+              <a:t>	- Same Given used on multiple scenarios</a:t>
+            </a:r>
+          </a:p>
+          <a:p>
+            <a:r>
+              <a:rPr lang="en-US" dirty="0"/>
+              <a:t>	- Introduce parameters on the error strings</a:t>
+            </a:r>
+          </a:p>
+          <a:p>
+            <a:r>
+              <a:rPr lang="en-US" dirty="0"/>
+              <a:t>		-Show Attribute using Regular Expressions</a:t>
+            </a:r>
+          </a:p>
+          <a:p>
+            <a:r>
+              <a:rPr lang="en-US" dirty="0"/>
+              <a:t>Show </a:t>
+            </a:r>
+            <a:r>
+              <a:rPr lang="en-US" dirty="0" err="1"/>
+              <a:t>UserYearInfo</a:t>
+            </a:r>
+            <a:r>
+              <a:rPr lang="en-US" dirty="0"/>
+              <a:t> to show</a:t>
+            </a:r>
+          </a:p>
+          <a:p>
+            <a:r>
+              <a:rPr lang="en-US" dirty="0"/>
+              <a:t>	- numeric parameters</a:t>
+            </a:r>
+          </a:p>
+          <a:p>
+            <a:r>
+              <a:rPr lang="en-US" dirty="0"/>
+              <a:t>Show </a:t>
+            </a:r>
+            <a:r>
+              <a:rPr lang="en-US" dirty="0" err="1"/>
+              <a:t>TimeOffDateRange</a:t>
+            </a:r>
+            <a:r>
+              <a:rPr lang="en-US" dirty="0"/>
+              <a:t> to show</a:t>
+            </a:r>
+          </a:p>
+          <a:p>
+            <a:r>
+              <a:rPr lang="en-US" dirty="0"/>
+              <a:t>	- Tables</a:t>
+            </a:r>
+          </a:p>
+          <a:p>
+            <a:r>
+              <a:rPr lang="en-US" dirty="0"/>
+              <a:t>	- And</a:t>
+            </a:r>
+          </a:p>
+          <a:p>
+            <a:r>
+              <a:rPr lang="en-US" dirty="0"/>
+              <a:t>Mention the </a:t>
+            </a:r>
+            <a:r>
+              <a:rPr lang="en-US" dirty="0" err="1"/>
+              <a:t>Specflow.Assist</a:t>
+            </a:r>
+            <a:r>
+              <a:rPr lang="en-US" dirty="0"/>
+              <a:t> helper </a:t>
+            </a:r>
+            <a:r>
+              <a:rPr lang="en-US" dirty="0" err="1"/>
+              <a:t>Nuget</a:t>
+            </a:r>
+            <a:endParaRPr lang="en-US" dirty="0"/>
+          </a:p>
+          <a:p>
+            <a:endParaRPr lang="en-US" dirty="0"/>
+          </a:p>
+          <a:p>
+            <a:endParaRPr lang="en-US" dirty="0"/>
+          </a:p>
+          <a:p>
+            <a:r>
+              <a:rPr lang="en-US" dirty="0"/>
+              <a:t>Start creating Scenario Outline and explain it can tie into development process by using</a:t>
+            </a:r>
+          </a:p>
+          <a:p>
+            <a:r>
+              <a:rPr lang="en-US"/>
+              <a:t>	Living </a:t>
+            </a:r>
+            <a:r>
+              <a:rPr lang="en-US" dirty="0"/>
+              <a:t>Documentation</a:t>
+            </a:r>
+          </a:p>
+          <a:p>
             <a:endParaRPr lang="en-US" dirty="0"/>
           </a:p>
         </p:txBody>
@@ -1329,14 +1505,14 @@
               <a:rPr lang="en-US" smtClean="0"/>
               <a:t>16</a:t>
             </a:fld>
-            <a:endParaRPr lang="en-US" dirty="0"/>
+            <a:endParaRPr lang="en-US"/>
           </a:p>
         </p:txBody>
       </p:sp>
     </p:spTree>
     <p:extLst>
       <p:ext uri="{BB962C8B-B14F-4D97-AF65-F5344CB8AC3E}">
-        <p14:creationId xmlns:p14="http://schemas.microsoft.com/office/powerpoint/2010/main" val="2982868590"/>
+        <p14:creationId xmlns:p14="http://schemas.microsoft.com/office/powerpoint/2010/main" val="3661640459"/>
       </p:ext>
     </p:extLst>
   </p:cSld>
@@ -1390,155 +1566,6 @@
           <a:bodyPr/>
           <a:lstStyle/>
           <a:p>
-            <a:r>
-              <a:rPr lang="en-US" dirty="0"/>
-              <a:t>Start with creating a new </a:t>
-            </a:r>
-            <a:r>
-              <a:rPr lang="en-US" dirty="0" err="1"/>
-              <a:t>SuperHero.Feature</a:t>
-            </a:r>
-            <a:r>
-              <a:rPr lang="en-US" dirty="0"/>
-              <a:t> and then generate the step definitions</a:t>
-            </a:r>
-          </a:p>
-          <a:p>
-            <a:r>
-              <a:rPr lang="en-US" dirty="0"/>
-              <a:t>Show </a:t>
-            </a:r>
-            <a:r>
-              <a:rPr lang="en-US" dirty="0" err="1"/>
-              <a:t>TimeOffValidator</a:t>
-            </a:r>
-            <a:r>
-              <a:rPr lang="en-US" dirty="0"/>
-              <a:t> to show</a:t>
-            </a:r>
-          </a:p>
-          <a:p>
-            <a:r>
-              <a:rPr lang="en-US" dirty="0"/>
-              <a:t>	- Same Given used on multiple scenarios</a:t>
-            </a:r>
-          </a:p>
-          <a:p>
-            <a:r>
-              <a:rPr lang="en-US" dirty="0"/>
-              <a:t>	- Introduce parameters on the error strings</a:t>
-            </a:r>
-          </a:p>
-          <a:p>
-            <a:r>
-              <a:rPr lang="en-US" dirty="0"/>
-              <a:t>		-Show Attribute using Regular Expressions</a:t>
-            </a:r>
-          </a:p>
-          <a:p>
-            <a:r>
-              <a:rPr lang="en-US" dirty="0"/>
-              <a:t>Show </a:t>
-            </a:r>
-            <a:r>
-              <a:rPr lang="en-US" dirty="0" err="1"/>
-              <a:t>UserYearInfo</a:t>
-            </a:r>
-            <a:r>
-              <a:rPr lang="en-US" dirty="0"/>
-              <a:t> to show</a:t>
-            </a:r>
-          </a:p>
-          <a:p>
-            <a:r>
-              <a:rPr lang="en-US" dirty="0"/>
-              <a:t>	- numeric parameters</a:t>
-            </a:r>
-          </a:p>
-          <a:p>
-            <a:r>
-              <a:rPr lang="en-US" dirty="0"/>
-              <a:t>Show </a:t>
-            </a:r>
-            <a:r>
-              <a:rPr lang="en-US" dirty="0" err="1"/>
-              <a:t>TimeOffDateRange</a:t>
-            </a:r>
-            <a:r>
-              <a:rPr lang="en-US" dirty="0"/>
-              <a:t> to show</a:t>
-            </a:r>
-          </a:p>
-          <a:p>
-            <a:r>
-              <a:rPr lang="en-US" dirty="0"/>
-              <a:t>	- Tables</a:t>
-            </a:r>
-          </a:p>
-          <a:p>
-            <a:r>
-              <a:rPr lang="en-US" dirty="0"/>
-              <a:t>	- And</a:t>
-            </a:r>
-          </a:p>
-          <a:p>
-            <a:r>
-              <a:rPr lang="en-US" dirty="0"/>
-              <a:t>Show </a:t>
-            </a:r>
-            <a:r>
-              <a:rPr lang="en-US" dirty="0" err="1"/>
-              <a:t>CalendarViewModel</a:t>
-            </a:r>
-            <a:r>
-              <a:rPr lang="en-US" dirty="0"/>
-              <a:t> to show</a:t>
-            </a:r>
-          </a:p>
-          <a:p>
-            <a:r>
-              <a:rPr lang="en-US" dirty="0"/>
-              <a:t>	- *</a:t>
-            </a:r>
-          </a:p>
-          <a:p>
-            <a:r>
-              <a:rPr lang="en-US" dirty="0"/>
-              <a:t>Mention the </a:t>
-            </a:r>
-            <a:r>
-              <a:rPr lang="en-US" dirty="0" err="1"/>
-              <a:t>Specflow.Assist</a:t>
-            </a:r>
-            <a:r>
-              <a:rPr lang="en-US" dirty="0"/>
-              <a:t> helper </a:t>
-            </a:r>
-            <a:r>
-              <a:rPr lang="en-US" dirty="0" err="1"/>
-              <a:t>Nuget</a:t>
-            </a:r>
-            <a:endParaRPr lang="en-US" dirty="0"/>
-          </a:p>
-          <a:p>
-            <a:endParaRPr lang="en-US" dirty="0"/>
-          </a:p>
-          <a:p>
-            <a:r>
-              <a:rPr lang="en-US" dirty="0"/>
-              <a:t>Show persistence methods in the class</a:t>
-            </a:r>
-          </a:p>
-          <a:p>
-            <a:endParaRPr lang="en-US" dirty="0"/>
-          </a:p>
-          <a:p>
-            <a:r>
-              <a:rPr lang="en-US" dirty="0"/>
-              <a:t>Living Documentation</a:t>
-            </a:r>
-          </a:p>
-          <a:p>
             <a:endParaRPr lang="en-US" dirty="0"/>
           </a:p>
         </p:txBody>
@@ -1569,7 +1596,7 @@
     </p:spTree>
     <p:extLst>
       <p:ext uri="{BB962C8B-B14F-4D97-AF65-F5344CB8AC3E}">
-        <p14:creationId xmlns:p14="http://schemas.microsoft.com/office/powerpoint/2010/main" val="3661640459"/>
+        <p14:creationId xmlns:p14="http://schemas.microsoft.com/office/powerpoint/2010/main" val="4285008719"/>
       </p:ext>
     </p:extLst>
   </p:cSld>
@@ -1653,7 +1680,7 @@
     </p:spTree>
     <p:extLst>
       <p:ext uri="{BB962C8B-B14F-4D97-AF65-F5344CB8AC3E}">
-        <p14:creationId xmlns:p14="http://schemas.microsoft.com/office/powerpoint/2010/main" val="4285008719"/>
+        <p14:creationId xmlns:p14="http://schemas.microsoft.com/office/powerpoint/2010/main" val="4062503891"/>
       </p:ext>
     </p:extLst>
   </p:cSld>
@@ -1707,10 +1734,7 @@
           <a:bodyPr/>
           <a:lstStyle/>
           <a:p>
-            <a:r>
-              <a:rPr lang="en-US" dirty="0"/>
-              <a:t>END 2:37</a:t>
-            </a:r>
+            <a:endParaRPr lang="en-US"/>
           </a:p>
         </p:txBody>
       </p:sp>
@@ -1740,7 +1764,7 @@
     </p:spTree>
     <p:extLst>
       <p:ext uri="{BB962C8B-B14F-4D97-AF65-F5344CB8AC3E}">
-        <p14:creationId xmlns:p14="http://schemas.microsoft.com/office/powerpoint/2010/main" val="1729981770"/>
+        <p14:creationId xmlns:p14="http://schemas.microsoft.com/office/powerpoint/2010/main" val="1993533591"/>
       </p:ext>
     </p:extLst>
   </p:cSld>
@@ -1828,90 +1852,6 @@
     <p:extLst>
       <p:ext uri="{BB962C8B-B14F-4D97-AF65-F5344CB8AC3E}">
         <p14:creationId xmlns:p14="http://schemas.microsoft.com/office/powerpoint/2010/main" val="1365785916"/>
-      </p:ext>
-    </p:extLst>
-  </p:cSld>
-  <p:clrMapOvr>
-    <a:masterClrMapping/>
-  </p:clrMapOvr>
-</p:notes>
-</file>
-
-<file path=ppt/notesSlides/notesSlide20.xml><?xml version="1.0" encoding="utf-8"?>
-<p:notes xmlns:a="http://schemas.openxmlformats.org/drawingml/2006/main" xmlns:r="http://schemas.openxmlformats.org/officeDocument/2006/relationships" xmlns:p="http://schemas.openxmlformats.org/presentationml/2006/main">
-  <p:cSld>
-    <p:spTree>
-      <p:nvGrpSpPr>
-        <p:cNvPr id="1" name=""/>
-        <p:cNvGrpSpPr/>
-        <p:nvPr/>
-      </p:nvGrpSpPr>
-      <p:grpSpPr>
-        <a:xfrm>
-          <a:off x="0" y="0"/>
-          <a:ext cx="0" cy="0"/>
-          <a:chOff x="0" y="0"/>
-          <a:chExt cx="0" cy="0"/>
-        </a:xfrm>
-      </p:grpSpPr>
-      <p:sp>
-        <p:nvSpPr>
-          <p:cNvPr id="2" name="Slide Image Placeholder 1"/>
-          <p:cNvSpPr>
-            <a:spLocks noGrp="1" noRot="1" noChangeAspect="1"/>
-          </p:cNvSpPr>
-          <p:nvPr>
-            <p:ph type="sldImg"/>
-          </p:nvPr>
-        </p:nvSpPr>
-        <p:spPr/>
-      </p:sp>
-      <p:sp>
-        <p:nvSpPr>
-          <p:cNvPr id="3" name="Notes Placeholder 2"/>
-          <p:cNvSpPr>
-            <a:spLocks noGrp="1"/>
-          </p:cNvSpPr>
-          <p:nvPr>
-            <p:ph type="body" idx="1"/>
-          </p:nvPr>
-        </p:nvSpPr>
-        <p:spPr/>
-        <p:txBody>
-          <a:bodyPr/>
-          <a:lstStyle/>
-          <a:p>
-            <a:endParaRPr lang="en-US"/>
-          </a:p>
-        </p:txBody>
-      </p:sp>
-      <p:sp>
-        <p:nvSpPr>
-          <p:cNvPr id="4" name="Slide Number Placeholder 3"/>
-          <p:cNvSpPr>
-            <a:spLocks noGrp="1"/>
-          </p:cNvSpPr>
-          <p:nvPr>
-            <p:ph type="sldNum" sz="quarter" idx="5"/>
-          </p:nvPr>
-        </p:nvSpPr>
-        <p:spPr/>
-        <p:txBody>
-          <a:bodyPr/>
-          <a:lstStyle/>
-          <a:p>
-            <a:fld id="{AAA20043-755E-4D2A-B767-23CBDFF65C2F}" type="slidenum">
-              <a:rPr lang="en-US" smtClean="0"/>
-              <a:t>20</a:t>
-            </a:fld>
-            <a:endParaRPr lang="en-US"/>
-          </a:p>
-        </p:txBody>
-      </p:sp>
-    </p:spTree>
-    <p:extLst>
-      <p:ext uri="{BB962C8B-B14F-4D97-AF65-F5344CB8AC3E}">
-        <p14:creationId xmlns:p14="http://schemas.microsoft.com/office/powerpoint/2010/main" val="3468444506"/>
       </p:ext>
     </p:extLst>
   </p:cSld>
@@ -2387,6 +2327,12 @@
         <p:txBody>
           <a:bodyPr/>
           <a:lstStyle/>
+          <a:p>
+            <a:r>
+              <a:rPr lang="en-US" dirty="0"/>
+              <a:t>1000 at a boys wiped out by 1 oops</a:t>
+            </a:r>
+          </a:p>
           <a:p>
             <a:r>
               <a:rPr lang="en-US" dirty="0"/>
@@ -2914,7 +2860,7 @@
           <a:p>
             <a:fld id="{846CE7D5-CF57-46EF-B807-FDD0502418D4}" type="datetimeFigureOut">
               <a:rPr lang="en-US" smtClean="0"/>
-              <a:t>7/4/2023</a:t>
+              <a:t>7/17/2023</a:t>
             </a:fld>
             <a:endParaRPr lang="en-US" dirty="0"/>
           </a:p>
@@ -3084,7 +3030,7 @@
           <a:p>
             <a:fld id="{846CE7D5-CF57-46EF-B807-FDD0502418D4}" type="datetimeFigureOut">
               <a:rPr lang="en-US" smtClean="0"/>
-              <a:t>7/4/2023</a:t>
+              <a:t>7/17/2023</a:t>
             </a:fld>
             <a:endParaRPr lang="en-US" dirty="0"/>
           </a:p>
@@ -3264,7 +3210,7 @@
           <a:p>
             <a:fld id="{846CE7D5-CF57-46EF-B807-FDD0502418D4}" type="datetimeFigureOut">
               <a:rPr lang="en-US" smtClean="0"/>
-              <a:t>7/4/2023</a:t>
+              <a:t>7/17/2023</a:t>
             </a:fld>
             <a:endParaRPr lang="en-US" dirty="0"/>
           </a:p>
@@ -3434,7 +3380,7 @@
           <a:p>
             <a:fld id="{846CE7D5-CF57-46EF-B807-FDD0502418D4}" type="datetimeFigureOut">
               <a:rPr lang="en-US" smtClean="0"/>
-              <a:t>7/4/2023</a:t>
+              <a:t>7/17/2023</a:t>
             </a:fld>
             <a:endParaRPr lang="en-US" dirty="0"/>
           </a:p>
@@ -3680,7 +3626,7 @@
           <a:p>
             <a:fld id="{846CE7D5-CF57-46EF-B807-FDD0502418D4}" type="datetimeFigureOut">
               <a:rPr lang="en-US" smtClean="0"/>
-              <a:t>7/4/2023</a:t>
+              <a:t>7/17/2023</a:t>
             </a:fld>
             <a:endParaRPr lang="en-US" dirty="0"/>
           </a:p>
@@ -3912,7 +3858,7 @@
           <a:p>
             <a:fld id="{846CE7D5-CF57-46EF-B807-FDD0502418D4}" type="datetimeFigureOut">
               <a:rPr lang="en-US" smtClean="0"/>
-              <a:t>7/4/2023</a:t>
+              <a:t>7/17/2023</a:t>
             </a:fld>
             <a:endParaRPr lang="en-US" dirty="0"/>
           </a:p>
@@ -4279,7 +4225,7 @@
           <a:p>
             <a:fld id="{846CE7D5-CF57-46EF-B807-FDD0502418D4}" type="datetimeFigureOut">
               <a:rPr lang="en-US" smtClean="0"/>
-              <a:t>7/4/2023</a:t>
+              <a:t>7/17/2023</a:t>
             </a:fld>
             <a:endParaRPr lang="en-US" dirty="0"/>
           </a:p>
@@ -4397,7 +4343,7 @@
           <a:p>
             <a:fld id="{846CE7D5-CF57-46EF-B807-FDD0502418D4}" type="datetimeFigureOut">
               <a:rPr lang="en-US" smtClean="0"/>
-              <a:t>7/4/2023</a:t>
+              <a:t>7/17/2023</a:t>
             </a:fld>
             <a:endParaRPr lang="en-US" dirty="0"/>
           </a:p>
@@ -4492,7 +4438,7 @@
           <a:p>
             <a:fld id="{846CE7D5-CF57-46EF-B807-FDD0502418D4}" type="datetimeFigureOut">
               <a:rPr lang="en-US" smtClean="0"/>
-              <a:t>7/4/2023</a:t>
+              <a:t>7/17/2023</a:t>
             </a:fld>
             <a:endParaRPr lang="en-US" dirty="0"/>
           </a:p>
@@ -4769,7 +4715,7 @@
           <a:p>
             <a:fld id="{846CE7D5-CF57-46EF-B807-FDD0502418D4}" type="datetimeFigureOut">
               <a:rPr lang="en-US" smtClean="0"/>
-              <a:t>7/4/2023</a:t>
+              <a:t>7/17/2023</a:t>
             </a:fld>
             <a:endParaRPr lang="en-US" dirty="0"/>
           </a:p>
@@ -5025,7 +4971,7 @@
           <a:p>
             <a:fld id="{846CE7D5-CF57-46EF-B807-FDD0502418D4}" type="datetimeFigureOut">
               <a:rPr lang="en-US" smtClean="0"/>
-              <a:t>7/4/2023</a:t>
+              <a:t>7/17/2023</a:t>
             </a:fld>
             <a:endParaRPr lang="en-US" dirty="0"/>
           </a:p>
@@ -5238,7 +5184,7 @@
           <a:p>
             <a:fld id="{846CE7D5-CF57-46EF-B807-FDD0502418D4}" type="datetimeFigureOut">
               <a:rPr lang="en-US" smtClean="0"/>
-              <a:t>7/4/2023</a:t>
+              <a:t>7/17/2023</a:t>
             </a:fld>
             <a:endParaRPr lang="en-US" dirty="0"/>
           </a:p>
@@ -5997,547 +5943,6 @@
 </file>
 
 <file path=ppt/slides/slide10.xml><?xml version="1.0" encoding="utf-8"?>
-<p:sld xmlns:a="http://schemas.openxmlformats.org/drawingml/2006/main" xmlns:r="http://schemas.openxmlformats.org/officeDocument/2006/relationships" xmlns:p="http://schemas.openxmlformats.org/presentationml/2006/main">
-  <p:cSld>
-    <p:bg>
-      <p:bgPr>
-        <a:solidFill>
-          <a:schemeClr val="bg1"/>
-        </a:solidFill>
-        <a:effectLst/>
-      </p:bgPr>
-    </p:bg>
-    <p:spTree>
-      <p:nvGrpSpPr>
-        <p:cNvPr id="1" name=""/>
-        <p:cNvGrpSpPr/>
-        <p:nvPr/>
-      </p:nvGrpSpPr>
-      <p:grpSpPr>
-        <a:xfrm>
-          <a:off x="0" y="0"/>
-          <a:ext cx="0" cy="0"/>
-          <a:chOff x="0" y="0"/>
-          <a:chExt cx="0" cy="0"/>
-        </a:xfrm>
-      </p:grpSpPr>
-      <p:sp useBgFill="1">
-        <p:nvSpPr>
-          <p:cNvPr id="8" name="Rectangle 7">
-            <a:extLst>
-              <a:ext uri="{FF2B5EF4-FFF2-40B4-BE49-F238E27FC236}">
-                <a16:creationId xmlns:a16="http://schemas.microsoft.com/office/drawing/2014/main" id="{DAF1966E-FD40-4A4A-B61B-C4DF7FA05F06}"/>
-              </a:ext>
-              <a:ext uri="{C183D7F6-B498-43B3-948B-1728B52AA6E4}">
-                <adec:decorative xmlns:adec="http://schemas.microsoft.com/office/drawing/2017/decorative" val="1"/>
-              </a:ext>
-            </a:extLst>
-          </p:cNvPr>
-          <p:cNvSpPr>
-            <a:spLocks noGrp="1" noRot="1" noChangeAspect="1" noMove="1" noResize="1" noEditPoints="1" noAdjustHandles="1" noChangeArrowheads="1" noChangeShapeType="1" noTextEdit="1"/>
-          </p:cNvSpPr>
-          <p:nvPr>
-            <p:extLst>
-              <p:ext uri="{386F3935-93C4-4BCD-93E2-E3B085C9AB24}">
-                <p16:designElem xmlns:p16="http://schemas.microsoft.com/office/powerpoint/2015/main" val="1"/>
-              </p:ext>
-            </p:extLst>
-          </p:nvPr>
-        </p:nvSpPr>
-        <p:spPr>
-          <a:xfrm>
-            <a:off x="0" y="0"/>
-            <a:ext cx="12192000" cy="6858000"/>
-          </a:xfrm>
-          <a:prstGeom prst="rect">
-            <a:avLst/>
-          </a:prstGeom>
-          <a:ln>
-            <a:noFill/>
-          </a:ln>
-        </p:spPr>
-        <p:style>
-          <a:lnRef idx="2">
-            <a:schemeClr val="accent1">
-              <a:shade val="50000"/>
-            </a:schemeClr>
-          </a:lnRef>
-          <a:fillRef idx="1">
-            <a:schemeClr val="accent1"/>
-          </a:fillRef>
-          <a:effectRef idx="0">
-            <a:schemeClr val="accent1"/>
-          </a:effectRef>
-          <a:fontRef idx="minor">
-            <a:schemeClr val="lt1"/>
-          </a:fontRef>
-        </p:style>
-        <p:txBody>
-          <a:bodyPr rtlCol="0" anchor="ctr"/>
-          <a:lstStyle/>
-          <a:p>
-            <a:pPr algn="ctr"/>
-            <a:endParaRPr lang="en-US" dirty="0"/>
-          </a:p>
-        </p:txBody>
-      </p:sp>
-      <p:sp useBgFill="1">
-        <p:nvSpPr>
-          <p:cNvPr id="10" name="Rectangle 9">
-            <a:extLst>
-              <a:ext uri="{FF2B5EF4-FFF2-40B4-BE49-F238E27FC236}">
-                <a16:creationId xmlns:a16="http://schemas.microsoft.com/office/drawing/2014/main" id="{047BFA19-D45E-416B-A404-7AF2F3F27017}"/>
-              </a:ext>
-              <a:ext uri="{C183D7F6-B498-43B3-948B-1728B52AA6E4}">
-                <adec:decorative xmlns:adec="http://schemas.microsoft.com/office/drawing/2017/decorative" val="1"/>
-              </a:ext>
-            </a:extLst>
-          </p:cNvPr>
-          <p:cNvSpPr>
-            <a:spLocks noGrp="1" noRot="1" noChangeAspect="1" noMove="1" noResize="1" noEditPoints="1" noAdjustHandles="1" noChangeArrowheads="1" noChangeShapeType="1" noTextEdit="1"/>
-          </p:cNvSpPr>
-          <p:nvPr>
-            <p:extLst>
-              <p:ext uri="{386F3935-93C4-4BCD-93E2-E3B085C9AB24}">
-                <p16:designElem xmlns:p16="http://schemas.microsoft.com/office/powerpoint/2015/main" val="1"/>
-              </p:ext>
-            </p:extLst>
-          </p:nvPr>
-        </p:nvSpPr>
-        <p:spPr>
-          <a:xfrm>
-            <a:off x="558209" y="0"/>
-            <a:ext cx="11167447" cy="2018806"/>
-          </a:xfrm>
-          <a:prstGeom prst="rect">
-            <a:avLst/>
-          </a:prstGeom>
-          <a:ln w="9525">
-            <a:solidFill>
-              <a:srgbClr val="E1E1E1"/>
-            </a:solidFill>
-          </a:ln>
-          <a:effectLst>
-            <a:outerShdw blurRad="50800" dist="38100" dir="2700000" algn="tl" rotWithShape="0">
-              <a:schemeClr val="bg1">
-                <a:lumMod val="85000"/>
-                <a:alpha val="50000"/>
-              </a:schemeClr>
-            </a:outerShdw>
-          </a:effectLst>
-        </p:spPr>
-        <p:style>
-          <a:lnRef idx="2">
-            <a:schemeClr val="accent1">
-              <a:shade val="50000"/>
-            </a:schemeClr>
-          </a:lnRef>
-          <a:fillRef idx="1">
-            <a:schemeClr val="accent1"/>
-          </a:fillRef>
-          <a:effectRef idx="0">
-            <a:schemeClr val="accent1"/>
-          </a:effectRef>
-          <a:fontRef idx="minor">
-            <a:schemeClr val="lt1"/>
-          </a:fontRef>
-        </p:style>
-        <p:txBody>
-          <a:bodyPr rtlCol="0" anchor="ctr"/>
-          <a:lstStyle/>
-          <a:p>
-            <a:pPr marL="0" marR="0" lvl="0" indent="0" algn="ctr" defTabSz="914400" rtl="0" eaLnBrk="1" fontAlgn="auto" latinLnBrk="0" hangingPunct="1">
-              <a:lnSpc>
-                <a:spcPct val="100000"/>
-              </a:lnSpc>
-              <a:spcBef>
-                <a:spcPts val="0"/>
-              </a:spcBef>
-              <a:spcAft>
-                <a:spcPts val="0"/>
-              </a:spcAft>
-              <a:buClrTx/>
-              <a:buSzTx/>
-              <a:buFontTx/>
-              <a:buNone/>
-              <a:tabLst/>
-              <a:defRPr/>
-            </a:pPr>
-            <a:endParaRPr kumimoji="0" lang="en-US" sz="1800" b="0" i="0" u="none" strike="noStrike" kern="1200" cap="none" spc="0" normalizeH="0" baseline="0" noProof="0" dirty="0">
-              <a:ln>
-                <a:noFill/>
-              </a:ln>
-              <a:solidFill>
-                <a:prstClr val="white"/>
-              </a:solidFill>
-              <a:effectLst/>
-              <a:uLnTx/>
-              <a:uFillTx/>
-              <a:latin typeface="Calibri" panose="020F0502020204030204"/>
-              <a:ea typeface="+mn-ea"/>
-              <a:cs typeface="+mn-cs"/>
-            </a:endParaRPr>
-          </a:p>
-        </p:txBody>
-      </p:sp>
-      <p:sp useBgFill="1">
-        <p:nvSpPr>
-          <p:cNvPr id="12" name="Rectangle 11">
-            <a:extLst>
-              <a:ext uri="{FF2B5EF4-FFF2-40B4-BE49-F238E27FC236}">
-                <a16:creationId xmlns:a16="http://schemas.microsoft.com/office/drawing/2014/main" id="{8E0105E7-23DB-4CF2-8258-FF47C7620F6E}"/>
-              </a:ext>
-              <a:ext uri="{C183D7F6-B498-43B3-948B-1728B52AA6E4}">
-                <adec:decorative xmlns:adec="http://schemas.microsoft.com/office/drawing/2017/decorative" val="1"/>
-              </a:ext>
-            </a:extLst>
-          </p:cNvPr>
-          <p:cNvSpPr>
-            <a:spLocks noGrp="1" noRot="1" noChangeAspect="1" noMove="1" noResize="1" noEditPoints="1" noAdjustHandles="1" noChangeArrowheads="1" noChangeShapeType="1" noTextEdit="1"/>
-          </p:cNvSpPr>
-          <p:nvPr>
-            <p:extLst>
-              <p:ext uri="{386F3935-93C4-4BCD-93E2-E3B085C9AB24}">
-                <p16:designElem xmlns:p16="http://schemas.microsoft.com/office/powerpoint/2015/main" val="1"/>
-              </p:ext>
-            </p:extLst>
-          </p:nvPr>
-        </p:nvSpPr>
-        <p:spPr>
-          <a:xfrm>
-            <a:off x="566928" y="0"/>
-            <a:ext cx="11155680" cy="2011680"/>
-          </a:xfrm>
-          <a:prstGeom prst="rect">
-            <a:avLst/>
-          </a:prstGeom>
-          <a:ln w="9525">
-            <a:noFill/>
-          </a:ln>
-          <a:effectLst/>
-        </p:spPr>
-        <p:style>
-          <a:lnRef idx="2">
-            <a:schemeClr val="accent1">
-              <a:shade val="50000"/>
-            </a:schemeClr>
-          </a:lnRef>
-          <a:fillRef idx="1">
-            <a:schemeClr val="accent1"/>
-          </a:fillRef>
-          <a:effectRef idx="0">
-            <a:schemeClr val="accent1"/>
-          </a:effectRef>
-          <a:fontRef idx="minor">
-            <a:schemeClr val="lt1"/>
-          </a:fontRef>
-        </p:style>
-        <p:txBody>
-          <a:bodyPr rtlCol="0" anchor="ctr"/>
-          <a:lstStyle/>
-          <a:p>
-            <a:pPr marL="0" marR="0" lvl="0" indent="0" algn="ctr" defTabSz="914400" rtl="0" eaLnBrk="1" fontAlgn="auto" latinLnBrk="0" hangingPunct="1">
-              <a:lnSpc>
-                <a:spcPct val="100000"/>
-              </a:lnSpc>
-              <a:spcBef>
-                <a:spcPts val="0"/>
-              </a:spcBef>
-              <a:spcAft>
-                <a:spcPts val="0"/>
-              </a:spcAft>
-              <a:buClrTx/>
-              <a:buSzTx/>
-              <a:buFontTx/>
-              <a:buNone/>
-              <a:tabLst/>
-              <a:defRPr/>
-            </a:pPr>
-            <a:endParaRPr kumimoji="0" lang="en-US" sz="1800" b="0" i="0" u="none" strike="noStrike" kern="1200" cap="none" spc="0" normalizeH="0" baseline="0" noProof="0" dirty="0">
-              <a:ln>
-                <a:noFill/>
-              </a:ln>
-              <a:solidFill>
-                <a:prstClr val="white"/>
-              </a:solidFill>
-              <a:effectLst/>
-              <a:uLnTx/>
-              <a:uFillTx/>
-              <a:latin typeface="Calibri" panose="020F0502020204030204"/>
-              <a:ea typeface="+mn-ea"/>
-              <a:cs typeface="+mn-cs"/>
-            </a:endParaRPr>
-          </a:p>
-        </p:txBody>
-      </p:sp>
-      <p:sp>
-        <p:nvSpPr>
-          <p:cNvPr id="2" name="Title 1">
-            <a:extLst>
-              <a:ext uri="{FF2B5EF4-FFF2-40B4-BE49-F238E27FC236}">
-                <a16:creationId xmlns:a16="http://schemas.microsoft.com/office/drawing/2014/main" id="{82CF4B60-062A-25CD-E448-6C8255EEF9CC}"/>
-              </a:ext>
-            </a:extLst>
-          </p:cNvPr>
-          <p:cNvSpPr>
-            <a:spLocks noGrp="1"/>
-          </p:cNvSpPr>
-          <p:nvPr>
-            <p:ph type="title"/>
-          </p:nvPr>
-        </p:nvSpPr>
-        <p:spPr>
-          <a:xfrm>
-            <a:off x="1115568" y="548640"/>
-            <a:ext cx="10168128" cy="1252266"/>
-          </a:xfrm>
-        </p:spPr>
-        <p:txBody>
-          <a:bodyPr>
-            <a:normAutofit/>
-          </a:bodyPr>
-          <a:lstStyle/>
-          <a:p>
-            <a:r>
-              <a:rPr lang="en-US" sz="4000" dirty="0"/>
-              <a:t>Office Space</a:t>
-            </a:r>
-          </a:p>
-        </p:txBody>
-      </p:sp>
-      <p:sp>
-        <p:nvSpPr>
-          <p:cNvPr id="14" name="Rectangle 13">
-            <a:extLst>
-              <a:ext uri="{FF2B5EF4-FFF2-40B4-BE49-F238E27FC236}">
-                <a16:creationId xmlns:a16="http://schemas.microsoft.com/office/drawing/2014/main" id="{074B4F7D-14B2-478B-8BF5-01E4E0C5D263}"/>
-              </a:ext>
-              <a:ext uri="{C183D7F6-B498-43B3-948B-1728B52AA6E4}">
-                <adec:decorative xmlns:adec="http://schemas.microsoft.com/office/drawing/2017/decorative" val="1"/>
-              </a:ext>
-            </a:extLst>
-          </p:cNvPr>
-          <p:cNvSpPr>
-            <a:spLocks noGrp="1" noRot="1" noChangeAspect="1" noMove="1" noResize="1" noEditPoints="1" noAdjustHandles="1" noChangeArrowheads="1" noChangeShapeType="1" noTextEdit="1"/>
-          </p:cNvSpPr>
-          <p:nvPr>
-            <p:extLst>
-              <p:ext uri="{386F3935-93C4-4BCD-93E2-E3B085C9AB24}">
-                <p16:designElem xmlns:p16="http://schemas.microsoft.com/office/powerpoint/2015/main" val="1"/>
-              </p:ext>
-            </p:extLst>
-          </p:nvPr>
-        </p:nvSpPr>
-        <p:spPr>
-          <a:xfrm>
-            <a:off x="498834" y="758952"/>
-            <a:ext cx="128016" cy="704088"/>
-          </a:xfrm>
-          <a:prstGeom prst="rect">
-            <a:avLst/>
-          </a:prstGeom>
-          <a:solidFill>
-            <a:schemeClr val="accent2"/>
-          </a:solidFill>
-          <a:ln>
-            <a:noFill/>
-          </a:ln>
-        </p:spPr>
-        <p:style>
-          <a:lnRef idx="2">
-            <a:schemeClr val="accent1">
-              <a:shade val="50000"/>
-            </a:schemeClr>
-          </a:lnRef>
-          <a:fillRef idx="1">
-            <a:schemeClr val="accent1"/>
-          </a:fillRef>
-          <a:effectRef idx="0">
-            <a:schemeClr val="accent1"/>
-          </a:effectRef>
-          <a:fontRef idx="minor">
-            <a:schemeClr val="lt1"/>
-          </a:fontRef>
-        </p:style>
-        <p:txBody>
-          <a:bodyPr rtlCol="0" anchor="ctr"/>
-          <a:lstStyle/>
-          <a:p>
-            <a:pPr algn="ctr"/>
-            <a:endParaRPr lang="en-US" dirty="0">
-              <a:solidFill>
-                <a:prstClr val="white"/>
-              </a:solidFill>
-              <a:latin typeface="Calibri" panose="020F0502020204030204"/>
-            </a:endParaRPr>
-          </a:p>
-        </p:txBody>
-      </p:sp>
-      <p:sp>
-        <p:nvSpPr>
-          <p:cNvPr id="3" name="Content Placeholder 2">
-            <a:extLst>
-              <a:ext uri="{FF2B5EF4-FFF2-40B4-BE49-F238E27FC236}">
-                <a16:creationId xmlns:a16="http://schemas.microsoft.com/office/drawing/2014/main" id="{E43BD06B-906D-5C9C-E517-52B27F705E94}"/>
-              </a:ext>
-            </a:extLst>
-          </p:cNvPr>
-          <p:cNvSpPr>
-            <a:spLocks noGrp="1"/>
-          </p:cNvSpPr>
-          <p:nvPr>
-            <p:ph idx="1"/>
-          </p:nvPr>
-        </p:nvSpPr>
-        <p:spPr>
-          <a:xfrm>
-            <a:off x="1115568" y="2481943"/>
-            <a:ext cx="10168128" cy="3695020"/>
-          </a:xfrm>
-        </p:spPr>
-        <p:txBody>
-          <a:bodyPr>
-            <a:normAutofit/>
-          </a:bodyPr>
-          <a:lstStyle/>
-          <a:p>
-            <a:pPr marL="457200" indent="-457200">
-              <a:buFont typeface="+mj-lt"/>
-              <a:buAutoNum type="arabicPeriod"/>
-            </a:pPr>
-            <a:endParaRPr lang="en-US" sz="2200" dirty="0"/>
-          </a:p>
-          <a:p>
-            <a:pPr marL="457200" indent="-457200">
-              <a:buFont typeface="+mj-lt"/>
-              <a:buAutoNum type="arabicPeriod"/>
-            </a:pPr>
-            <a:endParaRPr lang="en-US" sz="2200" dirty="0"/>
-          </a:p>
-          <a:p>
-            <a:pPr marL="457200" indent="-457200">
-              <a:buFont typeface="+mj-lt"/>
-              <a:buAutoNum type="arabicPeriod"/>
-            </a:pPr>
-            <a:endParaRPr lang="en-US" sz="2200" dirty="0"/>
-          </a:p>
-        </p:txBody>
-      </p:sp>
-      <p:pic>
-        <p:nvPicPr>
-          <p:cNvPr id="6" name="Picture 5">
-            <a:extLst>
-              <a:ext uri="{FF2B5EF4-FFF2-40B4-BE49-F238E27FC236}">
-                <a16:creationId xmlns:a16="http://schemas.microsoft.com/office/drawing/2014/main" id="{6B466854-812D-E478-AD6C-8C7B4941D51F}"/>
-              </a:ext>
-            </a:extLst>
-          </p:cNvPr>
-          <p:cNvPicPr>
-            <a:picLocks noChangeAspect="1"/>
-          </p:cNvPicPr>
-          <p:nvPr/>
-        </p:nvPicPr>
-        <p:blipFill>
-          <a:blip r:embed="rId3"/>
-          <a:stretch>
-            <a:fillRect/>
-          </a:stretch>
-        </p:blipFill>
-        <p:spPr>
-          <a:xfrm>
-            <a:off x="1858107" y="2154304"/>
-            <a:ext cx="8475785" cy="4591050"/>
-          </a:xfrm>
-          <a:prstGeom prst="rect">
-            <a:avLst/>
-          </a:prstGeom>
-        </p:spPr>
-      </p:pic>
-    </p:spTree>
-    <p:extLst>
-      <p:ext uri="{BB962C8B-B14F-4D97-AF65-F5344CB8AC3E}">
-        <p14:creationId xmlns:p14="http://schemas.microsoft.com/office/powerpoint/2010/main" val="2258248356"/>
-      </p:ext>
-    </p:extLst>
-  </p:cSld>
-  <p:clrMapOvr>
-    <a:masterClrMapping/>
-  </p:clrMapOvr>
-  <p:timing>
-    <p:tnLst>
-      <p:par>
-        <p:cTn id="1" dur="indefinite" restart="never" nodeType="tmRoot">
-          <p:childTnLst>
-            <p:seq concurrent="1" nextAc="seek">
-              <p:cTn id="2" dur="indefinite" nodeType="mainSeq">
-                <p:childTnLst>
-                  <p:par>
-                    <p:cTn id="3" fill="hold">
-                      <p:stCondLst>
-                        <p:cond delay="indefinite"/>
-                      </p:stCondLst>
-                      <p:childTnLst>
-                        <p:par>
-                          <p:cTn id="4" fill="hold">
-                            <p:stCondLst>
-                              <p:cond delay="0"/>
-                            </p:stCondLst>
-                            <p:childTnLst>
-                              <p:par>
-                                <p:cTn id="5" presetID="8" presetClass="emph" presetSubtype="0" fill="hold" grpId="0" nodeType="clickEffect">
-                                  <p:stCondLst>
-                                    <p:cond delay="0"/>
-                                  </p:stCondLst>
-                                  <p:childTnLst>
-                                    <p:animRot by="21600000">
-                                      <p:cBhvr>
-                                        <p:cTn id="6" dur="2000" fill="hold"/>
-                                        <p:tgtEl>
-                                          <p:spTgt spid="14"/>
-                                        </p:tgtEl>
-                                        <p:attrNameLst>
-                                          <p:attrName>r</p:attrName>
-                                        </p:attrNameLst>
-                                      </p:cBhvr>
-                                    </p:animRot>
-                                  </p:childTnLst>
-                                </p:cTn>
-                              </p:par>
-                            </p:childTnLst>
-                          </p:cTn>
-                        </p:par>
-                      </p:childTnLst>
-                    </p:cTn>
-                  </p:par>
-                </p:childTnLst>
-              </p:cTn>
-              <p:prevCondLst>
-                <p:cond evt="onPrev" delay="0">
-                  <p:tgtEl>
-                    <p:sldTgt/>
-                  </p:tgtEl>
-                </p:cond>
-              </p:prevCondLst>
-              <p:nextCondLst>
-                <p:cond evt="onNext" delay="0">
-                  <p:tgtEl>
-                    <p:sldTgt/>
-                  </p:tgtEl>
-                </p:cond>
-              </p:nextCondLst>
-            </p:seq>
-          </p:childTnLst>
-        </p:cTn>
-      </p:par>
-    </p:tnLst>
-    <p:bldLst>
-      <p:bldP spid="14" grpId="0" animBg="1"/>
-    </p:bldLst>
-  </p:timing>
-</p:sld>
-</file>
-
-<file path=ppt/slides/slide11.xml><?xml version="1.0" encoding="utf-8"?>
 <p:sld xmlns:a="http://schemas.openxmlformats.org/drawingml/2006/main" xmlns:r="http://schemas.openxmlformats.org/officeDocument/2006/relationships" xmlns:p="http://schemas.openxmlformats.org/presentationml/2006/main">
   <p:cSld>
     <p:bg>
@@ -7317,7 +6722,7 @@
 </p:sld>
 </file>
 
-<file path=ppt/slides/slide12.xml><?xml version="1.0" encoding="utf-8"?>
+<file path=ppt/slides/slide11.xml><?xml version="1.0" encoding="utf-8"?>
 <p:sld xmlns:a="http://schemas.openxmlformats.org/drawingml/2006/main" xmlns:r="http://schemas.openxmlformats.org/officeDocument/2006/relationships" xmlns:p="http://schemas.openxmlformats.org/presentationml/2006/main">
   <p:cSld>
     <p:bg>
@@ -7865,7 +7270,7 @@
 </p:sld>
 </file>
 
-<file path=ppt/slides/slide13.xml><?xml version="1.0" encoding="utf-8"?>
+<file path=ppt/slides/slide12.xml><?xml version="1.0" encoding="utf-8"?>
 <p:sld xmlns:a="http://schemas.openxmlformats.org/drawingml/2006/main" xmlns:r="http://schemas.openxmlformats.org/officeDocument/2006/relationships" xmlns:p="http://schemas.openxmlformats.org/presentationml/2006/main">
   <p:cSld>
     <p:bg>
@@ -8279,7 +7684,7 @@
 </p:sld>
 </file>
 
-<file path=ppt/slides/slide14.xml><?xml version="1.0" encoding="utf-8"?>
+<file path=ppt/slides/slide13.xml><?xml version="1.0" encoding="utf-8"?>
 <p:sld xmlns:a="http://schemas.openxmlformats.org/drawingml/2006/main" xmlns:r="http://schemas.openxmlformats.org/officeDocument/2006/relationships" xmlns:p="http://schemas.openxmlformats.org/presentationml/2006/main">
   <p:cSld>
     <p:bg>
@@ -8693,7 +8098,7 @@
 </p:sld>
 </file>
 
-<file path=ppt/slides/slide15.xml><?xml version="1.0" encoding="utf-8"?>
+<file path=ppt/slides/slide14.xml><?xml version="1.0" encoding="utf-8"?>
 <p:sld xmlns:a="http://schemas.openxmlformats.org/drawingml/2006/main" xmlns:r="http://schemas.openxmlformats.org/officeDocument/2006/relationships" xmlns:p="http://schemas.openxmlformats.org/presentationml/2006/main">
   <p:cSld>
     <p:bg>
@@ -9231,7 +8636,7 @@
 </p:sld>
 </file>
 
-<file path=ppt/slides/slide16.xml><?xml version="1.0" encoding="utf-8"?>
+<file path=ppt/slides/slide15.xml><?xml version="1.0" encoding="utf-8"?>
 <p:sld xmlns:a="http://schemas.openxmlformats.org/drawingml/2006/main" xmlns:r="http://schemas.openxmlformats.org/officeDocument/2006/relationships" xmlns:p="http://schemas.openxmlformats.org/presentationml/2006/main">
   <p:cSld>
     <p:spTree>
@@ -9381,7 +8786,7 @@
 </p:sld>
 </file>
 
-<file path=ppt/slides/slide17.xml><?xml version="1.0" encoding="utf-8"?>
+<file path=ppt/slides/slide16.xml><?xml version="1.0" encoding="utf-8"?>
 <p:sld xmlns:a="http://schemas.openxmlformats.org/drawingml/2006/main" xmlns:r="http://schemas.openxmlformats.org/officeDocument/2006/relationships" xmlns:p="http://schemas.openxmlformats.org/presentationml/2006/main">
   <p:cSld>
     <p:bg>
@@ -9910,7 +9315,7 @@
 </p:sld>
 </file>
 
-<file path=ppt/slides/slide18.xml><?xml version="1.0" encoding="utf-8"?>
+<file path=ppt/slides/slide17.xml><?xml version="1.0" encoding="utf-8"?>
 <p:sld xmlns:a="http://schemas.openxmlformats.org/drawingml/2006/main" xmlns:r="http://schemas.openxmlformats.org/officeDocument/2006/relationships" xmlns:p="http://schemas.openxmlformats.org/presentationml/2006/main">
   <p:cSld>
     <p:spTree>
@@ -10027,17 +9432,9 @@
 </p:sld>
 </file>
 
-<file path=ppt/slides/slide19.xml><?xml version="1.0" encoding="utf-8"?>
+<file path=ppt/slides/slide18.xml><?xml version="1.0" encoding="utf-8"?>
 <p:sld xmlns:a="http://schemas.openxmlformats.org/drawingml/2006/main" xmlns:r="http://schemas.openxmlformats.org/officeDocument/2006/relationships" xmlns:p="http://schemas.openxmlformats.org/presentationml/2006/main">
   <p:cSld>
-    <p:bg>
-      <p:bgPr>
-        <a:solidFill>
-          <a:schemeClr val="bg1"/>
-        </a:solidFill>
-        <a:effectLst/>
-      </p:bgPr>
-    </p:bg>
     <p:spTree>
       <p:nvGrpSpPr>
         <p:cNvPr id="1" name=""/>
@@ -10052,489 +9449,166 @@
           <a:chExt cx="0" cy="0"/>
         </a:xfrm>
       </p:grpSpPr>
-      <p:sp useBgFill="1">
-        <p:nvSpPr>
-          <p:cNvPr id="8" name="Rectangle 7">
+      <p:sp>
+        <p:nvSpPr>
+          <p:cNvPr id="2" name="Title 1">
             <a:extLst>
               <a:ext uri="{FF2B5EF4-FFF2-40B4-BE49-F238E27FC236}">
-                <a16:creationId xmlns:a16="http://schemas.microsoft.com/office/drawing/2014/main" id="{DAF1966E-FD40-4A4A-B61B-C4DF7FA05F06}"/>
-              </a:ext>
-              <a:ext uri="{C183D7F6-B498-43B3-948B-1728B52AA6E4}">
-                <adec:decorative xmlns:adec="http://schemas.microsoft.com/office/drawing/2017/decorative" val="1"/>
+                <a16:creationId xmlns:a16="http://schemas.microsoft.com/office/drawing/2014/main" id="{3B6B3BBA-3A3B-AFEF-6D85-4271DC9D750B}"/>
               </a:ext>
             </a:extLst>
           </p:cNvPr>
           <p:cNvSpPr>
-            <a:spLocks noGrp="1" noRot="1" noChangeAspect="1" noMove="1" noResize="1" noEditPoints="1" noAdjustHandles="1" noChangeArrowheads="1" noChangeShapeType="1" noTextEdit="1"/>
-          </p:cNvSpPr>
-          <p:nvPr>
-            <p:extLst>
-              <p:ext uri="{386F3935-93C4-4BCD-93E2-E3B085C9AB24}">
-                <p16:designElem xmlns:p16="http://schemas.microsoft.com/office/powerpoint/2015/main" val="1"/>
-              </p:ext>
-            </p:extLst>
-          </p:nvPr>
-        </p:nvSpPr>
+            <a:spLocks noGrp="1"/>
+          </p:cNvSpPr>
+          <p:nvPr>
+            <p:ph type="title"/>
+          </p:nvPr>
+        </p:nvSpPr>
+        <p:spPr/>
+        <p:txBody>
+          <a:bodyPr/>
+          <a:lstStyle/>
+          <a:p>
+            <a:endParaRPr lang="en-US"/>
+          </a:p>
+        </p:txBody>
+      </p:sp>
+      <p:pic>
+        <p:nvPicPr>
+          <p:cNvPr id="5" name="Content Placeholder 4" descr="A screenshot of a video game&#10;&#10;Description automatically generated">
+            <a:extLst>
+              <a:ext uri="{FF2B5EF4-FFF2-40B4-BE49-F238E27FC236}">
+                <a16:creationId xmlns:a16="http://schemas.microsoft.com/office/drawing/2014/main" id="{899DFA78-B864-3B66-BF10-8045E0A2AEC4}"/>
+              </a:ext>
+            </a:extLst>
+          </p:cNvPr>
+          <p:cNvPicPr>
+            <a:picLocks noGrp="1" noChangeAspect="1"/>
+          </p:cNvPicPr>
+          <p:nvPr>
+            <p:ph idx="1"/>
+          </p:nvPr>
+        </p:nvPicPr>
+        <p:blipFill>
+          <a:blip r:embed="rId3">
+            <a:extLst>
+              <a:ext uri="{28A0092B-C50C-407E-A947-70E740481C1C}">
+                <a14:useLocalDpi xmlns:a14="http://schemas.microsoft.com/office/drawing/2010/main" val="0"/>
+              </a:ext>
+            </a:extLst>
+          </a:blip>
+          <a:stretch>
+            <a:fillRect/>
+          </a:stretch>
+        </p:blipFill>
         <p:spPr>
           <a:xfrm>
             <a:off x="0" y="0"/>
             <a:ext cx="12192000" cy="6858000"/>
           </a:xfrm>
-          <a:prstGeom prst="rect">
-            <a:avLst/>
-          </a:prstGeom>
-          <a:ln>
-            <a:noFill/>
-          </a:ln>
         </p:spPr>
-        <p:style>
-          <a:lnRef idx="2">
-            <a:schemeClr val="accent1">
-              <a:shade val="50000"/>
-            </a:schemeClr>
-          </a:lnRef>
-          <a:fillRef idx="1">
-            <a:schemeClr val="accent1"/>
-          </a:fillRef>
-          <a:effectRef idx="0">
-            <a:schemeClr val="accent1"/>
-          </a:effectRef>
-          <a:fontRef idx="minor">
-            <a:schemeClr val="lt1"/>
-          </a:fontRef>
-        </p:style>
-        <p:txBody>
-          <a:bodyPr rtlCol="0" anchor="ctr"/>
-          <a:lstStyle/>
-          <a:p>
-            <a:pPr algn="ctr"/>
-            <a:endParaRPr lang="en-US" dirty="0"/>
-          </a:p>
-        </p:txBody>
-      </p:sp>
-      <p:sp useBgFill="1">
-        <p:nvSpPr>
-          <p:cNvPr id="10" name="Rectangle 9">
-            <a:extLst>
-              <a:ext uri="{FF2B5EF4-FFF2-40B4-BE49-F238E27FC236}">
-                <a16:creationId xmlns:a16="http://schemas.microsoft.com/office/drawing/2014/main" id="{047BFA19-D45E-416B-A404-7AF2F3F27017}"/>
-              </a:ext>
-              <a:ext uri="{C183D7F6-B498-43B3-948B-1728B52AA6E4}">
-                <adec:decorative xmlns:adec="http://schemas.microsoft.com/office/drawing/2017/decorative" val="1"/>
-              </a:ext>
-            </a:extLst>
-          </p:cNvPr>
-          <p:cNvSpPr>
-            <a:spLocks noGrp="1" noRot="1" noChangeAspect="1" noMove="1" noResize="1" noEditPoints="1" noAdjustHandles="1" noChangeArrowheads="1" noChangeShapeType="1" noTextEdit="1"/>
-          </p:cNvSpPr>
-          <p:nvPr>
-            <p:extLst>
-              <p:ext uri="{386F3935-93C4-4BCD-93E2-E3B085C9AB24}">
-                <p16:designElem xmlns:p16="http://schemas.microsoft.com/office/powerpoint/2015/main" val="1"/>
-              </p:ext>
-            </p:extLst>
-          </p:nvPr>
-        </p:nvSpPr>
-        <p:spPr>
-          <a:xfrm>
-            <a:off x="558209" y="0"/>
-            <a:ext cx="11167447" cy="2018806"/>
-          </a:xfrm>
-          <a:prstGeom prst="rect">
-            <a:avLst/>
-          </a:prstGeom>
-          <a:ln w="9525">
-            <a:solidFill>
-              <a:srgbClr val="E1E1E1"/>
-            </a:solidFill>
-          </a:ln>
-          <a:effectLst>
-            <a:outerShdw blurRad="50800" dist="38100" dir="2700000" algn="tl" rotWithShape="0">
-              <a:schemeClr val="bg1">
-                <a:lumMod val="85000"/>
-                <a:alpha val="50000"/>
-              </a:schemeClr>
-            </a:outerShdw>
-          </a:effectLst>
-        </p:spPr>
-        <p:style>
-          <a:lnRef idx="2">
-            <a:schemeClr val="accent1">
-              <a:shade val="50000"/>
-            </a:schemeClr>
-          </a:lnRef>
-          <a:fillRef idx="1">
-            <a:schemeClr val="accent1"/>
-          </a:fillRef>
-          <a:effectRef idx="0">
-            <a:schemeClr val="accent1"/>
-          </a:effectRef>
-          <a:fontRef idx="minor">
-            <a:schemeClr val="lt1"/>
-          </a:fontRef>
-        </p:style>
-        <p:txBody>
-          <a:bodyPr rtlCol="0" anchor="ctr"/>
-          <a:lstStyle/>
-          <a:p>
-            <a:pPr marL="0" marR="0" lvl="0" indent="0" algn="ctr" defTabSz="914400" rtl="0" eaLnBrk="1" fontAlgn="auto" latinLnBrk="0" hangingPunct="1">
-              <a:lnSpc>
-                <a:spcPct val="100000"/>
-              </a:lnSpc>
-              <a:spcBef>
-                <a:spcPts val="0"/>
-              </a:spcBef>
-              <a:spcAft>
-                <a:spcPts val="0"/>
-              </a:spcAft>
-              <a:buClrTx/>
-              <a:buSzTx/>
-              <a:buFontTx/>
-              <a:buNone/>
-              <a:tabLst/>
-              <a:defRPr/>
-            </a:pPr>
-            <a:endParaRPr kumimoji="0" lang="en-US" sz="1800" b="0" i="0" u="none" strike="noStrike" kern="1200" cap="none" spc="0" normalizeH="0" baseline="0" noProof="0" dirty="0">
-              <a:ln>
-                <a:noFill/>
-              </a:ln>
-              <a:solidFill>
-                <a:prstClr val="white"/>
-              </a:solidFill>
-              <a:effectLst/>
-              <a:uLnTx/>
-              <a:uFillTx/>
-              <a:latin typeface="Calibri" panose="020F0502020204030204"/>
-              <a:ea typeface="+mn-ea"/>
-              <a:cs typeface="+mn-cs"/>
-            </a:endParaRPr>
-          </a:p>
-        </p:txBody>
-      </p:sp>
-      <p:sp useBgFill="1">
-        <p:nvSpPr>
-          <p:cNvPr id="12" name="Rectangle 11">
-            <a:extLst>
-              <a:ext uri="{FF2B5EF4-FFF2-40B4-BE49-F238E27FC236}">
-                <a16:creationId xmlns:a16="http://schemas.microsoft.com/office/drawing/2014/main" id="{8E0105E7-23DB-4CF2-8258-FF47C7620F6E}"/>
-              </a:ext>
-              <a:ext uri="{C183D7F6-B498-43B3-948B-1728B52AA6E4}">
-                <adec:decorative xmlns:adec="http://schemas.microsoft.com/office/drawing/2017/decorative" val="1"/>
-              </a:ext>
-            </a:extLst>
-          </p:cNvPr>
-          <p:cNvSpPr>
-            <a:spLocks noGrp="1" noRot="1" noChangeAspect="1" noMove="1" noResize="1" noEditPoints="1" noAdjustHandles="1" noChangeArrowheads="1" noChangeShapeType="1" noTextEdit="1"/>
-          </p:cNvSpPr>
-          <p:nvPr>
-            <p:extLst>
-              <p:ext uri="{386F3935-93C4-4BCD-93E2-E3B085C9AB24}">
-                <p16:designElem xmlns:p16="http://schemas.microsoft.com/office/powerpoint/2015/main" val="1"/>
-              </p:ext>
-            </p:extLst>
-          </p:nvPr>
-        </p:nvSpPr>
-        <p:spPr>
-          <a:xfrm>
-            <a:off x="566928" y="0"/>
-            <a:ext cx="11155680" cy="2011680"/>
-          </a:xfrm>
-          <a:prstGeom prst="rect">
-            <a:avLst/>
-          </a:prstGeom>
-          <a:ln w="9525">
-            <a:noFill/>
-          </a:ln>
-          <a:effectLst/>
-        </p:spPr>
-        <p:style>
-          <a:lnRef idx="2">
-            <a:schemeClr val="accent1">
-              <a:shade val="50000"/>
-            </a:schemeClr>
-          </a:lnRef>
-          <a:fillRef idx="1">
-            <a:schemeClr val="accent1"/>
-          </a:fillRef>
-          <a:effectRef idx="0">
-            <a:schemeClr val="accent1"/>
-          </a:effectRef>
-          <a:fontRef idx="minor">
-            <a:schemeClr val="lt1"/>
-          </a:fontRef>
-        </p:style>
-        <p:txBody>
-          <a:bodyPr rtlCol="0" anchor="ctr"/>
-          <a:lstStyle/>
-          <a:p>
-            <a:pPr marL="0" marR="0" lvl="0" indent="0" algn="ctr" defTabSz="914400" rtl="0" eaLnBrk="1" fontAlgn="auto" latinLnBrk="0" hangingPunct="1">
-              <a:lnSpc>
-                <a:spcPct val="100000"/>
-              </a:lnSpc>
-              <a:spcBef>
-                <a:spcPts val="0"/>
-              </a:spcBef>
-              <a:spcAft>
-                <a:spcPts val="0"/>
-              </a:spcAft>
-              <a:buClrTx/>
-              <a:buSzTx/>
-              <a:buFontTx/>
-              <a:buNone/>
-              <a:tabLst/>
-              <a:defRPr/>
-            </a:pPr>
-            <a:endParaRPr kumimoji="0" lang="en-US" sz="1800" b="0" i="0" u="none" strike="noStrike" kern="1200" cap="none" spc="0" normalizeH="0" baseline="0" noProof="0" dirty="0">
-              <a:ln>
-                <a:noFill/>
-              </a:ln>
-              <a:solidFill>
-                <a:prstClr val="white"/>
-              </a:solidFill>
-              <a:effectLst/>
-              <a:uLnTx/>
-              <a:uFillTx/>
-              <a:latin typeface="Calibri" panose="020F0502020204030204"/>
-              <a:ea typeface="+mn-ea"/>
-              <a:cs typeface="+mn-cs"/>
-            </a:endParaRPr>
-          </a:p>
-        </p:txBody>
-      </p:sp>
-      <p:sp>
-        <p:nvSpPr>
-          <p:cNvPr id="2" name="Title 1">
-            <a:extLst>
-              <a:ext uri="{FF2B5EF4-FFF2-40B4-BE49-F238E27FC236}">
-                <a16:creationId xmlns:a16="http://schemas.microsoft.com/office/drawing/2014/main" id="{82CF4B60-062A-25CD-E448-6C8255EEF9CC}"/>
-              </a:ext>
-            </a:extLst>
-          </p:cNvPr>
-          <p:cNvSpPr>
-            <a:spLocks noGrp="1"/>
-          </p:cNvSpPr>
-          <p:nvPr>
-            <p:ph type="title"/>
-          </p:nvPr>
-        </p:nvSpPr>
-        <p:spPr>
-          <a:xfrm>
-            <a:off x="1115568" y="548640"/>
-            <a:ext cx="10168128" cy="1179576"/>
-          </a:xfrm>
-        </p:spPr>
-        <p:txBody>
-          <a:bodyPr>
-            <a:normAutofit/>
-          </a:bodyPr>
-          <a:lstStyle/>
-          <a:p>
-            <a:r>
-              <a:rPr lang="en-US" sz="4000" dirty="0"/>
-              <a:t>Sponsors</a:t>
-            </a:r>
-          </a:p>
-        </p:txBody>
-      </p:sp>
-      <p:sp>
-        <p:nvSpPr>
-          <p:cNvPr id="14" name="Rectangle 13">
-            <a:extLst>
-              <a:ext uri="{FF2B5EF4-FFF2-40B4-BE49-F238E27FC236}">
-                <a16:creationId xmlns:a16="http://schemas.microsoft.com/office/drawing/2014/main" id="{074B4F7D-14B2-478B-8BF5-01E4E0C5D263}"/>
-              </a:ext>
-              <a:ext uri="{C183D7F6-B498-43B3-948B-1728B52AA6E4}">
-                <adec:decorative xmlns:adec="http://schemas.microsoft.com/office/drawing/2017/decorative" val="1"/>
-              </a:ext>
-            </a:extLst>
-          </p:cNvPr>
-          <p:cNvSpPr>
-            <a:spLocks noGrp="1" noRot="1" noChangeAspect="1" noMove="1" noResize="1" noEditPoints="1" noAdjustHandles="1" noChangeArrowheads="1" noChangeShapeType="1" noTextEdit="1"/>
-          </p:cNvSpPr>
-          <p:nvPr>
-            <p:extLst>
-              <p:ext uri="{386F3935-93C4-4BCD-93E2-E3B085C9AB24}">
-                <p16:designElem xmlns:p16="http://schemas.microsoft.com/office/powerpoint/2015/main" val="1"/>
-              </p:ext>
-            </p:extLst>
-          </p:nvPr>
-        </p:nvSpPr>
-        <p:spPr>
-          <a:xfrm>
-            <a:off x="498834" y="758952"/>
-            <a:ext cx="128016" cy="704088"/>
-          </a:xfrm>
-          <a:prstGeom prst="rect">
-            <a:avLst/>
-          </a:prstGeom>
-          <a:solidFill>
-            <a:schemeClr val="accent2"/>
-          </a:solidFill>
-          <a:ln>
-            <a:noFill/>
-          </a:ln>
-        </p:spPr>
-        <p:style>
-          <a:lnRef idx="2">
-            <a:schemeClr val="accent1">
-              <a:shade val="50000"/>
-            </a:schemeClr>
-          </a:lnRef>
-          <a:fillRef idx="1">
-            <a:schemeClr val="accent1"/>
-          </a:fillRef>
-          <a:effectRef idx="0">
-            <a:schemeClr val="accent1"/>
-          </a:effectRef>
-          <a:fontRef idx="minor">
-            <a:schemeClr val="lt1"/>
-          </a:fontRef>
-        </p:style>
-        <p:txBody>
-          <a:bodyPr rtlCol="0" anchor="ctr"/>
-          <a:lstStyle/>
-          <a:p>
-            <a:pPr algn="ctr"/>
-            <a:endParaRPr lang="en-US" dirty="0">
-              <a:solidFill>
-                <a:prstClr val="white"/>
-              </a:solidFill>
-              <a:latin typeface="Calibri" panose="020F0502020204030204"/>
-            </a:endParaRPr>
-          </a:p>
-        </p:txBody>
-      </p:sp>
-      <p:sp>
-        <p:nvSpPr>
-          <p:cNvPr id="3" name="Content Placeholder 2">
-            <a:extLst>
-              <a:ext uri="{FF2B5EF4-FFF2-40B4-BE49-F238E27FC236}">
-                <a16:creationId xmlns:a16="http://schemas.microsoft.com/office/drawing/2014/main" id="{E43BD06B-906D-5C9C-E517-52B27F705E94}"/>
-              </a:ext>
-            </a:extLst>
-          </p:cNvPr>
-          <p:cNvSpPr>
-            <a:spLocks noGrp="1"/>
-          </p:cNvSpPr>
-          <p:nvPr>
-            <p:ph idx="1"/>
-          </p:nvPr>
-        </p:nvSpPr>
-        <p:spPr>
-          <a:xfrm>
-            <a:off x="1115568" y="2481943"/>
-            <a:ext cx="10168128" cy="3695020"/>
-          </a:xfrm>
-        </p:spPr>
-        <p:txBody>
-          <a:bodyPr>
-            <a:normAutofit/>
-          </a:bodyPr>
-          <a:lstStyle/>
-          <a:p>
-            <a:pPr marL="457200" indent="-457200">
-              <a:buFont typeface="+mj-lt"/>
-              <a:buAutoNum type="arabicPeriod"/>
-            </a:pPr>
-            <a:endParaRPr lang="en-US" sz="2200" dirty="0"/>
-          </a:p>
-          <a:p>
-            <a:pPr marL="457200" indent="-457200">
-              <a:buFont typeface="+mj-lt"/>
-              <a:buAutoNum type="arabicPeriod"/>
-            </a:pPr>
-            <a:endParaRPr lang="en-US" sz="2200" dirty="0"/>
-          </a:p>
-          <a:p>
-            <a:pPr marL="457200" indent="-457200">
-              <a:buFont typeface="+mj-lt"/>
-              <a:buAutoNum type="arabicPeriod"/>
-            </a:pPr>
-            <a:endParaRPr lang="en-US" sz="2200" dirty="0"/>
-          </a:p>
-        </p:txBody>
-      </p:sp>
+      </p:pic>
     </p:spTree>
     <p:extLst>
       <p:ext uri="{BB962C8B-B14F-4D97-AF65-F5344CB8AC3E}">
-        <p14:creationId xmlns:p14="http://schemas.microsoft.com/office/powerpoint/2010/main" val="1316702418"/>
+        <p14:creationId xmlns:p14="http://schemas.microsoft.com/office/powerpoint/2010/main" val="3832422769"/>
       </p:ext>
     </p:extLst>
   </p:cSld>
   <p:clrMapOvr>
     <a:masterClrMapping/>
   </p:clrMapOvr>
-  <p:timing>
-    <p:tnLst>
-      <p:par>
-        <p:cTn id="1" dur="indefinite" restart="never" nodeType="tmRoot">
-          <p:childTnLst>
-            <p:seq concurrent="1" nextAc="seek">
-              <p:cTn id="2" dur="indefinite" nodeType="mainSeq">
-                <p:childTnLst>
-                  <p:par>
-                    <p:cTn id="3" fill="hold">
-                      <p:stCondLst>
-                        <p:cond delay="indefinite"/>
-                      </p:stCondLst>
-                      <p:childTnLst>
-                        <p:par>
-                          <p:cTn id="4" fill="hold">
-                            <p:stCondLst>
-                              <p:cond delay="0"/>
-                            </p:stCondLst>
-                            <p:childTnLst>
-                              <p:par>
-                                <p:cTn id="5" presetID="8" presetClass="emph" presetSubtype="0" fill="hold" grpId="0" nodeType="clickEffect">
-                                  <p:stCondLst>
-                                    <p:cond delay="0"/>
-                                  </p:stCondLst>
-                                  <p:childTnLst>
-                                    <p:animRot by="21600000">
-                                      <p:cBhvr>
-                                        <p:cTn id="6" dur="2000" fill="hold"/>
-                                        <p:tgtEl>
-                                          <p:spTgt spid="14"/>
-                                        </p:tgtEl>
-                                        <p:attrNameLst>
-                                          <p:attrName>r</p:attrName>
-                                        </p:attrNameLst>
-                                      </p:cBhvr>
-                                    </p:animRot>
-                                  </p:childTnLst>
-                                </p:cTn>
-                              </p:par>
-                            </p:childTnLst>
-                          </p:cTn>
-                        </p:par>
-                      </p:childTnLst>
-                    </p:cTn>
-                  </p:par>
-                </p:childTnLst>
-              </p:cTn>
-              <p:prevCondLst>
-                <p:cond evt="onPrev" delay="0">
-                  <p:tgtEl>
-                    <p:sldTgt/>
-                  </p:tgtEl>
-                </p:cond>
-              </p:prevCondLst>
-              <p:nextCondLst>
-                <p:cond evt="onNext" delay="0">
-                  <p:tgtEl>
-                    <p:sldTgt/>
-                  </p:tgtEl>
-                </p:cond>
-              </p:nextCondLst>
-            </p:seq>
-          </p:childTnLst>
-        </p:cTn>
-      </p:par>
-    </p:tnLst>
-    <p:bldLst>
-      <p:bldP spid="14" grpId="0" animBg="1"/>
-    </p:bldLst>
-  </p:timing>
+</p:sld>
+</file>
+
+<file path=ppt/slides/slide19.xml><?xml version="1.0" encoding="utf-8"?>
+<p:sld xmlns:a="http://schemas.openxmlformats.org/drawingml/2006/main" xmlns:r="http://schemas.openxmlformats.org/officeDocument/2006/relationships" xmlns:p="http://schemas.openxmlformats.org/presentationml/2006/main">
+  <p:cSld>
+    <p:spTree>
+      <p:nvGrpSpPr>
+        <p:cNvPr id="1" name=""/>
+        <p:cNvGrpSpPr/>
+        <p:nvPr/>
+      </p:nvGrpSpPr>
+      <p:grpSpPr>
+        <a:xfrm>
+          <a:off x="0" y="0"/>
+          <a:ext cx="0" cy="0"/>
+          <a:chOff x="0" y="0"/>
+          <a:chExt cx="0" cy="0"/>
+        </a:xfrm>
+      </p:grpSpPr>
+      <p:sp>
+        <p:nvSpPr>
+          <p:cNvPr id="2" name="Title 1">
+            <a:extLst>
+              <a:ext uri="{FF2B5EF4-FFF2-40B4-BE49-F238E27FC236}">
+                <a16:creationId xmlns:a16="http://schemas.microsoft.com/office/drawing/2014/main" id="{4E16767E-060E-887C-B707-C3D32EE08E67}"/>
+              </a:ext>
+            </a:extLst>
+          </p:cNvPr>
+          <p:cNvSpPr>
+            <a:spLocks noGrp="1"/>
+          </p:cNvSpPr>
+          <p:nvPr>
+            <p:ph type="title"/>
+          </p:nvPr>
+        </p:nvSpPr>
+        <p:spPr/>
+        <p:txBody>
+          <a:bodyPr/>
+          <a:lstStyle/>
+          <a:p>
+            <a:endParaRPr lang="en-US"/>
+          </a:p>
+        </p:txBody>
+      </p:sp>
+      <p:pic>
+        <p:nvPicPr>
+          <p:cNvPr id="5" name="Content Placeholder 4" descr="A cartoon characters in a forest&#10;&#10;Description automatically generated">
+            <a:extLst>
+              <a:ext uri="{FF2B5EF4-FFF2-40B4-BE49-F238E27FC236}">
+                <a16:creationId xmlns:a16="http://schemas.microsoft.com/office/drawing/2014/main" id="{1C3E43A4-015B-E234-B871-A8109855EEFC}"/>
+              </a:ext>
+            </a:extLst>
+          </p:cNvPr>
+          <p:cNvPicPr>
+            <a:picLocks noGrp="1" noChangeAspect="1"/>
+          </p:cNvPicPr>
+          <p:nvPr>
+            <p:ph idx="1"/>
+          </p:nvPr>
+        </p:nvPicPr>
+        <p:blipFill>
+          <a:blip r:embed="rId3">
+            <a:extLst>
+              <a:ext uri="{28A0092B-C50C-407E-A947-70E740481C1C}">
+                <a14:useLocalDpi xmlns:a14="http://schemas.microsoft.com/office/drawing/2010/main" val="0"/>
+              </a:ext>
+            </a:extLst>
+          </a:blip>
+          <a:stretch>
+            <a:fillRect/>
+          </a:stretch>
+        </p:blipFill>
+        <p:spPr>
+          <a:xfrm>
+            <a:off x="1" y="1"/>
+            <a:ext cx="12192000" cy="6858000"/>
+          </a:xfrm>
+        </p:spPr>
+      </p:pic>
+    </p:spTree>
+    <p:extLst>
+      <p:ext uri="{BB962C8B-B14F-4D97-AF65-F5344CB8AC3E}">
+        <p14:creationId xmlns:p14="http://schemas.microsoft.com/office/powerpoint/2010/main" val="943693525"/>
+      </p:ext>
+    </p:extLst>
+  </p:cSld>
+  <p:clrMapOvr>
+    <a:masterClrMapping/>
+  </p:clrMapOvr>
 </p:sld>
 </file>
 
@@ -11409,14 +10483,6 @@
 <file path=ppt/slides/slide20.xml><?xml version="1.0" encoding="utf-8"?>
 <p:sld xmlns:a="http://schemas.openxmlformats.org/drawingml/2006/main" xmlns:r="http://schemas.openxmlformats.org/officeDocument/2006/relationships" xmlns:p="http://schemas.openxmlformats.org/presentationml/2006/main">
   <p:cSld>
-    <p:bg>
-      <p:bgPr>
-        <a:solidFill>
-          <a:schemeClr val="bg1"/>
-        </a:solidFill>
-        <a:effectLst/>
-      </p:bgPr>
-    </p:bg>
     <p:spTree>
       <p:nvGrpSpPr>
         <p:cNvPr id="1" name=""/>
@@ -11431,469 +10497,304 @@
           <a:chExt cx="0" cy="0"/>
         </a:xfrm>
       </p:grpSpPr>
-      <p:sp useBgFill="1">
-        <p:nvSpPr>
-          <p:cNvPr id="8" name="Rectangle 7">
+      <p:pic>
+        <p:nvPicPr>
+          <p:cNvPr id="8" name="Content Placeholder 7" descr="A qr code on a screen&#10;&#10;Description automatically generated">
             <a:extLst>
               <a:ext uri="{FF2B5EF4-FFF2-40B4-BE49-F238E27FC236}">
-                <a16:creationId xmlns:a16="http://schemas.microsoft.com/office/drawing/2014/main" id="{DAF1966E-FD40-4A4A-B61B-C4DF7FA05F06}"/>
-              </a:ext>
-              <a:ext uri="{C183D7F6-B498-43B3-948B-1728B52AA6E4}">
-                <adec:decorative xmlns:adec="http://schemas.microsoft.com/office/drawing/2017/decorative" val="1"/>
+                <a16:creationId xmlns:a16="http://schemas.microsoft.com/office/drawing/2014/main" id="{ACA8FC93-CFE0-2795-6C86-D2DA0B37FBE0}"/>
               </a:ext>
             </a:extLst>
           </p:cNvPr>
-          <p:cNvSpPr>
-            <a:spLocks noGrp="1" noRot="1" noChangeAspect="1" noMove="1" noResize="1" noEditPoints="1" noAdjustHandles="1" noChangeArrowheads="1" noChangeShapeType="1" noTextEdit="1"/>
-          </p:cNvSpPr>
-          <p:nvPr>
-            <p:extLst>
-              <p:ext uri="{386F3935-93C4-4BCD-93E2-E3B085C9AB24}">
-                <p16:designElem xmlns:p16="http://schemas.microsoft.com/office/powerpoint/2015/main" val="1"/>
-              </p:ext>
-            </p:extLst>
-          </p:nvPr>
-        </p:nvSpPr>
+          <p:cNvPicPr>
+            <a:picLocks noGrp="1" noChangeAspect="1"/>
+          </p:cNvPicPr>
+          <p:nvPr>
+            <p:ph idx="1"/>
+          </p:nvPr>
+        </p:nvPicPr>
+        <p:blipFill>
+          <a:blip r:embed="rId2">
+            <a:extLst>
+              <a:ext uri="{28A0092B-C50C-407E-A947-70E740481C1C}">
+                <a14:useLocalDpi xmlns:a14="http://schemas.microsoft.com/office/drawing/2010/main" val="0"/>
+              </a:ext>
+            </a:extLst>
+          </a:blip>
+          <a:stretch>
+            <a:fillRect/>
+          </a:stretch>
+        </p:blipFill>
         <p:spPr>
           <a:xfrm>
-            <a:off x="0" y="0"/>
-            <a:ext cx="12192000" cy="6858000"/>
+            <a:off x="3143341" y="1884476"/>
+            <a:ext cx="8841820" cy="4973524"/>
+          </a:xfrm>
+        </p:spPr>
+      </p:pic>
+      <p:sp>
+        <p:nvSpPr>
+          <p:cNvPr id="6" name="Content Placeholder 2">
+            <a:extLst>
+              <a:ext uri="{FF2B5EF4-FFF2-40B4-BE49-F238E27FC236}">
+                <a16:creationId xmlns:a16="http://schemas.microsoft.com/office/drawing/2014/main" id="{5E5B9BEC-6E89-95C0-5E7E-5C2ED1BB3313}"/>
+              </a:ext>
+            </a:extLst>
+          </p:cNvPr>
+          <p:cNvSpPr txBox="1">
+            <a:spLocks/>
+          </p:cNvSpPr>
+          <p:nvPr/>
+        </p:nvSpPr>
+        <p:spPr>
+          <a:xfrm>
+            <a:off x="0" y="306274"/>
+            <a:ext cx="10102863" cy="3695020"/>
           </a:xfrm>
           <a:prstGeom prst="rect">
             <a:avLst/>
           </a:prstGeom>
-          <a:ln>
-            <a:noFill/>
-          </a:ln>
         </p:spPr>
-        <p:style>
-          <a:lnRef idx="2">
-            <a:schemeClr val="accent1">
-              <a:shade val="50000"/>
-            </a:schemeClr>
-          </a:lnRef>
-          <a:fillRef idx="1">
-            <a:schemeClr val="accent1"/>
-          </a:fillRef>
-          <a:effectRef idx="0">
-            <a:schemeClr val="accent1"/>
-          </a:effectRef>
-          <a:fontRef idx="minor">
-            <a:schemeClr val="lt1"/>
-          </a:fontRef>
-        </p:style>
-        <p:txBody>
-          <a:bodyPr rtlCol="0" anchor="ctr"/>
-          <a:lstStyle/>
-          <a:p>
-            <a:pPr algn="ctr"/>
-            <a:endParaRPr lang="en-US" dirty="0"/>
-          </a:p>
-        </p:txBody>
-      </p:sp>
-      <p:sp useBgFill="1">
-        <p:nvSpPr>
-          <p:cNvPr id="10" name="Rectangle 9">
-            <a:extLst>
-              <a:ext uri="{FF2B5EF4-FFF2-40B4-BE49-F238E27FC236}">
-                <a16:creationId xmlns:a16="http://schemas.microsoft.com/office/drawing/2014/main" id="{047BFA19-D45E-416B-A404-7AF2F3F27017}"/>
-              </a:ext>
-              <a:ext uri="{C183D7F6-B498-43B3-948B-1728B52AA6E4}">
-                <adec:decorative xmlns:adec="http://schemas.microsoft.com/office/drawing/2017/decorative" val="1"/>
-              </a:ext>
-            </a:extLst>
-          </p:cNvPr>
-          <p:cNvSpPr>
-            <a:spLocks noGrp="1" noRot="1" noChangeAspect="1" noMove="1" noResize="1" noEditPoints="1" noAdjustHandles="1" noChangeArrowheads="1" noChangeShapeType="1" noTextEdit="1"/>
-          </p:cNvSpPr>
-          <p:nvPr>
-            <p:extLst>
-              <p:ext uri="{386F3935-93C4-4BCD-93E2-E3B085C9AB24}">
-                <p16:designElem xmlns:p16="http://schemas.microsoft.com/office/powerpoint/2015/main" val="1"/>
-              </p:ext>
-            </p:extLst>
-          </p:nvPr>
-        </p:nvSpPr>
-        <p:spPr>
-          <a:xfrm>
-            <a:off x="558209" y="0"/>
-            <a:ext cx="11167447" cy="2018806"/>
-          </a:xfrm>
-          <a:prstGeom prst="rect">
-            <a:avLst/>
-          </a:prstGeom>
-          <a:ln w="9525">
-            <a:solidFill>
-              <a:srgbClr val="E1E1E1"/>
-            </a:solidFill>
-          </a:ln>
-          <a:effectLst>
-            <a:outerShdw blurRad="50800" dist="38100" dir="2700000" algn="tl" rotWithShape="0">
-              <a:schemeClr val="bg1">
-                <a:lumMod val="85000"/>
-                <a:alpha val="50000"/>
-              </a:schemeClr>
-            </a:outerShdw>
-          </a:effectLst>
-        </p:spPr>
-        <p:style>
-          <a:lnRef idx="2">
-            <a:schemeClr val="accent1">
-              <a:shade val="50000"/>
-            </a:schemeClr>
-          </a:lnRef>
-          <a:fillRef idx="1">
-            <a:schemeClr val="accent1"/>
-          </a:fillRef>
-          <a:effectRef idx="0">
-            <a:schemeClr val="accent1"/>
-          </a:effectRef>
-          <a:fontRef idx="minor">
-            <a:schemeClr val="lt1"/>
-          </a:fontRef>
-        </p:style>
-        <p:txBody>
-          <a:bodyPr rtlCol="0" anchor="ctr"/>
-          <a:lstStyle/>
-          <a:p>
-            <a:pPr marL="0" marR="0" lvl="0" indent="0" algn="ctr" defTabSz="914400" rtl="0" eaLnBrk="1" fontAlgn="auto" latinLnBrk="0" hangingPunct="1">
+        <p:txBody>
+          <a:bodyPr vert="horz" lIns="91440" tIns="45720" rIns="91440" bIns="45720" rtlCol="0">
+            <a:normAutofit/>
+          </a:bodyPr>
+          <a:lstStyle>
+            <a:lvl1pPr marL="228600" indent="-228600" algn="l" defTabSz="914400" rtl="0" eaLnBrk="1" latinLnBrk="0" hangingPunct="1">
               <a:lnSpc>
-                <a:spcPct val="100000"/>
+                <a:spcPct val="90000"/>
               </a:lnSpc>
               <a:spcBef>
-                <a:spcPts val="0"/>
+                <a:spcPts val="1000"/>
               </a:spcBef>
-              <a:spcAft>
-                <a:spcPts val="0"/>
-              </a:spcAft>
-              <a:buClrTx/>
-              <a:buSzTx/>
-              <a:buFontTx/>
-              <a:buNone/>
-              <a:tabLst/>
-              <a:defRPr/>
-            </a:pPr>
-            <a:endParaRPr kumimoji="0" lang="en-US" sz="1800" b="0" i="0" u="none" strike="noStrike" kern="1200" cap="none" spc="0" normalizeH="0" baseline="0" noProof="0" dirty="0">
-              <a:ln>
-                <a:noFill/>
-              </a:ln>
-              <a:solidFill>
-                <a:prstClr val="white"/>
-              </a:solidFill>
-              <a:effectLst/>
-              <a:uLnTx/>
-              <a:uFillTx/>
-              <a:latin typeface="Calibri" panose="020F0502020204030204"/>
-              <a:ea typeface="+mn-ea"/>
-              <a:cs typeface="+mn-cs"/>
-            </a:endParaRPr>
-          </a:p>
-        </p:txBody>
-      </p:sp>
-      <p:sp useBgFill="1">
-        <p:nvSpPr>
-          <p:cNvPr id="12" name="Rectangle 11">
-            <a:extLst>
-              <a:ext uri="{FF2B5EF4-FFF2-40B4-BE49-F238E27FC236}">
-                <a16:creationId xmlns:a16="http://schemas.microsoft.com/office/drawing/2014/main" id="{8E0105E7-23DB-4CF2-8258-FF47C7620F6E}"/>
-              </a:ext>
-              <a:ext uri="{C183D7F6-B498-43B3-948B-1728B52AA6E4}">
-                <adec:decorative xmlns:adec="http://schemas.microsoft.com/office/drawing/2017/decorative" val="1"/>
-              </a:ext>
-            </a:extLst>
-          </p:cNvPr>
-          <p:cNvSpPr>
-            <a:spLocks noGrp="1" noRot="1" noChangeAspect="1" noMove="1" noResize="1" noEditPoints="1" noAdjustHandles="1" noChangeArrowheads="1" noChangeShapeType="1" noTextEdit="1"/>
-          </p:cNvSpPr>
-          <p:nvPr>
-            <p:extLst>
-              <p:ext uri="{386F3935-93C4-4BCD-93E2-E3B085C9AB24}">
-                <p16:designElem xmlns:p16="http://schemas.microsoft.com/office/powerpoint/2015/main" val="1"/>
-              </p:ext>
-            </p:extLst>
-          </p:nvPr>
-        </p:nvSpPr>
-        <p:spPr>
-          <a:xfrm>
-            <a:off x="566928" y="0"/>
-            <a:ext cx="11155680" cy="2011680"/>
-          </a:xfrm>
-          <a:prstGeom prst="rect">
-            <a:avLst/>
-          </a:prstGeom>
-          <a:ln w="9525">
-            <a:noFill/>
-          </a:ln>
-          <a:effectLst/>
-        </p:spPr>
-        <p:style>
-          <a:lnRef idx="2">
-            <a:schemeClr val="accent1">
-              <a:shade val="50000"/>
-            </a:schemeClr>
-          </a:lnRef>
-          <a:fillRef idx="1">
-            <a:schemeClr val="accent1"/>
-          </a:fillRef>
-          <a:effectRef idx="0">
-            <a:schemeClr val="accent1"/>
-          </a:effectRef>
-          <a:fontRef idx="minor">
-            <a:schemeClr val="lt1"/>
-          </a:fontRef>
-        </p:style>
-        <p:txBody>
-          <a:bodyPr rtlCol="0" anchor="ctr"/>
-          <a:lstStyle/>
-          <a:p>
-            <a:pPr marL="0" marR="0" lvl="0" indent="0" algn="ctr" defTabSz="914400" rtl="0" eaLnBrk="1" fontAlgn="auto" latinLnBrk="0" hangingPunct="1">
+              <a:buFont typeface="Arial" panose="020B0604020202020204" pitchFamily="34" charset="0"/>
+              <a:buChar char="•"/>
+              <a:defRPr sz="2800" kern="1200">
+                <a:solidFill>
+                  <a:schemeClr val="tx1"/>
+                </a:solidFill>
+                <a:latin typeface="+mn-lt"/>
+                <a:ea typeface="+mn-ea"/>
+                <a:cs typeface="+mn-cs"/>
+              </a:defRPr>
+            </a:lvl1pPr>
+            <a:lvl2pPr marL="685800" indent="-228600" algn="l" defTabSz="914400" rtl="0" eaLnBrk="1" latinLnBrk="0" hangingPunct="1">
               <a:lnSpc>
-                <a:spcPct val="100000"/>
+                <a:spcPct val="90000"/>
               </a:lnSpc>
               <a:spcBef>
-                <a:spcPts val="0"/>
+                <a:spcPts val="500"/>
               </a:spcBef>
-              <a:spcAft>
-                <a:spcPts val="0"/>
-              </a:spcAft>
-              <a:buClrTx/>
-              <a:buSzTx/>
-              <a:buFontTx/>
-              <a:buNone/>
-              <a:tabLst/>
-              <a:defRPr/>
-            </a:pPr>
-            <a:endParaRPr kumimoji="0" lang="en-US" sz="1800" b="0" i="0" u="none" strike="noStrike" kern="1200" cap="none" spc="0" normalizeH="0" baseline="0" noProof="0" dirty="0">
-              <a:ln>
-                <a:noFill/>
-              </a:ln>
-              <a:solidFill>
-                <a:prstClr val="white"/>
-              </a:solidFill>
-              <a:effectLst/>
-              <a:uLnTx/>
-              <a:uFillTx/>
-              <a:latin typeface="Calibri" panose="020F0502020204030204"/>
-              <a:ea typeface="+mn-ea"/>
-              <a:cs typeface="+mn-cs"/>
-            </a:endParaRPr>
-          </a:p>
-        </p:txBody>
-      </p:sp>
-      <p:sp>
-        <p:nvSpPr>
-          <p:cNvPr id="2" name="Title 1">
-            <a:extLst>
-              <a:ext uri="{FF2B5EF4-FFF2-40B4-BE49-F238E27FC236}">
-                <a16:creationId xmlns:a16="http://schemas.microsoft.com/office/drawing/2014/main" id="{82CF4B60-062A-25CD-E448-6C8255EEF9CC}"/>
-              </a:ext>
-            </a:extLst>
-          </p:cNvPr>
-          <p:cNvSpPr>
-            <a:spLocks noGrp="1"/>
-          </p:cNvSpPr>
-          <p:nvPr>
-            <p:ph type="title"/>
-          </p:nvPr>
-        </p:nvSpPr>
-        <p:spPr>
-          <a:xfrm>
-            <a:off x="1115568" y="548640"/>
-            <a:ext cx="10168128" cy="1179576"/>
-          </a:xfrm>
-        </p:spPr>
-        <p:txBody>
-          <a:bodyPr>
-            <a:normAutofit/>
-          </a:bodyPr>
-          <a:lstStyle/>
-          <a:p>
-            <a:r>
-              <a:rPr lang="en-US" sz="4800" dirty="0"/>
-              <a:t>Thank You</a:t>
-            </a:r>
-          </a:p>
-        </p:txBody>
-      </p:sp>
-      <p:sp>
-        <p:nvSpPr>
-          <p:cNvPr id="14" name="Rectangle 13">
-            <a:extLst>
-              <a:ext uri="{FF2B5EF4-FFF2-40B4-BE49-F238E27FC236}">
-                <a16:creationId xmlns:a16="http://schemas.microsoft.com/office/drawing/2014/main" id="{074B4F7D-14B2-478B-8BF5-01E4E0C5D263}"/>
-              </a:ext>
-              <a:ext uri="{C183D7F6-B498-43B3-948B-1728B52AA6E4}">
-                <adec:decorative xmlns:adec="http://schemas.microsoft.com/office/drawing/2017/decorative" val="1"/>
-              </a:ext>
-            </a:extLst>
-          </p:cNvPr>
-          <p:cNvSpPr>
-            <a:spLocks noGrp="1" noRot="1" noChangeAspect="1" noMove="1" noResize="1" noEditPoints="1" noAdjustHandles="1" noChangeArrowheads="1" noChangeShapeType="1" noTextEdit="1"/>
-          </p:cNvSpPr>
-          <p:nvPr>
-            <p:extLst>
-              <p:ext uri="{386F3935-93C4-4BCD-93E2-E3B085C9AB24}">
-                <p16:designElem xmlns:p16="http://schemas.microsoft.com/office/powerpoint/2015/main" val="1"/>
-              </p:ext>
-            </p:extLst>
-          </p:nvPr>
-        </p:nvSpPr>
-        <p:spPr>
-          <a:xfrm>
-            <a:off x="498834" y="758952"/>
-            <a:ext cx="128016" cy="704088"/>
-          </a:xfrm>
-          <a:prstGeom prst="rect">
-            <a:avLst/>
-          </a:prstGeom>
-          <a:solidFill>
-            <a:schemeClr val="accent2"/>
-          </a:solidFill>
-          <a:ln>
-            <a:noFill/>
-          </a:ln>
-        </p:spPr>
-        <p:style>
-          <a:lnRef idx="2">
-            <a:schemeClr val="accent1">
-              <a:shade val="50000"/>
-            </a:schemeClr>
-          </a:lnRef>
-          <a:fillRef idx="1">
-            <a:schemeClr val="accent1"/>
-          </a:fillRef>
-          <a:effectRef idx="0">
-            <a:schemeClr val="accent1"/>
-          </a:effectRef>
-          <a:fontRef idx="minor">
-            <a:schemeClr val="lt1"/>
-          </a:fontRef>
-        </p:style>
-        <p:txBody>
-          <a:bodyPr rtlCol="0" anchor="ctr"/>
-          <a:lstStyle/>
-          <a:p>
-            <a:pPr algn="ctr"/>
-            <a:endParaRPr lang="en-US" dirty="0">
-              <a:solidFill>
-                <a:prstClr val="white"/>
-              </a:solidFill>
-              <a:latin typeface="Calibri" panose="020F0502020204030204"/>
-            </a:endParaRPr>
-          </a:p>
-        </p:txBody>
-      </p:sp>
-      <p:sp>
-        <p:nvSpPr>
-          <p:cNvPr id="3" name="Content Placeholder 2">
-            <a:extLst>
-              <a:ext uri="{FF2B5EF4-FFF2-40B4-BE49-F238E27FC236}">
-                <a16:creationId xmlns:a16="http://schemas.microsoft.com/office/drawing/2014/main" id="{E43BD06B-906D-5C9C-E517-52B27F705E94}"/>
-              </a:ext>
-            </a:extLst>
-          </p:cNvPr>
-          <p:cNvSpPr>
-            <a:spLocks noGrp="1"/>
-          </p:cNvSpPr>
-          <p:nvPr>
-            <p:ph idx="1"/>
-          </p:nvPr>
-        </p:nvSpPr>
-        <p:spPr>
-          <a:xfrm>
-            <a:off x="1992884" y="2560320"/>
-            <a:ext cx="8206232" cy="3695020"/>
-          </a:xfrm>
-        </p:spPr>
-        <p:txBody>
-          <a:bodyPr>
-            <a:normAutofit/>
-          </a:bodyPr>
-          <a:lstStyle/>
+              <a:buFont typeface="Arial" panose="020B0604020202020204" pitchFamily="34" charset="0"/>
+              <a:buChar char="•"/>
+              <a:defRPr sz="2400" kern="1200">
+                <a:solidFill>
+                  <a:schemeClr val="tx1"/>
+                </a:solidFill>
+                <a:latin typeface="+mn-lt"/>
+                <a:ea typeface="+mn-ea"/>
+                <a:cs typeface="+mn-cs"/>
+              </a:defRPr>
+            </a:lvl2pPr>
+            <a:lvl3pPr marL="1143000" indent="-228600" algn="l" defTabSz="914400" rtl="0" eaLnBrk="1" latinLnBrk="0" hangingPunct="1">
+              <a:lnSpc>
+                <a:spcPct val="90000"/>
+              </a:lnSpc>
+              <a:spcBef>
+                <a:spcPts val="500"/>
+              </a:spcBef>
+              <a:buFont typeface="Arial" panose="020B0604020202020204" pitchFamily="34" charset="0"/>
+              <a:buChar char="•"/>
+              <a:defRPr sz="2000" kern="1200">
+                <a:solidFill>
+                  <a:schemeClr val="tx1"/>
+                </a:solidFill>
+                <a:latin typeface="+mn-lt"/>
+                <a:ea typeface="+mn-ea"/>
+                <a:cs typeface="+mn-cs"/>
+              </a:defRPr>
+            </a:lvl3pPr>
+            <a:lvl4pPr marL="1600200" indent="-228600" algn="l" defTabSz="914400" rtl="0" eaLnBrk="1" latinLnBrk="0" hangingPunct="1">
+              <a:lnSpc>
+                <a:spcPct val="90000"/>
+              </a:lnSpc>
+              <a:spcBef>
+                <a:spcPts val="500"/>
+              </a:spcBef>
+              <a:buFont typeface="Arial" panose="020B0604020202020204" pitchFamily="34" charset="0"/>
+              <a:buChar char="•"/>
+              <a:defRPr sz="1800" kern="1200">
+                <a:solidFill>
+                  <a:schemeClr val="tx1"/>
+                </a:solidFill>
+                <a:latin typeface="+mn-lt"/>
+                <a:ea typeface="+mn-ea"/>
+                <a:cs typeface="+mn-cs"/>
+              </a:defRPr>
+            </a:lvl4pPr>
+            <a:lvl5pPr marL="2057400" indent="-228600" algn="l" defTabSz="914400" rtl="0" eaLnBrk="1" latinLnBrk="0" hangingPunct="1">
+              <a:lnSpc>
+                <a:spcPct val="90000"/>
+              </a:lnSpc>
+              <a:spcBef>
+                <a:spcPts val="500"/>
+              </a:spcBef>
+              <a:buFont typeface="Arial" panose="020B0604020202020204" pitchFamily="34" charset="0"/>
+              <a:buChar char="•"/>
+              <a:defRPr sz="1800" kern="1200">
+                <a:solidFill>
+                  <a:schemeClr val="tx1"/>
+                </a:solidFill>
+                <a:latin typeface="+mn-lt"/>
+                <a:ea typeface="+mn-ea"/>
+                <a:cs typeface="+mn-cs"/>
+              </a:defRPr>
+            </a:lvl5pPr>
+            <a:lvl6pPr marL="2514600" indent="-228600" algn="l" defTabSz="914400" rtl="0" eaLnBrk="1" latinLnBrk="0" hangingPunct="1">
+              <a:lnSpc>
+                <a:spcPct val="90000"/>
+              </a:lnSpc>
+              <a:spcBef>
+                <a:spcPts val="500"/>
+              </a:spcBef>
+              <a:buFont typeface="Arial" panose="020B0604020202020204" pitchFamily="34" charset="0"/>
+              <a:buChar char="•"/>
+              <a:defRPr sz="1800" kern="1200">
+                <a:solidFill>
+                  <a:schemeClr val="tx1"/>
+                </a:solidFill>
+                <a:latin typeface="+mn-lt"/>
+                <a:ea typeface="+mn-ea"/>
+                <a:cs typeface="+mn-cs"/>
+              </a:defRPr>
+            </a:lvl6pPr>
+            <a:lvl7pPr marL="2971800" indent="-228600" algn="l" defTabSz="914400" rtl="0" eaLnBrk="1" latinLnBrk="0" hangingPunct="1">
+              <a:lnSpc>
+                <a:spcPct val="90000"/>
+              </a:lnSpc>
+              <a:spcBef>
+                <a:spcPts val="500"/>
+              </a:spcBef>
+              <a:buFont typeface="Arial" panose="020B0604020202020204" pitchFamily="34" charset="0"/>
+              <a:buChar char="•"/>
+              <a:defRPr sz="1800" kern="1200">
+                <a:solidFill>
+                  <a:schemeClr val="tx1"/>
+                </a:solidFill>
+                <a:latin typeface="+mn-lt"/>
+                <a:ea typeface="+mn-ea"/>
+                <a:cs typeface="+mn-cs"/>
+              </a:defRPr>
+            </a:lvl7pPr>
+            <a:lvl8pPr marL="3429000" indent="-228600" algn="l" defTabSz="914400" rtl="0" eaLnBrk="1" latinLnBrk="0" hangingPunct="1">
+              <a:lnSpc>
+                <a:spcPct val="90000"/>
+              </a:lnSpc>
+              <a:spcBef>
+                <a:spcPts val="500"/>
+              </a:spcBef>
+              <a:buFont typeface="Arial" panose="020B0604020202020204" pitchFamily="34" charset="0"/>
+              <a:buChar char="•"/>
+              <a:defRPr sz="1800" kern="1200">
+                <a:solidFill>
+                  <a:schemeClr val="tx1"/>
+                </a:solidFill>
+                <a:latin typeface="+mn-lt"/>
+                <a:ea typeface="+mn-ea"/>
+                <a:cs typeface="+mn-cs"/>
+              </a:defRPr>
+            </a:lvl8pPr>
+            <a:lvl9pPr marL="3886200" indent="-228600" algn="l" defTabSz="914400" rtl="0" eaLnBrk="1" latinLnBrk="0" hangingPunct="1">
+              <a:lnSpc>
+                <a:spcPct val="90000"/>
+              </a:lnSpc>
+              <a:spcBef>
+                <a:spcPts val="500"/>
+              </a:spcBef>
+              <a:buFont typeface="Arial" panose="020B0604020202020204" pitchFamily="34" charset="0"/>
+              <a:buChar char="•"/>
+              <a:defRPr sz="1800" kern="1200">
+                <a:solidFill>
+                  <a:schemeClr val="tx1"/>
+                </a:solidFill>
+                <a:latin typeface="+mn-lt"/>
+                <a:ea typeface="+mn-ea"/>
+                <a:cs typeface="+mn-cs"/>
+              </a:defRPr>
+            </a:lvl9pPr>
+          </a:lstStyle>
           <a:p>
             <a:pPr marL="0" indent="0">
+              <a:buFont typeface="Arial" panose="020B0604020202020204" pitchFamily="34" charset="0"/>
               <a:buNone/>
             </a:pPr>
             <a:r>
-              <a:rPr lang="en-US" dirty="0"/>
+              <a:rPr lang="en-US"/>
               <a:t>All resources can be found at:</a:t>
             </a:r>
           </a:p>
           <a:p>
             <a:pPr marL="0" indent="0">
+              <a:buFont typeface="Arial" panose="020B0604020202020204" pitchFamily="34" charset="0"/>
               <a:buNone/>
             </a:pPr>
             <a:r>
-              <a:rPr lang="en-US" dirty="0">
+              <a:rPr lang="en-US">
                 <a:hlinkClick r:id="rId3"/>
               </a:rPr>
               <a:t>https://github.com/kevmoens/ThatConference2023</a:t>
             </a:r>
-            <a:endParaRPr lang="en-US" dirty="0"/>
+            <a:endParaRPr lang="en-US"/>
           </a:p>
           <a:p>
             <a:pPr marL="0" indent="0">
+              <a:buFont typeface="Arial" panose="020B0604020202020204" pitchFamily="34" charset="0"/>
               <a:buNone/>
             </a:pPr>
             <a:r>
-              <a:rPr lang="en-US" dirty="0">
+              <a:rPr lang="en-US">
                 <a:hlinkClick r:id="rId4"/>
               </a:rPr>
               <a:t>https://github.com/kevmoens/RequestTimeOff</a:t>
             </a:r>
-            <a:endParaRPr lang="en-US" dirty="0"/>
+            <a:endParaRPr lang="en-US"/>
           </a:p>
           <a:p>
             <a:pPr marL="0" indent="0">
+              <a:buFont typeface="Arial" panose="020B0604020202020204" pitchFamily="34" charset="0"/>
               <a:buNone/>
             </a:pPr>
             <a:r>
-              <a:rPr lang="en-US" dirty="0">
+              <a:rPr lang="en-US">
                 <a:hlinkClick r:id="rId5"/>
               </a:rPr>
-              <a:t>https://youtube.com/</a:t>
-            </a:r>
-            <a:r>
-              <a:rPr lang="en-US" dirty="0" err="1">
-                <a:hlinkClick r:id="rId5"/>
-              </a:rPr>
-              <a:t>kevmoens</a:t>
-            </a:r>
-            <a:r>
-              <a:rPr lang="en-US" dirty="0">
-                <a:hlinkClick r:id="rId5"/>
-              </a:rPr>
-              <a:t>/</a:t>
-            </a:r>
-            <a:r>
-              <a:rPr lang="en-US" dirty="0" err="1">
-                <a:hlinkClick r:id="rId5"/>
-              </a:rPr>
-              <a:t>Specflow</a:t>
-            </a:r>
-            <a:r>
-              <a:rPr lang="en-US" dirty="0"/>
+              <a:t>https://youtube.com/kevmoens/Specflow</a:t>
+            </a:r>
+            <a:r>
+              <a:rPr lang="en-US"/>
               <a:t>...TODO</a:t>
             </a:r>
           </a:p>
           <a:p>
             <a:pPr marL="0" indent="0">
+              <a:buFont typeface="Arial" panose="020B0604020202020204" pitchFamily="34" charset="0"/>
+              <a:buNone/>
+            </a:pPr>
+            <a:endParaRPr lang="en-US"/>
+          </a:p>
+          <a:p>
+            <a:pPr marL="0" indent="0">
+              <a:buFont typeface="Arial" panose="020B0604020202020204" pitchFamily="34" charset="0"/>
               <a:buNone/>
             </a:pPr>
             <a:endParaRPr lang="en-US" dirty="0"/>
           </a:p>
-          <a:p>
-            <a:pPr marL="0" indent="0">
-              <a:buNone/>
-            </a:pPr>
-            <a:endParaRPr lang="en-US" dirty="0"/>
-          </a:p>
         </p:txBody>
       </p:sp>
     </p:spTree>
     <p:extLst>
       <p:ext uri="{BB962C8B-B14F-4D97-AF65-F5344CB8AC3E}">
-        <p14:creationId xmlns:p14="http://schemas.microsoft.com/office/powerpoint/2010/main" val="1252023632"/>
+        <p14:creationId xmlns:p14="http://schemas.microsoft.com/office/powerpoint/2010/main" val="926391695"/>
       </p:ext>
     </p:extLst>
   </p:cSld>
@@ -16618,13 +15519,6 @@
               <a:t>Get business and technical teams on the same page</a:t>
             </a:r>
           </a:p>
-          <a:p>
-            <a:pPr lvl="2"/>
-            <a:r>
-              <a:rPr lang="en-US" dirty="0"/>
-              <a:t>Three Amigos</a:t>
-            </a:r>
-          </a:p>
         </p:txBody>
       </p:sp>
     </p:spTree>
@@ -17059,37 +15953,6 @@
                                           <p:spTgt spid="3">
                                             <p:txEl>
                                               <p:pRg st="6" end="6"/>
-                                            </p:txEl>
-                                          </p:spTgt>
-                                        </p:tgtEl>
-                                        <p:attrNameLst>
-                                          <p:attrName>style.visibility</p:attrName>
-                                        </p:attrNameLst>
-                                      </p:cBhvr>
-                                      <p:to>
-                                        <p:strVal val="visible"/>
-                                      </p:to>
-                                    </p:set>
-                                  </p:childTnLst>
-                                </p:cTn>
-                              </p:par>
-                              <p:par>
-                                <p:cTn id="37" presetID="1" presetClass="entr" presetSubtype="0" fill="hold" nodeType="withEffect">
-                                  <p:stCondLst>
-                                    <p:cond delay="0"/>
-                                  </p:stCondLst>
-                                  <p:childTnLst>
-                                    <p:set>
-                                      <p:cBhvr>
-                                        <p:cTn id="38" dur="1" fill="hold">
-                                          <p:stCondLst>
-                                            <p:cond delay="0"/>
-                                          </p:stCondLst>
-                                        </p:cTn>
-                                        <p:tgtEl>
-                                          <p:spTgt spid="3">
-                                            <p:txEl>
-                                              <p:pRg st="7" end="7"/>
                                             </p:txEl>
                                           </p:spTgt>
                                         </p:tgtEl>
